--- a/doc/VUV and EUV irradiation of CH4 + NH3.pptx
+++ b/doc/VUV and EUV irradiation of CH4 + NH3.pptx
@@ -5,10 +5,10 @@
     <p:sldMasterId id="2147483845" r:id="rId1"/>
   </p:sldMasterIdLst>
   <p:notesMasterIdLst>
-    <p:notesMasterId r:id="rId23"/>
+    <p:notesMasterId r:id="rId26"/>
   </p:notesMasterIdLst>
   <p:handoutMasterIdLst>
-    <p:handoutMasterId r:id="rId24"/>
+    <p:handoutMasterId r:id="rId27"/>
   </p:handoutMasterIdLst>
   <p:sldIdLst>
     <p:sldId id="256" r:id="rId2"/>
@@ -20,18 +20,21 @@
     <p:sldId id="258" r:id="rId8"/>
     <p:sldId id="261" r:id="rId9"/>
     <p:sldId id="260" r:id="rId10"/>
-    <p:sldId id="259" r:id="rId11"/>
-    <p:sldId id="262" r:id="rId12"/>
-    <p:sldId id="266" r:id="rId13"/>
-    <p:sldId id="265" r:id="rId14"/>
-    <p:sldId id="281" r:id="rId15"/>
-    <p:sldId id="272" r:id="rId16"/>
-    <p:sldId id="267" r:id="rId17"/>
-    <p:sldId id="282" r:id="rId18"/>
-    <p:sldId id="280" r:id="rId19"/>
-    <p:sldId id="271" r:id="rId20"/>
-    <p:sldId id="274" r:id="rId21"/>
-    <p:sldId id="275" r:id="rId22"/>
+    <p:sldId id="285" r:id="rId11"/>
+    <p:sldId id="259" r:id="rId12"/>
+    <p:sldId id="262" r:id="rId13"/>
+    <p:sldId id="283" r:id="rId14"/>
+    <p:sldId id="284" r:id="rId15"/>
+    <p:sldId id="266" r:id="rId16"/>
+    <p:sldId id="265" r:id="rId17"/>
+    <p:sldId id="281" r:id="rId18"/>
+    <p:sldId id="272" r:id="rId19"/>
+    <p:sldId id="267" r:id="rId20"/>
+    <p:sldId id="282" r:id="rId21"/>
+    <p:sldId id="280" r:id="rId22"/>
+    <p:sldId id="271" r:id="rId23"/>
+    <p:sldId id="274" r:id="rId24"/>
+    <p:sldId id="275" r:id="rId25"/>
   </p:sldIdLst>
   <p:sldSz cx="9144000" cy="5715000" type="screen16x10"/>
   <p:notesSz cx="6858000" cy="9144000"/>
@@ -4563,6 +4566,118 @@
             <p:ph type="title"/>
           </p:nvPr>
         </p:nvSpPr>
+        <p:spPr/>
+        <p:txBody>
+          <a:bodyPr/>
+          <a:lstStyle/>
+          <a:p>
+            <a:r>
+              <a:rPr lang="en-HK" dirty="0" smtClean="0"/>
+              <a:t>VUV (MDHL)</a:t>
+            </a:r>
+            <a:endParaRPr lang="en-US" dirty="0"/>
+          </a:p>
+        </p:txBody>
+      </p:sp>
+      <p:pic>
+        <p:nvPicPr>
+          <p:cNvPr id="5" name="內容版面配置區 4"/>
+          <p:cNvPicPr>
+            <a:picLocks noGrp="1" noChangeAspect="1"/>
+          </p:cNvPicPr>
+          <p:nvPr>
+            <p:ph idx="1"/>
+          </p:nvPr>
+        </p:nvPicPr>
+        <p:blipFill>
+          <a:blip r:embed="rId2">
+            <a:extLst>
+              <a:ext uri="{28A0092B-C50C-407E-A947-70E740481C1C}">
+                <a14:useLocalDpi xmlns:a14="http://schemas.microsoft.com/office/drawing/2010/main" val="0"/>
+              </a:ext>
+            </a:extLst>
+          </a:blip>
+          <a:stretch>
+            <a:fillRect/>
+          </a:stretch>
+        </p:blipFill>
+        <p:spPr>
+          <a:xfrm>
+            <a:off x="1306528" y="1192106"/>
+            <a:ext cx="6919826" cy="4416618"/>
+          </a:xfrm>
+        </p:spPr>
+      </p:pic>
+      <p:sp>
+        <p:nvSpPr>
+          <p:cNvPr id="4" name="投影片編號版面配置區 3"/>
+          <p:cNvSpPr>
+            <a:spLocks noGrp="1"/>
+          </p:cNvSpPr>
+          <p:nvPr>
+            <p:ph type="sldNum" sz="quarter" idx="12"/>
+          </p:nvPr>
+        </p:nvSpPr>
+        <p:spPr/>
+        <p:txBody>
+          <a:bodyPr/>
+          <a:lstStyle/>
+          <a:p>
+            <a:fld id="{B646D8CA-B2C0-41A8-8514-369D0B0735D6}" type="slidenum">
+              <a:rPr lang="zh-TW" altLang="en-US" smtClean="0"/>
+              <a:t>10</a:t>
+            </a:fld>
+            <a:endParaRPr lang="zh-TW" altLang="en-US"/>
+          </a:p>
+        </p:txBody>
+      </p:sp>
+    </p:spTree>
+    <p:extLst>
+      <p:ext uri="{BB962C8B-B14F-4D97-AF65-F5344CB8AC3E}">
+        <p14:creationId xmlns:p14="http://schemas.microsoft.com/office/powerpoint/2010/main" val="1465004984"/>
+      </p:ext>
+    </p:extLst>
+  </p:cSld>
+  <p:clrMapOvr>
+    <a:masterClrMapping/>
+  </p:clrMapOvr>
+  <p:timing>
+    <p:tnLst>
+      <p:par>
+        <p:cTn id="1" dur="indefinite" restart="never" nodeType="tmRoot"/>
+      </p:par>
+    </p:tnLst>
+  </p:timing>
+</p:sld>
+</file>
+
+<file path=ppt/slides/slide11.xml><?xml version="1.0" encoding="utf-8"?>
+<p:sld xmlns:a="http://schemas.openxmlformats.org/drawingml/2006/main" xmlns:r="http://schemas.openxmlformats.org/officeDocument/2006/relationships" xmlns:p="http://schemas.openxmlformats.org/presentationml/2006/main">
+  <p:cSld>
+    <p:spTree>
+      <p:nvGrpSpPr>
+        <p:cNvPr id="1" name=""/>
+        <p:cNvGrpSpPr/>
+        <p:nvPr/>
+      </p:nvGrpSpPr>
+      <p:grpSpPr>
+        <a:xfrm>
+          <a:off x="0" y="0"/>
+          <a:ext cx="0" cy="0"/>
+          <a:chOff x="0" y="0"/>
+          <a:chExt cx="0" cy="0"/>
+        </a:xfrm>
+      </p:grpSpPr>
+      <p:sp>
+        <p:nvSpPr>
+          <p:cNvPr id="2" name="標題 1"/>
+          <p:cNvSpPr>
+            <a:spLocks noGrp="1"/>
+          </p:cNvSpPr>
+          <p:nvPr>
+            <p:ph type="title"/>
+          </p:nvPr>
+        </p:nvSpPr>
         <p:spPr>
           <a:xfrm>
             <a:off x="1028700" y="571500"/>
@@ -4596,7 +4711,7 @@
             <p:ph idx="1"/>
             <p:extLst>
               <p:ext uri="{D42A27DB-BD31-4B8C-83A1-F6EECF244321}">
-                <p14:modId xmlns:p14="http://schemas.microsoft.com/office/powerpoint/2010/main" val="1151283027"/>
+                <p14:modId xmlns:p14="http://schemas.microsoft.com/office/powerpoint/2010/main" val="556078996"/>
               </p:ext>
             </p:extLst>
           </p:nvPr>
@@ -4664,11 +4779,15 @@
                       <a:pPr algn="ctr"/>
                       <a:r>
                         <a:rPr lang="en-HK" dirty="0" smtClean="0"/>
-                        <a:t>Energy</a:t>
+                        <a:t>Energetic</a:t>
                       </a:r>
                       <a:r>
                         <a:rPr lang="en-HK" baseline="0" dirty="0" smtClean="0"/>
-                        <a:t> Source</a:t>
+                        <a:t> </a:t>
+                      </a:r>
+                      <a:r>
+                        <a:rPr lang="en-HK" baseline="0" dirty="0" smtClean="0"/>
+                        <a:t>Source</a:t>
                       </a:r>
                       <a:endParaRPr lang="en-US" dirty="0"/>
                     </a:p>
@@ -5162,7 +5281,31 @@
                             <a:schemeClr val="bg1"/>
                           </a:solidFill>
                         </a:rPr>
-                        <a:t>EUV (30.4 nm)</a:t>
+                        <a:t>EUV </a:t>
+                      </a:r>
+                      <a:endParaRPr lang="en-HK" dirty="0" smtClean="0">
+                        <a:solidFill>
+                          <a:schemeClr val="bg1"/>
+                        </a:solidFill>
+                      </a:endParaRPr>
+                    </a:p>
+                    <a:p>
+                      <a:pPr algn="ctr"/>
+                      <a:r>
+                        <a:rPr lang="en-HK" dirty="0" smtClean="0">
+                          <a:solidFill>
+                            <a:schemeClr val="bg1"/>
+                          </a:solidFill>
+                        </a:rPr>
+                        <a:t>(</a:t>
+                      </a:r>
+                      <a:r>
+                        <a:rPr lang="en-HK" dirty="0" smtClean="0">
+                          <a:solidFill>
+                            <a:schemeClr val="bg1"/>
+                          </a:solidFill>
+                        </a:rPr>
+                        <a:t>30.4 nm)</a:t>
                       </a:r>
                       <a:endParaRPr lang="en-US" dirty="0">
                         <a:solidFill>
@@ -5362,7 +5505,7 @@
           <a:p>
             <a:fld id="{B646D8CA-B2C0-41A8-8514-369D0B0735D6}" type="slidenum">
               <a:rPr lang="zh-TW" altLang="en-US" smtClean="0"/>
-              <a:t>10</a:t>
+              <a:t>11</a:t>
             </a:fld>
             <a:endParaRPr lang="zh-TW" altLang="en-US" dirty="0"/>
           </a:p>
@@ -5401,343 +5544,6 @@
     <p:extLst>
       <p:ext uri="{BB962C8B-B14F-4D97-AF65-F5344CB8AC3E}">
         <p14:creationId xmlns:p14="http://schemas.microsoft.com/office/powerpoint/2010/main" val="72244601"/>
-      </p:ext>
-    </p:extLst>
-  </p:cSld>
-  <p:clrMapOvr>
-    <a:masterClrMapping/>
-  </p:clrMapOvr>
-  <p:timing>
-    <p:tnLst>
-      <p:par>
-        <p:cTn id="1" dur="indefinite" restart="never" nodeType="tmRoot"/>
-      </p:par>
-    </p:tnLst>
-  </p:timing>
-</p:sld>
-</file>
-
-<file path=ppt/slides/slide11.xml><?xml version="1.0" encoding="utf-8"?>
-<p:sld xmlns:a="http://schemas.openxmlformats.org/drawingml/2006/main" xmlns:r="http://schemas.openxmlformats.org/officeDocument/2006/relationships" xmlns:p="http://schemas.openxmlformats.org/presentationml/2006/main">
-  <p:cSld>
-    <p:spTree>
-      <p:nvGrpSpPr>
-        <p:cNvPr id="1" name=""/>
-        <p:cNvGrpSpPr/>
-        <p:nvPr/>
-      </p:nvGrpSpPr>
-      <p:grpSpPr>
-        <a:xfrm>
-          <a:off x="0" y="0"/>
-          <a:ext cx="0" cy="0"/>
-          <a:chOff x="0" y="0"/>
-          <a:chExt cx="0" cy="0"/>
-        </a:xfrm>
-      </p:grpSpPr>
-      <p:sp>
-        <p:nvSpPr>
-          <p:cNvPr id="2" name="標題 1"/>
-          <p:cNvSpPr>
-            <a:spLocks noGrp="1"/>
-          </p:cNvSpPr>
-          <p:nvPr>
-            <p:ph type="title"/>
-          </p:nvPr>
-        </p:nvSpPr>
-        <p:spPr>
-          <a:xfrm>
-            <a:off x="1113233" y="136861"/>
-            <a:ext cx="7514035" cy="1460499"/>
-          </a:xfrm>
-        </p:spPr>
-        <p:txBody>
-          <a:bodyPr/>
-          <a:lstStyle/>
-          <a:p>
-            <a:r>
-              <a:rPr lang="en-HK" dirty="0" smtClean="0"/>
-              <a:t>Results</a:t>
-            </a:r>
-            <a:endParaRPr lang="en-US" dirty="0"/>
-          </a:p>
-        </p:txBody>
-      </p:sp>
-      <p:pic>
-        <p:nvPicPr>
-          <p:cNvPr id="4" name="內容版面配置區 3"/>
-          <p:cNvPicPr>
-            <a:picLocks noGrp="1" noChangeAspect="1"/>
-          </p:cNvPicPr>
-          <p:nvPr>
-            <p:ph idx="1"/>
-          </p:nvPr>
-        </p:nvPicPr>
-        <p:blipFill>
-          <a:blip r:embed="rId2">
-            <a:extLst>
-              <a:ext uri="{28A0092B-C50C-407E-A947-70E740481C1C}">
-                <a14:useLocalDpi xmlns:a14="http://schemas.microsoft.com/office/drawing/2010/main" val="0"/>
-              </a:ext>
-            </a:extLst>
-          </a:blip>
-          <a:stretch>
-            <a:fillRect/>
-          </a:stretch>
-        </p:blipFill>
-        <p:spPr>
-          <a:xfrm>
-            <a:off x="1403648" y="1507087"/>
-            <a:ext cx="6113669" cy="4207913"/>
-          </a:xfrm>
-        </p:spPr>
-      </p:pic>
-      <p:sp>
-        <p:nvSpPr>
-          <p:cNvPr id="9" name="投影片編號版面配置區 8"/>
-          <p:cNvSpPr>
-            <a:spLocks noGrp="1"/>
-          </p:cNvSpPr>
-          <p:nvPr>
-            <p:ph type="sldNum" sz="quarter" idx="12"/>
-          </p:nvPr>
-        </p:nvSpPr>
-        <p:spPr/>
-        <p:txBody>
-          <a:bodyPr/>
-          <a:lstStyle/>
-          <a:p>
-            <a:fld id="{B646D8CA-B2C0-41A8-8514-369D0B0735D6}" type="slidenum">
-              <a:rPr lang="zh-TW" altLang="en-US" smtClean="0"/>
-              <a:t>11</a:t>
-            </a:fld>
-            <a:endParaRPr lang="zh-TW" altLang="en-US"/>
-          </a:p>
-        </p:txBody>
-      </p:sp>
-      <p:sp>
-        <p:nvSpPr>
-          <p:cNvPr id="5" name="文字方塊 4"/>
-          <p:cNvSpPr txBox="1"/>
-          <p:nvPr/>
-        </p:nvSpPr>
-        <p:spPr>
-          <a:xfrm>
-            <a:off x="3814678" y="1866250"/>
-            <a:ext cx="864096" cy="369332"/>
-          </a:xfrm>
-          <a:prstGeom prst="rect">
-            <a:avLst/>
-          </a:prstGeom>
-          <a:noFill/>
-        </p:spPr>
-        <p:txBody>
-          <a:bodyPr wrap="square" rtlCol="0">
-            <a:spAutoFit/>
-          </a:bodyPr>
-          <a:lstStyle/>
-          <a:p>
-            <a:r>
-              <a:rPr lang="en-HK" dirty="0" smtClean="0"/>
-              <a:t>C</a:t>
-            </a:r>
-            <a:r>
-              <a:rPr lang="en-HK" baseline="-25000" dirty="0" smtClean="0"/>
-              <a:t>2</a:t>
-            </a:r>
-            <a:r>
-              <a:rPr lang="en-HK" dirty="0" smtClean="0"/>
-              <a:t>H</a:t>
-            </a:r>
-            <a:r>
-              <a:rPr lang="en-HK" baseline="-25000" dirty="0" smtClean="0"/>
-              <a:t>6</a:t>
-            </a:r>
-            <a:endParaRPr lang="en-US" baseline="-25000" dirty="0"/>
-          </a:p>
-        </p:txBody>
-      </p:sp>
-      <p:sp>
-        <p:nvSpPr>
-          <p:cNvPr id="6" name="文字方塊 5"/>
-          <p:cNvSpPr txBox="1"/>
-          <p:nvPr/>
-        </p:nvSpPr>
-        <p:spPr>
-          <a:xfrm>
-            <a:off x="4537714" y="1966692"/>
-            <a:ext cx="864096" cy="369332"/>
-          </a:xfrm>
-          <a:prstGeom prst="rect">
-            <a:avLst/>
-          </a:prstGeom>
-          <a:noFill/>
-        </p:spPr>
-        <p:txBody>
-          <a:bodyPr wrap="square" rtlCol="0">
-            <a:spAutoFit/>
-          </a:bodyPr>
-          <a:lstStyle/>
-          <a:p>
-            <a:r>
-              <a:rPr lang="en-HK" dirty="0" smtClean="0"/>
-              <a:t>CN</a:t>
-            </a:r>
-            <a:r>
-              <a:rPr lang="en-HK" baseline="30000" dirty="0" smtClean="0"/>
-              <a:t>-</a:t>
-            </a:r>
-            <a:endParaRPr lang="en-US" baseline="30000" dirty="0"/>
-          </a:p>
-        </p:txBody>
-      </p:sp>
-      <p:sp>
-        <p:nvSpPr>
-          <p:cNvPr id="7" name="文字方塊 6"/>
-          <p:cNvSpPr txBox="1"/>
-          <p:nvPr/>
-        </p:nvSpPr>
-        <p:spPr>
-          <a:xfrm>
-            <a:off x="5697427" y="1986416"/>
-            <a:ext cx="864096" cy="369332"/>
-          </a:xfrm>
-          <a:prstGeom prst="rect">
-            <a:avLst/>
-          </a:prstGeom>
-          <a:noFill/>
-        </p:spPr>
-        <p:txBody>
-          <a:bodyPr wrap="square" rtlCol="0">
-            <a:spAutoFit/>
-          </a:bodyPr>
-          <a:lstStyle/>
-          <a:p>
-            <a:r>
-              <a:rPr lang="en-HK" dirty="0" smtClean="0"/>
-              <a:t>CH</a:t>
-            </a:r>
-            <a:r>
-              <a:rPr lang="en-HK" baseline="-25000" dirty="0" smtClean="0"/>
-              <a:t>4</a:t>
-            </a:r>
-            <a:endParaRPr lang="en-US" baseline="-25000" dirty="0"/>
-          </a:p>
-        </p:txBody>
-      </p:sp>
-      <p:sp>
-        <p:nvSpPr>
-          <p:cNvPr id="8" name="文字方塊 7"/>
-          <p:cNvSpPr txBox="1"/>
-          <p:nvPr/>
-        </p:nvSpPr>
-        <p:spPr>
-          <a:xfrm>
-            <a:off x="6676150" y="1897817"/>
-            <a:ext cx="864096" cy="369332"/>
-          </a:xfrm>
-          <a:prstGeom prst="rect">
-            <a:avLst/>
-          </a:prstGeom>
-          <a:noFill/>
-        </p:spPr>
-        <p:txBody>
-          <a:bodyPr wrap="square" rtlCol="0">
-            <a:spAutoFit/>
-          </a:bodyPr>
-          <a:lstStyle/>
-          <a:p>
-            <a:r>
-              <a:rPr lang="en-HK" dirty="0" smtClean="0"/>
-              <a:t>NH</a:t>
-            </a:r>
-            <a:r>
-              <a:rPr lang="en-HK" baseline="-25000" dirty="0" smtClean="0"/>
-              <a:t>3</a:t>
-            </a:r>
-            <a:endParaRPr lang="en-US" baseline="-25000" dirty="0"/>
-          </a:p>
-        </p:txBody>
-      </p:sp>
-      <p:sp>
-        <p:nvSpPr>
-          <p:cNvPr id="3" name="文字方塊 2"/>
-          <p:cNvSpPr txBox="1"/>
-          <p:nvPr/>
-        </p:nvSpPr>
-        <p:spPr>
-          <a:xfrm>
-            <a:off x="568342" y="591525"/>
-            <a:ext cx="7784280" cy="923330"/>
-          </a:xfrm>
-          <a:prstGeom prst="rect">
-            <a:avLst/>
-          </a:prstGeom>
-          <a:noFill/>
-        </p:spPr>
-        <p:txBody>
-          <a:bodyPr wrap="square" rtlCol="0">
-            <a:spAutoFit/>
-          </a:bodyPr>
-          <a:lstStyle/>
-          <a:p>
-            <a:r>
-              <a:rPr lang="en-HK" dirty="0" smtClean="0"/>
-              <a:t>These are VUV irradiated infra-red spectrum, with dotted lines prior to irradiation</a:t>
-            </a:r>
-          </a:p>
-          <a:p>
-            <a:r>
-              <a:rPr lang="en-HK" dirty="0" smtClean="0"/>
-              <a:t>CN</a:t>
-            </a:r>
-            <a:r>
-              <a:rPr lang="en-HK" baseline="30000" dirty="0" smtClean="0"/>
-              <a:t>-</a:t>
-            </a:r>
-            <a:r>
-              <a:rPr lang="en-HK" dirty="0" smtClean="0"/>
-              <a:t> C</a:t>
-            </a:r>
-            <a:r>
-              <a:rPr lang="en-HK" baseline="-25000" dirty="0" smtClean="0"/>
-              <a:t>2</a:t>
-            </a:r>
-            <a:r>
-              <a:rPr lang="en-HK" dirty="0" smtClean="0"/>
-              <a:t>H</a:t>
-            </a:r>
-            <a:r>
-              <a:rPr lang="en-HK" baseline="-25000" dirty="0" smtClean="0"/>
-              <a:t>6</a:t>
-            </a:r>
-            <a:r>
-              <a:rPr lang="en-HK" dirty="0" smtClean="0"/>
-              <a:t> and C</a:t>
-            </a:r>
-            <a:r>
-              <a:rPr lang="en-HK" baseline="-25000" dirty="0" smtClean="0"/>
-              <a:t>3</a:t>
-            </a:r>
-            <a:r>
-              <a:rPr lang="en-HK" dirty="0" smtClean="0"/>
-              <a:t>H</a:t>
-            </a:r>
-            <a:r>
-              <a:rPr lang="en-HK" baseline="-25000" dirty="0" smtClean="0"/>
-              <a:t>8</a:t>
-            </a:r>
-            <a:r>
-              <a:rPr lang="en-HK" dirty="0" smtClean="0"/>
-              <a:t> are formed</a:t>
-            </a:r>
-            <a:endParaRPr lang="en-US" dirty="0"/>
-          </a:p>
-        </p:txBody>
-      </p:sp>
-    </p:spTree>
-    <p:extLst>
-      <p:ext uri="{BB962C8B-B14F-4D97-AF65-F5344CB8AC3E}">
-        <p14:creationId xmlns:p14="http://schemas.microsoft.com/office/powerpoint/2010/main" val="3407587308"/>
       </p:ext>
     </p:extLst>
   </p:cSld>
@@ -5781,6 +5587,640 @@
             <p:ph type="title"/>
           </p:nvPr>
         </p:nvSpPr>
+        <p:spPr>
+          <a:xfrm>
+            <a:off x="1113233" y="136861"/>
+            <a:ext cx="7514035" cy="1460499"/>
+          </a:xfrm>
+        </p:spPr>
+        <p:txBody>
+          <a:bodyPr/>
+          <a:lstStyle/>
+          <a:p>
+            <a:r>
+              <a:rPr lang="en-HK" dirty="0" smtClean="0"/>
+              <a:t>Results</a:t>
+            </a:r>
+            <a:endParaRPr lang="en-US" dirty="0"/>
+          </a:p>
+        </p:txBody>
+      </p:sp>
+      <p:pic>
+        <p:nvPicPr>
+          <p:cNvPr id="4" name="內容版面配置區 3"/>
+          <p:cNvPicPr>
+            <a:picLocks noGrp="1" noChangeAspect="1"/>
+          </p:cNvPicPr>
+          <p:nvPr>
+            <p:ph idx="1"/>
+          </p:nvPr>
+        </p:nvPicPr>
+        <p:blipFill>
+          <a:blip r:embed="rId2">
+            <a:extLst>
+              <a:ext uri="{28A0092B-C50C-407E-A947-70E740481C1C}">
+                <a14:useLocalDpi xmlns:a14="http://schemas.microsoft.com/office/drawing/2010/main" val="0"/>
+              </a:ext>
+            </a:extLst>
+          </a:blip>
+          <a:stretch>
+            <a:fillRect/>
+          </a:stretch>
+        </p:blipFill>
+        <p:spPr>
+          <a:xfrm>
+            <a:off x="1403648" y="1507087"/>
+            <a:ext cx="6113669" cy="4207913"/>
+          </a:xfrm>
+        </p:spPr>
+      </p:pic>
+      <p:sp>
+        <p:nvSpPr>
+          <p:cNvPr id="9" name="投影片編號版面配置區 8"/>
+          <p:cNvSpPr>
+            <a:spLocks noGrp="1"/>
+          </p:cNvSpPr>
+          <p:nvPr>
+            <p:ph type="sldNum" sz="quarter" idx="12"/>
+          </p:nvPr>
+        </p:nvSpPr>
+        <p:spPr/>
+        <p:txBody>
+          <a:bodyPr/>
+          <a:lstStyle/>
+          <a:p>
+            <a:fld id="{B646D8CA-B2C0-41A8-8514-369D0B0735D6}" type="slidenum">
+              <a:rPr lang="zh-TW" altLang="en-US" smtClean="0"/>
+              <a:t>12</a:t>
+            </a:fld>
+            <a:endParaRPr lang="zh-TW" altLang="en-US"/>
+          </a:p>
+        </p:txBody>
+      </p:sp>
+      <p:sp>
+        <p:nvSpPr>
+          <p:cNvPr id="5" name="文字方塊 4"/>
+          <p:cNvSpPr txBox="1"/>
+          <p:nvPr/>
+        </p:nvSpPr>
+        <p:spPr>
+          <a:xfrm>
+            <a:off x="3814678" y="1866250"/>
+            <a:ext cx="864096" cy="369332"/>
+          </a:xfrm>
+          <a:prstGeom prst="rect">
+            <a:avLst/>
+          </a:prstGeom>
+          <a:noFill/>
+        </p:spPr>
+        <p:txBody>
+          <a:bodyPr wrap="square" rtlCol="0">
+            <a:spAutoFit/>
+          </a:bodyPr>
+          <a:lstStyle/>
+          <a:p>
+            <a:r>
+              <a:rPr lang="en-HK" dirty="0" smtClean="0"/>
+              <a:t>C</a:t>
+            </a:r>
+            <a:r>
+              <a:rPr lang="en-HK" baseline="-25000" dirty="0" smtClean="0"/>
+              <a:t>2</a:t>
+            </a:r>
+            <a:r>
+              <a:rPr lang="en-HK" dirty="0" smtClean="0"/>
+              <a:t>H</a:t>
+            </a:r>
+            <a:r>
+              <a:rPr lang="en-HK" baseline="-25000" dirty="0" smtClean="0"/>
+              <a:t>6</a:t>
+            </a:r>
+            <a:endParaRPr lang="en-US" baseline="-25000" dirty="0"/>
+          </a:p>
+        </p:txBody>
+      </p:sp>
+      <p:sp>
+        <p:nvSpPr>
+          <p:cNvPr id="6" name="文字方塊 5"/>
+          <p:cNvSpPr txBox="1"/>
+          <p:nvPr/>
+        </p:nvSpPr>
+        <p:spPr>
+          <a:xfrm>
+            <a:off x="4537714" y="1966692"/>
+            <a:ext cx="864096" cy="369332"/>
+          </a:xfrm>
+          <a:prstGeom prst="rect">
+            <a:avLst/>
+          </a:prstGeom>
+          <a:noFill/>
+        </p:spPr>
+        <p:txBody>
+          <a:bodyPr wrap="square" rtlCol="0">
+            <a:spAutoFit/>
+          </a:bodyPr>
+          <a:lstStyle/>
+          <a:p>
+            <a:r>
+              <a:rPr lang="en-HK" dirty="0" smtClean="0"/>
+              <a:t>CN</a:t>
+            </a:r>
+            <a:r>
+              <a:rPr lang="en-HK" baseline="30000" dirty="0" smtClean="0"/>
+              <a:t>-</a:t>
+            </a:r>
+            <a:endParaRPr lang="en-US" baseline="30000" dirty="0"/>
+          </a:p>
+        </p:txBody>
+      </p:sp>
+      <p:sp>
+        <p:nvSpPr>
+          <p:cNvPr id="7" name="文字方塊 6"/>
+          <p:cNvSpPr txBox="1"/>
+          <p:nvPr/>
+        </p:nvSpPr>
+        <p:spPr>
+          <a:xfrm>
+            <a:off x="5697427" y="1986416"/>
+            <a:ext cx="864096" cy="369332"/>
+          </a:xfrm>
+          <a:prstGeom prst="rect">
+            <a:avLst/>
+          </a:prstGeom>
+          <a:noFill/>
+        </p:spPr>
+        <p:txBody>
+          <a:bodyPr wrap="square" rtlCol="0">
+            <a:spAutoFit/>
+          </a:bodyPr>
+          <a:lstStyle/>
+          <a:p>
+            <a:r>
+              <a:rPr lang="en-HK" dirty="0" smtClean="0"/>
+              <a:t>CH</a:t>
+            </a:r>
+            <a:r>
+              <a:rPr lang="en-HK" baseline="-25000" dirty="0" smtClean="0"/>
+              <a:t>4</a:t>
+            </a:r>
+            <a:endParaRPr lang="en-US" baseline="-25000" dirty="0"/>
+          </a:p>
+        </p:txBody>
+      </p:sp>
+      <p:sp>
+        <p:nvSpPr>
+          <p:cNvPr id="8" name="文字方塊 7"/>
+          <p:cNvSpPr txBox="1"/>
+          <p:nvPr/>
+        </p:nvSpPr>
+        <p:spPr>
+          <a:xfrm>
+            <a:off x="6676150" y="1897817"/>
+            <a:ext cx="864096" cy="369332"/>
+          </a:xfrm>
+          <a:prstGeom prst="rect">
+            <a:avLst/>
+          </a:prstGeom>
+          <a:noFill/>
+        </p:spPr>
+        <p:txBody>
+          <a:bodyPr wrap="square" rtlCol="0">
+            <a:spAutoFit/>
+          </a:bodyPr>
+          <a:lstStyle/>
+          <a:p>
+            <a:r>
+              <a:rPr lang="en-HK" dirty="0" smtClean="0"/>
+              <a:t>NH</a:t>
+            </a:r>
+            <a:r>
+              <a:rPr lang="en-HK" baseline="-25000" dirty="0" smtClean="0"/>
+              <a:t>3</a:t>
+            </a:r>
+            <a:endParaRPr lang="en-US" baseline="-25000" dirty="0"/>
+          </a:p>
+        </p:txBody>
+      </p:sp>
+      <p:sp>
+        <p:nvSpPr>
+          <p:cNvPr id="3" name="文字方塊 2"/>
+          <p:cNvSpPr txBox="1"/>
+          <p:nvPr/>
+        </p:nvSpPr>
+        <p:spPr>
+          <a:xfrm>
+            <a:off x="568342" y="591525"/>
+            <a:ext cx="7784280" cy="923330"/>
+          </a:xfrm>
+          <a:prstGeom prst="rect">
+            <a:avLst/>
+          </a:prstGeom>
+          <a:noFill/>
+        </p:spPr>
+        <p:txBody>
+          <a:bodyPr wrap="square" rtlCol="0">
+            <a:spAutoFit/>
+          </a:bodyPr>
+          <a:lstStyle/>
+          <a:p>
+            <a:r>
+              <a:rPr lang="en-HK" dirty="0" smtClean="0"/>
+              <a:t>These are VUV irradiated infra-red spectrum, with dotted lines prior to irradiation</a:t>
+            </a:r>
+          </a:p>
+          <a:p>
+            <a:r>
+              <a:rPr lang="en-HK" dirty="0" smtClean="0"/>
+              <a:t>CN</a:t>
+            </a:r>
+            <a:r>
+              <a:rPr lang="en-HK" baseline="30000" dirty="0" smtClean="0"/>
+              <a:t>-</a:t>
+            </a:r>
+            <a:r>
+              <a:rPr lang="en-HK" dirty="0" smtClean="0"/>
+              <a:t> C</a:t>
+            </a:r>
+            <a:r>
+              <a:rPr lang="en-HK" baseline="-25000" dirty="0" smtClean="0"/>
+              <a:t>2</a:t>
+            </a:r>
+            <a:r>
+              <a:rPr lang="en-HK" dirty="0" smtClean="0"/>
+              <a:t>H</a:t>
+            </a:r>
+            <a:r>
+              <a:rPr lang="en-HK" baseline="-25000" dirty="0" smtClean="0"/>
+              <a:t>6</a:t>
+            </a:r>
+            <a:r>
+              <a:rPr lang="en-HK" dirty="0" smtClean="0"/>
+              <a:t> and C</a:t>
+            </a:r>
+            <a:r>
+              <a:rPr lang="en-HK" baseline="-25000" dirty="0" smtClean="0"/>
+              <a:t>3</a:t>
+            </a:r>
+            <a:r>
+              <a:rPr lang="en-HK" dirty="0" smtClean="0"/>
+              <a:t>H</a:t>
+            </a:r>
+            <a:r>
+              <a:rPr lang="en-HK" baseline="-25000" dirty="0" smtClean="0"/>
+              <a:t>8</a:t>
+            </a:r>
+            <a:r>
+              <a:rPr lang="en-HK" dirty="0" smtClean="0"/>
+              <a:t> are formed</a:t>
+            </a:r>
+            <a:endParaRPr lang="en-US" dirty="0"/>
+          </a:p>
+        </p:txBody>
+      </p:sp>
+    </p:spTree>
+    <p:extLst>
+      <p:ext uri="{BB962C8B-B14F-4D97-AF65-F5344CB8AC3E}">
+        <p14:creationId xmlns:p14="http://schemas.microsoft.com/office/powerpoint/2010/main" val="3407587308"/>
+      </p:ext>
+    </p:extLst>
+  </p:cSld>
+  <p:clrMapOvr>
+    <a:masterClrMapping/>
+  </p:clrMapOvr>
+  <p:timing>
+    <p:tnLst>
+      <p:par>
+        <p:cTn id="1" dur="indefinite" restart="never" nodeType="tmRoot"/>
+      </p:par>
+    </p:tnLst>
+  </p:timing>
+</p:sld>
+</file>
+
+<file path=ppt/slides/slide13.xml><?xml version="1.0" encoding="utf-8"?>
+<p:sld xmlns:a="http://schemas.openxmlformats.org/drawingml/2006/main" xmlns:r="http://schemas.openxmlformats.org/officeDocument/2006/relationships" xmlns:p="http://schemas.openxmlformats.org/presentationml/2006/main">
+  <p:cSld>
+    <p:spTree>
+      <p:nvGrpSpPr>
+        <p:cNvPr id="1" name=""/>
+        <p:cNvGrpSpPr/>
+        <p:nvPr/>
+      </p:nvGrpSpPr>
+      <p:grpSpPr>
+        <a:xfrm>
+          <a:off x="0" y="0"/>
+          <a:ext cx="0" cy="0"/>
+          <a:chOff x="0" y="0"/>
+          <a:chExt cx="0" cy="0"/>
+        </a:xfrm>
+      </p:grpSpPr>
+      <p:sp>
+        <p:nvSpPr>
+          <p:cNvPr id="2" name="標題 1"/>
+          <p:cNvSpPr>
+            <a:spLocks noGrp="1"/>
+          </p:cNvSpPr>
+          <p:nvPr>
+            <p:ph type="title"/>
+          </p:nvPr>
+        </p:nvSpPr>
+        <p:spPr/>
+        <p:txBody>
+          <a:bodyPr/>
+          <a:lstStyle/>
+          <a:p>
+            <a:r>
+              <a:rPr lang="en-HK" dirty="0"/>
+              <a:t>1. Production mechanism of CN</a:t>
+            </a:r>
+            <a:r>
+              <a:rPr lang="en-HK" baseline="30000" dirty="0"/>
+              <a:t>-</a:t>
+            </a:r>
+            <a:endParaRPr lang="en-US" dirty="0"/>
+          </a:p>
+        </p:txBody>
+      </p:sp>
+      <p:sp>
+        <p:nvSpPr>
+          <p:cNvPr id="3" name="內容版面配置區 2"/>
+          <p:cNvSpPr>
+            <a:spLocks noGrp="1"/>
+          </p:cNvSpPr>
+          <p:nvPr>
+            <p:ph idx="1"/>
+          </p:nvPr>
+        </p:nvSpPr>
+        <p:spPr/>
+        <p:txBody>
+          <a:bodyPr/>
+          <a:lstStyle/>
+          <a:p>
+            <a:r>
+              <a:rPr lang="en-HK" dirty="0" smtClean="0"/>
+              <a:t>2 step/1 step?</a:t>
+            </a:r>
+            <a:endParaRPr lang="en-US" dirty="0"/>
+          </a:p>
+        </p:txBody>
+      </p:sp>
+      <p:sp>
+        <p:nvSpPr>
+          <p:cNvPr id="4" name="投影片編號版面配置區 3"/>
+          <p:cNvSpPr>
+            <a:spLocks noGrp="1"/>
+          </p:cNvSpPr>
+          <p:nvPr>
+            <p:ph type="sldNum" sz="quarter" idx="12"/>
+          </p:nvPr>
+        </p:nvSpPr>
+        <p:spPr/>
+        <p:txBody>
+          <a:bodyPr/>
+          <a:lstStyle/>
+          <a:p>
+            <a:fld id="{B646D8CA-B2C0-41A8-8514-369D0B0735D6}" type="slidenum">
+              <a:rPr lang="zh-TW" altLang="en-US" smtClean="0"/>
+              <a:t>13</a:t>
+            </a:fld>
+            <a:endParaRPr lang="zh-TW" altLang="en-US"/>
+          </a:p>
+        </p:txBody>
+      </p:sp>
+      <p:pic>
+        <p:nvPicPr>
+          <p:cNvPr id="7" name="圖片 6"/>
+          <p:cNvPicPr>
+            <a:picLocks noChangeAspect="1"/>
+          </p:cNvPicPr>
+          <p:nvPr/>
+        </p:nvPicPr>
+        <p:blipFill>
+          <a:blip r:embed="rId2"/>
+          <a:stretch>
+            <a:fillRect/>
+          </a:stretch>
+        </p:blipFill>
+        <p:spPr>
+          <a:xfrm>
+            <a:off x="4427984" y="1136758"/>
+            <a:ext cx="4147494" cy="4409653"/>
+          </a:xfrm>
+          <a:prstGeom prst="rect">
+            <a:avLst/>
+          </a:prstGeom>
+        </p:spPr>
+      </p:pic>
+    </p:spTree>
+    <p:extLst>
+      <p:ext uri="{BB962C8B-B14F-4D97-AF65-F5344CB8AC3E}">
+        <p14:creationId xmlns:p14="http://schemas.microsoft.com/office/powerpoint/2010/main" val="3336713274"/>
+      </p:ext>
+    </p:extLst>
+  </p:cSld>
+  <p:clrMapOvr>
+    <a:masterClrMapping/>
+  </p:clrMapOvr>
+  <p:timing>
+    <p:tnLst>
+      <p:par>
+        <p:cTn id="1" dur="indefinite" restart="never" nodeType="tmRoot"/>
+      </p:par>
+    </p:tnLst>
+  </p:timing>
+</p:sld>
+</file>
+
+<file path=ppt/slides/slide14.xml><?xml version="1.0" encoding="utf-8"?>
+<p:sld xmlns:a="http://schemas.openxmlformats.org/drawingml/2006/main" xmlns:r="http://schemas.openxmlformats.org/officeDocument/2006/relationships" xmlns:p="http://schemas.openxmlformats.org/presentationml/2006/main">
+  <p:cSld>
+    <p:spTree>
+      <p:nvGrpSpPr>
+        <p:cNvPr id="1" name=""/>
+        <p:cNvGrpSpPr/>
+        <p:nvPr/>
+      </p:nvGrpSpPr>
+      <p:grpSpPr>
+        <a:xfrm>
+          <a:off x="0" y="0"/>
+          <a:ext cx="0" cy="0"/>
+          <a:chOff x="0" y="0"/>
+          <a:chExt cx="0" cy="0"/>
+        </a:xfrm>
+      </p:grpSpPr>
+      <p:sp>
+        <p:nvSpPr>
+          <p:cNvPr id="2" name="標題 1"/>
+          <p:cNvSpPr>
+            <a:spLocks noGrp="1"/>
+          </p:cNvSpPr>
+          <p:nvPr>
+            <p:ph type="title"/>
+          </p:nvPr>
+        </p:nvSpPr>
+        <p:spPr/>
+        <p:txBody>
+          <a:bodyPr/>
+          <a:lstStyle/>
+          <a:p>
+            <a:r>
+              <a:rPr lang="en-HK" dirty="0"/>
+              <a:t>1. Production mechanism of CN</a:t>
+            </a:r>
+            <a:r>
+              <a:rPr lang="en-HK" baseline="30000" dirty="0"/>
+              <a:t>-</a:t>
+            </a:r>
+            <a:endParaRPr lang="en-US" dirty="0"/>
+          </a:p>
+        </p:txBody>
+      </p:sp>
+      <p:sp>
+        <p:nvSpPr>
+          <p:cNvPr id="3" name="內容版面配置區 2"/>
+          <p:cNvSpPr>
+            <a:spLocks noGrp="1"/>
+          </p:cNvSpPr>
+          <p:nvPr>
+            <p:ph idx="1"/>
+          </p:nvPr>
+        </p:nvSpPr>
+        <p:spPr/>
+        <p:txBody>
+          <a:bodyPr/>
+          <a:lstStyle/>
+          <a:p>
+            <a:r>
+              <a:rPr lang="en-HK" dirty="0" smtClean="0"/>
+              <a:t>2 step/1 step?</a:t>
+            </a:r>
+            <a:endParaRPr lang="en-US" dirty="0"/>
+          </a:p>
+        </p:txBody>
+      </p:sp>
+      <p:sp>
+        <p:nvSpPr>
+          <p:cNvPr id="4" name="投影片編號版面配置區 3"/>
+          <p:cNvSpPr>
+            <a:spLocks noGrp="1"/>
+          </p:cNvSpPr>
+          <p:nvPr>
+            <p:ph type="sldNum" sz="quarter" idx="12"/>
+          </p:nvPr>
+        </p:nvSpPr>
+        <p:spPr/>
+        <p:txBody>
+          <a:bodyPr/>
+          <a:lstStyle/>
+          <a:p>
+            <a:fld id="{B646D8CA-B2C0-41A8-8514-369D0B0735D6}" type="slidenum">
+              <a:rPr lang="zh-TW" altLang="en-US" smtClean="0"/>
+              <a:t>14</a:t>
+            </a:fld>
+            <a:endParaRPr lang="zh-TW" altLang="en-US"/>
+          </a:p>
+        </p:txBody>
+      </p:sp>
+      <p:graphicFrame>
+        <p:nvGraphicFramePr>
+          <p:cNvPr id="5" name="物件 4"/>
+          <p:cNvGraphicFramePr>
+            <a:graphicFrameLocks noChangeAspect="1"/>
+          </p:cNvGraphicFramePr>
+          <p:nvPr>
+            <p:extLst/>
+          </p:nvPr>
+        </p:nvGraphicFramePr>
+        <p:xfrm>
+          <a:off x="3779912" y="1474325"/>
+          <a:ext cx="5796701" cy="4072086"/>
+        </p:xfrm>
+        <a:graphic>
+          <a:graphicData uri="http://schemas.openxmlformats.org/presentationml/2006/ole">
+            <mc:AlternateContent xmlns:mc="http://schemas.openxmlformats.org/markup-compatibility/2006">
+              <mc:Choice xmlns:v="urn:schemas-microsoft-com:vml" Requires="v">
+                <p:oleObj spid="_x0000_s7183" name="Graph" r:id="rId3" imgW="4754880" imgH="3108960" progId="Origin50.Graph">
+                  <p:embed/>
+                </p:oleObj>
+              </mc:Choice>
+              <mc:Fallback>
+                <p:oleObj name="Graph" r:id="rId3" imgW="4754880" imgH="3108960" progId="Origin50.Graph">
+                  <p:embed/>
+                  <p:pic>
+                    <p:nvPicPr>
+                      <p:cNvPr id="5" name="物件 4"/>
+                      <p:cNvPicPr/>
+                      <p:nvPr/>
+                    </p:nvPicPr>
+                    <p:blipFill>
+                      <a:blip r:embed="rId4"/>
+                      <a:stretch>
+                        <a:fillRect/>
+                      </a:stretch>
+                    </p:blipFill>
+                    <p:spPr>
+                      <a:xfrm>
+                        <a:off x="3779912" y="1474325"/>
+                        <a:ext cx="5796701" cy="4072086"/>
+                      </a:xfrm>
+                      <a:prstGeom prst="rect">
+                        <a:avLst/>
+                      </a:prstGeom>
+                    </p:spPr>
+                  </p:pic>
+                </p:oleObj>
+              </mc:Fallback>
+            </mc:AlternateContent>
+          </a:graphicData>
+        </a:graphic>
+      </p:graphicFrame>
+    </p:spTree>
+    <p:extLst>
+      <p:ext uri="{BB962C8B-B14F-4D97-AF65-F5344CB8AC3E}">
+        <p14:creationId xmlns:p14="http://schemas.microsoft.com/office/powerpoint/2010/main" val="705214716"/>
+      </p:ext>
+    </p:extLst>
+  </p:cSld>
+  <p:clrMapOvr>
+    <a:masterClrMapping/>
+  </p:clrMapOvr>
+  <p:timing>
+    <p:tnLst>
+      <p:par>
+        <p:cTn id="1" dur="indefinite" restart="never" nodeType="tmRoot"/>
+      </p:par>
+    </p:tnLst>
+  </p:timing>
+</p:sld>
+</file>
+
+<file path=ppt/slides/slide15.xml><?xml version="1.0" encoding="utf-8"?>
+<p:sld xmlns:a="http://schemas.openxmlformats.org/drawingml/2006/main" xmlns:r="http://schemas.openxmlformats.org/officeDocument/2006/relationships" xmlns:p="http://schemas.openxmlformats.org/presentationml/2006/main">
+  <p:cSld>
+    <p:spTree>
+      <p:nvGrpSpPr>
+        <p:cNvPr id="1" name=""/>
+        <p:cNvGrpSpPr/>
+        <p:nvPr/>
+      </p:nvGrpSpPr>
+      <p:grpSpPr>
+        <a:xfrm>
+          <a:off x="0" y="0"/>
+          <a:ext cx="0" cy="0"/>
+          <a:chOff x="0" y="0"/>
+          <a:chExt cx="0" cy="0"/>
+        </a:xfrm>
+      </p:grpSpPr>
+      <p:sp>
+        <p:nvSpPr>
+          <p:cNvPr id="2" name="標題 1"/>
+          <p:cNvSpPr>
+            <a:spLocks noGrp="1"/>
+          </p:cNvSpPr>
+          <p:nvPr>
+            <p:ph type="title"/>
+          </p:nvPr>
+        </p:nvSpPr>
         <p:spPr/>
         <p:txBody>
           <a:bodyPr/>
@@ -5844,7 +6284,7 @@
           <a:p>
             <a:fld id="{B646D8CA-B2C0-41A8-8514-369D0B0735D6}" type="slidenum">
               <a:rPr lang="zh-TW" altLang="en-US" smtClean="0"/>
-              <a:t>12</a:t>
+              <a:t>15</a:t>
             </a:fld>
             <a:endParaRPr lang="zh-TW" altLang="en-US"/>
           </a:p>
@@ -6202,7 +6642,7 @@
 </p:sld>
 </file>
 
-<file path=ppt/slides/slide13.xml><?xml version="1.0" encoding="utf-8"?>
+<file path=ppt/slides/slide16.xml><?xml version="1.0" encoding="utf-8"?>
 <p:sld xmlns:a="http://schemas.openxmlformats.org/drawingml/2006/main" xmlns:r="http://schemas.openxmlformats.org/officeDocument/2006/relationships" xmlns:p="http://schemas.openxmlformats.org/presentationml/2006/main">
   <p:cSld>
     <p:spTree>
@@ -6292,7 +6732,7 @@
           <a:p>
             <a:fld id="{B646D8CA-B2C0-41A8-8514-369D0B0735D6}" type="slidenum">
               <a:rPr lang="zh-TW" altLang="en-US" smtClean="0"/>
-              <a:t>13</a:t>
+              <a:t>16</a:t>
             </a:fld>
             <a:endParaRPr lang="zh-TW" altLang="en-US"/>
           </a:p>
@@ -6551,14 +6991,302 @@
   <p:timing>
     <p:tnLst>
       <p:par>
-        <p:cTn id="1" dur="indefinite" restart="never" nodeType="tmRoot"/>
+        <p:cTn id="1" dur="indefinite" restart="never" nodeType="tmRoot">
+          <p:childTnLst>
+            <p:seq concurrent="1" nextAc="seek">
+              <p:cTn id="2" dur="indefinite" nodeType="mainSeq">
+                <p:childTnLst>
+                  <p:par>
+                    <p:cTn id="3" fill="hold">
+                      <p:stCondLst>
+                        <p:cond delay="indefinite"/>
+                      </p:stCondLst>
+                      <p:childTnLst>
+                        <p:par>
+                          <p:cTn id="4" fill="hold">
+                            <p:stCondLst>
+                              <p:cond delay="0"/>
+                            </p:stCondLst>
+                            <p:childTnLst>
+                              <p:par>
+                                <p:cTn id="5" presetID="14" presetClass="entr" presetSubtype="10" fill="hold" nodeType="clickEffect">
+                                  <p:stCondLst>
+                                    <p:cond delay="0"/>
+                                  </p:stCondLst>
+                                  <p:childTnLst>
+                                    <p:set>
+                                      <p:cBhvr>
+                                        <p:cTn id="6" dur="1" fill="hold">
+                                          <p:stCondLst>
+                                            <p:cond delay="0"/>
+                                          </p:stCondLst>
+                                        </p:cTn>
+                                        <p:tgtEl>
+                                          <p:spTgt spid="20"/>
+                                        </p:tgtEl>
+                                        <p:attrNameLst>
+                                          <p:attrName>style.visibility</p:attrName>
+                                        </p:attrNameLst>
+                                      </p:cBhvr>
+                                      <p:to>
+                                        <p:strVal val="visible"/>
+                                      </p:to>
+                                    </p:set>
+                                    <p:animEffect transition="in" filter="randombar(horizontal)">
+                                      <p:cBhvr>
+                                        <p:cTn id="7" dur="500"/>
+                                        <p:tgtEl>
+                                          <p:spTgt spid="20"/>
+                                        </p:tgtEl>
+                                      </p:cBhvr>
+                                    </p:animEffect>
+                                  </p:childTnLst>
+                                </p:cTn>
+                              </p:par>
+                            </p:childTnLst>
+                          </p:cTn>
+                        </p:par>
+                      </p:childTnLst>
+                    </p:cTn>
+                  </p:par>
+                  <p:par>
+                    <p:cTn id="8" fill="hold">
+                      <p:stCondLst>
+                        <p:cond delay="indefinite"/>
+                      </p:stCondLst>
+                      <p:childTnLst>
+                        <p:par>
+                          <p:cTn id="9" fill="hold">
+                            <p:stCondLst>
+                              <p:cond delay="0"/>
+                            </p:stCondLst>
+                            <p:childTnLst>
+                              <p:par>
+                                <p:cTn id="10" presetID="14" presetClass="entr" presetSubtype="10" fill="hold" nodeType="clickEffect">
+                                  <p:stCondLst>
+                                    <p:cond delay="0"/>
+                                  </p:stCondLst>
+                                  <p:childTnLst>
+                                    <p:set>
+                                      <p:cBhvr>
+                                        <p:cTn id="11" dur="1" fill="hold">
+                                          <p:stCondLst>
+                                            <p:cond delay="0"/>
+                                          </p:stCondLst>
+                                        </p:cTn>
+                                        <p:tgtEl>
+                                          <p:spTgt spid="12"/>
+                                        </p:tgtEl>
+                                        <p:attrNameLst>
+                                          <p:attrName>style.visibility</p:attrName>
+                                        </p:attrNameLst>
+                                      </p:cBhvr>
+                                      <p:to>
+                                        <p:strVal val="visible"/>
+                                      </p:to>
+                                    </p:set>
+                                    <p:animEffect transition="in" filter="randombar(horizontal)">
+                                      <p:cBhvr>
+                                        <p:cTn id="12" dur="500"/>
+                                        <p:tgtEl>
+                                          <p:spTgt spid="12"/>
+                                        </p:tgtEl>
+                                      </p:cBhvr>
+                                    </p:animEffect>
+                                  </p:childTnLst>
+                                </p:cTn>
+                              </p:par>
+                            </p:childTnLst>
+                          </p:cTn>
+                        </p:par>
+                      </p:childTnLst>
+                    </p:cTn>
+                  </p:par>
+                  <p:par>
+                    <p:cTn id="13" fill="hold">
+                      <p:stCondLst>
+                        <p:cond delay="indefinite"/>
+                      </p:stCondLst>
+                      <p:childTnLst>
+                        <p:par>
+                          <p:cTn id="14" fill="hold">
+                            <p:stCondLst>
+                              <p:cond delay="0"/>
+                            </p:stCondLst>
+                            <p:childTnLst>
+                              <p:par>
+                                <p:cTn id="15" presetID="14" presetClass="entr" presetSubtype="10" fill="hold" nodeType="clickEffect">
+                                  <p:stCondLst>
+                                    <p:cond delay="0"/>
+                                  </p:stCondLst>
+                                  <p:childTnLst>
+                                    <p:set>
+                                      <p:cBhvr>
+                                        <p:cTn id="16" dur="1" fill="hold">
+                                          <p:stCondLst>
+                                            <p:cond delay="0"/>
+                                          </p:stCondLst>
+                                        </p:cTn>
+                                        <p:tgtEl>
+                                          <p:spTgt spid="18"/>
+                                        </p:tgtEl>
+                                        <p:attrNameLst>
+                                          <p:attrName>style.visibility</p:attrName>
+                                        </p:attrNameLst>
+                                      </p:cBhvr>
+                                      <p:to>
+                                        <p:strVal val="visible"/>
+                                      </p:to>
+                                    </p:set>
+                                    <p:animEffect transition="in" filter="randombar(horizontal)">
+                                      <p:cBhvr>
+                                        <p:cTn id="17" dur="500"/>
+                                        <p:tgtEl>
+                                          <p:spTgt spid="18"/>
+                                        </p:tgtEl>
+                                      </p:cBhvr>
+                                    </p:animEffect>
+                                  </p:childTnLst>
+                                </p:cTn>
+                              </p:par>
+                            </p:childTnLst>
+                          </p:cTn>
+                        </p:par>
+                      </p:childTnLst>
+                    </p:cTn>
+                  </p:par>
+                  <p:par>
+                    <p:cTn id="18" fill="hold">
+                      <p:stCondLst>
+                        <p:cond delay="indefinite"/>
+                      </p:stCondLst>
+                      <p:childTnLst>
+                        <p:par>
+                          <p:cTn id="19" fill="hold">
+                            <p:stCondLst>
+                              <p:cond delay="0"/>
+                            </p:stCondLst>
+                            <p:childTnLst>
+                              <p:par>
+                                <p:cTn id="20" presetID="14" presetClass="entr" presetSubtype="10" fill="hold" nodeType="clickEffect">
+                                  <p:stCondLst>
+                                    <p:cond delay="0"/>
+                                  </p:stCondLst>
+                                  <p:childTnLst>
+                                    <p:set>
+                                      <p:cBhvr>
+                                        <p:cTn id="21" dur="1" fill="hold">
+                                          <p:stCondLst>
+                                            <p:cond delay="0"/>
+                                          </p:stCondLst>
+                                        </p:cTn>
+                                        <p:tgtEl>
+                                          <p:spTgt spid="16"/>
+                                        </p:tgtEl>
+                                        <p:attrNameLst>
+                                          <p:attrName>style.visibility</p:attrName>
+                                        </p:attrNameLst>
+                                      </p:cBhvr>
+                                      <p:to>
+                                        <p:strVal val="visible"/>
+                                      </p:to>
+                                    </p:set>
+                                    <p:animEffect transition="in" filter="randombar(horizontal)">
+                                      <p:cBhvr>
+                                        <p:cTn id="22" dur="500"/>
+                                        <p:tgtEl>
+                                          <p:spTgt spid="16"/>
+                                        </p:tgtEl>
+                                      </p:cBhvr>
+                                    </p:animEffect>
+                                  </p:childTnLst>
+                                </p:cTn>
+                              </p:par>
+                            </p:childTnLst>
+                          </p:cTn>
+                        </p:par>
+                      </p:childTnLst>
+                    </p:cTn>
+                  </p:par>
+                  <p:par>
+                    <p:cTn id="23" fill="hold">
+                      <p:stCondLst>
+                        <p:cond delay="indefinite"/>
+                      </p:stCondLst>
+                      <p:childTnLst>
+                        <p:par>
+                          <p:cTn id="24" fill="hold">
+                            <p:stCondLst>
+                              <p:cond delay="0"/>
+                            </p:stCondLst>
+                            <p:childTnLst>
+                              <p:par>
+                                <p:cTn id="25" presetID="14" presetClass="entr" presetSubtype="10" fill="hold" nodeType="clickEffect">
+                                  <p:stCondLst>
+                                    <p:cond delay="0"/>
+                                  </p:stCondLst>
+                                  <p:childTnLst>
+                                    <p:set>
+                                      <p:cBhvr>
+                                        <p:cTn id="26" dur="1" fill="hold">
+                                          <p:stCondLst>
+                                            <p:cond delay="0"/>
+                                          </p:stCondLst>
+                                        </p:cTn>
+                                        <p:tgtEl>
+                                          <p:spTgt spid="14"/>
+                                        </p:tgtEl>
+                                        <p:attrNameLst>
+                                          <p:attrName>style.visibility</p:attrName>
+                                        </p:attrNameLst>
+                                      </p:cBhvr>
+                                      <p:to>
+                                        <p:strVal val="visible"/>
+                                      </p:to>
+                                    </p:set>
+                                    <p:animEffect transition="in" filter="randombar(horizontal)">
+                                      <p:cBhvr>
+                                        <p:cTn id="27" dur="500"/>
+                                        <p:tgtEl>
+                                          <p:spTgt spid="14"/>
+                                        </p:tgtEl>
+                                      </p:cBhvr>
+                                    </p:animEffect>
+                                  </p:childTnLst>
+                                </p:cTn>
+                              </p:par>
+                            </p:childTnLst>
+                          </p:cTn>
+                        </p:par>
+                      </p:childTnLst>
+                    </p:cTn>
+                  </p:par>
+                </p:childTnLst>
+              </p:cTn>
+              <p:prevCondLst>
+                <p:cond evt="onPrev" delay="0">
+                  <p:tgtEl>
+                    <p:sldTgt/>
+                  </p:tgtEl>
+                </p:cond>
+              </p:prevCondLst>
+              <p:nextCondLst>
+                <p:cond evt="onNext" delay="0">
+                  <p:tgtEl>
+                    <p:sldTgt/>
+                  </p:tgtEl>
+                </p:cond>
+              </p:nextCondLst>
+            </p:seq>
+          </p:childTnLst>
+        </p:cTn>
       </p:par>
     </p:tnLst>
   </p:timing>
 </p:sld>
 </file>
 
-<file path=ppt/slides/slide14.xml><?xml version="1.0" encoding="utf-8"?>
+<file path=ppt/slides/slide17.xml><?xml version="1.0" encoding="utf-8"?>
 <p:sld xmlns:a="http://schemas.openxmlformats.org/drawingml/2006/main" xmlns:r="http://schemas.openxmlformats.org/officeDocument/2006/relationships" xmlns:p="http://schemas.openxmlformats.org/presentationml/2006/main">
   <p:cSld>
     <p:spTree>
@@ -6668,7 +7396,7 @@
           <a:p>
             <a:fld id="{B646D8CA-B2C0-41A8-8514-369D0B0735D6}" type="slidenum">
               <a:rPr lang="zh-TW" altLang="en-US" smtClean="0"/>
-              <a:t>14</a:t>
+              <a:t>17</a:t>
             </a:fld>
             <a:endParaRPr lang="zh-TW" altLang="en-US"/>
           </a:p>
@@ -6740,7 +7468,7 @@
 </p:sld>
 </file>
 
-<file path=ppt/slides/slide15.xml><?xml version="1.0" encoding="utf-8"?>
+<file path=ppt/slides/slide18.xml><?xml version="1.0" encoding="utf-8"?>
 <p:sld xmlns:a="http://schemas.openxmlformats.org/drawingml/2006/main" xmlns:r="http://schemas.openxmlformats.org/officeDocument/2006/relationships" xmlns:p="http://schemas.openxmlformats.org/presentationml/2006/main">
   <p:cSld>
     <p:spTree>
@@ -7121,7 +7849,7 @@
           <a:p>
             <a:fld id="{B646D8CA-B2C0-41A8-8514-369D0B0735D6}" type="slidenum">
               <a:rPr lang="zh-TW" altLang="en-US" smtClean="0"/>
-              <a:t>15</a:t>
+              <a:t>18</a:t>
             </a:fld>
             <a:endParaRPr lang="zh-TW" altLang="en-US"/>
           </a:p>
@@ -7149,7 +7877,7 @@
           <a:graphicData uri="http://schemas.openxmlformats.org/presentationml/2006/ole">
             <mc:AlternateContent xmlns:mc="http://schemas.openxmlformats.org/markup-compatibility/2006">
               <mc:Choice xmlns:v="urn:schemas-microsoft-com:vml" Requires="v">
-                <p:oleObj spid="_x0000_s1282" name="Graph" r:id="rId3" imgW="4754880" imgH="3108960" progId="Origin50.Graph">
+                <p:oleObj spid="_x0000_s1305" name="Graph" r:id="rId3" imgW="4754880" imgH="3108960" progId="Origin50.Graph">
                   <p:embed/>
                 </p:oleObj>
               </mc:Choice>
@@ -7204,7 +7932,7 @@
 </p:sld>
 </file>
 
-<file path=ppt/slides/slide16.xml><?xml version="1.0" encoding="utf-8"?>
+<file path=ppt/slides/slide19.xml><?xml version="1.0" encoding="utf-8"?>
 <p:sld xmlns:a="http://schemas.openxmlformats.org/drawingml/2006/main" xmlns:r="http://schemas.openxmlformats.org/officeDocument/2006/relationships" xmlns:p="http://schemas.openxmlformats.org/presentationml/2006/main">
   <p:cSld>
     <p:spTree>
@@ -7541,7 +8269,7 @@
           <a:p>
             <a:fld id="{B646D8CA-B2C0-41A8-8514-369D0B0735D6}" type="slidenum">
               <a:rPr lang="zh-TW" altLang="en-US" smtClean="0"/>
-              <a:t>16</a:t>
+              <a:t>19</a:t>
             </a:fld>
             <a:endParaRPr lang="zh-TW" altLang="en-US"/>
           </a:p>
@@ -7602,7 +8330,7 @@
 </p:sld>
 </file>
 
-<file path=ppt/slides/slide17.xml><?xml version="1.0" encoding="utf-8"?>
+<file path=ppt/slides/slide2.xml><?xml version="1.0" encoding="utf-8"?>
 <p:sld xmlns:a="http://schemas.openxmlformats.org/drawingml/2006/main" xmlns:r="http://schemas.openxmlformats.org/officeDocument/2006/relationships" xmlns:p="http://schemas.openxmlformats.org/presentationml/2006/main">
   <p:cSld>
     <p:spTree>
@@ -7636,19 +8364,7 @@
           <a:p>
             <a:r>
               <a:rPr lang="en-HK" dirty="0" smtClean="0"/>
-              <a:t>3. CN</a:t>
-            </a:r>
-            <a:r>
-              <a:rPr lang="en-HK" baseline="30000" dirty="0" smtClean="0"/>
-              <a:t>-</a:t>
-            </a:r>
-            <a:r>
-              <a:rPr lang="en-HK" dirty="0" smtClean="0"/>
-              <a:t> </a:t>
-            </a:r>
-            <a:r>
-              <a:rPr lang="en-HK" dirty="0"/>
-              <a:t>formation efficiency of EUV (40.1 eV) and VUV (9.27 eV)</a:t>
+              <a:t>Contents</a:t>
             </a:r>
             <a:endParaRPr lang="en-US" dirty="0"/>
           </a:p>
@@ -7664,41 +8380,193 @@
             <p:ph idx="1"/>
           </p:nvPr>
         </p:nvSpPr>
-        <p:spPr/>
+        <p:spPr>
+          <a:xfrm>
+            <a:off x="508001" y="1129308"/>
+            <a:ext cx="8024439" cy="4464496"/>
+          </a:xfrm>
+        </p:spPr>
         <p:txBody>
-          <a:bodyPr/>
+          <a:bodyPr>
+            <a:noAutofit/>
+          </a:bodyPr>
           <a:lstStyle/>
           <a:p>
             <a:r>
-              <a:rPr lang="en-HK" dirty="0" smtClean="0"/>
-              <a:t>Fitting with y = Ae</a:t>
-            </a:r>
-            <a:r>
-              <a:rPr lang="en-HK" baseline="30000" dirty="0" smtClean="0"/>
+              <a:rPr lang="en-HK" sz="1400" dirty="0" smtClean="0"/>
+              <a:t>Introduction</a:t>
+            </a:r>
+          </a:p>
+          <a:p>
+            <a:pPr lvl="1"/>
+            <a:r>
+              <a:rPr lang="en-HK" sz="1400" dirty="0" smtClean="0"/>
+              <a:t>Production mechanism of CN</a:t>
+            </a:r>
+            <a:r>
+              <a:rPr lang="en-HK" sz="1400" baseline="30000" dirty="0" smtClean="0"/>
               <a:t>-</a:t>
             </a:r>
             <a:r>
-              <a:rPr lang="en-HK" baseline="30000" dirty="0" err="1" smtClean="0"/>
-              <a:t>kx</a:t>
-            </a:r>
-            <a:r>
-              <a:rPr lang="en-HK" dirty="0" smtClean="0"/>
-              <a:t> + C (pseudo first order kinetics)</a:t>
-            </a:r>
-          </a:p>
-          <a:p>
-            <a:pPr marL="0" indent="0">
+              <a:rPr lang="en-HK" sz="1400" dirty="0" smtClean="0"/>
+              <a:t> </a:t>
+            </a:r>
+          </a:p>
+          <a:p>
+            <a:pPr lvl="1"/>
+            <a:r>
+              <a:rPr lang="en-HK" sz="1400" dirty="0" smtClean="0"/>
+              <a:t>Deposition rate of methane on Charon</a:t>
+            </a:r>
+          </a:p>
+          <a:p>
+            <a:pPr lvl="1"/>
+            <a:r>
+              <a:rPr lang="en-HK" sz="1400" dirty="0" smtClean="0"/>
+              <a:t>Surface temperatures at different latitudes</a:t>
+            </a:r>
+          </a:p>
+          <a:p>
+            <a:pPr lvl="1"/>
+            <a:r>
+              <a:rPr lang="en-HK" sz="1400" dirty="0" smtClean="0"/>
+              <a:t>Ammonia on Organa Crater</a:t>
+            </a:r>
+          </a:p>
+          <a:p>
+            <a:r>
+              <a:rPr lang="en-HK" sz="1400" dirty="0" smtClean="0"/>
+              <a:t>Methodology</a:t>
+            </a:r>
+          </a:p>
+          <a:p>
+            <a:pPr lvl="1"/>
+            <a:r>
+              <a:rPr lang="en-HK" sz="1400" dirty="0"/>
+              <a:t>Experimental </a:t>
+            </a:r>
+            <a:r>
+              <a:rPr lang="en-HK" sz="1400" dirty="0" smtClean="0"/>
+              <a:t>setup</a:t>
+            </a:r>
+          </a:p>
+          <a:p>
+            <a:pPr lvl="1"/>
+            <a:r>
+              <a:rPr lang="en-HK" sz="1400" dirty="0" smtClean="0"/>
+              <a:t>Energy source</a:t>
+            </a:r>
+          </a:p>
+          <a:p>
+            <a:pPr lvl="1"/>
+            <a:r>
+              <a:rPr lang="en-HK" sz="1400" dirty="0" err="1" smtClean="0"/>
+              <a:t>Experimentsl</a:t>
+            </a:r>
+            <a:r>
+              <a:rPr lang="en-HK" sz="1400" dirty="0" smtClean="0"/>
+              <a:t> Configurations</a:t>
+            </a:r>
+            <a:endParaRPr lang="en-HK" sz="1400" dirty="0" smtClean="0"/>
+          </a:p>
+          <a:p>
+            <a:r>
+              <a:rPr lang="en-HK" sz="1400" dirty="0" smtClean="0"/>
+              <a:t>Results</a:t>
+            </a:r>
+            <a:endParaRPr lang="en-HK" sz="1400" dirty="0" smtClean="0"/>
+          </a:p>
+          <a:p>
+            <a:pPr lvl="1"/>
+            <a:r>
+              <a:rPr lang="en-HK" sz="1400" dirty="0"/>
+              <a:t>Production mechanism of CN</a:t>
+            </a:r>
+            <a:r>
+              <a:rPr lang="en-HK" sz="1400" baseline="30000" dirty="0"/>
+              <a:t>-</a:t>
+            </a:r>
+          </a:p>
+          <a:p>
+            <a:pPr lvl="1"/>
+            <a:r>
+              <a:rPr lang="en-HK" sz="1400" dirty="0"/>
+              <a:t>The relations between CN</a:t>
+            </a:r>
+            <a:r>
+              <a:rPr lang="en-HK" sz="1400" baseline="30000" dirty="0"/>
+              <a:t>-</a:t>
+            </a:r>
+            <a:r>
+              <a:rPr lang="en-HK" sz="1400" dirty="0"/>
+              <a:t> and C</a:t>
+            </a:r>
+            <a:r>
+              <a:rPr lang="en-HK" sz="1400" baseline="-25000" dirty="0"/>
+              <a:t>2</a:t>
+            </a:r>
+            <a:r>
+              <a:rPr lang="en-HK" sz="1400" dirty="0"/>
+              <a:t>H</a:t>
+            </a:r>
+            <a:r>
+              <a:rPr lang="en-HK" sz="1400" baseline="-25000" dirty="0"/>
+              <a:t>6</a:t>
+            </a:r>
+          </a:p>
+          <a:p>
+            <a:pPr lvl="1"/>
+            <a:r>
+              <a:rPr lang="en-HK" sz="1400" dirty="0"/>
+              <a:t>CN</a:t>
+            </a:r>
+            <a:r>
+              <a:rPr lang="en-HK" sz="1400" baseline="30000" dirty="0"/>
+              <a:t>-</a:t>
+            </a:r>
+            <a:r>
+              <a:rPr lang="en-HK" sz="1400" dirty="0"/>
+              <a:t> formation efficiency of EUV (40.1 eV) and VUV (9.27 eV</a:t>
+            </a:r>
+            <a:r>
+              <a:rPr lang="en-HK" sz="1400" dirty="0" smtClean="0"/>
+              <a:t>)</a:t>
+            </a:r>
+          </a:p>
+          <a:p>
+            <a:r>
+              <a:rPr lang="en-HK" sz="1400" dirty="0" smtClean="0"/>
+              <a:t>Astrophysical Implications</a:t>
+            </a:r>
+          </a:p>
+          <a:p>
+            <a:pPr lvl="1"/>
+            <a:r>
+              <a:rPr lang="en-HK" sz="1400" dirty="0" smtClean="0"/>
+              <a:t>Understand CN</a:t>
+            </a:r>
+            <a:r>
+              <a:rPr lang="en-HK" sz="1400" baseline="30000" dirty="0" smtClean="0"/>
+              <a:t>-</a:t>
+            </a:r>
+            <a:r>
+              <a:rPr lang="en-HK" sz="1400" dirty="0" smtClean="0"/>
+              <a:t> formation on Charon</a:t>
+            </a:r>
+          </a:p>
+          <a:p>
+            <a:pPr lvl="1"/>
+            <a:endParaRPr lang="en-HK" sz="1400" dirty="0" smtClean="0"/>
+          </a:p>
+          <a:p>
+            <a:pPr marL="342900" lvl="1" indent="0">
               <a:buNone/>
             </a:pPr>
-            <a:r>
-              <a:rPr lang="en-HK" dirty="0" smtClean="0"/>
-              <a:t>CH4						NH</a:t>
-            </a:r>
-            <a:r>
-              <a:rPr lang="en-HK" baseline="-25000" dirty="0" smtClean="0"/>
-              <a:t>3</a:t>
-            </a:r>
-            <a:endParaRPr lang="en-US" baseline="-25000" dirty="0"/>
+            <a:endParaRPr lang="en-HK" sz="1400" dirty="0" smtClean="0"/>
+          </a:p>
+          <a:p>
+            <a:pPr lvl="1"/>
+            <a:endParaRPr lang="en-US" sz="1400" dirty="0"/>
           </a:p>
         </p:txBody>
       </p:sp>
@@ -7719,7 +8587,158 @@
           <a:p>
             <a:fld id="{B646D8CA-B2C0-41A8-8514-369D0B0735D6}" type="slidenum">
               <a:rPr lang="zh-TW" altLang="en-US" smtClean="0"/>
-              <a:t>17</a:t>
+              <a:t>2</a:t>
+            </a:fld>
+            <a:endParaRPr lang="zh-TW" altLang="en-US"/>
+          </a:p>
+        </p:txBody>
+      </p:sp>
+    </p:spTree>
+    <p:extLst>
+      <p:ext uri="{BB962C8B-B14F-4D97-AF65-F5344CB8AC3E}">
+        <p14:creationId xmlns:p14="http://schemas.microsoft.com/office/powerpoint/2010/main" val="807146181"/>
+      </p:ext>
+    </p:extLst>
+  </p:cSld>
+  <p:clrMapOvr>
+    <a:masterClrMapping/>
+  </p:clrMapOvr>
+  <p:timing>
+    <p:tnLst>
+      <p:par>
+        <p:cTn id="1" dur="indefinite" restart="never" nodeType="tmRoot"/>
+      </p:par>
+    </p:tnLst>
+  </p:timing>
+</p:sld>
+</file>
+
+<file path=ppt/slides/slide20.xml><?xml version="1.0" encoding="utf-8"?>
+<p:sld xmlns:a="http://schemas.openxmlformats.org/drawingml/2006/main" xmlns:r="http://schemas.openxmlformats.org/officeDocument/2006/relationships" xmlns:p="http://schemas.openxmlformats.org/presentationml/2006/main">
+  <p:cSld>
+    <p:spTree>
+      <p:nvGrpSpPr>
+        <p:cNvPr id="1" name=""/>
+        <p:cNvGrpSpPr/>
+        <p:nvPr/>
+      </p:nvGrpSpPr>
+      <p:grpSpPr>
+        <a:xfrm>
+          <a:off x="0" y="0"/>
+          <a:ext cx="0" cy="0"/>
+          <a:chOff x="0" y="0"/>
+          <a:chExt cx="0" cy="0"/>
+        </a:xfrm>
+      </p:grpSpPr>
+      <p:sp>
+        <p:nvSpPr>
+          <p:cNvPr id="2" name="標題 1"/>
+          <p:cNvSpPr>
+            <a:spLocks noGrp="1"/>
+          </p:cNvSpPr>
+          <p:nvPr>
+            <p:ph type="title"/>
+          </p:nvPr>
+        </p:nvSpPr>
+        <p:spPr/>
+        <p:txBody>
+          <a:bodyPr/>
+          <a:lstStyle/>
+          <a:p>
+            <a:r>
+              <a:rPr lang="en-HK" dirty="0" smtClean="0"/>
+              <a:t>3. CN</a:t>
+            </a:r>
+            <a:r>
+              <a:rPr lang="en-HK" baseline="30000" dirty="0" smtClean="0"/>
+              <a:t>-</a:t>
+            </a:r>
+            <a:r>
+              <a:rPr lang="en-HK" dirty="0" smtClean="0"/>
+              <a:t> </a:t>
+            </a:r>
+            <a:r>
+              <a:rPr lang="en-HK" dirty="0"/>
+              <a:t>formation efficiency of EUV (40.1 eV) and VUV (9.27 eV)</a:t>
+            </a:r>
+            <a:endParaRPr lang="en-US" dirty="0"/>
+          </a:p>
+        </p:txBody>
+      </p:sp>
+      <p:sp>
+        <p:nvSpPr>
+          <p:cNvPr id="3" name="內容版面配置區 2"/>
+          <p:cNvSpPr>
+            <a:spLocks noGrp="1"/>
+          </p:cNvSpPr>
+          <p:nvPr>
+            <p:ph idx="1"/>
+          </p:nvPr>
+        </p:nvSpPr>
+        <p:spPr/>
+        <p:txBody>
+          <a:bodyPr/>
+          <a:lstStyle/>
+          <a:p>
+            <a:r>
+              <a:rPr lang="en-HK" dirty="0" smtClean="0"/>
+              <a:t>Fitting with y = Ae</a:t>
+            </a:r>
+            <a:r>
+              <a:rPr lang="en-HK" baseline="30000" dirty="0" smtClean="0"/>
+              <a:t>-</a:t>
+            </a:r>
+            <a:r>
+              <a:rPr lang="en-HK" baseline="30000" dirty="0" err="1" smtClean="0"/>
+              <a:t>kx</a:t>
+            </a:r>
+            <a:r>
+              <a:rPr lang="en-HK" dirty="0" smtClean="0"/>
+              <a:t> + C (pseudo first order kinetics)</a:t>
+            </a:r>
+          </a:p>
+          <a:p>
+            <a:pPr marL="0" indent="0">
+              <a:buNone/>
+            </a:pPr>
+            <a:r>
+              <a:rPr lang="en-HK" dirty="0" smtClean="0"/>
+              <a:t>CH</a:t>
+            </a:r>
+            <a:r>
+              <a:rPr lang="en-HK" baseline="-25000" dirty="0" smtClean="0"/>
+              <a:t>4</a:t>
+            </a:r>
+            <a:r>
+              <a:rPr lang="en-HK" dirty="0" smtClean="0"/>
+              <a:t>						NH</a:t>
+            </a:r>
+            <a:r>
+              <a:rPr lang="en-HK" baseline="-25000" dirty="0" smtClean="0"/>
+              <a:t>3</a:t>
+            </a:r>
+            <a:endParaRPr lang="en-US" baseline="-25000" dirty="0"/>
+          </a:p>
+        </p:txBody>
+      </p:sp>
+      <p:sp>
+        <p:nvSpPr>
+          <p:cNvPr id="4" name="投影片編號版面配置區 3"/>
+          <p:cNvSpPr>
+            <a:spLocks noGrp="1"/>
+          </p:cNvSpPr>
+          <p:nvPr>
+            <p:ph type="sldNum" sz="quarter" idx="12"/>
+          </p:nvPr>
+        </p:nvSpPr>
+        <p:spPr/>
+        <p:txBody>
+          <a:bodyPr/>
+          <a:lstStyle/>
+          <a:p>
+            <a:fld id="{B646D8CA-B2C0-41A8-8514-369D0B0735D6}" type="slidenum">
+              <a:rPr lang="zh-TW" altLang="en-US" smtClean="0"/>
+              <a:t>20</a:t>
             </a:fld>
             <a:endParaRPr lang="zh-TW" altLang="en-US"/>
           </a:p>
@@ -7747,7 +8766,7 @@
           <a:graphicData uri="http://schemas.openxmlformats.org/presentationml/2006/ole">
             <mc:AlternateContent xmlns:mc="http://schemas.openxmlformats.org/markup-compatibility/2006">
               <mc:Choice xmlns:v="urn:schemas-microsoft-com:vml" Requires="v">
-                <p:oleObj spid="_x0000_s4156" name="Graph" r:id="rId3" imgW="4754880" imgH="3108960" progId="Origin50.Graph">
+                <p:oleObj spid="_x0000_s4202" name="Graph" r:id="rId3" imgW="4754880" imgH="3108960" progId="Origin50.Graph">
                   <p:embed/>
                 </p:oleObj>
               </mc:Choice>
@@ -7804,7 +8823,7 @@
           <a:graphicData uri="http://schemas.openxmlformats.org/presentationml/2006/ole">
             <mc:AlternateContent xmlns:mc="http://schemas.openxmlformats.org/markup-compatibility/2006">
               <mc:Choice xmlns:v="urn:schemas-microsoft-com:vml" Requires="v">
-                <p:oleObj spid="_x0000_s4157" name="Graph" r:id="rId5" imgW="4754880" imgH="3108960" progId="Origin50.Graph">
+                <p:oleObj spid="_x0000_s4203" name="Graph" r:id="rId5" imgW="4754880" imgH="3108960" progId="Origin50.Graph">
                   <p:embed/>
                 </p:oleObj>
               </mc:Choice>
@@ -7859,7 +8878,7 @@
 </p:sld>
 </file>
 
-<file path=ppt/slides/slide18.xml><?xml version="1.0" encoding="utf-8"?>
+<file path=ppt/slides/slide21.xml><?xml version="1.0" encoding="utf-8"?>
 <p:sld xmlns:a="http://schemas.openxmlformats.org/drawingml/2006/main" xmlns:r="http://schemas.openxmlformats.org/officeDocument/2006/relationships" xmlns:p="http://schemas.openxmlformats.org/presentationml/2006/main">
   <p:cSld>
     <p:spTree>
@@ -7928,7 +8947,7 @@
           <a:p>
             <a:fld id="{B646D8CA-B2C0-41A8-8514-369D0B0735D6}" type="slidenum">
               <a:rPr lang="zh-TW" altLang="en-US" smtClean="0"/>
-              <a:t>18</a:t>
+              <a:t>21</a:t>
             </a:fld>
             <a:endParaRPr lang="zh-TW" altLang="en-US"/>
           </a:p>
@@ -8868,7 +9887,7 @@
           <a:graphicData uri="http://schemas.openxmlformats.org/presentationml/2006/ole">
             <mc:AlternateContent xmlns:mc="http://schemas.openxmlformats.org/markup-compatibility/2006">
               <mc:Choice xmlns:v="urn:schemas-microsoft-com:vml" Requires="v">
-                <p:oleObj spid="_x0000_s3135" name="Graph" r:id="rId3" imgW="4754880" imgH="3108960" progId="Origin50.Graph">
+                <p:oleObj spid="_x0000_s3158" name="Graph" r:id="rId3" imgW="4754880" imgH="3108960" progId="Origin50.Graph">
                   <p:embed/>
                 </p:oleObj>
               </mc:Choice>
@@ -8923,7 +9942,7 @@
 </p:sld>
 </file>
 
-<file path=ppt/slides/slide19.xml><?xml version="1.0" encoding="utf-8"?>
+<file path=ppt/slides/slide22.xml><?xml version="1.0" encoding="utf-8"?>
 <p:sld xmlns:a="http://schemas.openxmlformats.org/drawingml/2006/main" xmlns:r="http://schemas.openxmlformats.org/officeDocument/2006/relationships" xmlns:p="http://schemas.openxmlformats.org/presentationml/2006/main">
   <p:cSld>
     <p:spTree>
@@ -8981,7 +10000,7 @@
         </p:spPr>
         <p:txBody>
           <a:bodyPr>
-            <a:normAutofit/>
+            <a:normAutofit lnSpcReduction="10000"/>
           </a:bodyPr>
           <a:lstStyle/>
           <a:p>
@@ -8995,14 +10014,23 @@
             </a:r>
             <a:r>
               <a:rPr lang="en-HK" dirty="0" smtClean="0"/>
-              <a:t> on Charon</a:t>
-            </a:r>
+              <a:t> on </a:t>
+            </a:r>
+            <a:r>
+              <a:rPr lang="en-HK" dirty="0" smtClean="0"/>
+              <a:t>Charon</a:t>
+            </a:r>
+            <a:endParaRPr lang="en-HK" dirty="0" smtClean="0"/>
           </a:p>
           <a:p>
             <a:pPr lvl="1"/>
             <a:r>
               <a:rPr lang="en-HK" dirty="0" smtClean="0"/>
-              <a:t>3.06 to 4.28 times more efficient by VUV then EUV</a:t>
+              <a:t>3.06 </a:t>
+            </a:r>
+            <a:r>
+              <a:rPr lang="en-HK" dirty="0" smtClean="0"/>
+              <a:t>to 4.28 times more efficient by VUV then EUV</a:t>
             </a:r>
             <a:endParaRPr lang="en-HK" dirty="0"/>
           </a:p>
@@ -9010,8 +10038,94 @@
             <a:pPr lvl="1"/>
             <a:r>
               <a:rPr lang="en-HK" dirty="0" smtClean="0"/>
-              <a:t>VUV flux is 1 order of magnitude more intense than EUV irradiations (Grundy et al. 2016)</a:t>
-            </a:r>
+              <a:t>VUV flux is 1 order of magnitude more intense than EUV irradiations </a:t>
+            </a:r>
+            <a:r>
+              <a:rPr lang="en-HK" dirty="0" smtClean="0"/>
+              <a:t>(</a:t>
+            </a:r>
+            <a:r>
+              <a:rPr lang="en-HK" dirty="0" smtClean="0"/>
+              <a:t>Grundy et al. 2016)</a:t>
+            </a:r>
+          </a:p>
+          <a:p>
+            <a:pPr marL="973836" lvl="3">
+              <a:spcBef>
+                <a:spcPts val="750"/>
+              </a:spcBef>
+            </a:pPr>
+            <a:r>
+              <a:rPr lang="en-HK" dirty="0"/>
+              <a:t>Ly α exposure: 1.9 x 10</a:t>
+            </a:r>
+            <a:r>
+              <a:rPr lang="en-HK" baseline="30000" dirty="0"/>
+              <a:t>9</a:t>
+            </a:r>
+            <a:r>
+              <a:rPr lang="en-HK" dirty="0"/>
+              <a:t> eV cm</a:t>
+            </a:r>
+            <a:r>
+              <a:rPr lang="en-HK" baseline="30000" dirty="0"/>
+              <a:t>-2</a:t>
+            </a:r>
+            <a:r>
+              <a:rPr lang="en-HK" dirty="0"/>
+              <a:t> </a:t>
+            </a:r>
+            <a:r>
+              <a:rPr lang="en-HK" dirty="0" smtClean="0"/>
+              <a:t>s</a:t>
+            </a:r>
+            <a:r>
+              <a:rPr lang="en-HK" baseline="30000" dirty="0" smtClean="0"/>
+              <a:t>-1</a:t>
+            </a:r>
+          </a:p>
+          <a:p>
+            <a:pPr marL="973836" lvl="3">
+              <a:spcBef>
+                <a:spcPts val="750"/>
+              </a:spcBef>
+            </a:pPr>
+            <a:r>
+              <a:rPr lang="en-HK" dirty="0" smtClean="0"/>
+              <a:t>EUV exposure: 8.7 x 10</a:t>
+            </a:r>
+            <a:r>
+              <a:rPr lang="en-HK" baseline="30000" dirty="0" smtClean="0"/>
+              <a:t>7</a:t>
+            </a:r>
+            <a:r>
+              <a:rPr lang="en-HK" dirty="0" smtClean="0"/>
+              <a:t> eV </a:t>
+            </a:r>
+            <a:r>
+              <a:rPr lang="en-HK" dirty="0"/>
+              <a:t>cm</a:t>
+            </a:r>
+            <a:r>
+              <a:rPr lang="en-HK" baseline="30000" dirty="0"/>
+              <a:t>-2</a:t>
+            </a:r>
+            <a:r>
+              <a:rPr lang="en-HK" dirty="0"/>
+              <a:t> s</a:t>
+            </a:r>
+            <a:r>
+              <a:rPr lang="en-HK" baseline="30000" dirty="0"/>
+              <a:t>-1</a:t>
+            </a:r>
+          </a:p>
+          <a:p>
+            <a:pPr marL="973836" lvl="3">
+              <a:spcBef>
+                <a:spcPts val="750"/>
+              </a:spcBef>
+            </a:pPr>
+            <a:endParaRPr lang="en-HK" dirty="0"/>
           </a:p>
           <a:p>
             <a:endParaRPr lang="en-US" dirty="0"/>
@@ -9035,7 +10149,7 @@
           <a:p>
             <a:fld id="{B646D8CA-B2C0-41A8-8514-369D0B0735D6}" type="slidenum">
               <a:rPr lang="zh-TW" altLang="en-US" smtClean="0"/>
-              <a:t>19</a:t>
+              <a:t>22</a:t>
             </a:fld>
             <a:endParaRPr lang="zh-TW" altLang="en-US"/>
           </a:p>
@@ -9063,7 +10177,7 @@
           <a:graphicData uri="http://schemas.openxmlformats.org/presentationml/2006/ole">
             <mc:AlternateContent xmlns:mc="http://schemas.openxmlformats.org/markup-compatibility/2006">
               <mc:Choice xmlns:v="urn:schemas-microsoft-com:vml" Requires="v">
-                <p:oleObj spid="_x0000_s5128" name="Graph" r:id="rId3" imgW="4754880" imgH="3108960" progId="Origin50.Graph">
+                <p:oleObj spid="_x0000_s5151" name="Graph" r:id="rId3" imgW="4754880" imgH="3108960" progId="Origin50.Graph">
                   <p:embed/>
                 </p:oleObj>
               </mc:Choice>
@@ -9118,7 +10232,7 @@
 </p:sld>
 </file>
 
-<file path=ppt/slides/slide2.xml><?xml version="1.0" encoding="utf-8"?>
+<file path=ppt/slides/slide23.xml><?xml version="1.0" encoding="utf-8"?>
 <p:sld xmlns:a="http://schemas.openxmlformats.org/drawingml/2006/main" xmlns:r="http://schemas.openxmlformats.org/officeDocument/2006/relationships" xmlns:p="http://schemas.openxmlformats.org/presentationml/2006/main">
   <p:cSld>
     <p:spTree>
@@ -9151,281 +10265,6 @@
           <a:lstStyle/>
           <a:p>
             <a:r>
-              <a:rPr lang="en-HK" dirty="0" smtClean="0"/>
-              <a:t>Contents</a:t>
-            </a:r>
-            <a:endParaRPr lang="en-US" dirty="0"/>
-          </a:p>
-        </p:txBody>
-      </p:sp>
-      <p:sp>
-        <p:nvSpPr>
-          <p:cNvPr id="3" name="內容版面配置區 2"/>
-          <p:cNvSpPr>
-            <a:spLocks noGrp="1"/>
-          </p:cNvSpPr>
-          <p:nvPr>
-            <p:ph idx="1"/>
-          </p:nvPr>
-        </p:nvSpPr>
-        <p:spPr>
-          <a:xfrm>
-            <a:off x="508001" y="1129308"/>
-            <a:ext cx="8024439" cy="4464496"/>
-          </a:xfrm>
-        </p:spPr>
-        <p:txBody>
-          <a:bodyPr>
-            <a:noAutofit/>
-          </a:bodyPr>
-          <a:lstStyle/>
-          <a:p>
-            <a:r>
-              <a:rPr lang="en-HK" sz="1400" dirty="0" smtClean="0"/>
-              <a:t>Introduction</a:t>
-            </a:r>
-          </a:p>
-          <a:p>
-            <a:pPr lvl="1"/>
-            <a:r>
-              <a:rPr lang="en-HK" sz="1400" dirty="0" smtClean="0"/>
-              <a:t>Production mechanism of CN</a:t>
-            </a:r>
-            <a:r>
-              <a:rPr lang="en-HK" sz="1400" baseline="30000" dirty="0" smtClean="0"/>
-              <a:t>-</a:t>
-            </a:r>
-            <a:r>
-              <a:rPr lang="en-HK" sz="1400" dirty="0" smtClean="0"/>
-              <a:t> </a:t>
-            </a:r>
-          </a:p>
-          <a:p>
-            <a:pPr lvl="1"/>
-            <a:r>
-              <a:rPr lang="en-HK" sz="1400" dirty="0" smtClean="0"/>
-              <a:t>Deposition rate of methane on Charon</a:t>
-            </a:r>
-          </a:p>
-          <a:p>
-            <a:pPr lvl="1"/>
-            <a:r>
-              <a:rPr lang="en-HK" sz="1400" dirty="0" smtClean="0"/>
-              <a:t>Surface temperatures at different latitudes</a:t>
-            </a:r>
-          </a:p>
-          <a:p>
-            <a:pPr lvl="1"/>
-            <a:r>
-              <a:rPr lang="en-HK" sz="1400" dirty="0" smtClean="0"/>
-              <a:t>Ammonia on Organa Crater</a:t>
-            </a:r>
-          </a:p>
-          <a:p>
-            <a:r>
-              <a:rPr lang="en-HK" sz="1400" dirty="0" smtClean="0"/>
-              <a:t>Methodology</a:t>
-            </a:r>
-          </a:p>
-          <a:p>
-            <a:pPr lvl="1"/>
-            <a:r>
-              <a:rPr lang="en-HK" sz="1400" dirty="0"/>
-              <a:t>Experimental </a:t>
-            </a:r>
-            <a:r>
-              <a:rPr lang="en-HK" sz="1400" dirty="0" smtClean="0"/>
-              <a:t>setup</a:t>
-            </a:r>
-          </a:p>
-          <a:p>
-            <a:pPr lvl="1"/>
-            <a:r>
-              <a:rPr lang="en-HK" sz="1400" dirty="0" smtClean="0"/>
-              <a:t>Energy </a:t>
-            </a:r>
-            <a:r>
-              <a:rPr lang="en-HK" sz="1400" dirty="0"/>
-              <a:t>source and configurations</a:t>
-            </a:r>
-            <a:endParaRPr lang="en-HK" sz="1400" dirty="0" smtClean="0"/>
-          </a:p>
-          <a:p>
-            <a:r>
-              <a:rPr lang="en-HK" sz="1400" dirty="0" smtClean="0"/>
-              <a:t>Results</a:t>
-            </a:r>
-          </a:p>
-          <a:p>
-            <a:pPr lvl="1"/>
-            <a:r>
-              <a:rPr lang="en-HK" sz="1400" dirty="0"/>
-              <a:t>Production mechanism of CN</a:t>
-            </a:r>
-            <a:r>
-              <a:rPr lang="en-HK" sz="1400" baseline="30000" dirty="0"/>
-              <a:t>-</a:t>
-            </a:r>
-          </a:p>
-          <a:p>
-            <a:pPr lvl="1"/>
-            <a:r>
-              <a:rPr lang="en-HK" sz="1400" dirty="0"/>
-              <a:t>The relations between CN</a:t>
-            </a:r>
-            <a:r>
-              <a:rPr lang="en-HK" sz="1400" baseline="30000" dirty="0"/>
-              <a:t>-</a:t>
-            </a:r>
-            <a:r>
-              <a:rPr lang="en-HK" sz="1400" dirty="0"/>
-              <a:t> and C</a:t>
-            </a:r>
-            <a:r>
-              <a:rPr lang="en-HK" sz="1400" baseline="-25000" dirty="0"/>
-              <a:t>2</a:t>
-            </a:r>
-            <a:r>
-              <a:rPr lang="en-HK" sz="1400" dirty="0"/>
-              <a:t>H</a:t>
-            </a:r>
-            <a:r>
-              <a:rPr lang="en-HK" sz="1400" baseline="-25000" dirty="0"/>
-              <a:t>6</a:t>
-            </a:r>
-          </a:p>
-          <a:p>
-            <a:pPr lvl="1"/>
-            <a:r>
-              <a:rPr lang="en-HK" sz="1400" dirty="0"/>
-              <a:t>CN</a:t>
-            </a:r>
-            <a:r>
-              <a:rPr lang="en-HK" sz="1400" baseline="30000" dirty="0"/>
-              <a:t>-</a:t>
-            </a:r>
-            <a:r>
-              <a:rPr lang="en-HK" sz="1400" dirty="0"/>
-              <a:t> formation efficiency of EUV (40.1 eV) and VUV (9.27 eV</a:t>
-            </a:r>
-            <a:r>
-              <a:rPr lang="en-HK" sz="1400" dirty="0" smtClean="0"/>
-              <a:t>)</a:t>
-            </a:r>
-          </a:p>
-          <a:p>
-            <a:r>
-              <a:rPr lang="en-HK" sz="1400" dirty="0" smtClean="0"/>
-              <a:t>Astrophysical Implications</a:t>
-            </a:r>
-          </a:p>
-          <a:p>
-            <a:pPr lvl="1"/>
-            <a:r>
-              <a:rPr lang="en-HK" sz="1400" dirty="0" smtClean="0"/>
-              <a:t>Understand CN</a:t>
-            </a:r>
-            <a:r>
-              <a:rPr lang="en-HK" sz="1400" baseline="30000" dirty="0" smtClean="0"/>
-              <a:t>-</a:t>
-            </a:r>
-            <a:r>
-              <a:rPr lang="en-HK" sz="1400" dirty="0" smtClean="0"/>
-              <a:t> formation on Charon</a:t>
-            </a:r>
-          </a:p>
-          <a:p>
-            <a:pPr lvl="1"/>
-            <a:endParaRPr lang="en-HK" sz="1400" dirty="0" smtClean="0"/>
-          </a:p>
-          <a:p>
-            <a:pPr marL="342900" lvl="1" indent="0">
-              <a:buNone/>
-            </a:pPr>
-            <a:endParaRPr lang="en-HK" sz="1400" dirty="0" smtClean="0"/>
-          </a:p>
-          <a:p>
-            <a:pPr lvl="1"/>
-            <a:endParaRPr lang="en-US" sz="1400" dirty="0"/>
-          </a:p>
-        </p:txBody>
-      </p:sp>
-      <p:sp>
-        <p:nvSpPr>
-          <p:cNvPr id="4" name="投影片編號版面配置區 3"/>
-          <p:cNvSpPr>
-            <a:spLocks noGrp="1"/>
-          </p:cNvSpPr>
-          <p:nvPr>
-            <p:ph type="sldNum" sz="quarter" idx="12"/>
-          </p:nvPr>
-        </p:nvSpPr>
-        <p:spPr/>
-        <p:txBody>
-          <a:bodyPr/>
-          <a:lstStyle/>
-          <a:p>
-            <a:fld id="{B646D8CA-B2C0-41A8-8514-369D0B0735D6}" type="slidenum">
-              <a:rPr lang="zh-TW" altLang="en-US" smtClean="0"/>
-              <a:t>2</a:t>
-            </a:fld>
-            <a:endParaRPr lang="zh-TW" altLang="en-US"/>
-          </a:p>
-        </p:txBody>
-      </p:sp>
-    </p:spTree>
-    <p:extLst>
-      <p:ext uri="{BB962C8B-B14F-4D97-AF65-F5344CB8AC3E}">
-        <p14:creationId xmlns:p14="http://schemas.microsoft.com/office/powerpoint/2010/main" val="807146181"/>
-      </p:ext>
-    </p:extLst>
-  </p:cSld>
-  <p:clrMapOvr>
-    <a:masterClrMapping/>
-  </p:clrMapOvr>
-  <p:timing>
-    <p:tnLst>
-      <p:par>
-        <p:cTn id="1" dur="indefinite" restart="never" nodeType="tmRoot"/>
-      </p:par>
-    </p:tnLst>
-  </p:timing>
-</p:sld>
-</file>
-
-<file path=ppt/slides/slide20.xml><?xml version="1.0" encoding="utf-8"?>
-<p:sld xmlns:a="http://schemas.openxmlformats.org/drawingml/2006/main" xmlns:r="http://schemas.openxmlformats.org/officeDocument/2006/relationships" xmlns:p="http://schemas.openxmlformats.org/presentationml/2006/main">
-  <p:cSld>
-    <p:spTree>
-      <p:nvGrpSpPr>
-        <p:cNvPr id="1" name=""/>
-        <p:cNvGrpSpPr/>
-        <p:nvPr/>
-      </p:nvGrpSpPr>
-      <p:grpSpPr>
-        <a:xfrm>
-          <a:off x="0" y="0"/>
-          <a:ext cx="0" cy="0"/>
-          <a:chOff x="0" y="0"/>
-          <a:chExt cx="0" cy="0"/>
-        </a:xfrm>
-      </p:grpSpPr>
-      <p:sp>
-        <p:nvSpPr>
-          <p:cNvPr id="2" name="標題 1"/>
-          <p:cNvSpPr>
-            <a:spLocks noGrp="1"/>
-          </p:cNvSpPr>
-          <p:nvPr>
-            <p:ph type="title"/>
-          </p:nvPr>
-        </p:nvSpPr>
-        <p:spPr/>
-        <p:txBody>
-          <a:bodyPr/>
-          <a:lstStyle/>
-          <a:p>
-            <a:r>
               <a:rPr lang="en-HK" dirty="0"/>
               <a:t>Astrophysical implications</a:t>
             </a:r>
@@ -9495,17 +10334,28 @@
             </a:r>
             <a:r>
               <a:rPr lang="en-HK" dirty="0"/>
-              <a:t> x 130 earth years </a:t>
-            </a:r>
-          </a:p>
-          <a:p>
-            <a:pPr lvl="2"/>
+              <a:t> </a:t>
+            </a:r>
+            <a:r>
+              <a:rPr lang="en-HK" dirty="0" smtClean="0"/>
+              <a:t>(Grundy et al. 2016)</a:t>
+            </a:r>
+            <a:endParaRPr lang="en-HK" dirty="0"/>
+          </a:p>
+          <a:p>
+            <a:pPr marL="740664" lvl="2" indent="0">
+              <a:buNone/>
+            </a:pPr>
+            <a:r>
+              <a:rPr lang="en-HK" dirty="0" smtClean="0"/>
+              <a:t>= photon </a:t>
+            </a:r>
             <a:r>
               <a:rPr lang="en-HK" dirty="0"/>
-              <a:t>corresponds to photon dose = </a:t>
-            </a:r>
-            <a:r>
-              <a:rPr lang="en-US" altLang="zh-CN" dirty="0"/>
+              <a:t>dose </a:t>
+            </a:r>
+            <a:r>
+              <a:rPr lang="en-US" altLang="zh-CN" dirty="0" smtClean="0"/>
               <a:t>7.64</a:t>
             </a:r>
             <a:r>
@@ -9560,15 +10410,29 @@
               <a:t>-1 </a:t>
             </a:r>
             <a:r>
+              <a:rPr lang="en-US" altLang="zh-TW" dirty="0" smtClean="0"/>
+              <a:t>(</a:t>
+            </a:r>
+            <a:r>
+              <a:rPr lang="en-HK" altLang="zh-CN" dirty="0" err="1" smtClean="0"/>
+              <a:t>Hoey</a:t>
+            </a:r>
+            <a:r>
+              <a:rPr lang="en-HK" altLang="zh-CN" dirty="0" smtClean="0"/>
+              <a:t> et al. 2017</a:t>
+            </a:r>
+          </a:p>
+          <a:p>
+            <a:pPr marL="740664" lvl="2" indent="0">
+              <a:buNone/>
+            </a:pPr>
+            <a:r>
+              <a:rPr lang="en-HK" dirty="0" smtClean="0"/>
+              <a:t>= </a:t>
+            </a:r>
+            <a:r>
               <a:rPr lang="en-HK" dirty="0"/>
-              <a:t>x 130 earth years</a:t>
-            </a:r>
-          </a:p>
-          <a:p>
-            <a:pPr lvl="2"/>
-            <a:r>
-              <a:rPr lang="en-HK" dirty="0"/>
-              <a:t>= 82-246 ML in 130 earth years</a:t>
+              <a:t>82-246 ML in 130 earth years</a:t>
             </a:r>
           </a:p>
           <a:p>
@@ -9605,7 +10469,7 @@
           <a:p>
             <a:fld id="{B646D8CA-B2C0-41A8-8514-369D0B0735D6}" type="slidenum">
               <a:rPr lang="zh-TW" altLang="en-US" smtClean="0"/>
-              <a:t>20</a:t>
+              <a:t>23</a:t>
             </a:fld>
             <a:endParaRPr lang="zh-TW" altLang="en-US"/>
           </a:p>
@@ -9633,7 +10497,7 @@
           <a:graphicData uri="http://schemas.openxmlformats.org/presentationml/2006/ole">
             <mc:AlternateContent xmlns:mc="http://schemas.openxmlformats.org/markup-compatibility/2006">
               <mc:Choice xmlns:v="urn:schemas-microsoft-com:vml" Requires="v">
-                <p:oleObj spid="_x0000_s2243" name="Graph" r:id="rId3" imgW="4754880" imgH="3108960" progId="Origin50.Graph">
+                <p:oleObj spid="_x0000_s2266" name="Graph" r:id="rId3" imgW="4754880" imgH="3108960" progId="Origin50.Graph">
                   <p:embed/>
                 </p:oleObj>
               </mc:Choice>
@@ -9957,7 +10821,7 @@
 </p:sld>
 </file>
 
-<file path=ppt/slides/slide21.xml><?xml version="1.0" encoding="utf-8"?>
+<file path=ppt/slides/slide24.xml><?xml version="1.0" encoding="utf-8"?>
 <p:sld xmlns:a="http://schemas.openxmlformats.org/drawingml/2006/main" xmlns:r="http://schemas.openxmlformats.org/officeDocument/2006/relationships" xmlns:p="http://schemas.openxmlformats.org/presentationml/2006/main">
   <p:cSld>
     <p:spTree>
@@ -10079,7 +10943,11 @@
             </a:r>
             <a:r>
               <a:rPr lang="en-HK" dirty="0" smtClean="0"/>
-              <a:t>. The maximum amount of CN</a:t>
+              <a:t>. The maximum amount of </a:t>
+            </a:r>
+            <a:r>
+              <a:rPr lang="en-HK" dirty="0" smtClean="0"/>
+              <a:t>CN</a:t>
             </a:r>
             <a:r>
               <a:rPr lang="en-HK" baseline="30000" dirty="0" smtClean="0"/>
@@ -10087,7 +10955,11 @@
             </a:r>
             <a:r>
               <a:rPr lang="en-HK" dirty="0" smtClean="0"/>
-              <a:t> in Charon winter is simulated experimentally.</a:t>
+              <a:t> after Charon </a:t>
+            </a:r>
+            <a:r>
+              <a:rPr lang="en-HK" dirty="0" smtClean="0"/>
+              <a:t>winter is simulated experimentally.</a:t>
             </a:r>
             <a:endParaRPr lang="en-US" dirty="0"/>
           </a:p>
@@ -10110,7 +10982,7 @@
           <a:p>
             <a:fld id="{B646D8CA-B2C0-41A8-8514-369D0B0735D6}" type="slidenum">
               <a:rPr lang="zh-TW" altLang="en-US" smtClean="0"/>
-              <a:t>21</a:t>
+              <a:t>24</a:t>
             </a:fld>
             <a:endParaRPr lang="zh-TW" altLang="en-US"/>
           </a:p>
@@ -10475,23 +11347,58 @@
             </a:pPr>
             <a:r>
               <a:rPr lang="en-HK" dirty="0" smtClean="0"/>
-              <a:t>Variation of methane on Charon (quoted from </a:t>
-            </a:r>
-            <a:r>
-              <a:rPr lang="en-HK" dirty="0" err="1" smtClean="0"/>
+              <a:t>Variation of methane on </a:t>
+            </a:r>
+            <a:r>
+              <a:rPr lang="en-HK" dirty="0" smtClean="0"/>
+              <a:t>Charon</a:t>
+            </a:r>
+            <a:endParaRPr lang="en-HK" dirty="0" smtClean="0"/>
+          </a:p>
+        </p:txBody>
+      </p:sp>
+      <p:sp>
+        <p:nvSpPr>
+          <p:cNvPr id="3" name="矩形 2"/>
+          <p:cNvSpPr/>
+          <p:nvPr/>
+        </p:nvSpPr>
+        <p:spPr>
+          <a:xfrm>
+            <a:off x="5315440" y="5145804"/>
+            <a:ext cx="3408305" cy="369332"/>
+          </a:xfrm>
+          <a:prstGeom prst="rect">
+            <a:avLst/>
+          </a:prstGeom>
+        </p:spPr>
+        <p:txBody>
+          <a:bodyPr wrap="none">
+            <a:spAutoFit/>
+          </a:bodyPr>
+          <a:lstStyle/>
+          <a:p>
+            <a:r>
+              <a:rPr lang="en-HK" dirty="0" smtClean="0"/>
+              <a:t>quoted </a:t>
+            </a:r>
+            <a:r>
+              <a:rPr lang="en-HK" dirty="0"/>
+              <a:t>from </a:t>
+            </a:r>
+            <a:r>
+              <a:rPr lang="en-HK" dirty="0" err="1"/>
               <a:t>Hoey</a:t>
             </a:r>
             <a:r>
+              <a:rPr lang="en-HK" dirty="0"/>
+              <a:t> et al. (2017</a:t>
+            </a:r>
+            <a:r>
               <a:rPr lang="en-HK" dirty="0" smtClean="0"/>
-              <a:t> et al. (2017))</a:t>
-            </a:r>
-          </a:p>
-          <a:p>
-            <a:pPr marL="0" indent="0">
-              <a:buFont typeface="Tw Cen MT" panose="020B0602020104020603" pitchFamily="34" charset="0"/>
-              <a:buNone/>
-            </a:pPr>
-            <a:endParaRPr lang="en-HK" dirty="0" smtClean="0"/>
+              <a:t>)</a:t>
+            </a:r>
+            <a:endParaRPr lang="en-HK" dirty="0"/>
           </a:p>
         </p:txBody>
       </p:sp>
@@ -10578,8 +11485,8 @@
         </p:blipFill>
         <p:spPr>
           <a:xfrm>
-            <a:off x="3995936" y="26273"/>
-            <a:ext cx="3988845" cy="5697184"/>
+            <a:off x="3995937" y="26273"/>
+            <a:ext cx="3645990" cy="5207491"/>
           </a:xfrm>
         </p:spPr>
       </p:pic>
@@ -10878,6 +11785,39 @@
           </a:p>
         </p:txBody>
       </p:sp>
+      <p:sp>
+        <p:nvSpPr>
+          <p:cNvPr id="3" name="矩形 2"/>
+          <p:cNvSpPr/>
+          <p:nvPr/>
+        </p:nvSpPr>
+        <p:spPr>
+          <a:xfrm>
+            <a:off x="5161126" y="5233764"/>
+            <a:ext cx="3661580" cy="369332"/>
+          </a:xfrm>
+          <a:prstGeom prst="rect">
+            <a:avLst/>
+          </a:prstGeom>
+        </p:spPr>
+        <p:txBody>
+          <a:bodyPr wrap="none">
+            <a:spAutoFit/>
+          </a:bodyPr>
+          <a:lstStyle/>
+          <a:p>
+            <a:r>
+              <a:rPr lang="en-HK" dirty="0" smtClean="0"/>
+              <a:t>Quoted from </a:t>
+            </a:r>
+            <a:r>
+              <a:rPr lang="en-HK" dirty="0"/>
+              <a:t>Grundy et al. (2016)</a:t>
+            </a:r>
+            <a:endParaRPr lang="en-US" dirty="0"/>
+          </a:p>
+        </p:txBody>
+      </p:sp>
     </p:spTree>
     <p:extLst>
       <p:ext uri="{BB962C8B-B14F-4D97-AF65-F5344CB8AC3E}">
@@ -11021,7 +11961,7 @@
         </p:blipFill>
         <p:spPr>
           <a:xfrm>
-            <a:off x="2771800" y="1345332"/>
+            <a:off x="2411760" y="1164584"/>
             <a:ext cx="5533747" cy="4153644"/>
           </a:xfrm>
           <a:prstGeom prst="rect">
@@ -11037,7 +11977,7 @@
         </p:nvSpPr>
         <p:spPr>
           <a:xfrm>
-            <a:off x="7308304" y="2774037"/>
+            <a:off x="6907123" y="2613639"/>
             <a:ext cx="394857" cy="648072"/>
           </a:xfrm>
           <a:prstGeom prst="ellipse">
@@ -11072,6 +12012,35 @@
           <a:p>
             <a:pPr algn="ctr"/>
             <a:endParaRPr lang="en-US"/>
+          </a:p>
+        </p:txBody>
+      </p:sp>
+      <p:sp>
+        <p:nvSpPr>
+          <p:cNvPr id="7" name="矩形 6"/>
+          <p:cNvSpPr/>
+          <p:nvPr/>
+        </p:nvSpPr>
+        <p:spPr>
+          <a:xfrm>
+            <a:off x="5460929" y="5361745"/>
+            <a:ext cx="2840842" cy="369332"/>
+          </a:xfrm>
+          <a:prstGeom prst="rect">
+            <a:avLst/>
+          </a:prstGeom>
+        </p:spPr>
+        <p:txBody>
+          <a:bodyPr wrap="none">
+            <a:spAutoFit/>
+          </a:bodyPr>
+          <a:lstStyle/>
+          <a:p>
+            <a:r>
+              <a:rPr lang="en-HK" dirty="0"/>
+              <a:t>from Grundy et al. (2016)</a:t>
+            </a:r>
+            <a:endParaRPr lang="en-US" dirty="0"/>
           </a:p>
         </p:txBody>
       </p:sp>
@@ -11534,14 +12503,32 @@
             </a:pPr>
             <a:endParaRPr lang="en-HK" dirty="0" smtClean="0"/>
           </a:p>
-          <a:p>
-            <a:pPr marL="0" indent="0">
-              <a:buFont typeface="Tw Cen MT" panose="020B0602020104020603" pitchFamily="34" charset="0"/>
-              <a:buNone/>
-            </a:pPr>
-            <a:r>
-              <a:rPr lang="en-HK" dirty="0" smtClean="0"/>
-              <a:t>proposed by Kim and Kaiser (2011)</a:t>
+        </p:txBody>
+      </p:sp>
+      <p:sp>
+        <p:nvSpPr>
+          <p:cNvPr id="3" name="矩形 2"/>
+          <p:cNvSpPr/>
+          <p:nvPr/>
+        </p:nvSpPr>
+        <p:spPr>
+          <a:xfrm>
+            <a:off x="5004048" y="5177079"/>
+            <a:ext cx="3819444" cy="369332"/>
+          </a:xfrm>
+          <a:prstGeom prst="rect">
+            <a:avLst/>
+          </a:prstGeom>
+        </p:spPr>
+        <p:txBody>
+          <a:bodyPr wrap="none">
+            <a:spAutoFit/>
+          </a:bodyPr>
+          <a:lstStyle/>
+          <a:p>
+            <a:r>
+              <a:rPr lang="en-HK" dirty="0"/>
+              <a:t>Quoted from Kim and Kaiser (2011)</a:t>
             </a:r>
           </a:p>
         </p:txBody>
@@ -12569,7 +13556,7 @@
         </p:nvSpPr>
         <p:spPr>
           <a:xfrm>
-            <a:off x="449740" y="5347580"/>
+            <a:off x="5439140" y="5157789"/>
             <a:ext cx="3704860" cy="369332"/>
           </a:xfrm>
           <a:prstGeom prst="rect">

--- a/doc/VUV and EUV irradiation of CH4 + NH3.pptx
+++ b/doc/VUV and EUV irradiation of CH4 + NH3.pptx
@@ -4783,11 +4783,7 @@
                       </a:r>
                       <a:r>
                         <a:rPr lang="en-HK" baseline="0" dirty="0" smtClean="0"/>
-                        <a:t> </a:t>
-                      </a:r>
-                      <a:r>
-                        <a:rPr lang="en-HK" baseline="0" dirty="0" smtClean="0"/>
-                        <a:t>Source</a:t>
+                        <a:t> Source</a:t>
                       </a:r>
                       <a:endParaRPr lang="en-US" dirty="0"/>
                     </a:p>
@@ -5283,11 +5279,6 @@
                         </a:rPr>
                         <a:t>EUV </a:t>
                       </a:r>
-                      <a:endParaRPr lang="en-HK" dirty="0" smtClean="0">
-                        <a:solidFill>
-                          <a:schemeClr val="bg1"/>
-                        </a:solidFill>
-                      </a:endParaRPr>
                     </a:p>
                     <a:p>
                       <a:pPr algn="ctr"/>
@@ -5297,15 +5288,7 @@
                             <a:schemeClr val="bg1"/>
                           </a:solidFill>
                         </a:rPr>
-                        <a:t>(</a:t>
-                      </a:r>
-                      <a:r>
-                        <a:rPr lang="en-HK" dirty="0" smtClean="0">
-                          <a:solidFill>
-                            <a:schemeClr val="bg1"/>
-                          </a:solidFill>
-                        </a:rPr>
-                        <a:t>30.4 nm)</a:t>
+                        <a:t>(30.4 nm)</a:t>
                       </a:r>
                       <a:endParaRPr lang="en-US" dirty="0">
                         <a:solidFill>
@@ -6139,7 +6122,7 @@
           <a:graphicData uri="http://schemas.openxmlformats.org/presentationml/2006/ole">
             <mc:AlternateContent xmlns:mc="http://schemas.openxmlformats.org/markup-compatibility/2006">
               <mc:Choice xmlns:v="urn:schemas-microsoft-com:vml" Requires="v">
-                <p:oleObj spid="_x0000_s7183" name="Graph" r:id="rId3" imgW="4754880" imgH="3108960" progId="Origin50.Graph">
+                <p:oleObj spid="_x0000_s7230" name="Graph" r:id="rId3" imgW="4754880" imgH="3108960" progId="Origin50.Graph">
                   <p:embed/>
                 </p:oleObj>
               </mc:Choice>
@@ -7877,7 +7860,7 @@
           <a:graphicData uri="http://schemas.openxmlformats.org/presentationml/2006/ole">
             <mc:AlternateContent xmlns:mc="http://schemas.openxmlformats.org/markup-compatibility/2006">
               <mc:Choice xmlns:v="urn:schemas-microsoft-com:vml" Requires="v">
-                <p:oleObj spid="_x0000_s1305" name="Graph" r:id="rId3" imgW="4754880" imgH="3108960" progId="Origin50.Graph">
+                <p:oleObj spid="_x0000_s1352" name="Graph" r:id="rId3" imgW="4754880" imgH="3108960" progId="Origin50.Graph">
                   <p:embed/>
                 </p:oleObj>
               </mc:Choice>
@@ -8310,6 +8293,43 @@
           </a:fontRef>
         </p:style>
       </p:cxnSp>
+      <p:sp>
+        <p:nvSpPr>
+          <p:cNvPr id="3" name="矩形 2"/>
+          <p:cNvSpPr/>
+          <p:nvPr/>
+        </p:nvSpPr>
+        <p:spPr>
+          <a:xfrm>
+            <a:off x="5032375" y="5089748"/>
+            <a:ext cx="3197222" cy="256480"/>
+          </a:xfrm>
+          <a:prstGeom prst="rect">
+            <a:avLst/>
+          </a:prstGeom>
+        </p:spPr>
+        <p:txBody>
+          <a:bodyPr wrap="none">
+            <a:spAutoFit/>
+          </a:bodyPr>
+          <a:lstStyle/>
+          <a:p>
+            <a:pPr lvl="2"/>
+            <a:r>
+              <a:rPr lang="en-HK" sz="1600" baseline="-25000" dirty="0"/>
+              <a:t>(quoted from </a:t>
+            </a:r>
+            <a:r>
+              <a:rPr lang="en-HK" sz="1600" baseline="-25000" dirty="0" err="1"/>
+              <a:t>Kundu</a:t>
+            </a:r>
+            <a:r>
+              <a:rPr lang="en-HK" sz="1600" baseline="-25000" dirty="0"/>
+              <a:t> et al. (2017))</a:t>
+            </a:r>
+          </a:p>
+        </p:txBody>
+      </p:sp>
     </p:spTree>
     <p:extLst>
       <p:ext uri="{BB962C8B-B14F-4D97-AF65-F5344CB8AC3E}">
@@ -8401,7 +8421,156 @@
             <a:pPr lvl="1"/>
             <a:r>
               <a:rPr lang="en-HK" sz="1400" dirty="0" smtClean="0"/>
+              <a:t>Deposition </a:t>
+            </a:r>
+            <a:r>
+              <a:rPr lang="en-HK" sz="1400" dirty="0" smtClean="0"/>
+              <a:t>rate of methane on Charon</a:t>
+            </a:r>
+          </a:p>
+          <a:p>
+            <a:pPr lvl="1"/>
+            <a:r>
+              <a:rPr lang="en-HK" sz="1400" dirty="0" smtClean="0"/>
+              <a:t>Surface temperatures at different latitudes</a:t>
+            </a:r>
+          </a:p>
+          <a:p>
+            <a:pPr lvl="1"/>
+            <a:r>
+              <a:rPr lang="en-HK" sz="1400" dirty="0" smtClean="0"/>
+              <a:t>Ammonia on Organa </a:t>
+            </a:r>
+            <a:r>
+              <a:rPr lang="en-HK" sz="1400" dirty="0" smtClean="0"/>
+              <a:t>Crater</a:t>
+            </a:r>
+          </a:p>
+          <a:p>
+            <a:pPr lvl="1"/>
+            <a:r>
+              <a:rPr lang="en-HK" sz="1400" dirty="0"/>
               <a:t>Production mechanism of CN</a:t>
+            </a:r>
+            <a:r>
+              <a:rPr lang="en-HK" sz="1400" baseline="30000" dirty="0"/>
+              <a:t>-</a:t>
+            </a:r>
+            <a:r>
+              <a:rPr lang="en-HK" sz="1400" dirty="0"/>
+              <a:t> </a:t>
+            </a:r>
+            <a:endParaRPr lang="en-HK" sz="1400" dirty="0" smtClean="0"/>
+          </a:p>
+          <a:p>
+            <a:r>
+              <a:rPr lang="en-HK" sz="1400" dirty="0" smtClean="0"/>
+              <a:t>Methodology</a:t>
+            </a:r>
+          </a:p>
+          <a:p>
+            <a:pPr lvl="1"/>
+            <a:r>
+              <a:rPr lang="en-HK" sz="1400" dirty="0"/>
+              <a:t>Experimental </a:t>
+            </a:r>
+            <a:r>
+              <a:rPr lang="en-HK" sz="1400" dirty="0" smtClean="0"/>
+              <a:t>setup</a:t>
+            </a:r>
+          </a:p>
+          <a:p>
+            <a:pPr lvl="1"/>
+            <a:r>
+              <a:rPr lang="en-HK" sz="1400" dirty="0" smtClean="0"/>
+              <a:t>Energy source</a:t>
+            </a:r>
+          </a:p>
+          <a:p>
+            <a:pPr lvl="1"/>
+            <a:r>
+              <a:rPr lang="en-HK" sz="1400" dirty="0" smtClean="0"/>
+              <a:t>Experimental </a:t>
+            </a:r>
+            <a:r>
+              <a:rPr lang="en-HK" sz="1400" dirty="0" smtClean="0"/>
+              <a:t>Configurations</a:t>
+            </a:r>
+          </a:p>
+          <a:p>
+            <a:r>
+              <a:rPr lang="en-HK" sz="1400" dirty="0" smtClean="0"/>
+              <a:t>Results</a:t>
+            </a:r>
+          </a:p>
+          <a:p>
+            <a:pPr lvl="1"/>
+            <a:r>
+              <a:rPr lang="en-HK" sz="1400" dirty="0"/>
+              <a:t>Production mechanism of CN</a:t>
+            </a:r>
+            <a:r>
+              <a:rPr lang="en-HK" sz="1400" baseline="30000" dirty="0"/>
+              <a:t>-</a:t>
+            </a:r>
+          </a:p>
+          <a:p>
+            <a:pPr lvl="1"/>
+            <a:r>
+              <a:rPr lang="en-HK" sz="1400" dirty="0"/>
+              <a:t>The relations between CN</a:t>
+            </a:r>
+            <a:r>
+              <a:rPr lang="en-HK" sz="1400" baseline="30000" dirty="0"/>
+              <a:t>-</a:t>
+            </a:r>
+            <a:r>
+              <a:rPr lang="en-HK" sz="1400" dirty="0"/>
+              <a:t> and C</a:t>
+            </a:r>
+            <a:r>
+              <a:rPr lang="en-HK" sz="1400" baseline="-25000" dirty="0"/>
+              <a:t>2</a:t>
+            </a:r>
+            <a:r>
+              <a:rPr lang="en-HK" sz="1400" dirty="0"/>
+              <a:t>H</a:t>
+            </a:r>
+            <a:r>
+              <a:rPr lang="en-HK" sz="1400" baseline="-25000" dirty="0"/>
+              <a:t>6</a:t>
+            </a:r>
+          </a:p>
+          <a:p>
+            <a:pPr lvl="1"/>
+            <a:r>
+              <a:rPr lang="en-HK" sz="1400" dirty="0"/>
+              <a:t>CN</a:t>
+            </a:r>
+            <a:r>
+              <a:rPr lang="en-HK" sz="1400" baseline="30000" dirty="0"/>
+              <a:t>-</a:t>
+            </a:r>
+            <a:r>
+              <a:rPr lang="en-HK" sz="1400" dirty="0"/>
+              <a:t> formation efficiency of EUV (40.1 eV) and VUV (9.27 eV</a:t>
+            </a:r>
+            <a:r>
+              <a:rPr lang="en-HK" sz="1400" dirty="0" smtClean="0"/>
+              <a:t>)</a:t>
+            </a:r>
+          </a:p>
+          <a:p>
+            <a:r>
+              <a:rPr lang="en-HK" sz="1400" dirty="0" smtClean="0"/>
+              <a:t>Astrophysical Implications</a:t>
+            </a:r>
+          </a:p>
+          <a:p>
+            <a:pPr lvl="1"/>
+            <a:r>
+              <a:rPr lang="en-HK" sz="1400" dirty="0" smtClean="0"/>
+              <a:t>Understand CN</a:t>
             </a:r>
             <a:r>
               <a:rPr lang="en-HK" sz="1400" baseline="30000" dirty="0" smtClean="0"/>
@@ -8409,150 +8578,13 @@
             </a:r>
             <a:r>
               <a:rPr lang="en-HK" sz="1400" dirty="0" smtClean="0"/>
-              <a:t> </a:t>
-            </a:r>
-          </a:p>
-          <a:p>
-            <a:pPr lvl="1"/>
+              <a:t> formation </a:t>
+            </a:r>
             <a:r>
               <a:rPr lang="en-HK" sz="1400" dirty="0" smtClean="0"/>
-              <a:t>Deposition rate of methane on Charon</a:t>
-            </a:r>
-          </a:p>
-          <a:p>
-            <a:pPr lvl="1"/>
-            <a:r>
-              <a:rPr lang="en-HK" sz="1400" dirty="0" smtClean="0"/>
-              <a:t>Surface temperatures at different latitudes</a:t>
-            </a:r>
-          </a:p>
-          <a:p>
-            <a:pPr lvl="1"/>
-            <a:r>
-              <a:rPr lang="en-HK" sz="1400" dirty="0" smtClean="0"/>
-              <a:t>Ammonia on Organa Crater</a:t>
-            </a:r>
-          </a:p>
-          <a:p>
-            <a:r>
-              <a:rPr lang="en-HK" sz="1400" dirty="0" smtClean="0"/>
-              <a:t>Methodology</a:t>
-            </a:r>
-          </a:p>
-          <a:p>
-            <a:pPr lvl="1"/>
-            <a:r>
-              <a:rPr lang="en-HK" sz="1400" dirty="0"/>
-              <a:t>Experimental </a:t>
-            </a:r>
-            <a:r>
-              <a:rPr lang="en-HK" sz="1400" dirty="0" smtClean="0"/>
-              <a:t>setup</a:t>
-            </a:r>
-          </a:p>
-          <a:p>
-            <a:pPr lvl="1"/>
-            <a:r>
-              <a:rPr lang="en-HK" sz="1400" dirty="0" smtClean="0"/>
-              <a:t>Energy source</a:t>
-            </a:r>
-          </a:p>
-          <a:p>
-            <a:pPr lvl="1"/>
-            <a:r>
-              <a:rPr lang="en-HK" sz="1400" dirty="0" err="1" smtClean="0"/>
-              <a:t>Experimentsl</a:t>
-            </a:r>
-            <a:r>
-              <a:rPr lang="en-HK" sz="1400" dirty="0" smtClean="0"/>
-              <a:t> Configurations</a:t>
+              <a:t>after winter on surface of Charon</a:t>
             </a:r>
             <a:endParaRPr lang="en-HK" sz="1400" dirty="0" smtClean="0"/>
-          </a:p>
-          <a:p>
-            <a:r>
-              <a:rPr lang="en-HK" sz="1400" dirty="0" smtClean="0"/>
-              <a:t>Results</a:t>
-            </a:r>
-            <a:endParaRPr lang="en-HK" sz="1400" dirty="0" smtClean="0"/>
-          </a:p>
-          <a:p>
-            <a:pPr lvl="1"/>
-            <a:r>
-              <a:rPr lang="en-HK" sz="1400" dirty="0"/>
-              <a:t>Production mechanism of CN</a:t>
-            </a:r>
-            <a:r>
-              <a:rPr lang="en-HK" sz="1400" baseline="30000" dirty="0"/>
-              <a:t>-</a:t>
-            </a:r>
-          </a:p>
-          <a:p>
-            <a:pPr lvl="1"/>
-            <a:r>
-              <a:rPr lang="en-HK" sz="1400" dirty="0"/>
-              <a:t>The relations between CN</a:t>
-            </a:r>
-            <a:r>
-              <a:rPr lang="en-HK" sz="1400" baseline="30000" dirty="0"/>
-              <a:t>-</a:t>
-            </a:r>
-            <a:r>
-              <a:rPr lang="en-HK" sz="1400" dirty="0"/>
-              <a:t> and C</a:t>
-            </a:r>
-            <a:r>
-              <a:rPr lang="en-HK" sz="1400" baseline="-25000" dirty="0"/>
-              <a:t>2</a:t>
-            </a:r>
-            <a:r>
-              <a:rPr lang="en-HK" sz="1400" dirty="0"/>
-              <a:t>H</a:t>
-            </a:r>
-            <a:r>
-              <a:rPr lang="en-HK" sz="1400" baseline="-25000" dirty="0"/>
-              <a:t>6</a:t>
-            </a:r>
-          </a:p>
-          <a:p>
-            <a:pPr lvl="1"/>
-            <a:r>
-              <a:rPr lang="en-HK" sz="1400" dirty="0"/>
-              <a:t>CN</a:t>
-            </a:r>
-            <a:r>
-              <a:rPr lang="en-HK" sz="1400" baseline="30000" dirty="0"/>
-              <a:t>-</a:t>
-            </a:r>
-            <a:r>
-              <a:rPr lang="en-HK" sz="1400" dirty="0"/>
-              <a:t> formation efficiency of EUV (40.1 eV) and VUV (9.27 eV</a:t>
-            </a:r>
-            <a:r>
-              <a:rPr lang="en-HK" sz="1400" dirty="0" smtClean="0"/>
-              <a:t>)</a:t>
-            </a:r>
-          </a:p>
-          <a:p>
-            <a:r>
-              <a:rPr lang="en-HK" sz="1400" dirty="0" smtClean="0"/>
-              <a:t>Astrophysical Implications</a:t>
-            </a:r>
-          </a:p>
-          <a:p>
-            <a:pPr lvl="1"/>
-            <a:r>
-              <a:rPr lang="en-HK" sz="1400" dirty="0" smtClean="0"/>
-              <a:t>Understand CN</a:t>
-            </a:r>
-            <a:r>
-              <a:rPr lang="en-HK" sz="1400" baseline="30000" dirty="0" smtClean="0"/>
-              <a:t>-</a:t>
-            </a:r>
-            <a:r>
-              <a:rPr lang="en-HK" sz="1400" dirty="0" smtClean="0"/>
-              <a:t> formation on Charon</a:t>
-            </a:r>
           </a:p>
           <a:p>
             <a:pPr lvl="1"/>
@@ -8766,7 +8798,7 @@
           <a:graphicData uri="http://schemas.openxmlformats.org/presentationml/2006/ole">
             <mc:AlternateContent xmlns:mc="http://schemas.openxmlformats.org/markup-compatibility/2006">
               <mc:Choice xmlns:v="urn:schemas-microsoft-com:vml" Requires="v">
-                <p:oleObj spid="_x0000_s4202" name="Graph" r:id="rId3" imgW="4754880" imgH="3108960" progId="Origin50.Graph">
+                <p:oleObj spid="_x0000_s4296" name="Graph" r:id="rId3" imgW="4754880" imgH="3108960" progId="Origin50.Graph">
                   <p:embed/>
                 </p:oleObj>
               </mc:Choice>
@@ -8823,7 +8855,7 @@
           <a:graphicData uri="http://schemas.openxmlformats.org/presentationml/2006/ole">
             <mc:AlternateContent xmlns:mc="http://schemas.openxmlformats.org/markup-compatibility/2006">
               <mc:Choice xmlns:v="urn:schemas-microsoft-com:vml" Requires="v">
-                <p:oleObj spid="_x0000_s4203" name="Graph" r:id="rId5" imgW="4754880" imgH="3108960" progId="Origin50.Graph">
+                <p:oleObj spid="_x0000_s4297" name="Graph" r:id="rId5" imgW="4754880" imgH="3108960" progId="Origin50.Graph">
                   <p:embed/>
                 </p:oleObj>
               </mc:Choice>
@@ -9887,7 +9919,7 @@
           <a:graphicData uri="http://schemas.openxmlformats.org/presentationml/2006/ole">
             <mc:AlternateContent xmlns:mc="http://schemas.openxmlformats.org/markup-compatibility/2006">
               <mc:Choice xmlns:v="urn:schemas-microsoft-com:vml" Requires="v">
-                <p:oleObj spid="_x0000_s3158" name="Graph" r:id="rId3" imgW="4754880" imgH="3108960" progId="Origin50.Graph">
+                <p:oleObj spid="_x0000_s3205" name="Graph" r:id="rId3" imgW="4754880" imgH="3108960" progId="Origin50.Graph">
                   <p:embed/>
                 </p:oleObj>
               </mc:Choice>
@@ -10014,39 +10046,22 @@
             </a:r>
             <a:r>
               <a:rPr lang="en-HK" dirty="0" smtClean="0"/>
-              <a:t> on </a:t>
-            </a:r>
+              <a:t> on Charon</a:t>
+            </a:r>
+          </a:p>
+          <a:p>
+            <a:pPr lvl="1"/>
             <a:r>
               <a:rPr lang="en-HK" dirty="0" smtClean="0"/>
-              <a:t>Charon</a:t>
-            </a:r>
-            <a:endParaRPr lang="en-HK" dirty="0" smtClean="0"/>
+              <a:t>3.06 to 4.28 times more efficient by VUV then EUV</a:t>
+            </a:r>
+            <a:endParaRPr lang="en-HK" dirty="0"/>
           </a:p>
           <a:p>
             <a:pPr lvl="1"/>
             <a:r>
               <a:rPr lang="en-HK" dirty="0" smtClean="0"/>
-              <a:t>3.06 </a:t>
-            </a:r>
-            <a:r>
-              <a:rPr lang="en-HK" dirty="0" smtClean="0"/>
-              <a:t>to 4.28 times more efficient by VUV then EUV</a:t>
-            </a:r>
-            <a:endParaRPr lang="en-HK" dirty="0"/>
-          </a:p>
-          <a:p>
-            <a:pPr lvl="1"/>
-            <a:r>
-              <a:rPr lang="en-HK" dirty="0" smtClean="0"/>
-              <a:t>VUV flux is 1 order of magnitude more intense than EUV irradiations </a:t>
-            </a:r>
-            <a:r>
-              <a:rPr lang="en-HK" dirty="0" smtClean="0"/>
-              <a:t>(</a:t>
-            </a:r>
-            <a:r>
-              <a:rPr lang="en-HK" dirty="0" smtClean="0"/>
-              <a:t>Grundy et al. 2016)</a:t>
+              <a:t>VUV flux is 1 order of magnitude more intense than EUV irradiations (Grundy et al. 2016)</a:t>
             </a:r>
           </a:p>
           <a:p>
@@ -10177,7 +10192,7 @@
           <a:graphicData uri="http://schemas.openxmlformats.org/presentationml/2006/ole">
             <mc:AlternateContent xmlns:mc="http://schemas.openxmlformats.org/markup-compatibility/2006">
               <mc:Choice xmlns:v="urn:schemas-microsoft-com:vml" Requires="v">
-                <p:oleObj spid="_x0000_s5151" name="Graph" r:id="rId3" imgW="4754880" imgH="3108960" progId="Origin50.Graph">
+                <p:oleObj spid="_x0000_s5198" name="Graph" r:id="rId3" imgW="4754880" imgH="3108960" progId="Origin50.Graph">
                   <p:embed/>
                 </p:oleObj>
               </mc:Choice>
@@ -10497,7 +10512,7 @@
           <a:graphicData uri="http://schemas.openxmlformats.org/presentationml/2006/ole">
             <mc:AlternateContent xmlns:mc="http://schemas.openxmlformats.org/markup-compatibility/2006">
               <mc:Choice xmlns:v="urn:schemas-microsoft-com:vml" Requires="v">
-                <p:oleObj spid="_x0000_s2266" name="Graph" r:id="rId3" imgW="4754880" imgH="3108960" progId="Origin50.Graph">
+                <p:oleObj spid="_x0000_s2313" name="Graph" r:id="rId3" imgW="4754880" imgH="3108960" progId="Origin50.Graph">
                   <p:embed/>
                 </p:oleObj>
               </mc:Choice>
@@ -10571,13 +10586,13 @@
           <p:nvPr>
             <p:extLst>
               <p:ext uri="{D42A27DB-BD31-4B8C-83A1-F6EECF244321}">
-                <p14:modId xmlns:p14="http://schemas.microsoft.com/office/powerpoint/2010/main" val="4269520999"/>
+                <p14:modId xmlns:p14="http://schemas.microsoft.com/office/powerpoint/2010/main" val="3844474556"/>
               </p:ext>
             </p:extLst>
           </p:nvPr>
         </p:nvGraphicFramePr>
         <p:xfrm>
-          <a:off x="704230" y="3843040"/>
+          <a:off x="971600" y="3843040"/>
           <a:ext cx="2464048" cy="1854200"/>
         </p:xfrm>
         <a:graphic>
@@ -10943,11 +10958,7 @@
             </a:r>
             <a:r>
               <a:rPr lang="en-HK" dirty="0" smtClean="0"/>
-              <a:t>. The maximum amount of </a:t>
-            </a:r>
-            <a:r>
-              <a:rPr lang="en-HK" dirty="0" smtClean="0"/>
-              <a:t>CN</a:t>
+              <a:t>. The maximum amount of CN</a:t>
             </a:r>
             <a:r>
               <a:rPr lang="en-HK" baseline="30000" dirty="0" smtClean="0"/>
@@ -10955,11 +10966,7 @@
             </a:r>
             <a:r>
               <a:rPr lang="en-HK" dirty="0" smtClean="0"/>
-              <a:t> after Charon </a:t>
-            </a:r>
-            <a:r>
-              <a:rPr lang="en-HK" dirty="0" smtClean="0"/>
-              <a:t>winter is simulated experimentally.</a:t>
+              <a:t> after Charon winter is simulated experimentally.</a:t>
             </a:r>
             <a:endParaRPr lang="en-US" dirty="0"/>
           </a:p>
@@ -11041,9 +11048,12 @@
           <a:lstStyle/>
           <a:p>
             <a:r>
-              <a:rPr lang="en-US" dirty="0" smtClean="0"/>
-              <a:t>Introduction</a:t>
-            </a:r>
+              <a:rPr lang="en-HK" dirty="0"/>
+              <a:t>Variation of methane on Charon</a:t>
+            </a:r>
+            <a:br>
+              <a:rPr lang="en-HK" dirty="0"/>
+            </a:br>
             <a:endParaRPr lang="en-US" dirty="0"/>
           </a:p>
         </p:txBody>
@@ -11097,263 +11107,6 @@
               <a:t>3</a:t>
             </a:fld>
             <a:endParaRPr lang="zh-TW" altLang="en-US"/>
-          </a:p>
-        </p:txBody>
-      </p:sp>
-      <p:sp>
-        <p:nvSpPr>
-          <p:cNvPr id="6" name="內容版面配置區 2"/>
-          <p:cNvSpPr txBox="1">
-            <a:spLocks/>
-          </p:cNvSpPr>
-          <p:nvPr/>
-        </p:nvSpPr>
-        <p:spPr>
-          <a:xfrm>
-            <a:off x="683568" y="1489348"/>
-            <a:ext cx="7290055" cy="3352800"/>
-          </a:xfrm>
-          <a:prstGeom prst="rect">
-            <a:avLst/>
-          </a:prstGeom>
-        </p:spPr>
-        <p:txBody>
-          <a:bodyPr vert="horz" lIns="45720" tIns="45720" rIns="45720" bIns="45720" rtlCol="0">
-            <a:normAutofit/>
-          </a:bodyPr>
-          <a:lstStyle>
-            <a:lvl1pPr marL="68580" indent="-68580" algn="l" defTabSz="685800" rtl="0" eaLnBrk="1" latinLnBrk="0" hangingPunct="1">
-              <a:lnSpc>
-                <a:spcPct val="90000"/>
-              </a:lnSpc>
-              <a:spcBef>
-                <a:spcPts val="900"/>
-              </a:spcBef>
-              <a:spcAft>
-                <a:spcPts val="150"/>
-              </a:spcAft>
-              <a:buClr>
-                <a:schemeClr val="accent1"/>
-              </a:buClr>
-              <a:buSzPct val="100000"/>
-              <a:buFont typeface="Tw Cen MT" panose="020B0602020104020603" pitchFamily="34" charset="0"/>
-              <a:buChar char=" "/>
-              <a:defRPr sz="1650" kern="1200">
-                <a:solidFill>
-                  <a:schemeClr val="tx1"/>
-                </a:solidFill>
-                <a:latin typeface="+mn-lt"/>
-                <a:ea typeface="+mn-ea"/>
-                <a:cs typeface="+mn-cs"/>
-              </a:defRPr>
-            </a:lvl1pPr>
-            <a:lvl2pPr marL="198882" indent="-102870" algn="l" defTabSz="685800" rtl="0" eaLnBrk="1" latinLnBrk="0" hangingPunct="1">
-              <a:lnSpc>
-                <a:spcPct val="90000"/>
-              </a:lnSpc>
-              <a:spcBef>
-                <a:spcPts val="150"/>
-              </a:spcBef>
-              <a:spcAft>
-                <a:spcPts val="300"/>
-              </a:spcAft>
-              <a:buClr>
-                <a:schemeClr val="accent1"/>
-              </a:buClr>
-              <a:buFont typeface="Wingdings 3" pitchFamily="18" charset="2"/>
-              <a:buChar char=""/>
-              <a:defRPr sz="1350" kern="1200">
-                <a:solidFill>
-                  <a:schemeClr val="tx1"/>
-                </a:solidFill>
-                <a:latin typeface="+mn-lt"/>
-                <a:ea typeface="+mn-ea"/>
-                <a:cs typeface="+mn-cs"/>
-              </a:defRPr>
-            </a:lvl2pPr>
-            <a:lvl3pPr marL="336042" indent="-102870" algn="l" defTabSz="685800" rtl="0" eaLnBrk="1" latinLnBrk="0" hangingPunct="1">
-              <a:lnSpc>
-                <a:spcPct val="90000"/>
-              </a:lnSpc>
-              <a:spcBef>
-                <a:spcPts val="150"/>
-              </a:spcBef>
-              <a:spcAft>
-                <a:spcPts val="300"/>
-              </a:spcAft>
-              <a:buClr>
-                <a:schemeClr val="accent1"/>
-              </a:buClr>
-              <a:buFont typeface="Wingdings 3" pitchFamily="18" charset="2"/>
-              <a:buChar char=""/>
-              <a:defRPr sz="1050" kern="1200">
-                <a:solidFill>
-                  <a:schemeClr val="tx1"/>
-                </a:solidFill>
-                <a:latin typeface="+mn-lt"/>
-                <a:ea typeface="+mn-ea"/>
-                <a:cs typeface="+mn-cs"/>
-              </a:defRPr>
-            </a:lvl3pPr>
-            <a:lvl4pPr marL="445770" indent="-102870" algn="l" defTabSz="685800" rtl="0" eaLnBrk="1" latinLnBrk="0" hangingPunct="1">
-              <a:lnSpc>
-                <a:spcPct val="90000"/>
-              </a:lnSpc>
-              <a:spcBef>
-                <a:spcPts val="150"/>
-              </a:spcBef>
-              <a:spcAft>
-                <a:spcPts val="300"/>
-              </a:spcAft>
-              <a:buClr>
-                <a:schemeClr val="accent1"/>
-              </a:buClr>
-              <a:buFont typeface="Wingdings 3" pitchFamily="18" charset="2"/>
-              <a:buChar char=""/>
-              <a:defRPr sz="1050" kern="1200">
-                <a:solidFill>
-                  <a:schemeClr val="tx1"/>
-                </a:solidFill>
-                <a:latin typeface="+mn-lt"/>
-                <a:ea typeface="+mn-ea"/>
-                <a:cs typeface="+mn-cs"/>
-              </a:defRPr>
-            </a:lvl4pPr>
-            <a:lvl5pPr marL="582930" indent="-102870" algn="l" defTabSz="685800" rtl="0" eaLnBrk="1" latinLnBrk="0" hangingPunct="1">
-              <a:lnSpc>
-                <a:spcPct val="90000"/>
-              </a:lnSpc>
-              <a:spcBef>
-                <a:spcPts val="150"/>
-              </a:spcBef>
-              <a:spcAft>
-                <a:spcPts val="300"/>
-              </a:spcAft>
-              <a:buClr>
-                <a:schemeClr val="accent1"/>
-              </a:buClr>
-              <a:buFont typeface="Wingdings 3" pitchFamily="18" charset="2"/>
-              <a:buChar char=""/>
-              <a:defRPr sz="1050" kern="1200">
-                <a:solidFill>
-                  <a:schemeClr val="tx1"/>
-                </a:solidFill>
-                <a:latin typeface="+mn-lt"/>
-                <a:ea typeface="+mn-ea"/>
-                <a:cs typeface="+mn-cs"/>
-              </a:defRPr>
-            </a:lvl5pPr>
-            <a:lvl6pPr marL="685800" indent="-102870" algn="l" defTabSz="685800" rtl="0" eaLnBrk="1" latinLnBrk="0" hangingPunct="1">
-              <a:lnSpc>
-                <a:spcPct val="90000"/>
-              </a:lnSpc>
-              <a:spcBef>
-                <a:spcPts val="150"/>
-              </a:spcBef>
-              <a:spcAft>
-                <a:spcPts val="300"/>
-              </a:spcAft>
-              <a:buClr>
-                <a:schemeClr val="accent1"/>
-              </a:buClr>
-              <a:buFont typeface="Wingdings 3" pitchFamily="18" charset="2"/>
-              <a:buChar char=""/>
-              <a:defRPr sz="1050" kern="1200">
-                <a:solidFill>
-                  <a:schemeClr val="tx1"/>
-                </a:solidFill>
-                <a:latin typeface="+mn-lt"/>
-                <a:ea typeface="+mn-ea"/>
-                <a:cs typeface="+mn-cs"/>
-              </a:defRPr>
-            </a:lvl6pPr>
-            <a:lvl7pPr marL="795528" indent="-102870" algn="l" defTabSz="685800" rtl="0" eaLnBrk="1" latinLnBrk="0" hangingPunct="1">
-              <a:lnSpc>
-                <a:spcPct val="90000"/>
-              </a:lnSpc>
-              <a:spcBef>
-                <a:spcPts val="150"/>
-              </a:spcBef>
-              <a:spcAft>
-                <a:spcPts val="300"/>
-              </a:spcAft>
-              <a:buClr>
-                <a:schemeClr val="accent1"/>
-              </a:buClr>
-              <a:buFont typeface="Wingdings 3" pitchFamily="18" charset="2"/>
-              <a:buChar char=""/>
-              <a:defRPr sz="1050" kern="1200">
-                <a:solidFill>
-                  <a:schemeClr val="tx1"/>
-                </a:solidFill>
-                <a:latin typeface="+mn-lt"/>
-                <a:ea typeface="+mn-ea"/>
-                <a:cs typeface="+mn-cs"/>
-              </a:defRPr>
-            </a:lvl7pPr>
-            <a:lvl8pPr marL="912114" indent="-102870" algn="l" defTabSz="685800" rtl="0" eaLnBrk="1" latinLnBrk="0" hangingPunct="1">
-              <a:lnSpc>
-                <a:spcPct val="90000"/>
-              </a:lnSpc>
-              <a:spcBef>
-                <a:spcPts val="150"/>
-              </a:spcBef>
-              <a:spcAft>
-                <a:spcPts val="300"/>
-              </a:spcAft>
-              <a:buClr>
-                <a:schemeClr val="accent1"/>
-              </a:buClr>
-              <a:buFont typeface="Wingdings 3" pitchFamily="18" charset="2"/>
-              <a:buChar char=""/>
-              <a:defRPr sz="1050" kern="1200">
-                <a:solidFill>
-                  <a:schemeClr val="tx1"/>
-                </a:solidFill>
-                <a:latin typeface="+mn-lt"/>
-                <a:ea typeface="+mn-ea"/>
-                <a:cs typeface="+mn-cs"/>
-              </a:defRPr>
-            </a:lvl8pPr>
-            <a:lvl9pPr marL="1021842" indent="-102870" algn="l" defTabSz="685800" rtl="0" eaLnBrk="1" latinLnBrk="0" hangingPunct="1">
-              <a:lnSpc>
-                <a:spcPct val="90000"/>
-              </a:lnSpc>
-              <a:spcBef>
-                <a:spcPts val="150"/>
-              </a:spcBef>
-              <a:spcAft>
-                <a:spcPts val="300"/>
-              </a:spcAft>
-              <a:buClr>
-                <a:schemeClr val="accent1"/>
-              </a:buClr>
-              <a:buFont typeface="Wingdings 3" pitchFamily="18" charset="2"/>
-              <a:buChar char=""/>
-              <a:defRPr sz="1050" kern="1200">
-                <a:solidFill>
-                  <a:schemeClr val="tx1"/>
-                </a:solidFill>
-                <a:latin typeface="+mn-lt"/>
-                <a:ea typeface="+mn-ea"/>
-                <a:cs typeface="+mn-cs"/>
-              </a:defRPr>
-            </a:lvl9pPr>
-          </a:lstStyle>
-          <a:p>
-            <a:pPr marL="0" indent="0">
-              <a:buFont typeface="Tw Cen MT" panose="020B0602020104020603" pitchFamily="34" charset="0"/>
-              <a:buNone/>
-            </a:pPr>
-            <a:r>
-              <a:rPr lang="en-HK" dirty="0" smtClean="0"/>
-              <a:t>Variation of methane on </a:t>
-            </a:r>
-            <a:r>
-              <a:rPr lang="en-HK" dirty="0" smtClean="0"/>
-              <a:t>Charon</a:t>
-            </a:r>
-            <a:endParaRPr lang="en-HK" dirty="0" smtClean="0"/>
           </a:p>
         </p:txBody>
       </p:sp>
@@ -11451,13 +11204,27 @@
         </p:nvSpPr>
         <p:spPr/>
         <p:txBody>
-          <a:bodyPr/>
+          <a:bodyPr>
+            <a:normAutofit/>
+          </a:bodyPr>
           <a:lstStyle/>
           <a:p>
-            <a:r>
-              <a:rPr lang="en-US" dirty="0"/>
-              <a:t>Introduction</a:t>
-            </a:r>
+            <a:pPr lvl="1" algn="l" defTabSz="685800" rtl="0">
+              <a:lnSpc>
+                <a:spcPct val="89000"/>
+              </a:lnSpc>
+              <a:spcBef>
+                <a:spcPct val="0"/>
+              </a:spcBef>
+            </a:pPr>
+            <a:r>
+              <a:rPr lang="en-US" dirty="0" smtClean="0"/>
+              <a:t/>
+            </a:r>
+            <a:br>
+              <a:rPr lang="en-US" dirty="0" smtClean="0"/>
+            </a:br>
+            <a:endParaRPr lang="en-US" dirty="0"/>
           </a:p>
         </p:txBody>
       </p:sp>
@@ -11485,8 +11252,8 @@
         </p:blipFill>
         <p:spPr>
           <a:xfrm>
-            <a:off x="3995937" y="26273"/>
-            <a:ext cx="3645990" cy="5207491"/>
+            <a:off x="4959251" y="3448"/>
+            <a:ext cx="4030073" cy="5756069"/>
           </a:xfrm>
         </p:spPr>
       </p:pic>
@@ -11523,8 +11290,8 @@
         </p:nvSpPr>
         <p:spPr>
           <a:xfrm>
-            <a:off x="508001" y="1800491"/>
-            <a:ext cx="3127895" cy="3233978"/>
+            <a:off x="395536" y="1816092"/>
+            <a:ext cx="4063999" cy="3689137"/>
           </a:xfrm>
           <a:prstGeom prst="rect">
             <a:avLst/>
@@ -11764,20 +11531,33 @@
           <a:p>
             <a:pPr lvl="1"/>
             <a:r>
-              <a:rPr lang="en-HK" dirty="0" smtClean="0"/>
-              <a:t>Thermal model from Grundy et al. (2016) shown as a shows the pole positions are below 25 K for 130 years</a:t>
+              <a:rPr lang="en-HK" sz="1800" dirty="0" smtClean="0"/>
+              <a:t>Thermal model from Grundy et al. (2016) </a:t>
+            </a:r>
+            <a:r>
+              <a:rPr lang="en-HK" sz="1800" dirty="0" smtClean="0"/>
+              <a:t>shows </a:t>
+            </a:r>
+            <a:r>
+              <a:rPr lang="en-HK" sz="1800" dirty="0" smtClean="0"/>
+              <a:t>the pole positions are below 25 K for 130 years</a:t>
             </a:r>
           </a:p>
           <a:p>
             <a:pPr lvl="1"/>
             <a:r>
-              <a:rPr lang="en-HK" dirty="0" smtClean="0"/>
-              <a:t>Methane can condense on those position where the temperature is below 20 K(solid state).</a:t>
-            </a:r>
+              <a:rPr lang="en-HK" sz="1800" dirty="0" smtClean="0"/>
+              <a:t>Methane can condense on those position where the temperature is below 20 </a:t>
+            </a:r>
+            <a:r>
+              <a:rPr lang="en-HK" sz="1800" dirty="0" smtClean="0"/>
+              <a:t>K.</a:t>
+            </a:r>
+            <a:endParaRPr lang="en-HK" sz="1800" dirty="0" smtClean="0"/>
           </a:p>
           <a:p>
             <a:pPr lvl="1"/>
-            <a:endParaRPr lang="en-HK" dirty="0"/>
+            <a:endParaRPr lang="en-HK" sz="1800" dirty="0"/>
           </a:p>
           <a:p>
             <a:pPr lvl="1"/>
@@ -11793,7 +11573,7 @@
         </p:nvSpPr>
         <p:spPr>
           <a:xfrm>
-            <a:off x="5161126" y="5233764"/>
+            <a:off x="1514404" y="5177079"/>
             <a:ext cx="3661580" cy="369332"/>
           </a:xfrm>
           <a:prstGeom prst="rect">
@@ -11815,6 +11595,128 @@
               <a:t>Grundy et al. (2016)</a:t>
             </a:r>
             <a:endParaRPr lang="en-US" dirty="0"/>
+          </a:p>
+        </p:txBody>
+      </p:sp>
+      <p:sp>
+        <p:nvSpPr>
+          <p:cNvPr id="7" name="標題 1"/>
+          <p:cNvSpPr txBox="1">
+            <a:spLocks/>
+          </p:cNvSpPr>
+          <p:nvPr/>
+        </p:nvSpPr>
+        <p:spPr>
+          <a:xfrm>
+            <a:off x="683568" y="339291"/>
+            <a:ext cx="7200900" cy="1238250"/>
+          </a:xfrm>
+          <a:prstGeom prst="rect">
+            <a:avLst/>
+          </a:prstGeom>
+        </p:spPr>
+        <p:txBody>
+          <a:bodyPr vert="horz" lIns="91440" tIns="45720" rIns="91440" bIns="45720" rtlCol="0" anchor="t">
+            <a:normAutofit/>
+          </a:bodyPr>
+          <a:lstStyle>
+            <a:lvl1pPr algn="l" defTabSz="685800" rtl="0" eaLnBrk="1" latinLnBrk="0" hangingPunct="1">
+              <a:lnSpc>
+                <a:spcPct val="89000"/>
+              </a:lnSpc>
+              <a:spcBef>
+                <a:spcPct val="0"/>
+              </a:spcBef>
+              <a:buNone/>
+              <a:defRPr sz="3300" kern="1200" baseline="0">
+                <a:solidFill>
+                  <a:schemeClr val="tx2"/>
+                </a:solidFill>
+                <a:latin typeface="+mj-lt"/>
+                <a:ea typeface="+mj-ea"/>
+                <a:cs typeface="+mj-cs"/>
+              </a:defRPr>
+            </a:lvl1pPr>
+          </a:lstStyle>
+          <a:p>
+            <a:pPr marL="0" lvl="1" defTabSz="685800">
+              <a:lnSpc>
+                <a:spcPct val="89000"/>
+              </a:lnSpc>
+              <a:spcBef>
+                <a:spcPct val="0"/>
+              </a:spcBef>
+            </a:pPr>
+            <a:r>
+              <a:rPr lang="en-HK" sz="3300" dirty="0">
+                <a:solidFill>
+                  <a:schemeClr val="tx2"/>
+                </a:solidFill>
+                <a:latin typeface="+mj-lt"/>
+                <a:ea typeface="+mj-ea"/>
+                <a:cs typeface="+mj-cs"/>
+              </a:rPr>
+              <a:t>Surface temperatures </a:t>
+            </a:r>
+            <a:endParaRPr lang="en-HK" sz="3300" dirty="0" smtClean="0">
+              <a:solidFill>
+                <a:schemeClr val="tx2"/>
+              </a:solidFill>
+              <a:latin typeface="+mj-lt"/>
+              <a:ea typeface="+mj-ea"/>
+              <a:cs typeface="+mj-cs"/>
+            </a:endParaRPr>
+          </a:p>
+          <a:p>
+            <a:pPr marL="0" lvl="1" defTabSz="685800">
+              <a:lnSpc>
+                <a:spcPct val="89000"/>
+              </a:lnSpc>
+              <a:spcBef>
+                <a:spcPct val="0"/>
+              </a:spcBef>
+            </a:pPr>
+            <a:r>
+              <a:rPr lang="en-HK" sz="3300" dirty="0" smtClean="0">
+                <a:solidFill>
+                  <a:schemeClr val="tx2"/>
+                </a:solidFill>
+                <a:latin typeface="+mj-lt"/>
+                <a:ea typeface="+mj-ea"/>
+                <a:cs typeface="+mj-cs"/>
+              </a:rPr>
+              <a:t>at </a:t>
+            </a:r>
+            <a:r>
+              <a:rPr lang="en-HK" sz="3300" dirty="0">
+                <a:solidFill>
+                  <a:schemeClr val="tx2"/>
+                </a:solidFill>
+                <a:latin typeface="+mj-lt"/>
+                <a:ea typeface="+mj-ea"/>
+                <a:cs typeface="+mj-cs"/>
+              </a:rPr>
+              <a:t>different </a:t>
+            </a:r>
+            <a:r>
+              <a:rPr lang="en-HK" sz="3300" dirty="0">
+                <a:solidFill>
+                  <a:schemeClr val="tx2"/>
+                </a:solidFill>
+                <a:latin typeface="+mj-lt"/>
+                <a:ea typeface="+mj-ea"/>
+                <a:cs typeface="+mj-cs"/>
+              </a:rPr>
+              <a:t>latitudes</a:t>
+            </a:r>
+            <a:endParaRPr lang="en-HK" sz="3300" dirty="0">
+              <a:solidFill>
+                <a:schemeClr val="tx2"/>
+              </a:solidFill>
+              <a:latin typeface="+mj-lt"/>
+              <a:ea typeface="+mj-ea"/>
+              <a:cs typeface="+mj-cs"/>
+            </a:endParaRPr>
           </a:p>
         </p:txBody>
       </p:sp>
@@ -11867,12 +11769,22 @@
         </p:nvSpPr>
         <p:spPr/>
         <p:txBody>
-          <a:bodyPr/>
+          <a:bodyPr>
+            <a:normAutofit/>
+          </a:bodyPr>
           <a:lstStyle/>
           <a:p>
-            <a:r>
-              <a:rPr lang="en-US" dirty="0"/>
-              <a:t>Introduction</a:t>
+            <a:pPr lvl="1"/>
+            <a:r>
+              <a:rPr lang="en-HK" sz="3300" kern="1200" dirty="0">
+                <a:solidFill>
+                  <a:schemeClr val="tx2"/>
+                </a:solidFill>
+                <a:latin typeface="+mj-lt"/>
+                <a:ea typeface="+mj-ea"/>
+                <a:cs typeface="+mj-cs"/>
+              </a:rPr>
+              <a:t>Ammonia on Organa Crater</a:t>
             </a:r>
           </a:p>
         </p:txBody>
@@ -12176,8 +12088,16 @@
           <a:lstStyle/>
           <a:p>
             <a:r>
+              <a:rPr lang="en-HK" dirty="0" smtClean="0"/>
+              <a:t>Production mechanism of CN</a:t>
+            </a:r>
+            <a:r>
+              <a:rPr lang="en-HK" baseline="30000" dirty="0" smtClean="0"/>
+              <a:t>-</a:t>
+            </a:r>
+            <a:r>
               <a:rPr lang="en-HK" dirty="0"/>
-              <a:t>Introduction</a:t>
+              <a:t/>
             </a:r>
             <a:br>
               <a:rPr lang="en-HK" dirty="0"/>
@@ -12210,7 +12130,7 @@
         </p:blipFill>
         <p:spPr>
           <a:xfrm>
-            <a:off x="994420" y="2716356"/>
+            <a:off x="1331640" y="2524464"/>
             <a:ext cx="7200900" cy="2716006"/>
           </a:xfrm>
         </p:spPr>
@@ -12235,273 +12155,6 @@
               <a:t>6</a:t>
             </a:fld>
             <a:endParaRPr lang="zh-TW" altLang="en-US"/>
-          </a:p>
-        </p:txBody>
-      </p:sp>
-      <p:sp>
-        <p:nvSpPr>
-          <p:cNvPr id="6" name="內容版面配置區 2"/>
-          <p:cNvSpPr txBox="1">
-            <a:spLocks/>
-          </p:cNvSpPr>
-          <p:nvPr/>
-        </p:nvSpPr>
-        <p:spPr>
-          <a:xfrm>
-            <a:off x="683568" y="1489348"/>
-            <a:ext cx="7290055" cy="3352800"/>
-          </a:xfrm>
-          <a:prstGeom prst="rect">
-            <a:avLst/>
-          </a:prstGeom>
-        </p:spPr>
-        <p:txBody>
-          <a:bodyPr vert="horz" lIns="45720" tIns="45720" rIns="45720" bIns="45720" rtlCol="0">
-            <a:normAutofit/>
-          </a:bodyPr>
-          <a:lstStyle>
-            <a:lvl1pPr marL="68580" indent="-68580" algn="l" defTabSz="685800" rtl="0" eaLnBrk="1" latinLnBrk="0" hangingPunct="1">
-              <a:lnSpc>
-                <a:spcPct val="90000"/>
-              </a:lnSpc>
-              <a:spcBef>
-                <a:spcPts val="900"/>
-              </a:spcBef>
-              <a:spcAft>
-                <a:spcPts val="150"/>
-              </a:spcAft>
-              <a:buClr>
-                <a:schemeClr val="accent1"/>
-              </a:buClr>
-              <a:buSzPct val="100000"/>
-              <a:buFont typeface="Tw Cen MT" panose="020B0602020104020603" pitchFamily="34" charset="0"/>
-              <a:buChar char=" "/>
-              <a:defRPr sz="1650" kern="1200">
-                <a:solidFill>
-                  <a:schemeClr val="tx1"/>
-                </a:solidFill>
-                <a:latin typeface="+mn-lt"/>
-                <a:ea typeface="+mn-ea"/>
-                <a:cs typeface="+mn-cs"/>
-              </a:defRPr>
-            </a:lvl1pPr>
-            <a:lvl2pPr marL="198882" indent="-102870" algn="l" defTabSz="685800" rtl="0" eaLnBrk="1" latinLnBrk="0" hangingPunct="1">
-              <a:lnSpc>
-                <a:spcPct val="90000"/>
-              </a:lnSpc>
-              <a:spcBef>
-                <a:spcPts val="150"/>
-              </a:spcBef>
-              <a:spcAft>
-                <a:spcPts val="300"/>
-              </a:spcAft>
-              <a:buClr>
-                <a:schemeClr val="accent1"/>
-              </a:buClr>
-              <a:buFont typeface="Wingdings 3" pitchFamily="18" charset="2"/>
-              <a:buChar char=""/>
-              <a:defRPr sz="1350" kern="1200">
-                <a:solidFill>
-                  <a:schemeClr val="tx1"/>
-                </a:solidFill>
-                <a:latin typeface="+mn-lt"/>
-                <a:ea typeface="+mn-ea"/>
-                <a:cs typeface="+mn-cs"/>
-              </a:defRPr>
-            </a:lvl2pPr>
-            <a:lvl3pPr marL="336042" indent="-102870" algn="l" defTabSz="685800" rtl="0" eaLnBrk="1" latinLnBrk="0" hangingPunct="1">
-              <a:lnSpc>
-                <a:spcPct val="90000"/>
-              </a:lnSpc>
-              <a:spcBef>
-                <a:spcPts val="150"/>
-              </a:spcBef>
-              <a:spcAft>
-                <a:spcPts val="300"/>
-              </a:spcAft>
-              <a:buClr>
-                <a:schemeClr val="accent1"/>
-              </a:buClr>
-              <a:buFont typeface="Wingdings 3" pitchFamily="18" charset="2"/>
-              <a:buChar char=""/>
-              <a:defRPr sz="1050" kern="1200">
-                <a:solidFill>
-                  <a:schemeClr val="tx1"/>
-                </a:solidFill>
-                <a:latin typeface="+mn-lt"/>
-                <a:ea typeface="+mn-ea"/>
-                <a:cs typeface="+mn-cs"/>
-              </a:defRPr>
-            </a:lvl3pPr>
-            <a:lvl4pPr marL="445770" indent="-102870" algn="l" defTabSz="685800" rtl="0" eaLnBrk="1" latinLnBrk="0" hangingPunct="1">
-              <a:lnSpc>
-                <a:spcPct val="90000"/>
-              </a:lnSpc>
-              <a:spcBef>
-                <a:spcPts val="150"/>
-              </a:spcBef>
-              <a:spcAft>
-                <a:spcPts val="300"/>
-              </a:spcAft>
-              <a:buClr>
-                <a:schemeClr val="accent1"/>
-              </a:buClr>
-              <a:buFont typeface="Wingdings 3" pitchFamily="18" charset="2"/>
-              <a:buChar char=""/>
-              <a:defRPr sz="1050" kern="1200">
-                <a:solidFill>
-                  <a:schemeClr val="tx1"/>
-                </a:solidFill>
-                <a:latin typeface="+mn-lt"/>
-                <a:ea typeface="+mn-ea"/>
-                <a:cs typeface="+mn-cs"/>
-              </a:defRPr>
-            </a:lvl4pPr>
-            <a:lvl5pPr marL="582930" indent="-102870" algn="l" defTabSz="685800" rtl="0" eaLnBrk="1" latinLnBrk="0" hangingPunct="1">
-              <a:lnSpc>
-                <a:spcPct val="90000"/>
-              </a:lnSpc>
-              <a:spcBef>
-                <a:spcPts val="150"/>
-              </a:spcBef>
-              <a:spcAft>
-                <a:spcPts val="300"/>
-              </a:spcAft>
-              <a:buClr>
-                <a:schemeClr val="accent1"/>
-              </a:buClr>
-              <a:buFont typeface="Wingdings 3" pitchFamily="18" charset="2"/>
-              <a:buChar char=""/>
-              <a:defRPr sz="1050" kern="1200">
-                <a:solidFill>
-                  <a:schemeClr val="tx1"/>
-                </a:solidFill>
-                <a:latin typeface="+mn-lt"/>
-                <a:ea typeface="+mn-ea"/>
-                <a:cs typeface="+mn-cs"/>
-              </a:defRPr>
-            </a:lvl5pPr>
-            <a:lvl6pPr marL="685800" indent="-102870" algn="l" defTabSz="685800" rtl="0" eaLnBrk="1" latinLnBrk="0" hangingPunct="1">
-              <a:lnSpc>
-                <a:spcPct val="90000"/>
-              </a:lnSpc>
-              <a:spcBef>
-                <a:spcPts val="150"/>
-              </a:spcBef>
-              <a:spcAft>
-                <a:spcPts val="300"/>
-              </a:spcAft>
-              <a:buClr>
-                <a:schemeClr val="accent1"/>
-              </a:buClr>
-              <a:buFont typeface="Wingdings 3" pitchFamily="18" charset="2"/>
-              <a:buChar char=""/>
-              <a:defRPr sz="1050" kern="1200">
-                <a:solidFill>
-                  <a:schemeClr val="tx1"/>
-                </a:solidFill>
-                <a:latin typeface="+mn-lt"/>
-                <a:ea typeface="+mn-ea"/>
-                <a:cs typeface="+mn-cs"/>
-              </a:defRPr>
-            </a:lvl6pPr>
-            <a:lvl7pPr marL="795528" indent="-102870" algn="l" defTabSz="685800" rtl="0" eaLnBrk="1" latinLnBrk="0" hangingPunct="1">
-              <a:lnSpc>
-                <a:spcPct val="90000"/>
-              </a:lnSpc>
-              <a:spcBef>
-                <a:spcPts val="150"/>
-              </a:spcBef>
-              <a:spcAft>
-                <a:spcPts val="300"/>
-              </a:spcAft>
-              <a:buClr>
-                <a:schemeClr val="accent1"/>
-              </a:buClr>
-              <a:buFont typeface="Wingdings 3" pitchFamily="18" charset="2"/>
-              <a:buChar char=""/>
-              <a:defRPr sz="1050" kern="1200">
-                <a:solidFill>
-                  <a:schemeClr val="tx1"/>
-                </a:solidFill>
-                <a:latin typeface="+mn-lt"/>
-                <a:ea typeface="+mn-ea"/>
-                <a:cs typeface="+mn-cs"/>
-              </a:defRPr>
-            </a:lvl7pPr>
-            <a:lvl8pPr marL="912114" indent="-102870" algn="l" defTabSz="685800" rtl="0" eaLnBrk="1" latinLnBrk="0" hangingPunct="1">
-              <a:lnSpc>
-                <a:spcPct val="90000"/>
-              </a:lnSpc>
-              <a:spcBef>
-                <a:spcPts val="150"/>
-              </a:spcBef>
-              <a:spcAft>
-                <a:spcPts val="300"/>
-              </a:spcAft>
-              <a:buClr>
-                <a:schemeClr val="accent1"/>
-              </a:buClr>
-              <a:buFont typeface="Wingdings 3" pitchFamily="18" charset="2"/>
-              <a:buChar char=""/>
-              <a:defRPr sz="1050" kern="1200">
-                <a:solidFill>
-                  <a:schemeClr val="tx1"/>
-                </a:solidFill>
-                <a:latin typeface="+mn-lt"/>
-                <a:ea typeface="+mn-ea"/>
-                <a:cs typeface="+mn-cs"/>
-              </a:defRPr>
-            </a:lvl8pPr>
-            <a:lvl9pPr marL="1021842" indent="-102870" algn="l" defTabSz="685800" rtl="0" eaLnBrk="1" latinLnBrk="0" hangingPunct="1">
-              <a:lnSpc>
-                <a:spcPct val="90000"/>
-              </a:lnSpc>
-              <a:spcBef>
-                <a:spcPts val="150"/>
-              </a:spcBef>
-              <a:spcAft>
-                <a:spcPts val="300"/>
-              </a:spcAft>
-              <a:buClr>
-                <a:schemeClr val="accent1"/>
-              </a:buClr>
-              <a:buFont typeface="Wingdings 3" pitchFamily="18" charset="2"/>
-              <a:buChar char=""/>
-              <a:defRPr sz="1050" kern="1200">
-                <a:solidFill>
-                  <a:schemeClr val="tx1"/>
-                </a:solidFill>
-                <a:latin typeface="+mn-lt"/>
-                <a:ea typeface="+mn-ea"/>
-                <a:cs typeface="+mn-cs"/>
-              </a:defRPr>
-            </a:lvl9pPr>
-          </a:lstStyle>
-          <a:p>
-            <a:pPr marL="0" indent="0">
-              <a:buFont typeface="Tw Cen MT" panose="020B0602020104020603" pitchFamily="34" charset="0"/>
-              <a:buNone/>
-            </a:pPr>
-            <a:r>
-              <a:rPr lang="en-HK" dirty="0" smtClean="0"/>
-              <a:t>Investigate the mechanism of CN</a:t>
-            </a:r>
-            <a:r>
-              <a:rPr lang="en-HK" baseline="30000" dirty="0" smtClean="0"/>
-              <a:t>-</a:t>
-            </a:r>
-            <a:r>
-              <a:rPr lang="en-HK" dirty="0" smtClean="0"/>
-              <a:t>:</a:t>
-            </a:r>
-          </a:p>
-          <a:p>
-            <a:pPr marL="0" indent="0">
-              <a:buFont typeface="Tw Cen MT" panose="020B0602020104020603" pitchFamily="34" charset="0"/>
-              <a:buNone/>
-            </a:pPr>
-            <a:endParaRPr lang="en-HK" dirty="0" smtClean="0"/>
           </a:p>
         </p:txBody>
       </p:sp>
@@ -12533,6 +12186,477 @@
           </a:p>
         </p:txBody>
       </p:sp>
+      <mc:AlternateContent xmlns:mc="http://schemas.openxmlformats.org/markup-compatibility/2006">
+        <mc:Choice xmlns:a14="http://schemas.microsoft.com/office/drawing/2010/main" Requires="a14">
+          <p:sp>
+            <p:nvSpPr>
+              <p:cNvPr id="7" name="矩形 6"/>
+              <p:cNvSpPr/>
+              <p:nvPr/>
+            </p:nvSpPr>
+            <p:spPr>
+              <a:xfrm>
+                <a:off x="323528" y="1220895"/>
+                <a:ext cx="6336704" cy="1206292"/>
+              </a:xfrm>
+              <a:prstGeom prst="rect">
+                <a:avLst/>
+              </a:prstGeom>
+            </p:spPr>
+            <p:txBody>
+              <a:bodyPr wrap="square">
+                <a:spAutoFit/>
+              </a:bodyPr>
+              <a:lstStyle/>
+              <a:p>
+                <a:pPr lvl="2"/>
+                <a:r>
+                  <a:rPr lang="en-HK" sz="1450" dirty="0"/>
+                  <a:t>Heat </a:t>
+                </a:r>
+                <a:r>
+                  <a:rPr lang="en-HK" sz="1450" dirty="0"/>
+                  <a:t>of </a:t>
+                </a:r>
+                <a:r>
+                  <a:rPr lang="en-HK" sz="1450" dirty="0"/>
+                  <a:t>CH</a:t>
+                </a:r>
+                <a:r>
+                  <a:rPr lang="en-HK" sz="1450" baseline="-25000" dirty="0"/>
+                  <a:t>3</a:t>
+                </a:r>
+                <a:r>
+                  <a:rPr lang="en-HK" sz="1450" dirty="0"/>
+                  <a:t>NH</a:t>
+                </a:r>
+                <a:r>
+                  <a:rPr lang="en-HK" sz="1450" baseline="-25000" dirty="0"/>
+                  <a:t>2</a:t>
+                </a:r>
+                <a:r>
+                  <a:rPr lang="en-US" sz="1450" dirty="0"/>
+                  <a:t> </a:t>
+                </a:r>
+                <a:r>
+                  <a:rPr lang="en-HK" sz="1450" dirty="0"/>
+                  <a:t>formation </a:t>
+                </a:r>
+              </a:p>
+              <a:p>
+                <a:pPr lvl="2"/>
+                <a14:m>
+                  <m:oMathPara xmlns:m="http://schemas.openxmlformats.org/officeDocument/2006/math">
+                    <m:oMathParaPr>
+                      <m:jc m:val="centerGroup"/>
+                    </m:oMathParaPr>
+                    <m:oMath xmlns:m="http://schemas.openxmlformats.org/officeDocument/2006/math">
+                      <m:r>
+                        <a:rPr lang="en-HK" sz="1400" i="1">
+                          <a:latin typeface="Cambria Math" panose="02040503050406030204" pitchFamily="18" charset="0"/>
+                        </a:rPr>
+                        <m:t>𝐶𝐻</m:t>
+                      </m:r>
+                      <m:r>
+                        <a:rPr lang="en-HK" sz="1400" i="1" baseline="-25000">
+                          <a:latin typeface="Cambria Math" panose="02040503050406030204" pitchFamily="18" charset="0"/>
+                        </a:rPr>
+                        <m:t>2</m:t>
+                      </m:r>
+                      <m:r>
+                        <a:rPr lang="en-HK" sz="1400" i="1">
+                          <a:latin typeface="Cambria Math" panose="02040503050406030204" pitchFamily="18" charset="0"/>
+                        </a:rPr>
+                        <m:t>+</m:t>
+                      </m:r>
+                      <m:r>
+                        <a:rPr lang="en-HK" sz="1400" i="1">
+                          <a:latin typeface="Cambria Math" panose="02040503050406030204" pitchFamily="18" charset="0"/>
+                        </a:rPr>
+                        <m:t>𝑁𝐻</m:t>
+                      </m:r>
+                      <m:r>
+                        <a:rPr lang="en-HK" sz="1400" i="1" baseline="-25000">
+                          <a:latin typeface="Cambria Math" panose="02040503050406030204" pitchFamily="18" charset="0"/>
+                        </a:rPr>
+                        <m:t>3</m:t>
+                      </m:r>
+                      <m:r>
+                        <a:rPr lang="en-HK" sz="1400" i="1">
+                          <a:latin typeface="Cambria Math" panose="02040503050406030204" pitchFamily="18" charset="0"/>
+                        </a:rPr>
+                        <m:t> </m:t>
+                      </m:r>
+                      <m:r>
+                        <a:rPr lang="en-HK" sz="1400" i="1">
+                          <a:latin typeface="Cambria Math" panose="02040503050406030204" pitchFamily="18" charset="0"/>
+                          <a:ea typeface="Cambria Math" panose="02040503050406030204" pitchFamily="18" charset="0"/>
+                        </a:rPr>
+                        <m:t>→</m:t>
+                      </m:r>
+                      <m:r>
+                        <a:rPr lang="en-HK" sz="1400" i="1">
+                          <a:latin typeface="Cambria Math" panose="02040503050406030204" pitchFamily="18" charset="0"/>
+                          <a:ea typeface="Cambria Math" panose="02040503050406030204" pitchFamily="18" charset="0"/>
+                        </a:rPr>
+                        <m:t>𝐶𝐻</m:t>
+                      </m:r>
+                      <m:r>
+                        <a:rPr lang="en-HK" sz="1400" i="1" baseline="-25000">
+                          <a:latin typeface="Cambria Math" panose="02040503050406030204" pitchFamily="18" charset="0"/>
+                          <a:ea typeface="Cambria Math" panose="02040503050406030204" pitchFamily="18" charset="0"/>
+                        </a:rPr>
+                        <m:t>3</m:t>
+                      </m:r>
+                      <m:r>
+                        <a:rPr lang="en-HK" sz="1400" i="1">
+                          <a:latin typeface="Cambria Math" panose="02040503050406030204" pitchFamily="18" charset="0"/>
+                          <a:ea typeface="Cambria Math" panose="02040503050406030204" pitchFamily="18" charset="0"/>
+                        </a:rPr>
+                        <m:t>𝑁𝐻</m:t>
+                      </m:r>
+                      <m:r>
+                        <a:rPr lang="en-HK" sz="1400" i="1" baseline="-25000">
+                          <a:latin typeface="Cambria Math" panose="02040503050406030204" pitchFamily="18" charset="0"/>
+                          <a:ea typeface="Cambria Math" panose="02040503050406030204" pitchFamily="18" charset="0"/>
+                        </a:rPr>
+                        <m:t>2</m:t>
+                      </m:r>
+                      <m:r>
+                        <m:rPr>
+                          <m:nor/>
+                        </m:rPr>
+                        <a:rPr lang="en-HK" sz="1400" dirty="0">
+                          <a:solidFill>
+                            <a:srgbClr val="FF0000"/>
+                          </a:solidFill>
+                        </a:rPr>
+                        <m:t>	</m:t>
+                      </m:r>
+                      <m:r>
+                        <a:rPr lang="en-HK" sz="1400" i="1" dirty="0">
+                          <a:solidFill>
+                            <a:srgbClr val="FF0000"/>
+                          </a:solidFill>
+                          <a:latin typeface="Cambria Math" panose="02040503050406030204" pitchFamily="18" charset="0"/>
+                        </a:rPr>
+                        <m:t>   </m:t>
+                      </m:r>
+                      <m:r>
+                        <a:rPr lang="en-HK" sz="1400" i="1">
+                          <a:latin typeface="Cambria Math" panose="02040503050406030204" pitchFamily="18" charset="0"/>
+                          <a:ea typeface="Cambria Math" panose="02040503050406030204" pitchFamily="18" charset="0"/>
+                        </a:rPr>
+                        <m:t>∆</m:t>
+                      </m:r>
+                      <m:r>
+                        <a:rPr lang="en-HK" sz="1400" i="1">
+                          <a:latin typeface="Cambria Math" panose="02040503050406030204" pitchFamily="18" charset="0"/>
+                          <a:ea typeface="Cambria Math" panose="02040503050406030204" pitchFamily="18" charset="0"/>
+                        </a:rPr>
+                        <m:t>𝐻</m:t>
+                      </m:r>
+                      <m:r>
+                        <a:rPr lang="en-HK" sz="1400" i="1">
+                          <a:latin typeface="Cambria Math" panose="02040503050406030204" pitchFamily="18" charset="0"/>
+                          <a:ea typeface="Cambria Math" panose="02040503050406030204" pitchFamily="18" charset="0"/>
+                        </a:rPr>
+                        <m:t>=−3.7 </m:t>
+                      </m:r>
+                      <m:r>
+                        <a:rPr lang="en-HK" sz="1400" i="1">
+                          <a:latin typeface="Cambria Math" panose="02040503050406030204" pitchFamily="18" charset="0"/>
+                          <a:ea typeface="Cambria Math" panose="02040503050406030204" pitchFamily="18" charset="0"/>
+                        </a:rPr>
+                        <m:t>𝑒𝑉</m:t>
+                      </m:r>
+                    </m:oMath>
+                  </m:oMathPara>
+                </a14:m>
+                <a:endParaRPr lang="en-HK" sz="1400" baseline="-25000" dirty="0">
+                  <a:ea typeface="Cambria Math" panose="02040503050406030204" pitchFamily="18" charset="0"/>
+                </a:endParaRPr>
+              </a:p>
+              <a:p>
+                <a:pPr lvl="2"/>
+                <a14:m>
+                  <m:oMathPara xmlns:m="http://schemas.openxmlformats.org/officeDocument/2006/math">
+                    <m:oMathParaPr>
+                      <m:jc m:val="centerGroup"/>
+                    </m:oMathParaPr>
+                    <m:oMath xmlns:m="http://schemas.openxmlformats.org/officeDocument/2006/math">
+                      <m:r>
+                        <a:rPr lang="en-HK" sz="1400" i="1">
+                          <a:latin typeface="Cambria Math" panose="02040503050406030204" pitchFamily="18" charset="0"/>
+                        </a:rPr>
+                        <m:t>𝐶𝐻</m:t>
+                      </m:r>
+                      <m:r>
+                        <a:rPr lang="en-HK" sz="1400" i="1" baseline="-25000">
+                          <a:latin typeface="Cambria Math" panose="02040503050406030204" pitchFamily="18" charset="0"/>
+                        </a:rPr>
+                        <m:t>4</m:t>
+                      </m:r>
+                      <m:r>
+                        <a:rPr lang="en-HK" sz="1400" i="1">
+                          <a:latin typeface="Cambria Math" panose="02040503050406030204" pitchFamily="18" charset="0"/>
+                        </a:rPr>
+                        <m:t>+</m:t>
+                      </m:r>
+                      <m:r>
+                        <a:rPr lang="en-HK" sz="1400" i="1">
+                          <a:latin typeface="Cambria Math" panose="02040503050406030204" pitchFamily="18" charset="0"/>
+                        </a:rPr>
+                        <m:t>𝑁𝐻</m:t>
+                      </m:r>
+                      <m:r>
+                        <a:rPr lang="en-HK" sz="1400" i="1">
+                          <a:latin typeface="Cambria Math" panose="02040503050406030204" pitchFamily="18" charset="0"/>
+                        </a:rPr>
+                        <m:t> →</m:t>
+                      </m:r>
+                      <m:r>
+                        <a:rPr lang="en-HK" sz="1400" i="1">
+                          <a:latin typeface="Cambria Math" panose="02040503050406030204" pitchFamily="18" charset="0"/>
+                          <a:ea typeface="Cambria Math" panose="02040503050406030204" pitchFamily="18" charset="0"/>
+                        </a:rPr>
+                        <m:t>𝐶𝐻</m:t>
+                      </m:r>
+                      <m:r>
+                        <a:rPr lang="en-HK" sz="1400" i="1" baseline="-25000">
+                          <a:latin typeface="Cambria Math" panose="02040503050406030204" pitchFamily="18" charset="0"/>
+                          <a:ea typeface="Cambria Math" panose="02040503050406030204" pitchFamily="18" charset="0"/>
+                        </a:rPr>
+                        <m:t>3</m:t>
+                      </m:r>
+                      <m:r>
+                        <a:rPr lang="en-HK" sz="1400" i="1">
+                          <a:latin typeface="Cambria Math" panose="02040503050406030204" pitchFamily="18" charset="0"/>
+                          <a:ea typeface="Cambria Math" panose="02040503050406030204" pitchFamily="18" charset="0"/>
+                        </a:rPr>
+                        <m:t>𝑁𝐻</m:t>
+                      </m:r>
+                      <m:r>
+                        <a:rPr lang="en-HK" sz="1400" i="1" baseline="-25000">
+                          <a:latin typeface="Cambria Math" panose="02040503050406030204" pitchFamily="18" charset="0"/>
+                          <a:ea typeface="Cambria Math" panose="02040503050406030204" pitchFamily="18" charset="0"/>
+                        </a:rPr>
+                        <m:t>2   </m:t>
+                      </m:r>
+                      <m:r>
+                        <a:rPr lang="en-HK" sz="1400" i="1">
+                          <a:latin typeface="Cambria Math" panose="02040503050406030204" pitchFamily="18" charset="0"/>
+                          <a:ea typeface="Cambria Math" panose="02040503050406030204" pitchFamily="18" charset="0"/>
+                        </a:rPr>
+                        <m:t>∆</m:t>
+                      </m:r>
+                      <m:r>
+                        <a:rPr lang="en-HK" sz="1400" i="1">
+                          <a:latin typeface="Cambria Math" panose="02040503050406030204" pitchFamily="18" charset="0"/>
+                          <a:ea typeface="Cambria Math" panose="02040503050406030204" pitchFamily="18" charset="0"/>
+                        </a:rPr>
+                        <m:t>𝐻</m:t>
+                      </m:r>
+                      <m:r>
+                        <a:rPr lang="en-HK" sz="1400" i="1">
+                          <a:latin typeface="Cambria Math" panose="02040503050406030204" pitchFamily="18" charset="0"/>
+                          <a:ea typeface="Cambria Math" panose="02040503050406030204" pitchFamily="18" charset="0"/>
+                        </a:rPr>
+                        <m:t>=−3.14 </m:t>
+                      </m:r>
+                      <m:r>
+                        <a:rPr lang="en-HK" sz="1400" i="1">
+                          <a:latin typeface="Cambria Math" panose="02040503050406030204" pitchFamily="18" charset="0"/>
+                          <a:ea typeface="Cambria Math" panose="02040503050406030204" pitchFamily="18" charset="0"/>
+                        </a:rPr>
+                        <m:t>𝑒𝑉</m:t>
+                      </m:r>
+                    </m:oMath>
+                  </m:oMathPara>
+                </a14:m>
+                <a:endParaRPr lang="en-HK" sz="1400" baseline="-25000" dirty="0">
+                  <a:ea typeface="Cambria Math" panose="02040503050406030204" pitchFamily="18" charset="0"/>
+                </a:endParaRPr>
+              </a:p>
+              <a:p>
+                <a:pPr lvl="2"/>
+                <a14:m>
+                  <m:oMathPara xmlns:m="http://schemas.openxmlformats.org/officeDocument/2006/math">
+                    <m:oMathParaPr>
+                      <m:jc m:val="centerGroup"/>
+                    </m:oMathParaPr>
+                    <m:oMath xmlns:m="http://schemas.openxmlformats.org/officeDocument/2006/math">
+                      <m:r>
+                        <a:rPr lang="en-HK" sz="1400" i="1">
+                          <a:latin typeface="Cambria Math" panose="02040503050406030204" pitchFamily="18" charset="0"/>
+                        </a:rPr>
+                        <m:t>𝐶𝐻</m:t>
+                      </m:r>
+                      <m:r>
+                        <a:rPr lang="en-HK" sz="1400" i="1" baseline="-25000">
+                          <a:latin typeface="Cambria Math" panose="02040503050406030204" pitchFamily="18" charset="0"/>
+                        </a:rPr>
+                        <m:t>3</m:t>
+                      </m:r>
+                      <m:r>
+                        <a:rPr lang="en-HK" sz="1400" i="1">
+                          <a:latin typeface="Cambria Math" panose="02040503050406030204" pitchFamily="18" charset="0"/>
+                        </a:rPr>
+                        <m:t>+</m:t>
+                      </m:r>
+                      <m:r>
+                        <a:rPr lang="en-HK" sz="1400" i="1">
+                          <a:latin typeface="Cambria Math" panose="02040503050406030204" pitchFamily="18" charset="0"/>
+                        </a:rPr>
+                        <m:t>𝑁𝐻</m:t>
+                      </m:r>
+                      <m:r>
+                        <a:rPr lang="en-HK" sz="1400" i="1" baseline="-25000">
+                          <a:latin typeface="Cambria Math" panose="02040503050406030204" pitchFamily="18" charset="0"/>
+                        </a:rPr>
+                        <m:t>2</m:t>
+                      </m:r>
+                      <m:r>
+                        <a:rPr lang="en-HK" sz="1400" i="1">
+                          <a:latin typeface="Cambria Math" panose="02040503050406030204" pitchFamily="18" charset="0"/>
+                        </a:rPr>
+                        <m:t> →</m:t>
+                      </m:r>
+                      <m:r>
+                        <a:rPr lang="en-HK" sz="1400" i="1">
+                          <a:latin typeface="Cambria Math" panose="02040503050406030204" pitchFamily="18" charset="0"/>
+                          <a:ea typeface="Cambria Math" panose="02040503050406030204" pitchFamily="18" charset="0"/>
+                        </a:rPr>
+                        <m:t>𝐶𝐻</m:t>
+                      </m:r>
+                      <m:r>
+                        <a:rPr lang="en-HK" sz="1400" i="1" baseline="-25000">
+                          <a:latin typeface="Cambria Math" panose="02040503050406030204" pitchFamily="18" charset="0"/>
+                          <a:ea typeface="Cambria Math" panose="02040503050406030204" pitchFamily="18" charset="0"/>
+                        </a:rPr>
+                        <m:t>3</m:t>
+                      </m:r>
+                      <m:r>
+                        <a:rPr lang="en-HK" sz="1400" i="1">
+                          <a:latin typeface="Cambria Math" panose="02040503050406030204" pitchFamily="18" charset="0"/>
+                          <a:ea typeface="Cambria Math" panose="02040503050406030204" pitchFamily="18" charset="0"/>
+                        </a:rPr>
+                        <m:t>𝑁𝐻</m:t>
+                      </m:r>
+                      <m:r>
+                        <a:rPr lang="en-HK" sz="1400" i="1" baseline="-25000">
+                          <a:latin typeface="Cambria Math" panose="02040503050406030204" pitchFamily="18" charset="0"/>
+                          <a:ea typeface="Cambria Math" panose="02040503050406030204" pitchFamily="18" charset="0"/>
+                        </a:rPr>
+                        <m:t>2   </m:t>
+                      </m:r>
+                      <m:r>
+                        <a:rPr lang="en-HK" sz="1400" i="1">
+                          <a:latin typeface="Cambria Math" panose="02040503050406030204" pitchFamily="18" charset="0"/>
+                          <a:ea typeface="Cambria Math" panose="02040503050406030204" pitchFamily="18" charset="0"/>
+                        </a:rPr>
+                        <m:t>∆</m:t>
+                      </m:r>
+                      <m:r>
+                        <a:rPr lang="en-HK" sz="1400" i="1">
+                          <a:latin typeface="Cambria Math" panose="02040503050406030204" pitchFamily="18" charset="0"/>
+                          <a:ea typeface="Cambria Math" panose="02040503050406030204" pitchFamily="18" charset="0"/>
+                        </a:rPr>
+                        <m:t>𝐻</m:t>
+                      </m:r>
+                      <m:r>
+                        <a:rPr lang="en-HK" sz="1400" i="1">
+                          <a:latin typeface="Cambria Math" panose="02040503050406030204" pitchFamily="18" charset="0"/>
+                          <a:ea typeface="Cambria Math" panose="02040503050406030204" pitchFamily="18" charset="0"/>
+                        </a:rPr>
+                        <m:t>=−3.64 </m:t>
+                      </m:r>
+                      <m:r>
+                        <a:rPr lang="en-HK" sz="1400" i="1">
+                          <a:latin typeface="Cambria Math" panose="02040503050406030204" pitchFamily="18" charset="0"/>
+                          <a:ea typeface="Cambria Math" panose="02040503050406030204" pitchFamily="18" charset="0"/>
+                        </a:rPr>
+                        <m:t>𝑒𝑉</m:t>
+                      </m:r>
+                    </m:oMath>
+                  </m:oMathPara>
+                </a14:m>
+                <a:endParaRPr lang="en-HK" sz="1450" dirty="0"/>
+              </a:p>
+              <a:p>
+                <a:pPr lvl="2"/>
+                <a:r>
+                  <a:rPr lang="en-HK" sz="1450" dirty="0"/>
+                  <a:t>	</a:t>
+                </a:r>
+                <a:r>
+                  <a:rPr lang="en-HK" sz="1450" dirty="0"/>
+                  <a:t>		</a:t>
+                </a:r>
+                <a:r>
+                  <a:rPr lang="en-HK" sz="1400" baseline="-25000" dirty="0" smtClean="0"/>
+                  <a:t>(</a:t>
+                </a:r>
+                <a:r>
+                  <a:rPr lang="en-HK" sz="1400" baseline="-25000" dirty="0"/>
+                  <a:t>quoted from </a:t>
+                </a:r>
+                <a:r>
+                  <a:rPr lang="en-HK" sz="1400" baseline="-25000" dirty="0" err="1"/>
+                  <a:t>Kundu</a:t>
+                </a:r>
+                <a:r>
+                  <a:rPr lang="en-HK" sz="1400" baseline="-25000" dirty="0"/>
+                  <a:t> et al. (2017</a:t>
+                </a:r>
+                <a:r>
+                  <a:rPr lang="en-HK" sz="1400" baseline="-25000" dirty="0"/>
+                  <a:t>))</a:t>
+                </a:r>
+                <a:endParaRPr lang="en-HK" sz="1450" dirty="0"/>
+              </a:p>
+            </p:txBody>
+          </p:sp>
+        </mc:Choice>
+        <mc:Fallback>
+          <p:sp>
+            <p:nvSpPr>
+              <p:cNvPr id="7" name="矩形 6"/>
+              <p:cNvSpPr>
+                <a:spLocks noRot="1" noChangeAspect="1" noMove="1" noResize="1" noEditPoints="1" noAdjustHandles="1" noChangeArrowheads="1" noChangeShapeType="1" noTextEdit="1"/>
+              </p:cNvSpPr>
+              <p:nvPr/>
+            </p:nvSpPr>
+            <p:spPr>
+              <a:xfrm>
+                <a:off x="323528" y="1220895"/>
+                <a:ext cx="6336704" cy="1206292"/>
+              </a:xfrm>
+              <a:prstGeom prst="rect">
+                <a:avLst/>
+              </a:prstGeom>
+              <a:blipFill>
+                <a:blip r:embed="rId3"/>
+                <a:stretch>
+                  <a:fillRect t="-1010" b="-3030"/>
+                </a:stretch>
+              </a:blipFill>
+            </p:spPr>
+            <p:txBody>
+              <a:bodyPr/>
+              <a:lstStyle/>
+              <a:p>
+                <a:r>
+                  <a:rPr lang="en-US">
+                    <a:noFill/>
+                  </a:rPr>
+                  <a:t> </a:t>
+                </a:r>
+              </a:p>
+            </p:txBody>
+          </p:sp>
+        </mc:Fallback>
+      </mc:AlternateContent>
     </p:spTree>
     <p:extLst>
       <p:ext uri="{BB962C8B-B14F-4D97-AF65-F5344CB8AC3E}">
@@ -12586,563 +12710,277 @@
           <a:lstStyle/>
           <a:p>
             <a:r>
-              <a:rPr lang="en-HK" dirty="0" smtClean="0"/>
-              <a:t>Introduction</a:t>
-            </a:r>
+              <a:rPr lang="en-HK" dirty="0"/>
+              <a:t>Production mechanism of CN</a:t>
+            </a:r>
+            <a:r>
+              <a:rPr lang="en-HK" baseline="30000" dirty="0"/>
+              <a:t>-</a:t>
+            </a:r>
+            <a:r>
+              <a:rPr lang="en-HK" dirty="0"/>
+              <a:t/>
+            </a:r>
+            <a:br>
+              <a:rPr lang="en-HK" dirty="0"/>
+            </a:br>
             <a:endParaRPr lang="en-US" dirty="0"/>
           </a:p>
         </p:txBody>
       </p:sp>
-      <mc:AlternateContent xmlns:mc="http://schemas.openxmlformats.org/markup-compatibility/2006" xmlns:a14="http://schemas.microsoft.com/office/drawing/2010/main">
-        <mc:Choice Requires="a14">
-          <p:sp>
-            <p:nvSpPr>
-              <p:cNvPr id="3" name="內容版面配置區 2"/>
-              <p:cNvSpPr>
-                <a:spLocks noGrp="1"/>
-              </p:cNvSpPr>
-              <p:nvPr>
-                <p:ph idx="1"/>
-              </p:nvPr>
-            </p:nvSpPr>
-            <p:spPr>
-              <a:xfrm>
-                <a:off x="1028700" y="1345332"/>
-                <a:ext cx="7935788" cy="3544168"/>
-              </a:xfrm>
-            </p:spPr>
-            <p:txBody>
-              <a:bodyPr>
-                <a:normAutofit/>
-              </a:bodyPr>
-              <a:lstStyle/>
-              <a:p>
-                <a:pPr marL="0" indent="0">
-                  <a:buNone/>
-                </a:pPr>
-                <a:r>
-                  <a:rPr lang="en-HK" sz="1600" dirty="0" smtClean="0"/>
-                  <a:t>Formation of CN</a:t>
-                </a:r>
-                <a:r>
-                  <a:rPr lang="en-HK" sz="1600" baseline="30000" dirty="0" smtClean="0"/>
-                  <a:t>-</a:t>
-                </a:r>
-                <a:r>
-                  <a:rPr lang="en-HK" sz="1600" dirty="0" smtClean="0"/>
-                  <a:t>: </a:t>
-                </a:r>
-              </a:p>
-              <a:p>
-                <a:r>
-                  <a:rPr lang="en-HK" sz="1600" dirty="0"/>
-                  <a:t>D</a:t>
-                </a:r>
-                <a:r>
-                  <a:rPr lang="en-HK" sz="1600" dirty="0" smtClean="0"/>
-                  <a:t>ifferent results from 2 e</a:t>
-                </a:r>
-                <a:r>
-                  <a:rPr lang="en-HK" sz="1600" baseline="30000" dirty="0" smtClean="0"/>
-                  <a:t>-</a:t>
-                </a:r>
-                <a:r>
-                  <a:rPr lang="en-HK" sz="1600" dirty="0" smtClean="0"/>
-                  <a:t> irradiating experiments</a:t>
-                </a:r>
-              </a:p>
-              <a:p>
-                <a:pPr lvl="1"/>
-                <a:r>
-                  <a:rPr lang="en-HK" sz="1600" dirty="0" smtClean="0"/>
-                  <a:t>Proposed by Kim and Kaiser (2011):</a:t>
-                </a:r>
-              </a:p>
-              <a:p>
-                <a:pPr lvl="2"/>
-                <a:r>
-                  <a:rPr lang="en-HK" sz="1600" dirty="0" smtClean="0"/>
-                  <a:t>An intermediate </a:t>
-                </a:r>
-                <a:r>
-                  <a:rPr lang="en-HK" sz="1600" dirty="0" smtClean="0">
-                    <a:solidFill>
-                      <a:srgbClr val="00B0F0"/>
-                    </a:solidFill>
-                  </a:rPr>
-                  <a:t>CH</a:t>
-                </a:r>
-                <a:r>
-                  <a:rPr lang="en-HK" sz="1600" baseline="-25000" dirty="0" smtClean="0">
-                    <a:solidFill>
-                      <a:srgbClr val="00B0F0"/>
-                    </a:solidFill>
-                  </a:rPr>
-                  <a:t>3</a:t>
-                </a:r>
-                <a:r>
-                  <a:rPr lang="en-HK" sz="1600" dirty="0" smtClean="0">
-                    <a:solidFill>
-                      <a:srgbClr val="00B0F0"/>
-                    </a:solidFill>
-                  </a:rPr>
-                  <a:t>NH</a:t>
-                </a:r>
-                <a:r>
-                  <a:rPr lang="en-HK" sz="1600" baseline="-25000" dirty="0" smtClean="0">
-                    <a:solidFill>
-                      <a:srgbClr val="00B0F0"/>
-                    </a:solidFill>
-                  </a:rPr>
-                  <a:t>2</a:t>
-                </a:r>
-                <a:endParaRPr lang="en-HK" sz="1600" baseline="-25000" dirty="0">
-                  <a:solidFill>
-                    <a:srgbClr val="00B0F0"/>
-                  </a:solidFill>
-                </a:endParaRPr>
-              </a:p>
-              <a:p>
-                <a:pPr lvl="1"/>
-                <a:r>
-                  <a:rPr lang="en-HK" sz="1600" dirty="0" smtClean="0"/>
-                  <a:t>Experiment by </a:t>
-                </a:r>
-                <a:r>
-                  <a:rPr lang="en-HK" sz="1600" dirty="0" err="1" smtClean="0"/>
-                  <a:t>Kundu</a:t>
-                </a:r>
-                <a:r>
-                  <a:rPr lang="en-HK" sz="1600" dirty="0" smtClean="0"/>
-                  <a:t> et al.(2017)</a:t>
-                </a:r>
-                <a:endParaRPr lang="en-US" sz="1600" dirty="0" smtClean="0"/>
-              </a:p>
-              <a:p>
-                <a:pPr lvl="2"/>
-                <a:r>
-                  <a:rPr lang="en-HK" sz="1600" dirty="0" smtClean="0">
-                    <a:solidFill>
-                      <a:srgbClr val="FF0000"/>
-                    </a:solidFill>
-                  </a:rPr>
-                  <a:t>Cannot observe	</a:t>
-                </a:r>
-              </a:p>
-              <a:p>
-                <a:pPr marL="914400" lvl="2" indent="0">
-                  <a:buNone/>
-                </a:pPr>
-                <a14:m>
-                  <m:oMathPara xmlns:m="http://schemas.openxmlformats.org/officeDocument/2006/math">
-                    <m:oMathParaPr>
-                      <m:jc m:val="centerGroup"/>
-                    </m:oMathParaPr>
-                    <m:oMath xmlns:m="http://schemas.openxmlformats.org/officeDocument/2006/math">
-                      <m:r>
-                        <a:rPr lang="en-HK" sz="1600" b="0" i="1" smtClean="0">
-                          <a:latin typeface="Cambria Math" panose="02040503050406030204" pitchFamily="18" charset="0"/>
-                        </a:rPr>
-                        <m:t>𝐶𝐻</m:t>
-                      </m:r>
-                      <m:r>
-                        <a:rPr lang="en-HK" sz="1600" b="0" i="1" baseline="-25000" smtClean="0">
-                          <a:latin typeface="Cambria Math" panose="02040503050406030204" pitchFamily="18" charset="0"/>
-                        </a:rPr>
-                        <m:t>2</m:t>
-                      </m:r>
-                      <m:r>
-                        <a:rPr lang="en-HK" sz="1600" b="0" i="1" smtClean="0">
-                          <a:latin typeface="Cambria Math" panose="02040503050406030204" pitchFamily="18" charset="0"/>
-                        </a:rPr>
-                        <m:t>+</m:t>
-                      </m:r>
-                      <m:r>
-                        <a:rPr lang="en-HK" sz="1600" b="0" i="1" smtClean="0">
-                          <a:latin typeface="Cambria Math" panose="02040503050406030204" pitchFamily="18" charset="0"/>
-                        </a:rPr>
-                        <m:t>𝑁𝐻</m:t>
-                      </m:r>
-                      <m:r>
-                        <a:rPr lang="en-HK" sz="1600" b="0" i="1" baseline="-25000" smtClean="0">
-                          <a:latin typeface="Cambria Math" panose="02040503050406030204" pitchFamily="18" charset="0"/>
-                        </a:rPr>
-                        <m:t>3</m:t>
-                      </m:r>
-                      <m:r>
-                        <a:rPr lang="en-HK" sz="1600" b="0" i="1" smtClean="0">
-                          <a:latin typeface="Cambria Math" panose="02040503050406030204" pitchFamily="18" charset="0"/>
-                        </a:rPr>
-                        <m:t> </m:t>
-                      </m:r>
-                      <m:r>
-                        <a:rPr lang="en-HK" sz="1600" b="0" i="1" smtClean="0">
-                          <a:latin typeface="Cambria Math" panose="02040503050406030204" pitchFamily="18" charset="0"/>
-                          <a:ea typeface="Cambria Math" panose="02040503050406030204" pitchFamily="18" charset="0"/>
-                        </a:rPr>
-                        <m:t>→</m:t>
-                      </m:r>
-                      <m:r>
-                        <a:rPr lang="en-HK" sz="1600" b="0" i="1" smtClean="0">
-                          <a:latin typeface="Cambria Math" panose="02040503050406030204" pitchFamily="18" charset="0"/>
-                          <a:ea typeface="Cambria Math" panose="02040503050406030204" pitchFamily="18" charset="0"/>
-                        </a:rPr>
-                        <m:t>𝐶𝐻</m:t>
-                      </m:r>
-                      <m:r>
-                        <a:rPr lang="en-HK" sz="1600" b="0" i="1" baseline="-25000" smtClean="0">
-                          <a:latin typeface="Cambria Math" panose="02040503050406030204" pitchFamily="18" charset="0"/>
-                          <a:ea typeface="Cambria Math" panose="02040503050406030204" pitchFamily="18" charset="0"/>
-                        </a:rPr>
-                        <m:t>3</m:t>
-                      </m:r>
-                      <m:r>
-                        <a:rPr lang="en-HK" sz="1600" b="0" i="1" smtClean="0">
-                          <a:latin typeface="Cambria Math" panose="02040503050406030204" pitchFamily="18" charset="0"/>
-                          <a:ea typeface="Cambria Math" panose="02040503050406030204" pitchFamily="18" charset="0"/>
-                        </a:rPr>
-                        <m:t>𝑁𝐻</m:t>
-                      </m:r>
-                      <m:r>
-                        <a:rPr lang="en-HK" sz="1600" b="0" i="1" baseline="-25000" smtClean="0">
-                          <a:latin typeface="Cambria Math" panose="02040503050406030204" pitchFamily="18" charset="0"/>
-                          <a:ea typeface="Cambria Math" panose="02040503050406030204" pitchFamily="18" charset="0"/>
-                        </a:rPr>
-                        <m:t>2</m:t>
-                      </m:r>
-                      <m:r>
-                        <m:rPr>
-                          <m:nor/>
-                        </m:rPr>
-                        <a:rPr lang="en-HK" sz="1600" dirty="0">
-                          <a:solidFill>
-                            <a:srgbClr val="FF0000"/>
-                          </a:solidFill>
-                        </a:rPr>
-                        <m:t>	</m:t>
-                      </m:r>
-                      <m:r>
-                        <a:rPr lang="en-HK" sz="1600" b="0" i="1" dirty="0" smtClean="0">
-                          <a:solidFill>
-                            <a:srgbClr val="FF0000"/>
-                          </a:solidFill>
-                          <a:latin typeface="Cambria Math" panose="02040503050406030204" pitchFamily="18" charset="0"/>
-                        </a:rPr>
-                        <m:t>   </m:t>
-                      </m:r>
-                      <m:r>
-                        <a:rPr lang="en-HK" sz="1600" i="1">
-                          <a:latin typeface="Cambria Math" panose="02040503050406030204" pitchFamily="18" charset="0"/>
-                          <a:ea typeface="Cambria Math" panose="02040503050406030204" pitchFamily="18" charset="0"/>
-                        </a:rPr>
-                        <m:t>∆</m:t>
-                      </m:r>
-                      <m:r>
-                        <a:rPr lang="en-HK" sz="1600" b="0" i="1" smtClean="0">
-                          <a:latin typeface="Cambria Math" panose="02040503050406030204" pitchFamily="18" charset="0"/>
-                          <a:ea typeface="Cambria Math" panose="02040503050406030204" pitchFamily="18" charset="0"/>
-                        </a:rPr>
-                        <m:t>𝐻</m:t>
-                      </m:r>
-                      <m:r>
-                        <a:rPr lang="en-HK" sz="1600" b="0" i="1" smtClean="0">
-                          <a:latin typeface="Cambria Math" panose="02040503050406030204" pitchFamily="18" charset="0"/>
-                          <a:ea typeface="Cambria Math" panose="02040503050406030204" pitchFamily="18" charset="0"/>
-                        </a:rPr>
-                        <m:t>=−3.7 </m:t>
-                      </m:r>
-                      <m:r>
-                        <a:rPr lang="en-HK" sz="1600" b="0" i="1" smtClean="0">
-                          <a:latin typeface="Cambria Math" panose="02040503050406030204" pitchFamily="18" charset="0"/>
-                          <a:ea typeface="Cambria Math" panose="02040503050406030204" pitchFamily="18" charset="0"/>
-                        </a:rPr>
-                        <m:t>𝑒𝑉</m:t>
-                      </m:r>
-                    </m:oMath>
-                  </m:oMathPara>
-                </a14:m>
-                <a:endParaRPr lang="en-HK" sz="1600" b="0" baseline="-25000" dirty="0" smtClean="0">
-                  <a:ea typeface="Cambria Math" panose="02040503050406030204" pitchFamily="18" charset="0"/>
-                </a:endParaRPr>
-              </a:p>
-              <a:p>
-                <a:pPr marL="914400" lvl="2" indent="0">
-                  <a:buNone/>
-                </a:pPr>
-                <a14:m>
-                  <m:oMathPara xmlns:m="http://schemas.openxmlformats.org/officeDocument/2006/math">
-                    <m:oMathParaPr>
-                      <m:jc m:val="centerGroup"/>
-                    </m:oMathParaPr>
-                    <m:oMath xmlns:m="http://schemas.openxmlformats.org/officeDocument/2006/math">
-                      <m:r>
-                        <a:rPr lang="en-HK" sz="1600" i="1">
-                          <a:latin typeface="Cambria Math" panose="02040503050406030204" pitchFamily="18" charset="0"/>
-                        </a:rPr>
-                        <m:t>𝐶𝐻</m:t>
-                      </m:r>
-                      <m:r>
-                        <a:rPr lang="en-HK" sz="1600" b="0" i="1" baseline="-25000" smtClean="0">
-                          <a:latin typeface="Cambria Math" panose="02040503050406030204" pitchFamily="18" charset="0"/>
-                        </a:rPr>
-                        <m:t>4</m:t>
-                      </m:r>
-                      <m:r>
-                        <a:rPr lang="en-HK" sz="1600" i="1">
-                          <a:latin typeface="Cambria Math" panose="02040503050406030204" pitchFamily="18" charset="0"/>
-                        </a:rPr>
-                        <m:t>+</m:t>
-                      </m:r>
-                      <m:r>
-                        <a:rPr lang="en-HK" sz="1600" i="1">
-                          <a:latin typeface="Cambria Math" panose="02040503050406030204" pitchFamily="18" charset="0"/>
-                        </a:rPr>
-                        <m:t>𝑁𝐻</m:t>
-                      </m:r>
-                      <m:r>
-                        <a:rPr lang="en-HK" sz="1600" i="1">
-                          <a:latin typeface="Cambria Math" panose="02040503050406030204" pitchFamily="18" charset="0"/>
-                        </a:rPr>
-                        <m:t> →</m:t>
-                      </m:r>
-                      <m:r>
-                        <a:rPr lang="en-HK" sz="1600" i="1">
-                          <a:latin typeface="Cambria Math" panose="02040503050406030204" pitchFamily="18" charset="0"/>
-                          <a:ea typeface="Cambria Math" panose="02040503050406030204" pitchFamily="18" charset="0"/>
-                        </a:rPr>
-                        <m:t>𝐶𝐻</m:t>
-                      </m:r>
-                      <m:r>
-                        <a:rPr lang="en-HK" sz="1600" i="1" baseline="-25000">
-                          <a:latin typeface="Cambria Math" panose="02040503050406030204" pitchFamily="18" charset="0"/>
-                          <a:ea typeface="Cambria Math" panose="02040503050406030204" pitchFamily="18" charset="0"/>
-                        </a:rPr>
-                        <m:t>3</m:t>
-                      </m:r>
-                      <m:r>
-                        <a:rPr lang="en-HK" sz="1600" i="1">
-                          <a:latin typeface="Cambria Math" panose="02040503050406030204" pitchFamily="18" charset="0"/>
-                          <a:ea typeface="Cambria Math" panose="02040503050406030204" pitchFamily="18" charset="0"/>
-                        </a:rPr>
-                        <m:t>𝑁𝐻</m:t>
-                      </m:r>
-                      <m:r>
-                        <a:rPr lang="en-HK" sz="1600" i="1" baseline="-25000">
-                          <a:latin typeface="Cambria Math" panose="02040503050406030204" pitchFamily="18" charset="0"/>
-                          <a:ea typeface="Cambria Math" panose="02040503050406030204" pitchFamily="18" charset="0"/>
-                        </a:rPr>
-                        <m:t>2</m:t>
-                      </m:r>
-                      <m:r>
-                        <a:rPr lang="en-HK" sz="1600" b="0" i="1" baseline="-25000" smtClean="0">
-                          <a:latin typeface="Cambria Math" panose="02040503050406030204" pitchFamily="18" charset="0"/>
-                          <a:ea typeface="Cambria Math" panose="02040503050406030204" pitchFamily="18" charset="0"/>
-                        </a:rPr>
-                        <m:t>   </m:t>
-                      </m:r>
-                      <m:r>
-                        <a:rPr lang="en-HK" sz="1600" i="1">
-                          <a:latin typeface="Cambria Math" panose="02040503050406030204" pitchFamily="18" charset="0"/>
-                          <a:ea typeface="Cambria Math" panose="02040503050406030204" pitchFamily="18" charset="0"/>
-                        </a:rPr>
-                        <m:t>∆</m:t>
-                      </m:r>
-                      <m:r>
-                        <a:rPr lang="en-HK" sz="1600" i="1">
-                          <a:latin typeface="Cambria Math" panose="02040503050406030204" pitchFamily="18" charset="0"/>
-                          <a:ea typeface="Cambria Math" panose="02040503050406030204" pitchFamily="18" charset="0"/>
-                        </a:rPr>
-                        <m:t>𝐻</m:t>
-                      </m:r>
-                      <m:r>
-                        <a:rPr lang="en-HK" sz="1600" i="1">
-                          <a:latin typeface="Cambria Math" panose="02040503050406030204" pitchFamily="18" charset="0"/>
-                          <a:ea typeface="Cambria Math" panose="02040503050406030204" pitchFamily="18" charset="0"/>
-                        </a:rPr>
-                        <m:t>=−3.14 </m:t>
-                      </m:r>
-                      <m:r>
-                        <a:rPr lang="en-HK" sz="1600" i="1">
-                          <a:latin typeface="Cambria Math" panose="02040503050406030204" pitchFamily="18" charset="0"/>
-                          <a:ea typeface="Cambria Math" panose="02040503050406030204" pitchFamily="18" charset="0"/>
-                        </a:rPr>
-                        <m:t>𝑒𝑉</m:t>
-                      </m:r>
-                    </m:oMath>
-                  </m:oMathPara>
-                </a14:m>
-                <a:endParaRPr lang="en-HK" sz="1600" baseline="-25000" dirty="0">
-                  <a:ea typeface="Cambria Math" panose="02040503050406030204" pitchFamily="18" charset="0"/>
-                </a:endParaRPr>
-              </a:p>
-              <a:p>
-                <a:pPr marL="914400" lvl="2" indent="0">
-                  <a:buNone/>
-                </a:pPr>
-                <a14:m>
-                  <m:oMathPara xmlns:m="http://schemas.openxmlformats.org/officeDocument/2006/math">
-                    <m:oMathParaPr>
-                      <m:jc m:val="centerGroup"/>
-                    </m:oMathParaPr>
-                    <m:oMath xmlns:m="http://schemas.openxmlformats.org/officeDocument/2006/math">
-                      <m:r>
-                        <a:rPr lang="en-HK" sz="1600" i="1">
-                          <a:latin typeface="Cambria Math" panose="02040503050406030204" pitchFamily="18" charset="0"/>
-                        </a:rPr>
-                        <m:t>𝐶𝐻</m:t>
-                      </m:r>
-                      <m:r>
-                        <a:rPr lang="en-HK" sz="1600" b="0" i="1" baseline="-25000" smtClean="0">
-                          <a:latin typeface="Cambria Math" panose="02040503050406030204" pitchFamily="18" charset="0"/>
-                        </a:rPr>
-                        <m:t>3</m:t>
-                      </m:r>
-                      <m:r>
-                        <a:rPr lang="en-HK" sz="1600" i="1">
-                          <a:latin typeface="Cambria Math" panose="02040503050406030204" pitchFamily="18" charset="0"/>
-                        </a:rPr>
-                        <m:t>+</m:t>
-                      </m:r>
-                      <m:r>
-                        <a:rPr lang="en-HK" sz="1600" i="1">
-                          <a:latin typeface="Cambria Math" panose="02040503050406030204" pitchFamily="18" charset="0"/>
-                        </a:rPr>
-                        <m:t>𝑁𝐻</m:t>
-                      </m:r>
-                      <m:r>
-                        <a:rPr lang="en-HK" sz="1600" b="0" i="1" baseline="-25000" smtClean="0">
-                          <a:latin typeface="Cambria Math" panose="02040503050406030204" pitchFamily="18" charset="0"/>
-                        </a:rPr>
-                        <m:t>2</m:t>
-                      </m:r>
-                      <m:r>
-                        <a:rPr lang="en-HK" sz="1600" i="1">
-                          <a:latin typeface="Cambria Math" panose="02040503050406030204" pitchFamily="18" charset="0"/>
-                        </a:rPr>
-                        <m:t> →</m:t>
-                      </m:r>
-                      <m:r>
-                        <a:rPr lang="en-HK" sz="1600" i="1">
-                          <a:latin typeface="Cambria Math" panose="02040503050406030204" pitchFamily="18" charset="0"/>
-                          <a:ea typeface="Cambria Math" panose="02040503050406030204" pitchFamily="18" charset="0"/>
-                        </a:rPr>
-                        <m:t>𝐶𝐻</m:t>
-                      </m:r>
-                      <m:r>
-                        <a:rPr lang="en-HK" sz="1600" i="1" baseline="-25000">
-                          <a:latin typeface="Cambria Math" panose="02040503050406030204" pitchFamily="18" charset="0"/>
-                          <a:ea typeface="Cambria Math" panose="02040503050406030204" pitchFamily="18" charset="0"/>
-                        </a:rPr>
-                        <m:t>3</m:t>
-                      </m:r>
-                      <m:r>
-                        <a:rPr lang="en-HK" sz="1600" i="1">
-                          <a:latin typeface="Cambria Math" panose="02040503050406030204" pitchFamily="18" charset="0"/>
-                          <a:ea typeface="Cambria Math" panose="02040503050406030204" pitchFamily="18" charset="0"/>
-                        </a:rPr>
-                        <m:t>𝑁𝐻</m:t>
-                      </m:r>
-                      <m:r>
-                        <a:rPr lang="en-HK" sz="1600" i="1" baseline="-25000">
-                          <a:latin typeface="Cambria Math" panose="02040503050406030204" pitchFamily="18" charset="0"/>
-                          <a:ea typeface="Cambria Math" panose="02040503050406030204" pitchFamily="18" charset="0"/>
-                        </a:rPr>
-                        <m:t>2</m:t>
-                      </m:r>
-                      <m:r>
-                        <a:rPr lang="en-HK" sz="1600" b="0" i="1" baseline="-25000" smtClean="0">
-                          <a:latin typeface="Cambria Math" panose="02040503050406030204" pitchFamily="18" charset="0"/>
-                          <a:ea typeface="Cambria Math" panose="02040503050406030204" pitchFamily="18" charset="0"/>
-                        </a:rPr>
-                        <m:t>   </m:t>
-                      </m:r>
-                      <m:r>
-                        <a:rPr lang="en-HK" sz="1600" i="1">
-                          <a:latin typeface="Cambria Math" panose="02040503050406030204" pitchFamily="18" charset="0"/>
-                          <a:ea typeface="Cambria Math" panose="02040503050406030204" pitchFamily="18" charset="0"/>
-                        </a:rPr>
-                        <m:t>∆</m:t>
-                      </m:r>
-                      <m:r>
-                        <a:rPr lang="en-HK" sz="1600" i="1">
-                          <a:latin typeface="Cambria Math" panose="02040503050406030204" pitchFamily="18" charset="0"/>
-                          <a:ea typeface="Cambria Math" panose="02040503050406030204" pitchFamily="18" charset="0"/>
-                        </a:rPr>
-                        <m:t>𝐻</m:t>
-                      </m:r>
-                      <m:r>
-                        <a:rPr lang="en-HK" sz="1600" i="1">
-                          <a:latin typeface="Cambria Math" panose="02040503050406030204" pitchFamily="18" charset="0"/>
-                          <a:ea typeface="Cambria Math" panose="02040503050406030204" pitchFamily="18" charset="0"/>
-                        </a:rPr>
-                        <m:t>=−3.64 </m:t>
-                      </m:r>
-                      <m:r>
-                        <a:rPr lang="en-HK" sz="1600" i="1">
-                          <a:latin typeface="Cambria Math" panose="02040503050406030204" pitchFamily="18" charset="0"/>
-                          <a:ea typeface="Cambria Math" panose="02040503050406030204" pitchFamily="18" charset="0"/>
-                        </a:rPr>
-                        <m:t>𝑒𝑉</m:t>
-                      </m:r>
-                    </m:oMath>
-                  </m:oMathPara>
-                </a14:m>
-                <a:endParaRPr lang="en-HK" sz="1600" baseline="-25000" dirty="0" smtClean="0"/>
-              </a:p>
-              <a:p>
-                <a:pPr marL="914400" lvl="2" indent="0">
-                  <a:buNone/>
-                </a:pPr>
-                <a:endParaRPr lang="en-HK" sz="1600" baseline="-25000" dirty="0" smtClean="0"/>
-              </a:p>
-              <a:p>
-                <a:pPr lvl="1"/>
-                <a:r>
-                  <a:rPr lang="en-HK" sz="1600" dirty="0" smtClean="0"/>
-                  <a:t>How about photons?</a:t>
-                </a:r>
-              </a:p>
-            </p:txBody>
-          </p:sp>
-        </mc:Choice>
-        <mc:Fallback xmlns="">
-          <p:sp>
-            <p:nvSpPr>
-              <p:cNvPr id="3" name="內容版面配置區 2"/>
-              <p:cNvSpPr>
-                <a:spLocks noGrp="1" noRot="1" noChangeAspect="1" noMove="1" noResize="1" noEditPoints="1" noAdjustHandles="1" noChangeArrowheads="1" noChangeShapeType="1" noTextEdit="1"/>
-              </p:cNvSpPr>
-              <p:nvPr>
-                <p:ph idx="1"/>
-              </p:nvPr>
-            </p:nvSpPr>
-            <p:spPr>
-              <a:xfrm>
-                <a:off x="1028700" y="1345332"/>
-                <a:ext cx="7935788" cy="3544168"/>
-              </a:xfrm>
-              <a:blipFill>
-                <a:blip r:embed="rId2"/>
-                <a:stretch>
-                  <a:fillRect l="-461" t="-861"/>
-                </a:stretch>
-              </a:blipFill>
-            </p:spPr>
-            <p:txBody>
-              <a:bodyPr/>
-              <a:lstStyle/>
-              <a:p>
-                <a:r>
-                  <a:rPr lang="en-US">
-                    <a:noFill/>
-                  </a:rPr>
-                  <a:t> </a:t>
-                </a:r>
-              </a:p>
-            </p:txBody>
-          </p:sp>
-        </mc:Fallback>
-      </mc:AlternateContent>
+      <p:sp>
+        <p:nvSpPr>
+          <p:cNvPr id="3" name="內容版面配置區 2"/>
+          <p:cNvSpPr>
+            <a:spLocks noGrp="1"/>
+          </p:cNvSpPr>
+          <p:nvPr>
+            <p:ph idx="1"/>
+          </p:nvPr>
+        </p:nvSpPr>
+        <p:spPr>
+          <a:xfrm>
+            <a:off x="1028700" y="1345332"/>
+            <a:ext cx="7935788" cy="3544168"/>
+          </a:xfrm>
+        </p:spPr>
+        <p:txBody>
+          <a:bodyPr>
+            <a:normAutofit/>
+          </a:bodyPr>
+          <a:lstStyle/>
+          <a:p>
+            <a:pPr marL="0" indent="0">
+              <a:buNone/>
+            </a:pPr>
+            <a:r>
+              <a:rPr lang="en-HK" sz="1600" dirty="0" smtClean="0"/>
+              <a:t>Formation of CN</a:t>
+            </a:r>
+            <a:r>
+              <a:rPr lang="en-HK" sz="1600" baseline="30000" dirty="0" smtClean="0"/>
+              <a:t>-</a:t>
+            </a:r>
+            <a:r>
+              <a:rPr lang="en-HK" sz="1600" dirty="0" smtClean="0"/>
+              <a:t>: </a:t>
+            </a:r>
+          </a:p>
+          <a:p>
+            <a:r>
+              <a:rPr lang="en-HK" sz="1600" dirty="0"/>
+              <a:t>D</a:t>
+            </a:r>
+            <a:r>
+              <a:rPr lang="en-HK" sz="1600" dirty="0" smtClean="0"/>
+              <a:t>ifferent results from 2 e</a:t>
+            </a:r>
+            <a:r>
+              <a:rPr lang="en-HK" sz="1600" baseline="30000" dirty="0" smtClean="0"/>
+              <a:t>-</a:t>
+            </a:r>
+            <a:r>
+              <a:rPr lang="en-HK" sz="1600" dirty="0" smtClean="0"/>
+              <a:t> irradiating </a:t>
+            </a:r>
+            <a:r>
+              <a:rPr lang="en-HK" sz="1600" dirty="0" smtClean="0"/>
+              <a:t>experiments</a:t>
+            </a:r>
+          </a:p>
+          <a:p>
+            <a:pPr lvl="1"/>
+            <a:r>
+              <a:rPr lang="en-HK" sz="1600" dirty="0"/>
+              <a:t>5 </a:t>
+            </a:r>
+            <a:r>
+              <a:rPr lang="en-HK" sz="1600" dirty="0" err="1"/>
+              <a:t>keV</a:t>
+            </a:r>
+            <a:r>
+              <a:rPr lang="en-HK" sz="1600" dirty="0"/>
+              <a:t> e</a:t>
+            </a:r>
+            <a:r>
+              <a:rPr lang="en-HK" sz="1600" baseline="30000" dirty="0"/>
+              <a:t>-</a:t>
+            </a:r>
+            <a:r>
+              <a:rPr lang="en-HK" sz="1600" dirty="0"/>
+              <a:t> by Kim and Kaiser (2011):</a:t>
+            </a:r>
+          </a:p>
+          <a:p>
+            <a:pPr lvl="2"/>
+            <a:r>
+              <a:rPr lang="en-HK" sz="1600" dirty="0"/>
+              <a:t>The intermediate </a:t>
+            </a:r>
+            <a:r>
+              <a:rPr lang="en-HK" sz="1600" dirty="0">
+                <a:solidFill>
+                  <a:srgbClr val="00B0F0"/>
+                </a:solidFill>
+              </a:rPr>
+              <a:t>CH</a:t>
+            </a:r>
+            <a:r>
+              <a:rPr lang="en-HK" sz="1600" baseline="-25000" dirty="0">
+                <a:solidFill>
+                  <a:srgbClr val="00B0F0"/>
+                </a:solidFill>
+              </a:rPr>
+              <a:t>3</a:t>
+            </a:r>
+            <a:r>
+              <a:rPr lang="en-HK" sz="1600" dirty="0">
+                <a:solidFill>
+                  <a:srgbClr val="00B0F0"/>
+                </a:solidFill>
+              </a:rPr>
+              <a:t>NH</a:t>
+            </a:r>
+            <a:r>
+              <a:rPr lang="en-HK" sz="1600" baseline="-25000" dirty="0">
+                <a:solidFill>
+                  <a:srgbClr val="00B0F0"/>
+                </a:solidFill>
+              </a:rPr>
+              <a:t>2 </a:t>
+            </a:r>
+            <a:r>
+              <a:rPr lang="en-HK" sz="1600" dirty="0">
+                <a:solidFill>
+                  <a:srgbClr val="00B0F0"/>
+                </a:solidFill>
+              </a:rPr>
+              <a:t>was detected by TPD</a:t>
+            </a:r>
+            <a:endParaRPr lang="en-HK" sz="1600" baseline="-25000" dirty="0">
+              <a:solidFill>
+                <a:srgbClr val="00B0F0"/>
+              </a:solidFill>
+            </a:endParaRPr>
+          </a:p>
+          <a:p>
+            <a:pPr lvl="1"/>
+            <a:r>
+              <a:rPr lang="en-HK" sz="1600" dirty="0"/>
+              <a:t>1- 90 eV e</a:t>
+            </a:r>
+            <a:r>
+              <a:rPr lang="en-HK" sz="1600" baseline="30000" dirty="0"/>
+              <a:t>-</a:t>
+            </a:r>
+            <a:r>
+              <a:rPr lang="en-HK" sz="1600" dirty="0"/>
+              <a:t> experiment by </a:t>
+            </a:r>
+            <a:r>
+              <a:rPr lang="en-HK" sz="1600" dirty="0" err="1"/>
+              <a:t>Kundu</a:t>
+            </a:r>
+            <a:r>
+              <a:rPr lang="en-HK" sz="1600" dirty="0"/>
+              <a:t> et al.(2017) </a:t>
+            </a:r>
+          </a:p>
+          <a:p>
+            <a:pPr lvl="2"/>
+            <a:r>
+              <a:rPr lang="en-HK" sz="1450" dirty="0"/>
+              <a:t>The intermediate</a:t>
+            </a:r>
+            <a:r>
+              <a:rPr lang="en-HK" sz="1450" dirty="0">
+                <a:solidFill>
+                  <a:srgbClr val="FF0000"/>
+                </a:solidFill>
+              </a:rPr>
+              <a:t> CH</a:t>
+            </a:r>
+            <a:r>
+              <a:rPr lang="en-HK" sz="1450" baseline="-25000" dirty="0">
+                <a:solidFill>
+                  <a:srgbClr val="FF0000"/>
+                </a:solidFill>
+              </a:rPr>
+              <a:t>3</a:t>
+            </a:r>
+            <a:r>
+              <a:rPr lang="en-HK" sz="1450" dirty="0">
+                <a:solidFill>
+                  <a:srgbClr val="FF0000"/>
+                </a:solidFill>
+              </a:rPr>
+              <a:t>NH</a:t>
+            </a:r>
+            <a:r>
+              <a:rPr lang="en-HK" sz="1450" baseline="-25000" dirty="0">
+                <a:solidFill>
+                  <a:srgbClr val="FF0000"/>
+                </a:solidFill>
+              </a:rPr>
+              <a:t>2  </a:t>
+            </a:r>
+            <a:r>
+              <a:rPr lang="en-HK" sz="1450" dirty="0">
+                <a:solidFill>
+                  <a:srgbClr val="FF0000"/>
+                </a:solidFill>
+              </a:rPr>
+              <a:t>cannot be detected by TPD</a:t>
+            </a:r>
+            <a:r>
+              <a:rPr lang="en-HK" sz="1600" baseline="-25000" dirty="0"/>
+              <a:t>		</a:t>
+            </a:r>
+            <a:endParaRPr lang="en-HK" sz="1600" baseline="-25000" dirty="0" smtClean="0"/>
+          </a:p>
+          <a:p>
+            <a:pPr marL="740664" lvl="2" indent="0">
+              <a:buNone/>
+            </a:pPr>
+            <a:r>
+              <a:rPr lang="en-HK" sz="1600" baseline="-25000" dirty="0"/>
+              <a:t>	</a:t>
+            </a:r>
+            <a:endParaRPr lang="en-HK" sz="1600" dirty="0" smtClean="0"/>
+          </a:p>
+          <a:p>
+            <a:pPr marL="288036" lvl="2">
+              <a:spcBef>
+                <a:spcPts val="750"/>
+              </a:spcBef>
+            </a:pPr>
+            <a:r>
+              <a:rPr lang="en-HK" sz="1600" dirty="0"/>
+              <a:t>How about photons</a:t>
+            </a:r>
+            <a:r>
+              <a:rPr lang="en-HK" sz="1600" dirty="0" smtClean="0"/>
+              <a:t>?</a:t>
+            </a:r>
+            <a:r>
+              <a:rPr lang="en-HK" sz="1600" baseline="-25000" dirty="0" smtClean="0"/>
+              <a:t>	</a:t>
+            </a:r>
+          </a:p>
+          <a:p>
+            <a:pPr marL="740664" lvl="2" indent="0">
+              <a:buNone/>
+            </a:pPr>
+            <a:endParaRPr lang="en-HK" sz="1600" baseline="-25000" dirty="0"/>
+          </a:p>
+          <a:p>
+            <a:pPr marL="740664" lvl="2" indent="0">
+              <a:buNone/>
+            </a:pPr>
+            <a:endParaRPr lang="en-HK" sz="1600" baseline="-25000" dirty="0" smtClean="0"/>
+          </a:p>
+        </p:txBody>
+      </p:sp>
       <p:sp>
         <p:nvSpPr>
           <p:cNvPr id="4" name="投影片編號版面配置區 3"/>
@@ -13215,7 +13053,7 @@
         </p:nvSpPr>
         <p:spPr>
           <a:xfrm>
-            <a:off x="7583483" y="3001516"/>
+            <a:off x="941159" y="3154154"/>
             <a:ext cx="2111052" cy="2603501"/>
           </a:xfrm>
         </p:spPr>
@@ -13288,7 +13126,7 @@
         </p:blipFill>
         <p:spPr>
           <a:xfrm>
-            <a:off x="1113233" y="106568"/>
+            <a:off x="2556275" y="106568"/>
             <a:ext cx="6082734" cy="5608432"/>
           </a:xfrm>
           <a:prstGeom prst="rect">
@@ -13304,7 +13142,7 @@
         </p:nvCxnSpPr>
         <p:spPr>
           <a:xfrm flipV="1">
-            <a:off x="2945797" y="2352305"/>
+            <a:off x="4359034" y="2574751"/>
             <a:ext cx="864096" cy="576064"/>
           </a:xfrm>
           <a:prstGeom prst="straightConnector1">
@@ -13340,7 +13178,7 @@
         </p:nvCxnSpPr>
         <p:spPr>
           <a:xfrm flipH="1">
-            <a:off x="3347864" y="1258627"/>
+            <a:off x="4680070" y="1273555"/>
             <a:ext cx="288032" cy="115590"/>
           </a:xfrm>
           <a:prstGeom prst="straightConnector1">
@@ -13376,7 +13214,7 @@
         </p:nvCxnSpPr>
         <p:spPr>
           <a:xfrm>
-            <a:off x="3363836" y="1298742"/>
+            <a:off x="4696042" y="1313670"/>
             <a:ext cx="56036" cy="727510"/>
           </a:xfrm>
           <a:prstGeom prst="straightConnector1">
@@ -13412,7 +13250,7 @@
         </p:nvCxnSpPr>
         <p:spPr>
           <a:xfrm>
-            <a:off x="3391854" y="1908873"/>
+            <a:off x="4724060" y="1923801"/>
             <a:ext cx="1122547" cy="656527"/>
           </a:xfrm>
           <a:prstGeom prst="straightConnector1">
@@ -13448,7 +13286,7 @@
         </p:nvCxnSpPr>
         <p:spPr>
           <a:xfrm flipV="1">
-            <a:off x="4514402" y="2222500"/>
+            <a:off x="5846608" y="2237428"/>
             <a:ext cx="711696" cy="342900"/>
           </a:xfrm>
           <a:prstGeom prst="straightConnector1">
@@ -13484,7 +13322,7 @@
         </p:nvCxnSpPr>
         <p:spPr>
           <a:xfrm flipV="1">
-            <a:off x="7227390" y="3141432"/>
+            <a:off x="601218" y="3289548"/>
             <a:ext cx="293246" cy="9383"/>
           </a:xfrm>
           <a:prstGeom prst="straightConnector1">
@@ -13520,7 +13358,7 @@
         </p:nvCxnSpPr>
         <p:spPr>
           <a:xfrm>
-            <a:off x="7195967" y="3486751"/>
+            <a:off x="569794" y="3649588"/>
             <a:ext cx="356093" cy="0"/>
           </a:xfrm>
           <a:prstGeom prst="straightConnector1">
@@ -13580,7 +13418,7 @@
       </p:sp>
       <p:sp>
         <p:nvSpPr>
-          <p:cNvPr id="5" name="標題 4"/>
+          <p:cNvPr id="16" name="標題 1"/>
           <p:cNvSpPr>
             <a:spLocks noGrp="1"/>
           </p:cNvSpPr>
@@ -13590,19 +13428,28 @@
         </p:nvSpPr>
         <p:spPr>
           <a:xfrm>
-            <a:off x="6516216" y="137322"/>
+            <a:off x="502261" y="780099"/>
             <a:ext cx="7200900" cy="1238250"/>
           </a:xfrm>
         </p:spPr>
         <p:txBody>
-          <a:bodyPr/>
+          <a:bodyPr>
+            <a:normAutofit/>
+          </a:bodyPr>
           <a:lstStyle/>
           <a:p>
-            <a:r>
-              <a:rPr lang="en-HK" dirty="0"/>
-              <a:t>Methodology</a:t>
-            </a:r>
-            <a:endParaRPr lang="en-US" dirty="0"/>
+            <a:pPr lvl="1"/>
+            <a:r>
+              <a:rPr lang="en-HK" sz="3300" kern="1200" dirty="0">
+                <a:solidFill>
+                  <a:schemeClr val="tx2"/>
+                </a:solidFill>
+                <a:latin typeface="+mj-lt"/>
+                <a:ea typeface="+mj-ea"/>
+                <a:cs typeface="+mj-cs"/>
+              </a:rPr>
+              <a:t>Experimental setup</a:t>
+            </a:r>
           </a:p>
         </p:txBody>
       </p:sp>
@@ -13889,14 +13736,42 @@
         </p:nvSpPr>
         <p:spPr/>
         <p:txBody>
-          <a:bodyPr/>
+          <a:bodyPr>
+            <a:normAutofit/>
+          </a:bodyPr>
           <a:lstStyle/>
           <a:p>
-            <a:r>
-              <a:rPr lang="en-HK" dirty="0" smtClean="0"/>
-              <a:t>Methodology</a:t>
-            </a:r>
-            <a:endParaRPr lang="en-US" dirty="0"/>
+            <a:pPr lvl="1"/>
+            <a:r>
+              <a:rPr lang="en-HK" sz="3300" kern="1200" dirty="0">
+                <a:solidFill>
+                  <a:schemeClr val="tx2"/>
+                </a:solidFill>
+                <a:latin typeface="+mj-lt"/>
+                <a:ea typeface="+mj-ea"/>
+                <a:cs typeface="+mj-cs"/>
+              </a:rPr>
+              <a:t>Experimental </a:t>
+            </a:r>
+            <a:r>
+              <a:rPr lang="en-HK" sz="3300" kern="1200" dirty="0" smtClean="0">
+                <a:solidFill>
+                  <a:schemeClr val="tx2"/>
+                </a:solidFill>
+                <a:latin typeface="+mj-lt"/>
+                <a:ea typeface="+mj-ea"/>
+                <a:cs typeface="+mj-cs"/>
+              </a:rPr>
+              <a:t>Protocol</a:t>
+            </a:r>
+            <a:endParaRPr lang="en-HK" sz="3300" kern="1200" dirty="0">
+              <a:solidFill>
+                <a:schemeClr val="tx2"/>
+              </a:solidFill>
+              <a:latin typeface="+mj-lt"/>
+              <a:ea typeface="+mj-ea"/>
+              <a:cs typeface="+mj-cs"/>
+            </a:endParaRPr>
           </a:p>
         </p:txBody>
       </p:sp>
@@ -14247,7 +14122,7 @@
         <p:spPr>
           <a:xfrm>
             <a:off x="683568" y="1417340"/>
-            <a:ext cx="3672408" cy="646331"/>
+            <a:ext cx="3672408" cy="923330"/>
           </a:xfrm>
           <a:prstGeom prst="rect">
             <a:avLst/>
@@ -14261,8 +14136,16 @@
           <a:lstStyle/>
           <a:p>
             <a:r>
+              <a:rPr lang="en-HK" dirty="0" err="1" smtClean="0"/>
+              <a:t>KBr</a:t>
+            </a:r>
+            <a:r>
               <a:rPr lang="en-HK" dirty="0" smtClean="0"/>
-              <a:t>Cool system to 15 K (1 x 10 </a:t>
+              <a:t> substrate is pre-cooled to </a:t>
+            </a:r>
+            <a:r>
+              <a:rPr lang="en-HK" dirty="0" smtClean="0"/>
+              <a:t>15 K (1 x 10 </a:t>
             </a:r>
             <a:r>
               <a:rPr lang="en-HK" baseline="30000" dirty="0" smtClean="0"/>
@@ -14308,8 +14191,8 @@
         </p:nvSpPr>
         <p:spPr>
           <a:xfrm>
-            <a:off x="663596" y="2527204"/>
-            <a:ext cx="3744416" cy="646331"/>
+            <a:off x="647564" y="2750249"/>
+            <a:ext cx="3744416" cy="923330"/>
           </a:xfrm>
           <a:prstGeom prst="rect">
             <a:avLst/>
@@ -14323,14 +14206,30 @@
           <a:lstStyle/>
           <a:p>
             <a:r>
-              <a:rPr lang="en-HK" dirty="0" err="1" smtClean="0"/>
-              <a:t>Deposite</a:t>
-            </a:r>
-            <a:r>
               <a:rPr lang="en-HK" dirty="0" smtClean="0"/>
-              <a:t> the ice mixtures with partial pressure ~ ratio of ice</a:t>
-            </a:r>
-            <a:endParaRPr lang="en-US" dirty="0"/>
+              <a:t>Deposit </a:t>
+            </a:r>
+            <a:r>
+              <a:rPr lang="en-HK" dirty="0" smtClean="0"/>
+              <a:t>the ice mixtures </a:t>
+            </a:r>
+            <a:r>
+              <a:rPr lang="en-HK" dirty="0" smtClean="0"/>
+              <a:t>through leak value, with different partial pressures of CH</a:t>
+            </a:r>
+            <a:r>
+              <a:rPr lang="en-HK" baseline="-25000" dirty="0" smtClean="0"/>
+              <a:t>4</a:t>
+            </a:r>
+            <a:r>
+              <a:rPr lang="en-HK" dirty="0" smtClean="0"/>
+              <a:t> and NH</a:t>
+            </a:r>
+            <a:r>
+              <a:rPr lang="en-HK" baseline="-25000" dirty="0" smtClean="0"/>
+              <a:t>3</a:t>
+            </a:r>
+            <a:endParaRPr lang="en-US" baseline="-25000" dirty="0"/>
           </a:p>
         </p:txBody>
       </p:sp>
@@ -14345,8 +14244,8 @@
         </p:nvCxnSpPr>
         <p:spPr>
           <a:xfrm>
-            <a:off x="2519772" y="2063671"/>
-            <a:ext cx="16032" cy="463533"/>
+            <a:off x="2519772" y="2340670"/>
+            <a:ext cx="0" cy="409579"/>
           </a:xfrm>
           <a:prstGeom prst="straightConnector1">
             <a:avLst/>
@@ -14378,12 +14277,79 @@
           <p:cNvPr id="25" name="直線單箭頭接點 24"/>
           <p:cNvCxnSpPr>
             <a:stCxn id="9" idx="2"/>
+            <a:endCxn id="28" idx="0"/>
           </p:cNvCxnSpPr>
           <p:nvPr/>
         </p:nvCxnSpPr>
         <p:spPr>
           <a:xfrm>
-            <a:off x="2535804" y="3173535"/>
+            <a:off x="2519772" y="3673579"/>
+            <a:ext cx="26534" cy="464793"/>
+          </a:xfrm>
+          <a:prstGeom prst="straightConnector1">
+            <a:avLst/>
+          </a:prstGeom>
+          <a:ln w="34925">
+            <a:solidFill>
+              <a:srgbClr val="00B0F0"/>
+            </a:solidFill>
+            <a:tailEnd type="triangle"/>
+          </a:ln>
+        </p:spPr>
+        <p:style>
+          <a:lnRef idx="1">
+            <a:schemeClr val="accent1"/>
+          </a:lnRef>
+          <a:fillRef idx="0">
+            <a:schemeClr val="accent1"/>
+          </a:fillRef>
+          <a:effectRef idx="0">
+            <a:schemeClr val="accent1"/>
+          </a:effectRef>
+          <a:fontRef idx="minor">
+            <a:schemeClr val="tx1"/>
+          </a:fontRef>
+        </p:style>
+      </p:cxnSp>
+      <p:sp>
+        <p:nvSpPr>
+          <p:cNvPr id="28" name="文字方塊 27"/>
+          <p:cNvSpPr txBox="1"/>
+          <p:nvPr/>
+        </p:nvSpPr>
+        <p:spPr>
+          <a:xfrm>
+            <a:off x="1028700" y="4138372"/>
+            <a:ext cx="3035212" cy="369332"/>
+          </a:xfrm>
+          <a:prstGeom prst="rect">
+            <a:avLst/>
+          </a:prstGeom>
+          <a:noFill/>
+        </p:spPr>
+        <p:txBody>
+          <a:bodyPr wrap="square" rtlCol="0">
+            <a:spAutoFit/>
+          </a:bodyPr>
+          <a:lstStyle/>
+          <a:p>
+            <a:r>
+              <a:rPr lang="en-HK" dirty="0" smtClean="0"/>
+              <a:t>Irradiate the samples</a:t>
+            </a:r>
+            <a:endParaRPr lang="en-US" dirty="0"/>
+          </a:p>
+        </p:txBody>
+      </p:sp>
+      <p:cxnSp>
+        <p:nvCxnSpPr>
+          <p:cNvPr id="31" name="直線單箭頭接點 30"/>
+          <p:cNvCxnSpPr/>
+          <p:nvPr/>
+        </p:nvCxnSpPr>
+        <p:spPr>
+          <a:xfrm>
+            <a:off x="2550486" y="4514098"/>
             <a:ext cx="0" cy="417233"/>
           </a:xfrm>
           <a:prstGeom prst="straightConnector1">
@@ -14413,79 +14379,13 @@
       </p:cxnSp>
       <p:sp>
         <p:nvSpPr>
-          <p:cNvPr id="28" name="文字方塊 27"/>
-          <p:cNvSpPr txBox="1"/>
-          <p:nvPr/>
-        </p:nvSpPr>
-        <p:spPr>
-          <a:xfrm>
-            <a:off x="1002166" y="3590768"/>
-            <a:ext cx="3035212" cy="369332"/>
-          </a:xfrm>
-          <a:prstGeom prst="rect">
-            <a:avLst/>
-          </a:prstGeom>
-          <a:noFill/>
-        </p:spPr>
-        <p:txBody>
-          <a:bodyPr wrap="square" rtlCol="0">
-            <a:spAutoFit/>
-          </a:bodyPr>
-          <a:lstStyle/>
-          <a:p>
-            <a:r>
-              <a:rPr lang="en-HK" dirty="0" smtClean="0"/>
-              <a:t>Irradiate the samples</a:t>
-            </a:r>
-            <a:endParaRPr lang="en-US" dirty="0"/>
-          </a:p>
-        </p:txBody>
-      </p:sp>
-      <p:cxnSp>
-        <p:nvCxnSpPr>
-          <p:cNvPr id="31" name="直線單箭頭接點 30"/>
-          <p:cNvCxnSpPr/>
-          <p:nvPr/>
-        </p:nvCxnSpPr>
-        <p:spPr>
-          <a:xfrm>
-            <a:off x="2504969" y="4057494"/>
-            <a:ext cx="0" cy="417233"/>
-          </a:xfrm>
-          <a:prstGeom prst="straightConnector1">
-            <a:avLst/>
-          </a:prstGeom>
-          <a:ln w="34925">
-            <a:solidFill>
-              <a:srgbClr val="00B0F0"/>
-            </a:solidFill>
-            <a:tailEnd type="triangle"/>
-          </a:ln>
-        </p:spPr>
-        <p:style>
-          <a:lnRef idx="1">
-            <a:schemeClr val="accent1"/>
-          </a:lnRef>
-          <a:fillRef idx="0">
-            <a:schemeClr val="accent1"/>
-          </a:fillRef>
-          <a:effectRef idx="0">
-            <a:schemeClr val="accent1"/>
-          </a:effectRef>
-          <a:fontRef idx="minor">
-            <a:schemeClr val="tx1"/>
-          </a:fontRef>
-        </p:style>
-      </p:cxnSp>
-      <p:sp>
-        <p:nvSpPr>
           <p:cNvPr id="32" name="文字方塊 31"/>
           <p:cNvSpPr txBox="1"/>
           <p:nvPr/>
         </p:nvSpPr>
         <p:spPr>
           <a:xfrm>
-            <a:off x="1002166" y="4474727"/>
+            <a:off x="1115616" y="4931331"/>
             <a:ext cx="3035212" cy="369332"/>
           </a:xfrm>
           <a:prstGeom prst="rect">

--- a/doc/VUV and EUV irradiation of CH4 + NH3.pptx
+++ b/doc/VUV and EUV irradiation of CH4 + NH3.pptx
@@ -5,10 +5,10 @@
     <p:sldMasterId id="2147483845" r:id="rId1"/>
   </p:sldMasterIdLst>
   <p:notesMasterIdLst>
-    <p:notesMasterId r:id="rId30"/>
+    <p:notesMasterId r:id="rId31"/>
   </p:notesMasterIdLst>
   <p:handoutMasterIdLst>
-    <p:handoutMasterId r:id="rId31"/>
+    <p:handoutMasterId r:id="rId32"/>
   </p:handoutMasterIdLst>
   <p:sldIdLst>
     <p:sldId id="256" r:id="rId2"/>
@@ -26,19 +26,20 @@
     <p:sldId id="259" r:id="rId14"/>
     <p:sldId id="289" r:id="rId15"/>
     <p:sldId id="262" r:id="rId16"/>
-    <p:sldId id="283" r:id="rId17"/>
-    <p:sldId id="284" r:id="rId18"/>
-    <p:sldId id="266" r:id="rId19"/>
-    <p:sldId id="265" r:id="rId20"/>
-    <p:sldId id="281" r:id="rId21"/>
-    <p:sldId id="272" r:id="rId22"/>
-    <p:sldId id="267" r:id="rId23"/>
-    <p:sldId id="282" r:id="rId24"/>
-    <p:sldId id="280" r:id="rId25"/>
-    <p:sldId id="288" r:id="rId26"/>
-    <p:sldId id="271" r:id="rId27"/>
-    <p:sldId id="274" r:id="rId28"/>
-    <p:sldId id="275" r:id="rId29"/>
+    <p:sldId id="290" r:id="rId17"/>
+    <p:sldId id="283" r:id="rId18"/>
+    <p:sldId id="292" r:id="rId19"/>
+    <p:sldId id="266" r:id="rId20"/>
+    <p:sldId id="265" r:id="rId21"/>
+    <p:sldId id="281" r:id="rId22"/>
+    <p:sldId id="272" r:id="rId23"/>
+    <p:sldId id="267" r:id="rId24"/>
+    <p:sldId id="282" r:id="rId25"/>
+    <p:sldId id="280" r:id="rId26"/>
+    <p:sldId id="288" r:id="rId27"/>
+    <p:sldId id="271" r:id="rId28"/>
+    <p:sldId id="274" r:id="rId29"/>
+    <p:sldId id="275" r:id="rId30"/>
   </p:sldIdLst>
   <p:sldSz cx="9144000" cy="5715000" type="screen16x10"/>
   <p:notesSz cx="6858000" cy="9144000"/>
@@ -6964,11 +6965,19 @@
           <a:p>
             <a:r>
               <a:rPr lang="en-HK" dirty="0" smtClean="0"/>
-              <a:t>VUV (MDHL</a:t>
+              <a:t>The spectrum of </a:t>
             </a:r>
             <a:r>
               <a:rPr lang="en-HK" dirty="0" smtClean="0"/>
-              <a:t>) </a:t>
+              <a:t>VUV </a:t>
+            </a:r>
+            <a:r>
+              <a:rPr lang="en-HK" dirty="0" smtClean="0"/>
+              <a:t>(MDHL</a:t>
+            </a:r>
+            <a:r>
+              <a:rPr lang="en-HK" dirty="0" smtClean="0"/>
+              <a:t>) energy source</a:t>
             </a:r>
             <a:endParaRPr lang="en-US" dirty="0"/>
           </a:p>
@@ -7095,7 +7104,7 @@
             </a:pPr>
             <a:r>
               <a:rPr lang="en-HK" dirty="0" smtClean="0"/>
-              <a:t>average energy 9.27 eV </a:t>
+              <a:t>average photon energy 9.27 eV </a:t>
             </a:r>
             <a:endParaRPr lang="en-US" dirty="0"/>
           </a:p>
@@ -7192,7 +7201,11 @@
           <a:p>
             <a:r>
               <a:rPr lang="en-HK" dirty="0" smtClean="0"/>
-              <a:t>Methodology</a:t>
+              <a:t>Experimental Configurations</a:t>
+            </a:r>
+            <a:r>
+              <a:rPr lang="en-HK" dirty="0" smtClean="0"/>
+              <a:t/>
             </a:r>
             <a:br>
               <a:rPr lang="en-HK" dirty="0" smtClean="0"/>
@@ -7211,14 +7224,14 @@
             <p:ph idx="1"/>
             <p:extLst>
               <p:ext uri="{D42A27DB-BD31-4B8C-83A1-F6EECF244321}">
-                <p14:modId xmlns:p14="http://schemas.microsoft.com/office/powerpoint/2010/main" val="556078996"/>
+                <p14:modId xmlns:p14="http://schemas.microsoft.com/office/powerpoint/2010/main" val="1676292983"/>
               </p:ext>
             </p:extLst>
           </p:nvPr>
         </p:nvGraphicFramePr>
         <p:xfrm>
           <a:off x="821741" y="1633364"/>
-          <a:ext cx="7480029" cy="3715614"/>
+          <a:ext cx="7480029" cy="3805005"/>
         </p:xfrm>
         <a:graphic>
           <a:graphicData uri="http://schemas.openxmlformats.org/drawingml/2006/table">
@@ -7227,14 +7240,14 @@
                 <a:tableStyleId>{5C22544A-7EE6-4342-B048-85BDC9FD1C3A}</a:tableStyleId>
               </a:tblPr>
               <a:tblGrid>
-                <a:gridCol w="1159123">
+                <a:gridCol w="1013955">
                   <a:extLst>
                     <a:ext uri="{9D8B030D-6E8A-4147-A177-3AD203B41FA5}">
                       <a16:colId xmlns:a16="http://schemas.microsoft.com/office/drawing/2014/main" val="2211701080"/>
                     </a:ext>
                   </a:extLst>
                 </a:gridCol>
-                <a:gridCol w="1083047">
+                <a:gridCol w="1228215">
                   <a:extLst>
                     <a:ext uri="{9D8B030D-6E8A-4147-A177-3AD203B41FA5}">
                       <a16:colId xmlns:a16="http://schemas.microsoft.com/office/drawing/2014/main" val="3621736844"/>
@@ -7309,7 +7322,7 @@
                           <a:ea typeface="+mn-ea"/>
                           <a:cs typeface="+mn-cs"/>
                         </a:rPr>
-                        <a:t>species</a:t>
+                        <a:t>constituent</a:t>
                       </a:r>
                       <a:endParaRPr lang="en-US" sz="1350" kern="1200" dirty="0">
                         <a:solidFill>
@@ -7358,7 +7371,71 @@
                             <a:schemeClr val="tx1"/>
                           </a:solidFill>
                         </a:rPr>
-                        <a:t>Thickness of CH4+NH3</a:t>
+                        <a:t>Column Density </a:t>
+                      </a:r>
+                      <a:r>
+                        <a:rPr lang="en-HK" dirty="0" smtClean="0">
+                          <a:solidFill>
+                            <a:schemeClr val="tx1"/>
+                          </a:solidFill>
+                        </a:rPr>
+                        <a:t>of </a:t>
+                      </a:r>
+                      <a:endParaRPr lang="en-HK" dirty="0" smtClean="0">
+                        <a:solidFill>
+                          <a:schemeClr val="tx1"/>
+                        </a:solidFill>
+                      </a:endParaRPr>
+                    </a:p>
+                    <a:p>
+                      <a:pPr marL="0" marR="0" indent="0" algn="ctr" defTabSz="685800" rtl="0" eaLnBrk="1" fontAlgn="auto" latinLnBrk="0" hangingPunct="1">
+                        <a:lnSpc>
+                          <a:spcPct val="100000"/>
+                        </a:lnSpc>
+                        <a:spcBef>
+                          <a:spcPts val="0"/>
+                        </a:spcBef>
+                        <a:spcAft>
+                          <a:spcPts val="0"/>
+                        </a:spcAft>
+                        <a:buClrTx/>
+                        <a:buSzTx/>
+                        <a:buFontTx/>
+                        <a:buNone/>
+                        <a:tabLst/>
+                        <a:defRPr/>
+                      </a:pPr>
+                      <a:r>
+                        <a:rPr lang="en-HK" dirty="0" smtClean="0">
+                          <a:solidFill>
+                            <a:schemeClr val="tx1"/>
+                          </a:solidFill>
+                        </a:rPr>
+                        <a:t>CH</a:t>
+                      </a:r>
+                      <a:r>
+                        <a:rPr lang="en-HK" baseline="-25000" dirty="0" smtClean="0">
+                          <a:solidFill>
+                            <a:schemeClr val="tx1"/>
+                          </a:solidFill>
+                        </a:rPr>
+                        <a:t>4</a:t>
+                      </a:r>
+                      <a:r>
+                        <a:rPr lang="en-HK" dirty="0" smtClean="0">
+                          <a:solidFill>
+                            <a:schemeClr val="tx1"/>
+                          </a:solidFill>
+                        </a:rPr>
+                        <a:t>+NH</a:t>
+                      </a:r>
+                      <a:r>
+                        <a:rPr lang="en-HK" baseline="-25000" dirty="0" smtClean="0">
+                          <a:solidFill>
+                            <a:schemeClr val="tx1"/>
+                          </a:solidFill>
+                        </a:rPr>
+                        <a:t>3</a:t>
                       </a:r>
                       <a:r>
                         <a:rPr lang="en-HK" baseline="0" dirty="0" smtClean="0">
@@ -7366,7 +7443,55 @@
                             <a:schemeClr val="tx1"/>
                           </a:solidFill>
                         </a:rPr>
-                        <a:t> ice mixtures (ML)</a:t>
+                        <a:t> </a:t>
+                      </a:r>
+                      <a:r>
+                        <a:rPr lang="en-HK" baseline="0" dirty="0" smtClean="0">
+                          <a:solidFill>
+                            <a:schemeClr val="tx1"/>
+                          </a:solidFill>
+                        </a:rPr>
+                        <a:t>ice mixtures </a:t>
+                      </a:r>
+                      <a:r>
+                        <a:rPr lang="en-HK" baseline="0" dirty="0" smtClean="0">
+                          <a:solidFill>
+                            <a:schemeClr val="tx1"/>
+                          </a:solidFill>
+                        </a:rPr>
+                        <a:t>(x10 </a:t>
+                      </a:r>
+                      <a:r>
+                        <a:rPr lang="en-HK" baseline="30000" dirty="0" smtClean="0">
+                          <a:solidFill>
+                            <a:schemeClr val="tx1"/>
+                          </a:solidFill>
+                        </a:rPr>
+                        <a:t>15 </a:t>
+                      </a:r>
+                      <a:r>
+                        <a:rPr lang="en-HK" baseline="0" dirty="0" smtClean="0">
+                          <a:solidFill>
+                            <a:schemeClr val="tx1"/>
+                          </a:solidFill>
+                        </a:rPr>
+                        <a:t>molecules cm</a:t>
+                      </a:r>
+                      <a:r>
+                        <a:rPr lang="en-HK" baseline="30000" dirty="0" smtClean="0">
+                          <a:solidFill>
+                            <a:schemeClr val="tx1"/>
+                          </a:solidFill>
+                        </a:rPr>
+                        <a:t>-2</a:t>
+                      </a:r>
+                      <a:r>
+                        <a:rPr lang="en-HK" baseline="0" dirty="0" smtClean="0">
+                          <a:solidFill>
+                            <a:schemeClr val="tx1"/>
+                          </a:solidFill>
+                        </a:rPr>
+                        <a:t>)</a:t>
                       </a:r>
                       <a:endParaRPr lang="en-US" dirty="0" smtClean="0">
                         <a:solidFill>
@@ -7857,6 +7982,10 @@
                     <a:lstStyle/>
                     <a:p>
                       <a:pPr algn="ctr"/>
+                      <a:r>
+                        <a:rPr lang="en-HK" dirty="0" smtClean="0"/>
+                        <a:t>--</a:t>
+                      </a:r>
                       <a:endParaRPr lang="en-US" dirty="0"/>
                     </a:p>
                   </a:txBody>
@@ -7868,6 +7997,10 @@
                     <a:lstStyle/>
                     <a:p>
                       <a:pPr algn="ctr"/>
+                      <a:r>
+                        <a:rPr lang="en-HK" dirty="0" smtClean="0"/>
+                        <a:t>--</a:t>
+                      </a:r>
                       <a:endParaRPr lang="en-US" dirty="0"/>
                     </a:p>
                   </a:txBody>
@@ -7945,6 +8078,10 @@
                     <a:lstStyle/>
                     <a:p>
                       <a:pPr algn="ctr"/>
+                      <a:r>
+                        <a:rPr lang="en-HK" dirty="0" smtClean="0"/>
+                        <a:t>--</a:t>
+                      </a:r>
                       <a:endParaRPr lang="en-US" dirty="0"/>
                     </a:p>
                   </a:txBody>
@@ -7956,6 +8093,10 @@
                     <a:lstStyle/>
                     <a:p>
                       <a:pPr algn="ctr"/>
+                      <a:r>
+                        <a:rPr lang="en-HK" dirty="0" smtClean="0"/>
+                        <a:t>--</a:t>
+                      </a:r>
                       <a:endParaRPr lang="en-US" dirty="0"/>
                     </a:p>
                   </a:txBody>
@@ -7991,35 +8132,6 @@
               <a:t>13</a:t>
             </a:fld>
             <a:endParaRPr lang="zh-TW" altLang="en-US" dirty="0"/>
-          </a:p>
-        </p:txBody>
-      </p:sp>
-      <p:sp>
-        <p:nvSpPr>
-          <p:cNvPr id="3" name="矩形 2"/>
-          <p:cNvSpPr/>
-          <p:nvPr/>
-        </p:nvSpPr>
-        <p:spPr>
-          <a:xfrm>
-            <a:off x="1403648" y="1080647"/>
-            <a:ext cx="3621504" cy="369332"/>
-          </a:xfrm>
-          <a:prstGeom prst="rect">
-            <a:avLst/>
-          </a:prstGeom>
-        </p:spPr>
-        <p:txBody>
-          <a:bodyPr wrap="none">
-            <a:spAutoFit/>
-          </a:bodyPr>
-          <a:lstStyle/>
-          <a:p>
-            <a:r>
-              <a:rPr lang="en-HK" dirty="0"/>
-              <a:t>Energy source and configurations</a:t>
-            </a:r>
-            <a:endParaRPr lang="en-US" dirty="0"/>
           </a:p>
         </p:txBody>
       </p:sp>
@@ -8172,7 +8284,7 @@
         </p:nvSpPr>
         <p:spPr>
           <a:xfrm>
-            <a:off x="1113233" y="136861"/>
+            <a:off x="787736" y="325312"/>
             <a:ext cx="7514035" cy="1460499"/>
           </a:xfrm>
         </p:spPr>
@@ -8212,7 +8324,7 @@
         </p:blipFill>
         <p:spPr>
           <a:xfrm>
-            <a:off x="1403648" y="1507087"/>
+            <a:off x="2344975" y="1496954"/>
             <a:ext cx="6113669" cy="4207913"/>
           </a:xfrm>
         </p:spPr>
@@ -8248,7 +8360,7 @@
         </p:nvSpPr>
         <p:spPr>
           <a:xfrm>
-            <a:off x="3814678" y="1866250"/>
+            <a:off x="4804321" y="1854984"/>
             <a:ext cx="864096" cy="369332"/>
           </a:xfrm>
           <a:prstGeom prst="rect">
@@ -8290,7 +8402,7 @@
         </p:nvSpPr>
         <p:spPr>
           <a:xfrm>
-            <a:off x="4537714" y="1966692"/>
+            <a:off x="5516166" y="1785811"/>
             <a:ext cx="864096" cy="369332"/>
           </a:xfrm>
           <a:prstGeom prst="rect">
@@ -8324,7 +8436,7 @@
         </p:nvSpPr>
         <p:spPr>
           <a:xfrm>
-            <a:off x="5697427" y="1986416"/>
+            <a:off x="6711335" y="1854984"/>
             <a:ext cx="864096" cy="369332"/>
           </a:xfrm>
           <a:prstGeom prst="rect">
@@ -8358,7 +8470,7 @@
         </p:nvSpPr>
         <p:spPr>
           <a:xfrm>
-            <a:off x="6676150" y="1897817"/>
+            <a:off x="7660541" y="1785811"/>
             <a:ext cx="864096" cy="369332"/>
           </a:xfrm>
           <a:prstGeom prst="rect">
@@ -8392,7 +8504,7 @@
         </p:nvSpPr>
         <p:spPr>
           <a:xfrm>
-            <a:off x="568342" y="591525"/>
+            <a:off x="806350" y="813149"/>
             <a:ext cx="7784280" cy="923330"/>
           </a:xfrm>
           <a:prstGeom prst="rect">
@@ -8406,12 +8518,36 @@
           </a:bodyPr>
           <a:lstStyle/>
           <a:p>
+            <a:pPr marL="285750" indent="-285750">
+              <a:buFont typeface="Arial" panose="020B0604020202020204" pitchFamily="34" charset="0"/>
+              <a:buChar char="•"/>
+            </a:pPr>
             <a:r>
               <a:rPr lang="en-HK" dirty="0" smtClean="0"/>
-              <a:t>These are VUV irradiated infra-red spectrum, with dotted lines prior to irradiation</a:t>
-            </a:r>
-          </a:p>
-          <a:p>
+              <a:t>Infra-red spectra before </a:t>
+            </a:r>
+            <a:r>
+              <a:rPr lang="en-HK" dirty="0"/>
+              <a:t>(red dotted lines) and after (solid </a:t>
+            </a:r>
+            <a:r>
+              <a:rPr lang="en-HK" dirty="0" smtClean="0"/>
+              <a:t>lines) </a:t>
+            </a:r>
+            <a:r>
+              <a:rPr lang="en-HK" dirty="0"/>
+              <a:t>VUV </a:t>
+            </a:r>
+            <a:r>
+              <a:rPr lang="en-HK" dirty="0" smtClean="0"/>
+              <a:t>irradiation</a:t>
+            </a:r>
+          </a:p>
+          <a:p>
+            <a:pPr marL="285750" indent="-285750">
+              <a:buFont typeface="Arial" panose="020B0604020202020204" pitchFamily="34" charset="0"/>
+              <a:buChar char="•"/>
+            </a:pPr>
             <a:r>
               <a:rPr lang="en-HK" dirty="0" smtClean="0"/>
               <a:t>CN</a:t>
@@ -8422,7 +8558,11 @@
             </a:r>
             <a:r>
               <a:rPr lang="en-HK" dirty="0" smtClean="0"/>
-              <a:t> C</a:t>
+              <a:t> </a:t>
+            </a:r>
+            <a:r>
+              <a:rPr lang="en-HK" dirty="0" smtClean="0"/>
+              <a:t>C</a:t>
             </a:r>
             <a:r>
               <a:rPr lang="en-HK" baseline="-25000" dirty="0" smtClean="0"/>
@@ -8454,7 +8594,11 @@
             </a:r>
             <a:r>
               <a:rPr lang="en-HK" dirty="0" smtClean="0"/>
-              <a:t> are formed</a:t>
+              <a:t> are </a:t>
+            </a:r>
+            <a:r>
+              <a:rPr lang="en-HK" dirty="0" smtClean="0"/>
+              <a:t>formed after VUV irradiation</a:t>
             </a:r>
             <a:endParaRPr lang="en-US" dirty="0"/>
           </a:p>
@@ -8513,40 +8657,640 @@
           <a:lstStyle/>
           <a:p>
             <a:r>
-              <a:rPr lang="en-HK" dirty="0"/>
-              <a:t>1. Production mechanism of CN</a:t>
-            </a:r>
-            <a:r>
-              <a:rPr lang="en-HK" baseline="30000" dirty="0"/>
-              <a:t>-</a:t>
+              <a:rPr lang="en-HK" dirty="0" smtClean="0"/>
+              <a:t>From Beer’s Law</a:t>
             </a:r>
             <a:endParaRPr lang="en-US" dirty="0"/>
           </a:p>
         </p:txBody>
       </p:sp>
-      <p:sp>
-        <p:nvSpPr>
-          <p:cNvPr id="3" name="內容版面配置區 2"/>
-          <p:cNvSpPr>
-            <a:spLocks noGrp="1"/>
-          </p:cNvSpPr>
-          <p:nvPr>
-            <p:ph idx="1"/>
-          </p:nvPr>
-        </p:nvSpPr>
-        <p:spPr/>
-        <p:txBody>
-          <a:bodyPr/>
-          <a:lstStyle/>
-          <a:p>
-            <a:r>
-              <a:rPr lang="en-HK" dirty="0" smtClean="0"/>
-              <a:t>2 step/1 step?</a:t>
-            </a:r>
-            <a:endParaRPr lang="en-US" dirty="0"/>
-          </a:p>
-        </p:txBody>
-      </p:sp>
+      <mc:AlternateContent xmlns:mc="http://schemas.openxmlformats.org/markup-compatibility/2006">
+        <mc:Choice xmlns:a14="http://schemas.microsoft.com/office/drawing/2010/main" Requires="a14">
+          <p:sp>
+            <p:nvSpPr>
+              <p:cNvPr id="3" name="內容版面配置區 2"/>
+              <p:cNvSpPr>
+                <a:spLocks noGrp="1"/>
+              </p:cNvSpPr>
+              <p:nvPr>
+                <p:ph idx="1"/>
+              </p:nvPr>
+            </p:nvSpPr>
+            <p:spPr>
+              <a:xfrm>
+                <a:off x="1028700" y="1345332"/>
+                <a:ext cx="7935788" cy="4032490"/>
+              </a:xfrm>
+            </p:spPr>
+            <p:txBody>
+              <a:bodyPr>
+                <a:normAutofit/>
+              </a:bodyPr>
+              <a:lstStyle/>
+              <a:p>
+                <a:pPr marL="0" indent="0">
+                  <a:buNone/>
+                </a:pPr>
+                <a:r>
+                  <a:rPr lang="en-HK" i="1" dirty="0" smtClean="0"/>
+                  <a:t>Transmittance </a:t>
+                </a:r>
+                <a14:m>
+                  <m:oMath xmlns:m="http://schemas.openxmlformats.org/officeDocument/2006/math">
+                    <m:r>
+                      <a:rPr lang="en-US" i="1">
+                        <a:latin typeface="Cambria Math" panose="02040503050406030204" pitchFamily="18" charset="0"/>
+                      </a:rPr>
+                      <m:t>𝑇</m:t>
+                    </m:r>
+                    <m:d>
+                      <m:dPr>
+                        <m:ctrlPr>
+                          <a:rPr lang="en-US" i="1">
+                            <a:latin typeface="Cambria Math" panose="02040503050406030204" pitchFamily="18" charset="0"/>
+                          </a:rPr>
+                        </m:ctrlPr>
+                      </m:dPr>
+                      <m:e>
+                        <m:r>
+                          <a:rPr lang="en-US" i="1">
+                            <a:latin typeface="Cambria Math" panose="02040503050406030204" pitchFamily="18" charset="0"/>
+                          </a:rPr>
+                          <m:t>𝑣</m:t>
+                        </m:r>
+                      </m:e>
+                    </m:d>
+                  </m:oMath>
+                </a14:m>
+                <a:r>
+                  <a:rPr lang="en-HK" i="1" dirty="0" smtClean="0"/>
+                  <a:t>is defined by:</a:t>
+                </a:r>
+                <a:endParaRPr lang="en-US" i="1" dirty="0" smtClean="0"/>
+              </a:p>
+              <a:p>
+                <a14:m>
+                  <m:oMath xmlns:m="http://schemas.openxmlformats.org/officeDocument/2006/math">
+                    <m:r>
+                      <a:rPr lang="en-US" i="1"/>
+                      <m:t>𝑇</m:t>
+                    </m:r>
+                    <m:d>
+                      <m:dPr>
+                        <m:ctrlPr>
+                          <a:rPr lang="en-US" i="1"/>
+                        </m:ctrlPr>
+                      </m:dPr>
+                      <m:e>
+                        <m:r>
+                          <a:rPr lang="en-US" i="1"/>
+                          <m:t>𝑣</m:t>
+                        </m:r>
+                      </m:e>
+                    </m:d>
+                    <m:r>
+                      <a:rPr lang="en-US" i="1"/>
+                      <m:t>=</m:t>
+                    </m:r>
+                    <m:f>
+                      <m:fPr>
+                        <m:ctrlPr>
+                          <a:rPr lang="en-US" i="1"/>
+                        </m:ctrlPr>
+                      </m:fPr>
+                      <m:num>
+                        <m:r>
+                          <a:rPr lang="en-US" i="1"/>
+                          <m:t>𝐼</m:t>
+                        </m:r>
+                        <m:r>
+                          <a:rPr lang="en-US" i="1"/>
+                          <m:t>(</m:t>
+                        </m:r>
+                        <m:r>
+                          <a:rPr lang="en-US" i="1"/>
+                          <m:t>𝑣</m:t>
+                        </m:r>
+                        <m:r>
+                          <a:rPr lang="en-US" i="1"/>
+                          <m:t>)</m:t>
+                        </m:r>
+                      </m:num>
+                      <m:den>
+                        <m:r>
+                          <a:rPr lang="en-US" i="1"/>
+                          <m:t>𝐼𝑜</m:t>
+                        </m:r>
+                        <m:r>
+                          <a:rPr lang="en-US" i="1"/>
+                          <m:t>(</m:t>
+                        </m:r>
+                        <m:r>
+                          <a:rPr lang="en-US" i="1"/>
+                          <m:t>𝑣</m:t>
+                        </m:r>
+                        <m:r>
+                          <a:rPr lang="en-US" i="1"/>
+                          <m:t>)</m:t>
+                        </m:r>
+                      </m:den>
+                    </m:f>
+                  </m:oMath>
+                </a14:m>
+                <a:r>
+                  <a:rPr lang="en-US" dirty="0"/>
+                  <a:t> </a:t>
+                </a:r>
+                <a:endParaRPr lang="en-US" dirty="0" smtClean="0"/>
+              </a:p>
+              <a:p>
+                <a:pPr marL="0" indent="0">
+                  <a:buNone/>
+                </a:pPr>
+                <a:r>
+                  <a:rPr lang="en-HK" dirty="0" smtClean="0"/>
+                  <a:t>Absorbance </a:t>
+                </a:r>
+                <a14:m>
+                  <m:oMath xmlns:m="http://schemas.openxmlformats.org/officeDocument/2006/math">
+                    <m:r>
+                      <a:rPr lang="en-US" i="1">
+                        <a:latin typeface="Cambria Math" panose="02040503050406030204" pitchFamily="18" charset="0"/>
+                      </a:rPr>
+                      <m:t>𝑎</m:t>
+                    </m:r>
+                    <m:d>
+                      <m:dPr>
+                        <m:ctrlPr>
+                          <a:rPr lang="en-US" i="1">
+                            <a:latin typeface="Cambria Math" panose="02040503050406030204" pitchFamily="18" charset="0"/>
+                          </a:rPr>
+                        </m:ctrlPr>
+                      </m:dPr>
+                      <m:e>
+                        <m:r>
+                          <a:rPr lang="en-US" i="1">
+                            <a:latin typeface="Cambria Math" panose="02040503050406030204" pitchFamily="18" charset="0"/>
+                          </a:rPr>
+                          <m:t>𝑣</m:t>
+                        </m:r>
+                      </m:e>
+                    </m:d>
+                  </m:oMath>
+                </a14:m>
+                <a:r>
+                  <a:rPr lang="en-US" dirty="0" smtClean="0"/>
+                  <a:t> </a:t>
+                </a:r>
+                <a:r>
+                  <a:rPr lang="en-HK" i="1" dirty="0"/>
+                  <a:t>is defined by</a:t>
+                </a:r>
+                <a:r>
+                  <a:rPr lang="en-HK" i="1" dirty="0" smtClean="0"/>
+                  <a:t>:</a:t>
+                </a:r>
+                <a:endParaRPr lang="en-US" dirty="0" smtClean="0"/>
+              </a:p>
+              <a:p>
+                <a14:m>
+                  <m:oMath xmlns:m="http://schemas.openxmlformats.org/officeDocument/2006/math">
+                    <m:r>
+                      <a:rPr lang="en-US" i="1"/>
+                      <m:t>𝑎</m:t>
+                    </m:r>
+                    <m:d>
+                      <m:dPr>
+                        <m:ctrlPr>
+                          <a:rPr lang="en-US" i="1"/>
+                        </m:ctrlPr>
+                      </m:dPr>
+                      <m:e>
+                        <m:r>
+                          <a:rPr lang="en-US" i="1"/>
+                          <m:t>𝑣</m:t>
+                        </m:r>
+                      </m:e>
+                    </m:d>
+                    <m:r>
+                      <a:rPr lang="en-US" i="1"/>
+                      <m:t>= −</m:t>
+                    </m:r>
+                    <m:r>
+                      <a:rPr lang="en-US" i="1"/>
+                      <m:t>𝑙𝑛𝑇</m:t>
+                    </m:r>
+                    <m:r>
+                      <a:rPr lang="en-US" i="1"/>
+                      <m:t>= −</m:t>
+                    </m:r>
+                    <m:func>
+                      <m:funcPr>
+                        <m:ctrlPr>
+                          <a:rPr lang="en-US" i="1"/>
+                        </m:ctrlPr>
+                      </m:funcPr>
+                      <m:fName>
+                        <m:r>
+                          <m:rPr>
+                            <m:sty m:val="p"/>
+                          </m:rPr>
+                          <a:rPr lang="en-US"/>
+                          <m:t>ln</m:t>
+                        </m:r>
+                      </m:fName>
+                      <m:e>
+                        <m:d>
+                          <m:dPr>
+                            <m:ctrlPr>
+                              <a:rPr lang="en-US" i="1"/>
+                            </m:ctrlPr>
+                          </m:dPr>
+                          <m:e>
+                            <m:f>
+                              <m:fPr>
+                                <m:ctrlPr>
+                                  <a:rPr lang="en-US" i="1"/>
+                                </m:ctrlPr>
+                              </m:fPr>
+                              <m:num>
+                                <m:r>
+                                  <a:rPr lang="en-US" i="1"/>
+                                  <m:t>𝐼</m:t>
+                                </m:r>
+                                <m:d>
+                                  <m:dPr>
+                                    <m:ctrlPr>
+                                      <a:rPr lang="en-US" i="1"/>
+                                    </m:ctrlPr>
+                                  </m:dPr>
+                                  <m:e>
+                                    <m:r>
+                                      <a:rPr lang="en-US" i="1"/>
+                                      <m:t>𝑣</m:t>
+                                    </m:r>
+                                  </m:e>
+                                </m:d>
+                              </m:num>
+                              <m:den>
+                                <m:r>
+                                  <a:rPr lang="en-US" i="1"/>
+                                  <m:t>𝐼𝑜</m:t>
+                                </m:r>
+                                <m:d>
+                                  <m:dPr>
+                                    <m:ctrlPr>
+                                      <a:rPr lang="en-US" i="1"/>
+                                    </m:ctrlPr>
+                                  </m:dPr>
+                                  <m:e>
+                                    <m:r>
+                                      <a:rPr lang="en-US" i="1"/>
+                                      <m:t>𝑣</m:t>
+                                    </m:r>
+                                  </m:e>
+                                </m:d>
+                              </m:den>
+                            </m:f>
+                          </m:e>
+                        </m:d>
+                      </m:e>
+                    </m:func>
+                    <m:r>
+                      <a:rPr lang="en-US" i="1"/>
+                      <m:t>= </m:t>
+                    </m:r>
+                    <m:r>
+                      <a:rPr lang="en-US" i="1"/>
+                      <m:t>𝑛𝑙</m:t>
+                    </m:r>
+                    <m:r>
+                      <a:rPr lang="en-US" i="1"/>
+                      <m:t>𝜎</m:t>
+                    </m:r>
+                    <m:r>
+                      <a:rPr lang="en-US" i="1"/>
+                      <m:t>(</m:t>
+                    </m:r>
+                    <m:r>
+                      <a:rPr lang="en-US" i="1"/>
+                      <m:t>𝑣</m:t>
+                    </m:r>
+                    <m:r>
+                      <a:rPr lang="en-US" i="1"/>
+                      <m:t>)</m:t>
+                    </m:r>
+                  </m:oMath>
+                </a14:m>
+                <a:endParaRPr lang="en-US" dirty="0" smtClean="0"/>
+              </a:p>
+              <a:p>
+                <a:pPr marL="0" indent="0">
+                  <a:buNone/>
+                </a:pPr>
+                <a:r>
+                  <a:rPr lang="en-HK" dirty="0" smtClean="0"/>
+                  <a:t>	Where </a:t>
+                </a:r>
+                <a14:m>
+                  <m:oMath xmlns:m="http://schemas.openxmlformats.org/officeDocument/2006/math">
+                    <m:r>
+                      <a:rPr lang="en-US" i="1">
+                        <a:latin typeface="Cambria Math" panose="02040503050406030204" pitchFamily="18" charset="0"/>
+                      </a:rPr>
+                      <m:t>𝑛</m:t>
+                    </m:r>
+                  </m:oMath>
+                </a14:m>
+                <a:r>
+                  <a:rPr lang="en-US" dirty="0"/>
+                  <a:t> is number density (molecules cm</a:t>
+                </a:r>
+                <a:r>
+                  <a:rPr lang="en-US" baseline="30000" dirty="0"/>
+                  <a:t>-3</a:t>
+                </a:r>
+                <a:r>
+                  <a:rPr lang="en-US" dirty="0"/>
+                  <a:t>) </a:t>
+                </a:r>
+                <a14:m>
+                  <m:oMath xmlns:m="http://schemas.openxmlformats.org/officeDocument/2006/math">
+                    <m:r>
+                      <a:rPr lang="en-US" i="1">
+                        <a:latin typeface="Cambria Math" panose="02040503050406030204" pitchFamily="18" charset="0"/>
+                      </a:rPr>
+                      <m:t>𝑙</m:t>
+                    </m:r>
+                  </m:oMath>
+                </a14:m>
+                <a:r>
+                  <a:rPr lang="en-US" dirty="0"/>
+                  <a:t> is the path length (cm) and </a:t>
+                </a:r>
+                <a14:m>
+                  <m:oMath xmlns:m="http://schemas.openxmlformats.org/officeDocument/2006/math">
+                    <m:r>
+                      <a:rPr lang="en-US" i="1">
+                        <a:latin typeface="Cambria Math" panose="02040503050406030204" pitchFamily="18" charset="0"/>
+                      </a:rPr>
+                      <m:t>𝜎</m:t>
+                    </m:r>
+                    <m:d>
+                      <m:dPr>
+                        <m:ctrlPr>
+                          <a:rPr lang="en-US" i="1">
+                            <a:latin typeface="Cambria Math" panose="02040503050406030204" pitchFamily="18" charset="0"/>
+                          </a:rPr>
+                        </m:ctrlPr>
+                      </m:dPr>
+                      <m:e>
+                        <m:r>
+                          <a:rPr lang="en-US" i="1">
+                            <a:latin typeface="Cambria Math" panose="02040503050406030204" pitchFamily="18" charset="0"/>
+                          </a:rPr>
+                          <m:t>𝑣</m:t>
+                        </m:r>
+                      </m:e>
+                    </m:d>
+                  </m:oMath>
+                </a14:m>
+                <a:r>
+                  <a:rPr lang="en-US" dirty="0"/>
+                  <a:t> is </a:t>
+                </a:r>
+                <a:r>
+                  <a:rPr lang="en-US" dirty="0" smtClean="0"/>
+                  <a:t>	the cross-section </a:t>
+                </a:r>
+                <a:r>
+                  <a:rPr lang="en-US" dirty="0"/>
+                  <a:t>(cm</a:t>
+                </a:r>
+                <a:r>
+                  <a:rPr lang="en-US" baseline="30000" dirty="0"/>
+                  <a:t>2</a:t>
+                </a:r>
+                <a:r>
+                  <a:rPr lang="en-US" dirty="0"/>
+                  <a:t> molecules </a:t>
+                </a:r>
+                <a:r>
+                  <a:rPr lang="en-US" baseline="30000" dirty="0"/>
+                  <a:t>-1</a:t>
+                </a:r>
+                <a:r>
+                  <a:rPr lang="en-US" dirty="0"/>
+                  <a:t>)</a:t>
+                </a:r>
+                <a:endParaRPr lang="en-US" dirty="0"/>
+              </a:p>
+              <a:p>
+                <a:pPr marL="0" indent="0">
+                  <a:buNone/>
+                </a:pPr>
+                <a:r>
+                  <a:rPr lang="en-HK" dirty="0" smtClean="0"/>
+                  <a:t>Column density</a:t>
+                </a:r>
+                <a:r>
+                  <a:rPr lang="en-US" dirty="0"/>
+                  <a:t> </a:t>
+                </a:r>
+                <a14:m>
+                  <m:oMath xmlns:m="http://schemas.openxmlformats.org/officeDocument/2006/math">
+                    <m:r>
+                      <a:rPr lang="en-US" i="1">
+                        <a:latin typeface="Cambria Math" panose="02040503050406030204" pitchFamily="18" charset="0"/>
+                      </a:rPr>
+                      <m:t>𝑁</m:t>
+                    </m:r>
+                  </m:oMath>
+                </a14:m>
+                <a:r>
+                  <a:rPr lang="en-HK" dirty="0" smtClean="0"/>
+                  <a:t> </a:t>
+                </a:r>
+                <a:r>
+                  <a:rPr lang="en-HK" i="1" dirty="0"/>
+                  <a:t>is defined by:</a:t>
+                </a:r>
+                <a:endParaRPr lang="en-US" dirty="0"/>
+              </a:p>
+              <a:p>
+                <a14:m>
+                  <m:oMath xmlns:m="http://schemas.openxmlformats.org/officeDocument/2006/math">
+                    <m:r>
+                      <a:rPr lang="en-US" i="1"/>
+                      <m:t>𝑁</m:t>
+                    </m:r>
+                    <m:r>
+                      <a:rPr lang="en-US" i="1"/>
+                      <m:t>=</m:t>
+                    </m:r>
+                    <m:f>
+                      <m:fPr>
+                        <m:ctrlPr>
+                          <a:rPr lang="en-US" i="1"/>
+                        </m:ctrlPr>
+                      </m:fPr>
+                      <m:num>
+                        <m:nary>
+                          <m:naryPr>
+                            <m:limLoc m:val="undOvr"/>
+                            <m:subHide m:val="on"/>
+                            <m:supHide m:val="on"/>
+                            <m:ctrlPr>
+                              <a:rPr lang="en-US" i="1"/>
+                            </m:ctrlPr>
+                          </m:naryPr>
+                          <m:sub/>
+                          <m:sup/>
+                          <m:e>
+                            <m:r>
+                              <a:rPr lang="en-HK" b="0" i="1" smtClean="0">
+                                <a:latin typeface="Cambria Math" panose="02040503050406030204" pitchFamily="18" charset="0"/>
+                              </a:rPr>
+                              <m:t>𝑎</m:t>
+                            </m:r>
+                            <m:d>
+                              <m:dPr>
+                                <m:ctrlPr>
+                                  <a:rPr lang="en-US" i="1"/>
+                                </m:ctrlPr>
+                              </m:dPr>
+                              <m:e>
+                                <m:r>
+                                  <a:rPr lang="en-US" i="1"/>
+                                  <m:t>𝑣</m:t>
+                                </m:r>
+                              </m:e>
+                            </m:d>
+                            <m:r>
+                              <a:rPr lang="en-US" i="1"/>
+                              <m:t>𝑑𝑣</m:t>
+                            </m:r>
+                          </m:e>
+                        </m:nary>
+                      </m:num>
+                      <m:den>
+                        <m:r>
+                          <a:rPr lang="en-US" i="1"/>
+                          <m:t>𝐴</m:t>
+                        </m:r>
+                        <m:r>
+                          <a:rPr lang="en-US" i="1"/>
+                          <m:t>(</m:t>
+                        </m:r>
+                        <m:r>
+                          <a:rPr lang="en-US" i="1"/>
+                          <m:t>𝑣</m:t>
+                        </m:r>
+                        <m:r>
+                          <a:rPr lang="en-US" i="1"/>
+                          <m:t>)</m:t>
+                        </m:r>
+                      </m:den>
+                    </m:f>
+                    <m:r>
+                      <a:rPr lang="en-US" i="1"/>
+                      <m:t> </m:t>
+                    </m:r>
+                  </m:oMath>
+                </a14:m>
+                <a:endParaRPr lang="en-US" dirty="0" smtClean="0"/>
+              </a:p>
+              <a:p>
+                <a:pPr marL="0" indent="0">
+                  <a:buNone/>
+                </a:pPr>
+                <a:r>
+                  <a:rPr lang="en-HK" dirty="0" smtClean="0"/>
+                  <a:t>	Where</a:t>
+                </a:r>
+                <a:r>
+                  <a:rPr lang="en-US" dirty="0"/>
+                  <a:t> </a:t>
+                </a:r>
+                <a14:m>
+                  <m:oMath xmlns:m="http://schemas.openxmlformats.org/officeDocument/2006/math">
+                    <m:r>
+                      <a:rPr lang="en-US" i="1">
+                        <a:latin typeface="Cambria Math" panose="02040503050406030204" pitchFamily="18" charset="0"/>
+                      </a:rPr>
+                      <m:t>𝐴</m:t>
+                    </m:r>
+                    <m:r>
+                      <a:rPr lang="en-US" i="1">
+                        <a:latin typeface="Cambria Math" panose="02040503050406030204" pitchFamily="18" charset="0"/>
+                      </a:rPr>
+                      <m:t>(</m:t>
+                    </m:r>
+                    <m:r>
+                      <a:rPr lang="en-US" i="1">
+                        <a:latin typeface="Cambria Math" panose="02040503050406030204" pitchFamily="18" charset="0"/>
+                      </a:rPr>
+                      <m:t>𝑣</m:t>
+                    </m:r>
+                    <m:r>
+                      <a:rPr lang="en-US" i="1">
+                        <a:latin typeface="Cambria Math" panose="02040503050406030204" pitchFamily="18" charset="0"/>
+                      </a:rPr>
+                      <m:t>)</m:t>
+                    </m:r>
+                  </m:oMath>
+                </a14:m>
+                <a:r>
+                  <a:rPr lang="en-US" dirty="0" smtClean="0"/>
+                  <a:t> is the absorption strength (A-value) (cm molecule-1) from </a:t>
+                </a:r>
+                <a:r>
+                  <a:rPr lang="en-US" dirty="0" err="1" smtClean="0"/>
+                  <a:t>litertures</a:t>
+                </a:r>
+                <a:endParaRPr lang="en-US" dirty="0"/>
+              </a:p>
+            </p:txBody>
+          </p:sp>
+        </mc:Choice>
+        <mc:Fallback>
+          <p:sp>
+            <p:nvSpPr>
+              <p:cNvPr id="3" name="內容版面配置區 2"/>
+              <p:cNvSpPr>
+                <a:spLocks noGrp="1" noRot="1" noChangeAspect="1" noMove="1" noResize="1" noEditPoints="1" noAdjustHandles="1" noChangeArrowheads="1" noChangeShapeType="1" noTextEdit="1"/>
+              </p:cNvSpPr>
+              <p:nvPr>
+                <p:ph idx="1"/>
+              </p:nvPr>
+            </p:nvSpPr>
+            <p:spPr>
+              <a:xfrm>
+                <a:off x="1028700" y="1345332"/>
+                <a:ext cx="7935788" cy="4032490"/>
+              </a:xfrm>
+              <a:blipFill>
+                <a:blip r:embed="rId2"/>
+                <a:stretch>
+                  <a:fillRect l="-307" t="-756"/>
+                </a:stretch>
+              </a:blipFill>
+            </p:spPr>
+            <p:txBody>
+              <a:bodyPr/>
+              <a:lstStyle/>
+              <a:p>
+                <a:r>
+                  <a:rPr lang="en-US">
+                    <a:noFill/>
+                  </a:rPr>
+                  <a:t> </a:t>
+                </a:r>
+              </a:p>
+            </p:txBody>
+          </p:sp>
+        </mc:Fallback>
+      </mc:AlternateContent>
       <p:sp>
         <p:nvSpPr>
           <p:cNvPr id="4" name="投影片編號版面配置區 3"/>
@@ -8570,80 +9314,16 @@
           </a:p>
         </p:txBody>
       </p:sp>
-      <p:pic>
-        <p:nvPicPr>
-          <p:cNvPr id="7" name="圖片 6"/>
-          <p:cNvPicPr>
-            <a:picLocks noChangeAspect="1"/>
-          </p:cNvPicPr>
-          <p:nvPr/>
-        </p:nvPicPr>
-        <p:blipFill>
-          <a:blip r:embed="rId2"/>
-          <a:stretch>
-            <a:fillRect/>
-          </a:stretch>
-        </p:blipFill>
-        <p:spPr>
-          <a:xfrm>
-            <a:off x="5076056" y="1118022"/>
-            <a:ext cx="3864384" cy="4108648"/>
-          </a:xfrm>
-          <a:prstGeom prst="rect">
-            <a:avLst/>
-          </a:prstGeom>
-        </p:spPr>
-      </p:pic>
-      <p:sp>
-        <p:nvSpPr>
-          <p:cNvPr id="6" name="矩形 5"/>
-          <p:cNvSpPr/>
-          <p:nvPr/>
-        </p:nvSpPr>
-        <p:spPr>
-          <a:xfrm>
-            <a:off x="3995936" y="5286169"/>
-            <a:ext cx="3819444" cy="369332"/>
-          </a:xfrm>
-          <a:prstGeom prst="rect">
-            <a:avLst/>
-          </a:prstGeom>
-        </p:spPr>
-        <p:txBody>
-          <a:bodyPr wrap="none">
-            <a:spAutoFit/>
-          </a:bodyPr>
-          <a:lstStyle/>
-          <a:p>
-            <a:r>
-              <a:rPr lang="en-HK" dirty="0"/>
-              <a:t>Quoted from Kim and Kaiser (</a:t>
-            </a:r>
-            <a:r>
-              <a:rPr lang="en-HK" dirty="0" smtClean="0"/>
-              <a:t>2011)</a:t>
-            </a:r>
-            <a:endParaRPr lang="en-HK" dirty="0"/>
-          </a:p>
-        </p:txBody>
-      </p:sp>
     </p:spTree>
     <p:extLst>
       <p:ext uri="{BB962C8B-B14F-4D97-AF65-F5344CB8AC3E}">
-        <p14:creationId xmlns:p14="http://schemas.microsoft.com/office/powerpoint/2010/main" val="3336713274"/>
+        <p14:creationId xmlns:p14="http://schemas.microsoft.com/office/powerpoint/2010/main" val="2374132797"/>
       </p:ext>
     </p:extLst>
   </p:cSld>
   <p:clrMapOvr>
     <a:masterClrMapping/>
   </p:clrMapOvr>
-  <p:timing>
-    <p:tnLst>
-      <p:par>
-        <p:cTn id="1" dur="indefinite" restart="never" nodeType="tmRoot"/>
-      </p:par>
-    </p:tnLst>
-  </p:timing>
 </p:sld>
 </file>
 
@@ -8681,7 +9361,15 @@
           <a:p>
             <a:r>
               <a:rPr lang="en-HK" dirty="0"/>
-              <a:t>1. Production mechanism of CN</a:t>
+              <a:t>1. Production </a:t>
+            </a:r>
+            <a:r>
+              <a:rPr lang="en-HK" dirty="0" smtClean="0"/>
+              <a:t>of </a:t>
+            </a:r>
+            <a:r>
+              <a:rPr lang="en-HK" dirty="0"/>
+              <a:t>CN</a:t>
             </a:r>
             <a:r>
               <a:rPr lang="en-HK" baseline="30000" dirty="0"/>
@@ -8691,29 +9379,508 @@
           </a:p>
         </p:txBody>
       </p:sp>
-      <p:sp>
-        <p:nvSpPr>
-          <p:cNvPr id="3" name="內容版面配置區 2"/>
-          <p:cNvSpPr>
-            <a:spLocks noGrp="1"/>
-          </p:cNvSpPr>
-          <p:nvPr>
-            <p:ph idx="1"/>
-          </p:nvPr>
-        </p:nvSpPr>
-        <p:spPr/>
-        <p:txBody>
-          <a:bodyPr/>
-          <a:lstStyle/>
-          <a:p>
-            <a:r>
-              <a:rPr lang="en-HK" dirty="0" smtClean="0"/>
-              <a:t>2 step/1 step?</a:t>
-            </a:r>
-            <a:endParaRPr lang="en-US" dirty="0"/>
-          </a:p>
-        </p:txBody>
-      </p:sp>
+      <mc:AlternateContent xmlns:mc="http://schemas.openxmlformats.org/markup-compatibility/2006">
+        <mc:Choice xmlns:a14="http://schemas.microsoft.com/office/drawing/2010/main" Requires="a14">
+          <p:sp>
+            <p:nvSpPr>
+              <p:cNvPr id="3" name="內容版面配置區 2"/>
+              <p:cNvSpPr>
+                <a:spLocks noGrp="1"/>
+              </p:cNvSpPr>
+              <p:nvPr>
+                <p:ph idx="1"/>
+              </p:nvPr>
+            </p:nvSpPr>
+            <p:spPr>
+              <a:xfrm>
+                <a:off x="1106066" y="2065412"/>
+                <a:ext cx="7200900" cy="4187197"/>
+              </a:xfrm>
+            </p:spPr>
+            <p:txBody>
+              <a:bodyPr/>
+              <a:lstStyle/>
+              <a:p>
+                <a:r>
+                  <a:rPr lang="en-HK" dirty="0" smtClean="0"/>
+                  <a:t>2 step/1 step?</a:t>
+                </a:r>
+              </a:p>
+              <a:p>
+                <a:pPr marL="0" indent="0">
+                  <a:buNone/>
+                </a:pPr>
+                <a:r>
+                  <a:rPr lang="en-HK" dirty="0" smtClean="0"/>
+                  <a:t>2 step rate equation:</a:t>
+                </a:r>
+                <a:endParaRPr lang="en-HK" dirty="0"/>
+              </a:p>
+              <a:p>
+                <a14:m>
+                  <m:oMath xmlns:m="http://schemas.openxmlformats.org/officeDocument/2006/math">
+                    <m:d>
+                      <m:dPr>
+                        <m:begChr m:val="["/>
+                        <m:endChr m:val="]"/>
+                        <m:ctrlPr>
+                          <a:rPr lang="en-US" i="1"/>
+                        </m:ctrlPr>
+                      </m:dPr>
+                      <m:e>
+                        <m:sSup>
+                          <m:sSupPr>
+                            <m:ctrlPr>
+                              <a:rPr lang="en-US" i="1" smtClean="0">
+                                <a:latin typeface="Cambria Math" panose="02040503050406030204" pitchFamily="18" charset="0"/>
+                              </a:rPr>
+                            </m:ctrlPr>
+                          </m:sSupPr>
+                          <m:e>
+                            <m:r>
+                              <a:rPr lang="en-US" i="1">
+                                <a:latin typeface="Cambria Math" panose="02040503050406030204" pitchFamily="18" charset="0"/>
+                              </a:rPr>
+                              <m:t>𝐶</m:t>
+                            </m:r>
+                            <m:r>
+                              <a:rPr lang="en-HK" i="1">
+                                <a:latin typeface="Cambria Math" panose="02040503050406030204" pitchFamily="18" charset="0"/>
+                              </a:rPr>
+                              <m:t>𝑁</m:t>
+                            </m:r>
+                          </m:e>
+                          <m:sup>
+                            <m:r>
+                              <a:rPr lang="en-HK" b="0" i="1" smtClean="0">
+                                <a:latin typeface="Cambria Math" panose="02040503050406030204" pitchFamily="18" charset="0"/>
+                              </a:rPr>
+                              <m:t>−</m:t>
+                            </m:r>
+                          </m:sup>
+                        </m:sSup>
+                      </m:e>
+                    </m:d>
+                    <m:r>
+                      <a:rPr lang="en-US" i="1"/>
+                      <m:t>=</m:t>
+                    </m:r>
+                    <m:d>
+                      <m:dPr>
+                        <m:ctrlPr>
+                          <a:rPr lang="en-US" i="1"/>
+                        </m:ctrlPr>
+                      </m:dPr>
+                      <m:e>
+                        <m:r>
+                          <a:rPr lang="en-US" i="1"/>
+                          <m:t>1+</m:t>
+                        </m:r>
+                        <m:f>
+                          <m:fPr>
+                            <m:ctrlPr>
+                              <a:rPr lang="en-US" i="1"/>
+                            </m:ctrlPr>
+                          </m:fPr>
+                          <m:num>
+                            <m:sSup>
+                              <m:sSupPr>
+                                <m:ctrlPr>
+                                  <a:rPr lang="en-US" i="1"/>
+                                </m:ctrlPr>
+                              </m:sSupPr>
+                              <m:e>
+                                <m:sSub>
+                                  <m:sSubPr>
+                                    <m:ctrlPr>
+                                      <a:rPr lang="en-US" i="1"/>
+                                    </m:ctrlPr>
+                                  </m:sSubPr>
+                                  <m:e>
+                                    <m:r>
+                                      <a:rPr lang="en-US" i="1"/>
+                                      <m:t>𝑘</m:t>
+                                    </m:r>
+                                  </m:e>
+                                  <m:sub>
+                                    <m:r>
+                                      <a:rPr lang="en-US" i="1"/>
+                                      <m:t>1</m:t>
+                                    </m:r>
+                                  </m:sub>
+                                </m:sSub>
+                                <m:r>
+                                  <a:rPr lang="en-US" i="1"/>
+                                  <m:t>𝑒</m:t>
+                                </m:r>
+                              </m:e>
+                              <m:sup>
+                                <m:r>
+                                  <a:rPr lang="en-US" i="1"/>
+                                  <m:t>−</m:t>
+                                </m:r>
+                                <m:sSub>
+                                  <m:sSubPr>
+                                    <m:ctrlPr>
+                                      <a:rPr lang="en-US" i="1"/>
+                                    </m:ctrlPr>
+                                  </m:sSubPr>
+                                  <m:e>
+                                    <m:r>
+                                      <a:rPr lang="en-US" i="1"/>
+                                      <m:t>𝑘</m:t>
+                                    </m:r>
+                                  </m:e>
+                                  <m:sub>
+                                    <m:r>
+                                      <a:rPr lang="en-US" i="1"/>
+                                      <m:t>2</m:t>
+                                    </m:r>
+                                  </m:sub>
+                                </m:sSub>
+                                <m:r>
+                                  <a:rPr lang="en-US" i="1"/>
+                                  <m:t>𝑡</m:t>
+                                </m:r>
+                              </m:sup>
+                            </m:sSup>
+                            <m:r>
+                              <a:rPr lang="en-US" i="1"/>
+                              <m:t>−</m:t>
+                            </m:r>
+                            <m:sSup>
+                              <m:sSupPr>
+                                <m:ctrlPr>
+                                  <a:rPr lang="en-US" i="1"/>
+                                </m:ctrlPr>
+                              </m:sSupPr>
+                              <m:e>
+                                <m:sSub>
+                                  <m:sSubPr>
+                                    <m:ctrlPr>
+                                      <a:rPr lang="en-US" i="1"/>
+                                    </m:ctrlPr>
+                                  </m:sSubPr>
+                                  <m:e>
+                                    <m:r>
+                                      <a:rPr lang="en-US" i="1"/>
+                                      <m:t>𝑘</m:t>
+                                    </m:r>
+                                  </m:e>
+                                  <m:sub>
+                                    <m:r>
+                                      <a:rPr lang="en-US" i="1"/>
+                                      <m:t>2</m:t>
+                                    </m:r>
+                                  </m:sub>
+                                </m:sSub>
+                                <m:r>
+                                  <a:rPr lang="en-US" i="1"/>
+                                  <m:t>𝑒</m:t>
+                                </m:r>
+                              </m:e>
+                              <m:sup>
+                                <m:r>
+                                  <a:rPr lang="en-US" i="1"/>
+                                  <m:t>−</m:t>
+                                </m:r>
+                                <m:sSub>
+                                  <m:sSubPr>
+                                    <m:ctrlPr>
+                                      <a:rPr lang="en-US" i="1"/>
+                                    </m:ctrlPr>
+                                  </m:sSubPr>
+                                  <m:e>
+                                    <m:r>
+                                      <a:rPr lang="en-US" i="1"/>
+                                      <m:t>𝑘</m:t>
+                                    </m:r>
+                                  </m:e>
+                                  <m:sub>
+                                    <m:r>
+                                      <a:rPr lang="en-US" i="1"/>
+                                      <m:t>1</m:t>
+                                    </m:r>
+                                  </m:sub>
+                                </m:sSub>
+                                <m:r>
+                                  <a:rPr lang="en-US" i="1"/>
+                                  <m:t>𝑡</m:t>
+                                </m:r>
+                              </m:sup>
+                            </m:sSup>
+                          </m:num>
+                          <m:den>
+                            <m:sSub>
+                              <m:sSubPr>
+                                <m:ctrlPr>
+                                  <a:rPr lang="en-US" i="1"/>
+                                </m:ctrlPr>
+                              </m:sSubPr>
+                              <m:e>
+                                <m:r>
+                                  <a:rPr lang="en-US" i="1"/>
+                                  <m:t>𝑘</m:t>
+                                </m:r>
+                              </m:e>
+                              <m:sub>
+                                <m:r>
+                                  <a:rPr lang="en-US" i="1"/>
+                                  <m:t>2</m:t>
+                                </m:r>
+                              </m:sub>
+                            </m:sSub>
+                            <m:r>
+                              <a:rPr lang="en-US" i="1"/>
+                              <m:t>−</m:t>
+                            </m:r>
+                            <m:sSub>
+                              <m:sSubPr>
+                                <m:ctrlPr>
+                                  <a:rPr lang="en-US" i="1"/>
+                                </m:ctrlPr>
+                              </m:sSubPr>
+                              <m:e>
+                                <m:r>
+                                  <a:rPr lang="en-US" i="1"/>
+                                  <m:t>𝑘</m:t>
+                                </m:r>
+                              </m:e>
+                              <m:sub>
+                                <m:r>
+                                  <a:rPr lang="en-US" i="1"/>
+                                  <m:t>1</m:t>
+                                </m:r>
+                              </m:sub>
+                            </m:sSub>
+                          </m:den>
+                        </m:f>
+                      </m:e>
+                    </m:d>
+                    <m:sSub>
+                      <m:sSubPr>
+                        <m:ctrlPr>
+                          <a:rPr lang="en-US" i="1"/>
+                        </m:ctrlPr>
+                      </m:sSubPr>
+                      <m:e>
+                        <m:r>
+                          <a:rPr lang="en-US" i="1"/>
+                          <m:t>[</m:t>
+                        </m:r>
+                        <m:r>
+                          <a:rPr lang="en-US" i="1"/>
+                          <m:t>𝐴</m:t>
+                        </m:r>
+                        <m:r>
+                          <a:rPr lang="en-US" i="1"/>
+                          <m:t>]</m:t>
+                        </m:r>
+                      </m:e>
+                      <m:sub>
+                        <m:r>
+                          <a:rPr lang="en-US" i="1"/>
+                          <m:t>𝑜</m:t>
+                        </m:r>
+                      </m:sub>
+                    </m:sSub>
+                  </m:oMath>
+                </a14:m>
+                <a:endParaRPr lang="en-US" dirty="0" smtClean="0"/>
+              </a:p>
+              <a:p>
+                <a:pPr marL="0" indent="0">
+                  <a:buNone/>
+                </a:pPr>
+                <a:r>
+                  <a:rPr lang="en-HK" dirty="0" smtClean="0"/>
+                  <a:t>1 step rate equation:</a:t>
+                </a:r>
+                <a:endParaRPr lang="en-HK" dirty="0"/>
+              </a:p>
+              <a:p>
+                <a14:m>
+                  <m:oMath xmlns:m="http://schemas.openxmlformats.org/officeDocument/2006/math">
+                    <m:d>
+                      <m:dPr>
+                        <m:begChr m:val="["/>
+                        <m:endChr m:val="]"/>
+                        <m:ctrlPr>
+                          <a:rPr lang="en-US" i="1">
+                            <a:latin typeface="Cambria Math" panose="02040503050406030204" pitchFamily="18" charset="0"/>
+                          </a:rPr>
+                        </m:ctrlPr>
+                      </m:dPr>
+                      <m:e>
+                        <m:sSup>
+                          <m:sSupPr>
+                            <m:ctrlPr>
+                              <a:rPr lang="en-US" i="1">
+                                <a:latin typeface="Cambria Math" panose="02040503050406030204" pitchFamily="18" charset="0"/>
+                              </a:rPr>
+                            </m:ctrlPr>
+                          </m:sSupPr>
+                          <m:e>
+                            <m:r>
+                              <a:rPr lang="en-US" i="1">
+                                <a:latin typeface="Cambria Math" panose="02040503050406030204" pitchFamily="18" charset="0"/>
+                              </a:rPr>
+                              <m:t>𝐶</m:t>
+                            </m:r>
+                            <m:r>
+                              <a:rPr lang="en-HK" i="1">
+                                <a:latin typeface="Cambria Math" panose="02040503050406030204" pitchFamily="18" charset="0"/>
+                              </a:rPr>
+                              <m:t>𝑁</m:t>
+                            </m:r>
+                          </m:e>
+                          <m:sup>
+                            <m:r>
+                              <a:rPr lang="en-HK" i="1">
+                                <a:latin typeface="Cambria Math" panose="02040503050406030204" pitchFamily="18" charset="0"/>
+                              </a:rPr>
+                              <m:t>−</m:t>
+                            </m:r>
+                          </m:sup>
+                        </m:sSup>
+                      </m:e>
+                    </m:d>
+                    <m:r>
+                      <a:rPr lang="en-US" i="1">
+                        <a:latin typeface="Cambria Math" panose="02040503050406030204" pitchFamily="18" charset="0"/>
+                      </a:rPr>
+                      <m:t>=</m:t>
+                    </m:r>
+                    <m:d>
+                      <m:dPr>
+                        <m:ctrlPr>
+                          <a:rPr lang="en-US" i="1">
+                            <a:latin typeface="Cambria Math" panose="02040503050406030204" pitchFamily="18" charset="0"/>
+                          </a:rPr>
+                        </m:ctrlPr>
+                      </m:dPr>
+                      <m:e>
+                        <m:r>
+                          <a:rPr lang="en-US" i="1">
+                            <a:latin typeface="Cambria Math" panose="02040503050406030204" pitchFamily="18" charset="0"/>
+                          </a:rPr>
+                          <m:t>1+</m:t>
+                        </m:r>
+                        <m:sSup>
+                          <m:sSupPr>
+                            <m:ctrlPr>
+                              <a:rPr lang="en-HK" b="0" i="1" smtClean="0">
+                                <a:latin typeface="Cambria Math" panose="02040503050406030204" pitchFamily="18" charset="0"/>
+                              </a:rPr>
+                            </m:ctrlPr>
+                          </m:sSupPr>
+                          <m:e>
+                            <m:r>
+                              <a:rPr lang="en-HK" i="1">
+                                <a:latin typeface="Cambria Math" panose="02040503050406030204" pitchFamily="18" charset="0"/>
+                              </a:rPr>
+                              <m:t>𝑒</m:t>
+                            </m:r>
+                          </m:e>
+                          <m:sup>
+                            <m:r>
+                              <a:rPr lang="en-HK" b="0" i="1" smtClean="0">
+                                <a:latin typeface="Cambria Math" panose="02040503050406030204" pitchFamily="18" charset="0"/>
+                              </a:rPr>
+                              <m:t>−</m:t>
+                            </m:r>
+                            <m:r>
+                              <a:rPr lang="en-HK" b="0" i="1" smtClean="0">
+                                <a:latin typeface="Cambria Math" panose="02040503050406030204" pitchFamily="18" charset="0"/>
+                              </a:rPr>
+                              <m:t>𝑘𝑡</m:t>
+                            </m:r>
+                          </m:sup>
+                        </m:sSup>
+                      </m:e>
+                    </m:d>
+                    <m:sSub>
+                      <m:sSubPr>
+                        <m:ctrlPr>
+                          <a:rPr lang="en-US" i="1">
+                            <a:latin typeface="Cambria Math" panose="02040503050406030204" pitchFamily="18" charset="0"/>
+                          </a:rPr>
+                        </m:ctrlPr>
+                      </m:sSubPr>
+                      <m:e>
+                        <m:r>
+                          <a:rPr lang="en-US" i="1">
+                            <a:latin typeface="Cambria Math" panose="02040503050406030204" pitchFamily="18" charset="0"/>
+                          </a:rPr>
+                          <m:t>[</m:t>
+                        </m:r>
+                        <m:r>
+                          <a:rPr lang="en-US" i="1">
+                            <a:latin typeface="Cambria Math" panose="02040503050406030204" pitchFamily="18" charset="0"/>
+                          </a:rPr>
+                          <m:t>𝐴</m:t>
+                        </m:r>
+                        <m:r>
+                          <a:rPr lang="en-US" i="1">
+                            <a:latin typeface="Cambria Math" panose="02040503050406030204" pitchFamily="18" charset="0"/>
+                          </a:rPr>
+                          <m:t>]</m:t>
+                        </m:r>
+                      </m:e>
+                      <m:sub>
+                        <m:r>
+                          <a:rPr lang="en-US" i="1">
+                            <a:latin typeface="Cambria Math" panose="02040503050406030204" pitchFamily="18" charset="0"/>
+                          </a:rPr>
+                          <m:t>𝑜</m:t>
+                        </m:r>
+                      </m:sub>
+                    </m:sSub>
+                  </m:oMath>
+                </a14:m>
+                <a:endParaRPr lang="en-US" dirty="0"/>
+              </a:p>
+            </p:txBody>
+          </p:sp>
+        </mc:Choice>
+        <mc:Fallback>
+          <p:sp>
+            <p:nvSpPr>
+              <p:cNvPr id="3" name="內容版面配置區 2"/>
+              <p:cNvSpPr>
+                <a:spLocks noGrp="1" noRot="1" noChangeAspect="1" noMove="1" noResize="1" noEditPoints="1" noAdjustHandles="1" noChangeArrowheads="1" noChangeShapeType="1" noTextEdit="1"/>
+              </p:cNvSpPr>
+              <p:nvPr>
+                <p:ph idx="1"/>
+              </p:nvPr>
+            </p:nvSpPr>
+            <p:spPr>
+              <a:xfrm>
+                <a:off x="1106066" y="2065412"/>
+                <a:ext cx="7200900" cy="4187197"/>
+              </a:xfrm>
+              <a:blipFill>
+                <a:blip r:embed="rId2"/>
+                <a:stretch>
+                  <a:fillRect l="-338" t="-582"/>
+                </a:stretch>
+              </a:blipFill>
+            </p:spPr>
+            <p:txBody>
+              <a:bodyPr/>
+              <a:lstStyle/>
+              <a:p>
+                <a:r>
+                  <a:rPr lang="en-US">
+                    <a:noFill/>
+                  </a:rPr>
+                  <a:t> </a:t>
+                </a:r>
+              </a:p>
+            </p:txBody>
+          </p:sp>
+        </mc:Fallback>
+      </mc:AlternateContent>
       <p:sp>
         <p:nvSpPr>
           <p:cNvPr id="4" name="投影片編號版面配置區 3"/>
@@ -8737,63 +9904,67 @@
           </a:p>
         </p:txBody>
       </p:sp>
-      <p:graphicFrame>
-        <p:nvGraphicFramePr>
-          <p:cNvPr id="5" name="物件 4"/>
-          <p:cNvGraphicFramePr>
-            <a:graphicFrameLocks noChangeAspect="1"/>
-          </p:cNvGraphicFramePr>
-          <p:nvPr>
-            <p:extLst/>
-          </p:nvPr>
-        </p:nvGraphicFramePr>
-        <p:xfrm>
-          <a:off x="3779912" y="1474325"/>
-          <a:ext cx="5796701" cy="4072086"/>
-        </p:xfrm>
-        <a:graphic>
-          <a:graphicData uri="http://schemas.openxmlformats.org/presentationml/2006/ole">
-            <mc:AlternateContent xmlns:mc="http://schemas.openxmlformats.org/markup-compatibility/2006">
-              <mc:Choice xmlns:v="urn:schemas-microsoft-com:vml" Requires="v">
-                <p:oleObj spid="_x0000_s7255" name="Graph" r:id="rId3" imgW="4754880" imgH="3108960" progId="Origin50.Graph">
-                  <p:embed/>
-                </p:oleObj>
-              </mc:Choice>
-              <mc:Fallback>
-                <p:oleObj name="Graph" r:id="rId3" imgW="4754880" imgH="3108960" progId="Origin50.Graph">
-                  <p:embed/>
-                  <p:pic>
-                    <p:nvPicPr>
-                      <p:cNvPr id="5" name="物件 4"/>
-                      <p:cNvPicPr/>
-                      <p:nvPr/>
-                    </p:nvPicPr>
-                    <p:blipFill>
-                      <a:blip r:embed="rId4"/>
-                      <a:stretch>
-                        <a:fillRect/>
-                      </a:stretch>
-                    </p:blipFill>
-                    <p:spPr>
-                      <a:xfrm>
-                        <a:off x="3779912" y="1474325"/>
-                        <a:ext cx="5796701" cy="4072086"/>
-                      </a:xfrm>
-                      <a:prstGeom prst="rect">
-                        <a:avLst/>
-                      </a:prstGeom>
-                    </p:spPr>
-                  </p:pic>
-                </p:oleObj>
-              </mc:Fallback>
-            </mc:AlternateContent>
-          </a:graphicData>
-        </a:graphic>
-      </p:graphicFrame>
+      <p:pic>
+        <p:nvPicPr>
+          <p:cNvPr id="7" name="圖片 6"/>
+          <p:cNvPicPr>
+            <a:picLocks noChangeAspect="1"/>
+          </p:cNvPicPr>
+          <p:nvPr/>
+        </p:nvPicPr>
+        <p:blipFill>
+          <a:blip r:embed="rId3"/>
+          <a:stretch>
+            <a:fillRect/>
+          </a:stretch>
+        </p:blipFill>
+        <p:spPr>
+          <a:xfrm>
+            <a:off x="5046942" y="493258"/>
+            <a:ext cx="4088524" cy="4346955"/>
+          </a:xfrm>
+          <a:prstGeom prst="rect">
+            <a:avLst/>
+          </a:prstGeom>
+        </p:spPr>
+      </p:pic>
+      <p:sp>
+        <p:nvSpPr>
+          <p:cNvPr id="6" name="矩形 5"/>
+          <p:cNvSpPr/>
+          <p:nvPr/>
+        </p:nvSpPr>
+        <p:spPr>
+          <a:xfrm>
+            <a:off x="5334449" y="5101503"/>
+            <a:ext cx="3819444" cy="369332"/>
+          </a:xfrm>
+          <a:prstGeom prst="rect">
+            <a:avLst/>
+          </a:prstGeom>
+        </p:spPr>
+        <p:txBody>
+          <a:bodyPr wrap="none">
+            <a:spAutoFit/>
+          </a:bodyPr>
+          <a:lstStyle/>
+          <a:p>
+            <a:r>
+              <a:rPr lang="en-HK" dirty="0"/>
+              <a:t>Quoted from Kim and Kaiser (</a:t>
+            </a:r>
+            <a:r>
+              <a:rPr lang="en-HK" dirty="0" smtClean="0"/>
+              <a:t>2011)</a:t>
+            </a:r>
+            <a:endParaRPr lang="en-HK" dirty="0"/>
+          </a:p>
+        </p:txBody>
+      </p:sp>
     </p:spTree>
     <p:extLst>
       <p:ext uri="{BB962C8B-B14F-4D97-AF65-F5344CB8AC3E}">
-        <p14:creationId xmlns:p14="http://schemas.microsoft.com/office/powerpoint/2010/main" val="705214716"/>
+        <p14:creationId xmlns:p14="http://schemas.microsoft.com/office/powerpoint/2010/main" val="3336713274"/>
       </p:ext>
     </p:extLst>
   </p:cSld>
@@ -8844,7 +10015,233 @@
           <a:p>
             <a:r>
               <a:rPr lang="en-HK" dirty="0"/>
-              <a:t>1. Production mechanism of CN</a:t>
+              <a:t>1. Production </a:t>
+            </a:r>
+            <a:r>
+              <a:rPr lang="en-HK" dirty="0" smtClean="0"/>
+              <a:t>of </a:t>
+            </a:r>
+            <a:r>
+              <a:rPr lang="en-HK" dirty="0"/>
+              <a:t>CN</a:t>
+            </a:r>
+            <a:r>
+              <a:rPr lang="en-HK" baseline="30000" dirty="0"/>
+              <a:t>-</a:t>
+            </a:r>
+            <a:endParaRPr lang="en-US" dirty="0"/>
+          </a:p>
+        </p:txBody>
+      </p:sp>
+      <p:sp>
+        <p:nvSpPr>
+          <p:cNvPr id="3" name="內容版面配置區 2"/>
+          <p:cNvSpPr>
+            <a:spLocks noGrp="1"/>
+          </p:cNvSpPr>
+          <p:nvPr>
+            <p:ph idx="1"/>
+          </p:nvPr>
+        </p:nvSpPr>
+        <p:spPr>
+          <a:xfrm>
+            <a:off x="899592" y="1190625"/>
+            <a:ext cx="7200900" cy="2984500"/>
+          </a:xfrm>
+        </p:spPr>
+        <p:txBody>
+          <a:bodyPr/>
+          <a:lstStyle/>
+          <a:p>
+            <a:r>
+              <a:rPr lang="en-HK" dirty="0" smtClean="0"/>
+              <a:t>2 step/1 step?</a:t>
+            </a:r>
+            <a:endParaRPr lang="en-US" dirty="0"/>
+          </a:p>
+        </p:txBody>
+      </p:sp>
+      <p:sp>
+        <p:nvSpPr>
+          <p:cNvPr id="4" name="投影片編號版面配置區 3"/>
+          <p:cNvSpPr>
+            <a:spLocks noGrp="1"/>
+          </p:cNvSpPr>
+          <p:nvPr>
+            <p:ph type="sldNum" sz="quarter" idx="12"/>
+          </p:nvPr>
+        </p:nvSpPr>
+        <p:spPr/>
+        <p:txBody>
+          <a:bodyPr/>
+          <a:lstStyle/>
+          <a:p>
+            <a:fld id="{B646D8CA-B2C0-41A8-8514-369D0B0735D6}" type="slidenum">
+              <a:rPr lang="zh-TW" altLang="en-US" smtClean="0"/>
+              <a:t>18</a:t>
+            </a:fld>
+            <a:endParaRPr lang="zh-TW" altLang="en-US"/>
+          </a:p>
+        </p:txBody>
+      </p:sp>
+      <p:graphicFrame>
+        <p:nvGraphicFramePr>
+          <p:cNvPr id="8" name="物件 7"/>
+          <p:cNvGraphicFramePr>
+            <a:graphicFrameLocks noChangeAspect="1"/>
+          </p:cNvGraphicFramePr>
+          <p:nvPr>
+            <p:extLst>
+              <p:ext uri="{D42A27DB-BD31-4B8C-83A1-F6EECF244321}">
+                <p14:modId xmlns:p14="http://schemas.microsoft.com/office/powerpoint/2010/main" val="2088427980"/>
+              </p:ext>
+            </p:extLst>
+          </p:nvPr>
+        </p:nvGraphicFramePr>
+        <p:xfrm>
+          <a:off x="4139952" y="890976"/>
+          <a:ext cx="5796701" cy="4072086"/>
+        </p:xfrm>
+        <a:graphic>
+          <a:graphicData uri="http://schemas.openxmlformats.org/presentationml/2006/ole">
+            <mc:AlternateContent xmlns:mc="http://schemas.openxmlformats.org/markup-compatibility/2006">
+              <mc:Choice xmlns:v="urn:schemas-microsoft-com:vml" Requires="v">
+                <p:oleObj spid="_x0000_s9228" name="Graph" r:id="rId3" imgW="4754880" imgH="3108960" progId="Origin50.Graph">
+                  <p:embed/>
+                </p:oleObj>
+              </mc:Choice>
+              <mc:Fallback>
+                <p:oleObj name="Graph" r:id="rId3" imgW="4754880" imgH="3108960" progId="Origin50.Graph">
+                  <p:embed/>
+                  <p:pic>
+                    <p:nvPicPr>
+                      <p:cNvPr id="8" name="物件 7"/>
+                      <p:cNvPicPr/>
+                      <p:nvPr/>
+                    </p:nvPicPr>
+                    <p:blipFill>
+                      <a:blip r:embed="rId4"/>
+                      <a:stretch>
+                        <a:fillRect/>
+                      </a:stretch>
+                    </p:blipFill>
+                    <p:spPr>
+                      <a:xfrm>
+                        <a:off x="4139952" y="890976"/>
+                        <a:ext cx="5796701" cy="4072086"/>
+                      </a:xfrm>
+                      <a:prstGeom prst="rect">
+                        <a:avLst/>
+                      </a:prstGeom>
+                    </p:spPr>
+                  </p:pic>
+                </p:oleObj>
+              </mc:Fallback>
+            </mc:AlternateContent>
+          </a:graphicData>
+        </a:graphic>
+      </p:graphicFrame>
+      <p:pic>
+        <p:nvPicPr>
+          <p:cNvPr id="9" name="圖片 8"/>
+          <p:cNvPicPr/>
+          <p:nvPr/>
+        </p:nvPicPr>
+        <p:blipFill rotWithShape="1">
+          <a:blip r:embed="rId5" cstate="print">
+            <a:extLst>
+              <a:ext uri="{28A0092B-C50C-407E-A947-70E740481C1C}">
+                <a14:useLocalDpi xmlns:a14="http://schemas.microsoft.com/office/drawing/2010/main" val="0"/>
+              </a:ext>
+            </a:extLst>
+          </a:blip>
+          <a:srcRect b="23455"/>
+          <a:stretch>
+            <a:fillRect/>
+          </a:stretch>
+        </p:blipFill>
+        <p:spPr bwMode="auto">
+          <a:xfrm>
+            <a:off x="653516" y="2927019"/>
+            <a:ext cx="3801516" cy="1784350"/>
+          </a:xfrm>
+          <a:prstGeom prst="rect">
+            <a:avLst/>
+          </a:prstGeom>
+          <a:noFill/>
+          <a:ln>
+            <a:noFill/>
+          </a:ln>
+          <a:extLst>
+            <a:ext uri="{53640926-AAD7-44D8-BBD7-CCE9431645EC}">
+              <a14:shadowObscured xmlns:a14="http://schemas.microsoft.com/office/drawing/2010/main"/>
+            </a:ext>
+          </a:extLst>
+        </p:spPr>
+      </p:pic>
+    </p:spTree>
+    <p:extLst>
+      <p:ext uri="{BB962C8B-B14F-4D97-AF65-F5344CB8AC3E}">
+        <p14:creationId xmlns:p14="http://schemas.microsoft.com/office/powerpoint/2010/main" val="2833020739"/>
+      </p:ext>
+    </p:extLst>
+  </p:cSld>
+  <p:clrMapOvr>
+    <a:masterClrMapping/>
+  </p:clrMapOvr>
+  <p:timing>
+    <p:tnLst>
+      <p:par>
+        <p:cTn id="1" dur="indefinite" restart="never" nodeType="tmRoot"/>
+      </p:par>
+    </p:tnLst>
+  </p:timing>
+</p:sld>
+</file>
+
+<file path=ppt/slides/slide19.xml><?xml version="1.0" encoding="utf-8"?>
+<p:sld xmlns:a="http://schemas.openxmlformats.org/drawingml/2006/main" xmlns:r="http://schemas.openxmlformats.org/officeDocument/2006/relationships" xmlns:p="http://schemas.openxmlformats.org/presentationml/2006/main">
+  <p:cSld>
+    <p:spTree>
+      <p:nvGrpSpPr>
+        <p:cNvPr id="1" name=""/>
+        <p:cNvGrpSpPr/>
+        <p:nvPr/>
+      </p:nvGrpSpPr>
+      <p:grpSpPr>
+        <a:xfrm>
+          <a:off x="0" y="0"/>
+          <a:ext cx="0" cy="0"/>
+          <a:chOff x="0" y="0"/>
+          <a:chExt cx="0" cy="0"/>
+        </a:xfrm>
+      </p:grpSpPr>
+      <p:sp>
+        <p:nvSpPr>
+          <p:cNvPr id="2" name="標題 1"/>
+          <p:cNvSpPr>
+            <a:spLocks noGrp="1"/>
+          </p:cNvSpPr>
+          <p:nvPr>
+            <p:ph type="title"/>
+          </p:nvPr>
+        </p:nvSpPr>
+        <p:spPr/>
+        <p:txBody>
+          <a:bodyPr/>
+          <a:lstStyle/>
+          <a:p>
+            <a:r>
+              <a:rPr lang="en-HK" dirty="0"/>
+              <a:t>1. Production </a:t>
+            </a:r>
+            <a:r>
+              <a:rPr lang="en-HK" dirty="0" smtClean="0"/>
+              <a:t>of </a:t>
+            </a:r>
+            <a:r>
+              <a:rPr lang="en-HK" dirty="0"/>
+              <a:t>CN</a:t>
             </a:r>
             <a:r>
               <a:rPr lang="en-HK" baseline="30000" dirty="0"/>
@@ -8900,7 +10297,7 @@
           <a:p>
             <a:fld id="{B646D8CA-B2C0-41A8-8514-369D0B0735D6}" type="slidenum">
               <a:rPr lang="zh-TW" altLang="en-US" smtClean="0"/>
-              <a:t>18</a:t>
+              <a:t>19</a:t>
             </a:fld>
             <a:endParaRPr lang="zh-TW" altLang="en-US"/>
           </a:p>
@@ -9258,7 +10655,314 @@
 </p:sld>
 </file>
 
-<file path=ppt/slides/slide19.xml><?xml version="1.0" encoding="utf-8"?>
+<file path=ppt/slides/slide2.xml><?xml version="1.0" encoding="utf-8"?>
+<p:sld xmlns:a="http://schemas.openxmlformats.org/drawingml/2006/main" xmlns:r="http://schemas.openxmlformats.org/officeDocument/2006/relationships" xmlns:p="http://schemas.openxmlformats.org/presentationml/2006/main">
+  <p:cSld>
+    <p:spTree>
+      <p:nvGrpSpPr>
+        <p:cNvPr id="1" name=""/>
+        <p:cNvGrpSpPr/>
+        <p:nvPr/>
+      </p:nvGrpSpPr>
+      <p:grpSpPr>
+        <a:xfrm>
+          <a:off x="0" y="0"/>
+          <a:ext cx="0" cy="0"/>
+          <a:chOff x="0" y="0"/>
+          <a:chExt cx="0" cy="0"/>
+        </a:xfrm>
+      </p:grpSpPr>
+      <p:sp>
+        <p:nvSpPr>
+          <p:cNvPr id="2" name="標題 1"/>
+          <p:cNvSpPr>
+            <a:spLocks noGrp="1"/>
+          </p:cNvSpPr>
+          <p:nvPr>
+            <p:ph type="title"/>
+          </p:nvPr>
+        </p:nvSpPr>
+        <p:spPr/>
+        <p:txBody>
+          <a:bodyPr/>
+          <a:lstStyle/>
+          <a:p>
+            <a:r>
+              <a:rPr lang="en-HK" dirty="0" smtClean="0"/>
+              <a:t>Contents</a:t>
+            </a:r>
+            <a:endParaRPr lang="en-US" dirty="0"/>
+          </a:p>
+        </p:txBody>
+      </p:sp>
+      <p:sp>
+        <p:nvSpPr>
+          <p:cNvPr id="3" name="內容版面配置區 2"/>
+          <p:cNvSpPr>
+            <a:spLocks noGrp="1"/>
+          </p:cNvSpPr>
+          <p:nvPr>
+            <p:ph idx="1"/>
+          </p:nvPr>
+        </p:nvSpPr>
+        <p:spPr>
+          <a:xfrm>
+            <a:off x="508001" y="1129308"/>
+            <a:ext cx="8024439" cy="4464496"/>
+          </a:xfrm>
+        </p:spPr>
+        <p:txBody>
+          <a:bodyPr>
+            <a:noAutofit/>
+          </a:bodyPr>
+          <a:lstStyle/>
+          <a:p>
+            <a:r>
+              <a:rPr lang="en-HK" sz="1400" dirty="0" smtClean="0"/>
+              <a:t>Introduction</a:t>
+            </a:r>
+          </a:p>
+          <a:p>
+            <a:pPr lvl="1"/>
+            <a:r>
+              <a:rPr lang="en-HK" sz="1400" dirty="0" smtClean="0"/>
+              <a:t>Deposition </a:t>
+            </a:r>
+            <a:r>
+              <a:rPr lang="en-HK" sz="1400" dirty="0" smtClean="0"/>
+              <a:t>rate of methane on Charon</a:t>
+            </a:r>
+          </a:p>
+          <a:p>
+            <a:pPr lvl="1"/>
+            <a:r>
+              <a:rPr lang="en-HK" sz="1400" dirty="0" smtClean="0"/>
+              <a:t>Surface temperatures at different latitudes</a:t>
+            </a:r>
+          </a:p>
+          <a:p>
+            <a:pPr lvl="1"/>
+            <a:r>
+              <a:rPr lang="en-HK" sz="1400" dirty="0" smtClean="0"/>
+              <a:t>Ammonia on Organa </a:t>
+            </a:r>
+            <a:r>
+              <a:rPr lang="en-HK" sz="1400" dirty="0" smtClean="0"/>
+              <a:t>Crater</a:t>
+            </a:r>
+          </a:p>
+          <a:p>
+            <a:pPr lvl="1"/>
+            <a:r>
+              <a:rPr lang="en-HK" sz="1400" dirty="0"/>
+              <a:t>Production mechanism of CN</a:t>
+            </a:r>
+            <a:r>
+              <a:rPr lang="en-HK" sz="1400" baseline="30000" dirty="0"/>
+              <a:t>-</a:t>
+            </a:r>
+            <a:r>
+              <a:rPr lang="en-HK" sz="1400" dirty="0"/>
+              <a:t> </a:t>
+            </a:r>
+            <a:endParaRPr lang="en-HK" sz="1400" dirty="0" smtClean="0"/>
+          </a:p>
+          <a:p>
+            <a:r>
+              <a:rPr lang="en-HK" sz="1400" dirty="0" smtClean="0"/>
+              <a:t>Methodology</a:t>
+            </a:r>
+          </a:p>
+          <a:p>
+            <a:pPr lvl="1"/>
+            <a:r>
+              <a:rPr lang="en-HK" sz="1400" dirty="0"/>
+              <a:t>Experimental </a:t>
+            </a:r>
+            <a:r>
+              <a:rPr lang="en-HK" sz="1400" dirty="0" smtClean="0"/>
+              <a:t>setup</a:t>
+            </a:r>
+          </a:p>
+          <a:p>
+            <a:pPr lvl="1"/>
+            <a:r>
+              <a:rPr lang="en-HK" sz="1400" dirty="0"/>
+              <a:t>The spectrum of VUV (MDHL) energy </a:t>
+            </a:r>
+            <a:r>
+              <a:rPr lang="en-HK" sz="1400" dirty="0" smtClean="0"/>
+              <a:t>source</a:t>
+            </a:r>
+          </a:p>
+          <a:p>
+            <a:pPr lvl="1"/>
+            <a:r>
+              <a:rPr lang="en-HK" sz="1400" dirty="0" smtClean="0"/>
+              <a:t>Experimental </a:t>
+            </a:r>
+            <a:r>
+              <a:rPr lang="en-HK" sz="1400" dirty="0" smtClean="0"/>
+              <a:t>Configurations</a:t>
+            </a:r>
+          </a:p>
+          <a:p>
+            <a:r>
+              <a:rPr lang="en-HK" sz="1400" dirty="0" smtClean="0"/>
+              <a:t>Results</a:t>
+            </a:r>
+          </a:p>
+          <a:p>
+            <a:pPr lvl="1"/>
+            <a:r>
+              <a:rPr lang="en-HK" sz="1400" dirty="0"/>
+              <a:t>Production </a:t>
+            </a:r>
+            <a:r>
+              <a:rPr lang="en-HK" sz="1400" dirty="0" smtClean="0"/>
+              <a:t>of </a:t>
+            </a:r>
+            <a:r>
+              <a:rPr lang="en-HK" sz="1400" dirty="0"/>
+              <a:t>CN</a:t>
+            </a:r>
+            <a:r>
+              <a:rPr lang="en-HK" sz="1400" baseline="30000" dirty="0"/>
+              <a:t>-</a:t>
+            </a:r>
+          </a:p>
+          <a:p>
+            <a:pPr lvl="1"/>
+            <a:r>
+              <a:rPr lang="en-HK" sz="1400" dirty="0"/>
+              <a:t>The relations between CN</a:t>
+            </a:r>
+            <a:r>
+              <a:rPr lang="en-HK" sz="1400" baseline="30000" dirty="0"/>
+              <a:t>-</a:t>
+            </a:r>
+            <a:r>
+              <a:rPr lang="en-HK" sz="1400" dirty="0"/>
+              <a:t> and C</a:t>
+            </a:r>
+            <a:r>
+              <a:rPr lang="en-HK" sz="1400" baseline="-25000" dirty="0"/>
+              <a:t>2</a:t>
+            </a:r>
+            <a:r>
+              <a:rPr lang="en-HK" sz="1400" dirty="0"/>
+              <a:t>H</a:t>
+            </a:r>
+            <a:r>
+              <a:rPr lang="en-HK" sz="1400" baseline="-25000" dirty="0"/>
+              <a:t>6</a:t>
+            </a:r>
+          </a:p>
+          <a:p>
+            <a:pPr lvl="1"/>
+            <a:r>
+              <a:rPr lang="en-HK" sz="1400" dirty="0"/>
+              <a:t>CN</a:t>
+            </a:r>
+            <a:r>
+              <a:rPr lang="en-HK" sz="1400" baseline="30000" dirty="0"/>
+              <a:t>-</a:t>
+            </a:r>
+            <a:r>
+              <a:rPr lang="en-HK" sz="1400" dirty="0"/>
+              <a:t> formation efficiency of EUV (40.1 eV) and VUV (9.27 eV</a:t>
+            </a:r>
+            <a:r>
+              <a:rPr lang="en-HK" sz="1400" dirty="0" smtClean="0"/>
+              <a:t>)</a:t>
+            </a:r>
+          </a:p>
+          <a:p>
+            <a:r>
+              <a:rPr lang="en-HK" sz="1400" dirty="0" smtClean="0"/>
+              <a:t>Astrophysical Implications</a:t>
+            </a:r>
+          </a:p>
+          <a:p>
+            <a:pPr lvl="1"/>
+            <a:r>
+              <a:rPr lang="en-HK" sz="1400" dirty="0" smtClean="0"/>
+              <a:t>Understand CN</a:t>
+            </a:r>
+            <a:r>
+              <a:rPr lang="en-HK" sz="1400" baseline="30000" dirty="0" smtClean="0"/>
+              <a:t>-</a:t>
+            </a:r>
+            <a:r>
+              <a:rPr lang="en-HK" sz="1400" dirty="0" smtClean="0"/>
+              <a:t> formation </a:t>
+            </a:r>
+            <a:r>
+              <a:rPr lang="en-HK" sz="1400" dirty="0" smtClean="0"/>
+              <a:t>after winter on surface of Charon</a:t>
+            </a:r>
+            <a:endParaRPr lang="en-HK" sz="1400" dirty="0" smtClean="0"/>
+          </a:p>
+          <a:p>
+            <a:pPr lvl="1"/>
+            <a:endParaRPr lang="en-HK" sz="1400" dirty="0" smtClean="0"/>
+          </a:p>
+          <a:p>
+            <a:pPr marL="342900" lvl="1" indent="0">
+              <a:buNone/>
+            </a:pPr>
+            <a:endParaRPr lang="en-HK" sz="1400" dirty="0" smtClean="0"/>
+          </a:p>
+          <a:p>
+            <a:pPr lvl="1"/>
+            <a:endParaRPr lang="en-US" sz="1400" dirty="0"/>
+          </a:p>
+        </p:txBody>
+      </p:sp>
+      <p:sp>
+        <p:nvSpPr>
+          <p:cNvPr id="4" name="投影片編號版面配置區 3"/>
+          <p:cNvSpPr>
+            <a:spLocks noGrp="1"/>
+          </p:cNvSpPr>
+          <p:nvPr>
+            <p:ph type="sldNum" sz="quarter" idx="12"/>
+          </p:nvPr>
+        </p:nvSpPr>
+        <p:spPr/>
+        <p:txBody>
+          <a:bodyPr/>
+          <a:lstStyle/>
+          <a:p>
+            <a:fld id="{B646D8CA-B2C0-41A8-8514-369D0B0735D6}" type="slidenum">
+              <a:rPr lang="zh-TW" altLang="en-US" smtClean="0"/>
+              <a:t>2</a:t>
+            </a:fld>
+            <a:endParaRPr lang="zh-TW" altLang="en-US"/>
+          </a:p>
+        </p:txBody>
+      </p:sp>
+    </p:spTree>
+    <p:extLst>
+      <p:ext uri="{BB962C8B-B14F-4D97-AF65-F5344CB8AC3E}">
+        <p14:creationId xmlns:p14="http://schemas.microsoft.com/office/powerpoint/2010/main" val="807146181"/>
+      </p:ext>
+    </p:extLst>
+  </p:cSld>
+  <p:clrMapOvr>
+    <a:masterClrMapping/>
+  </p:clrMapOvr>
+  <p:timing>
+    <p:tnLst>
+      <p:par>
+        <p:cTn id="1" dur="indefinite" restart="never" nodeType="tmRoot"/>
+      </p:par>
+    </p:tnLst>
+  </p:timing>
+</p:sld>
+</file>
+
+<file path=ppt/slides/slide20.xml><?xml version="1.0" encoding="utf-8"?>
 <p:sld xmlns:a="http://schemas.openxmlformats.org/drawingml/2006/main" xmlns:r="http://schemas.openxmlformats.org/officeDocument/2006/relationships" xmlns:p="http://schemas.openxmlformats.org/presentationml/2006/main">
   <p:cSld>
     <p:spTree>
@@ -9301,31 +11005,19 @@
             </a:r>
             <a:r>
               <a:rPr lang="en-HK" dirty="0"/>
-              <a:t>. The relations between CN</a:t>
-            </a:r>
-            <a:r>
-              <a:rPr lang="en-HK" baseline="30000" dirty="0"/>
-              <a:t>-</a:t>
-            </a:r>
-            <a:r>
-              <a:rPr lang="en-HK" dirty="0"/>
-              <a:t> and C</a:t>
-            </a:r>
-            <a:r>
-              <a:rPr lang="en-HK" baseline="-25000" dirty="0"/>
-              <a:t>2</a:t>
-            </a:r>
-            <a:r>
-              <a:rPr lang="en-HK" dirty="0"/>
-              <a:t>H</a:t>
-            </a:r>
-            <a:r>
-              <a:rPr lang="en-HK" baseline="-25000" dirty="0"/>
-              <a:t>6</a:t>
-            </a:r>
-            <a:r>
-              <a:rPr lang="en-HK" dirty="0"/>
-              <a:t> during VUV irradiations</a:t>
+              <a:t>. The </a:t>
+            </a:r>
+            <a:r>
+              <a:rPr lang="en-HK" dirty="0" smtClean="0"/>
+              <a:t>scenario for NH</a:t>
+            </a:r>
+            <a:r>
+              <a:rPr lang="en-HK" baseline="-25000" dirty="0" smtClean="0"/>
+              <a:t>3</a:t>
+            </a:r>
+            <a:r>
+              <a:rPr lang="en-HK" dirty="0" smtClean="0"/>
+              <a:t> dominating ice mixtures</a:t>
             </a:r>
             <a:endParaRPr lang="en-US" baseline="-25000" dirty="0"/>
           </a:p>
@@ -9348,7 +11040,7 @@
           <a:p>
             <a:fld id="{B646D8CA-B2C0-41A8-8514-369D0B0735D6}" type="slidenum">
               <a:rPr lang="zh-TW" altLang="en-US" smtClean="0"/>
-              <a:t>19</a:t>
+              <a:t>20</a:t>
             </a:fld>
             <a:endParaRPr lang="zh-TW" altLang="en-US"/>
           </a:p>
@@ -9378,7 +11070,7 @@
         </p:blipFill>
         <p:spPr>
           <a:xfrm>
-            <a:off x="3995936" y="1538178"/>
+            <a:off x="4035624" y="1492508"/>
             <a:ext cx="4542223" cy="3279497"/>
           </a:xfrm>
         </p:spPr>
@@ -9391,8 +11083,8 @@
         </p:nvSpPr>
         <p:spPr>
           <a:xfrm>
-            <a:off x="3626015" y="5089748"/>
-            <a:ext cx="5517985" cy="369332"/>
+            <a:off x="4860032" y="4952399"/>
+            <a:ext cx="3015634" cy="369332"/>
           </a:xfrm>
           <a:prstGeom prst="rect">
             <a:avLst/>
@@ -9407,7 +11099,11 @@
           <a:p>
             <a:r>
               <a:rPr lang="en-HK" dirty="0" smtClean="0"/>
-              <a:t>figure 3. A demonstrating diagram of CH</a:t>
+              <a:t>A diagram </a:t>
+            </a:r>
+            <a:r>
+              <a:rPr lang="en-HK" dirty="0" smtClean="0"/>
+              <a:t>of CH</a:t>
             </a:r>
             <a:r>
               <a:rPr lang="en-HK" baseline="-25000" dirty="0" smtClean="0"/>
@@ -9594,6 +11290,296 @@
           </a:fontRef>
         </p:style>
       </p:cxnSp>
+      <p:sp>
+        <p:nvSpPr>
+          <p:cNvPr id="3" name="文字方塊 2"/>
+          <p:cNvSpPr txBox="1"/>
+          <p:nvPr/>
+        </p:nvSpPr>
+        <p:spPr>
+          <a:xfrm>
+            <a:off x="899592" y="1633364"/>
+            <a:ext cx="2808312" cy="2862322"/>
+          </a:xfrm>
+          <a:prstGeom prst="rect">
+            <a:avLst/>
+          </a:prstGeom>
+          <a:noFill/>
+        </p:spPr>
+        <p:txBody>
+          <a:bodyPr wrap="square" rtlCol="0">
+            <a:spAutoFit/>
+          </a:bodyPr>
+          <a:lstStyle/>
+          <a:p>
+            <a:pPr marL="285750" indent="-285750">
+              <a:buFont typeface="Arial" panose="020B0604020202020204" pitchFamily="34" charset="0"/>
+              <a:buChar char="•"/>
+            </a:pPr>
+            <a:r>
+              <a:rPr lang="en-HK" dirty="0" smtClean="0"/>
+              <a:t>NH</a:t>
+            </a:r>
+            <a:r>
+              <a:rPr lang="en-HK" baseline="-25000" dirty="0"/>
+              <a:t>2</a:t>
+            </a:r>
+            <a:r>
+              <a:rPr lang="en-HK" dirty="0" smtClean="0"/>
+              <a:t> (forming CH</a:t>
+            </a:r>
+            <a:r>
+              <a:rPr lang="en-HK" baseline="-25000" dirty="0" smtClean="0"/>
+              <a:t>3</a:t>
+            </a:r>
+            <a:r>
+              <a:rPr lang="en-HK" dirty="0" smtClean="0"/>
+              <a:t>NH</a:t>
+            </a:r>
+            <a:r>
+              <a:rPr lang="en-HK" baseline="-25000" dirty="0" smtClean="0"/>
+              <a:t>2</a:t>
+            </a:r>
+            <a:r>
+              <a:rPr lang="en-HK" dirty="0" smtClean="0"/>
+              <a:t>) has a competing relationship with CH</a:t>
+            </a:r>
+            <a:r>
+              <a:rPr lang="en-HK" baseline="-25000" dirty="0" smtClean="0"/>
+              <a:t>2 </a:t>
+            </a:r>
+            <a:r>
+              <a:rPr lang="en-HK" dirty="0"/>
+              <a:t>CH</a:t>
+            </a:r>
+            <a:r>
+              <a:rPr lang="en-HK" baseline="-25000" dirty="0"/>
+              <a:t>3 </a:t>
+            </a:r>
+            <a:r>
+              <a:rPr lang="en-HK" dirty="0" smtClean="0"/>
+              <a:t>and C</a:t>
+            </a:r>
+            <a:r>
+              <a:rPr lang="en-HK" baseline="-25000" dirty="0" smtClean="0"/>
+              <a:t>2</a:t>
+            </a:r>
+            <a:r>
+              <a:rPr lang="en-HK" dirty="0" smtClean="0"/>
+              <a:t>H</a:t>
+            </a:r>
+            <a:r>
+              <a:rPr lang="en-HK" baseline="-25000" dirty="0"/>
+              <a:t>4</a:t>
+            </a:r>
+            <a:r>
+              <a:rPr lang="en-HK" dirty="0" smtClean="0"/>
+              <a:t> (forming C</a:t>
+            </a:r>
+            <a:r>
+              <a:rPr lang="en-HK" baseline="-25000" dirty="0" smtClean="0"/>
+              <a:t>2</a:t>
+            </a:r>
+            <a:r>
+              <a:rPr lang="en-HK" dirty="0" smtClean="0"/>
+              <a:t>H</a:t>
+            </a:r>
+            <a:r>
+              <a:rPr lang="en-HK" baseline="-25000" dirty="0" smtClean="0"/>
+              <a:t>6</a:t>
+            </a:r>
+            <a:r>
+              <a:rPr lang="en-HK" dirty="0" smtClean="0"/>
+              <a:t> and C</a:t>
+            </a:r>
+            <a:r>
+              <a:rPr lang="en-HK" baseline="-25000" dirty="0" smtClean="0"/>
+              <a:t>3</a:t>
+            </a:r>
+            <a:r>
+              <a:rPr lang="en-HK" dirty="0" smtClean="0"/>
+              <a:t>H</a:t>
+            </a:r>
+            <a:r>
+              <a:rPr lang="en-HK" baseline="-25000" dirty="0"/>
+              <a:t>8</a:t>
+            </a:r>
+            <a:r>
+              <a:rPr lang="en-HK" dirty="0" smtClean="0"/>
+              <a:t>)</a:t>
+            </a:r>
+          </a:p>
+          <a:p>
+            <a:pPr marL="285750" indent="-285750">
+              <a:buFont typeface="Arial" panose="020B0604020202020204" pitchFamily="34" charset="0"/>
+              <a:buChar char="•"/>
+            </a:pPr>
+            <a:r>
+              <a:rPr lang="en-HK" dirty="0" smtClean="0"/>
+              <a:t>Once CH</a:t>
+            </a:r>
+            <a:r>
+              <a:rPr lang="en-HK" baseline="-25000" dirty="0" smtClean="0"/>
+              <a:t>4</a:t>
+            </a:r>
+            <a:r>
+              <a:rPr lang="en-HK" dirty="0" smtClean="0"/>
+              <a:t> becomes CH</a:t>
+            </a:r>
+            <a:r>
+              <a:rPr lang="en-HK" baseline="-25000" dirty="0" smtClean="0"/>
+              <a:t>3</a:t>
+            </a:r>
+            <a:r>
+              <a:rPr lang="en-HK" dirty="0" smtClean="0"/>
+              <a:t> radical, it can easily forms methylamine and hence become CN</a:t>
+            </a:r>
+            <a:r>
+              <a:rPr lang="en-HK" baseline="30000" dirty="0" smtClean="0"/>
+              <a:t>-</a:t>
+            </a:r>
+            <a:r>
+              <a:rPr lang="en-HK" dirty="0" smtClean="0"/>
+              <a:t>.</a:t>
+            </a:r>
+            <a:endParaRPr lang="en-US" dirty="0"/>
+          </a:p>
+        </p:txBody>
+      </p:sp>
+      <p:cxnSp>
+        <p:nvCxnSpPr>
+          <p:cNvPr id="5" name="直線單箭頭接點 4"/>
+          <p:cNvCxnSpPr/>
+          <p:nvPr/>
+        </p:nvCxnSpPr>
+        <p:spPr>
+          <a:xfrm>
+            <a:off x="4952563" y="1273324"/>
+            <a:ext cx="0" cy="720080"/>
+          </a:xfrm>
+          <a:prstGeom prst="straightConnector1">
+            <a:avLst/>
+          </a:prstGeom>
+          <a:ln>
+            <a:tailEnd type="triangle"/>
+          </a:ln>
+        </p:spPr>
+        <p:style>
+          <a:lnRef idx="1">
+            <a:schemeClr val="accent1"/>
+          </a:lnRef>
+          <a:fillRef idx="0">
+            <a:schemeClr val="accent1"/>
+          </a:fillRef>
+          <a:effectRef idx="0">
+            <a:schemeClr val="accent1"/>
+          </a:effectRef>
+          <a:fontRef idx="minor">
+            <a:schemeClr val="tx1"/>
+          </a:fontRef>
+        </p:style>
+      </p:cxnSp>
+      <p:sp>
+        <p:nvSpPr>
+          <p:cNvPr id="7" name="文字方塊 6"/>
+          <p:cNvSpPr txBox="1"/>
+          <p:nvPr/>
+        </p:nvSpPr>
+        <p:spPr>
+          <a:xfrm>
+            <a:off x="4689304" y="836701"/>
+            <a:ext cx="553357" cy="369332"/>
+          </a:xfrm>
+          <a:prstGeom prst="rect">
+            <a:avLst/>
+          </a:prstGeom>
+          <a:noFill/>
+        </p:spPr>
+        <p:txBody>
+          <a:bodyPr wrap="none" rtlCol="0">
+            <a:spAutoFit/>
+          </a:bodyPr>
+          <a:lstStyle/>
+          <a:p>
+            <a:r>
+              <a:rPr lang="en-HK" dirty="0" smtClean="0"/>
+              <a:t>CH</a:t>
+            </a:r>
+            <a:r>
+              <a:rPr lang="en-HK" baseline="-25000" dirty="0" smtClean="0"/>
+              <a:t>4</a:t>
+            </a:r>
+            <a:endParaRPr lang="en-US" baseline="-25000" dirty="0"/>
+          </a:p>
+        </p:txBody>
+      </p:sp>
+      <p:cxnSp>
+        <p:nvCxnSpPr>
+          <p:cNvPr id="11" name="直線單箭頭接點 10"/>
+          <p:cNvCxnSpPr/>
+          <p:nvPr/>
+        </p:nvCxnSpPr>
+        <p:spPr>
+          <a:xfrm flipH="1">
+            <a:off x="5724129" y="1389836"/>
+            <a:ext cx="468052" cy="264854"/>
+          </a:xfrm>
+          <a:prstGeom prst="straightConnector1">
+            <a:avLst/>
+          </a:prstGeom>
+          <a:ln>
+            <a:tailEnd type="triangle"/>
+          </a:ln>
+        </p:spPr>
+        <p:style>
+          <a:lnRef idx="1">
+            <a:schemeClr val="accent1"/>
+          </a:lnRef>
+          <a:fillRef idx="0">
+            <a:schemeClr val="accent1"/>
+          </a:fillRef>
+          <a:effectRef idx="0">
+            <a:schemeClr val="accent1"/>
+          </a:effectRef>
+          <a:fontRef idx="minor">
+            <a:schemeClr val="tx1"/>
+          </a:fontRef>
+        </p:style>
+      </p:cxnSp>
+      <p:sp>
+        <p:nvSpPr>
+          <p:cNvPr id="15" name="文字方塊 14"/>
+          <p:cNvSpPr txBox="1"/>
+          <p:nvPr/>
+        </p:nvSpPr>
+        <p:spPr>
+          <a:xfrm>
+            <a:off x="6306736" y="1152931"/>
+            <a:ext cx="562975" cy="369332"/>
+          </a:xfrm>
+          <a:prstGeom prst="rect">
+            <a:avLst/>
+          </a:prstGeom>
+          <a:noFill/>
+        </p:spPr>
+        <p:txBody>
+          <a:bodyPr wrap="none" rtlCol="0">
+            <a:spAutoFit/>
+          </a:bodyPr>
+          <a:lstStyle/>
+          <a:p>
+            <a:r>
+              <a:rPr lang="en-HK" dirty="0" smtClean="0"/>
+              <a:t>NH</a:t>
+            </a:r>
+            <a:r>
+              <a:rPr lang="en-HK" baseline="-25000" dirty="0" smtClean="0"/>
+              <a:t>3</a:t>
+            </a:r>
+            <a:endParaRPr lang="en-US" baseline="-25000" dirty="0"/>
+          </a:p>
+        </p:txBody>
+      </p:sp>
     </p:spTree>
     <p:extLst>
       <p:ext uri="{BB962C8B-B14F-4D97-AF65-F5344CB8AC3E}">
@@ -9902,7 +11888,7 @@
 </p:sld>
 </file>
 
-<file path=ppt/slides/slide2.xml><?xml version="1.0" encoding="utf-8"?>
+<file path=ppt/slides/slide21.xml><?xml version="1.0" encoding="utf-8"?>
 <p:sld xmlns:a="http://schemas.openxmlformats.org/drawingml/2006/main" xmlns:r="http://schemas.openxmlformats.org/officeDocument/2006/relationships" xmlns:p="http://schemas.openxmlformats.org/presentationml/2006/main">
   <p:cSld>
     <p:spTree>
@@ -9929,333 +11915,31 @@
             <p:ph type="title"/>
           </p:nvPr>
         </p:nvSpPr>
-        <p:spPr/>
+        <p:spPr>
+          <a:xfrm>
+            <a:off x="899592" y="265212"/>
+            <a:ext cx="7200900" cy="1238250"/>
+          </a:xfrm>
+        </p:spPr>
         <p:txBody>
           <a:bodyPr/>
           <a:lstStyle/>
           <a:p>
             <a:r>
+              <a:rPr lang="en-HK" dirty="0"/>
+              <a:t>2. The </a:t>
+            </a:r>
+            <a:r>
               <a:rPr lang="en-HK" dirty="0" smtClean="0"/>
-              <a:t>Contents</a:t>
-            </a:r>
-            <a:endParaRPr lang="en-US" dirty="0"/>
-          </a:p>
-        </p:txBody>
-      </p:sp>
-      <p:sp>
-        <p:nvSpPr>
-          <p:cNvPr id="3" name="內容版面配置區 2"/>
-          <p:cNvSpPr>
-            <a:spLocks noGrp="1"/>
-          </p:cNvSpPr>
-          <p:nvPr>
-            <p:ph idx="1"/>
-          </p:nvPr>
-        </p:nvSpPr>
-        <p:spPr>
-          <a:xfrm>
-            <a:off x="508001" y="1129308"/>
-            <a:ext cx="8024439" cy="4464496"/>
-          </a:xfrm>
-        </p:spPr>
-        <p:txBody>
-          <a:bodyPr>
-            <a:noAutofit/>
-          </a:bodyPr>
-          <a:lstStyle/>
-          <a:p>
-            <a:r>
-              <a:rPr lang="en-HK" sz="1400" dirty="0" smtClean="0"/>
-              <a:t>Introduction</a:t>
-            </a:r>
-          </a:p>
-          <a:p>
-            <a:pPr lvl="1"/>
-            <a:r>
-              <a:rPr lang="en-HK" sz="1400" dirty="0" smtClean="0"/>
-              <a:t>Deposition </a:t>
-            </a:r>
-            <a:r>
-              <a:rPr lang="en-HK" sz="1400" dirty="0" smtClean="0"/>
-              <a:t>rate of methane on Charon</a:t>
-            </a:r>
-          </a:p>
-          <a:p>
-            <a:pPr lvl="1"/>
-            <a:r>
-              <a:rPr lang="en-HK" sz="1400" dirty="0" smtClean="0"/>
-              <a:t>Surface temperatures at different latitudes</a:t>
-            </a:r>
-          </a:p>
-          <a:p>
-            <a:pPr lvl="1"/>
-            <a:r>
-              <a:rPr lang="en-HK" sz="1400" dirty="0" smtClean="0"/>
-              <a:t>Ammonia on Organa </a:t>
-            </a:r>
-            <a:r>
-              <a:rPr lang="en-HK" sz="1400" dirty="0" smtClean="0"/>
-              <a:t>Crater</a:t>
-            </a:r>
-          </a:p>
-          <a:p>
-            <a:pPr lvl="1"/>
-            <a:r>
-              <a:rPr lang="en-HK" sz="1400" dirty="0"/>
-              <a:t>Production mechanism of CN</a:t>
-            </a:r>
-            <a:r>
-              <a:rPr lang="en-HK" sz="1400" baseline="30000" dirty="0"/>
-              <a:t>-</a:t>
-            </a:r>
-            <a:r>
-              <a:rPr lang="en-HK" sz="1400" dirty="0"/>
-              <a:t> </a:t>
-            </a:r>
-            <a:endParaRPr lang="en-HK" sz="1400" dirty="0" smtClean="0"/>
-          </a:p>
-          <a:p>
-            <a:r>
-              <a:rPr lang="en-HK" sz="1400" dirty="0" smtClean="0"/>
-              <a:t>Methodology</a:t>
-            </a:r>
-          </a:p>
-          <a:p>
-            <a:pPr lvl="1"/>
-            <a:r>
-              <a:rPr lang="en-HK" sz="1400" dirty="0"/>
-              <a:t>Experimental </a:t>
-            </a:r>
-            <a:r>
-              <a:rPr lang="en-HK" sz="1400" dirty="0" smtClean="0"/>
-              <a:t>setup</a:t>
-            </a:r>
-          </a:p>
-          <a:p>
-            <a:pPr lvl="1"/>
-            <a:r>
-              <a:rPr lang="en-HK" sz="1400" dirty="0" smtClean="0"/>
-              <a:t>Energy source</a:t>
-            </a:r>
-          </a:p>
-          <a:p>
-            <a:pPr lvl="1"/>
-            <a:r>
-              <a:rPr lang="en-HK" sz="1400" dirty="0" smtClean="0"/>
-              <a:t>Experimental </a:t>
-            </a:r>
-            <a:r>
-              <a:rPr lang="en-HK" sz="1400" dirty="0" smtClean="0"/>
-              <a:t>Configurations</a:t>
-            </a:r>
-          </a:p>
-          <a:p>
-            <a:r>
-              <a:rPr lang="en-HK" sz="1400" dirty="0" smtClean="0"/>
-              <a:t>Results</a:t>
-            </a:r>
-          </a:p>
-          <a:p>
-            <a:pPr lvl="1"/>
-            <a:r>
-              <a:rPr lang="en-HK" sz="1400" dirty="0"/>
-              <a:t>Production mechanism of CN</a:t>
-            </a:r>
-            <a:r>
-              <a:rPr lang="en-HK" sz="1400" baseline="30000" dirty="0"/>
-              <a:t>-</a:t>
-            </a:r>
-          </a:p>
-          <a:p>
-            <a:pPr lvl="1"/>
-            <a:r>
-              <a:rPr lang="en-HK" sz="1400" dirty="0"/>
-              <a:t>The relations between CN</a:t>
-            </a:r>
-            <a:r>
-              <a:rPr lang="en-HK" sz="1400" baseline="30000" dirty="0"/>
-              <a:t>-</a:t>
-            </a:r>
-            <a:r>
-              <a:rPr lang="en-HK" sz="1400" dirty="0"/>
-              <a:t> and C</a:t>
-            </a:r>
-            <a:r>
-              <a:rPr lang="en-HK" sz="1400" baseline="-25000" dirty="0"/>
-              <a:t>2</a:t>
-            </a:r>
-            <a:r>
-              <a:rPr lang="en-HK" sz="1400" dirty="0"/>
-              <a:t>H</a:t>
-            </a:r>
-            <a:r>
-              <a:rPr lang="en-HK" sz="1400" baseline="-25000" dirty="0"/>
-              <a:t>6</a:t>
-            </a:r>
-          </a:p>
-          <a:p>
-            <a:pPr lvl="1"/>
-            <a:r>
-              <a:rPr lang="en-HK" sz="1400" dirty="0"/>
-              <a:t>CN</a:t>
-            </a:r>
-            <a:r>
-              <a:rPr lang="en-HK" sz="1400" baseline="30000" dirty="0"/>
-              <a:t>-</a:t>
-            </a:r>
-            <a:r>
-              <a:rPr lang="en-HK" sz="1400" dirty="0"/>
-              <a:t> formation efficiency of EUV (40.1 eV) and VUV (9.27 eV</a:t>
-            </a:r>
-            <a:r>
-              <a:rPr lang="en-HK" sz="1400" dirty="0" smtClean="0"/>
-              <a:t>)</a:t>
-            </a:r>
-          </a:p>
-          <a:p>
-            <a:r>
-              <a:rPr lang="en-HK" sz="1400" dirty="0" smtClean="0"/>
-              <a:t>Astrophysical Implications</a:t>
-            </a:r>
-          </a:p>
-          <a:p>
-            <a:pPr lvl="1"/>
-            <a:r>
-              <a:rPr lang="en-HK" sz="1400" dirty="0" smtClean="0"/>
-              <a:t>Understand CN</a:t>
-            </a:r>
-            <a:r>
-              <a:rPr lang="en-HK" sz="1400" baseline="30000" dirty="0" smtClean="0"/>
-              <a:t>-</a:t>
-            </a:r>
-            <a:r>
-              <a:rPr lang="en-HK" sz="1400" dirty="0" smtClean="0"/>
-              <a:t> formation </a:t>
-            </a:r>
-            <a:r>
-              <a:rPr lang="en-HK" sz="1400" dirty="0" smtClean="0"/>
-              <a:t>after winter on surface of Charon</a:t>
-            </a:r>
-            <a:endParaRPr lang="en-HK" sz="1400" dirty="0" smtClean="0"/>
-          </a:p>
-          <a:p>
-            <a:pPr lvl="1"/>
-            <a:endParaRPr lang="en-HK" sz="1400" dirty="0" smtClean="0"/>
-          </a:p>
-          <a:p>
-            <a:pPr marL="342900" lvl="1" indent="0">
-              <a:buNone/>
-            </a:pPr>
-            <a:endParaRPr lang="en-HK" sz="1400" dirty="0" smtClean="0"/>
-          </a:p>
-          <a:p>
-            <a:pPr lvl="1"/>
-            <a:endParaRPr lang="en-US" sz="1400" dirty="0"/>
-          </a:p>
-        </p:txBody>
-      </p:sp>
-      <p:sp>
-        <p:nvSpPr>
-          <p:cNvPr id="4" name="投影片編號版面配置區 3"/>
-          <p:cNvSpPr>
-            <a:spLocks noGrp="1"/>
-          </p:cNvSpPr>
-          <p:nvPr>
-            <p:ph type="sldNum" sz="quarter" idx="12"/>
-          </p:nvPr>
-        </p:nvSpPr>
-        <p:spPr/>
-        <p:txBody>
-          <a:bodyPr/>
-          <a:lstStyle/>
-          <a:p>
-            <a:fld id="{B646D8CA-B2C0-41A8-8514-369D0B0735D6}" type="slidenum">
-              <a:rPr lang="zh-TW" altLang="en-US" smtClean="0"/>
-              <a:t>2</a:t>
-            </a:fld>
-            <a:endParaRPr lang="zh-TW" altLang="en-US"/>
-          </a:p>
-        </p:txBody>
-      </p:sp>
-    </p:spTree>
-    <p:extLst>
-      <p:ext uri="{BB962C8B-B14F-4D97-AF65-F5344CB8AC3E}">
-        <p14:creationId xmlns:p14="http://schemas.microsoft.com/office/powerpoint/2010/main" val="807146181"/>
-      </p:ext>
-    </p:extLst>
-  </p:cSld>
-  <p:clrMapOvr>
-    <a:masterClrMapping/>
-  </p:clrMapOvr>
-  <p:timing>
-    <p:tnLst>
-      <p:par>
-        <p:cTn id="1" dur="indefinite" restart="never" nodeType="tmRoot"/>
-      </p:par>
-    </p:tnLst>
-  </p:timing>
-</p:sld>
-</file>
-
-<file path=ppt/slides/slide20.xml><?xml version="1.0" encoding="utf-8"?>
-<p:sld xmlns:a="http://schemas.openxmlformats.org/drawingml/2006/main" xmlns:r="http://schemas.openxmlformats.org/officeDocument/2006/relationships" xmlns:p="http://schemas.openxmlformats.org/presentationml/2006/main">
-  <p:cSld>
-    <p:spTree>
-      <p:nvGrpSpPr>
-        <p:cNvPr id="1" name=""/>
-        <p:cNvGrpSpPr/>
-        <p:nvPr/>
-      </p:nvGrpSpPr>
-      <p:grpSpPr>
-        <a:xfrm>
-          <a:off x="0" y="0"/>
-          <a:ext cx="0" cy="0"/>
-          <a:chOff x="0" y="0"/>
-          <a:chExt cx="0" cy="0"/>
-        </a:xfrm>
-      </p:grpSpPr>
-      <p:sp>
-        <p:nvSpPr>
-          <p:cNvPr id="2" name="標題 1"/>
-          <p:cNvSpPr>
-            <a:spLocks noGrp="1"/>
-          </p:cNvSpPr>
-          <p:nvPr>
-            <p:ph type="title"/>
-          </p:nvPr>
-        </p:nvSpPr>
-        <p:spPr/>
-        <p:txBody>
-          <a:bodyPr/>
-          <a:lstStyle/>
-          <a:p>
-            <a:r>
-              <a:rPr lang="en-HK" dirty="0"/>
-              <a:t>2. The relations between CN</a:t>
-            </a:r>
-            <a:r>
-              <a:rPr lang="en-HK" baseline="30000" dirty="0"/>
-              <a:t>-</a:t>
-            </a:r>
-            <a:r>
-              <a:rPr lang="en-HK" dirty="0"/>
-              <a:t> and C</a:t>
-            </a:r>
-            <a:r>
-              <a:rPr lang="en-HK" baseline="-25000" dirty="0"/>
-              <a:t>2</a:t>
-            </a:r>
-            <a:r>
-              <a:rPr lang="en-HK" dirty="0"/>
-              <a:t>H</a:t>
-            </a:r>
-            <a:r>
-              <a:rPr lang="en-HK" baseline="-25000" dirty="0"/>
-              <a:t>6</a:t>
-            </a:r>
-            <a:r>
-              <a:rPr lang="en-HK" dirty="0"/>
-              <a:t> during VUV irradiations</a:t>
+              <a:t>scenario for CH</a:t>
+            </a:r>
+            <a:r>
+              <a:rPr lang="en-HK" baseline="-25000" dirty="0" smtClean="0"/>
+              <a:t>4</a:t>
+            </a:r>
+            <a:r>
+              <a:rPr lang="en-HK" dirty="0" smtClean="0"/>
+              <a:t> dominating ice mixtures</a:t>
             </a:r>
             <a:endParaRPr lang="en-US" dirty="0"/>
           </a:p>
@@ -10285,7 +11969,7 @@
         </p:blipFill>
         <p:spPr>
           <a:xfrm>
-            <a:off x="4211960" y="1931380"/>
+            <a:off x="4211960" y="1769413"/>
             <a:ext cx="4537775" cy="3276286"/>
           </a:xfrm>
         </p:spPr>
@@ -10307,7 +11991,7 @@
           <a:p>
             <a:fld id="{B646D8CA-B2C0-41A8-8514-369D0B0735D6}" type="slidenum">
               <a:rPr lang="zh-TW" altLang="en-US" smtClean="0"/>
-              <a:t>20</a:t>
+              <a:t>21</a:t>
             </a:fld>
             <a:endParaRPr lang="zh-TW" altLang="en-US"/>
           </a:p>
@@ -10321,8 +12005,8 @@
         </p:nvSpPr>
         <p:spPr>
           <a:xfrm>
-            <a:off x="3626015" y="5089748"/>
-            <a:ext cx="5517985" cy="369332"/>
+            <a:off x="5028689" y="5008490"/>
+            <a:ext cx="3071803" cy="369332"/>
           </a:xfrm>
           <a:prstGeom prst="rect">
             <a:avLst/>
@@ -10337,7 +12021,19 @@
           <a:p>
             <a:r>
               <a:rPr lang="en-HK" dirty="0" smtClean="0"/>
-              <a:t>figure 4. A demonstrating diagram of CH</a:t>
+              <a:t> </a:t>
+            </a:r>
+            <a:r>
+              <a:rPr lang="en-HK" dirty="0" smtClean="0"/>
+              <a:t>A </a:t>
+            </a:r>
+            <a:r>
+              <a:rPr lang="en-HK" dirty="0" smtClean="0"/>
+              <a:t>diagram </a:t>
+            </a:r>
+            <a:r>
+              <a:rPr lang="en-HK" dirty="0" smtClean="0"/>
+              <a:t>of CH</a:t>
             </a:r>
             <a:r>
               <a:rPr lang="en-HK" baseline="-25000" dirty="0" smtClean="0"/>
@@ -10354,6 +12050,221 @@
             <a:r>
               <a:rPr lang="en-HK" dirty="0" smtClean="0"/>
               <a:t> = 3:2</a:t>
+            </a:r>
+            <a:endParaRPr lang="en-US" dirty="0"/>
+          </a:p>
+        </p:txBody>
+      </p:sp>
+      <p:sp>
+        <p:nvSpPr>
+          <p:cNvPr id="3" name="矩形 2"/>
+          <p:cNvSpPr/>
+          <p:nvPr/>
+        </p:nvSpPr>
+        <p:spPr>
+          <a:xfrm>
+            <a:off x="984916" y="1931380"/>
+            <a:ext cx="2934072" cy="2862322"/>
+          </a:xfrm>
+          <a:prstGeom prst="rect">
+            <a:avLst/>
+          </a:prstGeom>
+        </p:spPr>
+        <p:txBody>
+          <a:bodyPr wrap="square">
+            <a:spAutoFit/>
+          </a:bodyPr>
+          <a:lstStyle/>
+          <a:p>
+            <a:pPr marL="285750" indent="-285750">
+              <a:buFont typeface="Arial" panose="020B0604020202020204" pitchFamily="34" charset="0"/>
+              <a:buChar char="•"/>
+            </a:pPr>
+            <a:r>
+              <a:rPr lang="en-HK" dirty="0"/>
+              <a:t>NH</a:t>
+            </a:r>
+            <a:r>
+              <a:rPr lang="en-HK" baseline="-25000" dirty="0"/>
+              <a:t>2</a:t>
+            </a:r>
+            <a:r>
+              <a:rPr lang="en-HK" dirty="0"/>
+              <a:t> (forming CH</a:t>
+            </a:r>
+            <a:r>
+              <a:rPr lang="en-HK" baseline="-25000" dirty="0"/>
+              <a:t>3</a:t>
+            </a:r>
+            <a:r>
+              <a:rPr lang="en-HK" dirty="0"/>
+              <a:t>NH</a:t>
+            </a:r>
+            <a:r>
+              <a:rPr lang="en-HK" baseline="-25000" dirty="0"/>
+              <a:t>2</a:t>
+            </a:r>
+            <a:r>
+              <a:rPr lang="en-HK" dirty="0"/>
+              <a:t>) has a competing relationship with CH</a:t>
+            </a:r>
+            <a:r>
+              <a:rPr lang="en-HK" baseline="-25000" dirty="0"/>
+              <a:t>2 </a:t>
+            </a:r>
+            <a:r>
+              <a:rPr lang="en-HK" dirty="0"/>
+              <a:t>CH</a:t>
+            </a:r>
+            <a:r>
+              <a:rPr lang="en-HK" baseline="-25000" dirty="0"/>
+              <a:t>3 </a:t>
+            </a:r>
+            <a:r>
+              <a:rPr lang="en-HK" dirty="0"/>
+              <a:t>and C</a:t>
+            </a:r>
+            <a:r>
+              <a:rPr lang="en-HK" baseline="-25000" dirty="0"/>
+              <a:t>2</a:t>
+            </a:r>
+            <a:r>
+              <a:rPr lang="en-HK" dirty="0"/>
+              <a:t>H</a:t>
+            </a:r>
+            <a:r>
+              <a:rPr lang="en-HK" baseline="-25000" dirty="0"/>
+              <a:t>4</a:t>
+            </a:r>
+            <a:r>
+              <a:rPr lang="en-HK" dirty="0"/>
+              <a:t> (forming C</a:t>
+            </a:r>
+            <a:r>
+              <a:rPr lang="en-HK" baseline="-25000" dirty="0"/>
+              <a:t>2</a:t>
+            </a:r>
+            <a:r>
+              <a:rPr lang="en-HK" dirty="0"/>
+              <a:t>H</a:t>
+            </a:r>
+            <a:r>
+              <a:rPr lang="en-HK" baseline="-25000" dirty="0"/>
+              <a:t>6</a:t>
+            </a:r>
+            <a:r>
+              <a:rPr lang="en-HK" dirty="0"/>
+              <a:t> and C</a:t>
+            </a:r>
+            <a:r>
+              <a:rPr lang="en-HK" baseline="-25000" dirty="0"/>
+              <a:t>3</a:t>
+            </a:r>
+            <a:r>
+              <a:rPr lang="en-HK" dirty="0"/>
+              <a:t>H</a:t>
+            </a:r>
+            <a:r>
+              <a:rPr lang="en-HK" baseline="-25000" dirty="0"/>
+              <a:t>8</a:t>
+            </a:r>
+            <a:r>
+              <a:rPr lang="en-HK" dirty="0"/>
+              <a:t>)</a:t>
+            </a:r>
+          </a:p>
+          <a:p>
+            <a:pPr marL="285750" indent="-285750">
+              <a:buFont typeface="Arial" panose="020B0604020202020204" pitchFamily="34" charset="0"/>
+              <a:buChar char="•"/>
+            </a:pPr>
+            <a:r>
+              <a:rPr lang="en-HK" dirty="0"/>
+              <a:t>Once CH</a:t>
+            </a:r>
+            <a:r>
+              <a:rPr lang="en-HK" baseline="-25000" dirty="0"/>
+              <a:t>4</a:t>
+            </a:r>
+            <a:r>
+              <a:rPr lang="en-HK" dirty="0"/>
+              <a:t> becomes CH</a:t>
+            </a:r>
+            <a:r>
+              <a:rPr lang="en-HK" baseline="-25000" dirty="0"/>
+              <a:t>3</a:t>
+            </a:r>
+            <a:r>
+              <a:rPr lang="en-HK" dirty="0"/>
+              <a:t> radical, it </a:t>
+            </a:r>
+            <a:r>
+              <a:rPr lang="en-HK" dirty="0" smtClean="0"/>
+              <a:t>reacts with either NH</a:t>
+            </a:r>
+            <a:r>
+              <a:rPr lang="en-HK" baseline="-25000" dirty="0" smtClean="0"/>
+              <a:t>2</a:t>
+            </a:r>
+            <a:r>
+              <a:rPr lang="en-HK" dirty="0" smtClean="0"/>
+              <a:t> or CH</a:t>
+            </a:r>
+            <a:r>
+              <a:rPr lang="en-HK" baseline="-25000" dirty="0" smtClean="0"/>
+              <a:t>3</a:t>
+            </a:r>
+            <a:r>
+              <a:rPr lang="en-HK" dirty="0" smtClean="0"/>
+              <a:t> radicals, forming CH</a:t>
+            </a:r>
+            <a:r>
+              <a:rPr lang="en-HK" baseline="-25000" dirty="0" smtClean="0"/>
+              <a:t>3</a:t>
+            </a:r>
+            <a:r>
+              <a:rPr lang="en-HK" dirty="0" smtClean="0"/>
+              <a:t>NH</a:t>
+            </a:r>
+            <a:r>
+              <a:rPr lang="en-HK" baseline="-25000" dirty="0" smtClean="0"/>
+              <a:t>2</a:t>
+            </a:r>
+            <a:r>
+              <a:rPr lang="en-HK" dirty="0" smtClean="0"/>
+              <a:t>, C</a:t>
+            </a:r>
+            <a:r>
+              <a:rPr lang="en-HK" baseline="-25000" dirty="0" smtClean="0"/>
+              <a:t>2</a:t>
+            </a:r>
+            <a:r>
+              <a:rPr lang="en-HK" dirty="0" smtClean="0"/>
+              <a:t>H</a:t>
+            </a:r>
+            <a:r>
+              <a:rPr lang="en-HK" baseline="-25000" dirty="0" smtClean="0"/>
+              <a:t>6</a:t>
+            </a:r>
+            <a:r>
+              <a:rPr lang="en-HK" dirty="0" smtClean="0"/>
+              <a:t> and C</a:t>
+            </a:r>
+            <a:r>
+              <a:rPr lang="en-HK" baseline="-25000" dirty="0" smtClean="0"/>
+              <a:t>3</a:t>
+            </a:r>
+            <a:r>
+              <a:rPr lang="en-HK" dirty="0" smtClean="0"/>
+              <a:t>H</a:t>
+            </a:r>
+            <a:r>
+              <a:rPr lang="en-HK" baseline="-25000" dirty="0" smtClean="0"/>
+              <a:t>8</a:t>
+            </a:r>
+            <a:r>
+              <a:rPr lang="en-HK" dirty="0" smtClean="0"/>
+              <a:t> </a:t>
             </a:r>
             <a:endParaRPr lang="en-US" dirty="0"/>
           </a:p>
@@ -10379,7 +12290,7 @@
 </p:sld>
 </file>
 
-<file path=ppt/slides/slide21.xml><?xml version="1.0" encoding="utf-8"?>
+<file path=ppt/slides/slide22.xml><?xml version="1.0" encoding="utf-8"?>
 <p:sld xmlns:a="http://schemas.openxmlformats.org/drawingml/2006/main" xmlns:r="http://schemas.openxmlformats.org/officeDocument/2006/relationships" xmlns:p="http://schemas.openxmlformats.org/presentationml/2006/main">
   <p:cSld>
     <p:spTree>
@@ -10760,7 +12671,7 @@
           <a:p>
             <a:fld id="{B646D8CA-B2C0-41A8-8514-369D0B0735D6}" type="slidenum">
               <a:rPr lang="zh-TW" altLang="en-US" smtClean="0"/>
-              <a:t>21</a:t>
+              <a:t>22</a:t>
             </a:fld>
             <a:endParaRPr lang="zh-TW" altLang="en-US"/>
           </a:p>
@@ -10788,7 +12699,7 @@
           <a:graphicData uri="http://schemas.openxmlformats.org/presentationml/2006/ole">
             <mc:AlternateContent xmlns:mc="http://schemas.openxmlformats.org/markup-compatibility/2006">
               <mc:Choice xmlns:v="urn:schemas-microsoft-com:vml" Requires="v">
-                <p:oleObj spid="_x0000_s1377" name="Graph" r:id="rId3" imgW="4754880" imgH="3108960" progId="Origin50.Graph">
+                <p:oleObj spid="_x0000_s1432" name="Graph" r:id="rId3" imgW="4754880" imgH="3108960" progId="Origin50.Graph">
                   <p:embed/>
                 </p:oleObj>
               </mc:Choice>
@@ -10843,7 +12754,7 @@
 </p:sld>
 </file>
 
-<file path=ppt/slides/slide22.xml><?xml version="1.0" encoding="utf-8"?>
+<file path=ppt/slides/slide23.xml><?xml version="1.0" encoding="utf-8"?>
 <p:sld xmlns:a="http://schemas.openxmlformats.org/drawingml/2006/main" xmlns:r="http://schemas.openxmlformats.org/officeDocument/2006/relationships" xmlns:p="http://schemas.openxmlformats.org/presentationml/2006/main">
   <p:cSld>
     <p:spTree>
@@ -11180,7 +13091,7 @@
           <a:p>
             <a:fld id="{B646D8CA-B2C0-41A8-8514-369D0B0735D6}" type="slidenum">
               <a:rPr lang="zh-TW" altLang="en-US" smtClean="0"/>
-              <a:t>22</a:t>
+              <a:t>23</a:t>
             </a:fld>
             <a:endParaRPr lang="zh-TW" altLang="en-US"/>
           </a:p>
@@ -11278,7 +13189,7 @@
 </p:sld>
 </file>
 
-<file path=ppt/slides/slide23.xml><?xml version="1.0" encoding="utf-8"?>
+<file path=ppt/slides/slide24.xml><?xml version="1.0" encoding="utf-8"?>
 <p:sld xmlns:a="http://schemas.openxmlformats.org/drawingml/2006/main" xmlns:r="http://schemas.openxmlformats.org/officeDocument/2006/relationships" xmlns:p="http://schemas.openxmlformats.org/presentationml/2006/main">
   <p:cSld>
     <p:spTree>
@@ -11403,7 +13314,7 @@
           <a:p>
             <a:fld id="{B646D8CA-B2C0-41A8-8514-369D0B0735D6}" type="slidenum">
               <a:rPr lang="zh-TW" altLang="en-US" smtClean="0"/>
-              <a:t>23</a:t>
+              <a:t>24</a:t>
             </a:fld>
             <a:endParaRPr lang="zh-TW" altLang="en-US"/>
           </a:p>
@@ -11431,7 +13342,7 @@
           <a:graphicData uri="http://schemas.openxmlformats.org/presentationml/2006/ole">
             <mc:AlternateContent xmlns:mc="http://schemas.openxmlformats.org/markup-compatibility/2006">
               <mc:Choice xmlns:v="urn:schemas-microsoft-com:vml" Requires="v">
-                <p:oleObj spid="_x0000_s4346" name="Graph" r:id="rId3" imgW="4754880" imgH="3108960" progId="Origin50.Graph">
+                <p:oleObj spid="_x0000_s4456" name="Graph" r:id="rId3" imgW="4754880" imgH="3108960" progId="Origin50.Graph">
                   <p:embed/>
                 </p:oleObj>
               </mc:Choice>
@@ -11488,7 +13399,7 @@
           <a:graphicData uri="http://schemas.openxmlformats.org/presentationml/2006/ole">
             <mc:AlternateContent xmlns:mc="http://schemas.openxmlformats.org/markup-compatibility/2006">
               <mc:Choice xmlns:v="urn:schemas-microsoft-com:vml" Requires="v">
-                <p:oleObj spid="_x0000_s4347" name="Graph" r:id="rId5" imgW="4754880" imgH="3108960" progId="Origin50.Graph">
+                <p:oleObj spid="_x0000_s4457" name="Graph" r:id="rId5" imgW="4754880" imgH="3108960" progId="Origin50.Graph">
                   <p:embed/>
                 </p:oleObj>
               </mc:Choice>
@@ -11543,7 +13454,7 @@
 </p:sld>
 </file>
 
-<file path=ppt/slides/slide24.xml><?xml version="1.0" encoding="utf-8"?>
+<file path=ppt/slides/slide25.xml><?xml version="1.0" encoding="utf-8"?>
 <p:sld xmlns:a="http://schemas.openxmlformats.org/drawingml/2006/main" xmlns:r="http://schemas.openxmlformats.org/officeDocument/2006/relationships" xmlns:p="http://schemas.openxmlformats.org/presentationml/2006/main">
   <p:cSld>
     <p:spTree>
@@ -11612,7 +13523,7 @@
           <a:p>
             <a:fld id="{B646D8CA-B2C0-41A8-8514-369D0B0735D6}" type="slidenum">
               <a:rPr lang="zh-TW" altLang="en-US" smtClean="0"/>
-              <a:t>24</a:t>
+              <a:t>25</a:t>
             </a:fld>
             <a:endParaRPr lang="zh-TW" altLang="en-US"/>
           </a:p>
@@ -12552,7 +14463,7 @@
           <a:graphicData uri="http://schemas.openxmlformats.org/presentationml/2006/ole">
             <mc:AlternateContent xmlns:mc="http://schemas.openxmlformats.org/markup-compatibility/2006">
               <mc:Choice xmlns:v="urn:schemas-microsoft-com:vml" Requires="v">
-                <p:oleObj spid="_x0000_s3230" name="Graph" r:id="rId3" imgW="4754880" imgH="3108960" progId="Origin50.Graph">
+                <p:oleObj spid="_x0000_s3285" name="Graph" r:id="rId3" imgW="4754880" imgH="3108960" progId="Origin50.Graph">
                   <p:embed/>
                 </p:oleObj>
               </mc:Choice>
@@ -12607,7 +14518,7 @@
 </p:sld>
 </file>
 
-<file path=ppt/slides/slide25.xml><?xml version="1.0" encoding="utf-8"?>
+<file path=ppt/slides/slide26.xml><?xml version="1.0" encoding="utf-8"?>
 <p:sld xmlns:a="http://schemas.openxmlformats.org/drawingml/2006/main" xmlns:r="http://schemas.openxmlformats.org/officeDocument/2006/relationships" xmlns:p="http://schemas.openxmlformats.org/presentationml/2006/main">
   <p:cSld>
     <p:spTree>
@@ -12654,25 +14565,6 @@
       </p:sp>
       <p:sp>
         <p:nvSpPr>
-          <p:cNvPr id="3" name="內容版面配置區 2"/>
-          <p:cNvSpPr>
-            <a:spLocks noGrp="1"/>
-          </p:cNvSpPr>
-          <p:nvPr>
-            <p:ph idx="1"/>
-          </p:nvPr>
-        </p:nvSpPr>
-        <p:spPr/>
-        <p:txBody>
-          <a:bodyPr/>
-          <a:lstStyle/>
-          <a:p>
-            <a:endParaRPr lang="en-US" dirty="0"/>
-          </a:p>
-        </p:txBody>
-      </p:sp>
-      <p:sp>
-        <p:nvSpPr>
           <p:cNvPr id="4" name="投影片編號版面配置區 3"/>
           <p:cNvSpPr>
             <a:spLocks noGrp="1"/>
@@ -12688,7 +14580,7 @@
           <a:p>
             <a:fld id="{B646D8CA-B2C0-41A8-8514-369D0B0735D6}" type="slidenum">
               <a:rPr lang="zh-TW" altLang="en-US" smtClean="0"/>
-              <a:t>25</a:t>
+              <a:t>26</a:t>
             </a:fld>
             <a:endParaRPr lang="zh-TW" altLang="en-US"/>
           </a:p>
@@ -12707,7 +14599,7 @@
 </p:sld>
 </file>
 
-<file path=ppt/slides/slide26.xml><?xml version="1.0" encoding="utf-8"?>
+<file path=ppt/slides/slide27.xml><?xml version="1.0" encoding="utf-8"?>
 <p:sld xmlns:a="http://schemas.openxmlformats.org/drawingml/2006/main" xmlns:r="http://schemas.openxmlformats.org/officeDocument/2006/relationships" xmlns:p="http://schemas.openxmlformats.org/presentationml/2006/main">
   <p:cSld>
     <p:spTree>
@@ -12897,7 +14789,7 @@
           <a:p>
             <a:fld id="{B646D8CA-B2C0-41A8-8514-369D0B0735D6}" type="slidenum">
               <a:rPr lang="zh-TW" altLang="en-US" smtClean="0"/>
-              <a:t>26</a:t>
+              <a:t>27</a:t>
             </a:fld>
             <a:endParaRPr lang="zh-TW" altLang="en-US"/>
           </a:p>
@@ -12925,7 +14817,7 @@
           <a:graphicData uri="http://schemas.openxmlformats.org/presentationml/2006/ole">
             <mc:AlternateContent xmlns:mc="http://schemas.openxmlformats.org/markup-compatibility/2006">
               <mc:Choice xmlns:v="urn:schemas-microsoft-com:vml" Requires="v">
-                <p:oleObj spid="_x0000_s5223" name="Graph" r:id="rId3" imgW="4754880" imgH="3108960" progId="Origin50.Graph">
+                <p:oleObj spid="_x0000_s5278" name="Graph" r:id="rId3" imgW="4754880" imgH="3108960" progId="Origin50.Graph">
                   <p:embed/>
                 </p:oleObj>
               </mc:Choice>
@@ -12980,7 +14872,7 @@
 </p:sld>
 </file>
 
-<file path=ppt/slides/slide27.xml><?xml version="1.0" encoding="utf-8"?>
+<file path=ppt/slides/slide28.xml><?xml version="1.0" encoding="utf-8"?>
 <p:sld xmlns:a="http://schemas.openxmlformats.org/drawingml/2006/main" xmlns:r="http://schemas.openxmlformats.org/officeDocument/2006/relationships" xmlns:p="http://schemas.openxmlformats.org/presentationml/2006/main">
   <p:cSld>
     <p:spTree>
@@ -13233,7 +15125,7 @@
           <a:p>
             <a:fld id="{B646D8CA-B2C0-41A8-8514-369D0B0735D6}" type="slidenum">
               <a:rPr lang="zh-TW" altLang="en-US" smtClean="0"/>
-              <a:t>27</a:t>
+              <a:t>28</a:t>
             </a:fld>
             <a:endParaRPr lang="zh-TW" altLang="en-US"/>
           </a:p>
@@ -13261,7 +15153,7 @@
           <a:graphicData uri="http://schemas.openxmlformats.org/presentationml/2006/ole">
             <mc:AlternateContent xmlns:mc="http://schemas.openxmlformats.org/markup-compatibility/2006">
               <mc:Choice xmlns:v="urn:schemas-microsoft-com:vml" Requires="v">
-                <p:oleObj spid="_x0000_s2338" name="Graph" r:id="rId3" imgW="4754880" imgH="3108960" progId="Origin50.Graph">
+                <p:oleObj spid="_x0000_s2393" name="Graph" r:id="rId3" imgW="4754880" imgH="3108960" progId="Origin50.Graph">
                   <p:embed/>
                 </p:oleObj>
               </mc:Choice>
@@ -13585,7 +15477,7 @@
 </p:sld>
 </file>
 
-<file path=ppt/slides/slide28.xml><?xml version="1.0" encoding="utf-8"?>
+<file path=ppt/slides/slide29.xml><?xml version="1.0" encoding="utf-8"?>
 <p:sld xmlns:a="http://schemas.openxmlformats.org/drawingml/2006/main" xmlns:r="http://schemas.openxmlformats.org/officeDocument/2006/relationships" xmlns:p="http://schemas.openxmlformats.org/presentationml/2006/main">
   <p:cSld>
     <p:spTree>
@@ -13644,16 +15536,13 @@
           <a:p>
             <a:r>
               <a:rPr lang="en-HK" dirty="0" smtClean="0"/>
-              <a:t>1. Confirms the formation mechanism of CN</a:t>
-            </a:r>
-            <a:r>
-              <a:rPr lang="en-HK" baseline="30000" dirty="0" smtClean="0"/>
-              <a:t>-</a:t>
+              <a:t>1. </a:t>
             </a:r>
             <a:r>
               <a:rPr lang="en-HK" dirty="0" smtClean="0"/>
-              <a:t> is via methylamine in photon irradiation experiments.</a:t>
-            </a:r>
+              <a:t>Detection of methylamine implies that in </a:t>
+            </a:r>
+            <a:endParaRPr lang="en-HK" dirty="0" smtClean="0"/>
           </a:p>
           <a:p>
             <a:endParaRPr lang="en-HK" dirty="0"/>
@@ -13738,7 +15627,7 @@
           <a:p>
             <a:fld id="{B646D8CA-B2C0-41A8-8514-369D0B0735D6}" type="slidenum">
               <a:rPr lang="zh-TW" altLang="en-US" smtClean="0"/>
-              <a:t>28</a:t>
+              <a:t>29</a:t>
             </a:fld>
             <a:endParaRPr lang="zh-TW" altLang="en-US"/>
           </a:p>
@@ -15124,7 +17013,7 @@
             <p:spPr>
               <a:xfrm>
                 <a:off x="323528" y="1220895"/>
-                <a:ext cx="8820472" cy="1609480"/>
+                <a:ext cx="8820472" cy="1284967"/>
               </a:xfrm>
               <a:prstGeom prst="rect">
                 <a:avLst/>
@@ -15169,6 +17058,10 @@
                   <a:rPr lang="en-HK" sz="1450" dirty="0"/>
                   <a:t>formation </a:t>
                 </a:r>
+                <a:endParaRPr lang="en-HK" sz="1450" dirty="0" smtClean="0"/>
+              </a:p>
+              <a:p>
+                <a:pPr lvl="2"/>
                 <a:endParaRPr lang="en-HK" sz="1450" dirty="0" smtClean="0"/>
               </a:p>
               <a:p>
@@ -15278,256 +17171,13 @@
               </a:p>
               <a:p>
                 <a:pPr lvl="2"/>
-                <a:r>
-                  <a:rPr lang="en-HK" sz="1450" dirty="0" smtClean="0"/>
-                  <a:t>Similarly,</a:t>
-                </a:r>
-                <a:endParaRPr lang="en-HK" sz="1450" dirty="0"/>
+                <a:endParaRPr lang="en-HK" sz="1450" dirty="0" smtClean="0"/>
               </a:p>
               <a:p>
-                <a:pPr lvl="2"/>
-                <a14:m>
-                  <m:oMathPara xmlns:m="http://schemas.openxmlformats.org/officeDocument/2006/math">
-                    <m:oMathParaPr>
-                      <m:jc m:val="centerGroup"/>
-                    </m:oMathParaPr>
-                    <m:oMath xmlns:m="http://schemas.openxmlformats.org/officeDocument/2006/math">
-                      <m:r>
-                        <a:rPr lang="en-HK" sz="1600" i="1">
-                          <a:latin typeface="Cambria Math" panose="02040503050406030204" pitchFamily="18" charset="0"/>
-                        </a:rPr>
-                        <m:t>𝐶𝐻</m:t>
-                      </m:r>
-                      <m:r>
-                        <a:rPr lang="en-HK" sz="1600" i="1" baseline="-25000">
-                          <a:latin typeface="Cambria Math" panose="02040503050406030204" pitchFamily="18" charset="0"/>
-                        </a:rPr>
-                        <m:t>2</m:t>
-                      </m:r>
-                      <m:r>
-                        <a:rPr lang="en-HK" sz="1600" i="1">
-                          <a:latin typeface="Cambria Math" panose="02040503050406030204" pitchFamily="18" charset="0"/>
-                        </a:rPr>
-                        <m:t>+</m:t>
-                      </m:r>
-                      <m:r>
-                        <a:rPr lang="en-HK" sz="1600" i="1">
-                          <a:latin typeface="Cambria Math" panose="02040503050406030204" pitchFamily="18" charset="0"/>
-                        </a:rPr>
-                        <m:t>𝑁𝐻</m:t>
-                      </m:r>
-                      <m:r>
-                        <a:rPr lang="en-HK" sz="1600" i="1" baseline="-25000">
-                          <a:latin typeface="Cambria Math" panose="02040503050406030204" pitchFamily="18" charset="0"/>
-                        </a:rPr>
-                        <m:t>3</m:t>
-                      </m:r>
-                      <m:r>
-                        <a:rPr lang="en-HK" sz="1600" i="1">
-                          <a:latin typeface="Cambria Math" panose="02040503050406030204" pitchFamily="18" charset="0"/>
-                        </a:rPr>
-                        <m:t> </m:t>
-                      </m:r>
-                      <m:r>
-                        <a:rPr lang="en-HK" sz="1600" i="1">
-                          <a:latin typeface="Cambria Math" panose="02040503050406030204" pitchFamily="18" charset="0"/>
-                          <a:ea typeface="Cambria Math" panose="02040503050406030204" pitchFamily="18" charset="0"/>
-                        </a:rPr>
-                        <m:t>→</m:t>
-                      </m:r>
-                      <m:r>
-                        <a:rPr lang="en-HK" sz="1600" i="1">
-                          <a:latin typeface="Cambria Math" panose="02040503050406030204" pitchFamily="18" charset="0"/>
-                          <a:ea typeface="Cambria Math" panose="02040503050406030204" pitchFamily="18" charset="0"/>
-                        </a:rPr>
-                        <m:t>𝐶𝐻</m:t>
-                      </m:r>
-                      <m:r>
-                        <a:rPr lang="en-HK" sz="1600" i="1" baseline="-25000">
-                          <a:latin typeface="Cambria Math" panose="02040503050406030204" pitchFamily="18" charset="0"/>
-                          <a:ea typeface="Cambria Math" panose="02040503050406030204" pitchFamily="18" charset="0"/>
-                        </a:rPr>
-                        <m:t>3</m:t>
-                      </m:r>
-                      <m:r>
-                        <a:rPr lang="en-HK" sz="1600" i="1">
-                          <a:latin typeface="Cambria Math" panose="02040503050406030204" pitchFamily="18" charset="0"/>
-                          <a:ea typeface="Cambria Math" panose="02040503050406030204" pitchFamily="18" charset="0"/>
-                        </a:rPr>
-                        <m:t>𝑁𝐻</m:t>
-                      </m:r>
-                      <m:r>
-                        <a:rPr lang="en-HK" sz="1600" i="1" baseline="-25000">
-                          <a:latin typeface="Cambria Math" panose="02040503050406030204" pitchFamily="18" charset="0"/>
-                          <a:ea typeface="Cambria Math" panose="02040503050406030204" pitchFamily="18" charset="0"/>
-                        </a:rPr>
-                        <m:t>2</m:t>
-                      </m:r>
-                      <m:r>
-                        <m:rPr>
-                          <m:nor/>
-                        </m:rPr>
-                        <a:rPr lang="en-HK" sz="1600" dirty="0">
-                          <a:solidFill>
-                            <a:srgbClr val="FF0000"/>
-                          </a:solidFill>
-                        </a:rPr>
-                        <m:t>	</m:t>
-                      </m:r>
-                      <m:r>
-                        <a:rPr lang="en-HK" sz="1600" i="1" dirty="0">
-                          <a:solidFill>
-                            <a:srgbClr val="FF0000"/>
-                          </a:solidFill>
-                          <a:latin typeface="Cambria Math" panose="02040503050406030204" pitchFamily="18" charset="0"/>
-                        </a:rPr>
-                        <m:t>   </m:t>
-                      </m:r>
-                      <m:r>
-                        <a:rPr lang="en-HK" sz="1600" i="1">
-                          <a:latin typeface="Cambria Math" panose="02040503050406030204" pitchFamily="18" charset="0"/>
-                          <a:ea typeface="Cambria Math" panose="02040503050406030204" pitchFamily="18" charset="0"/>
-                        </a:rPr>
-                        <m:t>∆</m:t>
-                      </m:r>
-                      <m:r>
-                        <a:rPr lang="en-HK" sz="1600" i="1">
-                          <a:latin typeface="Cambria Math" panose="02040503050406030204" pitchFamily="18" charset="0"/>
-                          <a:ea typeface="Cambria Math" panose="02040503050406030204" pitchFamily="18" charset="0"/>
-                        </a:rPr>
-                        <m:t>𝐻</m:t>
-                      </m:r>
-                      <m:r>
-                        <a:rPr lang="en-HK" sz="1600" i="1">
-                          <a:latin typeface="Cambria Math" panose="02040503050406030204" pitchFamily="18" charset="0"/>
-                          <a:ea typeface="Cambria Math" panose="02040503050406030204" pitchFamily="18" charset="0"/>
-                        </a:rPr>
-                        <m:t>=−3.7 </m:t>
-                      </m:r>
-                      <m:r>
-                        <a:rPr lang="en-HK" sz="1600" i="1">
-                          <a:latin typeface="Cambria Math" panose="02040503050406030204" pitchFamily="18" charset="0"/>
-                          <a:ea typeface="Cambria Math" panose="02040503050406030204" pitchFamily="18" charset="0"/>
-                        </a:rPr>
-                        <m:t>𝑒𝑉</m:t>
-                      </m:r>
-                    </m:oMath>
-                  </m:oMathPara>
-                </a14:m>
-                <a:endParaRPr lang="en-HK" sz="1600" baseline="-25000" dirty="0">
-                  <a:ea typeface="Cambria Math" panose="02040503050406030204" pitchFamily="18" charset="0"/>
-                </a:endParaRPr>
-              </a:p>
-              <a:p>
-                <a:pPr lvl="2"/>
-                <a14:m>
-                  <m:oMathPara xmlns:m="http://schemas.openxmlformats.org/officeDocument/2006/math">
-                    <m:oMathParaPr>
-                      <m:jc m:val="centerGroup"/>
-                    </m:oMathParaPr>
-                    <m:oMath xmlns:m="http://schemas.openxmlformats.org/officeDocument/2006/math">
-                      <m:r>
-                        <a:rPr lang="en-HK" sz="1600" i="1">
-                          <a:latin typeface="Cambria Math" panose="02040503050406030204" pitchFamily="18" charset="0"/>
-                        </a:rPr>
-                        <m:t>𝐶𝐻</m:t>
-                      </m:r>
-                      <m:r>
-                        <a:rPr lang="en-HK" sz="1600" i="1" baseline="-25000">
-                          <a:latin typeface="Cambria Math" panose="02040503050406030204" pitchFamily="18" charset="0"/>
-                        </a:rPr>
-                        <m:t>4</m:t>
-                      </m:r>
-                      <m:r>
-                        <a:rPr lang="en-HK" sz="1600" i="1">
-                          <a:latin typeface="Cambria Math" panose="02040503050406030204" pitchFamily="18" charset="0"/>
-                        </a:rPr>
-                        <m:t>+</m:t>
-                      </m:r>
-                      <m:r>
-                        <a:rPr lang="en-HK" sz="1600" i="1">
-                          <a:latin typeface="Cambria Math" panose="02040503050406030204" pitchFamily="18" charset="0"/>
-                        </a:rPr>
-                        <m:t>𝑁𝐻</m:t>
-                      </m:r>
-                      <m:r>
-                        <a:rPr lang="en-HK" sz="1600" i="1">
-                          <a:latin typeface="Cambria Math" panose="02040503050406030204" pitchFamily="18" charset="0"/>
-                        </a:rPr>
-                        <m:t> →</m:t>
-                      </m:r>
-                      <m:r>
-                        <a:rPr lang="en-HK" sz="1600" i="1">
-                          <a:latin typeface="Cambria Math" panose="02040503050406030204" pitchFamily="18" charset="0"/>
-                          <a:ea typeface="Cambria Math" panose="02040503050406030204" pitchFamily="18" charset="0"/>
-                        </a:rPr>
-                        <m:t>𝐶𝐻</m:t>
-                      </m:r>
-                      <m:r>
-                        <a:rPr lang="en-HK" sz="1600" i="1" baseline="-25000">
-                          <a:latin typeface="Cambria Math" panose="02040503050406030204" pitchFamily="18" charset="0"/>
-                          <a:ea typeface="Cambria Math" panose="02040503050406030204" pitchFamily="18" charset="0"/>
-                        </a:rPr>
-                        <m:t>3</m:t>
-                      </m:r>
-                      <m:r>
-                        <a:rPr lang="en-HK" sz="1600" i="1">
-                          <a:latin typeface="Cambria Math" panose="02040503050406030204" pitchFamily="18" charset="0"/>
-                          <a:ea typeface="Cambria Math" panose="02040503050406030204" pitchFamily="18" charset="0"/>
-                        </a:rPr>
-                        <m:t>𝑁𝐻</m:t>
-                      </m:r>
-                      <m:r>
-                        <a:rPr lang="en-HK" sz="1600" i="1" baseline="-25000">
-                          <a:latin typeface="Cambria Math" panose="02040503050406030204" pitchFamily="18" charset="0"/>
-                          <a:ea typeface="Cambria Math" panose="02040503050406030204" pitchFamily="18" charset="0"/>
-                        </a:rPr>
-                        <m:t>2   </m:t>
-                      </m:r>
-                      <m:r>
-                        <a:rPr lang="en-HK" sz="1600" i="1">
-                          <a:latin typeface="Cambria Math" panose="02040503050406030204" pitchFamily="18" charset="0"/>
-                          <a:ea typeface="Cambria Math" panose="02040503050406030204" pitchFamily="18" charset="0"/>
-                        </a:rPr>
-                        <m:t>∆</m:t>
-                      </m:r>
-                      <m:r>
-                        <a:rPr lang="en-HK" sz="1600" i="1">
-                          <a:latin typeface="Cambria Math" panose="02040503050406030204" pitchFamily="18" charset="0"/>
-                          <a:ea typeface="Cambria Math" panose="02040503050406030204" pitchFamily="18" charset="0"/>
-                        </a:rPr>
-                        <m:t>𝐻</m:t>
-                      </m:r>
-                      <m:r>
-                        <a:rPr lang="en-HK" sz="1600" i="1">
-                          <a:latin typeface="Cambria Math" panose="02040503050406030204" pitchFamily="18" charset="0"/>
-                          <a:ea typeface="Cambria Math" panose="02040503050406030204" pitchFamily="18" charset="0"/>
-                        </a:rPr>
-                        <m:t>=−3.14 </m:t>
-                      </m:r>
-                      <m:r>
-                        <a:rPr lang="en-HK" sz="1600" i="1">
-                          <a:latin typeface="Cambria Math" panose="02040503050406030204" pitchFamily="18" charset="0"/>
-                          <a:ea typeface="Cambria Math" panose="02040503050406030204" pitchFamily="18" charset="0"/>
-                        </a:rPr>
-                        <m:t>𝑒𝑉</m:t>
-                      </m:r>
-                    </m:oMath>
-                  </m:oMathPara>
-                </a14:m>
-                <a:endParaRPr lang="en-HK" sz="1600" baseline="-25000" dirty="0">
-                  <a:ea typeface="Cambria Math" panose="02040503050406030204" pitchFamily="18" charset="0"/>
-                </a:endParaRPr>
-              </a:p>
-              <a:p>
-                <a:pPr marL="0" lvl="2" algn="r"/>
+                <a:pPr lvl="2" algn="r"/>
                 <a:r>
                   <a:rPr lang="en-HK" sz="1600" dirty="0"/>
                   <a:t>	</a:t>
-                </a:r>
-                <a:r>
-                  <a:rPr lang="en-HK" sz="1600" dirty="0"/>
-                  <a:t>		</a:t>
                 </a:r>
                 <a:r>
                   <a:rPr lang="en-HK" dirty="0" smtClean="0"/>
@@ -15570,7 +17220,7 @@
             <p:spPr>
               <a:xfrm>
                 <a:off x="323528" y="1220895"/>
-                <a:ext cx="8820472" cy="1609480"/>
+                <a:ext cx="8820472" cy="1284967"/>
               </a:xfrm>
               <a:prstGeom prst="rect">
                 <a:avLst/>
@@ -15578,7 +17228,7 @@
               <a:blipFill>
                 <a:blip r:embed="rId3"/>
                 <a:stretch>
-                  <a:fillRect t="-758" r="-622" b="-3030"/>
+                  <a:fillRect t="-948" r="-622" b="-6161"/>
                 </a:stretch>
               </a:blipFill>
             </p:spPr>

--- a/doc/VUV and EUV irradiation of CH4 + NH3.pptx
+++ b/doc/VUV and EUV irradiation of CH4 + NH3.pptx
@@ -34,9 +34,9 @@
     <p:sldId id="265" r:id="rId22"/>
     <p:sldId id="281" r:id="rId23"/>
     <p:sldId id="272" r:id="rId24"/>
-    <p:sldId id="267" r:id="rId25"/>
-    <p:sldId id="282" r:id="rId26"/>
-    <p:sldId id="280" r:id="rId27"/>
+    <p:sldId id="282" r:id="rId25"/>
+    <p:sldId id="280" r:id="rId26"/>
+    <p:sldId id="267" r:id="rId27"/>
     <p:sldId id="288" r:id="rId28"/>
     <p:sldId id="274" r:id="rId29"/>
     <p:sldId id="271" r:id="rId30"/>
@@ -842,28 +842,34 @@
           <a:bodyPr/>
           <a:lstStyle/>
           <a:p>
+            <a:pPr marL="0" marR="0" indent="0" algn="l" defTabSz="914400" rtl="0" eaLnBrk="1" fontAlgn="auto" latinLnBrk="0" hangingPunct="1">
+              <a:lnSpc>
+                <a:spcPct val="100000"/>
+              </a:lnSpc>
+              <a:spcBef>
+                <a:spcPts val="0"/>
+              </a:spcBef>
+              <a:spcAft>
+                <a:spcPts val="0"/>
+              </a:spcAft>
+              <a:buClrTx/>
+              <a:buSzTx/>
+              <a:buFontTx/>
+              <a:buNone/>
+              <a:tabLst/>
+              <a:defRPr/>
+            </a:pPr>
             <a:r>
               <a:rPr lang="en-HK" dirty="0" smtClean="0"/>
-              <a:t>The detection of methylamine during our</a:t>
+              <a:t>By VUV irradiations, all of our results</a:t>
             </a:r>
             <a:r>
               <a:rPr lang="en-HK" baseline="0" dirty="0" smtClean="0"/>
-              <a:t> warmup phase, confirms that CN- is produced through this mechanism, which also suggests that the non-detection of </a:t>
-            </a:r>
-            <a:r>
-              <a:rPr lang="en-HK" baseline="0" dirty="0" err="1" smtClean="0"/>
-              <a:t>Kundu’s</a:t>
-            </a:r>
-            <a:r>
-              <a:rPr lang="en-HK" baseline="0" dirty="0" smtClean="0"/>
-              <a:t> experiments should be due to the ice thickness, they have only a few monolayers </a:t>
-            </a:r>
-          </a:p>
-          <a:p>
-            <a:r>
-              <a:rPr lang="en-HK" baseline="0" dirty="0" smtClean="0"/>
-              <a:t>CH4: 6-7 ML NH3: 4-5 ML. Next, we will now look at the second result: relations of photo-products variating the relative proportions of ice mixtures.</a:t>
-            </a:r>
+              <a:t> belongs to a one step mechanism because all of our fitting has a k2&gt;1</a:t>
+            </a:r>
+            <a:endParaRPr lang="en-US" dirty="0" smtClean="0"/>
+          </a:p>
+          <a:p>
             <a:endParaRPr lang="en-US" dirty="0"/>
           </a:p>
         </p:txBody>
@@ -885,6 +891,112 @@
           <a:p>
             <a:fld id="{874434F2-FA75-4BA9-89CC-608830E041CF}" type="slidenum">
               <a:rPr lang="en-US" smtClean="0"/>
+              <a:t>19</a:t>
+            </a:fld>
+            <a:endParaRPr lang="en-US"/>
+          </a:p>
+        </p:txBody>
+      </p:sp>
+    </p:spTree>
+    <p:extLst>
+      <p:ext uri="{BB962C8B-B14F-4D97-AF65-F5344CB8AC3E}">
+        <p14:creationId xmlns:p14="http://schemas.microsoft.com/office/powerpoint/2010/main" val="779149219"/>
+      </p:ext>
+    </p:extLst>
+  </p:cSld>
+  <p:clrMapOvr>
+    <a:masterClrMapping/>
+  </p:clrMapOvr>
+</p:notes>
+</file>
+
+<file path=ppt/notesSlides/notesSlide11.xml><?xml version="1.0" encoding="utf-8"?>
+<p:notes xmlns:a="http://schemas.openxmlformats.org/drawingml/2006/main" xmlns:r="http://schemas.openxmlformats.org/officeDocument/2006/relationships" xmlns:p="http://schemas.openxmlformats.org/presentationml/2006/main">
+  <p:cSld>
+    <p:spTree>
+      <p:nvGrpSpPr>
+        <p:cNvPr id="1" name=""/>
+        <p:cNvGrpSpPr/>
+        <p:nvPr/>
+      </p:nvGrpSpPr>
+      <p:grpSpPr>
+        <a:xfrm>
+          <a:off x="0" y="0"/>
+          <a:ext cx="0" cy="0"/>
+          <a:chOff x="0" y="0"/>
+          <a:chExt cx="0" cy="0"/>
+        </a:xfrm>
+      </p:grpSpPr>
+      <p:sp>
+        <p:nvSpPr>
+          <p:cNvPr id="2" name="投影片圖像版面配置區 1"/>
+          <p:cNvSpPr>
+            <a:spLocks noGrp="1" noRot="1" noChangeAspect="1"/>
+          </p:cNvSpPr>
+          <p:nvPr>
+            <p:ph type="sldImg"/>
+          </p:nvPr>
+        </p:nvSpPr>
+        <p:spPr/>
+      </p:sp>
+      <p:sp>
+        <p:nvSpPr>
+          <p:cNvPr id="3" name="備忘稿版面配置區 2"/>
+          <p:cNvSpPr>
+            <a:spLocks noGrp="1"/>
+          </p:cNvSpPr>
+          <p:nvPr>
+            <p:ph type="body" idx="1"/>
+          </p:nvPr>
+        </p:nvSpPr>
+        <p:spPr/>
+        <p:txBody>
+          <a:bodyPr/>
+          <a:lstStyle/>
+          <a:p>
+            <a:r>
+              <a:rPr lang="en-HK" dirty="0" smtClean="0"/>
+              <a:t>The detection of methylamine during our</a:t>
+            </a:r>
+            <a:r>
+              <a:rPr lang="en-HK" baseline="0" dirty="0" smtClean="0"/>
+              <a:t> warmup phase, confirms that CN- is produced through this mechanism, which also suggests that the non-detection of </a:t>
+            </a:r>
+            <a:r>
+              <a:rPr lang="en-HK" baseline="0" dirty="0" err="1" smtClean="0"/>
+              <a:t>Kundu’s</a:t>
+            </a:r>
+            <a:r>
+              <a:rPr lang="en-HK" baseline="0" dirty="0" smtClean="0"/>
+              <a:t> experiments should be due to the ice thickness, they have only a few monolayers </a:t>
+            </a:r>
+          </a:p>
+          <a:p>
+            <a:r>
+              <a:rPr lang="en-HK" baseline="0" dirty="0" smtClean="0"/>
+              <a:t>CH4: 6-7 ML NH3: 4-5 ML. Next, we will now look at the second result: relations of photo-products variating the relative proportions of ice mixtures.</a:t>
+            </a:r>
+            <a:endParaRPr lang="en-US" dirty="0"/>
+          </a:p>
+        </p:txBody>
+      </p:sp>
+      <p:sp>
+        <p:nvSpPr>
+          <p:cNvPr id="4" name="投影片編號版面配置區 3"/>
+          <p:cNvSpPr>
+            <a:spLocks noGrp="1"/>
+          </p:cNvSpPr>
+          <p:nvPr>
+            <p:ph type="sldNum" sz="quarter" idx="10"/>
+          </p:nvPr>
+        </p:nvSpPr>
+        <p:spPr/>
+        <p:txBody>
+          <a:bodyPr/>
+          <a:lstStyle/>
+          <a:p>
+            <a:fld id="{874434F2-FA75-4BA9-89CC-608830E041CF}" type="slidenum">
+              <a:rPr lang="en-US" smtClean="0"/>
               <a:t>20</a:t>
             </a:fld>
             <a:endParaRPr lang="en-US"/>
@@ -904,7 +1016,7 @@
 </p:notes>
 </file>
 
-<file path=ppt/notesSlides/notesSlide11.xml><?xml version="1.0" encoding="utf-8"?>
+<file path=ppt/notesSlides/notesSlide12.xml><?xml version="1.0" encoding="utf-8"?>
 <p:notes xmlns:a="http://schemas.openxmlformats.org/drawingml/2006/main" xmlns:r="http://schemas.openxmlformats.org/officeDocument/2006/relationships" xmlns:p="http://schemas.openxmlformats.org/presentationml/2006/main">
   <p:cSld>
     <p:spTree>
@@ -1351,17 +1463,15 @@
           <a:p>
             <a:r>
               <a:rPr lang="en-HK" dirty="0" smtClean="0"/>
-              <a:t>3 systems:</a:t>
-            </a:r>
-            <a:r>
-              <a:rPr lang="en-HK" baseline="0" dirty="0" smtClean="0"/>
-              <a:t> main chamber, detection system and gas-mixing system</a:t>
-            </a:r>
-          </a:p>
-          <a:p>
-            <a:r>
-              <a:rPr lang="en-HK" baseline="0" dirty="0" smtClean="0"/>
-              <a:t>IR path and VUV path</a:t>
+              <a:t>NH3 </a:t>
+            </a:r>
+            <a:r>
+              <a:rPr lang="en-HK" dirty="0" err="1" smtClean="0"/>
+              <a:t>conlumn</a:t>
+            </a:r>
+            <a:r>
+              <a:rPr lang="en-HK" dirty="0" smtClean="0"/>
+              <a:t> density is fixed</a:t>
             </a:r>
             <a:endParaRPr lang="en-US" dirty="0"/>
           </a:p>
@@ -1384,7 +1494,7 @@
           <a:p>
             <a:fld id="{874434F2-FA75-4BA9-89CC-608830E041CF}" type="slidenum">
               <a:rPr lang="en-US" smtClean="0"/>
-              <a:t>13</a:t>
+              <a:t>12</a:t>
             </a:fld>
             <a:endParaRPr lang="en-US"/>
           </a:p>
@@ -1393,7 +1503,7 @@
     </p:spTree>
     <p:extLst>
       <p:ext uri="{BB962C8B-B14F-4D97-AF65-F5344CB8AC3E}">
-        <p14:creationId xmlns:p14="http://schemas.microsoft.com/office/powerpoint/2010/main" val="4098894582"/>
+        <p14:creationId xmlns:p14="http://schemas.microsoft.com/office/powerpoint/2010/main" val="3545042707"/>
       </p:ext>
     </p:extLst>
   </p:cSld>
@@ -1447,6 +1557,20 @@
           <a:bodyPr/>
           <a:lstStyle/>
           <a:p>
+            <a:r>
+              <a:rPr lang="en-HK" dirty="0" smtClean="0"/>
+              <a:t>3 systems:</a:t>
+            </a:r>
+            <a:r>
+              <a:rPr lang="en-HK" baseline="0" dirty="0" smtClean="0"/>
+              <a:t> main chamber, detection system and gas-mixing system</a:t>
+            </a:r>
+          </a:p>
+          <a:p>
+            <a:r>
+              <a:rPr lang="en-HK" baseline="0" dirty="0" smtClean="0"/>
+              <a:t>IR path and VUV path</a:t>
+            </a:r>
             <a:endParaRPr lang="en-US" dirty="0"/>
           </a:p>
         </p:txBody>
@@ -1468,6 +1592,90 @@
           <a:p>
             <a:fld id="{874434F2-FA75-4BA9-89CC-608830E041CF}" type="slidenum">
               <a:rPr lang="en-US" smtClean="0"/>
+              <a:t>13</a:t>
+            </a:fld>
+            <a:endParaRPr lang="en-US"/>
+          </a:p>
+        </p:txBody>
+      </p:sp>
+    </p:spTree>
+    <p:extLst>
+      <p:ext uri="{BB962C8B-B14F-4D97-AF65-F5344CB8AC3E}">
+        <p14:creationId xmlns:p14="http://schemas.microsoft.com/office/powerpoint/2010/main" val="4098894582"/>
+      </p:ext>
+    </p:extLst>
+  </p:cSld>
+  <p:clrMapOvr>
+    <a:masterClrMapping/>
+  </p:clrMapOvr>
+</p:notes>
+</file>
+
+<file path=ppt/notesSlides/notesSlide7.xml><?xml version="1.0" encoding="utf-8"?>
+<p:notes xmlns:a="http://schemas.openxmlformats.org/drawingml/2006/main" xmlns:r="http://schemas.openxmlformats.org/officeDocument/2006/relationships" xmlns:p="http://schemas.openxmlformats.org/presentationml/2006/main">
+  <p:cSld>
+    <p:spTree>
+      <p:nvGrpSpPr>
+        <p:cNvPr id="1" name=""/>
+        <p:cNvGrpSpPr/>
+        <p:nvPr/>
+      </p:nvGrpSpPr>
+      <p:grpSpPr>
+        <a:xfrm>
+          <a:off x="0" y="0"/>
+          <a:ext cx="0" cy="0"/>
+          <a:chOff x="0" y="0"/>
+          <a:chExt cx="0" cy="0"/>
+        </a:xfrm>
+      </p:grpSpPr>
+      <p:sp>
+        <p:nvSpPr>
+          <p:cNvPr id="2" name="投影片圖像版面配置區 1"/>
+          <p:cNvSpPr>
+            <a:spLocks noGrp="1" noRot="1" noChangeAspect="1"/>
+          </p:cNvSpPr>
+          <p:nvPr>
+            <p:ph type="sldImg"/>
+          </p:nvPr>
+        </p:nvSpPr>
+        <p:spPr/>
+      </p:sp>
+      <p:sp>
+        <p:nvSpPr>
+          <p:cNvPr id="3" name="備忘稿版面配置區 2"/>
+          <p:cNvSpPr>
+            <a:spLocks noGrp="1"/>
+          </p:cNvSpPr>
+          <p:nvPr>
+            <p:ph type="body" idx="1"/>
+          </p:nvPr>
+        </p:nvSpPr>
+        <p:spPr/>
+        <p:txBody>
+          <a:bodyPr/>
+          <a:lstStyle/>
+          <a:p>
+            <a:endParaRPr lang="en-US" dirty="0"/>
+          </a:p>
+        </p:txBody>
+      </p:sp>
+      <p:sp>
+        <p:nvSpPr>
+          <p:cNvPr id="4" name="投影片編號版面配置區 3"/>
+          <p:cNvSpPr>
+            <a:spLocks noGrp="1"/>
+          </p:cNvSpPr>
+          <p:nvPr>
+            <p:ph type="sldNum" sz="quarter" idx="10"/>
+          </p:nvPr>
+        </p:nvSpPr>
+        <p:spPr/>
+        <p:txBody>
+          <a:bodyPr/>
+          <a:lstStyle/>
+          <a:p>
+            <a:fld id="{874434F2-FA75-4BA9-89CC-608830E041CF}" type="slidenum">
+              <a:rPr lang="en-US" smtClean="0"/>
               <a:t>15</a:t>
             </a:fld>
             <a:endParaRPr lang="en-US"/>
@@ -1487,7 +1695,7 @@
 </p:notes>
 </file>
 
-<file path=ppt/notesSlides/notesSlide7.xml><?xml version="1.0" encoding="utf-8"?>
+<file path=ppt/notesSlides/notesSlide8.xml><?xml version="1.0" encoding="utf-8"?>
 <p:notes xmlns:a="http://schemas.openxmlformats.org/drawingml/2006/main" xmlns:r="http://schemas.openxmlformats.org/officeDocument/2006/relationships" xmlns:p="http://schemas.openxmlformats.org/presentationml/2006/main">
   <p:cSld>
     <p:spTree>
@@ -1634,104 +1842,6 @@
 </p:notes>
 </file>
 
-<file path=ppt/notesSlides/notesSlide8.xml><?xml version="1.0" encoding="utf-8"?>
-<p:notes xmlns:a="http://schemas.openxmlformats.org/drawingml/2006/main" xmlns:r="http://schemas.openxmlformats.org/officeDocument/2006/relationships" xmlns:p="http://schemas.openxmlformats.org/presentationml/2006/main">
-  <p:cSld>
-    <p:spTree>
-      <p:nvGrpSpPr>
-        <p:cNvPr id="1" name=""/>
-        <p:cNvGrpSpPr/>
-        <p:nvPr/>
-      </p:nvGrpSpPr>
-      <p:grpSpPr>
-        <a:xfrm>
-          <a:off x="0" y="0"/>
-          <a:ext cx="0" cy="0"/>
-          <a:chOff x="0" y="0"/>
-          <a:chExt cx="0" cy="0"/>
-        </a:xfrm>
-      </p:grpSpPr>
-      <p:sp>
-        <p:nvSpPr>
-          <p:cNvPr id="2" name="投影片圖像版面配置區 1"/>
-          <p:cNvSpPr>
-            <a:spLocks noGrp="1" noRot="1" noChangeAspect="1"/>
-          </p:cNvSpPr>
-          <p:nvPr>
-            <p:ph type="sldImg"/>
-          </p:nvPr>
-        </p:nvSpPr>
-        <p:spPr/>
-      </p:sp>
-      <p:sp>
-        <p:nvSpPr>
-          <p:cNvPr id="3" name="備忘稿版面配置區 2"/>
-          <p:cNvSpPr>
-            <a:spLocks noGrp="1"/>
-          </p:cNvSpPr>
-          <p:nvPr>
-            <p:ph type="body" idx="1"/>
-          </p:nvPr>
-        </p:nvSpPr>
-        <p:spPr/>
-        <p:txBody>
-          <a:bodyPr/>
-          <a:lstStyle/>
-          <a:p>
-            <a:r>
-              <a:rPr lang="en-HK" dirty="0" smtClean="0"/>
-              <a:t>By VUV irradiations, all of our results</a:t>
-            </a:r>
-            <a:r>
-              <a:rPr lang="en-HK" baseline="0" dirty="0" smtClean="0"/>
-              <a:t> belongs to a one step mechanism because all of our fitting k2&gt;1 </a:t>
-            </a:r>
-          </a:p>
-          <a:p>
-            <a:r>
-              <a:rPr lang="en-HK" baseline="0" dirty="0" smtClean="0"/>
-              <a:t>This is similar to Kaiser’s one step mechanism. </a:t>
-            </a:r>
-            <a:endParaRPr lang="en-US" dirty="0"/>
-          </a:p>
-        </p:txBody>
-      </p:sp>
-      <p:sp>
-        <p:nvSpPr>
-          <p:cNvPr id="4" name="投影片編號版面配置區 3"/>
-          <p:cNvSpPr>
-            <a:spLocks noGrp="1"/>
-          </p:cNvSpPr>
-          <p:nvPr>
-            <p:ph type="sldNum" sz="quarter" idx="10"/>
-          </p:nvPr>
-        </p:nvSpPr>
-        <p:spPr/>
-        <p:txBody>
-          <a:bodyPr/>
-          <a:lstStyle/>
-          <a:p>
-            <a:fld id="{874434F2-FA75-4BA9-89CC-608830E041CF}" type="slidenum">
-              <a:rPr lang="en-US" smtClean="0"/>
-              <a:t>18</a:t>
-            </a:fld>
-            <a:endParaRPr lang="en-US"/>
-          </a:p>
-        </p:txBody>
-      </p:sp>
-    </p:spTree>
-    <p:extLst>
-      <p:ext uri="{BB962C8B-B14F-4D97-AF65-F5344CB8AC3E}">
-        <p14:creationId xmlns:p14="http://schemas.microsoft.com/office/powerpoint/2010/main" val="51012674"/>
-      </p:ext>
-    </p:extLst>
-  </p:cSld>
-  <p:clrMapOvr>
-    <a:masterClrMapping/>
-  </p:clrMapOvr>
-</p:notes>
-</file>
-
 <file path=ppt/notesSlides/notesSlide9.xml><?xml version="1.0" encoding="utf-8"?>
 <p:notes xmlns:a="http://schemas.openxmlformats.org/drawingml/2006/main" xmlns:r="http://schemas.openxmlformats.org/officeDocument/2006/relationships" xmlns:p="http://schemas.openxmlformats.org/presentationml/2006/main">
   <p:cSld>
@@ -1776,34 +1886,20 @@
           <a:bodyPr/>
           <a:lstStyle/>
           <a:p>
-            <a:pPr marL="0" marR="0" indent="0" algn="l" defTabSz="914400" rtl="0" eaLnBrk="1" fontAlgn="auto" latinLnBrk="0" hangingPunct="1">
-              <a:lnSpc>
-                <a:spcPct val="100000"/>
-              </a:lnSpc>
-              <a:spcBef>
-                <a:spcPts val="0"/>
-              </a:spcBef>
-              <a:spcAft>
-                <a:spcPts val="0"/>
-              </a:spcAft>
-              <a:buClrTx/>
-              <a:buSzTx/>
-              <a:buFontTx/>
-              <a:buNone/>
-              <a:tabLst/>
-              <a:defRPr/>
-            </a:pPr>
             <a:r>
               <a:rPr lang="en-HK" dirty="0" smtClean="0"/>
               <a:t>By VUV irradiations, all of our results</a:t>
             </a:r>
             <a:r>
               <a:rPr lang="en-HK" baseline="0" dirty="0" smtClean="0"/>
-              <a:t> belongs to a one step mechanism because all of our fitting has a k2&gt;1</a:t>
-            </a:r>
-            <a:endParaRPr lang="en-US" dirty="0" smtClean="0"/>
-          </a:p>
-          <a:p>
+              <a:t> belongs to a one step mechanism because all of our fitting k2&gt;1 </a:t>
+            </a:r>
+          </a:p>
+          <a:p>
+            <a:r>
+              <a:rPr lang="en-HK" baseline="0" dirty="0" smtClean="0"/>
+              <a:t>This is similar to Kaiser’s one step mechanism. </a:t>
+            </a:r>
             <a:endParaRPr lang="en-US" dirty="0"/>
           </a:p>
         </p:txBody>
@@ -1825,7 +1921,7 @@
           <a:p>
             <a:fld id="{874434F2-FA75-4BA9-89CC-608830E041CF}" type="slidenum">
               <a:rPr lang="en-US" smtClean="0"/>
-              <a:t>19</a:t>
+              <a:t>18</a:t>
             </a:fld>
             <a:endParaRPr lang="en-US"/>
           </a:p>
@@ -1834,7 +1930,7 @@
     </p:spTree>
     <p:extLst>
       <p:ext uri="{BB962C8B-B14F-4D97-AF65-F5344CB8AC3E}">
-        <p14:creationId xmlns:p14="http://schemas.microsoft.com/office/powerpoint/2010/main" val="779149219"/>
+        <p14:creationId xmlns:p14="http://schemas.microsoft.com/office/powerpoint/2010/main" val="51012674"/>
       </p:ext>
     </p:extLst>
   </p:cSld>
@@ -5812,15 +5908,51 @@
             </a:r>
             <a:r>
               <a:rPr lang="en-HK" altLang="zh-TW" sz="2400" dirty="0" smtClean="0"/>
-              <a:t>) and </a:t>
-            </a:r>
+              <a:t>) </a:t>
+            </a:r>
+            <a:r>
+              <a:rPr lang="en-HK" altLang="zh-TW" sz="2400" dirty="0" smtClean="0"/>
+              <a:t>(5 </a:t>
+            </a:r>
+            <a:r>
+              <a:rPr lang="en-HK" altLang="zh-TW" sz="2400" dirty="0" err="1" smtClean="0"/>
+              <a:t>keV</a:t>
+            </a:r>
+            <a:r>
+              <a:rPr lang="en-HK" altLang="zh-TW" sz="2400" dirty="0" smtClean="0"/>
+              <a:t> e</a:t>
+            </a:r>
+            <a:r>
+              <a:rPr lang="en-HK" altLang="zh-TW" sz="2400" baseline="30000" dirty="0" smtClean="0"/>
+              <a:t>-</a:t>
+            </a:r>
+            <a:r>
+              <a:rPr lang="en-HK" altLang="zh-TW" sz="2400" dirty="0" smtClean="0"/>
+              <a:t>)</a:t>
+            </a:r>
+            <a:endParaRPr lang="en-HK" altLang="zh-TW" sz="2400" dirty="0" smtClean="0"/>
+          </a:p>
+          <a:p>
+            <a:pPr lvl="1"/>
             <a:r>
               <a:rPr lang="en-HK" altLang="zh-TW" sz="2400" dirty="0" err="1" smtClean="0"/>
               <a:t>Kundy</a:t>
             </a:r>
             <a:r>
               <a:rPr lang="en-HK" altLang="zh-TW" sz="2400" dirty="0" smtClean="0"/>
-              <a:t> et al. (2017) (</a:t>
+              <a:t> </a:t>
+            </a:r>
+            <a:r>
+              <a:rPr lang="en-HK" altLang="zh-TW" sz="2400" dirty="0" smtClean="0"/>
+              <a:t>et al</a:t>
+            </a:r>
+            <a:r>
+              <a:rPr lang="en-HK" altLang="zh-TW" sz="2400" dirty="0" smtClean="0"/>
+              <a:t>. </a:t>
+            </a:r>
+            <a:r>
+              <a:rPr lang="en-HK" altLang="zh-TW" sz="2400" dirty="0" smtClean="0"/>
+              <a:t>(</a:t>
             </a:r>
             <a:r>
               <a:rPr lang="en-HK" sz="2400" dirty="0" smtClean="0"/>
@@ -5852,14 +5984,75 @@
             </a:r>
             <a:r>
               <a:rPr lang="en-HK" altLang="zh-TW" sz="2400" dirty="0" smtClean="0"/>
-              <a:t>) </a:t>
-            </a:r>
+              <a:t>)  (1-90 eV e</a:t>
+            </a:r>
+            <a:r>
+              <a:rPr lang="en-HK" altLang="zh-TW" sz="2400" baseline="30000" dirty="0" smtClean="0"/>
+              <a:t>-</a:t>
+            </a:r>
+            <a:r>
+              <a:rPr lang="en-HK" altLang="zh-TW" sz="2400" dirty="0" smtClean="0"/>
+              <a:t>)</a:t>
+            </a:r>
+            <a:endParaRPr lang="en-HK" altLang="zh-TW" sz="2400" dirty="0" smtClean="0"/>
           </a:p>
           <a:p>
             <a:pPr lvl="1"/>
             <a:r>
               <a:rPr lang="en-HK" sz="2400" dirty="0" smtClean="0"/>
-              <a:t>We perform experiment of </a:t>
+              <a:t>We perform </a:t>
+            </a:r>
+            <a:r>
+              <a:rPr lang="en-HK" sz="2400" dirty="0"/>
+              <a:t>(</a:t>
+            </a:r>
+            <a:r>
+              <a:rPr lang="en-HK" sz="2400" dirty="0" smtClean="0">
+                <a:solidFill>
+                  <a:schemeClr val="tx1"/>
+                </a:solidFill>
+              </a:rPr>
+              <a:t>CH</a:t>
+            </a:r>
+            <a:r>
+              <a:rPr lang="en-HK" sz="2400" baseline="-25000" dirty="0" smtClean="0">
+                <a:solidFill>
+                  <a:schemeClr val="tx1"/>
+                </a:solidFill>
+              </a:rPr>
+              <a:t>4</a:t>
+            </a:r>
+            <a:r>
+              <a:rPr lang="en-HK" sz="2400" dirty="0" smtClean="0">
+                <a:solidFill>
+                  <a:schemeClr val="tx1"/>
+                </a:solidFill>
+              </a:rPr>
+              <a:t>:</a:t>
+            </a:r>
+            <a:r>
+              <a:rPr lang="en-HK" sz="2400" dirty="0" smtClean="0">
+                <a:solidFill>
+                  <a:schemeClr val="tx1"/>
+                </a:solidFill>
+              </a:rPr>
+              <a:t>NH</a:t>
+            </a:r>
+            <a:r>
+              <a:rPr lang="en-HK" sz="2400" baseline="-25000" dirty="0" smtClean="0">
+                <a:solidFill>
+                  <a:schemeClr val="tx1"/>
+                </a:solidFill>
+              </a:rPr>
+              <a:t>3</a:t>
+            </a:r>
+            <a:r>
+              <a:rPr lang="en-HK" sz="2400" dirty="0" smtClean="0">
+                <a:solidFill>
+                  <a:schemeClr val="tx1"/>
+                </a:solidFill>
+              </a:rPr>
+              <a:t> </a:t>
             </a:r>
             <a:r>
               <a:rPr lang="en-HK" sz="2400" dirty="0" smtClean="0">
@@ -5867,62 +6060,23 @@
                   <a:srgbClr val="0070C0"/>
                 </a:solidFill>
               </a:rPr>
-              <a:t>CH</a:t>
-            </a:r>
-            <a:r>
-              <a:rPr lang="en-HK" sz="2400" baseline="-25000" dirty="0" smtClean="0">
+              <a:t>3:2</a:t>
+            </a:r>
+            <a:r>
+              <a:rPr lang="en-HK" sz="2400" dirty="0" smtClean="0">
+                <a:solidFill>
+                  <a:schemeClr val="tx1"/>
+                </a:solidFill>
+              </a:rPr>
+              <a:t>)</a:t>
+            </a:r>
+            <a:r>
+              <a:rPr lang="en-HK" sz="2400" dirty="0">
                 <a:solidFill>
                   <a:srgbClr val="0070C0"/>
                 </a:solidFill>
               </a:rPr>
-              <a:t>4</a:t>
-            </a:r>
-            <a:r>
-              <a:rPr lang="en-HK" sz="2400" dirty="0" smtClean="0">
-                <a:solidFill>
-                  <a:srgbClr val="0070C0"/>
-                </a:solidFill>
-              </a:rPr>
-              <a:t>+NH</a:t>
-            </a:r>
-            <a:r>
-              <a:rPr lang="en-HK" sz="2400" baseline="-25000" dirty="0" smtClean="0">
-                <a:solidFill>
-                  <a:srgbClr val="0070C0"/>
-                </a:solidFill>
-              </a:rPr>
-              <a:t>3</a:t>
-            </a:r>
-            <a:r>
-              <a:rPr lang="en-HK" sz="2400" dirty="0" smtClean="0">
-                <a:solidFill>
-                  <a:srgbClr val="0070C0"/>
-                </a:solidFill>
-              </a:rPr>
-              <a:t> = 3:2 </a:t>
-            </a:r>
-          </a:p>
-          <a:p>
-            <a:pPr lvl="1"/>
-            <a:r>
-              <a:rPr lang="en-HK" sz="2400" dirty="0" smtClean="0"/>
-              <a:t>Use different </a:t>
-            </a:r>
-            <a:r>
-              <a:rPr lang="en-HK" sz="2400" dirty="0" smtClean="0">
-                <a:solidFill>
-                  <a:srgbClr val="0070C0"/>
-                </a:solidFill>
-              </a:rPr>
-              <a:t>photon</a:t>
-            </a:r>
-            <a:r>
-              <a:rPr lang="en-HK" sz="2400" dirty="0" smtClean="0"/>
-              <a:t> sources: VUV and </a:t>
-            </a:r>
-            <a:r>
-              <a:rPr lang="en-HK" sz="2400" dirty="0"/>
-              <a:t>EUV </a:t>
+              <a:t> </a:t>
             </a:r>
             <a:endParaRPr lang="en-HK" sz="2400" dirty="0" smtClean="0">
               <a:solidFill>
@@ -5931,24 +6085,51 @@
             </a:endParaRPr>
           </a:p>
           <a:p>
-            <a:r>
-              <a:rPr lang="en-HK" sz="2400" dirty="0" smtClean="0"/>
-              <a:t>2. To simulate the </a:t>
-            </a:r>
+            <a:pPr marL="397764" lvl="1" indent="0">
+              <a:buNone/>
+            </a:pPr>
             <a:r>
               <a:rPr lang="en-HK" sz="2400" dirty="0" smtClean="0">
                 <a:solidFill>
                   <a:srgbClr val="0070C0"/>
                 </a:solidFill>
               </a:rPr>
-              <a:t>surface of Charon</a:t>
-            </a:r>
-          </a:p>
-          <a:p>
-            <a:pPr lvl="1"/>
+              <a:t>photon</a:t>
+            </a:r>
             <a:r>
               <a:rPr lang="en-HK" sz="2400" dirty="0" smtClean="0"/>
-              <a:t>Different relative proportion of </a:t>
+              <a:t> </a:t>
+            </a:r>
+            <a:r>
+              <a:rPr lang="en-HK" sz="2400" dirty="0" smtClean="0"/>
+              <a:t>sources: </a:t>
+            </a:r>
+            <a:r>
+              <a:rPr lang="en-HK" sz="2400" dirty="0" smtClean="0"/>
+              <a:t>VUV (9.27 eV) </a:t>
+            </a:r>
+            <a:r>
+              <a:rPr lang="en-HK" sz="2400" dirty="0" smtClean="0"/>
+              <a:t>and </a:t>
+            </a:r>
+            <a:r>
+              <a:rPr lang="en-HK" sz="2400" dirty="0"/>
+              <a:t>EUV </a:t>
+            </a:r>
+            <a:r>
+              <a:rPr lang="en-HK" sz="2400" dirty="0" smtClean="0"/>
+              <a:t>(40.8 eV)</a:t>
+            </a:r>
+            <a:endParaRPr lang="en-HK" sz="2400" dirty="0" smtClean="0">
+              <a:solidFill>
+                <a:srgbClr val="0070C0"/>
+              </a:solidFill>
+            </a:endParaRPr>
+          </a:p>
+          <a:p>
+            <a:r>
+              <a:rPr lang="en-HK" sz="2400" dirty="0" smtClean="0"/>
+              <a:t>2. To simulate the </a:t>
             </a:r>
             <a:r>
               <a:rPr lang="en-HK" sz="2400" dirty="0" smtClean="0">
@@ -5956,6 +6137,27 @@
                   <a:srgbClr val="0070C0"/>
                 </a:solidFill>
               </a:rPr>
+              <a:t>surface of Charon</a:t>
+            </a:r>
+          </a:p>
+          <a:p>
+            <a:pPr lvl="1"/>
+            <a:r>
+              <a:rPr lang="en-HK" sz="2400" dirty="0" smtClean="0"/>
+              <a:t>Different relative proportion of </a:t>
+            </a:r>
+            <a:endParaRPr lang="en-HK" sz="2400" dirty="0" smtClean="0"/>
+          </a:p>
+          <a:p>
+            <a:pPr marL="397764" lvl="1" indent="0">
+              <a:buNone/>
+            </a:pPr>
+            <a:r>
+              <a:rPr lang="en-HK" sz="2400" dirty="0" smtClean="0">
+                <a:solidFill>
+                  <a:srgbClr val="0070C0"/>
+                </a:solidFill>
+              </a:rPr>
               <a:t>CH</a:t>
             </a:r>
             <a:r>
@@ -5967,20 +6169,12 @@
               <a:t>4</a:t>
             </a:r>
             <a:r>
-              <a:rPr lang="en-HK" sz="2400" dirty="0">
-                <a:solidFill>
-                  <a:srgbClr val="0070C0"/>
-                </a:solidFill>
-              </a:rPr>
-              <a:t>:</a:t>
-            </a:r>
-            <a:r>
               <a:rPr lang="en-HK" sz="2400" dirty="0" smtClean="0">
                 <a:solidFill>
                   <a:srgbClr val="0070C0"/>
                 </a:solidFill>
               </a:rPr>
-              <a:t>NH</a:t>
+              <a:t>:NH</a:t>
             </a:r>
             <a:r>
               <a:rPr lang="en-HK" sz="2400" baseline="-25000" dirty="0" smtClean="0">
@@ -5996,7 +6190,15 @@
                   <a:srgbClr val="0070C0"/>
                 </a:solidFill>
               </a:rPr>
-              <a:t> =1:5, 1:10, 1:20</a:t>
+              <a:t> 1:5</a:t>
+            </a:r>
+            <a:r>
+              <a:rPr lang="en-HK" sz="2400" dirty="0" smtClean="0">
+                <a:solidFill>
+                  <a:srgbClr val="0070C0"/>
+                </a:solidFill>
+              </a:rPr>
+              <a:t>, 1:10, 1:20</a:t>
             </a:r>
           </a:p>
         </p:txBody>
@@ -6211,14 +6413,14 @@
             <p:ph idx="1"/>
             <p:extLst>
               <p:ext uri="{D42A27DB-BD31-4B8C-83A1-F6EECF244321}">
-                <p14:modId xmlns:p14="http://schemas.microsoft.com/office/powerpoint/2010/main" val="2994696995"/>
+                <p14:modId xmlns:p14="http://schemas.microsoft.com/office/powerpoint/2010/main" val="1979973024"/>
               </p:ext>
             </p:extLst>
           </p:nvPr>
         </p:nvGraphicFramePr>
         <p:xfrm>
-          <a:off x="755576" y="1414252"/>
-          <a:ext cx="7998731" cy="3797385"/>
+          <a:off x="755576" y="1414253"/>
+          <a:ext cx="7998731" cy="3309450"/>
         </p:xfrm>
         <a:graphic>
           <a:graphicData uri="http://schemas.openxmlformats.org/drawingml/2006/table">
@@ -6270,7 +6472,7 @@
                   </a:extLst>
                 </a:gridCol>
               </a:tblGrid>
-              <a:tr h="619269">
+              <a:tr h="635035">
                 <a:tc rowSpan="2">
                   <a:txBody>
                     <a:bodyPr/>
@@ -6484,7 +6686,7 @@
                   </a:ext>
                 </a:extLst>
               </a:tr>
-              <a:tr h="619269">
+              <a:tr h="521682">
                 <a:tc vMerge="1">
                   <a:txBody>
                     <a:bodyPr/>
@@ -6604,7 +6806,7 @@
                   </a:ext>
                 </a:extLst>
               </a:tr>
-              <a:tr h="619269">
+              <a:tr h="521682">
                 <a:tc rowSpan="2">
                   <a:txBody>
                     <a:bodyPr/>
@@ -6660,7 +6862,7 @@
                       <a:r>
                         <a:rPr lang="en-HK" sz="2000" dirty="0" smtClean="0">
                           <a:solidFill>
-                            <a:srgbClr val="0070C0"/>
+                            <a:schemeClr val="tx1"/>
                           </a:solidFill>
                         </a:rPr>
                         <a:t>900</a:t>
@@ -6678,14 +6880,14 @@
                       <a:r>
                         <a:rPr lang="en-HK" sz="2000" dirty="0" smtClean="0">
                           <a:solidFill>
-                            <a:srgbClr val="0070C0"/>
+                            <a:schemeClr val="tx1"/>
                           </a:solidFill>
                         </a:rPr>
                         <a:t>120</a:t>
                       </a:r>
                       <a:endParaRPr lang="en-US" sz="2000" dirty="0">
                         <a:solidFill>
-                          <a:srgbClr val="0070C0"/>
+                          <a:schemeClr val="tx1"/>
                         </a:solidFill>
                       </a:endParaRPr>
                     </a:p>
@@ -6728,7 +6930,7 @@
                   </a:ext>
                 </a:extLst>
               </a:tr>
-              <a:tr h="619269">
+              <a:tr h="521682">
                 <a:tc vMerge="1">
                   <a:txBody>
                     <a:bodyPr/>
@@ -6811,10 +7013,18 @@
                     <a:p>
                       <a:pPr algn="ctr"/>
                       <a:r>
-                        <a:rPr lang="en-HK" sz="2000" dirty="0" smtClean="0"/>
+                        <a:rPr lang="en-HK" sz="2000" dirty="0" smtClean="0">
+                          <a:solidFill>
+                            <a:srgbClr val="0070C0"/>
+                          </a:solidFill>
+                        </a:rPr>
                         <a:t>600</a:t>
                       </a:r>
-                      <a:endParaRPr lang="en-US" sz="2000" dirty="0"/>
+                      <a:endParaRPr lang="en-US" sz="2000" dirty="0">
+                        <a:solidFill>
+                          <a:srgbClr val="0070C0"/>
+                        </a:solidFill>
+                      </a:endParaRPr>
                     </a:p>
                   </a:txBody>
                   <a:tcPr anchor="ctr"/>
@@ -6826,10 +7036,18 @@
                     <a:p>
                       <a:pPr algn="ctr"/>
                       <a:r>
-                        <a:rPr lang="en-HK" sz="2000" dirty="0" smtClean="0"/>
+                        <a:rPr lang="en-HK" sz="2000" dirty="0" smtClean="0">
+                          <a:solidFill>
+                            <a:srgbClr val="0070C0"/>
+                          </a:solidFill>
+                        </a:rPr>
                         <a:t>600</a:t>
                       </a:r>
-                      <a:endParaRPr lang="en-US" sz="2000" dirty="0"/>
+                      <a:endParaRPr lang="en-US" sz="2000" dirty="0">
+                        <a:solidFill>
+                          <a:srgbClr val="0070C0"/>
+                        </a:solidFill>
+                      </a:endParaRPr>
                     </a:p>
                   </a:txBody>
                   <a:tcPr anchor="ctr"/>
@@ -6840,7 +7058,7 @@
                   </a:ext>
                 </a:extLst>
               </a:tr>
-              <a:tr h="619269">
+              <a:tr h="521682">
                 <a:tc rowSpan="2">
                   <a:txBody>
                     <a:bodyPr/>
@@ -6907,7 +7125,7 @@
                       <a:r>
                         <a:rPr lang="en-HK" sz="2000" dirty="0" smtClean="0">
                           <a:solidFill>
-                            <a:srgbClr val="0070C0"/>
+                            <a:schemeClr val="tx1"/>
                           </a:solidFill>
                         </a:rPr>
                         <a:t>900</a:t>
@@ -6925,14 +7143,14 @@
                       <a:r>
                         <a:rPr lang="en-HK" sz="2000" dirty="0" smtClean="0">
                           <a:solidFill>
-                            <a:srgbClr val="0070C0"/>
+                            <a:schemeClr val="tx1"/>
                           </a:solidFill>
                         </a:rPr>
                         <a:t>120</a:t>
                       </a:r>
                       <a:endParaRPr lang="en-US" sz="2000" dirty="0">
                         <a:solidFill>
-                          <a:srgbClr val="0070C0"/>
+                          <a:schemeClr val="tx1"/>
                         </a:solidFill>
                       </a:endParaRPr>
                     </a:p>
@@ -6975,7 +7193,7 @@
                   </a:ext>
                 </a:extLst>
               </a:tr>
-              <a:tr h="619269">
+              <a:tr h="521682">
                 <a:tc vMerge="1">
                   <a:txBody>
                     <a:bodyPr/>
@@ -7111,6 +7329,60 @@
               <a:t>12</a:t>
             </a:fld>
             <a:endParaRPr lang="zh-TW" altLang="en-US" sz="2000" dirty="0"/>
+          </a:p>
+        </p:txBody>
+      </p:sp>
+      <p:sp>
+        <p:nvSpPr>
+          <p:cNvPr id="3" name="文字方塊 2"/>
+          <p:cNvSpPr txBox="1"/>
+          <p:nvPr/>
+        </p:nvSpPr>
+        <p:spPr>
+          <a:xfrm>
+            <a:off x="539552" y="4837533"/>
+            <a:ext cx="8712968" cy="707886"/>
+          </a:xfrm>
+          <a:prstGeom prst="rect">
+            <a:avLst/>
+          </a:prstGeom>
+          <a:noFill/>
+        </p:spPr>
+        <p:txBody>
+          <a:bodyPr wrap="square" rtlCol="0">
+            <a:spAutoFit/>
+          </a:bodyPr>
+          <a:lstStyle/>
+          <a:p>
+            <a:r>
+              <a:rPr lang="en-HK" sz="2000" dirty="0" smtClean="0"/>
+              <a:t>Different initial amount of CH</a:t>
+            </a:r>
+            <a:r>
+              <a:rPr lang="en-HK" sz="2000" baseline="-25000" dirty="0" smtClean="0"/>
+              <a:t>4</a:t>
+            </a:r>
+            <a:r>
+              <a:rPr lang="en-HK" sz="2000" dirty="0" smtClean="0"/>
+              <a:t> correspond to different ratio of CH</a:t>
+            </a:r>
+            <a:r>
+              <a:rPr lang="en-HK" sz="2000" baseline="-25000" dirty="0" smtClean="0"/>
+              <a:t>4</a:t>
+            </a:r>
+            <a:r>
+              <a:rPr lang="en-HK" sz="2000" dirty="0" smtClean="0"/>
+              <a:t>:NH</a:t>
+            </a:r>
+            <a:r>
+              <a:rPr lang="en-HK" sz="2000" baseline="-25000" dirty="0" smtClean="0"/>
+              <a:t>3</a:t>
+            </a:r>
+            <a:r>
+              <a:rPr lang="en-HK" sz="2000" dirty="0" smtClean="0"/>
+              <a:t> ice mixtures</a:t>
+            </a:r>
+            <a:endParaRPr lang="en-US" sz="2000" dirty="0"/>
           </a:p>
         </p:txBody>
       </p:sp>
@@ -10827,7 +11099,7 @@
           <a:graphicData uri="http://schemas.openxmlformats.org/presentationml/2006/ole">
             <mc:AlternateContent xmlns:mc="http://schemas.openxmlformats.org/markup-compatibility/2006">
               <mc:Choice xmlns:v="urn:schemas-microsoft-com:vml" Requires="v">
-                <p:oleObj spid="_x0000_s11547" name="Graph" r:id="rId5" imgW="4754880" imgH="6583680" progId="Origin50.Graph">
+                <p:oleObj spid="_x0000_s11661" name="Graph" r:id="rId5" imgW="4754880" imgH="6583680" progId="Origin50.Graph">
                   <p:embed/>
                 </p:oleObj>
               </mc:Choice>
@@ -11014,7 +11286,7 @@
           <a:graphicData uri="http://schemas.openxmlformats.org/presentationml/2006/ole">
             <mc:AlternateContent xmlns:mc="http://schemas.openxmlformats.org/markup-compatibility/2006">
               <mc:Choice xmlns:v="urn:schemas-microsoft-com:vml" Requires="v">
-                <p:oleObj spid="_x0000_s10598" name="Graph" r:id="rId5" imgW="4754880" imgH="3108960" progId="Origin50.Graph">
+                <p:oleObj spid="_x0000_s10712" name="Graph" r:id="rId5" imgW="4754880" imgH="3108960" progId="Origin50.Graph">
                   <p:embed/>
                 </p:oleObj>
               </mc:Choice>
@@ -11295,8 +11567,8 @@
           </a:prstGeom>
         </p:spPr>
       </p:pic>
-      <mc:AlternateContent xmlns:mc="http://schemas.openxmlformats.org/markup-compatibility/2006" xmlns:a14="http://schemas.microsoft.com/office/drawing/2010/main">
-        <mc:Choice Requires="a14">
+      <mc:AlternateContent xmlns:mc="http://schemas.openxmlformats.org/markup-compatibility/2006">
+        <mc:Choice xmlns:a14="http://schemas.microsoft.com/office/drawing/2010/main" Requires="a14">
           <p:sp>
             <p:nvSpPr>
               <p:cNvPr id="11" name="內容版面配置區 2"/>
@@ -11308,7 +11580,7 @@
             <p:spPr>
               <a:xfrm>
                 <a:off x="899592" y="1239472"/>
-                <a:ext cx="3615308" cy="3071977"/>
+                <a:ext cx="5760640" cy="3071977"/>
               </a:xfrm>
               <a:prstGeom prst="rect">
                 <a:avLst/>
@@ -11517,7 +11789,7 @@
                         <m:begChr m:val="["/>
                         <m:endChr m:val="]"/>
                         <m:ctrlPr>
-                          <a:rPr lang="en-US" i="1">
+                          <a:rPr lang="en-US" sz="1800" i="1">
                             <a:latin typeface="Cambria Math" panose="02040503050406030204" pitchFamily="18" charset="0"/>
                           </a:rPr>
                         </m:ctrlPr>
@@ -11526,20 +11798,20 @@
                         <m:sSup>
                           <m:sSupPr>
                             <m:ctrlPr>
-                              <a:rPr lang="en-US" i="1" smtClean="0">
+                              <a:rPr lang="en-US" sz="1800" i="1" smtClean="0">
                                 <a:latin typeface="Cambria Math" panose="02040503050406030204" pitchFamily="18" charset="0"/>
                               </a:rPr>
                             </m:ctrlPr>
                           </m:sSupPr>
                           <m:e>
                             <m:r>
-                              <a:rPr lang="en-US" i="1">
+                              <a:rPr lang="en-US" sz="1800" i="1">
                                 <a:latin typeface="Cambria Math" panose="02040503050406030204" pitchFamily="18" charset="0"/>
                               </a:rPr>
                               <m:t>𝐶</m:t>
                             </m:r>
                             <m:r>
-                              <a:rPr lang="en-HK" i="1">
+                              <a:rPr lang="en-HK" sz="1800" i="1">
                                 <a:latin typeface="Cambria Math" panose="02040503050406030204" pitchFamily="18" charset="0"/>
                               </a:rPr>
                               <m:t>𝑁</m:t>
@@ -11547,7 +11819,7 @@
                           </m:e>
                           <m:sup>
                             <m:r>
-                              <a:rPr lang="en-HK" i="1" smtClean="0">
+                              <a:rPr lang="en-HK" sz="1800" i="1" smtClean="0">
                                 <a:latin typeface="Cambria Math" panose="02040503050406030204" pitchFamily="18" charset="0"/>
                               </a:rPr>
                               <m:t>−</m:t>
@@ -11557,7 +11829,7 @@
                       </m:e>
                     </m:d>
                     <m:r>
-                      <a:rPr lang="en-US" i="1">
+                      <a:rPr lang="en-US" sz="1800" i="1">
                         <a:latin typeface="Cambria Math" panose="02040503050406030204" pitchFamily="18" charset="0"/>
                       </a:rPr>
                       <m:t>=</m:t>
@@ -11565,14 +11837,14 @@
                     <m:d>
                       <m:dPr>
                         <m:ctrlPr>
-                          <a:rPr lang="en-US" i="1">
+                          <a:rPr lang="en-US" sz="1800" i="1">
                             <a:latin typeface="Cambria Math" panose="02040503050406030204" pitchFamily="18" charset="0"/>
                           </a:rPr>
                         </m:ctrlPr>
                       </m:dPr>
                       <m:e>
                         <m:r>
-                          <a:rPr lang="en-US" i="1">
+                          <a:rPr lang="en-US" sz="1800" i="1">
                             <a:latin typeface="Cambria Math" panose="02040503050406030204" pitchFamily="18" charset="0"/>
                           </a:rPr>
                           <m:t>1+</m:t>
@@ -11580,7 +11852,7 @@
                         <m:f>
                           <m:fPr>
                             <m:ctrlPr>
-                              <a:rPr lang="en-US" i="1">
+                              <a:rPr lang="en-US" sz="1800" i="1">
                                 <a:latin typeface="Cambria Math" panose="02040503050406030204" pitchFamily="18" charset="0"/>
                               </a:rPr>
                             </m:ctrlPr>
@@ -11589,7 +11861,7 @@
                             <m:sSup>
                               <m:sSupPr>
                                 <m:ctrlPr>
-                                  <a:rPr lang="en-US" i="1">
+                                  <a:rPr lang="en-US" sz="1800" i="1">
                                     <a:latin typeface="Cambria Math" panose="02040503050406030204" pitchFamily="18" charset="0"/>
                                   </a:rPr>
                                 </m:ctrlPr>
@@ -11598,14 +11870,14 @@
                                 <m:sSub>
                                   <m:sSubPr>
                                     <m:ctrlPr>
-                                      <a:rPr lang="en-US" i="1">
+                                      <a:rPr lang="en-US" sz="1800" i="1">
                                         <a:latin typeface="Cambria Math" panose="02040503050406030204" pitchFamily="18" charset="0"/>
                                       </a:rPr>
                                     </m:ctrlPr>
                                   </m:sSubPr>
                                   <m:e>
                                     <m:r>
-                                      <a:rPr lang="en-US" i="1">
+                                      <a:rPr lang="en-US" sz="1800" i="1">
                                         <a:latin typeface="Cambria Math" panose="02040503050406030204" pitchFamily="18" charset="0"/>
                                       </a:rPr>
                                       <m:t>𝑘</m:t>
@@ -11613,7 +11885,7 @@
                                   </m:e>
                                   <m:sub>
                                     <m:r>
-                                      <a:rPr lang="en-US" i="1">
+                                      <a:rPr lang="en-US" sz="1800" i="1">
                                         <a:latin typeface="Cambria Math" panose="02040503050406030204" pitchFamily="18" charset="0"/>
                                       </a:rPr>
                                       <m:t>1</m:t>
@@ -11621,7 +11893,7 @@
                                   </m:sub>
                                 </m:sSub>
                                 <m:r>
-                                  <a:rPr lang="en-US" i="1">
+                                  <a:rPr lang="en-US" sz="1800" i="1">
                                     <a:latin typeface="Cambria Math" panose="02040503050406030204" pitchFamily="18" charset="0"/>
                                   </a:rPr>
                                   <m:t>𝑒</m:t>
@@ -11629,7 +11901,7 @@
                               </m:e>
                               <m:sup>
                                 <m:r>
-                                  <a:rPr lang="en-US" i="1">
+                                  <a:rPr lang="en-US" sz="1800" i="1">
                                     <a:latin typeface="Cambria Math" panose="02040503050406030204" pitchFamily="18" charset="0"/>
                                   </a:rPr>
                                   <m:t>−</m:t>
@@ -11637,14 +11909,14 @@
                                 <m:sSub>
                                   <m:sSubPr>
                                     <m:ctrlPr>
-                                      <a:rPr lang="en-US" i="1">
+                                      <a:rPr lang="en-US" sz="1800" i="1">
                                         <a:latin typeface="Cambria Math" panose="02040503050406030204" pitchFamily="18" charset="0"/>
                                       </a:rPr>
                                     </m:ctrlPr>
                                   </m:sSubPr>
                                   <m:e>
                                     <m:r>
-                                      <a:rPr lang="en-US" i="1">
+                                      <a:rPr lang="en-US" sz="1800" i="1">
                                         <a:latin typeface="Cambria Math" panose="02040503050406030204" pitchFamily="18" charset="0"/>
                                       </a:rPr>
                                       <m:t>𝑘</m:t>
@@ -11652,7 +11924,7 @@
                                   </m:e>
                                   <m:sub>
                                     <m:r>
-                                      <a:rPr lang="en-US" i="1">
+                                      <a:rPr lang="en-US" sz="1800" i="1">
                                         <a:latin typeface="Cambria Math" panose="02040503050406030204" pitchFamily="18" charset="0"/>
                                       </a:rPr>
                                       <m:t>2</m:t>
@@ -11660,7 +11932,7 @@
                                   </m:sub>
                                 </m:sSub>
                                 <m:r>
-                                  <a:rPr lang="en-US" i="1">
+                                  <a:rPr lang="en-US" sz="1800" i="1">
                                     <a:latin typeface="Cambria Math" panose="02040503050406030204" pitchFamily="18" charset="0"/>
                                   </a:rPr>
                                   <m:t>𝑡</m:t>
@@ -11672,14 +11944,14 @@
                             <m:sSub>
                               <m:sSubPr>
                                 <m:ctrlPr>
-                                  <a:rPr lang="en-US" i="1">
+                                  <a:rPr lang="en-US" sz="1800" i="1">
                                     <a:latin typeface="Cambria Math" panose="02040503050406030204" pitchFamily="18" charset="0"/>
                                   </a:rPr>
                                 </m:ctrlPr>
                               </m:sSubPr>
                               <m:e>
                                 <m:r>
-                                  <a:rPr lang="en-US" i="1">
+                                  <a:rPr lang="en-US" sz="1800" i="1">
                                     <a:latin typeface="Cambria Math" panose="02040503050406030204" pitchFamily="18" charset="0"/>
                                   </a:rPr>
                                   <m:t>𝑘</m:t>
@@ -11687,7 +11959,7 @@
                               </m:e>
                               <m:sub>
                                 <m:r>
-                                  <a:rPr lang="en-US" i="1">
+                                  <a:rPr lang="en-US" sz="1800" i="1">
                                     <a:latin typeface="Cambria Math" panose="02040503050406030204" pitchFamily="18" charset="0"/>
                                   </a:rPr>
                                   <m:t>2</m:t>
@@ -11695,7 +11967,7 @@
                               </m:sub>
                             </m:sSub>
                             <m:r>
-                              <a:rPr lang="en-US" i="1">
+                              <a:rPr lang="en-US" sz="1800" i="1">
                                 <a:latin typeface="Cambria Math" panose="02040503050406030204" pitchFamily="18" charset="0"/>
                               </a:rPr>
                               <m:t>−</m:t>
@@ -11703,14 +11975,14 @@
                             <m:sSub>
                               <m:sSubPr>
                                 <m:ctrlPr>
-                                  <a:rPr lang="en-US" i="1">
+                                  <a:rPr lang="en-US" sz="1800" i="1">
                                     <a:latin typeface="Cambria Math" panose="02040503050406030204" pitchFamily="18" charset="0"/>
                                   </a:rPr>
                                 </m:ctrlPr>
                               </m:sSubPr>
                               <m:e>
                                 <m:r>
-                                  <a:rPr lang="en-US" i="1">
+                                  <a:rPr lang="en-US" sz="1800" i="1">
                                     <a:latin typeface="Cambria Math" panose="02040503050406030204" pitchFamily="18" charset="0"/>
                                   </a:rPr>
                                   <m:t>𝑘</m:t>
@@ -11718,7 +11990,7 @@
                               </m:e>
                               <m:sub>
                                 <m:r>
-                                  <a:rPr lang="en-US" i="1">
+                                  <a:rPr lang="en-US" sz="1800" i="1">
                                     <a:latin typeface="Cambria Math" panose="02040503050406030204" pitchFamily="18" charset="0"/>
                                   </a:rPr>
                                   <m:t>1</m:t>
@@ -11728,7 +12000,7 @@
                           </m:den>
                         </m:f>
                         <m:r>
-                          <a:rPr lang="en-HK" i="1" smtClean="0">
+                          <a:rPr lang="en-HK" sz="1800" i="1" smtClean="0">
                             <a:latin typeface="Cambria Math" panose="02040503050406030204" pitchFamily="18" charset="0"/>
                           </a:rPr>
                           <m:t>−</m:t>
@@ -11736,7 +12008,7 @@
                         <m:f>
                           <m:fPr>
                             <m:ctrlPr>
-                              <a:rPr lang="en-HK" i="1" smtClean="0">
+                              <a:rPr lang="en-HK" sz="1800" i="1" smtClean="0">
                                 <a:latin typeface="Cambria Math" panose="02040503050406030204" pitchFamily="18" charset="0"/>
                               </a:rPr>
                             </m:ctrlPr>
@@ -11745,7 +12017,7 @@
                             <m:sSup>
                               <m:sSupPr>
                                 <m:ctrlPr>
-                                  <a:rPr lang="en-US" i="1">
+                                  <a:rPr lang="en-US" sz="1800" i="1">
                                     <a:latin typeface="Cambria Math" panose="02040503050406030204" pitchFamily="18" charset="0"/>
                                   </a:rPr>
                                 </m:ctrlPr>
@@ -11754,14 +12026,14 @@
                                 <m:sSub>
                                   <m:sSubPr>
                                     <m:ctrlPr>
-                                      <a:rPr lang="en-US" i="1">
+                                      <a:rPr lang="en-US" sz="1800" i="1">
                                         <a:latin typeface="Cambria Math" panose="02040503050406030204" pitchFamily="18" charset="0"/>
                                       </a:rPr>
                                     </m:ctrlPr>
                                   </m:sSubPr>
                                   <m:e>
                                     <m:r>
-                                      <a:rPr lang="en-US" i="1">
+                                      <a:rPr lang="en-US" sz="1800" i="1">
                                         <a:latin typeface="Cambria Math" panose="02040503050406030204" pitchFamily="18" charset="0"/>
                                       </a:rPr>
                                       <m:t>𝑘</m:t>
@@ -11769,7 +12041,7 @@
                                   </m:e>
                                   <m:sub>
                                     <m:r>
-                                      <a:rPr lang="en-US" i="1">
+                                      <a:rPr lang="en-US" sz="1800" i="1">
                                         <a:latin typeface="Cambria Math" panose="02040503050406030204" pitchFamily="18" charset="0"/>
                                       </a:rPr>
                                       <m:t>2</m:t>
@@ -11777,7 +12049,7 @@
                                   </m:sub>
                                 </m:sSub>
                                 <m:r>
-                                  <a:rPr lang="en-US" i="1">
+                                  <a:rPr lang="en-US" sz="1800" i="1">
                                     <a:latin typeface="Cambria Math" panose="02040503050406030204" pitchFamily="18" charset="0"/>
                                   </a:rPr>
                                   <m:t>𝑒</m:t>
@@ -11785,7 +12057,7 @@
                               </m:e>
                               <m:sup>
                                 <m:r>
-                                  <a:rPr lang="en-US" i="1">
+                                  <a:rPr lang="en-US" sz="1800" i="1">
                                     <a:latin typeface="Cambria Math" panose="02040503050406030204" pitchFamily="18" charset="0"/>
                                   </a:rPr>
                                   <m:t>−</m:t>
@@ -11793,14 +12065,14 @@
                                 <m:sSub>
                                   <m:sSubPr>
                                     <m:ctrlPr>
-                                      <a:rPr lang="en-US" i="1">
+                                      <a:rPr lang="en-US" sz="1800" i="1">
                                         <a:latin typeface="Cambria Math" panose="02040503050406030204" pitchFamily="18" charset="0"/>
                                       </a:rPr>
                                     </m:ctrlPr>
                                   </m:sSubPr>
                                   <m:e>
                                     <m:r>
-                                      <a:rPr lang="en-US" i="1">
+                                      <a:rPr lang="en-US" sz="1800" i="1">
                                         <a:latin typeface="Cambria Math" panose="02040503050406030204" pitchFamily="18" charset="0"/>
                                       </a:rPr>
                                       <m:t>𝑘</m:t>
@@ -11808,7 +12080,7 @@
                                   </m:e>
                                   <m:sub>
                                     <m:r>
-                                      <a:rPr lang="en-US" i="1">
+                                      <a:rPr lang="en-US" sz="1800" i="1">
                                         <a:latin typeface="Cambria Math" panose="02040503050406030204" pitchFamily="18" charset="0"/>
                                       </a:rPr>
                                       <m:t>1</m:t>
@@ -11816,7 +12088,7 @@
                                   </m:sub>
                                 </m:sSub>
                                 <m:r>
-                                  <a:rPr lang="en-US" i="1">
+                                  <a:rPr lang="en-US" sz="1800" i="1">
                                     <a:latin typeface="Cambria Math" panose="02040503050406030204" pitchFamily="18" charset="0"/>
                                   </a:rPr>
                                   <m:t>𝑡</m:t>
@@ -11828,14 +12100,14 @@
                             <m:sSub>
                               <m:sSubPr>
                                 <m:ctrlPr>
-                                  <a:rPr lang="en-US" i="1">
+                                  <a:rPr lang="en-US" sz="1800" i="1">
                                     <a:latin typeface="Cambria Math" panose="02040503050406030204" pitchFamily="18" charset="0"/>
                                   </a:rPr>
                                 </m:ctrlPr>
                               </m:sSubPr>
                               <m:e>
                                 <m:r>
-                                  <a:rPr lang="en-US" i="1">
+                                  <a:rPr lang="en-US" sz="1800" i="1">
                                     <a:latin typeface="Cambria Math" panose="02040503050406030204" pitchFamily="18" charset="0"/>
                                   </a:rPr>
                                   <m:t>𝑘</m:t>
@@ -11843,7 +12115,7 @@
                               </m:e>
                               <m:sub>
                                 <m:r>
-                                  <a:rPr lang="en-US" i="1">
+                                  <a:rPr lang="en-US" sz="1800" i="1">
                                     <a:latin typeface="Cambria Math" panose="02040503050406030204" pitchFamily="18" charset="0"/>
                                   </a:rPr>
                                   <m:t>2</m:t>
@@ -11851,7 +12123,7 @@
                               </m:sub>
                             </m:sSub>
                             <m:r>
-                              <a:rPr lang="en-US" i="1">
+                              <a:rPr lang="en-US" sz="1800" i="1">
                                 <a:latin typeface="Cambria Math" panose="02040503050406030204" pitchFamily="18" charset="0"/>
                               </a:rPr>
                               <m:t>−</m:t>
@@ -11859,14 +12131,14 @@
                             <m:sSub>
                               <m:sSubPr>
                                 <m:ctrlPr>
-                                  <a:rPr lang="en-US" i="1">
+                                  <a:rPr lang="en-US" sz="1800" i="1">
                                     <a:latin typeface="Cambria Math" panose="02040503050406030204" pitchFamily="18" charset="0"/>
                                   </a:rPr>
                                 </m:ctrlPr>
                               </m:sSubPr>
                               <m:e>
                                 <m:r>
-                                  <a:rPr lang="en-US" i="1">
+                                  <a:rPr lang="en-US" sz="1800" i="1">
                                     <a:latin typeface="Cambria Math" panose="02040503050406030204" pitchFamily="18" charset="0"/>
                                   </a:rPr>
                                   <m:t>𝑘</m:t>
@@ -11874,7 +12146,7 @@
                               </m:e>
                               <m:sub>
                                 <m:r>
-                                  <a:rPr lang="en-US" i="1">
+                                  <a:rPr lang="en-US" sz="1800" i="1">
                                     <a:latin typeface="Cambria Math" panose="02040503050406030204" pitchFamily="18" charset="0"/>
                                   </a:rPr>
                                   <m:t>1</m:t>
@@ -11888,26 +12160,26 @@
                     <m:sSub>
                       <m:sSubPr>
                         <m:ctrlPr>
-                          <a:rPr lang="en-US" i="1">
+                          <a:rPr lang="en-US" sz="1800" i="1">
                             <a:latin typeface="Cambria Math" panose="02040503050406030204" pitchFamily="18" charset="0"/>
                           </a:rPr>
                         </m:ctrlPr>
                       </m:sSubPr>
                       <m:e>
                         <m:r>
-                          <a:rPr lang="en-US" i="1">
+                          <a:rPr lang="en-US" sz="1800" i="1">
                             <a:latin typeface="Cambria Math" panose="02040503050406030204" pitchFamily="18" charset="0"/>
                           </a:rPr>
                           <m:t>[</m:t>
                         </m:r>
                         <m:r>
-                          <a:rPr lang="en-US" i="1">
+                          <a:rPr lang="en-US" sz="1800" i="1">
                             <a:latin typeface="Cambria Math" panose="02040503050406030204" pitchFamily="18" charset="0"/>
                           </a:rPr>
                           <m:t>𝐴</m:t>
                         </m:r>
                         <m:r>
-                          <a:rPr lang="en-US" i="1">
+                          <a:rPr lang="en-US" sz="1800" i="1">
                             <a:latin typeface="Cambria Math" panose="02040503050406030204" pitchFamily="18" charset="0"/>
                           </a:rPr>
                           <m:t>]</m:t>
@@ -11915,7 +12187,7 @@
                       </m:e>
                       <m:sub>
                         <m:r>
-                          <a:rPr lang="en-US" i="1">
+                          <a:rPr lang="en-US" sz="1800" i="1">
                             <a:latin typeface="Cambria Math" panose="02040503050406030204" pitchFamily="18" charset="0"/>
                           </a:rPr>
                           <m:t>𝑜</m:t>
@@ -11924,12 +12196,12 @@
                     </m:sSub>
                   </m:oMath>
                 </a14:m>
-                <a:endParaRPr lang="en-US" dirty="0" smtClean="0"/>
+                <a:endParaRPr lang="en-US" sz="1800" dirty="0" smtClean="0"/>
               </a:p>
             </p:txBody>
           </p:sp>
         </mc:Choice>
-        <mc:Fallback xmlns="">
+        <mc:Fallback>
           <p:sp>
             <p:nvSpPr>
               <p:cNvPr id="11" name="內容版面配置區 2"/>
@@ -11941,7 +12213,7 @@
             <p:spPr>
               <a:xfrm>
                 <a:off x="899592" y="1239472"/>
-                <a:ext cx="3615308" cy="3071977"/>
+                <a:ext cx="5760640" cy="3071977"/>
               </a:xfrm>
               <a:prstGeom prst="rect">
                 <a:avLst/>
@@ -11949,7 +12221,7 @@
               <a:blipFill>
                 <a:blip r:embed="rId4"/>
                 <a:stretch>
-                  <a:fillRect l="-506"/>
+                  <a:fillRect/>
                 </a:stretch>
               </a:blipFill>
             </p:spPr>
@@ -11976,7 +12248,7 @@
         </p:nvSpPr>
         <p:spPr>
           <a:xfrm>
-            <a:off x="6372200" y="2047477"/>
+            <a:off x="6336196" y="1952892"/>
             <a:ext cx="1656184" cy="2160240"/>
           </a:xfrm>
           <a:prstGeom prst="ellipse">
@@ -15285,8 +15557,8 @@
         </p:nvSpPr>
         <p:spPr>
           <a:xfrm>
-            <a:off x="595403" y="4676881"/>
-            <a:ext cx="3600400" cy="1200329"/>
+            <a:off x="539552" y="4697334"/>
+            <a:ext cx="4464496" cy="923330"/>
           </a:xfrm>
           <a:prstGeom prst="rect">
             <a:avLst/>
@@ -15300,39 +15572,73 @@
           <a:lstStyle/>
           <a:p>
             <a:r>
-              <a:rPr lang="en-HK" dirty="0"/>
+              <a:rPr lang="en-HK" dirty="0">
+                <a:latin typeface="Times New Roman" panose="02020603050405020304" pitchFamily="18" charset="0"/>
+                <a:cs typeface="Times New Roman" panose="02020603050405020304" pitchFamily="18" charset="0"/>
+              </a:rPr>
               <a:t>Concentration of CN</a:t>
             </a:r>
             <a:r>
-              <a:rPr lang="en-HK" baseline="30000" dirty="0"/>
+              <a:rPr lang="en-HK" baseline="30000" dirty="0">
+                <a:latin typeface="Times New Roman" panose="02020603050405020304" pitchFamily="18" charset="0"/>
+                <a:cs typeface="Times New Roman" panose="02020603050405020304" pitchFamily="18" charset="0"/>
+              </a:rPr>
               <a:t>-</a:t>
             </a:r>
             <a:r>
-              <a:rPr lang="en-HK" dirty="0"/>
+              <a:rPr lang="en-HK" dirty="0">
+                <a:latin typeface="Times New Roman" panose="02020603050405020304" pitchFamily="18" charset="0"/>
+                <a:cs typeface="Times New Roman" panose="02020603050405020304" pitchFamily="18" charset="0"/>
+              </a:rPr>
               <a:t> is not proportional to initial </a:t>
             </a:r>
             <a:r>
-              <a:rPr lang="en-HK" dirty="0" smtClean="0"/>
+              <a:rPr lang="en-HK" dirty="0" smtClean="0">
+                <a:latin typeface="Times New Roman" panose="02020603050405020304" pitchFamily="18" charset="0"/>
+                <a:cs typeface="Times New Roman" panose="02020603050405020304" pitchFamily="18" charset="0"/>
+              </a:rPr>
               <a:t>amount of CH</a:t>
             </a:r>
             <a:r>
-              <a:rPr lang="en-HK" baseline="-25000" dirty="0" smtClean="0"/>
+              <a:rPr lang="en-HK" baseline="-25000" dirty="0" smtClean="0">
+                <a:latin typeface="Times New Roman" panose="02020603050405020304" pitchFamily="18" charset="0"/>
+                <a:cs typeface="Times New Roman" panose="02020603050405020304" pitchFamily="18" charset="0"/>
+              </a:rPr>
               <a:t>4</a:t>
             </a:r>
             <a:r>
-              <a:rPr lang="en-HK" dirty="0" smtClean="0"/>
+              <a:rPr lang="en-HK" dirty="0" smtClean="0">
+                <a:latin typeface="Times New Roman" panose="02020603050405020304" pitchFamily="18" charset="0"/>
+                <a:cs typeface="Times New Roman" panose="02020603050405020304" pitchFamily="18" charset="0"/>
+              </a:rPr>
               <a:t> </a:t>
             </a:r>
             <a:r>
-              <a:rPr lang="en-HK" dirty="0"/>
-              <a:t>when CH</a:t>
-            </a:r>
-            <a:r>
-              <a:rPr lang="en-HK" baseline="-25000" dirty="0"/>
+              <a:rPr lang="en-HK" dirty="0" smtClean="0">
+                <a:latin typeface="Times New Roman" panose="02020603050405020304" pitchFamily="18" charset="0"/>
+                <a:cs typeface="Times New Roman" panose="02020603050405020304" pitchFamily="18" charset="0"/>
+              </a:rPr>
+              <a:t>when </a:t>
+            </a:r>
+            <a:r>
+              <a:rPr lang="en-HK" dirty="0">
+                <a:latin typeface="Times New Roman" panose="02020603050405020304" pitchFamily="18" charset="0"/>
+                <a:cs typeface="Times New Roman" panose="02020603050405020304" pitchFamily="18" charset="0"/>
+              </a:rPr>
+              <a:t>CH</a:t>
+            </a:r>
+            <a:r>
+              <a:rPr lang="en-HK" baseline="-25000" dirty="0">
+                <a:latin typeface="Times New Roman" panose="02020603050405020304" pitchFamily="18" charset="0"/>
+                <a:cs typeface="Times New Roman" panose="02020603050405020304" pitchFamily="18" charset="0"/>
+              </a:rPr>
               <a:t>4</a:t>
             </a:r>
             <a:r>
-              <a:rPr lang="en-HK" dirty="0"/>
+              <a:rPr lang="en-HK" dirty="0">
+                <a:latin typeface="Times New Roman" panose="02020603050405020304" pitchFamily="18" charset="0"/>
+                <a:cs typeface="Times New Roman" panose="02020603050405020304" pitchFamily="18" charset="0"/>
+              </a:rPr>
               <a:t> is in excess.</a:t>
             </a:r>
           </a:p>
@@ -15363,7 +15669,7 @@
           <a:graphicData uri="http://schemas.openxmlformats.org/presentationml/2006/ole">
             <mc:AlternateContent xmlns:mc="http://schemas.openxmlformats.org/markup-compatibility/2006">
               <mc:Choice xmlns:v="urn:schemas-microsoft-com:vml" Requires="v">
-                <p:oleObj spid="_x0000_s1865" name="Graph" r:id="rId3" imgW="4754880" imgH="3108960" progId="Origin50.Graph">
+                <p:oleObj spid="_x0000_s1979" name="Graph" r:id="rId3" imgW="4754880" imgH="3108960" progId="Origin50.Graph">
                   <p:embed/>
                 </p:oleObj>
               </mc:Choice>
@@ -15447,450 +15753,20 @@
         </p:nvSpPr>
         <p:spPr/>
         <p:txBody>
-          <a:bodyPr>
-            <a:normAutofit fontScale="90000"/>
-          </a:bodyPr>
-          <a:lstStyle/>
-          <a:p>
-            <a:r>
-              <a:rPr lang="en-HK" dirty="0" smtClean="0"/>
-              <a:t>3. Energy needed for forming radicals by </a:t>
-            </a:r>
-            <a:r>
-              <a:rPr lang="en-HK" dirty="0"/>
-              <a:t>EUV </a:t>
-            </a:r>
-            <a:r>
-              <a:rPr lang="en-HK" dirty="0" smtClean="0"/>
-              <a:t>(40.1 eV) and VUV (</a:t>
-            </a:r>
-            <a:r>
-              <a:rPr lang="en-HK" dirty="0" smtClean="0">
-                <a:solidFill>
-                  <a:srgbClr val="0070C0"/>
-                </a:solidFill>
-              </a:rPr>
-              <a:t>9.27</a:t>
-            </a:r>
-            <a:r>
-              <a:rPr lang="en-HK" dirty="0" smtClean="0"/>
-              <a:t> eV)</a:t>
-            </a:r>
-            <a:endParaRPr lang="en-US" dirty="0"/>
-          </a:p>
-        </p:txBody>
-      </p:sp>
-      <p:graphicFrame>
-        <p:nvGraphicFramePr>
-          <p:cNvPr id="7" name="內容版面配置區 6"/>
-          <p:cNvGraphicFramePr>
-            <a:graphicFrameLocks noGrp="1"/>
-          </p:cNvGraphicFramePr>
-          <p:nvPr>
-            <p:ph idx="1"/>
-            <p:extLst>
-              <p:ext uri="{D42A27DB-BD31-4B8C-83A1-F6EECF244321}">
-                <p14:modId xmlns:p14="http://schemas.microsoft.com/office/powerpoint/2010/main" val="4057121118"/>
-              </p:ext>
-            </p:extLst>
-          </p:nvPr>
-        </p:nvGraphicFramePr>
-        <p:xfrm>
-          <a:off x="1028700" y="1905000"/>
-          <a:ext cx="7200897" cy="3211521"/>
-        </p:xfrm>
-        <a:graphic>
-          <a:graphicData uri="http://schemas.openxmlformats.org/drawingml/2006/table">
-            <a:tbl>
-              <a:tblPr firstRow="1" bandRow="1">
-                <a:tableStyleId>{5C22544A-7EE6-4342-B048-85BDC9FD1C3A}</a:tableStyleId>
-              </a:tblPr>
-              <a:tblGrid>
-                <a:gridCol w="2400299">
-                  <a:extLst>
-                    <a:ext uri="{9D8B030D-6E8A-4147-A177-3AD203B41FA5}">
-                      <a16:colId xmlns:a16="http://schemas.microsoft.com/office/drawing/2014/main" val="3148882185"/>
-                    </a:ext>
-                  </a:extLst>
-                </a:gridCol>
-                <a:gridCol w="2400299">
-                  <a:extLst>
-                    <a:ext uri="{9D8B030D-6E8A-4147-A177-3AD203B41FA5}">
-                      <a16:colId xmlns:a16="http://schemas.microsoft.com/office/drawing/2014/main" val="2229743084"/>
-                    </a:ext>
-                  </a:extLst>
-                </a:gridCol>
-                <a:gridCol w="2400299">
-                  <a:extLst>
-                    <a:ext uri="{9D8B030D-6E8A-4147-A177-3AD203B41FA5}">
-                      <a16:colId xmlns:a16="http://schemas.microsoft.com/office/drawing/2014/main" val="1174113647"/>
-                    </a:ext>
-                  </a:extLst>
-                </a:gridCol>
-              </a:tblGrid>
-              <a:tr h="796187">
-                <a:tc>
-                  <a:txBody>
-                    <a:bodyPr/>
-                    <a:lstStyle/>
-                    <a:p>
-                      <a:pPr algn="l"/>
-                      <a:r>
-                        <a:rPr lang="en-US" sz="2400" dirty="0" smtClean="0"/>
-                        <a:t>Radicals                  species</a:t>
-                      </a:r>
-                      <a:endParaRPr lang="en-US" sz="2400" dirty="0"/>
-                    </a:p>
-                  </a:txBody>
-                  <a:tcPr marL="90325" marR="90325" anchor="ctr"/>
-                </a:tc>
-                <a:tc>
-                  <a:txBody>
-                    <a:bodyPr/>
-                    <a:lstStyle/>
-                    <a:p>
-                      <a:pPr algn="ctr"/>
-                      <a:r>
-                        <a:rPr lang="en-HK" sz="2400" dirty="0" smtClean="0"/>
-                        <a:t>CH</a:t>
-                      </a:r>
-                      <a:r>
-                        <a:rPr lang="en-HK" sz="2400" baseline="-25000" dirty="0" smtClean="0"/>
-                        <a:t>4</a:t>
-                      </a:r>
-                      <a:endParaRPr lang="en-US" sz="2400" baseline="-25000" dirty="0"/>
-                    </a:p>
-                  </a:txBody>
-                  <a:tcPr marL="90325" marR="90325" anchor="ctr"/>
-                </a:tc>
-                <a:tc>
-                  <a:txBody>
-                    <a:bodyPr/>
-                    <a:lstStyle/>
-                    <a:p>
-                      <a:pPr algn="ctr"/>
-                      <a:r>
-                        <a:rPr lang="en-HK" sz="2400" dirty="0" smtClean="0"/>
-                        <a:t>NH</a:t>
-                      </a:r>
-                      <a:r>
-                        <a:rPr lang="en-HK" sz="2400" baseline="-25000" dirty="0" smtClean="0"/>
-                        <a:t>3</a:t>
-                      </a:r>
-                      <a:endParaRPr lang="en-US" sz="2400" baseline="-25000" dirty="0"/>
-                    </a:p>
-                  </a:txBody>
-                  <a:tcPr marL="90325" marR="90325" anchor="ctr"/>
-                </a:tc>
-                <a:extLst>
-                  <a:ext uri="{0D108BD9-81ED-4DB2-BD59-A6C34878D82A}">
-                    <a16:rowId xmlns:a16="http://schemas.microsoft.com/office/drawing/2014/main" val="4089148868"/>
-                  </a:ext>
-                </a:extLst>
-              </a:tr>
-              <a:tr h="796187">
-                <a:tc>
-                  <a:txBody>
-                    <a:bodyPr/>
-                    <a:lstStyle/>
-                    <a:p>
-                      <a:pPr algn="ctr"/>
-                      <a:r>
-                        <a:rPr lang="en-HK" sz="2400" dirty="0" smtClean="0"/>
-                        <a:t>- 1 H</a:t>
-                      </a:r>
-                      <a:endParaRPr lang="en-US" sz="2400" dirty="0"/>
-                    </a:p>
-                  </a:txBody>
-                  <a:tcPr marL="90325" marR="90325" anchor="ctr"/>
-                </a:tc>
-                <a:tc>
-                  <a:txBody>
-                    <a:bodyPr/>
-                    <a:lstStyle/>
-                    <a:p>
-                      <a:pPr algn="ctr"/>
-                      <a:r>
-                        <a:rPr lang="en-HK" sz="2400" dirty="0" smtClean="0"/>
-                        <a:t>4.55 eV</a:t>
-                      </a:r>
-                      <a:endParaRPr lang="en-US" sz="2400" dirty="0"/>
-                    </a:p>
-                  </a:txBody>
-                  <a:tcPr marL="90325" marR="90325" anchor="ctr"/>
-                </a:tc>
-                <a:tc>
-                  <a:txBody>
-                    <a:bodyPr/>
-                    <a:lstStyle/>
-                    <a:p>
-                      <a:pPr algn="ctr"/>
-                      <a:r>
-                        <a:rPr lang="en-HK" sz="2400" dirty="0" smtClean="0"/>
-                        <a:t>4.67 eV</a:t>
-                      </a:r>
-                      <a:endParaRPr lang="en-US" sz="2400" dirty="0"/>
-                    </a:p>
-                  </a:txBody>
-                  <a:tcPr marL="90325" marR="90325" anchor="ctr"/>
-                </a:tc>
-                <a:extLst>
-                  <a:ext uri="{0D108BD9-81ED-4DB2-BD59-A6C34878D82A}">
-                    <a16:rowId xmlns:a16="http://schemas.microsoft.com/office/drawing/2014/main" val="3250587630"/>
-                  </a:ext>
-                </a:extLst>
-              </a:tr>
-              <a:tr h="796187">
-                <a:tc>
-                  <a:txBody>
-                    <a:bodyPr/>
-                    <a:lstStyle/>
-                    <a:p>
-                      <a:pPr algn="ctr"/>
-                      <a:r>
-                        <a:rPr lang="en-HK" sz="2400" dirty="0" smtClean="0"/>
-                        <a:t>-2 H</a:t>
-                      </a:r>
-                      <a:endParaRPr lang="en-US" sz="2400" dirty="0"/>
-                    </a:p>
-                  </a:txBody>
-                  <a:tcPr marL="90325" marR="90325" anchor="ctr"/>
-                </a:tc>
-                <a:tc>
-                  <a:txBody>
-                    <a:bodyPr/>
-                    <a:lstStyle/>
-                    <a:p>
-                      <a:pPr algn="ctr"/>
-                      <a:r>
-                        <a:rPr lang="en-HK" sz="2400" dirty="0" smtClean="0"/>
-                        <a:t>4.78 eV</a:t>
-                      </a:r>
-                      <a:endParaRPr lang="en-US" sz="2400" dirty="0"/>
-                    </a:p>
-                  </a:txBody>
-                  <a:tcPr marL="90325" marR="90325" anchor="ctr"/>
-                </a:tc>
-                <a:tc>
-                  <a:txBody>
-                    <a:bodyPr/>
-                    <a:lstStyle/>
-                    <a:p>
-                      <a:pPr algn="ctr"/>
-                      <a:r>
-                        <a:rPr lang="en-HK" sz="2400" dirty="0" smtClean="0"/>
-                        <a:t>4.38  eV</a:t>
-                      </a:r>
-                      <a:endParaRPr lang="en-US" sz="2400" dirty="0"/>
-                    </a:p>
-                  </a:txBody>
-                  <a:tcPr marL="90325" marR="90325" anchor="ctr"/>
-                </a:tc>
-                <a:extLst>
-                  <a:ext uri="{0D108BD9-81ED-4DB2-BD59-A6C34878D82A}">
-                    <a16:rowId xmlns:a16="http://schemas.microsoft.com/office/drawing/2014/main" val="36223453"/>
-                  </a:ext>
-                </a:extLst>
-              </a:tr>
-              <a:tr h="796187">
-                <a:tc>
-                  <a:txBody>
-                    <a:bodyPr/>
-                    <a:lstStyle/>
-                    <a:p>
-                      <a:pPr algn="ctr"/>
-                      <a:r>
-                        <a:rPr lang="en-HK" sz="2400" dirty="0" smtClean="0"/>
-                        <a:t>-3 H</a:t>
-                      </a:r>
-                      <a:endParaRPr lang="en-US" sz="2400" dirty="0"/>
-                    </a:p>
-                  </a:txBody>
-                  <a:tcPr marL="90325" marR="90325" anchor="ctr"/>
-                </a:tc>
-                <a:tc>
-                  <a:txBody>
-                    <a:bodyPr/>
-                    <a:lstStyle/>
-                    <a:p>
-                      <a:pPr algn="ctr"/>
-                      <a:r>
-                        <a:rPr lang="en-HK" sz="2400" dirty="0" smtClean="0">
-                          <a:solidFill>
-                            <a:srgbClr val="0070C0"/>
-                          </a:solidFill>
-                        </a:rPr>
-                        <a:t>9.19 eV</a:t>
-                      </a:r>
-                      <a:endParaRPr lang="en-US" sz="2400" dirty="0">
-                        <a:solidFill>
-                          <a:srgbClr val="0070C0"/>
-                        </a:solidFill>
-                      </a:endParaRPr>
-                    </a:p>
-                  </a:txBody>
-                  <a:tcPr marL="90325" marR="90325" anchor="ctr"/>
-                </a:tc>
-                <a:tc>
-                  <a:txBody>
-                    <a:bodyPr/>
-                    <a:lstStyle/>
-                    <a:p>
-                      <a:pPr algn="ctr"/>
-                      <a:r>
-                        <a:rPr lang="en-HK" sz="2400" dirty="0" smtClean="0">
-                          <a:solidFill>
-                            <a:srgbClr val="0070C0"/>
-                          </a:solidFill>
-                        </a:rPr>
-                        <a:t>7.</a:t>
-                      </a:r>
-                      <a:r>
-                        <a:rPr lang="en-HK" sz="2400" baseline="0" dirty="0" smtClean="0">
-                          <a:solidFill>
-                            <a:srgbClr val="0070C0"/>
-                          </a:solidFill>
-                        </a:rPr>
-                        <a:t>63 eV</a:t>
-                      </a:r>
-                      <a:endParaRPr lang="en-US" sz="2400" dirty="0">
-                        <a:solidFill>
-                          <a:srgbClr val="0070C0"/>
-                        </a:solidFill>
-                      </a:endParaRPr>
-                    </a:p>
-                  </a:txBody>
-                  <a:tcPr marL="90325" marR="90325" anchor="ctr"/>
-                </a:tc>
-                <a:extLst>
-                  <a:ext uri="{0D108BD9-81ED-4DB2-BD59-A6C34878D82A}">
-                    <a16:rowId xmlns:a16="http://schemas.microsoft.com/office/drawing/2014/main" val="1330999748"/>
-                  </a:ext>
-                </a:extLst>
-              </a:tr>
-            </a:tbl>
-          </a:graphicData>
-        </a:graphic>
-      </p:graphicFrame>
-      <p:sp>
-        <p:nvSpPr>
-          <p:cNvPr id="4" name="投影片編號版面配置區 3"/>
-          <p:cNvSpPr>
-            <a:spLocks noGrp="1"/>
-          </p:cNvSpPr>
-          <p:nvPr>
-            <p:ph type="sldNum" sz="quarter" idx="12"/>
-          </p:nvPr>
-        </p:nvSpPr>
-        <p:spPr/>
-        <p:txBody>
           <a:bodyPr/>
           <a:lstStyle/>
           <a:p>
-            <a:fld id="{B646D8CA-B2C0-41A8-8514-369D0B0735D6}" type="slidenum">
-              <a:rPr lang="zh-TW" altLang="en-US" sz="2000" smtClean="0"/>
-              <a:t>24</a:t>
-            </a:fld>
-            <a:endParaRPr lang="zh-TW" altLang="en-US" sz="2000" dirty="0"/>
-          </a:p>
-        </p:txBody>
-      </p:sp>
-      <p:sp>
-        <p:nvSpPr>
-          <p:cNvPr id="3" name="矩形 2"/>
-          <p:cNvSpPr/>
-          <p:nvPr/>
-        </p:nvSpPr>
-        <p:spPr>
-          <a:xfrm>
-            <a:off x="4283968" y="5083531"/>
-            <a:ext cx="3197222" cy="256480"/>
-          </a:xfrm>
-          <a:prstGeom prst="rect">
-            <a:avLst/>
-          </a:prstGeom>
-        </p:spPr>
-        <p:txBody>
-          <a:bodyPr wrap="none">
-            <a:spAutoFit/>
-          </a:bodyPr>
-          <a:lstStyle/>
-          <a:p>
-            <a:pPr lvl="2"/>
-            <a:r>
-              <a:rPr lang="en-HK" sz="1600" baseline="-25000" dirty="0"/>
-              <a:t>(quoted from </a:t>
-            </a:r>
-            <a:r>
-              <a:rPr lang="en-HK" sz="1600" baseline="-25000" dirty="0" err="1"/>
-              <a:t>Kundu</a:t>
-            </a:r>
-            <a:r>
-              <a:rPr lang="en-HK" sz="1600" baseline="-25000" dirty="0"/>
-              <a:t> et al. (2017))</a:t>
-            </a:r>
-          </a:p>
-        </p:txBody>
-      </p:sp>
-    </p:spTree>
-    <p:extLst>
-      <p:ext uri="{BB962C8B-B14F-4D97-AF65-F5344CB8AC3E}">
-        <p14:creationId xmlns:p14="http://schemas.microsoft.com/office/powerpoint/2010/main" val="882420126"/>
-      </p:ext>
-    </p:extLst>
-  </p:cSld>
-  <p:clrMapOvr>
-    <a:masterClrMapping/>
-  </p:clrMapOvr>
-  <p:timing>
-    <p:tnLst>
-      <p:par>
-        <p:cTn id="1" dur="indefinite" restart="never" nodeType="tmRoot"/>
-      </p:par>
-    </p:tnLst>
-  </p:timing>
-</p:sld>
-</file>
-
-<file path=ppt/slides/slide25.xml><?xml version="1.0" encoding="utf-8"?>
-<p:sld xmlns:a="http://schemas.openxmlformats.org/drawingml/2006/main" xmlns:r="http://schemas.openxmlformats.org/officeDocument/2006/relationships" xmlns:p="http://schemas.openxmlformats.org/presentationml/2006/main">
-  <p:cSld>
-    <p:spTree>
-      <p:nvGrpSpPr>
-        <p:cNvPr id="1" name=""/>
-        <p:cNvGrpSpPr/>
-        <p:nvPr/>
-      </p:nvGrpSpPr>
-      <p:grpSpPr>
-        <a:xfrm>
-          <a:off x="0" y="0"/>
-          <a:ext cx="0" cy="0"/>
-          <a:chOff x="0" y="0"/>
-          <a:chExt cx="0" cy="0"/>
-        </a:xfrm>
-      </p:grpSpPr>
-      <p:sp>
-        <p:nvSpPr>
-          <p:cNvPr id="2" name="標題 1"/>
-          <p:cNvSpPr>
-            <a:spLocks noGrp="1"/>
-          </p:cNvSpPr>
-          <p:nvPr>
-            <p:ph type="title"/>
-          </p:nvPr>
-        </p:nvSpPr>
-        <p:spPr/>
-        <p:txBody>
-          <a:bodyPr/>
-          <a:lstStyle/>
-          <a:p>
             <a:r>
               <a:rPr lang="en-HK" dirty="0" smtClean="0"/>
-              <a:t>3. Destruction cross-section of </a:t>
+              <a:t>3. </a:t>
+            </a:r>
+            <a:r>
+              <a:rPr lang="en-HK" dirty="0" smtClean="0"/>
+              <a:t>Rate constant of reactants by EUV </a:t>
             </a:r>
             <a:r>
               <a:rPr lang="en-HK" dirty="0"/>
-              <a:t>EUV (40.1 eV) and VUV (9.27 eV)</a:t>
+              <a:t>(40.1 eV) and VUV (9.27 eV)</a:t>
             </a:r>
             <a:endParaRPr lang="en-US" dirty="0"/>
           </a:p>
@@ -15949,7 +15825,15 @@
             </a:r>
             <a:r>
               <a:rPr lang="en-HK" sz="2000" dirty="0" smtClean="0"/>
-              <a:t>(pseudo first order kinetics)</a:t>
+              <a:t>(first </a:t>
+            </a:r>
+            <a:r>
+              <a:rPr lang="en-HK" sz="2000" dirty="0" smtClean="0"/>
+              <a:t>order </a:t>
+            </a:r>
+            <a:r>
+              <a:rPr lang="en-HK" sz="2000" dirty="0" smtClean="0"/>
+              <a:t>decay)</a:t>
             </a:r>
             <a:endParaRPr lang="en-HK" dirty="0" smtClean="0"/>
           </a:p>
@@ -15994,7 +15878,7 @@
           <a:p>
             <a:fld id="{B646D8CA-B2C0-41A8-8514-369D0B0735D6}" type="slidenum">
               <a:rPr lang="zh-TW" altLang="en-US" sz="2000" smtClean="0"/>
-              <a:t>25</a:t>
+              <a:t>24</a:t>
             </a:fld>
             <a:endParaRPr lang="zh-TW" altLang="en-US" sz="2000" dirty="0"/>
           </a:p>
@@ -16022,7 +15906,7 @@
           <a:graphicData uri="http://schemas.openxmlformats.org/presentationml/2006/ole">
             <mc:AlternateContent xmlns:mc="http://schemas.openxmlformats.org/markup-compatibility/2006">
               <mc:Choice xmlns:v="urn:schemas-microsoft-com:vml" Requires="v">
-                <p:oleObj spid="_x0000_s13514" name="Graph" r:id="rId3" imgW="4754880" imgH="3108960" progId="Origin50.Graph">
+                <p:oleObj spid="_x0000_s13742" name="Graph" r:id="rId3" imgW="4754880" imgH="3108960" progId="Origin50.Graph">
                   <p:embed/>
                 </p:oleObj>
               </mc:Choice>
@@ -16079,7 +15963,7 @@
           <a:graphicData uri="http://schemas.openxmlformats.org/presentationml/2006/ole">
             <mc:AlternateContent xmlns:mc="http://schemas.openxmlformats.org/markup-compatibility/2006">
               <mc:Choice xmlns:v="urn:schemas-microsoft-com:vml" Requires="v">
-                <p:oleObj spid="_x0000_s13515" name="Graph" r:id="rId5" imgW="4754880" imgH="3108960" progId="Origin50.Graph">
+                <p:oleObj spid="_x0000_s13743" name="Graph" r:id="rId5" imgW="4754880" imgH="3108960" progId="Origin50.Graph">
                   <p:embed/>
                 </p:oleObj>
               </mc:Choice>
@@ -16134,7 +16018,7 @@
 </p:sld>
 </file>
 
-<file path=ppt/slides/slide26.xml><?xml version="1.0" encoding="utf-8"?>
+<file path=ppt/slides/slide25.xml><?xml version="1.0" encoding="utf-8"?>
 <p:sld xmlns:a="http://schemas.openxmlformats.org/drawingml/2006/main" xmlns:r="http://schemas.openxmlformats.org/officeDocument/2006/relationships" xmlns:p="http://schemas.openxmlformats.org/presentationml/2006/main">
   <p:cSld>
     <p:spTree>
@@ -16203,7 +16087,7 @@
           <a:p>
             <a:fld id="{B646D8CA-B2C0-41A8-8514-369D0B0735D6}" type="slidenum">
               <a:rPr lang="zh-TW" altLang="en-US" sz="2000" smtClean="0"/>
-              <a:t>26</a:t>
+              <a:t>25</a:t>
             </a:fld>
             <a:endParaRPr lang="zh-TW" altLang="en-US" sz="2000" dirty="0"/>
           </a:p>
@@ -16219,7 +16103,7 @@
             <p:ph idx="1"/>
             <p:extLst>
               <p:ext uri="{D42A27DB-BD31-4B8C-83A1-F6EECF244321}">
-                <p14:modId xmlns:p14="http://schemas.microsoft.com/office/powerpoint/2010/main" val="287181430"/>
+                <p14:modId xmlns:p14="http://schemas.microsoft.com/office/powerpoint/2010/main" val="2403186586"/>
               </p:ext>
             </p:extLst>
           </p:nvPr>
@@ -16782,7 +16666,7 @@
                         <a:rPr lang="en-US" sz="1400" u="none" strike="noStrike" baseline="0" dirty="0" smtClean="0">
                           <a:effectLst/>
                         </a:rPr>
-                        <a:t>to</a:t>
+                        <a:t>:</a:t>
                       </a:r>
                       <a:r>
                         <a:rPr lang="en-US" sz="1400" u="none" strike="noStrike" baseline="-25000" dirty="0" smtClean="0">
@@ -16868,13 +16752,7 @@
                         <a:rPr lang="en-US" sz="1400" u="none" strike="noStrike" baseline="0" dirty="0" smtClean="0">
                           <a:effectLst/>
                         </a:rPr>
-                        <a:t>to</a:t>
-                      </a:r>
-                      <a:r>
-                        <a:rPr lang="en-US" sz="1400" u="none" strike="noStrike" baseline="-25000" dirty="0" smtClean="0">
-                          <a:effectLst/>
-                        </a:rPr>
-                        <a:t> </a:t>
+                        <a:t>: </a:t>
                       </a:r>
                       <a:r>
                         <a:rPr lang="en-US" sz="1400" u="none" strike="noStrike" dirty="0" smtClean="0">
@@ -17231,7 +17109,7 @@
           <a:graphicData uri="http://schemas.openxmlformats.org/presentationml/2006/ole">
             <mc:AlternateContent xmlns:mc="http://schemas.openxmlformats.org/markup-compatibility/2006">
               <mc:Choice xmlns:v="urn:schemas-microsoft-com:vml" Requires="v">
-                <p:oleObj spid="_x0000_s3718" name="Graph" r:id="rId3" imgW="4754880" imgH="3108960" progId="Origin50.Graph">
+                <p:oleObj spid="_x0000_s3832" name="Graph" r:id="rId3" imgW="4754880" imgH="3108960" progId="Origin50.Graph">
                   <p:embed/>
                 </p:oleObj>
               </mc:Choice>
@@ -17286,6 +17164,449 @@
 </p:sld>
 </file>
 
+<file path=ppt/slides/slide26.xml><?xml version="1.0" encoding="utf-8"?>
+<p:sld xmlns:a="http://schemas.openxmlformats.org/drawingml/2006/main" xmlns:r="http://schemas.openxmlformats.org/officeDocument/2006/relationships" xmlns:p="http://schemas.openxmlformats.org/presentationml/2006/main">
+  <p:cSld>
+    <p:spTree>
+      <p:nvGrpSpPr>
+        <p:cNvPr id="1" name=""/>
+        <p:cNvGrpSpPr/>
+        <p:nvPr/>
+      </p:nvGrpSpPr>
+      <p:grpSpPr>
+        <a:xfrm>
+          <a:off x="0" y="0"/>
+          <a:ext cx="0" cy="0"/>
+          <a:chOff x="0" y="0"/>
+          <a:chExt cx="0" cy="0"/>
+        </a:xfrm>
+      </p:grpSpPr>
+      <p:sp>
+        <p:nvSpPr>
+          <p:cNvPr id="2" name="標題 1"/>
+          <p:cNvSpPr>
+            <a:spLocks noGrp="1"/>
+          </p:cNvSpPr>
+          <p:nvPr>
+            <p:ph type="title"/>
+          </p:nvPr>
+        </p:nvSpPr>
+        <p:spPr/>
+        <p:txBody>
+          <a:bodyPr>
+            <a:normAutofit fontScale="90000"/>
+          </a:bodyPr>
+          <a:lstStyle/>
+          <a:p>
+            <a:r>
+              <a:rPr lang="en-HK" dirty="0" smtClean="0"/>
+              <a:t>3. Energy needed for forming radicals by </a:t>
+            </a:r>
+            <a:r>
+              <a:rPr lang="en-HK" dirty="0"/>
+              <a:t>EUV </a:t>
+            </a:r>
+            <a:r>
+              <a:rPr lang="en-HK" dirty="0" smtClean="0"/>
+              <a:t>(40.1 eV) and VUV (</a:t>
+            </a:r>
+            <a:r>
+              <a:rPr lang="en-HK" dirty="0" smtClean="0">
+                <a:solidFill>
+                  <a:srgbClr val="0070C0"/>
+                </a:solidFill>
+              </a:rPr>
+              <a:t>9.27</a:t>
+            </a:r>
+            <a:r>
+              <a:rPr lang="en-HK" dirty="0" smtClean="0"/>
+              <a:t> eV)</a:t>
+            </a:r>
+            <a:endParaRPr lang="en-US" dirty="0"/>
+          </a:p>
+        </p:txBody>
+      </p:sp>
+      <p:graphicFrame>
+        <p:nvGraphicFramePr>
+          <p:cNvPr id="7" name="內容版面配置區 6"/>
+          <p:cNvGraphicFramePr>
+            <a:graphicFrameLocks noGrp="1"/>
+          </p:cNvGraphicFramePr>
+          <p:nvPr>
+            <p:ph idx="1"/>
+            <p:extLst>
+              <p:ext uri="{D42A27DB-BD31-4B8C-83A1-F6EECF244321}">
+                <p14:modId xmlns:p14="http://schemas.microsoft.com/office/powerpoint/2010/main" val="4057121118"/>
+              </p:ext>
+            </p:extLst>
+          </p:nvPr>
+        </p:nvGraphicFramePr>
+        <p:xfrm>
+          <a:off x="1028700" y="1905000"/>
+          <a:ext cx="7200897" cy="3211521"/>
+        </p:xfrm>
+        <a:graphic>
+          <a:graphicData uri="http://schemas.openxmlformats.org/drawingml/2006/table">
+            <a:tbl>
+              <a:tblPr firstRow="1" bandRow="1">
+                <a:tableStyleId>{5C22544A-7EE6-4342-B048-85BDC9FD1C3A}</a:tableStyleId>
+              </a:tblPr>
+              <a:tblGrid>
+                <a:gridCol w="2400299">
+                  <a:extLst>
+                    <a:ext uri="{9D8B030D-6E8A-4147-A177-3AD203B41FA5}">
+                      <a16:colId xmlns:a16="http://schemas.microsoft.com/office/drawing/2014/main" val="3148882185"/>
+                    </a:ext>
+                  </a:extLst>
+                </a:gridCol>
+                <a:gridCol w="2400299">
+                  <a:extLst>
+                    <a:ext uri="{9D8B030D-6E8A-4147-A177-3AD203B41FA5}">
+                      <a16:colId xmlns:a16="http://schemas.microsoft.com/office/drawing/2014/main" val="2229743084"/>
+                    </a:ext>
+                  </a:extLst>
+                </a:gridCol>
+                <a:gridCol w="2400299">
+                  <a:extLst>
+                    <a:ext uri="{9D8B030D-6E8A-4147-A177-3AD203B41FA5}">
+                      <a16:colId xmlns:a16="http://schemas.microsoft.com/office/drawing/2014/main" val="1174113647"/>
+                    </a:ext>
+                  </a:extLst>
+                </a:gridCol>
+              </a:tblGrid>
+              <a:tr h="796187">
+                <a:tc>
+                  <a:txBody>
+                    <a:bodyPr/>
+                    <a:lstStyle/>
+                    <a:p>
+                      <a:pPr algn="l"/>
+                      <a:r>
+                        <a:rPr lang="en-US" sz="2400" dirty="0" smtClean="0"/>
+                        <a:t>Radicals                  species</a:t>
+                      </a:r>
+                      <a:endParaRPr lang="en-US" sz="2400" dirty="0"/>
+                    </a:p>
+                  </a:txBody>
+                  <a:tcPr marL="90325" marR="90325" anchor="ctr"/>
+                </a:tc>
+                <a:tc>
+                  <a:txBody>
+                    <a:bodyPr/>
+                    <a:lstStyle/>
+                    <a:p>
+                      <a:pPr algn="ctr"/>
+                      <a:r>
+                        <a:rPr lang="en-HK" sz="2400" dirty="0" smtClean="0"/>
+                        <a:t>CH</a:t>
+                      </a:r>
+                      <a:r>
+                        <a:rPr lang="en-HK" sz="2400" baseline="-25000" dirty="0" smtClean="0"/>
+                        <a:t>4</a:t>
+                      </a:r>
+                      <a:endParaRPr lang="en-US" sz="2400" baseline="-25000" dirty="0"/>
+                    </a:p>
+                  </a:txBody>
+                  <a:tcPr marL="90325" marR="90325" anchor="ctr"/>
+                </a:tc>
+                <a:tc>
+                  <a:txBody>
+                    <a:bodyPr/>
+                    <a:lstStyle/>
+                    <a:p>
+                      <a:pPr algn="ctr"/>
+                      <a:r>
+                        <a:rPr lang="en-HK" sz="2400" dirty="0" smtClean="0"/>
+                        <a:t>NH</a:t>
+                      </a:r>
+                      <a:r>
+                        <a:rPr lang="en-HK" sz="2400" baseline="-25000" dirty="0" smtClean="0"/>
+                        <a:t>3</a:t>
+                      </a:r>
+                      <a:endParaRPr lang="en-US" sz="2400" baseline="-25000" dirty="0"/>
+                    </a:p>
+                  </a:txBody>
+                  <a:tcPr marL="90325" marR="90325" anchor="ctr"/>
+                </a:tc>
+                <a:extLst>
+                  <a:ext uri="{0D108BD9-81ED-4DB2-BD59-A6C34878D82A}">
+                    <a16:rowId xmlns:a16="http://schemas.microsoft.com/office/drawing/2014/main" val="4089148868"/>
+                  </a:ext>
+                </a:extLst>
+              </a:tr>
+              <a:tr h="796187">
+                <a:tc>
+                  <a:txBody>
+                    <a:bodyPr/>
+                    <a:lstStyle/>
+                    <a:p>
+                      <a:pPr algn="ctr"/>
+                      <a:r>
+                        <a:rPr lang="en-HK" sz="2400" dirty="0" smtClean="0"/>
+                        <a:t>- 1 H</a:t>
+                      </a:r>
+                      <a:endParaRPr lang="en-US" sz="2400" dirty="0"/>
+                    </a:p>
+                  </a:txBody>
+                  <a:tcPr marL="90325" marR="90325" anchor="ctr"/>
+                </a:tc>
+                <a:tc>
+                  <a:txBody>
+                    <a:bodyPr/>
+                    <a:lstStyle/>
+                    <a:p>
+                      <a:pPr algn="ctr"/>
+                      <a:r>
+                        <a:rPr lang="en-HK" sz="2400" dirty="0" smtClean="0"/>
+                        <a:t>4.55 eV</a:t>
+                      </a:r>
+                      <a:endParaRPr lang="en-US" sz="2400" dirty="0"/>
+                    </a:p>
+                  </a:txBody>
+                  <a:tcPr marL="90325" marR="90325" anchor="ctr"/>
+                </a:tc>
+                <a:tc>
+                  <a:txBody>
+                    <a:bodyPr/>
+                    <a:lstStyle/>
+                    <a:p>
+                      <a:pPr algn="ctr"/>
+                      <a:r>
+                        <a:rPr lang="en-HK" sz="2400" dirty="0" smtClean="0"/>
+                        <a:t>4.67 eV</a:t>
+                      </a:r>
+                      <a:endParaRPr lang="en-US" sz="2400" dirty="0"/>
+                    </a:p>
+                  </a:txBody>
+                  <a:tcPr marL="90325" marR="90325" anchor="ctr"/>
+                </a:tc>
+                <a:extLst>
+                  <a:ext uri="{0D108BD9-81ED-4DB2-BD59-A6C34878D82A}">
+                    <a16:rowId xmlns:a16="http://schemas.microsoft.com/office/drawing/2014/main" val="3250587630"/>
+                  </a:ext>
+                </a:extLst>
+              </a:tr>
+              <a:tr h="796187">
+                <a:tc>
+                  <a:txBody>
+                    <a:bodyPr/>
+                    <a:lstStyle/>
+                    <a:p>
+                      <a:pPr algn="ctr"/>
+                      <a:r>
+                        <a:rPr lang="en-HK" sz="2400" dirty="0" smtClean="0"/>
+                        <a:t>-2 H</a:t>
+                      </a:r>
+                      <a:endParaRPr lang="en-US" sz="2400" dirty="0"/>
+                    </a:p>
+                  </a:txBody>
+                  <a:tcPr marL="90325" marR="90325" anchor="ctr"/>
+                </a:tc>
+                <a:tc>
+                  <a:txBody>
+                    <a:bodyPr/>
+                    <a:lstStyle/>
+                    <a:p>
+                      <a:pPr algn="ctr"/>
+                      <a:r>
+                        <a:rPr lang="en-HK" sz="2400" dirty="0" smtClean="0"/>
+                        <a:t>4.78 eV</a:t>
+                      </a:r>
+                      <a:endParaRPr lang="en-US" sz="2400" dirty="0"/>
+                    </a:p>
+                  </a:txBody>
+                  <a:tcPr marL="90325" marR="90325" anchor="ctr"/>
+                </a:tc>
+                <a:tc>
+                  <a:txBody>
+                    <a:bodyPr/>
+                    <a:lstStyle/>
+                    <a:p>
+                      <a:pPr algn="ctr"/>
+                      <a:r>
+                        <a:rPr lang="en-HK" sz="2400" dirty="0" smtClean="0"/>
+                        <a:t>4.38  eV</a:t>
+                      </a:r>
+                      <a:endParaRPr lang="en-US" sz="2400" dirty="0"/>
+                    </a:p>
+                  </a:txBody>
+                  <a:tcPr marL="90325" marR="90325" anchor="ctr"/>
+                </a:tc>
+                <a:extLst>
+                  <a:ext uri="{0D108BD9-81ED-4DB2-BD59-A6C34878D82A}">
+                    <a16:rowId xmlns:a16="http://schemas.microsoft.com/office/drawing/2014/main" val="36223453"/>
+                  </a:ext>
+                </a:extLst>
+              </a:tr>
+              <a:tr h="796187">
+                <a:tc>
+                  <a:txBody>
+                    <a:bodyPr/>
+                    <a:lstStyle/>
+                    <a:p>
+                      <a:pPr algn="ctr"/>
+                      <a:r>
+                        <a:rPr lang="en-HK" sz="2400" dirty="0" smtClean="0"/>
+                        <a:t>-3 H</a:t>
+                      </a:r>
+                      <a:endParaRPr lang="en-US" sz="2400" dirty="0"/>
+                    </a:p>
+                  </a:txBody>
+                  <a:tcPr marL="90325" marR="90325" anchor="ctr"/>
+                </a:tc>
+                <a:tc>
+                  <a:txBody>
+                    <a:bodyPr/>
+                    <a:lstStyle/>
+                    <a:p>
+                      <a:pPr algn="ctr"/>
+                      <a:r>
+                        <a:rPr lang="en-HK" sz="2400" dirty="0" smtClean="0">
+                          <a:solidFill>
+                            <a:srgbClr val="0070C0"/>
+                          </a:solidFill>
+                        </a:rPr>
+                        <a:t>9.19 eV</a:t>
+                      </a:r>
+                      <a:endParaRPr lang="en-US" sz="2400" dirty="0">
+                        <a:solidFill>
+                          <a:srgbClr val="0070C0"/>
+                        </a:solidFill>
+                      </a:endParaRPr>
+                    </a:p>
+                  </a:txBody>
+                  <a:tcPr marL="90325" marR="90325" anchor="ctr"/>
+                </a:tc>
+                <a:tc>
+                  <a:txBody>
+                    <a:bodyPr/>
+                    <a:lstStyle/>
+                    <a:p>
+                      <a:pPr algn="ctr"/>
+                      <a:r>
+                        <a:rPr lang="en-HK" sz="2400" dirty="0" smtClean="0">
+                          <a:solidFill>
+                            <a:srgbClr val="0070C0"/>
+                          </a:solidFill>
+                        </a:rPr>
+                        <a:t>7.</a:t>
+                      </a:r>
+                      <a:r>
+                        <a:rPr lang="en-HK" sz="2400" baseline="0" dirty="0" smtClean="0">
+                          <a:solidFill>
+                            <a:srgbClr val="0070C0"/>
+                          </a:solidFill>
+                        </a:rPr>
+                        <a:t>63 eV</a:t>
+                      </a:r>
+                      <a:endParaRPr lang="en-US" sz="2400" dirty="0">
+                        <a:solidFill>
+                          <a:srgbClr val="0070C0"/>
+                        </a:solidFill>
+                      </a:endParaRPr>
+                    </a:p>
+                  </a:txBody>
+                  <a:tcPr marL="90325" marR="90325" anchor="ctr"/>
+                </a:tc>
+                <a:extLst>
+                  <a:ext uri="{0D108BD9-81ED-4DB2-BD59-A6C34878D82A}">
+                    <a16:rowId xmlns:a16="http://schemas.microsoft.com/office/drawing/2014/main" val="1330999748"/>
+                  </a:ext>
+                </a:extLst>
+              </a:tr>
+            </a:tbl>
+          </a:graphicData>
+        </a:graphic>
+      </p:graphicFrame>
+      <p:sp>
+        <p:nvSpPr>
+          <p:cNvPr id="4" name="投影片編號版面配置區 3"/>
+          <p:cNvSpPr>
+            <a:spLocks noGrp="1"/>
+          </p:cNvSpPr>
+          <p:nvPr>
+            <p:ph type="sldNum" sz="quarter" idx="12"/>
+          </p:nvPr>
+        </p:nvSpPr>
+        <p:spPr/>
+        <p:txBody>
+          <a:bodyPr/>
+          <a:lstStyle/>
+          <a:p>
+            <a:fld id="{B646D8CA-B2C0-41A8-8514-369D0B0735D6}" type="slidenum">
+              <a:rPr lang="zh-TW" altLang="en-US" sz="2000" smtClean="0"/>
+              <a:t>26</a:t>
+            </a:fld>
+            <a:endParaRPr lang="zh-TW" altLang="en-US" sz="2000" dirty="0"/>
+          </a:p>
+        </p:txBody>
+      </p:sp>
+      <p:sp>
+        <p:nvSpPr>
+          <p:cNvPr id="3" name="矩形 2"/>
+          <p:cNvSpPr/>
+          <p:nvPr/>
+        </p:nvSpPr>
+        <p:spPr>
+          <a:xfrm>
+            <a:off x="4629148" y="5017741"/>
+            <a:ext cx="3759276" cy="297517"/>
+          </a:xfrm>
+          <a:prstGeom prst="rect">
+            <a:avLst/>
+          </a:prstGeom>
+        </p:spPr>
+        <p:txBody>
+          <a:bodyPr wrap="square">
+            <a:spAutoFit/>
+          </a:bodyPr>
+          <a:lstStyle/>
+          <a:p>
+            <a:pPr lvl="2"/>
+            <a:r>
+              <a:rPr lang="en-HK" sz="2000" baseline="-25000" dirty="0" smtClean="0"/>
+              <a:t>quoted </a:t>
+            </a:r>
+            <a:r>
+              <a:rPr lang="en-HK" sz="2000" baseline="-25000" dirty="0"/>
+              <a:t>from </a:t>
+            </a:r>
+            <a:r>
+              <a:rPr lang="en-HK" sz="2000" baseline="-25000" dirty="0" err="1"/>
+              <a:t>Kundu</a:t>
+            </a:r>
+            <a:r>
+              <a:rPr lang="en-HK" sz="2000" baseline="-25000" dirty="0"/>
+              <a:t> et al. (2017</a:t>
+            </a:r>
+            <a:r>
+              <a:rPr lang="en-HK" sz="2000" baseline="-25000" dirty="0" smtClean="0"/>
+              <a:t>)</a:t>
+            </a:r>
+            <a:endParaRPr lang="en-HK" sz="2000" baseline="-25000" dirty="0"/>
+          </a:p>
+        </p:txBody>
+      </p:sp>
+    </p:spTree>
+    <p:extLst>
+      <p:ext uri="{BB962C8B-B14F-4D97-AF65-F5344CB8AC3E}">
+        <p14:creationId xmlns:p14="http://schemas.microsoft.com/office/powerpoint/2010/main" val="882420126"/>
+      </p:ext>
+    </p:extLst>
+  </p:cSld>
+  <p:clrMapOvr>
+    <a:masterClrMapping/>
+  </p:clrMapOvr>
+  <p:timing>
+    <p:tnLst>
+      <p:par>
+        <p:cTn id="1" dur="indefinite" restart="never" nodeType="tmRoot"/>
+      </p:par>
+    </p:tnLst>
+  </p:timing>
+</p:sld>
+</file>
+
 <file path=ppt/slides/slide27.xml><?xml version="1.0" encoding="utf-8"?>
 <p:sld xmlns:a="http://schemas.openxmlformats.org/drawingml/2006/main" xmlns:r="http://schemas.openxmlformats.org/officeDocument/2006/relationships" xmlns:p="http://schemas.openxmlformats.org/presentationml/2006/main">
   <p:cSld>
@@ -17325,7 +17646,11 @@
           <a:p>
             <a:r>
               <a:rPr lang="en-HK" dirty="0"/>
-              <a:t>Astrophysical implications</a:t>
+              <a:t>Astrophysical </a:t>
+            </a:r>
+            <a:r>
+              <a:rPr lang="en-HK" dirty="0" smtClean="0"/>
+              <a:t>Implications</a:t>
             </a:r>
             <a:endParaRPr lang="en-US" dirty="0"/>
           </a:p>
@@ -17404,7 +17729,7 @@
         <p:spPr/>
         <p:txBody>
           <a:bodyPr>
-            <a:normAutofit/>
+            <a:normAutofit fontScale="90000"/>
           </a:bodyPr>
           <a:lstStyle/>
           <a:p>
@@ -17417,24 +17742,35 @@
               </a:spcBef>
             </a:pPr>
             <a:r>
+              <a:rPr lang="en-HK" sz="3300" kern="1200" dirty="0" smtClean="0">
+                <a:solidFill>
+                  <a:schemeClr val="tx2"/>
+                </a:solidFill>
+                <a:latin typeface="Times New Roman" panose="02020603050405020304" pitchFamily="18" charset="0"/>
+                <a:ea typeface="+mj-ea"/>
+                <a:cs typeface="Times New Roman" panose="02020603050405020304" pitchFamily="18" charset="0"/>
+              </a:rPr>
+              <a:t>Estimate the column density of </a:t>
+            </a:r>
+            <a:r>
               <a:rPr lang="en-HK" sz="3300" kern="1200" dirty="0">
                 <a:solidFill>
                   <a:schemeClr val="tx2"/>
                 </a:solidFill>
-                <a:latin typeface="+mj-lt"/>
+                <a:latin typeface="Times New Roman" panose="02020603050405020304" pitchFamily="18" charset="0"/>
                 <a:ea typeface="+mj-ea"/>
-                <a:cs typeface="+mj-cs"/>
-              </a:rPr>
-              <a:t>Understand CN</a:t>
+                <a:cs typeface="Times New Roman" panose="02020603050405020304" pitchFamily="18" charset="0"/>
+              </a:rPr>
+              <a:t>CN</a:t>
             </a:r>
             <a:r>
               <a:rPr lang="en-HK" sz="3300" kern="1200" baseline="30000" dirty="0">
                 <a:solidFill>
                   <a:schemeClr val="tx2"/>
                 </a:solidFill>
-                <a:latin typeface="+mj-lt"/>
+                <a:latin typeface="Times New Roman" panose="02020603050405020304" pitchFamily="18" charset="0"/>
                 <a:ea typeface="+mj-ea"/>
-                <a:cs typeface="+mj-cs"/>
+                <a:cs typeface="Times New Roman" panose="02020603050405020304" pitchFamily="18" charset="0"/>
               </a:rPr>
               <a:t>-</a:t>
             </a:r>
@@ -17443,12 +17779,53 @@
                 <a:solidFill>
                   <a:schemeClr val="tx2"/>
                 </a:solidFill>
-                <a:latin typeface="+mj-lt"/>
+                <a:latin typeface="Times New Roman" panose="02020603050405020304" pitchFamily="18" charset="0"/>
                 <a:ea typeface="+mj-ea"/>
-                <a:cs typeface="+mj-cs"/>
-              </a:rPr>
-              <a:t> formation after winter on surface of Charon</a:t>
-            </a:r>
+                <a:cs typeface="Times New Roman" panose="02020603050405020304" pitchFamily="18" charset="0"/>
+              </a:rPr>
+              <a:t> </a:t>
+            </a:r>
+            <a:r>
+              <a:rPr lang="en-HK" sz="3300" kern="1200" dirty="0" smtClean="0">
+                <a:solidFill>
+                  <a:schemeClr val="tx2"/>
+                </a:solidFill>
+                <a:latin typeface="Times New Roman" panose="02020603050405020304" pitchFamily="18" charset="0"/>
+                <a:ea typeface="+mj-ea"/>
+                <a:cs typeface="Times New Roman" panose="02020603050405020304" pitchFamily="18" charset="0"/>
+              </a:rPr>
+              <a:t>formed </a:t>
+            </a:r>
+            <a:r>
+              <a:rPr lang="en-HK" sz="3300" kern="1200" dirty="0">
+                <a:solidFill>
+                  <a:schemeClr val="tx2"/>
+                </a:solidFill>
+                <a:latin typeface="Times New Roman" panose="02020603050405020304" pitchFamily="18" charset="0"/>
+                <a:ea typeface="+mj-ea"/>
+                <a:cs typeface="Times New Roman" panose="02020603050405020304" pitchFamily="18" charset="0"/>
+              </a:rPr>
+              <a:t>after </a:t>
+            </a:r>
+            <a:r>
+              <a:rPr lang="en-HK" sz="3300" kern="1200" dirty="0" smtClean="0">
+                <a:solidFill>
+                  <a:schemeClr val="tx2"/>
+                </a:solidFill>
+                <a:latin typeface="Times New Roman" panose="02020603050405020304" pitchFamily="18" charset="0"/>
+                <a:ea typeface="+mj-ea"/>
+                <a:cs typeface="Times New Roman" panose="02020603050405020304" pitchFamily="18" charset="0"/>
+              </a:rPr>
+              <a:t>winter on Charon (from result 2)</a:t>
+            </a:r>
+            <a:endParaRPr lang="en-HK" sz="3300" kern="1200" dirty="0">
+              <a:solidFill>
+                <a:schemeClr val="tx2"/>
+              </a:solidFill>
+              <a:latin typeface="Times New Roman" panose="02020603050405020304" pitchFamily="18" charset="0"/>
+              <a:ea typeface="+mj-ea"/>
+              <a:cs typeface="Times New Roman" panose="02020603050405020304" pitchFamily="18" charset="0"/>
+            </a:endParaRPr>
           </a:p>
         </p:txBody>
       </p:sp>
@@ -17464,8 +17841,8 @@
         </p:nvSpPr>
         <p:spPr>
           <a:xfrm>
-            <a:off x="179512" y="1561356"/>
-            <a:ext cx="4176464" cy="2425933"/>
+            <a:off x="-108520" y="1417340"/>
+            <a:ext cx="4241005" cy="2425933"/>
           </a:xfrm>
         </p:spPr>
         <p:txBody>
@@ -17474,142 +17851,205 @@
           </a:bodyPr>
           <a:lstStyle/>
           <a:p>
-            <a:pPr marL="397764" lvl="1" indent="0">
-              <a:buNone/>
-            </a:pPr>
-            <a:r>
-              <a:rPr lang="en-HK" dirty="0" smtClean="0"/>
-              <a:t>Surface composition after </a:t>
-            </a:r>
-            <a:r>
-              <a:rPr lang="en-HK" dirty="0"/>
-              <a:t>1 Pluto winter:</a:t>
-            </a:r>
-          </a:p>
-          <a:p>
-            <a:pPr lvl="2"/>
-            <a:r>
-              <a:rPr lang="en-HK" dirty="0"/>
-              <a:t>Ly α exposure: 1.9 x 10</a:t>
-            </a:r>
-            <a:r>
-              <a:rPr lang="en-HK" baseline="30000" dirty="0"/>
-              <a:t>9</a:t>
-            </a:r>
-            <a:r>
-              <a:rPr lang="en-HK" dirty="0"/>
-              <a:t> eV cm</a:t>
-            </a:r>
-            <a:r>
-              <a:rPr lang="en-HK" baseline="30000" dirty="0"/>
-              <a:t>-2</a:t>
-            </a:r>
-            <a:r>
-              <a:rPr lang="en-HK" dirty="0"/>
-              <a:t> s</a:t>
-            </a:r>
-            <a:r>
-              <a:rPr lang="en-HK" baseline="30000" dirty="0"/>
-              <a:t>-1</a:t>
-            </a:r>
-            <a:r>
-              <a:rPr lang="en-HK" dirty="0"/>
-              <a:t> </a:t>
-            </a:r>
-            <a:r>
-              <a:rPr lang="en-HK" dirty="0" smtClean="0"/>
-              <a:t>(Grundy et al. 2016)</a:t>
-            </a:r>
-            <a:endParaRPr lang="en-HK" dirty="0"/>
-          </a:p>
-          <a:p>
             <a:pPr marL="740664" lvl="2" indent="0">
               <a:buNone/>
             </a:pPr>
             <a:r>
-              <a:rPr lang="en-HK" dirty="0" smtClean="0"/>
-              <a:t>→photon dose: </a:t>
-            </a:r>
-            <a:r>
-              <a:rPr lang="en-US" altLang="zh-CN" dirty="0" smtClean="0">
+              <a:rPr lang="en-HK" sz="1800" dirty="0" smtClean="0">
+                <a:latin typeface="Times New Roman" panose="02020603050405020304" pitchFamily="18" charset="0"/>
+                <a:cs typeface="Times New Roman" panose="02020603050405020304" pitchFamily="18" charset="0"/>
+              </a:rPr>
+              <a:t>Ly-α flux: </a:t>
+            </a:r>
+            <a:r>
+              <a:rPr lang="en-HK" sz="1800" dirty="0">
+                <a:latin typeface="Times New Roman" panose="02020603050405020304" pitchFamily="18" charset="0"/>
+                <a:cs typeface="Times New Roman" panose="02020603050405020304" pitchFamily="18" charset="0"/>
+              </a:rPr>
+              <a:t>1.9 x 10</a:t>
+            </a:r>
+            <a:r>
+              <a:rPr lang="en-HK" sz="1800" baseline="30000" dirty="0">
+                <a:latin typeface="Times New Roman" panose="02020603050405020304" pitchFamily="18" charset="0"/>
+                <a:cs typeface="Times New Roman" panose="02020603050405020304" pitchFamily="18" charset="0"/>
+              </a:rPr>
+              <a:t>9</a:t>
+            </a:r>
+            <a:r>
+              <a:rPr lang="en-HK" sz="1800" dirty="0">
+                <a:latin typeface="Times New Roman" panose="02020603050405020304" pitchFamily="18" charset="0"/>
+                <a:cs typeface="Times New Roman" panose="02020603050405020304" pitchFamily="18" charset="0"/>
+              </a:rPr>
+              <a:t> eV cm</a:t>
+            </a:r>
+            <a:r>
+              <a:rPr lang="en-HK" sz="1800" baseline="30000" dirty="0">
+                <a:latin typeface="Times New Roman" panose="02020603050405020304" pitchFamily="18" charset="0"/>
+                <a:cs typeface="Times New Roman" panose="02020603050405020304" pitchFamily="18" charset="0"/>
+              </a:rPr>
+              <a:t>-2</a:t>
+            </a:r>
+            <a:r>
+              <a:rPr lang="en-HK" sz="1800" dirty="0">
+                <a:latin typeface="Times New Roman" panose="02020603050405020304" pitchFamily="18" charset="0"/>
+                <a:cs typeface="Times New Roman" panose="02020603050405020304" pitchFamily="18" charset="0"/>
+              </a:rPr>
+              <a:t> s</a:t>
+            </a:r>
+            <a:r>
+              <a:rPr lang="en-HK" sz="1800" baseline="30000" dirty="0">
+                <a:latin typeface="Times New Roman" panose="02020603050405020304" pitchFamily="18" charset="0"/>
+                <a:cs typeface="Times New Roman" panose="02020603050405020304" pitchFamily="18" charset="0"/>
+              </a:rPr>
+              <a:t>-1</a:t>
+            </a:r>
+            <a:r>
+              <a:rPr lang="en-HK" sz="1800" dirty="0">
+                <a:latin typeface="Times New Roman" panose="02020603050405020304" pitchFamily="18" charset="0"/>
+                <a:cs typeface="Times New Roman" panose="02020603050405020304" pitchFamily="18" charset="0"/>
+              </a:rPr>
+              <a:t> </a:t>
+            </a:r>
+            <a:r>
+              <a:rPr lang="en-HK" sz="1800" dirty="0" smtClean="0">
+                <a:latin typeface="Times New Roman" panose="02020603050405020304" pitchFamily="18" charset="0"/>
+                <a:cs typeface="Times New Roman" panose="02020603050405020304" pitchFamily="18" charset="0"/>
+              </a:rPr>
+              <a:t>(Grundy et al. 2016)</a:t>
+            </a:r>
+            <a:endParaRPr lang="en-HK" sz="1800" dirty="0">
+              <a:latin typeface="Times New Roman" panose="02020603050405020304" pitchFamily="18" charset="0"/>
+              <a:cs typeface="Times New Roman" panose="02020603050405020304" pitchFamily="18" charset="0"/>
+            </a:endParaRPr>
+          </a:p>
+          <a:p>
+            <a:pPr marL="740664" lvl="2" indent="0">
+              <a:buNone/>
+            </a:pPr>
+            <a:r>
+              <a:rPr lang="en-HK" sz="1800" dirty="0" smtClean="0">
+                <a:latin typeface="Times New Roman" panose="02020603050405020304" pitchFamily="18" charset="0"/>
+                <a:cs typeface="Times New Roman" panose="02020603050405020304" pitchFamily="18" charset="0"/>
+              </a:rPr>
+              <a:t>→photon </a:t>
+            </a:r>
+            <a:r>
+              <a:rPr lang="en-HK" sz="1800" dirty="0" smtClean="0">
+                <a:latin typeface="Times New Roman" panose="02020603050405020304" pitchFamily="18" charset="0"/>
+                <a:cs typeface="Times New Roman" panose="02020603050405020304" pitchFamily="18" charset="0"/>
+              </a:rPr>
+              <a:t>dose after 1 </a:t>
+            </a:r>
+            <a:r>
+              <a:rPr lang="en-HK" sz="1800" dirty="0">
+                <a:latin typeface="Times New Roman" panose="02020603050405020304" pitchFamily="18" charset="0"/>
+                <a:cs typeface="Times New Roman" panose="02020603050405020304" pitchFamily="18" charset="0"/>
+              </a:rPr>
+              <a:t>P</a:t>
+            </a:r>
+            <a:r>
+              <a:rPr lang="en-HK" sz="1800" dirty="0" smtClean="0">
+                <a:latin typeface="Times New Roman" panose="02020603050405020304" pitchFamily="18" charset="0"/>
+                <a:cs typeface="Times New Roman" panose="02020603050405020304" pitchFamily="18" charset="0"/>
+              </a:rPr>
+              <a:t>luto winter </a:t>
+            </a:r>
+            <a:r>
+              <a:rPr lang="en-US" altLang="zh-CN" sz="1800" dirty="0" smtClean="0">
                 <a:solidFill>
                   <a:srgbClr val="0070C0"/>
                 </a:solidFill>
+                <a:latin typeface="Times New Roman" panose="02020603050405020304" pitchFamily="18" charset="0"/>
+                <a:cs typeface="Times New Roman" panose="02020603050405020304" pitchFamily="18" charset="0"/>
               </a:rPr>
               <a:t>7.64 </a:t>
             </a:r>
             <a:r>
-              <a:rPr lang="en-HK" dirty="0" smtClean="0">
+              <a:rPr lang="en-HK" sz="1800" dirty="0" smtClean="0">
                 <a:solidFill>
                   <a:srgbClr val="0070C0"/>
                 </a:solidFill>
+                <a:latin typeface="Times New Roman" panose="02020603050405020304" pitchFamily="18" charset="0"/>
+                <a:cs typeface="Times New Roman" panose="02020603050405020304" pitchFamily="18" charset="0"/>
               </a:rPr>
               <a:t>x </a:t>
             </a:r>
             <a:r>
-              <a:rPr lang="en-HK" dirty="0">
+              <a:rPr lang="en-HK" sz="1800" dirty="0">
                 <a:solidFill>
                   <a:srgbClr val="0070C0"/>
                 </a:solidFill>
+                <a:latin typeface="Times New Roman" panose="02020603050405020304" pitchFamily="18" charset="0"/>
+                <a:cs typeface="Times New Roman" panose="02020603050405020304" pitchFamily="18" charset="0"/>
               </a:rPr>
               <a:t>10 </a:t>
             </a:r>
             <a:r>
-              <a:rPr lang="en-HK" baseline="30000" dirty="0">
+              <a:rPr lang="en-HK" sz="1800" baseline="30000" dirty="0">
                 <a:solidFill>
                   <a:srgbClr val="0070C0"/>
                 </a:solidFill>
+                <a:latin typeface="Times New Roman" panose="02020603050405020304" pitchFamily="18" charset="0"/>
+                <a:cs typeface="Times New Roman" panose="02020603050405020304" pitchFamily="18" charset="0"/>
               </a:rPr>
               <a:t>17</a:t>
             </a:r>
             <a:r>
-              <a:rPr lang="en-HK" dirty="0">
+              <a:rPr lang="en-HK" sz="1800" dirty="0">
                 <a:solidFill>
                   <a:srgbClr val="0070C0"/>
                 </a:solidFill>
+                <a:latin typeface="Times New Roman" panose="02020603050405020304" pitchFamily="18" charset="0"/>
+                <a:cs typeface="Times New Roman" panose="02020603050405020304" pitchFamily="18" charset="0"/>
               </a:rPr>
               <a:t>  </a:t>
             </a:r>
             <a:r>
-              <a:rPr lang="en-HK" dirty="0"/>
+              <a:rPr lang="en-HK" sz="1800" dirty="0">
+                <a:latin typeface="Times New Roman" panose="02020603050405020304" pitchFamily="18" charset="0"/>
+                <a:cs typeface="Times New Roman" panose="02020603050405020304" pitchFamily="18" charset="0"/>
+              </a:rPr>
               <a:t>photons cm</a:t>
             </a:r>
             <a:r>
-              <a:rPr lang="en-HK" baseline="30000" dirty="0"/>
+              <a:rPr lang="en-HK" sz="1800" baseline="30000" dirty="0">
+                <a:latin typeface="Times New Roman" panose="02020603050405020304" pitchFamily="18" charset="0"/>
+                <a:cs typeface="Times New Roman" panose="02020603050405020304" pitchFamily="18" charset="0"/>
+              </a:rPr>
               <a:t>-2</a:t>
             </a:r>
-          </a:p>
-          <a:p>
-            <a:pPr lvl="2"/>
-            <a:r>
-              <a:rPr lang="en-HK" dirty="0"/>
-              <a:t>CH</a:t>
-            </a:r>
-            <a:r>
-              <a:rPr lang="en-HK" baseline="-25000" dirty="0"/>
-              <a:t>4</a:t>
-            </a:r>
-            <a:r>
-              <a:rPr lang="en-HK" dirty="0"/>
-              <a:t> deposition rate: </a:t>
-            </a:r>
-            <a:endParaRPr lang="en-HK" dirty="0" smtClean="0"/>
           </a:p>
           <a:p>
             <a:pPr marL="740664" lvl="2" indent="0">
               <a:buNone/>
             </a:pPr>
             <a:r>
-              <a:rPr lang="en-US" altLang="zh-TW" dirty="0" smtClean="0"/>
-              <a:t>(</a:t>
-            </a:r>
-            <a:r>
-              <a:rPr lang="en-HK" altLang="zh-CN" dirty="0" err="1" smtClean="0"/>
-              <a:t>Hoey</a:t>
-            </a:r>
-            <a:r>
-              <a:rPr lang="en-HK" altLang="zh-CN" dirty="0" smtClean="0"/>
-              <a:t> et al. 2017)</a:t>
+              <a:rPr lang="en-HK" sz="1800" dirty="0">
+                <a:latin typeface="Times New Roman" panose="02020603050405020304" pitchFamily="18" charset="0"/>
+                <a:cs typeface="Times New Roman" panose="02020603050405020304" pitchFamily="18" charset="0"/>
+              </a:rPr>
+              <a:t>CH</a:t>
+            </a:r>
+            <a:r>
+              <a:rPr lang="en-HK" sz="1800" baseline="-25000" dirty="0">
+                <a:latin typeface="Times New Roman" panose="02020603050405020304" pitchFamily="18" charset="0"/>
+                <a:cs typeface="Times New Roman" panose="02020603050405020304" pitchFamily="18" charset="0"/>
+              </a:rPr>
+              <a:t>4</a:t>
+            </a:r>
+            <a:r>
+              <a:rPr lang="en-HK" sz="1800" dirty="0">
+                <a:latin typeface="Times New Roman" panose="02020603050405020304" pitchFamily="18" charset="0"/>
+                <a:cs typeface="Times New Roman" panose="02020603050405020304" pitchFamily="18" charset="0"/>
+              </a:rPr>
+              <a:t> </a:t>
+            </a:r>
+            <a:r>
+              <a:rPr lang="en-HK" sz="1800" dirty="0" smtClean="0">
+                <a:latin typeface="Times New Roman" panose="02020603050405020304" pitchFamily="18" charset="0"/>
+                <a:cs typeface="Times New Roman" panose="02020603050405020304" pitchFamily="18" charset="0"/>
+              </a:rPr>
+              <a:t>after winter ~173 ML </a:t>
             </a:r>
           </a:p>
           <a:p>
@@ -17617,17 +18057,30 @@
               <a:buNone/>
             </a:pPr>
             <a:r>
-              <a:rPr lang="en-HK" dirty="0"/>
-              <a:t>→ </a:t>
-            </a:r>
-            <a:r>
-              <a:rPr lang="en-HK" dirty="0" smtClean="0"/>
-              <a:t>~110-150 </a:t>
-            </a:r>
-            <a:r>
-              <a:rPr lang="en-HK" dirty="0"/>
-              <a:t>ML in 130 earth years</a:t>
-            </a:r>
+              <a:rPr lang="en-HK" sz="1800" dirty="0" smtClean="0">
+                <a:latin typeface="Times New Roman" panose="02020603050405020304" pitchFamily="18" charset="0"/>
+                <a:cs typeface="Times New Roman" panose="02020603050405020304" pitchFamily="18" charset="0"/>
+              </a:rPr>
+              <a:t>Assume the column density of NH</a:t>
+            </a:r>
+            <a:r>
+              <a:rPr lang="en-HK" sz="1800" baseline="-25000" dirty="0" smtClean="0">
+                <a:latin typeface="Times New Roman" panose="02020603050405020304" pitchFamily="18" charset="0"/>
+                <a:cs typeface="Times New Roman" panose="02020603050405020304" pitchFamily="18" charset="0"/>
+              </a:rPr>
+              <a:t>3</a:t>
+            </a:r>
+            <a:r>
+              <a:rPr lang="en-HK" sz="1800" dirty="0" smtClean="0">
+                <a:latin typeface="Times New Roman" panose="02020603050405020304" pitchFamily="18" charset="0"/>
+                <a:cs typeface="Times New Roman" panose="02020603050405020304" pitchFamily="18" charset="0"/>
+              </a:rPr>
+              <a:t> is 600 ML</a:t>
+            </a:r>
+            <a:endParaRPr lang="en-HK" sz="1800" dirty="0" smtClean="0">
+              <a:latin typeface="Times New Roman" panose="02020603050405020304" pitchFamily="18" charset="0"/>
+              <a:cs typeface="Times New Roman" panose="02020603050405020304" pitchFamily="18" charset="0"/>
+            </a:endParaRPr>
           </a:p>
           <a:p>
             <a:pPr marL="0" indent="0">
@@ -17709,13 +18162,13 @@
           <p:nvPr>
             <p:extLst>
               <p:ext uri="{D42A27DB-BD31-4B8C-83A1-F6EECF244321}">
-                <p14:modId xmlns:p14="http://schemas.microsoft.com/office/powerpoint/2010/main" val="4196203954"/>
+                <p14:modId xmlns:p14="http://schemas.microsoft.com/office/powerpoint/2010/main" val="176475262"/>
               </p:ext>
             </p:extLst>
           </p:nvPr>
         </p:nvGraphicFramePr>
         <p:xfrm>
-          <a:off x="971600" y="3543327"/>
+          <a:off x="1115616" y="3728720"/>
           <a:ext cx="2464047" cy="1986280"/>
         </p:xfrm>
         <a:graphic>
@@ -17725,14 +18178,14 @@
                 <a:tableStyleId>{5C22544A-7EE6-4342-B048-85BDC9FD1C3A}</a:tableStyleId>
               </a:tblPr>
               <a:tblGrid>
-                <a:gridCol w="821349">
+                <a:gridCol w="936104">
                   <a:extLst>
                     <a:ext uri="{9D8B030D-6E8A-4147-A177-3AD203B41FA5}">
                       <a16:colId xmlns:a16="http://schemas.microsoft.com/office/drawing/2014/main" val="235585659"/>
                     </a:ext>
                   </a:extLst>
                 </a:gridCol>
-                <a:gridCol w="821349">
+                <a:gridCol w="706594">
                   <a:extLst>
                     <a:ext uri="{9D8B030D-6E8A-4147-A177-3AD203B41FA5}">
                       <a16:colId xmlns:a16="http://schemas.microsoft.com/office/drawing/2014/main" val="1433694795"/>
@@ -17762,8 +18215,12 @@
                         <a:t>4</a:t>
                       </a:r>
                       <a:r>
+                        <a:rPr lang="en-HK" baseline="0" dirty="0" smtClean="0"/>
+                        <a:t>:</a:t>
+                      </a:r>
+                      <a:r>
                         <a:rPr lang="en-HK" dirty="0" smtClean="0"/>
-                        <a:t>+NH</a:t>
+                        <a:t>NH</a:t>
                       </a:r>
                       <a:r>
                         <a:rPr lang="en-HK" baseline="-25000" dirty="0" smtClean="0"/>
@@ -17846,7 +18303,7 @@
                     <a:p>
                       <a:r>
                         <a:rPr lang="en-HK" dirty="0" smtClean="0"/>
-                        <a:t>110</a:t>
+                        <a:t>120</a:t>
                       </a:r>
                       <a:endParaRPr lang="en-US" dirty="0"/>
                     </a:p>
@@ -18033,20 +18490,20 @@
           <p:nvPr>
             <p:extLst>
               <p:ext uri="{D42A27DB-BD31-4B8C-83A1-F6EECF244321}">
-                <p14:modId xmlns:p14="http://schemas.microsoft.com/office/powerpoint/2010/main" val="3534765628"/>
+                <p14:modId xmlns:p14="http://schemas.microsoft.com/office/powerpoint/2010/main" val="1804400980"/>
               </p:ext>
             </p:extLst>
           </p:nvPr>
         </p:nvGraphicFramePr>
         <p:xfrm>
-          <a:off x="4139952" y="2065412"/>
-          <a:ext cx="5344368" cy="3493912"/>
+          <a:off x="3851920" y="1809750"/>
+          <a:ext cx="5704408" cy="3729290"/>
         </p:xfrm>
         <a:graphic>
           <a:graphicData uri="http://schemas.openxmlformats.org/presentationml/2006/ole">
             <mc:AlternateContent xmlns:mc="http://schemas.openxmlformats.org/markup-compatibility/2006">
               <mc:Choice xmlns:v="urn:schemas-microsoft-com:vml" Requires="v">
-                <p:oleObj spid="_x0000_s2826" name="Graph" r:id="rId3" imgW="4754880" imgH="3108960" progId="Origin50.Graph">
+                <p:oleObj spid="_x0000_s2940" name="Graph" r:id="rId3" imgW="4754880" imgH="3108960" progId="Origin50.Graph">
                   <p:embed/>
                 </p:oleObj>
               </mc:Choice>
@@ -18067,8 +18524,8 @@
                     </p:blipFill>
                     <p:spPr>
                       <a:xfrm>
-                        <a:off x="4139952" y="2065412"/>
-                        <a:ext cx="5344368" cy="3493912"/>
+                        <a:off x="3851920" y="1809750"/>
+                        <a:ext cx="5704408" cy="3729290"/>
                       </a:xfrm>
                       <a:prstGeom prst="rect">
                         <a:avLst/>
@@ -18128,16 +18585,119 @@
             <p:ph type="title"/>
           </p:nvPr>
         </p:nvSpPr>
-        <p:spPr/>
+        <p:spPr>
+          <a:xfrm>
+            <a:off x="1028700" y="571500"/>
+            <a:ext cx="7863780" cy="1238250"/>
+          </a:xfrm>
+        </p:spPr>
         <p:txBody>
-          <a:bodyPr/>
+          <a:bodyPr>
+            <a:normAutofit/>
+          </a:bodyPr>
           <a:lstStyle/>
           <a:p>
             <a:r>
-              <a:rPr lang="en-HK" dirty="0" smtClean="0"/>
-              <a:t>Astrophysical implications</a:t>
-            </a:r>
-            <a:endParaRPr lang="en-US" dirty="0"/>
+              <a:rPr lang="en-HK" dirty="0">
+                <a:solidFill>
+                  <a:schemeClr val="tx1"/>
+                </a:solidFill>
+                <a:latin typeface="Times New Roman" panose="02020603050405020304" pitchFamily="18" charset="0"/>
+                <a:cs typeface="Times New Roman" panose="02020603050405020304" pitchFamily="18" charset="0"/>
+              </a:rPr>
+              <a:t>Ly</a:t>
+            </a:r>
+            <a:r>
+              <a:rPr lang="en-US" altLang="zh-TW" dirty="0">
+                <a:solidFill>
+                  <a:schemeClr val="tx1"/>
+                </a:solidFill>
+                <a:latin typeface="Times New Roman" panose="02020603050405020304" pitchFamily="18" charset="0"/>
+                <a:cs typeface="Times New Roman" panose="02020603050405020304" pitchFamily="18" charset="0"/>
+              </a:rPr>
+              <a:t>-</a:t>
+            </a:r>
+            <a:r>
+              <a:rPr lang="en-HK" dirty="0">
+                <a:solidFill>
+                  <a:schemeClr val="tx1"/>
+                </a:solidFill>
+                <a:latin typeface="Times New Roman" panose="02020603050405020304" pitchFamily="18" charset="0"/>
+                <a:cs typeface="Times New Roman" panose="02020603050405020304" pitchFamily="18" charset="0"/>
+              </a:rPr>
+              <a:t>α </a:t>
+            </a:r>
+            <a:r>
+              <a:rPr lang="en-HK" dirty="0" smtClean="0">
+                <a:solidFill>
+                  <a:schemeClr val="tx1"/>
+                </a:solidFill>
+                <a:latin typeface="Times New Roman" panose="02020603050405020304" pitchFamily="18" charset="0"/>
+                <a:cs typeface="Times New Roman" panose="02020603050405020304" pitchFamily="18" charset="0"/>
+              </a:rPr>
+              <a:t>is the main photon source to produce CN</a:t>
+            </a:r>
+            <a:r>
+              <a:rPr lang="en-HK" baseline="30000" dirty="0" smtClean="0">
+                <a:solidFill>
+                  <a:schemeClr val="tx1"/>
+                </a:solidFill>
+                <a:latin typeface="Times New Roman" panose="02020603050405020304" pitchFamily="18" charset="0"/>
+                <a:cs typeface="Times New Roman" panose="02020603050405020304" pitchFamily="18" charset="0"/>
+              </a:rPr>
+              <a:t>-</a:t>
+            </a:r>
+            <a:r>
+              <a:rPr lang="en-HK" dirty="0" smtClean="0">
+                <a:solidFill>
+                  <a:schemeClr val="tx1"/>
+                </a:solidFill>
+                <a:latin typeface="Times New Roman" panose="02020603050405020304" pitchFamily="18" charset="0"/>
+                <a:cs typeface="Times New Roman" panose="02020603050405020304" pitchFamily="18" charset="0"/>
+              </a:rPr>
+              <a:t> </a:t>
+            </a:r>
+            <a:r>
+              <a:rPr lang="en-HK" dirty="0">
+                <a:solidFill>
+                  <a:schemeClr val="tx1"/>
+                </a:solidFill>
+                <a:latin typeface="Times New Roman" panose="02020603050405020304" pitchFamily="18" charset="0"/>
+                <a:cs typeface="Times New Roman" panose="02020603050405020304" pitchFamily="18" charset="0"/>
+              </a:rPr>
+              <a:t>on </a:t>
+            </a:r>
+            <a:r>
+              <a:rPr lang="en-HK" dirty="0" smtClean="0">
+                <a:solidFill>
+                  <a:schemeClr val="tx1"/>
+                </a:solidFill>
+                <a:latin typeface="Times New Roman" panose="02020603050405020304" pitchFamily="18" charset="0"/>
+                <a:cs typeface="Times New Roman" panose="02020603050405020304" pitchFamily="18" charset="0"/>
+              </a:rPr>
+              <a:t>Charon</a:t>
+            </a:r>
+            <a:r>
+              <a:rPr lang="en-HK" dirty="0" smtClean="0">
+                <a:solidFill>
+                  <a:srgbClr val="0070C0"/>
+                </a:solidFill>
+                <a:latin typeface="Times New Roman" panose="02020603050405020304" pitchFamily="18" charset="0"/>
+                <a:cs typeface="Times New Roman" panose="02020603050405020304" pitchFamily="18" charset="0"/>
+              </a:rPr>
+              <a:t> </a:t>
+            </a:r>
+            <a:r>
+              <a:rPr lang="en-HK" dirty="0" smtClean="0">
+                <a:latin typeface="Times New Roman" panose="02020603050405020304" pitchFamily="18" charset="0"/>
+                <a:cs typeface="Times New Roman" panose="02020603050405020304" pitchFamily="18" charset="0"/>
+              </a:rPr>
+              <a:t>(from result 3)</a:t>
+            </a:r>
+            <a:endParaRPr lang="en-US" dirty="0">
+              <a:latin typeface="Times New Roman" panose="02020603050405020304" pitchFamily="18" charset="0"/>
+              <a:cs typeface="Times New Roman" panose="02020603050405020304" pitchFamily="18" charset="0"/>
+            </a:endParaRPr>
           </a:p>
         </p:txBody>
       </p:sp>
@@ -18153,8 +18713,8 @@
         </p:nvSpPr>
         <p:spPr>
           <a:xfrm>
-            <a:off x="539552" y="1201316"/>
-            <a:ext cx="3888432" cy="3752962"/>
+            <a:off x="107504" y="1484953"/>
+            <a:ext cx="4032448" cy="3752962"/>
           </a:xfrm>
         </p:spPr>
         <p:txBody>
@@ -18165,41 +18725,255 @@
           <a:p>
             <a:pPr lvl="1"/>
             <a:r>
-              <a:rPr lang="en-HK" sz="2000" dirty="0" smtClean="0"/>
-              <a:t>VUV is </a:t>
+              <a:rPr lang="en-HK" sz="2000" dirty="0" smtClean="0">
+                <a:latin typeface="Times New Roman" panose="02020603050405020304" pitchFamily="18" charset="0"/>
+                <a:cs typeface="Times New Roman" panose="02020603050405020304" pitchFamily="18" charset="0"/>
+              </a:rPr>
+              <a:t>VUV(19.1% </a:t>
+            </a:r>
+            <a:r>
+              <a:rPr lang="en-HK" sz="2000" dirty="0" smtClean="0">
+                <a:latin typeface="Times New Roman" panose="02020603050405020304" pitchFamily="18" charset="0"/>
+                <a:cs typeface="Times New Roman" panose="02020603050405020304" pitchFamily="18" charset="0"/>
+              </a:rPr>
+              <a:t>of which is</a:t>
+            </a:r>
+            <a:r>
+              <a:rPr lang="en-HK" sz="2000" dirty="0" smtClean="0">
+                <a:latin typeface="Times New Roman" panose="02020603050405020304" pitchFamily="18" charset="0"/>
+                <a:cs typeface="Times New Roman" panose="02020603050405020304" pitchFamily="18" charset="0"/>
+              </a:rPr>
+              <a:t> </a:t>
+            </a:r>
+            <a:r>
+              <a:rPr lang="en-HK" sz="2000" dirty="0" smtClean="0">
+                <a:latin typeface="Times New Roman" panose="02020603050405020304" pitchFamily="18" charset="0"/>
+                <a:cs typeface="Times New Roman" panose="02020603050405020304" pitchFamily="18" charset="0"/>
+              </a:rPr>
+              <a:t>L</a:t>
+            </a:r>
+            <a:r>
+              <a:rPr lang="en-HK" sz="2000" dirty="0" smtClean="0">
+                <a:latin typeface="Times New Roman" panose="02020603050405020304" pitchFamily="18" charset="0"/>
+                <a:cs typeface="Times New Roman" panose="02020603050405020304" pitchFamily="18" charset="0"/>
+              </a:rPr>
+              <a:t>y-</a:t>
+            </a:r>
+            <a:r>
+              <a:rPr lang="en-HK" sz="2000" dirty="0" smtClean="0">
+                <a:solidFill>
+                  <a:schemeClr val="tx1"/>
+                </a:solidFill>
+                <a:latin typeface="Times New Roman" panose="02020603050405020304" pitchFamily="18" charset="0"/>
+                <a:cs typeface="Times New Roman" panose="02020603050405020304" pitchFamily="18" charset="0"/>
+              </a:rPr>
+              <a:t> α) will</a:t>
+            </a:r>
+            <a:r>
+              <a:rPr lang="en-HK" sz="2000" dirty="0" smtClean="0">
+                <a:latin typeface="Times New Roman" panose="02020603050405020304" pitchFamily="18" charset="0"/>
+                <a:cs typeface="Times New Roman" panose="02020603050405020304" pitchFamily="18" charset="0"/>
+              </a:rPr>
+              <a:t> produce CN</a:t>
+            </a:r>
+            <a:r>
+              <a:rPr lang="en-HK" sz="2000" baseline="30000" dirty="0" smtClean="0">
+                <a:latin typeface="Times New Roman" panose="02020603050405020304" pitchFamily="18" charset="0"/>
+                <a:cs typeface="Times New Roman" panose="02020603050405020304" pitchFamily="18" charset="0"/>
+              </a:rPr>
+              <a:t>-</a:t>
+            </a:r>
+            <a:r>
+              <a:rPr lang="en-HK" sz="2000" dirty="0" smtClean="0">
+                <a:latin typeface="Times New Roman" panose="02020603050405020304" pitchFamily="18" charset="0"/>
+                <a:cs typeface="Times New Roman" panose="02020603050405020304" pitchFamily="18" charset="0"/>
+              </a:rPr>
+              <a:t> </a:t>
             </a:r>
             <a:r>
               <a:rPr lang="en-HK" sz="2000" dirty="0" smtClean="0">
                 <a:solidFill>
                   <a:srgbClr val="0070C0"/>
                 </a:solidFill>
-              </a:rPr>
-              <a:t>3.06 to 4.28 times more efficient </a:t>
-            </a:r>
-            <a:r>
-              <a:rPr lang="en-HK" sz="2000" dirty="0" smtClean="0"/>
-              <a:t>than EUV</a:t>
-            </a:r>
-            <a:endParaRPr lang="en-HK" sz="2000" dirty="0"/>
-          </a:p>
-          <a:p>
-            <a:pPr lvl="1"/>
-            <a:r>
-              <a:rPr lang="en-HK" sz="2000" dirty="0" smtClean="0"/>
-              <a:t>VUV flux is </a:t>
+                <a:latin typeface="Times New Roman" panose="02020603050405020304" pitchFamily="18" charset="0"/>
+                <a:cs typeface="Times New Roman" panose="02020603050405020304" pitchFamily="18" charset="0"/>
+              </a:rPr>
+              <a:t>3.06 </a:t>
             </a:r>
             <a:r>
               <a:rPr lang="en-HK" sz="2000" dirty="0" smtClean="0">
                 <a:solidFill>
                   <a:srgbClr val="0070C0"/>
                 </a:solidFill>
+                <a:latin typeface="Times New Roman" panose="02020603050405020304" pitchFamily="18" charset="0"/>
+                <a:cs typeface="Times New Roman" panose="02020603050405020304" pitchFamily="18" charset="0"/>
+              </a:rPr>
+              <a:t>- </a:t>
+            </a:r>
+            <a:r>
+              <a:rPr lang="en-HK" sz="2000" dirty="0" smtClean="0">
+                <a:solidFill>
+                  <a:srgbClr val="0070C0"/>
+                </a:solidFill>
+                <a:latin typeface="Times New Roman" panose="02020603050405020304" pitchFamily="18" charset="0"/>
+                <a:cs typeface="Times New Roman" panose="02020603050405020304" pitchFamily="18" charset="0"/>
+              </a:rPr>
+              <a:t>4.28 times more efficient </a:t>
+            </a:r>
+            <a:r>
+              <a:rPr lang="en-HK" sz="2000" dirty="0" smtClean="0">
+                <a:latin typeface="Times New Roman" panose="02020603050405020304" pitchFamily="18" charset="0"/>
+                <a:cs typeface="Times New Roman" panose="02020603050405020304" pitchFamily="18" charset="0"/>
+              </a:rPr>
+              <a:t>than </a:t>
+            </a:r>
+            <a:r>
+              <a:rPr lang="en-HK" sz="2000" dirty="0" smtClean="0">
+                <a:latin typeface="Times New Roman" panose="02020603050405020304" pitchFamily="18" charset="0"/>
+                <a:cs typeface="Times New Roman" panose="02020603050405020304" pitchFamily="18" charset="0"/>
+              </a:rPr>
+              <a:t>EUV</a:t>
+            </a:r>
+          </a:p>
+          <a:p>
+            <a:pPr lvl="1"/>
+            <a:r>
+              <a:rPr lang="en-HK" sz="2000" dirty="0" smtClean="0">
+                <a:solidFill>
+                  <a:schemeClr val="tx1"/>
+                </a:solidFill>
+                <a:latin typeface="Times New Roman" panose="02020603050405020304" pitchFamily="18" charset="0"/>
+                <a:cs typeface="Times New Roman" panose="02020603050405020304" pitchFamily="18" charset="0"/>
+              </a:rPr>
+              <a:t>It is expected that </a:t>
+            </a:r>
+            <a:r>
+              <a:rPr lang="en-HK" sz="2000" dirty="0">
+                <a:latin typeface="Times New Roman" panose="02020603050405020304" pitchFamily="18" charset="0"/>
+                <a:cs typeface="Times New Roman" panose="02020603050405020304" pitchFamily="18" charset="0"/>
+              </a:rPr>
+              <a:t>Ly-</a:t>
+            </a:r>
+            <a:r>
+              <a:rPr lang="en-HK" sz="2000" dirty="0">
+                <a:solidFill>
+                  <a:schemeClr val="tx1"/>
+                </a:solidFill>
+                <a:latin typeface="Times New Roman" panose="02020603050405020304" pitchFamily="18" charset="0"/>
+                <a:cs typeface="Times New Roman" panose="02020603050405020304" pitchFamily="18" charset="0"/>
+              </a:rPr>
+              <a:t> </a:t>
+            </a:r>
+            <a:r>
+              <a:rPr lang="en-HK" sz="2000" dirty="0" smtClean="0">
+                <a:solidFill>
+                  <a:schemeClr val="tx1"/>
+                </a:solidFill>
+                <a:latin typeface="Times New Roman" panose="02020603050405020304" pitchFamily="18" charset="0"/>
+                <a:cs typeface="Times New Roman" panose="02020603050405020304" pitchFamily="18" charset="0"/>
+              </a:rPr>
+              <a:t>α will produce CN</a:t>
+            </a:r>
+            <a:r>
+              <a:rPr lang="en-HK" sz="2000" baseline="30000" dirty="0" smtClean="0">
+                <a:solidFill>
+                  <a:schemeClr val="tx1"/>
+                </a:solidFill>
+                <a:latin typeface="Times New Roman" panose="02020603050405020304" pitchFamily="18" charset="0"/>
+                <a:cs typeface="Times New Roman" panose="02020603050405020304" pitchFamily="18" charset="0"/>
+              </a:rPr>
+              <a:t>-</a:t>
+            </a:r>
+            <a:r>
+              <a:rPr lang="en-HK" sz="2000" dirty="0" smtClean="0">
+                <a:solidFill>
+                  <a:schemeClr val="tx1"/>
+                </a:solidFill>
+                <a:latin typeface="Times New Roman" panose="02020603050405020304" pitchFamily="18" charset="0"/>
+                <a:cs typeface="Times New Roman" panose="02020603050405020304" pitchFamily="18" charset="0"/>
+              </a:rPr>
+              <a:t> more efficient than EUV</a:t>
+            </a:r>
+            <a:endParaRPr lang="en-HK" sz="2000" dirty="0">
+              <a:latin typeface="Times New Roman" panose="02020603050405020304" pitchFamily="18" charset="0"/>
+              <a:cs typeface="Times New Roman" panose="02020603050405020304" pitchFamily="18" charset="0"/>
+            </a:endParaRPr>
+          </a:p>
+          <a:p>
+            <a:pPr lvl="1"/>
+            <a:r>
+              <a:rPr lang="en-HK" sz="2000" dirty="0">
+                <a:latin typeface="Times New Roman" panose="02020603050405020304" pitchFamily="18" charset="0"/>
+                <a:cs typeface="Times New Roman" panose="02020603050405020304" pitchFamily="18" charset="0"/>
+              </a:rPr>
+              <a:t>Ly-</a:t>
+            </a:r>
+            <a:r>
+              <a:rPr lang="en-HK" sz="2000" dirty="0">
+                <a:solidFill>
+                  <a:schemeClr val="tx1"/>
+                </a:solidFill>
+                <a:latin typeface="Times New Roman" panose="02020603050405020304" pitchFamily="18" charset="0"/>
+                <a:cs typeface="Times New Roman" panose="02020603050405020304" pitchFamily="18" charset="0"/>
+              </a:rPr>
+              <a:t> α</a:t>
+            </a:r>
+            <a:r>
+              <a:rPr lang="en-HK" sz="2000" dirty="0" smtClean="0">
+                <a:latin typeface="Times New Roman" panose="02020603050405020304" pitchFamily="18" charset="0"/>
+                <a:cs typeface="Times New Roman" panose="02020603050405020304" pitchFamily="18" charset="0"/>
+              </a:rPr>
+              <a:t> </a:t>
+            </a:r>
+            <a:r>
+              <a:rPr lang="en-HK" sz="2000" dirty="0" smtClean="0">
+                <a:latin typeface="Times New Roman" panose="02020603050405020304" pitchFamily="18" charset="0"/>
+                <a:cs typeface="Times New Roman" panose="02020603050405020304" pitchFamily="18" charset="0"/>
+              </a:rPr>
+              <a:t>flux is </a:t>
+            </a:r>
+            <a:r>
+              <a:rPr lang="en-HK" sz="2000" dirty="0" smtClean="0">
+                <a:solidFill>
+                  <a:srgbClr val="0070C0"/>
+                </a:solidFill>
+                <a:latin typeface="Times New Roman" panose="02020603050405020304" pitchFamily="18" charset="0"/>
+                <a:cs typeface="Times New Roman" panose="02020603050405020304" pitchFamily="18" charset="0"/>
               </a:rPr>
               <a:t>1 order of magnitude</a:t>
             </a:r>
             <a:r>
-              <a:rPr lang="en-HK" sz="2000" dirty="0" smtClean="0"/>
-              <a:t> more intense than EUV irradiations (Grundy et al. 2016)</a:t>
-            </a:r>
+              <a:rPr lang="en-HK" sz="2000" dirty="0" smtClean="0">
+                <a:latin typeface="Times New Roman" panose="02020603050405020304" pitchFamily="18" charset="0"/>
+                <a:cs typeface="Times New Roman" panose="02020603050405020304" pitchFamily="18" charset="0"/>
+              </a:rPr>
+              <a:t> more intense than EUV irradiations </a:t>
+            </a:r>
+            <a:r>
+              <a:rPr lang="en-HK" sz="2000" dirty="0" smtClean="0">
+                <a:latin typeface="Times New Roman" panose="02020603050405020304" pitchFamily="18" charset="0"/>
+                <a:cs typeface="Times New Roman" panose="02020603050405020304" pitchFamily="18" charset="0"/>
+              </a:rPr>
+              <a:t>at 39.1 A.U. (Grundy </a:t>
+            </a:r>
+            <a:r>
+              <a:rPr lang="en-HK" sz="2000" dirty="0" smtClean="0">
+                <a:latin typeface="Times New Roman" panose="02020603050405020304" pitchFamily="18" charset="0"/>
+                <a:cs typeface="Times New Roman" panose="02020603050405020304" pitchFamily="18" charset="0"/>
+              </a:rPr>
+              <a:t>et al. 2016</a:t>
+            </a:r>
+            <a:r>
+              <a:rPr lang="en-HK" sz="2000" dirty="0" smtClean="0">
+                <a:latin typeface="Times New Roman" panose="02020603050405020304" pitchFamily="18" charset="0"/>
+                <a:cs typeface="Times New Roman" panose="02020603050405020304" pitchFamily="18" charset="0"/>
+              </a:rPr>
+              <a:t>)</a:t>
+            </a:r>
+            <a:endParaRPr lang="en-HK" sz="2000" dirty="0" smtClean="0">
+              <a:latin typeface="Times New Roman" panose="02020603050405020304" pitchFamily="18" charset="0"/>
+              <a:cs typeface="Times New Roman" panose="02020603050405020304" pitchFamily="18" charset="0"/>
+            </a:endParaRPr>
           </a:p>
           <a:p>
             <a:pPr marL="973836" lvl="3">
@@ -18208,43 +18982,87 @@
               </a:spcBef>
             </a:pPr>
             <a:r>
-              <a:rPr lang="en-HK" sz="1800" dirty="0" smtClean="0"/>
+              <a:rPr lang="en-HK" sz="1800" dirty="0" smtClean="0">
+                <a:latin typeface="Times New Roman" panose="02020603050405020304" pitchFamily="18" charset="0"/>
+                <a:cs typeface="Times New Roman" panose="02020603050405020304" pitchFamily="18" charset="0"/>
+              </a:rPr>
               <a:t>Ly</a:t>
             </a:r>
             <a:r>
-              <a:rPr lang="en-US" altLang="zh-TW" sz="1800" dirty="0" smtClean="0"/>
+              <a:rPr lang="en-US" altLang="zh-TW" sz="1800" dirty="0" smtClean="0">
+                <a:latin typeface="Times New Roman" panose="02020603050405020304" pitchFamily="18" charset="0"/>
+                <a:cs typeface="Times New Roman" panose="02020603050405020304" pitchFamily="18" charset="0"/>
+              </a:rPr>
               <a:t>-</a:t>
             </a:r>
             <a:r>
-              <a:rPr lang="en-HK" sz="1800" dirty="0" smtClean="0"/>
+              <a:rPr lang="en-HK" sz="1800" dirty="0" smtClean="0">
+                <a:latin typeface="Times New Roman" panose="02020603050405020304" pitchFamily="18" charset="0"/>
+                <a:cs typeface="Times New Roman" panose="02020603050405020304" pitchFamily="18" charset="0"/>
+              </a:rPr>
               <a:t>α </a:t>
             </a:r>
             <a:r>
-              <a:rPr lang="en-HK" sz="1800" dirty="0"/>
-              <a:t>exposure: 1.9 x 10</a:t>
-            </a:r>
-            <a:r>
-              <a:rPr lang="en-HK" sz="1800" baseline="30000" dirty="0"/>
+              <a:rPr lang="en-HK" sz="1800" dirty="0" smtClean="0">
+                <a:latin typeface="Times New Roman" panose="02020603050405020304" pitchFamily="18" charset="0"/>
+                <a:cs typeface="Times New Roman" panose="02020603050405020304" pitchFamily="18" charset="0"/>
+              </a:rPr>
+              <a:t>flux</a:t>
+            </a:r>
+            <a:r>
+              <a:rPr lang="en-HK" sz="1800" dirty="0" smtClean="0">
+                <a:latin typeface="Times New Roman" panose="02020603050405020304" pitchFamily="18" charset="0"/>
+                <a:cs typeface="Times New Roman" panose="02020603050405020304" pitchFamily="18" charset="0"/>
+              </a:rPr>
+              <a:t>: </a:t>
+            </a:r>
+            <a:r>
+              <a:rPr lang="en-HK" sz="1800" dirty="0">
+                <a:latin typeface="Times New Roman" panose="02020603050405020304" pitchFamily="18" charset="0"/>
+                <a:cs typeface="Times New Roman" panose="02020603050405020304" pitchFamily="18" charset="0"/>
+              </a:rPr>
+              <a:t>1.9 x 10</a:t>
+            </a:r>
+            <a:r>
+              <a:rPr lang="en-HK" sz="1800" baseline="30000" dirty="0">
+                <a:latin typeface="Times New Roman" panose="02020603050405020304" pitchFamily="18" charset="0"/>
+                <a:cs typeface="Times New Roman" panose="02020603050405020304" pitchFamily="18" charset="0"/>
+              </a:rPr>
               <a:t>9</a:t>
             </a:r>
             <a:r>
-              <a:rPr lang="en-HK" sz="1800" dirty="0"/>
+              <a:rPr lang="en-HK" sz="1800" dirty="0">
+                <a:latin typeface="Times New Roman" panose="02020603050405020304" pitchFamily="18" charset="0"/>
+                <a:cs typeface="Times New Roman" panose="02020603050405020304" pitchFamily="18" charset="0"/>
+              </a:rPr>
               <a:t> eV cm</a:t>
             </a:r>
             <a:r>
-              <a:rPr lang="en-HK" sz="1800" baseline="30000" dirty="0"/>
+              <a:rPr lang="en-HK" sz="1800" baseline="30000" dirty="0">
+                <a:latin typeface="Times New Roman" panose="02020603050405020304" pitchFamily="18" charset="0"/>
+                <a:cs typeface="Times New Roman" panose="02020603050405020304" pitchFamily="18" charset="0"/>
+              </a:rPr>
               <a:t>-2</a:t>
             </a:r>
             <a:r>
-              <a:rPr lang="en-HK" sz="1800" dirty="0"/>
+              <a:rPr lang="en-HK" sz="1800" dirty="0">
+                <a:latin typeface="Times New Roman" panose="02020603050405020304" pitchFamily="18" charset="0"/>
+                <a:cs typeface="Times New Roman" panose="02020603050405020304" pitchFamily="18" charset="0"/>
+              </a:rPr>
               <a:t> </a:t>
             </a:r>
             <a:r>
-              <a:rPr lang="en-HK" sz="1800" dirty="0" smtClean="0"/>
+              <a:rPr lang="en-HK" sz="1800" dirty="0" smtClean="0">
+                <a:latin typeface="Times New Roman" panose="02020603050405020304" pitchFamily="18" charset="0"/>
+                <a:cs typeface="Times New Roman" panose="02020603050405020304" pitchFamily="18" charset="0"/>
+              </a:rPr>
               <a:t>s</a:t>
             </a:r>
             <a:r>
-              <a:rPr lang="en-HK" sz="1800" baseline="30000" dirty="0" smtClean="0"/>
+              <a:rPr lang="en-HK" sz="1800" baseline="30000" dirty="0" smtClean="0">
+                <a:latin typeface="Times New Roman" panose="02020603050405020304" pitchFamily="18" charset="0"/>
+                <a:cs typeface="Times New Roman" panose="02020603050405020304" pitchFamily="18" charset="0"/>
+              </a:rPr>
               <a:t>-1</a:t>
             </a:r>
           </a:p>
@@ -18255,31 +19073,66 @@
               </a:spcBef>
             </a:pPr>
             <a:r>
-              <a:rPr lang="en-HK" sz="1800" dirty="0" smtClean="0"/>
-              <a:t>EUV exposure: 8.7 x 10</a:t>
-            </a:r>
-            <a:r>
-              <a:rPr lang="en-HK" sz="1800" baseline="30000" dirty="0" smtClean="0"/>
+              <a:rPr lang="en-HK" sz="1800" dirty="0" smtClean="0">
+                <a:latin typeface="Times New Roman" panose="02020603050405020304" pitchFamily="18" charset="0"/>
+                <a:cs typeface="Times New Roman" panose="02020603050405020304" pitchFamily="18" charset="0"/>
+              </a:rPr>
+              <a:t>EUV </a:t>
+            </a:r>
+            <a:r>
+              <a:rPr lang="en-HK" sz="1800" dirty="0" smtClean="0">
+                <a:latin typeface="Times New Roman" panose="02020603050405020304" pitchFamily="18" charset="0"/>
+                <a:cs typeface="Times New Roman" panose="02020603050405020304" pitchFamily="18" charset="0"/>
+              </a:rPr>
+              <a:t>flux: </a:t>
+            </a:r>
+            <a:r>
+              <a:rPr lang="en-HK" sz="1800" dirty="0" smtClean="0">
+                <a:latin typeface="Times New Roman" panose="02020603050405020304" pitchFamily="18" charset="0"/>
+                <a:cs typeface="Times New Roman" panose="02020603050405020304" pitchFamily="18" charset="0"/>
+              </a:rPr>
+              <a:t>8.7 x 10</a:t>
+            </a:r>
+            <a:r>
+              <a:rPr lang="en-HK" sz="1800" baseline="30000" dirty="0" smtClean="0">
+                <a:latin typeface="Times New Roman" panose="02020603050405020304" pitchFamily="18" charset="0"/>
+                <a:cs typeface="Times New Roman" panose="02020603050405020304" pitchFamily="18" charset="0"/>
+              </a:rPr>
               <a:t>7</a:t>
             </a:r>
             <a:r>
-              <a:rPr lang="en-HK" sz="1800" dirty="0" smtClean="0"/>
+              <a:rPr lang="en-HK" sz="1800" dirty="0" smtClean="0">
+                <a:latin typeface="Times New Roman" panose="02020603050405020304" pitchFamily="18" charset="0"/>
+                <a:cs typeface="Times New Roman" panose="02020603050405020304" pitchFamily="18" charset="0"/>
+              </a:rPr>
               <a:t> eV </a:t>
             </a:r>
             <a:r>
-              <a:rPr lang="en-HK" sz="1800" dirty="0"/>
+              <a:rPr lang="en-HK" sz="1800" dirty="0">
+                <a:latin typeface="Times New Roman" panose="02020603050405020304" pitchFamily="18" charset="0"/>
+                <a:cs typeface="Times New Roman" panose="02020603050405020304" pitchFamily="18" charset="0"/>
+              </a:rPr>
               <a:t>cm</a:t>
             </a:r>
             <a:r>
-              <a:rPr lang="en-HK" sz="1800" baseline="30000" dirty="0"/>
+              <a:rPr lang="en-HK" sz="1800" baseline="30000" dirty="0">
+                <a:latin typeface="Times New Roman" panose="02020603050405020304" pitchFamily="18" charset="0"/>
+                <a:cs typeface="Times New Roman" panose="02020603050405020304" pitchFamily="18" charset="0"/>
+              </a:rPr>
               <a:t>-2</a:t>
             </a:r>
             <a:r>
-              <a:rPr lang="en-HK" sz="1800" dirty="0"/>
+              <a:rPr lang="en-HK" sz="1800" dirty="0">
+                <a:latin typeface="Times New Roman" panose="02020603050405020304" pitchFamily="18" charset="0"/>
+                <a:cs typeface="Times New Roman" panose="02020603050405020304" pitchFamily="18" charset="0"/>
+              </a:rPr>
               <a:t> s</a:t>
             </a:r>
             <a:r>
-              <a:rPr lang="en-HK" sz="1800" baseline="30000" dirty="0"/>
+              <a:rPr lang="en-HK" sz="1800" baseline="30000" dirty="0">
+                <a:latin typeface="Times New Roman" panose="02020603050405020304" pitchFamily="18" charset="0"/>
+                <a:cs typeface="Times New Roman" panose="02020603050405020304" pitchFamily="18" charset="0"/>
+              </a:rPr>
               <a:t>-1</a:t>
             </a:r>
           </a:p>
@@ -18328,20 +19181,20 @@
           <p:nvPr>
             <p:extLst>
               <p:ext uri="{D42A27DB-BD31-4B8C-83A1-F6EECF244321}">
-                <p14:modId xmlns:p14="http://schemas.microsoft.com/office/powerpoint/2010/main" val="4039815914"/>
+                <p14:modId xmlns:p14="http://schemas.microsoft.com/office/powerpoint/2010/main" val="2875099988"/>
               </p:ext>
             </p:extLst>
           </p:nvPr>
         </p:nvGraphicFramePr>
         <p:xfrm>
-          <a:off x="4539598" y="1856139"/>
-          <a:ext cx="5035225" cy="3291810"/>
+          <a:off x="3995936" y="1561356"/>
+          <a:ext cx="5506879" cy="3600157"/>
         </p:xfrm>
         <a:graphic>
           <a:graphicData uri="http://schemas.openxmlformats.org/presentationml/2006/ole">
             <mc:AlternateContent xmlns:mc="http://schemas.openxmlformats.org/markup-compatibility/2006">
               <mc:Choice xmlns:v="urn:schemas-microsoft-com:vml" Requires="v">
-                <p:oleObj spid="_x0000_s5711" name="Graph" r:id="rId3" imgW="4754880" imgH="3108960" progId="Origin50.Graph">
+                <p:oleObj spid="_x0000_s5825" name="Graph" r:id="rId3" imgW="4754880" imgH="3108960" progId="Origin50.Graph">
                   <p:embed/>
                 </p:oleObj>
               </mc:Choice>
@@ -18362,8 +19215,8 @@
                     </p:blipFill>
                     <p:spPr>
                       <a:xfrm>
-                        <a:off x="4539598" y="1856139"/>
-                        <a:ext cx="5035225" cy="3291810"/>
+                        <a:off x="3995936" y="1561356"/>
+                        <a:ext cx="5506879" cy="3600157"/>
                       </a:xfrm>
                       <a:prstGeom prst="rect">
                         <a:avLst/>
@@ -18376,70 +19229,6 @@
           </a:graphicData>
         </a:graphic>
       </p:graphicFrame>
-      <p:sp>
-        <p:nvSpPr>
-          <p:cNvPr id="3" name="矩形 2"/>
-          <p:cNvSpPr/>
-          <p:nvPr/>
-        </p:nvSpPr>
-        <p:spPr>
-          <a:xfrm>
-            <a:off x="1028700" y="4824783"/>
-            <a:ext cx="4572000" cy="646331"/>
-          </a:xfrm>
-          <a:prstGeom prst="rect">
-            <a:avLst/>
-          </a:prstGeom>
-        </p:spPr>
-        <p:txBody>
-          <a:bodyPr>
-            <a:spAutoFit/>
-          </a:bodyPr>
-          <a:lstStyle/>
-          <a:p>
-            <a:r>
-              <a:rPr lang="en-HK" dirty="0">
-                <a:solidFill>
-                  <a:srgbClr val="0070C0"/>
-                </a:solidFill>
-              </a:rPr>
-              <a:t>Ly</a:t>
-            </a:r>
-            <a:r>
-              <a:rPr lang="en-US" altLang="zh-TW" dirty="0">
-                <a:solidFill>
-                  <a:srgbClr val="0070C0"/>
-                </a:solidFill>
-              </a:rPr>
-              <a:t>-</a:t>
-            </a:r>
-            <a:r>
-              <a:rPr lang="en-HK" dirty="0">
-                <a:solidFill>
-                  <a:srgbClr val="0070C0"/>
-                </a:solidFill>
-              </a:rPr>
-              <a:t>α is the main energy source to produce CN</a:t>
-            </a:r>
-            <a:r>
-              <a:rPr lang="en-HK" baseline="30000" dirty="0">
-                <a:solidFill>
-                  <a:srgbClr val="0070C0"/>
-                </a:solidFill>
-              </a:rPr>
-              <a:t>-</a:t>
-            </a:r>
-            <a:r>
-              <a:rPr lang="en-HK" dirty="0">
-                <a:solidFill>
-                  <a:srgbClr val="0070C0"/>
-                </a:solidFill>
-              </a:rPr>
-              <a:t> on Charon</a:t>
-            </a:r>
-          </a:p>
-        </p:txBody>
-      </p:sp>
     </p:spTree>
     <p:extLst>
       <p:ext uri="{BB962C8B-B14F-4D97-AF65-F5344CB8AC3E}">
@@ -18605,10 +19394,16 @@
           <a:lstStyle/>
           <a:p>
             <a:r>
-              <a:rPr lang="en-HK" dirty="0" smtClean="0"/>
+              <a:rPr lang="en-HK" dirty="0" smtClean="0">
+                <a:latin typeface="Times New Roman" panose="02020603050405020304" pitchFamily="18" charset="0"/>
+                <a:cs typeface="Times New Roman" panose="02020603050405020304" pitchFamily="18" charset="0"/>
+              </a:rPr>
               <a:t>Conclusion</a:t>
             </a:r>
-            <a:endParaRPr lang="en-US" dirty="0"/>
+            <a:endParaRPr lang="en-US" dirty="0">
+              <a:latin typeface="Times New Roman" panose="02020603050405020304" pitchFamily="18" charset="0"/>
+              <a:cs typeface="Times New Roman" panose="02020603050405020304" pitchFamily="18" charset="0"/>
+            </a:endParaRPr>
           </a:p>
         </p:txBody>
       </p:sp>
@@ -18625,7 +19420,7 @@
         <p:spPr>
           <a:xfrm>
             <a:off x="1017458" y="1489348"/>
-            <a:ext cx="7200900" cy="2984500"/>
+            <a:ext cx="7586990" cy="3600400"/>
           </a:xfrm>
         </p:spPr>
         <p:txBody>
@@ -18635,7 +19430,10 @@
           <a:lstStyle/>
           <a:p>
             <a:r>
-              <a:rPr lang="en-HK" sz="2000" dirty="0" smtClean="0"/>
+              <a:rPr lang="en-HK" sz="2000" dirty="0" smtClean="0">
+                <a:latin typeface="Times New Roman" panose="02020603050405020304" pitchFamily="18" charset="0"/>
+                <a:cs typeface="Times New Roman" panose="02020603050405020304" pitchFamily="18" charset="0"/>
+              </a:rPr>
               <a:t>1. Detection of methylamine implies that </a:t>
             </a:r>
             <a:r>
@@ -18643,6 +19441,8 @@
                 <a:solidFill>
                   <a:srgbClr val="0070C0"/>
                 </a:solidFill>
+                <a:latin typeface="Times New Roman" panose="02020603050405020304" pitchFamily="18" charset="0"/>
+                <a:cs typeface="Times New Roman" panose="02020603050405020304" pitchFamily="18" charset="0"/>
               </a:rPr>
               <a:t>CN</a:t>
             </a:r>
@@ -18651,6 +19451,8 @@
                 <a:solidFill>
                   <a:srgbClr val="0070C0"/>
                 </a:solidFill>
+                <a:latin typeface="Times New Roman" panose="02020603050405020304" pitchFamily="18" charset="0"/>
+                <a:cs typeface="Times New Roman" panose="02020603050405020304" pitchFamily="18" charset="0"/>
               </a:rPr>
               <a:t>-</a:t>
             </a:r>
@@ -18659,121 +19461,337 @@
                 <a:solidFill>
                   <a:srgbClr val="0070C0"/>
                 </a:solidFill>
+                <a:latin typeface="Times New Roman" panose="02020603050405020304" pitchFamily="18" charset="0"/>
+                <a:cs typeface="Times New Roman" panose="02020603050405020304" pitchFamily="18" charset="0"/>
               </a:rPr>
               <a:t> is formed via a 2 step mechanism.</a:t>
             </a:r>
           </a:p>
           <a:p>
             <a:r>
-              <a:rPr lang="en-HK" sz="2000" dirty="0" smtClean="0"/>
-              <a:t>2.  Concentration of CN</a:t>
-            </a:r>
-            <a:r>
-              <a:rPr lang="en-HK" sz="2000" baseline="30000" dirty="0" smtClean="0"/>
+              <a:rPr lang="en-HK" sz="2000" dirty="0" smtClean="0">
+                <a:latin typeface="Times New Roman" panose="02020603050405020304" pitchFamily="18" charset="0"/>
+                <a:cs typeface="Times New Roman" panose="02020603050405020304" pitchFamily="18" charset="0"/>
+              </a:rPr>
+              <a:t>2. </a:t>
+            </a:r>
+            <a:r>
+              <a:rPr lang="en-HK" sz="2000" dirty="0" smtClean="0">
+                <a:latin typeface="Times New Roman" panose="02020603050405020304" pitchFamily="18" charset="0"/>
+                <a:cs typeface="Times New Roman" panose="02020603050405020304" pitchFamily="18" charset="0"/>
+              </a:rPr>
+              <a:t>Formation of </a:t>
+            </a:r>
+            <a:r>
+              <a:rPr lang="en-HK" sz="2000" dirty="0" smtClean="0">
+                <a:latin typeface="Times New Roman" panose="02020603050405020304" pitchFamily="18" charset="0"/>
+                <a:cs typeface="Times New Roman" panose="02020603050405020304" pitchFamily="18" charset="0"/>
+              </a:rPr>
+              <a:t>CN</a:t>
+            </a:r>
+            <a:r>
+              <a:rPr lang="en-HK" sz="2000" baseline="30000" dirty="0" smtClean="0">
+                <a:latin typeface="Times New Roman" panose="02020603050405020304" pitchFamily="18" charset="0"/>
+                <a:cs typeface="Times New Roman" panose="02020603050405020304" pitchFamily="18" charset="0"/>
+              </a:rPr>
               <a:t>-</a:t>
             </a:r>
             <a:r>
-              <a:rPr lang="en-HK" sz="2000" dirty="0" smtClean="0"/>
-              <a:t> is </a:t>
+              <a:rPr lang="en-HK" sz="2000" dirty="0" smtClean="0">
+                <a:latin typeface="Times New Roman" panose="02020603050405020304" pitchFamily="18" charset="0"/>
+                <a:cs typeface="Times New Roman" panose="02020603050405020304" pitchFamily="18" charset="0"/>
+              </a:rPr>
+              <a:t> </a:t>
             </a:r>
             <a:r>
               <a:rPr lang="en-HK" sz="2000" dirty="0" smtClean="0">
                 <a:solidFill>
                   <a:srgbClr val="0070C0"/>
                 </a:solidFill>
-              </a:rPr>
-              <a:t>not proportional to the initial amount </a:t>
-            </a:r>
-            <a:r>
-              <a:rPr lang="en-HK" sz="2000" dirty="0" smtClean="0"/>
-              <a:t>of CH</a:t>
-            </a:r>
-            <a:r>
-              <a:rPr lang="en-HK" sz="2000" baseline="-25000" dirty="0" smtClean="0"/>
-              <a:t>4</a:t>
-            </a:r>
-            <a:r>
-              <a:rPr lang="en-HK" sz="2000" dirty="0" smtClean="0"/>
-              <a:t> when CH</a:t>
-            </a:r>
-            <a:r>
-              <a:rPr lang="en-HK" sz="2000" baseline="-25000" dirty="0" smtClean="0"/>
-              <a:t>4</a:t>
-            </a:r>
-            <a:r>
-              <a:rPr lang="en-HK" sz="2000" dirty="0" smtClean="0"/>
-              <a:t> is in excess. </a:t>
-            </a:r>
-          </a:p>
-          <a:p>
-            <a:pPr lvl="1"/>
-            <a:r>
-              <a:rPr lang="en-HK" sz="2000" dirty="0" smtClean="0"/>
-              <a:t>This implies that we have to </a:t>
+                <a:latin typeface="Times New Roman" panose="02020603050405020304" pitchFamily="18" charset="0"/>
+                <a:cs typeface="Times New Roman" panose="02020603050405020304" pitchFamily="18" charset="0"/>
+              </a:rPr>
+              <a:t>is</a:t>
+            </a:r>
+            <a:r>
+              <a:rPr lang="en-HK" sz="2000" dirty="0" smtClean="0">
+                <a:latin typeface="Times New Roman" panose="02020603050405020304" pitchFamily="18" charset="0"/>
+                <a:cs typeface="Times New Roman" panose="02020603050405020304" pitchFamily="18" charset="0"/>
+              </a:rPr>
+              <a:t> </a:t>
             </a:r>
             <a:r>
               <a:rPr lang="en-HK" sz="2000" dirty="0" smtClean="0">
                 <a:solidFill>
                   <a:srgbClr val="0070C0"/>
                 </a:solidFill>
-              </a:rPr>
-              <a:t>experimentally simulate </a:t>
-            </a:r>
-            <a:r>
-              <a:rPr lang="en-HK" sz="2000" dirty="0" smtClean="0"/>
-              <a:t>the amount of CN</a:t>
-            </a:r>
-            <a:r>
-              <a:rPr lang="en-HK" sz="2000" baseline="30000" dirty="0" smtClean="0"/>
-              <a:t>-</a:t>
-            </a:r>
-            <a:r>
-              <a:rPr lang="en-HK" sz="2000" dirty="0" smtClean="0"/>
-              <a:t> after Charon winter for further investigations.</a:t>
-            </a:r>
-          </a:p>
-          <a:p>
-            <a:r>
-              <a:rPr lang="en-HK" sz="2000" dirty="0" smtClean="0"/>
-              <a:t>3. The </a:t>
+                <a:latin typeface="Times New Roman" panose="02020603050405020304" pitchFamily="18" charset="0"/>
+                <a:cs typeface="Times New Roman" panose="02020603050405020304" pitchFamily="18" charset="0"/>
+              </a:rPr>
+              <a:t>not proportional to the initial </a:t>
             </a:r>
             <a:r>
               <a:rPr lang="en-HK" sz="2000" dirty="0" smtClean="0">
                 <a:solidFill>
                   <a:srgbClr val="0070C0"/>
                 </a:solidFill>
-              </a:rPr>
-              <a:t>reduced destruction cross-section </a:t>
-            </a:r>
-            <a:r>
-              <a:rPr lang="en-HK" sz="2000" dirty="0" smtClean="0"/>
-              <a:t>of EUV 30.4nm irradiation is the main factor of slowing the rate of formations. </a:t>
+                <a:latin typeface="Times New Roman" panose="02020603050405020304" pitchFamily="18" charset="0"/>
+                <a:cs typeface="Times New Roman" panose="02020603050405020304" pitchFamily="18" charset="0"/>
+              </a:rPr>
+              <a:t>column density </a:t>
+            </a:r>
+            <a:r>
+              <a:rPr lang="en-HK" sz="2000" dirty="0" smtClean="0">
+                <a:latin typeface="Times New Roman" panose="02020603050405020304" pitchFamily="18" charset="0"/>
+                <a:cs typeface="Times New Roman" panose="02020603050405020304" pitchFamily="18" charset="0"/>
+              </a:rPr>
+              <a:t>of CH</a:t>
+            </a:r>
+            <a:r>
+              <a:rPr lang="en-HK" sz="2000" baseline="-25000" dirty="0" smtClean="0">
+                <a:latin typeface="Times New Roman" panose="02020603050405020304" pitchFamily="18" charset="0"/>
+                <a:cs typeface="Times New Roman" panose="02020603050405020304" pitchFamily="18" charset="0"/>
+              </a:rPr>
+              <a:t>4</a:t>
+            </a:r>
+            <a:r>
+              <a:rPr lang="en-HK" sz="2000" dirty="0" smtClean="0">
+                <a:latin typeface="Times New Roman" panose="02020603050405020304" pitchFamily="18" charset="0"/>
+                <a:cs typeface="Times New Roman" panose="02020603050405020304" pitchFamily="18" charset="0"/>
+              </a:rPr>
+              <a:t> when CH</a:t>
+            </a:r>
+            <a:r>
+              <a:rPr lang="en-HK" sz="2000" baseline="-25000" dirty="0" smtClean="0">
+                <a:latin typeface="Times New Roman" panose="02020603050405020304" pitchFamily="18" charset="0"/>
+                <a:cs typeface="Times New Roman" panose="02020603050405020304" pitchFamily="18" charset="0"/>
+              </a:rPr>
+              <a:t>4</a:t>
+            </a:r>
+            <a:r>
+              <a:rPr lang="en-HK" sz="2000" dirty="0" smtClean="0">
+                <a:latin typeface="Times New Roman" panose="02020603050405020304" pitchFamily="18" charset="0"/>
+                <a:cs typeface="Times New Roman" panose="02020603050405020304" pitchFamily="18" charset="0"/>
+              </a:rPr>
+              <a:t> is in excess. </a:t>
             </a:r>
           </a:p>
           <a:p>
             <a:pPr lvl="1"/>
             <a:r>
-              <a:rPr lang="en-HK" sz="2000" dirty="0" smtClean="0"/>
-              <a:t>This implies that Ly-α is the </a:t>
+              <a:rPr lang="en-HK" sz="2000" dirty="0" smtClean="0">
+                <a:latin typeface="Times New Roman" panose="02020603050405020304" pitchFamily="18" charset="0"/>
+                <a:cs typeface="Times New Roman" panose="02020603050405020304" pitchFamily="18" charset="0"/>
+              </a:rPr>
+              <a:t>This implies that we have to </a:t>
             </a:r>
             <a:r>
               <a:rPr lang="en-HK" sz="2000" dirty="0" smtClean="0">
                 <a:solidFill>
                   <a:srgbClr val="0070C0"/>
                 </a:solidFill>
-              </a:rPr>
-              <a:t>main energy source </a:t>
-            </a:r>
-            <a:r>
-              <a:rPr lang="en-HK" sz="2000" dirty="0" smtClean="0"/>
+                <a:latin typeface="Times New Roman" panose="02020603050405020304" pitchFamily="18" charset="0"/>
+                <a:cs typeface="Times New Roman" panose="02020603050405020304" pitchFamily="18" charset="0"/>
+              </a:rPr>
+              <a:t>experimentally </a:t>
+            </a:r>
+            <a:r>
+              <a:rPr lang="en-HK" sz="2000" dirty="0" smtClean="0">
+                <a:solidFill>
+                  <a:srgbClr val="0070C0"/>
+                </a:solidFill>
+                <a:latin typeface="Times New Roman" panose="02020603050405020304" pitchFamily="18" charset="0"/>
+                <a:cs typeface="Times New Roman" panose="02020603050405020304" pitchFamily="18" charset="0"/>
+              </a:rPr>
+              <a:t>estimate </a:t>
+            </a:r>
+            <a:r>
+              <a:rPr lang="en-HK" sz="2000" dirty="0" smtClean="0">
+                <a:latin typeface="Times New Roman" panose="02020603050405020304" pitchFamily="18" charset="0"/>
+                <a:cs typeface="Times New Roman" panose="02020603050405020304" pitchFamily="18" charset="0"/>
+              </a:rPr>
+              <a:t>the </a:t>
+            </a:r>
+            <a:r>
+              <a:rPr lang="en-HK" sz="2000" dirty="0" smtClean="0">
+                <a:latin typeface="Times New Roman" panose="02020603050405020304" pitchFamily="18" charset="0"/>
+                <a:cs typeface="Times New Roman" panose="02020603050405020304" pitchFamily="18" charset="0"/>
+              </a:rPr>
+              <a:t>column density </a:t>
+            </a:r>
+            <a:r>
+              <a:rPr lang="en-HK" sz="2000" dirty="0" smtClean="0">
+                <a:latin typeface="Times New Roman" panose="02020603050405020304" pitchFamily="18" charset="0"/>
+                <a:cs typeface="Times New Roman" panose="02020603050405020304" pitchFamily="18" charset="0"/>
+              </a:rPr>
+              <a:t>of CN</a:t>
+            </a:r>
+            <a:r>
+              <a:rPr lang="en-HK" sz="2000" baseline="30000" dirty="0" smtClean="0">
+                <a:latin typeface="Times New Roman" panose="02020603050405020304" pitchFamily="18" charset="0"/>
+                <a:cs typeface="Times New Roman" panose="02020603050405020304" pitchFamily="18" charset="0"/>
+              </a:rPr>
+              <a:t>-</a:t>
+            </a:r>
+            <a:r>
+              <a:rPr lang="en-HK" sz="2000" dirty="0" smtClean="0">
+                <a:latin typeface="Times New Roman" panose="02020603050405020304" pitchFamily="18" charset="0"/>
+                <a:cs typeface="Times New Roman" panose="02020603050405020304" pitchFamily="18" charset="0"/>
+              </a:rPr>
+              <a:t> after Charon winter for further investigations.</a:t>
+            </a:r>
+          </a:p>
+          <a:p>
+            <a:r>
+              <a:rPr lang="en-HK" sz="2000" dirty="0" smtClean="0">
+                <a:latin typeface="Times New Roman" panose="02020603050405020304" pitchFamily="18" charset="0"/>
+                <a:cs typeface="Times New Roman" panose="02020603050405020304" pitchFamily="18" charset="0"/>
+              </a:rPr>
+              <a:t>3. The </a:t>
+            </a:r>
+            <a:r>
+              <a:rPr lang="en-HK" sz="2000" dirty="0" smtClean="0">
+                <a:solidFill>
+                  <a:srgbClr val="0070C0"/>
+                </a:solidFill>
+                <a:latin typeface="Times New Roman" panose="02020603050405020304" pitchFamily="18" charset="0"/>
+                <a:cs typeface="Times New Roman" panose="02020603050405020304" pitchFamily="18" charset="0"/>
+              </a:rPr>
+              <a:t>reduced destruction cross-section </a:t>
+            </a:r>
+            <a:r>
+              <a:rPr lang="en-HK" sz="2000" dirty="0" smtClean="0">
+                <a:latin typeface="Times New Roman" panose="02020603050405020304" pitchFamily="18" charset="0"/>
+                <a:cs typeface="Times New Roman" panose="02020603050405020304" pitchFamily="18" charset="0"/>
+              </a:rPr>
+              <a:t>of EUV </a:t>
+            </a:r>
+            <a:r>
+              <a:rPr lang="en-HK" sz="2000" dirty="0" smtClean="0">
+                <a:latin typeface="Times New Roman" panose="02020603050405020304" pitchFamily="18" charset="0"/>
+                <a:cs typeface="Times New Roman" panose="02020603050405020304" pitchFamily="18" charset="0"/>
+              </a:rPr>
+              <a:t>(30.4nm) </a:t>
+            </a:r>
+            <a:r>
+              <a:rPr lang="en-HK" sz="2000" dirty="0" smtClean="0">
+                <a:latin typeface="Times New Roman" panose="02020603050405020304" pitchFamily="18" charset="0"/>
+                <a:cs typeface="Times New Roman" panose="02020603050405020304" pitchFamily="18" charset="0"/>
+              </a:rPr>
+              <a:t>irradiation is the main factor of </a:t>
+            </a:r>
+            <a:r>
+              <a:rPr lang="en-HK" sz="2000" dirty="0" smtClean="0">
+                <a:latin typeface="Times New Roman" panose="02020603050405020304" pitchFamily="18" charset="0"/>
+                <a:cs typeface="Times New Roman" panose="02020603050405020304" pitchFamily="18" charset="0"/>
+              </a:rPr>
+              <a:t>reducing </a:t>
+            </a:r>
+            <a:r>
+              <a:rPr lang="en-HK" sz="2000" dirty="0" smtClean="0">
+                <a:latin typeface="Times New Roman" panose="02020603050405020304" pitchFamily="18" charset="0"/>
+                <a:cs typeface="Times New Roman" panose="02020603050405020304" pitchFamily="18" charset="0"/>
+              </a:rPr>
+              <a:t>the </a:t>
+            </a:r>
+            <a:r>
+              <a:rPr lang="en-HK" sz="2000" dirty="0" smtClean="0">
+                <a:latin typeface="Times New Roman" panose="02020603050405020304" pitchFamily="18" charset="0"/>
+                <a:cs typeface="Times New Roman" panose="02020603050405020304" pitchFamily="18" charset="0"/>
+              </a:rPr>
+              <a:t>formation rate of CN</a:t>
+            </a:r>
+            <a:r>
+              <a:rPr lang="en-HK" sz="2000" baseline="30000" dirty="0" smtClean="0">
+                <a:latin typeface="Times New Roman" panose="02020603050405020304" pitchFamily="18" charset="0"/>
+                <a:cs typeface="Times New Roman" panose="02020603050405020304" pitchFamily="18" charset="0"/>
+              </a:rPr>
+              <a:t>-</a:t>
+            </a:r>
+            <a:r>
+              <a:rPr lang="en-HK" sz="2000" dirty="0" smtClean="0">
+                <a:latin typeface="Times New Roman" panose="02020603050405020304" pitchFamily="18" charset="0"/>
+                <a:cs typeface="Times New Roman" panose="02020603050405020304" pitchFamily="18" charset="0"/>
+              </a:rPr>
+              <a:t>. </a:t>
+            </a:r>
+            <a:endParaRPr lang="en-HK" sz="2000" dirty="0" smtClean="0">
+              <a:latin typeface="Times New Roman" panose="02020603050405020304" pitchFamily="18" charset="0"/>
+              <a:cs typeface="Times New Roman" panose="02020603050405020304" pitchFamily="18" charset="0"/>
+            </a:endParaRPr>
+          </a:p>
+          <a:p>
+            <a:pPr lvl="1"/>
+            <a:r>
+              <a:rPr lang="en-HK" sz="2000" dirty="0" smtClean="0">
+                <a:latin typeface="Times New Roman" panose="02020603050405020304" pitchFamily="18" charset="0"/>
+                <a:cs typeface="Times New Roman" panose="02020603050405020304" pitchFamily="18" charset="0"/>
+              </a:rPr>
+              <a:t>This implies that </a:t>
+            </a:r>
+            <a:r>
+              <a:rPr lang="en-HK" sz="2000" dirty="0" smtClean="0">
+                <a:latin typeface="Times New Roman" panose="02020603050405020304" pitchFamily="18" charset="0"/>
+                <a:cs typeface="Times New Roman" panose="02020603050405020304" pitchFamily="18" charset="0"/>
+              </a:rPr>
+              <a:t>Ly-α (VUV) </a:t>
+            </a:r>
+            <a:r>
+              <a:rPr lang="en-HK" sz="2000" dirty="0" smtClean="0">
+                <a:latin typeface="Times New Roman" panose="02020603050405020304" pitchFamily="18" charset="0"/>
+                <a:cs typeface="Times New Roman" panose="02020603050405020304" pitchFamily="18" charset="0"/>
+              </a:rPr>
+              <a:t>is the </a:t>
+            </a:r>
+            <a:r>
+              <a:rPr lang="en-HK" sz="2000" dirty="0" smtClean="0">
+                <a:solidFill>
+                  <a:srgbClr val="0070C0"/>
+                </a:solidFill>
+                <a:latin typeface="Times New Roman" panose="02020603050405020304" pitchFamily="18" charset="0"/>
+                <a:cs typeface="Times New Roman" panose="02020603050405020304" pitchFamily="18" charset="0"/>
+              </a:rPr>
+              <a:t>main </a:t>
+            </a:r>
+            <a:r>
+              <a:rPr lang="en-HK" sz="2000" dirty="0" smtClean="0">
+                <a:solidFill>
+                  <a:srgbClr val="0070C0"/>
+                </a:solidFill>
+                <a:latin typeface="Times New Roman" panose="02020603050405020304" pitchFamily="18" charset="0"/>
+                <a:cs typeface="Times New Roman" panose="02020603050405020304" pitchFamily="18" charset="0"/>
+              </a:rPr>
+              <a:t>photon </a:t>
+            </a:r>
+            <a:r>
+              <a:rPr lang="en-HK" sz="2000" dirty="0" smtClean="0">
+                <a:solidFill>
+                  <a:srgbClr val="0070C0"/>
+                </a:solidFill>
+                <a:latin typeface="Times New Roman" panose="02020603050405020304" pitchFamily="18" charset="0"/>
+                <a:cs typeface="Times New Roman" panose="02020603050405020304" pitchFamily="18" charset="0"/>
+              </a:rPr>
+              <a:t>source </a:t>
+            </a:r>
+            <a:r>
+              <a:rPr lang="en-HK" sz="2000" dirty="0" smtClean="0">
+                <a:latin typeface="Times New Roman" panose="02020603050405020304" pitchFamily="18" charset="0"/>
+                <a:cs typeface="Times New Roman" panose="02020603050405020304" pitchFamily="18" charset="0"/>
+              </a:rPr>
               <a:t>to produce CN</a:t>
             </a:r>
             <a:r>
-              <a:rPr lang="en-HK" sz="2000" baseline="30000" dirty="0" smtClean="0"/>
+              <a:rPr lang="en-HK" sz="2000" baseline="30000" dirty="0" smtClean="0">
+                <a:latin typeface="Times New Roman" panose="02020603050405020304" pitchFamily="18" charset="0"/>
+                <a:cs typeface="Times New Roman" panose="02020603050405020304" pitchFamily="18" charset="0"/>
+              </a:rPr>
               <a:t>-</a:t>
             </a:r>
             <a:r>
-              <a:rPr lang="en-HK" sz="2000" dirty="0" smtClean="0"/>
+              <a:rPr lang="en-HK" sz="2000" dirty="0" smtClean="0">
+                <a:latin typeface="Times New Roman" panose="02020603050405020304" pitchFamily="18" charset="0"/>
+                <a:cs typeface="Times New Roman" panose="02020603050405020304" pitchFamily="18" charset="0"/>
+              </a:rPr>
               <a:t> on Charon.</a:t>
             </a:r>
           </a:p>
@@ -18940,7 +19958,12 @@
             <p:ph type="title"/>
           </p:nvPr>
         </p:nvSpPr>
-        <p:spPr/>
+        <p:spPr>
+          <a:xfrm>
+            <a:off x="1028700" y="571500"/>
+            <a:ext cx="7719764" cy="1238250"/>
+          </a:xfrm>
+        </p:spPr>
         <p:txBody>
           <a:bodyPr/>
           <a:lstStyle/>
@@ -18965,7 +19988,7 @@
         </p:nvSpPr>
         <p:spPr>
           <a:xfrm>
-            <a:off x="1028700" y="1905000"/>
+            <a:off x="812676" y="2033325"/>
             <a:ext cx="2823220" cy="2984500"/>
           </a:xfrm>
         </p:spPr>
@@ -19034,7 +20057,7 @@
           <a:graphicData uri="http://schemas.openxmlformats.org/presentationml/2006/ole">
             <mc:AlternateContent xmlns:mc="http://schemas.openxmlformats.org/markup-compatibility/2006">
               <mc:Choice xmlns:v="urn:schemas-microsoft-com:vml" Requires="v">
-                <p:oleObj spid="_x0000_s12565" name="Graph" r:id="rId3" imgW="4754880" imgH="3108960" progId="Origin50.Graph">
+                <p:oleObj spid="_x0000_s12679" name="Graph" r:id="rId3" imgW="4754880" imgH="3108960" progId="Origin50.Graph">
                   <p:embed/>
                 </p:oleObj>
               </mc:Choice>

--- a/doc/VUV and EUV irradiation of CH4 + NH3.pptx
+++ b/doc/VUV and EUV irradiation of CH4 + NH3.pptx
@@ -243,7 +243,7 @@
           <a:p>
             <a:fld id="{2EA0F8EA-CEC5-4CE5-8335-1847FEAEEDDD}" type="datetimeFigureOut">
               <a:rPr lang="en-US" smtClean="0"/>
-              <a:t>12/19/2017</a:t>
+              <a:t>12/20/2017</a:t>
             </a:fld>
             <a:endParaRPr lang="en-US"/>
           </a:p>
@@ -409,7 +409,7 @@
           <a:p>
             <a:fld id="{485A2760-9D7F-48DB-88C5-C946BBEDB216}" type="datetimeFigureOut">
               <a:rPr lang="en-US" smtClean="0"/>
-              <a:t>12/19/2017</a:t>
+              <a:t>12/20/2017</a:t>
             </a:fld>
             <a:endParaRPr lang="en-US"/>
           </a:p>
@@ -2101,7 +2101,7 @@
           <a:p>
             <a:fld id="{F90847E2-8F69-4C53-BB9F-CB399597B8E8}" type="datetime1">
               <a:rPr lang="zh-TW" altLang="en-US" smtClean="0"/>
-              <a:t>2017/12/19</a:t>
+              <a:t>2017/12/20</a:t>
             </a:fld>
             <a:endParaRPr lang="zh-TW" altLang="en-US"/>
           </a:p>
@@ -2431,7 +2431,7 @@
           <a:p>
             <a:fld id="{11C4423E-F743-4479-B3EB-A3D436046571}" type="datetime1">
               <a:rPr lang="zh-TW" altLang="en-US" smtClean="0"/>
-              <a:t>2017/12/19</a:t>
+              <a:t>2017/12/20</a:t>
             </a:fld>
             <a:endParaRPr lang="zh-TW" altLang="en-US"/>
           </a:p>
@@ -2611,7 +2611,7 @@
           <a:p>
             <a:fld id="{11B51FCE-FEB1-4FC0-A33D-32F157D56EC2}" type="datetime1">
               <a:rPr lang="zh-TW" altLang="en-US" smtClean="0"/>
-              <a:t>2017/12/19</a:t>
+              <a:t>2017/12/20</a:t>
             </a:fld>
             <a:endParaRPr lang="zh-TW" altLang="en-US"/>
           </a:p>
@@ -2781,7 +2781,7 @@
           <a:p>
             <a:fld id="{475DDED0-7635-44DC-872F-8F10003FF3C1}" type="datetime1">
               <a:rPr lang="zh-TW" altLang="en-US" smtClean="0"/>
-              <a:t>2017/12/19</a:t>
+              <a:t>2017/12/20</a:t>
             </a:fld>
             <a:endParaRPr lang="zh-TW" altLang="en-US"/>
           </a:p>
@@ -3053,7 +3053,7 @@
           <a:p>
             <a:fld id="{B2815EC9-7E98-4BA3-884F-F6C03BB50BFA}" type="datetime1">
               <a:rPr lang="zh-TW" altLang="en-US" smtClean="0"/>
-              <a:t>2017/12/19</a:t>
+              <a:t>2017/12/20</a:t>
             </a:fld>
             <a:endParaRPr lang="zh-TW" altLang="en-US"/>
           </a:p>
@@ -3447,7 +3447,7 @@
           <a:p>
             <a:fld id="{5223AADA-D673-4559-BD2E-EC3C46E8C00D}" type="datetime1">
               <a:rPr lang="zh-TW" altLang="en-US" smtClean="0"/>
-              <a:t>2017/12/19</a:t>
+              <a:t>2017/12/20</a:t>
             </a:fld>
             <a:endParaRPr lang="zh-TW" altLang="en-US"/>
           </a:p>
@@ -3929,7 +3929,7 @@
           <a:p>
             <a:fld id="{21C10B86-884B-453B-8517-A1967275045C}" type="datetime1">
               <a:rPr lang="zh-TW" altLang="en-US" smtClean="0"/>
-              <a:t>2017/12/19</a:t>
+              <a:t>2017/12/20</a:t>
             </a:fld>
             <a:endParaRPr lang="zh-TW" altLang="en-US"/>
           </a:p>
@@ -4052,7 +4052,7 @@
           <a:p>
             <a:fld id="{15C72905-AFF2-4EEA-9BB9-F2B95D2C9E1C}" type="datetime1">
               <a:rPr lang="zh-TW" altLang="en-US" smtClean="0"/>
-              <a:t>2017/12/19</a:t>
+              <a:t>2017/12/20</a:t>
             </a:fld>
             <a:endParaRPr lang="zh-TW" altLang="en-US"/>
           </a:p>
@@ -4147,7 +4147,7 @@
           <a:p>
             <a:fld id="{C6990B7C-105C-42AD-BA19-566921AC31BD}" type="datetime1">
               <a:rPr lang="zh-TW" altLang="en-US" smtClean="0"/>
-              <a:t>2017/12/19</a:t>
+              <a:t>2017/12/20</a:t>
             </a:fld>
             <a:endParaRPr lang="zh-TW" altLang="en-US"/>
           </a:p>
@@ -4493,7 +4493,7 @@
           <a:p>
             <a:fld id="{B625F561-7C9C-4AEC-BFE7-3048C9D5BDFE}" type="datetime1">
               <a:rPr lang="zh-TW" altLang="en-US" smtClean="0"/>
-              <a:t>2017/12/19</a:t>
+              <a:t>2017/12/20</a:t>
             </a:fld>
             <a:endParaRPr lang="zh-TW" altLang="en-US"/>
           </a:p>
@@ -4886,7 +4886,7 @@
           <a:p>
             <a:fld id="{88629391-B82E-422F-9FAF-B3505E5FF86F}" type="datetime1">
               <a:rPr lang="zh-TW" altLang="en-US" smtClean="0"/>
-              <a:t>2017/12/19</a:t>
+              <a:t>2017/12/20</a:t>
             </a:fld>
             <a:endParaRPr lang="zh-TW" altLang="en-US"/>
           </a:p>
@@ -5164,7 +5164,7 @@
           <a:p>
             <a:fld id="{D97037BB-E1F0-4A3F-86E5-F51BAFB86BDA}" type="datetime1">
               <a:rPr lang="zh-TW" altLang="en-US" smtClean="0"/>
-              <a:t>2017/12/19</a:t>
+              <a:t>2017/12/20</a:t>
             </a:fld>
             <a:endParaRPr lang="zh-TW" altLang="en-US"/>
           </a:p>
@@ -5700,26 +5700,44 @@
           <a:lstStyle/>
           <a:p>
             <a:r>
-              <a:rPr lang="en-HK" altLang="zh-TW" dirty="0" smtClean="0"/>
+              <a:rPr lang="en-HK" altLang="zh-TW" dirty="0" smtClean="0">
+                <a:latin typeface="Times New Roman" panose="02020603050405020304" pitchFamily="18" charset="0"/>
+                <a:cs typeface="Times New Roman" panose="02020603050405020304" pitchFamily="18" charset="0"/>
+              </a:rPr>
               <a:t>VUV and EUV irradiation of CH</a:t>
             </a:r>
             <a:r>
-              <a:rPr lang="en-HK" altLang="zh-TW" baseline="-25000" dirty="0" smtClean="0"/>
+              <a:rPr lang="en-HK" altLang="zh-TW" baseline="-25000" dirty="0" smtClean="0">
+                <a:latin typeface="Times New Roman" panose="02020603050405020304" pitchFamily="18" charset="0"/>
+                <a:cs typeface="Times New Roman" panose="02020603050405020304" pitchFamily="18" charset="0"/>
+              </a:rPr>
               <a:t>4</a:t>
             </a:r>
             <a:r>
-              <a:rPr lang="en-HK" altLang="zh-TW" dirty="0" smtClean="0"/>
+              <a:rPr lang="en-HK" altLang="zh-TW" dirty="0" smtClean="0">
+                <a:latin typeface="Times New Roman" panose="02020603050405020304" pitchFamily="18" charset="0"/>
+                <a:cs typeface="Times New Roman" panose="02020603050405020304" pitchFamily="18" charset="0"/>
+              </a:rPr>
               <a:t> + NH</a:t>
             </a:r>
             <a:r>
-              <a:rPr lang="en-HK" altLang="zh-TW" baseline="-25000" dirty="0" smtClean="0"/>
+              <a:rPr lang="en-HK" altLang="zh-TW" baseline="-25000" dirty="0" smtClean="0">
+                <a:latin typeface="Times New Roman" panose="02020603050405020304" pitchFamily="18" charset="0"/>
+                <a:cs typeface="Times New Roman" panose="02020603050405020304" pitchFamily="18" charset="0"/>
+              </a:rPr>
               <a:t>3</a:t>
             </a:r>
             <a:r>
-              <a:rPr lang="en-HK" altLang="zh-TW" dirty="0" smtClean="0"/>
+              <a:rPr lang="en-HK" altLang="zh-TW" dirty="0" smtClean="0">
+                <a:latin typeface="Times New Roman" panose="02020603050405020304" pitchFamily="18" charset="0"/>
+                <a:cs typeface="Times New Roman" panose="02020603050405020304" pitchFamily="18" charset="0"/>
+              </a:rPr>
               <a:t> ice mixtures</a:t>
             </a:r>
-            <a:endParaRPr lang="zh-TW" altLang="en-US" dirty="0"/>
+            <a:endParaRPr lang="zh-TW" altLang="en-US" dirty="0">
+              <a:latin typeface="Times New Roman" panose="02020603050405020304" pitchFamily="18" charset="0"/>
+              <a:cs typeface="Times New Roman" panose="02020603050405020304" pitchFamily="18" charset="0"/>
+            </a:endParaRPr>
           </a:p>
         </p:txBody>
       </p:sp>
@@ -5744,10 +5762,16 @@
           <a:lstStyle/>
           <a:p>
             <a:r>
-              <a:rPr lang="en-HK" altLang="zh-TW" dirty="0" smtClean="0"/>
+              <a:rPr lang="en-HK" altLang="zh-TW" dirty="0" smtClean="0">
+                <a:latin typeface="Times New Roman" panose="02020603050405020304" pitchFamily="18" charset="0"/>
+                <a:cs typeface="Times New Roman" panose="02020603050405020304" pitchFamily="18" charset="0"/>
+              </a:rPr>
               <a:t>Lily Leung</a:t>
             </a:r>
-            <a:endParaRPr lang="zh-TW" altLang="en-US" dirty="0"/>
+            <a:endParaRPr lang="zh-TW" altLang="en-US" dirty="0">
+              <a:latin typeface="Times New Roman" panose="02020603050405020304" pitchFamily="18" charset="0"/>
+              <a:cs typeface="Times New Roman" panose="02020603050405020304" pitchFamily="18" charset="0"/>
+            </a:endParaRPr>
           </a:p>
         </p:txBody>
       </p:sp>
@@ -5822,10 +5846,16 @@
           <a:lstStyle/>
           <a:p>
             <a:r>
-              <a:rPr lang="en-HK" dirty="0" smtClean="0"/>
+              <a:rPr lang="en-HK" dirty="0" smtClean="0">
+                <a:latin typeface="Times New Roman" panose="02020603050405020304" pitchFamily="18" charset="0"/>
+                <a:cs typeface="Times New Roman" panose="02020603050405020304" pitchFamily="18" charset="0"/>
+              </a:rPr>
               <a:t>Experimental Protocol:</a:t>
             </a:r>
-            <a:endParaRPr lang="en-US" dirty="0"/>
+            <a:endParaRPr lang="en-US" dirty="0">
+              <a:latin typeface="Times New Roman" panose="02020603050405020304" pitchFamily="18" charset="0"/>
+              <a:cs typeface="Times New Roman" panose="02020603050405020304" pitchFamily="18" charset="0"/>
+            </a:endParaRPr>
           </a:p>
         </p:txBody>
       </p:sp>
@@ -5841,7 +5871,7 @@
         </p:nvSpPr>
         <p:spPr>
           <a:xfrm>
-            <a:off x="1180170" y="1561356"/>
+            <a:off x="1028700" y="1208316"/>
             <a:ext cx="6897960" cy="3544168"/>
           </a:xfrm>
         </p:spPr>
@@ -5852,22 +5882,33 @@
           <a:lstStyle/>
           <a:p>
             <a:r>
-              <a:rPr lang="en-US" altLang="zh-TW" sz="2400" dirty="0" smtClean="0"/>
+              <a:rPr lang="en-US" altLang="zh-TW" sz="2800" dirty="0" smtClean="0">
+                <a:latin typeface="Times New Roman" panose="02020603050405020304" pitchFamily="18" charset="0"/>
+                <a:cs typeface="Times New Roman" panose="02020603050405020304" pitchFamily="18" charset="0"/>
+              </a:rPr>
               <a:t>1.</a:t>
             </a:r>
             <a:r>
-              <a:rPr lang="zh-TW" altLang="en-US" sz="2400" dirty="0" smtClean="0"/>
+              <a:rPr lang="zh-TW" altLang="en-US" sz="2800" dirty="0" smtClean="0">
+                <a:latin typeface="Times New Roman" panose="02020603050405020304" pitchFamily="18" charset="0"/>
+                <a:cs typeface="Times New Roman" panose="02020603050405020304" pitchFamily="18" charset="0"/>
+              </a:rPr>
               <a:t> </a:t>
             </a:r>
             <a:r>
-              <a:rPr lang="en-HK" altLang="zh-TW" sz="2400" dirty="0" smtClean="0"/>
+              <a:rPr lang="en-HK" altLang="zh-TW" sz="2800" dirty="0" smtClean="0">
+                <a:latin typeface="Times New Roman" panose="02020603050405020304" pitchFamily="18" charset="0"/>
+                <a:cs typeface="Times New Roman" panose="02020603050405020304" pitchFamily="18" charset="0"/>
+              </a:rPr>
               <a:t>To compare with </a:t>
             </a:r>
             <a:r>
-              <a:rPr lang="en-HK" altLang="zh-TW" sz="2400" dirty="0" smtClean="0">
+              <a:rPr lang="en-HK" altLang="zh-TW" sz="2800" dirty="0" smtClean="0">
                 <a:solidFill>
                   <a:srgbClr val="0070C0"/>
                 </a:solidFill>
+                <a:latin typeface="Times New Roman" panose="02020603050405020304" pitchFamily="18" charset="0"/>
+                <a:cs typeface="Times New Roman" panose="02020603050405020304" pitchFamily="18" charset="0"/>
               </a:rPr>
               <a:t>previous studies</a:t>
             </a:r>
@@ -5875,330 +5916,405 @@
           <a:p>
             <a:pPr lvl="1"/>
             <a:r>
-              <a:rPr lang="en-HK" altLang="zh-TW" sz="2400" dirty="0" smtClean="0"/>
+              <a:rPr lang="en-HK" altLang="zh-TW" sz="2800" i="0" dirty="0" smtClean="0">
+                <a:latin typeface="Times New Roman" panose="02020603050405020304" pitchFamily="18" charset="0"/>
+                <a:cs typeface="Times New Roman" panose="02020603050405020304" pitchFamily="18" charset="0"/>
+              </a:rPr>
               <a:t>Kim and Kaiser (</a:t>
             </a:r>
             <a:r>
-              <a:rPr lang="en-HK" sz="2400" dirty="0" smtClean="0"/>
+              <a:rPr lang="en-HK" sz="2800" i="0" dirty="0" smtClean="0">
+                <a:latin typeface="Times New Roman" panose="02020603050405020304" pitchFamily="18" charset="0"/>
+                <a:cs typeface="Times New Roman" panose="02020603050405020304" pitchFamily="18" charset="0"/>
+              </a:rPr>
               <a:t>CH</a:t>
             </a:r>
             <a:r>
-              <a:rPr lang="en-HK" sz="2400" baseline="-25000" dirty="0" smtClean="0"/>
+              <a:rPr lang="en-HK" sz="2800" i="0" baseline="-25000" dirty="0" smtClean="0">
+                <a:latin typeface="Times New Roman" panose="02020603050405020304" pitchFamily="18" charset="0"/>
+                <a:cs typeface="Times New Roman" panose="02020603050405020304" pitchFamily="18" charset="0"/>
+              </a:rPr>
               <a:t>4</a:t>
             </a:r>
             <a:r>
-              <a:rPr lang="en-HK" sz="2400" dirty="0"/>
+              <a:rPr lang="en-HK" sz="2800" i="0" dirty="0">
+                <a:latin typeface="Times New Roman" panose="02020603050405020304" pitchFamily="18" charset="0"/>
+                <a:cs typeface="Times New Roman" panose="02020603050405020304" pitchFamily="18" charset="0"/>
+              </a:rPr>
               <a:t>:</a:t>
             </a:r>
             <a:r>
-              <a:rPr lang="en-HK" sz="2400" dirty="0" smtClean="0"/>
+              <a:rPr lang="en-HK" sz="2800" i="0" dirty="0" smtClean="0">
+                <a:latin typeface="Times New Roman" panose="02020603050405020304" pitchFamily="18" charset="0"/>
+                <a:cs typeface="Times New Roman" panose="02020603050405020304" pitchFamily="18" charset="0"/>
+              </a:rPr>
               <a:t>NH</a:t>
             </a:r>
             <a:r>
-              <a:rPr lang="en-HK" sz="2400" baseline="-25000" dirty="0" smtClean="0"/>
+              <a:rPr lang="en-HK" sz="2800" i="0" baseline="-25000" dirty="0" smtClean="0">
+                <a:latin typeface="Times New Roman" panose="02020603050405020304" pitchFamily="18" charset="0"/>
+                <a:cs typeface="Times New Roman" panose="02020603050405020304" pitchFamily="18" charset="0"/>
+              </a:rPr>
               <a:t>3 </a:t>
             </a:r>
             <a:r>
-              <a:rPr lang="en-HK" altLang="zh-TW" sz="2400" dirty="0" smtClean="0">
+              <a:rPr lang="en-HK" altLang="zh-TW" sz="2800" i="0" dirty="0" smtClean="0">
                 <a:solidFill>
                   <a:srgbClr val="0070C0"/>
                 </a:solidFill>
+                <a:latin typeface="Times New Roman" panose="02020603050405020304" pitchFamily="18" charset="0"/>
+                <a:cs typeface="Times New Roman" panose="02020603050405020304" pitchFamily="18" charset="0"/>
               </a:rPr>
               <a:t>3:1</a:t>
             </a:r>
             <a:r>
-              <a:rPr lang="en-HK" altLang="zh-TW" sz="2400" dirty="0" smtClean="0"/>
-              <a:t>) </a:t>
-            </a:r>
-            <a:r>
-              <a:rPr lang="en-HK" altLang="zh-TW" sz="2400" dirty="0" smtClean="0"/>
-              <a:t>(5 </a:t>
-            </a:r>
-            <a:r>
-              <a:rPr lang="en-HK" altLang="zh-TW" sz="2400" dirty="0" err="1" smtClean="0"/>
+              <a:rPr lang="en-HK" altLang="zh-TW" sz="2800" i="0" dirty="0" smtClean="0">
+                <a:latin typeface="Times New Roman" panose="02020603050405020304" pitchFamily="18" charset="0"/>
+                <a:cs typeface="Times New Roman" panose="02020603050405020304" pitchFamily="18" charset="0"/>
+              </a:rPr>
+              <a:t>) (5 </a:t>
+            </a:r>
+            <a:r>
+              <a:rPr lang="en-HK" altLang="zh-TW" sz="2800" i="0" dirty="0" err="1" smtClean="0">
+                <a:latin typeface="Times New Roman" panose="02020603050405020304" pitchFamily="18" charset="0"/>
+                <a:cs typeface="Times New Roman" panose="02020603050405020304" pitchFamily="18" charset="0"/>
+              </a:rPr>
               <a:t>keV</a:t>
             </a:r>
             <a:r>
-              <a:rPr lang="en-HK" altLang="zh-TW" sz="2400" dirty="0" smtClean="0"/>
+              <a:rPr lang="en-HK" altLang="zh-TW" sz="2800" i="0" dirty="0" smtClean="0">
+                <a:latin typeface="Times New Roman" panose="02020603050405020304" pitchFamily="18" charset="0"/>
+                <a:cs typeface="Times New Roman" panose="02020603050405020304" pitchFamily="18" charset="0"/>
+              </a:rPr>
               <a:t> e</a:t>
             </a:r>
             <a:r>
-              <a:rPr lang="en-HK" altLang="zh-TW" sz="2400" baseline="30000" dirty="0" smtClean="0"/>
+              <a:rPr lang="en-HK" altLang="zh-TW" sz="2800" i="0" baseline="30000" dirty="0" smtClean="0">
+                <a:latin typeface="Times New Roman" panose="02020603050405020304" pitchFamily="18" charset="0"/>
+                <a:cs typeface="Times New Roman" panose="02020603050405020304" pitchFamily="18" charset="0"/>
+              </a:rPr>
               <a:t>-</a:t>
             </a:r>
             <a:r>
-              <a:rPr lang="en-HK" altLang="zh-TW" sz="2400" dirty="0" smtClean="0"/>
+              <a:rPr lang="en-HK" altLang="zh-TW" sz="2800" i="0" dirty="0" smtClean="0">
+                <a:latin typeface="Times New Roman" panose="02020603050405020304" pitchFamily="18" charset="0"/>
+                <a:cs typeface="Times New Roman" panose="02020603050405020304" pitchFamily="18" charset="0"/>
+              </a:rPr>
               <a:t>)</a:t>
             </a:r>
-            <a:endParaRPr lang="en-HK" altLang="zh-TW" sz="2400" dirty="0" smtClean="0"/>
           </a:p>
           <a:p>
             <a:pPr lvl="1"/>
             <a:r>
-              <a:rPr lang="en-HK" altLang="zh-TW" sz="2400" dirty="0" err="1" smtClean="0"/>
+              <a:rPr lang="en-HK" altLang="zh-TW" sz="2800" i="0" dirty="0" err="1" smtClean="0">
+                <a:latin typeface="Times New Roman" panose="02020603050405020304" pitchFamily="18" charset="0"/>
+                <a:cs typeface="Times New Roman" panose="02020603050405020304" pitchFamily="18" charset="0"/>
+              </a:rPr>
               <a:t>Kundy</a:t>
             </a:r>
             <a:r>
-              <a:rPr lang="en-HK" altLang="zh-TW" sz="2400" dirty="0" smtClean="0"/>
-              <a:t> </a:t>
-            </a:r>
-            <a:r>
-              <a:rPr lang="en-HK" altLang="zh-TW" sz="2400" dirty="0" smtClean="0"/>
-              <a:t>et al</a:t>
-            </a:r>
-            <a:r>
-              <a:rPr lang="en-HK" altLang="zh-TW" sz="2400" dirty="0" smtClean="0"/>
-              <a:t>. </a:t>
-            </a:r>
-            <a:r>
-              <a:rPr lang="en-HK" altLang="zh-TW" sz="2400" dirty="0" smtClean="0"/>
-              <a:t>(</a:t>
-            </a:r>
-            <a:r>
-              <a:rPr lang="en-HK" sz="2400" dirty="0" smtClean="0"/>
+              <a:rPr lang="en-HK" altLang="zh-TW" sz="2800" i="0" dirty="0" smtClean="0">
+                <a:latin typeface="Times New Roman" panose="02020603050405020304" pitchFamily="18" charset="0"/>
+                <a:cs typeface="Times New Roman" panose="02020603050405020304" pitchFamily="18" charset="0"/>
+              </a:rPr>
+              <a:t> et al. (</a:t>
+            </a:r>
+            <a:r>
+              <a:rPr lang="en-HK" sz="2800" i="0" dirty="0" smtClean="0">
+                <a:latin typeface="Times New Roman" panose="02020603050405020304" pitchFamily="18" charset="0"/>
+                <a:cs typeface="Times New Roman" panose="02020603050405020304" pitchFamily="18" charset="0"/>
+              </a:rPr>
               <a:t>CH</a:t>
             </a:r>
             <a:r>
-              <a:rPr lang="en-HK" sz="2400" baseline="-25000" dirty="0" smtClean="0"/>
+              <a:rPr lang="en-HK" sz="2800" i="0" baseline="-25000" dirty="0" smtClean="0">
+                <a:latin typeface="Times New Roman" panose="02020603050405020304" pitchFamily="18" charset="0"/>
+                <a:cs typeface="Times New Roman" panose="02020603050405020304" pitchFamily="18" charset="0"/>
+              </a:rPr>
               <a:t>4</a:t>
             </a:r>
             <a:r>
-              <a:rPr lang="en-HK" sz="2400" dirty="0"/>
+              <a:rPr lang="en-HK" sz="2800" i="0" dirty="0">
+                <a:latin typeface="Times New Roman" panose="02020603050405020304" pitchFamily="18" charset="0"/>
+                <a:cs typeface="Times New Roman" panose="02020603050405020304" pitchFamily="18" charset="0"/>
+              </a:rPr>
               <a:t>:</a:t>
             </a:r>
             <a:r>
-              <a:rPr lang="en-HK" sz="2400" dirty="0" smtClean="0"/>
+              <a:rPr lang="en-HK" sz="2800" i="0" dirty="0" smtClean="0">
+                <a:latin typeface="Times New Roman" panose="02020603050405020304" pitchFamily="18" charset="0"/>
+                <a:cs typeface="Times New Roman" panose="02020603050405020304" pitchFamily="18" charset="0"/>
+              </a:rPr>
               <a:t>NH</a:t>
             </a:r>
             <a:r>
-              <a:rPr lang="en-HK" sz="2400" baseline="-25000" dirty="0" smtClean="0"/>
+              <a:rPr lang="en-HK" sz="2800" i="0" baseline="-25000" dirty="0" smtClean="0">
+                <a:latin typeface="Times New Roman" panose="02020603050405020304" pitchFamily="18" charset="0"/>
+                <a:cs typeface="Times New Roman" panose="02020603050405020304" pitchFamily="18" charset="0"/>
+              </a:rPr>
               <a:t>3  </a:t>
             </a:r>
             <a:r>
-              <a:rPr lang="en-HK" altLang="zh-TW" sz="2400" dirty="0" smtClean="0">
+              <a:rPr lang="en-HK" altLang="zh-TW" sz="2800" i="0" dirty="0" smtClean="0">
                 <a:solidFill>
                   <a:srgbClr val="0070C0"/>
                 </a:solidFill>
+                <a:latin typeface="Times New Roman" panose="02020603050405020304" pitchFamily="18" charset="0"/>
+                <a:cs typeface="Times New Roman" panose="02020603050405020304" pitchFamily="18" charset="0"/>
               </a:rPr>
               <a:t>3:2</a:t>
             </a:r>
             <a:r>
-              <a:rPr lang="en-HK" altLang="zh-TW" sz="2400" dirty="0" smtClean="0"/>
+              <a:rPr lang="en-HK" altLang="zh-TW" sz="2800" i="0" dirty="0" smtClean="0">
+                <a:latin typeface="Times New Roman" panose="02020603050405020304" pitchFamily="18" charset="0"/>
+                <a:cs typeface="Times New Roman" panose="02020603050405020304" pitchFamily="18" charset="0"/>
+              </a:rPr>
               <a:t>)  (1-90 eV e</a:t>
             </a:r>
             <a:r>
-              <a:rPr lang="en-HK" altLang="zh-TW" sz="2400" baseline="30000" dirty="0" smtClean="0"/>
+              <a:rPr lang="en-HK" altLang="zh-TW" sz="2800" i="0" baseline="30000" dirty="0" smtClean="0">
+                <a:latin typeface="Times New Roman" panose="02020603050405020304" pitchFamily="18" charset="0"/>
+                <a:cs typeface="Times New Roman" panose="02020603050405020304" pitchFamily="18" charset="0"/>
+              </a:rPr>
               <a:t>-</a:t>
             </a:r>
             <a:r>
-              <a:rPr lang="en-HK" altLang="zh-TW" sz="2400" dirty="0" smtClean="0"/>
+              <a:rPr lang="en-HK" altLang="zh-TW" sz="2800" i="0" dirty="0" smtClean="0">
+                <a:latin typeface="Times New Roman" panose="02020603050405020304" pitchFamily="18" charset="0"/>
+                <a:cs typeface="Times New Roman" panose="02020603050405020304" pitchFamily="18" charset="0"/>
+              </a:rPr>
               <a:t>)</a:t>
             </a:r>
-            <a:endParaRPr lang="en-HK" altLang="zh-TW" sz="2400" dirty="0" smtClean="0"/>
           </a:p>
           <a:p>
             <a:pPr lvl="1"/>
             <a:r>
-              <a:rPr lang="en-HK" sz="2400" dirty="0" smtClean="0"/>
+              <a:rPr lang="en-HK" sz="2800" i="0" dirty="0" smtClean="0">
+                <a:latin typeface="Times New Roman" panose="02020603050405020304" pitchFamily="18" charset="0"/>
+                <a:cs typeface="Times New Roman" panose="02020603050405020304" pitchFamily="18" charset="0"/>
+              </a:rPr>
               <a:t>We perform </a:t>
             </a:r>
             <a:r>
-              <a:rPr lang="en-HK" sz="2400" dirty="0"/>
+              <a:rPr lang="en-HK" sz="2800" i="0" dirty="0">
+                <a:latin typeface="Times New Roman" panose="02020603050405020304" pitchFamily="18" charset="0"/>
+                <a:cs typeface="Times New Roman" panose="02020603050405020304" pitchFamily="18" charset="0"/>
+              </a:rPr>
               <a:t>(</a:t>
             </a:r>
             <a:r>
-              <a:rPr lang="en-HK" sz="2400" dirty="0" smtClean="0">
+              <a:rPr lang="en-HK" sz="2800" i="0" dirty="0" smtClean="0">
                 <a:solidFill>
                   <a:schemeClr val="tx1"/>
                 </a:solidFill>
+                <a:latin typeface="Times New Roman" panose="02020603050405020304" pitchFamily="18" charset="0"/>
+                <a:cs typeface="Times New Roman" panose="02020603050405020304" pitchFamily="18" charset="0"/>
               </a:rPr>
               <a:t>CH</a:t>
             </a:r>
             <a:r>
-              <a:rPr lang="en-HK" sz="2400" baseline="-25000" dirty="0" smtClean="0">
+              <a:rPr lang="en-HK" sz="2800" i="0" baseline="-25000" dirty="0" smtClean="0">
                 <a:solidFill>
                   <a:schemeClr val="tx1"/>
                 </a:solidFill>
+                <a:latin typeface="Times New Roman" panose="02020603050405020304" pitchFamily="18" charset="0"/>
+                <a:cs typeface="Times New Roman" panose="02020603050405020304" pitchFamily="18" charset="0"/>
               </a:rPr>
               <a:t>4</a:t>
             </a:r>
             <a:r>
-              <a:rPr lang="en-HK" sz="2400" dirty="0" smtClean="0">
+              <a:rPr lang="en-HK" sz="2800" i="0" dirty="0" smtClean="0">
                 <a:solidFill>
                   <a:schemeClr val="tx1"/>
                 </a:solidFill>
-              </a:rPr>
-              <a:t>:</a:t>
-            </a:r>
-            <a:r>
-              <a:rPr lang="en-HK" sz="2400" dirty="0" smtClean="0">
+                <a:latin typeface="Times New Roman" panose="02020603050405020304" pitchFamily="18" charset="0"/>
+                <a:cs typeface="Times New Roman" panose="02020603050405020304" pitchFamily="18" charset="0"/>
+              </a:rPr>
+              <a:t>:NH</a:t>
+            </a:r>
+            <a:r>
+              <a:rPr lang="en-HK" sz="2800" i="0" baseline="-25000" dirty="0" smtClean="0">
                 <a:solidFill>
                   <a:schemeClr val="tx1"/>
                 </a:solidFill>
-              </a:rPr>
-              <a:t>NH</a:t>
-            </a:r>
-            <a:r>
-              <a:rPr lang="en-HK" sz="2400" baseline="-25000" dirty="0" smtClean="0">
+                <a:latin typeface="Times New Roman" panose="02020603050405020304" pitchFamily="18" charset="0"/>
+                <a:cs typeface="Times New Roman" panose="02020603050405020304" pitchFamily="18" charset="0"/>
+              </a:rPr>
+              <a:t>3</a:t>
+            </a:r>
+            <a:r>
+              <a:rPr lang="en-HK" sz="2800" i="0" dirty="0" smtClean="0">
                 <a:solidFill>
                   <a:schemeClr val="tx1"/>
                 </a:solidFill>
-              </a:rPr>
-              <a:t>3</a:t>
-            </a:r>
-            <a:r>
-              <a:rPr lang="en-HK" sz="2400" dirty="0" smtClean="0">
+                <a:latin typeface="Times New Roman" panose="02020603050405020304" pitchFamily="18" charset="0"/>
+                <a:cs typeface="Times New Roman" panose="02020603050405020304" pitchFamily="18" charset="0"/>
+              </a:rPr>
+              <a:t> </a:t>
+            </a:r>
+            <a:r>
+              <a:rPr lang="en-HK" sz="2800" i="0" dirty="0" smtClean="0">
+                <a:solidFill>
+                  <a:srgbClr val="0070C0"/>
+                </a:solidFill>
+                <a:latin typeface="Times New Roman" panose="02020603050405020304" pitchFamily="18" charset="0"/>
+                <a:cs typeface="Times New Roman" panose="02020603050405020304" pitchFamily="18" charset="0"/>
+              </a:rPr>
+              <a:t>3:2</a:t>
+            </a:r>
+            <a:r>
+              <a:rPr lang="en-HK" sz="2800" i="0" dirty="0" smtClean="0">
                 <a:solidFill>
                   <a:schemeClr val="tx1"/>
                 </a:solidFill>
-              </a:rPr>
-              <a:t> </a:t>
-            </a:r>
-            <a:r>
-              <a:rPr lang="en-HK" sz="2400" dirty="0" smtClean="0">
+                <a:latin typeface="Times New Roman" panose="02020603050405020304" pitchFamily="18" charset="0"/>
+                <a:cs typeface="Times New Roman" panose="02020603050405020304" pitchFamily="18" charset="0"/>
+              </a:rPr>
+              <a:t>)</a:t>
+            </a:r>
+            <a:r>
+              <a:rPr lang="en-HK" sz="2800" i="0" dirty="0">
                 <a:solidFill>
                   <a:srgbClr val="0070C0"/>
                 </a:solidFill>
-              </a:rPr>
-              <a:t>3:2</a:t>
-            </a:r>
-            <a:r>
-              <a:rPr lang="en-HK" sz="2400" dirty="0" smtClean="0">
-                <a:solidFill>
-                  <a:schemeClr val="tx1"/>
-                </a:solidFill>
-              </a:rPr>
-              <a:t>)</a:t>
-            </a:r>
-            <a:r>
-              <a:rPr lang="en-HK" sz="2400" dirty="0">
+                <a:latin typeface="Times New Roman" panose="02020603050405020304" pitchFamily="18" charset="0"/>
+                <a:cs typeface="Times New Roman" panose="02020603050405020304" pitchFamily="18" charset="0"/>
+              </a:rPr>
+              <a:t> </a:t>
+            </a:r>
+            <a:endParaRPr lang="en-HK" sz="2800" i="0" dirty="0" smtClean="0">
+              <a:solidFill>
+                <a:srgbClr val="0070C0"/>
+              </a:solidFill>
+              <a:latin typeface="Times New Roman" panose="02020603050405020304" pitchFamily="18" charset="0"/>
+              <a:cs typeface="Times New Roman" panose="02020603050405020304" pitchFamily="18" charset="0"/>
+            </a:endParaRPr>
+          </a:p>
+          <a:p>
+            <a:pPr marL="397764" lvl="1" indent="0">
+              <a:buNone/>
+            </a:pPr>
+            <a:r>
+              <a:rPr lang="en-HK" sz="2800" i="0" dirty="0" smtClean="0">
                 <a:solidFill>
                   <a:srgbClr val="0070C0"/>
                 </a:solidFill>
-              </a:rPr>
-              <a:t> </a:t>
-            </a:r>
-            <a:endParaRPr lang="en-HK" sz="2400" dirty="0" smtClean="0">
+                <a:latin typeface="Times New Roman" panose="02020603050405020304" pitchFamily="18" charset="0"/>
+                <a:cs typeface="Times New Roman" panose="02020603050405020304" pitchFamily="18" charset="0"/>
+              </a:rPr>
+              <a:t>photon</a:t>
+            </a:r>
+            <a:r>
+              <a:rPr lang="en-HK" sz="2800" i="0" dirty="0" smtClean="0">
+                <a:latin typeface="Times New Roman" panose="02020603050405020304" pitchFamily="18" charset="0"/>
+                <a:cs typeface="Times New Roman" panose="02020603050405020304" pitchFamily="18" charset="0"/>
+              </a:rPr>
+              <a:t> sources: VUV (9.27 eV) and </a:t>
+            </a:r>
+            <a:r>
+              <a:rPr lang="en-HK" sz="2800" i="0" dirty="0">
+                <a:latin typeface="Times New Roman" panose="02020603050405020304" pitchFamily="18" charset="0"/>
+                <a:cs typeface="Times New Roman" panose="02020603050405020304" pitchFamily="18" charset="0"/>
+              </a:rPr>
+              <a:t>EUV </a:t>
+            </a:r>
+            <a:r>
+              <a:rPr lang="en-HK" sz="2800" i="0" dirty="0" smtClean="0">
+                <a:latin typeface="Times New Roman" panose="02020603050405020304" pitchFamily="18" charset="0"/>
+                <a:cs typeface="Times New Roman" panose="02020603050405020304" pitchFamily="18" charset="0"/>
+              </a:rPr>
+              <a:t>(40.8 eV)</a:t>
+            </a:r>
+            <a:endParaRPr lang="en-HK" sz="2800" i="0" dirty="0" smtClean="0">
               <a:solidFill>
                 <a:srgbClr val="0070C0"/>
               </a:solidFill>
+              <a:latin typeface="Times New Roman" panose="02020603050405020304" pitchFamily="18" charset="0"/>
+              <a:cs typeface="Times New Roman" panose="02020603050405020304" pitchFamily="18" charset="0"/>
             </a:endParaRPr>
+          </a:p>
+          <a:p>
+            <a:r>
+              <a:rPr lang="en-HK" sz="2800" dirty="0" smtClean="0">
+                <a:latin typeface="Times New Roman" panose="02020603050405020304" pitchFamily="18" charset="0"/>
+                <a:cs typeface="Times New Roman" panose="02020603050405020304" pitchFamily="18" charset="0"/>
+              </a:rPr>
+              <a:t>2. To simulate the </a:t>
+            </a:r>
+            <a:r>
+              <a:rPr lang="en-HK" sz="2800" dirty="0" smtClean="0">
+                <a:solidFill>
+                  <a:srgbClr val="0070C0"/>
+                </a:solidFill>
+                <a:latin typeface="Times New Roman" panose="02020603050405020304" pitchFamily="18" charset="0"/>
+                <a:cs typeface="Times New Roman" panose="02020603050405020304" pitchFamily="18" charset="0"/>
+              </a:rPr>
+              <a:t>surface of Charon</a:t>
+            </a:r>
+          </a:p>
+          <a:p>
+            <a:pPr lvl="1"/>
+            <a:r>
+              <a:rPr lang="en-HK" sz="2800" i="0" dirty="0" smtClean="0">
+                <a:latin typeface="Times New Roman" panose="02020603050405020304" pitchFamily="18" charset="0"/>
+                <a:cs typeface="Times New Roman" panose="02020603050405020304" pitchFamily="18" charset="0"/>
+              </a:rPr>
+              <a:t>Different relative proportion of </a:t>
+            </a:r>
           </a:p>
           <a:p>
             <a:pPr marL="397764" lvl="1" indent="0">
               <a:buNone/>
             </a:pPr>
             <a:r>
-              <a:rPr lang="en-HK" sz="2400" dirty="0" smtClean="0">
+              <a:rPr lang="en-HK" sz="2800" i="0" dirty="0" smtClean="0">
                 <a:solidFill>
                   <a:srgbClr val="0070C0"/>
                 </a:solidFill>
-              </a:rPr>
-              <a:t>photon</a:t>
-            </a:r>
-            <a:r>
-              <a:rPr lang="en-HK" sz="2400" dirty="0" smtClean="0"/>
-              <a:t> </a:t>
-            </a:r>
-            <a:r>
-              <a:rPr lang="en-HK" sz="2400" dirty="0" smtClean="0"/>
-              <a:t>sources: </a:t>
-            </a:r>
-            <a:r>
-              <a:rPr lang="en-HK" sz="2400" dirty="0" smtClean="0"/>
-              <a:t>VUV (9.27 eV) </a:t>
-            </a:r>
-            <a:r>
-              <a:rPr lang="en-HK" sz="2400" dirty="0" smtClean="0"/>
-              <a:t>and </a:t>
-            </a:r>
-            <a:r>
-              <a:rPr lang="en-HK" sz="2400" dirty="0"/>
-              <a:t>EUV </a:t>
-            </a:r>
-            <a:r>
-              <a:rPr lang="en-HK" sz="2400" dirty="0" smtClean="0"/>
-              <a:t>(40.8 eV)</a:t>
-            </a:r>
-            <a:endParaRPr lang="en-HK" sz="2400" dirty="0" smtClean="0">
-              <a:solidFill>
-                <a:srgbClr val="0070C0"/>
-              </a:solidFill>
-            </a:endParaRPr>
-          </a:p>
-          <a:p>
-            <a:r>
-              <a:rPr lang="en-HK" sz="2400" dirty="0" smtClean="0"/>
-              <a:t>2. To simulate the </a:t>
-            </a:r>
-            <a:r>
-              <a:rPr lang="en-HK" sz="2400" dirty="0" smtClean="0">
+                <a:latin typeface="Times New Roman" panose="02020603050405020304" pitchFamily="18" charset="0"/>
+                <a:cs typeface="Times New Roman" panose="02020603050405020304" pitchFamily="18" charset="0"/>
+              </a:rPr>
+              <a:t>CH</a:t>
+            </a:r>
+            <a:r>
+              <a:rPr lang="en-HK" sz="2800" i="0" baseline="-25000" dirty="0" smtClean="0">
                 <a:solidFill>
                   <a:srgbClr val="0070C0"/>
                 </a:solidFill>
-              </a:rPr>
-              <a:t>surface of Charon</a:t>
-            </a:r>
-          </a:p>
-          <a:p>
-            <a:pPr lvl="1"/>
-            <a:r>
-              <a:rPr lang="en-HK" sz="2400" dirty="0" smtClean="0"/>
-              <a:t>Different relative proportion of </a:t>
-            </a:r>
-            <a:endParaRPr lang="en-HK" sz="2400" dirty="0" smtClean="0"/>
-          </a:p>
-          <a:p>
-            <a:pPr marL="397764" lvl="1" indent="0">
-              <a:buNone/>
-            </a:pPr>
-            <a:r>
-              <a:rPr lang="en-HK" sz="2400" dirty="0" smtClean="0">
+                <a:latin typeface="Times New Roman" panose="02020603050405020304" pitchFamily="18" charset="0"/>
+                <a:cs typeface="Times New Roman" panose="02020603050405020304" pitchFamily="18" charset="0"/>
+              </a:rPr>
+              <a:t>4</a:t>
+            </a:r>
+            <a:r>
+              <a:rPr lang="en-HK" sz="2800" i="0" dirty="0" smtClean="0">
                 <a:solidFill>
                   <a:srgbClr val="0070C0"/>
                 </a:solidFill>
-              </a:rPr>
-              <a:t>CH</a:t>
-            </a:r>
-            <a:r>
-              <a:rPr lang="en-HK" sz="2400" baseline="-25000" dirty="0" smtClean="0">
+                <a:latin typeface="Times New Roman" panose="02020603050405020304" pitchFamily="18" charset="0"/>
+                <a:cs typeface="Times New Roman" panose="02020603050405020304" pitchFamily="18" charset="0"/>
+              </a:rPr>
+              <a:t>:NH</a:t>
+            </a:r>
+            <a:r>
+              <a:rPr lang="en-HK" sz="2800" i="0" baseline="-25000" dirty="0" smtClean="0">
                 <a:solidFill>
                   <a:srgbClr val="0070C0"/>
                 </a:solidFill>
-              </a:rPr>
-              <a:t>4</a:t>
-            </a:r>
-            <a:r>
-              <a:rPr lang="en-HK" sz="2400" dirty="0" smtClean="0">
+                <a:latin typeface="Times New Roman" panose="02020603050405020304" pitchFamily="18" charset="0"/>
+                <a:cs typeface="Times New Roman" panose="02020603050405020304" pitchFamily="18" charset="0"/>
+              </a:rPr>
+              <a:t>3</a:t>
+            </a:r>
+            <a:r>
+              <a:rPr lang="en-HK" sz="2800" i="0" dirty="0" smtClean="0">
                 <a:solidFill>
                   <a:srgbClr val="0070C0"/>
                 </a:solidFill>
-              </a:rPr>
-              <a:t>:NH</a:t>
-            </a:r>
-            <a:r>
-              <a:rPr lang="en-HK" sz="2400" baseline="-25000" dirty="0" smtClean="0">
-                <a:solidFill>
-                  <a:srgbClr val="0070C0"/>
-                </a:solidFill>
-              </a:rPr>
-              <a:t>3</a:t>
-            </a:r>
-            <a:r>
-              <a:rPr lang="en-HK" sz="2400" dirty="0" smtClean="0">
-                <a:solidFill>
-                  <a:srgbClr val="0070C0"/>
-                </a:solidFill>
-              </a:rPr>
-              <a:t> 1:5</a:t>
-            </a:r>
-            <a:r>
-              <a:rPr lang="en-HK" sz="2400" dirty="0" smtClean="0">
-                <a:solidFill>
-                  <a:srgbClr val="0070C0"/>
-                </a:solidFill>
-              </a:rPr>
-              <a:t>, 1:10, 1:20</a:t>
+                <a:latin typeface="Times New Roman" panose="02020603050405020304" pitchFamily="18" charset="0"/>
+                <a:cs typeface="Times New Roman" panose="02020603050405020304" pitchFamily="18" charset="0"/>
+              </a:rPr>
+              <a:t> 1:5, 1:10, 1:20</a:t>
             </a:r>
           </a:p>
         </p:txBody>
@@ -6284,29 +6400,16 @@
           <a:lstStyle/>
           <a:p>
             <a:r>
-              <a:rPr lang="en-HK" dirty="0" smtClean="0"/>
+              <a:rPr lang="en-HK" dirty="0" smtClean="0">
+                <a:latin typeface="Times New Roman" panose="02020603050405020304" pitchFamily="18" charset="0"/>
+                <a:cs typeface="Times New Roman" panose="02020603050405020304" pitchFamily="18" charset="0"/>
+              </a:rPr>
               <a:t>Methodology</a:t>
             </a:r>
-            <a:endParaRPr lang="en-US" dirty="0"/>
-          </a:p>
-        </p:txBody>
-      </p:sp>
-      <p:sp>
-        <p:nvSpPr>
-          <p:cNvPr id="3" name="內容版面配置區 2"/>
-          <p:cNvSpPr>
-            <a:spLocks noGrp="1"/>
-          </p:cNvSpPr>
-          <p:nvPr>
-            <p:ph idx="1"/>
-          </p:nvPr>
-        </p:nvSpPr>
-        <p:spPr/>
-        <p:txBody>
-          <a:bodyPr/>
-          <a:lstStyle/>
-          <a:p>
-            <a:endParaRPr lang="en-US"/>
+            <a:endParaRPr lang="en-US" dirty="0">
+              <a:latin typeface="Times New Roman" panose="02020603050405020304" pitchFamily="18" charset="0"/>
+              <a:cs typeface="Times New Roman" panose="02020603050405020304" pitchFamily="18" charset="0"/>
+            </a:endParaRPr>
           </a:p>
         </p:txBody>
       </p:sp>
@@ -6393,13 +6496,22 @@
           <a:lstStyle/>
           <a:p>
             <a:r>
-              <a:rPr lang="en-HK" dirty="0" smtClean="0"/>
+              <a:rPr lang="en-HK" dirty="0" smtClean="0">
+                <a:latin typeface="Times New Roman" panose="02020603050405020304" pitchFamily="18" charset="0"/>
+                <a:cs typeface="Times New Roman" panose="02020603050405020304" pitchFamily="18" charset="0"/>
+              </a:rPr>
               <a:t>Experimental Configurations</a:t>
             </a:r>
             <a:br>
-              <a:rPr lang="en-HK" dirty="0" smtClean="0"/>
+              <a:rPr lang="en-HK" dirty="0" smtClean="0">
+                <a:latin typeface="Times New Roman" panose="02020603050405020304" pitchFamily="18" charset="0"/>
+                <a:cs typeface="Times New Roman" panose="02020603050405020304" pitchFamily="18" charset="0"/>
+              </a:rPr>
             </a:br>
-            <a:endParaRPr lang="en-US" dirty="0"/>
+            <a:endParaRPr lang="en-US" dirty="0">
+              <a:latin typeface="Times New Roman" panose="02020603050405020304" pitchFamily="18" charset="0"/>
+              <a:cs typeface="Times New Roman" panose="02020603050405020304" pitchFamily="18" charset="0"/>
+            </a:endParaRPr>
           </a:p>
         </p:txBody>
       </p:sp>
@@ -6413,7 +6525,7 @@
             <p:ph idx="1"/>
             <p:extLst>
               <p:ext uri="{D42A27DB-BD31-4B8C-83A1-F6EECF244321}">
-                <p14:modId xmlns:p14="http://schemas.microsoft.com/office/powerpoint/2010/main" val="1979973024"/>
+                <p14:modId xmlns:p14="http://schemas.microsoft.com/office/powerpoint/2010/main" val="1230117988"/>
               </p:ext>
             </p:extLst>
           </p:nvPr>
@@ -6480,14 +6592,23 @@
                     <a:p>
                       <a:pPr algn="ctr"/>
                       <a:r>
-                        <a:rPr lang="en-HK" sz="2000" dirty="0" smtClean="0"/>
+                        <a:rPr lang="en-HK" sz="2000" dirty="0" smtClean="0">
+                          <a:latin typeface="Times New Roman" panose="02020603050405020304" pitchFamily="18" charset="0"/>
+                          <a:cs typeface="Times New Roman" panose="02020603050405020304" pitchFamily="18" charset="0"/>
+                        </a:rPr>
                         <a:t>Energetic</a:t>
                       </a:r>
                       <a:r>
-                        <a:rPr lang="en-HK" sz="2000" baseline="0" dirty="0" smtClean="0"/>
+                        <a:rPr lang="en-HK" sz="2000" baseline="0" dirty="0" smtClean="0">
+                          <a:latin typeface="Times New Roman" panose="02020603050405020304" pitchFamily="18" charset="0"/>
+                          <a:cs typeface="Times New Roman" panose="02020603050405020304" pitchFamily="18" charset="0"/>
+                        </a:rPr>
                         <a:t> Source</a:t>
                       </a:r>
-                      <a:endParaRPr lang="en-US" sz="2000" dirty="0"/>
+                      <a:endParaRPr lang="en-US" sz="2000" dirty="0">
+                        <a:latin typeface="Times New Roman" panose="02020603050405020304" pitchFamily="18" charset="0"/>
+                        <a:cs typeface="Times New Roman" panose="02020603050405020304" pitchFamily="18" charset="0"/>
+                      </a:endParaRPr>
                     </a:p>
                   </a:txBody>
                   <a:tcPr anchor="ctr">
@@ -6507,19 +6628,19 @@
                           <a:solidFill>
                             <a:schemeClr val="dk1"/>
                           </a:solidFill>
-                          <a:latin typeface="+mn-lt"/>
+                          <a:latin typeface="Times New Roman" panose="02020603050405020304" pitchFamily="18" charset="0"/>
                           <a:ea typeface="+mn-ea"/>
-                          <a:cs typeface="+mn-cs"/>
+                          <a:cs typeface="Times New Roman" panose="02020603050405020304" pitchFamily="18" charset="0"/>
                         </a:rPr>
-                        <a:t>constituent</a:t>
+                        <a:t>Constituent</a:t>
                       </a:r>
                       <a:endParaRPr lang="en-US" sz="2000" kern="1200" dirty="0">
                         <a:solidFill>
                           <a:schemeClr val="dk1"/>
                         </a:solidFill>
-                        <a:latin typeface="+mn-lt"/>
+                        <a:latin typeface="Times New Roman" panose="02020603050405020304" pitchFamily="18" charset="0"/>
                         <a:ea typeface="+mn-ea"/>
-                        <a:cs typeface="+mn-cs"/>
+                        <a:cs typeface="Times New Roman" panose="02020603050405020304" pitchFamily="18" charset="0"/>
                       </a:endParaRPr>
                     </a:p>
                   </a:txBody>
@@ -6559,6 +6680,8 @@
                           <a:solidFill>
                             <a:schemeClr val="tx1"/>
                           </a:solidFill>
+                          <a:latin typeface="Times New Roman" panose="02020603050405020304" pitchFamily="18" charset="0"/>
+                          <a:cs typeface="Times New Roman" panose="02020603050405020304" pitchFamily="18" charset="0"/>
                         </a:rPr>
                         <a:t>Column Density </a:t>
                       </a:r>
@@ -6567,6 +6690,8 @@
                           <a:solidFill>
                             <a:schemeClr val="tx1"/>
                           </a:solidFill>
+                          <a:latin typeface="Times New Roman" panose="02020603050405020304" pitchFamily="18" charset="0"/>
+                          <a:cs typeface="Times New Roman" panose="02020603050405020304" pitchFamily="18" charset="0"/>
                         </a:rPr>
                         <a:t>(x10 </a:t>
                       </a:r>
@@ -6575,6 +6700,8 @@
                           <a:solidFill>
                             <a:schemeClr val="tx1"/>
                           </a:solidFill>
+                          <a:latin typeface="Times New Roman" panose="02020603050405020304" pitchFamily="18" charset="0"/>
+                          <a:cs typeface="Times New Roman" panose="02020603050405020304" pitchFamily="18" charset="0"/>
                         </a:rPr>
                         <a:t>15 </a:t>
                       </a:r>
@@ -6583,6 +6710,8 @@
                           <a:solidFill>
                             <a:schemeClr val="tx1"/>
                           </a:solidFill>
+                          <a:latin typeface="Times New Roman" panose="02020603050405020304" pitchFamily="18" charset="0"/>
+                          <a:cs typeface="Times New Roman" panose="02020603050405020304" pitchFamily="18" charset="0"/>
                         </a:rPr>
                         <a:t>molecules cm</a:t>
                       </a:r>
@@ -6591,6 +6720,8 @@
                           <a:solidFill>
                             <a:schemeClr val="tx1"/>
                           </a:solidFill>
+                          <a:latin typeface="Times New Roman" panose="02020603050405020304" pitchFamily="18" charset="0"/>
+                          <a:cs typeface="Times New Roman" panose="02020603050405020304" pitchFamily="18" charset="0"/>
                         </a:rPr>
                         <a:t>-2</a:t>
                       </a:r>
@@ -6599,6 +6730,8 @@
                           <a:solidFill>
                             <a:schemeClr val="tx1"/>
                           </a:solidFill>
+                          <a:latin typeface="Times New Roman" panose="02020603050405020304" pitchFamily="18" charset="0"/>
+                          <a:cs typeface="Times New Roman" panose="02020603050405020304" pitchFamily="18" charset="0"/>
                         </a:rPr>
                         <a:t>)</a:t>
                       </a:r>
@@ -6606,6 +6739,8 @@
                         <a:solidFill>
                           <a:schemeClr val="tx1"/>
                         </a:solidFill>
+                        <a:latin typeface="Times New Roman" panose="02020603050405020304" pitchFamily="18" charset="0"/>
+                        <a:cs typeface="Times New Roman" panose="02020603050405020304" pitchFamily="18" charset="0"/>
                       </a:endParaRPr>
                     </a:p>
                     <a:p>
@@ -6614,6 +6749,8 @@
                         <a:solidFill>
                           <a:schemeClr val="tx1"/>
                         </a:solidFill>
+                        <a:latin typeface="Times New Roman" panose="02020603050405020304" pitchFamily="18" charset="0"/>
+                        <a:cs typeface="Times New Roman" panose="02020603050405020304" pitchFamily="18" charset="0"/>
                       </a:endParaRPr>
                     </a:p>
                   </a:txBody>
@@ -6735,6 +6872,8 @@
                           <a:solidFill>
                             <a:srgbClr val="0070C0"/>
                           </a:solidFill>
+                          <a:latin typeface="Times New Roman" panose="02020603050405020304" pitchFamily="18" charset="0"/>
+                          <a:cs typeface="Times New Roman" panose="02020603050405020304" pitchFamily="18" charset="0"/>
                         </a:rPr>
                         <a:t>3:2</a:t>
                       </a:r>
@@ -6742,6 +6881,8 @@
                         <a:solidFill>
                           <a:srgbClr val="0070C0"/>
                         </a:solidFill>
+                        <a:latin typeface="Times New Roman" panose="02020603050405020304" pitchFamily="18" charset="0"/>
+                        <a:cs typeface="Times New Roman" panose="02020603050405020304" pitchFamily="18" charset="0"/>
                       </a:endParaRPr>
                     </a:p>
                   </a:txBody>
@@ -6758,6 +6899,8 @@
                           <a:solidFill>
                             <a:srgbClr val="0070C0"/>
                           </a:solidFill>
+                          <a:latin typeface="Times New Roman" panose="02020603050405020304" pitchFamily="18" charset="0"/>
+                          <a:cs typeface="Times New Roman" panose="02020603050405020304" pitchFamily="18" charset="0"/>
                         </a:rPr>
                         <a:t>1:5</a:t>
                       </a:r>
@@ -6765,6 +6908,8 @@
                         <a:solidFill>
                           <a:srgbClr val="0070C0"/>
                         </a:solidFill>
+                        <a:latin typeface="Times New Roman" panose="02020603050405020304" pitchFamily="18" charset="0"/>
+                        <a:cs typeface="Times New Roman" panose="02020603050405020304" pitchFamily="18" charset="0"/>
                       </a:endParaRPr>
                     </a:p>
                   </a:txBody>
@@ -6777,10 +6922,16 @@
                     <a:p>
                       <a:pPr algn="ctr"/>
                       <a:r>
-                        <a:rPr lang="en-HK" sz="2000" dirty="0" smtClean="0"/>
+                        <a:rPr lang="en-HK" sz="2000" dirty="0" smtClean="0">
+                          <a:latin typeface="Times New Roman" panose="02020603050405020304" pitchFamily="18" charset="0"/>
+                          <a:cs typeface="Times New Roman" panose="02020603050405020304" pitchFamily="18" charset="0"/>
+                        </a:rPr>
                         <a:t>1:10</a:t>
                       </a:r>
-                      <a:endParaRPr lang="en-US" sz="2000" dirty="0"/>
+                      <a:endParaRPr lang="en-US" sz="2000" dirty="0">
+                        <a:latin typeface="Times New Roman" panose="02020603050405020304" pitchFamily="18" charset="0"/>
+                        <a:cs typeface="Times New Roman" panose="02020603050405020304" pitchFamily="18" charset="0"/>
+                      </a:endParaRPr>
                     </a:p>
                   </a:txBody>
                   <a:tcPr anchor="ctr"/>
@@ -6792,10 +6943,16 @@
                     <a:p>
                       <a:pPr algn="ctr"/>
                       <a:r>
-                        <a:rPr lang="en-HK" sz="2000" dirty="0" smtClean="0"/>
+                        <a:rPr lang="en-HK" sz="2000" dirty="0" smtClean="0">
+                          <a:latin typeface="Times New Roman" panose="02020603050405020304" pitchFamily="18" charset="0"/>
+                          <a:cs typeface="Times New Roman" panose="02020603050405020304" pitchFamily="18" charset="0"/>
+                        </a:rPr>
                         <a:t>1:20</a:t>
                       </a:r>
-                      <a:endParaRPr lang="en-US" sz="2000" dirty="0"/>
+                      <a:endParaRPr lang="en-US" sz="2000" dirty="0">
+                        <a:latin typeface="Times New Roman" panose="02020603050405020304" pitchFamily="18" charset="0"/>
+                        <a:cs typeface="Times New Roman" panose="02020603050405020304" pitchFamily="18" charset="0"/>
+                      </a:endParaRPr>
                     </a:p>
                   </a:txBody>
                   <a:tcPr anchor="ctr"/>
@@ -6818,6 +6975,8 @@
                           <a:solidFill>
                             <a:schemeClr val="bg1"/>
                           </a:solidFill>
+                          <a:latin typeface="Times New Roman" panose="02020603050405020304" pitchFamily="18" charset="0"/>
+                          <a:cs typeface="Times New Roman" panose="02020603050405020304" pitchFamily="18" charset="0"/>
                         </a:rPr>
                         <a:t>VUV (MDHL)</a:t>
                       </a:r>
@@ -6825,6 +6984,8 @@
                         <a:solidFill>
                           <a:schemeClr val="bg1"/>
                         </a:solidFill>
+                        <a:latin typeface="Times New Roman" panose="02020603050405020304" pitchFamily="18" charset="0"/>
+                        <a:cs typeface="Times New Roman" panose="02020603050405020304" pitchFamily="18" charset="0"/>
                       </a:endParaRPr>
                     </a:p>
                   </a:txBody>
@@ -6841,14 +7002,23 @@
                     <a:p>
                       <a:pPr algn="ctr"/>
                       <a:r>
-                        <a:rPr lang="en-HK" sz="2000" dirty="0" smtClean="0"/>
+                        <a:rPr lang="en-HK" sz="2000" dirty="0" smtClean="0">
+                          <a:latin typeface="Times New Roman" panose="02020603050405020304" pitchFamily="18" charset="0"/>
+                          <a:cs typeface="Times New Roman" panose="02020603050405020304" pitchFamily="18" charset="0"/>
+                        </a:rPr>
                         <a:t>CH</a:t>
                       </a:r>
                       <a:r>
-                        <a:rPr lang="en-HK" sz="2000" baseline="-25000" dirty="0" smtClean="0"/>
+                        <a:rPr lang="en-HK" sz="2000" baseline="-25000" dirty="0" smtClean="0">
+                          <a:latin typeface="Times New Roman" panose="02020603050405020304" pitchFamily="18" charset="0"/>
+                          <a:cs typeface="Times New Roman" panose="02020603050405020304" pitchFamily="18" charset="0"/>
+                        </a:rPr>
                         <a:t>4</a:t>
                       </a:r>
-                      <a:endParaRPr lang="en-US" sz="2000" baseline="-25000" dirty="0"/>
+                      <a:endParaRPr lang="en-US" sz="2000" baseline="-25000" dirty="0">
+                        <a:latin typeface="Times New Roman" panose="02020603050405020304" pitchFamily="18" charset="0"/>
+                        <a:cs typeface="Times New Roman" panose="02020603050405020304" pitchFamily="18" charset="0"/>
+                      </a:endParaRPr>
                     </a:p>
                   </a:txBody>
                   <a:tcPr anchor="ctr"/>
@@ -6864,6 +7034,8 @@
                           <a:solidFill>
                             <a:schemeClr val="tx1"/>
                           </a:solidFill>
+                          <a:latin typeface="Times New Roman" panose="02020603050405020304" pitchFamily="18" charset="0"/>
+                          <a:cs typeface="Times New Roman" panose="02020603050405020304" pitchFamily="18" charset="0"/>
                         </a:rPr>
                         <a:t>900</a:t>
                       </a:r>
@@ -6882,6 +7054,8 @@
                           <a:solidFill>
                             <a:schemeClr val="tx1"/>
                           </a:solidFill>
+                          <a:latin typeface="Times New Roman" panose="02020603050405020304" pitchFamily="18" charset="0"/>
+                          <a:cs typeface="Times New Roman" panose="02020603050405020304" pitchFamily="18" charset="0"/>
                         </a:rPr>
                         <a:t>120</a:t>
                       </a:r>
@@ -6889,6 +7063,8 @@
                         <a:solidFill>
                           <a:schemeClr val="tx1"/>
                         </a:solidFill>
+                        <a:latin typeface="Times New Roman" panose="02020603050405020304" pitchFamily="18" charset="0"/>
+                        <a:cs typeface="Times New Roman" panose="02020603050405020304" pitchFamily="18" charset="0"/>
                       </a:endParaRPr>
                     </a:p>
                   </a:txBody>
@@ -6901,10 +7077,16 @@
                     <a:p>
                       <a:pPr algn="ctr"/>
                       <a:r>
-                        <a:rPr lang="en-HK" sz="2000" dirty="0" smtClean="0"/>
+                        <a:rPr lang="en-HK" sz="2000" dirty="0" smtClean="0">
+                          <a:latin typeface="Times New Roman" panose="02020603050405020304" pitchFamily="18" charset="0"/>
+                          <a:cs typeface="Times New Roman" panose="02020603050405020304" pitchFamily="18" charset="0"/>
+                        </a:rPr>
                         <a:t>60</a:t>
                       </a:r>
-                      <a:endParaRPr lang="en-US" sz="2000" dirty="0"/>
+                      <a:endParaRPr lang="en-US" sz="2000" dirty="0">
+                        <a:latin typeface="Times New Roman" panose="02020603050405020304" pitchFamily="18" charset="0"/>
+                        <a:cs typeface="Times New Roman" panose="02020603050405020304" pitchFamily="18" charset="0"/>
+                      </a:endParaRPr>
                     </a:p>
                   </a:txBody>
                   <a:tcPr anchor="ctr"/>
@@ -6916,10 +7098,16 @@
                     <a:p>
                       <a:pPr algn="ctr"/>
                       <a:r>
-                        <a:rPr lang="en-HK" sz="2000" dirty="0" smtClean="0"/>
+                        <a:rPr lang="en-HK" sz="2000" dirty="0" smtClean="0">
+                          <a:latin typeface="Times New Roman" panose="02020603050405020304" pitchFamily="18" charset="0"/>
+                          <a:cs typeface="Times New Roman" panose="02020603050405020304" pitchFamily="18" charset="0"/>
+                        </a:rPr>
                         <a:t>30</a:t>
                       </a:r>
-                      <a:endParaRPr lang="en-US" sz="2000" dirty="0"/>
+                      <a:endParaRPr lang="en-US" sz="2000" dirty="0">
+                        <a:latin typeface="Times New Roman" panose="02020603050405020304" pitchFamily="18" charset="0"/>
+                        <a:cs typeface="Times New Roman" panose="02020603050405020304" pitchFamily="18" charset="0"/>
+                      </a:endParaRPr>
                     </a:p>
                   </a:txBody>
                   <a:tcPr anchor="ctr"/>
@@ -6948,36 +7136,22 @@
                     <a:p>
                       <a:pPr algn="ctr"/>
                       <a:r>
-                        <a:rPr lang="en-HK" sz="2000" dirty="0" smtClean="0"/>
+                        <a:rPr lang="en-HK" sz="2000" dirty="0" smtClean="0">
+                          <a:latin typeface="Times New Roman" panose="02020603050405020304" pitchFamily="18" charset="0"/>
+                          <a:cs typeface="Times New Roman" panose="02020603050405020304" pitchFamily="18" charset="0"/>
+                        </a:rPr>
                         <a:t>NH</a:t>
                       </a:r>
                       <a:r>
-                        <a:rPr lang="en-HK" sz="2000" baseline="-25000" dirty="0" smtClean="0"/>
+                        <a:rPr lang="en-HK" sz="2000" baseline="-25000" dirty="0" smtClean="0">
+                          <a:latin typeface="Times New Roman" panose="02020603050405020304" pitchFamily="18" charset="0"/>
+                          <a:cs typeface="Times New Roman" panose="02020603050405020304" pitchFamily="18" charset="0"/>
+                        </a:rPr>
                         <a:t>3</a:t>
                       </a:r>
-                      <a:endParaRPr lang="en-US" sz="2000" baseline="-25000" dirty="0"/>
-                    </a:p>
-                  </a:txBody>
-                  <a:tcPr anchor="ctr"/>
-                </a:tc>
-                <a:tc>
-                  <a:txBody>
-                    <a:bodyPr/>
-                    <a:lstStyle/>
-                    <a:p>
-                      <a:pPr algn="ctr"/>
-                      <a:r>
-                        <a:rPr lang="en-HK" sz="2000" dirty="0" smtClean="0">
-                          <a:solidFill>
-                            <a:srgbClr val="0070C0"/>
-                          </a:solidFill>
-                        </a:rPr>
-                        <a:t>600</a:t>
-                      </a:r>
-                      <a:endParaRPr lang="en-US" sz="2000" dirty="0">
-                        <a:solidFill>
-                          <a:srgbClr val="0070C0"/>
-                        </a:solidFill>
+                      <a:endParaRPr lang="en-US" sz="2000" baseline="-25000" dirty="0">
+                        <a:latin typeface="Times New Roman" panose="02020603050405020304" pitchFamily="18" charset="0"/>
+                        <a:cs typeface="Times New Roman" panose="02020603050405020304" pitchFamily="18" charset="0"/>
                       </a:endParaRPr>
                     </a:p>
                   </a:txBody>
@@ -6994,6 +7168,8 @@
                           <a:solidFill>
                             <a:srgbClr val="0070C0"/>
                           </a:solidFill>
+                          <a:latin typeface="Times New Roman" panose="02020603050405020304" pitchFamily="18" charset="0"/>
+                          <a:cs typeface="Times New Roman" panose="02020603050405020304" pitchFamily="18" charset="0"/>
                         </a:rPr>
                         <a:t>600</a:t>
                       </a:r>
@@ -7001,6 +7177,8 @@
                         <a:solidFill>
                           <a:srgbClr val="0070C0"/>
                         </a:solidFill>
+                        <a:latin typeface="Times New Roman" panose="02020603050405020304" pitchFamily="18" charset="0"/>
+                        <a:cs typeface="Times New Roman" panose="02020603050405020304" pitchFamily="18" charset="0"/>
                       </a:endParaRPr>
                     </a:p>
                   </a:txBody>
@@ -7017,6 +7195,8 @@
                           <a:solidFill>
                             <a:srgbClr val="0070C0"/>
                           </a:solidFill>
+                          <a:latin typeface="Times New Roman" panose="02020603050405020304" pitchFamily="18" charset="0"/>
+                          <a:cs typeface="Times New Roman" panose="02020603050405020304" pitchFamily="18" charset="0"/>
                         </a:rPr>
                         <a:t>600</a:t>
                       </a:r>
@@ -7024,6 +7204,8 @@
                         <a:solidFill>
                           <a:srgbClr val="0070C0"/>
                         </a:solidFill>
+                        <a:latin typeface="Times New Roman" panose="02020603050405020304" pitchFamily="18" charset="0"/>
+                        <a:cs typeface="Times New Roman" panose="02020603050405020304" pitchFamily="18" charset="0"/>
                       </a:endParaRPr>
                     </a:p>
                   </a:txBody>
@@ -7040,6 +7222,8 @@
                           <a:solidFill>
                             <a:srgbClr val="0070C0"/>
                           </a:solidFill>
+                          <a:latin typeface="Times New Roman" panose="02020603050405020304" pitchFamily="18" charset="0"/>
+                          <a:cs typeface="Times New Roman" panose="02020603050405020304" pitchFamily="18" charset="0"/>
                         </a:rPr>
                         <a:t>600</a:t>
                       </a:r>
@@ -7047,6 +7231,35 @@
                         <a:solidFill>
                           <a:srgbClr val="0070C0"/>
                         </a:solidFill>
+                        <a:latin typeface="Times New Roman" panose="02020603050405020304" pitchFamily="18" charset="0"/>
+                        <a:cs typeface="Times New Roman" panose="02020603050405020304" pitchFamily="18" charset="0"/>
+                      </a:endParaRPr>
+                    </a:p>
+                  </a:txBody>
+                  <a:tcPr anchor="ctr"/>
+                </a:tc>
+                <a:tc>
+                  <a:txBody>
+                    <a:bodyPr/>
+                    <a:lstStyle/>
+                    <a:p>
+                      <a:pPr algn="ctr"/>
+                      <a:r>
+                        <a:rPr lang="en-HK" sz="2000" dirty="0" smtClean="0">
+                          <a:solidFill>
+                            <a:srgbClr val="0070C0"/>
+                          </a:solidFill>
+                          <a:latin typeface="Times New Roman" panose="02020603050405020304" pitchFamily="18" charset="0"/>
+                          <a:cs typeface="Times New Roman" panose="02020603050405020304" pitchFamily="18" charset="0"/>
+                        </a:rPr>
+                        <a:t>600</a:t>
+                      </a:r>
+                      <a:endParaRPr lang="en-US" sz="2000" dirty="0">
+                        <a:solidFill>
+                          <a:srgbClr val="0070C0"/>
+                        </a:solidFill>
+                        <a:latin typeface="Times New Roman" panose="02020603050405020304" pitchFamily="18" charset="0"/>
+                        <a:cs typeface="Times New Roman" panose="02020603050405020304" pitchFamily="18" charset="0"/>
                       </a:endParaRPr>
                     </a:p>
                   </a:txBody>
@@ -7070,6 +7283,8 @@
                           <a:solidFill>
                             <a:schemeClr val="bg1"/>
                           </a:solidFill>
+                          <a:latin typeface="Times New Roman" panose="02020603050405020304" pitchFamily="18" charset="0"/>
+                          <a:cs typeface="Times New Roman" panose="02020603050405020304" pitchFamily="18" charset="0"/>
                         </a:rPr>
                         <a:t>EUV </a:t>
                       </a:r>
@@ -7081,6 +7296,8 @@
                           <a:solidFill>
                             <a:schemeClr val="bg1"/>
                           </a:solidFill>
+                          <a:latin typeface="Times New Roman" panose="02020603050405020304" pitchFamily="18" charset="0"/>
+                          <a:cs typeface="Times New Roman" panose="02020603050405020304" pitchFamily="18" charset="0"/>
                         </a:rPr>
                         <a:t>(30.4 nm)</a:t>
                       </a:r>
@@ -7088,6 +7305,8 @@
                         <a:solidFill>
                           <a:schemeClr val="bg1"/>
                         </a:solidFill>
+                        <a:latin typeface="Times New Roman" panose="02020603050405020304" pitchFamily="18" charset="0"/>
+                        <a:cs typeface="Times New Roman" panose="02020603050405020304" pitchFamily="18" charset="0"/>
                       </a:endParaRPr>
                     </a:p>
                   </a:txBody>
@@ -7104,14 +7323,23 @@
                     <a:p>
                       <a:pPr algn="ctr"/>
                       <a:r>
-                        <a:rPr lang="en-HK" sz="2000" dirty="0" smtClean="0"/>
+                        <a:rPr lang="en-HK" sz="2000" dirty="0" smtClean="0">
+                          <a:latin typeface="Times New Roman" panose="02020603050405020304" pitchFamily="18" charset="0"/>
+                          <a:cs typeface="Times New Roman" panose="02020603050405020304" pitchFamily="18" charset="0"/>
+                        </a:rPr>
                         <a:t>CH</a:t>
                       </a:r>
                       <a:r>
-                        <a:rPr lang="en-HK" sz="2000" baseline="-25000" dirty="0" smtClean="0"/>
+                        <a:rPr lang="en-HK" sz="2000" baseline="-25000" dirty="0" smtClean="0">
+                          <a:latin typeface="Times New Roman" panose="02020603050405020304" pitchFamily="18" charset="0"/>
+                          <a:cs typeface="Times New Roman" panose="02020603050405020304" pitchFamily="18" charset="0"/>
+                        </a:rPr>
                         <a:t>4</a:t>
                       </a:r>
-                      <a:endParaRPr lang="en-US" sz="2000" baseline="-25000" dirty="0"/>
+                      <a:endParaRPr lang="en-US" sz="2000" baseline="-25000" dirty="0">
+                        <a:latin typeface="Times New Roman" panose="02020603050405020304" pitchFamily="18" charset="0"/>
+                        <a:cs typeface="Times New Roman" panose="02020603050405020304" pitchFamily="18" charset="0"/>
+                      </a:endParaRPr>
                     </a:p>
                   </a:txBody>
                   <a:tcPr anchor="ctr"/>
@@ -7127,6 +7355,8 @@
                           <a:solidFill>
                             <a:schemeClr val="tx1"/>
                           </a:solidFill>
+                          <a:latin typeface="Times New Roman" panose="02020603050405020304" pitchFamily="18" charset="0"/>
+                          <a:cs typeface="Times New Roman" panose="02020603050405020304" pitchFamily="18" charset="0"/>
                         </a:rPr>
                         <a:t>900</a:t>
                       </a:r>
@@ -7145,6 +7375,8 @@
                           <a:solidFill>
                             <a:schemeClr val="tx1"/>
                           </a:solidFill>
+                          <a:latin typeface="Times New Roman" panose="02020603050405020304" pitchFamily="18" charset="0"/>
+                          <a:cs typeface="Times New Roman" panose="02020603050405020304" pitchFamily="18" charset="0"/>
                         </a:rPr>
                         <a:t>120</a:t>
                       </a:r>
@@ -7152,6 +7384,8 @@
                         <a:solidFill>
                           <a:schemeClr val="tx1"/>
                         </a:solidFill>
+                        <a:latin typeface="Times New Roman" panose="02020603050405020304" pitchFamily="18" charset="0"/>
+                        <a:cs typeface="Times New Roman" panose="02020603050405020304" pitchFamily="18" charset="0"/>
                       </a:endParaRPr>
                     </a:p>
                   </a:txBody>
@@ -7164,10 +7398,16 @@
                     <a:p>
                       <a:pPr algn="ctr"/>
                       <a:r>
-                        <a:rPr lang="en-HK" sz="2000" dirty="0" smtClean="0"/>
+                        <a:rPr lang="en-HK" sz="2000" dirty="0" smtClean="0">
+                          <a:latin typeface="Times New Roman" panose="02020603050405020304" pitchFamily="18" charset="0"/>
+                          <a:cs typeface="Times New Roman" panose="02020603050405020304" pitchFamily="18" charset="0"/>
+                        </a:rPr>
                         <a:t>--</a:t>
                       </a:r>
-                      <a:endParaRPr lang="en-US" sz="2000" dirty="0"/>
+                      <a:endParaRPr lang="en-US" sz="2000" dirty="0">
+                        <a:latin typeface="Times New Roman" panose="02020603050405020304" pitchFamily="18" charset="0"/>
+                        <a:cs typeface="Times New Roman" panose="02020603050405020304" pitchFamily="18" charset="0"/>
+                      </a:endParaRPr>
                     </a:p>
                   </a:txBody>
                   <a:tcPr anchor="ctr"/>
@@ -7179,10 +7419,16 @@
                     <a:p>
                       <a:pPr algn="ctr"/>
                       <a:r>
-                        <a:rPr lang="en-HK" sz="2000" dirty="0" smtClean="0"/>
+                        <a:rPr lang="en-HK" sz="2000" dirty="0" smtClean="0">
+                          <a:latin typeface="Times New Roman" panose="02020603050405020304" pitchFamily="18" charset="0"/>
+                          <a:cs typeface="Times New Roman" panose="02020603050405020304" pitchFamily="18" charset="0"/>
+                        </a:rPr>
                         <a:t>--</a:t>
                       </a:r>
-                      <a:endParaRPr lang="en-US" sz="2000" dirty="0"/>
+                      <a:endParaRPr lang="en-US" sz="2000" dirty="0">
+                        <a:latin typeface="Times New Roman" panose="02020603050405020304" pitchFamily="18" charset="0"/>
+                        <a:cs typeface="Times New Roman" panose="02020603050405020304" pitchFamily="18" charset="0"/>
+                      </a:endParaRPr>
                     </a:p>
                   </a:txBody>
                   <a:tcPr anchor="ctr"/>
@@ -7211,36 +7457,22 @@
                     <a:p>
                       <a:pPr algn="ctr"/>
                       <a:r>
-                        <a:rPr lang="en-HK" sz="2000" dirty="0" smtClean="0"/>
+                        <a:rPr lang="en-HK" sz="2000" dirty="0" smtClean="0">
+                          <a:latin typeface="Times New Roman" panose="02020603050405020304" pitchFamily="18" charset="0"/>
+                          <a:cs typeface="Times New Roman" panose="02020603050405020304" pitchFamily="18" charset="0"/>
+                        </a:rPr>
                         <a:t>NH</a:t>
                       </a:r>
                       <a:r>
-                        <a:rPr lang="en-HK" sz="2000" baseline="-25000" dirty="0" smtClean="0"/>
+                        <a:rPr lang="en-HK" sz="2000" baseline="-25000" dirty="0" smtClean="0">
+                          <a:latin typeface="Times New Roman" panose="02020603050405020304" pitchFamily="18" charset="0"/>
+                          <a:cs typeface="Times New Roman" panose="02020603050405020304" pitchFamily="18" charset="0"/>
+                        </a:rPr>
                         <a:t>3</a:t>
                       </a:r>
-                      <a:endParaRPr lang="en-US" sz="2000" baseline="-25000" dirty="0"/>
-                    </a:p>
-                  </a:txBody>
-                  <a:tcPr anchor="ctr"/>
-                </a:tc>
-                <a:tc>
-                  <a:txBody>
-                    <a:bodyPr/>
-                    <a:lstStyle/>
-                    <a:p>
-                      <a:pPr algn="ctr"/>
-                      <a:r>
-                        <a:rPr lang="en-HK" sz="2000" dirty="0" smtClean="0">
-                          <a:solidFill>
-                            <a:srgbClr val="0070C0"/>
-                          </a:solidFill>
-                        </a:rPr>
-                        <a:t>600</a:t>
-                      </a:r>
-                      <a:endParaRPr lang="en-US" sz="2000" dirty="0">
-                        <a:solidFill>
-                          <a:srgbClr val="0070C0"/>
-                        </a:solidFill>
+                      <a:endParaRPr lang="en-US" sz="2000" baseline="-25000" dirty="0">
+                        <a:latin typeface="Times New Roman" panose="02020603050405020304" pitchFamily="18" charset="0"/>
+                        <a:cs typeface="Times New Roman" panose="02020603050405020304" pitchFamily="18" charset="0"/>
                       </a:endParaRPr>
                     </a:p>
                   </a:txBody>
@@ -7257,6 +7489,8 @@
                           <a:solidFill>
                             <a:srgbClr val="0070C0"/>
                           </a:solidFill>
+                          <a:latin typeface="Times New Roman" panose="02020603050405020304" pitchFamily="18" charset="0"/>
+                          <a:cs typeface="Times New Roman" panose="02020603050405020304" pitchFamily="18" charset="0"/>
                         </a:rPr>
                         <a:t>600</a:t>
                       </a:r>
@@ -7264,6 +7498,8 @@
                         <a:solidFill>
                           <a:srgbClr val="0070C0"/>
                         </a:solidFill>
+                        <a:latin typeface="Times New Roman" panose="02020603050405020304" pitchFamily="18" charset="0"/>
+                        <a:cs typeface="Times New Roman" panose="02020603050405020304" pitchFamily="18" charset="0"/>
                       </a:endParaRPr>
                     </a:p>
                   </a:txBody>
@@ -7276,10 +7512,22 @@
                     <a:p>
                       <a:pPr algn="ctr"/>
                       <a:r>
-                        <a:rPr lang="en-HK" sz="2000" dirty="0" smtClean="0"/>
-                        <a:t>--</a:t>
+                        <a:rPr lang="en-HK" sz="2000" dirty="0" smtClean="0">
+                          <a:solidFill>
+                            <a:srgbClr val="0070C0"/>
+                          </a:solidFill>
+                          <a:latin typeface="Times New Roman" panose="02020603050405020304" pitchFamily="18" charset="0"/>
+                          <a:cs typeface="Times New Roman" panose="02020603050405020304" pitchFamily="18" charset="0"/>
+                        </a:rPr>
+                        <a:t>600</a:t>
                       </a:r>
-                      <a:endParaRPr lang="en-US" sz="2000" dirty="0"/>
+                      <a:endParaRPr lang="en-US" sz="2000" dirty="0">
+                        <a:solidFill>
+                          <a:srgbClr val="0070C0"/>
+                        </a:solidFill>
+                        <a:latin typeface="Times New Roman" panose="02020603050405020304" pitchFamily="18" charset="0"/>
+                        <a:cs typeface="Times New Roman" panose="02020603050405020304" pitchFamily="18" charset="0"/>
+                      </a:endParaRPr>
                     </a:p>
                   </a:txBody>
                   <a:tcPr anchor="ctr"/>
@@ -7291,10 +7539,37 @@
                     <a:p>
                       <a:pPr algn="ctr"/>
                       <a:r>
-                        <a:rPr lang="en-HK" sz="2000" dirty="0" smtClean="0"/>
+                        <a:rPr lang="en-HK" sz="2000" dirty="0" smtClean="0">
+                          <a:latin typeface="Times New Roman" panose="02020603050405020304" pitchFamily="18" charset="0"/>
+                          <a:cs typeface="Times New Roman" panose="02020603050405020304" pitchFamily="18" charset="0"/>
+                        </a:rPr>
                         <a:t>--</a:t>
                       </a:r>
-                      <a:endParaRPr lang="en-US" sz="2000" dirty="0"/>
+                      <a:endParaRPr lang="en-US" sz="2000" dirty="0">
+                        <a:latin typeface="Times New Roman" panose="02020603050405020304" pitchFamily="18" charset="0"/>
+                        <a:cs typeface="Times New Roman" panose="02020603050405020304" pitchFamily="18" charset="0"/>
+                      </a:endParaRPr>
+                    </a:p>
+                  </a:txBody>
+                  <a:tcPr anchor="ctr"/>
+                </a:tc>
+                <a:tc>
+                  <a:txBody>
+                    <a:bodyPr/>
+                    <a:lstStyle/>
+                    <a:p>
+                      <a:pPr algn="ctr"/>
+                      <a:r>
+                        <a:rPr lang="en-HK" sz="2000" dirty="0" smtClean="0">
+                          <a:latin typeface="Times New Roman" panose="02020603050405020304" pitchFamily="18" charset="0"/>
+                          <a:cs typeface="Times New Roman" panose="02020603050405020304" pitchFamily="18" charset="0"/>
+                        </a:rPr>
+                        <a:t>--</a:t>
+                      </a:r>
+                      <a:endParaRPr lang="en-US" sz="2000" dirty="0">
+                        <a:latin typeface="Times New Roman" panose="02020603050405020304" pitchFamily="18" charset="0"/>
+                        <a:cs typeface="Times New Roman" panose="02020603050405020304" pitchFamily="18" charset="0"/>
+                      </a:endParaRPr>
                     </a:p>
                   </a:txBody>
                   <a:tcPr anchor="ctr"/>
@@ -7355,34 +7630,58 @@
           <a:lstStyle/>
           <a:p>
             <a:r>
-              <a:rPr lang="en-HK" sz="2000" dirty="0" smtClean="0"/>
+              <a:rPr lang="en-HK" sz="2000" dirty="0" smtClean="0">
+                <a:latin typeface="Times New Roman" panose="02020603050405020304" pitchFamily="18" charset="0"/>
+                <a:cs typeface="Times New Roman" panose="02020603050405020304" pitchFamily="18" charset="0"/>
+              </a:rPr>
               <a:t>Different initial amount of CH</a:t>
             </a:r>
             <a:r>
-              <a:rPr lang="en-HK" sz="2000" baseline="-25000" dirty="0" smtClean="0"/>
+              <a:rPr lang="en-HK" sz="2000" baseline="-25000" dirty="0" smtClean="0">
+                <a:latin typeface="Times New Roman" panose="02020603050405020304" pitchFamily="18" charset="0"/>
+                <a:cs typeface="Times New Roman" panose="02020603050405020304" pitchFamily="18" charset="0"/>
+              </a:rPr>
               <a:t>4</a:t>
             </a:r>
             <a:r>
-              <a:rPr lang="en-HK" sz="2000" dirty="0" smtClean="0"/>
+              <a:rPr lang="en-HK" sz="2000" dirty="0" smtClean="0">
+                <a:latin typeface="Times New Roman" panose="02020603050405020304" pitchFamily="18" charset="0"/>
+                <a:cs typeface="Times New Roman" panose="02020603050405020304" pitchFamily="18" charset="0"/>
+              </a:rPr>
               <a:t> correspond to different ratio of CH</a:t>
             </a:r>
             <a:r>
-              <a:rPr lang="en-HK" sz="2000" baseline="-25000" dirty="0" smtClean="0"/>
+              <a:rPr lang="en-HK" sz="2000" baseline="-25000" dirty="0" smtClean="0">
+                <a:latin typeface="Times New Roman" panose="02020603050405020304" pitchFamily="18" charset="0"/>
+                <a:cs typeface="Times New Roman" panose="02020603050405020304" pitchFamily="18" charset="0"/>
+              </a:rPr>
               <a:t>4</a:t>
             </a:r>
             <a:r>
-              <a:rPr lang="en-HK" sz="2000" dirty="0" smtClean="0"/>
+              <a:rPr lang="en-HK" sz="2000" dirty="0" smtClean="0">
+                <a:latin typeface="Times New Roman" panose="02020603050405020304" pitchFamily="18" charset="0"/>
+                <a:cs typeface="Times New Roman" panose="02020603050405020304" pitchFamily="18" charset="0"/>
+              </a:rPr>
               <a:t>:NH</a:t>
             </a:r>
             <a:r>
-              <a:rPr lang="en-HK" sz="2000" baseline="-25000" dirty="0" smtClean="0"/>
+              <a:rPr lang="en-HK" sz="2000" baseline="-25000" dirty="0" smtClean="0">
+                <a:latin typeface="Times New Roman" panose="02020603050405020304" pitchFamily="18" charset="0"/>
+                <a:cs typeface="Times New Roman" panose="02020603050405020304" pitchFamily="18" charset="0"/>
+              </a:rPr>
               <a:t>3</a:t>
             </a:r>
             <a:r>
-              <a:rPr lang="en-HK" sz="2000" dirty="0" smtClean="0"/>
+              <a:rPr lang="en-HK" sz="2000" dirty="0" smtClean="0">
+                <a:latin typeface="Times New Roman" panose="02020603050405020304" pitchFamily="18" charset="0"/>
+                <a:cs typeface="Times New Roman" panose="02020603050405020304" pitchFamily="18" charset="0"/>
+              </a:rPr>
               <a:t> ice mixtures</a:t>
             </a:r>
-            <a:endParaRPr lang="en-US" sz="2000" dirty="0"/>
+            <a:endParaRPr lang="en-US" sz="2000" dirty="0">
+              <a:latin typeface="Times New Roman" panose="02020603050405020304" pitchFamily="18" charset="0"/>
+              <a:cs typeface="Times New Roman" panose="02020603050405020304" pitchFamily="18" charset="0"/>
+            </a:endParaRPr>
           </a:p>
         </p:txBody>
       </p:sp>
@@ -7447,7 +7746,10 @@
               <a:buNone/>
             </a:pPr>
             <a:r>
-              <a:rPr lang="en-HK" dirty="0" smtClean="0"/>
+              <a:rPr lang="en-HK" dirty="0" smtClean="0">
+                <a:latin typeface="Times New Roman" panose="02020603050405020304" pitchFamily="18" charset="0"/>
+                <a:cs typeface="Times New Roman" panose="02020603050405020304" pitchFamily="18" charset="0"/>
+              </a:rPr>
               <a:t>IR path</a:t>
             </a:r>
           </a:p>
@@ -7456,10 +7758,16 @@
               <a:buNone/>
             </a:pPr>
             <a:r>
-              <a:rPr lang="en-HK" dirty="0" smtClean="0"/>
+              <a:rPr lang="en-HK" dirty="0" smtClean="0">
+                <a:latin typeface="Times New Roman" panose="02020603050405020304" pitchFamily="18" charset="0"/>
+                <a:cs typeface="Times New Roman" panose="02020603050405020304" pitchFamily="18" charset="0"/>
+              </a:rPr>
               <a:t>VUV/EUV path</a:t>
             </a:r>
-            <a:endParaRPr lang="en-US" dirty="0"/>
+            <a:endParaRPr lang="en-US" dirty="0">
+              <a:latin typeface="Times New Roman" panose="02020603050405020304" pitchFamily="18" charset="0"/>
+              <a:cs typeface="Times New Roman" panose="02020603050405020304" pitchFamily="18" charset="0"/>
+            </a:endParaRPr>
           </a:p>
         </p:txBody>
       </p:sp>
@@ -7754,7 +8062,7 @@
         <p:spPr>
           <a:xfrm>
             <a:off x="783681" y="5096162"/>
-            <a:ext cx="3704860" cy="369332"/>
+            <a:ext cx="3095719" cy="369332"/>
           </a:xfrm>
           <a:prstGeom prst="rect">
             <a:avLst/>
@@ -7768,10 +8076,16 @@
           <a:lstStyle/>
           <a:p>
             <a:r>
-              <a:rPr lang="en-HK" dirty="0" smtClean="0"/>
+              <a:rPr lang="en-HK" dirty="0" smtClean="0">
+                <a:latin typeface="Times New Roman" panose="02020603050405020304" pitchFamily="18" charset="0"/>
+                <a:cs typeface="Times New Roman" panose="02020603050405020304" pitchFamily="18" charset="0"/>
+              </a:rPr>
               <a:t>Quoted from Chen et al. (2014)</a:t>
             </a:r>
-            <a:endParaRPr lang="en-US" dirty="0"/>
+            <a:endParaRPr lang="en-US" dirty="0">
+              <a:latin typeface="Times New Roman" panose="02020603050405020304" pitchFamily="18" charset="0"/>
+              <a:cs typeface="Times New Roman" panose="02020603050405020304" pitchFamily="18" charset="0"/>
+            </a:endParaRPr>
           </a:p>
         </p:txBody>
       </p:sp>
@@ -7803,9 +8117,9 @@
                 <a:solidFill>
                   <a:schemeClr val="tx2"/>
                 </a:solidFill>
-                <a:latin typeface="+mj-lt"/>
+                <a:latin typeface="Times New Roman" panose="02020603050405020304" pitchFamily="18" charset="0"/>
                 <a:ea typeface="+mj-ea"/>
-                <a:cs typeface="+mj-cs"/>
+                <a:cs typeface="Times New Roman" panose="02020603050405020304" pitchFamily="18" charset="0"/>
               </a:rPr>
               <a:t>Experimental setup</a:t>
             </a:r>
@@ -8129,9 +8443,9 @@
                 <a:solidFill>
                   <a:schemeClr val="tx2"/>
                 </a:solidFill>
-                <a:latin typeface="+mj-lt"/>
+                <a:latin typeface="Times New Roman" panose="02020603050405020304" pitchFamily="18" charset="0"/>
                 <a:ea typeface="+mj-ea"/>
-                <a:cs typeface="+mj-cs"/>
+                <a:cs typeface="Times New Roman" panose="02020603050405020304" pitchFamily="18" charset="0"/>
               </a:rPr>
               <a:t>Experimental </a:t>
             </a:r>
@@ -8140,9 +8454,9 @@
                 <a:solidFill>
                   <a:schemeClr val="tx2"/>
                 </a:solidFill>
-                <a:latin typeface="+mj-lt"/>
+                <a:latin typeface="Times New Roman" panose="02020603050405020304" pitchFamily="18" charset="0"/>
                 <a:ea typeface="+mj-ea"/>
-                <a:cs typeface="+mj-cs"/>
+                <a:cs typeface="Times New Roman" panose="02020603050405020304" pitchFamily="18" charset="0"/>
               </a:rPr>
               <a:t>Procedure</a:t>
             </a:r>
@@ -8150,9 +8464,9 @@
               <a:solidFill>
                 <a:schemeClr val="tx2"/>
               </a:solidFill>
-              <a:latin typeface="+mj-lt"/>
+              <a:latin typeface="Times New Roman" panose="02020603050405020304" pitchFamily="18" charset="0"/>
               <a:ea typeface="+mj-ea"/>
-              <a:cs typeface="+mj-cs"/>
+              <a:cs typeface="Times New Roman" panose="02020603050405020304" pitchFamily="18" charset="0"/>
             </a:endParaRPr>
           </a:p>
         </p:txBody>
@@ -8285,10 +8599,16 @@
           <a:lstStyle/>
           <a:p>
             <a:r>
-              <a:rPr lang="en-HK" dirty="0" smtClean="0"/>
+              <a:rPr lang="en-HK" dirty="0" smtClean="0">
+                <a:latin typeface="Times New Roman" panose="02020603050405020304" pitchFamily="18" charset="0"/>
+                <a:cs typeface="Times New Roman" panose="02020603050405020304" pitchFamily="18" charset="0"/>
+              </a:rPr>
               <a:t>Infra-red</a:t>
             </a:r>
-            <a:endParaRPr lang="en-US" dirty="0"/>
+            <a:endParaRPr lang="en-US" dirty="0">
+              <a:latin typeface="Times New Roman" panose="02020603050405020304" pitchFamily="18" charset="0"/>
+              <a:cs typeface="Times New Roman" panose="02020603050405020304" pitchFamily="18" charset="0"/>
+            </a:endParaRPr>
           </a:p>
         </p:txBody>
       </p:sp>
@@ -8301,7 +8621,7 @@
         <p:spPr>
           <a:xfrm>
             <a:off x="4861351" y="1943462"/>
-            <a:ext cx="670376" cy="369332"/>
+            <a:ext cx="684803" cy="369332"/>
           </a:xfrm>
           <a:prstGeom prst="rect">
             <a:avLst/>
@@ -8314,10 +8634,16 @@
           <a:lstStyle/>
           <a:p>
             <a:r>
-              <a:rPr lang="en-HK" dirty="0" smtClean="0"/>
+              <a:rPr lang="en-HK" dirty="0" smtClean="0">
+                <a:latin typeface="Times New Roman" panose="02020603050405020304" pitchFamily="18" charset="0"/>
+                <a:cs typeface="Times New Roman" panose="02020603050405020304" pitchFamily="18" charset="0"/>
+              </a:rPr>
               <a:t>QMS</a:t>
             </a:r>
-            <a:endParaRPr lang="en-US" dirty="0"/>
+            <a:endParaRPr lang="en-US" dirty="0">
+              <a:latin typeface="Times New Roman" panose="02020603050405020304" pitchFamily="18" charset="0"/>
+              <a:cs typeface="Times New Roman" panose="02020603050405020304" pitchFamily="18" charset="0"/>
+            </a:endParaRPr>
           </a:p>
         </p:txBody>
       </p:sp>
@@ -8330,7 +8656,7 @@
         <p:spPr>
           <a:xfrm>
             <a:off x="3992363" y="3406102"/>
-            <a:ext cx="1204176" cy="369332"/>
+            <a:ext cx="1223412" cy="369332"/>
           </a:xfrm>
           <a:prstGeom prst="rect">
             <a:avLst/>
@@ -8343,10 +8669,16 @@
           <a:lstStyle/>
           <a:p>
             <a:r>
-              <a:rPr lang="en-HK" dirty="0"/>
+              <a:rPr lang="en-HK" dirty="0">
+                <a:latin typeface="Times New Roman" panose="02020603050405020304" pitchFamily="18" charset="0"/>
+                <a:cs typeface="Times New Roman" panose="02020603050405020304" pitchFamily="18" charset="0"/>
+              </a:rPr>
               <a:t>EUV/VUV</a:t>
             </a:r>
-            <a:endParaRPr lang="en-US" dirty="0"/>
+            <a:endParaRPr lang="en-US" dirty="0">
+              <a:latin typeface="Times New Roman" panose="02020603050405020304" pitchFamily="18" charset="0"/>
+              <a:cs typeface="Times New Roman" panose="02020603050405020304" pitchFamily="18" charset="0"/>
+            </a:endParaRPr>
           </a:p>
         </p:txBody>
       </p:sp>
@@ -8359,7 +8691,7 @@
         <p:spPr>
           <a:xfrm>
             <a:off x="6954167" y="4266111"/>
-            <a:ext cx="1683474" cy="369332"/>
+            <a:ext cx="1460656" cy="369332"/>
           </a:xfrm>
           <a:prstGeom prst="rect">
             <a:avLst/>
@@ -8372,18 +8704,30 @@
           <a:lstStyle/>
           <a:p>
             <a:r>
-              <a:rPr lang="en-US" altLang="zh-TW" dirty="0" smtClean="0"/>
+              <a:rPr lang="en-US" altLang="zh-TW" dirty="0" smtClean="0">
+                <a:latin typeface="Times New Roman" panose="02020603050405020304" pitchFamily="18" charset="0"/>
+                <a:cs typeface="Times New Roman" panose="02020603050405020304" pitchFamily="18" charset="0"/>
+              </a:rPr>
               <a:t>KB</a:t>
             </a:r>
             <a:r>
-              <a:rPr lang="en-HK" altLang="zh-TW" dirty="0" smtClean="0"/>
+              <a:rPr lang="en-HK" altLang="zh-TW" dirty="0" smtClean="0">
+                <a:latin typeface="Times New Roman" panose="02020603050405020304" pitchFamily="18" charset="0"/>
+                <a:cs typeface="Times New Roman" panose="02020603050405020304" pitchFamily="18" charset="0"/>
+              </a:rPr>
               <a:t>r </a:t>
             </a:r>
             <a:r>
-              <a:rPr lang="en-HK" dirty="0" smtClean="0"/>
+              <a:rPr lang="en-HK" dirty="0" smtClean="0">
+                <a:latin typeface="Times New Roman" panose="02020603050405020304" pitchFamily="18" charset="0"/>
+                <a:cs typeface="Times New Roman" panose="02020603050405020304" pitchFamily="18" charset="0"/>
+              </a:rPr>
               <a:t>substrate</a:t>
             </a:r>
-            <a:endParaRPr lang="en-US" dirty="0"/>
+            <a:endParaRPr lang="en-US" dirty="0">
+              <a:latin typeface="Times New Roman" panose="02020603050405020304" pitchFamily="18" charset="0"/>
+              <a:cs typeface="Times New Roman" panose="02020603050405020304" pitchFamily="18" charset="0"/>
+            </a:endParaRPr>
           </a:p>
         </p:txBody>
       </p:sp>
@@ -8410,11 +8754,17 @@
           <a:lstStyle/>
           <a:p>
             <a:r>
-              <a:rPr lang="en-HK" dirty="0" err="1" smtClean="0"/>
+              <a:rPr lang="en-HK" dirty="0" err="1" smtClean="0">
+                <a:latin typeface="Times New Roman" panose="02020603050405020304" pitchFamily="18" charset="0"/>
+                <a:cs typeface="Times New Roman" panose="02020603050405020304" pitchFamily="18" charset="0"/>
+              </a:rPr>
               <a:t>KBr</a:t>
             </a:r>
             <a:r>
-              <a:rPr lang="en-HK" dirty="0" smtClean="0"/>
+              <a:rPr lang="en-HK" dirty="0" smtClean="0">
+                <a:latin typeface="Times New Roman" panose="02020603050405020304" pitchFamily="18" charset="0"/>
+                <a:cs typeface="Times New Roman" panose="02020603050405020304" pitchFamily="18" charset="0"/>
+              </a:rPr>
               <a:t> substrate is </a:t>
             </a:r>
             <a:r>
@@ -8422,46 +8772,78 @@
                 <a:solidFill>
                   <a:srgbClr val="0070C0"/>
                 </a:solidFill>
+                <a:latin typeface="Times New Roman" panose="02020603050405020304" pitchFamily="18" charset="0"/>
+                <a:cs typeface="Times New Roman" panose="02020603050405020304" pitchFamily="18" charset="0"/>
               </a:rPr>
               <a:t>pre-cooled</a:t>
             </a:r>
             <a:r>
-              <a:rPr lang="en-HK" dirty="0" smtClean="0"/>
+              <a:rPr lang="en-HK" dirty="0" smtClean="0">
+                <a:latin typeface="Times New Roman" panose="02020603050405020304" pitchFamily="18" charset="0"/>
+                <a:cs typeface="Times New Roman" panose="02020603050405020304" pitchFamily="18" charset="0"/>
+              </a:rPr>
               <a:t> to 15 K (1 x 10 </a:t>
             </a:r>
             <a:r>
-              <a:rPr lang="en-HK" baseline="30000" dirty="0" smtClean="0"/>
+              <a:rPr lang="en-HK" baseline="30000" dirty="0" smtClean="0">
+                <a:latin typeface="Times New Roman" panose="02020603050405020304" pitchFamily="18" charset="0"/>
+                <a:cs typeface="Times New Roman" panose="02020603050405020304" pitchFamily="18" charset="0"/>
+              </a:rPr>
               <a:t>-10</a:t>
             </a:r>
             <a:r>
-              <a:rPr lang="en-HK" dirty="0" smtClean="0"/>
+              <a:rPr lang="en-HK" dirty="0" smtClean="0">
+                <a:latin typeface="Times New Roman" panose="02020603050405020304" pitchFamily="18" charset="0"/>
+                <a:cs typeface="Times New Roman" panose="02020603050405020304" pitchFamily="18" charset="0"/>
+              </a:rPr>
               <a:t> </a:t>
             </a:r>
             <a:r>
-              <a:rPr lang="en-HK" dirty="0" err="1" smtClean="0"/>
+              <a:rPr lang="en-HK" dirty="0" err="1" smtClean="0">
+                <a:latin typeface="Times New Roman" panose="02020603050405020304" pitchFamily="18" charset="0"/>
+                <a:cs typeface="Times New Roman" panose="02020603050405020304" pitchFamily="18" charset="0"/>
+              </a:rPr>
               <a:t>torr</a:t>
             </a:r>
             <a:r>
-              <a:rPr lang="en-HK" dirty="0" smtClean="0"/>
+              <a:rPr lang="en-HK" dirty="0" smtClean="0">
+                <a:latin typeface="Times New Roman" panose="02020603050405020304" pitchFamily="18" charset="0"/>
+                <a:cs typeface="Times New Roman" panose="02020603050405020304" pitchFamily="18" charset="0"/>
+              </a:rPr>
               <a:t>) from 300 K ( 8 x 10 </a:t>
             </a:r>
             <a:r>
-              <a:rPr lang="en-HK" baseline="30000" dirty="0" smtClean="0"/>
+              <a:rPr lang="en-HK" baseline="30000" dirty="0" smtClean="0">
+                <a:latin typeface="Times New Roman" panose="02020603050405020304" pitchFamily="18" charset="0"/>
+                <a:cs typeface="Times New Roman" panose="02020603050405020304" pitchFamily="18" charset="0"/>
+              </a:rPr>
               <a:t>-10</a:t>
             </a:r>
             <a:r>
-              <a:rPr lang="en-HK" dirty="0" smtClean="0"/>
+              <a:rPr lang="en-HK" dirty="0" smtClean="0">
+                <a:latin typeface="Times New Roman" panose="02020603050405020304" pitchFamily="18" charset="0"/>
+                <a:cs typeface="Times New Roman" panose="02020603050405020304" pitchFamily="18" charset="0"/>
+              </a:rPr>
               <a:t> </a:t>
             </a:r>
             <a:r>
-              <a:rPr lang="en-HK" dirty="0" err="1" smtClean="0"/>
+              <a:rPr lang="en-HK" dirty="0" err="1" smtClean="0">
+                <a:latin typeface="Times New Roman" panose="02020603050405020304" pitchFamily="18" charset="0"/>
+                <a:cs typeface="Times New Roman" panose="02020603050405020304" pitchFamily="18" charset="0"/>
+              </a:rPr>
               <a:t>torr</a:t>
             </a:r>
             <a:r>
-              <a:rPr lang="en-HK" dirty="0"/>
+              <a:rPr lang="en-HK" dirty="0">
+                <a:latin typeface="Times New Roman" panose="02020603050405020304" pitchFamily="18" charset="0"/>
+                <a:cs typeface="Times New Roman" panose="02020603050405020304" pitchFamily="18" charset="0"/>
+              </a:rPr>
               <a:t>)</a:t>
             </a:r>
-            <a:endParaRPr lang="en-US" dirty="0"/>
+            <a:endParaRPr lang="en-US" dirty="0">
+              <a:latin typeface="Times New Roman" panose="02020603050405020304" pitchFamily="18" charset="0"/>
+              <a:cs typeface="Times New Roman" panose="02020603050405020304" pitchFamily="18" charset="0"/>
+            </a:endParaRPr>
           </a:p>
         </p:txBody>
       </p:sp>
@@ -8492,26 +8874,43 @@
                 <a:solidFill>
                   <a:srgbClr val="0070C0"/>
                 </a:solidFill>
+                <a:latin typeface="Times New Roman" panose="02020603050405020304" pitchFamily="18" charset="0"/>
+                <a:cs typeface="Times New Roman" panose="02020603050405020304" pitchFamily="18" charset="0"/>
               </a:rPr>
               <a:t>Deposit </a:t>
             </a:r>
             <a:r>
-              <a:rPr lang="en-HK" dirty="0" smtClean="0"/>
+              <a:rPr lang="en-HK" dirty="0" smtClean="0">
+                <a:latin typeface="Times New Roman" panose="02020603050405020304" pitchFamily="18" charset="0"/>
+                <a:cs typeface="Times New Roman" panose="02020603050405020304" pitchFamily="18" charset="0"/>
+              </a:rPr>
               <a:t>the ice mixtures through leak valve, with different partial pressures of CH</a:t>
             </a:r>
             <a:r>
-              <a:rPr lang="en-HK" baseline="-25000" dirty="0" smtClean="0"/>
+              <a:rPr lang="en-HK" baseline="-25000" dirty="0" smtClean="0">
+                <a:latin typeface="Times New Roman" panose="02020603050405020304" pitchFamily="18" charset="0"/>
+                <a:cs typeface="Times New Roman" panose="02020603050405020304" pitchFamily="18" charset="0"/>
+              </a:rPr>
               <a:t>4</a:t>
             </a:r>
             <a:r>
-              <a:rPr lang="en-HK" dirty="0" smtClean="0"/>
+              <a:rPr lang="en-HK" dirty="0" smtClean="0">
+                <a:latin typeface="Times New Roman" panose="02020603050405020304" pitchFamily="18" charset="0"/>
+                <a:cs typeface="Times New Roman" panose="02020603050405020304" pitchFamily="18" charset="0"/>
+              </a:rPr>
               <a:t> and NH</a:t>
             </a:r>
             <a:r>
-              <a:rPr lang="en-HK" baseline="-25000" dirty="0" smtClean="0"/>
+              <a:rPr lang="en-HK" baseline="-25000" dirty="0" smtClean="0">
+                <a:latin typeface="Times New Roman" panose="02020603050405020304" pitchFamily="18" charset="0"/>
+                <a:cs typeface="Times New Roman" panose="02020603050405020304" pitchFamily="18" charset="0"/>
+              </a:rPr>
               <a:t>3</a:t>
             </a:r>
-            <a:endParaRPr lang="en-US" baseline="-25000" dirty="0"/>
+            <a:endParaRPr lang="en-US" baseline="-25000" dirty="0">
+              <a:latin typeface="Times New Roman" panose="02020603050405020304" pitchFamily="18" charset="0"/>
+              <a:cs typeface="Times New Roman" panose="02020603050405020304" pitchFamily="18" charset="0"/>
+            </a:endParaRPr>
           </a:p>
         </p:txBody>
       </p:sp>
@@ -8542,14 +8941,22 @@
                 <a:solidFill>
                   <a:srgbClr val="0070C0"/>
                 </a:solidFill>
+                <a:latin typeface="Times New Roman" panose="02020603050405020304" pitchFamily="18" charset="0"/>
+                <a:cs typeface="Times New Roman" panose="02020603050405020304" pitchFamily="18" charset="0"/>
               </a:rPr>
               <a:t>Irradiate </a:t>
             </a:r>
             <a:r>
-              <a:rPr lang="en-HK" dirty="0" smtClean="0"/>
+              <a:rPr lang="en-HK" dirty="0" smtClean="0">
+                <a:latin typeface="Times New Roman" panose="02020603050405020304" pitchFamily="18" charset="0"/>
+                <a:cs typeface="Times New Roman" panose="02020603050405020304" pitchFamily="18" charset="0"/>
+              </a:rPr>
               <a:t>the samples by EUV/VUV</a:t>
             </a:r>
-            <a:endParaRPr lang="en-US" dirty="0"/>
+            <a:endParaRPr lang="en-US" dirty="0">
+              <a:latin typeface="Times New Roman" panose="02020603050405020304" pitchFamily="18" charset="0"/>
+              <a:cs typeface="Times New Roman" panose="02020603050405020304" pitchFamily="18" charset="0"/>
+            </a:endParaRPr>
           </a:p>
         </p:txBody>
       </p:sp>
@@ -8580,14 +8987,22 @@
                 <a:solidFill>
                   <a:srgbClr val="0070C0"/>
                 </a:solidFill>
+                <a:latin typeface="Times New Roman" panose="02020603050405020304" pitchFamily="18" charset="0"/>
+                <a:cs typeface="Times New Roman" panose="02020603050405020304" pitchFamily="18" charset="0"/>
               </a:rPr>
               <a:t>Warm-up</a:t>
             </a:r>
             <a:r>
-              <a:rPr lang="en-HK" dirty="0" smtClean="0"/>
+              <a:rPr lang="en-HK" dirty="0" smtClean="0">
+                <a:latin typeface="Times New Roman" panose="02020603050405020304" pitchFamily="18" charset="0"/>
+                <a:cs typeface="Times New Roman" panose="02020603050405020304" pitchFamily="18" charset="0"/>
+              </a:rPr>
               <a:t> with 1 K/min</a:t>
             </a:r>
-            <a:endParaRPr lang="en-US" dirty="0"/>
+            <a:endParaRPr lang="en-US" dirty="0">
+              <a:latin typeface="Times New Roman" panose="02020603050405020304" pitchFamily="18" charset="0"/>
+              <a:cs typeface="Times New Roman" panose="02020603050405020304" pitchFamily="18" charset="0"/>
+            </a:endParaRPr>
           </a:p>
         </p:txBody>
       </p:sp>
@@ -9913,16 +10328,27 @@
             <p:ph type="title"/>
           </p:nvPr>
         </p:nvSpPr>
-        <p:spPr/>
+        <p:spPr>
+          <a:xfrm>
+            <a:off x="1028699" y="571500"/>
+            <a:ext cx="8101757" cy="1238250"/>
+          </a:xfrm>
+        </p:spPr>
         <p:txBody>
           <a:bodyPr/>
           <a:lstStyle/>
           <a:p>
             <a:r>
-              <a:rPr lang="en-HK" dirty="0" smtClean="0"/>
+              <a:rPr lang="en-HK" dirty="0" smtClean="0">
+                <a:latin typeface="Times New Roman" panose="02020603050405020304" pitchFamily="18" charset="0"/>
+                <a:cs typeface="Times New Roman" panose="02020603050405020304" pitchFamily="18" charset="0"/>
+              </a:rPr>
               <a:t>The spectrum of VUV (MDHL) energy source</a:t>
             </a:r>
-            <a:endParaRPr lang="en-US" dirty="0"/>
+            <a:endParaRPr lang="en-US" dirty="0">
+              <a:latin typeface="Times New Roman" panose="02020603050405020304" pitchFamily="18" charset="0"/>
+              <a:cs typeface="Times New Roman" panose="02020603050405020304" pitchFamily="18" charset="0"/>
+            </a:endParaRPr>
           </a:p>
         </p:txBody>
       </p:sp>
@@ -10005,23 +10431,38 @@
               <a:buChar char="•"/>
             </a:pPr>
             <a:r>
-              <a:rPr lang="en-HK" sz="2400" dirty="0" smtClean="0"/>
+              <a:rPr lang="en-HK" sz="2400" dirty="0" smtClean="0">
+                <a:latin typeface="Times New Roman" panose="02020603050405020304" pitchFamily="18" charset="0"/>
+                <a:cs typeface="Times New Roman" panose="02020603050405020304" pitchFamily="18" charset="0"/>
+              </a:rPr>
               <a:t>H</a:t>
             </a:r>
             <a:r>
-              <a:rPr lang="en-HK" sz="2400" baseline="-25000" dirty="0" smtClean="0"/>
+              <a:rPr lang="en-HK" sz="2400" baseline="-25000" dirty="0" smtClean="0">
+                <a:latin typeface="Times New Roman" panose="02020603050405020304" pitchFamily="18" charset="0"/>
+                <a:cs typeface="Times New Roman" panose="02020603050405020304" pitchFamily="18" charset="0"/>
+              </a:rPr>
               <a:t>2</a:t>
             </a:r>
             <a:r>
-              <a:rPr lang="en-HK" sz="2400" dirty="0" smtClean="0"/>
+              <a:rPr lang="en-HK" sz="2400" dirty="0" smtClean="0">
+                <a:latin typeface="Times New Roman" panose="02020603050405020304" pitchFamily="18" charset="0"/>
+                <a:cs typeface="Times New Roman" panose="02020603050405020304" pitchFamily="18" charset="0"/>
+              </a:rPr>
               <a:t> 0.4 </a:t>
             </a:r>
             <a:r>
-              <a:rPr lang="en-HK" sz="2400" dirty="0" err="1" smtClean="0"/>
+              <a:rPr lang="en-HK" sz="2400" dirty="0" err="1" smtClean="0">
+                <a:latin typeface="Times New Roman" panose="02020603050405020304" pitchFamily="18" charset="0"/>
+                <a:cs typeface="Times New Roman" panose="02020603050405020304" pitchFamily="18" charset="0"/>
+              </a:rPr>
               <a:t>torr</a:t>
             </a:r>
             <a:r>
-              <a:rPr lang="en-HK" sz="2400" dirty="0" smtClean="0"/>
+              <a:rPr lang="en-HK" sz="2400" dirty="0" smtClean="0">
+                <a:latin typeface="Times New Roman" panose="02020603050405020304" pitchFamily="18" charset="0"/>
+                <a:cs typeface="Times New Roman" panose="02020603050405020304" pitchFamily="18" charset="0"/>
+              </a:rPr>
               <a:t> was adopted</a:t>
             </a:r>
           </a:p>
@@ -10035,18 +10476,29 @@
                 <a:solidFill>
                   <a:srgbClr val="0070C0"/>
                 </a:solidFill>
+                <a:latin typeface="Times New Roman" panose="02020603050405020304" pitchFamily="18" charset="0"/>
+                <a:cs typeface="Times New Roman" panose="02020603050405020304" pitchFamily="18" charset="0"/>
               </a:rPr>
               <a:t>19.1%</a:t>
             </a:r>
             <a:r>
-              <a:rPr lang="en-HK" sz="2400" dirty="0" smtClean="0"/>
+              <a:rPr lang="en-HK" sz="2400" dirty="0" smtClean="0">
+                <a:latin typeface="Times New Roman" panose="02020603050405020304" pitchFamily="18" charset="0"/>
+                <a:cs typeface="Times New Roman" panose="02020603050405020304" pitchFamily="18" charset="0"/>
+              </a:rPr>
               <a:t> is Ly-</a:t>
             </a:r>
             <a:r>
-              <a:rPr lang="el-GR" sz="2400" dirty="0" smtClean="0"/>
+              <a:rPr lang="el-GR" sz="2400" dirty="0" smtClean="0">
+                <a:latin typeface="Times New Roman" panose="02020603050405020304" pitchFamily="18" charset="0"/>
+                <a:cs typeface="Times New Roman" panose="02020603050405020304" pitchFamily="18" charset="0"/>
+              </a:rPr>
               <a:t>α</a:t>
             </a:r>
-            <a:endParaRPr lang="en-HK" sz="2400" dirty="0" smtClean="0"/>
+            <a:endParaRPr lang="en-HK" sz="2400" dirty="0" smtClean="0">
+              <a:latin typeface="Times New Roman" panose="02020603050405020304" pitchFamily="18" charset="0"/>
+              <a:cs typeface="Times New Roman" panose="02020603050405020304" pitchFamily="18" charset="0"/>
+            </a:endParaRPr>
           </a:p>
           <a:p>
             <a:pPr marL="285750" indent="-285750">
@@ -10054,7 +10506,10 @@
               <a:buChar char="•"/>
             </a:pPr>
             <a:r>
-              <a:rPr lang="en-HK" sz="2400" dirty="0" smtClean="0"/>
+              <a:rPr lang="en-HK" sz="2400" dirty="0" smtClean="0">
+                <a:latin typeface="Times New Roman" panose="02020603050405020304" pitchFamily="18" charset="0"/>
+                <a:cs typeface="Times New Roman" panose="02020603050405020304" pitchFamily="18" charset="0"/>
+              </a:rPr>
               <a:t>average photon energy is </a:t>
             </a:r>
             <a:r>
@@ -10062,6 +10517,8 @@
                 <a:solidFill>
                   <a:srgbClr val="0070C0"/>
                 </a:solidFill>
+                <a:latin typeface="Times New Roman" panose="02020603050405020304" pitchFamily="18" charset="0"/>
+                <a:cs typeface="Times New Roman" panose="02020603050405020304" pitchFamily="18" charset="0"/>
               </a:rPr>
               <a:t>9.27 eV </a:t>
             </a:r>
@@ -10071,7 +10528,10 @@
               <a:buFont typeface="Arial" panose="020B0604020202020204" pitchFamily="34" charset="0"/>
               <a:buChar char="•"/>
             </a:pPr>
-            <a:endParaRPr lang="en-HK" sz="2400" dirty="0"/>
+            <a:endParaRPr lang="en-HK" sz="2400" dirty="0">
+              <a:latin typeface="Times New Roman" panose="02020603050405020304" pitchFamily="18" charset="0"/>
+              <a:cs typeface="Times New Roman" panose="02020603050405020304" pitchFamily="18" charset="0"/>
+            </a:endParaRPr>
           </a:p>
           <a:p>
             <a:pPr marL="285750" indent="-285750">
@@ -10083,14 +10543,22 @@
                 <a:solidFill>
                   <a:srgbClr val="0070C0"/>
                 </a:solidFill>
+                <a:latin typeface="Times New Roman" panose="02020603050405020304" pitchFamily="18" charset="0"/>
+                <a:cs typeface="Times New Roman" panose="02020603050405020304" pitchFamily="18" charset="0"/>
               </a:rPr>
               <a:t>EUV is 40.8 eV </a:t>
             </a:r>
             <a:r>
-              <a:rPr lang="en-HK" sz="2400" dirty="0" smtClean="0"/>
+              <a:rPr lang="en-HK" sz="2400" dirty="0" smtClean="0">
+                <a:latin typeface="Times New Roman" panose="02020603050405020304" pitchFamily="18" charset="0"/>
+                <a:cs typeface="Times New Roman" panose="02020603050405020304" pitchFamily="18" charset="0"/>
+              </a:rPr>
               <a:t>(30.4nm) provided by NSRRC </a:t>
             </a:r>
-            <a:endParaRPr lang="en-US" sz="2400" dirty="0"/>
+            <a:endParaRPr lang="en-US" sz="2400" dirty="0">
+              <a:latin typeface="Times New Roman" panose="02020603050405020304" pitchFamily="18" charset="0"/>
+              <a:cs typeface="Times New Roman" panose="02020603050405020304" pitchFamily="18" charset="0"/>
+            </a:endParaRPr>
           </a:p>
         </p:txBody>
       </p:sp>
@@ -10103,7 +10571,7 @@
         <p:spPr>
           <a:xfrm>
             <a:off x="2988769" y="5103542"/>
-            <a:ext cx="3704860" cy="369332"/>
+            <a:ext cx="3095719" cy="369332"/>
           </a:xfrm>
           <a:prstGeom prst="rect">
             <a:avLst/>
@@ -10117,10 +10585,16 @@
           <a:lstStyle/>
           <a:p>
             <a:r>
-              <a:rPr lang="en-HK" dirty="0" smtClean="0"/>
+              <a:rPr lang="en-HK" dirty="0" smtClean="0">
+                <a:latin typeface="Times New Roman" panose="02020603050405020304" pitchFamily="18" charset="0"/>
+                <a:cs typeface="Times New Roman" panose="02020603050405020304" pitchFamily="18" charset="0"/>
+              </a:rPr>
               <a:t>Quoted from Chen et al. (2014)</a:t>
             </a:r>
-            <a:endParaRPr lang="en-US" dirty="0"/>
+            <a:endParaRPr lang="en-US" dirty="0">
+              <a:latin typeface="Times New Roman" panose="02020603050405020304" pitchFamily="18" charset="0"/>
+              <a:cs typeface="Times New Roman" panose="02020603050405020304" pitchFamily="18" charset="0"/>
+            </a:endParaRPr>
           </a:p>
         </p:txBody>
       </p:sp>
@@ -10182,29 +10656,16 @@
           <a:lstStyle/>
           <a:p>
             <a:r>
-              <a:rPr lang="en-HK" dirty="0"/>
+              <a:rPr lang="en-HK" dirty="0">
+                <a:latin typeface="Times New Roman" panose="02020603050405020304" pitchFamily="18" charset="0"/>
+                <a:cs typeface="Times New Roman" panose="02020603050405020304" pitchFamily="18" charset="0"/>
+              </a:rPr>
               <a:t>Results</a:t>
             </a:r>
-            <a:endParaRPr lang="en-US" dirty="0"/>
-          </a:p>
-        </p:txBody>
-      </p:sp>
-      <p:sp>
-        <p:nvSpPr>
-          <p:cNvPr id="3" name="內容版面配置區 2"/>
-          <p:cNvSpPr>
-            <a:spLocks noGrp="1"/>
-          </p:cNvSpPr>
-          <p:nvPr>
-            <p:ph idx="1"/>
-          </p:nvPr>
-        </p:nvSpPr>
-        <p:spPr/>
-        <p:txBody>
-          <a:bodyPr/>
-          <a:lstStyle/>
-          <a:p>
-            <a:endParaRPr lang="en-US" dirty="0"/>
+            <a:endParaRPr lang="en-US" dirty="0">
+              <a:latin typeface="Times New Roman" panose="02020603050405020304" pitchFamily="18" charset="0"/>
+              <a:cs typeface="Times New Roman" panose="02020603050405020304" pitchFamily="18" charset="0"/>
+            </a:endParaRPr>
           </a:p>
         </p:txBody>
       </p:sp>
@@ -10268,6 +10729,36 @@
           <a:chExt cx="0" cy="0"/>
         </a:xfrm>
       </p:grpSpPr>
+      <p:pic>
+        <p:nvPicPr>
+          <p:cNvPr id="5" name="圖片 4"/>
+          <p:cNvPicPr>
+            <a:picLocks noChangeAspect="1"/>
+          </p:cNvPicPr>
+          <p:nvPr/>
+        </p:nvPicPr>
+        <p:blipFill>
+          <a:blip r:embed="rId3" cstate="print">
+            <a:extLst>
+              <a:ext uri="{28A0092B-C50C-407E-A947-70E740481C1C}">
+                <a14:useLocalDpi xmlns:a14="http://schemas.microsoft.com/office/drawing/2010/main" val="0"/>
+              </a:ext>
+            </a:extLst>
+          </a:blip>
+          <a:stretch>
+            <a:fillRect/>
+          </a:stretch>
+        </p:blipFill>
+        <p:spPr>
+          <a:xfrm>
+            <a:off x="4125293" y="-454868"/>
+            <a:ext cx="4536504" cy="6281313"/>
+          </a:xfrm>
+          <a:prstGeom prst="rect">
+            <a:avLst/>
+          </a:prstGeom>
+        </p:spPr>
+      </p:pic>
       <p:sp>
         <p:nvSpPr>
           <p:cNvPr id="2" name="標題 1"/>
@@ -10289,15 +10780,21 @@
           <a:lstStyle/>
           <a:p>
             <a:r>
-              <a:rPr lang="en-HK" dirty="0" smtClean="0"/>
+              <a:rPr lang="en-HK" dirty="0" smtClean="0">
+                <a:latin typeface="Times New Roman" panose="02020603050405020304" pitchFamily="18" charset="0"/>
+                <a:cs typeface="Times New Roman" panose="02020603050405020304" pitchFamily="18" charset="0"/>
+              </a:rPr>
               <a:t>Beer’s Law</a:t>
             </a:r>
-            <a:endParaRPr lang="en-US" dirty="0"/>
+            <a:endParaRPr lang="en-US" dirty="0">
+              <a:latin typeface="Times New Roman" panose="02020603050405020304" pitchFamily="18" charset="0"/>
+              <a:cs typeface="Times New Roman" panose="02020603050405020304" pitchFamily="18" charset="0"/>
+            </a:endParaRPr>
           </a:p>
         </p:txBody>
       </p:sp>
-      <mc:AlternateContent xmlns:mc="http://schemas.openxmlformats.org/markup-compatibility/2006" xmlns:a14="http://schemas.microsoft.com/office/drawing/2010/main">
-        <mc:Choice Requires="a14">
+      <mc:AlternateContent xmlns:mc="http://schemas.openxmlformats.org/markup-compatibility/2006">
+        <mc:Choice xmlns:a14="http://schemas.microsoft.com/office/drawing/2010/main" Requires="a14">
           <p:sp>
             <p:nvSpPr>
               <p:cNvPr id="3" name="內容版面配置區 2"/>
@@ -10310,13 +10807,13 @@
             </p:nvSpPr>
             <p:spPr>
               <a:xfrm>
-                <a:off x="683568" y="1273324"/>
+                <a:off x="622780" y="963951"/>
                 <a:ext cx="3441725" cy="4032490"/>
               </a:xfrm>
             </p:spPr>
             <p:txBody>
               <a:bodyPr>
-                <a:normAutofit/>
+                <a:noAutofit/>
               </a:bodyPr>
               <a:lstStyle/>
               <a:p>
@@ -10324,7 +10821,10 @@
                   <a:buNone/>
                 </a:pPr>
                 <a:r>
-                  <a:rPr lang="en-HK" dirty="0" smtClean="0"/>
+                  <a:rPr lang="en-HK" sz="2000" dirty="0" smtClean="0">
+                    <a:latin typeface="Times New Roman" panose="02020603050405020304" pitchFamily="18" charset="0"/>
+                    <a:cs typeface="Times New Roman" panose="02020603050405020304" pitchFamily="18" charset="0"/>
+                  </a:rPr>
                   <a:t>Absorbance </a:t>
                 </a:r>
                 <a14:m>
@@ -10333,7 +10833,7 @@
                       <m:rPr>
                         <m:sty m:val="p"/>
                       </m:rPr>
-                      <a:rPr lang="el-GR" i="1" smtClean="0">
+                      <a:rPr lang="el-GR" sz="2000" i="1" smtClean="0">
                         <a:latin typeface="Cambria Math" panose="02040503050406030204" pitchFamily="18" charset="0"/>
                         <a:ea typeface="Cambria Math" panose="02040503050406030204" pitchFamily="18" charset="0"/>
                       </a:rPr>
@@ -10342,14 +10842,14 @@
                     <m:d>
                       <m:dPr>
                         <m:ctrlPr>
-                          <a:rPr lang="en-US" i="1">
+                          <a:rPr lang="en-US" sz="2000" i="1">
                             <a:latin typeface="Cambria Math" panose="02040503050406030204" pitchFamily="18" charset="0"/>
                           </a:rPr>
                         </m:ctrlPr>
                       </m:dPr>
                       <m:e>
                         <m:r>
-                          <a:rPr lang="en-US" i="1">
+                          <a:rPr lang="en-US" sz="2000" i="1">
                             <a:latin typeface="Cambria Math" panose="02040503050406030204" pitchFamily="18" charset="0"/>
                           </a:rPr>
                           <m:t>𝑣</m:t>
@@ -10359,20 +10859,29 @@
                   </m:oMath>
                 </a14:m>
                 <a:r>
-                  <a:rPr lang="en-US" dirty="0" smtClean="0"/>
+                  <a:rPr lang="en-US" sz="2000" dirty="0" smtClean="0">
+                    <a:latin typeface="Times New Roman" panose="02020603050405020304" pitchFamily="18" charset="0"/>
+                    <a:cs typeface="Times New Roman" panose="02020603050405020304" pitchFamily="18" charset="0"/>
+                  </a:rPr>
                   <a:t> </a:t>
                 </a:r>
                 <a:r>
-                  <a:rPr lang="en-HK" i="1" dirty="0" smtClean="0"/>
+                  <a:rPr lang="en-HK" sz="2000" i="1" dirty="0" smtClean="0">
+                    <a:latin typeface="Times New Roman" panose="02020603050405020304" pitchFamily="18" charset="0"/>
+                    <a:cs typeface="Times New Roman" panose="02020603050405020304" pitchFamily="18" charset="0"/>
+                  </a:rPr>
                   <a:t>:</a:t>
                 </a:r>
-                <a:endParaRPr lang="en-US" dirty="0" smtClean="0"/>
+                <a:endParaRPr lang="en-US" sz="2000" dirty="0" smtClean="0">
+                  <a:latin typeface="Times New Roman" panose="02020603050405020304" pitchFamily="18" charset="0"/>
+                  <a:cs typeface="Times New Roman" panose="02020603050405020304" pitchFamily="18" charset="0"/>
+                </a:endParaRPr>
               </a:p>
               <a:p>
                 <a14:m>
                   <m:oMath xmlns:m="http://schemas.openxmlformats.org/officeDocument/2006/math">
                     <m:r>
-                      <a:rPr lang="en-US" i="1" smtClean="0">
+                      <a:rPr lang="en-US" sz="2000" i="1" smtClean="0">
                         <a:latin typeface="Cambria Math" panose="02040503050406030204" pitchFamily="18" charset="0"/>
                         <a:ea typeface="Cambria Math" panose="02040503050406030204" pitchFamily="18" charset="0"/>
                       </a:rPr>
@@ -10381,14 +10890,14 @@
                     <m:d>
                       <m:dPr>
                         <m:ctrlPr>
-                          <a:rPr lang="en-US" i="1">
+                          <a:rPr lang="en-US" sz="2000" i="1">
                             <a:latin typeface="Cambria Math" panose="02040503050406030204" pitchFamily="18" charset="0"/>
                           </a:rPr>
                         </m:ctrlPr>
                       </m:dPr>
                       <m:e>
                         <m:r>
-                          <a:rPr lang="en-US" i="1">
+                          <a:rPr lang="en-US" sz="2000" i="1">
                             <a:latin typeface="Cambria Math" panose="02040503050406030204" pitchFamily="18" charset="0"/>
                           </a:rPr>
                           <m:t>𝑣</m:t>
@@ -10396,19 +10905,19 @@
                       </m:e>
                     </m:d>
                     <m:r>
-                      <a:rPr lang="en-US" i="1">
+                      <a:rPr lang="en-US" sz="2000" i="1">
                         <a:latin typeface="Cambria Math" panose="02040503050406030204" pitchFamily="18" charset="0"/>
                       </a:rPr>
                       <m:t>= −</m:t>
                     </m:r>
                     <m:r>
-                      <a:rPr lang="en-US" i="1">
+                      <a:rPr lang="en-US" sz="2000" i="1">
                         <a:latin typeface="Cambria Math" panose="02040503050406030204" pitchFamily="18" charset="0"/>
                       </a:rPr>
                       <m:t>𝑙𝑛𝑇</m:t>
                     </m:r>
                     <m:r>
-                      <a:rPr lang="en-US" i="1">
+                      <a:rPr lang="en-US" sz="2000" i="1">
                         <a:latin typeface="Cambria Math" panose="02040503050406030204" pitchFamily="18" charset="0"/>
                       </a:rPr>
                       <m:t>= −</m:t>
@@ -10416,7 +10925,7 @@
                     <m:func>
                       <m:funcPr>
                         <m:ctrlPr>
-                          <a:rPr lang="en-US" i="1">
+                          <a:rPr lang="en-US" sz="2000" i="1">
                             <a:latin typeface="Cambria Math" panose="02040503050406030204" pitchFamily="18" charset="0"/>
                           </a:rPr>
                         </m:ctrlPr>
@@ -10426,7 +10935,7 @@
                           <m:rPr>
                             <m:sty m:val="p"/>
                           </m:rPr>
-                          <a:rPr lang="en-US">
+                          <a:rPr lang="en-US" sz="2000">
                             <a:latin typeface="Cambria Math" panose="02040503050406030204" pitchFamily="18" charset="0"/>
                           </a:rPr>
                           <m:t>ln</m:t>
@@ -10436,7 +10945,7 @@
                         <m:d>
                           <m:dPr>
                             <m:ctrlPr>
-                              <a:rPr lang="en-US" i="1">
+                              <a:rPr lang="en-US" sz="2000" i="1">
                                 <a:latin typeface="Cambria Math" panose="02040503050406030204" pitchFamily="18" charset="0"/>
                               </a:rPr>
                             </m:ctrlPr>
@@ -10445,14 +10954,14 @@
                             <m:f>
                               <m:fPr>
                                 <m:ctrlPr>
-                                  <a:rPr lang="en-US" i="1">
+                                  <a:rPr lang="en-US" sz="2000" i="1">
                                     <a:latin typeface="Cambria Math" panose="02040503050406030204" pitchFamily="18" charset="0"/>
                                   </a:rPr>
                                 </m:ctrlPr>
                               </m:fPr>
                               <m:num>
                                 <m:r>
-                                  <a:rPr lang="en-US" i="1">
+                                  <a:rPr lang="en-US" sz="2000" i="1">
                                     <a:latin typeface="Cambria Math" panose="02040503050406030204" pitchFamily="18" charset="0"/>
                                   </a:rPr>
                                   <m:t>𝐼</m:t>
@@ -10460,14 +10969,14 @@
                                 <m:d>
                                   <m:dPr>
                                     <m:ctrlPr>
-                                      <a:rPr lang="en-US" i="1">
+                                      <a:rPr lang="en-US" sz="2000" i="1">
                                         <a:latin typeface="Cambria Math" panose="02040503050406030204" pitchFamily="18" charset="0"/>
                                       </a:rPr>
                                     </m:ctrlPr>
                                   </m:dPr>
                                   <m:e>
                                     <m:r>
-                                      <a:rPr lang="en-US" i="1">
+                                      <a:rPr lang="en-US" sz="2000" i="1">
                                         <a:latin typeface="Cambria Math" panose="02040503050406030204" pitchFamily="18" charset="0"/>
                                       </a:rPr>
                                       <m:t>𝑣</m:t>
@@ -10477,13 +10986,13 @@
                               </m:num>
                               <m:den>
                                 <m:r>
-                                  <a:rPr lang="en-US" i="1">
+                                  <a:rPr lang="en-US" sz="2000" i="1">
                                     <a:latin typeface="Cambria Math" panose="02040503050406030204" pitchFamily="18" charset="0"/>
                                   </a:rPr>
                                   <m:t>𝐼</m:t>
                                 </m:r>
                                 <m:r>
-                                  <a:rPr lang="en-US" i="1" baseline="-25000">
+                                  <a:rPr lang="en-US" sz="2000" i="1" baseline="-25000">
                                     <a:latin typeface="Cambria Math" panose="02040503050406030204" pitchFamily="18" charset="0"/>
                                   </a:rPr>
                                   <m:t>𝑜</m:t>
@@ -10491,14 +11000,14 @@
                                 <m:d>
                                   <m:dPr>
                                     <m:ctrlPr>
-                                      <a:rPr lang="en-US" i="1">
+                                      <a:rPr lang="en-US" sz="2000" i="1">
                                         <a:latin typeface="Cambria Math" panose="02040503050406030204" pitchFamily="18" charset="0"/>
                                       </a:rPr>
                                     </m:ctrlPr>
                                   </m:dPr>
                                   <m:e>
                                     <m:r>
-                                      <a:rPr lang="en-US" i="1">
+                                      <a:rPr lang="en-US" sz="2000" i="1">
                                         <a:latin typeface="Cambria Math" panose="02040503050406030204" pitchFamily="18" charset="0"/>
                                       </a:rPr>
                                       <m:t>𝑣</m:t>
@@ -10512,19 +11021,19 @@
                       </m:e>
                     </m:func>
                     <m:r>
-                      <a:rPr lang="en-US" i="1">
+                      <a:rPr lang="en-US" sz="2000" i="1">
                         <a:latin typeface="Cambria Math" panose="02040503050406030204" pitchFamily="18" charset="0"/>
                       </a:rPr>
                       <m:t>= </m:t>
                     </m:r>
                     <m:r>
-                      <a:rPr lang="en-US" i="1">
+                      <a:rPr lang="en-US" sz="2000" i="1">
                         <a:latin typeface="Cambria Math" panose="02040503050406030204" pitchFamily="18" charset="0"/>
                       </a:rPr>
                       <m:t>𝑛𝑙</m:t>
                     </m:r>
                     <m:r>
-                      <a:rPr lang="en-US" i="1">
+                      <a:rPr lang="en-US" sz="2000" i="1">
                         <a:latin typeface="Cambria Math" panose="02040503050406030204" pitchFamily="18" charset="0"/>
                       </a:rPr>
                       <m:t>𝜎</m:t>
@@ -10532,14 +11041,14 @@
                     <m:d>
                       <m:dPr>
                         <m:ctrlPr>
-                          <a:rPr lang="en-US" i="1">
+                          <a:rPr lang="en-US" sz="2000" i="1">
                             <a:latin typeface="Cambria Math" panose="02040503050406030204" pitchFamily="18" charset="0"/>
                           </a:rPr>
                         </m:ctrlPr>
                       </m:dPr>
                       <m:e>
                         <m:r>
-                          <a:rPr lang="en-US" i="1">
+                          <a:rPr lang="en-US" sz="2000" i="1">
                             <a:latin typeface="Cambria Math" panose="02040503050406030204" pitchFamily="18" charset="0"/>
                           </a:rPr>
                           <m:t>𝑣</m:t>
@@ -10548,8 +11057,9 @@
                     </m:d>
                   </m:oMath>
                 </a14:m>
-                <a:endParaRPr lang="en-HK" i="1" dirty="0" smtClean="0">
-                  <a:latin typeface="Cambria Math" panose="02040503050406030204" pitchFamily="18" charset="0"/>
+                <a:endParaRPr lang="en-HK" sz="2000" i="1" dirty="0" smtClean="0">
+                  <a:latin typeface="Times New Roman" panose="02020603050405020304" pitchFamily="18" charset="0"/>
+                  <a:cs typeface="Times New Roman" panose="02020603050405020304" pitchFamily="18" charset="0"/>
                 </a:endParaRPr>
               </a:p>
               <a:p>
@@ -10559,13 +11069,13 @@
                 <a14:m>
                   <m:oMath xmlns:m="http://schemas.openxmlformats.org/officeDocument/2006/math">
                     <m:r>
-                      <a:rPr lang="en-US" i="1">
+                      <a:rPr lang="en-US" sz="2000" i="1">
                         <a:latin typeface="Cambria Math" panose="02040503050406030204" pitchFamily="18" charset="0"/>
                       </a:rPr>
                       <m:t>𝑛</m:t>
                     </m:r>
                     <m:r>
-                      <a:rPr lang="en-HK" b="0" i="0" smtClean="0">
+                      <a:rPr lang="en-HK" sz="2000" b="0" i="0" smtClean="0">
                         <a:latin typeface="Cambria Math" panose="02040503050406030204" pitchFamily="18" charset="0"/>
                       </a:rPr>
                       <m:t>:</m:t>
@@ -10573,19 +11083,31 @@
                   </m:oMath>
                 </a14:m>
                 <a:r>
-                  <a:rPr lang="en-US" dirty="0" smtClean="0"/>
+                  <a:rPr lang="en-US" sz="2000" dirty="0" smtClean="0">
+                    <a:latin typeface="Times New Roman" panose="02020603050405020304" pitchFamily="18" charset="0"/>
+                    <a:cs typeface="Times New Roman" panose="02020603050405020304" pitchFamily="18" charset="0"/>
+                  </a:rPr>
                   <a:t> </a:t>
                 </a:r>
                 <a:r>
-                  <a:rPr lang="en-US" dirty="0"/>
+                  <a:rPr lang="en-US" sz="2000" dirty="0">
+                    <a:latin typeface="Times New Roman" panose="02020603050405020304" pitchFamily="18" charset="0"/>
+                    <a:cs typeface="Times New Roman" panose="02020603050405020304" pitchFamily="18" charset="0"/>
+                  </a:rPr>
                   <a:t>number density (molecules cm</a:t>
                 </a:r>
                 <a:r>
-                  <a:rPr lang="en-US" baseline="30000" dirty="0"/>
+                  <a:rPr lang="en-US" sz="2000" baseline="30000" dirty="0">
+                    <a:latin typeface="Times New Roman" panose="02020603050405020304" pitchFamily="18" charset="0"/>
+                    <a:cs typeface="Times New Roman" panose="02020603050405020304" pitchFamily="18" charset="0"/>
+                  </a:rPr>
                   <a:t>-3</a:t>
                 </a:r>
                 <a:r>
-                  <a:rPr lang="en-US" dirty="0" smtClean="0"/>
+                  <a:rPr lang="en-US" sz="2000" dirty="0" smtClean="0">
+                    <a:latin typeface="Times New Roman" panose="02020603050405020304" pitchFamily="18" charset="0"/>
+                    <a:cs typeface="Times New Roman" panose="02020603050405020304" pitchFamily="18" charset="0"/>
+                  </a:rPr>
                   <a:t>)</a:t>
                 </a:r>
               </a:p>
@@ -10596,7 +11118,7 @@
                 <a14:m>
                   <m:oMath xmlns:m="http://schemas.openxmlformats.org/officeDocument/2006/math">
                     <m:r>
-                      <a:rPr lang="en-US" i="1">
+                      <a:rPr lang="en-US" sz="2000" i="1">
                         <a:latin typeface="Cambria Math" panose="02040503050406030204" pitchFamily="18" charset="0"/>
                       </a:rPr>
                       <m:t>𝑙</m:t>
@@ -10604,22 +11126,37 @@
                   </m:oMath>
                 </a14:m>
                 <a:r>
-                  <a:rPr lang="en-US" dirty="0" smtClean="0"/>
+                  <a:rPr lang="en-US" sz="2000" dirty="0" smtClean="0">
+                    <a:latin typeface="Times New Roman" panose="02020603050405020304" pitchFamily="18" charset="0"/>
+                    <a:cs typeface="Times New Roman" panose="02020603050405020304" pitchFamily="18" charset="0"/>
+                  </a:rPr>
                   <a:t>:</a:t>
                 </a:r>
                 <a:r>
-                  <a:rPr lang="en-US" dirty="0"/>
+                  <a:rPr lang="en-US" sz="2000" dirty="0">
+                    <a:latin typeface="Times New Roman" panose="02020603050405020304" pitchFamily="18" charset="0"/>
+                    <a:cs typeface="Times New Roman" panose="02020603050405020304" pitchFamily="18" charset="0"/>
+                  </a:rPr>
                   <a:t> </a:t>
                 </a:r>
                 <a:r>
-                  <a:rPr lang="en-US" dirty="0" smtClean="0"/>
+                  <a:rPr lang="en-US" sz="2000" dirty="0" smtClean="0">
+                    <a:latin typeface="Times New Roman" panose="02020603050405020304" pitchFamily="18" charset="0"/>
+                    <a:cs typeface="Times New Roman" panose="02020603050405020304" pitchFamily="18" charset="0"/>
+                  </a:rPr>
                   <a:t>path </a:t>
                 </a:r>
                 <a:r>
-                  <a:rPr lang="en-US" dirty="0"/>
+                  <a:rPr lang="en-US" sz="2000" dirty="0">
+                    <a:latin typeface="Times New Roman" panose="02020603050405020304" pitchFamily="18" charset="0"/>
+                    <a:cs typeface="Times New Roman" panose="02020603050405020304" pitchFamily="18" charset="0"/>
+                  </a:rPr>
                   <a:t>length (cm) </a:t>
                 </a:r>
-                <a:endParaRPr lang="en-US" dirty="0" smtClean="0"/>
+                <a:endParaRPr lang="en-US" sz="2000" dirty="0" smtClean="0">
+                  <a:latin typeface="Times New Roman" panose="02020603050405020304" pitchFamily="18" charset="0"/>
+                  <a:cs typeface="Times New Roman" panose="02020603050405020304" pitchFamily="18" charset="0"/>
+                </a:endParaRPr>
               </a:p>
               <a:p>
                 <a:pPr marL="0" indent="0">
@@ -10628,7 +11165,7 @@
                 <a14:m>
                   <m:oMath xmlns:m="http://schemas.openxmlformats.org/officeDocument/2006/math">
                     <m:r>
-                      <a:rPr lang="en-US" i="1">
+                      <a:rPr lang="en-US" sz="2000" i="1">
                         <a:latin typeface="Cambria Math" panose="02040503050406030204" pitchFamily="18" charset="0"/>
                       </a:rPr>
                       <m:t>𝜎</m:t>
@@ -10636,14 +11173,14 @@
                     <m:d>
                       <m:dPr>
                         <m:ctrlPr>
-                          <a:rPr lang="en-US" i="1">
+                          <a:rPr lang="en-US" sz="2000" i="1">
                             <a:latin typeface="Cambria Math" panose="02040503050406030204" pitchFamily="18" charset="0"/>
                           </a:rPr>
                         </m:ctrlPr>
                       </m:dPr>
                       <m:e>
                         <m:r>
-                          <a:rPr lang="en-US" i="1">
+                          <a:rPr lang="en-US" sz="2000" i="1">
                             <a:latin typeface="Cambria Math" panose="02040503050406030204" pitchFamily="18" charset="0"/>
                           </a:rPr>
                           <m:t>𝑣</m:t>
@@ -10653,27 +11190,45 @@
                   </m:oMath>
                 </a14:m>
                 <a:r>
-                  <a:rPr lang="en-US" dirty="0" smtClean="0"/>
+                  <a:rPr lang="en-US" sz="2000" dirty="0" smtClean="0">
+                    <a:latin typeface="Times New Roman" panose="02020603050405020304" pitchFamily="18" charset="0"/>
+                    <a:cs typeface="Times New Roman" panose="02020603050405020304" pitchFamily="18" charset="0"/>
+                  </a:rPr>
                   <a:t>: cross-section </a:t>
                 </a:r>
                 <a:r>
-                  <a:rPr lang="en-US" dirty="0"/>
+                  <a:rPr lang="en-US" sz="2000" dirty="0">
+                    <a:latin typeface="Times New Roman" panose="02020603050405020304" pitchFamily="18" charset="0"/>
+                    <a:cs typeface="Times New Roman" panose="02020603050405020304" pitchFamily="18" charset="0"/>
+                  </a:rPr>
                   <a:t>(cm</a:t>
                 </a:r>
                 <a:r>
-                  <a:rPr lang="en-US" baseline="30000" dirty="0"/>
+                  <a:rPr lang="en-US" sz="2000" baseline="30000" dirty="0">
+                    <a:latin typeface="Times New Roman" panose="02020603050405020304" pitchFamily="18" charset="0"/>
+                    <a:cs typeface="Times New Roman" panose="02020603050405020304" pitchFamily="18" charset="0"/>
+                  </a:rPr>
                   <a:t>2</a:t>
                 </a:r>
                 <a:r>
-                  <a:rPr lang="en-US" dirty="0"/>
+                  <a:rPr lang="en-US" sz="2000" dirty="0">
+                    <a:latin typeface="Times New Roman" panose="02020603050405020304" pitchFamily="18" charset="0"/>
+                    <a:cs typeface="Times New Roman" panose="02020603050405020304" pitchFamily="18" charset="0"/>
+                  </a:rPr>
                   <a:t> molecules </a:t>
                 </a:r>
                 <a:r>
-                  <a:rPr lang="en-US" baseline="30000" dirty="0"/>
+                  <a:rPr lang="en-US" sz="2000" baseline="30000" dirty="0">
+                    <a:latin typeface="Times New Roman" panose="02020603050405020304" pitchFamily="18" charset="0"/>
+                    <a:cs typeface="Times New Roman" panose="02020603050405020304" pitchFamily="18" charset="0"/>
+                  </a:rPr>
                   <a:t>-1</a:t>
                 </a:r>
                 <a:r>
-                  <a:rPr lang="en-US" dirty="0"/>
+                  <a:rPr lang="en-US" sz="2000" dirty="0">
+                    <a:latin typeface="Times New Roman" panose="02020603050405020304" pitchFamily="18" charset="0"/>
+                    <a:cs typeface="Times New Roman" panose="02020603050405020304" pitchFamily="18" charset="0"/>
+                  </a:rPr>
                   <a:t>)</a:t>
                 </a:r>
               </a:p>
@@ -10682,25 +11237,29 @@
                   <a:buNone/>
                 </a:pPr>
                 <a:r>
-                  <a:rPr lang="en-HK" dirty="0" smtClean="0">
+                  <a:rPr lang="en-HK" sz="2000" dirty="0" smtClean="0">
                     <a:solidFill>
                       <a:srgbClr val="0070C0"/>
                     </a:solidFill>
+                    <a:latin typeface="Times New Roman" panose="02020603050405020304" pitchFamily="18" charset="0"/>
+                    <a:cs typeface="Times New Roman" panose="02020603050405020304" pitchFamily="18" charset="0"/>
                   </a:rPr>
                   <a:t>Column density</a:t>
                 </a:r>
                 <a:r>
-                  <a:rPr lang="en-US" dirty="0">
+                  <a:rPr lang="en-US" sz="2000" dirty="0">
                     <a:solidFill>
                       <a:srgbClr val="0070C0"/>
                     </a:solidFill>
+                    <a:latin typeface="Times New Roman" panose="02020603050405020304" pitchFamily="18" charset="0"/>
+                    <a:cs typeface="Times New Roman" panose="02020603050405020304" pitchFamily="18" charset="0"/>
                   </a:rPr>
                   <a:t> </a:t>
                 </a:r>
                 <a14:m>
                   <m:oMath xmlns:m="http://schemas.openxmlformats.org/officeDocument/2006/math">
                     <m:r>
-                      <a:rPr lang="en-US" i="1">
+                      <a:rPr lang="en-US" sz="2000" i="1">
                         <a:solidFill>
                           <a:srgbClr val="0070C0"/>
                         </a:solidFill>
@@ -10711,24 +11270,28 @@
                   </m:oMath>
                 </a14:m>
                 <a:r>
-                  <a:rPr lang="en-HK" i="1" dirty="0" smtClean="0">
+                  <a:rPr lang="en-HK" sz="2000" i="1" dirty="0" smtClean="0">
                     <a:solidFill>
                       <a:srgbClr val="0070C0"/>
                     </a:solidFill>
+                    <a:latin typeface="Times New Roman" panose="02020603050405020304" pitchFamily="18" charset="0"/>
+                    <a:cs typeface="Times New Roman" panose="02020603050405020304" pitchFamily="18" charset="0"/>
                   </a:rPr>
                   <a:t>:</a:t>
                 </a:r>
-                <a:endParaRPr lang="en-US" dirty="0">
+                <a:endParaRPr lang="en-US" sz="2000" dirty="0">
                   <a:solidFill>
                     <a:srgbClr val="0070C0"/>
                   </a:solidFill>
+                  <a:latin typeface="Times New Roman" panose="02020603050405020304" pitchFamily="18" charset="0"/>
+                  <a:cs typeface="Times New Roman" panose="02020603050405020304" pitchFamily="18" charset="0"/>
                 </a:endParaRPr>
               </a:p>
               <a:p>
                 <a14:m>
                   <m:oMath xmlns:m="http://schemas.openxmlformats.org/officeDocument/2006/math">
                     <m:r>
-                      <a:rPr lang="en-US" i="1">
+                      <a:rPr lang="en-US" sz="2000" i="1">
                         <a:solidFill>
                           <a:srgbClr val="0070C0"/>
                         </a:solidFill>
@@ -10737,7 +11300,7 @@
                       <m:t>𝑁</m:t>
                     </m:r>
                     <m:r>
-                      <a:rPr lang="en-US" i="1">
+                      <a:rPr lang="en-US" sz="2000" i="1">
                         <a:solidFill>
                           <a:srgbClr val="0070C0"/>
                         </a:solidFill>
@@ -10748,7 +11311,7 @@
                     <m:f>
                       <m:fPr>
                         <m:ctrlPr>
-                          <a:rPr lang="en-US" i="1">
+                          <a:rPr lang="en-US" sz="2000" i="1">
                             <a:solidFill>
                               <a:srgbClr val="0070C0"/>
                             </a:solidFill>
@@ -10763,7 +11326,7 @@
                             <m:subHide m:val="on"/>
                             <m:supHide m:val="on"/>
                             <m:ctrlPr>
-                              <a:rPr lang="en-US" i="1">
+                              <a:rPr lang="en-US" sz="2000" i="1">
                                 <a:solidFill>
                                   <a:srgbClr val="0070C0"/>
                                 </a:solidFill>
@@ -10775,7 +11338,7 @@
                           <m:sup/>
                           <m:e>
                             <m:r>
-                              <a:rPr lang="en-HK" b="0" i="1" smtClean="0">
+                              <a:rPr lang="en-HK" sz="2000" b="0" i="1" smtClean="0">
                                 <a:solidFill>
                                   <a:srgbClr val="0070C0"/>
                                 </a:solidFill>
@@ -10787,7 +11350,7 @@
                             <m:d>
                               <m:dPr>
                                 <m:ctrlPr>
-                                  <a:rPr lang="en-US" i="1">
+                                  <a:rPr lang="en-US" sz="2000" i="1">
                                     <a:solidFill>
                                       <a:srgbClr val="0070C0"/>
                                     </a:solidFill>
@@ -10797,7 +11360,7 @@
                               </m:dPr>
                               <m:e>
                                 <m:r>
-                                  <a:rPr lang="en-US" i="1">
+                                  <a:rPr lang="en-US" sz="2000" i="1">
                                     <a:solidFill>
                                       <a:srgbClr val="0070C0"/>
                                     </a:solidFill>
@@ -10808,7 +11371,7 @@
                               </m:e>
                             </m:d>
                             <m:r>
-                              <a:rPr lang="en-US" i="1">
+                              <a:rPr lang="en-US" sz="2000" i="1">
                                 <a:solidFill>
                                   <a:srgbClr val="0070C0"/>
                                 </a:solidFill>
@@ -10821,7 +11384,7 @@
                       </m:num>
                       <m:den>
                         <m:r>
-                          <a:rPr lang="en-US" i="1">
+                          <a:rPr lang="en-US" sz="2000" i="1">
                             <a:solidFill>
                               <a:srgbClr val="0070C0"/>
                             </a:solidFill>
@@ -10830,7 +11393,7 @@
                           <m:t>𝐴</m:t>
                         </m:r>
                         <m:r>
-                          <a:rPr lang="en-US" i="1">
+                          <a:rPr lang="en-US" sz="2000" i="1">
                             <a:solidFill>
                               <a:srgbClr val="0070C0"/>
                             </a:solidFill>
@@ -10839,7 +11402,7 @@
                           <m:t>(</m:t>
                         </m:r>
                         <m:r>
-                          <a:rPr lang="en-US" i="1">
+                          <a:rPr lang="en-US" sz="2000" i="1">
                             <a:solidFill>
                               <a:srgbClr val="0070C0"/>
                             </a:solidFill>
@@ -10848,7 +11411,7 @@
                           <m:t>𝑣</m:t>
                         </m:r>
                         <m:r>
-                          <a:rPr lang="en-US" i="1">
+                          <a:rPr lang="en-US" sz="2000" i="1">
                             <a:solidFill>
                               <a:srgbClr val="0070C0"/>
                             </a:solidFill>
@@ -10859,7 +11422,7 @@
                       </m:den>
                     </m:f>
                     <m:r>
-                      <a:rPr lang="en-US" i="1">
+                      <a:rPr lang="en-US" sz="2000" i="1">
                         <a:solidFill>
                           <a:srgbClr val="0070C0"/>
                         </a:solidFill>
@@ -10869,10 +11432,12 @@
                     </m:r>
                   </m:oMath>
                 </a14:m>
-                <a:endParaRPr lang="en-HK" dirty="0" smtClean="0">
+                <a:endParaRPr lang="en-HK" sz="2000" dirty="0" smtClean="0">
                   <a:solidFill>
                     <a:srgbClr val="0070C0"/>
                   </a:solidFill>
+                  <a:latin typeface="Times New Roman" panose="02020603050405020304" pitchFamily="18" charset="0"/>
+                  <a:cs typeface="Times New Roman" panose="02020603050405020304" pitchFamily="18" charset="0"/>
                 </a:endParaRPr>
               </a:p>
               <a:p>
@@ -10882,25 +11447,25 @@
                 <a14:m>
                   <m:oMath xmlns:m="http://schemas.openxmlformats.org/officeDocument/2006/math">
                     <m:r>
-                      <a:rPr lang="en-US" i="1">
+                      <a:rPr lang="en-US" sz="2000" i="1">
                         <a:latin typeface="Cambria Math" panose="02040503050406030204" pitchFamily="18" charset="0"/>
                       </a:rPr>
                       <m:t>𝐴</m:t>
                     </m:r>
                     <m:r>
-                      <a:rPr lang="en-US" i="1">
+                      <a:rPr lang="en-US" sz="2000" i="1">
                         <a:latin typeface="Cambria Math" panose="02040503050406030204" pitchFamily="18" charset="0"/>
                       </a:rPr>
                       <m:t>(</m:t>
                     </m:r>
                     <m:r>
-                      <a:rPr lang="en-US" i="1">
+                      <a:rPr lang="en-US" sz="2000" i="1">
                         <a:latin typeface="Cambria Math" panose="02040503050406030204" pitchFamily="18" charset="0"/>
                       </a:rPr>
                       <m:t>𝑣</m:t>
                     </m:r>
                     <m:r>
-                      <a:rPr lang="en-US" i="1">
+                      <a:rPr lang="en-US" sz="2000" i="1">
                         <a:latin typeface="Cambria Math" panose="02040503050406030204" pitchFamily="18" charset="0"/>
                       </a:rPr>
                       <m:t>)</m:t>
@@ -10908,22 +11473,35 @@
                   </m:oMath>
                 </a14:m>
                 <a:r>
-                  <a:rPr lang="en-US" dirty="0" smtClean="0"/>
+                  <a:rPr lang="en-US" sz="2000" dirty="0" smtClean="0">
+                    <a:latin typeface="Times New Roman" panose="02020603050405020304" pitchFamily="18" charset="0"/>
+                    <a:cs typeface="Times New Roman" panose="02020603050405020304" pitchFamily="18" charset="0"/>
+                  </a:rPr>
                   <a:t>: absorption strength (A-value) (cm molecule</a:t>
                 </a:r>
                 <a:r>
-                  <a:rPr lang="en-US" baseline="30000" dirty="0" smtClean="0"/>
+                  <a:rPr lang="en-US" sz="2000" baseline="30000" dirty="0" smtClean="0">
+                    <a:latin typeface="Times New Roman" panose="02020603050405020304" pitchFamily="18" charset="0"/>
+                    <a:cs typeface="Times New Roman" panose="02020603050405020304" pitchFamily="18" charset="0"/>
+                  </a:rPr>
                   <a:t>-1</a:t>
                 </a:r>
                 <a:r>
-                  <a:rPr lang="en-US" dirty="0" smtClean="0"/>
-                  <a:t>) from literatures</a:t>
+                  <a:rPr lang="en-US" sz="2000" dirty="0" smtClean="0">
+                    <a:latin typeface="Times New Roman" panose="02020603050405020304" pitchFamily="18" charset="0"/>
+                    <a:cs typeface="Times New Roman" panose="02020603050405020304" pitchFamily="18" charset="0"/>
+                  </a:rPr>
+                  <a:t>)</a:t>
                 </a:r>
+                <a:endParaRPr lang="en-US" sz="2000" dirty="0" smtClean="0">
+                  <a:latin typeface="Times New Roman" panose="02020603050405020304" pitchFamily="18" charset="0"/>
+                  <a:cs typeface="Times New Roman" panose="02020603050405020304" pitchFamily="18" charset="0"/>
+                </a:endParaRPr>
               </a:p>
             </p:txBody>
           </p:sp>
         </mc:Choice>
-        <mc:Fallback xmlns="">
+        <mc:Fallback>
           <p:sp>
             <p:nvSpPr>
               <p:cNvPr id="3" name="內容版面配置區 2"/>
@@ -10936,13 +11514,13 @@
             </p:nvSpPr>
             <p:spPr>
               <a:xfrm>
-                <a:off x="683568" y="1273324"/>
+                <a:off x="622780" y="963951"/>
                 <a:ext cx="3441725" cy="4032490"/>
               </a:xfrm>
               <a:blipFill>
                 <a:blip r:embed="rId4"/>
                 <a:stretch>
-                  <a:fillRect l="-708" t="-605"/>
+                  <a:fillRect l="-1770" t="-1208" b="-21601"/>
                 </a:stretch>
               </a:blipFill>
             </p:spPr>
@@ -11006,134 +11584,131 @@
           <a:lstStyle/>
           <a:p>
             <a:r>
-              <a:rPr lang="en-HK" sz="1400" dirty="0"/>
+              <a:rPr lang="en-HK" sz="1400" dirty="0">
+                <a:latin typeface="Times New Roman" panose="02020603050405020304" pitchFamily="18" charset="0"/>
+                <a:cs typeface="Times New Roman" panose="02020603050405020304" pitchFamily="18" charset="0"/>
+              </a:rPr>
               <a:t>Infra-red spectra before </a:t>
             </a:r>
             <a:r>
-              <a:rPr lang="en-HK" sz="1400" dirty="0" smtClean="0"/>
+              <a:rPr lang="en-HK" sz="1400" dirty="0" smtClean="0">
+                <a:latin typeface="Times New Roman" panose="02020603050405020304" pitchFamily="18" charset="0"/>
+                <a:cs typeface="Times New Roman" panose="02020603050405020304" pitchFamily="18" charset="0"/>
+              </a:rPr>
               <a:t>(black lines</a:t>
             </a:r>
             <a:r>
-              <a:rPr lang="en-HK" sz="1400" dirty="0"/>
+              <a:rPr lang="en-HK" sz="1400" dirty="0">
+                <a:latin typeface="Times New Roman" panose="02020603050405020304" pitchFamily="18" charset="0"/>
+                <a:cs typeface="Times New Roman" panose="02020603050405020304" pitchFamily="18" charset="0"/>
+              </a:rPr>
               <a:t>) and after </a:t>
             </a:r>
             <a:r>
-              <a:rPr lang="en-HK" sz="1400" dirty="0" smtClean="0"/>
+              <a:rPr lang="en-HK" sz="1400" dirty="0" smtClean="0">
+                <a:latin typeface="Times New Roman" panose="02020603050405020304" pitchFamily="18" charset="0"/>
+                <a:cs typeface="Times New Roman" panose="02020603050405020304" pitchFamily="18" charset="0"/>
+              </a:rPr>
               <a:t>(coloured lines</a:t>
             </a:r>
             <a:r>
-              <a:rPr lang="en-HK" sz="1400" dirty="0"/>
+              <a:rPr lang="en-HK" sz="1400" dirty="0">
+                <a:latin typeface="Times New Roman" panose="02020603050405020304" pitchFamily="18" charset="0"/>
+                <a:cs typeface="Times New Roman" panose="02020603050405020304" pitchFamily="18" charset="0"/>
+              </a:rPr>
               <a:t>) VUV </a:t>
             </a:r>
             <a:r>
-              <a:rPr lang="en-HK" sz="1400" dirty="0" smtClean="0"/>
+              <a:rPr lang="en-HK" sz="1400" dirty="0" smtClean="0">
+                <a:latin typeface="Times New Roman" panose="02020603050405020304" pitchFamily="18" charset="0"/>
+                <a:cs typeface="Times New Roman" panose="02020603050405020304" pitchFamily="18" charset="0"/>
+              </a:rPr>
               <a:t>irradiation where CN</a:t>
             </a:r>
             <a:r>
-              <a:rPr lang="en-HK" sz="1400" baseline="30000" dirty="0" smtClean="0"/>
+              <a:rPr lang="en-HK" sz="1400" baseline="30000" dirty="0" smtClean="0">
+                <a:latin typeface="Times New Roman" panose="02020603050405020304" pitchFamily="18" charset="0"/>
+                <a:cs typeface="Times New Roman" panose="02020603050405020304" pitchFamily="18" charset="0"/>
+              </a:rPr>
               <a:t>-</a:t>
             </a:r>
             <a:r>
-              <a:rPr lang="en-HK" sz="1400" dirty="0"/>
+              <a:rPr lang="en-HK" sz="1400" dirty="0">
+                <a:latin typeface="Times New Roman" panose="02020603050405020304" pitchFamily="18" charset="0"/>
+                <a:cs typeface="Times New Roman" panose="02020603050405020304" pitchFamily="18" charset="0"/>
+              </a:rPr>
               <a:t>, C</a:t>
             </a:r>
             <a:r>
-              <a:rPr lang="en-HK" sz="1400" baseline="-25000" dirty="0"/>
+              <a:rPr lang="en-HK" sz="1400" baseline="-25000" dirty="0">
+                <a:latin typeface="Times New Roman" panose="02020603050405020304" pitchFamily="18" charset="0"/>
+                <a:cs typeface="Times New Roman" panose="02020603050405020304" pitchFamily="18" charset="0"/>
+              </a:rPr>
               <a:t>2</a:t>
             </a:r>
             <a:r>
-              <a:rPr lang="en-HK" sz="1400" dirty="0"/>
+              <a:rPr lang="en-HK" sz="1400" dirty="0">
+                <a:latin typeface="Times New Roman" panose="02020603050405020304" pitchFamily="18" charset="0"/>
+                <a:cs typeface="Times New Roman" panose="02020603050405020304" pitchFamily="18" charset="0"/>
+              </a:rPr>
               <a:t>H</a:t>
             </a:r>
             <a:r>
-              <a:rPr lang="en-HK" sz="1400" baseline="-25000" dirty="0"/>
+              <a:rPr lang="en-HK" sz="1400" baseline="-25000" dirty="0">
+                <a:latin typeface="Times New Roman" panose="02020603050405020304" pitchFamily="18" charset="0"/>
+                <a:cs typeface="Times New Roman" panose="02020603050405020304" pitchFamily="18" charset="0"/>
+              </a:rPr>
               <a:t>6</a:t>
             </a:r>
             <a:r>
-              <a:rPr lang="en-HK" sz="1400" dirty="0"/>
+              <a:rPr lang="en-HK" sz="1400" dirty="0">
+                <a:latin typeface="Times New Roman" panose="02020603050405020304" pitchFamily="18" charset="0"/>
+                <a:cs typeface="Times New Roman" panose="02020603050405020304" pitchFamily="18" charset="0"/>
+              </a:rPr>
               <a:t> and C</a:t>
             </a:r>
             <a:r>
-              <a:rPr lang="en-HK" sz="1400" baseline="-25000" dirty="0"/>
+              <a:rPr lang="en-HK" sz="1400" baseline="-25000" dirty="0">
+                <a:latin typeface="Times New Roman" panose="02020603050405020304" pitchFamily="18" charset="0"/>
+                <a:cs typeface="Times New Roman" panose="02020603050405020304" pitchFamily="18" charset="0"/>
+              </a:rPr>
               <a:t>3</a:t>
             </a:r>
             <a:r>
-              <a:rPr lang="en-HK" sz="1400" dirty="0"/>
+              <a:rPr lang="en-HK" sz="1400" dirty="0">
+                <a:latin typeface="Times New Roman" panose="02020603050405020304" pitchFamily="18" charset="0"/>
+                <a:cs typeface="Times New Roman" panose="02020603050405020304" pitchFamily="18" charset="0"/>
+              </a:rPr>
               <a:t>H</a:t>
             </a:r>
             <a:r>
-              <a:rPr lang="en-HK" sz="1400" baseline="-25000" dirty="0"/>
+              <a:rPr lang="en-HK" sz="1400" baseline="-25000" dirty="0">
+                <a:latin typeface="Times New Roman" panose="02020603050405020304" pitchFamily="18" charset="0"/>
+                <a:cs typeface="Times New Roman" panose="02020603050405020304" pitchFamily="18" charset="0"/>
+              </a:rPr>
               <a:t>8</a:t>
             </a:r>
             <a:r>
-              <a:rPr lang="en-HK" sz="1400" dirty="0"/>
+              <a:rPr lang="en-HK" sz="1400" dirty="0">
+                <a:latin typeface="Times New Roman" panose="02020603050405020304" pitchFamily="18" charset="0"/>
+                <a:cs typeface="Times New Roman" panose="02020603050405020304" pitchFamily="18" charset="0"/>
+              </a:rPr>
               <a:t> are formed after VUV </a:t>
             </a:r>
             <a:r>
-              <a:rPr lang="en-HK" sz="1400" dirty="0" smtClean="0"/>
+              <a:rPr lang="en-HK" sz="1400" dirty="0" smtClean="0">
+                <a:latin typeface="Times New Roman" panose="02020603050405020304" pitchFamily="18" charset="0"/>
+                <a:cs typeface="Times New Roman" panose="02020603050405020304" pitchFamily="18" charset="0"/>
+              </a:rPr>
               <a:t>irradiation.</a:t>
             </a:r>
-            <a:endParaRPr lang="en-US" sz="1400" dirty="0"/>
+            <a:endParaRPr lang="en-US" sz="1400" dirty="0">
+              <a:latin typeface="Times New Roman" panose="02020603050405020304" pitchFamily="18" charset="0"/>
+              <a:cs typeface="Times New Roman" panose="02020603050405020304" pitchFamily="18" charset="0"/>
+            </a:endParaRPr>
           </a:p>
         </p:txBody>
       </p:sp>
-      <p:graphicFrame>
-        <p:nvGraphicFramePr>
-          <p:cNvPr id="8" name="物件 7"/>
-          <p:cNvGraphicFramePr>
-            <a:graphicFrameLocks noChangeAspect="1"/>
-          </p:cNvGraphicFramePr>
-          <p:nvPr>
-            <p:extLst>
-              <p:ext uri="{D42A27DB-BD31-4B8C-83A1-F6EECF244321}">
-                <p14:modId xmlns:p14="http://schemas.microsoft.com/office/powerpoint/2010/main" val="192601272"/>
-              </p:ext>
-            </p:extLst>
-          </p:nvPr>
-        </p:nvGraphicFramePr>
-        <p:xfrm>
-          <a:off x="4428116" y="-596310"/>
-          <a:ext cx="4571786" cy="6329784"/>
-        </p:xfrm>
-        <a:graphic>
-          <a:graphicData uri="http://schemas.openxmlformats.org/presentationml/2006/ole">
-            <mc:AlternateContent xmlns:mc="http://schemas.openxmlformats.org/markup-compatibility/2006">
-              <mc:Choice xmlns:v="urn:schemas-microsoft-com:vml" Requires="v">
-                <p:oleObj spid="_x0000_s11661" name="Graph" r:id="rId5" imgW="4754880" imgH="6583680" progId="Origin50.Graph">
-                  <p:embed/>
-                </p:oleObj>
-              </mc:Choice>
-              <mc:Fallback>
-                <p:oleObj name="Graph" r:id="rId5" imgW="4754880" imgH="6583680" progId="Origin50.Graph">
-                  <p:embed/>
-                  <p:pic>
-                    <p:nvPicPr>
-                      <p:cNvPr id="0" name=""/>
-                      <p:cNvPicPr/>
-                      <p:nvPr/>
-                    </p:nvPicPr>
-                    <p:blipFill>
-                      <a:blip r:embed="rId6"/>
-                      <a:stretch>
-                        <a:fillRect/>
-                      </a:stretch>
-                    </p:blipFill>
-                    <p:spPr>
-                      <a:xfrm>
-                        <a:off x="4428116" y="-596310"/>
-                        <a:ext cx="4571786" cy="6329784"/>
-                      </a:xfrm>
-                      <a:prstGeom prst="rect">
-                        <a:avLst/>
-                      </a:prstGeom>
-                    </p:spPr>
-                  </p:pic>
-                </p:oleObj>
-              </mc:Fallback>
-            </mc:AlternateContent>
-          </a:graphicData>
-        </a:graphic>
-      </p:graphicFrame>
     </p:spTree>
     <p:extLst>
       <p:ext uri="{BB962C8B-B14F-4D97-AF65-F5344CB8AC3E}">
@@ -11187,14 +11762,23 @@
           <a:lstStyle/>
           <a:p>
             <a:r>
-              <a:rPr lang="en-HK" dirty="0"/>
+              <a:rPr lang="en-HK" dirty="0">
+                <a:latin typeface="Times New Roman" panose="02020603050405020304" pitchFamily="18" charset="0"/>
+                <a:cs typeface="Times New Roman" panose="02020603050405020304" pitchFamily="18" charset="0"/>
+              </a:rPr>
               <a:t>1. Production of CN</a:t>
             </a:r>
             <a:r>
-              <a:rPr lang="en-HK" baseline="30000" dirty="0"/>
+              <a:rPr lang="en-HK" baseline="30000" dirty="0">
+                <a:latin typeface="Times New Roman" panose="02020603050405020304" pitchFamily="18" charset="0"/>
+                <a:cs typeface="Times New Roman" panose="02020603050405020304" pitchFamily="18" charset="0"/>
+              </a:rPr>
               <a:t>-</a:t>
             </a:r>
-            <a:endParaRPr lang="en-US" dirty="0"/>
+            <a:endParaRPr lang="en-US" dirty="0">
+              <a:latin typeface="Times New Roman" panose="02020603050405020304" pitchFamily="18" charset="0"/>
+              <a:cs typeface="Times New Roman" panose="02020603050405020304" pitchFamily="18" charset="0"/>
+            </a:endParaRPr>
           </a:p>
         </p:txBody>
       </p:sp>
@@ -11286,7 +11870,7 @@
           <a:graphicData uri="http://schemas.openxmlformats.org/presentationml/2006/ole">
             <mc:AlternateContent xmlns:mc="http://schemas.openxmlformats.org/markup-compatibility/2006">
               <mc:Choice xmlns:v="urn:schemas-microsoft-com:vml" Requires="v">
-                <p:oleObj spid="_x0000_s10712" name="Graph" r:id="rId5" imgW="4754880" imgH="3108960" progId="Origin50.Graph">
+                <p:oleObj spid="_x0000_s10729" name="Graph" r:id="rId5" imgW="4754880" imgH="3108960" progId="Origin50.Graph">
                   <p:embed/>
                 </p:oleObj>
               </mc:Choice>
@@ -11501,22 +12085,37 @@
           <a:lstStyle/>
           <a:p>
             <a:r>
-              <a:rPr lang="en-HK" dirty="0"/>
+              <a:rPr lang="en-HK" dirty="0">
+                <a:latin typeface="Times New Roman" panose="02020603050405020304" pitchFamily="18" charset="0"/>
+                <a:cs typeface="Times New Roman" panose="02020603050405020304" pitchFamily="18" charset="0"/>
+              </a:rPr>
               <a:t>1. Production </a:t>
             </a:r>
             <a:r>
-              <a:rPr lang="en-HK" dirty="0" smtClean="0"/>
+              <a:rPr lang="en-HK" dirty="0" smtClean="0">
+                <a:latin typeface="Times New Roman" panose="02020603050405020304" pitchFamily="18" charset="0"/>
+                <a:cs typeface="Times New Roman" panose="02020603050405020304" pitchFamily="18" charset="0"/>
+              </a:rPr>
               <a:t>of </a:t>
             </a:r>
             <a:r>
-              <a:rPr lang="en-HK" dirty="0"/>
+              <a:rPr lang="en-HK" dirty="0">
+                <a:latin typeface="Times New Roman" panose="02020603050405020304" pitchFamily="18" charset="0"/>
+                <a:cs typeface="Times New Roman" panose="02020603050405020304" pitchFamily="18" charset="0"/>
+              </a:rPr>
               <a:t>CN</a:t>
             </a:r>
             <a:r>
-              <a:rPr lang="en-HK" baseline="30000" dirty="0"/>
+              <a:rPr lang="en-HK" baseline="30000" dirty="0">
+                <a:latin typeface="Times New Roman" panose="02020603050405020304" pitchFamily="18" charset="0"/>
+                <a:cs typeface="Times New Roman" panose="02020603050405020304" pitchFamily="18" charset="0"/>
+              </a:rPr>
               <a:t>-</a:t>
             </a:r>
-            <a:endParaRPr lang="en-US" dirty="0"/>
+            <a:endParaRPr lang="en-US" dirty="0">
+              <a:latin typeface="Times New Roman" panose="02020603050405020304" pitchFamily="18" charset="0"/>
+              <a:cs typeface="Times New Roman" panose="02020603050405020304" pitchFamily="18" charset="0"/>
+            </a:endParaRPr>
           </a:p>
         </p:txBody>
       </p:sp>
@@ -12196,7 +12795,10 @@
                     </m:sSub>
                   </m:oMath>
                 </a14:m>
-                <a:endParaRPr lang="en-US" sz="1800" dirty="0" smtClean="0"/>
+                <a:endParaRPr lang="en-US" sz="1800" dirty="0" smtClean="0">
+                  <a:latin typeface="Times New Roman" panose="02020603050405020304" pitchFamily="18" charset="0"/>
+                  <a:cs typeface="Times New Roman" panose="02020603050405020304" pitchFamily="18" charset="0"/>
+                </a:endParaRPr>
               </a:p>
             </p:txBody>
           </p:sp>
@@ -12481,7 +13083,7 @@
           <a:p>
             <a:pPr lvl="1"/>
             <a:r>
-              <a:rPr lang="en-HK" sz="2000" dirty="0">
+              <a:rPr lang="en-HK" sz="2000" i="0" dirty="0">
                 <a:latin typeface="Times New Roman" panose="02020603050405020304" pitchFamily="18" charset="0"/>
                 <a:cs typeface="Times New Roman" panose="02020603050405020304" pitchFamily="18" charset="0"/>
               </a:rPr>
@@ -12491,14 +13093,14 @@
           <a:p>
             <a:pPr lvl="1"/>
             <a:r>
-              <a:rPr lang="en-HK" sz="2000" dirty="0">
+              <a:rPr lang="en-HK" sz="2000" i="0" dirty="0">
                 <a:latin typeface="Times New Roman" panose="02020603050405020304" pitchFamily="18" charset="0"/>
                 <a:cs typeface="Times New Roman" panose="02020603050405020304" pitchFamily="18" charset="0"/>
               </a:rPr>
               <a:t>The spectrum of </a:t>
             </a:r>
             <a:r>
-              <a:rPr lang="en-HK" sz="2000" dirty="0">
+              <a:rPr lang="en-HK" sz="2000" i="0" dirty="0">
                 <a:solidFill>
                   <a:srgbClr val="0070C0"/>
                 </a:solidFill>
@@ -12508,43 +13110,43 @@
               <a:t>VUV (MDHL) </a:t>
             </a:r>
             <a:r>
+              <a:rPr lang="en-HK" sz="2000" i="0" dirty="0">
+                <a:latin typeface="Times New Roman" panose="02020603050405020304" pitchFamily="18" charset="0"/>
+                <a:cs typeface="Times New Roman" panose="02020603050405020304" pitchFamily="18" charset="0"/>
+              </a:rPr>
+              <a:t>energy source</a:t>
+            </a:r>
+          </a:p>
+          <a:p>
+            <a:pPr lvl="1"/>
+            <a:r>
+              <a:rPr lang="en-HK" sz="2000" i="0" dirty="0">
+                <a:latin typeface="Times New Roman" panose="02020603050405020304" pitchFamily="18" charset="0"/>
+                <a:cs typeface="Times New Roman" panose="02020603050405020304" pitchFamily="18" charset="0"/>
+              </a:rPr>
+              <a:t>Experimental Configurations</a:t>
+            </a:r>
+          </a:p>
+          <a:p>
+            <a:r>
               <a:rPr lang="en-HK" sz="2000" dirty="0">
                 <a:latin typeface="Times New Roman" panose="02020603050405020304" pitchFamily="18" charset="0"/>
                 <a:cs typeface="Times New Roman" panose="02020603050405020304" pitchFamily="18" charset="0"/>
               </a:rPr>
-              <a:t>energy source</a:t>
+              <a:t>Results</a:t>
             </a:r>
           </a:p>
           <a:p>
             <a:pPr lvl="1"/>
             <a:r>
-              <a:rPr lang="en-HK" sz="2000" dirty="0">
-                <a:latin typeface="Times New Roman" panose="02020603050405020304" pitchFamily="18" charset="0"/>
-                <a:cs typeface="Times New Roman" panose="02020603050405020304" pitchFamily="18" charset="0"/>
-              </a:rPr>
-              <a:t>Experimental Configurations</a:t>
-            </a:r>
-          </a:p>
-          <a:p>
-            <a:r>
-              <a:rPr lang="en-HK" sz="2000" dirty="0">
-                <a:latin typeface="Times New Roman" panose="02020603050405020304" pitchFamily="18" charset="0"/>
-                <a:cs typeface="Times New Roman" panose="02020603050405020304" pitchFamily="18" charset="0"/>
-              </a:rPr>
-              <a:t>Results</a:t>
-            </a:r>
-          </a:p>
-          <a:p>
-            <a:pPr lvl="1"/>
-            <a:r>
-              <a:rPr lang="en-HK" sz="2000" dirty="0">
+              <a:rPr lang="en-HK" sz="2000" i="0" dirty="0">
                 <a:latin typeface="Times New Roman" panose="02020603050405020304" pitchFamily="18" charset="0"/>
                 <a:cs typeface="Times New Roman" panose="02020603050405020304" pitchFamily="18" charset="0"/>
               </a:rPr>
               <a:t>Production of </a:t>
             </a:r>
             <a:r>
-              <a:rPr lang="en-HK" sz="2000" dirty="0">
+              <a:rPr lang="en-HK" sz="2000" i="0" dirty="0">
                 <a:solidFill>
                   <a:srgbClr val="0070C0"/>
                 </a:solidFill>
@@ -12554,7 +13156,7 @@
               <a:t>CN</a:t>
             </a:r>
             <a:r>
-              <a:rPr lang="en-HK" sz="2000" baseline="30000" dirty="0">
+              <a:rPr lang="en-HK" sz="2000" i="0" baseline="30000" dirty="0">
                 <a:solidFill>
                   <a:srgbClr val="0070C0"/>
                 </a:solidFill>
@@ -12567,14 +13169,14 @@
           <a:p>
             <a:pPr lvl="1"/>
             <a:r>
-              <a:rPr lang="en-HK" sz="2000" dirty="0">
+              <a:rPr lang="en-HK" sz="2000" i="0" dirty="0">
                 <a:latin typeface="Times New Roman" panose="02020603050405020304" pitchFamily="18" charset="0"/>
                 <a:cs typeface="Times New Roman" panose="02020603050405020304" pitchFamily="18" charset="0"/>
               </a:rPr>
               <a:t>The relations between </a:t>
             </a:r>
             <a:r>
-              <a:rPr lang="en-HK" sz="2000" dirty="0">
+              <a:rPr lang="en-HK" sz="2000" i="0" dirty="0">
                 <a:solidFill>
                   <a:srgbClr val="0070C0"/>
                 </a:solidFill>
@@ -12584,7 +13186,7 @@
               <a:t>CN</a:t>
             </a:r>
             <a:r>
-              <a:rPr lang="en-HK" sz="2000" baseline="30000" dirty="0">
+              <a:rPr lang="en-HK" sz="2000" i="0" baseline="30000" dirty="0">
                 <a:solidFill>
                   <a:srgbClr val="0070C0"/>
                 </a:solidFill>
@@ -12594,14 +13196,14 @@
               <a:t>-</a:t>
             </a:r>
             <a:r>
-              <a:rPr lang="en-HK" sz="2000" dirty="0">
+              <a:rPr lang="en-HK" sz="2000" i="0" dirty="0">
                 <a:latin typeface="Times New Roman" panose="02020603050405020304" pitchFamily="18" charset="0"/>
                 <a:cs typeface="Times New Roman" panose="02020603050405020304" pitchFamily="18" charset="0"/>
               </a:rPr>
               <a:t> and </a:t>
             </a:r>
             <a:r>
-              <a:rPr lang="en-HK" sz="2000" dirty="0">
+              <a:rPr lang="en-HK" sz="2000" i="0" dirty="0">
                 <a:solidFill>
                   <a:srgbClr val="0070C0"/>
                 </a:solidFill>
@@ -12611,7 +13213,7 @@
               <a:t>C</a:t>
             </a:r>
             <a:r>
-              <a:rPr lang="en-HK" sz="2000" baseline="-25000" dirty="0">
+              <a:rPr lang="en-HK" sz="2000" i="0" baseline="-25000" dirty="0">
                 <a:solidFill>
                   <a:srgbClr val="0070C0"/>
                 </a:solidFill>
@@ -12621,7 +13223,7 @@
               <a:t>2</a:t>
             </a:r>
             <a:r>
-              <a:rPr lang="en-HK" sz="2000" dirty="0">
+              <a:rPr lang="en-HK" sz="2000" i="0" dirty="0">
                 <a:solidFill>
                   <a:srgbClr val="0070C0"/>
                 </a:solidFill>
@@ -12631,7 +13233,7 @@
               <a:t>H</a:t>
             </a:r>
             <a:r>
-              <a:rPr lang="en-HK" sz="2000" baseline="-25000" dirty="0">
+              <a:rPr lang="en-HK" sz="2000" i="0" baseline="-25000" dirty="0">
                 <a:solidFill>
                   <a:srgbClr val="0070C0"/>
                 </a:solidFill>
@@ -12644,28 +13246,28 @@
           <a:p>
             <a:pPr lvl="1"/>
             <a:r>
-              <a:rPr lang="en-HK" sz="2000" dirty="0">
+              <a:rPr lang="en-HK" sz="2000" i="0" dirty="0">
                 <a:latin typeface="Times New Roman" panose="02020603050405020304" pitchFamily="18" charset="0"/>
                 <a:cs typeface="Times New Roman" panose="02020603050405020304" pitchFamily="18" charset="0"/>
               </a:rPr>
               <a:t>CN</a:t>
             </a:r>
             <a:r>
-              <a:rPr lang="en-HK" sz="2000" baseline="30000" dirty="0">
+              <a:rPr lang="en-HK" sz="2000" i="0" baseline="30000" dirty="0">
                 <a:latin typeface="Times New Roman" panose="02020603050405020304" pitchFamily="18" charset="0"/>
                 <a:cs typeface="Times New Roman" panose="02020603050405020304" pitchFamily="18" charset="0"/>
               </a:rPr>
               <a:t>-</a:t>
             </a:r>
             <a:r>
-              <a:rPr lang="en-HK" sz="2000" dirty="0">
+              <a:rPr lang="en-HK" sz="2000" i="0" dirty="0">
                 <a:latin typeface="Times New Roman" panose="02020603050405020304" pitchFamily="18" charset="0"/>
                 <a:cs typeface="Times New Roman" panose="02020603050405020304" pitchFamily="18" charset="0"/>
               </a:rPr>
               <a:t> </a:t>
             </a:r>
             <a:r>
-              <a:rPr lang="en-HK" sz="2000" dirty="0">
+              <a:rPr lang="en-HK" sz="2000" i="0" dirty="0">
                 <a:solidFill>
                   <a:srgbClr val="0070C0"/>
                 </a:solidFill>
@@ -12675,7 +13277,7 @@
               <a:t>formation efficiency of EUV (</a:t>
             </a:r>
             <a:r>
-              <a:rPr lang="en-HK" sz="2000" dirty="0" smtClean="0">
+              <a:rPr lang="en-HK" sz="2000" i="0" dirty="0" smtClean="0">
                 <a:solidFill>
                   <a:srgbClr val="0070C0"/>
                 </a:solidFill>
@@ -12685,7 +13287,7 @@
               <a:t>40.8 </a:t>
             </a:r>
             <a:r>
-              <a:rPr lang="en-HK" sz="2000" dirty="0">
+              <a:rPr lang="en-HK" sz="2000" i="0" dirty="0">
                 <a:solidFill>
                   <a:srgbClr val="0070C0"/>
                 </a:solidFill>
@@ -12707,14 +13309,14 @@
           <a:p>
             <a:pPr lvl="1"/>
             <a:r>
-              <a:rPr lang="en-HK" sz="2000" dirty="0">
+              <a:rPr lang="en-HK" sz="2000" i="0" dirty="0">
                 <a:latin typeface="Times New Roman" panose="02020603050405020304" pitchFamily="18" charset="0"/>
                 <a:cs typeface="Times New Roman" panose="02020603050405020304" pitchFamily="18" charset="0"/>
               </a:rPr>
               <a:t>Understand </a:t>
             </a:r>
             <a:r>
-              <a:rPr lang="en-HK" sz="2000" dirty="0">
+              <a:rPr lang="en-HK" sz="2000" i="0" dirty="0">
                 <a:solidFill>
                   <a:srgbClr val="0070C0"/>
                 </a:solidFill>
@@ -12724,7 +13326,7 @@
               <a:t>CN</a:t>
             </a:r>
             <a:r>
-              <a:rPr lang="en-HK" sz="2000" baseline="30000" dirty="0">
+              <a:rPr lang="en-HK" sz="2000" i="0" baseline="30000" dirty="0">
                 <a:solidFill>
                   <a:srgbClr val="0070C0"/>
                 </a:solidFill>
@@ -12734,7 +13336,7 @@
               <a:t>-</a:t>
             </a:r>
             <a:r>
-              <a:rPr lang="en-HK" sz="2000" dirty="0">
+              <a:rPr lang="en-HK" sz="2000" i="0" dirty="0">
                 <a:solidFill>
                   <a:srgbClr val="0070C0"/>
                 </a:solidFill>
@@ -12744,20 +13346,20 @@
               <a:t> formation </a:t>
             </a:r>
             <a:r>
-              <a:rPr lang="en-HK" sz="2000" dirty="0">
+              <a:rPr lang="en-HK" sz="2000" i="0" dirty="0">
                 <a:latin typeface="Times New Roman" panose="02020603050405020304" pitchFamily="18" charset="0"/>
                 <a:cs typeface="Times New Roman" panose="02020603050405020304" pitchFamily="18" charset="0"/>
               </a:rPr>
               <a:t>after winter on </a:t>
             </a:r>
             <a:r>
-              <a:rPr lang="en-HK" sz="2000" dirty="0" smtClean="0">
+              <a:rPr lang="en-HK" sz="2000" i="0" dirty="0" smtClean="0">
                 <a:latin typeface="Times New Roman" panose="02020603050405020304" pitchFamily="18" charset="0"/>
                 <a:cs typeface="Times New Roman" panose="02020603050405020304" pitchFamily="18" charset="0"/>
               </a:rPr>
               <a:t>Charon</a:t>
             </a:r>
-            <a:endParaRPr lang="en-HK" sz="2000" dirty="0">
+            <a:endParaRPr lang="en-HK" sz="2000" i="0" dirty="0">
               <a:latin typeface="Times New Roman" panose="02020603050405020304" pitchFamily="18" charset="0"/>
               <a:cs typeface="Times New Roman" panose="02020603050405020304" pitchFamily="18" charset="0"/>
             </a:endParaRPr>
@@ -12851,8 +13453,8 @@
         </p:blipFill>
         <p:spPr>
           <a:xfrm>
-            <a:off x="3800551" y="1489348"/>
-            <a:ext cx="5343449" cy="3493794"/>
+            <a:off x="3612764" y="1345332"/>
+            <a:ext cx="5652120" cy="3695617"/>
           </a:xfrm>
         </p:spPr>
       </p:pic>
@@ -12872,22 +13474,37 @@
           <a:lstStyle/>
           <a:p>
             <a:r>
-              <a:rPr lang="en-HK" dirty="0"/>
+              <a:rPr lang="en-HK" dirty="0">
+                <a:latin typeface="Times New Roman" panose="02020603050405020304" pitchFamily="18" charset="0"/>
+                <a:cs typeface="Times New Roman" panose="02020603050405020304" pitchFamily="18" charset="0"/>
+              </a:rPr>
               <a:t>1. Production </a:t>
             </a:r>
             <a:r>
-              <a:rPr lang="en-HK" dirty="0" smtClean="0"/>
+              <a:rPr lang="en-HK" dirty="0" smtClean="0">
+                <a:latin typeface="Times New Roman" panose="02020603050405020304" pitchFamily="18" charset="0"/>
+                <a:cs typeface="Times New Roman" panose="02020603050405020304" pitchFamily="18" charset="0"/>
+              </a:rPr>
               <a:t>of </a:t>
             </a:r>
             <a:r>
-              <a:rPr lang="en-HK" dirty="0"/>
+              <a:rPr lang="en-HK" dirty="0">
+                <a:latin typeface="Times New Roman" panose="02020603050405020304" pitchFamily="18" charset="0"/>
+                <a:cs typeface="Times New Roman" panose="02020603050405020304" pitchFamily="18" charset="0"/>
+              </a:rPr>
               <a:t>CN</a:t>
             </a:r>
             <a:r>
-              <a:rPr lang="en-HK" baseline="30000" dirty="0"/>
+              <a:rPr lang="en-HK" baseline="30000" dirty="0">
+                <a:latin typeface="Times New Roman" panose="02020603050405020304" pitchFamily="18" charset="0"/>
+                <a:cs typeface="Times New Roman" panose="02020603050405020304" pitchFamily="18" charset="0"/>
+              </a:rPr>
               <a:t>-</a:t>
             </a:r>
-            <a:endParaRPr lang="en-US" baseline="30000" dirty="0"/>
+            <a:endParaRPr lang="en-US" baseline="30000" dirty="0">
+              <a:latin typeface="Times New Roman" panose="02020603050405020304" pitchFamily="18" charset="0"/>
+              <a:cs typeface="Times New Roman" panose="02020603050405020304" pitchFamily="18" charset="0"/>
+            </a:endParaRPr>
           </a:p>
         </p:txBody>
       </p:sp>
@@ -13160,6 +13777,8 @@
                 <a:solidFill>
                   <a:srgbClr val="FF0000"/>
                 </a:solidFill>
+                <a:latin typeface="Times New Roman" panose="02020603050405020304" pitchFamily="18" charset="0"/>
+                <a:cs typeface="Times New Roman" panose="02020603050405020304" pitchFamily="18" charset="0"/>
               </a:rPr>
               <a:t>Methylamine (CH</a:t>
             </a:r>
@@ -13168,6 +13787,8 @@
                 <a:solidFill>
                   <a:srgbClr val="FF0000"/>
                 </a:solidFill>
+                <a:latin typeface="Times New Roman" panose="02020603050405020304" pitchFamily="18" charset="0"/>
+                <a:cs typeface="Times New Roman" panose="02020603050405020304" pitchFamily="18" charset="0"/>
               </a:rPr>
               <a:t>3</a:t>
             </a:r>
@@ -13176,6 +13797,8 @@
                 <a:solidFill>
                   <a:srgbClr val="FF0000"/>
                 </a:solidFill>
+                <a:latin typeface="Times New Roman" panose="02020603050405020304" pitchFamily="18" charset="0"/>
+                <a:cs typeface="Times New Roman" panose="02020603050405020304" pitchFamily="18" charset="0"/>
               </a:rPr>
               <a:t>NH</a:t>
             </a:r>
@@ -13184,6 +13807,8 @@
                 <a:solidFill>
                   <a:srgbClr val="FF0000"/>
                 </a:solidFill>
+                <a:latin typeface="Times New Roman" panose="02020603050405020304" pitchFamily="18" charset="0"/>
+                <a:cs typeface="Times New Roman" panose="02020603050405020304" pitchFamily="18" charset="0"/>
               </a:rPr>
               <a:t>2</a:t>
             </a:r>
@@ -13192,16 +13817,24 @@
                 <a:solidFill>
                   <a:srgbClr val="FF0000"/>
                 </a:solidFill>
+                <a:latin typeface="Times New Roman" panose="02020603050405020304" pitchFamily="18" charset="0"/>
+                <a:cs typeface="Times New Roman" panose="02020603050405020304" pitchFamily="18" charset="0"/>
               </a:rPr>
               <a:t>) with m/z=31 </a:t>
             </a:r>
             <a:r>
-              <a:rPr lang="en-HK" sz="2800" dirty="0" smtClean="0"/>
+              <a:rPr lang="en-HK" sz="2800" dirty="0" smtClean="0">
+                <a:latin typeface="Times New Roman" panose="02020603050405020304" pitchFamily="18" charset="0"/>
+                <a:cs typeface="Times New Roman" panose="02020603050405020304" pitchFamily="18" charset="0"/>
+              </a:rPr>
               <a:t>is detected by QMS</a:t>
             </a:r>
           </a:p>
           <a:p>
-            <a:endParaRPr lang="en-HK" sz="2800" dirty="0" smtClean="0"/>
+            <a:endParaRPr lang="en-HK" sz="2800" dirty="0" smtClean="0">
+              <a:latin typeface="Times New Roman" panose="02020603050405020304" pitchFamily="18" charset="0"/>
+              <a:cs typeface="Times New Roman" panose="02020603050405020304" pitchFamily="18" charset="0"/>
+            </a:endParaRPr>
           </a:p>
           <a:p>
             <a:pPr marL="0" indent="0">
@@ -13212,6 +13845,8 @@
                 <a:solidFill>
                   <a:srgbClr val="0070C0"/>
                 </a:solidFill>
+                <a:latin typeface="Times New Roman" panose="02020603050405020304" pitchFamily="18" charset="0"/>
+                <a:cs typeface="Times New Roman" panose="02020603050405020304" pitchFamily="18" charset="0"/>
               </a:rPr>
               <a:t>CN</a:t>
             </a:r>
@@ -13220,6 +13855,8 @@
                 <a:solidFill>
                   <a:srgbClr val="0070C0"/>
                 </a:solidFill>
+                <a:latin typeface="Times New Roman" panose="02020603050405020304" pitchFamily="18" charset="0"/>
+                <a:cs typeface="Times New Roman" panose="02020603050405020304" pitchFamily="18" charset="0"/>
               </a:rPr>
               <a:t>-</a:t>
             </a:r>
@@ -13228,10 +13865,15 @@
                 <a:solidFill>
                   <a:srgbClr val="0070C0"/>
                 </a:solidFill>
+                <a:latin typeface="Times New Roman" panose="02020603050405020304" pitchFamily="18" charset="0"/>
+                <a:cs typeface="Times New Roman" panose="02020603050405020304" pitchFamily="18" charset="0"/>
               </a:rPr>
               <a:t> is formed via a 2 step mechanism.</a:t>
             </a:r>
-            <a:endParaRPr lang="en-HK" sz="2800" dirty="0" smtClean="0"/>
+            <a:endParaRPr lang="en-HK" sz="2800" dirty="0" smtClean="0">
+              <a:latin typeface="Times New Roman" panose="02020603050405020304" pitchFamily="18" charset="0"/>
+              <a:cs typeface="Times New Roman" panose="02020603050405020304" pitchFamily="18" charset="0"/>
+            </a:endParaRPr>
           </a:p>
           <a:p>
             <a:pPr marL="0" indent="0">
@@ -13306,26 +13948,44 @@
           <a:lstStyle/>
           <a:p>
             <a:r>
-              <a:rPr lang="en-HK" dirty="0" smtClean="0"/>
+              <a:rPr lang="en-HK" dirty="0" smtClean="0">
+                <a:latin typeface="Times New Roman" panose="02020603050405020304" pitchFamily="18" charset="0"/>
+                <a:cs typeface="Times New Roman" panose="02020603050405020304" pitchFamily="18" charset="0"/>
+              </a:rPr>
               <a:t>2</a:t>
             </a:r>
             <a:r>
-              <a:rPr lang="en-HK" dirty="0"/>
+              <a:rPr lang="en-HK" dirty="0">
+                <a:latin typeface="Times New Roman" panose="02020603050405020304" pitchFamily="18" charset="0"/>
+                <a:cs typeface="Times New Roman" panose="02020603050405020304" pitchFamily="18" charset="0"/>
+              </a:rPr>
               <a:t>. The </a:t>
             </a:r>
             <a:r>
-              <a:rPr lang="en-HK" dirty="0" smtClean="0"/>
+              <a:rPr lang="en-HK" dirty="0" smtClean="0">
+                <a:latin typeface="Times New Roman" panose="02020603050405020304" pitchFamily="18" charset="0"/>
+                <a:cs typeface="Times New Roman" panose="02020603050405020304" pitchFamily="18" charset="0"/>
+              </a:rPr>
               <a:t>scenario for NH</a:t>
             </a:r>
             <a:r>
-              <a:rPr lang="en-HK" baseline="-25000" dirty="0" smtClean="0"/>
+              <a:rPr lang="en-HK" baseline="-25000" dirty="0" smtClean="0">
+                <a:latin typeface="Times New Roman" panose="02020603050405020304" pitchFamily="18" charset="0"/>
+                <a:cs typeface="Times New Roman" panose="02020603050405020304" pitchFamily="18" charset="0"/>
+              </a:rPr>
               <a:t>3</a:t>
             </a:r>
             <a:r>
-              <a:rPr lang="en-HK" dirty="0" smtClean="0"/>
+              <a:rPr lang="en-HK" dirty="0" smtClean="0">
+                <a:latin typeface="Times New Roman" panose="02020603050405020304" pitchFamily="18" charset="0"/>
+                <a:cs typeface="Times New Roman" panose="02020603050405020304" pitchFamily="18" charset="0"/>
+              </a:rPr>
               <a:t> dominating ice mixtures</a:t>
             </a:r>
-            <a:endParaRPr lang="en-US" baseline="-25000" dirty="0"/>
+            <a:endParaRPr lang="en-US" baseline="-25000" dirty="0">
+              <a:latin typeface="Times New Roman" panose="02020603050405020304" pitchFamily="18" charset="0"/>
+              <a:cs typeface="Times New Roman" panose="02020603050405020304" pitchFamily="18" charset="0"/>
+            </a:endParaRPr>
           </a:p>
         </p:txBody>
       </p:sp>
@@ -13404,30 +14064,51 @@
           <a:lstStyle/>
           <a:p>
             <a:r>
-              <a:rPr lang="en-HK" dirty="0" smtClean="0"/>
+              <a:rPr lang="en-HK" dirty="0" smtClean="0">
+                <a:latin typeface="Times New Roman" panose="02020603050405020304" pitchFamily="18" charset="0"/>
+                <a:cs typeface="Times New Roman" panose="02020603050405020304" pitchFamily="18" charset="0"/>
+              </a:rPr>
               <a:t>A diagram of CH</a:t>
             </a:r>
             <a:r>
-              <a:rPr lang="en-HK" baseline="-25000" dirty="0" smtClean="0"/>
+              <a:rPr lang="en-HK" baseline="-25000" dirty="0" smtClean="0">
+                <a:latin typeface="Times New Roman" panose="02020603050405020304" pitchFamily="18" charset="0"/>
+                <a:cs typeface="Times New Roman" panose="02020603050405020304" pitchFamily="18" charset="0"/>
+              </a:rPr>
               <a:t>4</a:t>
             </a:r>
             <a:r>
-              <a:rPr lang="en-HK" dirty="0"/>
+              <a:rPr lang="en-HK" dirty="0">
+                <a:latin typeface="Times New Roman" panose="02020603050405020304" pitchFamily="18" charset="0"/>
+                <a:cs typeface="Times New Roman" panose="02020603050405020304" pitchFamily="18" charset="0"/>
+              </a:rPr>
               <a:t>:</a:t>
             </a:r>
             <a:r>
-              <a:rPr lang="en-HK" dirty="0" smtClean="0"/>
+              <a:rPr lang="en-HK" dirty="0" smtClean="0">
+                <a:latin typeface="Times New Roman" panose="02020603050405020304" pitchFamily="18" charset="0"/>
+                <a:cs typeface="Times New Roman" panose="02020603050405020304" pitchFamily="18" charset="0"/>
+              </a:rPr>
               <a:t>NH</a:t>
             </a:r>
             <a:r>
-              <a:rPr lang="en-HK" baseline="-25000" dirty="0" smtClean="0"/>
+              <a:rPr lang="en-HK" baseline="-25000" dirty="0" smtClean="0">
+                <a:latin typeface="Times New Roman" panose="02020603050405020304" pitchFamily="18" charset="0"/>
+                <a:cs typeface="Times New Roman" panose="02020603050405020304" pitchFamily="18" charset="0"/>
+              </a:rPr>
               <a:t>3</a:t>
             </a:r>
             <a:r>
-              <a:rPr lang="en-HK" dirty="0" smtClean="0"/>
+              <a:rPr lang="en-HK" dirty="0" smtClean="0">
+                <a:latin typeface="Times New Roman" panose="02020603050405020304" pitchFamily="18" charset="0"/>
+                <a:cs typeface="Times New Roman" panose="02020603050405020304" pitchFamily="18" charset="0"/>
+              </a:rPr>
               <a:t> = 1:5</a:t>
             </a:r>
-            <a:endParaRPr lang="en-US" dirty="0"/>
+            <a:endParaRPr lang="en-US" dirty="0">
+              <a:latin typeface="Times New Roman" panose="02020603050405020304" pitchFamily="18" charset="0"/>
+              <a:cs typeface="Times New Roman" panose="02020603050405020304" pitchFamily="18" charset="0"/>
+            </a:endParaRPr>
           </a:p>
         </p:txBody>
       </p:sp>
@@ -13605,7 +14286,7 @@
         <p:spPr>
           <a:xfrm>
             <a:off x="906261" y="1796449"/>
-            <a:ext cx="3093091" cy="2308324"/>
+            <a:ext cx="3093091" cy="1938992"/>
           </a:xfrm>
           <a:prstGeom prst="rect">
             <a:avLst/>
@@ -13619,39 +14300,66 @@
           <a:lstStyle/>
           <a:p>
             <a:r>
-              <a:rPr lang="en-HK" sz="2400" dirty="0" smtClean="0"/>
+              <a:rPr lang="en-HK" sz="2400" dirty="0" smtClean="0">
+                <a:latin typeface="Times New Roman" panose="02020603050405020304" pitchFamily="18" charset="0"/>
+                <a:cs typeface="Times New Roman" panose="02020603050405020304" pitchFamily="18" charset="0"/>
+              </a:rPr>
               <a:t>Once CH</a:t>
             </a:r>
             <a:r>
-              <a:rPr lang="en-HK" sz="2400" baseline="-25000" dirty="0" smtClean="0"/>
+              <a:rPr lang="en-HK" sz="2400" baseline="-25000" dirty="0" smtClean="0">
+                <a:latin typeface="Times New Roman" panose="02020603050405020304" pitchFamily="18" charset="0"/>
+                <a:cs typeface="Times New Roman" panose="02020603050405020304" pitchFamily="18" charset="0"/>
+              </a:rPr>
               <a:t>4</a:t>
             </a:r>
             <a:r>
-              <a:rPr lang="en-HK" sz="2400" dirty="0" smtClean="0"/>
+              <a:rPr lang="en-HK" sz="2400" dirty="0" smtClean="0">
+                <a:latin typeface="Times New Roman" panose="02020603050405020304" pitchFamily="18" charset="0"/>
+                <a:cs typeface="Times New Roman" panose="02020603050405020304" pitchFamily="18" charset="0"/>
+              </a:rPr>
               <a:t> becomes CH</a:t>
             </a:r>
             <a:r>
-              <a:rPr lang="en-HK" sz="2400" baseline="-25000" dirty="0" smtClean="0"/>
+              <a:rPr lang="en-HK" sz="2400" baseline="-25000" dirty="0" smtClean="0">
+                <a:latin typeface="Times New Roman" panose="02020603050405020304" pitchFamily="18" charset="0"/>
+                <a:cs typeface="Times New Roman" panose="02020603050405020304" pitchFamily="18" charset="0"/>
+              </a:rPr>
               <a:t>3</a:t>
             </a:r>
             <a:r>
-              <a:rPr lang="en-HK" sz="2400" dirty="0" smtClean="0"/>
+              <a:rPr lang="en-HK" sz="2400" dirty="0" smtClean="0">
+                <a:latin typeface="Times New Roman" panose="02020603050405020304" pitchFamily="18" charset="0"/>
+                <a:cs typeface="Times New Roman" panose="02020603050405020304" pitchFamily="18" charset="0"/>
+              </a:rPr>
               <a:t> radical, CH</a:t>
             </a:r>
             <a:r>
-              <a:rPr lang="en-HK" sz="2400" baseline="-25000" dirty="0" smtClean="0"/>
+              <a:rPr lang="en-HK" sz="2400" baseline="-25000" dirty="0" smtClean="0">
+                <a:latin typeface="Times New Roman" panose="02020603050405020304" pitchFamily="18" charset="0"/>
+                <a:cs typeface="Times New Roman" panose="02020603050405020304" pitchFamily="18" charset="0"/>
+              </a:rPr>
               <a:t>3</a:t>
             </a:r>
             <a:r>
-              <a:rPr lang="en-HK" sz="2400" dirty="0" smtClean="0"/>
+              <a:rPr lang="en-HK" sz="2400" dirty="0" smtClean="0">
+                <a:latin typeface="Times New Roman" panose="02020603050405020304" pitchFamily="18" charset="0"/>
+                <a:cs typeface="Times New Roman" panose="02020603050405020304" pitchFamily="18" charset="0"/>
+              </a:rPr>
               <a:t>NH</a:t>
             </a:r>
             <a:r>
-              <a:rPr lang="en-HK" sz="2400" baseline="-25000" dirty="0" smtClean="0"/>
+              <a:rPr lang="en-HK" sz="2400" baseline="-25000" dirty="0" smtClean="0">
+                <a:latin typeface="Times New Roman" panose="02020603050405020304" pitchFamily="18" charset="0"/>
+                <a:cs typeface="Times New Roman" panose="02020603050405020304" pitchFamily="18" charset="0"/>
+              </a:rPr>
               <a:t>2</a:t>
             </a:r>
             <a:r>
-              <a:rPr lang="en-HK" sz="2400" dirty="0" smtClean="0"/>
+              <a:rPr lang="en-HK" sz="2400" dirty="0" smtClean="0">
+                <a:latin typeface="Times New Roman" panose="02020603050405020304" pitchFamily="18" charset="0"/>
+                <a:cs typeface="Times New Roman" panose="02020603050405020304" pitchFamily="18" charset="0"/>
+              </a:rPr>
               <a:t> can be easily formed and hence become </a:t>
             </a:r>
             <a:r>
@@ -13659,6 +14367,8 @@
                 <a:solidFill>
                   <a:srgbClr val="0070C0"/>
                 </a:solidFill>
+                <a:latin typeface="Times New Roman" panose="02020603050405020304" pitchFamily="18" charset="0"/>
+                <a:cs typeface="Times New Roman" panose="02020603050405020304" pitchFamily="18" charset="0"/>
               </a:rPr>
               <a:t>CN</a:t>
             </a:r>
@@ -13667,11 +14377,16 @@
                 <a:solidFill>
                   <a:srgbClr val="0070C0"/>
                 </a:solidFill>
+                <a:latin typeface="Times New Roman" panose="02020603050405020304" pitchFamily="18" charset="0"/>
+                <a:cs typeface="Times New Roman" panose="02020603050405020304" pitchFamily="18" charset="0"/>
               </a:rPr>
               <a:t>-</a:t>
             </a:r>
             <a:r>
-              <a:rPr lang="en-HK" sz="2400" dirty="0" smtClean="0"/>
+              <a:rPr lang="en-HK" sz="2400" dirty="0" smtClean="0">
+                <a:latin typeface="Times New Roman" panose="02020603050405020304" pitchFamily="18" charset="0"/>
+                <a:cs typeface="Times New Roman" panose="02020603050405020304" pitchFamily="18" charset="0"/>
+              </a:rPr>
               <a:t>.</a:t>
             </a:r>
           </a:p>
@@ -13722,7 +14437,7 @@
         <p:spPr>
           <a:xfrm>
             <a:off x="4689304" y="836701"/>
-            <a:ext cx="553357" cy="369332"/>
+            <a:ext cx="582211" cy="369332"/>
           </a:xfrm>
           <a:prstGeom prst="rect">
             <a:avLst/>
@@ -13736,14 +14451,23 @@
           <a:lstStyle/>
           <a:p>
             <a:r>
-              <a:rPr lang="en-HK" dirty="0" smtClean="0"/>
+              <a:rPr lang="en-HK" dirty="0" smtClean="0">
+                <a:latin typeface="Times New Roman" panose="02020603050405020304" pitchFamily="18" charset="0"/>
+                <a:cs typeface="Times New Roman" panose="02020603050405020304" pitchFamily="18" charset="0"/>
+              </a:rPr>
               <a:t>CH</a:t>
             </a:r>
             <a:r>
-              <a:rPr lang="en-HK" baseline="-25000" dirty="0" smtClean="0"/>
+              <a:rPr lang="en-HK" baseline="-25000" dirty="0" smtClean="0">
+                <a:latin typeface="Times New Roman" panose="02020603050405020304" pitchFamily="18" charset="0"/>
+                <a:cs typeface="Times New Roman" panose="02020603050405020304" pitchFamily="18" charset="0"/>
+              </a:rPr>
               <a:t>4</a:t>
             </a:r>
-            <a:endParaRPr lang="en-US" baseline="-25000" dirty="0"/>
+            <a:endParaRPr lang="en-US" baseline="-25000" dirty="0">
+              <a:latin typeface="Times New Roman" panose="02020603050405020304" pitchFamily="18" charset="0"/>
+              <a:cs typeface="Times New Roman" panose="02020603050405020304" pitchFamily="18" charset="0"/>
+            </a:endParaRPr>
           </a:p>
         </p:txBody>
       </p:sp>
@@ -13789,7 +14513,7 @@
         <p:spPr>
           <a:xfrm>
             <a:off x="6306736" y="1152931"/>
-            <a:ext cx="562975" cy="369332"/>
+            <a:ext cx="595035" cy="369332"/>
           </a:xfrm>
           <a:prstGeom prst="rect">
             <a:avLst/>
@@ -13803,14 +14527,23 @@
           <a:lstStyle/>
           <a:p>
             <a:r>
-              <a:rPr lang="en-HK" dirty="0" smtClean="0"/>
+              <a:rPr lang="en-HK" dirty="0" smtClean="0">
+                <a:latin typeface="Times New Roman" panose="02020603050405020304" pitchFamily="18" charset="0"/>
+                <a:cs typeface="Times New Roman" panose="02020603050405020304" pitchFamily="18" charset="0"/>
+              </a:rPr>
               <a:t>NH</a:t>
             </a:r>
             <a:r>
-              <a:rPr lang="en-HK" baseline="-25000" dirty="0" smtClean="0"/>
+              <a:rPr lang="en-HK" baseline="-25000" dirty="0" smtClean="0">
+                <a:latin typeface="Times New Roman" panose="02020603050405020304" pitchFamily="18" charset="0"/>
+                <a:cs typeface="Times New Roman" panose="02020603050405020304" pitchFamily="18" charset="0"/>
+              </a:rPr>
               <a:t>3</a:t>
             </a:r>
-            <a:endParaRPr lang="en-US" baseline="-25000" dirty="0"/>
+            <a:endParaRPr lang="en-US" baseline="-25000" dirty="0">
+              <a:latin typeface="Times New Roman" panose="02020603050405020304" pitchFamily="18" charset="0"/>
+              <a:cs typeface="Times New Roman" panose="02020603050405020304" pitchFamily="18" charset="0"/>
+            </a:endParaRPr>
           </a:p>
         </p:txBody>
       </p:sp>
@@ -13856,7 +14589,7 @@
         <p:spPr>
           <a:xfrm>
             <a:off x="7682703" y="1021367"/>
-            <a:ext cx="931665" cy="369332"/>
+            <a:ext cx="992579" cy="369332"/>
           </a:xfrm>
           <a:prstGeom prst="rect">
             <a:avLst/>
@@ -13870,22 +14603,37 @@
           <a:lstStyle/>
           <a:p>
             <a:r>
-              <a:rPr lang="en-HK" dirty="0" smtClean="0"/>
+              <a:rPr lang="en-HK" dirty="0" smtClean="0">
+                <a:latin typeface="Times New Roman" panose="02020603050405020304" pitchFamily="18" charset="0"/>
+                <a:cs typeface="Times New Roman" panose="02020603050405020304" pitchFamily="18" charset="0"/>
+              </a:rPr>
               <a:t>CH</a:t>
             </a:r>
             <a:r>
-              <a:rPr lang="en-HK" baseline="-25000" dirty="0" smtClean="0"/>
+              <a:rPr lang="en-HK" baseline="-25000" dirty="0" smtClean="0">
+                <a:latin typeface="Times New Roman" panose="02020603050405020304" pitchFamily="18" charset="0"/>
+                <a:cs typeface="Times New Roman" panose="02020603050405020304" pitchFamily="18" charset="0"/>
+              </a:rPr>
               <a:t>3</a:t>
             </a:r>
             <a:r>
-              <a:rPr lang="en-HK" dirty="0" smtClean="0"/>
+              <a:rPr lang="en-HK" dirty="0" smtClean="0">
+                <a:latin typeface="Times New Roman" panose="02020603050405020304" pitchFamily="18" charset="0"/>
+                <a:cs typeface="Times New Roman" panose="02020603050405020304" pitchFamily="18" charset="0"/>
+              </a:rPr>
               <a:t>NH</a:t>
             </a:r>
             <a:r>
-              <a:rPr lang="en-HK" baseline="-25000" dirty="0" smtClean="0"/>
+              <a:rPr lang="en-HK" baseline="-25000" dirty="0" smtClean="0">
+                <a:latin typeface="Times New Roman" panose="02020603050405020304" pitchFamily="18" charset="0"/>
+                <a:cs typeface="Times New Roman" panose="02020603050405020304" pitchFamily="18" charset="0"/>
+              </a:rPr>
               <a:t>2</a:t>
             </a:r>
-            <a:endParaRPr lang="en-US" baseline="-25000" dirty="0"/>
+            <a:endParaRPr lang="en-US" baseline="-25000" dirty="0">
+              <a:latin typeface="Times New Roman" panose="02020603050405020304" pitchFamily="18" charset="0"/>
+              <a:cs typeface="Times New Roman" panose="02020603050405020304" pitchFamily="18" charset="0"/>
+            </a:endParaRPr>
           </a:p>
         </p:txBody>
       </p:sp>
@@ -14235,22 +14983,37 @@
           <a:lstStyle/>
           <a:p>
             <a:r>
-              <a:rPr lang="en-HK" dirty="0"/>
+              <a:rPr lang="en-HK" dirty="0">
+                <a:latin typeface="Times New Roman" panose="02020603050405020304" pitchFamily="18" charset="0"/>
+                <a:cs typeface="Times New Roman" panose="02020603050405020304" pitchFamily="18" charset="0"/>
+              </a:rPr>
               <a:t>2. The </a:t>
             </a:r>
             <a:r>
-              <a:rPr lang="en-HK" dirty="0" smtClean="0"/>
+              <a:rPr lang="en-HK" dirty="0" smtClean="0">
+                <a:latin typeface="Times New Roman" panose="02020603050405020304" pitchFamily="18" charset="0"/>
+                <a:cs typeface="Times New Roman" panose="02020603050405020304" pitchFamily="18" charset="0"/>
+              </a:rPr>
               <a:t>scenario for CH</a:t>
             </a:r>
             <a:r>
-              <a:rPr lang="en-HK" baseline="-25000" dirty="0" smtClean="0"/>
+              <a:rPr lang="en-HK" baseline="-25000" dirty="0" smtClean="0">
+                <a:latin typeface="Times New Roman" panose="02020603050405020304" pitchFamily="18" charset="0"/>
+                <a:cs typeface="Times New Roman" panose="02020603050405020304" pitchFamily="18" charset="0"/>
+              </a:rPr>
               <a:t>4</a:t>
             </a:r>
             <a:r>
-              <a:rPr lang="en-HK" dirty="0" smtClean="0"/>
+              <a:rPr lang="en-HK" dirty="0" smtClean="0">
+                <a:latin typeface="Times New Roman" panose="02020603050405020304" pitchFamily="18" charset="0"/>
+                <a:cs typeface="Times New Roman" panose="02020603050405020304" pitchFamily="18" charset="0"/>
+              </a:rPr>
               <a:t> dominating ice mixtures</a:t>
             </a:r>
-            <a:endParaRPr lang="en-US" dirty="0"/>
+            <a:endParaRPr lang="en-US" dirty="0">
+              <a:latin typeface="Times New Roman" panose="02020603050405020304" pitchFamily="18" charset="0"/>
+              <a:cs typeface="Times New Roman" panose="02020603050405020304" pitchFamily="18" charset="0"/>
+            </a:endParaRPr>
           </a:p>
         </p:txBody>
       </p:sp>
@@ -14329,26 +15092,44 @@
           <a:lstStyle/>
           <a:p>
             <a:r>
-              <a:rPr lang="en-HK" dirty="0" smtClean="0"/>
+              <a:rPr lang="en-HK" dirty="0" smtClean="0">
+                <a:latin typeface="Times New Roman" panose="02020603050405020304" pitchFamily="18" charset="0"/>
+                <a:cs typeface="Times New Roman" panose="02020603050405020304" pitchFamily="18" charset="0"/>
+              </a:rPr>
               <a:t> A diagram of CH</a:t>
             </a:r>
             <a:r>
-              <a:rPr lang="en-HK" baseline="-25000" dirty="0" smtClean="0"/>
+              <a:rPr lang="en-HK" baseline="-25000" dirty="0" smtClean="0">
+                <a:latin typeface="Times New Roman" panose="02020603050405020304" pitchFamily="18" charset="0"/>
+                <a:cs typeface="Times New Roman" panose="02020603050405020304" pitchFamily="18" charset="0"/>
+              </a:rPr>
               <a:t>4</a:t>
             </a:r>
             <a:r>
-              <a:rPr lang="en-HK" dirty="0" smtClean="0"/>
+              <a:rPr lang="en-HK" dirty="0" smtClean="0">
+                <a:latin typeface="Times New Roman" panose="02020603050405020304" pitchFamily="18" charset="0"/>
+                <a:cs typeface="Times New Roman" panose="02020603050405020304" pitchFamily="18" charset="0"/>
+              </a:rPr>
               <a:t>+NH</a:t>
             </a:r>
             <a:r>
-              <a:rPr lang="en-HK" baseline="-25000" dirty="0" smtClean="0"/>
+              <a:rPr lang="en-HK" baseline="-25000" dirty="0" smtClean="0">
+                <a:latin typeface="Times New Roman" panose="02020603050405020304" pitchFamily="18" charset="0"/>
+                <a:cs typeface="Times New Roman" panose="02020603050405020304" pitchFamily="18" charset="0"/>
+              </a:rPr>
               <a:t>3</a:t>
             </a:r>
             <a:r>
-              <a:rPr lang="en-HK" dirty="0" smtClean="0"/>
+              <a:rPr lang="en-HK" dirty="0" smtClean="0">
+                <a:latin typeface="Times New Roman" panose="02020603050405020304" pitchFamily="18" charset="0"/>
+                <a:cs typeface="Times New Roman" panose="02020603050405020304" pitchFamily="18" charset="0"/>
+              </a:rPr>
               <a:t> = 3:2</a:t>
             </a:r>
-            <a:endParaRPr lang="en-US" dirty="0"/>
+            <a:endParaRPr lang="en-US" dirty="0">
+              <a:latin typeface="Times New Roman" panose="02020603050405020304" pitchFamily="18" charset="0"/>
+              <a:cs typeface="Times New Roman" panose="02020603050405020304" pitchFamily="18" charset="0"/>
+            </a:endParaRPr>
           </a:p>
         </p:txBody>
       </p:sp>
@@ -14361,7 +15142,7 @@
         <p:spPr>
           <a:xfrm>
             <a:off x="948264" y="1769413"/>
-            <a:ext cx="2934072" cy="3170099"/>
+            <a:ext cx="2934072" cy="2862322"/>
           </a:xfrm>
           <a:prstGeom prst="rect">
             <a:avLst/>
@@ -14374,47 +15155,80 @@
           <a:lstStyle/>
           <a:p>
             <a:r>
-              <a:rPr lang="en-HK" sz="2000" dirty="0" smtClean="0"/>
+              <a:rPr lang="en-HK" sz="2000" dirty="0" smtClean="0">
+                <a:latin typeface="Times New Roman" panose="02020603050405020304" pitchFamily="18" charset="0"/>
+                <a:cs typeface="Times New Roman" panose="02020603050405020304" pitchFamily="18" charset="0"/>
+              </a:rPr>
               <a:t>CH</a:t>
             </a:r>
             <a:r>
-              <a:rPr lang="en-HK" sz="2000" baseline="-25000" dirty="0" smtClean="0"/>
+              <a:rPr lang="en-HK" sz="2000" baseline="-25000" dirty="0" smtClean="0">
+                <a:latin typeface="Times New Roman" panose="02020603050405020304" pitchFamily="18" charset="0"/>
+                <a:cs typeface="Times New Roman" panose="02020603050405020304" pitchFamily="18" charset="0"/>
+              </a:rPr>
               <a:t>3</a:t>
             </a:r>
             <a:r>
-              <a:rPr lang="en-HK" sz="2000" dirty="0" smtClean="0"/>
+              <a:rPr lang="en-HK" sz="2000" dirty="0" smtClean="0">
+                <a:latin typeface="Times New Roman" panose="02020603050405020304" pitchFamily="18" charset="0"/>
+                <a:cs typeface="Times New Roman" panose="02020603050405020304" pitchFamily="18" charset="0"/>
+              </a:rPr>
               <a:t>NH</a:t>
             </a:r>
             <a:r>
-              <a:rPr lang="en-HK" sz="2000" baseline="-25000" dirty="0"/>
+              <a:rPr lang="en-HK" sz="2000" baseline="-25000" dirty="0">
+                <a:latin typeface="Times New Roman" panose="02020603050405020304" pitchFamily="18" charset="0"/>
+                <a:cs typeface="Times New Roman" panose="02020603050405020304" pitchFamily="18" charset="0"/>
+              </a:rPr>
               <a:t>2</a:t>
             </a:r>
             <a:r>
-              <a:rPr lang="en-HK" sz="2000" dirty="0" smtClean="0"/>
+              <a:rPr lang="en-HK" sz="2000" dirty="0" smtClean="0">
+                <a:latin typeface="Times New Roman" panose="02020603050405020304" pitchFamily="18" charset="0"/>
+                <a:cs typeface="Times New Roman" panose="02020603050405020304" pitchFamily="18" charset="0"/>
+              </a:rPr>
               <a:t> (formed by CH</a:t>
             </a:r>
             <a:r>
-              <a:rPr lang="en-HK" sz="2000" baseline="-25000" dirty="0" smtClean="0"/>
+              <a:rPr lang="en-HK" sz="2000" baseline="-25000" dirty="0" smtClean="0">
+                <a:latin typeface="Times New Roman" panose="02020603050405020304" pitchFamily="18" charset="0"/>
+                <a:cs typeface="Times New Roman" panose="02020603050405020304" pitchFamily="18" charset="0"/>
+              </a:rPr>
               <a:t>3 </a:t>
             </a:r>
             <a:r>
-              <a:rPr lang="en-HK" sz="2000" dirty="0" smtClean="0"/>
+              <a:rPr lang="en-HK" sz="2000" dirty="0" smtClean="0">
+                <a:latin typeface="Times New Roman" panose="02020603050405020304" pitchFamily="18" charset="0"/>
+                <a:cs typeface="Times New Roman" panose="02020603050405020304" pitchFamily="18" charset="0"/>
+              </a:rPr>
               <a:t>+</a:t>
             </a:r>
             <a:r>
-              <a:rPr lang="en-HK" sz="2000" baseline="-25000" dirty="0" smtClean="0"/>
+              <a:rPr lang="en-HK" sz="2000" baseline="-25000" dirty="0" smtClean="0">
+                <a:latin typeface="Times New Roman" panose="02020603050405020304" pitchFamily="18" charset="0"/>
+                <a:cs typeface="Times New Roman" panose="02020603050405020304" pitchFamily="18" charset="0"/>
+              </a:rPr>
               <a:t> </a:t>
             </a:r>
             <a:r>
-              <a:rPr lang="en-HK" sz="2000" dirty="0" smtClean="0"/>
+              <a:rPr lang="en-HK" sz="2000" dirty="0" smtClean="0">
+                <a:latin typeface="Times New Roman" panose="02020603050405020304" pitchFamily="18" charset="0"/>
+                <a:cs typeface="Times New Roman" panose="02020603050405020304" pitchFamily="18" charset="0"/>
+              </a:rPr>
               <a:t>NH</a:t>
             </a:r>
             <a:r>
-              <a:rPr lang="en-HK" sz="2000" baseline="-25000" dirty="0" smtClean="0"/>
+              <a:rPr lang="en-HK" sz="2000" baseline="-25000" dirty="0" smtClean="0">
+                <a:latin typeface="Times New Roman" panose="02020603050405020304" pitchFamily="18" charset="0"/>
+                <a:cs typeface="Times New Roman" panose="02020603050405020304" pitchFamily="18" charset="0"/>
+              </a:rPr>
               <a:t>2</a:t>
             </a:r>
             <a:r>
-              <a:rPr lang="en-HK" sz="2000" dirty="0"/>
+              <a:rPr lang="en-HK" sz="2000" dirty="0">
+                <a:latin typeface="Times New Roman" panose="02020603050405020304" pitchFamily="18" charset="0"/>
+                <a:cs typeface="Times New Roman" panose="02020603050405020304" pitchFamily="18" charset="0"/>
+              </a:rPr>
               <a:t>) has a competing relationship with </a:t>
             </a:r>
             <a:r>
@@ -14422,6 +15236,8 @@
                 <a:solidFill>
                   <a:srgbClr val="0070C0"/>
                 </a:solidFill>
+                <a:latin typeface="Times New Roman" panose="02020603050405020304" pitchFamily="18" charset="0"/>
+                <a:cs typeface="Times New Roman" panose="02020603050405020304" pitchFamily="18" charset="0"/>
               </a:rPr>
               <a:t>C</a:t>
             </a:r>
@@ -14430,6 +15246,8 @@
                 <a:solidFill>
                   <a:srgbClr val="0070C0"/>
                 </a:solidFill>
+                <a:latin typeface="Times New Roman" panose="02020603050405020304" pitchFamily="18" charset="0"/>
+                <a:cs typeface="Times New Roman" panose="02020603050405020304" pitchFamily="18" charset="0"/>
               </a:rPr>
               <a:t>2</a:t>
             </a:r>
@@ -14438,6 +15256,8 @@
                 <a:solidFill>
                   <a:srgbClr val="0070C0"/>
                 </a:solidFill>
+                <a:latin typeface="Times New Roman" panose="02020603050405020304" pitchFamily="18" charset="0"/>
+                <a:cs typeface="Times New Roman" panose="02020603050405020304" pitchFamily="18" charset="0"/>
               </a:rPr>
               <a:t>H</a:t>
             </a:r>
@@ -14446,100 +15266,171 @@
                 <a:solidFill>
                   <a:srgbClr val="0070C0"/>
                 </a:solidFill>
+                <a:latin typeface="Times New Roman" panose="02020603050405020304" pitchFamily="18" charset="0"/>
+                <a:cs typeface="Times New Roman" panose="02020603050405020304" pitchFamily="18" charset="0"/>
               </a:rPr>
               <a:t>6</a:t>
             </a:r>
             <a:r>
-              <a:rPr lang="en-HK" sz="2000" dirty="0" smtClean="0"/>
+              <a:rPr lang="en-HK" sz="2000" dirty="0" smtClean="0">
+                <a:latin typeface="Times New Roman" panose="02020603050405020304" pitchFamily="18" charset="0"/>
+                <a:cs typeface="Times New Roman" panose="02020603050405020304" pitchFamily="18" charset="0"/>
+              </a:rPr>
               <a:t> (formed by 2 CH</a:t>
             </a:r>
             <a:r>
-              <a:rPr lang="en-HK" sz="2000" baseline="-25000" dirty="0" smtClean="0"/>
+              <a:rPr lang="en-HK" sz="2000" baseline="-25000" dirty="0" smtClean="0">
+                <a:latin typeface="Times New Roman" panose="02020603050405020304" pitchFamily="18" charset="0"/>
+                <a:cs typeface="Times New Roman" panose="02020603050405020304" pitchFamily="18" charset="0"/>
+              </a:rPr>
               <a:t>3</a:t>
             </a:r>
             <a:r>
-              <a:rPr lang="en-HK" sz="2000" dirty="0" smtClean="0"/>
+              <a:rPr lang="en-HK" sz="2000" dirty="0" smtClean="0">
+                <a:latin typeface="Times New Roman" panose="02020603050405020304" pitchFamily="18" charset="0"/>
+                <a:cs typeface="Times New Roman" panose="02020603050405020304" pitchFamily="18" charset="0"/>
+              </a:rPr>
               <a:t>) and C</a:t>
             </a:r>
             <a:r>
-              <a:rPr lang="en-HK" sz="2000" baseline="-25000" dirty="0" smtClean="0"/>
+              <a:rPr lang="en-HK" sz="2000" baseline="-25000" dirty="0" smtClean="0">
+                <a:latin typeface="Times New Roman" panose="02020603050405020304" pitchFamily="18" charset="0"/>
+                <a:cs typeface="Times New Roman" panose="02020603050405020304" pitchFamily="18" charset="0"/>
+              </a:rPr>
               <a:t>3</a:t>
             </a:r>
             <a:r>
-              <a:rPr lang="en-HK" sz="2000" dirty="0" smtClean="0"/>
+              <a:rPr lang="en-HK" sz="2000" dirty="0" smtClean="0">
+                <a:latin typeface="Times New Roman" panose="02020603050405020304" pitchFamily="18" charset="0"/>
+                <a:cs typeface="Times New Roman" panose="02020603050405020304" pitchFamily="18" charset="0"/>
+              </a:rPr>
               <a:t>H</a:t>
             </a:r>
             <a:r>
-              <a:rPr lang="en-HK" sz="2000" baseline="-25000" dirty="0" smtClean="0"/>
+              <a:rPr lang="en-HK" sz="2000" baseline="-25000" dirty="0" smtClean="0">
+                <a:latin typeface="Times New Roman" panose="02020603050405020304" pitchFamily="18" charset="0"/>
+                <a:cs typeface="Times New Roman" panose="02020603050405020304" pitchFamily="18" charset="0"/>
+              </a:rPr>
               <a:t>8</a:t>
             </a:r>
             <a:r>
-              <a:rPr lang="en-HK" sz="2000" dirty="0"/>
+              <a:rPr lang="en-HK" sz="2000" dirty="0">
+                <a:latin typeface="Times New Roman" panose="02020603050405020304" pitchFamily="18" charset="0"/>
+                <a:cs typeface="Times New Roman" panose="02020603050405020304" pitchFamily="18" charset="0"/>
+              </a:rPr>
               <a:t> (formed by </a:t>
             </a:r>
             <a:r>
-              <a:rPr lang="en-HK" sz="2000" dirty="0" smtClean="0"/>
+              <a:rPr lang="en-HK" sz="2000" dirty="0" smtClean="0">
+                <a:latin typeface="Times New Roman" panose="02020603050405020304" pitchFamily="18" charset="0"/>
+                <a:cs typeface="Times New Roman" panose="02020603050405020304" pitchFamily="18" charset="0"/>
+              </a:rPr>
               <a:t>CH</a:t>
             </a:r>
             <a:r>
-              <a:rPr lang="en-HK" sz="2000" baseline="-25000" dirty="0" smtClean="0"/>
+              <a:rPr lang="en-HK" sz="2000" baseline="-25000" dirty="0" smtClean="0">
+                <a:latin typeface="Times New Roman" panose="02020603050405020304" pitchFamily="18" charset="0"/>
+                <a:cs typeface="Times New Roman" panose="02020603050405020304" pitchFamily="18" charset="0"/>
+              </a:rPr>
               <a:t>2</a:t>
             </a:r>
             <a:r>
-              <a:rPr lang="en-HK" sz="2000" dirty="0" smtClean="0"/>
+              <a:rPr lang="en-HK" sz="2000" dirty="0" smtClean="0">
+                <a:latin typeface="Times New Roman" panose="02020603050405020304" pitchFamily="18" charset="0"/>
+                <a:cs typeface="Times New Roman" panose="02020603050405020304" pitchFamily="18" charset="0"/>
+              </a:rPr>
               <a:t> + </a:t>
             </a:r>
             <a:r>
-              <a:rPr lang="en-HK" sz="2000" dirty="0"/>
+              <a:rPr lang="en-HK" sz="2000" dirty="0">
+                <a:latin typeface="Times New Roman" panose="02020603050405020304" pitchFamily="18" charset="0"/>
+                <a:cs typeface="Times New Roman" panose="02020603050405020304" pitchFamily="18" charset="0"/>
+              </a:rPr>
               <a:t>C</a:t>
             </a:r>
             <a:r>
-              <a:rPr lang="en-HK" sz="2000" baseline="-25000" dirty="0"/>
+              <a:rPr lang="en-HK" sz="2000" baseline="-25000" dirty="0">
+                <a:latin typeface="Times New Roman" panose="02020603050405020304" pitchFamily="18" charset="0"/>
+                <a:cs typeface="Times New Roman" panose="02020603050405020304" pitchFamily="18" charset="0"/>
+              </a:rPr>
               <a:t>2</a:t>
             </a:r>
             <a:r>
-              <a:rPr lang="en-HK" sz="2000" dirty="0"/>
+              <a:rPr lang="en-HK" sz="2000" dirty="0">
+                <a:latin typeface="Times New Roman" panose="02020603050405020304" pitchFamily="18" charset="0"/>
+                <a:cs typeface="Times New Roman" panose="02020603050405020304" pitchFamily="18" charset="0"/>
+              </a:rPr>
               <a:t>H</a:t>
             </a:r>
             <a:r>
-              <a:rPr lang="en-HK" sz="2000" baseline="-25000" dirty="0"/>
+              <a:rPr lang="en-HK" sz="2000" baseline="-25000" dirty="0">
+                <a:latin typeface="Times New Roman" panose="02020603050405020304" pitchFamily="18" charset="0"/>
+                <a:cs typeface="Times New Roman" panose="02020603050405020304" pitchFamily="18" charset="0"/>
+              </a:rPr>
               <a:t>6 </a:t>
             </a:r>
             <a:r>
-              <a:rPr lang="en-HK" sz="2000" dirty="0" smtClean="0"/>
+              <a:rPr lang="en-HK" sz="2000" dirty="0" smtClean="0">
+                <a:latin typeface="Times New Roman" panose="02020603050405020304" pitchFamily="18" charset="0"/>
+                <a:cs typeface="Times New Roman" panose="02020603050405020304" pitchFamily="18" charset="0"/>
+              </a:rPr>
               <a:t>or C</a:t>
             </a:r>
             <a:r>
-              <a:rPr lang="en-HK" sz="2000" baseline="-25000" dirty="0" smtClean="0"/>
+              <a:rPr lang="en-HK" sz="2000" baseline="-25000" dirty="0" smtClean="0">
+                <a:latin typeface="Times New Roman" panose="02020603050405020304" pitchFamily="18" charset="0"/>
+                <a:cs typeface="Times New Roman" panose="02020603050405020304" pitchFamily="18" charset="0"/>
+              </a:rPr>
               <a:t>2</a:t>
             </a:r>
             <a:r>
-              <a:rPr lang="en-HK" sz="2000" dirty="0" smtClean="0"/>
+              <a:rPr lang="en-HK" sz="2000" dirty="0" smtClean="0">
+                <a:latin typeface="Times New Roman" panose="02020603050405020304" pitchFamily="18" charset="0"/>
+                <a:cs typeface="Times New Roman" panose="02020603050405020304" pitchFamily="18" charset="0"/>
+              </a:rPr>
               <a:t>H</a:t>
             </a:r>
             <a:r>
-              <a:rPr lang="en-HK" sz="2000" baseline="-25000" dirty="0" smtClean="0"/>
+              <a:rPr lang="en-HK" sz="2000" baseline="-25000" dirty="0" smtClean="0">
+                <a:latin typeface="Times New Roman" panose="02020603050405020304" pitchFamily="18" charset="0"/>
+                <a:cs typeface="Times New Roman" panose="02020603050405020304" pitchFamily="18" charset="0"/>
+              </a:rPr>
               <a:t>4</a:t>
             </a:r>
             <a:r>
-              <a:rPr lang="en-HK" sz="2000" dirty="0"/>
+              <a:rPr lang="en-HK" sz="2000" dirty="0">
+                <a:latin typeface="Times New Roman" panose="02020603050405020304" pitchFamily="18" charset="0"/>
+                <a:cs typeface="Times New Roman" panose="02020603050405020304" pitchFamily="18" charset="0"/>
+              </a:rPr>
               <a:t> </a:t>
             </a:r>
             <a:r>
-              <a:rPr lang="en-HK" sz="2000" dirty="0" smtClean="0"/>
+              <a:rPr lang="en-HK" sz="2000" dirty="0" smtClean="0">
+                <a:latin typeface="Times New Roman" panose="02020603050405020304" pitchFamily="18" charset="0"/>
+                <a:cs typeface="Times New Roman" panose="02020603050405020304" pitchFamily="18" charset="0"/>
+              </a:rPr>
               <a:t>+ CH</a:t>
             </a:r>
             <a:r>
-              <a:rPr lang="en-HK" sz="2000" baseline="-25000" dirty="0" smtClean="0"/>
+              <a:rPr lang="en-HK" sz="2000" baseline="-25000" dirty="0" smtClean="0">
+                <a:latin typeface="Times New Roman" panose="02020603050405020304" pitchFamily="18" charset="0"/>
+                <a:cs typeface="Times New Roman" panose="02020603050405020304" pitchFamily="18" charset="0"/>
+              </a:rPr>
               <a:t>4</a:t>
             </a:r>
             <a:r>
-              <a:rPr lang="en-HK" sz="2000" dirty="0" smtClean="0"/>
+              <a:rPr lang="en-HK" sz="2000" dirty="0" smtClean="0">
+                <a:latin typeface="Times New Roman" panose="02020603050405020304" pitchFamily="18" charset="0"/>
+                <a:cs typeface="Times New Roman" panose="02020603050405020304" pitchFamily="18" charset="0"/>
+              </a:rPr>
               <a:t>)</a:t>
             </a:r>
           </a:p>
           <a:p>
-            <a:endParaRPr lang="en-HK" sz="2000" dirty="0"/>
+            <a:endParaRPr lang="en-HK" sz="2000" dirty="0">
+              <a:latin typeface="Times New Roman" panose="02020603050405020304" pitchFamily="18" charset="0"/>
+              <a:cs typeface="Times New Roman" panose="02020603050405020304" pitchFamily="18" charset="0"/>
+            </a:endParaRPr>
           </a:p>
           <a:p>
             <a:r>
@@ -14547,6 +15438,8 @@
                 <a:solidFill>
                   <a:srgbClr val="0070C0"/>
                 </a:solidFill>
+                <a:latin typeface="Times New Roman" panose="02020603050405020304" pitchFamily="18" charset="0"/>
+                <a:cs typeface="Times New Roman" panose="02020603050405020304" pitchFamily="18" charset="0"/>
               </a:rPr>
               <a:t>C</a:t>
             </a:r>
@@ -14555,6 +15448,8 @@
                 <a:solidFill>
                   <a:srgbClr val="0070C0"/>
                 </a:solidFill>
+                <a:latin typeface="Times New Roman" panose="02020603050405020304" pitchFamily="18" charset="0"/>
+                <a:cs typeface="Times New Roman" panose="02020603050405020304" pitchFamily="18" charset="0"/>
               </a:rPr>
               <a:t>2</a:t>
             </a:r>
@@ -14563,6 +15458,8 @@
                 <a:solidFill>
                   <a:srgbClr val="0070C0"/>
                 </a:solidFill>
+                <a:latin typeface="Times New Roman" panose="02020603050405020304" pitchFamily="18" charset="0"/>
+                <a:cs typeface="Times New Roman" panose="02020603050405020304" pitchFamily="18" charset="0"/>
               </a:rPr>
               <a:t>H</a:t>
             </a:r>
@@ -14571,19 +15468,30 @@
                 <a:solidFill>
                   <a:srgbClr val="0070C0"/>
                 </a:solidFill>
+                <a:latin typeface="Times New Roman" panose="02020603050405020304" pitchFamily="18" charset="0"/>
+                <a:cs typeface="Times New Roman" panose="02020603050405020304" pitchFamily="18" charset="0"/>
               </a:rPr>
               <a:t>6</a:t>
             </a:r>
             <a:r>
-              <a:rPr lang="en-HK" sz="2000" dirty="0" smtClean="0"/>
+              <a:rPr lang="en-HK" sz="2000" dirty="0" smtClean="0">
+                <a:latin typeface="Times New Roman" panose="02020603050405020304" pitchFamily="18" charset="0"/>
+                <a:cs typeface="Times New Roman" panose="02020603050405020304" pitchFamily="18" charset="0"/>
+              </a:rPr>
               <a:t> can form easier than NH</a:t>
             </a:r>
             <a:r>
-              <a:rPr lang="en-HK" sz="2000" baseline="-25000" dirty="0" smtClean="0"/>
+              <a:rPr lang="en-HK" sz="2000" baseline="-25000" dirty="0" smtClean="0">
+                <a:latin typeface="Times New Roman" panose="02020603050405020304" pitchFamily="18" charset="0"/>
+                <a:cs typeface="Times New Roman" panose="02020603050405020304" pitchFamily="18" charset="0"/>
+              </a:rPr>
               <a:t>3</a:t>
             </a:r>
             <a:r>
-              <a:rPr lang="en-HK" sz="2000" dirty="0" smtClean="0"/>
+              <a:rPr lang="en-HK" sz="2000" dirty="0" smtClean="0">
+                <a:latin typeface="Times New Roman" panose="02020603050405020304" pitchFamily="18" charset="0"/>
+                <a:cs typeface="Times New Roman" panose="02020603050405020304" pitchFamily="18" charset="0"/>
+              </a:rPr>
               <a:t> dominating case</a:t>
             </a:r>
           </a:p>
@@ -14631,7 +15539,7 @@
         <p:spPr>
           <a:xfrm>
             <a:off x="4689304" y="836701"/>
-            <a:ext cx="553357" cy="369332"/>
+            <a:ext cx="582211" cy="369332"/>
           </a:xfrm>
           <a:prstGeom prst="rect">
             <a:avLst/>
@@ -14645,14 +15553,23 @@
           <a:lstStyle/>
           <a:p>
             <a:r>
-              <a:rPr lang="en-HK" dirty="0" smtClean="0"/>
+              <a:rPr lang="en-HK" dirty="0" smtClean="0">
+                <a:latin typeface="Times New Roman" panose="02020603050405020304" pitchFamily="18" charset="0"/>
+                <a:cs typeface="Times New Roman" panose="02020603050405020304" pitchFamily="18" charset="0"/>
+              </a:rPr>
               <a:t>CH</a:t>
             </a:r>
             <a:r>
-              <a:rPr lang="en-HK" baseline="-25000" dirty="0" smtClean="0"/>
+              <a:rPr lang="en-HK" baseline="-25000" dirty="0" smtClean="0">
+                <a:latin typeface="Times New Roman" panose="02020603050405020304" pitchFamily="18" charset="0"/>
+                <a:cs typeface="Times New Roman" panose="02020603050405020304" pitchFamily="18" charset="0"/>
+              </a:rPr>
               <a:t>4</a:t>
             </a:r>
-            <a:endParaRPr lang="en-US" baseline="-25000" dirty="0"/>
+            <a:endParaRPr lang="en-US" baseline="-25000" dirty="0">
+              <a:latin typeface="Times New Roman" panose="02020603050405020304" pitchFamily="18" charset="0"/>
+              <a:cs typeface="Times New Roman" panose="02020603050405020304" pitchFamily="18" charset="0"/>
+            </a:endParaRPr>
           </a:p>
         </p:txBody>
       </p:sp>
@@ -14698,7 +15615,7 @@
         <p:spPr>
           <a:xfrm>
             <a:off x="6306736" y="1152931"/>
-            <a:ext cx="562975" cy="369332"/>
+            <a:ext cx="595035" cy="369332"/>
           </a:xfrm>
           <a:prstGeom prst="rect">
             <a:avLst/>
@@ -14712,14 +15629,23 @@
           <a:lstStyle/>
           <a:p>
             <a:r>
-              <a:rPr lang="en-HK" dirty="0" smtClean="0"/>
+              <a:rPr lang="en-HK" dirty="0" smtClean="0">
+                <a:latin typeface="Times New Roman" panose="02020603050405020304" pitchFamily="18" charset="0"/>
+                <a:cs typeface="Times New Roman" panose="02020603050405020304" pitchFamily="18" charset="0"/>
+              </a:rPr>
               <a:t>NH</a:t>
             </a:r>
             <a:r>
-              <a:rPr lang="en-HK" baseline="-25000" dirty="0" smtClean="0"/>
+              <a:rPr lang="en-HK" baseline="-25000" dirty="0" smtClean="0">
+                <a:latin typeface="Times New Roman" panose="02020603050405020304" pitchFamily="18" charset="0"/>
+                <a:cs typeface="Times New Roman" panose="02020603050405020304" pitchFamily="18" charset="0"/>
+              </a:rPr>
               <a:t>3</a:t>
             </a:r>
-            <a:endParaRPr lang="en-US" baseline="-25000" dirty="0"/>
+            <a:endParaRPr lang="en-US" baseline="-25000" dirty="0">
+              <a:latin typeface="Times New Roman" panose="02020603050405020304" pitchFamily="18" charset="0"/>
+              <a:cs typeface="Times New Roman" panose="02020603050405020304" pitchFamily="18" charset="0"/>
+            </a:endParaRPr>
           </a:p>
         </p:txBody>
       </p:sp>
@@ -14765,7 +15691,7 @@
         <p:spPr>
           <a:xfrm>
             <a:off x="7682703" y="1021367"/>
-            <a:ext cx="633507" cy="369332"/>
+            <a:ext cx="659155" cy="369332"/>
           </a:xfrm>
           <a:prstGeom prst="rect">
             <a:avLst/>
@@ -14779,22 +15705,37 @@
           <a:lstStyle/>
           <a:p>
             <a:r>
-              <a:rPr lang="en-HK" dirty="0" smtClean="0"/>
+              <a:rPr lang="en-HK" dirty="0" smtClean="0">
+                <a:latin typeface="Times New Roman" panose="02020603050405020304" pitchFamily="18" charset="0"/>
+                <a:cs typeface="Times New Roman" panose="02020603050405020304" pitchFamily="18" charset="0"/>
+              </a:rPr>
               <a:t>C</a:t>
             </a:r>
             <a:r>
-              <a:rPr lang="en-HK" baseline="-25000" dirty="0" smtClean="0"/>
+              <a:rPr lang="en-HK" baseline="-25000" dirty="0" smtClean="0">
+                <a:latin typeface="Times New Roman" panose="02020603050405020304" pitchFamily="18" charset="0"/>
+                <a:cs typeface="Times New Roman" panose="02020603050405020304" pitchFamily="18" charset="0"/>
+              </a:rPr>
               <a:t>3</a:t>
             </a:r>
             <a:r>
-              <a:rPr lang="en-HK" dirty="0" smtClean="0"/>
+              <a:rPr lang="en-HK" dirty="0" smtClean="0">
+                <a:latin typeface="Times New Roman" panose="02020603050405020304" pitchFamily="18" charset="0"/>
+                <a:cs typeface="Times New Roman" panose="02020603050405020304" pitchFamily="18" charset="0"/>
+              </a:rPr>
               <a:t>H</a:t>
             </a:r>
             <a:r>
-              <a:rPr lang="en-HK" baseline="-25000" dirty="0"/>
+              <a:rPr lang="en-HK" baseline="-25000" dirty="0">
+                <a:latin typeface="Times New Roman" panose="02020603050405020304" pitchFamily="18" charset="0"/>
+                <a:cs typeface="Times New Roman" panose="02020603050405020304" pitchFamily="18" charset="0"/>
+              </a:rPr>
               <a:t>8</a:t>
             </a:r>
-            <a:endParaRPr lang="en-US" baseline="-25000" dirty="0"/>
+            <a:endParaRPr lang="en-US" baseline="-25000" dirty="0">
+              <a:latin typeface="Times New Roman" panose="02020603050405020304" pitchFamily="18" charset="0"/>
+              <a:cs typeface="Times New Roman" panose="02020603050405020304" pitchFamily="18" charset="0"/>
+            </a:endParaRPr>
           </a:p>
         </p:txBody>
       </p:sp>
@@ -14807,7 +15748,7 @@
         <p:spPr>
           <a:xfrm>
             <a:off x="6164093" y="3829826"/>
-            <a:ext cx="633507" cy="369332"/>
+            <a:ext cx="659155" cy="369332"/>
           </a:xfrm>
           <a:prstGeom prst="rect">
             <a:avLst/>
@@ -14821,22 +15762,37 @@
           <a:lstStyle/>
           <a:p>
             <a:r>
-              <a:rPr lang="en-HK" dirty="0" smtClean="0"/>
+              <a:rPr lang="en-HK" dirty="0" smtClean="0">
+                <a:latin typeface="Times New Roman" panose="02020603050405020304" pitchFamily="18" charset="0"/>
+                <a:cs typeface="Times New Roman" panose="02020603050405020304" pitchFamily="18" charset="0"/>
+              </a:rPr>
               <a:t>C</a:t>
             </a:r>
             <a:r>
-              <a:rPr lang="en-HK" baseline="-25000" dirty="0" smtClean="0"/>
+              <a:rPr lang="en-HK" baseline="-25000" dirty="0" smtClean="0">
+                <a:latin typeface="Times New Roman" panose="02020603050405020304" pitchFamily="18" charset="0"/>
+                <a:cs typeface="Times New Roman" panose="02020603050405020304" pitchFamily="18" charset="0"/>
+              </a:rPr>
               <a:t>2</a:t>
             </a:r>
             <a:r>
-              <a:rPr lang="en-HK" dirty="0" smtClean="0"/>
+              <a:rPr lang="en-HK" dirty="0" smtClean="0">
+                <a:latin typeface="Times New Roman" panose="02020603050405020304" pitchFamily="18" charset="0"/>
+                <a:cs typeface="Times New Roman" panose="02020603050405020304" pitchFamily="18" charset="0"/>
+              </a:rPr>
               <a:t>H</a:t>
             </a:r>
             <a:r>
-              <a:rPr lang="en-HK" baseline="-25000" dirty="0"/>
+              <a:rPr lang="en-HK" baseline="-25000" dirty="0">
+                <a:latin typeface="Times New Roman" panose="02020603050405020304" pitchFamily="18" charset="0"/>
+                <a:cs typeface="Times New Roman" panose="02020603050405020304" pitchFamily="18" charset="0"/>
+              </a:rPr>
               <a:t>6</a:t>
             </a:r>
-            <a:endParaRPr lang="en-US" baseline="-25000" dirty="0"/>
+            <a:endParaRPr lang="en-US" baseline="-25000" dirty="0">
+              <a:latin typeface="Times New Roman" panose="02020603050405020304" pitchFamily="18" charset="0"/>
+              <a:cs typeface="Times New Roman" panose="02020603050405020304" pitchFamily="18" charset="0"/>
+            </a:endParaRPr>
           </a:p>
         </p:txBody>
       </p:sp>
@@ -14882,7 +15838,7 @@
         <p:spPr>
           <a:xfrm>
             <a:off x="6164093" y="3150354"/>
-            <a:ext cx="931665" cy="369332"/>
+            <a:ext cx="992579" cy="369332"/>
           </a:xfrm>
           <a:prstGeom prst="rect">
             <a:avLst/>
@@ -14896,22 +15852,37 @@
           <a:lstStyle/>
           <a:p>
             <a:r>
-              <a:rPr lang="en-HK" dirty="0" smtClean="0"/>
+              <a:rPr lang="en-HK" dirty="0" smtClean="0">
+                <a:latin typeface="Times New Roman" panose="02020603050405020304" pitchFamily="18" charset="0"/>
+                <a:cs typeface="Times New Roman" panose="02020603050405020304" pitchFamily="18" charset="0"/>
+              </a:rPr>
               <a:t>CH</a:t>
             </a:r>
             <a:r>
-              <a:rPr lang="en-HK" baseline="-25000" dirty="0" smtClean="0"/>
+              <a:rPr lang="en-HK" baseline="-25000" dirty="0" smtClean="0">
+                <a:latin typeface="Times New Roman" panose="02020603050405020304" pitchFamily="18" charset="0"/>
+                <a:cs typeface="Times New Roman" panose="02020603050405020304" pitchFamily="18" charset="0"/>
+              </a:rPr>
               <a:t>3</a:t>
             </a:r>
             <a:r>
-              <a:rPr lang="en-HK" dirty="0" smtClean="0"/>
+              <a:rPr lang="en-HK" dirty="0" smtClean="0">
+                <a:latin typeface="Times New Roman" panose="02020603050405020304" pitchFamily="18" charset="0"/>
+                <a:cs typeface="Times New Roman" panose="02020603050405020304" pitchFamily="18" charset="0"/>
+              </a:rPr>
               <a:t>NH</a:t>
             </a:r>
             <a:r>
-              <a:rPr lang="en-HK" baseline="-25000" dirty="0" smtClean="0"/>
+              <a:rPr lang="en-HK" baseline="-25000" dirty="0" smtClean="0">
+                <a:latin typeface="Times New Roman" panose="02020603050405020304" pitchFamily="18" charset="0"/>
+                <a:cs typeface="Times New Roman" panose="02020603050405020304" pitchFamily="18" charset="0"/>
+              </a:rPr>
               <a:t>2</a:t>
             </a:r>
-            <a:endParaRPr lang="en-US" baseline="-25000" dirty="0"/>
+            <a:endParaRPr lang="en-US" baseline="-25000" dirty="0">
+              <a:latin typeface="Times New Roman" panose="02020603050405020304" pitchFamily="18" charset="0"/>
+              <a:cs typeface="Times New Roman" panose="02020603050405020304" pitchFamily="18" charset="0"/>
+            </a:endParaRPr>
           </a:p>
         </p:txBody>
       </p:sp>
@@ -15001,66 +15972,114 @@
           <a:lstStyle/>
           <a:p>
             <a:r>
-              <a:rPr lang="en-HK" dirty="0" smtClean="0"/>
+              <a:rPr lang="en-HK" dirty="0" smtClean="0">
+                <a:latin typeface="Times New Roman" panose="02020603050405020304" pitchFamily="18" charset="0"/>
+                <a:cs typeface="Times New Roman" panose="02020603050405020304" pitchFamily="18" charset="0"/>
+              </a:rPr>
               <a:t>2. </a:t>
             </a:r>
             <a:r>
-              <a:rPr lang="en-HK" dirty="0"/>
+              <a:rPr lang="en-HK" dirty="0">
+                <a:latin typeface="Times New Roman" panose="02020603050405020304" pitchFamily="18" charset="0"/>
+                <a:cs typeface="Times New Roman" panose="02020603050405020304" pitchFamily="18" charset="0"/>
+              </a:rPr>
               <a:t>The relations </a:t>
             </a:r>
             <a:r>
-              <a:rPr lang="en-HK" dirty="0" smtClean="0"/>
+              <a:rPr lang="en-HK" dirty="0" smtClean="0">
+                <a:latin typeface="Times New Roman" panose="02020603050405020304" pitchFamily="18" charset="0"/>
+                <a:cs typeface="Times New Roman" panose="02020603050405020304" pitchFamily="18" charset="0"/>
+              </a:rPr>
               <a:t>between </a:t>
             </a:r>
             <a:r>
-              <a:rPr lang="en-HK" dirty="0"/>
+              <a:rPr lang="en-HK" dirty="0">
+                <a:latin typeface="Times New Roman" panose="02020603050405020304" pitchFamily="18" charset="0"/>
+                <a:cs typeface="Times New Roman" panose="02020603050405020304" pitchFamily="18" charset="0"/>
+              </a:rPr>
               <a:t>CN</a:t>
             </a:r>
             <a:r>
-              <a:rPr lang="en-HK" baseline="30000" dirty="0"/>
+              <a:rPr lang="en-HK" baseline="30000" dirty="0">
+                <a:latin typeface="Times New Roman" panose="02020603050405020304" pitchFamily="18" charset="0"/>
+                <a:cs typeface="Times New Roman" panose="02020603050405020304" pitchFamily="18" charset="0"/>
+              </a:rPr>
               <a:t>-</a:t>
             </a:r>
             <a:r>
-              <a:rPr lang="en-HK" dirty="0"/>
+              <a:rPr lang="en-HK" dirty="0">
+                <a:latin typeface="Times New Roman" panose="02020603050405020304" pitchFamily="18" charset="0"/>
+                <a:cs typeface="Times New Roman" panose="02020603050405020304" pitchFamily="18" charset="0"/>
+              </a:rPr>
               <a:t> </a:t>
             </a:r>
             <a:r>
-              <a:rPr lang="en-HK" dirty="0" smtClean="0"/>
+              <a:rPr lang="en-HK" dirty="0" smtClean="0">
+                <a:latin typeface="Times New Roman" panose="02020603050405020304" pitchFamily="18" charset="0"/>
+                <a:cs typeface="Times New Roman" panose="02020603050405020304" pitchFamily="18" charset="0"/>
+              </a:rPr>
               <a:t>(NH</a:t>
             </a:r>
             <a:r>
-              <a:rPr lang="en-HK" baseline="-25000" dirty="0" smtClean="0"/>
+              <a:rPr lang="en-HK" baseline="-25000" dirty="0" smtClean="0">
+                <a:latin typeface="Times New Roman" panose="02020603050405020304" pitchFamily="18" charset="0"/>
+                <a:cs typeface="Times New Roman" panose="02020603050405020304" pitchFamily="18" charset="0"/>
+              </a:rPr>
               <a:t>3</a:t>
             </a:r>
             <a:r>
-              <a:rPr lang="en-HK" dirty="0" smtClean="0"/>
+              <a:rPr lang="en-HK" dirty="0" smtClean="0">
+                <a:latin typeface="Times New Roman" panose="02020603050405020304" pitchFamily="18" charset="0"/>
+                <a:cs typeface="Times New Roman" panose="02020603050405020304" pitchFamily="18" charset="0"/>
+              </a:rPr>
               <a:t> dominant) and C</a:t>
             </a:r>
             <a:r>
-              <a:rPr lang="en-HK" baseline="-25000" dirty="0" smtClean="0"/>
+              <a:rPr lang="en-HK" baseline="-25000" dirty="0" smtClean="0">
+                <a:latin typeface="Times New Roman" panose="02020603050405020304" pitchFamily="18" charset="0"/>
+                <a:cs typeface="Times New Roman" panose="02020603050405020304" pitchFamily="18" charset="0"/>
+              </a:rPr>
               <a:t>2</a:t>
             </a:r>
             <a:r>
-              <a:rPr lang="en-HK" dirty="0" smtClean="0"/>
+              <a:rPr lang="en-HK" dirty="0" smtClean="0">
+                <a:latin typeface="Times New Roman" panose="02020603050405020304" pitchFamily="18" charset="0"/>
+                <a:cs typeface="Times New Roman" panose="02020603050405020304" pitchFamily="18" charset="0"/>
+              </a:rPr>
               <a:t>H</a:t>
             </a:r>
             <a:r>
-              <a:rPr lang="en-HK" baseline="-25000" dirty="0" smtClean="0"/>
+              <a:rPr lang="en-HK" baseline="-25000" dirty="0" smtClean="0">
+                <a:latin typeface="Times New Roman" panose="02020603050405020304" pitchFamily="18" charset="0"/>
+                <a:cs typeface="Times New Roman" panose="02020603050405020304" pitchFamily="18" charset="0"/>
+              </a:rPr>
               <a:t>6</a:t>
             </a:r>
             <a:r>
-              <a:rPr lang="en-HK" dirty="0" smtClean="0"/>
+              <a:rPr lang="en-HK" dirty="0" smtClean="0">
+                <a:latin typeface="Times New Roman" panose="02020603050405020304" pitchFamily="18" charset="0"/>
+                <a:cs typeface="Times New Roman" panose="02020603050405020304" pitchFamily="18" charset="0"/>
+              </a:rPr>
               <a:t> (CH</a:t>
             </a:r>
             <a:r>
-              <a:rPr lang="en-HK" baseline="-25000" dirty="0" smtClean="0"/>
+              <a:rPr lang="en-HK" baseline="-25000" dirty="0" smtClean="0">
+                <a:latin typeface="Times New Roman" panose="02020603050405020304" pitchFamily="18" charset="0"/>
+                <a:cs typeface="Times New Roman" panose="02020603050405020304" pitchFamily="18" charset="0"/>
+              </a:rPr>
               <a:t>4</a:t>
             </a:r>
             <a:r>
-              <a:rPr lang="en-HK" dirty="0" smtClean="0"/>
+              <a:rPr lang="en-HK" dirty="0" smtClean="0">
+                <a:latin typeface="Times New Roman" panose="02020603050405020304" pitchFamily="18" charset="0"/>
+                <a:cs typeface="Times New Roman" panose="02020603050405020304" pitchFamily="18" charset="0"/>
+              </a:rPr>
               <a:t> dominant)</a:t>
             </a:r>
-            <a:endParaRPr lang="en-US" dirty="0"/>
+            <a:endParaRPr lang="en-US" dirty="0">
+              <a:latin typeface="Times New Roman" panose="02020603050405020304" pitchFamily="18" charset="0"/>
+              <a:cs typeface="Times New Roman" panose="02020603050405020304" pitchFamily="18" charset="0"/>
+            </a:endParaRPr>
           </a:p>
         </p:txBody>
       </p:sp>
@@ -15074,7 +16093,7 @@
             <p:ph idx="1"/>
             <p:extLst>
               <p:ext uri="{D42A27DB-BD31-4B8C-83A1-F6EECF244321}">
-                <p14:modId xmlns:p14="http://schemas.microsoft.com/office/powerpoint/2010/main" val="2573215394"/>
+                <p14:modId xmlns:p14="http://schemas.microsoft.com/office/powerpoint/2010/main" val="1540477734"/>
               </p:ext>
             </p:extLst>
           </p:nvPr>
@@ -15127,22 +16146,37 @@
                     <a:p>
                       <a:pPr algn="ctr"/>
                       <a:r>
-                        <a:rPr lang="en-HK" dirty="0" smtClean="0"/>
+                        <a:rPr lang="en-HK" dirty="0" smtClean="0">
+                          <a:latin typeface="Times New Roman" panose="02020603050405020304" pitchFamily="18" charset="0"/>
+                          <a:cs typeface="Times New Roman" panose="02020603050405020304" pitchFamily="18" charset="0"/>
+                        </a:rPr>
                         <a:t>CH</a:t>
                       </a:r>
                       <a:r>
-                        <a:rPr lang="en-HK" baseline="-25000" dirty="0" smtClean="0"/>
+                        <a:rPr lang="en-HK" baseline="-25000" dirty="0" smtClean="0">
+                          <a:latin typeface="Times New Roman" panose="02020603050405020304" pitchFamily="18" charset="0"/>
+                          <a:cs typeface="Times New Roman" panose="02020603050405020304" pitchFamily="18" charset="0"/>
+                        </a:rPr>
                         <a:t>4</a:t>
                       </a:r>
                       <a:r>
-                        <a:rPr lang="en-HK" dirty="0" smtClean="0"/>
+                        <a:rPr lang="en-HK" dirty="0" smtClean="0">
+                          <a:latin typeface="Times New Roman" panose="02020603050405020304" pitchFamily="18" charset="0"/>
+                          <a:cs typeface="Times New Roman" panose="02020603050405020304" pitchFamily="18" charset="0"/>
+                        </a:rPr>
                         <a:t>:NH</a:t>
                       </a:r>
                       <a:r>
-                        <a:rPr lang="en-HK" baseline="-25000" dirty="0" smtClean="0"/>
+                        <a:rPr lang="en-HK" baseline="-25000" dirty="0" smtClean="0">
+                          <a:latin typeface="Times New Roman" panose="02020603050405020304" pitchFamily="18" charset="0"/>
+                          <a:cs typeface="Times New Roman" panose="02020603050405020304" pitchFamily="18" charset="0"/>
+                        </a:rPr>
                         <a:t>3</a:t>
                       </a:r>
-                      <a:endParaRPr lang="en-US" baseline="-25000" dirty="0"/>
+                      <a:endParaRPr lang="en-US" baseline="-25000" dirty="0">
+                        <a:latin typeface="Times New Roman" panose="02020603050405020304" pitchFamily="18" charset="0"/>
+                        <a:cs typeface="Times New Roman" panose="02020603050405020304" pitchFamily="18" charset="0"/>
+                      </a:endParaRPr>
                     </a:p>
                   </a:txBody>
                   <a:tcPr anchor="ctr"/>
@@ -15154,26 +16188,44 @@
                     <a:p>
                       <a:pPr algn="ctr"/>
                       <a:r>
-                        <a:rPr lang="en-HK" dirty="0" smtClean="0"/>
+                        <a:rPr lang="en-HK" dirty="0" smtClean="0">
+                          <a:latin typeface="Times New Roman" panose="02020603050405020304" pitchFamily="18" charset="0"/>
+                          <a:cs typeface="Times New Roman" panose="02020603050405020304" pitchFamily="18" charset="0"/>
+                        </a:rPr>
                         <a:t>C</a:t>
                       </a:r>
                       <a:r>
-                        <a:rPr lang="en-HK" baseline="-25000" dirty="0" smtClean="0"/>
+                        <a:rPr lang="en-HK" baseline="-25000" dirty="0" smtClean="0">
+                          <a:latin typeface="Times New Roman" panose="02020603050405020304" pitchFamily="18" charset="0"/>
+                          <a:cs typeface="Times New Roman" panose="02020603050405020304" pitchFamily="18" charset="0"/>
+                        </a:rPr>
                         <a:t>2</a:t>
                       </a:r>
                       <a:r>
-                        <a:rPr lang="en-HK" dirty="0" smtClean="0"/>
+                        <a:rPr lang="en-HK" dirty="0" smtClean="0">
+                          <a:latin typeface="Times New Roman" panose="02020603050405020304" pitchFamily="18" charset="0"/>
+                          <a:cs typeface="Times New Roman" panose="02020603050405020304" pitchFamily="18" charset="0"/>
+                        </a:rPr>
                         <a:t>H</a:t>
                       </a:r>
                       <a:r>
-                        <a:rPr lang="en-HK" baseline="-25000" dirty="0" smtClean="0"/>
+                        <a:rPr lang="en-HK" baseline="-25000" dirty="0" smtClean="0">
+                          <a:latin typeface="Times New Roman" panose="02020603050405020304" pitchFamily="18" charset="0"/>
+                          <a:cs typeface="Times New Roman" panose="02020603050405020304" pitchFamily="18" charset="0"/>
+                        </a:rPr>
                         <a:t>6</a:t>
                       </a:r>
                       <a:r>
-                        <a:rPr lang="en-HK" baseline="0" dirty="0" smtClean="0"/>
+                        <a:rPr lang="en-HK" baseline="0" dirty="0" smtClean="0">
+                          <a:latin typeface="Times New Roman" panose="02020603050405020304" pitchFamily="18" charset="0"/>
+                          <a:cs typeface="Times New Roman" panose="02020603050405020304" pitchFamily="18" charset="0"/>
+                        </a:rPr>
                         <a:t> (ML)</a:t>
                       </a:r>
-                      <a:endParaRPr lang="en-US" baseline="-25000" dirty="0"/>
+                      <a:endParaRPr lang="en-US" baseline="-25000" dirty="0">
+                        <a:latin typeface="Times New Roman" panose="02020603050405020304" pitchFamily="18" charset="0"/>
+                        <a:cs typeface="Times New Roman" panose="02020603050405020304" pitchFamily="18" charset="0"/>
+                      </a:endParaRPr>
                     </a:p>
                   </a:txBody>
                   <a:tcPr anchor="ctr"/>
@@ -15201,18 +16253,30 @@
                         <a:defRPr/>
                       </a:pPr>
                       <a:r>
-                        <a:rPr lang="en-HK" dirty="0" smtClean="0"/>
+                        <a:rPr lang="en-HK" dirty="0" smtClean="0">
+                          <a:latin typeface="Times New Roman" panose="02020603050405020304" pitchFamily="18" charset="0"/>
+                          <a:cs typeface="Times New Roman" panose="02020603050405020304" pitchFamily="18" charset="0"/>
+                        </a:rPr>
                         <a:t>CN</a:t>
                       </a:r>
                       <a:r>
-                        <a:rPr lang="en-HK" baseline="30000" dirty="0" smtClean="0"/>
+                        <a:rPr lang="en-HK" baseline="30000" dirty="0" smtClean="0">
+                          <a:latin typeface="Times New Roman" panose="02020603050405020304" pitchFamily="18" charset="0"/>
+                          <a:cs typeface="Times New Roman" panose="02020603050405020304" pitchFamily="18" charset="0"/>
+                        </a:rPr>
                         <a:t>- </a:t>
                       </a:r>
                       <a:r>
-                        <a:rPr lang="en-HK" baseline="0" dirty="0" smtClean="0"/>
+                        <a:rPr lang="en-HK" baseline="0" dirty="0" smtClean="0">
+                          <a:latin typeface="Times New Roman" panose="02020603050405020304" pitchFamily="18" charset="0"/>
+                          <a:cs typeface="Times New Roman" panose="02020603050405020304" pitchFamily="18" charset="0"/>
+                        </a:rPr>
                         <a:t>(ML)</a:t>
                       </a:r>
-                      <a:endParaRPr lang="en-US" baseline="-25000" dirty="0" smtClean="0"/>
+                      <a:endParaRPr lang="en-US" baseline="-25000" dirty="0" smtClean="0">
+                        <a:latin typeface="Times New Roman" panose="02020603050405020304" pitchFamily="18" charset="0"/>
+                        <a:cs typeface="Times New Roman" panose="02020603050405020304" pitchFamily="18" charset="0"/>
+                      </a:endParaRPr>
                     </a:p>
                   </a:txBody>
                   <a:tcPr anchor="ctr"/>
@@ -15240,30 +16304,51 @@
                         <a:defRPr/>
                       </a:pPr>
                       <a:r>
-                        <a:rPr lang="en-HK" baseline="0" dirty="0" smtClean="0"/>
+                        <a:rPr lang="en-HK" baseline="0" dirty="0" smtClean="0">
+                          <a:latin typeface="Times New Roman" panose="02020603050405020304" pitchFamily="18" charset="0"/>
+                          <a:cs typeface="Times New Roman" panose="02020603050405020304" pitchFamily="18" charset="0"/>
+                        </a:rPr>
                         <a:t>Ratio of CN</a:t>
                       </a:r>
                       <a:r>
-                        <a:rPr lang="en-HK" baseline="30000" dirty="0" smtClean="0"/>
+                        <a:rPr lang="en-HK" baseline="30000" dirty="0" smtClean="0">
+                          <a:latin typeface="Times New Roman" panose="02020603050405020304" pitchFamily="18" charset="0"/>
+                          <a:cs typeface="Times New Roman" panose="02020603050405020304" pitchFamily="18" charset="0"/>
+                        </a:rPr>
                         <a:t>-</a:t>
                       </a:r>
                       <a:r>
-                        <a:rPr lang="en-HK" baseline="0" dirty="0" smtClean="0"/>
+                        <a:rPr lang="en-HK" baseline="0" dirty="0" smtClean="0">
+                          <a:latin typeface="Times New Roman" panose="02020603050405020304" pitchFamily="18" charset="0"/>
+                          <a:cs typeface="Times New Roman" panose="02020603050405020304" pitchFamily="18" charset="0"/>
+                        </a:rPr>
                         <a:t>to C</a:t>
                       </a:r>
                       <a:r>
-                        <a:rPr lang="en-HK" baseline="-25000" dirty="0" smtClean="0"/>
+                        <a:rPr lang="en-HK" baseline="-25000" dirty="0" smtClean="0">
+                          <a:latin typeface="Times New Roman" panose="02020603050405020304" pitchFamily="18" charset="0"/>
+                          <a:cs typeface="Times New Roman" panose="02020603050405020304" pitchFamily="18" charset="0"/>
+                        </a:rPr>
                         <a:t>2</a:t>
                       </a:r>
                       <a:r>
-                        <a:rPr lang="en-HK" baseline="0" dirty="0" smtClean="0"/>
+                        <a:rPr lang="en-HK" baseline="0" dirty="0" smtClean="0">
+                          <a:latin typeface="Times New Roman" panose="02020603050405020304" pitchFamily="18" charset="0"/>
+                          <a:cs typeface="Times New Roman" panose="02020603050405020304" pitchFamily="18" charset="0"/>
+                        </a:rPr>
                         <a:t>H</a:t>
                       </a:r>
                       <a:r>
-                        <a:rPr lang="en-HK" baseline="-25000" dirty="0" smtClean="0"/>
+                        <a:rPr lang="en-HK" baseline="-25000" dirty="0" smtClean="0">
+                          <a:latin typeface="Times New Roman" panose="02020603050405020304" pitchFamily="18" charset="0"/>
+                          <a:cs typeface="Times New Roman" panose="02020603050405020304" pitchFamily="18" charset="0"/>
+                        </a:rPr>
                         <a:t>6</a:t>
                       </a:r>
-                      <a:endParaRPr lang="en-US" baseline="-25000" dirty="0" smtClean="0"/>
+                      <a:endParaRPr lang="en-US" baseline="-25000" dirty="0" smtClean="0">
+                        <a:latin typeface="Times New Roman" panose="02020603050405020304" pitchFamily="18" charset="0"/>
+                        <a:cs typeface="Times New Roman" panose="02020603050405020304" pitchFamily="18" charset="0"/>
+                      </a:endParaRPr>
                     </a:p>
                   </a:txBody>
                   <a:tcPr anchor="ctr"/>
@@ -15282,7 +16367,10 @@
                     <a:p>
                       <a:pPr algn="ctr"/>
                       <a:r>
-                        <a:rPr lang="en-HK" dirty="0" smtClean="0"/>
+                        <a:rPr lang="en-HK" dirty="0" smtClean="0">
+                          <a:latin typeface="Times New Roman" panose="02020603050405020304" pitchFamily="18" charset="0"/>
+                          <a:cs typeface="Times New Roman" panose="02020603050405020304" pitchFamily="18" charset="0"/>
+                        </a:rPr>
                         <a:t>3:2</a:t>
                       </a:r>
                     </a:p>
@@ -15293,6 +16381,8 @@
                           <a:solidFill>
                             <a:srgbClr val="0070C0"/>
                           </a:solidFill>
+                          <a:latin typeface="Times New Roman" panose="02020603050405020304" pitchFamily="18" charset="0"/>
+                          <a:cs typeface="Times New Roman" panose="02020603050405020304" pitchFamily="18" charset="0"/>
                         </a:rPr>
                         <a:t>(CH</a:t>
                       </a:r>
@@ -15301,6 +16391,8 @@
                           <a:solidFill>
                             <a:srgbClr val="0070C0"/>
                           </a:solidFill>
+                          <a:latin typeface="Times New Roman" panose="02020603050405020304" pitchFamily="18" charset="0"/>
+                          <a:cs typeface="Times New Roman" panose="02020603050405020304" pitchFamily="18" charset="0"/>
                         </a:rPr>
                         <a:t>4</a:t>
                       </a:r>
@@ -15309,6 +16401,8 @@
                           <a:solidFill>
                             <a:srgbClr val="0070C0"/>
                           </a:solidFill>
+                          <a:latin typeface="Times New Roman" panose="02020603050405020304" pitchFamily="18" charset="0"/>
+                          <a:cs typeface="Times New Roman" panose="02020603050405020304" pitchFamily="18" charset="0"/>
                         </a:rPr>
                         <a:t> dominant)</a:t>
                       </a:r>
@@ -15316,6 +16410,8 @@
                         <a:solidFill>
                           <a:srgbClr val="0070C0"/>
                         </a:solidFill>
+                        <a:latin typeface="Times New Roman" panose="02020603050405020304" pitchFamily="18" charset="0"/>
+                        <a:cs typeface="Times New Roman" panose="02020603050405020304" pitchFamily="18" charset="0"/>
                       </a:endParaRPr>
                     </a:p>
                   </a:txBody>
@@ -15332,9 +16428,9 @@
                           <a:solidFill>
                             <a:schemeClr val="dk1"/>
                           </a:solidFill>
-                          <a:latin typeface="+mn-lt"/>
+                          <a:latin typeface="Times New Roman" panose="02020603050405020304" pitchFamily="18" charset="0"/>
                           <a:ea typeface="+mn-ea"/>
-                          <a:cs typeface="+mn-cs"/>
+                          <a:cs typeface="Times New Roman" panose="02020603050405020304" pitchFamily="18" charset="0"/>
                         </a:rPr>
                         <a:t>19.1</a:t>
                       </a:r>
@@ -15353,9 +16449,9 @@
                           <a:solidFill>
                             <a:schemeClr val="dk1"/>
                           </a:solidFill>
-                          <a:latin typeface="+mn-lt"/>
+                          <a:latin typeface="Times New Roman" panose="02020603050405020304" pitchFamily="18" charset="0"/>
                           <a:ea typeface="+mn-ea"/>
-                          <a:cs typeface="+mn-cs"/>
+                          <a:cs typeface="Times New Roman" panose="02020603050405020304" pitchFamily="18" charset="0"/>
                         </a:rPr>
                         <a:t>23</a:t>
                       </a:r>
@@ -15374,9 +16470,9 @@
                           <a:solidFill>
                             <a:srgbClr val="0070C0"/>
                           </a:solidFill>
-                          <a:latin typeface="+mn-lt"/>
+                          <a:latin typeface="Times New Roman" panose="02020603050405020304" pitchFamily="18" charset="0"/>
                           <a:ea typeface="+mn-ea"/>
-                          <a:cs typeface="+mn-cs"/>
+                          <a:cs typeface="Times New Roman" panose="02020603050405020304" pitchFamily="18" charset="0"/>
                         </a:rPr>
                         <a:t>1.2</a:t>
                       </a:r>
@@ -15384,9 +16480,9 @@
                         <a:solidFill>
                           <a:srgbClr val="0070C0"/>
                         </a:solidFill>
-                        <a:latin typeface="+mn-lt"/>
+                        <a:latin typeface="Times New Roman" panose="02020603050405020304" pitchFamily="18" charset="0"/>
                         <a:ea typeface="+mn-ea"/>
-                        <a:cs typeface="+mn-cs"/>
+                        <a:cs typeface="Times New Roman" panose="02020603050405020304" pitchFamily="18" charset="0"/>
                       </a:endParaRPr>
                     </a:p>
                   </a:txBody>
@@ -15406,7 +16502,10 @@
                     <a:p>
                       <a:pPr algn="ctr"/>
                       <a:r>
-                        <a:rPr lang="en-HK" dirty="0" smtClean="0"/>
+                        <a:rPr lang="en-HK" dirty="0" smtClean="0">
+                          <a:latin typeface="Times New Roman" panose="02020603050405020304" pitchFamily="18" charset="0"/>
+                          <a:cs typeface="Times New Roman" panose="02020603050405020304" pitchFamily="18" charset="0"/>
+                        </a:rPr>
                         <a:t>1:5</a:t>
                       </a:r>
                     </a:p>
@@ -15417,6 +16516,8 @@
                           <a:solidFill>
                             <a:srgbClr val="0070C0"/>
                           </a:solidFill>
+                          <a:latin typeface="Times New Roman" panose="02020603050405020304" pitchFamily="18" charset="0"/>
+                          <a:cs typeface="Times New Roman" panose="02020603050405020304" pitchFamily="18" charset="0"/>
                         </a:rPr>
                         <a:t>(NH</a:t>
                       </a:r>
@@ -15425,6 +16526,8 @@
                           <a:solidFill>
                             <a:srgbClr val="0070C0"/>
                           </a:solidFill>
+                          <a:latin typeface="Times New Roman" panose="02020603050405020304" pitchFamily="18" charset="0"/>
+                          <a:cs typeface="Times New Roman" panose="02020603050405020304" pitchFamily="18" charset="0"/>
                         </a:rPr>
                         <a:t>3</a:t>
                       </a:r>
@@ -15433,6 +16536,8 @@
                           <a:solidFill>
                             <a:srgbClr val="0070C0"/>
                           </a:solidFill>
+                          <a:latin typeface="Times New Roman" panose="02020603050405020304" pitchFamily="18" charset="0"/>
+                          <a:cs typeface="Times New Roman" panose="02020603050405020304" pitchFamily="18" charset="0"/>
                         </a:rPr>
                         <a:t> dominant)</a:t>
                       </a:r>
@@ -15440,6 +16545,8 @@
                         <a:solidFill>
                           <a:srgbClr val="0070C0"/>
                         </a:solidFill>
+                        <a:latin typeface="Times New Roman" panose="02020603050405020304" pitchFamily="18" charset="0"/>
+                        <a:cs typeface="Times New Roman" panose="02020603050405020304" pitchFamily="18" charset="0"/>
                       </a:endParaRPr>
                     </a:p>
                   </a:txBody>
@@ -15456,9 +16563,9 @@
                           <a:solidFill>
                             <a:schemeClr val="dk1"/>
                           </a:solidFill>
-                          <a:latin typeface="+mn-lt"/>
+                          <a:latin typeface="Times New Roman" panose="02020603050405020304" pitchFamily="18" charset="0"/>
                           <a:ea typeface="+mn-ea"/>
-                          <a:cs typeface="+mn-cs"/>
+                          <a:cs typeface="Times New Roman" panose="02020603050405020304" pitchFamily="18" charset="0"/>
                         </a:rPr>
                         <a:t>4.3</a:t>
                       </a:r>
@@ -15477,9 +16584,9 @@
                           <a:solidFill>
                             <a:schemeClr val="dk1"/>
                           </a:solidFill>
-                          <a:latin typeface="+mn-lt"/>
+                          <a:latin typeface="Times New Roman" panose="02020603050405020304" pitchFamily="18" charset="0"/>
                           <a:ea typeface="+mn-ea"/>
-                          <a:cs typeface="+mn-cs"/>
+                          <a:cs typeface="Times New Roman" panose="02020603050405020304" pitchFamily="18" charset="0"/>
                         </a:rPr>
                         <a:t>49</a:t>
                       </a:r>
@@ -15498,9 +16605,9 @@
                           <a:solidFill>
                             <a:srgbClr val="0070C0"/>
                           </a:solidFill>
-                          <a:latin typeface="+mn-lt"/>
+                          <a:latin typeface="Times New Roman" panose="02020603050405020304" pitchFamily="18" charset="0"/>
                           <a:ea typeface="+mn-ea"/>
-                          <a:cs typeface="+mn-cs"/>
+                          <a:cs typeface="Times New Roman" panose="02020603050405020304" pitchFamily="18" charset="0"/>
                         </a:rPr>
                         <a:t>11.3</a:t>
                       </a:r>
@@ -15508,9 +16615,9 @@
                         <a:solidFill>
                           <a:srgbClr val="0070C0"/>
                         </a:solidFill>
-                        <a:latin typeface="+mn-lt"/>
+                        <a:latin typeface="Times New Roman" panose="02020603050405020304" pitchFamily="18" charset="0"/>
                         <a:ea typeface="+mn-ea"/>
-                        <a:cs typeface="+mn-cs"/>
+                        <a:cs typeface="Times New Roman" panose="02020603050405020304" pitchFamily="18" charset="0"/>
                       </a:endParaRPr>
                     </a:p>
                   </a:txBody>
@@ -15611,14 +16718,7 @@
                 <a:latin typeface="Times New Roman" panose="02020603050405020304" pitchFamily="18" charset="0"/>
                 <a:cs typeface="Times New Roman" panose="02020603050405020304" pitchFamily="18" charset="0"/>
               </a:rPr>
-              <a:t> </a:t>
-            </a:r>
-            <a:r>
-              <a:rPr lang="en-HK" dirty="0" smtClean="0">
-                <a:latin typeface="Times New Roman" panose="02020603050405020304" pitchFamily="18" charset="0"/>
-                <a:cs typeface="Times New Roman" panose="02020603050405020304" pitchFamily="18" charset="0"/>
-              </a:rPr>
-              <a:t>when </a:t>
+              <a:t> when </a:t>
             </a:r>
             <a:r>
               <a:rPr lang="en-HK" dirty="0">
@@ -15669,7 +16769,7 @@
           <a:graphicData uri="http://schemas.openxmlformats.org/presentationml/2006/ole">
             <mc:AlternateContent xmlns:mc="http://schemas.openxmlformats.org/markup-compatibility/2006">
               <mc:Choice xmlns:v="urn:schemas-microsoft-com:vml" Requires="v">
-                <p:oleObj spid="_x0000_s1979" name="Graph" r:id="rId3" imgW="4754880" imgH="3108960" progId="Origin50.Graph">
+                <p:oleObj spid="_x0000_s1996" name="Graph" r:id="rId3" imgW="4754880" imgH="3108960" progId="Origin50.Graph">
                   <p:embed/>
                 </p:oleObj>
               </mc:Choice>
@@ -15757,18 +16857,23 @@
           <a:lstStyle/>
           <a:p>
             <a:r>
-              <a:rPr lang="en-HK" dirty="0" smtClean="0"/>
-              <a:t>3. </a:t>
-            </a:r>
-            <a:r>
-              <a:rPr lang="en-HK" dirty="0" smtClean="0"/>
-              <a:t>Rate constant of reactants by EUV </a:t>
-            </a:r>
-            <a:r>
-              <a:rPr lang="en-HK" dirty="0"/>
+              <a:rPr lang="en-HK" dirty="0" smtClean="0">
+                <a:latin typeface="Times New Roman" panose="02020603050405020304" pitchFamily="18" charset="0"/>
+                <a:cs typeface="Times New Roman" panose="02020603050405020304" pitchFamily="18" charset="0"/>
+              </a:rPr>
+              <a:t>3. Rate constant of reactants by EUV </a:t>
+            </a:r>
+            <a:r>
+              <a:rPr lang="en-HK" dirty="0">
+                <a:latin typeface="Times New Roman" panose="02020603050405020304" pitchFamily="18" charset="0"/>
+                <a:cs typeface="Times New Roman" panose="02020603050405020304" pitchFamily="18" charset="0"/>
+              </a:rPr>
               <a:t>(40.1 eV) and VUV (9.27 eV)</a:t>
             </a:r>
-            <a:endParaRPr lang="en-US" dirty="0"/>
+            <a:endParaRPr lang="en-US" dirty="0">
+              <a:latin typeface="Times New Roman" panose="02020603050405020304" pitchFamily="18" charset="0"/>
+              <a:cs typeface="Times New Roman" panose="02020603050405020304" pitchFamily="18" charset="0"/>
+            </a:endParaRPr>
           </a:p>
         </p:txBody>
       </p:sp>
@@ -15788,7 +16893,10 @@
           <a:lstStyle/>
           <a:p>
             <a:r>
-              <a:rPr lang="en-HK" sz="2000" dirty="0" smtClean="0"/>
+              <a:rPr lang="en-HK" sz="2000" dirty="0" smtClean="0">
+                <a:latin typeface="Times New Roman" panose="02020603050405020304" pitchFamily="18" charset="0"/>
+                <a:cs typeface="Times New Roman" panose="02020603050405020304" pitchFamily="18" charset="0"/>
+              </a:rPr>
               <a:t>Fitting with </a:t>
             </a:r>
             <a:r>
@@ -15796,6 +16904,8 @@
                 <a:solidFill>
                   <a:srgbClr val="0070C0"/>
                 </a:solidFill>
+                <a:latin typeface="Times New Roman" panose="02020603050405020304" pitchFamily="18" charset="0"/>
+                <a:cs typeface="Times New Roman" panose="02020603050405020304" pitchFamily="18" charset="0"/>
               </a:rPr>
               <a:t>y = Ae</a:t>
             </a:r>
@@ -15804,6 +16914,8 @@
                 <a:solidFill>
                   <a:srgbClr val="0070C0"/>
                 </a:solidFill>
+                <a:latin typeface="Times New Roman" panose="02020603050405020304" pitchFamily="18" charset="0"/>
+                <a:cs typeface="Times New Roman" panose="02020603050405020304" pitchFamily="18" charset="0"/>
               </a:rPr>
               <a:t>-</a:t>
             </a:r>
@@ -15812,6 +16924,8 @@
                 <a:solidFill>
                   <a:srgbClr val="0070C0"/>
                 </a:solidFill>
+                <a:latin typeface="Times New Roman" panose="02020603050405020304" pitchFamily="18" charset="0"/>
+                <a:cs typeface="Times New Roman" panose="02020603050405020304" pitchFamily="18" charset="0"/>
               </a:rPr>
               <a:t>kx</a:t>
             </a:r>
@@ -15820,22 +16934,22 @@
                 <a:solidFill>
                   <a:srgbClr val="0070C0"/>
                 </a:solidFill>
+                <a:latin typeface="Times New Roman" panose="02020603050405020304" pitchFamily="18" charset="0"/>
+                <a:cs typeface="Times New Roman" panose="02020603050405020304" pitchFamily="18" charset="0"/>
               </a:rPr>
               <a:t> + C </a:t>
             </a:r>
             <a:r>
-              <a:rPr lang="en-HK" sz="2000" dirty="0" smtClean="0"/>
-              <a:t>(first </a:t>
-            </a:r>
-            <a:r>
-              <a:rPr lang="en-HK" sz="2000" dirty="0" smtClean="0"/>
-              <a:t>order </a:t>
-            </a:r>
-            <a:r>
-              <a:rPr lang="en-HK" sz="2000" dirty="0" smtClean="0"/>
-              <a:t>decay)</a:t>
-            </a:r>
-            <a:endParaRPr lang="en-HK" dirty="0" smtClean="0"/>
+              <a:rPr lang="en-HK" sz="2000" dirty="0" smtClean="0">
+                <a:latin typeface="Times New Roman" panose="02020603050405020304" pitchFamily="18" charset="0"/>
+                <a:cs typeface="Times New Roman" panose="02020603050405020304" pitchFamily="18" charset="0"/>
+              </a:rPr>
+              <a:t>(first order decay)</a:t>
+            </a:r>
+            <a:endParaRPr lang="en-HK" dirty="0" smtClean="0">
+              <a:latin typeface="Times New Roman" panose="02020603050405020304" pitchFamily="18" charset="0"/>
+              <a:cs typeface="Times New Roman" panose="02020603050405020304" pitchFamily="18" charset="0"/>
+            </a:endParaRPr>
           </a:p>
           <a:p>
             <a:pPr marL="0" indent="0">
@@ -15906,7 +17020,7 @@
           <a:graphicData uri="http://schemas.openxmlformats.org/presentationml/2006/ole">
             <mc:AlternateContent xmlns:mc="http://schemas.openxmlformats.org/markup-compatibility/2006">
               <mc:Choice xmlns:v="urn:schemas-microsoft-com:vml" Requires="v">
-                <p:oleObj spid="_x0000_s13742" name="Graph" r:id="rId3" imgW="4754880" imgH="3108960" progId="Origin50.Graph">
+                <p:oleObj spid="_x0000_s13776" name="Graph" r:id="rId3" imgW="4754880" imgH="3108960" progId="Origin50.Graph">
                   <p:embed/>
                 </p:oleObj>
               </mc:Choice>
@@ -15963,7 +17077,7 @@
           <a:graphicData uri="http://schemas.openxmlformats.org/presentationml/2006/ole">
             <mc:AlternateContent xmlns:mc="http://schemas.openxmlformats.org/markup-compatibility/2006">
               <mc:Choice xmlns:v="urn:schemas-microsoft-com:vml" Requires="v">
-                <p:oleObj spid="_x0000_s13743" name="Graph" r:id="rId5" imgW="4754880" imgH="3108960" progId="Origin50.Graph">
+                <p:oleObj spid="_x0000_s13777" name="Graph" r:id="rId5" imgW="4754880" imgH="3108960" progId="Origin50.Graph">
                   <p:embed/>
                 </p:oleObj>
               </mc:Choice>
@@ -16051,22 +17165,37 @@
           <a:lstStyle/>
           <a:p>
             <a:r>
-              <a:rPr lang="en-HK" dirty="0" smtClean="0"/>
+              <a:rPr lang="en-HK" dirty="0" smtClean="0">
+                <a:latin typeface="Times New Roman" panose="02020603050405020304" pitchFamily="18" charset="0"/>
+                <a:cs typeface="Times New Roman" panose="02020603050405020304" pitchFamily="18" charset="0"/>
+              </a:rPr>
               <a:t>3. CN</a:t>
             </a:r>
             <a:r>
-              <a:rPr lang="en-HK" baseline="30000" dirty="0" smtClean="0"/>
+              <a:rPr lang="en-HK" baseline="30000" dirty="0" smtClean="0">
+                <a:latin typeface="Times New Roman" panose="02020603050405020304" pitchFamily="18" charset="0"/>
+                <a:cs typeface="Times New Roman" panose="02020603050405020304" pitchFamily="18" charset="0"/>
+              </a:rPr>
               <a:t>-</a:t>
             </a:r>
             <a:r>
-              <a:rPr lang="en-HK" dirty="0" smtClean="0"/>
+              <a:rPr lang="en-HK" dirty="0" smtClean="0">
+                <a:latin typeface="Times New Roman" panose="02020603050405020304" pitchFamily="18" charset="0"/>
+                <a:cs typeface="Times New Roman" panose="02020603050405020304" pitchFamily="18" charset="0"/>
+              </a:rPr>
               <a:t> </a:t>
             </a:r>
             <a:r>
-              <a:rPr lang="en-HK" dirty="0"/>
+              <a:rPr lang="en-HK" dirty="0">
+                <a:latin typeface="Times New Roman" panose="02020603050405020304" pitchFamily="18" charset="0"/>
+                <a:cs typeface="Times New Roman" panose="02020603050405020304" pitchFamily="18" charset="0"/>
+              </a:rPr>
               <a:t>formation efficiency of EUV (40.1 eV) and VUV (9.27 eV)</a:t>
             </a:r>
-            <a:endParaRPr lang="en-US" dirty="0"/>
+            <a:endParaRPr lang="en-US" dirty="0">
+              <a:latin typeface="Times New Roman" panose="02020603050405020304" pitchFamily="18" charset="0"/>
+              <a:cs typeface="Times New Roman" panose="02020603050405020304" pitchFamily="18" charset="0"/>
+            </a:endParaRPr>
           </a:p>
         </p:txBody>
       </p:sp>
@@ -16103,7 +17232,7 @@
             <p:ph idx="1"/>
             <p:extLst>
               <p:ext uri="{D42A27DB-BD31-4B8C-83A1-F6EECF244321}">
-                <p14:modId xmlns:p14="http://schemas.microsoft.com/office/powerpoint/2010/main" val="2403186586"/>
+                <p14:modId xmlns:p14="http://schemas.microsoft.com/office/powerpoint/2010/main" val="70236835"/>
               </p:ext>
             </p:extLst>
           </p:nvPr>
@@ -16167,36 +17296,48 @@
                       <a:r>
                         <a:rPr lang="en-US" sz="1400" u="none" strike="noStrike" dirty="0">
                           <a:effectLst/>
+                          <a:latin typeface="Times New Roman" panose="02020603050405020304" pitchFamily="18" charset="0"/>
+                          <a:cs typeface="Times New Roman" panose="02020603050405020304" pitchFamily="18" charset="0"/>
                         </a:rPr>
                         <a:t>k </a:t>
                       </a:r>
                       <a:r>
                         <a:rPr lang="en-US" sz="1400" u="none" strike="noStrike" dirty="0" smtClean="0">
                           <a:effectLst/>
+                          <a:latin typeface="Times New Roman" panose="02020603050405020304" pitchFamily="18" charset="0"/>
+                          <a:cs typeface="Times New Roman" panose="02020603050405020304" pitchFamily="18" charset="0"/>
                         </a:rPr>
                         <a:t>(photons</a:t>
                       </a:r>
                       <a:r>
                         <a:rPr lang="en-US" sz="1400" u="none" strike="noStrike" baseline="30000" dirty="0" smtClean="0">
                           <a:effectLst/>
+                          <a:latin typeface="Times New Roman" panose="02020603050405020304" pitchFamily="18" charset="0"/>
+                          <a:cs typeface="Times New Roman" panose="02020603050405020304" pitchFamily="18" charset="0"/>
                         </a:rPr>
                         <a:t>-1</a:t>
                       </a:r>
                       <a:r>
                         <a:rPr lang="en-HK" sz="1400" u="none" strike="noStrike" dirty="0" smtClean="0">
                           <a:effectLst/>
+                          <a:latin typeface="Times New Roman" panose="02020603050405020304" pitchFamily="18" charset="0"/>
+                          <a:cs typeface="Times New Roman" panose="02020603050405020304" pitchFamily="18" charset="0"/>
                         </a:rPr>
                         <a:t>cm</a:t>
                       </a:r>
                       <a:r>
                         <a:rPr lang="en-HK" sz="1400" u="none" strike="noStrike" baseline="30000" dirty="0" smtClean="0">
                           <a:effectLst/>
+                          <a:latin typeface="Times New Roman" panose="02020603050405020304" pitchFamily="18" charset="0"/>
+                          <a:cs typeface="Times New Roman" panose="02020603050405020304" pitchFamily="18" charset="0"/>
                         </a:rPr>
                         <a:t>2</a:t>
                       </a:r>
                       <a:r>
                         <a:rPr lang="en-HK" sz="1400" u="none" strike="noStrike" dirty="0" smtClean="0">
                           <a:effectLst/>
+                          <a:latin typeface="Times New Roman" panose="02020603050405020304" pitchFamily="18" charset="0"/>
+                          <a:cs typeface="Times New Roman" panose="02020603050405020304" pitchFamily="18" charset="0"/>
                         </a:rPr>
                         <a:t>)</a:t>
                       </a:r>
@@ -16205,7 +17346,8 @@
                           <a:srgbClr val="000000"/>
                         </a:solidFill>
                         <a:effectLst/>
-                        <a:latin typeface="+mn-lt"/>
+                        <a:latin typeface="Times New Roman" panose="02020603050405020304" pitchFamily="18" charset="0"/>
+                        <a:cs typeface="Times New Roman" panose="02020603050405020304" pitchFamily="18" charset="0"/>
                       </a:endParaRPr>
                     </a:p>
                   </a:txBody>
@@ -16227,30 +17369,40 @@
                       <a:r>
                         <a:rPr lang="en-US" sz="1400" u="none" strike="noStrike" dirty="0">
                           <a:effectLst/>
+                          <a:latin typeface="Times New Roman" panose="02020603050405020304" pitchFamily="18" charset="0"/>
+                          <a:cs typeface="Times New Roman" panose="02020603050405020304" pitchFamily="18" charset="0"/>
                         </a:rPr>
                         <a:t>CH</a:t>
                       </a:r>
                       <a:r>
                         <a:rPr lang="en-US" sz="1400" u="none" strike="noStrike" baseline="-25000" dirty="0">
                           <a:effectLst/>
+                          <a:latin typeface="Times New Roman" panose="02020603050405020304" pitchFamily="18" charset="0"/>
+                          <a:cs typeface="Times New Roman" panose="02020603050405020304" pitchFamily="18" charset="0"/>
                         </a:rPr>
                         <a:t>4</a:t>
                       </a:r>
                       <a:r>
                         <a:rPr lang="en-US" sz="1400" u="none" strike="noStrike" dirty="0">
                           <a:effectLst/>
+                          <a:latin typeface="Times New Roman" panose="02020603050405020304" pitchFamily="18" charset="0"/>
+                          <a:cs typeface="Times New Roman" panose="02020603050405020304" pitchFamily="18" charset="0"/>
                         </a:rPr>
                         <a:t>(x 10</a:t>
                       </a:r>
                       <a:r>
                         <a:rPr lang="en-US" sz="1400" u="none" strike="noStrike" baseline="30000" dirty="0">
                           <a:effectLst/>
+                          <a:latin typeface="Times New Roman" panose="02020603050405020304" pitchFamily="18" charset="0"/>
+                          <a:cs typeface="Times New Roman" panose="02020603050405020304" pitchFamily="18" charset="0"/>
                         </a:rPr>
                         <a:t>-18</a:t>
                       </a:r>
                       <a:r>
                         <a:rPr lang="en-US" sz="1400" u="none" strike="noStrike" dirty="0">
                           <a:effectLst/>
+                          <a:latin typeface="Times New Roman" panose="02020603050405020304" pitchFamily="18" charset="0"/>
+                          <a:cs typeface="Times New Roman" panose="02020603050405020304" pitchFamily="18" charset="0"/>
                         </a:rPr>
                         <a:t>)</a:t>
                       </a:r>
@@ -16259,7 +17411,8 @@
                           <a:srgbClr val="000000"/>
                         </a:solidFill>
                         <a:effectLst/>
-                        <a:latin typeface="Franklin Gothic Book" panose="020B0503020102020204"/>
+                        <a:latin typeface="Times New Roman" panose="02020603050405020304" pitchFamily="18" charset="0"/>
+                        <a:cs typeface="Times New Roman" panose="02020603050405020304" pitchFamily="18" charset="0"/>
                       </a:endParaRPr>
                     </a:p>
                   </a:txBody>
@@ -16281,30 +17434,40 @@
                       <a:r>
                         <a:rPr lang="en-US" sz="1400" u="none" strike="noStrike" dirty="0">
                           <a:effectLst/>
+                          <a:latin typeface="Times New Roman" panose="02020603050405020304" pitchFamily="18" charset="0"/>
+                          <a:cs typeface="Times New Roman" panose="02020603050405020304" pitchFamily="18" charset="0"/>
                         </a:rPr>
                         <a:t>NH</a:t>
                       </a:r>
                       <a:r>
                         <a:rPr lang="en-US" sz="1400" u="none" strike="noStrike" baseline="-25000" dirty="0">
                           <a:effectLst/>
+                          <a:latin typeface="Times New Roman" panose="02020603050405020304" pitchFamily="18" charset="0"/>
+                          <a:cs typeface="Times New Roman" panose="02020603050405020304" pitchFamily="18" charset="0"/>
                         </a:rPr>
                         <a:t>3</a:t>
                       </a:r>
                       <a:r>
                         <a:rPr lang="en-US" sz="1400" u="none" strike="noStrike" dirty="0">
                           <a:effectLst/>
+                          <a:latin typeface="Times New Roman" panose="02020603050405020304" pitchFamily="18" charset="0"/>
+                          <a:cs typeface="Times New Roman" panose="02020603050405020304" pitchFamily="18" charset="0"/>
                         </a:rPr>
                         <a:t> (x10</a:t>
                       </a:r>
                       <a:r>
                         <a:rPr lang="en-US" sz="1400" u="none" strike="noStrike" baseline="30000" dirty="0">
                           <a:effectLst/>
+                          <a:latin typeface="Times New Roman" panose="02020603050405020304" pitchFamily="18" charset="0"/>
+                          <a:cs typeface="Times New Roman" panose="02020603050405020304" pitchFamily="18" charset="0"/>
                         </a:rPr>
                         <a:t>-18</a:t>
                       </a:r>
                       <a:r>
                         <a:rPr lang="en-US" sz="1400" u="none" strike="noStrike" dirty="0">
                           <a:effectLst/>
+                          <a:latin typeface="Times New Roman" panose="02020603050405020304" pitchFamily="18" charset="0"/>
+                          <a:cs typeface="Times New Roman" panose="02020603050405020304" pitchFamily="18" charset="0"/>
                         </a:rPr>
                         <a:t>)</a:t>
                       </a:r>
@@ -16313,7 +17476,8 @@
                           <a:srgbClr val="000000"/>
                         </a:solidFill>
                         <a:effectLst/>
-                        <a:latin typeface="Franklin Gothic Book" panose="020B0503020102020204"/>
+                        <a:latin typeface="Times New Roman" panose="02020603050405020304" pitchFamily="18" charset="0"/>
+                        <a:cs typeface="Times New Roman" panose="02020603050405020304" pitchFamily="18" charset="0"/>
                       </a:endParaRPr>
                     </a:p>
                   </a:txBody>
@@ -16342,6 +17506,8 @@
                       <a:r>
                         <a:rPr lang="en-US" sz="1400" u="none" strike="noStrike" dirty="0">
                           <a:effectLst/>
+                          <a:latin typeface="Times New Roman" panose="02020603050405020304" pitchFamily="18" charset="0"/>
+                          <a:cs typeface="Times New Roman" panose="02020603050405020304" pitchFamily="18" charset="0"/>
                         </a:rPr>
                         <a:t>VUV (MDHL)</a:t>
                       </a:r>
@@ -16350,7 +17516,8 @@
                           <a:srgbClr val="000000"/>
                         </a:solidFill>
                         <a:effectLst/>
-                        <a:latin typeface="Franklin Gothic Book" panose="020B0503020102020204"/>
+                        <a:latin typeface="Times New Roman" panose="02020603050405020304" pitchFamily="18" charset="0"/>
+                        <a:cs typeface="Times New Roman" panose="02020603050405020304" pitchFamily="18" charset="0"/>
                       </a:endParaRPr>
                     </a:p>
                   </a:txBody>
@@ -16365,6 +17532,8 @@
                       <a:r>
                         <a:rPr lang="en-US" sz="1400" u="none" strike="noStrike" dirty="0">
                           <a:effectLst/>
+                          <a:latin typeface="Times New Roman" panose="02020603050405020304" pitchFamily="18" charset="0"/>
+                          <a:cs typeface="Times New Roman" panose="02020603050405020304" pitchFamily="18" charset="0"/>
                         </a:rPr>
                         <a:t>3.70±0.18</a:t>
                       </a:r>
@@ -16373,7 +17542,8 @@
                           <a:srgbClr val="000000"/>
                         </a:solidFill>
                         <a:effectLst/>
-                        <a:latin typeface="Franklin Gothic Book" panose="020B0503020102020204"/>
+                        <a:latin typeface="Times New Roman" panose="02020603050405020304" pitchFamily="18" charset="0"/>
+                        <a:cs typeface="Times New Roman" panose="02020603050405020304" pitchFamily="18" charset="0"/>
                       </a:endParaRPr>
                     </a:p>
                   </a:txBody>
@@ -16388,6 +17558,8 @@
                       <a:r>
                         <a:rPr lang="en-US" sz="1400" u="none" strike="noStrike" dirty="0">
                           <a:effectLst/>
+                          <a:latin typeface="Times New Roman" panose="02020603050405020304" pitchFamily="18" charset="0"/>
+                          <a:cs typeface="Times New Roman" panose="02020603050405020304" pitchFamily="18" charset="0"/>
                         </a:rPr>
                         <a:t>2.89±0.10</a:t>
                       </a:r>
@@ -16396,7 +17568,8 @@
                           <a:srgbClr val="000000"/>
                         </a:solidFill>
                         <a:effectLst/>
-                        <a:latin typeface="Franklin Gothic Book" panose="020B0503020102020204"/>
+                        <a:latin typeface="Times New Roman" panose="02020603050405020304" pitchFamily="18" charset="0"/>
+                        <a:cs typeface="Times New Roman" panose="02020603050405020304" pitchFamily="18" charset="0"/>
                       </a:endParaRPr>
                     </a:p>
                   </a:txBody>
@@ -16418,6 +17591,8 @@
                       <a:r>
                         <a:rPr lang="en-US" sz="1400" u="none" strike="noStrike" dirty="0">
                           <a:effectLst/>
+                          <a:latin typeface="Times New Roman" panose="02020603050405020304" pitchFamily="18" charset="0"/>
+                          <a:cs typeface="Times New Roman" panose="02020603050405020304" pitchFamily="18" charset="0"/>
                         </a:rPr>
                         <a:t>EUV (30.4nm)</a:t>
                       </a:r>
@@ -16426,7 +17601,8 @@
                           <a:srgbClr val="000000"/>
                         </a:solidFill>
                         <a:effectLst/>
-                        <a:latin typeface="Franklin Gothic Book" panose="020B0503020102020204"/>
+                        <a:latin typeface="Times New Roman" panose="02020603050405020304" pitchFamily="18" charset="0"/>
+                        <a:cs typeface="Times New Roman" panose="02020603050405020304" pitchFamily="18" charset="0"/>
                       </a:endParaRPr>
                     </a:p>
                   </a:txBody>
@@ -16441,6 +17617,8 @@
                       <a:r>
                         <a:rPr lang="en-US" sz="1400" u="none" strike="noStrike" dirty="0">
                           <a:effectLst/>
+                          <a:latin typeface="Times New Roman" panose="02020603050405020304" pitchFamily="18" charset="0"/>
+                          <a:cs typeface="Times New Roman" panose="02020603050405020304" pitchFamily="18" charset="0"/>
                         </a:rPr>
                         <a:t>0.61±0.03</a:t>
                       </a:r>
@@ -16449,7 +17627,8 @@
                           <a:srgbClr val="000000"/>
                         </a:solidFill>
                         <a:effectLst/>
-                        <a:latin typeface="Franklin Gothic Book" panose="020B0503020102020204"/>
+                        <a:latin typeface="Times New Roman" panose="02020603050405020304" pitchFamily="18" charset="0"/>
+                        <a:cs typeface="Times New Roman" panose="02020603050405020304" pitchFamily="18" charset="0"/>
                       </a:endParaRPr>
                     </a:p>
                   </a:txBody>
@@ -16464,6 +17643,8 @@
                       <a:r>
                         <a:rPr lang="en-US" sz="1400" u="none" strike="noStrike" dirty="0">
                           <a:effectLst/>
+                          <a:latin typeface="Times New Roman" panose="02020603050405020304" pitchFamily="18" charset="0"/>
+                          <a:cs typeface="Times New Roman" panose="02020603050405020304" pitchFamily="18" charset="0"/>
                         </a:rPr>
                         <a:t>0.91±0.11</a:t>
                       </a:r>
@@ -16472,7 +17653,8 @@
                           <a:srgbClr val="000000"/>
                         </a:solidFill>
                         <a:effectLst/>
-                        <a:latin typeface="Franklin Gothic Book" panose="020B0503020102020204"/>
+                        <a:latin typeface="Times New Roman" panose="02020603050405020304" pitchFamily="18" charset="0"/>
+                        <a:cs typeface="Times New Roman" panose="02020603050405020304" pitchFamily="18" charset="0"/>
                       </a:endParaRPr>
                     </a:p>
                   </a:txBody>
@@ -16497,6 +17679,8 @@
                             <a:srgbClr val="FF0000"/>
                           </a:solidFill>
                           <a:effectLst/>
+                          <a:latin typeface="Times New Roman" panose="02020603050405020304" pitchFamily="18" charset="0"/>
+                          <a:cs typeface="Times New Roman" panose="02020603050405020304" pitchFamily="18" charset="0"/>
                         </a:rPr>
                         <a:t>Destruction cross-section ratio</a:t>
                       </a:r>
@@ -16505,7 +17689,8 @@
                           <a:srgbClr val="FF0000"/>
                         </a:solidFill>
                         <a:effectLst/>
-                        <a:latin typeface="Franklin Gothic Book" panose="020B0503020102020204"/>
+                        <a:latin typeface="Times New Roman" panose="02020603050405020304" pitchFamily="18" charset="0"/>
+                        <a:cs typeface="Times New Roman" panose="02020603050405020304" pitchFamily="18" charset="0"/>
                       </a:endParaRPr>
                     </a:p>
                   </a:txBody>
@@ -16530,6 +17715,8 @@
                             <a:srgbClr val="FF0000"/>
                           </a:solidFill>
                           <a:effectLst/>
+                          <a:latin typeface="Times New Roman" panose="02020603050405020304" pitchFamily="18" charset="0"/>
+                          <a:cs typeface="Times New Roman" panose="02020603050405020304" pitchFamily="18" charset="0"/>
                         </a:rPr>
                         <a:t>6.06±0.07</a:t>
                       </a:r>
@@ -16538,7 +17725,8 @@
                           <a:srgbClr val="FF0000"/>
                         </a:solidFill>
                         <a:effectLst/>
-                        <a:latin typeface="Franklin Gothic Book" panose="020B0503020102020204"/>
+                        <a:latin typeface="Times New Roman" panose="02020603050405020304" pitchFamily="18" charset="0"/>
+                        <a:cs typeface="Times New Roman" panose="02020603050405020304" pitchFamily="18" charset="0"/>
                       </a:endParaRPr>
                     </a:p>
                   </a:txBody>
@@ -16563,6 +17751,8 @@
                             <a:srgbClr val="FF0000"/>
                           </a:solidFill>
                           <a:effectLst/>
+                          <a:latin typeface="Times New Roman" panose="02020603050405020304" pitchFamily="18" charset="0"/>
+                          <a:cs typeface="Times New Roman" panose="02020603050405020304" pitchFamily="18" charset="0"/>
                         </a:rPr>
                         <a:t>3.18±0.12</a:t>
                       </a:r>
@@ -16571,7 +17761,8 @@
                           <a:srgbClr val="FF0000"/>
                         </a:solidFill>
                         <a:effectLst/>
-                        <a:latin typeface="Franklin Gothic Book" panose="020B0503020102020204"/>
+                        <a:latin typeface="Times New Roman" panose="02020603050405020304" pitchFamily="18" charset="0"/>
+                        <a:cs typeface="Times New Roman" panose="02020603050405020304" pitchFamily="18" charset="0"/>
                       </a:endParaRPr>
                     </a:p>
                   </a:txBody>
@@ -16600,36 +17791,48 @@
                       <a:r>
                         <a:rPr lang="en-US" sz="1400" u="none" strike="noStrike" dirty="0">
                           <a:effectLst/>
+                          <a:latin typeface="Times New Roman" panose="02020603050405020304" pitchFamily="18" charset="0"/>
+                          <a:cs typeface="Times New Roman" panose="02020603050405020304" pitchFamily="18" charset="0"/>
                         </a:rPr>
                         <a:t>k (photon </a:t>
                       </a:r>
                       <a:r>
                         <a:rPr lang="en-US" sz="1400" u="none" strike="noStrike" baseline="30000" dirty="0">
                           <a:effectLst/>
+                          <a:latin typeface="Times New Roman" panose="02020603050405020304" pitchFamily="18" charset="0"/>
+                          <a:cs typeface="Times New Roman" panose="02020603050405020304" pitchFamily="18" charset="0"/>
                         </a:rPr>
                         <a:t>-</a:t>
                       </a:r>
                       <a:r>
                         <a:rPr lang="en-US" sz="1400" u="none" strike="noStrike" baseline="30000" dirty="0" smtClean="0">
                           <a:effectLst/>
+                          <a:latin typeface="Times New Roman" panose="02020603050405020304" pitchFamily="18" charset="0"/>
+                          <a:cs typeface="Times New Roman" panose="02020603050405020304" pitchFamily="18" charset="0"/>
                         </a:rPr>
                         <a:t>1</a:t>
                       </a:r>
                       <a:r>
                         <a:rPr lang="en-HK" sz="1400" u="none" strike="noStrike" dirty="0" smtClean="0">
                           <a:effectLst/>
+                          <a:latin typeface="Times New Roman" panose="02020603050405020304" pitchFamily="18" charset="0"/>
+                          <a:cs typeface="Times New Roman" panose="02020603050405020304" pitchFamily="18" charset="0"/>
                         </a:rPr>
                         <a:t>cm</a:t>
                       </a:r>
                       <a:r>
                         <a:rPr lang="en-HK" sz="1400" u="none" strike="noStrike" baseline="30000" dirty="0" smtClean="0">
                           <a:effectLst/>
+                          <a:latin typeface="Times New Roman" panose="02020603050405020304" pitchFamily="18" charset="0"/>
+                          <a:cs typeface="Times New Roman" panose="02020603050405020304" pitchFamily="18" charset="0"/>
                         </a:rPr>
                         <a:t>2</a:t>
                       </a:r>
                       <a:r>
                         <a:rPr lang="en-HK" sz="1400" u="none" strike="noStrike" dirty="0" smtClean="0">
                           <a:effectLst/>
+                          <a:latin typeface="Times New Roman" panose="02020603050405020304" pitchFamily="18" charset="0"/>
+                          <a:cs typeface="Times New Roman" panose="02020603050405020304" pitchFamily="18" charset="0"/>
                         </a:rPr>
                         <a:t>)</a:t>
                       </a:r>
@@ -16638,7 +17841,8 @@
                           <a:srgbClr val="000000"/>
                         </a:solidFill>
                         <a:effectLst/>
-                        <a:latin typeface="Franklin Gothic Book" panose="020B0503020102020204"/>
+                        <a:latin typeface="Times New Roman" panose="02020603050405020304" pitchFamily="18" charset="0"/>
+                        <a:cs typeface="Times New Roman" panose="02020603050405020304" pitchFamily="18" charset="0"/>
                       </a:endParaRPr>
                     </a:p>
                   </a:txBody>
@@ -16653,42 +17857,56 @@
                       <a:r>
                         <a:rPr lang="en-US" sz="1400" u="none" strike="noStrike" dirty="0" smtClean="0">
                           <a:effectLst/>
+                          <a:latin typeface="Times New Roman" panose="02020603050405020304" pitchFamily="18" charset="0"/>
+                          <a:cs typeface="Times New Roman" panose="02020603050405020304" pitchFamily="18" charset="0"/>
                         </a:rPr>
                         <a:t>CH</a:t>
                       </a:r>
                       <a:r>
                         <a:rPr lang="en-US" sz="1400" u="none" strike="noStrike" baseline="-25000" dirty="0" smtClean="0">
                           <a:effectLst/>
+                          <a:latin typeface="Times New Roman" panose="02020603050405020304" pitchFamily="18" charset="0"/>
+                          <a:cs typeface="Times New Roman" panose="02020603050405020304" pitchFamily="18" charset="0"/>
                         </a:rPr>
                         <a:t>4 </a:t>
                       </a:r>
                       <a:r>
                         <a:rPr lang="en-US" sz="1400" u="none" strike="noStrike" baseline="0" dirty="0" smtClean="0">
                           <a:effectLst/>
+                          <a:latin typeface="Times New Roman" panose="02020603050405020304" pitchFamily="18" charset="0"/>
+                          <a:cs typeface="Times New Roman" panose="02020603050405020304" pitchFamily="18" charset="0"/>
                         </a:rPr>
                         <a:t>:</a:t>
                       </a:r>
                       <a:r>
                         <a:rPr lang="en-US" sz="1400" u="none" strike="noStrike" baseline="-25000" dirty="0" smtClean="0">
                           <a:effectLst/>
+                          <a:latin typeface="Times New Roman" panose="02020603050405020304" pitchFamily="18" charset="0"/>
+                          <a:cs typeface="Times New Roman" panose="02020603050405020304" pitchFamily="18" charset="0"/>
                         </a:rPr>
                         <a:t> </a:t>
                       </a:r>
                       <a:r>
                         <a:rPr lang="en-US" sz="1400" u="none" strike="noStrike" dirty="0" smtClean="0">
                           <a:effectLst/>
+                          <a:latin typeface="Times New Roman" panose="02020603050405020304" pitchFamily="18" charset="0"/>
+                          <a:cs typeface="Times New Roman" panose="02020603050405020304" pitchFamily="18" charset="0"/>
                         </a:rPr>
                         <a:t>NH</a:t>
                       </a:r>
                       <a:r>
                         <a:rPr lang="en-US" sz="1400" u="none" strike="noStrike" baseline="-25000" dirty="0" smtClean="0">
                           <a:effectLst/>
+                          <a:latin typeface="Times New Roman" panose="02020603050405020304" pitchFamily="18" charset="0"/>
+                          <a:cs typeface="Times New Roman" panose="02020603050405020304" pitchFamily="18" charset="0"/>
                         </a:rPr>
                         <a:t>3 </a:t>
                       </a:r>
                       <a:r>
                         <a:rPr lang="en-US" sz="1400" u="none" strike="noStrike" dirty="0" smtClean="0">
                           <a:effectLst/>
+                          <a:latin typeface="Times New Roman" panose="02020603050405020304" pitchFamily="18" charset="0"/>
+                          <a:cs typeface="Times New Roman" panose="02020603050405020304" pitchFamily="18" charset="0"/>
                         </a:rPr>
                         <a:t>3:2</a:t>
                       </a:r>
@@ -16698,24 +17916,32 @@
                       <a:r>
                         <a:rPr lang="en-US" sz="1400" u="none" strike="noStrike" dirty="0" smtClean="0">
                           <a:effectLst/>
+                          <a:latin typeface="Times New Roman" panose="02020603050405020304" pitchFamily="18" charset="0"/>
+                          <a:cs typeface="Times New Roman" panose="02020603050405020304" pitchFamily="18" charset="0"/>
                         </a:rPr>
                         <a:t> (</a:t>
                       </a:r>
                       <a:r>
                         <a:rPr lang="en-US" sz="1400" u="none" strike="noStrike" dirty="0">
                           <a:effectLst/>
+                          <a:latin typeface="Times New Roman" panose="02020603050405020304" pitchFamily="18" charset="0"/>
+                          <a:cs typeface="Times New Roman" panose="02020603050405020304" pitchFamily="18" charset="0"/>
                         </a:rPr>
                         <a:t>x 10</a:t>
                       </a:r>
                       <a:r>
                         <a:rPr lang="en-US" sz="1400" u="none" strike="noStrike" baseline="30000" dirty="0">
                           <a:effectLst/>
+                          <a:latin typeface="Times New Roman" panose="02020603050405020304" pitchFamily="18" charset="0"/>
+                          <a:cs typeface="Times New Roman" panose="02020603050405020304" pitchFamily="18" charset="0"/>
                         </a:rPr>
                         <a:t>-18</a:t>
                       </a:r>
                       <a:r>
                         <a:rPr lang="en-US" sz="1400" u="none" strike="noStrike" dirty="0">
                           <a:effectLst/>
+                          <a:latin typeface="Times New Roman" panose="02020603050405020304" pitchFamily="18" charset="0"/>
+                          <a:cs typeface="Times New Roman" panose="02020603050405020304" pitchFamily="18" charset="0"/>
                         </a:rPr>
                         <a:t>)</a:t>
                       </a:r>
@@ -16724,7 +17950,8 @@
                           <a:srgbClr val="000000"/>
                         </a:solidFill>
                         <a:effectLst/>
-                        <a:latin typeface="Franklin Gothic Book" panose="020B0503020102020204"/>
+                        <a:latin typeface="Times New Roman" panose="02020603050405020304" pitchFamily="18" charset="0"/>
+                        <a:cs typeface="Times New Roman" panose="02020603050405020304" pitchFamily="18" charset="0"/>
                       </a:endParaRPr>
                     </a:p>
                   </a:txBody>
@@ -16739,54 +17966,72 @@
                       <a:r>
                         <a:rPr lang="en-US" sz="1400" u="none" strike="noStrike" dirty="0" smtClean="0">
                           <a:effectLst/>
+                          <a:latin typeface="Times New Roman" panose="02020603050405020304" pitchFamily="18" charset="0"/>
+                          <a:cs typeface="Times New Roman" panose="02020603050405020304" pitchFamily="18" charset="0"/>
                         </a:rPr>
                         <a:t>CH</a:t>
                       </a:r>
                       <a:r>
                         <a:rPr lang="en-US" sz="1400" u="none" strike="noStrike" baseline="-25000" dirty="0" smtClean="0">
                           <a:effectLst/>
+                          <a:latin typeface="Times New Roman" panose="02020603050405020304" pitchFamily="18" charset="0"/>
+                          <a:cs typeface="Times New Roman" panose="02020603050405020304" pitchFamily="18" charset="0"/>
                         </a:rPr>
                         <a:t>4 </a:t>
                       </a:r>
                       <a:r>
                         <a:rPr lang="en-US" sz="1400" u="none" strike="noStrike" baseline="0" dirty="0" smtClean="0">
                           <a:effectLst/>
+                          <a:latin typeface="Times New Roman" panose="02020603050405020304" pitchFamily="18" charset="0"/>
+                          <a:cs typeface="Times New Roman" panose="02020603050405020304" pitchFamily="18" charset="0"/>
                         </a:rPr>
                         <a:t>: </a:t>
                       </a:r>
                       <a:r>
                         <a:rPr lang="en-US" sz="1400" u="none" strike="noStrike" dirty="0" smtClean="0">
                           <a:effectLst/>
+                          <a:latin typeface="Times New Roman" panose="02020603050405020304" pitchFamily="18" charset="0"/>
+                          <a:cs typeface="Times New Roman" panose="02020603050405020304" pitchFamily="18" charset="0"/>
                         </a:rPr>
                         <a:t>NH</a:t>
                       </a:r>
                       <a:r>
                         <a:rPr lang="en-US" sz="1400" u="none" strike="noStrike" baseline="-25000" dirty="0" smtClean="0">
                           <a:effectLst/>
+                          <a:latin typeface="Times New Roman" panose="02020603050405020304" pitchFamily="18" charset="0"/>
+                          <a:cs typeface="Times New Roman" panose="02020603050405020304" pitchFamily="18" charset="0"/>
                         </a:rPr>
                         <a:t>3 </a:t>
                       </a:r>
                       <a:r>
                         <a:rPr lang="en-US" sz="1400" u="none" strike="noStrike" dirty="0" smtClean="0">
                           <a:effectLst/>
+                          <a:latin typeface="Times New Roman" panose="02020603050405020304" pitchFamily="18" charset="0"/>
+                          <a:cs typeface="Times New Roman" panose="02020603050405020304" pitchFamily="18" charset="0"/>
                         </a:rPr>
                         <a:t>1:5 </a:t>
                       </a:r>
                       <a:r>
                         <a:rPr lang="en-US" sz="1400" u="none" strike="noStrike" dirty="0">
                           <a:effectLst/>
+                          <a:latin typeface="Times New Roman" panose="02020603050405020304" pitchFamily="18" charset="0"/>
+                          <a:cs typeface="Times New Roman" panose="02020603050405020304" pitchFamily="18" charset="0"/>
                         </a:rPr>
                         <a:t>(x10</a:t>
                       </a:r>
                       <a:r>
                         <a:rPr lang="en-US" sz="1400" u="none" strike="noStrike" baseline="30000" dirty="0">
                           <a:effectLst/>
+                          <a:latin typeface="Times New Roman" panose="02020603050405020304" pitchFamily="18" charset="0"/>
+                          <a:cs typeface="Times New Roman" panose="02020603050405020304" pitchFamily="18" charset="0"/>
                         </a:rPr>
                         <a:t>-18</a:t>
                       </a:r>
                       <a:r>
                         <a:rPr lang="en-US" sz="1400" u="none" strike="noStrike" dirty="0">
                           <a:effectLst/>
+                          <a:latin typeface="Times New Roman" panose="02020603050405020304" pitchFamily="18" charset="0"/>
+                          <a:cs typeface="Times New Roman" panose="02020603050405020304" pitchFamily="18" charset="0"/>
                         </a:rPr>
                         <a:t>)</a:t>
                       </a:r>
@@ -16795,7 +18040,8 @@
                           <a:srgbClr val="000000"/>
                         </a:solidFill>
                         <a:effectLst/>
-                        <a:latin typeface="Franklin Gothic Book" panose="020B0503020102020204"/>
+                        <a:latin typeface="Times New Roman" panose="02020603050405020304" pitchFamily="18" charset="0"/>
+                        <a:cs typeface="Times New Roman" panose="02020603050405020304" pitchFamily="18" charset="0"/>
                       </a:endParaRPr>
                     </a:p>
                   </a:txBody>
@@ -16817,6 +18063,8 @@
                       <a:r>
                         <a:rPr lang="en-US" sz="1400" u="none" strike="noStrike" dirty="0">
                           <a:effectLst/>
+                          <a:latin typeface="Times New Roman" panose="02020603050405020304" pitchFamily="18" charset="0"/>
+                          <a:cs typeface="Times New Roman" panose="02020603050405020304" pitchFamily="18" charset="0"/>
                         </a:rPr>
                         <a:t>VUV (MDHL)</a:t>
                       </a:r>
@@ -16825,7 +18073,8 @@
                           <a:srgbClr val="000000"/>
                         </a:solidFill>
                         <a:effectLst/>
-                        <a:latin typeface="Franklin Gothic Book" panose="020B0503020102020204"/>
+                        <a:latin typeface="Times New Roman" panose="02020603050405020304" pitchFamily="18" charset="0"/>
+                        <a:cs typeface="Times New Roman" panose="02020603050405020304" pitchFamily="18" charset="0"/>
                       </a:endParaRPr>
                     </a:p>
                   </a:txBody>
@@ -16840,6 +18089,8 @@
                       <a:r>
                         <a:rPr lang="en-US" sz="1400" u="none" strike="noStrike">
                           <a:effectLst/>
+                          <a:latin typeface="Times New Roman" panose="02020603050405020304" pitchFamily="18" charset="0"/>
+                          <a:cs typeface="Times New Roman" panose="02020603050405020304" pitchFamily="18" charset="0"/>
                         </a:rPr>
                         <a:t>8.21±0.70</a:t>
                       </a:r>
@@ -16848,7 +18099,8 @@
                           <a:srgbClr val="000000"/>
                         </a:solidFill>
                         <a:effectLst/>
-                        <a:latin typeface="Franklin Gothic Book" panose="020B0503020102020204"/>
+                        <a:latin typeface="Times New Roman" panose="02020603050405020304" pitchFamily="18" charset="0"/>
+                        <a:cs typeface="Times New Roman" panose="02020603050405020304" pitchFamily="18" charset="0"/>
                       </a:endParaRPr>
                     </a:p>
                   </a:txBody>
@@ -16863,6 +18115,8 @@
                       <a:r>
                         <a:rPr lang="en-US" sz="1400" u="none" strike="noStrike" dirty="0" smtClean="0">
                           <a:effectLst/>
+                          <a:latin typeface="Times New Roman" panose="02020603050405020304" pitchFamily="18" charset="0"/>
+                          <a:cs typeface="Times New Roman" panose="02020603050405020304" pitchFamily="18" charset="0"/>
                         </a:rPr>
                         <a:t> 1.93±0.19</a:t>
                       </a:r>
@@ -16871,7 +18125,8 @@
                           <a:srgbClr val="000000"/>
                         </a:solidFill>
                         <a:effectLst/>
-                        <a:latin typeface="Franklin Gothic Book" panose="020B0503020102020204"/>
+                        <a:latin typeface="Times New Roman" panose="02020603050405020304" pitchFamily="18" charset="0"/>
+                        <a:cs typeface="Times New Roman" panose="02020603050405020304" pitchFamily="18" charset="0"/>
                       </a:endParaRPr>
                     </a:p>
                   </a:txBody>
@@ -16893,6 +18148,8 @@
                       <a:r>
                         <a:rPr lang="en-US" sz="1400" u="none" strike="noStrike">
                           <a:effectLst/>
+                          <a:latin typeface="Times New Roman" panose="02020603050405020304" pitchFamily="18" charset="0"/>
+                          <a:cs typeface="Times New Roman" panose="02020603050405020304" pitchFamily="18" charset="0"/>
                         </a:rPr>
                         <a:t>EUV (30.4nm)</a:t>
                       </a:r>
@@ -16901,7 +18158,8 @@
                           <a:srgbClr val="000000"/>
                         </a:solidFill>
                         <a:effectLst/>
-                        <a:latin typeface="Franklin Gothic Book" panose="020B0503020102020204"/>
+                        <a:latin typeface="Times New Roman" panose="02020603050405020304" pitchFamily="18" charset="0"/>
+                        <a:cs typeface="Times New Roman" panose="02020603050405020304" pitchFamily="18" charset="0"/>
                       </a:endParaRPr>
                     </a:p>
                   </a:txBody>
@@ -16916,6 +18174,8 @@
                       <a:r>
                         <a:rPr lang="en-US" sz="1400" u="none" strike="noStrike">
                           <a:effectLst/>
+                          <a:latin typeface="Times New Roman" panose="02020603050405020304" pitchFamily="18" charset="0"/>
+                          <a:cs typeface="Times New Roman" panose="02020603050405020304" pitchFamily="18" charset="0"/>
                         </a:rPr>
                         <a:t>1.92±1.99</a:t>
                       </a:r>
@@ -16924,7 +18184,8 @@
                           <a:srgbClr val="000000"/>
                         </a:solidFill>
                         <a:effectLst/>
-                        <a:latin typeface="Franklin Gothic Book" panose="020B0503020102020204"/>
+                        <a:latin typeface="Times New Roman" panose="02020603050405020304" pitchFamily="18" charset="0"/>
+                        <a:cs typeface="Times New Roman" panose="02020603050405020304" pitchFamily="18" charset="0"/>
                       </a:endParaRPr>
                     </a:p>
                   </a:txBody>
@@ -16939,6 +18200,8 @@
                       <a:r>
                         <a:rPr lang="en-US" sz="1400" u="none" strike="noStrike" dirty="0">
                           <a:effectLst/>
+                          <a:latin typeface="Times New Roman" panose="02020603050405020304" pitchFamily="18" charset="0"/>
+                          <a:cs typeface="Times New Roman" panose="02020603050405020304" pitchFamily="18" charset="0"/>
                         </a:rPr>
                         <a:t>0.63±0.37</a:t>
                       </a:r>
@@ -16947,7 +18210,8 @@
                           <a:srgbClr val="000000"/>
                         </a:solidFill>
                         <a:effectLst/>
-                        <a:latin typeface="Franklin Gothic Book" panose="020B0503020102020204"/>
+                        <a:latin typeface="Times New Roman" panose="02020603050405020304" pitchFamily="18" charset="0"/>
+                        <a:cs typeface="Times New Roman" panose="02020603050405020304" pitchFamily="18" charset="0"/>
                       </a:endParaRPr>
                     </a:p>
                   </a:txBody>
@@ -16972,6 +18236,8 @@
                             <a:srgbClr val="0070C0"/>
                           </a:solidFill>
                           <a:effectLst/>
+                          <a:latin typeface="Times New Roman" panose="02020603050405020304" pitchFamily="18" charset="0"/>
+                          <a:cs typeface="Times New Roman" panose="02020603050405020304" pitchFamily="18" charset="0"/>
                         </a:rPr>
                         <a:t>CN</a:t>
                       </a:r>
@@ -16981,6 +18247,8 @@
                             <a:srgbClr val="0070C0"/>
                           </a:solidFill>
                           <a:effectLst/>
+                          <a:latin typeface="Times New Roman" panose="02020603050405020304" pitchFamily="18" charset="0"/>
+                          <a:cs typeface="Times New Roman" panose="02020603050405020304" pitchFamily="18" charset="0"/>
                         </a:rPr>
                         <a:t>-</a:t>
                       </a:r>
@@ -16990,6 +18258,8 @@
                             <a:srgbClr val="0070C0"/>
                           </a:solidFill>
                           <a:effectLst/>
+                          <a:latin typeface="Times New Roman" panose="02020603050405020304" pitchFamily="18" charset="0"/>
+                          <a:cs typeface="Times New Roman" panose="02020603050405020304" pitchFamily="18" charset="0"/>
                         </a:rPr>
                         <a:t> production ratio</a:t>
                       </a:r>
@@ -16998,7 +18268,8 @@
                           <a:srgbClr val="0070C0"/>
                         </a:solidFill>
                         <a:effectLst/>
-                        <a:latin typeface="Franklin Gothic Book" panose="020B0503020102020204"/>
+                        <a:latin typeface="Times New Roman" panose="02020603050405020304" pitchFamily="18" charset="0"/>
+                        <a:cs typeface="Times New Roman" panose="02020603050405020304" pitchFamily="18" charset="0"/>
                       </a:endParaRPr>
                     </a:p>
                   </a:txBody>
@@ -17023,6 +18294,8 @@
                             <a:srgbClr val="0070C0"/>
                           </a:solidFill>
                           <a:effectLst/>
+                          <a:latin typeface="Times New Roman" panose="02020603050405020304" pitchFamily="18" charset="0"/>
+                          <a:cs typeface="Times New Roman" panose="02020603050405020304" pitchFamily="18" charset="0"/>
                         </a:rPr>
                         <a:t>4.28</a:t>
                       </a:r>
@@ -17031,7 +18304,8 @@
                           <a:srgbClr val="0070C0"/>
                         </a:solidFill>
                         <a:effectLst/>
-                        <a:latin typeface="Franklin Gothic Book" panose="020B0503020102020204"/>
+                        <a:latin typeface="Times New Roman" panose="02020603050405020304" pitchFamily="18" charset="0"/>
+                        <a:cs typeface="Times New Roman" panose="02020603050405020304" pitchFamily="18" charset="0"/>
                       </a:endParaRPr>
                     </a:p>
                   </a:txBody>
@@ -17056,6 +18330,8 @@
                             <a:srgbClr val="0070C0"/>
                           </a:solidFill>
                           <a:effectLst/>
+                          <a:latin typeface="Times New Roman" panose="02020603050405020304" pitchFamily="18" charset="0"/>
+                          <a:cs typeface="Times New Roman" panose="02020603050405020304" pitchFamily="18" charset="0"/>
                         </a:rPr>
                         <a:t>3.06</a:t>
                       </a:r>
@@ -17064,7 +18340,8 @@
                           <a:srgbClr val="0070C0"/>
                         </a:solidFill>
                         <a:effectLst/>
-                        <a:latin typeface="Franklin Gothic Book" panose="020B0503020102020204"/>
+                        <a:latin typeface="Times New Roman" panose="02020603050405020304" pitchFamily="18" charset="0"/>
+                        <a:cs typeface="Times New Roman" panose="02020603050405020304" pitchFamily="18" charset="0"/>
                       </a:endParaRPr>
                     </a:p>
                   </a:txBody>
@@ -17109,7 +18386,7 @@
           <a:graphicData uri="http://schemas.openxmlformats.org/presentationml/2006/ole">
             <mc:AlternateContent xmlns:mc="http://schemas.openxmlformats.org/markup-compatibility/2006">
               <mc:Choice xmlns:v="urn:schemas-microsoft-com:vml" Requires="v">
-                <p:oleObj spid="_x0000_s3832" name="Graph" r:id="rId3" imgW="4754880" imgH="3108960" progId="Origin50.Graph">
+                <p:oleObj spid="_x0000_s3849" name="Graph" r:id="rId3" imgW="4754880" imgH="3108960" progId="Origin50.Graph">
                   <p:embed/>
                 </p:oleObj>
               </mc:Choice>
@@ -17194,20 +18471,29 @@
         <p:spPr/>
         <p:txBody>
           <a:bodyPr>
-            <a:normAutofit fontScale="90000"/>
+            <a:normAutofit/>
           </a:bodyPr>
           <a:lstStyle/>
           <a:p>
             <a:r>
-              <a:rPr lang="en-HK" dirty="0" smtClean="0"/>
+              <a:rPr lang="en-HK" dirty="0" smtClean="0">
+                <a:latin typeface="Times New Roman" panose="02020603050405020304" pitchFamily="18" charset="0"/>
+                <a:cs typeface="Times New Roman" panose="02020603050405020304" pitchFamily="18" charset="0"/>
+              </a:rPr>
               <a:t>3. Energy needed for forming radicals by </a:t>
             </a:r>
             <a:r>
-              <a:rPr lang="en-HK" dirty="0"/>
+              <a:rPr lang="en-HK" dirty="0">
+                <a:latin typeface="Times New Roman" panose="02020603050405020304" pitchFamily="18" charset="0"/>
+                <a:cs typeface="Times New Roman" panose="02020603050405020304" pitchFamily="18" charset="0"/>
+              </a:rPr>
               <a:t>EUV </a:t>
             </a:r>
             <a:r>
-              <a:rPr lang="en-HK" dirty="0" smtClean="0"/>
+              <a:rPr lang="en-HK" dirty="0" smtClean="0">
+                <a:latin typeface="Times New Roman" panose="02020603050405020304" pitchFamily="18" charset="0"/>
+                <a:cs typeface="Times New Roman" panose="02020603050405020304" pitchFamily="18" charset="0"/>
+              </a:rPr>
               <a:t>(40.1 eV) and VUV (</a:t>
             </a:r>
             <a:r>
@@ -17215,14 +18501,22 @@
                 <a:solidFill>
                   <a:srgbClr val="0070C0"/>
                 </a:solidFill>
+                <a:latin typeface="Times New Roman" panose="02020603050405020304" pitchFamily="18" charset="0"/>
+                <a:cs typeface="Times New Roman" panose="02020603050405020304" pitchFamily="18" charset="0"/>
               </a:rPr>
               <a:t>9.27</a:t>
             </a:r>
             <a:r>
-              <a:rPr lang="en-HK" dirty="0" smtClean="0"/>
+              <a:rPr lang="en-HK" dirty="0" smtClean="0">
+                <a:latin typeface="Times New Roman" panose="02020603050405020304" pitchFamily="18" charset="0"/>
+                <a:cs typeface="Times New Roman" panose="02020603050405020304" pitchFamily="18" charset="0"/>
+              </a:rPr>
               <a:t> eV)</a:t>
             </a:r>
-            <a:endParaRPr lang="en-US" dirty="0"/>
+            <a:endParaRPr lang="en-US" dirty="0">
+              <a:latin typeface="Times New Roman" panose="02020603050405020304" pitchFamily="18" charset="0"/>
+              <a:cs typeface="Times New Roman" panose="02020603050405020304" pitchFamily="18" charset="0"/>
+            </a:endParaRPr>
           </a:p>
         </p:txBody>
       </p:sp>
@@ -17236,7 +18530,7 @@
             <p:ph idx="1"/>
             <p:extLst>
               <p:ext uri="{D42A27DB-BD31-4B8C-83A1-F6EECF244321}">
-                <p14:modId xmlns:p14="http://schemas.microsoft.com/office/powerpoint/2010/main" val="4057121118"/>
+                <p14:modId xmlns:p14="http://schemas.microsoft.com/office/powerpoint/2010/main" val="4000562575"/>
               </p:ext>
             </p:extLst>
           </p:nvPr>
@@ -17280,12 +18574,18 @@
                     <a:bodyPr/>
                     <a:lstStyle/>
                     <a:p>
-                      <a:pPr algn="l"/>
+                      <a:pPr algn="ctr"/>
                       <a:r>
-                        <a:rPr lang="en-US" sz="2400" dirty="0" smtClean="0"/>
+                        <a:rPr lang="en-US" sz="2400" dirty="0" smtClean="0">
+                          <a:latin typeface="Times New Roman" panose="02020603050405020304" pitchFamily="18" charset="0"/>
+                          <a:cs typeface="Times New Roman" panose="02020603050405020304" pitchFamily="18" charset="0"/>
+                        </a:rPr>
                         <a:t>Radicals                  species</a:t>
                       </a:r>
-                      <a:endParaRPr lang="en-US" sz="2400" dirty="0"/>
+                      <a:endParaRPr lang="en-US" sz="2400" dirty="0">
+                        <a:latin typeface="Times New Roman" panose="02020603050405020304" pitchFamily="18" charset="0"/>
+                        <a:cs typeface="Times New Roman" panose="02020603050405020304" pitchFamily="18" charset="0"/>
+                      </a:endParaRPr>
                     </a:p>
                   </a:txBody>
                   <a:tcPr marL="90325" marR="90325" anchor="ctr"/>
@@ -17297,14 +18597,23 @@
                     <a:p>
                       <a:pPr algn="ctr"/>
                       <a:r>
-                        <a:rPr lang="en-HK" sz="2400" dirty="0" smtClean="0"/>
+                        <a:rPr lang="en-HK" sz="2400" dirty="0" smtClean="0">
+                          <a:latin typeface="Times New Roman" panose="02020603050405020304" pitchFamily="18" charset="0"/>
+                          <a:cs typeface="Times New Roman" panose="02020603050405020304" pitchFamily="18" charset="0"/>
+                        </a:rPr>
                         <a:t>CH</a:t>
                       </a:r>
                       <a:r>
-                        <a:rPr lang="en-HK" sz="2400" baseline="-25000" dirty="0" smtClean="0"/>
+                        <a:rPr lang="en-HK" sz="2400" baseline="-25000" dirty="0" smtClean="0">
+                          <a:latin typeface="Times New Roman" panose="02020603050405020304" pitchFamily="18" charset="0"/>
+                          <a:cs typeface="Times New Roman" panose="02020603050405020304" pitchFamily="18" charset="0"/>
+                        </a:rPr>
                         <a:t>4</a:t>
                       </a:r>
-                      <a:endParaRPr lang="en-US" sz="2400" baseline="-25000" dirty="0"/>
+                      <a:endParaRPr lang="en-US" sz="2400" baseline="-25000" dirty="0">
+                        <a:latin typeface="Times New Roman" panose="02020603050405020304" pitchFamily="18" charset="0"/>
+                        <a:cs typeface="Times New Roman" panose="02020603050405020304" pitchFamily="18" charset="0"/>
+                      </a:endParaRPr>
                     </a:p>
                   </a:txBody>
                   <a:tcPr marL="90325" marR="90325" anchor="ctr"/>
@@ -17316,14 +18625,23 @@
                     <a:p>
                       <a:pPr algn="ctr"/>
                       <a:r>
-                        <a:rPr lang="en-HK" sz="2400" dirty="0" smtClean="0"/>
+                        <a:rPr lang="en-HK" sz="2400" dirty="0" smtClean="0">
+                          <a:latin typeface="Times New Roman" panose="02020603050405020304" pitchFamily="18" charset="0"/>
+                          <a:cs typeface="Times New Roman" panose="02020603050405020304" pitchFamily="18" charset="0"/>
+                        </a:rPr>
                         <a:t>NH</a:t>
                       </a:r>
                       <a:r>
-                        <a:rPr lang="en-HK" sz="2400" baseline="-25000" dirty="0" smtClean="0"/>
+                        <a:rPr lang="en-HK" sz="2400" baseline="-25000" dirty="0" smtClean="0">
+                          <a:latin typeface="Times New Roman" panose="02020603050405020304" pitchFamily="18" charset="0"/>
+                          <a:cs typeface="Times New Roman" panose="02020603050405020304" pitchFamily="18" charset="0"/>
+                        </a:rPr>
                         <a:t>3</a:t>
                       </a:r>
-                      <a:endParaRPr lang="en-US" sz="2400" baseline="-25000" dirty="0"/>
+                      <a:endParaRPr lang="en-US" sz="2400" baseline="-25000" dirty="0">
+                        <a:latin typeface="Times New Roman" panose="02020603050405020304" pitchFamily="18" charset="0"/>
+                        <a:cs typeface="Times New Roman" panose="02020603050405020304" pitchFamily="18" charset="0"/>
+                      </a:endParaRPr>
                     </a:p>
                   </a:txBody>
                   <a:tcPr marL="90325" marR="90325" anchor="ctr"/>
@@ -17342,10 +18660,16 @@
                     <a:p>
                       <a:pPr algn="ctr"/>
                       <a:r>
-                        <a:rPr lang="en-HK" sz="2400" dirty="0" smtClean="0"/>
+                        <a:rPr lang="en-HK" sz="2400" dirty="0" smtClean="0">
+                          <a:latin typeface="Times New Roman" panose="02020603050405020304" pitchFamily="18" charset="0"/>
+                          <a:cs typeface="Times New Roman" panose="02020603050405020304" pitchFamily="18" charset="0"/>
+                        </a:rPr>
                         <a:t>- 1 H</a:t>
                       </a:r>
-                      <a:endParaRPr lang="en-US" sz="2400" dirty="0"/>
+                      <a:endParaRPr lang="en-US" sz="2400" dirty="0">
+                        <a:latin typeface="Times New Roman" panose="02020603050405020304" pitchFamily="18" charset="0"/>
+                        <a:cs typeface="Times New Roman" panose="02020603050405020304" pitchFamily="18" charset="0"/>
+                      </a:endParaRPr>
                     </a:p>
                   </a:txBody>
                   <a:tcPr marL="90325" marR="90325" anchor="ctr"/>
@@ -17357,10 +18681,16 @@
                     <a:p>
                       <a:pPr algn="ctr"/>
                       <a:r>
-                        <a:rPr lang="en-HK" sz="2400" dirty="0" smtClean="0"/>
+                        <a:rPr lang="en-HK" sz="2400" dirty="0" smtClean="0">
+                          <a:latin typeface="Times New Roman" panose="02020603050405020304" pitchFamily="18" charset="0"/>
+                          <a:cs typeface="Times New Roman" panose="02020603050405020304" pitchFamily="18" charset="0"/>
+                        </a:rPr>
                         <a:t>4.55 eV</a:t>
                       </a:r>
-                      <a:endParaRPr lang="en-US" sz="2400" dirty="0"/>
+                      <a:endParaRPr lang="en-US" sz="2400" dirty="0">
+                        <a:latin typeface="Times New Roman" panose="02020603050405020304" pitchFamily="18" charset="0"/>
+                        <a:cs typeface="Times New Roman" panose="02020603050405020304" pitchFamily="18" charset="0"/>
+                      </a:endParaRPr>
                     </a:p>
                   </a:txBody>
                   <a:tcPr marL="90325" marR="90325" anchor="ctr"/>
@@ -17372,10 +18702,16 @@
                     <a:p>
                       <a:pPr algn="ctr"/>
                       <a:r>
-                        <a:rPr lang="en-HK" sz="2400" dirty="0" smtClean="0"/>
+                        <a:rPr lang="en-HK" sz="2400" dirty="0" smtClean="0">
+                          <a:latin typeface="Times New Roman" panose="02020603050405020304" pitchFamily="18" charset="0"/>
+                          <a:cs typeface="Times New Roman" panose="02020603050405020304" pitchFamily="18" charset="0"/>
+                        </a:rPr>
                         <a:t>4.67 eV</a:t>
                       </a:r>
-                      <a:endParaRPr lang="en-US" sz="2400" dirty="0"/>
+                      <a:endParaRPr lang="en-US" sz="2400" dirty="0">
+                        <a:latin typeface="Times New Roman" panose="02020603050405020304" pitchFamily="18" charset="0"/>
+                        <a:cs typeface="Times New Roman" panose="02020603050405020304" pitchFamily="18" charset="0"/>
+                      </a:endParaRPr>
                     </a:p>
                   </a:txBody>
                   <a:tcPr marL="90325" marR="90325" anchor="ctr"/>
@@ -17394,10 +18730,16 @@
                     <a:p>
                       <a:pPr algn="ctr"/>
                       <a:r>
-                        <a:rPr lang="en-HK" sz="2400" dirty="0" smtClean="0"/>
+                        <a:rPr lang="en-HK" sz="2400" dirty="0" smtClean="0">
+                          <a:latin typeface="Times New Roman" panose="02020603050405020304" pitchFamily="18" charset="0"/>
+                          <a:cs typeface="Times New Roman" panose="02020603050405020304" pitchFamily="18" charset="0"/>
+                        </a:rPr>
                         <a:t>-2 H</a:t>
                       </a:r>
-                      <a:endParaRPr lang="en-US" sz="2400" dirty="0"/>
+                      <a:endParaRPr lang="en-US" sz="2400" dirty="0">
+                        <a:latin typeface="Times New Roman" panose="02020603050405020304" pitchFamily="18" charset="0"/>
+                        <a:cs typeface="Times New Roman" panose="02020603050405020304" pitchFamily="18" charset="0"/>
+                      </a:endParaRPr>
                     </a:p>
                   </a:txBody>
                   <a:tcPr marL="90325" marR="90325" anchor="ctr"/>
@@ -17409,10 +18751,16 @@
                     <a:p>
                       <a:pPr algn="ctr"/>
                       <a:r>
-                        <a:rPr lang="en-HK" sz="2400" dirty="0" smtClean="0"/>
+                        <a:rPr lang="en-HK" sz="2400" dirty="0" smtClean="0">
+                          <a:latin typeface="Times New Roman" panose="02020603050405020304" pitchFamily="18" charset="0"/>
+                          <a:cs typeface="Times New Roman" panose="02020603050405020304" pitchFamily="18" charset="0"/>
+                        </a:rPr>
                         <a:t>4.78 eV</a:t>
                       </a:r>
-                      <a:endParaRPr lang="en-US" sz="2400" dirty="0"/>
+                      <a:endParaRPr lang="en-US" sz="2400" dirty="0">
+                        <a:latin typeface="Times New Roman" panose="02020603050405020304" pitchFamily="18" charset="0"/>
+                        <a:cs typeface="Times New Roman" panose="02020603050405020304" pitchFamily="18" charset="0"/>
+                      </a:endParaRPr>
                     </a:p>
                   </a:txBody>
                   <a:tcPr marL="90325" marR="90325" anchor="ctr"/>
@@ -17424,10 +18772,16 @@
                     <a:p>
                       <a:pPr algn="ctr"/>
                       <a:r>
-                        <a:rPr lang="en-HK" sz="2400" dirty="0" smtClean="0"/>
+                        <a:rPr lang="en-HK" sz="2400" dirty="0" smtClean="0">
+                          <a:latin typeface="Times New Roman" panose="02020603050405020304" pitchFamily="18" charset="0"/>
+                          <a:cs typeface="Times New Roman" panose="02020603050405020304" pitchFamily="18" charset="0"/>
+                        </a:rPr>
                         <a:t>4.38  eV</a:t>
                       </a:r>
-                      <a:endParaRPr lang="en-US" sz="2400" dirty="0"/>
+                      <a:endParaRPr lang="en-US" sz="2400" dirty="0">
+                        <a:latin typeface="Times New Roman" panose="02020603050405020304" pitchFamily="18" charset="0"/>
+                        <a:cs typeface="Times New Roman" panose="02020603050405020304" pitchFamily="18" charset="0"/>
+                      </a:endParaRPr>
                     </a:p>
                   </a:txBody>
                   <a:tcPr marL="90325" marR="90325" anchor="ctr"/>
@@ -17446,32 +18800,15 @@
                     <a:p>
                       <a:pPr algn="ctr"/>
                       <a:r>
-                        <a:rPr lang="en-HK" sz="2400" dirty="0" smtClean="0"/>
+                        <a:rPr lang="en-HK" sz="2400" dirty="0" smtClean="0">
+                          <a:latin typeface="Times New Roman" panose="02020603050405020304" pitchFamily="18" charset="0"/>
+                          <a:cs typeface="Times New Roman" panose="02020603050405020304" pitchFamily="18" charset="0"/>
+                        </a:rPr>
                         <a:t>-3 H</a:t>
                       </a:r>
-                      <a:endParaRPr lang="en-US" sz="2400" dirty="0"/>
-                    </a:p>
-                  </a:txBody>
-                  <a:tcPr marL="90325" marR="90325" anchor="ctr"/>
-                </a:tc>
-                <a:tc>
-                  <a:txBody>
-                    <a:bodyPr/>
-                    <a:lstStyle/>
-                    <a:p>
-                      <a:pPr algn="ctr"/>
-                      <a:r>
-                        <a:rPr lang="en-HK" sz="2400" dirty="0" smtClean="0">
-                          <a:solidFill>
-                            <a:srgbClr val="0070C0"/>
-                          </a:solidFill>
-                        </a:rPr>
-                        <a:t>9.19 eV</a:t>
-                      </a:r>
                       <a:endParaRPr lang="en-US" sz="2400" dirty="0">
-                        <a:solidFill>
-                          <a:srgbClr val="0070C0"/>
-                        </a:solidFill>
+                        <a:latin typeface="Times New Roman" panose="02020603050405020304" pitchFamily="18" charset="0"/>
+                        <a:cs typeface="Times New Roman" panose="02020603050405020304" pitchFamily="18" charset="0"/>
                       </a:endParaRPr>
                     </a:p>
                   </a:txBody>
@@ -17488,6 +18825,35 @@
                           <a:solidFill>
                             <a:srgbClr val="0070C0"/>
                           </a:solidFill>
+                          <a:latin typeface="Times New Roman" panose="02020603050405020304" pitchFamily="18" charset="0"/>
+                          <a:cs typeface="Times New Roman" panose="02020603050405020304" pitchFamily="18" charset="0"/>
+                        </a:rPr>
+                        <a:t>9.19 eV</a:t>
+                      </a:r>
+                      <a:endParaRPr lang="en-US" sz="2400" dirty="0">
+                        <a:solidFill>
+                          <a:srgbClr val="0070C0"/>
+                        </a:solidFill>
+                        <a:latin typeface="Times New Roman" panose="02020603050405020304" pitchFamily="18" charset="0"/>
+                        <a:cs typeface="Times New Roman" panose="02020603050405020304" pitchFamily="18" charset="0"/>
+                      </a:endParaRPr>
+                    </a:p>
+                  </a:txBody>
+                  <a:tcPr marL="90325" marR="90325" anchor="ctr"/>
+                </a:tc>
+                <a:tc>
+                  <a:txBody>
+                    <a:bodyPr/>
+                    <a:lstStyle/>
+                    <a:p>
+                      <a:pPr algn="ctr"/>
+                      <a:r>
+                        <a:rPr lang="en-HK" sz="2400" dirty="0" smtClean="0">
+                          <a:solidFill>
+                            <a:srgbClr val="0070C0"/>
+                          </a:solidFill>
+                          <a:latin typeface="Times New Roman" panose="02020603050405020304" pitchFamily="18" charset="0"/>
+                          <a:cs typeface="Times New Roman" panose="02020603050405020304" pitchFamily="18" charset="0"/>
                         </a:rPr>
                         <a:t>7.</a:t>
                       </a:r>
@@ -17496,6 +18862,8 @@
                           <a:solidFill>
                             <a:srgbClr val="0070C0"/>
                           </a:solidFill>
+                          <a:latin typeface="Times New Roman" panose="02020603050405020304" pitchFamily="18" charset="0"/>
+                          <a:cs typeface="Times New Roman" panose="02020603050405020304" pitchFamily="18" charset="0"/>
                         </a:rPr>
                         <a:t>63 eV</a:t>
                       </a:r>
@@ -17503,6 +18871,8 @@
                         <a:solidFill>
                           <a:srgbClr val="0070C0"/>
                         </a:solidFill>
+                        <a:latin typeface="Times New Roman" panose="02020603050405020304" pitchFamily="18" charset="0"/>
+                        <a:cs typeface="Times New Roman" panose="02020603050405020304" pitchFamily="18" charset="0"/>
                       </a:endParaRPr>
                     </a:p>
                   </a:txBody>
@@ -17549,8 +18919,8 @@
         </p:nvSpPr>
         <p:spPr>
           <a:xfrm>
-            <a:off x="4629148" y="5017741"/>
-            <a:ext cx="3759276" cy="297517"/>
+            <a:off x="3707904" y="5100848"/>
+            <a:ext cx="4104456" cy="338554"/>
           </a:xfrm>
           <a:prstGeom prst="rect">
             <a:avLst/>
@@ -17564,26 +18934,44 @@
           <a:p>
             <a:pPr lvl="2"/>
             <a:r>
-              <a:rPr lang="en-HK" sz="2000" baseline="-25000" dirty="0" smtClean="0"/>
-              <a:t>quoted </a:t>
-            </a:r>
-            <a:r>
-              <a:rPr lang="en-HK" sz="2000" baseline="-25000" dirty="0"/>
+              <a:rPr lang="en-HK" sz="2400" baseline="-25000" dirty="0" smtClean="0">
+                <a:latin typeface="Times New Roman" panose="02020603050405020304" pitchFamily="18" charset="0"/>
+                <a:cs typeface="Times New Roman" panose="02020603050405020304" pitchFamily="18" charset="0"/>
+              </a:rPr>
+              <a:t>Quoted </a:t>
+            </a:r>
+            <a:r>
+              <a:rPr lang="en-HK" sz="2400" baseline="-25000" dirty="0">
+                <a:latin typeface="Times New Roman" panose="02020603050405020304" pitchFamily="18" charset="0"/>
+                <a:cs typeface="Times New Roman" panose="02020603050405020304" pitchFamily="18" charset="0"/>
+              </a:rPr>
               <a:t>from </a:t>
             </a:r>
             <a:r>
-              <a:rPr lang="en-HK" sz="2000" baseline="-25000" dirty="0" err="1"/>
+              <a:rPr lang="en-HK" sz="2400" baseline="-25000" dirty="0" err="1">
+                <a:latin typeface="Times New Roman" panose="02020603050405020304" pitchFamily="18" charset="0"/>
+                <a:cs typeface="Times New Roman" panose="02020603050405020304" pitchFamily="18" charset="0"/>
+              </a:rPr>
               <a:t>Kundu</a:t>
             </a:r>
             <a:r>
-              <a:rPr lang="en-HK" sz="2000" baseline="-25000" dirty="0"/>
+              <a:rPr lang="en-HK" sz="2400" baseline="-25000" dirty="0">
+                <a:latin typeface="Times New Roman" panose="02020603050405020304" pitchFamily="18" charset="0"/>
+                <a:cs typeface="Times New Roman" panose="02020603050405020304" pitchFamily="18" charset="0"/>
+              </a:rPr>
               <a:t> et al. (2017</a:t>
             </a:r>
             <a:r>
-              <a:rPr lang="en-HK" sz="2000" baseline="-25000" dirty="0" smtClean="0"/>
+              <a:rPr lang="en-HK" sz="2400" baseline="-25000" dirty="0" smtClean="0">
+                <a:latin typeface="Times New Roman" panose="02020603050405020304" pitchFamily="18" charset="0"/>
+                <a:cs typeface="Times New Roman" panose="02020603050405020304" pitchFamily="18" charset="0"/>
+              </a:rPr>
               <a:t>)</a:t>
             </a:r>
-            <a:endParaRPr lang="en-HK" sz="2000" baseline="-25000" dirty="0"/>
+            <a:endParaRPr lang="en-HK" sz="2400" baseline="-25000" dirty="0">
+              <a:latin typeface="Times New Roman" panose="02020603050405020304" pitchFamily="18" charset="0"/>
+              <a:cs typeface="Times New Roman" panose="02020603050405020304" pitchFamily="18" charset="0"/>
+            </a:endParaRPr>
           </a:p>
         </p:txBody>
       </p:sp>
@@ -17645,14 +19033,23 @@
           <a:lstStyle/>
           <a:p>
             <a:r>
-              <a:rPr lang="en-HK" dirty="0"/>
+              <a:rPr lang="en-HK" dirty="0">
+                <a:latin typeface="Times New Roman" panose="02020603050405020304" pitchFamily="18" charset="0"/>
+                <a:cs typeface="Times New Roman" panose="02020603050405020304" pitchFamily="18" charset="0"/>
+              </a:rPr>
               <a:t>Astrophysical </a:t>
             </a:r>
             <a:r>
-              <a:rPr lang="en-HK" dirty="0" smtClean="0"/>
+              <a:rPr lang="en-HK" dirty="0" smtClean="0">
+                <a:latin typeface="Times New Roman" panose="02020603050405020304" pitchFamily="18" charset="0"/>
+                <a:cs typeface="Times New Roman" panose="02020603050405020304" pitchFamily="18" charset="0"/>
+              </a:rPr>
               <a:t>Implications</a:t>
             </a:r>
-            <a:endParaRPr lang="en-US" dirty="0"/>
+            <a:endParaRPr lang="en-US" dirty="0">
+              <a:latin typeface="Times New Roman" panose="02020603050405020304" pitchFamily="18" charset="0"/>
+              <a:cs typeface="Times New Roman" panose="02020603050405020304" pitchFamily="18" charset="0"/>
+            </a:endParaRPr>
           </a:p>
         </p:txBody>
       </p:sp>
@@ -17931,14 +19328,7 @@
                 <a:latin typeface="Times New Roman" panose="02020603050405020304" pitchFamily="18" charset="0"/>
                 <a:cs typeface="Times New Roman" panose="02020603050405020304" pitchFamily="18" charset="0"/>
               </a:rPr>
-              <a:t>→photon </a:t>
-            </a:r>
-            <a:r>
-              <a:rPr lang="en-HK" sz="1800" dirty="0" smtClean="0">
-                <a:latin typeface="Times New Roman" panose="02020603050405020304" pitchFamily="18" charset="0"/>
-                <a:cs typeface="Times New Roman" panose="02020603050405020304" pitchFamily="18" charset="0"/>
-              </a:rPr>
-              <a:t>dose after 1 </a:t>
+              <a:t>→photon dose after 1 </a:t>
             </a:r>
             <a:r>
               <a:rPr lang="en-HK" sz="1800" dirty="0">
@@ -18077,10 +19467,6 @@
               </a:rPr>
               <a:t> is 600 ML</a:t>
             </a:r>
-            <a:endParaRPr lang="en-HK" sz="1800" dirty="0" smtClean="0">
-              <a:latin typeface="Times New Roman" panose="02020603050405020304" pitchFamily="18" charset="0"/>
-              <a:cs typeface="Times New Roman" panose="02020603050405020304" pitchFamily="18" charset="0"/>
-            </a:endParaRPr>
           </a:p>
           <a:p>
             <a:pPr marL="0" indent="0">
@@ -18162,14 +19548,14 @@
           <p:nvPr>
             <p:extLst>
               <p:ext uri="{D42A27DB-BD31-4B8C-83A1-F6EECF244321}">
-                <p14:modId xmlns:p14="http://schemas.microsoft.com/office/powerpoint/2010/main" val="176475262"/>
+                <p14:modId xmlns:p14="http://schemas.microsoft.com/office/powerpoint/2010/main" val="1047151908"/>
               </p:ext>
             </p:extLst>
           </p:nvPr>
         </p:nvGraphicFramePr>
         <p:xfrm>
-          <a:off x="1115616" y="3728720"/>
-          <a:ext cx="2464047" cy="1986280"/>
+          <a:off x="827583" y="3505572"/>
+          <a:ext cx="2752080" cy="2209428"/>
         </p:xfrm>
         <a:graphic>
           <a:graphicData uri="http://schemas.openxmlformats.org/drawingml/2006/table">
@@ -18178,21 +19564,21 @@
                 <a:tableStyleId>{5C22544A-7EE6-4342-B048-85BDC9FD1C3A}</a:tableStyleId>
               </a:tblPr>
               <a:tblGrid>
-                <a:gridCol w="936104">
+                <a:gridCol w="1045529">
                   <a:extLst>
                     <a:ext uri="{9D8B030D-6E8A-4147-A177-3AD203B41FA5}">
                       <a16:colId xmlns:a16="http://schemas.microsoft.com/office/drawing/2014/main" val="235585659"/>
                     </a:ext>
                   </a:extLst>
                 </a:gridCol>
-                <a:gridCol w="706594">
+                <a:gridCol w="789191">
                   <a:extLst>
                     <a:ext uri="{9D8B030D-6E8A-4147-A177-3AD203B41FA5}">
                       <a16:colId xmlns:a16="http://schemas.microsoft.com/office/drawing/2014/main" val="1433694795"/>
                     </a:ext>
                   </a:extLst>
                 </a:gridCol>
-                <a:gridCol w="821349">
+                <a:gridCol w="917360">
                   <a:extLst>
                     <a:ext uri="{9D8B030D-6E8A-4147-A177-3AD203B41FA5}">
                       <a16:colId xmlns:a16="http://schemas.microsoft.com/office/drawing/2014/main" val="2272784855"/>
@@ -18200,33 +19586,51 @@
                   </a:extLst>
                 </a:gridCol>
               </a:tblGrid>
-              <a:tr h="370840">
+              <a:tr h="559420">
                 <a:tc>
                   <a:txBody>
                     <a:bodyPr/>
                     <a:lstStyle/>
                     <a:p>
                       <a:r>
-                        <a:rPr lang="en-HK" dirty="0" smtClean="0"/>
+                        <a:rPr lang="en-HK" dirty="0" smtClean="0">
+                          <a:latin typeface="Times New Roman" panose="02020603050405020304" pitchFamily="18" charset="0"/>
+                          <a:cs typeface="Times New Roman" panose="02020603050405020304" pitchFamily="18" charset="0"/>
+                        </a:rPr>
                         <a:t>CH</a:t>
                       </a:r>
                       <a:r>
-                        <a:rPr lang="en-HK" baseline="-25000" dirty="0" smtClean="0"/>
+                        <a:rPr lang="en-HK" baseline="-25000" dirty="0" smtClean="0">
+                          <a:latin typeface="Times New Roman" panose="02020603050405020304" pitchFamily="18" charset="0"/>
+                          <a:cs typeface="Times New Roman" panose="02020603050405020304" pitchFamily="18" charset="0"/>
+                        </a:rPr>
                         <a:t>4</a:t>
                       </a:r>
                       <a:r>
-                        <a:rPr lang="en-HK" baseline="0" dirty="0" smtClean="0"/>
+                        <a:rPr lang="en-HK" baseline="0" dirty="0" smtClean="0">
+                          <a:latin typeface="Times New Roman" panose="02020603050405020304" pitchFamily="18" charset="0"/>
+                          <a:cs typeface="Times New Roman" panose="02020603050405020304" pitchFamily="18" charset="0"/>
+                        </a:rPr>
                         <a:t>:</a:t>
                       </a:r>
                       <a:r>
-                        <a:rPr lang="en-HK" dirty="0" smtClean="0"/>
+                        <a:rPr lang="en-HK" dirty="0" smtClean="0">
+                          <a:latin typeface="Times New Roman" panose="02020603050405020304" pitchFamily="18" charset="0"/>
+                          <a:cs typeface="Times New Roman" panose="02020603050405020304" pitchFamily="18" charset="0"/>
+                        </a:rPr>
                         <a:t>NH</a:t>
                       </a:r>
                       <a:r>
-                        <a:rPr lang="en-HK" baseline="-25000" dirty="0" smtClean="0"/>
+                        <a:rPr lang="en-HK" baseline="-25000" dirty="0" smtClean="0">
+                          <a:latin typeface="Times New Roman" panose="02020603050405020304" pitchFamily="18" charset="0"/>
+                          <a:cs typeface="Times New Roman" panose="02020603050405020304" pitchFamily="18" charset="0"/>
+                        </a:rPr>
                         <a:t>3</a:t>
                       </a:r>
-                      <a:endParaRPr lang="en-US" baseline="-25000" dirty="0"/>
+                      <a:endParaRPr lang="en-US" baseline="-25000" dirty="0">
+                        <a:latin typeface="Times New Roman" panose="02020603050405020304" pitchFamily="18" charset="0"/>
+                        <a:cs typeface="Times New Roman" panose="02020603050405020304" pitchFamily="18" charset="0"/>
+                      </a:endParaRPr>
                     </a:p>
                   </a:txBody>
                   <a:tcPr/>
@@ -18237,18 +19641,30 @@
                     <a:lstStyle/>
                     <a:p>
                       <a:r>
-                        <a:rPr lang="en-HK" baseline="0" dirty="0" smtClean="0"/>
+                        <a:rPr lang="en-HK" baseline="0" dirty="0" smtClean="0">
+                          <a:latin typeface="Times New Roman" panose="02020603050405020304" pitchFamily="18" charset="0"/>
+                          <a:cs typeface="Times New Roman" panose="02020603050405020304" pitchFamily="18" charset="0"/>
+                        </a:rPr>
                         <a:t>CH</a:t>
                       </a:r>
                       <a:r>
-                        <a:rPr lang="en-HK" baseline="-25000" dirty="0" smtClean="0"/>
+                        <a:rPr lang="en-HK" baseline="-25000" dirty="0" smtClean="0">
+                          <a:latin typeface="Times New Roman" panose="02020603050405020304" pitchFamily="18" charset="0"/>
+                          <a:cs typeface="Times New Roman" panose="02020603050405020304" pitchFamily="18" charset="0"/>
+                        </a:rPr>
                         <a:t>4</a:t>
                       </a:r>
                       <a:r>
-                        <a:rPr lang="en-HK" baseline="0" dirty="0" smtClean="0"/>
+                        <a:rPr lang="en-HK" baseline="0" dirty="0" smtClean="0">
+                          <a:latin typeface="Times New Roman" panose="02020603050405020304" pitchFamily="18" charset="0"/>
+                          <a:cs typeface="Times New Roman" panose="02020603050405020304" pitchFamily="18" charset="0"/>
+                        </a:rPr>
                         <a:t> (ML)</a:t>
                       </a:r>
-                      <a:endParaRPr lang="en-US" baseline="30000" dirty="0"/>
+                      <a:endParaRPr lang="en-US" baseline="30000" dirty="0">
+                        <a:latin typeface="Times New Roman" panose="02020603050405020304" pitchFamily="18" charset="0"/>
+                        <a:cs typeface="Times New Roman" panose="02020603050405020304" pitchFamily="18" charset="0"/>
+                      </a:endParaRPr>
                     </a:p>
                   </a:txBody>
                   <a:tcPr/>
@@ -18259,18 +19675,30 @@
                     <a:lstStyle/>
                     <a:p>
                       <a:r>
-                        <a:rPr lang="en-HK" dirty="0" smtClean="0"/>
+                        <a:rPr lang="en-HK" dirty="0" smtClean="0">
+                          <a:latin typeface="Times New Roman" panose="02020603050405020304" pitchFamily="18" charset="0"/>
+                          <a:cs typeface="Times New Roman" panose="02020603050405020304" pitchFamily="18" charset="0"/>
+                        </a:rPr>
                         <a:t>CN</a:t>
                       </a:r>
                       <a:r>
-                        <a:rPr lang="en-HK" baseline="30000" dirty="0" smtClean="0"/>
+                        <a:rPr lang="en-HK" baseline="30000" dirty="0" smtClean="0">
+                          <a:latin typeface="Times New Roman" panose="02020603050405020304" pitchFamily="18" charset="0"/>
+                          <a:cs typeface="Times New Roman" panose="02020603050405020304" pitchFamily="18" charset="0"/>
+                        </a:rPr>
                         <a:t>-</a:t>
                       </a:r>
                       <a:r>
-                        <a:rPr lang="en-HK" baseline="0" dirty="0" smtClean="0"/>
+                        <a:rPr lang="en-HK" baseline="0" dirty="0" smtClean="0">
+                          <a:latin typeface="Times New Roman" panose="02020603050405020304" pitchFamily="18" charset="0"/>
+                          <a:cs typeface="Times New Roman" panose="02020603050405020304" pitchFamily="18" charset="0"/>
+                        </a:rPr>
                         <a:t> (ML)</a:t>
                       </a:r>
-                      <a:endParaRPr lang="en-US" baseline="30000" dirty="0"/>
+                      <a:endParaRPr lang="en-US" baseline="30000" dirty="0">
+                        <a:latin typeface="Times New Roman" panose="02020603050405020304" pitchFamily="18" charset="0"/>
+                        <a:cs typeface="Times New Roman" panose="02020603050405020304" pitchFamily="18" charset="0"/>
+                      </a:endParaRPr>
                     </a:p>
                   </a:txBody>
                   <a:tcPr/>
@@ -18281,17 +19709,23 @@
                   </a:ext>
                 </a:extLst>
               </a:tr>
-              <a:tr h="370840">
+              <a:tr h="412502">
                 <a:tc>
                   <a:txBody>
                     <a:bodyPr/>
                     <a:lstStyle/>
                     <a:p>
                       <a:r>
-                        <a:rPr lang="en-HK" dirty="0" smtClean="0"/>
+                        <a:rPr lang="en-HK" dirty="0" smtClean="0">
+                          <a:latin typeface="Times New Roman" panose="02020603050405020304" pitchFamily="18" charset="0"/>
+                          <a:cs typeface="Times New Roman" panose="02020603050405020304" pitchFamily="18" charset="0"/>
+                        </a:rPr>
                         <a:t>1:5</a:t>
                       </a:r>
-                      <a:endParaRPr lang="en-US" dirty="0"/>
+                      <a:endParaRPr lang="en-US" dirty="0">
+                        <a:latin typeface="Times New Roman" panose="02020603050405020304" pitchFamily="18" charset="0"/>
+                        <a:cs typeface="Times New Roman" panose="02020603050405020304" pitchFamily="18" charset="0"/>
+                      </a:endParaRPr>
                     </a:p>
                   </a:txBody>
                   <a:tcPr/>
@@ -18302,10 +19736,16 @@
                     <a:lstStyle/>
                     <a:p>
                       <a:r>
-                        <a:rPr lang="en-HK" dirty="0" smtClean="0"/>
+                        <a:rPr lang="en-HK" dirty="0" smtClean="0">
+                          <a:latin typeface="Times New Roman" panose="02020603050405020304" pitchFamily="18" charset="0"/>
+                          <a:cs typeface="Times New Roman" panose="02020603050405020304" pitchFamily="18" charset="0"/>
+                        </a:rPr>
                         <a:t>120</a:t>
                       </a:r>
-                      <a:endParaRPr lang="en-US" dirty="0"/>
+                      <a:endParaRPr lang="en-US" dirty="0">
+                        <a:latin typeface="Times New Roman" panose="02020603050405020304" pitchFamily="18" charset="0"/>
+                        <a:cs typeface="Times New Roman" panose="02020603050405020304" pitchFamily="18" charset="0"/>
+                      </a:endParaRPr>
                     </a:p>
                   </a:txBody>
                   <a:tcPr/>
@@ -18316,10 +19756,16 @@
                     <a:lstStyle/>
                     <a:p>
                       <a:r>
-                        <a:rPr lang="en-HK" dirty="0" smtClean="0"/>
+                        <a:rPr lang="en-HK" dirty="0" smtClean="0">
+                          <a:latin typeface="Times New Roman" panose="02020603050405020304" pitchFamily="18" charset="0"/>
+                          <a:cs typeface="Times New Roman" panose="02020603050405020304" pitchFamily="18" charset="0"/>
+                        </a:rPr>
                         <a:t>36.6</a:t>
                       </a:r>
-                      <a:endParaRPr lang="en-US" dirty="0"/>
+                      <a:endParaRPr lang="en-US" dirty="0">
+                        <a:latin typeface="Times New Roman" panose="02020603050405020304" pitchFamily="18" charset="0"/>
+                        <a:cs typeface="Times New Roman" panose="02020603050405020304" pitchFamily="18" charset="0"/>
+                      </a:endParaRPr>
                     </a:p>
                   </a:txBody>
                   <a:tcPr/>
@@ -18330,17 +19776,23 @@
                   </a:ext>
                 </a:extLst>
               </a:tr>
-              <a:tr h="370840">
+              <a:tr h="412502">
                 <a:tc>
                   <a:txBody>
                     <a:bodyPr/>
                     <a:lstStyle/>
                     <a:p>
                       <a:r>
-                        <a:rPr lang="en-HK" dirty="0" smtClean="0"/>
+                        <a:rPr lang="en-HK" dirty="0" smtClean="0">
+                          <a:latin typeface="Times New Roman" panose="02020603050405020304" pitchFamily="18" charset="0"/>
+                          <a:cs typeface="Times New Roman" panose="02020603050405020304" pitchFamily="18" charset="0"/>
+                        </a:rPr>
                         <a:t>1:10</a:t>
                       </a:r>
-                      <a:endParaRPr lang="en-US" dirty="0"/>
+                      <a:endParaRPr lang="en-US" dirty="0">
+                        <a:latin typeface="Times New Roman" panose="02020603050405020304" pitchFamily="18" charset="0"/>
+                        <a:cs typeface="Times New Roman" panose="02020603050405020304" pitchFamily="18" charset="0"/>
+                      </a:endParaRPr>
                     </a:p>
                   </a:txBody>
                   <a:tcPr/>
@@ -18351,10 +19803,16 @@
                     <a:lstStyle/>
                     <a:p>
                       <a:r>
-                        <a:rPr lang="en-HK" dirty="0" smtClean="0"/>
+                        <a:rPr lang="en-HK" dirty="0" smtClean="0">
+                          <a:latin typeface="Times New Roman" panose="02020603050405020304" pitchFamily="18" charset="0"/>
+                          <a:cs typeface="Times New Roman" panose="02020603050405020304" pitchFamily="18" charset="0"/>
+                        </a:rPr>
                         <a:t>60</a:t>
                       </a:r>
-                      <a:endParaRPr lang="en-US" dirty="0"/>
+                      <a:endParaRPr lang="en-US" dirty="0">
+                        <a:latin typeface="Times New Roman" panose="02020603050405020304" pitchFamily="18" charset="0"/>
+                        <a:cs typeface="Times New Roman" panose="02020603050405020304" pitchFamily="18" charset="0"/>
+                      </a:endParaRPr>
                     </a:p>
                   </a:txBody>
                   <a:tcPr/>
@@ -18365,10 +19823,16 @@
                     <a:lstStyle/>
                     <a:p>
                       <a:r>
-                        <a:rPr lang="en-HK" dirty="0" smtClean="0"/>
+                        <a:rPr lang="en-HK" dirty="0" smtClean="0">
+                          <a:latin typeface="Times New Roman" panose="02020603050405020304" pitchFamily="18" charset="0"/>
+                          <a:cs typeface="Times New Roman" panose="02020603050405020304" pitchFamily="18" charset="0"/>
+                        </a:rPr>
                         <a:t>29.5</a:t>
                       </a:r>
-                      <a:endParaRPr lang="en-US" dirty="0"/>
+                      <a:endParaRPr lang="en-US" dirty="0">
+                        <a:latin typeface="Times New Roman" panose="02020603050405020304" pitchFamily="18" charset="0"/>
+                        <a:cs typeface="Times New Roman" panose="02020603050405020304" pitchFamily="18" charset="0"/>
+                      </a:endParaRPr>
                     </a:p>
                   </a:txBody>
                   <a:tcPr/>
@@ -18379,17 +19843,23 @@
                   </a:ext>
                 </a:extLst>
               </a:tr>
-              <a:tr h="370840">
+              <a:tr h="412502">
                 <a:tc>
                   <a:txBody>
                     <a:bodyPr/>
                     <a:lstStyle/>
                     <a:p>
                       <a:r>
-                        <a:rPr lang="en-HK" dirty="0" smtClean="0"/>
+                        <a:rPr lang="en-HK" dirty="0" smtClean="0">
+                          <a:latin typeface="Times New Roman" panose="02020603050405020304" pitchFamily="18" charset="0"/>
+                          <a:cs typeface="Times New Roman" panose="02020603050405020304" pitchFamily="18" charset="0"/>
+                        </a:rPr>
                         <a:t>1:20</a:t>
                       </a:r>
-                      <a:endParaRPr lang="en-US" dirty="0"/>
+                      <a:endParaRPr lang="en-US" dirty="0">
+                        <a:latin typeface="Times New Roman" panose="02020603050405020304" pitchFamily="18" charset="0"/>
+                        <a:cs typeface="Times New Roman" panose="02020603050405020304" pitchFamily="18" charset="0"/>
+                      </a:endParaRPr>
                     </a:p>
                   </a:txBody>
                   <a:tcPr/>
@@ -18400,10 +19870,16 @@
                     <a:lstStyle/>
                     <a:p>
                       <a:r>
-                        <a:rPr lang="en-HK" dirty="0" smtClean="0"/>
+                        <a:rPr lang="en-HK" dirty="0" smtClean="0">
+                          <a:latin typeface="Times New Roman" panose="02020603050405020304" pitchFamily="18" charset="0"/>
+                          <a:cs typeface="Times New Roman" panose="02020603050405020304" pitchFamily="18" charset="0"/>
+                        </a:rPr>
                         <a:t>30</a:t>
                       </a:r>
-                      <a:endParaRPr lang="en-US" dirty="0"/>
+                      <a:endParaRPr lang="en-US" dirty="0">
+                        <a:latin typeface="Times New Roman" panose="02020603050405020304" pitchFamily="18" charset="0"/>
+                        <a:cs typeface="Times New Roman" panose="02020603050405020304" pitchFamily="18" charset="0"/>
+                      </a:endParaRPr>
                     </a:p>
                   </a:txBody>
                   <a:tcPr/>
@@ -18414,10 +19890,16 @@
                     <a:lstStyle/>
                     <a:p>
                       <a:r>
-                        <a:rPr lang="en-HK" dirty="0" smtClean="0"/>
+                        <a:rPr lang="en-HK" dirty="0" smtClean="0">
+                          <a:latin typeface="Times New Roman" panose="02020603050405020304" pitchFamily="18" charset="0"/>
+                          <a:cs typeface="Times New Roman" panose="02020603050405020304" pitchFamily="18" charset="0"/>
+                        </a:rPr>
                         <a:t>18.9</a:t>
                       </a:r>
-                      <a:endParaRPr lang="en-US" dirty="0"/>
+                      <a:endParaRPr lang="en-US" dirty="0">
+                        <a:latin typeface="Times New Roman" panose="02020603050405020304" pitchFamily="18" charset="0"/>
+                        <a:cs typeface="Times New Roman" panose="02020603050405020304" pitchFamily="18" charset="0"/>
+                      </a:endParaRPr>
                     </a:p>
                   </a:txBody>
                   <a:tcPr/>
@@ -18428,17 +19910,23 @@
                   </a:ext>
                 </a:extLst>
               </a:tr>
-              <a:tr h="370840">
+              <a:tr h="412502">
                 <a:tc>
                   <a:txBody>
                     <a:bodyPr/>
                     <a:lstStyle/>
                     <a:p>
                       <a:r>
-                        <a:rPr lang="en-HK" dirty="0" smtClean="0"/>
+                        <a:rPr lang="en-HK" dirty="0" smtClean="0">
+                          <a:latin typeface="Times New Roman" panose="02020603050405020304" pitchFamily="18" charset="0"/>
+                          <a:cs typeface="Times New Roman" panose="02020603050405020304" pitchFamily="18" charset="0"/>
+                        </a:rPr>
                         <a:t>3:2</a:t>
                       </a:r>
-                      <a:endParaRPr lang="en-US" dirty="0"/>
+                      <a:endParaRPr lang="en-US" dirty="0">
+                        <a:latin typeface="Times New Roman" panose="02020603050405020304" pitchFamily="18" charset="0"/>
+                        <a:cs typeface="Times New Roman" panose="02020603050405020304" pitchFamily="18" charset="0"/>
+                      </a:endParaRPr>
                     </a:p>
                   </a:txBody>
                   <a:tcPr/>
@@ -18449,10 +19937,16 @@
                     <a:lstStyle/>
                     <a:p>
                       <a:r>
-                        <a:rPr lang="en-HK" dirty="0" smtClean="0"/>
+                        <a:rPr lang="en-HK" dirty="0" smtClean="0">
+                          <a:latin typeface="Times New Roman" panose="02020603050405020304" pitchFamily="18" charset="0"/>
+                          <a:cs typeface="Times New Roman" panose="02020603050405020304" pitchFamily="18" charset="0"/>
+                        </a:rPr>
                         <a:t>900</a:t>
                       </a:r>
-                      <a:endParaRPr lang="en-US" dirty="0"/>
+                      <a:endParaRPr lang="en-US" dirty="0">
+                        <a:latin typeface="Times New Roman" panose="02020603050405020304" pitchFamily="18" charset="0"/>
+                        <a:cs typeface="Times New Roman" panose="02020603050405020304" pitchFamily="18" charset="0"/>
+                      </a:endParaRPr>
                     </a:p>
                   </a:txBody>
                   <a:tcPr/>
@@ -18463,10 +19957,16 @@
                     <a:lstStyle/>
                     <a:p>
                       <a:r>
-                        <a:rPr lang="en-HK" dirty="0" smtClean="0"/>
+                        <a:rPr lang="en-HK" dirty="0" smtClean="0">
+                          <a:latin typeface="Times New Roman" panose="02020603050405020304" pitchFamily="18" charset="0"/>
+                          <a:cs typeface="Times New Roman" panose="02020603050405020304" pitchFamily="18" charset="0"/>
+                        </a:rPr>
                         <a:t>22.5</a:t>
                       </a:r>
-                      <a:endParaRPr lang="en-US" dirty="0"/>
+                      <a:endParaRPr lang="en-US" dirty="0">
+                        <a:latin typeface="Times New Roman" panose="02020603050405020304" pitchFamily="18" charset="0"/>
+                        <a:cs typeface="Times New Roman" panose="02020603050405020304" pitchFamily="18" charset="0"/>
+                      </a:endParaRPr>
                     </a:p>
                   </a:txBody>
                   <a:tcPr/>
@@ -18503,7 +20003,7 @@
           <a:graphicData uri="http://schemas.openxmlformats.org/presentationml/2006/ole">
             <mc:AlternateContent xmlns:mc="http://schemas.openxmlformats.org/markup-compatibility/2006">
               <mc:Choice xmlns:v="urn:schemas-microsoft-com:vml" Requires="v">
-                <p:oleObj spid="_x0000_s2940" name="Graph" r:id="rId3" imgW="4754880" imgH="3108960" progId="Origin50.Graph">
+                <p:oleObj spid="_x0000_s2957" name="Graph" r:id="rId3" imgW="4754880" imgH="3108960" progId="Origin50.Graph">
                   <p:embed/>
                 </p:oleObj>
               </mc:Choice>
@@ -18725,42 +20225,14 @@
           <a:p>
             <a:pPr lvl="1"/>
             <a:r>
-              <a:rPr lang="en-HK" sz="2000" dirty="0" smtClean="0">
-                <a:latin typeface="Times New Roman" panose="02020603050405020304" pitchFamily="18" charset="0"/>
-                <a:cs typeface="Times New Roman" panose="02020603050405020304" pitchFamily="18" charset="0"/>
-              </a:rPr>
-              <a:t>VUV(19.1% </a:t>
-            </a:r>
-            <a:r>
-              <a:rPr lang="en-HK" sz="2000" dirty="0" smtClean="0">
-                <a:latin typeface="Times New Roman" panose="02020603050405020304" pitchFamily="18" charset="0"/>
-                <a:cs typeface="Times New Roman" panose="02020603050405020304" pitchFamily="18" charset="0"/>
-              </a:rPr>
-              <a:t>of which is</a:t>
-            </a:r>
-            <a:r>
-              <a:rPr lang="en-HK" sz="2000" dirty="0" smtClean="0">
-                <a:latin typeface="Times New Roman" panose="02020603050405020304" pitchFamily="18" charset="0"/>
-                <a:cs typeface="Times New Roman" panose="02020603050405020304" pitchFamily="18" charset="0"/>
-              </a:rPr>
-              <a:t> </a:t>
-            </a:r>
-            <a:r>
-              <a:rPr lang="en-HK" sz="2000" dirty="0" smtClean="0">
-                <a:latin typeface="Times New Roman" panose="02020603050405020304" pitchFamily="18" charset="0"/>
-                <a:cs typeface="Times New Roman" panose="02020603050405020304" pitchFamily="18" charset="0"/>
-              </a:rPr>
-              <a:t>L</a:t>
-            </a:r>
-            <a:r>
-              <a:rPr lang="en-HK" sz="2000" dirty="0" smtClean="0">
-                <a:latin typeface="Times New Roman" panose="02020603050405020304" pitchFamily="18" charset="0"/>
-                <a:cs typeface="Times New Roman" panose="02020603050405020304" pitchFamily="18" charset="0"/>
-              </a:rPr>
-              <a:t>y-</a:t>
-            </a:r>
-            <a:r>
-              <a:rPr lang="en-HK" sz="2000" dirty="0" smtClean="0">
+              <a:rPr lang="en-HK" sz="2000" i="0" dirty="0" smtClean="0">
+                <a:latin typeface="Times New Roman" panose="02020603050405020304" pitchFamily="18" charset="0"/>
+                <a:cs typeface="Times New Roman" panose="02020603050405020304" pitchFamily="18" charset="0"/>
+              </a:rPr>
+              <a:t>VUV(19.1% of which is Ly-</a:t>
+            </a:r>
+            <a:r>
+              <a:rPr lang="en-HK" sz="2000" i="0" dirty="0" smtClean="0">
                 <a:solidFill>
                   <a:schemeClr val="tx1"/>
                 </a:solidFill>
@@ -18770,210 +20242,151 @@
               <a:t> α) will</a:t>
             </a:r>
             <a:r>
-              <a:rPr lang="en-HK" sz="2000" dirty="0" smtClean="0">
+              <a:rPr lang="en-HK" sz="2000" i="0" dirty="0" smtClean="0">
                 <a:latin typeface="Times New Roman" panose="02020603050405020304" pitchFamily="18" charset="0"/>
                 <a:cs typeface="Times New Roman" panose="02020603050405020304" pitchFamily="18" charset="0"/>
               </a:rPr>
               <a:t> produce CN</a:t>
             </a:r>
             <a:r>
-              <a:rPr lang="en-HK" sz="2000" baseline="30000" dirty="0" smtClean="0">
+              <a:rPr lang="en-HK" sz="2000" i="0" baseline="30000" dirty="0" smtClean="0">
                 <a:latin typeface="Times New Roman" panose="02020603050405020304" pitchFamily="18" charset="0"/>
                 <a:cs typeface="Times New Roman" panose="02020603050405020304" pitchFamily="18" charset="0"/>
               </a:rPr>
               <a:t>-</a:t>
             </a:r>
             <a:r>
-              <a:rPr lang="en-HK" sz="2000" dirty="0" smtClean="0">
+              <a:rPr lang="en-HK" sz="2000" i="0" dirty="0" smtClean="0">
                 <a:latin typeface="Times New Roman" panose="02020603050405020304" pitchFamily="18" charset="0"/>
                 <a:cs typeface="Times New Roman" panose="02020603050405020304" pitchFamily="18" charset="0"/>
               </a:rPr>
               <a:t> </a:t>
             </a:r>
             <a:r>
-              <a:rPr lang="en-HK" sz="2000" dirty="0" smtClean="0">
+              <a:rPr lang="en-HK" sz="2000" i="0" dirty="0" smtClean="0">
                 <a:solidFill>
                   <a:srgbClr val="0070C0"/>
                 </a:solidFill>
                 <a:latin typeface="Times New Roman" panose="02020603050405020304" pitchFamily="18" charset="0"/>
                 <a:cs typeface="Times New Roman" panose="02020603050405020304" pitchFamily="18" charset="0"/>
               </a:rPr>
-              <a:t>3.06 </a:t>
-            </a:r>
-            <a:r>
-              <a:rPr lang="en-HK" sz="2000" dirty="0" smtClean="0">
+              <a:t>3.06 - 4.28 times more efficient </a:t>
+            </a:r>
+            <a:r>
+              <a:rPr lang="en-HK" sz="2000" i="0" dirty="0" smtClean="0">
+                <a:latin typeface="Times New Roman" panose="02020603050405020304" pitchFamily="18" charset="0"/>
+                <a:cs typeface="Times New Roman" panose="02020603050405020304" pitchFamily="18" charset="0"/>
+              </a:rPr>
+              <a:t>than EUV</a:t>
+            </a:r>
+          </a:p>
+          <a:p>
+            <a:pPr lvl="1"/>
+            <a:r>
+              <a:rPr lang="en-HK" sz="2000" i="0" dirty="0" smtClean="0">
+                <a:solidFill>
+                  <a:schemeClr val="tx1"/>
+                </a:solidFill>
+                <a:latin typeface="Times New Roman" panose="02020603050405020304" pitchFamily="18" charset="0"/>
+                <a:cs typeface="Times New Roman" panose="02020603050405020304" pitchFamily="18" charset="0"/>
+              </a:rPr>
+              <a:t>It is expected that </a:t>
+            </a:r>
+            <a:r>
+              <a:rPr lang="en-HK" sz="2000" i="0" dirty="0">
+                <a:latin typeface="Times New Roman" panose="02020603050405020304" pitchFamily="18" charset="0"/>
+                <a:cs typeface="Times New Roman" panose="02020603050405020304" pitchFamily="18" charset="0"/>
+              </a:rPr>
+              <a:t>Ly-</a:t>
+            </a:r>
+            <a:r>
+              <a:rPr lang="en-HK" sz="2000" i="0" dirty="0">
+                <a:solidFill>
+                  <a:schemeClr val="tx1"/>
+                </a:solidFill>
+                <a:latin typeface="Times New Roman" panose="02020603050405020304" pitchFamily="18" charset="0"/>
+                <a:cs typeface="Times New Roman" panose="02020603050405020304" pitchFamily="18" charset="0"/>
+              </a:rPr>
+              <a:t> </a:t>
+            </a:r>
+            <a:r>
+              <a:rPr lang="en-HK" sz="2000" i="0" dirty="0" smtClean="0">
+                <a:solidFill>
+                  <a:schemeClr val="tx1"/>
+                </a:solidFill>
+                <a:latin typeface="Times New Roman" panose="02020603050405020304" pitchFamily="18" charset="0"/>
+                <a:cs typeface="Times New Roman" panose="02020603050405020304" pitchFamily="18" charset="0"/>
+              </a:rPr>
+              <a:t>α will produce CN</a:t>
+            </a:r>
+            <a:r>
+              <a:rPr lang="en-HK" sz="2000" i="0" baseline="30000" dirty="0" smtClean="0">
+                <a:solidFill>
+                  <a:schemeClr val="tx1"/>
+                </a:solidFill>
+                <a:latin typeface="Times New Roman" panose="02020603050405020304" pitchFamily="18" charset="0"/>
+                <a:cs typeface="Times New Roman" panose="02020603050405020304" pitchFamily="18" charset="0"/>
+              </a:rPr>
+              <a:t>-</a:t>
+            </a:r>
+            <a:r>
+              <a:rPr lang="en-HK" sz="2000" i="0" dirty="0" smtClean="0">
+                <a:solidFill>
+                  <a:schemeClr val="tx1"/>
+                </a:solidFill>
+                <a:latin typeface="Times New Roman" panose="02020603050405020304" pitchFamily="18" charset="0"/>
+                <a:cs typeface="Times New Roman" panose="02020603050405020304" pitchFamily="18" charset="0"/>
+              </a:rPr>
+              <a:t> more efficient than EUV</a:t>
+            </a:r>
+            <a:endParaRPr lang="en-HK" sz="2000" i="0" dirty="0">
+              <a:latin typeface="Times New Roman" panose="02020603050405020304" pitchFamily="18" charset="0"/>
+              <a:cs typeface="Times New Roman" panose="02020603050405020304" pitchFamily="18" charset="0"/>
+            </a:endParaRPr>
+          </a:p>
+          <a:p>
+            <a:pPr lvl="1"/>
+            <a:r>
+              <a:rPr lang="en-HK" sz="2000" i="0" dirty="0">
+                <a:latin typeface="Times New Roman" panose="02020603050405020304" pitchFamily="18" charset="0"/>
+                <a:cs typeface="Times New Roman" panose="02020603050405020304" pitchFamily="18" charset="0"/>
+              </a:rPr>
+              <a:t>Ly-</a:t>
+            </a:r>
+            <a:r>
+              <a:rPr lang="en-HK" sz="2000" i="0" dirty="0">
+                <a:solidFill>
+                  <a:schemeClr val="tx1"/>
+                </a:solidFill>
+                <a:latin typeface="Times New Roman" panose="02020603050405020304" pitchFamily="18" charset="0"/>
+                <a:cs typeface="Times New Roman" panose="02020603050405020304" pitchFamily="18" charset="0"/>
+              </a:rPr>
+              <a:t> α</a:t>
+            </a:r>
+            <a:r>
+              <a:rPr lang="en-HK" sz="2000" i="0" dirty="0" smtClean="0">
+                <a:latin typeface="Times New Roman" panose="02020603050405020304" pitchFamily="18" charset="0"/>
+                <a:cs typeface="Times New Roman" panose="02020603050405020304" pitchFamily="18" charset="0"/>
+              </a:rPr>
+              <a:t> flux is </a:t>
+            </a:r>
+            <a:r>
+              <a:rPr lang="en-HK" sz="2000" i="0" dirty="0" smtClean="0">
                 <a:solidFill>
                   <a:srgbClr val="0070C0"/>
                 </a:solidFill>
                 <a:latin typeface="Times New Roman" panose="02020603050405020304" pitchFamily="18" charset="0"/>
                 <a:cs typeface="Times New Roman" panose="02020603050405020304" pitchFamily="18" charset="0"/>
               </a:rPr>
-              <a:t>- </a:t>
-            </a:r>
-            <a:r>
-              <a:rPr lang="en-HK" sz="2000" dirty="0" smtClean="0">
-                <a:solidFill>
-                  <a:srgbClr val="0070C0"/>
-                </a:solidFill>
-                <a:latin typeface="Times New Roman" panose="02020603050405020304" pitchFamily="18" charset="0"/>
-                <a:cs typeface="Times New Roman" panose="02020603050405020304" pitchFamily="18" charset="0"/>
-              </a:rPr>
-              <a:t>4.28 times more efficient </a:t>
-            </a:r>
-            <a:r>
-              <a:rPr lang="en-HK" sz="2000" dirty="0" smtClean="0">
-                <a:latin typeface="Times New Roman" panose="02020603050405020304" pitchFamily="18" charset="0"/>
-                <a:cs typeface="Times New Roman" panose="02020603050405020304" pitchFamily="18" charset="0"/>
-              </a:rPr>
-              <a:t>than </a:t>
-            </a:r>
-            <a:r>
-              <a:rPr lang="en-HK" sz="2000" dirty="0" smtClean="0">
-                <a:latin typeface="Times New Roman" panose="02020603050405020304" pitchFamily="18" charset="0"/>
-                <a:cs typeface="Times New Roman" panose="02020603050405020304" pitchFamily="18" charset="0"/>
-              </a:rPr>
-              <a:t>EUV</a:t>
-            </a:r>
-          </a:p>
-          <a:p>
-            <a:pPr lvl="1"/>
-            <a:r>
-              <a:rPr lang="en-HK" sz="2000" dirty="0" smtClean="0">
-                <a:solidFill>
-                  <a:schemeClr val="tx1"/>
-                </a:solidFill>
-                <a:latin typeface="Times New Roman" panose="02020603050405020304" pitchFamily="18" charset="0"/>
-                <a:cs typeface="Times New Roman" panose="02020603050405020304" pitchFamily="18" charset="0"/>
-              </a:rPr>
-              <a:t>It is expected that </a:t>
-            </a:r>
-            <a:r>
-              <a:rPr lang="en-HK" sz="2000" dirty="0">
-                <a:latin typeface="Times New Roman" panose="02020603050405020304" pitchFamily="18" charset="0"/>
-                <a:cs typeface="Times New Roman" panose="02020603050405020304" pitchFamily="18" charset="0"/>
-              </a:rPr>
-              <a:t>Ly-</a:t>
-            </a:r>
-            <a:r>
-              <a:rPr lang="en-HK" sz="2000" dirty="0">
-                <a:solidFill>
-                  <a:schemeClr val="tx1"/>
-                </a:solidFill>
-                <a:latin typeface="Times New Roman" panose="02020603050405020304" pitchFamily="18" charset="0"/>
-                <a:cs typeface="Times New Roman" panose="02020603050405020304" pitchFamily="18" charset="0"/>
-              </a:rPr>
-              <a:t> </a:t>
-            </a:r>
-            <a:r>
-              <a:rPr lang="en-HK" sz="2000" dirty="0" smtClean="0">
-                <a:solidFill>
-                  <a:schemeClr val="tx1"/>
-                </a:solidFill>
-                <a:latin typeface="Times New Roman" panose="02020603050405020304" pitchFamily="18" charset="0"/>
-                <a:cs typeface="Times New Roman" panose="02020603050405020304" pitchFamily="18" charset="0"/>
-              </a:rPr>
-              <a:t>α will produce CN</a:t>
-            </a:r>
-            <a:r>
-              <a:rPr lang="en-HK" sz="2000" baseline="30000" dirty="0" smtClean="0">
-                <a:solidFill>
-                  <a:schemeClr val="tx1"/>
-                </a:solidFill>
-                <a:latin typeface="Times New Roman" panose="02020603050405020304" pitchFamily="18" charset="0"/>
-                <a:cs typeface="Times New Roman" panose="02020603050405020304" pitchFamily="18" charset="0"/>
-              </a:rPr>
-              <a:t>-</a:t>
-            </a:r>
-            <a:r>
-              <a:rPr lang="en-HK" sz="2000" dirty="0" smtClean="0">
-                <a:solidFill>
-                  <a:schemeClr val="tx1"/>
-                </a:solidFill>
-                <a:latin typeface="Times New Roman" panose="02020603050405020304" pitchFamily="18" charset="0"/>
-                <a:cs typeface="Times New Roman" panose="02020603050405020304" pitchFamily="18" charset="0"/>
-              </a:rPr>
-              <a:t> more efficient than EUV</a:t>
-            </a:r>
-            <a:endParaRPr lang="en-HK" sz="2000" dirty="0">
-              <a:latin typeface="Times New Roman" panose="02020603050405020304" pitchFamily="18" charset="0"/>
-              <a:cs typeface="Times New Roman" panose="02020603050405020304" pitchFamily="18" charset="0"/>
-            </a:endParaRPr>
-          </a:p>
-          <a:p>
-            <a:pPr lvl="1"/>
-            <a:r>
-              <a:rPr lang="en-HK" sz="2000" dirty="0">
-                <a:latin typeface="Times New Roman" panose="02020603050405020304" pitchFamily="18" charset="0"/>
-                <a:cs typeface="Times New Roman" panose="02020603050405020304" pitchFamily="18" charset="0"/>
-              </a:rPr>
-              <a:t>Ly-</a:t>
-            </a:r>
-            <a:r>
-              <a:rPr lang="en-HK" sz="2000" dirty="0">
-                <a:solidFill>
-                  <a:schemeClr val="tx1"/>
-                </a:solidFill>
-                <a:latin typeface="Times New Roman" panose="02020603050405020304" pitchFamily="18" charset="0"/>
-                <a:cs typeface="Times New Roman" panose="02020603050405020304" pitchFamily="18" charset="0"/>
-              </a:rPr>
-              <a:t> α</a:t>
-            </a:r>
-            <a:r>
-              <a:rPr lang="en-HK" sz="2000" dirty="0" smtClean="0">
-                <a:latin typeface="Times New Roman" panose="02020603050405020304" pitchFamily="18" charset="0"/>
-                <a:cs typeface="Times New Roman" panose="02020603050405020304" pitchFamily="18" charset="0"/>
-              </a:rPr>
-              <a:t> </a:t>
-            </a:r>
-            <a:r>
-              <a:rPr lang="en-HK" sz="2000" dirty="0" smtClean="0">
-                <a:latin typeface="Times New Roman" panose="02020603050405020304" pitchFamily="18" charset="0"/>
-                <a:cs typeface="Times New Roman" panose="02020603050405020304" pitchFamily="18" charset="0"/>
-              </a:rPr>
-              <a:t>flux is </a:t>
-            </a:r>
-            <a:r>
-              <a:rPr lang="en-HK" sz="2000" dirty="0" smtClean="0">
-                <a:solidFill>
-                  <a:srgbClr val="0070C0"/>
-                </a:solidFill>
-                <a:latin typeface="Times New Roman" panose="02020603050405020304" pitchFamily="18" charset="0"/>
-                <a:cs typeface="Times New Roman" panose="02020603050405020304" pitchFamily="18" charset="0"/>
-              </a:rPr>
               <a:t>1 order of magnitude</a:t>
             </a:r>
             <a:r>
-              <a:rPr lang="en-HK" sz="2000" dirty="0" smtClean="0">
-                <a:latin typeface="Times New Roman" panose="02020603050405020304" pitchFamily="18" charset="0"/>
-                <a:cs typeface="Times New Roman" panose="02020603050405020304" pitchFamily="18" charset="0"/>
-              </a:rPr>
-              <a:t> more intense than EUV irradiations </a:t>
-            </a:r>
-            <a:r>
-              <a:rPr lang="en-HK" sz="2000" dirty="0" smtClean="0">
-                <a:latin typeface="Times New Roman" panose="02020603050405020304" pitchFamily="18" charset="0"/>
-                <a:cs typeface="Times New Roman" panose="02020603050405020304" pitchFamily="18" charset="0"/>
-              </a:rPr>
-              <a:t>at 39.1 A.U. (Grundy </a:t>
-            </a:r>
-            <a:r>
-              <a:rPr lang="en-HK" sz="2000" dirty="0" smtClean="0">
-                <a:latin typeface="Times New Roman" panose="02020603050405020304" pitchFamily="18" charset="0"/>
-                <a:cs typeface="Times New Roman" panose="02020603050405020304" pitchFamily="18" charset="0"/>
-              </a:rPr>
-              <a:t>et al. 2016</a:t>
-            </a:r>
-            <a:r>
-              <a:rPr lang="en-HK" sz="2000" dirty="0" smtClean="0">
-                <a:latin typeface="Times New Roman" panose="02020603050405020304" pitchFamily="18" charset="0"/>
-                <a:cs typeface="Times New Roman" panose="02020603050405020304" pitchFamily="18" charset="0"/>
-              </a:rPr>
-              <a:t>)</a:t>
-            </a:r>
-            <a:endParaRPr lang="en-HK" sz="2000" dirty="0" smtClean="0">
-              <a:latin typeface="Times New Roman" panose="02020603050405020304" pitchFamily="18" charset="0"/>
-              <a:cs typeface="Times New Roman" panose="02020603050405020304" pitchFamily="18" charset="0"/>
-            </a:endParaRPr>
+              <a:rPr lang="en-HK" sz="2000" i="0" dirty="0" smtClean="0">
+                <a:latin typeface="Times New Roman" panose="02020603050405020304" pitchFamily="18" charset="0"/>
+                <a:cs typeface="Times New Roman" panose="02020603050405020304" pitchFamily="18" charset="0"/>
+              </a:rPr>
+              <a:t> more intense than EUV irradiations at 39.1 A.U. (Grundy et al. 2016)</a:t>
+            </a:r>
           </a:p>
           <a:p>
             <a:pPr marL="973836" lvl="3">
@@ -18982,84 +20395,70 @@
               </a:spcBef>
             </a:pPr>
             <a:r>
-              <a:rPr lang="en-HK" sz="1800" dirty="0" smtClean="0">
+              <a:rPr lang="en-HK" sz="1800" i="0" dirty="0" smtClean="0">
                 <a:latin typeface="Times New Roman" panose="02020603050405020304" pitchFamily="18" charset="0"/>
                 <a:cs typeface="Times New Roman" panose="02020603050405020304" pitchFamily="18" charset="0"/>
               </a:rPr>
               <a:t>Ly</a:t>
             </a:r>
             <a:r>
-              <a:rPr lang="en-US" altLang="zh-TW" sz="1800" dirty="0" smtClean="0">
+              <a:rPr lang="en-US" altLang="zh-TW" sz="1800" i="0" dirty="0" smtClean="0">
                 <a:latin typeface="Times New Roman" panose="02020603050405020304" pitchFamily="18" charset="0"/>
                 <a:cs typeface="Times New Roman" panose="02020603050405020304" pitchFamily="18" charset="0"/>
               </a:rPr>
               <a:t>-</a:t>
             </a:r>
             <a:r>
-              <a:rPr lang="en-HK" sz="1800" dirty="0" smtClean="0">
-                <a:latin typeface="Times New Roman" panose="02020603050405020304" pitchFamily="18" charset="0"/>
-                <a:cs typeface="Times New Roman" panose="02020603050405020304" pitchFamily="18" charset="0"/>
-              </a:rPr>
-              <a:t>α </a:t>
-            </a:r>
-            <a:r>
-              <a:rPr lang="en-HK" sz="1800" dirty="0" smtClean="0">
-                <a:latin typeface="Times New Roman" panose="02020603050405020304" pitchFamily="18" charset="0"/>
-                <a:cs typeface="Times New Roman" panose="02020603050405020304" pitchFamily="18" charset="0"/>
-              </a:rPr>
-              <a:t>flux</a:t>
-            </a:r>
-            <a:r>
-              <a:rPr lang="en-HK" sz="1800" dirty="0" smtClean="0">
-                <a:latin typeface="Times New Roman" panose="02020603050405020304" pitchFamily="18" charset="0"/>
-                <a:cs typeface="Times New Roman" panose="02020603050405020304" pitchFamily="18" charset="0"/>
-              </a:rPr>
-              <a:t>: </a:t>
-            </a:r>
-            <a:r>
-              <a:rPr lang="en-HK" sz="1800" dirty="0">
+              <a:rPr lang="en-HK" sz="1800" i="0" dirty="0" smtClean="0">
+                <a:latin typeface="Times New Roman" panose="02020603050405020304" pitchFamily="18" charset="0"/>
+                <a:cs typeface="Times New Roman" panose="02020603050405020304" pitchFamily="18" charset="0"/>
+              </a:rPr>
+              <a:t>α flux: </a:t>
+            </a:r>
+            <a:r>
+              <a:rPr lang="en-HK" sz="1800" i="0" dirty="0">
                 <a:latin typeface="Times New Roman" panose="02020603050405020304" pitchFamily="18" charset="0"/>
                 <a:cs typeface="Times New Roman" panose="02020603050405020304" pitchFamily="18" charset="0"/>
               </a:rPr>
               <a:t>1.9 x 10</a:t>
             </a:r>
             <a:r>
-              <a:rPr lang="en-HK" sz="1800" baseline="30000" dirty="0">
+              <a:rPr lang="en-HK" sz="1800" i="0" baseline="30000" dirty="0">
                 <a:latin typeface="Times New Roman" panose="02020603050405020304" pitchFamily="18" charset="0"/>
                 <a:cs typeface="Times New Roman" panose="02020603050405020304" pitchFamily="18" charset="0"/>
               </a:rPr>
               <a:t>9</a:t>
             </a:r>
             <a:r>
-              <a:rPr lang="en-HK" sz="1800" dirty="0">
+              <a:rPr lang="en-HK" sz="1800" i="0" dirty="0">
                 <a:latin typeface="Times New Roman" panose="02020603050405020304" pitchFamily="18" charset="0"/>
                 <a:cs typeface="Times New Roman" panose="02020603050405020304" pitchFamily="18" charset="0"/>
               </a:rPr>
               <a:t> eV cm</a:t>
             </a:r>
             <a:r>
-              <a:rPr lang="en-HK" sz="1800" baseline="30000" dirty="0">
+              <a:rPr lang="en-HK" sz="1800" i="0" baseline="30000" dirty="0">
                 <a:latin typeface="Times New Roman" panose="02020603050405020304" pitchFamily="18" charset="0"/>
                 <a:cs typeface="Times New Roman" panose="02020603050405020304" pitchFamily="18" charset="0"/>
               </a:rPr>
               <a:t>-2</a:t>
             </a:r>
             <a:r>
-              <a:rPr lang="en-HK" sz="1800" dirty="0">
+              <a:rPr lang="en-HK" sz="1800" i="0" dirty="0">
                 <a:latin typeface="Times New Roman" panose="02020603050405020304" pitchFamily="18" charset="0"/>
                 <a:cs typeface="Times New Roman" panose="02020603050405020304" pitchFamily="18" charset="0"/>
               </a:rPr>
               <a:t> </a:t>
             </a:r>
             <a:r>
-              <a:rPr lang="en-HK" sz="1800" dirty="0" smtClean="0">
+              <a:rPr lang="en-HK" sz="1800" i="0" dirty="0" smtClean="0">
                 <a:latin typeface="Times New Roman" panose="02020603050405020304" pitchFamily="18" charset="0"/>
                 <a:cs typeface="Times New Roman" panose="02020603050405020304" pitchFamily="18" charset="0"/>
               </a:rPr>
               <a:t>s</a:t>
             </a:r>
             <a:r>
-              <a:rPr lang="en-HK" sz="1800" baseline="30000" dirty="0" smtClean="0">
+              <a:rPr lang="en-HK" sz="1800" i="0" baseline="30000" dirty="0" smtClean="0">
                 <a:latin typeface="Times New Roman" panose="02020603050405020304" pitchFamily="18" charset="0"/>
                 <a:cs typeface="Times New Roman" panose="02020603050405020304" pitchFamily="18" charset="0"/>
               </a:rPr>
@@ -19073,63 +20472,49 @@
               </a:spcBef>
             </a:pPr>
             <a:r>
-              <a:rPr lang="en-HK" sz="1800" dirty="0" smtClean="0">
-                <a:latin typeface="Times New Roman" panose="02020603050405020304" pitchFamily="18" charset="0"/>
-                <a:cs typeface="Times New Roman" panose="02020603050405020304" pitchFamily="18" charset="0"/>
-              </a:rPr>
-              <a:t>EUV </a:t>
-            </a:r>
-            <a:r>
-              <a:rPr lang="en-HK" sz="1800" dirty="0" smtClean="0">
-                <a:latin typeface="Times New Roman" panose="02020603050405020304" pitchFamily="18" charset="0"/>
-                <a:cs typeface="Times New Roman" panose="02020603050405020304" pitchFamily="18" charset="0"/>
-              </a:rPr>
-              <a:t>flux: </a:t>
-            </a:r>
-            <a:r>
-              <a:rPr lang="en-HK" sz="1800" dirty="0" smtClean="0">
-                <a:latin typeface="Times New Roman" panose="02020603050405020304" pitchFamily="18" charset="0"/>
-                <a:cs typeface="Times New Roman" panose="02020603050405020304" pitchFamily="18" charset="0"/>
-              </a:rPr>
-              <a:t>8.7 x 10</a:t>
-            </a:r>
-            <a:r>
-              <a:rPr lang="en-HK" sz="1800" baseline="30000" dirty="0" smtClean="0">
+              <a:rPr lang="en-HK" sz="1800" i="0" dirty="0" smtClean="0">
+                <a:latin typeface="Times New Roman" panose="02020603050405020304" pitchFamily="18" charset="0"/>
+                <a:cs typeface="Times New Roman" panose="02020603050405020304" pitchFamily="18" charset="0"/>
+              </a:rPr>
+              <a:t>EUV flux: 8.7 x 10</a:t>
+            </a:r>
+            <a:r>
+              <a:rPr lang="en-HK" sz="1800" i="0" baseline="30000" dirty="0" smtClean="0">
                 <a:latin typeface="Times New Roman" panose="02020603050405020304" pitchFamily="18" charset="0"/>
                 <a:cs typeface="Times New Roman" panose="02020603050405020304" pitchFamily="18" charset="0"/>
               </a:rPr>
               <a:t>7</a:t>
             </a:r>
             <a:r>
-              <a:rPr lang="en-HK" sz="1800" dirty="0" smtClean="0">
+              <a:rPr lang="en-HK" sz="1800" i="0" dirty="0" smtClean="0">
                 <a:latin typeface="Times New Roman" panose="02020603050405020304" pitchFamily="18" charset="0"/>
                 <a:cs typeface="Times New Roman" panose="02020603050405020304" pitchFamily="18" charset="0"/>
               </a:rPr>
               <a:t> eV </a:t>
             </a:r>
             <a:r>
-              <a:rPr lang="en-HK" sz="1800" dirty="0">
+              <a:rPr lang="en-HK" sz="1800" i="0" dirty="0">
                 <a:latin typeface="Times New Roman" panose="02020603050405020304" pitchFamily="18" charset="0"/>
                 <a:cs typeface="Times New Roman" panose="02020603050405020304" pitchFamily="18" charset="0"/>
               </a:rPr>
               <a:t>cm</a:t>
             </a:r>
             <a:r>
-              <a:rPr lang="en-HK" sz="1800" baseline="30000" dirty="0">
+              <a:rPr lang="en-HK" sz="1800" i="0" baseline="30000" dirty="0">
                 <a:latin typeface="Times New Roman" panose="02020603050405020304" pitchFamily="18" charset="0"/>
                 <a:cs typeface="Times New Roman" panose="02020603050405020304" pitchFamily="18" charset="0"/>
               </a:rPr>
               <a:t>-2</a:t>
             </a:r>
             <a:r>
-              <a:rPr lang="en-HK" sz="1800" dirty="0">
+              <a:rPr lang="en-HK" sz="1800" i="0" dirty="0">
                 <a:latin typeface="Times New Roman" panose="02020603050405020304" pitchFamily="18" charset="0"/>
                 <a:cs typeface="Times New Roman" panose="02020603050405020304" pitchFamily="18" charset="0"/>
               </a:rPr>
               <a:t> s</a:t>
             </a:r>
             <a:r>
-              <a:rPr lang="en-HK" sz="1800" baseline="30000" dirty="0">
+              <a:rPr lang="en-HK" sz="1800" i="0" baseline="30000" dirty="0">
                 <a:latin typeface="Times New Roman" panose="02020603050405020304" pitchFamily="18" charset="0"/>
                 <a:cs typeface="Times New Roman" panose="02020603050405020304" pitchFamily="18" charset="0"/>
               </a:rPr>
@@ -19194,7 +20579,7 @@
           <a:graphicData uri="http://schemas.openxmlformats.org/presentationml/2006/ole">
             <mc:AlternateContent xmlns:mc="http://schemas.openxmlformats.org/markup-compatibility/2006">
               <mc:Choice xmlns:v="urn:schemas-microsoft-com:vml" Requires="v">
-                <p:oleObj spid="_x0000_s5825" name="Graph" r:id="rId3" imgW="4754880" imgH="3108960" progId="Origin50.Graph">
+                <p:oleObj spid="_x0000_s5842" name="Graph" r:id="rId3" imgW="4754880" imgH="3108960" progId="Origin50.Graph">
                   <p:embed/>
                 </p:oleObj>
               </mc:Choice>
@@ -19287,10 +20672,16 @@
           <a:lstStyle/>
           <a:p>
             <a:r>
-              <a:rPr lang="en-HK" dirty="0" smtClean="0"/>
+              <a:rPr lang="en-HK" dirty="0" smtClean="0">
+                <a:latin typeface="Times New Roman" panose="02020603050405020304" pitchFamily="18" charset="0"/>
+                <a:cs typeface="Times New Roman" panose="02020603050405020304" pitchFamily="18" charset="0"/>
+              </a:rPr>
               <a:t>Motivation</a:t>
             </a:r>
-            <a:endParaRPr lang="en-US" dirty="0"/>
+            <a:endParaRPr lang="en-US" dirty="0">
+              <a:latin typeface="Times New Roman" panose="02020603050405020304" pitchFamily="18" charset="0"/>
+              <a:cs typeface="Times New Roman" panose="02020603050405020304" pitchFamily="18" charset="0"/>
+            </a:endParaRPr>
           </a:p>
         </p:txBody>
       </p:sp>
@@ -19473,21 +20864,7 @@
                 <a:latin typeface="Times New Roman" panose="02020603050405020304" pitchFamily="18" charset="0"/>
                 <a:cs typeface="Times New Roman" panose="02020603050405020304" pitchFamily="18" charset="0"/>
               </a:rPr>
-              <a:t>2. </a:t>
-            </a:r>
-            <a:r>
-              <a:rPr lang="en-HK" sz="2000" dirty="0" smtClean="0">
-                <a:latin typeface="Times New Roman" panose="02020603050405020304" pitchFamily="18" charset="0"/>
-                <a:cs typeface="Times New Roman" panose="02020603050405020304" pitchFamily="18" charset="0"/>
-              </a:rPr>
-              <a:t>Formation of </a:t>
-            </a:r>
-            <a:r>
-              <a:rPr lang="en-HK" sz="2000" dirty="0" smtClean="0">
-                <a:latin typeface="Times New Roman" panose="02020603050405020304" pitchFamily="18" charset="0"/>
-                <a:cs typeface="Times New Roman" panose="02020603050405020304" pitchFamily="18" charset="0"/>
-              </a:rPr>
-              <a:t>CN</a:t>
+              <a:t>2. Formation of CN</a:t>
             </a:r>
             <a:r>
               <a:rPr lang="en-HK" sz="2000" baseline="30000" dirty="0" smtClean="0">
@@ -19528,7 +20905,92 @@
                 <a:latin typeface="Times New Roman" panose="02020603050405020304" pitchFamily="18" charset="0"/>
                 <a:cs typeface="Times New Roman" panose="02020603050405020304" pitchFamily="18" charset="0"/>
               </a:rPr>
-              <a:t>not proportional to the initial </a:t>
+              <a:t>not proportional to the initial column density </a:t>
+            </a:r>
+            <a:r>
+              <a:rPr lang="en-HK" sz="2000" dirty="0" smtClean="0">
+                <a:latin typeface="Times New Roman" panose="02020603050405020304" pitchFamily="18" charset="0"/>
+                <a:cs typeface="Times New Roman" panose="02020603050405020304" pitchFamily="18" charset="0"/>
+              </a:rPr>
+              <a:t>of CH</a:t>
+            </a:r>
+            <a:r>
+              <a:rPr lang="en-HK" sz="2000" baseline="-25000" dirty="0" smtClean="0">
+                <a:latin typeface="Times New Roman" panose="02020603050405020304" pitchFamily="18" charset="0"/>
+                <a:cs typeface="Times New Roman" panose="02020603050405020304" pitchFamily="18" charset="0"/>
+              </a:rPr>
+              <a:t>4</a:t>
+            </a:r>
+            <a:r>
+              <a:rPr lang="en-HK" sz="2000" dirty="0" smtClean="0">
+                <a:latin typeface="Times New Roman" panose="02020603050405020304" pitchFamily="18" charset="0"/>
+                <a:cs typeface="Times New Roman" panose="02020603050405020304" pitchFamily="18" charset="0"/>
+              </a:rPr>
+              <a:t> when CH</a:t>
+            </a:r>
+            <a:r>
+              <a:rPr lang="en-HK" sz="2000" baseline="-25000" dirty="0" smtClean="0">
+                <a:latin typeface="Times New Roman" panose="02020603050405020304" pitchFamily="18" charset="0"/>
+                <a:cs typeface="Times New Roman" panose="02020603050405020304" pitchFamily="18" charset="0"/>
+              </a:rPr>
+              <a:t>4</a:t>
+            </a:r>
+            <a:r>
+              <a:rPr lang="en-HK" sz="2000" dirty="0" smtClean="0">
+                <a:latin typeface="Times New Roman" panose="02020603050405020304" pitchFamily="18" charset="0"/>
+                <a:cs typeface="Times New Roman" panose="02020603050405020304" pitchFamily="18" charset="0"/>
+              </a:rPr>
+              <a:t> is in excess. </a:t>
+            </a:r>
+          </a:p>
+          <a:p>
+            <a:pPr lvl="1"/>
+            <a:r>
+              <a:rPr lang="en-HK" sz="2000" i="0" dirty="0" smtClean="0">
+                <a:latin typeface="Times New Roman" panose="02020603050405020304" pitchFamily="18" charset="0"/>
+                <a:cs typeface="Times New Roman" panose="02020603050405020304" pitchFamily="18" charset="0"/>
+              </a:rPr>
+              <a:t>This implies that we have to </a:t>
+            </a:r>
+            <a:r>
+              <a:rPr lang="en-HK" sz="2000" i="0" dirty="0" smtClean="0">
+                <a:solidFill>
+                  <a:srgbClr val="0070C0"/>
+                </a:solidFill>
+                <a:latin typeface="Times New Roman" panose="02020603050405020304" pitchFamily="18" charset="0"/>
+                <a:cs typeface="Times New Roman" panose="02020603050405020304" pitchFamily="18" charset="0"/>
+              </a:rPr>
+              <a:t>experimentally estimate </a:t>
+            </a:r>
+            <a:r>
+              <a:rPr lang="en-HK" sz="2000" i="0" dirty="0" smtClean="0">
+                <a:latin typeface="Times New Roman" panose="02020603050405020304" pitchFamily="18" charset="0"/>
+                <a:cs typeface="Times New Roman" panose="02020603050405020304" pitchFamily="18" charset="0"/>
+              </a:rPr>
+              <a:t>the column density of CN</a:t>
+            </a:r>
+            <a:r>
+              <a:rPr lang="en-HK" sz="2000" i="0" baseline="30000" dirty="0" smtClean="0">
+                <a:latin typeface="Times New Roman" panose="02020603050405020304" pitchFamily="18" charset="0"/>
+                <a:cs typeface="Times New Roman" panose="02020603050405020304" pitchFamily="18" charset="0"/>
+              </a:rPr>
+              <a:t>-</a:t>
+            </a:r>
+            <a:r>
+              <a:rPr lang="en-HK" sz="2000" i="0" dirty="0" smtClean="0">
+                <a:latin typeface="Times New Roman" panose="02020603050405020304" pitchFamily="18" charset="0"/>
+                <a:cs typeface="Times New Roman" panose="02020603050405020304" pitchFamily="18" charset="0"/>
+              </a:rPr>
+              <a:t> after Charon winter for further investigations.</a:t>
+            </a:r>
+          </a:p>
+          <a:p>
+            <a:r>
+              <a:rPr lang="en-HK" sz="2000" dirty="0" smtClean="0">
+                <a:latin typeface="Times New Roman" panose="02020603050405020304" pitchFamily="18" charset="0"/>
+                <a:cs typeface="Times New Roman" panose="02020603050405020304" pitchFamily="18" charset="0"/>
+              </a:rPr>
+              <a:t>3. The </a:t>
             </a:r>
             <a:r>
               <a:rPr lang="en-HK" sz="2000" dirty="0" smtClean="0">
@@ -19538,257 +21000,65 @@
                 <a:latin typeface="Times New Roman" panose="02020603050405020304" pitchFamily="18" charset="0"/>
                 <a:cs typeface="Times New Roman" panose="02020603050405020304" pitchFamily="18" charset="0"/>
               </a:rPr>
-              <a:t>column density </a:t>
+              <a:t>reduced destruction cross-section </a:t>
             </a:r>
             <a:r>
               <a:rPr lang="en-HK" sz="2000" dirty="0" smtClean="0">
                 <a:latin typeface="Times New Roman" panose="02020603050405020304" pitchFamily="18" charset="0"/>
                 <a:cs typeface="Times New Roman" panose="02020603050405020304" pitchFamily="18" charset="0"/>
               </a:rPr>
-              <a:t>of CH</a:t>
-            </a:r>
-            <a:r>
-              <a:rPr lang="en-HK" sz="2000" baseline="-25000" dirty="0" smtClean="0">
-                <a:latin typeface="Times New Roman" panose="02020603050405020304" pitchFamily="18" charset="0"/>
-                <a:cs typeface="Times New Roman" panose="02020603050405020304" pitchFamily="18" charset="0"/>
-              </a:rPr>
-              <a:t>4</a:t>
+              <a:t>of EUV (30.4nm) irradiation is the main factor of reducing the formation rate of CN</a:t>
+            </a:r>
+            <a:r>
+              <a:rPr lang="en-HK" sz="2000" baseline="30000" dirty="0" smtClean="0">
+                <a:latin typeface="Times New Roman" panose="02020603050405020304" pitchFamily="18" charset="0"/>
+                <a:cs typeface="Times New Roman" panose="02020603050405020304" pitchFamily="18" charset="0"/>
+              </a:rPr>
+              <a:t>-</a:t>
             </a:r>
             <a:r>
               <a:rPr lang="en-HK" sz="2000" dirty="0" smtClean="0">
                 <a:latin typeface="Times New Roman" panose="02020603050405020304" pitchFamily="18" charset="0"/>
                 <a:cs typeface="Times New Roman" panose="02020603050405020304" pitchFamily="18" charset="0"/>
               </a:rPr>
-              <a:t> when CH</a:t>
-            </a:r>
-            <a:r>
-              <a:rPr lang="en-HK" sz="2000" baseline="-25000" dirty="0" smtClean="0">
-                <a:latin typeface="Times New Roman" panose="02020603050405020304" pitchFamily="18" charset="0"/>
-                <a:cs typeface="Times New Roman" panose="02020603050405020304" pitchFamily="18" charset="0"/>
-              </a:rPr>
-              <a:t>4</a:t>
-            </a:r>
-            <a:r>
-              <a:rPr lang="en-HK" sz="2000" dirty="0" smtClean="0">
-                <a:latin typeface="Times New Roman" panose="02020603050405020304" pitchFamily="18" charset="0"/>
-                <a:cs typeface="Times New Roman" panose="02020603050405020304" pitchFamily="18" charset="0"/>
-              </a:rPr>
-              <a:t> is in excess. </a:t>
+              <a:t>. </a:t>
             </a:r>
           </a:p>
           <a:p>
             <a:pPr lvl="1"/>
             <a:r>
-              <a:rPr lang="en-HK" sz="2000" dirty="0" smtClean="0">
-                <a:latin typeface="Times New Roman" panose="02020603050405020304" pitchFamily="18" charset="0"/>
-                <a:cs typeface="Times New Roman" panose="02020603050405020304" pitchFamily="18" charset="0"/>
-              </a:rPr>
-              <a:t>This implies that we have to </a:t>
-            </a:r>
-            <a:r>
-              <a:rPr lang="en-HK" sz="2000" dirty="0" smtClean="0">
+              <a:rPr lang="en-HK" sz="2000" i="0" dirty="0" smtClean="0">
+                <a:latin typeface="Times New Roman" panose="02020603050405020304" pitchFamily="18" charset="0"/>
+                <a:cs typeface="Times New Roman" panose="02020603050405020304" pitchFamily="18" charset="0"/>
+              </a:rPr>
+              <a:t>This implies that Ly-α (VUV) is the </a:t>
+            </a:r>
+            <a:r>
+              <a:rPr lang="en-HK" sz="2000" i="0" dirty="0" smtClean="0">
                 <a:solidFill>
                   <a:srgbClr val="0070C0"/>
                 </a:solidFill>
                 <a:latin typeface="Times New Roman" panose="02020603050405020304" pitchFamily="18" charset="0"/>
                 <a:cs typeface="Times New Roman" panose="02020603050405020304" pitchFamily="18" charset="0"/>
               </a:rPr>
-              <a:t>experimentally </a:t>
-            </a:r>
-            <a:r>
-              <a:rPr lang="en-HK" sz="2000" dirty="0" smtClean="0">
-                <a:solidFill>
-                  <a:srgbClr val="0070C0"/>
-                </a:solidFill>
-                <a:latin typeface="Times New Roman" panose="02020603050405020304" pitchFamily="18" charset="0"/>
-                <a:cs typeface="Times New Roman" panose="02020603050405020304" pitchFamily="18" charset="0"/>
-              </a:rPr>
-              <a:t>estimate </a:t>
-            </a:r>
-            <a:r>
-              <a:rPr lang="en-HK" sz="2000" dirty="0" smtClean="0">
-                <a:latin typeface="Times New Roman" panose="02020603050405020304" pitchFamily="18" charset="0"/>
-                <a:cs typeface="Times New Roman" panose="02020603050405020304" pitchFamily="18" charset="0"/>
-              </a:rPr>
-              <a:t>the </a:t>
-            </a:r>
-            <a:r>
-              <a:rPr lang="en-HK" sz="2000" dirty="0" smtClean="0">
-                <a:latin typeface="Times New Roman" panose="02020603050405020304" pitchFamily="18" charset="0"/>
-                <a:cs typeface="Times New Roman" panose="02020603050405020304" pitchFamily="18" charset="0"/>
-              </a:rPr>
-              <a:t>column density </a:t>
-            </a:r>
-            <a:r>
-              <a:rPr lang="en-HK" sz="2000" dirty="0" smtClean="0">
-                <a:latin typeface="Times New Roman" panose="02020603050405020304" pitchFamily="18" charset="0"/>
-                <a:cs typeface="Times New Roman" panose="02020603050405020304" pitchFamily="18" charset="0"/>
-              </a:rPr>
-              <a:t>of CN</a:t>
-            </a:r>
-            <a:r>
-              <a:rPr lang="en-HK" sz="2000" baseline="30000" dirty="0" smtClean="0">
+              <a:t>main photon source </a:t>
+            </a:r>
+            <a:r>
+              <a:rPr lang="en-HK" sz="2000" i="0" dirty="0" smtClean="0">
+                <a:latin typeface="Times New Roman" panose="02020603050405020304" pitchFamily="18" charset="0"/>
+                <a:cs typeface="Times New Roman" panose="02020603050405020304" pitchFamily="18" charset="0"/>
+              </a:rPr>
+              <a:t>to produce CN</a:t>
+            </a:r>
+            <a:r>
+              <a:rPr lang="en-HK" sz="2000" i="0" baseline="30000" dirty="0" smtClean="0">
                 <a:latin typeface="Times New Roman" panose="02020603050405020304" pitchFamily="18" charset="0"/>
                 <a:cs typeface="Times New Roman" panose="02020603050405020304" pitchFamily="18" charset="0"/>
               </a:rPr>
               <a:t>-</a:t>
             </a:r>
             <a:r>
-              <a:rPr lang="en-HK" sz="2000" dirty="0" smtClean="0">
-                <a:latin typeface="Times New Roman" panose="02020603050405020304" pitchFamily="18" charset="0"/>
-                <a:cs typeface="Times New Roman" panose="02020603050405020304" pitchFamily="18" charset="0"/>
-              </a:rPr>
-              <a:t> after Charon winter for further investigations.</a:t>
-            </a:r>
-          </a:p>
-          <a:p>
-            <a:r>
-              <a:rPr lang="en-HK" sz="2000" dirty="0" smtClean="0">
-                <a:latin typeface="Times New Roman" panose="02020603050405020304" pitchFamily="18" charset="0"/>
-                <a:cs typeface="Times New Roman" panose="02020603050405020304" pitchFamily="18" charset="0"/>
-              </a:rPr>
-              <a:t>3. The </a:t>
-            </a:r>
-            <a:r>
-              <a:rPr lang="en-HK" sz="2000" dirty="0" smtClean="0">
-                <a:solidFill>
-                  <a:srgbClr val="0070C0"/>
-                </a:solidFill>
-                <a:latin typeface="Times New Roman" panose="02020603050405020304" pitchFamily="18" charset="0"/>
-                <a:cs typeface="Times New Roman" panose="02020603050405020304" pitchFamily="18" charset="0"/>
-              </a:rPr>
-              <a:t>reduced destruction cross-section </a:t>
-            </a:r>
-            <a:r>
-              <a:rPr lang="en-HK" sz="2000" dirty="0" smtClean="0">
-                <a:latin typeface="Times New Roman" panose="02020603050405020304" pitchFamily="18" charset="0"/>
-                <a:cs typeface="Times New Roman" panose="02020603050405020304" pitchFamily="18" charset="0"/>
-              </a:rPr>
-              <a:t>of EUV </a:t>
-            </a:r>
-            <a:r>
-              <a:rPr lang="en-HK" sz="2000" dirty="0" smtClean="0">
-                <a:latin typeface="Times New Roman" panose="02020603050405020304" pitchFamily="18" charset="0"/>
-                <a:cs typeface="Times New Roman" panose="02020603050405020304" pitchFamily="18" charset="0"/>
-              </a:rPr>
-              <a:t>(30.4nm) </a:t>
-            </a:r>
-            <a:r>
-              <a:rPr lang="en-HK" sz="2000" dirty="0" smtClean="0">
-                <a:latin typeface="Times New Roman" panose="02020603050405020304" pitchFamily="18" charset="0"/>
-                <a:cs typeface="Times New Roman" panose="02020603050405020304" pitchFamily="18" charset="0"/>
-              </a:rPr>
-              <a:t>irradiation is the main factor of </a:t>
-            </a:r>
-            <a:r>
-              <a:rPr lang="en-HK" sz="2000" dirty="0" smtClean="0">
-                <a:latin typeface="Times New Roman" panose="02020603050405020304" pitchFamily="18" charset="0"/>
-                <a:cs typeface="Times New Roman" panose="02020603050405020304" pitchFamily="18" charset="0"/>
-              </a:rPr>
-              <a:t>reducing </a:t>
-            </a:r>
-            <a:r>
-              <a:rPr lang="en-HK" sz="2000" dirty="0" smtClean="0">
-                <a:latin typeface="Times New Roman" panose="02020603050405020304" pitchFamily="18" charset="0"/>
-                <a:cs typeface="Times New Roman" panose="02020603050405020304" pitchFamily="18" charset="0"/>
-              </a:rPr>
-              <a:t>the </a:t>
-            </a:r>
-            <a:r>
-              <a:rPr lang="en-HK" sz="2000" dirty="0" smtClean="0">
-                <a:latin typeface="Times New Roman" panose="02020603050405020304" pitchFamily="18" charset="0"/>
-                <a:cs typeface="Times New Roman" panose="02020603050405020304" pitchFamily="18" charset="0"/>
-              </a:rPr>
-              <a:t>formation rate of CN</a:t>
-            </a:r>
-            <a:r>
-              <a:rPr lang="en-HK" sz="2000" baseline="30000" dirty="0" smtClean="0">
-                <a:latin typeface="Times New Roman" panose="02020603050405020304" pitchFamily="18" charset="0"/>
-                <a:cs typeface="Times New Roman" panose="02020603050405020304" pitchFamily="18" charset="0"/>
-              </a:rPr>
-              <a:t>-</a:t>
-            </a:r>
-            <a:r>
-              <a:rPr lang="en-HK" sz="2000" dirty="0" smtClean="0">
-                <a:latin typeface="Times New Roman" panose="02020603050405020304" pitchFamily="18" charset="0"/>
-                <a:cs typeface="Times New Roman" panose="02020603050405020304" pitchFamily="18" charset="0"/>
-              </a:rPr>
-              <a:t>. </a:t>
-            </a:r>
-            <a:endParaRPr lang="en-HK" sz="2000" dirty="0" smtClean="0">
-              <a:latin typeface="Times New Roman" panose="02020603050405020304" pitchFamily="18" charset="0"/>
-              <a:cs typeface="Times New Roman" panose="02020603050405020304" pitchFamily="18" charset="0"/>
-            </a:endParaRPr>
-          </a:p>
-          <a:p>
-            <a:pPr lvl="1"/>
-            <a:r>
-              <a:rPr lang="en-HK" sz="2000" dirty="0" smtClean="0">
-                <a:latin typeface="Times New Roman" panose="02020603050405020304" pitchFamily="18" charset="0"/>
-                <a:cs typeface="Times New Roman" panose="02020603050405020304" pitchFamily="18" charset="0"/>
-              </a:rPr>
-              <a:t>This implies that </a:t>
-            </a:r>
-            <a:r>
-              <a:rPr lang="en-HK" sz="2000" dirty="0" smtClean="0">
-                <a:latin typeface="Times New Roman" panose="02020603050405020304" pitchFamily="18" charset="0"/>
-                <a:cs typeface="Times New Roman" panose="02020603050405020304" pitchFamily="18" charset="0"/>
-              </a:rPr>
-              <a:t>Ly-α (VUV) </a:t>
-            </a:r>
-            <a:r>
-              <a:rPr lang="en-HK" sz="2000" dirty="0" smtClean="0">
-                <a:latin typeface="Times New Roman" panose="02020603050405020304" pitchFamily="18" charset="0"/>
-                <a:cs typeface="Times New Roman" panose="02020603050405020304" pitchFamily="18" charset="0"/>
-              </a:rPr>
-              <a:t>is the </a:t>
-            </a:r>
-            <a:r>
-              <a:rPr lang="en-HK" sz="2000" dirty="0" smtClean="0">
-                <a:solidFill>
-                  <a:srgbClr val="0070C0"/>
-                </a:solidFill>
-                <a:latin typeface="Times New Roman" panose="02020603050405020304" pitchFamily="18" charset="0"/>
-                <a:cs typeface="Times New Roman" panose="02020603050405020304" pitchFamily="18" charset="0"/>
-              </a:rPr>
-              <a:t>main </a:t>
-            </a:r>
-            <a:r>
-              <a:rPr lang="en-HK" sz="2000" dirty="0" smtClean="0">
-                <a:solidFill>
-                  <a:srgbClr val="0070C0"/>
-                </a:solidFill>
-                <a:latin typeface="Times New Roman" panose="02020603050405020304" pitchFamily="18" charset="0"/>
-                <a:cs typeface="Times New Roman" panose="02020603050405020304" pitchFamily="18" charset="0"/>
-              </a:rPr>
-              <a:t>photon </a:t>
-            </a:r>
-            <a:r>
-              <a:rPr lang="en-HK" sz="2000" dirty="0" smtClean="0">
-                <a:solidFill>
-                  <a:srgbClr val="0070C0"/>
-                </a:solidFill>
-                <a:latin typeface="Times New Roman" panose="02020603050405020304" pitchFamily="18" charset="0"/>
-                <a:cs typeface="Times New Roman" panose="02020603050405020304" pitchFamily="18" charset="0"/>
-              </a:rPr>
-              <a:t>source </a:t>
-            </a:r>
-            <a:r>
-              <a:rPr lang="en-HK" sz="2000" dirty="0" smtClean="0">
-                <a:latin typeface="Times New Roman" panose="02020603050405020304" pitchFamily="18" charset="0"/>
-                <a:cs typeface="Times New Roman" panose="02020603050405020304" pitchFamily="18" charset="0"/>
-              </a:rPr>
-              <a:t>to produce CN</a:t>
-            </a:r>
-            <a:r>
-              <a:rPr lang="en-HK" sz="2000" baseline="30000" dirty="0" smtClean="0">
-                <a:latin typeface="Times New Roman" panose="02020603050405020304" pitchFamily="18" charset="0"/>
-                <a:cs typeface="Times New Roman" panose="02020603050405020304" pitchFamily="18" charset="0"/>
-              </a:rPr>
-              <a:t>-</a:t>
-            </a:r>
-            <a:r>
-              <a:rPr lang="en-HK" sz="2000" dirty="0" smtClean="0">
+              <a:rPr lang="en-HK" sz="2000" i="0" dirty="0" smtClean="0">
                 <a:latin typeface="Times New Roman" panose="02020603050405020304" pitchFamily="18" charset="0"/>
                 <a:cs typeface="Times New Roman" panose="02020603050405020304" pitchFamily="18" charset="0"/>
               </a:rPr>
@@ -19881,10 +21151,16 @@
           <a:lstStyle/>
           <a:p>
             <a:r>
-              <a:rPr lang="en-HK" dirty="0" smtClean="0"/>
+              <a:rPr lang="en-HK" dirty="0" smtClean="0">
+                <a:latin typeface="Times New Roman" panose="02020603050405020304" pitchFamily="18" charset="0"/>
+                <a:cs typeface="Times New Roman" panose="02020603050405020304" pitchFamily="18" charset="0"/>
+              </a:rPr>
               <a:t>Q &amp; A</a:t>
             </a:r>
-            <a:endParaRPr lang="en-US" dirty="0"/>
+            <a:endParaRPr lang="en-US" dirty="0">
+              <a:latin typeface="Times New Roman" panose="02020603050405020304" pitchFamily="18" charset="0"/>
+              <a:cs typeface="Times New Roman" panose="02020603050405020304" pitchFamily="18" charset="0"/>
+            </a:endParaRPr>
           </a:p>
         </p:txBody>
       </p:sp>
@@ -19969,10 +21245,16 @@
           <a:lstStyle/>
           <a:p>
             <a:r>
-              <a:rPr lang="en-HK" dirty="0" smtClean="0"/>
+              <a:rPr lang="en-HK" dirty="0" smtClean="0">
+                <a:latin typeface="Times New Roman" panose="02020603050405020304" pitchFamily="18" charset="0"/>
+                <a:cs typeface="Times New Roman" panose="02020603050405020304" pitchFamily="18" charset="0"/>
+              </a:rPr>
               <a:t>Production yield and production rates </a:t>
             </a:r>
-            <a:endParaRPr lang="en-US" dirty="0"/>
+            <a:endParaRPr lang="en-US" dirty="0">
+              <a:latin typeface="Times New Roman" panose="02020603050405020304" pitchFamily="18" charset="0"/>
+              <a:cs typeface="Times New Roman" panose="02020603050405020304" pitchFamily="18" charset="0"/>
+            </a:endParaRPr>
           </a:p>
         </p:txBody>
       </p:sp>
@@ -19993,22 +21275,33 @@
           </a:xfrm>
         </p:spPr>
         <p:txBody>
-          <a:bodyPr/>
+          <a:bodyPr>
+            <a:normAutofit/>
+          </a:bodyPr>
           <a:lstStyle/>
           <a:p>
             <a:r>
-              <a:rPr lang="en-HK" dirty="0" smtClean="0"/>
+              <a:rPr lang="en-HK" sz="2400" dirty="0" smtClean="0">
+                <a:latin typeface="Times New Roman" panose="02020603050405020304" pitchFamily="18" charset="0"/>
+                <a:cs typeface="Times New Roman" panose="02020603050405020304" pitchFamily="18" charset="0"/>
+              </a:rPr>
               <a:t>The yields should be correlated with initial limiting substances</a:t>
             </a:r>
           </a:p>
           <a:p>
             <a:r>
-              <a:rPr lang="en-HK" dirty="0"/>
+              <a:rPr lang="en-HK" sz="2400" dirty="0">
+                <a:latin typeface="Times New Roman" panose="02020603050405020304" pitchFamily="18" charset="0"/>
+                <a:cs typeface="Times New Roman" panose="02020603050405020304" pitchFamily="18" charset="0"/>
+              </a:rPr>
               <a:t>Fitting rates are the same</a:t>
             </a:r>
           </a:p>
           <a:p>
-            <a:endParaRPr lang="en-US" dirty="0"/>
+            <a:endParaRPr lang="en-US" sz="2400" dirty="0">
+              <a:latin typeface="Times New Roman" panose="02020603050405020304" pitchFamily="18" charset="0"/>
+              <a:cs typeface="Times New Roman" panose="02020603050405020304" pitchFamily="18" charset="0"/>
+            </a:endParaRPr>
           </a:p>
         </p:txBody>
       </p:sp>
@@ -20057,7 +21350,7 @@
           <a:graphicData uri="http://schemas.openxmlformats.org/presentationml/2006/ole">
             <mc:AlternateContent xmlns:mc="http://schemas.openxmlformats.org/markup-compatibility/2006">
               <mc:Choice xmlns:v="urn:schemas-microsoft-com:vml" Requires="v">
-                <p:oleObj spid="_x0000_s12679" name="Graph" r:id="rId3" imgW="4754880" imgH="3108960" progId="Origin50.Graph">
+                <p:oleObj spid="_x0000_s12696" name="Graph" r:id="rId3" imgW="4754880" imgH="3108960" progId="Origin50.Graph">
                   <p:embed/>
                 </p:oleObj>
               </mc:Choice>
@@ -20445,7 +21738,7 @@
         <p:spPr>
           <a:xfrm>
             <a:off x="2158664" y="5299926"/>
-            <a:ext cx="2840842" cy="369332"/>
+            <a:ext cx="2576346" cy="369332"/>
           </a:xfrm>
           <a:prstGeom prst="rect">
             <a:avLst/>
@@ -20458,10 +21751,152 @@
           <a:lstStyle/>
           <a:p>
             <a:r>
-              <a:rPr lang="en-HK" dirty="0"/>
+              <a:rPr lang="en-HK" dirty="0">
+                <a:latin typeface="Times New Roman" panose="02020603050405020304" pitchFamily="18" charset="0"/>
+                <a:cs typeface="Times New Roman" panose="02020603050405020304" pitchFamily="18" charset="0"/>
+              </a:rPr>
               <a:t>from Grundy et al. (2016)</a:t>
             </a:r>
-            <a:endParaRPr lang="en-US" dirty="0"/>
+            <a:endParaRPr lang="en-US" dirty="0">
+              <a:latin typeface="Times New Roman" panose="02020603050405020304" pitchFamily="18" charset="0"/>
+              <a:cs typeface="Times New Roman" panose="02020603050405020304" pitchFamily="18" charset="0"/>
+            </a:endParaRPr>
+          </a:p>
+        </p:txBody>
+      </p:sp>
+      <p:sp>
+        <p:nvSpPr>
+          <p:cNvPr id="8" name="文字方塊 7"/>
+          <p:cNvSpPr txBox="1"/>
+          <p:nvPr/>
+        </p:nvSpPr>
+        <p:spPr>
+          <a:xfrm>
+            <a:off x="8531157" y="2137420"/>
+            <a:ext cx="511679" cy="369332"/>
+          </a:xfrm>
+          <a:prstGeom prst="rect">
+            <a:avLst/>
+          </a:prstGeom>
+          <a:noFill/>
+        </p:spPr>
+        <p:txBody>
+          <a:bodyPr wrap="none" rtlCol="0">
+            <a:spAutoFit/>
+          </a:bodyPr>
+          <a:lstStyle/>
+          <a:p>
+            <a:r>
+              <a:rPr lang="en-US" dirty="0" smtClean="0"/>
+              <a:t>90</a:t>
+            </a:r>
+            <a:r>
+              <a:rPr lang="en-US" baseline="30000" dirty="0" smtClean="0"/>
+              <a:t>o</a:t>
+            </a:r>
+            <a:endParaRPr lang="en-US" baseline="30000" dirty="0"/>
+          </a:p>
+        </p:txBody>
+      </p:sp>
+      <p:sp>
+        <p:nvSpPr>
+          <p:cNvPr id="9" name="文字方塊 8"/>
+          <p:cNvSpPr txBox="1"/>
+          <p:nvPr/>
+        </p:nvSpPr>
+        <p:spPr>
+          <a:xfrm>
+            <a:off x="8531157" y="4585692"/>
+            <a:ext cx="511679" cy="369332"/>
+          </a:xfrm>
+          <a:prstGeom prst="rect">
+            <a:avLst/>
+          </a:prstGeom>
+          <a:noFill/>
+        </p:spPr>
+        <p:txBody>
+          <a:bodyPr wrap="none" rtlCol="0">
+            <a:spAutoFit/>
+          </a:bodyPr>
+          <a:lstStyle/>
+          <a:p>
+            <a:r>
+              <a:rPr lang="en-US" dirty="0" smtClean="0"/>
+              <a:t>10</a:t>
+            </a:r>
+            <a:r>
+              <a:rPr lang="en-US" baseline="30000" dirty="0" smtClean="0"/>
+              <a:t>o</a:t>
+            </a:r>
+            <a:endParaRPr lang="en-US" baseline="30000" dirty="0"/>
+          </a:p>
+        </p:txBody>
+      </p:sp>
+      <p:sp>
+        <p:nvSpPr>
+          <p:cNvPr id="10" name="文字方塊 9"/>
+          <p:cNvSpPr txBox="1"/>
+          <p:nvPr/>
+        </p:nvSpPr>
+        <p:spPr>
+          <a:xfrm>
+            <a:off x="8531157" y="3937620"/>
+            <a:ext cx="511679" cy="369332"/>
+          </a:xfrm>
+          <a:prstGeom prst="rect">
+            <a:avLst/>
+          </a:prstGeom>
+          <a:noFill/>
+        </p:spPr>
+        <p:txBody>
+          <a:bodyPr wrap="none" rtlCol="0">
+            <a:spAutoFit/>
+          </a:bodyPr>
+          <a:lstStyle/>
+          <a:p>
+            <a:r>
+              <a:rPr lang="en-US" dirty="0" smtClean="0"/>
+              <a:t>40</a:t>
+            </a:r>
+            <a:r>
+              <a:rPr lang="en-US" baseline="30000" dirty="0" smtClean="0"/>
+              <a:t>o</a:t>
+            </a:r>
+            <a:endParaRPr lang="en-US" baseline="30000" dirty="0"/>
+          </a:p>
+        </p:txBody>
+      </p:sp>
+      <p:sp>
+        <p:nvSpPr>
+          <p:cNvPr id="11" name="文字方塊 10"/>
+          <p:cNvSpPr txBox="1"/>
+          <p:nvPr/>
+        </p:nvSpPr>
+        <p:spPr>
+          <a:xfrm>
+            <a:off x="8531156" y="3048148"/>
+            <a:ext cx="511679" cy="369332"/>
+          </a:xfrm>
+          <a:prstGeom prst="rect">
+            <a:avLst/>
+          </a:prstGeom>
+          <a:noFill/>
+        </p:spPr>
+        <p:txBody>
+          <a:bodyPr wrap="none" rtlCol="0">
+            <a:spAutoFit/>
+          </a:bodyPr>
+          <a:lstStyle/>
+          <a:p>
+            <a:r>
+              <a:rPr lang="en-US" dirty="0" smtClean="0"/>
+              <a:t>50</a:t>
+            </a:r>
+            <a:r>
+              <a:rPr lang="en-US" baseline="30000" dirty="0" smtClean="0"/>
+              <a:t>o</a:t>
+            </a:r>
+            <a:endParaRPr lang="en-US" baseline="30000" dirty="0"/>
           </a:p>
         </p:txBody>
       </p:sp>
@@ -21342,7 +22777,7 @@
         <p:spPr>
           <a:xfrm>
             <a:off x="6610979" y="4513347"/>
-            <a:ext cx="553357" cy="369332"/>
+            <a:ext cx="582211" cy="369332"/>
           </a:xfrm>
           <a:prstGeom prst="rect">
             <a:avLst/>
@@ -21356,14 +22791,23 @@
           <a:lstStyle/>
           <a:p>
             <a:r>
-              <a:rPr lang="en-HK" dirty="0" smtClean="0"/>
+              <a:rPr lang="en-HK" dirty="0" smtClean="0">
+                <a:latin typeface="Times New Roman" panose="02020603050405020304" pitchFamily="18" charset="0"/>
+                <a:cs typeface="Times New Roman" panose="02020603050405020304" pitchFamily="18" charset="0"/>
+              </a:rPr>
               <a:t>CH</a:t>
             </a:r>
             <a:r>
-              <a:rPr lang="en-HK" baseline="-25000" dirty="0" smtClean="0"/>
+              <a:rPr lang="en-HK" baseline="-25000" dirty="0" smtClean="0">
+                <a:latin typeface="Times New Roman" panose="02020603050405020304" pitchFamily="18" charset="0"/>
+                <a:cs typeface="Times New Roman" panose="02020603050405020304" pitchFamily="18" charset="0"/>
+              </a:rPr>
               <a:t>4</a:t>
             </a:r>
-            <a:endParaRPr lang="en-US" baseline="-25000" dirty="0"/>
+            <a:endParaRPr lang="en-US" baseline="-25000" dirty="0">
+              <a:latin typeface="Times New Roman" panose="02020603050405020304" pitchFamily="18" charset="0"/>
+              <a:cs typeface="Times New Roman" panose="02020603050405020304" pitchFamily="18" charset="0"/>
+            </a:endParaRPr>
           </a:p>
         </p:txBody>
       </p:sp>
@@ -21376,7 +22820,7 @@
         <p:spPr>
           <a:xfrm>
             <a:off x="6628422" y="3898023"/>
-            <a:ext cx="562975" cy="369332"/>
+            <a:ext cx="595035" cy="369332"/>
           </a:xfrm>
           <a:prstGeom prst="rect">
             <a:avLst/>
@@ -21390,14 +22834,23 @@
           <a:lstStyle/>
           <a:p>
             <a:r>
-              <a:rPr lang="en-HK" dirty="0" smtClean="0"/>
+              <a:rPr lang="en-HK" dirty="0" smtClean="0">
+                <a:latin typeface="Times New Roman" panose="02020603050405020304" pitchFamily="18" charset="0"/>
+                <a:cs typeface="Times New Roman" panose="02020603050405020304" pitchFamily="18" charset="0"/>
+              </a:rPr>
               <a:t>NH</a:t>
             </a:r>
             <a:r>
-              <a:rPr lang="en-HK" baseline="-25000" dirty="0" smtClean="0"/>
+              <a:rPr lang="en-HK" baseline="-25000" dirty="0" smtClean="0">
+                <a:latin typeface="Times New Roman" panose="02020603050405020304" pitchFamily="18" charset="0"/>
+                <a:cs typeface="Times New Roman" panose="02020603050405020304" pitchFamily="18" charset="0"/>
+              </a:rPr>
               <a:t>3</a:t>
             </a:r>
-            <a:endParaRPr lang="en-US" baseline="-25000" dirty="0"/>
+            <a:endParaRPr lang="en-US" baseline="-25000" dirty="0">
+              <a:latin typeface="Times New Roman" panose="02020603050405020304" pitchFamily="18" charset="0"/>
+              <a:cs typeface="Times New Roman" panose="02020603050405020304" pitchFamily="18" charset="0"/>
+            </a:endParaRPr>
           </a:p>
         </p:txBody>
       </p:sp>
@@ -21454,10 +22907,16 @@
           <a:lstStyle/>
           <a:p>
             <a:r>
-              <a:rPr lang="en-HK" dirty="0" smtClean="0"/>
+              <a:rPr lang="en-HK" dirty="0" smtClean="0">
+                <a:latin typeface="Times New Roman" panose="02020603050405020304" pitchFamily="18" charset="0"/>
+                <a:cs typeface="Times New Roman" panose="02020603050405020304" pitchFamily="18" charset="0"/>
+              </a:rPr>
               <a:t>VUV and EUV irradiation</a:t>
             </a:r>
-            <a:endParaRPr lang="en-US" dirty="0"/>
+            <a:endParaRPr lang="en-US" dirty="0">
+              <a:latin typeface="Times New Roman" panose="02020603050405020304" pitchFamily="18" charset="0"/>
+              <a:cs typeface="Times New Roman" panose="02020603050405020304" pitchFamily="18" charset="0"/>
+            </a:endParaRPr>
           </a:p>
         </p:txBody>
       </p:sp>
@@ -21506,7 +22965,7 @@
         <p:spPr>
           <a:xfrm>
             <a:off x="7853652" y="4181792"/>
-            <a:ext cx="526106" cy="369332"/>
+            <a:ext cx="556563" cy="369332"/>
           </a:xfrm>
           <a:prstGeom prst="rect">
             <a:avLst/>
@@ -21520,14 +22979,23 @@
           <a:lstStyle/>
           <a:p>
             <a:r>
-              <a:rPr lang="en-HK" dirty="0" smtClean="0"/>
+              <a:rPr lang="en-HK" dirty="0" smtClean="0">
+                <a:latin typeface="Times New Roman" panose="02020603050405020304" pitchFamily="18" charset="0"/>
+                <a:cs typeface="Times New Roman" panose="02020603050405020304" pitchFamily="18" charset="0"/>
+              </a:rPr>
               <a:t>CN</a:t>
             </a:r>
             <a:r>
-              <a:rPr lang="en-HK" baseline="30000" dirty="0" smtClean="0"/>
+              <a:rPr lang="en-HK" baseline="30000" dirty="0" smtClean="0">
+                <a:latin typeface="Times New Roman" panose="02020603050405020304" pitchFamily="18" charset="0"/>
+                <a:cs typeface="Times New Roman" panose="02020603050405020304" pitchFamily="18" charset="0"/>
+              </a:rPr>
               <a:t>-</a:t>
             </a:r>
-            <a:endParaRPr lang="en-US" baseline="30000" dirty="0"/>
+            <a:endParaRPr lang="en-US" baseline="30000" dirty="0">
+              <a:latin typeface="Times New Roman" panose="02020603050405020304" pitchFamily="18" charset="0"/>
+              <a:cs typeface="Times New Roman" panose="02020603050405020304" pitchFamily="18" charset="0"/>
+            </a:endParaRPr>
           </a:p>
         </p:txBody>
       </p:sp>
@@ -21576,7 +23044,7 @@
         <p:spPr>
           <a:xfrm>
             <a:off x="748811" y="4747255"/>
-            <a:ext cx="3390153" cy="646331"/>
+            <a:ext cx="3390153" cy="369332"/>
           </a:xfrm>
           <a:prstGeom prst="rect">
             <a:avLst/>
@@ -21590,10 +23058,16 @@
           <a:lstStyle/>
           <a:p>
             <a:r>
-              <a:rPr lang="en-HK" dirty="0" smtClean="0"/>
+              <a:rPr lang="en-HK" dirty="0" smtClean="0">
+                <a:latin typeface="Times New Roman" panose="02020603050405020304" pitchFamily="18" charset="0"/>
+                <a:cs typeface="Times New Roman" panose="02020603050405020304" pitchFamily="18" charset="0"/>
+              </a:rPr>
               <a:t>Quoted from Grundy et al. (2017)</a:t>
             </a:r>
-            <a:endParaRPr lang="en-US" dirty="0"/>
+            <a:endParaRPr lang="en-US" dirty="0">
+              <a:latin typeface="Times New Roman" panose="02020603050405020304" pitchFamily="18" charset="0"/>
+              <a:cs typeface="Times New Roman" panose="02020603050405020304" pitchFamily="18" charset="0"/>
+            </a:endParaRPr>
           </a:p>
         </p:txBody>
       </p:sp>
@@ -22193,21 +23667,36 @@
           <a:lstStyle/>
           <a:p>
             <a:r>
-              <a:rPr lang="en-HK" dirty="0" smtClean="0"/>
+              <a:rPr lang="en-HK" dirty="0" smtClean="0">
+                <a:latin typeface="Times New Roman" panose="02020603050405020304" pitchFamily="18" charset="0"/>
+                <a:cs typeface="Times New Roman" panose="02020603050405020304" pitchFamily="18" charset="0"/>
+              </a:rPr>
               <a:t>Production mechanism of CN</a:t>
             </a:r>
             <a:r>
-              <a:rPr lang="en-HK" baseline="30000" dirty="0" smtClean="0"/>
+              <a:rPr lang="en-HK" baseline="30000" dirty="0" smtClean="0">
+                <a:latin typeface="Times New Roman" panose="02020603050405020304" pitchFamily="18" charset="0"/>
+                <a:cs typeface="Times New Roman" panose="02020603050405020304" pitchFamily="18" charset="0"/>
+              </a:rPr>
               <a:t>-</a:t>
             </a:r>
             <a:r>
-              <a:rPr lang="en-HK" dirty="0"/>
+              <a:rPr lang="en-HK" dirty="0">
+                <a:latin typeface="Times New Roman" panose="02020603050405020304" pitchFamily="18" charset="0"/>
+                <a:cs typeface="Times New Roman" panose="02020603050405020304" pitchFamily="18" charset="0"/>
+              </a:rPr>
               <a:t/>
             </a:r>
             <a:br>
-              <a:rPr lang="en-HK" dirty="0"/>
+              <a:rPr lang="en-HK" dirty="0">
+                <a:latin typeface="Times New Roman" panose="02020603050405020304" pitchFamily="18" charset="0"/>
+                <a:cs typeface="Times New Roman" panose="02020603050405020304" pitchFamily="18" charset="0"/>
+              </a:rPr>
             </a:br>
-            <a:endParaRPr lang="en-US" dirty="0"/>
+            <a:endParaRPr lang="en-US" dirty="0">
+              <a:latin typeface="Times New Roman" panose="02020603050405020304" pitchFamily="18" charset="0"/>
+              <a:cs typeface="Times New Roman" panose="02020603050405020304" pitchFamily="18" charset="0"/>
+            </a:endParaRPr>
           </a:p>
         </p:txBody>
       </p:sp>
@@ -22243,7 +23732,7 @@
         <p:spPr>
           <a:xfrm>
             <a:off x="5356504" y="5055803"/>
-            <a:ext cx="3819444" cy="369332"/>
+            <a:ext cx="3555204" cy="369332"/>
           </a:xfrm>
           <a:prstGeom prst="rect">
             <a:avLst/>
@@ -22256,19 +23745,28 @@
           <a:lstStyle/>
           <a:p>
             <a:r>
-              <a:rPr lang="en-HK" dirty="0"/>
+              <a:rPr lang="en-HK" dirty="0">
+                <a:latin typeface="Times New Roman" panose="02020603050405020304" pitchFamily="18" charset="0"/>
+                <a:cs typeface="Times New Roman" panose="02020603050405020304" pitchFamily="18" charset="0"/>
+              </a:rPr>
               <a:t>Quoted from Kim and Kaiser (</a:t>
             </a:r>
             <a:r>
-              <a:rPr lang="en-HK" dirty="0" smtClean="0"/>
+              <a:rPr lang="en-HK" dirty="0" smtClean="0">
+                <a:latin typeface="Times New Roman" panose="02020603050405020304" pitchFamily="18" charset="0"/>
+                <a:cs typeface="Times New Roman" panose="02020603050405020304" pitchFamily="18" charset="0"/>
+              </a:rPr>
               <a:t>2011)</a:t>
             </a:r>
-            <a:endParaRPr lang="en-HK" dirty="0"/>
+            <a:endParaRPr lang="en-HK" dirty="0">
+              <a:latin typeface="Times New Roman" panose="02020603050405020304" pitchFamily="18" charset="0"/>
+              <a:cs typeface="Times New Roman" panose="02020603050405020304" pitchFamily="18" charset="0"/>
+            </a:endParaRPr>
           </a:p>
         </p:txBody>
       </p:sp>
-      <mc:AlternateContent xmlns:mc="http://schemas.openxmlformats.org/markup-compatibility/2006" xmlns:a14="http://schemas.microsoft.com/office/drawing/2010/main">
-        <mc:Choice Requires="a14">
+      <mc:AlternateContent xmlns:mc="http://schemas.openxmlformats.org/markup-compatibility/2006">
+        <mc:Choice xmlns:a14="http://schemas.microsoft.com/office/drawing/2010/main" Requires="a14">
           <p:sp>
             <p:nvSpPr>
               <p:cNvPr id="7" name="矩形 6"/>
@@ -22292,38 +23790,65 @@
               <a:p>
                 <a:pPr lvl="2"/>
                 <a:r>
-                  <a:rPr lang="en-HK" sz="1450" dirty="0" smtClean="0"/>
+                  <a:rPr lang="en-HK" sz="1450" dirty="0" smtClean="0">
+                    <a:latin typeface="Times New Roman" panose="02020603050405020304" pitchFamily="18" charset="0"/>
+                    <a:cs typeface="Times New Roman" panose="02020603050405020304" pitchFamily="18" charset="0"/>
+                  </a:rPr>
                   <a:t>Enthalpy </a:t>
                 </a:r>
                 <a:r>
-                  <a:rPr lang="en-HK" sz="1450" dirty="0"/>
+                  <a:rPr lang="en-HK" sz="1450" dirty="0">
+                    <a:latin typeface="Times New Roman" panose="02020603050405020304" pitchFamily="18" charset="0"/>
+                    <a:cs typeface="Times New Roman" panose="02020603050405020304" pitchFamily="18" charset="0"/>
+                  </a:rPr>
                   <a:t>of CH</a:t>
                 </a:r>
                 <a:r>
-                  <a:rPr lang="en-HK" sz="1450" baseline="-25000" dirty="0"/>
+                  <a:rPr lang="en-HK" sz="1450" baseline="-25000" dirty="0">
+                    <a:latin typeface="Times New Roman" panose="02020603050405020304" pitchFamily="18" charset="0"/>
+                    <a:cs typeface="Times New Roman" panose="02020603050405020304" pitchFamily="18" charset="0"/>
+                  </a:rPr>
                   <a:t>3</a:t>
                 </a:r>
                 <a:r>
-                  <a:rPr lang="en-HK" sz="1450" dirty="0"/>
+                  <a:rPr lang="en-HK" sz="1450" dirty="0">
+                    <a:latin typeface="Times New Roman" panose="02020603050405020304" pitchFamily="18" charset="0"/>
+                    <a:cs typeface="Times New Roman" panose="02020603050405020304" pitchFamily="18" charset="0"/>
+                  </a:rPr>
                   <a:t>NH</a:t>
                 </a:r>
                 <a:r>
-                  <a:rPr lang="en-HK" sz="1450" baseline="-25000" dirty="0"/>
+                  <a:rPr lang="en-HK" sz="1450" baseline="-25000" dirty="0">
+                    <a:latin typeface="Times New Roman" panose="02020603050405020304" pitchFamily="18" charset="0"/>
+                    <a:cs typeface="Times New Roman" panose="02020603050405020304" pitchFamily="18" charset="0"/>
+                  </a:rPr>
                   <a:t>2</a:t>
                 </a:r>
                 <a:r>
-                  <a:rPr lang="en-US" sz="1450" dirty="0"/>
+                  <a:rPr lang="en-US" sz="1450" dirty="0">
+                    <a:latin typeface="Times New Roman" panose="02020603050405020304" pitchFamily="18" charset="0"/>
+                    <a:cs typeface="Times New Roman" panose="02020603050405020304" pitchFamily="18" charset="0"/>
+                  </a:rPr>
                   <a:t> </a:t>
                 </a:r>
                 <a:r>
-                  <a:rPr lang="en-HK" sz="1450" dirty="0"/>
+                  <a:rPr lang="en-HK" sz="1450" dirty="0">
+                    <a:latin typeface="Times New Roman" panose="02020603050405020304" pitchFamily="18" charset="0"/>
+                    <a:cs typeface="Times New Roman" panose="02020603050405020304" pitchFamily="18" charset="0"/>
+                  </a:rPr>
                   <a:t>formation </a:t>
                 </a:r>
-                <a:endParaRPr lang="en-HK" sz="1450" dirty="0" smtClean="0"/>
+                <a:endParaRPr lang="en-HK" sz="1450" dirty="0" smtClean="0">
+                  <a:latin typeface="Times New Roman" panose="02020603050405020304" pitchFamily="18" charset="0"/>
+                  <a:cs typeface="Times New Roman" panose="02020603050405020304" pitchFamily="18" charset="0"/>
+                </a:endParaRPr>
               </a:p>
               <a:p>
                 <a:pPr lvl="2"/>
-                <a:endParaRPr lang="en-HK" sz="1450" dirty="0" smtClean="0"/>
+                <a:endParaRPr lang="en-HK" sz="1450" dirty="0" smtClean="0">
+                  <a:latin typeface="Times New Roman" panose="02020603050405020304" pitchFamily="18" charset="0"/>
+                  <a:cs typeface="Times New Roman" panose="02020603050405020304" pitchFamily="18" charset="0"/>
+                </a:endParaRPr>
               </a:p>
               <a:p>
                 <a:pPr lvl="2"/>
@@ -22428,44 +23953,71 @@
                     </m:oMath>
                   </m:oMathPara>
                 </a14:m>
-                <a:endParaRPr lang="en-HK" sz="1450" dirty="0" smtClean="0"/>
+                <a:endParaRPr lang="en-HK" sz="1450" dirty="0" smtClean="0">
+                  <a:latin typeface="Times New Roman" panose="02020603050405020304" pitchFamily="18" charset="0"/>
+                  <a:cs typeface="Times New Roman" panose="02020603050405020304" pitchFamily="18" charset="0"/>
+                </a:endParaRPr>
               </a:p>
               <a:p>
                 <a:pPr lvl="2"/>
-                <a:endParaRPr lang="en-HK" sz="1450" dirty="0" smtClean="0"/>
+                <a:endParaRPr lang="en-HK" sz="1450" dirty="0" smtClean="0">
+                  <a:latin typeface="Times New Roman" panose="02020603050405020304" pitchFamily="18" charset="0"/>
+                  <a:cs typeface="Times New Roman" panose="02020603050405020304" pitchFamily="18" charset="0"/>
+                </a:endParaRPr>
               </a:p>
               <a:p>
                 <a:pPr lvl="2" algn="r"/>
                 <a:r>
-                  <a:rPr lang="en-HK" sz="1600" dirty="0"/>
+                  <a:rPr lang="en-HK" sz="1600" dirty="0">
+                    <a:latin typeface="Times New Roman" panose="02020603050405020304" pitchFamily="18" charset="0"/>
+                    <a:cs typeface="Times New Roman" panose="02020603050405020304" pitchFamily="18" charset="0"/>
+                  </a:rPr>
                   <a:t>	</a:t>
                 </a:r>
                 <a:r>
-                  <a:rPr lang="en-HK" dirty="0" smtClean="0"/>
+                  <a:rPr lang="en-HK" dirty="0" smtClean="0">
+                    <a:latin typeface="Times New Roman" panose="02020603050405020304" pitchFamily="18" charset="0"/>
+                    <a:cs typeface="Times New Roman" panose="02020603050405020304" pitchFamily="18" charset="0"/>
+                  </a:rPr>
                   <a:t>Quoted </a:t>
                 </a:r>
                 <a:r>
-                  <a:rPr lang="en-HK" dirty="0"/>
+                  <a:rPr lang="en-HK" dirty="0">
+                    <a:latin typeface="Times New Roman" panose="02020603050405020304" pitchFamily="18" charset="0"/>
+                    <a:cs typeface="Times New Roman" panose="02020603050405020304" pitchFamily="18" charset="0"/>
+                  </a:rPr>
                   <a:t>from </a:t>
                 </a:r>
                 <a:r>
-                  <a:rPr lang="en-HK" dirty="0" err="1"/>
+                  <a:rPr lang="en-HK" dirty="0" err="1">
+                    <a:latin typeface="Times New Roman" panose="02020603050405020304" pitchFamily="18" charset="0"/>
+                    <a:cs typeface="Times New Roman" panose="02020603050405020304" pitchFamily="18" charset="0"/>
+                  </a:rPr>
                   <a:t>Kundu</a:t>
                 </a:r>
                 <a:r>
-                  <a:rPr lang="en-HK" dirty="0"/>
+                  <a:rPr lang="en-HK" dirty="0">
+                    <a:latin typeface="Times New Roman" panose="02020603050405020304" pitchFamily="18" charset="0"/>
+                    <a:cs typeface="Times New Roman" panose="02020603050405020304" pitchFamily="18" charset="0"/>
+                  </a:rPr>
                   <a:t> et al. (</a:t>
                 </a:r>
                 <a:r>
-                  <a:rPr lang="en-HK" dirty="0" smtClean="0"/>
+                  <a:rPr lang="en-HK" dirty="0" smtClean="0">
+                    <a:latin typeface="Times New Roman" panose="02020603050405020304" pitchFamily="18" charset="0"/>
+                    <a:cs typeface="Times New Roman" panose="02020603050405020304" pitchFamily="18" charset="0"/>
+                  </a:rPr>
                   <a:t>2017)</a:t>
                 </a:r>
-                <a:endParaRPr lang="en-HK" dirty="0"/>
+                <a:endParaRPr lang="en-HK" dirty="0">
+                  <a:latin typeface="Times New Roman" panose="02020603050405020304" pitchFamily="18" charset="0"/>
+                  <a:cs typeface="Times New Roman" panose="02020603050405020304" pitchFamily="18" charset="0"/>
+                </a:endParaRPr>
               </a:p>
             </p:txBody>
           </p:sp>
         </mc:Choice>
-        <mc:Fallback xmlns="">
+        <mc:Fallback>
           <p:sp>
             <p:nvSpPr>
               <p:cNvPr id="7" name="矩形 6"/>
@@ -22485,7 +24037,7 @@
               <a:blipFill>
                 <a:blip r:embed="rId3"/>
                 <a:stretch>
-                  <a:fillRect t="-948" r="-622" b="-6161"/>
+                  <a:fillRect t="-948" r="-622" b="-6635"/>
                 </a:stretch>
               </a:blipFill>
             </p:spPr>
@@ -22557,23 +24109,35 @@
           <a:lstStyle/>
           <a:p>
             <a:r>
-              <a:rPr lang="en-HK" dirty="0" smtClean="0"/>
+              <a:rPr lang="en-HK" dirty="0" smtClean="0">
+                <a:latin typeface="Times New Roman" panose="02020603050405020304" pitchFamily="18" charset="0"/>
+                <a:cs typeface="Times New Roman" panose="02020603050405020304" pitchFamily="18" charset="0"/>
+              </a:rPr>
               <a:t>Production of </a:t>
             </a:r>
             <a:r>
-              <a:rPr lang="en-HK" dirty="0"/>
+              <a:rPr lang="en-HK" dirty="0">
+                <a:latin typeface="Times New Roman" panose="02020603050405020304" pitchFamily="18" charset="0"/>
+                <a:cs typeface="Times New Roman" panose="02020603050405020304" pitchFamily="18" charset="0"/>
+              </a:rPr>
               <a:t>CN</a:t>
             </a:r>
             <a:r>
-              <a:rPr lang="en-HK" baseline="30000" dirty="0"/>
+              <a:rPr lang="en-HK" baseline="30000" dirty="0">
+                <a:latin typeface="Times New Roman" panose="02020603050405020304" pitchFamily="18" charset="0"/>
+                <a:cs typeface="Times New Roman" panose="02020603050405020304" pitchFamily="18" charset="0"/>
+              </a:rPr>
               <a:t>-</a:t>
             </a:r>
-            <a:endParaRPr lang="en-US" dirty="0"/>
+            <a:endParaRPr lang="en-US" dirty="0">
+              <a:latin typeface="Times New Roman" panose="02020603050405020304" pitchFamily="18" charset="0"/>
+              <a:cs typeface="Times New Roman" panose="02020603050405020304" pitchFamily="18" charset="0"/>
+            </a:endParaRPr>
           </a:p>
         </p:txBody>
       </p:sp>
-      <mc:AlternateContent xmlns:mc="http://schemas.openxmlformats.org/markup-compatibility/2006" xmlns:a14="http://schemas.microsoft.com/office/drawing/2010/main">
-        <mc:Choice Requires="a14">
+      <mc:AlternateContent xmlns:mc="http://schemas.openxmlformats.org/markup-compatibility/2006">
+        <mc:Choice xmlns:a14="http://schemas.microsoft.com/office/drawing/2010/main" Requires="a14">
           <p:sp>
             <p:nvSpPr>
               <p:cNvPr id="3" name="內容版面配置區 2"/>
@@ -22586,8 +24150,8 @@
             </p:nvSpPr>
             <p:spPr>
               <a:xfrm>
-                <a:off x="1028700" y="1411801"/>
-                <a:ext cx="4119364" cy="3461923"/>
+                <a:off x="662581" y="1273324"/>
+                <a:ext cx="5487516" cy="3461923"/>
               </a:xfrm>
             </p:spPr>
             <p:txBody>
@@ -22597,7 +24161,10 @@
               <a:lstStyle/>
               <a:p>
                 <a:r>
-                  <a:rPr lang="en-HK" sz="1800" dirty="0" smtClean="0"/>
+                  <a:rPr lang="en-HK" sz="2000" dirty="0" smtClean="0">
+                    <a:latin typeface="Times New Roman" panose="02020603050405020304" pitchFamily="18" charset="0"/>
+                    <a:cs typeface="Times New Roman" panose="02020603050405020304" pitchFamily="18" charset="0"/>
+                  </a:rPr>
                   <a:t>2 steps/1 step?</a:t>
                 </a:r>
               </a:p>
@@ -22606,10 +24173,16 @@
                   <a:buNone/>
                 </a:pPr>
                 <a:r>
-                  <a:rPr lang="en-HK" sz="1800" dirty="0" smtClean="0"/>
+                  <a:rPr lang="en-HK" sz="2000" dirty="0" smtClean="0">
+                    <a:latin typeface="Times New Roman" panose="02020603050405020304" pitchFamily="18" charset="0"/>
+                    <a:cs typeface="Times New Roman" panose="02020603050405020304" pitchFamily="18" charset="0"/>
+                  </a:rPr>
                   <a:t>2 steps rate equation:</a:t>
                 </a:r>
-                <a:endParaRPr lang="en-HK" sz="1800" dirty="0"/>
+                <a:endParaRPr lang="en-HK" sz="2000" dirty="0">
+                  <a:latin typeface="Times New Roman" panose="02020603050405020304" pitchFamily="18" charset="0"/>
+                  <a:cs typeface="Times New Roman" panose="02020603050405020304" pitchFamily="18" charset="0"/>
+                </a:endParaRPr>
               </a:p>
               <a:p>
                 <a14:m>
@@ -22619,7 +24192,7 @@
                         <m:begChr m:val="["/>
                         <m:endChr m:val="]"/>
                         <m:ctrlPr>
-                          <a:rPr lang="en-US" sz="1800" i="1" smtClean="0">
+                          <a:rPr lang="en-US" sz="2000" i="1" smtClean="0">
                             <a:solidFill>
                               <a:srgbClr val="0070C0"/>
                             </a:solidFill>
@@ -22631,7 +24204,7 @@
                         <m:sSup>
                           <m:sSupPr>
                             <m:ctrlPr>
-                              <a:rPr lang="en-US" sz="1800" i="1" smtClean="0">
+                              <a:rPr lang="en-US" sz="2000" i="1" smtClean="0">
                                 <a:solidFill>
                                   <a:srgbClr val="0070C0"/>
                                 </a:solidFill>
@@ -22641,7 +24214,7 @@
                           </m:sSupPr>
                           <m:e>
                             <m:r>
-                              <a:rPr lang="en-US" sz="1800" i="1">
+                              <a:rPr lang="en-US" sz="2000" i="1">
                                 <a:solidFill>
                                   <a:srgbClr val="0070C0"/>
                                 </a:solidFill>
@@ -22650,7 +24223,7 @@
                               <m:t>𝐶</m:t>
                             </m:r>
                             <m:r>
-                              <a:rPr lang="en-HK" sz="1800" i="1">
+                              <a:rPr lang="en-HK" sz="2000" i="1">
                                 <a:solidFill>
                                   <a:srgbClr val="0070C0"/>
                                 </a:solidFill>
@@ -22661,7 +24234,7 @@
                           </m:e>
                           <m:sup>
                             <m:r>
-                              <a:rPr lang="en-HK" sz="1800" b="0" i="1" smtClean="0">
+                              <a:rPr lang="en-HK" sz="2000" b="0" i="1" smtClean="0">
                                 <a:solidFill>
                                   <a:srgbClr val="0070C0"/>
                                 </a:solidFill>
@@ -22674,7 +24247,7 @@
                       </m:e>
                     </m:d>
                     <m:r>
-                      <a:rPr lang="en-US" sz="1800" i="1">
+                      <a:rPr lang="en-US" sz="2000" i="1">
                         <a:solidFill>
                           <a:srgbClr val="0070C0"/>
                         </a:solidFill>
@@ -22685,7 +24258,7 @@
                     <m:d>
                       <m:dPr>
                         <m:ctrlPr>
-                          <a:rPr lang="en-US" sz="1800" i="1">
+                          <a:rPr lang="en-US" sz="2000" i="1">
                             <a:solidFill>
                               <a:srgbClr val="0070C0"/>
                             </a:solidFill>
@@ -22695,7 +24268,7 @@
                       </m:dPr>
                       <m:e>
                         <m:r>
-                          <a:rPr lang="en-US" sz="1800" i="1">
+                          <a:rPr lang="en-US" sz="2000" i="1">
                             <a:solidFill>
                               <a:srgbClr val="0070C0"/>
                             </a:solidFill>
@@ -22706,7 +24279,7 @@
                         <m:f>
                           <m:fPr>
                             <m:ctrlPr>
-                              <a:rPr lang="en-US" sz="1800" i="1">
+                              <a:rPr lang="en-US" sz="2000" i="1">
                                 <a:solidFill>
                                   <a:srgbClr val="0070C0"/>
                                 </a:solidFill>
@@ -22718,7 +24291,7 @@
                             <m:sSup>
                               <m:sSupPr>
                                 <m:ctrlPr>
-                                  <a:rPr lang="en-US" sz="1800" i="1">
+                                  <a:rPr lang="en-US" sz="2000" i="1">
                                     <a:solidFill>
                                       <a:srgbClr val="0070C0"/>
                                     </a:solidFill>
@@ -22730,7 +24303,7 @@
                                 <m:sSub>
                                   <m:sSubPr>
                                     <m:ctrlPr>
-                                      <a:rPr lang="en-US" sz="1800" i="1">
+                                      <a:rPr lang="en-US" sz="2000" i="1">
                                         <a:solidFill>
                                           <a:srgbClr val="0070C0"/>
                                         </a:solidFill>
@@ -22740,7 +24313,7 @@
                                   </m:sSubPr>
                                   <m:e>
                                     <m:r>
-                                      <a:rPr lang="en-US" sz="1800" i="1">
+                                      <a:rPr lang="en-US" sz="2000" i="1">
                                         <a:solidFill>
                                           <a:srgbClr val="0070C0"/>
                                         </a:solidFill>
@@ -22751,7 +24324,7 @@
                                   </m:e>
                                   <m:sub>
                                     <m:r>
-                                      <a:rPr lang="en-US" sz="1800" i="1">
+                                      <a:rPr lang="en-US" sz="2000" i="1">
                                         <a:solidFill>
                                           <a:srgbClr val="0070C0"/>
                                         </a:solidFill>
@@ -22762,7 +24335,7 @@
                                   </m:sub>
                                 </m:sSub>
                                 <m:r>
-                                  <a:rPr lang="en-US" sz="1800" i="1">
+                                  <a:rPr lang="en-US" sz="2000" i="1">
                                     <a:solidFill>
                                       <a:srgbClr val="0070C0"/>
                                     </a:solidFill>
@@ -22773,7 +24346,7 @@
                               </m:e>
                               <m:sup>
                                 <m:r>
-                                  <a:rPr lang="en-US" sz="1800" i="1">
+                                  <a:rPr lang="en-US" sz="2000" i="1">
                                     <a:solidFill>
                                       <a:srgbClr val="0070C0"/>
                                     </a:solidFill>
@@ -22784,7 +24357,7 @@
                                 <m:sSub>
                                   <m:sSubPr>
                                     <m:ctrlPr>
-                                      <a:rPr lang="en-US" sz="1800" i="1">
+                                      <a:rPr lang="en-US" sz="2000" i="1">
                                         <a:solidFill>
                                           <a:srgbClr val="0070C0"/>
                                         </a:solidFill>
@@ -22794,7 +24367,7 @@
                                   </m:sSubPr>
                                   <m:e>
                                     <m:r>
-                                      <a:rPr lang="en-US" sz="1800" i="1">
+                                      <a:rPr lang="en-US" sz="2000" i="1">
                                         <a:solidFill>
                                           <a:srgbClr val="0070C0"/>
                                         </a:solidFill>
@@ -22805,7 +24378,7 @@
                                   </m:e>
                                   <m:sub>
                                     <m:r>
-                                      <a:rPr lang="en-US" sz="1800" i="1">
+                                      <a:rPr lang="en-US" sz="2000" i="1">
                                         <a:solidFill>
                                           <a:srgbClr val="0070C0"/>
                                         </a:solidFill>
@@ -22816,7 +24389,7 @@
                                   </m:sub>
                                 </m:sSub>
                                 <m:r>
-                                  <a:rPr lang="en-US" sz="1800" i="1">
+                                  <a:rPr lang="en-US" sz="2000" i="1">
                                     <a:solidFill>
                                       <a:srgbClr val="0070C0"/>
                                     </a:solidFill>
@@ -22831,7 +24404,7 @@
                             <m:sSub>
                               <m:sSubPr>
                                 <m:ctrlPr>
-                                  <a:rPr lang="en-US" sz="1800" i="1">
+                                  <a:rPr lang="en-US" sz="2000" i="1">
                                     <a:solidFill>
                                       <a:srgbClr val="0070C0"/>
                                     </a:solidFill>
@@ -22841,7 +24414,7 @@
                               </m:sSubPr>
                               <m:e>
                                 <m:r>
-                                  <a:rPr lang="en-US" sz="1800" i="1">
+                                  <a:rPr lang="en-US" sz="2000" i="1">
                                     <a:solidFill>
                                       <a:srgbClr val="0070C0"/>
                                     </a:solidFill>
@@ -22852,7 +24425,7 @@
                               </m:e>
                               <m:sub>
                                 <m:r>
-                                  <a:rPr lang="en-US" sz="1800" i="1">
+                                  <a:rPr lang="en-US" sz="2000" i="1">
                                     <a:solidFill>
                                       <a:srgbClr val="0070C0"/>
                                     </a:solidFill>
@@ -22863,7 +24436,7 @@
                               </m:sub>
                             </m:sSub>
                             <m:r>
-                              <a:rPr lang="en-US" sz="1800" i="1">
+                              <a:rPr lang="en-US" sz="2000" i="1">
                                 <a:solidFill>
                                   <a:srgbClr val="0070C0"/>
                                 </a:solidFill>
@@ -22874,7 +24447,7 @@
                             <m:sSub>
                               <m:sSubPr>
                                 <m:ctrlPr>
-                                  <a:rPr lang="en-US" sz="1800" i="1">
+                                  <a:rPr lang="en-US" sz="2000" i="1">
                                     <a:solidFill>
                                       <a:srgbClr val="0070C0"/>
                                     </a:solidFill>
@@ -22884,7 +24457,7 @@
                               </m:sSubPr>
                               <m:e>
                                 <m:r>
-                                  <a:rPr lang="en-US" sz="1800" i="1">
+                                  <a:rPr lang="en-US" sz="2000" i="1">
                                     <a:solidFill>
                                       <a:srgbClr val="0070C0"/>
                                     </a:solidFill>
@@ -22895,7 +24468,7 @@
                               </m:e>
                               <m:sub>
                                 <m:r>
-                                  <a:rPr lang="en-US" sz="1800" i="1">
+                                  <a:rPr lang="en-US" sz="2000" i="1">
                                     <a:solidFill>
                                       <a:srgbClr val="0070C0"/>
                                     </a:solidFill>
@@ -22908,7 +24481,7 @@
                           </m:den>
                         </m:f>
                         <m:r>
-                          <a:rPr lang="en-HK" sz="1800" b="0" i="1" smtClean="0">
+                          <a:rPr lang="en-HK" sz="2000" b="0" i="1" smtClean="0">
                             <a:solidFill>
                               <a:srgbClr val="0070C0"/>
                             </a:solidFill>
@@ -22919,7 +24492,7 @@
                         <m:f>
                           <m:fPr>
                             <m:ctrlPr>
-                              <a:rPr lang="en-HK" sz="1800" b="0" i="1" smtClean="0">
+                              <a:rPr lang="en-HK" sz="2000" b="0" i="1" smtClean="0">
                                 <a:solidFill>
                                   <a:srgbClr val="0070C0"/>
                                 </a:solidFill>
@@ -22931,7 +24504,7 @@
                             <m:sSup>
                               <m:sSupPr>
                                 <m:ctrlPr>
-                                  <a:rPr lang="en-US" sz="1800" i="1">
+                                  <a:rPr lang="en-US" sz="2000" i="1">
                                     <a:solidFill>
                                       <a:srgbClr val="0070C0"/>
                                     </a:solidFill>
@@ -22943,7 +24516,7 @@
                                 <m:sSub>
                                   <m:sSubPr>
                                     <m:ctrlPr>
-                                      <a:rPr lang="en-US" sz="1800" i="1">
+                                      <a:rPr lang="en-US" sz="2000" i="1">
                                         <a:solidFill>
                                           <a:srgbClr val="0070C0"/>
                                         </a:solidFill>
@@ -22953,7 +24526,7 @@
                                   </m:sSubPr>
                                   <m:e>
                                     <m:r>
-                                      <a:rPr lang="en-US" sz="1800" i="1">
+                                      <a:rPr lang="en-US" sz="2000" i="1">
                                         <a:solidFill>
                                           <a:srgbClr val="0070C0"/>
                                         </a:solidFill>
@@ -22964,7 +24537,7 @@
                                   </m:e>
                                   <m:sub>
                                     <m:r>
-                                      <a:rPr lang="en-US" sz="1800" i="1">
+                                      <a:rPr lang="en-US" sz="2000" i="1">
                                         <a:solidFill>
                                           <a:srgbClr val="0070C0"/>
                                         </a:solidFill>
@@ -22975,7 +24548,7 @@
                                   </m:sub>
                                 </m:sSub>
                                 <m:r>
-                                  <a:rPr lang="en-US" sz="1800" i="1">
+                                  <a:rPr lang="en-US" sz="2000" i="1">
                                     <a:solidFill>
                                       <a:srgbClr val="0070C0"/>
                                     </a:solidFill>
@@ -22986,7 +24559,7 @@
                               </m:e>
                               <m:sup>
                                 <m:r>
-                                  <a:rPr lang="en-US" sz="1800" i="1">
+                                  <a:rPr lang="en-US" sz="2000" i="1">
                                     <a:solidFill>
                                       <a:srgbClr val="0070C0"/>
                                     </a:solidFill>
@@ -22997,7 +24570,7 @@
                                 <m:sSub>
                                   <m:sSubPr>
                                     <m:ctrlPr>
-                                      <a:rPr lang="en-US" sz="1800" i="1">
+                                      <a:rPr lang="en-US" sz="2000" i="1">
                                         <a:solidFill>
                                           <a:srgbClr val="0070C0"/>
                                         </a:solidFill>
@@ -23007,7 +24580,7 @@
                                   </m:sSubPr>
                                   <m:e>
                                     <m:r>
-                                      <a:rPr lang="en-US" sz="1800" i="1">
+                                      <a:rPr lang="en-US" sz="2000" i="1">
                                         <a:solidFill>
                                           <a:srgbClr val="0070C0"/>
                                         </a:solidFill>
@@ -23018,7 +24591,7 @@
                                   </m:e>
                                   <m:sub>
                                     <m:r>
-                                      <a:rPr lang="en-US" sz="1800" i="1">
+                                      <a:rPr lang="en-US" sz="2000" i="1">
                                         <a:solidFill>
                                           <a:srgbClr val="0070C0"/>
                                         </a:solidFill>
@@ -23029,7 +24602,7 @@
                                   </m:sub>
                                 </m:sSub>
                                 <m:r>
-                                  <a:rPr lang="en-US" sz="1800" i="1">
+                                  <a:rPr lang="en-US" sz="2000" i="1">
                                     <a:solidFill>
                                       <a:srgbClr val="0070C0"/>
                                     </a:solidFill>
@@ -23044,7 +24617,7 @@
                             <m:sSub>
                               <m:sSubPr>
                                 <m:ctrlPr>
-                                  <a:rPr lang="en-US" sz="1800" i="1">
+                                  <a:rPr lang="en-US" sz="2000" i="1">
                                     <a:solidFill>
                                       <a:srgbClr val="0070C0"/>
                                     </a:solidFill>
@@ -23054,7 +24627,7 @@
                               </m:sSubPr>
                               <m:e>
                                 <m:r>
-                                  <a:rPr lang="en-US" sz="1800" i="1">
+                                  <a:rPr lang="en-US" sz="2000" i="1">
                                     <a:solidFill>
                                       <a:srgbClr val="0070C0"/>
                                     </a:solidFill>
@@ -23065,7 +24638,7 @@
                               </m:e>
                               <m:sub>
                                 <m:r>
-                                  <a:rPr lang="en-US" sz="1800" i="1">
+                                  <a:rPr lang="en-US" sz="2000" i="1">
                                     <a:solidFill>
                                       <a:srgbClr val="0070C0"/>
                                     </a:solidFill>
@@ -23076,7 +24649,7 @@
                               </m:sub>
                             </m:sSub>
                             <m:r>
-                              <a:rPr lang="en-US" sz="1800" i="1">
+                              <a:rPr lang="en-US" sz="2000" i="1">
                                 <a:solidFill>
                                   <a:srgbClr val="0070C0"/>
                                 </a:solidFill>
@@ -23087,7 +24660,7 @@
                             <m:sSub>
                               <m:sSubPr>
                                 <m:ctrlPr>
-                                  <a:rPr lang="en-US" sz="1800" i="1">
+                                  <a:rPr lang="en-US" sz="2000" i="1">
                                     <a:solidFill>
                                       <a:srgbClr val="0070C0"/>
                                     </a:solidFill>
@@ -23097,7 +24670,7 @@
                               </m:sSubPr>
                               <m:e>
                                 <m:r>
-                                  <a:rPr lang="en-US" sz="1800" i="1">
+                                  <a:rPr lang="en-US" sz="2000" i="1">
                                     <a:solidFill>
                                       <a:srgbClr val="0070C0"/>
                                     </a:solidFill>
@@ -23108,7 +24681,7 @@
                               </m:e>
                               <m:sub>
                                 <m:r>
-                                  <a:rPr lang="en-US" sz="1800" i="1">
+                                  <a:rPr lang="en-US" sz="2000" i="1">
                                     <a:solidFill>
                                       <a:srgbClr val="0070C0"/>
                                     </a:solidFill>
@@ -23125,7 +24698,7 @@
                     <m:sSub>
                       <m:sSubPr>
                         <m:ctrlPr>
-                          <a:rPr lang="en-US" sz="1800" i="1">
+                          <a:rPr lang="en-US" sz="2000" i="1">
                             <a:solidFill>
                               <a:srgbClr val="0070C0"/>
                             </a:solidFill>
@@ -23135,7 +24708,7 @@
                       </m:sSubPr>
                       <m:e>
                         <m:r>
-                          <a:rPr lang="en-US" sz="1800" i="1">
+                          <a:rPr lang="en-US" sz="2000" i="1">
                             <a:solidFill>
                               <a:srgbClr val="0070C0"/>
                             </a:solidFill>
@@ -23144,7 +24717,7 @@
                           <m:t>[</m:t>
                         </m:r>
                         <m:r>
-                          <a:rPr lang="en-US" sz="1800" i="1">
+                          <a:rPr lang="en-US" sz="2000" i="1">
                             <a:solidFill>
                               <a:srgbClr val="0070C0"/>
                             </a:solidFill>
@@ -23153,7 +24726,7 @@
                           <m:t>𝐴</m:t>
                         </m:r>
                         <m:r>
-                          <a:rPr lang="en-US" sz="1800" i="1">
+                          <a:rPr lang="en-US" sz="2000" i="1">
                             <a:solidFill>
                               <a:srgbClr val="0070C0"/>
                             </a:solidFill>
@@ -23164,7 +24737,7 @@
                       </m:e>
                       <m:sub>
                         <m:r>
-                          <a:rPr lang="en-US" sz="1800" i="1">
+                          <a:rPr lang="en-US" sz="2000" i="1">
                             <a:solidFill>
                               <a:srgbClr val="0070C0"/>
                             </a:solidFill>
@@ -23176,17 +24749,26 @@
                     </m:sSub>
                   </m:oMath>
                 </a14:m>
-                <a:endParaRPr lang="en-US" sz="1800" dirty="0" smtClean="0"/>
+                <a:endParaRPr lang="en-US" sz="2000" dirty="0" smtClean="0">
+                  <a:latin typeface="Times New Roman" panose="02020603050405020304" pitchFamily="18" charset="0"/>
+                  <a:cs typeface="Times New Roman" panose="02020603050405020304" pitchFamily="18" charset="0"/>
+                </a:endParaRPr>
               </a:p>
               <a:p>
                 <a:pPr marL="0" indent="0">
                   <a:buNone/>
                 </a:pPr>
                 <a:r>
-                  <a:rPr lang="en-HK" sz="1800" dirty="0" smtClean="0"/>
+                  <a:rPr lang="en-HK" sz="2000" dirty="0" smtClean="0">
+                    <a:latin typeface="Times New Roman" panose="02020603050405020304" pitchFamily="18" charset="0"/>
+                    <a:cs typeface="Times New Roman" panose="02020603050405020304" pitchFamily="18" charset="0"/>
+                  </a:rPr>
                   <a:t>1 step rate equation:</a:t>
                 </a:r>
-                <a:endParaRPr lang="en-HK" sz="1800" dirty="0"/>
+                <a:endParaRPr lang="en-HK" sz="2000" dirty="0">
+                  <a:latin typeface="Times New Roman" panose="02020603050405020304" pitchFamily="18" charset="0"/>
+                  <a:cs typeface="Times New Roman" panose="02020603050405020304" pitchFamily="18" charset="0"/>
+                </a:endParaRPr>
               </a:p>
               <a:p>
                 <a14:m>
@@ -23196,7 +24778,7 @@
                         <m:begChr m:val="["/>
                         <m:endChr m:val="]"/>
                         <m:ctrlPr>
-                          <a:rPr lang="en-US" sz="1800" i="1">
+                          <a:rPr lang="en-US" sz="2000" i="1">
                             <a:latin typeface="Cambria Math" panose="02040503050406030204" pitchFamily="18" charset="0"/>
                           </a:rPr>
                         </m:ctrlPr>
@@ -23205,20 +24787,20 @@
                         <m:sSup>
                           <m:sSupPr>
                             <m:ctrlPr>
-                              <a:rPr lang="en-US" sz="1800" i="1">
+                              <a:rPr lang="en-US" sz="2000" i="1">
                                 <a:latin typeface="Cambria Math" panose="02040503050406030204" pitchFamily="18" charset="0"/>
                               </a:rPr>
                             </m:ctrlPr>
                           </m:sSupPr>
                           <m:e>
                             <m:r>
-                              <a:rPr lang="en-US" sz="1800" i="1">
+                              <a:rPr lang="en-US" sz="2000" i="1">
                                 <a:latin typeface="Cambria Math" panose="02040503050406030204" pitchFamily="18" charset="0"/>
                               </a:rPr>
                               <m:t>𝐶</m:t>
                             </m:r>
                             <m:r>
-                              <a:rPr lang="en-HK" sz="1800" i="1">
+                              <a:rPr lang="en-HK" sz="2000" i="1">
                                 <a:latin typeface="Cambria Math" panose="02040503050406030204" pitchFamily="18" charset="0"/>
                               </a:rPr>
                               <m:t>𝑁</m:t>
@@ -23226,7 +24808,7 @@
                           </m:e>
                           <m:sup>
                             <m:r>
-                              <a:rPr lang="en-HK" sz="1800" i="1">
+                              <a:rPr lang="en-HK" sz="2000" i="1">
                                 <a:latin typeface="Cambria Math" panose="02040503050406030204" pitchFamily="18" charset="0"/>
                               </a:rPr>
                               <m:t>−</m:t>
@@ -23236,7 +24818,7 @@
                       </m:e>
                     </m:d>
                     <m:r>
-                      <a:rPr lang="en-US" sz="1800" i="1">
+                      <a:rPr lang="en-US" sz="2000" i="1">
                         <a:latin typeface="Cambria Math" panose="02040503050406030204" pitchFamily="18" charset="0"/>
                       </a:rPr>
                       <m:t>=</m:t>
@@ -23244,20 +24826,20 @@
                     <m:d>
                       <m:dPr>
                         <m:ctrlPr>
-                          <a:rPr lang="en-US" sz="1800" i="1">
+                          <a:rPr lang="en-US" sz="2000" i="1">
                             <a:latin typeface="Cambria Math" panose="02040503050406030204" pitchFamily="18" charset="0"/>
                           </a:rPr>
                         </m:ctrlPr>
                       </m:dPr>
                       <m:e>
                         <m:r>
-                          <a:rPr lang="en-US" sz="1800" i="1">
+                          <a:rPr lang="en-US" sz="2000" i="1">
                             <a:latin typeface="Cambria Math" panose="02040503050406030204" pitchFamily="18" charset="0"/>
                           </a:rPr>
                           <m:t>1</m:t>
                         </m:r>
                         <m:r>
-                          <a:rPr lang="en-HK" sz="1800" b="0" i="1" smtClean="0">
+                          <a:rPr lang="en-HK" sz="2000" b="0" i="1" smtClean="0">
                             <a:latin typeface="Cambria Math" panose="02040503050406030204" pitchFamily="18" charset="0"/>
                           </a:rPr>
                           <m:t>−</m:t>
@@ -23265,14 +24847,14 @@
                         <m:sSup>
                           <m:sSupPr>
                             <m:ctrlPr>
-                              <a:rPr lang="en-HK" sz="1800" b="0" i="1" smtClean="0">
+                              <a:rPr lang="en-HK" sz="2000" b="0" i="1" smtClean="0">
                                 <a:latin typeface="Cambria Math" panose="02040503050406030204" pitchFamily="18" charset="0"/>
                               </a:rPr>
                             </m:ctrlPr>
                           </m:sSupPr>
                           <m:e>
                             <m:r>
-                              <a:rPr lang="en-HK" sz="1800" i="1">
+                              <a:rPr lang="en-HK" sz="2000" i="1">
                                 <a:latin typeface="Cambria Math" panose="02040503050406030204" pitchFamily="18" charset="0"/>
                               </a:rPr>
                               <m:t>𝑒</m:t>
@@ -23280,13 +24862,13 @@
                           </m:e>
                           <m:sup>
                             <m:r>
-                              <a:rPr lang="en-HK" sz="1800" b="0" i="1" smtClean="0">
+                              <a:rPr lang="en-HK" sz="2000" b="0" i="1" smtClean="0">
                                 <a:latin typeface="Cambria Math" panose="02040503050406030204" pitchFamily="18" charset="0"/>
                               </a:rPr>
                               <m:t>−</m:t>
                             </m:r>
                             <m:r>
-                              <a:rPr lang="en-HK" sz="1800" b="0" i="1" smtClean="0">
+                              <a:rPr lang="en-HK" sz="2000" b="0" i="1" smtClean="0">
                                 <a:latin typeface="Cambria Math" panose="02040503050406030204" pitchFamily="18" charset="0"/>
                               </a:rPr>
                               <m:t>𝑘𝑡</m:t>
@@ -23298,26 +24880,26 @@
                     <m:sSub>
                       <m:sSubPr>
                         <m:ctrlPr>
-                          <a:rPr lang="en-US" sz="1800" i="1">
+                          <a:rPr lang="en-US" sz="2000" i="1">
                             <a:latin typeface="Cambria Math" panose="02040503050406030204" pitchFamily="18" charset="0"/>
                           </a:rPr>
                         </m:ctrlPr>
                       </m:sSubPr>
                       <m:e>
                         <m:r>
-                          <a:rPr lang="en-US" sz="1800" i="1">
+                          <a:rPr lang="en-US" sz="2000" i="1">
                             <a:latin typeface="Cambria Math" panose="02040503050406030204" pitchFamily="18" charset="0"/>
                           </a:rPr>
                           <m:t>[</m:t>
                         </m:r>
                         <m:r>
-                          <a:rPr lang="en-US" sz="1800" i="1">
+                          <a:rPr lang="en-US" sz="2000" i="1">
                             <a:latin typeface="Cambria Math" panose="02040503050406030204" pitchFamily="18" charset="0"/>
                           </a:rPr>
                           <m:t>𝐴</m:t>
                         </m:r>
                         <m:r>
-                          <a:rPr lang="en-US" sz="1800" i="1">
+                          <a:rPr lang="en-US" sz="2000" i="1">
                             <a:latin typeface="Cambria Math" panose="02040503050406030204" pitchFamily="18" charset="0"/>
                           </a:rPr>
                           <m:t>]</m:t>
@@ -23325,7 +24907,7 @@
                       </m:e>
                       <m:sub>
                         <m:r>
-                          <a:rPr lang="en-US" sz="1800" i="1">
+                          <a:rPr lang="en-US" sz="2000" i="1">
                             <a:latin typeface="Cambria Math" panose="02040503050406030204" pitchFamily="18" charset="0"/>
                           </a:rPr>
                           <m:t>𝑜</m:t>
@@ -23334,12 +24916,15 @@
                     </m:sSub>
                   </m:oMath>
                 </a14:m>
-                <a:endParaRPr lang="en-US" sz="1800" dirty="0"/>
+                <a:endParaRPr lang="en-US" sz="2000" dirty="0">
+                  <a:latin typeface="Times New Roman" panose="02020603050405020304" pitchFamily="18" charset="0"/>
+                  <a:cs typeface="Times New Roman" panose="02020603050405020304" pitchFamily="18" charset="0"/>
+                </a:endParaRPr>
               </a:p>
             </p:txBody>
           </p:sp>
         </mc:Choice>
-        <mc:Fallback xmlns="">
+        <mc:Fallback>
           <p:sp>
             <p:nvSpPr>
               <p:cNvPr id="3" name="內容版面配置區 2"/>
@@ -23352,13 +24937,13 @@
             </p:nvSpPr>
             <p:spPr>
               <a:xfrm>
-                <a:off x="1028700" y="1411801"/>
-                <a:ext cx="4119364" cy="3461923"/>
+                <a:off x="662581" y="1273324"/>
+                <a:ext cx="5487516" cy="3461923"/>
               </a:xfrm>
               <a:blipFill>
                 <a:blip r:embed="rId3"/>
                 <a:stretch>
-                  <a:fillRect l="-1333" t="-1587"/>
+                  <a:fillRect l="-1222" t="-1585"/>
                 </a:stretch>
               </a:blipFill>
             </p:spPr>
@@ -23433,7 +25018,7 @@
         <p:spPr>
           <a:xfrm>
             <a:off x="5334449" y="5101503"/>
-            <a:ext cx="3819444" cy="369332"/>
+            <a:ext cx="3555204" cy="369332"/>
           </a:xfrm>
           <a:prstGeom prst="rect">
             <a:avLst/>
@@ -23446,14 +25031,23 @@
           <a:lstStyle/>
           <a:p>
             <a:r>
-              <a:rPr lang="en-HK" dirty="0"/>
+              <a:rPr lang="en-HK" dirty="0">
+                <a:latin typeface="Times New Roman" panose="02020603050405020304" pitchFamily="18" charset="0"/>
+                <a:cs typeface="Times New Roman" panose="02020603050405020304" pitchFamily="18" charset="0"/>
+              </a:rPr>
               <a:t>Quoted from Kim and Kaiser (</a:t>
             </a:r>
             <a:r>
-              <a:rPr lang="en-HK" dirty="0" smtClean="0"/>
+              <a:rPr lang="en-HK" dirty="0" smtClean="0">
+                <a:latin typeface="Times New Roman" panose="02020603050405020304" pitchFamily="18" charset="0"/>
+                <a:cs typeface="Times New Roman" panose="02020603050405020304" pitchFamily="18" charset="0"/>
+              </a:rPr>
               <a:t>2011)</a:t>
             </a:r>
-            <a:endParaRPr lang="en-HK" dirty="0"/>
+            <a:endParaRPr lang="en-HK" dirty="0">
+              <a:latin typeface="Times New Roman" panose="02020603050405020304" pitchFamily="18" charset="0"/>
+              <a:cs typeface="Times New Roman" panose="02020603050405020304" pitchFamily="18" charset="0"/>
+            </a:endParaRPr>
           </a:p>
         </p:txBody>
       </p:sp>
@@ -23705,21 +25299,36 @@
           <a:lstStyle/>
           <a:p>
             <a:r>
-              <a:rPr lang="en-HK" dirty="0"/>
+              <a:rPr lang="en-HK" dirty="0">
+                <a:latin typeface="Times New Roman" panose="02020603050405020304" pitchFamily="18" charset="0"/>
+                <a:cs typeface="Times New Roman" panose="02020603050405020304" pitchFamily="18" charset="0"/>
+              </a:rPr>
               <a:t>Production mechanism of CN</a:t>
             </a:r>
             <a:r>
-              <a:rPr lang="en-HK" baseline="30000" dirty="0"/>
+              <a:rPr lang="en-HK" baseline="30000" dirty="0">
+                <a:latin typeface="Times New Roman" panose="02020603050405020304" pitchFamily="18" charset="0"/>
+                <a:cs typeface="Times New Roman" panose="02020603050405020304" pitchFamily="18" charset="0"/>
+              </a:rPr>
               <a:t>-</a:t>
             </a:r>
             <a:r>
-              <a:rPr lang="en-HK" dirty="0"/>
+              <a:rPr lang="en-HK" dirty="0">
+                <a:latin typeface="Times New Roman" panose="02020603050405020304" pitchFamily="18" charset="0"/>
+                <a:cs typeface="Times New Roman" panose="02020603050405020304" pitchFamily="18" charset="0"/>
+              </a:rPr>
               <a:t/>
             </a:r>
             <a:br>
-              <a:rPr lang="en-HK" dirty="0"/>
+              <a:rPr lang="en-HK" dirty="0">
+                <a:latin typeface="Times New Roman" panose="02020603050405020304" pitchFamily="18" charset="0"/>
+                <a:cs typeface="Times New Roman" panose="02020603050405020304" pitchFamily="18" charset="0"/>
+              </a:rPr>
             </a:br>
-            <a:endParaRPr lang="en-US" dirty="0"/>
+            <a:endParaRPr lang="en-US" dirty="0">
+              <a:latin typeface="Times New Roman" panose="02020603050405020304" pitchFamily="18" charset="0"/>
+              <a:cs typeface="Times New Roman" panose="02020603050405020304" pitchFamily="18" charset="0"/>
+            </a:endParaRPr>
           </a:p>
         </p:txBody>
       </p:sp>
@@ -23806,7 +25415,10 @@
             </a:r>
           </a:p>
           <a:p>
-            <a:pPr lvl="2"/>
+            <a:pPr lvl="2">
+              <a:buFont typeface="Arial" panose="020B0604020202020204" pitchFamily="34" charset="0"/>
+              <a:buChar char="•"/>
+            </a:pPr>
             <a:r>
               <a:rPr lang="en-HK" sz="2800" dirty="0">
                 <a:latin typeface="Times New Roman" panose="02020603050405020304" pitchFamily="18" charset="0"/>
@@ -23926,7 +25538,10 @@
             </a:r>
           </a:p>
           <a:p>
-            <a:pPr lvl="2"/>
+            <a:pPr lvl="2">
+              <a:buFont typeface="Arial" panose="020B0604020202020204" pitchFamily="34" charset="0"/>
+              <a:buChar char="•"/>
+            </a:pPr>
             <a:r>
               <a:rPr lang="en-HK" sz="2800" dirty="0">
                 <a:latin typeface="Times New Roman" panose="02020603050405020304" pitchFamily="18" charset="0"/>

--- a/doc/VUV and EUV irradiation of CH4 + NH3.pptx
+++ b/doc/VUV and EUV irradiation of CH4 + NH3.pptx
@@ -243,7 +243,7 @@
           <a:p>
             <a:fld id="{2EA0F8EA-CEC5-4CE5-8335-1847FEAEEDDD}" type="datetimeFigureOut">
               <a:rPr lang="en-US" smtClean="0"/>
-              <a:t>12/20/2017</a:t>
+              <a:t>12/21/2017</a:t>
             </a:fld>
             <a:endParaRPr lang="en-US"/>
           </a:p>
@@ -409,7 +409,7 @@
           <a:p>
             <a:fld id="{485A2760-9D7F-48DB-88C5-C946BBEDB216}" type="datetimeFigureOut">
               <a:rPr lang="en-US" smtClean="0"/>
-              <a:t>12/20/2017</a:t>
+              <a:t>12/21/2017</a:t>
             </a:fld>
             <a:endParaRPr lang="en-US"/>
           </a:p>
@@ -2101,7 +2101,7 @@
           <a:p>
             <a:fld id="{F90847E2-8F69-4C53-BB9F-CB399597B8E8}" type="datetime1">
               <a:rPr lang="zh-TW" altLang="en-US" smtClean="0"/>
-              <a:t>2017/12/20</a:t>
+              <a:t>2017/12/21</a:t>
             </a:fld>
             <a:endParaRPr lang="zh-TW" altLang="en-US"/>
           </a:p>
@@ -2431,7 +2431,7 @@
           <a:p>
             <a:fld id="{11C4423E-F743-4479-B3EB-A3D436046571}" type="datetime1">
               <a:rPr lang="zh-TW" altLang="en-US" smtClean="0"/>
-              <a:t>2017/12/20</a:t>
+              <a:t>2017/12/21</a:t>
             </a:fld>
             <a:endParaRPr lang="zh-TW" altLang="en-US"/>
           </a:p>
@@ -2611,7 +2611,7 @@
           <a:p>
             <a:fld id="{11B51FCE-FEB1-4FC0-A33D-32F157D56EC2}" type="datetime1">
               <a:rPr lang="zh-TW" altLang="en-US" smtClean="0"/>
-              <a:t>2017/12/20</a:t>
+              <a:t>2017/12/21</a:t>
             </a:fld>
             <a:endParaRPr lang="zh-TW" altLang="en-US"/>
           </a:p>
@@ -2781,7 +2781,7 @@
           <a:p>
             <a:fld id="{475DDED0-7635-44DC-872F-8F10003FF3C1}" type="datetime1">
               <a:rPr lang="zh-TW" altLang="en-US" smtClean="0"/>
-              <a:t>2017/12/20</a:t>
+              <a:t>2017/12/21</a:t>
             </a:fld>
             <a:endParaRPr lang="zh-TW" altLang="en-US"/>
           </a:p>
@@ -3053,7 +3053,7 @@
           <a:p>
             <a:fld id="{B2815EC9-7E98-4BA3-884F-F6C03BB50BFA}" type="datetime1">
               <a:rPr lang="zh-TW" altLang="en-US" smtClean="0"/>
-              <a:t>2017/12/20</a:t>
+              <a:t>2017/12/21</a:t>
             </a:fld>
             <a:endParaRPr lang="zh-TW" altLang="en-US"/>
           </a:p>
@@ -3447,7 +3447,7 @@
           <a:p>
             <a:fld id="{5223AADA-D673-4559-BD2E-EC3C46E8C00D}" type="datetime1">
               <a:rPr lang="zh-TW" altLang="en-US" smtClean="0"/>
-              <a:t>2017/12/20</a:t>
+              <a:t>2017/12/21</a:t>
             </a:fld>
             <a:endParaRPr lang="zh-TW" altLang="en-US"/>
           </a:p>
@@ -3929,7 +3929,7 @@
           <a:p>
             <a:fld id="{21C10B86-884B-453B-8517-A1967275045C}" type="datetime1">
               <a:rPr lang="zh-TW" altLang="en-US" smtClean="0"/>
-              <a:t>2017/12/20</a:t>
+              <a:t>2017/12/21</a:t>
             </a:fld>
             <a:endParaRPr lang="zh-TW" altLang="en-US"/>
           </a:p>
@@ -4052,7 +4052,7 @@
           <a:p>
             <a:fld id="{15C72905-AFF2-4EEA-9BB9-F2B95D2C9E1C}" type="datetime1">
               <a:rPr lang="zh-TW" altLang="en-US" smtClean="0"/>
-              <a:t>2017/12/20</a:t>
+              <a:t>2017/12/21</a:t>
             </a:fld>
             <a:endParaRPr lang="zh-TW" altLang="en-US"/>
           </a:p>
@@ -4147,7 +4147,7 @@
           <a:p>
             <a:fld id="{C6990B7C-105C-42AD-BA19-566921AC31BD}" type="datetime1">
               <a:rPr lang="zh-TW" altLang="en-US" smtClean="0"/>
-              <a:t>2017/12/20</a:t>
+              <a:t>2017/12/21</a:t>
             </a:fld>
             <a:endParaRPr lang="zh-TW" altLang="en-US"/>
           </a:p>
@@ -4493,7 +4493,7 @@
           <a:p>
             <a:fld id="{B625F561-7C9C-4AEC-BFE7-3048C9D5BDFE}" type="datetime1">
               <a:rPr lang="zh-TW" altLang="en-US" smtClean="0"/>
-              <a:t>2017/12/20</a:t>
+              <a:t>2017/12/21</a:t>
             </a:fld>
             <a:endParaRPr lang="zh-TW" altLang="en-US"/>
           </a:p>
@@ -4886,7 +4886,7 @@
           <a:p>
             <a:fld id="{88629391-B82E-422F-9FAF-B3505E5FF86F}" type="datetime1">
               <a:rPr lang="zh-TW" altLang="en-US" smtClean="0"/>
-              <a:t>2017/12/20</a:t>
+              <a:t>2017/12/21</a:t>
             </a:fld>
             <a:endParaRPr lang="zh-TW" altLang="en-US"/>
           </a:p>
@@ -5164,7 +5164,7 @@
           <a:p>
             <a:fld id="{D97037BB-E1F0-4A3F-86E5-F51BAFB86BDA}" type="datetime1">
               <a:rPr lang="zh-TW" altLang="en-US" smtClean="0"/>
-              <a:t>2017/12/20</a:t>
+              <a:t>2017/12/21</a:t>
             </a:fld>
             <a:endParaRPr lang="zh-TW" altLang="en-US"/>
           </a:p>
@@ -10793,8 +10793,8 @@
           </a:p>
         </p:txBody>
       </p:sp>
-      <mc:AlternateContent xmlns:mc="http://schemas.openxmlformats.org/markup-compatibility/2006">
-        <mc:Choice xmlns:a14="http://schemas.microsoft.com/office/drawing/2010/main" Requires="a14">
+      <mc:AlternateContent xmlns:mc="http://schemas.openxmlformats.org/markup-compatibility/2006" xmlns:a14="http://schemas.microsoft.com/office/drawing/2010/main">
+        <mc:Choice Requires="a14">
           <p:sp>
             <p:nvSpPr>
               <p:cNvPr id="3" name="內容版面配置區 2"/>
@@ -11493,15 +11493,11 @@
                   </a:rPr>
                   <a:t>)</a:t>
                 </a:r>
-                <a:endParaRPr lang="en-US" sz="2000" dirty="0" smtClean="0">
-                  <a:latin typeface="Times New Roman" panose="02020603050405020304" pitchFamily="18" charset="0"/>
-                  <a:cs typeface="Times New Roman" panose="02020603050405020304" pitchFamily="18" charset="0"/>
-                </a:endParaRPr>
               </a:p>
             </p:txBody>
           </p:sp>
         </mc:Choice>
-        <mc:Fallback>
+        <mc:Fallback xmlns="">
           <p:sp>
             <p:nvSpPr>
               <p:cNvPr id="3" name="內容版面配置區 2"/>
@@ -11870,7 +11866,7 @@
           <a:graphicData uri="http://schemas.openxmlformats.org/presentationml/2006/ole">
             <mc:AlternateContent xmlns:mc="http://schemas.openxmlformats.org/markup-compatibility/2006">
               <mc:Choice xmlns:v="urn:schemas-microsoft-com:vml" Requires="v">
-                <p:oleObj spid="_x0000_s10729" name="Graph" r:id="rId5" imgW="4754880" imgH="3108960" progId="Origin50.Graph">
+                <p:oleObj spid="_x0000_s10747" name="Graph" r:id="rId5" imgW="4754880" imgH="3108960" progId="Origin50.Graph">
                   <p:embed/>
                 </p:oleObj>
               </mc:Choice>
@@ -12166,8 +12162,8 @@
           </a:prstGeom>
         </p:spPr>
       </p:pic>
-      <mc:AlternateContent xmlns:mc="http://schemas.openxmlformats.org/markup-compatibility/2006">
-        <mc:Choice xmlns:a14="http://schemas.microsoft.com/office/drawing/2010/main" Requires="a14">
+      <mc:AlternateContent xmlns:mc="http://schemas.openxmlformats.org/markup-compatibility/2006" xmlns:a14="http://schemas.microsoft.com/office/drawing/2010/main">
+        <mc:Choice Requires="a14">
           <p:sp>
             <p:nvSpPr>
               <p:cNvPr id="11" name="內容版面配置區 2"/>
@@ -12803,7 +12799,7 @@
             </p:txBody>
           </p:sp>
         </mc:Choice>
-        <mc:Fallback>
+        <mc:Fallback xmlns="">
           <p:sp>
             <p:nvSpPr>
               <p:cNvPr id="11" name="內容版面配置區 2"/>
@@ -16769,7 +16765,7 @@
           <a:graphicData uri="http://schemas.openxmlformats.org/presentationml/2006/ole">
             <mc:AlternateContent xmlns:mc="http://schemas.openxmlformats.org/markup-compatibility/2006">
               <mc:Choice xmlns:v="urn:schemas-microsoft-com:vml" Requires="v">
-                <p:oleObj spid="_x0000_s1996" name="Graph" r:id="rId3" imgW="4754880" imgH="3108960" progId="Origin50.Graph">
+                <p:oleObj spid="_x0000_s2014" name="Graph" r:id="rId3" imgW="4754880" imgH="3108960" progId="Origin50.Graph">
                   <p:embed/>
                 </p:oleObj>
               </mc:Choice>
@@ -16841,6 +16837,36 @@
           <a:chExt cx="0" cy="0"/>
         </a:xfrm>
       </p:grpSpPr>
+      <p:pic>
+        <p:nvPicPr>
+          <p:cNvPr id="7" name="圖片 6"/>
+          <p:cNvPicPr>
+            <a:picLocks noChangeAspect="1"/>
+          </p:cNvPicPr>
+          <p:nvPr/>
+        </p:nvPicPr>
+        <p:blipFill>
+          <a:blip r:embed="rId2" cstate="print">
+            <a:extLst>
+              <a:ext uri="{28A0092B-C50C-407E-A947-70E740481C1C}">
+                <a14:useLocalDpi xmlns:a14="http://schemas.microsoft.com/office/drawing/2010/main" val="0"/>
+              </a:ext>
+            </a:extLst>
+          </a:blip>
+          <a:stretch>
+            <a:fillRect/>
+          </a:stretch>
+        </p:blipFill>
+        <p:spPr>
+          <a:xfrm>
+            <a:off x="4824000" y="2371067"/>
+            <a:ext cx="4561104" cy="2982261"/>
+          </a:xfrm>
+          <a:prstGeom prst="rect">
+            <a:avLst/>
+          </a:prstGeom>
+        </p:spPr>
+      </p:pic>
       <p:sp>
         <p:nvSpPr>
           <p:cNvPr id="2" name="標題 1"/>
@@ -16944,34 +16970,15 @@
                 <a:latin typeface="Times New Roman" panose="02020603050405020304" pitchFamily="18" charset="0"/>
                 <a:cs typeface="Times New Roman" panose="02020603050405020304" pitchFamily="18" charset="0"/>
               </a:rPr>
-              <a:t>(first order decay)</a:t>
-            </a:r>
-            <a:endParaRPr lang="en-HK" dirty="0" smtClean="0">
-              <a:latin typeface="Times New Roman" panose="02020603050405020304" pitchFamily="18" charset="0"/>
-              <a:cs typeface="Times New Roman" panose="02020603050405020304" pitchFamily="18" charset="0"/>
-            </a:endParaRPr>
-          </a:p>
-          <a:p>
-            <a:pPr marL="0" indent="0">
-              <a:buNone/>
-            </a:pPr>
-            <a:r>
-              <a:rPr lang="en-HK" dirty="0" smtClean="0"/>
-              <a:t>CH</a:t>
-            </a:r>
-            <a:r>
-              <a:rPr lang="en-HK" baseline="-25000" dirty="0" smtClean="0"/>
-              <a:t>4</a:t>
-            </a:r>
-            <a:r>
-              <a:rPr lang="en-HK" dirty="0" smtClean="0"/>
-              <a:t>						NH</a:t>
-            </a:r>
-            <a:r>
-              <a:rPr lang="en-HK" baseline="-25000" dirty="0" smtClean="0"/>
-              <a:t>3</a:t>
-            </a:r>
-            <a:endParaRPr lang="en-US" baseline="-25000" dirty="0"/>
+              <a:t>(first order decay</a:t>
+            </a:r>
+            <a:r>
+              <a:rPr lang="en-HK" sz="2000" dirty="0" smtClean="0">
+                <a:latin typeface="Times New Roman" panose="02020603050405020304" pitchFamily="18" charset="0"/>
+                <a:cs typeface="Times New Roman" panose="02020603050405020304" pitchFamily="18" charset="0"/>
+              </a:rPr>
+              <a:t>)</a:t>
+            </a:r>
           </a:p>
         </p:txBody>
       </p:sp>
@@ -17000,246 +17007,21 @@
       </p:sp>
       <p:graphicFrame>
         <p:nvGraphicFramePr>
-          <p:cNvPr id="10" name="物件 9"/>
+          <p:cNvPr id="5" name="表格 4"/>
           <p:cNvGraphicFramePr>
-            <a:graphicFrameLocks noChangeAspect="1"/>
+            <a:graphicFrameLocks noGrp="1"/>
           </p:cNvGraphicFramePr>
           <p:nvPr>
             <p:extLst>
               <p:ext uri="{D42A27DB-BD31-4B8C-83A1-F6EECF244321}">
-                <p14:modId xmlns:p14="http://schemas.microsoft.com/office/powerpoint/2010/main" val="2486833983"/>
+                <p14:modId xmlns:p14="http://schemas.microsoft.com/office/powerpoint/2010/main" val="3133024490"/>
               </p:ext>
             </p:extLst>
           </p:nvPr>
         </p:nvGraphicFramePr>
         <p:xfrm>
-          <a:off x="4727270" y="2348410"/>
-          <a:ext cx="4754563" cy="3108325"/>
-        </p:xfrm>
-        <a:graphic>
-          <a:graphicData uri="http://schemas.openxmlformats.org/presentationml/2006/ole">
-            <mc:AlternateContent xmlns:mc="http://schemas.openxmlformats.org/markup-compatibility/2006">
-              <mc:Choice xmlns:v="urn:schemas-microsoft-com:vml" Requires="v">
-                <p:oleObj spid="_x0000_s13776" name="Graph" r:id="rId3" imgW="4754880" imgH="3108960" progId="Origin50.Graph">
-                  <p:embed/>
-                </p:oleObj>
-              </mc:Choice>
-              <mc:Fallback>
-                <p:oleObj name="Graph" r:id="rId3" imgW="4754880" imgH="3108960" progId="Origin50.Graph">
-                  <p:embed/>
-                  <p:pic>
-                    <p:nvPicPr>
-                      <p:cNvPr id="0" name=""/>
-                      <p:cNvPicPr/>
-                      <p:nvPr/>
-                    </p:nvPicPr>
-                    <p:blipFill>
-                      <a:blip r:embed="rId4"/>
-                      <a:stretch>
-                        <a:fillRect/>
-                      </a:stretch>
-                    </p:blipFill>
-                    <p:spPr>
-                      <a:xfrm>
-                        <a:off x="4727270" y="2348410"/>
-                        <a:ext cx="4754563" cy="3108325"/>
-                      </a:xfrm>
-                      <a:prstGeom prst="rect">
-                        <a:avLst/>
-                      </a:prstGeom>
-                    </p:spPr>
-                  </p:pic>
-                </p:oleObj>
-              </mc:Fallback>
-            </mc:AlternateContent>
-          </a:graphicData>
-        </a:graphic>
-      </p:graphicFrame>
-      <p:graphicFrame>
-        <p:nvGraphicFramePr>
-          <p:cNvPr id="11" name="物件 10"/>
-          <p:cNvGraphicFramePr>
-            <a:graphicFrameLocks noChangeAspect="1"/>
-          </p:cNvGraphicFramePr>
-          <p:nvPr>
-            <p:extLst>
-              <p:ext uri="{D42A27DB-BD31-4B8C-83A1-F6EECF244321}">
-                <p14:modId xmlns:p14="http://schemas.microsoft.com/office/powerpoint/2010/main" val="69187059"/>
-              </p:ext>
-            </p:extLst>
-          </p:nvPr>
-        </p:nvGraphicFramePr>
-        <p:xfrm>
-          <a:off x="539552" y="2443660"/>
-          <a:ext cx="4754563" cy="3108325"/>
-        </p:xfrm>
-        <a:graphic>
-          <a:graphicData uri="http://schemas.openxmlformats.org/presentationml/2006/ole">
-            <mc:AlternateContent xmlns:mc="http://schemas.openxmlformats.org/markup-compatibility/2006">
-              <mc:Choice xmlns:v="urn:schemas-microsoft-com:vml" Requires="v">
-                <p:oleObj spid="_x0000_s13777" name="Graph" r:id="rId5" imgW="4754880" imgH="3108960" progId="Origin50.Graph">
-                  <p:embed/>
-                </p:oleObj>
-              </mc:Choice>
-              <mc:Fallback>
-                <p:oleObj name="Graph" r:id="rId5" imgW="4754880" imgH="3108960" progId="Origin50.Graph">
-                  <p:embed/>
-                  <p:pic>
-                    <p:nvPicPr>
-                      <p:cNvPr id="0" name=""/>
-                      <p:cNvPicPr/>
-                      <p:nvPr/>
-                    </p:nvPicPr>
-                    <p:blipFill>
-                      <a:blip r:embed="rId6"/>
-                      <a:stretch>
-                        <a:fillRect/>
-                      </a:stretch>
-                    </p:blipFill>
-                    <p:spPr>
-                      <a:xfrm>
-                        <a:off x="539552" y="2443660"/>
-                        <a:ext cx="4754563" cy="3108325"/>
-                      </a:xfrm>
-                      <a:prstGeom prst="rect">
-                        <a:avLst/>
-                      </a:prstGeom>
-                    </p:spPr>
-                  </p:pic>
-                </p:oleObj>
-              </mc:Fallback>
-            </mc:AlternateContent>
-          </a:graphicData>
-        </a:graphic>
-      </p:graphicFrame>
-    </p:spTree>
-    <p:extLst>
-      <p:ext uri="{BB962C8B-B14F-4D97-AF65-F5344CB8AC3E}">
-        <p14:creationId xmlns:p14="http://schemas.microsoft.com/office/powerpoint/2010/main" val="3500628853"/>
-      </p:ext>
-    </p:extLst>
-  </p:cSld>
-  <p:clrMapOvr>
-    <a:masterClrMapping/>
-  </p:clrMapOvr>
-  <p:timing>
-    <p:tnLst>
-      <p:par>
-        <p:cTn id="1" dur="indefinite" restart="never" nodeType="tmRoot"/>
-      </p:par>
-    </p:tnLst>
-  </p:timing>
-</p:sld>
-</file>
-
-<file path=ppt/slides/slide25.xml><?xml version="1.0" encoding="utf-8"?>
-<p:sld xmlns:a="http://schemas.openxmlformats.org/drawingml/2006/main" xmlns:r="http://schemas.openxmlformats.org/officeDocument/2006/relationships" xmlns:p="http://schemas.openxmlformats.org/presentationml/2006/main">
-  <p:cSld>
-    <p:spTree>
-      <p:nvGrpSpPr>
-        <p:cNvPr id="1" name=""/>
-        <p:cNvGrpSpPr/>
-        <p:nvPr/>
-      </p:nvGrpSpPr>
-      <p:grpSpPr>
-        <a:xfrm>
-          <a:off x="0" y="0"/>
-          <a:ext cx="0" cy="0"/>
-          <a:chOff x="0" y="0"/>
-          <a:chExt cx="0" cy="0"/>
-        </a:xfrm>
-      </p:grpSpPr>
-      <p:sp>
-        <p:nvSpPr>
-          <p:cNvPr id="2" name="標題 1"/>
-          <p:cNvSpPr>
-            <a:spLocks noGrp="1"/>
-          </p:cNvSpPr>
-          <p:nvPr>
-            <p:ph type="title"/>
-          </p:nvPr>
-        </p:nvSpPr>
-        <p:spPr/>
-        <p:txBody>
-          <a:bodyPr/>
-          <a:lstStyle/>
-          <a:p>
-            <a:r>
-              <a:rPr lang="en-HK" dirty="0" smtClean="0">
-                <a:latin typeface="Times New Roman" panose="02020603050405020304" pitchFamily="18" charset="0"/>
-                <a:cs typeface="Times New Roman" panose="02020603050405020304" pitchFamily="18" charset="0"/>
-              </a:rPr>
-              <a:t>3. CN</a:t>
-            </a:r>
-            <a:r>
-              <a:rPr lang="en-HK" baseline="30000" dirty="0" smtClean="0">
-                <a:latin typeface="Times New Roman" panose="02020603050405020304" pitchFamily="18" charset="0"/>
-                <a:cs typeface="Times New Roman" panose="02020603050405020304" pitchFamily="18" charset="0"/>
-              </a:rPr>
-              <a:t>-</a:t>
-            </a:r>
-            <a:r>
-              <a:rPr lang="en-HK" dirty="0" smtClean="0">
-                <a:latin typeface="Times New Roman" panose="02020603050405020304" pitchFamily="18" charset="0"/>
-                <a:cs typeface="Times New Roman" panose="02020603050405020304" pitchFamily="18" charset="0"/>
-              </a:rPr>
-              <a:t> </a:t>
-            </a:r>
-            <a:r>
-              <a:rPr lang="en-HK" dirty="0">
-                <a:latin typeface="Times New Roman" panose="02020603050405020304" pitchFamily="18" charset="0"/>
-                <a:cs typeface="Times New Roman" panose="02020603050405020304" pitchFamily="18" charset="0"/>
-              </a:rPr>
-              <a:t>formation efficiency of EUV (40.1 eV) and VUV (9.27 eV)</a:t>
-            </a:r>
-            <a:endParaRPr lang="en-US" dirty="0">
-              <a:latin typeface="Times New Roman" panose="02020603050405020304" pitchFamily="18" charset="0"/>
-              <a:cs typeface="Times New Roman" panose="02020603050405020304" pitchFamily="18" charset="0"/>
-            </a:endParaRPr>
-          </a:p>
-        </p:txBody>
-      </p:sp>
-      <p:sp>
-        <p:nvSpPr>
-          <p:cNvPr id="4" name="投影片編號版面配置區 3"/>
-          <p:cNvSpPr>
-            <a:spLocks noGrp="1"/>
-          </p:cNvSpPr>
-          <p:nvPr>
-            <p:ph type="sldNum" sz="quarter" idx="12"/>
-          </p:nvPr>
-        </p:nvSpPr>
-        <p:spPr/>
-        <p:txBody>
-          <a:bodyPr/>
-          <a:lstStyle/>
-          <a:p>
-            <a:fld id="{B646D8CA-B2C0-41A8-8514-369D0B0735D6}" type="slidenum">
-              <a:rPr lang="zh-TW" altLang="en-US" sz="2000" smtClean="0"/>
-              <a:t>25</a:t>
-            </a:fld>
-            <a:endParaRPr lang="zh-TW" altLang="en-US" sz="2000" dirty="0"/>
-          </a:p>
-        </p:txBody>
-      </p:sp>
-      <p:graphicFrame>
-        <p:nvGraphicFramePr>
-          <p:cNvPr id="10" name="內容版面配置區 9"/>
-          <p:cNvGraphicFramePr>
-            <a:graphicFrameLocks noGrp="1"/>
-          </p:cNvGraphicFramePr>
-          <p:nvPr>
-            <p:ph idx="1"/>
-            <p:extLst>
-              <p:ext uri="{D42A27DB-BD31-4B8C-83A1-F6EECF244321}">
-                <p14:modId xmlns:p14="http://schemas.microsoft.com/office/powerpoint/2010/main" val="70236835"/>
-              </p:ext>
-            </p:extLst>
-          </p:nvPr>
-        </p:nvGraphicFramePr>
-        <p:xfrm>
-          <a:off x="569727" y="1628893"/>
-          <a:ext cx="3969871" cy="3823151"/>
+          <a:off x="683568" y="2650270"/>
+          <a:ext cx="4320481" cy="2717911"/>
         </p:xfrm>
         <a:graphic>
           <a:graphicData uri="http://schemas.openxmlformats.org/drawingml/2006/table">
@@ -17248,28 +17030,256 @@
                 <a:tableStyleId>{5C22544A-7EE6-4342-B048-85BDC9FD1C3A}</a:tableStyleId>
               </a:tblPr>
               <a:tblGrid>
-                <a:gridCol w="1409985">
+                <a:gridCol w="1008112">
                   <a:extLst>
                     <a:ext uri="{9D8B030D-6E8A-4147-A177-3AD203B41FA5}">
-                      <a16:colId xmlns:a16="http://schemas.microsoft.com/office/drawing/2014/main" val="1809679188"/>
+                      <a16:colId xmlns:a16="http://schemas.microsoft.com/office/drawing/2014/main" val="2835078529"/>
                     </a:ext>
                   </a:extLst>
                 </a:gridCol>
-                <a:gridCol w="1224136">
+                <a:gridCol w="792088">
                   <a:extLst>
                     <a:ext uri="{9D8B030D-6E8A-4147-A177-3AD203B41FA5}">
-                      <a16:colId xmlns:a16="http://schemas.microsoft.com/office/drawing/2014/main" val="1032193202"/>
+                      <a16:colId xmlns:a16="http://schemas.microsoft.com/office/drawing/2014/main" val="2828882670"/>
                     </a:ext>
                   </a:extLst>
                 </a:gridCol>
-                <a:gridCol w="1335750">
+                <a:gridCol w="776715">
                   <a:extLst>
                     <a:ext uri="{9D8B030D-6E8A-4147-A177-3AD203B41FA5}">
-                      <a16:colId xmlns:a16="http://schemas.microsoft.com/office/drawing/2014/main" val="2853513134"/>
+                      <a16:colId xmlns:a16="http://schemas.microsoft.com/office/drawing/2014/main" val="1210125572"/>
+                    </a:ext>
+                  </a:extLst>
+                </a:gridCol>
+                <a:gridCol w="867060">
+                  <a:extLst>
+                    <a:ext uri="{9D8B030D-6E8A-4147-A177-3AD203B41FA5}">
+                      <a16:colId xmlns:a16="http://schemas.microsoft.com/office/drawing/2014/main" val="1324622419"/>
+                    </a:ext>
+                  </a:extLst>
+                </a:gridCol>
+                <a:gridCol w="876506">
+                  <a:extLst>
+                    <a:ext uri="{9D8B030D-6E8A-4147-A177-3AD203B41FA5}">
+                      <a16:colId xmlns:a16="http://schemas.microsoft.com/office/drawing/2014/main" val="2108499636"/>
                     </a:ext>
                   </a:extLst>
                 </a:gridCol>
               </a:tblGrid>
+              <a:tr h="495262">
+                <a:tc>
+                  <a:txBody>
+                    <a:bodyPr/>
+                    <a:lstStyle/>
+                    <a:p>
+                      <a:pPr marL="0" marR="0" indent="0" algn="ctr" defTabSz="685800" rtl="0" eaLnBrk="1" fontAlgn="ctr" latinLnBrk="0" hangingPunct="1">
+                        <a:lnSpc>
+                          <a:spcPct val="100000"/>
+                        </a:lnSpc>
+                        <a:spcBef>
+                          <a:spcPts val="0"/>
+                        </a:spcBef>
+                        <a:spcAft>
+                          <a:spcPts val="0"/>
+                        </a:spcAft>
+                        <a:buClrTx/>
+                        <a:buSzTx/>
+                        <a:buFontTx/>
+                        <a:buNone/>
+                        <a:tabLst/>
+                        <a:defRPr/>
+                      </a:pPr>
+                      <a:r>
+                        <a:rPr lang="en-HK" sz="1400" b="0" i="0" u="none" strike="noStrike" dirty="0" smtClean="0">
+                          <a:solidFill>
+                            <a:srgbClr val="000000"/>
+                          </a:solidFill>
+                          <a:effectLst/>
+                          <a:latin typeface="Times New Roman" panose="02020603050405020304" pitchFamily="18" charset="0"/>
+                          <a:cs typeface="Times New Roman" panose="02020603050405020304" pitchFamily="18" charset="0"/>
+                        </a:rPr>
+                        <a:t>Ratio of CH</a:t>
+                      </a:r>
+                      <a:r>
+                        <a:rPr lang="en-HK" sz="1400" b="0" i="0" u="none" strike="noStrike" baseline="-25000" dirty="0" smtClean="0">
+                          <a:solidFill>
+                            <a:srgbClr val="000000"/>
+                          </a:solidFill>
+                          <a:effectLst/>
+                          <a:latin typeface="Times New Roman" panose="02020603050405020304" pitchFamily="18" charset="0"/>
+                          <a:cs typeface="Times New Roman" panose="02020603050405020304" pitchFamily="18" charset="0"/>
+                        </a:rPr>
+                        <a:t>4</a:t>
+                      </a:r>
+                      <a:r>
+                        <a:rPr lang="en-HK" sz="1400" b="0" i="0" u="none" strike="noStrike" dirty="0" smtClean="0">
+                          <a:solidFill>
+                            <a:srgbClr val="000000"/>
+                          </a:solidFill>
+                          <a:effectLst/>
+                          <a:latin typeface="Times New Roman" panose="02020603050405020304" pitchFamily="18" charset="0"/>
+                          <a:cs typeface="Times New Roman" panose="02020603050405020304" pitchFamily="18" charset="0"/>
+                        </a:rPr>
+                        <a:t>+NH</a:t>
+                      </a:r>
+                      <a:r>
+                        <a:rPr lang="en-HK" sz="1400" b="0" i="0" u="none" strike="noStrike" baseline="-25000" dirty="0" smtClean="0">
+                          <a:solidFill>
+                            <a:srgbClr val="000000"/>
+                          </a:solidFill>
+                          <a:effectLst/>
+                          <a:latin typeface="Times New Roman" panose="02020603050405020304" pitchFamily="18" charset="0"/>
+                          <a:cs typeface="Times New Roman" panose="02020603050405020304" pitchFamily="18" charset="0"/>
+                        </a:rPr>
+                        <a:t>3</a:t>
+                      </a:r>
+                      <a:endParaRPr lang="en-US" sz="1400" b="0" i="0" u="none" strike="noStrike" baseline="-25000" dirty="0" smtClean="0">
+                        <a:solidFill>
+                          <a:srgbClr val="000000"/>
+                        </a:solidFill>
+                        <a:effectLst/>
+                        <a:latin typeface="Times New Roman" panose="02020603050405020304" pitchFamily="18" charset="0"/>
+                        <a:cs typeface="Times New Roman" panose="02020603050405020304" pitchFamily="18" charset="0"/>
+                      </a:endParaRPr>
+                    </a:p>
+                  </a:txBody>
+                  <a:tcPr marL="6830" marR="6830" marT="6830" marB="0" anchor="ctr">
+                    <a:solidFill>
+                      <a:schemeClr val="accent3">
+                        <a:lumMod val="40000"/>
+                        <a:lumOff val="60000"/>
+                      </a:schemeClr>
+                    </a:solidFill>
+                  </a:tcPr>
+                </a:tc>
+                <a:tc gridSpan="2">
+                  <a:txBody>
+                    <a:bodyPr/>
+                    <a:lstStyle/>
+                    <a:p>
+                      <a:pPr algn="ctr" rtl="0" fontAlgn="ctr"/>
+                      <a:r>
+                        <a:rPr lang="en-HK" sz="1400" b="0" i="0" u="none" strike="noStrike" dirty="0" smtClean="0">
+                          <a:solidFill>
+                            <a:srgbClr val="000000"/>
+                          </a:solidFill>
+                          <a:effectLst/>
+                          <a:latin typeface="Times New Roman" panose="02020603050405020304" pitchFamily="18" charset="0"/>
+                          <a:cs typeface="Times New Roman" panose="02020603050405020304" pitchFamily="18" charset="0"/>
+                        </a:rPr>
+                        <a:t>3:2</a:t>
+                      </a:r>
+                      <a:endParaRPr lang="en-US" sz="1400" b="0" i="0" u="none" strike="noStrike" dirty="0">
+                        <a:solidFill>
+                          <a:srgbClr val="000000"/>
+                        </a:solidFill>
+                        <a:effectLst/>
+                        <a:latin typeface="Times New Roman" panose="02020603050405020304" pitchFamily="18" charset="0"/>
+                        <a:cs typeface="Times New Roman" panose="02020603050405020304" pitchFamily="18" charset="0"/>
+                      </a:endParaRPr>
+                    </a:p>
+                  </a:txBody>
+                  <a:tcPr marL="6830" marR="6830" marT="6830" marB="0" anchor="ctr">
+                    <a:solidFill>
+                      <a:schemeClr val="accent3">
+                        <a:lumMod val="40000"/>
+                        <a:lumOff val="60000"/>
+                      </a:schemeClr>
+                    </a:solidFill>
+                  </a:tcPr>
+                </a:tc>
+                <a:tc hMerge="1">
+                  <a:txBody>
+                    <a:bodyPr/>
+                    <a:lstStyle/>
+                    <a:p>
+                      <a:pPr algn="ctr" rtl="0" fontAlgn="ctr"/>
+                      <a:endParaRPr lang="en-US" sz="1400" b="0" i="0" u="none" strike="noStrike" dirty="0">
+                        <a:solidFill>
+                          <a:srgbClr val="000000"/>
+                        </a:solidFill>
+                        <a:effectLst/>
+                        <a:latin typeface="Times New Roman" panose="02020603050405020304" pitchFamily="18" charset="0"/>
+                        <a:cs typeface="Times New Roman" panose="02020603050405020304" pitchFamily="18" charset="0"/>
+                      </a:endParaRPr>
+                    </a:p>
+                  </a:txBody>
+                  <a:tcPr marL="6830" marR="6830" marT="6830" marB="0" anchor="ctr">
+                    <a:solidFill>
+                      <a:schemeClr val="accent3">
+                        <a:lumMod val="40000"/>
+                        <a:lumOff val="60000"/>
+                      </a:schemeClr>
+                    </a:solidFill>
+                  </a:tcPr>
+                </a:tc>
+                <a:tc gridSpan="2">
+                  <a:txBody>
+                    <a:bodyPr/>
+                    <a:lstStyle/>
+                    <a:p>
+                      <a:pPr algn="ctr" rtl="0" fontAlgn="ctr"/>
+                      <a:r>
+                        <a:rPr lang="en-HK" sz="1400" b="0" i="0" u="none" strike="noStrike" dirty="0" smtClean="0">
+                          <a:solidFill>
+                            <a:srgbClr val="000000"/>
+                          </a:solidFill>
+                          <a:effectLst/>
+                          <a:latin typeface="Times New Roman" panose="02020603050405020304" pitchFamily="18" charset="0"/>
+                          <a:cs typeface="Times New Roman" panose="02020603050405020304" pitchFamily="18" charset="0"/>
+                        </a:rPr>
+                        <a:t>1:5</a:t>
+                      </a:r>
+                      <a:endParaRPr lang="en-US" sz="1400" b="0" i="0" u="none" strike="noStrike" dirty="0">
+                        <a:solidFill>
+                          <a:srgbClr val="000000"/>
+                        </a:solidFill>
+                        <a:effectLst/>
+                        <a:latin typeface="Times New Roman" panose="02020603050405020304" pitchFamily="18" charset="0"/>
+                        <a:cs typeface="Times New Roman" panose="02020603050405020304" pitchFamily="18" charset="0"/>
+                      </a:endParaRPr>
+                    </a:p>
+                  </a:txBody>
+                  <a:tcPr marL="6830" marR="6830" marT="6830" marB="0" anchor="ctr">
+                    <a:solidFill>
+                      <a:schemeClr val="accent3">
+                        <a:lumMod val="40000"/>
+                        <a:lumOff val="60000"/>
+                      </a:schemeClr>
+                    </a:solidFill>
+                  </a:tcPr>
+                </a:tc>
+                <a:tc hMerge="1">
+                  <a:txBody>
+                    <a:bodyPr/>
+                    <a:lstStyle/>
+                    <a:p>
+                      <a:pPr algn="ctr" rtl="0" fontAlgn="ctr"/>
+                      <a:endParaRPr lang="en-US" sz="1400" b="0" i="0" u="none" strike="noStrike" dirty="0">
+                        <a:solidFill>
+                          <a:srgbClr val="000000"/>
+                        </a:solidFill>
+                        <a:effectLst/>
+                        <a:latin typeface="Times New Roman" panose="02020603050405020304" pitchFamily="18" charset="0"/>
+                        <a:cs typeface="Times New Roman" panose="02020603050405020304" pitchFamily="18" charset="0"/>
+                      </a:endParaRPr>
+                    </a:p>
+                  </a:txBody>
+                  <a:tcPr marL="6830" marR="6830" marT="6830" marB="0" anchor="ctr">
+                    <a:solidFill>
+                      <a:schemeClr val="accent3">
+                        <a:lumMod val="40000"/>
+                        <a:lumOff val="60000"/>
+                      </a:schemeClr>
+                    </a:solidFill>
+                  </a:tcPr>
+                </a:tc>
+                <a:extLst>
+                  <a:ext uri="{0D108BD9-81ED-4DB2-BD59-A6C34878D82A}">
+                    <a16:rowId xmlns:a16="http://schemas.microsoft.com/office/drawing/2014/main" val="2569293393"/>
+                  </a:ext>
+                </a:extLst>
+              </a:tr>
               <a:tr h="612404">
                 <a:tc>
                   <a:txBody>
@@ -17301,13 +17311,45 @@
                         </a:rPr>
                         <a:t>k </a:t>
                       </a:r>
+                      <a:endParaRPr lang="en-US" sz="1400" u="none" strike="noStrike" dirty="0" smtClean="0">
+                        <a:effectLst/>
+                        <a:latin typeface="Times New Roman" panose="02020603050405020304" pitchFamily="18" charset="0"/>
+                        <a:cs typeface="Times New Roman" panose="02020603050405020304" pitchFamily="18" charset="0"/>
+                      </a:endParaRPr>
+                    </a:p>
+                    <a:p>
+                      <a:pPr marL="0" marR="0" indent="0" algn="ctr" defTabSz="685800" rtl="0" eaLnBrk="1" fontAlgn="ctr" latinLnBrk="0" hangingPunct="1">
+                        <a:lnSpc>
+                          <a:spcPct val="100000"/>
+                        </a:lnSpc>
+                        <a:spcBef>
+                          <a:spcPts val="0"/>
+                        </a:spcBef>
+                        <a:spcAft>
+                          <a:spcPts val="0"/>
+                        </a:spcAft>
+                        <a:buClrTx/>
+                        <a:buSzTx/>
+                        <a:buFontTx/>
+                        <a:buNone/>
+                        <a:tabLst/>
+                        <a:defRPr/>
+                      </a:pPr>
                       <a:r>
                         <a:rPr lang="en-US" sz="1400" u="none" strike="noStrike" dirty="0" smtClean="0">
                           <a:effectLst/>
                           <a:latin typeface="Times New Roman" panose="02020603050405020304" pitchFamily="18" charset="0"/>
                           <a:cs typeface="Times New Roman" panose="02020603050405020304" pitchFamily="18" charset="0"/>
                         </a:rPr>
-                        <a:t>(photons</a:t>
+                        <a:t>(</a:t>
+                      </a:r>
+                      <a:r>
+                        <a:rPr lang="en-US" sz="1400" u="none" strike="noStrike" dirty="0" smtClean="0">
+                          <a:effectLst/>
+                          <a:latin typeface="Times New Roman" panose="02020603050405020304" pitchFamily="18" charset="0"/>
+                          <a:cs typeface="Times New Roman" panose="02020603050405020304" pitchFamily="18" charset="0"/>
+                        </a:rPr>
+                        <a:t>photons</a:t>
                       </a:r>
                       <a:r>
                         <a:rPr lang="en-US" sz="1400" u="none" strike="noStrike" baseline="30000" dirty="0" smtClean="0">
@@ -17367,7 +17409,7 @@
                     <a:p>
                       <a:pPr algn="ctr" rtl="0" fontAlgn="ctr"/>
                       <a:r>
-                        <a:rPr lang="en-US" sz="1400" u="none" strike="noStrike" dirty="0">
+                        <a:rPr lang="en-US" sz="1400" u="none" strike="noStrike" dirty="0" smtClean="0">
                           <a:effectLst/>
                           <a:latin typeface="Times New Roman" panose="02020603050405020304" pitchFamily="18" charset="0"/>
                           <a:cs typeface="Times New Roman" panose="02020603050405020304" pitchFamily="18" charset="0"/>
@@ -17375,12 +17417,23 @@
                         <a:t>CH</a:t>
                       </a:r>
                       <a:r>
-                        <a:rPr lang="en-US" sz="1400" u="none" strike="noStrike" baseline="-25000" dirty="0">
+                        <a:rPr lang="en-US" sz="1400" u="none" strike="noStrike" baseline="-25000" dirty="0" smtClean="0">
                           <a:effectLst/>
                           <a:latin typeface="Times New Roman" panose="02020603050405020304" pitchFamily="18" charset="0"/>
                           <a:cs typeface="Times New Roman" panose="02020603050405020304" pitchFamily="18" charset="0"/>
                         </a:rPr>
                         <a:t>4</a:t>
+                      </a:r>
+                    </a:p>
+                    <a:p>
+                      <a:pPr algn="ctr" rtl="0" fontAlgn="ctr"/>
+                      <a:r>
+                        <a:rPr lang="en-US" sz="1400" u="none" strike="noStrike" dirty="0" smtClean="0">
+                          <a:effectLst/>
+                          <a:latin typeface="Times New Roman" panose="02020603050405020304" pitchFamily="18" charset="0"/>
+                          <a:cs typeface="Times New Roman" panose="02020603050405020304" pitchFamily="18" charset="0"/>
+                        </a:rPr>
+                        <a:t>(</a:t>
                       </a:r>
                       <a:r>
                         <a:rPr lang="en-US" sz="1400" u="none" strike="noStrike" dirty="0">
@@ -17388,7 +17441,159 @@
                           <a:latin typeface="Times New Roman" panose="02020603050405020304" pitchFamily="18" charset="0"/>
                           <a:cs typeface="Times New Roman" panose="02020603050405020304" pitchFamily="18" charset="0"/>
                         </a:rPr>
-                        <a:t>(x 10</a:t>
+                        <a:t>x 10</a:t>
+                      </a:r>
+                      <a:r>
+                        <a:rPr lang="en-US" sz="1400" u="none" strike="noStrike" baseline="30000" dirty="0">
+                          <a:effectLst/>
+                          <a:latin typeface="Times New Roman" panose="02020603050405020304" pitchFamily="18" charset="0"/>
+                          <a:cs typeface="Times New Roman" panose="02020603050405020304" pitchFamily="18" charset="0"/>
+                        </a:rPr>
+                        <a:t>-18</a:t>
+                      </a:r>
+                      <a:r>
+                        <a:rPr lang="en-US" sz="1400" u="none" strike="noStrike" dirty="0">
+                          <a:effectLst/>
+                          <a:latin typeface="Times New Roman" panose="02020603050405020304" pitchFamily="18" charset="0"/>
+                          <a:cs typeface="Times New Roman" panose="02020603050405020304" pitchFamily="18" charset="0"/>
+                        </a:rPr>
+                        <a:t>)</a:t>
+                      </a:r>
+                      <a:endParaRPr lang="en-US" sz="1400" b="0" i="0" u="none" strike="noStrike" dirty="0">
+                        <a:solidFill>
+                          <a:srgbClr val="000000"/>
+                        </a:solidFill>
+                        <a:effectLst/>
+                        <a:latin typeface="Times New Roman" panose="02020603050405020304" pitchFamily="18" charset="0"/>
+                        <a:cs typeface="Times New Roman" panose="02020603050405020304" pitchFamily="18" charset="0"/>
+                      </a:endParaRPr>
+                    </a:p>
+                  </a:txBody>
+                  <a:tcPr marL="6830" marR="6830" marT="6830" marB="0" anchor="ctr">
+                    <a:solidFill>
+                      <a:schemeClr val="accent3">
+                        <a:lumMod val="40000"/>
+                        <a:lumOff val="60000"/>
+                      </a:schemeClr>
+                    </a:solidFill>
+                  </a:tcPr>
+                </a:tc>
+                <a:tc>
+                  <a:txBody>
+                    <a:bodyPr/>
+                    <a:lstStyle/>
+                    <a:p>
+                      <a:pPr algn="ctr" rtl="0" fontAlgn="ctr"/>
+                      <a:r>
+                        <a:rPr lang="en-US" sz="1400" u="none" strike="noStrike" dirty="0" smtClean="0">
+                          <a:effectLst/>
+                          <a:latin typeface="Times New Roman" panose="02020603050405020304" pitchFamily="18" charset="0"/>
+                          <a:cs typeface="Times New Roman" panose="02020603050405020304" pitchFamily="18" charset="0"/>
+                        </a:rPr>
+                        <a:t>NH</a:t>
+                      </a:r>
+                      <a:r>
+                        <a:rPr lang="en-US" sz="1400" u="none" strike="noStrike" baseline="-25000" dirty="0" smtClean="0">
+                          <a:effectLst/>
+                          <a:latin typeface="Times New Roman" panose="02020603050405020304" pitchFamily="18" charset="0"/>
+                          <a:cs typeface="Times New Roman" panose="02020603050405020304" pitchFamily="18" charset="0"/>
+                        </a:rPr>
+                        <a:t>3</a:t>
+                      </a:r>
+                    </a:p>
+                    <a:p>
+                      <a:pPr algn="ctr" rtl="0" fontAlgn="ctr"/>
+                      <a:r>
+                        <a:rPr lang="en-US" sz="1400" u="none" strike="noStrike" dirty="0" smtClean="0">
+                          <a:effectLst/>
+                          <a:latin typeface="Times New Roman" panose="02020603050405020304" pitchFamily="18" charset="0"/>
+                          <a:cs typeface="Times New Roman" panose="02020603050405020304" pitchFamily="18" charset="0"/>
+                        </a:rPr>
+                        <a:t> </a:t>
+                      </a:r>
+                      <a:r>
+                        <a:rPr lang="en-US" sz="1400" u="none" strike="noStrike" dirty="0">
+                          <a:effectLst/>
+                          <a:latin typeface="Times New Roman" panose="02020603050405020304" pitchFamily="18" charset="0"/>
+                          <a:cs typeface="Times New Roman" panose="02020603050405020304" pitchFamily="18" charset="0"/>
+                        </a:rPr>
+                        <a:t>(x10</a:t>
+                      </a:r>
+                      <a:r>
+                        <a:rPr lang="en-US" sz="1400" u="none" strike="noStrike" baseline="30000" dirty="0">
+                          <a:effectLst/>
+                          <a:latin typeface="Times New Roman" panose="02020603050405020304" pitchFamily="18" charset="0"/>
+                          <a:cs typeface="Times New Roman" panose="02020603050405020304" pitchFamily="18" charset="0"/>
+                        </a:rPr>
+                        <a:t>-18</a:t>
+                      </a:r>
+                      <a:r>
+                        <a:rPr lang="en-US" sz="1400" u="none" strike="noStrike" dirty="0">
+                          <a:effectLst/>
+                          <a:latin typeface="Times New Roman" panose="02020603050405020304" pitchFamily="18" charset="0"/>
+                          <a:cs typeface="Times New Roman" panose="02020603050405020304" pitchFamily="18" charset="0"/>
+                        </a:rPr>
+                        <a:t>)</a:t>
+                      </a:r>
+                      <a:endParaRPr lang="en-US" sz="1400" b="0" i="0" u="none" strike="noStrike" dirty="0">
+                        <a:solidFill>
+                          <a:srgbClr val="000000"/>
+                        </a:solidFill>
+                        <a:effectLst/>
+                        <a:latin typeface="Times New Roman" panose="02020603050405020304" pitchFamily="18" charset="0"/>
+                        <a:cs typeface="Times New Roman" panose="02020603050405020304" pitchFamily="18" charset="0"/>
+                      </a:endParaRPr>
+                    </a:p>
+                  </a:txBody>
+                  <a:tcPr marL="6830" marR="6830" marT="6830" marB="0" anchor="ctr">
+                    <a:solidFill>
+                      <a:schemeClr val="accent3">
+                        <a:lumMod val="40000"/>
+                        <a:lumOff val="60000"/>
+                      </a:schemeClr>
+                    </a:solidFill>
+                  </a:tcPr>
+                </a:tc>
+                <a:tc>
+                  <a:txBody>
+                    <a:bodyPr/>
+                    <a:lstStyle/>
+                    <a:p>
+                      <a:pPr algn="ctr" rtl="0" fontAlgn="ctr"/>
+                      <a:r>
+                        <a:rPr lang="en-US" sz="1400" u="none" strike="noStrike" dirty="0" smtClean="0">
+                          <a:effectLst/>
+                          <a:latin typeface="Times New Roman" panose="02020603050405020304" pitchFamily="18" charset="0"/>
+                          <a:cs typeface="Times New Roman" panose="02020603050405020304" pitchFamily="18" charset="0"/>
+                        </a:rPr>
+                        <a:t>CH</a:t>
+                      </a:r>
+                      <a:r>
+                        <a:rPr lang="en-US" sz="1400" u="none" strike="noStrike" baseline="-25000" dirty="0" smtClean="0">
+                          <a:effectLst/>
+                          <a:latin typeface="Times New Roman" panose="02020603050405020304" pitchFamily="18" charset="0"/>
+                          <a:cs typeface="Times New Roman" panose="02020603050405020304" pitchFamily="18" charset="0"/>
+                        </a:rPr>
+                        <a:t>4</a:t>
+                      </a:r>
+                    </a:p>
+                    <a:p>
+                      <a:pPr algn="ctr" rtl="0" fontAlgn="ctr"/>
+                      <a:r>
+                        <a:rPr lang="en-US" sz="1400" u="none" strike="noStrike" dirty="0" smtClean="0">
+                          <a:effectLst/>
+                          <a:latin typeface="Times New Roman" panose="02020603050405020304" pitchFamily="18" charset="0"/>
+                          <a:cs typeface="Times New Roman" panose="02020603050405020304" pitchFamily="18" charset="0"/>
+                        </a:rPr>
+                        <a:t>(</a:t>
+                      </a:r>
+                      <a:r>
+                        <a:rPr lang="en-US" sz="1400" u="none" strike="noStrike" dirty="0">
+                          <a:effectLst/>
+                          <a:latin typeface="Times New Roman" panose="02020603050405020304" pitchFamily="18" charset="0"/>
+                          <a:cs typeface="Times New Roman" panose="02020603050405020304" pitchFamily="18" charset="0"/>
+                        </a:rPr>
+                        <a:t>x 10</a:t>
                       </a:r>
                       <a:r>
                         <a:rPr lang="en-US" sz="1400" u="none" strike="noStrike" baseline="30000" dirty="0">
@@ -17453,7 +17658,31 @@
                           <a:latin typeface="Times New Roman" panose="02020603050405020304" pitchFamily="18" charset="0"/>
                           <a:cs typeface="Times New Roman" panose="02020603050405020304" pitchFamily="18" charset="0"/>
                         </a:rPr>
-                        <a:t> (x10</a:t>
+                        <a:t> </a:t>
+                      </a:r>
+                      <a:endParaRPr lang="en-US" sz="1400" u="none" strike="noStrike" dirty="0" smtClean="0">
+                        <a:effectLst/>
+                        <a:latin typeface="Times New Roman" panose="02020603050405020304" pitchFamily="18" charset="0"/>
+                        <a:cs typeface="Times New Roman" panose="02020603050405020304" pitchFamily="18" charset="0"/>
+                      </a:endParaRPr>
+                    </a:p>
+                    <a:p>
+                      <a:pPr algn="ctr" rtl="0" fontAlgn="ctr"/>
+                      <a:r>
+                        <a:rPr lang="en-US" sz="1400" u="none" strike="noStrike" dirty="0" smtClean="0">
+                          <a:effectLst/>
+                          <a:latin typeface="Times New Roman" panose="02020603050405020304" pitchFamily="18" charset="0"/>
+                          <a:cs typeface="Times New Roman" panose="02020603050405020304" pitchFamily="18" charset="0"/>
+                        </a:rPr>
+                        <a:t>(</a:t>
+                      </a:r>
+                      <a:r>
+                        <a:rPr lang="en-US" sz="1400" u="none" strike="noStrike" dirty="0">
+                          <a:effectLst/>
+                          <a:latin typeface="Times New Roman" panose="02020603050405020304" pitchFamily="18" charset="0"/>
+                          <a:cs typeface="Times New Roman" panose="02020603050405020304" pitchFamily="18" charset="0"/>
+                        </a:rPr>
+                        <a:t>x10</a:t>
                       </a:r>
                       <a:r>
                         <a:rPr lang="en-US" sz="1400" u="none" strike="noStrike" baseline="30000" dirty="0">
@@ -17492,7 +17721,7 @@
                 </a:tc>
                 <a:extLst>
                   <a:ext uri="{0D108BD9-81ED-4DB2-BD59-A6C34878D82A}">
-                    <a16:rowId xmlns:a16="http://schemas.microsoft.com/office/drawing/2014/main" val="1278195264"/>
+                    <a16:rowId xmlns:a16="http://schemas.microsoft.com/office/drawing/2014/main" val="876074147"/>
                   </a:ext>
                 </a:extLst>
               </a:tr>
@@ -17575,9 +17804,61 @@
                   </a:txBody>
                   <a:tcPr marL="6830" marR="6830" marT="6830" marB="0" anchor="ctr"/>
                 </a:tc>
+                <a:tc>
+                  <a:txBody>
+                    <a:bodyPr/>
+                    <a:lstStyle/>
+                    <a:p>
+                      <a:pPr algn="ctr" rtl="0" fontAlgn="ctr"/>
+                      <a:r>
+                        <a:rPr lang="en-US" sz="1400" u="none" strike="noStrike" dirty="0" smtClean="0">
+                          <a:effectLst/>
+                          <a:latin typeface="Times New Roman" panose="02020603050405020304" pitchFamily="18" charset="0"/>
+                          <a:cs typeface="Times New Roman" panose="02020603050405020304" pitchFamily="18" charset="0"/>
+                        </a:rPr>
+                        <a:t>2.70±0.07</a:t>
+                      </a:r>
+                      <a:endParaRPr lang="en-US" sz="1400" b="0" i="0" u="none" strike="noStrike" dirty="0">
+                        <a:solidFill>
+                          <a:srgbClr val="000000"/>
+                        </a:solidFill>
+                        <a:effectLst/>
+                        <a:latin typeface="Times New Roman" panose="02020603050405020304" pitchFamily="18" charset="0"/>
+                        <a:cs typeface="Times New Roman" panose="02020603050405020304" pitchFamily="18" charset="0"/>
+                      </a:endParaRPr>
+                    </a:p>
+                  </a:txBody>
+                  <a:tcPr marL="6830" marR="6830" marT="6830" marB="0" anchor="ctr"/>
+                </a:tc>
+                <a:tc>
+                  <a:txBody>
+                    <a:bodyPr/>
+                    <a:lstStyle/>
+                    <a:p>
+                      <a:pPr algn="ctr" rtl="0" fontAlgn="ctr"/>
+                      <a:r>
+                        <a:rPr lang="en-US" sz="1400" u="none" strike="noStrike" dirty="0" smtClean="0">
+                          <a:effectLst/>
+                          <a:latin typeface="Times New Roman" panose="02020603050405020304" pitchFamily="18" charset="0"/>
+                          <a:cs typeface="Times New Roman" panose="02020603050405020304" pitchFamily="18" charset="0"/>
+                        </a:rPr>
+                        <a:t>1.17±0.12</a:t>
+                      </a:r>
+                      <a:endParaRPr lang="en-US" sz="1400" b="0" i="0" u="none" strike="noStrike" dirty="0">
+                        <a:solidFill>
+                          <a:srgbClr val="000000"/>
+                        </a:solidFill>
+                        <a:effectLst/>
+                        <a:latin typeface="Times New Roman" panose="02020603050405020304" pitchFamily="18" charset="0"/>
+                        <a:cs typeface="Times New Roman" panose="02020603050405020304" pitchFamily="18" charset="0"/>
+                      </a:endParaRPr>
+                    </a:p>
+                  </a:txBody>
+                  <a:tcPr marL="6830" marR="6830" marT="6830" marB="0" anchor="ctr"/>
+                </a:tc>
                 <a:extLst>
                   <a:ext uri="{0D108BD9-81ED-4DB2-BD59-A6C34878D82A}">
-                    <a16:rowId xmlns:a16="http://schemas.microsoft.com/office/drawing/2014/main" val="2829530235"/>
+                    <a16:rowId xmlns:a16="http://schemas.microsoft.com/office/drawing/2014/main" val="1706566355"/>
                   </a:ext>
                 </a:extLst>
               </a:tr>
@@ -17660,9 +17941,61 @@
                   </a:txBody>
                   <a:tcPr marL="6830" marR="6830" marT="6830" marB="0" anchor="ctr"/>
                 </a:tc>
+                <a:tc>
+                  <a:txBody>
+                    <a:bodyPr/>
+                    <a:lstStyle/>
+                    <a:p>
+                      <a:pPr algn="ctr" rtl="0" fontAlgn="ctr"/>
+                      <a:r>
+                        <a:rPr lang="en-US" sz="1400" u="none" strike="noStrike" dirty="0" smtClean="0">
+                          <a:effectLst/>
+                          <a:latin typeface="Times New Roman" panose="02020603050405020304" pitchFamily="18" charset="0"/>
+                          <a:cs typeface="Times New Roman" panose="02020603050405020304" pitchFamily="18" charset="0"/>
+                        </a:rPr>
+                        <a:t>0.49±0.02</a:t>
+                      </a:r>
+                      <a:endParaRPr lang="en-US" sz="1400" b="0" i="0" u="none" strike="noStrike" dirty="0">
+                        <a:solidFill>
+                          <a:srgbClr val="000000"/>
+                        </a:solidFill>
+                        <a:effectLst/>
+                        <a:latin typeface="Times New Roman" panose="02020603050405020304" pitchFamily="18" charset="0"/>
+                        <a:cs typeface="Times New Roman" panose="02020603050405020304" pitchFamily="18" charset="0"/>
+                      </a:endParaRPr>
+                    </a:p>
+                  </a:txBody>
+                  <a:tcPr marL="6830" marR="6830" marT="6830" marB="0" anchor="ctr"/>
+                </a:tc>
+                <a:tc>
+                  <a:txBody>
+                    <a:bodyPr/>
+                    <a:lstStyle/>
+                    <a:p>
+                      <a:pPr algn="ctr" rtl="0" fontAlgn="ctr"/>
+                      <a:r>
+                        <a:rPr lang="en-US" sz="1400" u="none" strike="noStrike" dirty="0" smtClean="0">
+                          <a:effectLst/>
+                          <a:latin typeface="Times New Roman" panose="02020603050405020304" pitchFamily="18" charset="0"/>
+                          <a:cs typeface="Times New Roman" panose="02020603050405020304" pitchFamily="18" charset="0"/>
+                        </a:rPr>
+                        <a:t>0.56±0.06</a:t>
+                      </a:r>
+                      <a:endParaRPr lang="en-US" sz="1400" b="0" i="0" u="none" strike="noStrike" dirty="0">
+                        <a:solidFill>
+                          <a:srgbClr val="000000"/>
+                        </a:solidFill>
+                        <a:effectLst/>
+                        <a:latin typeface="Times New Roman" panose="02020603050405020304" pitchFamily="18" charset="0"/>
+                        <a:cs typeface="Times New Roman" panose="02020603050405020304" pitchFamily="18" charset="0"/>
+                      </a:endParaRPr>
+                    </a:p>
+                  </a:txBody>
+                  <a:tcPr marL="6830" marR="6830" marT="6830" marB="0" anchor="ctr"/>
+                </a:tc>
                 <a:extLst>
                   <a:ext uri="{0D108BD9-81ED-4DB2-BD59-A6C34878D82A}">
-                    <a16:rowId xmlns:a16="http://schemas.microsoft.com/office/drawing/2014/main" val="4139367451"/>
+                    <a16:rowId xmlns:a16="http://schemas.microsoft.com/office/drawing/2014/main" val="446624062"/>
                   </a:ext>
                 </a:extLst>
               </a:tr>
@@ -17775,12 +18108,246 @@
                     </a:solidFill>
                   </a:tcPr>
                 </a:tc>
+                <a:tc>
+                  <a:txBody>
+                    <a:bodyPr/>
+                    <a:lstStyle/>
+                    <a:p>
+                      <a:pPr algn="ctr" rtl="0" fontAlgn="ctr"/>
+                      <a:r>
+                        <a:rPr lang="en-US" sz="1400" u="none" strike="noStrike" dirty="0" smtClean="0">
+                          <a:solidFill>
+                            <a:srgbClr val="FF0000"/>
+                          </a:solidFill>
+                          <a:effectLst/>
+                          <a:latin typeface="Times New Roman" panose="02020603050405020304" pitchFamily="18" charset="0"/>
+                          <a:cs typeface="Times New Roman" panose="02020603050405020304" pitchFamily="18" charset="0"/>
+                        </a:rPr>
+                        <a:t>5.52±0.07</a:t>
+                      </a:r>
+                      <a:endParaRPr lang="en-US" sz="1400" b="0" i="0" u="none" strike="noStrike" dirty="0">
+                        <a:solidFill>
+                          <a:srgbClr val="FF0000"/>
+                        </a:solidFill>
+                        <a:effectLst/>
+                        <a:latin typeface="Times New Roman" panose="02020603050405020304" pitchFamily="18" charset="0"/>
+                        <a:cs typeface="Times New Roman" panose="02020603050405020304" pitchFamily="18" charset="0"/>
+                      </a:endParaRPr>
+                    </a:p>
+                  </a:txBody>
+                  <a:tcPr marL="6830" marR="6830" marT="6830" marB="0" anchor="ctr">
+                    <a:solidFill>
+                      <a:schemeClr val="accent3">
+                        <a:lumMod val="40000"/>
+                        <a:lumOff val="60000"/>
+                      </a:schemeClr>
+                    </a:solidFill>
+                  </a:tcPr>
+                </a:tc>
+                <a:tc>
+                  <a:txBody>
+                    <a:bodyPr/>
+                    <a:lstStyle/>
+                    <a:p>
+                      <a:pPr algn="ctr" rtl="0" fontAlgn="ctr"/>
+                      <a:r>
+                        <a:rPr lang="en-US" sz="1400" u="none" strike="noStrike" dirty="0" smtClean="0">
+                          <a:solidFill>
+                            <a:srgbClr val="FF0000"/>
+                          </a:solidFill>
+                          <a:effectLst/>
+                          <a:latin typeface="Times New Roman" panose="02020603050405020304" pitchFamily="18" charset="0"/>
+                          <a:cs typeface="Times New Roman" panose="02020603050405020304" pitchFamily="18" charset="0"/>
+                        </a:rPr>
+                        <a:t>2.07±0.13</a:t>
+                      </a:r>
+                      <a:endParaRPr lang="en-US" sz="1400" b="0" i="0" u="none" strike="noStrike" dirty="0">
+                        <a:solidFill>
+                          <a:srgbClr val="FF0000"/>
+                        </a:solidFill>
+                        <a:effectLst/>
+                        <a:latin typeface="Times New Roman" panose="02020603050405020304" pitchFamily="18" charset="0"/>
+                        <a:cs typeface="Times New Roman" panose="02020603050405020304" pitchFamily="18" charset="0"/>
+                      </a:endParaRPr>
+                    </a:p>
+                  </a:txBody>
+                  <a:tcPr marL="6830" marR="6830" marT="6830" marB="0" anchor="ctr">
+                    <a:solidFill>
+                      <a:schemeClr val="accent3">
+                        <a:lumMod val="40000"/>
+                        <a:lumOff val="60000"/>
+                      </a:schemeClr>
+                    </a:solidFill>
+                  </a:tcPr>
+                </a:tc>
                 <a:extLst>
                   <a:ext uri="{0D108BD9-81ED-4DB2-BD59-A6C34878D82A}">
-                    <a16:rowId xmlns:a16="http://schemas.microsoft.com/office/drawing/2014/main" val="1951447026"/>
+                    <a16:rowId xmlns:a16="http://schemas.microsoft.com/office/drawing/2014/main" val="2566119498"/>
                   </a:ext>
                 </a:extLst>
               </a:tr>
+            </a:tbl>
+          </a:graphicData>
+        </a:graphic>
+      </p:graphicFrame>
+    </p:spTree>
+    <p:extLst>
+      <p:ext uri="{BB962C8B-B14F-4D97-AF65-F5344CB8AC3E}">
+        <p14:creationId xmlns:p14="http://schemas.microsoft.com/office/powerpoint/2010/main" val="3500628853"/>
+      </p:ext>
+    </p:extLst>
+  </p:cSld>
+  <p:clrMapOvr>
+    <a:masterClrMapping/>
+  </p:clrMapOvr>
+  <p:timing>
+    <p:tnLst>
+      <p:par>
+        <p:cTn id="1" dur="indefinite" restart="never" nodeType="tmRoot"/>
+      </p:par>
+    </p:tnLst>
+  </p:timing>
+</p:sld>
+</file>
+
+<file path=ppt/slides/slide25.xml><?xml version="1.0" encoding="utf-8"?>
+<p:sld xmlns:a="http://schemas.openxmlformats.org/drawingml/2006/main" xmlns:r="http://schemas.openxmlformats.org/officeDocument/2006/relationships" xmlns:p="http://schemas.openxmlformats.org/presentationml/2006/main">
+  <p:cSld>
+    <p:spTree>
+      <p:nvGrpSpPr>
+        <p:cNvPr id="1" name=""/>
+        <p:cNvGrpSpPr/>
+        <p:nvPr/>
+      </p:nvGrpSpPr>
+      <p:grpSpPr>
+        <a:xfrm>
+          <a:off x="0" y="0"/>
+          <a:ext cx="0" cy="0"/>
+          <a:chOff x="0" y="0"/>
+          <a:chExt cx="0" cy="0"/>
+        </a:xfrm>
+      </p:grpSpPr>
+      <p:sp>
+        <p:nvSpPr>
+          <p:cNvPr id="2" name="標題 1"/>
+          <p:cNvSpPr>
+            <a:spLocks noGrp="1"/>
+          </p:cNvSpPr>
+          <p:nvPr>
+            <p:ph type="title"/>
+          </p:nvPr>
+        </p:nvSpPr>
+        <p:spPr/>
+        <p:txBody>
+          <a:bodyPr/>
+          <a:lstStyle/>
+          <a:p>
+            <a:r>
+              <a:rPr lang="en-HK" dirty="0" smtClean="0">
+                <a:latin typeface="Times New Roman" panose="02020603050405020304" pitchFamily="18" charset="0"/>
+                <a:cs typeface="Times New Roman" panose="02020603050405020304" pitchFamily="18" charset="0"/>
+              </a:rPr>
+              <a:t>3. CN</a:t>
+            </a:r>
+            <a:r>
+              <a:rPr lang="en-HK" baseline="30000" dirty="0" smtClean="0">
+                <a:latin typeface="Times New Roman" panose="02020603050405020304" pitchFamily="18" charset="0"/>
+                <a:cs typeface="Times New Roman" panose="02020603050405020304" pitchFamily="18" charset="0"/>
+              </a:rPr>
+              <a:t>-</a:t>
+            </a:r>
+            <a:r>
+              <a:rPr lang="en-HK" dirty="0" smtClean="0">
+                <a:latin typeface="Times New Roman" panose="02020603050405020304" pitchFamily="18" charset="0"/>
+                <a:cs typeface="Times New Roman" panose="02020603050405020304" pitchFamily="18" charset="0"/>
+              </a:rPr>
+              <a:t> </a:t>
+            </a:r>
+            <a:r>
+              <a:rPr lang="en-HK" dirty="0">
+                <a:latin typeface="Times New Roman" panose="02020603050405020304" pitchFamily="18" charset="0"/>
+                <a:cs typeface="Times New Roman" panose="02020603050405020304" pitchFamily="18" charset="0"/>
+              </a:rPr>
+              <a:t>formation efficiency of EUV (40.1 eV) and VUV (9.27 eV)</a:t>
+            </a:r>
+            <a:endParaRPr lang="en-US" dirty="0">
+              <a:latin typeface="Times New Roman" panose="02020603050405020304" pitchFamily="18" charset="0"/>
+              <a:cs typeface="Times New Roman" panose="02020603050405020304" pitchFamily="18" charset="0"/>
+            </a:endParaRPr>
+          </a:p>
+        </p:txBody>
+      </p:sp>
+      <p:sp>
+        <p:nvSpPr>
+          <p:cNvPr id="4" name="投影片編號版面配置區 3"/>
+          <p:cNvSpPr>
+            <a:spLocks noGrp="1"/>
+          </p:cNvSpPr>
+          <p:nvPr>
+            <p:ph type="sldNum" sz="quarter" idx="12"/>
+          </p:nvPr>
+        </p:nvSpPr>
+        <p:spPr/>
+        <p:txBody>
+          <a:bodyPr/>
+          <a:lstStyle/>
+          <a:p>
+            <a:fld id="{B646D8CA-B2C0-41A8-8514-369D0B0735D6}" type="slidenum">
+              <a:rPr lang="zh-TW" altLang="en-US" sz="2000" smtClean="0"/>
+              <a:t>25</a:t>
+            </a:fld>
+            <a:endParaRPr lang="zh-TW" altLang="en-US" sz="2000" dirty="0"/>
+          </a:p>
+        </p:txBody>
+      </p:sp>
+      <p:graphicFrame>
+        <p:nvGraphicFramePr>
+          <p:cNvPr id="10" name="內容版面配置區 9"/>
+          <p:cNvGraphicFramePr>
+            <a:graphicFrameLocks noGrp="1"/>
+          </p:cNvGraphicFramePr>
+          <p:nvPr>
+            <p:ph idx="1"/>
+            <p:extLst>
+              <p:ext uri="{D42A27DB-BD31-4B8C-83A1-F6EECF244321}">
+                <p14:modId xmlns:p14="http://schemas.microsoft.com/office/powerpoint/2010/main" val="607023026"/>
+              </p:ext>
+            </p:extLst>
+          </p:nvPr>
+        </p:nvGraphicFramePr>
+        <p:xfrm>
+          <a:off x="569727" y="2076018"/>
+          <a:ext cx="3969871" cy="2852052"/>
+        </p:xfrm>
+        <a:graphic>
+          <a:graphicData uri="http://schemas.openxmlformats.org/drawingml/2006/table">
+            <a:tbl>
+              <a:tblPr>
+                <a:tableStyleId>{5C22544A-7EE6-4342-B048-85BDC9FD1C3A}</a:tableStyleId>
+              </a:tblPr>
+              <a:tblGrid>
+                <a:gridCol w="1698017">
+                  <a:extLst>
+                    <a:ext uri="{9D8B030D-6E8A-4147-A177-3AD203B41FA5}">
+                      <a16:colId xmlns:a16="http://schemas.microsoft.com/office/drawing/2014/main" val="1809679188"/>
+                    </a:ext>
+                  </a:extLst>
+                </a:gridCol>
+                <a:gridCol w="1080120">
+                  <a:extLst>
+                    <a:ext uri="{9D8B030D-6E8A-4147-A177-3AD203B41FA5}">
+                      <a16:colId xmlns:a16="http://schemas.microsoft.com/office/drawing/2014/main" val="1032193202"/>
+                    </a:ext>
+                  </a:extLst>
+                </a:gridCol>
+                <a:gridCol w="1191734">
+                  <a:extLst>
+                    <a:ext uri="{9D8B030D-6E8A-4147-A177-3AD203B41FA5}">
+                      <a16:colId xmlns:a16="http://schemas.microsoft.com/office/drawing/2014/main" val="2853513134"/>
+                    </a:ext>
+                  </a:extLst>
+                </a:gridCol>
+              </a:tblGrid>
               <a:tr h="533666">
                 <a:tc>
                   <a:txBody>
@@ -18360,6 +18927,360 @@
                   </a:ext>
                 </a:extLst>
               </a:tr>
+              <a:tr h="533666">
+                <a:tc>
+                  <a:txBody>
+                    <a:bodyPr/>
+                    <a:lstStyle/>
+                    <a:p>
+                      <a:pPr algn="ctr" rtl="0" fontAlgn="ctr"/>
+                      <a:r>
+                        <a:rPr lang="en-US" sz="1400" u="none" strike="noStrike" dirty="0" smtClean="0">
+                          <a:solidFill>
+                            <a:srgbClr val="FF0000"/>
+                          </a:solidFill>
+                          <a:effectLst/>
+                          <a:latin typeface="Times New Roman" panose="02020603050405020304" pitchFamily="18" charset="0"/>
+                          <a:cs typeface="Times New Roman" panose="02020603050405020304" pitchFamily="18" charset="0"/>
+                        </a:rPr>
+                        <a:t>Destruction cross-section ratio (CH</a:t>
+                      </a:r>
+                      <a:r>
+                        <a:rPr lang="en-US" sz="1400" u="none" strike="noStrike" baseline="-25000" dirty="0" smtClean="0">
+                          <a:solidFill>
+                            <a:srgbClr val="FF0000"/>
+                          </a:solidFill>
+                          <a:effectLst/>
+                          <a:latin typeface="Times New Roman" panose="02020603050405020304" pitchFamily="18" charset="0"/>
+                          <a:cs typeface="Times New Roman" panose="02020603050405020304" pitchFamily="18" charset="0"/>
+                        </a:rPr>
+                        <a:t>4</a:t>
+                      </a:r>
+                      <a:r>
+                        <a:rPr lang="en-US" sz="1400" u="none" strike="noStrike" dirty="0" smtClean="0">
+                          <a:solidFill>
+                            <a:srgbClr val="FF0000"/>
+                          </a:solidFill>
+                          <a:effectLst/>
+                          <a:latin typeface="Times New Roman" panose="02020603050405020304" pitchFamily="18" charset="0"/>
+                          <a:cs typeface="Times New Roman" panose="02020603050405020304" pitchFamily="18" charset="0"/>
+                        </a:rPr>
+                        <a:t>)</a:t>
+                      </a:r>
+                      <a:endParaRPr lang="en-US" sz="1400" b="0" i="0" u="none" strike="noStrike" dirty="0">
+                        <a:solidFill>
+                          <a:srgbClr val="0070C0"/>
+                        </a:solidFill>
+                        <a:effectLst/>
+                        <a:latin typeface="Times New Roman" panose="02020603050405020304" pitchFamily="18" charset="0"/>
+                        <a:cs typeface="Times New Roman" panose="02020603050405020304" pitchFamily="18" charset="0"/>
+                      </a:endParaRPr>
+                    </a:p>
+                  </a:txBody>
+                  <a:tcPr marL="6830" marR="6830" marT="6830" marB="0" anchor="ctr">
+                    <a:solidFill>
+                      <a:schemeClr val="accent3">
+                        <a:lumMod val="40000"/>
+                        <a:lumOff val="60000"/>
+                      </a:schemeClr>
+                    </a:solidFill>
+                  </a:tcPr>
+                </a:tc>
+                <a:tc>
+                  <a:txBody>
+                    <a:bodyPr/>
+                    <a:lstStyle/>
+                    <a:p>
+                      <a:pPr marL="0" marR="0" indent="0" algn="ctr" defTabSz="685800" rtl="0" eaLnBrk="1" fontAlgn="ctr" latinLnBrk="0" hangingPunct="1">
+                        <a:lnSpc>
+                          <a:spcPct val="100000"/>
+                        </a:lnSpc>
+                        <a:spcBef>
+                          <a:spcPts val="0"/>
+                        </a:spcBef>
+                        <a:spcAft>
+                          <a:spcPts val="0"/>
+                        </a:spcAft>
+                        <a:buClrTx/>
+                        <a:buSzTx/>
+                        <a:buFontTx/>
+                        <a:buNone/>
+                        <a:tabLst/>
+                        <a:defRPr/>
+                      </a:pPr>
+                      <a:r>
+                        <a:rPr lang="en-US" sz="1400" u="none" strike="noStrike" dirty="0" smtClean="0">
+                          <a:solidFill>
+                            <a:srgbClr val="FF0000"/>
+                          </a:solidFill>
+                          <a:effectLst/>
+                          <a:latin typeface="Times New Roman" panose="02020603050405020304" pitchFamily="18" charset="0"/>
+                          <a:cs typeface="Times New Roman" panose="02020603050405020304" pitchFamily="18" charset="0"/>
+                        </a:rPr>
+                        <a:t>6.06±0.07</a:t>
+                      </a:r>
+                      <a:endParaRPr lang="en-US" sz="1400" b="0" i="0" u="none" strike="noStrike" dirty="0" smtClean="0">
+                        <a:solidFill>
+                          <a:srgbClr val="FF0000"/>
+                        </a:solidFill>
+                        <a:effectLst/>
+                        <a:latin typeface="Times New Roman" panose="02020603050405020304" pitchFamily="18" charset="0"/>
+                        <a:cs typeface="Times New Roman" panose="02020603050405020304" pitchFamily="18" charset="0"/>
+                      </a:endParaRPr>
+                    </a:p>
+                  </a:txBody>
+                  <a:tcPr marL="6830" marR="6830" marT="6830" marB="0" anchor="ctr">
+                    <a:solidFill>
+                      <a:schemeClr val="accent3">
+                        <a:lumMod val="40000"/>
+                        <a:lumOff val="60000"/>
+                      </a:schemeClr>
+                    </a:solidFill>
+                  </a:tcPr>
+                </a:tc>
+                <a:tc>
+                  <a:txBody>
+                    <a:bodyPr/>
+                    <a:lstStyle/>
+                    <a:p>
+                      <a:pPr marL="0" marR="0" indent="0" algn="ctr" defTabSz="685800" rtl="0" eaLnBrk="1" fontAlgn="ctr" latinLnBrk="0" hangingPunct="1">
+                        <a:lnSpc>
+                          <a:spcPct val="100000"/>
+                        </a:lnSpc>
+                        <a:spcBef>
+                          <a:spcPts val="0"/>
+                        </a:spcBef>
+                        <a:spcAft>
+                          <a:spcPts val="0"/>
+                        </a:spcAft>
+                        <a:buClrTx/>
+                        <a:buSzTx/>
+                        <a:buFontTx/>
+                        <a:buNone/>
+                        <a:tabLst/>
+                        <a:defRPr/>
+                      </a:pPr>
+                      <a:r>
+                        <a:rPr lang="en-US" sz="1400" u="none" strike="noStrike" dirty="0" smtClean="0">
+                          <a:solidFill>
+                            <a:srgbClr val="FF0000"/>
+                          </a:solidFill>
+                          <a:effectLst/>
+                          <a:latin typeface="Times New Roman" panose="02020603050405020304" pitchFamily="18" charset="0"/>
+                          <a:cs typeface="Times New Roman" panose="02020603050405020304" pitchFamily="18" charset="0"/>
+                        </a:rPr>
+                        <a:t>5.52±0.07</a:t>
+                      </a:r>
+                      <a:endParaRPr lang="en-US" sz="1400" b="0" i="0" u="none" strike="noStrike" dirty="0" smtClean="0">
+                        <a:solidFill>
+                          <a:srgbClr val="FF0000"/>
+                        </a:solidFill>
+                        <a:effectLst/>
+                        <a:latin typeface="Times New Roman" panose="02020603050405020304" pitchFamily="18" charset="0"/>
+                        <a:cs typeface="Times New Roman" panose="02020603050405020304" pitchFamily="18" charset="0"/>
+                      </a:endParaRPr>
+                    </a:p>
+                  </a:txBody>
+                  <a:tcPr marL="6830" marR="6830" marT="6830" marB="0" anchor="ctr">
+                    <a:solidFill>
+                      <a:schemeClr val="accent3">
+                        <a:lumMod val="40000"/>
+                        <a:lumOff val="60000"/>
+                      </a:schemeClr>
+                    </a:solidFill>
+                  </a:tcPr>
+                </a:tc>
+                <a:extLst>
+                  <a:ext uri="{0D108BD9-81ED-4DB2-BD59-A6C34878D82A}">
+                    <a16:rowId xmlns:a16="http://schemas.microsoft.com/office/drawing/2014/main" val="3530938289"/>
+                  </a:ext>
+                </a:extLst>
+              </a:tr>
+              <a:tr h="533666">
+                <a:tc>
+                  <a:txBody>
+                    <a:bodyPr/>
+                    <a:lstStyle/>
+                    <a:p>
+                      <a:pPr marL="0" marR="0" indent="0" algn="ctr" defTabSz="685800" rtl="0" eaLnBrk="1" fontAlgn="ctr" latinLnBrk="0" hangingPunct="1">
+                        <a:lnSpc>
+                          <a:spcPct val="100000"/>
+                        </a:lnSpc>
+                        <a:spcBef>
+                          <a:spcPts val="0"/>
+                        </a:spcBef>
+                        <a:spcAft>
+                          <a:spcPts val="0"/>
+                        </a:spcAft>
+                        <a:buClrTx/>
+                        <a:buSzTx/>
+                        <a:buFontTx/>
+                        <a:buNone/>
+                        <a:tabLst/>
+                        <a:defRPr/>
+                      </a:pPr>
+                      <a:r>
+                        <a:rPr lang="en-US" sz="1400" u="none" strike="noStrike" dirty="0" smtClean="0">
+                          <a:solidFill>
+                            <a:schemeClr val="tx1"/>
+                          </a:solidFill>
+                          <a:effectLst/>
+                          <a:latin typeface="Times New Roman" panose="02020603050405020304" pitchFamily="18" charset="0"/>
+                          <a:cs typeface="Times New Roman" panose="02020603050405020304" pitchFamily="18" charset="0"/>
+                        </a:rPr>
+                        <a:t>Destruction cross-section ratio (NH</a:t>
+                      </a:r>
+                      <a:r>
+                        <a:rPr lang="en-US" sz="1400" u="none" strike="noStrike" baseline="-25000" dirty="0" smtClean="0">
+                          <a:solidFill>
+                            <a:schemeClr val="tx1"/>
+                          </a:solidFill>
+                          <a:effectLst/>
+                          <a:latin typeface="Times New Roman" panose="02020603050405020304" pitchFamily="18" charset="0"/>
+                          <a:cs typeface="Times New Roman" panose="02020603050405020304" pitchFamily="18" charset="0"/>
+                        </a:rPr>
+                        <a:t>3</a:t>
+                      </a:r>
+                      <a:r>
+                        <a:rPr lang="en-US" sz="1400" u="none" strike="noStrike" dirty="0" smtClean="0">
+                          <a:solidFill>
+                            <a:schemeClr val="tx1"/>
+                          </a:solidFill>
+                          <a:effectLst/>
+                          <a:latin typeface="Times New Roman" panose="02020603050405020304" pitchFamily="18" charset="0"/>
+                          <a:cs typeface="Times New Roman" panose="02020603050405020304" pitchFamily="18" charset="0"/>
+                        </a:rPr>
+                        <a:t>)</a:t>
+                      </a:r>
+                      <a:endParaRPr lang="en-US" sz="1400" b="0" i="0" u="none" strike="noStrike" dirty="0" smtClean="0">
+                        <a:solidFill>
+                          <a:schemeClr val="tx1"/>
+                        </a:solidFill>
+                        <a:effectLst/>
+                        <a:latin typeface="Times New Roman" panose="02020603050405020304" pitchFamily="18" charset="0"/>
+                        <a:cs typeface="Times New Roman" panose="02020603050405020304" pitchFamily="18" charset="0"/>
+                      </a:endParaRPr>
+                    </a:p>
+                  </a:txBody>
+                  <a:tcPr marL="6830" marR="6830" marT="6830" marB="0" anchor="ctr">
+                    <a:solidFill>
+                      <a:schemeClr val="accent3">
+                        <a:lumMod val="40000"/>
+                        <a:lumOff val="60000"/>
+                      </a:schemeClr>
+                    </a:solidFill>
+                  </a:tcPr>
+                </a:tc>
+                <a:tc>
+                  <a:txBody>
+                    <a:bodyPr/>
+                    <a:lstStyle/>
+                    <a:p>
+                      <a:pPr marL="0" marR="0" indent="0" algn="ctr" defTabSz="685800" rtl="0" eaLnBrk="1" fontAlgn="ctr" latinLnBrk="0" hangingPunct="1">
+                        <a:lnSpc>
+                          <a:spcPct val="100000"/>
+                        </a:lnSpc>
+                        <a:spcBef>
+                          <a:spcPts val="0"/>
+                        </a:spcBef>
+                        <a:spcAft>
+                          <a:spcPts val="0"/>
+                        </a:spcAft>
+                        <a:buClrTx/>
+                        <a:buSzTx/>
+                        <a:buFontTx/>
+                        <a:buNone/>
+                        <a:tabLst/>
+                        <a:defRPr/>
+                      </a:pPr>
+                      <a:r>
+                        <a:rPr lang="en-US" sz="1400" u="none" strike="noStrike" dirty="0" smtClean="0">
+                          <a:solidFill>
+                            <a:schemeClr val="tx1"/>
+                          </a:solidFill>
+                          <a:effectLst/>
+                          <a:latin typeface="Times New Roman" panose="02020603050405020304" pitchFamily="18" charset="0"/>
+                          <a:cs typeface="Times New Roman" panose="02020603050405020304" pitchFamily="18" charset="0"/>
+                        </a:rPr>
+                        <a:t>3.18±0.12</a:t>
+                      </a:r>
+                      <a:endParaRPr lang="en-US" sz="1400" b="0" i="0" u="none" strike="noStrike" dirty="0" smtClean="0">
+                        <a:solidFill>
+                          <a:schemeClr val="tx1"/>
+                        </a:solidFill>
+                        <a:effectLst/>
+                        <a:latin typeface="Times New Roman" panose="02020603050405020304" pitchFamily="18" charset="0"/>
+                        <a:cs typeface="Times New Roman" panose="02020603050405020304" pitchFamily="18" charset="0"/>
+                      </a:endParaRPr>
+                    </a:p>
+                  </a:txBody>
+                  <a:tcPr marL="6830" marR="6830" marT="6830" marB="0" anchor="ctr">
+                    <a:solidFill>
+                      <a:schemeClr val="accent3">
+                        <a:lumMod val="40000"/>
+                        <a:lumOff val="60000"/>
+                      </a:schemeClr>
+                    </a:solidFill>
+                  </a:tcPr>
+                </a:tc>
+                <a:tc>
+                  <a:txBody>
+                    <a:bodyPr/>
+                    <a:lstStyle/>
+                    <a:p>
+                      <a:pPr marL="0" marR="0" indent="0" algn="ctr" defTabSz="685800" rtl="0" eaLnBrk="1" fontAlgn="ctr" latinLnBrk="0" hangingPunct="1">
+                        <a:lnSpc>
+                          <a:spcPct val="100000"/>
+                        </a:lnSpc>
+                        <a:spcBef>
+                          <a:spcPts val="0"/>
+                        </a:spcBef>
+                        <a:spcAft>
+                          <a:spcPts val="0"/>
+                        </a:spcAft>
+                        <a:buClrTx/>
+                        <a:buSzTx/>
+                        <a:buFontTx/>
+                        <a:buNone/>
+                        <a:tabLst/>
+                        <a:defRPr/>
+                      </a:pPr>
+                      <a:r>
+                        <a:rPr lang="en-US" sz="1400" u="none" strike="noStrike" dirty="0" smtClean="0">
+                          <a:solidFill>
+                            <a:schemeClr val="tx1"/>
+                          </a:solidFill>
+                          <a:effectLst/>
+                          <a:latin typeface="Times New Roman" panose="02020603050405020304" pitchFamily="18" charset="0"/>
+                          <a:cs typeface="Times New Roman" panose="02020603050405020304" pitchFamily="18" charset="0"/>
+                        </a:rPr>
+                        <a:t>2.07±0.13</a:t>
+                      </a:r>
+                      <a:endParaRPr lang="en-US" sz="1400" b="0" i="0" u="none" strike="noStrike" dirty="0" smtClean="0">
+                        <a:solidFill>
+                          <a:schemeClr val="tx1"/>
+                        </a:solidFill>
+                        <a:effectLst/>
+                        <a:latin typeface="Times New Roman" panose="02020603050405020304" pitchFamily="18" charset="0"/>
+                        <a:cs typeface="Times New Roman" panose="02020603050405020304" pitchFamily="18" charset="0"/>
+                      </a:endParaRPr>
+                    </a:p>
+                  </a:txBody>
+                  <a:tcPr marL="6830" marR="6830" marT="6830" marB="0" anchor="ctr">
+                    <a:solidFill>
+                      <a:schemeClr val="accent3">
+                        <a:lumMod val="40000"/>
+                        <a:lumOff val="60000"/>
+                      </a:schemeClr>
+                    </a:solidFill>
+                  </a:tcPr>
+                </a:tc>
+                <a:extLst>
+                  <a:ext uri="{0D108BD9-81ED-4DB2-BD59-A6C34878D82A}">
+                    <a16:rowId xmlns:a16="http://schemas.microsoft.com/office/drawing/2014/main" val="64277223"/>
+                  </a:ext>
+                </a:extLst>
+              </a:tr>
             </a:tbl>
           </a:graphicData>
         </a:graphic>
@@ -18386,7 +19307,7 @@
           <a:graphicData uri="http://schemas.openxmlformats.org/presentationml/2006/ole">
             <mc:AlternateContent xmlns:mc="http://schemas.openxmlformats.org/markup-compatibility/2006">
               <mc:Choice xmlns:v="urn:schemas-microsoft-com:vml" Requires="v">
-                <p:oleObj spid="_x0000_s3849" name="Graph" r:id="rId3" imgW="4754880" imgH="3108960" progId="Origin50.Graph">
+                <p:oleObj spid="_x0000_s3867" name="Graph" r:id="rId3" imgW="4754880" imgH="3108960" progId="Origin50.Graph">
                   <p:embed/>
                 </p:oleObj>
               </mc:Choice>
@@ -20003,7 +20924,7 @@
           <a:graphicData uri="http://schemas.openxmlformats.org/presentationml/2006/ole">
             <mc:AlternateContent xmlns:mc="http://schemas.openxmlformats.org/markup-compatibility/2006">
               <mc:Choice xmlns:v="urn:schemas-microsoft-com:vml" Requires="v">
-                <p:oleObj spid="_x0000_s2957" name="Graph" r:id="rId3" imgW="4754880" imgH="3108960" progId="Origin50.Graph">
+                <p:oleObj spid="_x0000_s2975" name="Graph" r:id="rId3" imgW="4754880" imgH="3108960" progId="Origin50.Graph">
                   <p:embed/>
                 </p:oleObj>
               </mc:Choice>
@@ -20579,7 +21500,7 @@
           <a:graphicData uri="http://schemas.openxmlformats.org/presentationml/2006/ole">
             <mc:AlternateContent xmlns:mc="http://schemas.openxmlformats.org/markup-compatibility/2006">
               <mc:Choice xmlns:v="urn:schemas-microsoft-com:vml" Requires="v">
-                <p:oleObj spid="_x0000_s5842" name="Graph" r:id="rId3" imgW="4754880" imgH="3108960" progId="Origin50.Graph">
+                <p:oleObj spid="_x0000_s5860" name="Graph" r:id="rId3" imgW="4754880" imgH="3108960" progId="Origin50.Graph">
                   <p:embed/>
                 </p:oleObj>
               </mc:Choice>
@@ -21350,7 +22271,7 @@
           <a:graphicData uri="http://schemas.openxmlformats.org/presentationml/2006/ole">
             <mc:AlternateContent xmlns:mc="http://schemas.openxmlformats.org/markup-compatibility/2006">
               <mc:Choice xmlns:v="urn:schemas-microsoft-com:vml" Requires="v">
-                <p:oleObj spid="_x0000_s12696" name="Graph" r:id="rId3" imgW="4754880" imgH="3108960" progId="Origin50.Graph">
+                <p:oleObj spid="_x0000_s12714" name="Graph" r:id="rId3" imgW="4754880" imgH="3108960" progId="Origin50.Graph">
                   <p:embed/>
                 </p:oleObj>
               </mc:Choice>
@@ -23765,8 +24686,8 @@
           </a:p>
         </p:txBody>
       </p:sp>
-      <mc:AlternateContent xmlns:mc="http://schemas.openxmlformats.org/markup-compatibility/2006">
-        <mc:Choice xmlns:a14="http://schemas.microsoft.com/office/drawing/2010/main" Requires="a14">
+      <mc:AlternateContent xmlns:mc="http://schemas.openxmlformats.org/markup-compatibility/2006" xmlns:a14="http://schemas.microsoft.com/office/drawing/2010/main">
+        <mc:Choice Requires="a14">
           <p:sp>
             <p:nvSpPr>
               <p:cNvPr id="7" name="矩形 6"/>
@@ -24017,7 +24938,7 @@
             </p:txBody>
           </p:sp>
         </mc:Choice>
-        <mc:Fallback>
+        <mc:Fallback xmlns="">
           <p:sp>
             <p:nvSpPr>
               <p:cNvPr id="7" name="矩形 6"/>
@@ -24136,8 +25057,8 @@
           </a:p>
         </p:txBody>
       </p:sp>
-      <mc:AlternateContent xmlns:mc="http://schemas.openxmlformats.org/markup-compatibility/2006">
-        <mc:Choice xmlns:a14="http://schemas.microsoft.com/office/drawing/2010/main" Requires="a14">
+      <mc:AlternateContent xmlns:mc="http://schemas.openxmlformats.org/markup-compatibility/2006" xmlns:a14="http://schemas.microsoft.com/office/drawing/2010/main">
+        <mc:Choice Requires="a14">
           <p:sp>
             <p:nvSpPr>
               <p:cNvPr id="3" name="內容版面配置區 2"/>
@@ -24924,7 +25845,7 @@
             </p:txBody>
           </p:sp>
         </mc:Choice>
-        <mc:Fallback>
+        <mc:Fallback xmlns="">
           <p:sp>
             <p:nvSpPr>
               <p:cNvPr id="3" name="內容版面配置區 2"/>

--- a/doc/VUV and EUV irradiation of CH4 + NH3.pptx
+++ b/doc/VUV and EUV irradiation of CH4 + NH3.pptx
@@ -11866,7 +11866,7 @@
           <a:graphicData uri="http://schemas.openxmlformats.org/presentationml/2006/ole">
             <mc:AlternateContent xmlns:mc="http://schemas.openxmlformats.org/markup-compatibility/2006">
               <mc:Choice xmlns:v="urn:schemas-microsoft-com:vml" Requires="v">
-                <p:oleObj spid="_x0000_s10747" name="Graph" r:id="rId5" imgW="4754880" imgH="3108960" progId="Origin50.Graph">
+                <p:oleObj spid="_x0000_s10765" name="Graph" r:id="rId5" imgW="4754880" imgH="3108960" progId="Origin50.Graph">
                   <p:embed/>
                 </p:oleObj>
               </mc:Choice>
@@ -12138,30 +12138,6 @@
           </a:p>
         </p:txBody>
       </p:sp>
-      <p:pic>
-        <p:nvPicPr>
-          <p:cNvPr id="5" name="圖片 4"/>
-          <p:cNvPicPr>
-            <a:picLocks noChangeAspect="1"/>
-          </p:cNvPicPr>
-          <p:nvPr/>
-        </p:nvPicPr>
-        <p:blipFill>
-          <a:blip r:embed="rId3"/>
-          <a:stretch>
-            <a:fillRect/>
-          </a:stretch>
-        </p:blipFill>
-        <p:spPr>
-          <a:xfrm>
-            <a:off x="1403648" y="1970189"/>
-            <a:ext cx="7449546" cy="3407633"/>
-          </a:xfrm>
-          <a:prstGeom prst="rect">
-            <a:avLst/>
-          </a:prstGeom>
-        </p:spPr>
-      </p:pic>
       <mc:AlternateContent xmlns:mc="http://schemas.openxmlformats.org/markup-compatibility/2006" xmlns:a14="http://schemas.microsoft.com/office/drawing/2010/main">
         <mc:Choice Requires="a14">
           <p:sp>
@@ -12838,6 +12814,515 @@
           </p:sp>
         </mc:Fallback>
       </mc:AlternateContent>
+      <p:graphicFrame>
+        <p:nvGraphicFramePr>
+          <p:cNvPr id="6" name="表格 5"/>
+          <p:cNvGraphicFramePr>
+            <a:graphicFrameLocks noGrp="1"/>
+          </p:cNvGraphicFramePr>
+          <p:nvPr>
+            <p:extLst>
+              <p:ext uri="{D42A27DB-BD31-4B8C-83A1-F6EECF244321}">
+                <p14:modId xmlns:p14="http://schemas.microsoft.com/office/powerpoint/2010/main" val="1528449047"/>
+              </p:ext>
+            </p:extLst>
+          </p:nvPr>
+        </p:nvGraphicFramePr>
+        <p:xfrm>
+          <a:off x="1213633" y="1952893"/>
+          <a:ext cx="6489528" cy="3026528"/>
+        </p:xfrm>
+        <a:graphic>
+          <a:graphicData uri="http://schemas.openxmlformats.org/drawingml/2006/table">
+            <a:tbl>
+              <a:tblPr firstRow="1" bandRow="1">
+                <a:tableStyleId>{5C22544A-7EE6-4342-B048-85BDC9FD1C3A}</a:tableStyleId>
+              </a:tblPr>
+              <a:tblGrid>
+                <a:gridCol w="1622382">
+                  <a:extLst>
+                    <a:ext uri="{9D8B030D-6E8A-4147-A177-3AD203B41FA5}">
+                      <a16:colId xmlns:a16="http://schemas.microsoft.com/office/drawing/2014/main" val="3017308944"/>
+                    </a:ext>
+                  </a:extLst>
+                </a:gridCol>
+                <a:gridCol w="1622382">
+                  <a:extLst>
+                    <a:ext uri="{9D8B030D-6E8A-4147-A177-3AD203B41FA5}">
+                      <a16:colId xmlns:a16="http://schemas.microsoft.com/office/drawing/2014/main" val="746626971"/>
+                    </a:ext>
+                  </a:extLst>
+                </a:gridCol>
+                <a:gridCol w="1622382">
+                  <a:extLst>
+                    <a:ext uri="{9D8B030D-6E8A-4147-A177-3AD203B41FA5}">
+                      <a16:colId xmlns:a16="http://schemas.microsoft.com/office/drawing/2014/main" val="877779204"/>
+                    </a:ext>
+                  </a:extLst>
+                </a:gridCol>
+                <a:gridCol w="1622382">
+                  <a:extLst>
+                    <a:ext uri="{9D8B030D-6E8A-4147-A177-3AD203B41FA5}">
+                      <a16:colId xmlns:a16="http://schemas.microsoft.com/office/drawing/2014/main" val="2307652002"/>
+                    </a:ext>
+                  </a:extLst>
+                </a:gridCol>
+              </a:tblGrid>
+              <a:tr h="766308">
+                <a:tc>
+                  <a:txBody>
+                    <a:bodyPr/>
+                    <a:lstStyle/>
+                    <a:p>
+                      <a:pPr algn="ctr"/>
+                      <a:r>
+                        <a:rPr lang="en-HK" dirty="0" smtClean="0"/>
+                        <a:t>Ratio of CH</a:t>
+                      </a:r>
+                      <a:r>
+                        <a:rPr lang="en-HK" baseline="-25000" dirty="0" smtClean="0"/>
+                        <a:t>4</a:t>
+                      </a:r>
+                      <a:r>
+                        <a:rPr lang="en-HK" dirty="0" smtClean="0"/>
+                        <a:t>+NH</a:t>
+                      </a:r>
+                      <a:r>
+                        <a:rPr lang="en-HK" baseline="-25000" dirty="0" smtClean="0"/>
+                        <a:t>3</a:t>
+                      </a:r>
+                      <a:endParaRPr lang="en-US" baseline="-25000" dirty="0"/>
+                    </a:p>
+                  </a:txBody>
+                  <a:tcPr anchor="ctr"/>
+                </a:tc>
+                <a:tc>
+                  <a:txBody>
+                    <a:bodyPr/>
+                    <a:lstStyle/>
+                    <a:p>
+                      <a:pPr algn="ctr"/>
+                      <a:r>
+                        <a:rPr lang="en-HK" dirty="0" smtClean="0"/>
+                        <a:t>A</a:t>
+                      </a:r>
+                    </a:p>
+                    <a:p>
+                      <a:pPr algn="ctr"/>
+                      <a:r>
+                        <a:rPr lang="en-HK" dirty="0" smtClean="0"/>
+                        <a:t>(x10</a:t>
+                      </a:r>
+                      <a:r>
+                        <a:rPr lang="en-HK" baseline="30000" dirty="0" smtClean="0"/>
+                        <a:t>16</a:t>
+                      </a:r>
+                      <a:r>
+                        <a:rPr lang="en-HK" dirty="0" smtClean="0"/>
+                        <a:t> molecules cm</a:t>
+                      </a:r>
+                      <a:r>
+                        <a:rPr lang="en-HK" baseline="30000" dirty="0" smtClean="0"/>
+                        <a:t>-2</a:t>
+                      </a:r>
+                      <a:r>
+                        <a:rPr lang="en-HK" dirty="0" smtClean="0"/>
+                        <a:t>)</a:t>
+                      </a:r>
+                      <a:endParaRPr lang="en-US" dirty="0"/>
+                    </a:p>
+                  </a:txBody>
+                  <a:tcPr anchor="ctr"/>
+                </a:tc>
+                <a:tc>
+                  <a:txBody>
+                    <a:bodyPr/>
+                    <a:lstStyle/>
+                    <a:p>
+                      <a:pPr algn="ctr"/>
+                      <a:r>
+                        <a:rPr lang="en-HK" dirty="0" smtClean="0"/>
+                        <a:t>k</a:t>
+                      </a:r>
+                      <a:r>
+                        <a:rPr lang="en-HK" baseline="-25000" dirty="0" smtClean="0"/>
+                        <a:t>1</a:t>
+                      </a:r>
+                      <a:r>
+                        <a:rPr lang="en-HK" baseline="0" dirty="0" smtClean="0"/>
+                        <a:t> </a:t>
+                      </a:r>
+                    </a:p>
+                    <a:p>
+                      <a:pPr algn="ctr"/>
+                      <a:r>
+                        <a:rPr lang="en-HK" baseline="0" dirty="0" smtClean="0"/>
+                        <a:t>(x10</a:t>
+                      </a:r>
+                      <a:r>
+                        <a:rPr lang="en-HK" baseline="30000" dirty="0" smtClean="0"/>
+                        <a:t>-18</a:t>
+                      </a:r>
+                      <a:r>
+                        <a:rPr lang="en-HK" baseline="0" dirty="0" smtClean="0"/>
+                        <a:t> photon</a:t>
+                      </a:r>
+                      <a:r>
+                        <a:rPr lang="en-HK" baseline="30000" dirty="0" smtClean="0"/>
+                        <a:t>-1</a:t>
+                      </a:r>
+                      <a:r>
+                        <a:rPr lang="en-HK" baseline="0" dirty="0" smtClean="0"/>
+                        <a:t>)</a:t>
+                      </a:r>
+                      <a:endParaRPr lang="en-US" dirty="0"/>
+                    </a:p>
+                  </a:txBody>
+                  <a:tcPr anchor="ctr"/>
+                </a:tc>
+                <a:tc>
+                  <a:txBody>
+                    <a:bodyPr/>
+                    <a:lstStyle/>
+                    <a:p>
+                      <a:pPr algn="ctr"/>
+                      <a:r>
+                        <a:rPr lang="en-HK" dirty="0" smtClean="0"/>
+                        <a:t>k</a:t>
+                      </a:r>
+                      <a:r>
+                        <a:rPr lang="en-HK" baseline="-25000" dirty="0" smtClean="0"/>
+                        <a:t>2</a:t>
+                      </a:r>
+                      <a:r>
+                        <a:rPr lang="en-HK" baseline="0" dirty="0" smtClean="0"/>
+                        <a:t> (photon </a:t>
+                      </a:r>
+                      <a:r>
+                        <a:rPr lang="en-HK" baseline="30000" dirty="0" smtClean="0"/>
+                        <a:t>-1</a:t>
+                      </a:r>
+                      <a:r>
+                        <a:rPr lang="en-HK" baseline="0" dirty="0" smtClean="0"/>
+                        <a:t>)</a:t>
+                      </a:r>
+                      <a:endParaRPr lang="en-US" dirty="0"/>
+                    </a:p>
+                  </a:txBody>
+                  <a:tcPr anchor="ctr"/>
+                </a:tc>
+                <a:extLst>
+                  <a:ext uri="{0D108BD9-81ED-4DB2-BD59-A6C34878D82A}">
+                    <a16:rowId xmlns:a16="http://schemas.microsoft.com/office/drawing/2014/main" val="1889651199"/>
+                  </a:ext>
+                </a:extLst>
+              </a:tr>
+              <a:tr h="565055">
+                <a:tc>
+                  <a:txBody>
+                    <a:bodyPr/>
+                    <a:lstStyle/>
+                    <a:p>
+                      <a:pPr algn="ctr"/>
+                      <a:r>
+                        <a:rPr lang="en-HK" dirty="0" smtClean="0"/>
+                        <a:t>1:20</a:t>
+                      </a:r>
+                    </a:p>
+                  </a:txBody>
+                  <a:tcPr anchor="ctr"/>
+                </a:tc>
+                <a:tc>
+                  <a:txBody>
+                    <a:bodyPr/>
+                    <a:lstStyle/>
+                    <a:p>
+                      <a:pPr algn="ctr"/>
+                      <a:r>
+                        <a:rPr lang="en-HK" dirty="0" smtClean="0"/>
+                        <a:t>4.75 ± 0.40</a:t>
+                      </a:r>
+                    </a:p>
+                  </a:txBody>
+                  <a:tcPr anchor="ctr"/>
+                </a:tc>
+                <a:tc>
+                  <a:txBody>
+                    <a:bodyPr/>
+                    <a:lstStyle/>
+                    <a:p>
+                      <a:pPr algn="ctr"/>
+                      <a:r>
+                        <a:rPr lang="en-HK" dirty="0" smtClean="0"/>
+                        <a:t>0.70 </a:t>
+                      </a:r>
+                      <a:r>
+                        <a:rPr lang="en-HK" dirty="0" smtClean="0"/>
+                        <a:t>± 0.09</a:t>
+                      </a:r>
+                      <a:endParaRPr lang="en-US" dirty="0"/>
+                    </a:p>
+                  </a:txBody>
+                  <a:tcPr anchor="ctr"/>
+                </a:tc>
+                <a:tc>
+                  <a:txBody>
+                    <a:bodyPr/>
+                    <a:lstStyle/>
+                    <a:p>
+                      <a:pPr algn="ctr"/>
+                      <a:r>
+                        <a:rPr lang="en-HK" dirty="0" smtClean="0"/>
+                        <a:t>&gt;1</a:t>
+                      </a:r>
+                      <a:endParaRPr lang="en-US" dirty="0"/>
+                    </a:p>
+                  </a:txBody>
+                  <a:tcPr anchor="ctr"/>
+                </a:tc>
+                <a:extLst>
+                  <a:ext uri="{0D108BD9-81ED-4DB2-BD59-A6C34878D82A}">
+                    <a16:rowId xmlns:a16="http://schemas.microsoft.com/office/drawing/2014/main" val="2057849896"/>
+                  </a:ext>
+                </a:extLst>
+              </a:tr>
+              <a:tr h="565055">
+                <a:tc>
+                  <a:txBody>
+                    <a:bodyPr/>
+                    <a:lstStyle/>
+                    <a:p>
+                      <a:pPr algn="ctr"/>
+                      <a:r>
+                        <a:rPr lang="en-HK" dirty="0" smtClean="0"/>
+                        <a:t>1:10</a:t>
+                      </a:r>
+                      <a:endParaRPr lang="en-US" dirty="0"/>
+                    </a:p>
+                  </a:txBody>
+                  <a:tcPr anchor="ctr"/>
+                </a:tc>
+                <a:tc>
+                  <a:txBody>
+                    <a:bodyPr/>
+                    <a:lstStyle/>
+                    <a:p>
+                      <a:pPr algn="ctr"/>
+                      <a:r>
+                        <a:rPr lang="en-HK" dirty="0" smtClean="0"/>
+                        <a:t>4.51</a:t>
+                      </a:r>
+                      <a:r>
+                        <a:rPr lang="en-HK" baseline="0" dirty="0" smtClean="0"/>
+                        <a:t> </a:t>
+                      </a:r>
+                      <a:r>
+                        <a:rPr lang="en-HK" dirty="0" smtClean="0"/>
+                        <a:t>± 0.18</a:t>
+                      </a:r>
+                      <a:endParaRPr lang="en-US" dirty="0"/>
+                    </a:p>
+                  </a:txBody>
+                  <a:tcPr anchor="ctr"/>
+                </a:tc>
+                <a:tc>
+                  <a:txBody>
+                    <a:bodyPr/>
+                    <a:lstStyle/>
+                    <a:p>
+                      <a:pPr algn="ctr"/>
+                      <a:r>
+                        <a:rPr lang="en-HK" dirty="0" smtClean="0"/>
+                        <a:t>1.33 </a:t>
+                      </a:r>
+                      <a:r>
+                        <a:rPr lang="en-HK" dirty="0" smtClean="0"/>
+                        <a:t>± 0.13</a:t>
+                      </a:r>
+                      <a:endParaRPr lang="en-US" dirty="0"/>
+                    </a:p>
+                  </a:txBody>
+                  <a:tcPr anchor="ctr"/>
+                </a:tc>
+                <a:tc>
+                  <a:txBody>
+                    <a:bodyPr/>
+                    <a:lstStyle/>
+                    <a:p>
+                      <a:pPr algn="ctr"/>
+                      <a:r>
+                        <a:rPr lang="en-HK" dirty="0" smtClean="0"/>
+                        <a:t>&gt;1</a:t>
+                      </a:r>
+                      <a:endParaRPr lang="en-US" dirty="0"/>
+                    </a:p>
+                  </a:txBody>
+                  <a:tcPr anchor="ctr"/>
+                </a:tc>
+                <a:extLst>
+                  <a:ext uri="{0D108BD9-81ED-4DB2-BD59-A6C34878D82A}">
+                    <a16:rowId xmlns:a16="http://schemas.microsoft.com/office/drawing/2014/main" val="3937389946"/>
+                  </a:ext>
+                </a:extLst>
+              </a:tr>
+              <a:tr h="565055">
+                <a:tc>
+                  <a:txBody>
+                    <a:bodyPr/>
+                    <a:lstStyle/>
+                    <a:p>
+                      <a:pPr algn="ctr"/>
+                      <a:r>
+                        <a:rPr lang="en-HK" dirty="0" smtClean="0"/>
+                        <a:t>1:5</a:t>
+                      </a:r>
+                      <a:endParaRPr lang="en-US" dirty="0"/>
+                    </a:p>
+                  </a:txBody>
+                  <a:tcPr anchor="ctr"/>
+                </a:tc>
+                <a:tc>
+                  <a:txBody>
+                    <a:bodyPr/>
+                    <a:lstStyle/>
+                    <a:p>
+                      <a:pPr algn="ctr"/>
+                      <a:r>
+                        <a:rPr lang="en-HK" dirty="0" smtClean="0"/>
+                        <a:t>4.61 </a:t>
+                      </a:r>
+                      <a:r>
+                        <a:rPr lang="en-HK" dirty="0" smtClean="0"/>
+                        <a:t>± 0.18</a:t>
+                      </a:r>
+                      <a:endParaRPr lang="en-US" dirty="0"/>
+                    </a:p>
+                  </a:txBody>
+                  <a:tcPr anchor="ctr"/>
+                </a:tc>
+                <a:tc>
+                  <a:txBody>
+                    <a:bodyPr/>
+                    <a:lstStyle/>
+                    <a:p>
+                      <a:pPr algn="ctr"/>
+                      <a:r>
+                        <a:rPr lang="en-HK" dirty="0" smtClean="0"/>
+                        <a:t>1.93 </a:t>
+                      </a:r>
+                      <a:r>
+                        <a:rPr lang="en-HK" dirty="0" smtClean="0"/>
+                        <a:t>± 0.19</a:t>
+                      </a:r>
+                      <a:endParaRPr lang="en-US" dirty="0"/>
+                    </a:p>
+                  </a:txBody>
+                  <a:tcPr anchor="ctr"/>
+                </a:tc>
+                <a:tc>
+                  <a:txBody>
+                    <a:bodyPr/>
+                    <a:lstStyle/>
+                    <a:p>
+                      <a:pPr algn="ctr"/>
+                      <a:r>
+                        <a:rPr lang="en-HK" dirty="0" smtClean="0"/>
+                        <a:t>&gt;1</a:t>
+                      </a:r>
+                      <a:endParaRPr lang="en-US" dirty="0"/>
+                    </a:p>
+                  </a:txBody>
+                  <a:tcPr anchor="ctr"/>
+                </a:tc>
+                <a:extLst>
+                  <a:ext uri="{0D108BD9-81ED-4DB2-BD59-A6C34878D82A}">
+                    <a16:rowId xmlns:a16="http://schemas.microsoft.com/office/drawing/2014/main" val="3783455059"/>
+                  </a:ext>
+                </a:extLst>
+              </a:tr>
+              <a:tr h="565055">
+                <a:tc>
+                  <a:txBody>
+                    <a:bodyPr/>
+                    <a:lstStyle/>
+                    <a:p>
+                      <a:pPr algn="ctr"/>
+                      <a:r>
+                        <a:rPr lang="en-HK" dirty="0" smtClean="0"/>
+                        <a:t>3:2</a:t>
+                      </a:r>
+                      <a:endParaRPr lang="en-US" dirty="0"/>
+                    </a:p>
+                  </a:txBody>
+                  <a:tcPr anchor="ctr"/>
+                </a:tc>
+                <a:tc>
+                  <a:txBody>
+                    <a:bodyPr/>
+                    <a:lstStyle/>
+                    <a:p>
+                      <a:pPr algn="ctr"/>
+                      <a:r>
+                        <a:rPr lang="en-HK" dirty="0" smtClean="0"/>
+                        <a:t>2.24 </a:t>
+                      </a:r>
+                      <a:r>
+                        <a:rPr lang="en-HK" dirty="0" smtClean="0"/>
+                        <a:t>± 0.03</a:t>
+                      </a:r>
+                      <a:endParaRPr lang="en-US" dirty="0"/>
+                    </a:p>
+                  </a:txBody>
+                  <a:tcPr anchor="ctr"/>
+                </a:tc>
+                <a:tc>
+                  <a:txBody>
+                    <a:bodyPr/>
+                    <a:lstStyle/>
+                    <a:p>
+                      <a:pPr algn="ctr"/>
+                      <a:r>
+                        <a:rPr lang="en-HK" dirty="0" smtClean="0"/>
+                        <a:t>8.21 </a:t>
+                      </a:r>
+                      <a:r>
+                        <a:rPr lang="en-HK" dirty="0" smtClean="0"/>
+                        <a:t>±</a:t>
+                      </a:r>
+                      <a:r>
+                        <a:rPr lang="en-HK" baseline="0" dirty="0" smtClean="0"/>
+                        <a:t> 0.70</a:t>
+                      </a:r>
+                      <a:endParaRPr lang="en-US" dirty="0"/>
+                    </a:p>
+                  </a:txBody>
+                  <a:tcPr anchor="ctr"/>
+                </a:tc>
+                <a:tc>
+                  <a:txBody>
+                    <a:bodyPr/>
+                    <a:lstStyle/>
+                    <a:p>
+                      <a:pPr algn="ctr"/>
+                      <a:r>
+                        <a:rPr lang="en-HK" dirty="0" smtClean="0"/>
+                        <a:t>&gt;1</a:t>
+                      </a:r>
+                      <a:endParaRPr lang="en-US" dirty="0"/>
+                    </a:p>
+                  </a:txBody>
+                  <a:tcPr anchor="ctr"/>
+                </a:tc>
+                <a:extLst>
+                  <a:ext uri="{0D108BD9-81ED-4DB2-BD59-A6C34878D82A}">
+                    <a16:rowId xmlns:a16="http://schemas.microsoft.com/office/drawing/2014/main" val="3851324884"/>
+                  </a:ext>
+                </a:extLst>
+              </a:tr>
+            </a:tbl>
+          </a:graphicData>
+        </a:graphic>
+      </p:graphicFrame>
       <p:sp>
         <p:nvSpPr>
           <p:cNvPr id="3" name="橢圓 2"/>
@@ -12846,7 +13331,7 @@
         </p:nvSpPr>
         <p:spPr>
           <a:xfrm>
-            <a:off x="6336196" y="1952892"/>
+            <a:off x="6046977" y="2756602"/>
             <a:ext cx="1656184" cy="2160240"/>
           </a:xfrm>
           <a:prstGeom prst="ellipse">
@@ -16765,7 +17250,7 @@
           <a:graphicData uri="http://schemas.openxmlformats.org/presentationml/2006/ole">
             <mc:AlternateContent xmlns:mc="http://schemas.openxmlformats.org/markup-compatibility/2006">
               <mc:Choice xmlns:v="urn:schemas-microsoft-com:vml" Requires="v">
-                <p:oleObj spid="_x0000_s2014" name="Graph" r:id="rId3" imgW="4754880" imgH="3108960" progId="Origin50.Graph">
+                <p:oleObj spid="_x0000_s2032" name="Graph" r:id="rId3" imgW="4754880" imgH="3108960" progId="Origin50.Graph">
                   <p:embed/>
                 </p:oleObj>
               </mc:Choice>
@@ -16859,7 +17344,7 @@
         </p:blipFill>
         <p:spPr>
           <a:xfrm>
-            <a:off x="4824000" y="2371067"/>
+            <a:off x="4824000" y="0"/>
             <a:ext cx="4561104" cy="2982261"/>
           </a:xfrm>
           <a:prstGeom prst="rect">
@@ -16877,9 +17362,16 @@
             <p:ph type="title"/>
           </p:nvPr>
         </p:nvSpPr>
-        <p:spPr/>
+        <p:spPr>
+          <a:xfrm>
+            <a:off x="1028700" y="571500"/>
+            <a:ext cx="4335388" cy="1238250"/>
+          </a:xfrm>
+        </p:spPr>
         <p:txBody>
-          <a:bodyPr/>
+          <a:bodyPr>
+            <a:normAutofit fontScale="90000"/>
+          </a:bodyPr>
           <a:lstStyle/>
           <a:p>
             <a:r>
@@ -16887,7 +17379,21 @@
                 <a:latin typeface="Times New Roman" panose="02020603050405020304" pitchFamily="18" charset="0"/>
                 <a:cs typeface="Times New Roman" panose="02020603050405020304" pitchFamily="18" charset="0"/>
               </a:rPr>
-              <a:t>3. Rate constant of reactants by EUV </a:t>
+              <a:t>3. </a:t>
+            </a:r>
+            <a:r>
+              <a:rPr lang="en-HK" dirty="0" smtClean="0">
+                <a:latin typeface="Times New Roman" panose="02020603050405020304" pitchFamily="18" charset="0"/>
+                <a:cs typeface="Times New Roman" panose="02020603050405020304" pitchFamily="18" charset="0"/>
+              </a:rPr>
+              <a:t>Decay rate </a:t>
+            </a:r>
+            <a:r>
+              <a:rPr lang="en-HK" dirty="0" smtClean="0">
+                <a:latin typeface="Times New Roman" panose="02020603050405020304" pitchFamily="18" charset="0"/>
+                <a:cs typeface="Times New Roman" panose="02020603050405020304" pitchFamily="18" charset="0"/>
+              </a:rPr>
+              <a:t>of reactants by EUV </a:t>
             </a:r>
             <a:r>
               <a:rPr lang="en-HK" dirty="0">
@@ -16913,7 +17419,12 @@
             <p:ph idx="1"/>
           </p:nvPr>
         </p:nvSpPr>
-        <p:spPr/>
+        <p:spPr>
+          <a:xfrm>
+            <a:off x="827584" y="2061511"/>
+            <a:ext cx="7200900" cy="2984500"/>
+          </a:xfrm>
+        </p:spPr>
         <p:txBody>
           <a:bodyPr/>
           <a:lstStyle/>
@@ -16963,22 +17474,22 @@
                 <a:latin typeface="Times New Roman" panose="02020603050405020304" pitchFamily="18" charset="0"/>
                 <a:cs typeface="Times New Roman" panose="02020603050405020304" pitchFamily="18" charset="0"/>
               </a:rPr>
-              <a:t> + C </a:t>
+              <a:t> + </a:t>
             </a:r>
             <a:r>
               <a:rPr lang="en-HK" sz="2000" dirty="0" smtClean="0">
-                <a:latin typeface="Times New Roman" panose="02020603050405020304" pitchFamily="18" charset="0"/>
-                <a:cs typeface="Times New Roman" panose="02020603050405020304" pitchFamily="18" charset="0"/>
-              </a:rPr>
-              <a:t>(first order decay</a:t>
-            </a:r>
-            <a:r>
-              <a:rPr lang="en-HK" sz="2000" dirty="0" smtClean="0">
-                <a:latin typeface="Times New Roman" panose="02020603050405020304" pitchFamily="18" charset="0"/>
-                <a:cs typeface="Times New Roman" panose="02020603050405020304" pitchFamily="18" charset="0"/>
-              </a:rPr>
-              <a:t>)</a:t>
-            </a:r>
+                <a:solidFill>
+                  <a:srgbClr val="0070C0"/>
+                </a:solidFill>
+                <a:latin typeface="Times New Roman" panose="02020603050405020304" pitchFamily="18" charset="0"/>
+                <a:cs typeface="Times New Roman" panose="02020603050405020304" pitchFamily="18" charset="0"/>
+              </a:rPr>
+              <a:t>C</a:t>
+            </a:r>
+            <a:endParaRPr lang="en-HK" sz="2000" dirty="0" smtClean="0">
+              <a:latin typeface="Times New Roman" panose="02020603050405020304" pitchFamily="18" charset="0"/>
+              <a:cs typeface="Times New Roman" panose="02020603050405020304" pitchFamily="18" charset="0"/>
+            </a:endParaRPr>
           </a:p>
         </p:txBody>
       </p:sp>
@@ -17014,14 +17525,14 @@
           <p:nvPr>
             <p:extLst>
               <p:ext uri="{D42A27DB-BD31-4B8C-83A1-F6EECF244321}">
-                <p14:modId xmlns:p14="http://schemas.microsoft.com/office/powerpoint/2010/main" val="3133024490"/>
+                <p14:modId xmlns:p14="http://schemas.microsoft.com/office/powerpoint/2010/main" val="2100975348"/>
               </p:ext>
             </p:extLst>
           </p:nvPr>
         </p:nvGraphicFramePr>
         <p:xfrm>
           <a:off x="683568" y="2650270"/>
-          <a:ext cx="4320481" cy="2717911"/>
+          <a:ext cx="4320481" cy="2683405"/>
         </p:xfrm>
         <a:graphic>
           <a:graphicData uri="http://schemas.openxmlformats.org/drawingml/2006/table">
@@ -17030,7 +17541,7 @@
                 <a:tableStyleId>{5C22544A-7EE6-4342-B048-85BDC9FD1C3A}</a:tableStyleId>
               </a:tblPr>
               <a:tblGrid>
-                <a:gridCol w="1008112">
+                <a:gridCol w="1152128">
                   <a:extLst>
                     <a:ext uri="{9D8B030D-6E8A-4147-A177-3AD203B41FA5}">
                       <a16:colId xmlns:a16="http://schemas.microsoft.com/office/drawing/2014/main" val="2835078529"/>
@@ -17044,21 +17555,21 @@
                     </a:ext>
                   </a:extLst>
                 </a:gridCol>
-                <a:gridCol w="776715">
+                <a:gridCol w="792088">
                   <a:extLst>
                     <a:ext uri="{9D8B030D-6E8A-4147-A177-3AD203B41FA5}">
                       <a16:colId xmlns:a16="http://schemas.microsoft.com/office/drawing/2014/main" val="1210125572"/>
                     </a:ext>
                   </a:extLst>
                 </a:gridCol>
-                <a:gridCol w="867060">
+                <a:gridCol w="720080">
                   <a:extLst>
                     <a:ext uri="{9D8B030D-6E8A-4147-A177-3AD203B41FA5}">
                       <a16:colId xmlns:a16="http://schemas.microsoft.com/office/drawing/2014/main" val="1324622419"/>
                     </a:ext>
                   </a:extLst>
                 </a:gridCol>
-                <a:gridCol w="876506">
+                <a:gridCol w="864097">
                   <a:extLst>
                     <a:ext uri="{9D8B030D-6E8A-4147-A177-3AD203B41FA5}">
                       <a16:colId xmlns:a16="http://schemas.microsoft.com/office/drawing/2014/main" val="2108499636"/>
@@ -17341,15 +17852,7 @@
                           <a:latin typeface="Times New Roman" panose="02020603050405020304" pitchFamily="18" charset="0"/>
                           <a:cs typeface="Times New Roman" panose="02020603050405020304" pitchFamily="18" charset="0"/>
                         </a:rPr>
-                        <a:t>(</a:t>
-                      </a:r>
-                      <a:r>
-                        <a:rPr lang="en-US" sz="1400" u="none" strike="noStrike" dirty="0" smtClean="0">
-                          <a:effectLst/>
-                          <a:latin typeface="Times New Roman" panose="02020603050405020304" pitchFamily="18" charset="0"/>
-                          <a:cs typeface="Times New Roman" panose="02020603050405020304" pitchFamily="18" charset="0"/>
-                        </a:rPr>
-                        <a:t>photons</a:t>
+                        <a:t>(photons</a:t>
                       </a:r>
                       <a:r>
                         <a:rPr lang="en-US" sz="1400" u="none" strike="noStrike" baseline="30000" dirty="0" smtClean="0">
@@ -18247,28 +18750,56 @@
                 <a:latin typeface="Times New Roman" panose="02020603050405020304" pitchFamily="18" charset="0"/>
                 <a:cs typeface="Times New Roman" panose="02020603050405020304" pitchFamily="18" charset="0"/>
               </a:rPr>
-              <a:t>3. CN</a:t>
-            </a:r>
-            <a:r>
-              <a:rPr lang="en-HK" baseline="30000" dirty="0" smtClean="0">
+              <a:t>3. </a:t>
+            </a:r>
+            <a:r>
+              <a:rPr lang="en-HK" dirty="0" smtClean="0">
+                <a:latin typeface="Times New Roman" panose="02020603050405020304" pitchFamily="18" charset="0"/>
+                <a:cs typeface="Times New Roman" panose="02020603050405020304" pitchFamily="18" charset="0"/>
+              </a:rPr>
+              <a:t>Formation rate </a:t>
+            </a:r>
+            <a:r>
+              <a:rPr lang="en-HK" dirty="0">
+                <a:latin typeface="Times New Roman" panose="02020603050405020304" pitchFamily="18" charset="0"/>
+                <a:cs typeface="Times New Roman" panose="02020603050405020304" pitchFamily="18" charset="0"/>
+              </a:rPr>
+              <a:t>of </a:t>
+            </a:r>
+            <a:r>
+              <a:rPr lang="en-HK" dirty="0">
+                <a:latin typeface="Times New Roman" panose="02020603050405020304" pitchFamily="18" charset="0"/>
+                <a:cs typeface="Times New Roman" panose="02020603050405020304" pitchFamily="18" charset="0"/>
+              </a:rPr>
+              <a:t>CN</a:t>
+            </a:r>
+            <a:r>
+              <a:rPr lang="en-HK" baseline="30000" dirty="0">
                 <a:latin typeface="Times New Roman" panose="02020603050405020304" pitchFamily="18" charset="0"/>
                 <a:cs typeface="Times New Roman" panose="02020603050405020304" pitchFamily="18" charset="0"/>
               </a:rPr>
               <a:t>-</a:t>
             </a:r>
             <a:r>
+              <a:rPr lang="en-HK" dirty="0">
+                <a:latin typeface="Times New Roman" panose="02020603050405020304" pitchFamily="18" charset="0"/>
+                <a:cs typeface="Times New Roman" panose="02020603050405020304" pitchFamily="18" charset="0"/>
+              </a:rPr>
+              <a:t> </a:t>
+            </a:r>
+            <a:r>
               <a:rPr lang="en-HK" dirty="0" smtClean="0">
                 <a:latin typeface="Times New Roman" panose="02020603050405020304" pitchFamily="18" charset="0"/>
                 <a:cs typeface="Times New Roman" panose="02020603050405020304" pitchFamily="18" charset="0"/>
               </a:rPr>
-              <a:t> </a:t>
+              <a:t>by EUV </a:t>
             </a:r>
             <a:r>
               <a:rPr lang="en-HK" dirty="0">
                 <a:latin typeface="Times New Roman" panose="02020603050405020304" pitchFamily="18" charset="0"/>
                 <a:cs typeface="Times New Roman" panose="02020603050405020304" pitchFamily="18" charset="0"/>
               </a:rPr>
-              <a:t>formation efficiency of EUV (40.1 eV) and VUV (9.27 eV)</a:t>
+              <a:t>(40.1 eV) and VUV (9.27 eV)</a:t>
             </a:r>
             <a:endParaRPr lang="en-US" dirty="0">
               <a:latin typeface="Times New Roman" panose="02020603050405020304" pitchFamily="18" charset="0"/>
@@ -18310,7 +18841,7 @@
             <p:ph idx="1"/>
             <p:extLst>
               <p:ext uri="{D42A27DB-BD31-4B8C-83A1-F6EECF244321}">
-                <p14:modId xmlns:p14="http://schemas.microsoft.com/office/powerpoint/2010/main" val="607023026"/>
+                <p14:modId xmlns:p14="http://schemas.microsoft.com/office/powerpoint/2010/main" val="2365638933"/>
               </p:ext>
             </p:extLst>
           </p:nvPr>
@@ -18356,12 +18887,67 @@
                     <a:p>
                       <a:pPr algn="ctr" rtl="0" fontAlgn="ctr"/>
                       <a:r>
+                        <a:rPr lang="en-US" sz="1400" u="none" strike="noStrike" dirty="0" smtClean="0">
+                          <a:solidFill>
+                            <a:srgbClr val="0070C0"/>
+                          </a:solidFill>
+                          <a:effectLst/>
+                          <a:latin typeface="Times New Roman" panose="02020603050405020304" pitchFamily="18" charset="0"/>
+                          <a:cs typeface="Times New Roman" panose="02020603050405020304" pitchFamily="18" charset="0"/>
+                        </a:rPr>
+                        <a:t>CN</a:t>
+                      </a:r>
+                      <a:r>
+                        <a:rPr lang="en-US" sz="1400" u="none" strike="noStrike" baseline="30000" dirty="0" smtClean="0">
+                          <a:solidFill>
+                            <a:srgbClr val="0070C0"/>
+                          </a:solidFill>
+                          <a:effectLst/>
+                          <a:latin typeface="Times New Roman" panose="02020603050405020304" pitchFamily="18" charset="0"/>
+                          <a:cs typeface="Times New Roman" panose="02020603050405020304" pitchFamily="18" charset="0"/>
+                        </a:rPr>
+                        <a:t>-</a:t>
+                      </a:r>
+                      <a:r>
+                        <a:rPr lang="en-US" sz="1400" u="none" strike="noStrike" dirty="0" smtClean="0">
+                          <a:solidFill>
+                            <a:srgbClr val="0070C0"/>
+                          </a:solidFill>
+                          <a:effectLst/>
+                          <a:latin typeface="Times New Roman" panose="02020603050405020304" pitchFamily="18" charset="0"/>
+                          <a:cs typeface="Times New Roman" panose="02020603050405020304" pitchFamily="18" charset="0"/>
+                        </a:rPr>
+                        <a:t> production</a:t>
+                      </a:r>
+                      <a:r>
+                        <a:rPr lang="en-US" sz="1400" u="none" strike="noStrike" baseline="0" dirty="0" smtClean="0">
+                          <a:solidFill>
+                            <a:srgbClr val="0070C0"/>
+                          </a:solidFill>
+                          <a:effectLst/>
+                          <a:latin typeface="Times New Roman" panose="02020603050405020304" pitchFamily="18" charset="0"/>
+                          <a:cs typeface="Times New Roman" panose="02020603050405020304" pitchFamily="18" charset="0"/>
+                        </a:rPr>
+                        <a:t> rate </a:t>
+                      </a:r>
+                    </a:p>
+                    <a:p>
+                      <a:pPr algn="ctr" rtl="0" fontAlgn="ctr"/>
+                      <a:r>
+                        <a:rPr lang="en-US" sz="1400" u="none" strike="noStrike" dirty="0" smtClean="0">
+                          <a:effectLst/>
+                          <a:latin typeface="Times New Roman" panose="02020603050405020304" pitchFamily="18" charset="0"/>
+                          <a:cs typeface="Times New Roman" panose="02020603050405020304" pitchFamily="18" charset="0"/>
+                        </a:rPr>
+                        <a:t>k </a:t>
+                      </a:r>
+                      <a:r>
                         <a:rPr lang="en-US" sz="1400" u="none" strike="noStrike" dirty="0">
                           <a:effectLst/>
                           <a:latin typeface="Times New Roman" panose="02020603050405020304" pitchFamily="18" charset="0"/>
                           <a:cs typeface="Times New Roman" panose="02020603050405020304" pitchFamily="18" charset="0"/>
                         </a:rPr>
-                        <a:t>k (photon </a:t>
+                        <a:t>(photon </a:t>
                       </a:r>
                       <a:r>
                         <a:rPr lang="en-US" sz="1400" u="none" strike="noStrike" baseline="30000" dirty="0">
@@ -18654,14 +19240,14 @@
                     <a:p>
                       <a:pPr algn="ctr" rtl="0" fontAlgn="ctr"/>
                       <a:r>
-                        <a:rPr lang="en-US" sz="1400" u="none" strike="noStrike">
+                        <a:rPr lang="en-US" sz="1400" u="none" strike="noStrike" dirty="0">
                           <a:effectLst/>
                           <a:latin typeface="Times New Roman" panose="02020603050405020304" pitchFamily="18" charset="0"/>
                           <a:cs typeface="Times New Roman" panose="02020603050405020304" pitchFamily="18" charset="0"/>
                         </a:rPr>
                         <a:t>8.21±0.70</a:t>
                       </a:r>
-                      <a:endParaRPr lang="en-US" sz="1400" b="0" i="0" u="none" strike="noStrike">
+                      <a:endParaRPr lang="en-US" sz="1400" b="0" i="0" u="none" strike="noStrike" dirty="0">
                         <a:solidFill>
                           <a:srgbClr val="000000"/>
                         </a:solidFill>
@@ -18713,14 +19299,14 @@
                     <a:p>
                       <a:pPr algn="ctr" rtl="0" fontAlgn="ctr"/>
                       <a:r>
-                        <a:rPr lang="en-US" sz="1400" u="none" strike="noStrike">
+                        <a:rPr lang="en-US" sz="1400" u="none" strike="noStrike" dirty="0">
                           <a:effectLst/>
                           <a:latin typeface="Times New Roman" panose="02020603050405020304" pitchFamily="18" charset="0"/>
                           <a:cs typeface="Times New Roman" panose="02020603050405020304" pitchFamily="18" charset="0"/>
                         </a:rPr>
                         <a:t>EUV (30.4nm)</a:t>
                       </a:r>
-                      <a:endParaRPr lang="en-US" sz="1400" b="0" i="0" u="none" strike="noStrike">
+                      <a:endParaRPr lang="en-US" sz="1400" b="0" i="0" u="none" strike="noStrike" dirty="0">
                         <a:solidFill>
                           <a:srgbClr val="000000"/>
                         </a:solidFill>
@@ -18739,14 +19325,14 @@
                     <a:p>
                       <a:pPr algn="ctr" rtl="0" fontAlgn="ctr"/>
                       <a:r>
-                        <a:rPr lang="en-US" sz="1400" u="none" strike="noStrike">
+                        <a:rPr lang="en-US" sz="1400" u="none" strike="noStrike" dirty="0">
                           <a:effectLst/>
                           <a:latin typeface="Times New Roman" panose="02020603050405020304" pitchFamily="18" charset="0"/>
                           <a:cs typeface="Times New Roman" panose="02020603050405020304" pitchFamily="18" charset="0"/>
                         </a:rPr>
                         <a:t>1.92±1.99</a:t>
                       </a:r>
-                      <a:endParaRPr lang="en-US" sz="1400" b="0" i="0" u="none" strike="noStrike">
+                      <a:endParaRPr lang="en-US" sz="1400" b="0" i="0" u="none" strike="noStrike" dirty="0">
                         <a:solidFill>
                           <a:srgbClr val="000000"/>
                         </a:solidFill>
@@ -18798,7 +19384,7 @@
                     <a:p>
                       <a:pPr algn="ctr" rtl="0" fontAlgn="ctr"/>
                       <a:r>
-                        <a:rPr lang="en-US" sz="1400" u="none" strike="noStrike" dirty="0">
+                        <a:rPr lang="en-US" sz="1400" u="none" strike="noStrike" baseline="0" dirty="0" smtClean="0">
                           <a:solidFill>
                             <a:srgbClr val="0070C0"/>
                           </a:solidFill>
@@ -18806,29 +19392,7 @@
                           <a:latin typeface="Times New Roman" panose="02020603050405020304" pitchFamily="18" charset="0"/>
                           <a:cs typeface="Times New Roman" panose="02020603050405020304" pitchFamily="18" charset="0"/>
                         </a:rPr>
-                        <a:t>CN</a:t>
-                      </a:r>
-                      <a:r>
-                        <a:rPr lang="en-US" sz="1400" u="none" strike="noStrike" baseline="30000" dirty="0">
-                          <a:solidFill>
-                            <a:srgbClr val="0070C0"/>
-                          </a:solidFill>
-                          <a:effectLst/>
-                          <a:latin typeface="Times New Roman" panose="02020603050405020304" pitchFamily="18" charset="0"/>
-                          <a:cs typeface="Times New Roman" panose="02020603050405020304" pitchFamily="18" charset="0"/>
-                        </a:rPr>
-                        <a:t>-</a:t>
-                      </a:r>
-                      <a:r>
-                        <a:rPr lang="en-US" sz="1400" u="none" strike="noStrike" dirty="0">
-                          <a:solidFill>
-                            <a:srgbClr val="0070C0"/>
-                          </a:solidFill>
-                          <a:effectLst/>
-                          <a:latin typeface="Times New Roman" panose="02020603050405020304" pitchFamily="18" charset="0"/>
-                          <a:cs typeface="Times New Roman" panose="02020603050405020304" pitchFamily="18" charset="0"/>
-                        </a:rPr>
-                        <a:t> production ratio</a:t>
+                        <a:t>Ratio of k (VUV/EUV)</a:t>
                       </a:r>
                       <a:endParaRPr lang="en-US" sz="1400" b="0" i="0" u="none" strike="noStrike" dirty="0">
                         <a:solidFill>
@@ -19307,7 +19871,7 @@
           <a:graphicData uri="http://schemas.openxmlformats.org/presentationml/2006/ole">
             <mc:AlternateContent xmlns:mc="http://schemas.openxmlformats.org/markup-compatibility/2006">
               <mc:Choice xmlns:v="urn:schemas-microsoft-com:vml" Requires="v">
-                <p:oleObj spid="_x0000_s3867" name="Graph" r:id="rId3" imgW="4754880" imgH="3108960" progId="Origin50.Graph">
+                <p:oleObj spid="_x0000_s3885" name="Graph" r:id="rId3" imgW="4754880" imgH="3108960" progId="Origin50.Graph">
                   <p:embed/>
                 </p:oleObj>
               </mc:Choice>
@@ -20924,7 +21488,7 @@
           <a:graphicData uri="http://schemas.openxmlformats.org/presentationml/2006/ole">
             <mc:AlternateContent xmlns:mc="http://schemas.openxmlformats.org/markup-compatibility/2006">
               <mc:Choice xmlns:v="urn:schemas-microsoft-com:vml" Requires="v">
-                <p:oleObj spid="_x0000_s2975" name="Graph" r:id="rId3" imgW="4754880" imgH="3108960" progId="Origin50.Graph">
+                <p:oleObj spid="_x0000_s2993" name="Graph" r:id="rId3" imgW="4754880" imgH="3108960" progId="Origin50.Graph">
                   <p:embed/>
                 </p:oleObj>
               </mc:Choice>
@@ -21500,7 +22064,7 @@
           <a:graphicData uri="http://schemas.openxmlformats.org/presentationml/2006/ole">
             <mc:AlternateContent xmlns:mc="http://schemas.openxmlformats.org/markup-compatibility/2006">
               <mc:Choice xmlns:v="urn:schemas-microsoft-com:vml" Requires="v">
-                <p:oleObj spid="_x0000_s5860" name="Graph" r:id="rId3" imgW="4754880" imgH="3108960" progId="Origin50.Graph">
+                <p:oleObj spid="_x0000_s5878" name="Graph" r:id="rId3" imgW="4754880" imgH="3108960" progId="Origin50.Graph">
                   <p:embed/>
                 </p:oleObj>
               </mc:Choice>
@@ -22271,7 +22835,7 @@
           <a:graphicData uri="http://schemas.openxmlformats.org/presentationml/2006/ole">
             <mc:AlternateContent xmlns:mc="http://schemas.openxmlformats.org/markup-compatibility/2006">
               <mc:Choice xmlns:v="urn:schemas-microsoft-com:vml" Requires="v">
-                <p:oleObj spid="_x0000_s12714" name="Graph" r:id="rId3" imgW="4754880" imgH="3108960" progId="Origin50.Graph">
+                <p:oleObj spid="_x0000_s12732" name="Graph" r:id="rId3" imgW="4754880" imgH="3108960" progId="Origin50.Graph">
                   <p:embed/>
                 </p:oleObj>
               </mc:Choice>

--- a/doc/VUV and EUV irradiation of CH4 + NH3.pptx
+++ b/doc/VUV and EUV irradiation of CH4 + NH3.pptx
@@ -11866,7 +11866,7 @@
           <a:graphicData uri="http://schemas.openxmlformats.org/presentationml/2006/ole">
             <mc:AlternateContent xmlns:mc="http://schemas.openxmlformats.org/markup-compatibility/2006">
               <mc:Choice xmlns:v="urn:schemas-microsoft-com:vml" Requires="v">
-                <p:oleObj spid="_x0000_s10765" name="Graph" r:id="rId5" imgW="4754880" imgH="3108960" progId="Origin50.Graph">
+                <p:oleObj spid="_x0000_s10779" name="Graph" r:id="rId5" imgW="4754880" imgH="3108960" progId="Origin50.Graph">
                   <p:embed/>
                 </p:oleObj>
               </mc:Choice>
@@ -13054,11 +13054,7 @@
                       <a:pPr algn="ctr"/>
                       <a:r>
                         <a:rPr lang="en-HK" dirty="0" smtClean="0"/>
-                        <a:t>0.70 </a:t>
-                      </a:r>
-                      <a:r>
-                        <a:rPr lang="en-HK" dirty="0" smtClean="0"/>
-                        <a:t>± 0.09</a:t>
+                        <a:t>0.70 ± 0.09</a:t>
                       </a:r>
                       <a:endParaRPr lang="en-US" dirty="0"/>
                     </a:p>
@@ -13133,11 +13129,7 @@
                       <a:pPr algn="ctr"/>
                       <a:r>
                         <a:rPr lang="en-HK" dirty="0" smtClean="0"/>
-                        <a:t>1.33 </a:t>
-                      </a:r>
-                      <a:r>
-                        <a:rPr lang="en-HK" dirty="0" smtClean="0"/>
-                        <a:t>± 0.13</a:t>
+                        <a:t>1.33 ± 0.13</a:t>
                       </a:r>
                       <a:endParaRPr lang="en-US" dirty="0"/>
                     </a:p>
@@ -13189,11 +13181,7 @@
                       <a:pPr algn="ctr"/>
                       <a:r>
                         <a:rPr lang="en-HK" dirty="0" smtClean="0"/>
-                        <a:t>4.61 </a:t>
-                      </a:r>
-                      <a:r>
-                        <a:rPr lang="en-HK" dirty="0" smtClean="0"/>
-                        <a:t>± 0.18</a:t>
+                        <a:t>4.61 ± 0.18</a:t>
                       </a:r>
                       <a:endParaRPr lang="en-US" dirty="0"/>
                     </a:p>
@@ -13208,11 +13196,7 @@
                       <a:pPr algn="ctr"/>
                       <a:r>
                         <a:rPr lang="en-HK" dirty="0" smtClean="0"/>
-                        <a:t>1.93 </a:t>
-                      </a:r>
-                      <a:r>
-                        <a:rPr lang="en-HK" dirty="0" smtClean="0"/>
-                        <a:t>± 0.19</a:t>
+                        <a:t>1.93 ± 0.19</a:t>
                       </a:r>
                       <a:endParaRPr lang="en-US" dirty="0"/>
                     </a:p>
@@ -13264,11 +13248,7 @@
                       <a:pPr algn="ctr"/>
                       <a:r>
                         <a:rPr lang="en-HK" dirty="0" smtClean="0"/>
-                        <a:t>2.24 </a:t>
-                      </a:r>
-                      <a:r>
-                        <a:rPr lang="en-HK" dirty="0" smtClean="0"/>
-                        <a:t>± 0.03</a:t>
+                        <a:t>2.24 ± 0.03</a:t>
                       </a:r>
                       <a:endParaRPr lang="en-US" dirty="0"/>
                     </a:p>
@@ -13283,11 +13263,7 @@
                       <a:pPr algn="ctr"/>
                       <a:r>
                         <a:rPr lang="en-HK" dirty="0" smtClean="0"/>
-                        <a:t>8.21 </a:t>
-                      </a:r>
-                      <a:r>
-                        <a:rPr lang="en-HK" dirty="0" smtClean="0"/>
-                        <a:t>±</a:t>
+                        <a:t>8.21 ±</a:t>
                       </a:r>
                       <a:r>
                         <a:rPr lang="en-HK" baseline="0" dirty="0" smtClean="0"/>
@@ -17250,7 +17226,7 @@
           <a:graphicData uri="http://schemas.openxmlformats.org/presentationml/2006/ole">
             <mc:AlternateContent xmlns:mc="http://schemas.openxmlformats.org/markup-compatibility/2006">
               <mc:Choice xmlns:v="urn:schemas-microsoft-com:vml" Requires="v">
-                <p:oleObj spid="_x0000_s2032" name="Graph" r:id="rId3" imgW="4754880" imgH="3108960" progId="Origin50.Graph">
+                <p:oleObj spid="_x0000_s2046" name="Graph" r:id="rId3" imgW="4754880" imgH="3108960" progId="Origin50.Graph">
                   <p:embed/>
                 </p:oleObj>
               </mc:Choice>
@@ -17322,36 +17298,6 @@
           <a:chExt cx="0" cy="0"/>
         </a:xfrm>
       </p:grpSpPr>
-      <p:pic>
-        <p:nvPicPr>
-          <p:cNvPr id="7" name="圖片 6"/>
-          <p:cNvPicPr>
-            <a:picLocks noChangeAspect="1"/>
-          </p:cNvPicPr>
-          <p:nvPr/>
-        </p:nvPicPr>
-        <p:blipFill>
-          <a:blip r:embed="rId2" cstate="print">
-            <a:extLst>
-              <a:ext uri="{28A0092B-C50C-407E-A947-70E740481C1C}">
-                <a14:useLocalDpi xmlns:a14="http://schemas.microsoft.com/office/drawing/2010/main" val="0"/>
-              </a:ext>
-            </a:extLst>
-          </a:blip>
-          <a:stretch>
-            <a:fillRect/>
-          </a:stretch>
-        </p:blipFill>
-        <p:spPr>
-          <a:xfrm>
-            <a:off x="4824000" y="0"/>
-            <a:ext cx="4561104" cy="2982261"/>
-          </a:xfrm>
-          <a:prstGeom prst="rect">
-            <a:avLst/>
-          </a:prstGeom>
-        </p:spPr>
-      </p:pic>
       <p:sp>
         <p:nvSpPr>
           <p:cNvPr id="2" name="標題 1"/>
@@ -17379,21 +17325,7 @@
                 <a:latin typeface="Times New Roman" panose="02020603050405020304" pitchFamily="18" charset="0"/>
                 <a:cs typeface="Times New Roman" panose="02020603050405020304" pitchFamily="18" charset="0"/>
               </a:rPr>
-              <a:t>3. </a:t>
-            </a:r>
-            <a:r>
-              <a:rPr lang="en-HK" dirty="0" smtClean="0">
-                <a:latin typeface="Times New Roman" panose="02020603050405020304" pitchFamily="18" charset="0"/>
-                <a:cs typeface="Times New Roman" panose="02020603050405020304" pitchFamily="18" charset="0"/>
-              </a:rPr>
-              <a:t>Decay rate </a:t>
-            </a:r>
-            <a:r>
-              <a:rPr lang="en-HK" dirty="0" smtClean="0">
-                <a:latin typeface="Times New Roman" panose="02020603050405020304" pitchFamily="18" charset="0"/>
-                <a:cs typeface="Times New Roman" panose="02020603050405020304" pitchFamily="18" charset="0"/>
-              </a:rPr>
-              <a:t>of reactants by EUV </a:t>
+              <a:t>3. Decay rate of reactants by EUV </a:t>
             </a:r>
             <a:r>
               <a:rPr lang="en-HK" dirty="0">
@@ -17474,17 +17406,7 @@
                 <a:latin typeface="Times New Roman" panose="02020603050405020304" pitchFamily="18" charset="0"/>
                 <a:cs typeface="Times New Roman" panose="02020603050405020304" pitchFamily="18" charset="0"/>
               </a:rPr>
-              <a:t> + </a:t>
-            </a:r>
-            <a:r>
-              <a:rPr lang="en-HK" sz="2000" dirty="0" smtClean="0">
-                <a:solidFill>
-                  <a:srgbClr val="0070C0"/>
-                </a:solidFill>
-                <a:latin typeface="Times New Roman" panose="02020603050405020304" pitchFamily="18" charset="0"/>
-                <a:cs typeface="Times New Roman" panose="02020603050405020304" pitchFamily="18" charset="0"/>
-              </a:rPr>
-              <a:t>C</a:t>
+              <a:t> + C</a:t>
             </a:r>
             <a:endParaRPr lang="en-HK" sz="2000" dirty="0" smtClean="0">
               <a:latin typeface="Times New Roman" panose="02020603050405020304" pitchFamily="18" charset="0"/>
@@ -17525,14 +17447,14 @@
           <p:nvPr>
             <p:extLst>
               <p:ext uri="{D42A27DB-BD31-4B8C-83A1-F6EECF244321}">
-                <p14:modId xmlns:p14="http://schemas.microsoft.com/office/powerpoint/2010/main" val="2100975348"/>
+                <p14:modId xmlns:p14="http://schemas.microsoft.com/office/powerpoint/2010/main" val="1622975604"/>
               </p:ext>
             </p:extLst>
           </p:nvPr>
         </p:nvGraphicFramePr>
         <p:xfrm>
-          <a:off x="683568" y="2650270"/>
-          <a:ext cx="4320481" cy="2683405"/>
+          <a:off x="575022" y="2811231"/>
+          <a:ext cx="4464497" cy="2533693"/>
         </p:xfrm>
         <a:graphic>
           <a:graphicData uri="http://schemas.openxmlformats.org/drawingml/2006/table">
@@ -17541,35 +17463,35 @@
                 <a:tableStyleId>{5C22544A-7EE6-4342-B048-85BDC9FD1C3A}</a:tableStyleId>
               </a:tblPr>
               <a:tblGrid>
-                <a:gridCol w="1152128">
+                <a:gridCol w="1190532">
                   <a:extLst>
                     <a:ext uri="{9D8B030D-6E8A-4147-A177-3AD203B41FA5}">
                       <a16:colId xmlns:a16="http://schemas.microsoft.com/office/drawing/2014/main" val="2835078529"/>
                     </a:ext>
                   </a:extLst>
                 </a:gridCol>
-                <a:gridCol w="792088">
+                <a:gridCol w="818491">
                   <a:extLst>
                     <a:ext uri="{9D8B030D-6E8A-4147-A177-3AD203B41FA5}">
                       <a16:colId xmlns:a16="http://schemas.microsoft.com/office/drawing/2014/main" val="2828882670"/>
                     </a:ext>
                   </a:extLst>
                 </a:gridCol>
-                <a:gridCol w="792088">
+                <a:gridCol w="818491">
                   <a:extLst>
                     <a:ext uri="{9D8B030D-6E8A-4147-A177-3AD203B41FA5}">
                       <a16:colId xmlns:a16="http://schemas.microsoft.com/office/drawing/2014/main" val="1210125572"/>
                     </a:ext>
                   </a:extLst>
                 </a:gridCol>
-                <a:gridCol w="720080">
+                <a:gridCol w="892899">
                   <a:extLst>
                     <a:ext uri="{9D8B030D-6E8A-4147-A177-3AD203B41FA5}">
                       <a16:colId xmlns:a16="http://schemas.microsoft.com/office/drawing/2014/main" val="1324622419"/>
                     </a:ext>
                   </a:extLst>
                 </a:gridCol>
-                <a:gridCol w="864097">
+                <a:gridCol w="744084">
                   <a:extLst>
                     <a:ext uri="{9D8B030D-6E8A-4147-A177-3AD203B41FA5}">
                       <a16:colId xmlns:a16="http://schemas.microsoft.com/office/drawing/2014/main" val="2108499636"/>
@@ -17815,7 +17737,18 @@
                         <a:defRPr/>
                       </a:pPr>
                       <a:r>
-                        <a:rPr lang="en-US" sz="1400" u="none" strike="noStrike" dirty="0">
+                        <a:rPr lang="en-US" sz="1400" u="none" strike="noStrike" baseline="0" dirty="0" smtClean="0">
+                          <a:solidFill>
+                            <a:srgbClr val="0070C0"/>
+                          </a:solidFill>
+                          <a:effectLst/>
+                          <a:latin typeface="Times New Roman" panose="02020603050405020304" pitchFamily="18" charset="0"/>
+                          <a:cs typeface="Times New Roman" panose="02020603050405020304" pitchFamily="18" charset="0"/>
+                        </a:rPr>
+                        <a:t>Decay rate </a:t>
+                      </a:r>
+                      <a:r>
+                        <a:rPr lang="en-US" sz="1400" u="none" strike="noStrike" dirty="0" smtClean="0">
                           <a:effectLst/>
                           <a:latin typeface="Times New Roman" panose="02020603050405020304" pitchFamily="18" charset="0"/>
                           <a:cs typeface="Times New Roman" panose="02020603050405020304" pitchFamily="18" charset="0"/>
@@ -18510,19 +18443,19 @@
                     <a:p>
                       <a:pPr algn="ctr" rtl="0" fontAlgn="ctr"/>
                       <a:r>
-                        <a:rPr lang="en-US" sz="1400" u="none" strike="noStrike" dirty="0">
+                        <a:rPr lang="en-US" sz="1400" u="none" strike="noStrike" baseline="0" dirty="0" smtClean="0">
                           <a:solidFill>
-                            <a:srgbClr val="FF0000"/>
+                            <a:srgbClr val="0070C0"/>
                           </a:solidFill>
                           <a:effectLst/>
                           <a:latin typeface="Times New Roman" panose="02020603050405020304" pitchFamily="18" charset="0"/>
                           <a:cs typeface="Times New Roman" panose="02020603050405020304" pitchFamily="18" charset="0"/>
                         </a:rPr>
-                        <a:t>Destruction cross-section ratio</a:t>
+                        <a:t>Ratio of k (VUV to EUV)</a:t>
                       </a:r>
                       <a:endParaRPr lang="en-US" sz="1400" b="0" i="0" u="none" strike="noStrike" dirty="0">
                         <a:solidFill>
-                          <a:srgbClr val="FF0000"/>
+                          <a:srgbClr val="0070C0"/>
                         </a:solidFill>
                         <a:effectLst/>
                         <a:latin typeface="Times New Roman" panose="02020603050405020304" pitchFamily="18" charset="0"/>
@@ -18693,6 +18626,120 @@
           </a:graphicData>
         </a:graphic>
       </p:graphicFrame>
+      <p:graphicFrame>
+        <p:nvGraphicFramePr>
+          <p:cNvPr id="9" name="物件 8"/>
+          <p:cNvGraphicFramePr>
+            <a:graphicFrameLocks noChangeAspect="1"/>
+          </p:cNvGraphicFramePr>
+          <p:nvPr>
+            <p:extLst>
+              <p:ext uri="{D42A27DB-BD31-4B8C-83A1-F6EECF244321}">
+                <p14:modId xmlns:p14="http://schemas.microsoft.com/office/powerpoint/2010/main" val="1366482660"/>
+              </p:ext>
+            </p:extLst>
+          </p:nvPr>
+        </p:nvGraphicFramePr>
+        <p:xfrm>
+          <a:off x="4841764" y="2723739"/>
+          <a:ext cx="4640069" cy="3033474"/>
+        </p:xfrm>
+        <a:graphic>
+          <a:graphicData uri="http://schemas.openxmlformats.org/presentationml/2006/ole">
+            <mc:AlternateContent xmlns:mc="http://schemas.openxmlformats.org/markup-compatibility/2006">
+              <mc:Choice xmlns:v="urn:schemas-microsoft-com:vml" Requires="v">
+                <p:oleObj spid="_x0000_s13324" name="Graph" r:id="rId3" imgW="4754880" imgH="3108960" progId="Origin50.Graph">
+                  <p:embed/>
+                </p:oleObj>
+              </mc:Choice>
+              <mc:Fallback>
+                <p:oleObj name="Graph" r:id="rId3" imgW="4754880" imgH="3108960" progId="Origin50.Graph">
+                  <p:embed/>
+                  <p:pic>
+                    <p:nvPicPr>
+                      <p:cNvPr id="0" name=""/>
+                      <p:cNvPicPr/>
+                      <p:nvPr/>
+                    </p:nvPicPr>
+                    <p:blipFill>
+                      <a:blip r:embed="rId4"/>
+                      <a:stretch>
+                        <a:fillRect/>
+                      </a:stretch>
+                    </p:blipFill>
+                    <p:spPr>
+                      <a:xfrm>
+                        <a:off x="4841764" y="2723739"/>
+                        <a:ext cx="4640069" cy="3033474"/>
+                      </a:xfrm>
+                      <a:prstGeom prst="rect">
+                        <a:avLst/>
+                      </a:prstGeom>
+                    </p:spPr>
+                  </p:pic>
+                </p:oleObj>
+              </mc:Fallback>
+            </mc:AlternateContent>
+          </a:graphicData>
+        </a:graphic>
+      </p:graphicFrame>
+      <p:graphicFrame>
+        <p:nvGraphicFramePr>
+          <p:cNvPr id="10" name="物件 9"/>
+          <p:cNvGraphicFramePr>
+            <a:graphicFrameLocks noChangeAspect="1"/>
+          </p:cNvGraphicFramePr>
+          <p:nvPr>
+            <p:extLst>
+              <p:ext uri="{D42A27DB-BD31-4B8C-83A1-F6EECF244321}">
+                <p14:modId xmlns:p14="http://schemas.microsoft.com/office/powerpoint/2010/main" val="3056275374"/>
+              </p:ext>
+            </p:extLst>
+          </p:nvPr>
+        </p:nvGraphicFramePr>
+        <p:xfrm>
+          <a:off x="4841764" y="-233424"/>
+          <a:ext cx="4754563" cy="3108325"/>
+        </p:xfrm>
+        <a:graphic>
+          <a:graphicData uri="http://schemas.openxmlformats.org/presentationml/2006/ole">
+            <mc:AlternateContent xmlns:mc="http://schemas.openxmlformats.org/markup-compatibility/2006">
+              <mc:Choice xmlns:v="urn:schemas-microsoft-com:vml" Requires="v">
+                <p:oleObj spid="_x0000_s13325" name="Graph" r:id="rId5" imgW="4754880" imgH="3108960" progId="Origin50.Graph">
+                  <p:embed/>
+                </p:oleObj>
+              </mc:Choice>
+              <mc:Fallback>
+                <p:oleObj name="Graph" r:id="rId5" imgW="4754880" imgH="3108960" progId="Origin50.Graph">
+                  <p:embed/>
+                  <p:pic>
+                    <p:nvPicPr>
+                      <p:cNvPr id="0" name=""/>
+                      <p:cNvPicPr/>
+                      <p:nvPr/>
+                    </p:nvPicPr>
+                    <p:blipFill>
+                      <a:blip r:embed="rId6"/>
+                      <a:stretch>
+                        <a:fillRect/>
+                      </a:stretch>
+                    </p:blipFill>
+                    <p:spPr>
+                      <a:xfrm>
+                        <a:off x="4841764" y="-233424"/>
+                        <a:ext cx="4754563" cy="3108325"/>
+                      </a:xfrm>
+                      <a:prstGeom prst="rect">
+                        <a:avLst/>
+                      </a:prstGeom>
+                    </p:spPr>
+                  </p:pic>
+                </p:oleObj>
+              </mc:Fallback>
+            </mc:AlternateContent>
+          </a:graphicData>
+        </a:graphic>
+      </p:graphicFrame>
     </p:spTree>
     <p:extLst>
       <p:ext uri="{BB962C8B-B14F-4D97-AF65-F5344CB8AC3E}">
@@ -18750,28 +18797,14 @@
                 <a:latin typeface="Times New Roman" panose="02020603050405020304" pitchFamily="18" charset="0"/>
                 <a:cs typeface="Times New Roman" panose="02020603050405020304" pitchFamily="18" charset="0"/>
               </a:rPr>
-              <a:t>3. </a:t>
-            </a:r>
-            <a:r>
-              <a:rPr lang="en-HK" dirty="0" smtClean="0">
-                <a:latin typeface="Times New Roman" panose="02020603050405020304" pitchFamily="18" charset="0"/>
-                <a:cs typeface="Times New Roman" panose="02020603050405020304" pitchFamily="18" charset="0"/>
-              </a:rPr>
-              <a:t>Formation rate </a:t>
+              <a:t>3. Formation rate </a:t>
             </a:r>
             <a:r>
               <a:rPr lang="en-HK" dirty="0">
                 <a:latin typeface="Times New Roman" panose="02020603050405020304" pitchFamily="18" charset="0"/>
                 <a:cs typeface="Times New Roman" panose="02020603050405020304" pitchFamily="18" charset="0"/>
               </a:rPr>
-              <a:t>of </a:t>
-            </a:r>
-            <a:r>
-              <a:rPr lang="en-HK" dirty="0">
-                <a:latin typeface="Times New Roman" panose="02020603050405020304" pitchFamily="18" charset="0"/>
-                <a:cs typeface="Times New Roman" panose="02020603050405020304" pitchFamily="18" charset="0"/>
-              </a:rPr>
-              <a:t>CN</a:t>
+              <a:t>of CN</a:t>
             </a:r>
             <a:r>
               <a:rPr lang="en-HK" baseline="30000" dirty="0">
@@ -18841,7 +18874,7 @@
             <p:ph idx="1"/>
             <p:extLst>
               <p:ext uri="{D42A27DB-BD31-4B8C-83A1-F6EECF244321}">
-                <p14:modId xmlns:p14="http://schemas.microsoft.com/office/powerpoint/2010/main" val="2365638933"/>
+                <p14:modId xmlns:p14="http://schemas.microsoft.com/office/powerpoint/2010/main" val="1287255676"/>
               </p:ext>
             </p:extLst>
           </p:nvPr>
@@ -19392,7 +19425,29 @@
                           <a:latin typeface="Times New Roman" panose="02020603050405020304" pitchFamily="18" charset="0"/>
                           <a:cs typeface="Times New Roman" panose="02020603050405020304" pitchFamily="18" charset="0"/>
                         </a:rPr>
-                        <a:t>Ratio of k (VUV/EUV)</a:t>
+                        <a:t>Ratio of k (</a:t>
+                      </a:r>
+                      <a:r>
+                        <a:rPr lang="en-US" sz="1400" u="none" strike="noStrike" baseline="0" dirty="0" smtClean="0">
+                          <a:solidFill>
+                            <a:srgbClr val="0070C0"/>
+                          </a:solidFill>
+                          <a:effectLst/>
+                          <a:latin typeface="Times New Roman" panose="02020603050405020304" pitchFamily="18" charset="0"/>
+                          <a:cs typeface="Times New Roman" panose="02020603050405020304" pitchFamily="18" charset="0"/>
+                        </a:rPr>
+                        <a:t>VUV to EUV</a:t>
+                      </a:r>
+                      <a:r>
+                        <a:rPr lang="en-US" sz="1400" u="none" strike="noStrike" baseline="0" dirty="0" smtClean="0">
+                          <a:solidFill>
+                            <a:srgbClr val="0070C0"/>
+                          </a:solidFill>
+                          <a:effectLst/>
+                          <a:latin typeface="Times New Roman" panose="02020603050405020304" pitchFamily="18" charset="0"/>
+                          <a:cs typeface="Times New Roman" panose="02020603050405020304" pitchFamily="18" charset="0"/>
+                        </a:rPr>
+                        <a:t>)</a:t>
                       </a:r>
                       <a:endParaRPr lang="en-US" sz="1400" b="0" i="0" u="none" strike="noStrike" dirty="0">
                         <a:solidFill>
@@ -19871,7 +19926,7 @@
           <a:graphicData uri="http://schemas.openxmlformats.org/presentationml/2006/ole">
             <mc:AlternateContent xmlns:mc="http://schemas.openxmlformats.org/markup-compatibility/2006">
               <mc:Choice xmlns:v="urn:schemas-microsoft-com:vml" Requires="v">
-                <p:oleObj spid="_x0000_s3885" name="Graph" r:id="rId3" imgW="4754880" imgH="3108960" progId="Origin50.Graph">
+                <p:oleObj spid="_x0000_s3899" name="Graph" r:id="rId3" imgW="4754880" imgH="3108960" progId="Origin50.Graph">
                   <p:embed/>
                 </p:oleObj>
               </mc:Choice>
@@ -21488,7 +21543,7 @@
           <a:graphicData uri="http://schemas.openxmlformats.org/presentationml/2006/ole">
             <mc:AlternateContent xmlns:mc="http://schemas.openxmlformats.org/markup-compatibility/2006">
               <mc:Choice xmlns:v="urn:schemas-microsoft-com:vml" Requires="v">
-                <p:oleObj spid="_x0000_s2993" name="Graph" r:id="rId3" imgW="4754880" imgH="3108960" progId="Origin50.Graph">
+                <p:oleObj spid="_x0000_s3007" name="Graph" r:id="rId3" imgW="4754880" imgH="3108960" progId="Origin50.Graph">
                   <p:embed/>
                 </p:oleObj>
               </mc:Choice>
@@ -22064,7 +22119,7 @@
           <a:graphicData uri="http://schemas.openxmlformats.org/presentationml/2006/ole">
             <mc:AlternateContent xmlns:mc="http://schemas.openxmlformats.org/markup-compatibility/2006">
               <mc:Choice xmlns:v="urn:schemas-microsoft-com:vml" Requires="v">
-                <p:oleObj spid="_x0000_s5878" name="Graph" r:id="rId3" imgW="4754880" imgH="3108960" progId="Origin50.Graph">
+                <p:oleObj spid="_x0000_s5892" name="Graph" r:id="rId3" imgW="4754880" imgH="3108960" progId="Origin50.Graph">
                   <p:embed/>
                 </p:oleObj>
               </mc:Choice>
@@ -22835,7 +22890,7 @@
           <a:graphicData uri="http://schemas.openxmlformats.org/presentationml/2006/ole">
             <mc:AlternateContent xmlns:mc="http://schemas.openxmlformats.org/markup-compatibility/2006">
               <mc:Choice xmlns:v="urn:schemas-microsoft-com:vml" Requires="v">
-                <p:oleObj spid="_x0000_s12732" name="Graph" r:id="rId3" imgW="4754880" imgH="3108960" progId="Origin50.Graph">
+                <p:oleObj spid="_x0000_s12746" name="Graph" r:id="rId3" imgW="4754880" imgH="3108960" progId="Origin50.Graph">
                   <p:embed/>
                 </p:oleObj>
               </mc:Choice>

--- a/doc/VUV and EUV irradiation of CH4 + NH3.pptx
+++ b/doc/VUV and EUV irradiation of CH4 + NH3.pptx
@@ -5,10 +5,10 @@
     <p:sldMasterId id="2147483845" r:id="rId1"/>
   </p:sldMasterIdLst>
   <p:notesMasterIdLst>
-    <p:notesMasterId r:id="rId35"/>
+    <p:notesMasterId r:id="rId36"/>
   </p:notesMasterIdLst>
   <p:handoutMasterIdLst>
-    <p:handoutMasterId r:id="rId36"/>
+    <p:handoutMasterId r:id="rId37"/>
   </p:handoutMasterIdLst>
   <p:sldIdLst>
     <p:sldId id="256" r:id="rId2"/>
@@ -37,13 +37,14 @@
     <p:sldId id="282" r:id="rId25"/>
     <p:sldId id="280" r:id="rId26"/>
     <p:sldId id="267" r:id="rId27"/>
-    <p:sldId id="288" r:id="rId28"/>
-    <p:sldId id="274" r:id="rId29"/>
-    <p:sldId id="271" r:id="rId30"/>
-    <p:sldId id="275" r:id="rId31"/>
-    <p:sldId id="298" r:id="rId32"/>
-    <p:sldId id="299" r:id="rId33"/>
-    <p:sldId id="302" r:id="rId34"/>
+    <p:sldId id="303" r:id="rId28"/>
+    <p:sldId id="288" r:id="rId29"/>
+    <p:sldId id="274" r:id="rId30"/>
+    <p:sldId id="271" r:id="rId31"/>
+    <p:sldId id="275" r:id="rId32"/>
+    <p:sldId id="298" r:id="rId33"/>
+    <p:sldId id="299" r:id="rId34"/>
+    <p:sldId id="302" r:id="rId35"/>
   </p:sldIdLst>
   <p:sldSz cx="9144000" cy="5715000" type="screen16x10"/>
   <p:notesSz cx="6858000" cy="9144000"/>
@@ -11866,7 +11867,7 @@
           <a:graphicData uri="http://schemas.openxmlformats.org/presentationml/2006/ole">
             <mc:AlternateContent xmlns:mc="http://schemas.openxmlformats.org/markup-compatibility/2006">
               <mc:Choice xmlns:v="urn:schemas-microsoft-com:vml" Requires="v">
-                <p:oleObj spid="_x0000_s10779" name="Graph" r:id="rId5" imgW="4754880" imgH="3108960" progId="Origin50.Graph">
+                <p:oleObj spid="_x0000_s10789" name="Graph" r:id="rId5" imgW="4754880" imgH="3108960" progId="Origin50.Graph">
                   <p:embed/>
                 </p:oleObj>
               </mc:Choice>
@@ -17226,7 +17227,7 @@
           <a:graphicData uri="http://schemas.openxmlformats.org/presentationml/2006/ole">
             <mc:AlternateContent xmlns:mc="http://schemas.openxmlformats.org/markup-compatibility/2006">
               <mc:Choice xmlns:v="urn:schemas-microsoft-com:vml" Requires="v">
-                <p:oleObj spid="_x0000_s2046" name="Graph" r:id="rId3" imgW="4754880" imgH="3108960" progId="Origin50.Graph">
+                <p:oleObj spid="_x0000_s14344" name="Graph" r:id="rId3" imgW="4754880" imgH="3108960" progId="Origin50.Graph">
                   <p:embed/>
                 </p:oleObj>
               </mc:Choice>
@@ -18648,7 +18649,7 @@
           <a:graphicData uri="http://schemas.openxmlformats.org/presentationml/2006/ole">
             <mc:AlternateContent xmlns:mc="http://schemas.openxmlformats.org/markup-compatibility/2006">
               <mc:Choice xmlns:v="urn:schemas-microsoft-com:vml" Requires="v">
-                <p:oleObj spid="_x0000_s13324" name="Graph" r:id="rId3" imgW="4754880" imgH="3108960" progId="Origin50.Graph">
+                <p:oleObj spid="_x0000_s13344" name="Graph" r:id="rId3" imgW="4754880" imgH="3108960" progId="Origin50.Graph">
                   <p:embed/>
                 </p:oleObj>
               </mc:Choice>
@@ -18705,7 +18706,7 @@
           <a:graphicData uri="http://schemas.openxmlformats.org/presentationml/2006/ole">
             <mc:AlternateContent xmlns:mc="http://schemas.openxmlformats.org/markup-compatibility/2006">
               <mc:Choice xmlns:v="urn:schemas-microsoft-com:vml" Requires="v">
-                <p:oleObj spid="_x0000_s13325" name="Graph" r:id="rId5" imgW="4754880" imgH="3108960" progId="Origin50.Graph">
+                <p:oleObj spid="_x0000_s13345" name="Graph" r:id="rId5" imgW="4754880" imgH="3108960" progId="Origin50.Graph">
                   <p:embed/>
                 </p:oleObj>
               </mc:Choice>
@@ -18874,14 +18875,14 @@
             <p:ph idx="1"/>
             <p:extLst>
               <p:ext uri="{D42A27DB-BD31-4B8C-83A1-F6EECF244321}">
-                <p14:modId xmlns:p14="http://schemas.microsoft.com/office/powerpoint/2010/main" val="1287255676"/>
+                <p14:modId xmlns:p14="http://schemas.microsoft.com/office/powerpoint/2010/main" val="1166949282"/>
               </p:ext>
             </p:extLst>
           </p:nvPr>
         </p:nvGraphicFramePr>
         <p:xfrm>
           <a:off x="569727" y="2076018"/>
-          <a:ext cx="3969871" cy="2852052"/>
+          <a:ext cx="3969871" cy="2509674"/>
         </p:xfrm>
         <a:graphic>
           <a:graphicData uri="http://schemas.openxmlformats.org/drawingml/2006/table">
@@ -18912,7 +18913,7 @@
                   </a:extLst>
                 </a:gridCol>
               </a:tblGrid>
-              <a:tr h="533666">
+              <a:tr h="750441">
                 <a:tc>
                   <a:txBody>
                     <a:bodyPr/>
@@ -19239,7 +19240,7 @@
                   </a:ext>
                 </a:extLst>
               </a:tr>
-              <a:tr h="358694">
+              <a:tr h="504396">
                 <a:tc>
                   <a:txBody>
                     <a:bodyPr/>
@@ -19324,7 +19325,7 @@
                   </a:ext>
                 </a:extLst>
               </a:tr>
-              <a:tr h="358694">
+              <a:tr h="504396">
                 <a:tc>
                   <a:txBody>
                     <a:bodyPr/>
@@ -19409,7 +19410,7 @@
                   </a:ext>
                 </a:extLst>
               </a:tr>
-              <a:tr h="533666">
+              <a:tr h="750441">
                 <a:tc>
                   <a:txBody>
                     <a:bodyPr/>
@@ -19436,10 +19437,32 @@
                           <a:latin typeface="Times New Roman" panose="02020603050405020304" pitchFamily="18" charset="0"/>
                           <a:cs typeface="Times New Roman" panose="02020603050405020304" pitchFamily="18" charset="0"/>
                         </a:rPr>
-                        <a:t>VUV to EUV</a:t>
+                        <a:t>VUV to EUV)</a:t>
                       </a:r>
                       <a:r>
-                        <a:rPr lang="en-US" sz="1400" u="none" strike="noStrike" baseline="0" dirty="0" smtClean="0">
+                        <a:rPr lang="en-US" sz="1400" u="none" strike="noStrike" dirty="0" smtClean="0">
+                          <a:solidFill>
+                            <a:srgbClr val="0070C0"/>
+                          </a:solidFill>
+                          <a:effectLst/>
+                          <a:latin typeface="Times New Roman" panose="02020603050405020304" pitchFamily="18" charset="0"/>
+                          <a:cs typeface="Times New Roman" panose="02020603050405020304" pitchFamily="18" charset="0"/>
+                        </a:rPr>
+                        <a:t> (CN</a:t>
+                      </a:r>
+                      <a:r>
+                        <a:rPr lang="en-US" sz="1400" u="none" strike="noStrike" baseline="30000" dirty="0" smtClean="0">
+                          <a:solidFill>
+                            <a:srgbClr val="0070C0"/>
+                          </a:solidFill>
+                          <a:effectLst/>
+                          <a:latin typeface="Times New Roman" panose="02020603050405020304" pitchFamily="18" charset="0"/>
+                          <a:cs typeface="Times New Roman" panose="02020603050405020304" pitchFamily="18" charset="0"/>
+                        </a:rPr>
+                        <a:t>-</a:t>
+                      </a:r>
+                      <a:r>
+                        <a:rPr lang="en-US" sz="1400" u="none" strike="noStrike" dirty="0" smtClean="0">
                           <a:solidFill>
                             <a:srgbClr val="0070C0"/>
                           </a:solidFill>
@@ -19546,360 +19569,6 @@
                   </a:ext>
                 </a:extLst>
               </a:tr>
-              <a:tr h="533666">
-                <a:tc>
-                  <a:txBody>
-                    <a:bodyPr/>
-                    <a:lstStyle/>
-                    <a:p>
-                      <a:pPr algn="ctr" rtl="0" fontAlgn="ctr"/>
-                      <a:r>
-                        <a:rPr lang="en-US" sz="1400" u="none" strike="noStrike" dirty="0" smtClean="0">
-                          <a:solidFill>
-                            <a:srgbClr val="FF0000"/>
-                          </a:solidFill>
-                          <a:effectLst/>
-                          <a:latin typeface="Times New Roman" panose="02020603050405020304" pitchFamily="18" charset="0"/>
-                          <a:cs typeface="Times New Roman" panose="02020603050405020304" pitchFamily="18" charset="0"/>
-                        </a:rPr>
-                        <a:t>Destruction cross-section ratio (CH</a:t>
-                      </a:r>
-                      <a:r>
-                        <a:rPr lang="en-US" sz="1400" u="none" strike="noStrike" baseline="-25000" dirty="0" smtClean="0">
-                          <a:solidFill>
-                            <a:srgbClr val="FF0000"/>
-                          </a:solidFill>
-                          <a:effectLst/>
-                          <a:latin typeface="Times New Roman" panose="02020603050405020304" pitchFamily="18" charset="0"/>
-                          <a:cs typeface="Times New Roman" panose="02020603050405020304" pitchFamily="18" charset="0"/>
-                        </a:rPr>
-                        <a:t>4</a:t>
-                      </a:r>
-                      <a:r>
-                        <a:rPr lang="en-US" sz="1400" u="none" strike="noStrike" dirty="0" smtClean="0">
-                          <a:solidFill>
-                            <a:srgbClr val="FF0000"/>
-                          </a:solidFill>
-                          <a:effectLst/>
-                          <a:latin typeface="Times New Roman" panose="02020603050405020304" pitchFamily="18" charset="0"/>
-                          <a:cs typeface="Times New Roman" panose="02020603050405020304" pitchFamily="18" charset="0"/>
-                        </a:rPr>
-                        <a:t>)</a:t>
-                      </a:r>
-                      <a:endParaRPr lang="en-US" sz="1400" b="0" i="0" u="none" strike="noStrike" dirty="0">
-                        <a:solidFill>
-                          <a:srgbClr val="0070C0"/>
-                        </a:solidFill>
-                        <a:effectLst/>
-                        <a:latin typeface="Times New Roman" panose="02020603050405020304" pitchFamily="18" charset="0"/>
-                        <a:cs typeface="Times New Roman" panose="02020603050405020304" pitchFamily="18" charset="0"/>
-                      </a:endParaRPr>
-                    </a:p>
-                  </a:txBody>
-                  <a:tcPr marL="6830" marR="6830" marT="6830" marB="0" anchor="ctr">
-                    <a:solidFill>
-                      <a:schemeClr val="accent3">
-                        <a:lumMod val="40000"/>
-                        <a:lumOff val="60000"/>
-                      </a:schemeClr>
-                    </a:solidFill>
-                  </a:tcPr>
-                </a:tc>
-                <a:tc>
-                  <a:txBody>
-                    <a:bodyPr/>
-                    <a:lstStyle/>
-                    <a:p>
-                      <a:pPr marL="0" marR="0" indent="0" algn="ctr" defTabSz="685800" rtl="0" eaLnBrk="1" fontAlgn="ctr" latinLnBrk="0" hangingPunct="1">
-                        <a:lnSpc>
-                          <a:spcPct val="100000"/>
-                        </a:lnSpc>
-                        <a:spcBef>
-                          <a:spcPts val="0"/>
-                        </a:spcBef>
-                        <a:spcAft>
-                          <a:spcPts val="0"/>
-                        </a:spcAft>
-                        <a:buClrTx/>
-                        <a:buSzTx/>
-                        <a:buFontTx/>
-                        <a:buNone/>
-                        <a:tabLst/>
-                        <a:defRPr/>
-                      </a:pPr>
-                      <a:r>
-                        <a:rPr lang="en-US" sz="1400" u="none" strike="noStrike" dirty="0" smtClean="0">
-                          <a:solidFill>
-                            <a:srgbClr val="FF0000"/>
-                          </a:solidFill>
-                          <a:effectLst/>
-                          <a:latin typeface="Times New Roman" panose="02020603050405020304" pitchFamily="18" charset="0"/>
-                          <a:cs typeface="Times New Roman" panose="02020603050405020304" pitchFamily="18" charset="0"/>
-                        </a:rPr>
-                        <a:t>6.06±0.07</a:t>
-                      </a:r>
-                      <a:endParaRPr lang="en-US" sz="1400" b="0" i="0" u="none" strike="noStrike" dirty="0" smtClean="0">
-                        <a:solidFill>
-                          <a:srgbClr val="FF0000"/>
-                        </a:solidFill>
-                        <a:effectLst/>
-                        <a:latin typeface="Times New Roman" panose="02020603050405020304" pitchFamily="18" charset="0"/>
-                        <a:cs typeface="Times New Roman" panose="02020603050405020304" pitchFamily="18" charset="0"/>
-                      </a:endParaRPr>
-                    </a:p>
-                  </a:txBody>
-                  <a:tcPr marL="6830" marR="6830" marT="6830" marB="0" anchor="ctr">
-                    <a:solidFill>
-                      <a:schemeClr val="accent3">
-                        <a:lumMod val="40000"/>
-                        <a:lumOff val="60000"/>
-                      </a:schemeClr>
-                    </a:solidFill>
-                  </a:tcPr>
-                </a:tc>
-                <a:tc>
-                  <a:txBody>
-                    <a:bodyPr/>
-                    <a:lstStyle/>
-                    <a:p>
-                      <a:pPr marL="0" marR="0" indent="0" algn="ctr" defTabSz="685800" rtl="0" eaLnBrk="1" fontAlgn="ctr" latinLnBrk="0" hangingPunct="1">
-                        <a:lnSpc>
-                          <a:spcPct val="100000"/>
-                        </a:lnSpc>
-                        <a:spcBef>
-                          <a:spcPts val="0"/>
-                        </a:spcBef>
-                        <a:spcAft>
-                          <a:spcPts val="0"/>
-                        </a:spcAft>
-                        <a:buClrTx/>
-                        <a:buSzTx/>
-                        <a:buFontTx/>
-                        <a:buNone/>
-                        <a:tabLst/>
-                        <a:defRPr/>
-                      </a:pPr>
-                      <a:r>
-                        <a:rPr lang="en-US" sz="1400" u="none" strike="noStrike" dirty="0" smtClean="0">
-                          <a:solidFill>
-                            <a:srgbClr val="FF0000"/>
-                          </a:solidFill>
-                          <a:effectLst/>
-                          <a:latin typeface="Times New Roman" panose="02020603050405020304" pitchFamily="18" charset="0"/>
-                          <a:cs typeface="Times New Roman" panose="02020603050405020304" pitchFamily="18" charset="0"/>
-                        </a:rPr>
-                        <a:t>5.52±0.07</a:t>
-                      </a:r>
-                      <a:endParaRPr lang="en-US" sz="1400" b="0" i="0" u="none" strike="noStrike" dirty="0" smtClean="0">
-                        <a:solidFill>
-                          <a:srgbClr val="FF0000"/>
-                        </a:solidFill>
-                        <a:effectLst/>
-                        <a:latin typeface="Times New Roman" panose="02020603050405020304" pitchFamily="18" charset="0"/>
-                        <a:cs typeface="Times New Roman" panose="02020603050405020304" pitchFamily="18" charset="0"/>
-                      </a:endParaRPr>
-                    </a:p>
-                  </a:txBody>
-                  <a:tcPr marL="6830" marR="6830" marT="6830" marB="0" anchor="ctr">
-                    <a:solidFill>
-                      <a:schemeClr val="accent3">
-                        <a:lumMod val="40000"/>
-                        <a:lumOff val="60000"/>
-                      </a:schemeClr>
-                    </a:solidFill>
-                  </a:tcPr>
-                </a:tc>
-                <a:extLst>
-                  <a:ext uri="{0D108BD9-81ED-4DB2-BD59-A6C34878D82A}">
-                    <a16:rowId xmlns:a16="http://schemas.microsoft.com/office/drawing/2014/main" val="3530938289"/>
-                  </a:ext>
-                </a:extLst>
-              </a:tr>
-              <a:tr h="533666">
-                <a:tc>
-                  <a:txBody>
-                    <a:bodyPr/>
-                    <a:lstStyle/>
-                    <a:p>
-                      <a:pPr marL="0" marR="0" indent="0" algn="ctr" defTabSz="685800" rtl="0" eaLnBrk="1" fontAlgn="ctr" latinLnBrk="0" hangingPunct="1">
-                        <a:lnSpc>
-                          <a:spcPct val="100000"/>
-                        </a:lnSpc>
-                        <a:spcBef>
-                          <a:spcPts val="0"/>
-                        </a:spcBef>
-                        <a:spcAft>
-                          <a:spcPts val="0"/>
-                        </a:spcAft>
-                        <a:buClrTx/>
-                        <a:buSzTx/>
-                        <a:buFontTx/>
-                        <a:buNone/>
-                        <a:tabLst/>
-                        <a:defRPr/>
-                      </a:pPr>
-                      <a:r>
-                        <a:rPr lang="en-US" sz="1400" u="none" strike="noStrike" dirty="0" smtClean="0">
-                          <a:solidFill>
-                            <a:schemeClr val="tx1"/>
-                          </a:solidFill>
-                          <a:effectLst/>
-                          <a:latin typeface="Times New Roman" panose="02020603050405020304" pitchFamily="18" charset="0"/>
-                          <a:cs typeface="Times New Roman" panose="02020603050405020304" pitchFamily="18" charset="0"/>
-                        </a:rPr>
-                        <a:t>Destruction cross-section ratio (NH</a:t>
-                      </a:r>
-                      <a:r>
-                        <a:rPr lang="en-US" sz="1400" u="none" strike="noStrike" baseline="-25000" dirty="0" smtClean="0">
-                          <a:solidFill>
-                            <a:schemeClr val="tx1"/>
-                          </a:solidFill>
-                          <a:effectLst/>
-                          <a:latin typeface="Times New Roman" panose="02020603050405020304" pitchFamily="18" charset="0"/>
-                          <a:cs typeface="Times New Roman" panose="02020603050405020304" pitchFamily="18" charset="0"/>
-                        </a:rPr>
-                        <a:t>3</a:t>
-                      </a:r>
-                      <a:r>
-                        <a:rPr lang="en-US" sz="1400" u="none" strike="noStrike" dirty="0" smtClean="0">
-                          <a:solidFill>
-                            <a:schemeClr val="tx1"/>
-                          </a:solidFill>
-                          <a:effectLst/>
-                          <a:latin typeface="Times New Roman" panose="02020603050405020304" pitchFamily="18" charset="0"/>
-                          <a:cs typeface="Times New Roman" panose="02020603050405020304" pitchFamily="18" charset="0"/>
-                        </a:rPr>
-                        <a:t>)</a:t>
-                      </a:r>
-                      <a:endParaRPr lang="en-US" sz="1400" b="0" i="0" u="none" strike="noStrike" dirty="0" smtClean="0">
-                        <a:solidFill>
-                          <a:schemeClr val="tx1"/>
-                        </a:solidFill>
-                        <a:effectLst/>
-                        <a:latin typeface="Times New Roman" panose="02020603050405020304" pitchFamily="18" charset="0"/>
-                        <a:cs typeface="Times New Roman" panose="02020603050405020304" pitchFamily="18" charset="0"/>
-                      </a:endParaRPr>
-                    </a:p>
-                  </a:txBody>
-                  <a:tcPr marL="6830" marR="6830" marT="6830" marB="0" anchor="ctr">
-                    <a:solidFill>
-                      <a:schemeClr val="accent3">
-                        <a:lumMod val="40000"/>
-                        <a:lumOff val="60000"/>
-                      </a:schemeClr>
-                    </a:solidFill>
-                  </a:tcPr>
-                </a:tc>
-                <a:tc>
-                  <a:txBody>
-                    <a:bodyPr/>
-                    <a:lstStyle/>
-                    <a:p>
-                      <a:pPr marL="0" marR="0" indent="0" algn="ctr" defTabSz="685800" rtl="0" eaLnBrk="1" fontAlgn="ctr" latinLnBrk="0" hangingPunct="1">
-                        <a:lnSpc>
-                          <a:spcPct val="100000"/>
-                        </a:lnSpc>
-                        <a:spcBef>
-                          <a:spcPts val="0"/>
-                        </a:spcBef>
-                        <a:spcAft>
-                          <a:spcPts val="0"/>
-                        </a:spcAft>
-                        <a:buClrTx/>
-                        <a:buSzTx/>
-                        <a:buFontTx/>
-                        <a:buNone/>
-                        <a:tabLst/>
-                        <a:defRPr/>
-                      </a:pPr>
-                      <a:r>
-                        <a:rPr lang="en-US" sz="1400" u="none" strike="noStrike" dirty="0" smtClean="0">
-                          <a:solidFill>
-                            <a:schemeClr val="tx1"/>
-                          </a:solidFill>
-                          <a:effectLst/>
-                          <a:latin typeface="Times New Roman" panose="02020603050405020304" pitchFamily="18" charset="0"/>
-                          <a:cs typeface="Times New Roman" panose="02020603050405020304" pitchFamily="18" charset="0"/>
-                        </a:rPr>
-                        <a:t>3.18±0.12</a:t>
-                      </a:r>
-                      <a:endParaRPr lang="en-US" sz="1400" b="0" i="0" u="none" strike="noStrike" dirty="0" smtClean="0">
-                        <a:solidFill>
-                          <a:schemeClr val="tx1"/>
-                        </a:solidFill>
-                        <a:effectLst/>
-                        <a:latin typeface="Times New Roman" panose="02020603050405020304" pitchFamily="18" charset="0"/>
-                        <a:cs typeface="Times New Roman" panose="02020603050405020304" pitchFamily="18" charset="0"/>
-                      </a:endParaRPr>
-                    </a:p>
-                  </a:txBody>
-                  <a:tcPr marL="6830" marR="6830" marT="6830" marB="0" anchor="ctr">
-                    <a:solidFill>
-                      <a:schemeClr val="accent3">
-                        <a:lumMod val="40000"/>
-                        <a:lumOff val="60000"/>
-                      </a:schemeClr>
-                    </a:solidFill>
-                  </a:tcPr>
-                </a:tc>
-                <a:tc>
-                  <a:txBody>
-                    <a:bodyPr/>
-                    <a:lstStyle/>
-                    <a:p>
-                      <a:pPr marL="0" marR="0" indent="0" algn="ctr" defTabSz="685800" rtl="0" eaLnBrk="1" fontAlgn="ctr" latinLnBrk="0" hangingPunct="1">
-                        <a:lnSpc>
-                          <a:spcPct val="100000"/>
-                        </a:lnSpc>
-                        <a:spcBef>
-                          <a:spcPts val="0"/>
-                        </a:spcBef>
-                        <a:spcAft>
-                          <a:spcPts val="0"/>
-                        </a:spcAft>
-                        <a:buClrTx/>
-                        <a:buSzTx/>
-                        <a:buFontTx/>
-                        <a:buNone/>
-                        <a:tabLst/>
-                        <a:defRPr/>
-                      </a:pPr>
-                      <a:r>
-                        <a:rPr lang="en-US" sz="1400" u="none" strike="noStrike" dirty="0" smtClean="0">
-                          <a:solidFill>
-                            <a:schemeClr val="tx1"/>
-                          </a:solidFill>
-                          <a:effectLst/>
-                          <a:latin typeface="Times New Roman" panose="02020603050405020304" pitchFamily="18" charset="0"/>
-                          <a:cs typeface="Times New Roman" panose="02020603050405020304" pitchFamily="18" charset="0"/>
-                        </a:rPr>
-                        <a:t>2.07±0.13</a:t>
-                      </a:r>
-                      <a:endParaRPr lang="en-US" sz="1400" b="0" i="0" u="none" strike="noStrike" dirty="0" smtClean="0">
-                        <a:solidFill>
-                          <a:schemeClr val="tx1"/>
-                        </a:solidFill>
-                        <a:effectLst/>
-                        <a:latin typeface="Times New Roman" panose="02020603050405020304" pitchFamily="18" charset="0"/>
-                        <a:cs typeface="Times New Roman" panose="02020603050405020304" pitchFamily="18" charset="0"/>
-                      </a:endParaRPr>
-                    </a:p>
-                  </a:txBody>
-                  <a:tcPr marL="6830" marR="6830" marT="6830" marB="0" anchor="ctr">
-                    <a:solidFill>
-                      <a:schemeClr val="accent3">
-                        <a:lumMod val="40000"/>
-                        <a:lumOff val="60000"/>
-                      </a:schemeClr>
-                    </a:solidFill>
-                  </a:tcPr>
-                </a:tc>
-                <a:extLst>
-                  <a:ext uri="{0D108BD9-81ED-4DB2-BD59-A6C34878D82A}">
-                    <a16:rowId xmlns:a16="http://schemas.microsoft.com/office/drawing/2014/main" val="64277223"/>
-                  </a:ext>
-                </a:extLst>
-              </a:tr>
             </a:tbl>
           </a:graphicData>
         </a:graphic>
@@ -19926,7 +19595,7 @@
           <a:graphicData uri="http://schemas.openxmlformats.org/presentationml/2006/ole">
             <mc:AlternateContent xmlns:mc="http://schemas.openxmlformats.org/markup-compatibility/2006">
               <mc:Choice xmlns:v="urn:schemas-microsoft-com:vml" Requires="v">
-                <p:oleObj spid="_x0000_s3899" name="Graph" r:id="rId3" imgW="4754880" imgH="3108960" progId="Origin50.Graph">
+                <p:oleObj spid="_x0000_s3909" name="Graph" r:id="rId3" imgW="4754880" imgH="3108960" progId="Origin50.Graph">
                   <p:embed/>
                 </p:oleObj>
               </mc:Choice>
@@ -20562,6 +20231,583 @@
             <p:ph type="title"/>
           </p:nvPr>
         </p:nvSpPr>
+        <p:spPr/>
+        <p:txBody>
+          <a:bodyPr/>
+          <a:lstStyle/>
+          <a:p>
+            <a:r>
+              <a:rPr lang="en-HK" dirty="0" smtClean="0"/>
+              <a:t>Combined results</a:t>
+            </a:r>
+            <a:endParaRPr lang="en-US" dirty="0"/>
+          </a:p>
+        </p:txBody>
+      </p:sp>
+      <p:graphicFrame>
+        <p:nvGraphicFramePr>
+          <p:cNvPr id="5" name="內容版面配置區 4"/>
+          <p:cNvGraphicFramePr>
+            <a:graphicFrameLocks noGrp="1"/>
+          </p:cNvGraphicFramePr>
+          <p:nvPr>
+            <p:ph idx="1"/>
+            <p:extLst>
+              <p:ext uri="{D42A27DB-BD31-4B8C-83A1-F6EECF244321}">
+                <p14:modId xmlns:p14="http://schemas.microsoft.com/office/powerpoint/2010/main" val="2852638419"/>
+              </p:ext>
+            </p:extLst>
+          </p:nvPr>
+        </p:nvGraphicFramePr>
+        <p:xfrm>
+          <a:off x="1650351" y="1809750"/>
+          <a:ext cx="5904656" cy="2520279"/>
+        </p:xfrm>
+        <a:graphic>
+          <a:graphicData uri="http://schemas.openxmlformats.org/drawingml/2006/table">
+            <a:tbl>
+              <a:tblPr>
+                <a:tableStyleId>{073A0DAA-6AF3-43AB-8588-CEC1D06C72B9}</a:tableStyleId>
+              </a:tblPr>
+              <a:tblGrid>
+                <a:gridCol w="2525575">
+                  <a:extLst>
+                    <a:ext uri="{9D8B030D-6E8A-4147-A177-3AD203B41FA5}">
+                      <a16:colId xmlns:a16="http://schemas.microsoft.com/office/drawing/2014/main" val="3062769187"/>
+                    </a:ext>
+                  </a:extLst>
+                </a:gridCol>
+                <a:gridCol w="1606535">
+                  <a:extLst>
+                    <a:ext uri="{9D8B030D-6E8A-4147-A177-3AD203B41FA5}">
+                      <a16:colId xmlns:a16="http://schemas.microsoft.com/office/drawing/2014/main" val="2423941493"/>
+                    </a:ext>
+                  </a:extLst>
+                </a:gridCol>
+                <a:gridCol w="1772546">
+                  <a:extLst>
+                    <a:ext uri="{9D8B030D-6E8A-4147-A177-3AD203B41FA5}">
+                      <a16:colId xmlns:a16="http://schemas.microsoft.com/office/drawing/2014/main" val="184353165"/>
+                    </a:ext>
+                  </a:extLst>
+                </a:gridCol>
+              </a:tblGrid>
+              <a:tr h="840093">
+                <a:tc>
+                  <a:txBody>
+                    <a:bodyPr/>
+                    <a:lstStyle/>
+                    <a:p>
+                      <a:pPr algn="ctr" rtl="0" fontAlgn="ctr"/>
+                      <a:r>
+                        <a:rPr lang="en-US" sz="1400" u="none" strike="noStrike" baseline="0" dirty="0" smtClean="0">
+                          <a:effectLst/>
+                        </a:rPr>
+                        <a:t>Ratio of k (VUV to EUV)</a:t>
+                      </a:r>
+                      <a:r>
+                        <a:rPr lang="en-US" sz="1400" u="none" strike="noStrike" dirty="0" smtClean="0">
+                          <a:effectLst/>
+                        </a:rPr>
+                        <a:t> (CN</a:t>
+                      </a:r>
+                      <a:r>
+                        <a:rPr lang="en-US" sz="1400" u="none" strike="noStrike" baseline="30000" dirty="0" smtClean="0">
+                          <a:effectLst/>
+                        </a:rPr>
+                        <a:t>-</a:t>
+                      </a:r>
+                      <a:r>
+                        <a:rPr lang="en-US" sz="1400" u="none" strike="noStrike" dirty="0" smtClean="0">
+                          <a:effectLst/>
+                        </a:rPr>
+                        <a:t>)</a:t>
+                      </a:r>
+                      <a:endParaRPr lang="en-US" sz="1400" b="0" i="0" u="none" strike="noStrike" dirty="0">
+                        <a:solidFill>
+                          <a:srgbClr val="0070C0"/>
+                        </a:solidFill>
+                        <a:effectLst/>
+                        <a:latin typeface="Times New Roman" panose="02020603050405020304" pitchFamily="18" charset="0"/>
+                        <a:cs typeface="Times New Roman" panose="02020603050405020304" pitchFamily="18" charset="0"/>
+                      </a:endParaRPr>
+                    </a:p>
+                  </a:txBody>
+                  <a:tcPr marL="6830" marR="6830" marT="6830" marB="0" anchor="ctr"/>
+                </a:tc>
+                <a:tc>
+                  <a:txBody>
+                    <a:bodyPr/>
+                    <a:lstStyle/>
+                    <a:p>
+                      <a:pPr algn="ctr" rtl="0" fontAlgn="ctr"/>
+                      <a:r>
+                        <a:rPr lang="en-US" sz="1400" u="none" strike="noStrike" dirty="0">
+                          <a:effectLst/>
+                        </a:rPr>
+                        <a:t>4.28</a:t>
+                      </a:r>
+                      <a:endParaRPr lang="en-US" sz="1400" b="0" i="0" u="none" strike="noStrike" dirty="0">
+                        <a:solidFill>
+                          <a:srgbClr val="0070C0"/>
+                        </a:solidFill>
+                        <a:effectLst/>
+                        <a:latin typeface="Times New Roman" panose="02020603050405020304" pitchFamily="18" charset="0"/>
+                        <a:cs typeface="Times New Roman" panose="02020603050405020304" pitchFamily="18" charset="0"/>
+                      </a:endParaRPr>
+                    </a:p>
+                  </a:txBody>
+                  <a:tcPr marL="6830" marR="6830" marT="6830" marB="0" anchor="ctr"/>
+                </a:tc>
+                <a:tc>
+                  <a:txBody>
+                    <a:bodyPr/>
+                    <a:lstStyle/>
+                    <a:p>
+                      <a:pPr algn="ctr" rtl="0" fontAlgn="ctr"/>
+                      <a:r>
+                        <a:rPr lang="en-US" sz="1400" u="none" strike="noStrike" dirty="0">
+                          <a:effectLst/>
+                        </a:rPr>
+                        <a:t>3.06</a:t>
+                      </a:r>
+                      <a:endParaRPr lang="en-US" sz="1400" b="0" i="0" u="none" strike="noStrike" dirty="0">
+                        <a:solidFill>
+                          <a:srgbClr val="0070C0"/>
+                        </a:solidFill>
+                        <a:effectLst/>
+                        <a:latin typeface="Times New Roman" panose="02020603050405020304" pitchFamily="18" charset="0"/>
+                        <a:cs typeface="Times New Roman" panose="02020603050405020304" pitchFamily="18" charset="0"/>
+                      </a:endParaRPr>
+                    </a:p>
+                  </a:txBody>
+                  <a:tcPr marL="6830" marR="6830" marT="6830" marB="0" anchor="ctr"/>
+                </a:tc>
+                <a:extLst>
+                  <a:ext uri="{0D108BD9-81ED-4DB2-BD59-A6C34878D82A}">
+                    <a16:rowId xmlns:a16="http://schemas.microsoft.com/office/drawing/2014/main" val="1303449984"/>
+                  </a:ext>
+                </a:extLst>
+              </a:tr>
+              <a:tr h="840093">
+                <a:tc>
+                  <a:txBody>
+                    <a:bodyPr/>
+                    <a:lstStyle/>
+                    <a:p>
+                      <a:pPr marL="0" marR="0" indent="0" algn="ctr" defTabSz="685800" rtl="0" eaLnBrk="1" fontAlgn="ctr" latinLnBrk="0" hangingPunct="1">
+                        <a:lnSpc>
+                          <a:spcPct val="100000"/>
+                        </a:lnSpc>
+                        <a:spcBef>
+                          <a:spcPts val="0"/>
+                        </a:spcBef>
+                        <a:spcAft>
+                          <a:spcPts val="0"/>
+                        </a:spcAft>
+                        <a:buClrTx/>
+                        <a:buSzTx/>
+                        <a:buFontTx/>
+                        <a:buNone/>
+                        <a:tabLst/>
+                        <a:defRPr/>
+                      </a:pPr>
+                      <a:r>
+                        <a:rPr lang="en-US" sz="1400" u="none" strike="noStrike" baseline="0" dirty="0" smtClean="0">
+                          <a:effectLst/>
+                        </a:rPr>
+                        <a:t>Ratio of k (VUV to EUV) </a:t>
+                      </a:r>
+                      <a:r>
+                        <a:rPr lang="en-US" sz="1400" u="none" strike="noStrike" dirty="0" smtClean="0">
+                          <a:effectLst/>
+                        </a:rPr>
+                        <a:t>(CH</a:t>
+                      </a:r>
+                      <a:r>
+                        <a:rPr lang="en-US" sz="1400" u="none" strike="noStrike" baseline="-25000" dirty="0" smtClean="0">
+                          <a:effectLst/>
+                        </a:rPr>
+                        <a:t>4</a:t>
+                      </a:r>
+                      <a:r>
+                        <a:rPr lang="en-US" sz="1400" u="none" strike="noStrike" dirty="0" smtClean="0">
+                          <a:effectLst/>
+                        </a:rPr>
+                        <a:t>)</a:t>
+                      </a:r>
+                      <a:endParaRPr lang="en-US" sz="1400" b="0" i="0" u="none" strike="noStrike" dirty="0">
+                        <a:solidFill>
+                          <a:srgbClr val="FF0000"/>
+                        </a:solidFill>
+                        <a:effectLst/>
+                        <a:latin typeface="Times New Roman" panose="02020603050405020304" pitchFamily="18" charset="0"/>
+                        <a:cs typeface="Times New Roman" panose="02020603050405020304" pitchFamily="18" charset="0"/>
+                      </a:endParaRPr>
+                    </a:p>
+                  </a:txBody>
+                  <a:tcPr marL="6830" marR="6830" marT="6830" marB="0" anchor="ctr"/>
+                </a:tc>
+                <a:tc>
+                  <a:txBody>
+                    <a:bodyPr/>
+                    <a:lstStyle/>
+                    <a:p>
+                      <a:pPr marL="0" marR="0" indent="0" algn="ctr" defTabSz="685800" rtl="0" eaLnBrk="1" fontAlgn="ctr" latinLnBrk="0" hangingPunct="1">
+                        <a:lnSpc>
+                          <a:spcPct val="100000"/>
+                        </a:lnSpc>
+                        <a:spcBef>
+                          <a:spcPts val="0"/>
+                        </a:spcBef>
+                        <a:spcAft>
+                          <a:spcPts val="0"/>
+                        </a:spcAft>
+                        <a:buClrTx/>
+                        <a:buSzTx/>
+                        <a:buFontTx/>
+                        <a:buNone/>
+                        <a:tabLst/>
+                        <a:defRPr/>
+                      </a:pPr>
+                      <a:r>
+                        <a:rPr lang="en-US" sz="1400" u="none" strike="noStrike" dirty="0" smtClean="0">
+                          <a:effectLst/>
+                        </a:rPr>
+                        <a:t>6.06±0.07</a:t>
+                      </a:r>
+                      <a:endParaRPr lang="en-US" sz="1400" b="0" i="0" u="none" strike="noStrike" dirty="0" smtClean="0">
+                        <a:solidFill>
+                          <a:srgbClr val="FF0000"/>
+                        </a:solidFill>
+                        <a:effectLst/>
+                        <a:latin typeface="Times New Roman" panose="02020603050405020304" pitchFamily="18" charset="0"/>
+                        <a:cs typeface="Times New Roman" panose="02020603050405020304" pitchFamily="18" charset="0"/>
+                      </a:endParaRPr>
+                    </a:p>
+                  </a:txBody>
+                  <a:tcPr marL="6830" marR="6830" marT="6830" marB="0" anchor="ctr"/>
+                </a:tc>
+                <a:tc>
+                  <a:txBody>
+                    <a:bodyPr/>
+                    <a:lstStyle/>
+                    <a:p>
+                      <a:pPr marL="0" marR="0" indent="0" algn="ctr" defTabSz="685800" rtl="0" eaLnBrk="1" fontAlgn="ctr" latinLnBrk="0" hangingPunct="1">
+                        <a:lnSpc>
+                          <a:spcPct val="100000"/>
+                        </a:lnSpc>
+                        <a:spcBef>
+                          <a:spcPts val="0"/>
+                        </a:spcBef>
+                        <a:spcAft>
+                          <a:spcPts val="0"/>
+                        </a:spcAft>
+                        <a:buClrTx/>
+                        <a:buSzTx/>
+                        <a:buFontTx/>
+                        <a:buNone/>
+                        <a:tabLst/>
+                        <a:defRPr/>
+                      </a:pPr>
+                      <a:r>
+                        <a:rPr lang="en-US" sz="1400" u="none" strike="noStrike" dirty="0" smtClean="0">
+                          <a:effectLst/>
+                        </a:rPr>
+                        <a:t>5.52±0.07</a:t>
+                      </a:r>
+                      <a:endParaRPr lang="en-US" sz="1400" b="0" i="0" u="none" strike="noStrike" dirty="0" smtClean="0">
+                        <a:solidFill>
+                          <a:srgbClr val="FF0000"/>
+                        </a:solidFill>
+                        <a:effectLst/>
+                        <a:latin typeface="Times New Roman" panose="02020603050405020304" pitchFamily="18" charset="0"/>
+                        <a:cs typeface="Times New Roman" panose="02020603050405020304" pitchFamily="18" charset="0"/>
+                      </a:endParaRPr>
+                    </a:p>
+                  </a:txBody>
+                  <a:tcPr marL="6830" marR="6830" marT="6830" marB="0" anchor="ctr"/>
+                </a:tc>
+                <a:extLst>
+                  <a:ext uri="{0D108BD9-81ED-4DB2-BD59-A6C34878D82A}">
+                    <a16:rowId xmlns:a16="http://schemas.microsoft.com/office/drawing/2014/main" val="2641406375"/>
+                  </a:ext>
+                </a:extLst>
+              </a:tr>
+              <a:tr h="840093">
+                <a:tc>
+                  <a:txBody>
+                    <a:bodyPr/>
+                    <a:lstStyle/>
+                    <a:p>
+                      <a:pPr marL="0" marR="0" indent="0" algn="ctr" defTabSz="685800" rtl="0" eaLnBrk="1" fontAlgn="ctr" latinLnBrk="0" hangingPunct="1">
+                        <a:lnSpc>
+                          <a:spcPct val="100000"/>
+                        </a:lnSpc>
+                        <a:spcBef>
+                          <a:spcPts val="0"/>
+                        </a:spcBef>
+                        <a:spcAft>
+                          <a:spcPts val="0"/>
+                        </a:spcAft>
+                        <a:buClrTx/>
+                        <a:buSzTx/>
+                        <a:buFontTx/>
+                        <a:buNone/>
+                        <a:tabLst/>
+                        <a:defRPr/>
+                      </a:pPr>
+                      <a:r>
+                        <a:rPr lang="en-US" sz="1400" u="none" strike="noStrike" baseline="0" dirty="0" smtClean="0">
+                          <a:effectLst/>
+                        </a:rPr>
+                        <a:t>Ratio of k (VUV to EUV) </a:t>
+                      </a:r>
+                      <a:r>
+                        <a:rPr lang="en-US" sz="1400" u="none" strike="noStrike" dirty="0" smtClean="0">
+                          <a:effectLst/>
+                        </a:rPr>
+                        <a:t>(NH</a:t>
+                      </a:r>
+                      <a:r>
+                        <a:rPr lang="en-US" sz="1400" u="none" strike="noStrike" baseline="-25000" dirty="0" smtClean="0">
+                          <a:effectLst/>
+                        </a:rPr>
+                        <a:t>3</a:t>
+                      </a:r>
+                      <a:r>
+                        <a:rPr lang="en-US" sz="1400" u="none" strike="noStrike" dirty="0" smtClean="0">
+                          <a:effectLst/>
+                        </a:rPr>
+                        <a:t>)</a:t>
+                      </a:r>
+                      <a:endParaRPr lang="en-US" sz="1400" b="0" i="0" u="none" strike="noStrike" dirty="0" smtClean="0">
+                        <a:solidFill>
+                          <a:schemeClr val="tx1"/>
+                        </a:solidFill>
+                        <a:effectLst/>
+                        <a:latin typeface="Times New Roman" panose="02020603050405020304" pitchFamily="18" charset="0"/>
+                        <a:cs typeface="Times New Roman" panose="02020603050405020304" pitchFamily="18" charset="0"/>
+                      </a:endParaRPr>
+                    </a:p>
+                  </a:txBody>
+                  <a:tcPr marL="6830" marR="6830" marT="6830" marB="0" anchor="ctr"/>
+                </a:tc>
+                <a:tc>
+                  <a:txBody>
+                    <a:bodyPr/>
+                    <a:lstStyle/>
+                    <a:p>
+                      <a:pPr marL="0" marR="0" indent="0" algn="ctr" defTabSz="685800" rtl="0" eaLnBrk="1" fontAlgn="ctr" latinLnBrk="0" hangingPunct="1">
+                        <a:lnSpc>
+                          <a:spcPct val="100000"/>
+                        </a:lnSpc>
+                        <a:spcBef>
+                          <a:spcPts val="0"/>
+                        </a:spcBef>
+                        <a:spcAft>
+                          <a:spcPts val="0"/>
+                        </a:spcAft>
+                        <a:buClrTx/>
+                        <a:buSzTx/>
+                        <a:buFontTx/>
+                        <a:buNone/>
+                        <a:tabLst/>
+                        <a:defRPr/>
+                      </a:pPr>
+                      <a:r>
+                        <a:rPr lang="en-US" sz="1400" u="none" strike="noStrike" dirty="0" smtClean="0">
+                          <a:effectLst/>
+                        </a:rPr>
+                        <a:t>3.18±0.12</a:t>
+                      </a:r>
+                      <a:endParaRPr lang="en-US" sz="1400" b="0" i="0" u="none" strike="noStrike" dirty="0" smtClean="0">
+                        <a:solidFill>
+                          <a:schemeClr val="tx1"/>
+                        </a:solidFill>
+                        <a:effectLst/>
+                        <a:latin typeface="Times New Roman" panose="02020603050405020304" pitchFamily="18" charset="0"/>
+                        <a:cs typeface="Times New Roman" panose="02020603050405020304" pitchFamily="18" charset="0"/>
+                      </a:endParaRPr>
+                    </a:p>
+                  </a:txBody>
+                  <a:tcPr marL="6830" marR="6830" marT="6830" marB="0" anchor="ctr"/>
+                </a:tc>
+                <a:tc>
+                  <a:txBody>
+                    <a:bodyPr/>
+                    <a:lstStyle/>
+                    <a:p>
+                      <a:pPr marL="0" marR="0" indent="0" algn="ctr" defTabSz="685800" rtl="0" eaLnBrk="1" fontAlgn="ctr" latinLnBrk="0" hangingPunct="1">
+                        <a:lnSpc>
+                          <a:spcPct val="100000"/>
+                        </a:lnSpc>
+                        <a:spcBef>
+                          <a:spcPts val="0"/>
+                        </a:spcBef>
+                        <a:spcAft>
+                          <a:spcPts val="0"/>
+                        </a:spcAft>
+                        <a:buClrTx/>
+                        <a:buSzTx/>
+                        <a:buFontTx/>
+                        <a:buNone/>
+                        <a:tabLst/>
+                        <a:defRPr/>
+                      </a:pPr>
+                      <a:r>
+                        <a:rPr lang="en-US" sz="1400" u="none" strike="noStrike" dirty="0" smtClean="0">
+                          <a:effectLst/>
+                        </a:rPr>
+                        <a:t>2.07±0.13</a:t>
+                      </a:r>
+                      <a:endParaRPr lang="en-US" sz="1400" b="0" i="0" u="none" strike="noStrike" dirty="0" smtClean="0">
+                        <a:solidFill>
+                          <a:schemeClr val="tx1"/>
+                        </a:solidFill>
+                        <a:effectLst/>
+                        <a:latin typeface="Times New Roman" panose="02020603050405020304" pitchFamily="18" charset="0"/>
+                        <a:cs typeface="Times New Roman" panose="02020603050405020304" pitchFamily="18" charset="0"/>
+                      </a:endParaRPr>
+                    </a:p>
+                  </a:txBody>
+                  <a:tcPr marL="6830" marR="6830" marT="6830" marB="0" anchor="ctr"/>
+                </a:tc>
+                <a:extLst>
+                  <a:ext uri="{0D108BD9-81ED-4DB2-BD59-A6C34878D82A}">
+                    <a16:rowId xmlns:a16="http://schemas.microsoft.com/office/drawing/2014/main" val="1672921810"/>
+                  </a:ext>
+                </a:extLst>
+              </a:tr>
+            </a:tbl>
+          </a:graphicData>
+        </a:graphic>
+      </p:graphicFrame>
+      <p:sp>
+        <p:nvSpPr>
+          <p:cNvPr id="4" name="投影片編號版面配置區 3"/>
+          <p:cNvSpPr>
+            <a:spLocks noGrp="1"/>
+          </p:cNvSpPr>
+          <p:nvPr>
+            <p:ph type="sldNum" sz="quarter" idx="12"/>
+          </p:nvPr>
+        </p:nvSpPr>
+        <p:spPr/>
+        <p:txBody>
+          <a:bodyPr/>
+          <a:lstStyle/>
+          <a:p>
+            <a:fld id="{B646D8CA-B2C0-41A8-8514-369D0B0735D6}" type="slidenum">
+              <a:rPr lang="zh-TW" altLang="en-US" smtClean="0"/>
+              <a:t>27</a:t>
+            </a:fld>
+            <a:endParaRPr lang="zh-TW" altLang="en-US"/>
+          </a:p>
+        </p:txBody>
+      </p:sp>
+      <p:sp>
+        <p:nvSpPr>
+          <p:cNvPr id="6" name="矩形 5"/>
+          <p:cNvSpPr/>
+          <p:nvPr/>
+        </p:nvSpPr>
+        <p:spPr>
+          <a:xfrm>
+            <a:off x="1619672" y="4623081"/>
+            <a:ext cx="6609928" cy="646331"/>
+          </a:xfrm>
+          <a:prstGeom prst="rect">
+            <a:avLst/>
+          </a:prstGeom>
+        </p:spPr>
+        <p:txBody>
+          <a:bodyPr wrap="square">
+            <a:spAutoFit/>
+          </a:bodyPr>
+          <a:lstStyle/>
+          <a:p>
+            <a:r>
+              <a:rPr lang="en-HK" dirty="0">
+                <a:latin typeface="Times New Roman" panose="02020603050405020304" pitchFamily="18" charset="0"/>
+                <a:cs typeface="Times New Roman" panose="02020603050405020304" pitchFamily="18" charset="0"/>
+              </a:rPr>
+              <a:t>The </a:t>
+            </a:r>
+            <a:r>
+              <a:rPr lang="en-HK" dirty="0">
+                <a:solidFill>
+                  <a:srgbClr val="0070C0"/>
+                </a:solidFill>
+                <a:latin typeface="Times New Roman" panose="02020603050405020304" pitchFamily="18" charset="0"/>
+                <a:cs typeface="Times New Roman" panose="02020603050405020304" pitchFamily="18" charset="0"/>
+              </a:rPr>
+              <a:t>reduced destruction cross-section </a:t>
+            </a:r>
+            <a:r>
+              <a:rPr lang="en-HK" dirty="0">
+                <a:latin typeface="Times New Roman" panose="02020603050405020304" pitchFamily="18" charset="0"/>
+                <a:cs typeface="Times New Roman" panose="02020603050405020304" pitchFamily="18" charset="0"/>
+              </a:rPr>
+              <a:t>of EUV (30.4nm) irradiation is the main factor of reducing the formation rate of CN</a:t>
+            </a:r>
+            <a:r>
+              <a:rPr lang="en-HK" baseline="30000" dirty="0">
+                <a:latin typeface="Times New Roman" panose="02020603050405020304" pitchFamily="18" charset="0"/>
+                <a:cs typeface="Times New Roman" panose="02020603050405020304" pitchFamily="18" charset="0"/>
+              </a:rPr>
+              <a:t>-</a:t>
+            </a:r>
+            <a:r>
+              <a:rPr lang="en-HK" dirty="0">
+                <a:latin typeface="Times New Roman" panose="02020603050405020304" pitchFamily="18" charset="0"/>
+                <a:cs typeface="Times New Roman" panose="02020603050405020304" pitchFamily="18" charset="0"/>
+              </a:rPr>
+              <a:t>. </a:t>
+            </a:r>
+          </a:p>
+        </p:txBody>
+      </p:sp>
+    </p:spTree>
+    <p:extLst>
+      <p:ext uri="{BB962C8B-B14F-4D97-AF65-F5344CB8AC3E}">
+        <p14:creationId xmlns:p14="http://schemas.microsoft.com/office/powerpoint/2010/main" val="1841045262"/>
+      </p:ext>
+    </p:extLst>
+  </p:cSld>
+  <p:clrMapOvr>
+    <a:masterClrMapping/>
+  </p:clrMapOvr>
+</p:sld>
+</file>
+
+<file path=ppt/slides/slide28.xml><?xml version="1.0" encoding="utf-8"?>
+<p:sld xmlns:a="http://schemas.openxmlformats.org/drawingml/2006/main" xmlns:r="http://schemas.openxmlformats.org/officeDocument/2006/relationships" xmlns:p="http://schemas.openxmlformats.org/presentationml/2006/main">
+  <p:cSld>
+    <p:spTree>
+      <p:nvGrpSpPr>
+        <p:cNvPr id="1" name=""/>
+        <p:cNvGrpSpPr/>
+        <p:nvPr/>
+      </p:nvGrpSpPr>
+      <p:grpSpPr>
+        <a:xfrm>
+          <a:off x="0" y="0"/>
+          <a:ext cx="0" cy="0"/>
+          <a:chOff x="0" y="0"/>
+          <a:chExt cx="0" cy="0"/>
+        </a:xfrm>
+      </p:grpSpPr>
+      <p:sp>
+        <p:nvSpPr>
+          <p:cNvPr id="2" name="標題 1"/>
+          <p:cNvSpPr>
+            <a:spLocks noGrp="1"/>
+          </p:cNvSpPr>
+          <p:nvPr>
+            <p:ph type="title"/>
+          </p:nvPr>
+        </p:nvSpPr>
         <p:spPr>
           <a:xfrm>
             <a:off x="2123728" y="2497460"/>
@@ -20610,7 +20856,7 @@
           <a:p>
             <a:fld id="{B646D8CA-B2C0-41A8-8514-369D0B0735D6}" type="slidenum">
               <a:rPr lang="zh-TW" altLang="en-US" sz="2000" smtClean="0"/>
-              <a:t>27</a:t>
+              <a:t>28</a:t>
             </a:fld>
             <a:endParaRPr lang="zh-TW" altLang="en-US" sz="2000" dirty="0"/>
           </a:p>
@@ -20636,7 +20882,7 @@
 </p:sld>
 </file>
 
-<file path=ppt/slides/slide28.xml><?xml version="1.0" encoding="utf-8"?>
+<file path=ppt/slides/slide29.xml><?xml version="1.0" encoding="utf-8"?>
 <p:sld xmlns:a="http://schemas.openxmlformats.org/drawingml/2006/main" xmlns:r="http://schemas.openxmlformats.org/officeDocument/2006/relationships" xmlns:p="http://schemas.openxmlformats.org/presentationml/2006/main">
   <p:cSld>
     <p:spTree>
@@ -21042,7 +21288,7 @@
           <a:p>
             <a:fld id="{B646D8CA-B2C0-41A8-8514-369D0B0735D6}" type="slidenum">
               <a:rPr lang="zh-TW" altLang="en-US" sz="2000" smtClean="0"/>
-              <a:t>28</a:t>
+              <a:t>29</a:t>
             </a:fld>
             <a:endParaRPr lang="zh-TW" altLang="en-US" sz="2000" dirty="0"/>
           </a:p>
@@ -21543,7 +21789,7 @@
           <a:graphicData uri="http://schemas.openxmlformats.org/presentationml/2006/ole">
             <mc:AlternateContent xmlns:mc="http://schemas.openxmlformats.org/markup-compatibility/2006">
               <mc:Choice xmlns:v="urn:schemas-microsoft-com:vml" Requires="v">
-                <p:oleObj spid="_x0000_s3007" name="Graph" r:id="rId3" imgW="4754880" imgH="3108960" progId="Origin50.Graph">
+                <p:oleObj spid="_x0000_s3017" name="Graph" r:id="rId3" imgW="4754880" imgH="3108960" progId="Origin50.Graph">
                   <p:embed/>
                 </p:oleObj>
               </mc:Choice>
@@ -21598,7 +21844,125 @@
 </p:sld>
 </file>
 
-<file path=ppt/slides/slide29.xml><?xml version="1.0" encoding="utf-8"?>
+<file path=ppt/slides/slide3.xml><?xml version="1.0" encoding="utf-8"?>
+<p:sld xmlns:a="http://schemas.openxmlformats.org/drawingml/2006/main" xmlns:r="http://schemas.openxmlformats.org/officeDocument/2006/relationships" xmlns:p="http://schemas.openxmlformats.org/presentationml/2006/main">
+  <p:cSld>
+    <p:spTree>
+      <p:nvGrpSpPr>
+        <p:cNvPr id="1" name=""/>
+        <p:cNvGrpSpPr/>
+        <p:nvPr/>
+      </p:nvGrpSpPr>
+      <p:grpSpPr>
+        <a:xfrm>
+          <a:off x="0" y="0"/>
+          <a:ext cx="0" cy="0"/>
+          <a:chOff x="0" y="0"/>
+          <a:chExt cx="0" cy="0"/>
+        </a:xfrm>
+      </p:grpSpPr>
+      <p:sp>
+        <p:nvSpPr>
+          <p:cNvPr id="2" name="標題 1"/>
+          <p:cNvSpPr>
+            <a:spLocks noGrp="1"/>
+          </p:cNvSpPr>
+          <p:nvPr>
+            <p:ph type="title"/>
+          </p:nvPr>
+        </p:nvSpPr>
+        <p:spPr>
+          <a:xfrm>
+            <a:off x="3504102" y="2497460"/>
+            <a:ext cx="7200900" cy="1238250"/>
+          </a:xfrm>
+        </p:spPr>
+        <p:txBody>
+          <a:bodyPr/>
+          <a:lstStyle/>
+          <a:p>
+            <a:r>
+              <a:rPr lang="en-HK" dirty="0" smtClean="0">
+                <a:latin typeface="Times New Roman" panose="02020603050405020304" pitchFamily="18" charset="0"/>
+                <a:cs typeface="Times New Roman" panose="02020603050405020304" pitchFamily="18" charset="0"/>
+              </a:rPr>
+              <a:t>Motivation</a:t>
+            </a:r>
+            <a:endParaRPr lang="en-US" dirty="0">
+              <a:latin typeface="Times New Roman" panose="02020603050405020304" pitchFamily="18" charset="0"/>
+              <a:cs typeface="Times New Roman" panose="02020603050405020304" pitchFamily="18" charset="0"/>
+            </a:endParaRPr>
+          </a:p>
+        </p:txBody>
+      </p:sp>
+      <p:sp>
+        <p:nvSpPr>
+          <p:cNvPr id="3" name="內容版面配置區 2"/>
+          <p:cNvSpPr>
+            <a:spLocks noGrp="1"/>
+          </p:cNvSpPr>
+          <p:nvPr>
+            <p:ph idx="1"/>
+          </p:nvPr>
+        </p:nvSpPr>
+        <p:spPr>
+          <a:xfrm>
+            <a:off x="899592" y="4054161"/>
+            <a:ext cx="7200900" cy="2984500"/>
+          </a:xfrm>
+        </p:spPr>
+        <p:txBody>
+          <a:bodyPr/>
+          <a:lstStyle/>
+          <a:p>
+            <a:endParaRPr lang="en-US" dirty="0"/>
+          </a:p>
+        </p:txBody>
+      </p:sp>
+      <p:sp>
+        <p:nvSpPr>
+          <p:cNvPr id="4" name="投影片編號版面配置區 3"/>
+          <p:cNvSpPr>
+            <a:spLocks noGrp="1"/>
+          </p:cNvSpPr>
+          <p:nvPr>
+            <p:ph type="sldNum" sz="quarter" idx="12"/>
+          </p:nvPr>
+        </p:nvSpPr>
+        <p:spPr/>
+        <p:txBody>
+          <a:bodyPr/>
+          <a:lstStyle/>
+          <a:p>
+            <a:fld id="{B646D8CA-B2C0-41A8-8514-369D0B0735D6}" type="slidenum">
+              <a:rPr lang="zh-TW" altLang="en-US" sz="2000" smtClean="0"/>
+              <a:t>3</a:t>
+            </a:fld>
+            <a:endParaRPr lang="zh-TW" altLang="en-US" sz="2000" dirty="0"/>
+          </a:p>
+        </p:txBody>
+      </p:sp>
+    </p:spTree>
+    <p:extLst>
+      <p:ext uri="{BB962C8B-B14F-4D97-AF65-F5344CB8AC3E}">
+        <p14:creationId xmlns:p14="http://schemas.microsoft.com/office/powerpoint/2010/main" val="4152381651"/>
+      </p:ext>
+    </p:extLst>
+  </p:cSld>
+  <p:clrMapOvr>
+    <a:masterClrMapping/>
+  </p:clrMapOvr>
+  <p:timing>
+    <p:tnLst>
+      <p:par>
+        <p:cTn id="1" dur="indefinite" restart="never" nodeType="tmRoot"/>
+      </p:par>
+    </p:tnLst>
+  </p:timing>
+</p:sld>
+</file>
+
+<file path=ppt/slides/slide30.xml><?xml version="1.0" encoding="utf-8"?>
 <p:sld xmlns:a="http://schemas.openxmlformats.org/drawingml/2006/main" xmlns:r="http://schemas.openxmlformats.org/officeDocument/2006/relationships" xmlns:p="http://schemas.openxmlformats.org/presentationml/2006/main">
   <p:cSld>
     <p:spTree>
@@ -22091,7 +22455,7 @@
           <a:p>
             <a:fld id="{B646D8CA-B2C0-41A8-8514-369D0B0735D6}" type="slidenum">
               <a:rPr lang="zh-TW" altLang="en-US" sz="2000" smtClean="0"/>
-              <a:t>29</a:t>
+              <a:t>30</a:t>
             </a:fld>
             <a:endParaRPr lang="zh-TW" altLang="en-US" sz="2000" dirty="0"/>
           </a:p>
@@ -22119,7 +22483,7 @@
           <a:graphicData uri="http://schemas.openxmlformats.org/presentationml/2006/ole">
             <mc:AlternateContent xmlns:mc="http://schemas.openxmlformats.org/markup-compatibility/2006">
               <mc:Choice xmlns:v="urn:schemas-microsoft-com:vml" Requires="v">
-                <p:oleObj spid="_x0000_s5892" name="Graph" r:id="rId3" imgW="4754880" imgH="3108960" progId="Origin50.Graph">
+                <p:oleObj spid="_x0000_s5902" name="Graph" r:id="rId3" imgW="4754880" imgH="3108960" progId="Origin50.Graph">
                   <p:embed/>
                 </p:oleObj>
               </mc:Choice>
@@ -22174,125 +22538,7 @@
 </p:sld>
 </file>
 
-<file path=ppt/slides/slide3.xml><?xml version="1.0" encoding="utf-8"?>
-<p:sld xmlns:a="http://schemas.openxmlformats.org/drawingml/2006/main" xmlns:r="http://schemas.openxmlformats.org/officeDocument/2006/relationships" xmlns:p="http://schemas.openxmlformats.org/presentationml/2006/main">
-  <p:cSld>
-    <p:spTree>
-      <p:nvGrpSpPr>
-        <p:cNvPr id="1" name=""/>
-        <p:cNvGrpSpPr/>
-        <p:nvPr/>
-      </p:nvGrpSpPr>
-      <p:grpSpPr>
-        <a:xfrm>
-          <a:off x="0" y="0"/>
-          <a:ext cx="0" cy="0"/>
-          <a:chOff x="0" y="0"/>
-          <a:chExt cx="0" cy="0"/>
-        </a:xfrm>
-      </p:grpSpPr>
-      <p:sp>
-        <p:nvSpPr>
-          <p:cNvPr id="2" name="標題 1"/>
-          <p:cNvSpPr>
-            <a:spLocks noGrp="1"/>
-          </p:cNvSpPr>
-          <p:nvPr>
-            <p:ph type="title"/>
-          </p:nvPr>
-        </p:nvSpPr>
-        <p:spPr>
-          <a:xfrm>
-            <a:off x="3504102" y="2497460"/>
-            <a:ext cx="7200900" cy="1238250"/>
-          </a:xfrm>
-        </p:spPr>
-        <p:txBody>
-          <a:bodyPr/>
-          <a:lstStyle/>
-          <a:p>
-            <a:r>
-              <a:rPr lang="en-HK" dirty="0" smtClean="0">
-                <a:latin typeface="Times New Roman" panose="02020603050405020304" pitchFamily="18" charset="0"/>
-                <a:cs typeface="Times New Roman" panose="02020603050405020304" pitchFamily="18" charset="0"/>
-              </a:rPr>
-              <a:t>Motivation</a:t>
-            </a:r>
-            <a:endParaRPr lang="en-US" dirty="0">
-              <a:latin typeface="Times New Roman" panose="02020603050405020304" pitchFamily="18" charset="0"/>
-              <a:cs typeface="Times New Roman" panose="02020603050405020304" pitchFamily="18" charset="0"/>
-            </a:endParaRPr>
-          </a:p>
-        </p:txBody>
-      </p:sp>
-      <p:sp>
-        <p:nvSpPr>
-          <p:cNvPr id="3" name="內容版面配置區 2"/>
-          <p:cNvSpPr>
-            <a:spLocks noGrp="1"/>
-          </p:cNvSpPr>
-          <p:nvPr>
-            <p:ph idx="1"/>
-          </p:nvPr>
-        </p:nvSpPr>
-        <p:spPr>
-          <a:xfrm>
-            <a:off x="899592" y="4054161"/>
-            <a:ext cx="7200900" cy="2984500"/>
-          </a:xfrm>
-        </p:spPr>
-        <p:txBody>
-          <a:bodyPr/>
-          <a:lstStyle/>
-          <a:p>
-            <a:endParaRPr lang="en-US" dirty="0"/>
-          </a:p>
-        </p:txBody>
-      </p:sp>
-      <p:sp>
-        <p:nvSpPr>
-          <p:cNvPr id="4" name="投影片編號版面配置區 3"/>
-          <p:cNvSpPr>
-            <a:spLocks noGrp="1"/>
-          </p:cNvSpPr>
-          <p:nvPr>
-            <p:ph type="sldNum" sz="quarter" idx="12"/>
-          </p:nvPr>
-        </p:nvSpPr>
-        <p:spPr/>
-        <p:txBody>
-          <a:bodyPr/>
-          <a:lstStyle/>
-          <a:p>
-            <a:fld id="{B646D8CA-B2C0-41A8-8514-369D0B0735D6}" type="slidenum">
-              <a:rPr lang="zh-TW" altLang="en-US" sz="2000" smtClean="0"/>
-              <a:t>3</a:t>
-            </a:fld>
-            <a:endParaRPr lang="zh-TW" altLang="en-US" sz="2000" dirty="0"/>
-          </a:p>
-        </p:txBody>
-      </p:sp>
-    </p:spTree>
-    <p:extLst>
-      <p:ext uri="{BB962C8B-B14F-4D97-AF65-F5344CB8AC3E}">
-        <p14:creationId xmlns:p14="http://schemas.microsoft.com/office/powerpoint/2010/main" val="4152381651"/>
-      </p:ext>
-    </p:extLst>
-  </p:cSld>
-  <p:clrMapOvr>
-    <a:masterClrMapping/>
-  </p:clrMapOvr>
-  <p:timing>
-    <p:tnLst>
-      <p:par>
-        <p:cTn id="1" dur="indefinite" restart="never" nodeType="tmRoot"/>
-      </p:par>
-    </p:tnLst>
-  </p:timing>
-</p:sld>
-</file>
-
-<file path=ppt/slides/slide30.xml><?xml version="1.0" encoding="utf-8"?>
+<file path=ppt/slides/slide31.xml><?xml version="1.0" encoding="utf-8"?>
 <p:sld xmlns:a="http://schemas.openxmlformats.org/drawingml/2006/main" xmlns:r="http://schemas.openxmlformats.org/officeDocument/2006/relationships" xmlns:p="http://schemas.openxmlformats.org/presentationml/2006/main">
   <p:cSld>
     <p:spTree>
@@ -22627,7 +22873,7 @@
           <a:p>
             <a:fld id="{B646D8CA-B2C0-41A8-8514-369D0B0735D6}" type="slidenum">
               <a:rPr lang="zh-TW" altLang="en-US" sz="2000" smtClean="0"/>
-              <a:t>30</a:t>
+              <a:t>31</a:t>
             </a:fld>
             <a:endParaRPr lang="zh-TW" altLang="en-US" sz="2000" dirty="0"/>
           </a:p>
@@ -22637,100 +22883,6 @@
     <p:extLst>
       <p:ext uri="{BB962C8B-B14F-4D97-AF65-F5344CB8AC3E}">
         <p14:creationId xmlns:p14="http://schemas.microsoft.com/office/powerpoint/2010/main" val="692006191"/>
-      </p:ext>
-    </p:extLst>
-  </p:cSld>
-  <p:clrMapOvr>
-    <a:masterClrMapping/>
-  </p:clrMapOvr>
-  <p:timing>
-    <p:tnLst>
-      <p:par>
-        <p:cTn id="1" dur="indefinite" restart="never" nodeType="tmRoot"/>
-      </p:par>
-    </p:tnLst>
-  </p:timing>
-</p:sld>
-</file>
-
-<file path=ppt/slides/slide31.xml><?xml version="1.0" encoding="utf-8"?>
-<p:sld xmlns:a="http://schemas.openxmlformats.org/drawingml/2006/main" xmlns:r="http://schemas.openxmlformats.org/officeDocument/2006/relationships" xmlns:p="http://schemas.openxmlformats.org/presentationml/2006/main">
-  <p:cSld>
-    <p:spTree>
-      <p:nvGrpSpPr>
-        <p:cNvPr id="1" name=""/>
-        <p:cNvGrpSpPr/>
-        <p:nvPr/>
-      </p:nvGrpSpPr>
-      <p:grpSpPr>
-        <a:xfrm>
-          <a:off x="0" y="0"/>
-          <a:ext cx="0" cy="0"/>
-          <a:chOff x="0" y="0"/>
-          <a:chExt cx="0" cy="0"/>
-        </a:xfrm>
-      </p:grpSpPr>
-      <p:sp>
-        <p:nvSpPr>
-          <p:cNvPr id="2" name="標題 1"/>
-          <p:cNvSpPr>
-            <a:spLocks noGrp="1"/>
-          </p:cNvSpPr>
-          <p:nvPr>
-            <p:ph type="title"/>
-          </p:nvPr>
-        </p:nvSpPr>
-        <p:spPr>
-          <a:xfrm>
-            <a:off x="3707904" y="2569468"/>
-            <a:ext cx="7200900" cy="1238250"/>
-          </a:xfrm>
-        </p:spPr>
-        <p:txBody>
-          <a:bodyPr/>
-          <a:lstStyle/>
-          <a:p>
-            <a:r>
-              <a:rPr lang="en-HK" dirty="0" smtClean="0">
-                <a:latin typeface="Times New Roman" panose="02020603050405020304" pitchFamily="18" charset="0"/>
-                <a:cs typeface="Times New Roman" panose="02020603050405020304" pitchFamily="18" charset="0"/>
-              </a:rPr>
-              <a:t>Q &amp; A</a:t>
-            </a:r>
-            <a:endParaRPr lang="en-US" dirty="0">
-              <a:latin typeface="Times New Roman" panose="02020603050405020304" pitchFamily="18" charset="0"/>
-              <a:cs typeface="Times New Roman" panose="02020603050405020304" pitchFamily="18" charset="0"/>
-            </a:endParaRPr>
-          </a:p>
-        </p:txBody>
-      </p:sp>
-      <p:sp>
-        <p:nvSpPr>
-          <p:cNvPr id="4" name="投影片編號版面配置區 3"/>
-          <p:cNvSpPr>
-            <a:spLocks noGrp="1"/>
-          </p:cNvSpPr>
-          <p:nvPr>
-            <p:ph type="sldNum" sz="quarter" idx="12"/>
-          </p:nvPr>
-        </p:nvSpPr>
-        <p:spPr/>
-        <p:txBody>
-          <a:bodyPr/>
-          <a:lstStyle/>
-          <a:p>
-            <a:fld id="{B646D8CA-B2C0-41A8-8514-369D0B0735D6}" type="slidenum">
-              <a:rPr lang="zh-TW" altLang="en-US" sz="2000" smtClean="0"/>
-              <a:t>31</a:t>
-            </a:fld>
-            <a:endParaRPr lang="zh-TW" altLang="en-US" sz="2000" dirty="0"/>
-          </a:p>
-        </p:txBody>
-      </p:sp>
-    </p:spTree>
-    <p:extLst>
-      <p:ext uri="{BB962C8B-B14F-4D97-AF65-F5344CB8AC3E}">
-        <p14:creationId xmlns:p14="http://schemas.microsoft.com/office/powerpoint/2010/main" val="1609072440"/>
       </p:ext>
     </p:extLst>
   </p:cSld>
@@ -22776,6 +22928,100 @@
         </p:nvSpPr>
         <p:spPr>
           <a:xfrm>
+            <a:off x="3707904" y="2569468"/>
+            <a:ext cx="7200900" cy="1238250"/>
+          </a:xfrm>
+        </p:spPr>
+        <p:txBody>
+          <a:bodyPr/>
+          <a:lstStyle/>
+          <a:p>
+            <a:r>
+              <a:rPr lang="en-HK" dirty="0" smtClean="0">
+                <a:latin typeface="Times New Roman" panose="02020603050405020304" pitchFamily="18" charset="0"/>
+                <a:cs typeface="Times New Roman" panose="02020603050405020304" pitchFamily="18" charset="0"/>
+              </a:rPr>
+              <a:t>Q &amp; A</a:t>
+            </a:r>
+            <a:endParaRPr lang="en-US" dirty="0">
+              <a:latin typeface="Times New Roman" panose="02020603050405020304" pitchFamily="18" charset="0"/>
+              <a:cs typeface="Times New Roman" panose="02020603050405020304" pitchFamily="18" charset="0"/>
+            </a:endParaRPr>
+          </a:p>
+        </p:txBody>
+      </p:sp>
+      <p:sp>
+        <p:nvSpPr>
+          <p:cNvPr id="4" name="投影片編號版面配置區 3"/>
+          <p:cNvSpPr>
+            <a:spLocks noGrp="1"/>
+          </p:cNvSpPr>
+          <p:nvPr>
+            <p:ph type="sldNum" sz="quarter" idx="12"/>
+          </p:nvPr>
+        </p:nvSpPr>
+        <p:spPr/>
+        <p:txBody>
+          <a:bodyPr/>
+          <a:lstStyle/>
+          <a:p>
+            <a:fld id="{B646D8CA-B2C0-41A8-8514-369D0B0735D6}" type="slidenum">
+              <a:rPr lang="zh-TW" altLang="en-US" sz="2000" smtClean="0"/>
+              <a:t>32</a:t>
+            </a:fld>
+            <a:endParaRPr lang="zh-TW" altLang="en-US" sz="2000" dirty="0"/>
+          </a:p>
+        </p:txBody>
+      </p:sp>
+    </p:spTree>
+    <p:extLst>
+      <p:ext uri="{BB962C8B-B14F-4D97-AF65-F5344CB8AC3E}">
+        <p14:creationId xmlns:p14="http://schemas.microsoft.com/office/powerpoint/2010/main" val="1609072440"/>
+      </p:ext>
+    </p:extLst>
+  </p:cSld>
+  <p:clrMapOvr>
+    <a:masterClrMapping/>
+  </p:clrMapOvr>
+  <p:timing>
+    <p:tnLst>
+      <p:par>
+        <p:cTn id="1" dur="indefinite" restart="never" nodeType="tmRoot"/>
+      </p:par>
+    </p:tnLst>
+  </p:timing>
+</p:sld>
+</file>
+
+<file path=ppt/slides/slide33.xml><?xml version="1.0" encoding="utf-8"?>
+<p:sld xmlns:a="http://schemas.openxmlformats.org/drawingml/2006/main" xmlns:r="http://schemas.openxmlformats.org/officeDocument/2006/relationships" xmlns:p="http://schemas.openxmlformats.org/presentationml/2006/main">
+  <p:cSld>
+    <p:spTree>
+      <p:nvGrpSpPr>
+        <p:cNvPr id="1" name=""/>
+        <p:cNvGrpSpPr/>
+        <p:nvPr/>
+      </p:nvGrpSpPr>
+      <p:grpSpPr>
+        <a:xfrm>
+          <a:off x="0" y="0"/>
+          <a:ext cx="0" cy="0"/>
+          <a:chOff x="0" y="0"/>
+          <a:chExt cx="0" cy="0"/>
+        </a:xfrm>
+      </p:grpSpPr>
+      <p:sp>
+        <p:nvSpPr>
+          <p:cNvPr id="2" name="標題 1"/>
+          <p:cNvSpPr>
+            <a:spLocks noGrp="1"/>
+          </p:cNvSpPr>
+          <p:nvPr>
+            <p:ph type="title"/>
+          </p:nvPr>
+        </p:nvSpPr>
+        <p:spPr>
+          <a:xfrm>
             <a:off x="1028700" y="571500"/>
             <a:ext cx="7719764" cy="1238250"/>
           </a:xfrm>
@@ -22862,7 +23108,7 @@
           <a:p>
             <a:fld id="{B646D8CA-B2C0-41A8-8514-369D0B0735D6}" type="slidenum">
               <a:rPr lang="zh-TW" altLang="en-US" sz="2000" smtClean="0"/>
-              <a:t>32</a:t>
+              <a:t>33</a:t>
             </a:fld>
             <a:endParaRPr lang="zh-TW" altLang="en-US" sz="2000" dirty="0"/>
           </a:p>
@@ -22890,7 +23136,7 @@
           <a:graphicData uri="http://schemas.openxmlformats.org/presentationml/2006/ole">
             <mc:AlternateContent xmlns:mc="http://schemas.openxmlformats.org/markup-compatibility/2006">
               <mc:Choice xmlns:v="urn:schemas-microsoft-com:vml" Requires="v">
-                <p:oleObj spid="_x0000_s12746" name="Graph" r:id="rId3" imgW="4754880" imgH="3108960" progId="Origin50.Graph">
+                <p:oleObj spid="_x0000_s12756" name="Graph" r:id="rId3" imgW="4754880" imgH="3108960" progId="Origin50.Graph">
                   <p:embed/>
                 </p:oleObj>
               </mc:Choice>
@@ -22945,7 +23191,7 @@
 </p:sld>
 </file>
 
-<file path=ppt/slides/slide33.xml><?xml version="1.0" encoding="utf-8"?>
+<file path=ppt/slides/slide34.xml><?xml version="1.0" encoding="utf-8"?>
 <p:sld xmlns:a="http://schemas.openxmlformats.org/drawingml/2006/main" xmlns:r="http://schemas.openxmlformats.org/officeDocument/2006/relationships" xmlns:p="http://schemas.openxmlformats.org/presentationml/2006/main">
   <p:cSld>
     <p:spTree>
@@ -23017,7 +23263,7 @@
           <a:p>
             <a:fld id="{B646D8CA-B2C0-41A8-8514-369D0B0735D6}" type="slidenum">
               <a:rPr lang="zh-TW" altLang="en-US" smtClean="0"/>
-              <a:t>33</a:t>
+              <a:t>34</a:t>
             </a:fld>
             <a:endParaRPr lang="zh-TW" altLang="en-US"/>
           </a:p>

--- a/doc/VUV and EUV irradiation of CH4 + NH3.pptx
+++ b/doc/VUV and EUV irradiation of CH4 + NH3.pptx
@@ -20,23 +20,23 @@
     <p:sldId id="278" r:id="rId8"/>
     <p:sldId id="283" r:id="rId9"/>
     <p:sldId id="258" r:id="rId10"/>
-    <p:sldId id="293" r:id="rId11"/>
-    <p:sldId id="287" r:id="rId12"/>
-    <p:sldId id="259" r:id="rId13"/>
-    <p:sldId id="261" r:id="rId14"/>
-    <p:sldId id="260" r:id="rId15"/>
-    <p:sldId id="285" r:id="rId16"/>
-    <p:sldId id="289" r:id="rId17"/>
-    <p:sldId id="290" r:id="rId18"/>
-    <p:sldId id="297" r:id="rId19"/>
-    <p:sldId id="292" r:id="rId20"/>
-    <p:sldId id="266" r:id="rId21"/>
-    <p:sldId id="265" r:id="rId22"/>
-    <p:sldId id="281" r:id="rId23"/>
-    <p:sldId id="272" r:id="rId24"/>
-    <p:sldId id="282" r:id="rId25"/>
-    <p:sldId id="280" r:id="rId26"/>
-    <p:sldId id="267" r:id="rId27"/>
+    <p:sldId id="267" r:id="rId11"/>
+    <p:sldId id="293" r:id="rId12"/>
+    <p:sldId id="287" r:id="rId13"/>
+    <p:sldId id="259" r:id="rId14"/>
+    <p:sldId id="261" r:id="rId15"/>
+    <p:sldId id="260" r:id="rId16"/>
+    <p:sldId id="285" r:id="rId17"/>
+    <p:sldId id="289" r:id="rId18"/>
+    <p:sldId id="290" r:id="rId19"/>
+    <p:sldId id="297" r:id="rId20"/>
+    <p:sldId id="292" r:id="rId21"/>
+    <p:sldId id="266" r:id="rId22"/>
+    <p:sldId id="265" r:id="rId23"/>
+    <p:sldId id="281" r:id="rId24"/>
+    <p:sldId id="272" r:id="rId25"/>
+    <p:sldId id="282" r:id="rId26"/>
+    <p:sldId id="280" r:id="rId27"/>
     <p:sldId id="303" r:id="rId28"/>
     <p:sldId id="288" r:id="rId29"/>
     <p:sldId id="274" r:id="rId30"/>
@@ -892,7 +892,7 @@
           <a:p>
             <a:fld id="{874434F2-FA75-4BA9-89CC-608830E041CF}" type="slidenum">
               <a:rPr lang="en-US" smtClean="0"/>
-              <a:t>19</a:t>
+              <a:t>20</a:t>
             </a:fld>
             <a:endParaRPr lang="en-US"/>
           </a:p>
@@ -975,7 +975,15 @@
           <a:p>
             <a:r>
               <a:rPr lang="en-HK" baseline="0" dirty="0" smtClean="0"/>
-              <a:t>CH4: 6-7 ML NH3: 4-5 ML. Next, we will now look at the second result: relations of photo-products variating the relative proportions of ice mixtures.</a:t>
+              <a:t>CH4: 6-7 ML NH3: 4-5 ML. Next, we will now look at the second result: relations of photo-products </a:t>
+            </a:r>
+            <a:r>
+              <a:rPr lang="en-HK" baseline="0" dirty="0" smtClean="0"/>
+              <a:t>by variating </a:t>
+            </a:r>
+            <a:r>
+              <a:rPr lang="en-HK" baseline="0" dirty="0" smtClean="0"/>
+              <a:t>the relative proportions of ice mixtures.</a:t>
             </a:r>
             <a:endParaRPr lang="en-US" dirty="0"/>
           </a:p>
@@ -998,7 +1006,7 @@
           <a:p>
             <a:fld id="{874434F2-FA75-4BA9-89CC-608830E041CF}" type="slidenum">
               <a:rPr lang="en-US" smtClean="0"/>
-              <a:t>20</a:t>
+              <a:t>21</a:t>
             </a:fld>
             <a:endParaRPr lang="en-US"/>
           </a:p>
@@ -1082,7 +1090,7 @@
           <a:p>
             <a:fld id="{874434F2-FA75-4BA9-89CC-608830E041CF}" type="slidenum">
               <a:rPr lang="en-US" smtClean="0"/>
-              <a:t>21</a:t>
+              <a:t>22</a:t>
             </a:fld>
             <a:endParaRPr lang="en-US"/>
           </a:p>
@@ -1399,7 +1407,7 @@
           <a:p>
             <a:fld id="{874434F2-FA75-4BA9-89CC-608830E041CF}" type="slidenum">
               <a:rPr lang="en-US" smtClean="0"/>
-              <a:t>10</a:t>
+              <a:t>11</a:t>
             </a:fld>
             <a:endParaRPr lang="en-US"/>
           </a:p>
@@ -1495,7 +1503,7 @@
           <a:p>
             <a:fld id="{874434F2-FA75-4BA9-89CC-608830E041CF}" type="slidenum">
               <a:rPr lang="en-US" smtClean="0"/>
-              <a:t>12</a:t>
+              <a:t>13</a:t>
             </a:fld>
             <a:endParaRPr lang="en-US"/>
           </a:p>
@@ -1593,7 +1601,7 @@
           <a:p>
             <a:fld id="{874434F2-FA75-4BA9-89CC-608830E041CF}" type="slidenum">
               <a:rPr lang="en-US" smtClean="0"/>
-              <a:t>13</a:t>
+              <a:t>14</a:t>
             </a:fld>
             <a:endParaRPr lang="en-US"/>
           </a:p>
@@ -1677,7 +1685,7 @@
           <a:p>
             <a:fld id="{874434F2-FA75-4BA9-89CC-608830E041CF}" type="slidenum">
               <a:rPr lang="en-US" smtClean="0"/>
-              <a:t>15</a:t>
+              <a:t>16</a:t>
             </a:fld>
             <a:endParaRPr lang="en-US"/>
           </a:p>
@@ -1824,7 +1832,7 @@
           <a:p>
             <a:fld id="{874434F2-FA75-4BA9-89CC-608830E041CF}" type="slidenum">
               <a:rPr lang="en-US" smtClean="0"/>
-              <a:t>17</a:t>
+              <a:t>18</a:t>
             </a:fld>
             <a:endParaRPr lang="en-US"/>
           </a:p>
@@ -1922,7 +1930,7 @@
           <a:p>
             <a:fld id="{874434F2-FA75-4BA9-89CC-608830E041CF}" type="slidenum">
               <a:rPr lang="en-US" smtClean="0"/>
-              <a:t>18</a:t>
+              <a:t>19</a:t>
             </a:fld>
             <a:endParaRPr lang="en-US"/>
           </a:p>
@@ -5843,7 +5851,9 @@
         </p:nvSpPr>
         <p:spPr/>
         <p:txBody>
-          <a:bodyPr/>
+          <a:bodyPr>
+            <a:normAutofit/>
+          </a:bodyPr>
           <a:lstStyle/>
           <a:p>
             <a:r>
@@ -5851,7 +5861,42 @@
                 <a:latin typeface="Times New Roman" panose="02020603050405020304" pitchFamily="18" charset="0"/>
                 <a:cs typeface="Times New Roman" panose="02020603050405020304" pitchFamily="18" charset="0"/>
               </a:rPr>
-              <a:t>Experimental Protocol:</a:t>
+              <a:t>3. Energy needed for forming </a:t>
+            </a:r>
+            <a:r>
+              <a:rPr lang="en-HK" dirty="0" smtClean="0">
+                <a:latin typeface="Times New Roman" panose="02020603050405020304" pitchFamily="18" charset="0"/>
+                <a:cs typeface="Times New Roman" panose="02020603050405020304" pitchFamily="18" charset="0"/>
+              </a:rPr>
+              <a:t>radicals</a:t>
+            </a:r>
+            <a:r>
+              <a:rPr lang="zh-TW" altLang="en-US" dirty="0" smtClean="0">
+                <a:latin typeface="Times New Roman" panose="02020603050405020304" pitchFamily="18" charset="0"/>
+                <a:cs typeface="Times New Roman" panose="02020603050405020304" pitchFamily="18" charset="0"/>
+              </a:rPr>
+              <a:t> </a:t>
+            </a:r>
+            <a:r>
+              <a:rPr lang="en-HK" altLang="zh-CN" dirty="0" smtClean="0">
+                <a:latin typeface="Times New Roman" panose="02020603050405020304" pitchFamily="18" charset="0"/>
+                <a:cs typeface="Times New Roman" panose="02020603050405020304" pitchFamily="18" charset="0"/>
+              </a:rPr>
+              <a:t>from </a:t>
+            </a:r>
+            <a:r>
+              <a:rPr lang="en-HK" altLang="zh-CN" dirty="0" err="1" smtClean="0">
+                <a:latin typeface="Times New Roman" panose="02020603050405020304" pitchFamily="18" charset="0"/>
+                <a:cs typeface="Times New Roman" panose="02020603050405020304" pitchFamily="18" charset="0"/>
+              </a:rPr>
+              <a:t>Kundu</a:t>
+            </a:r>
+            <a:r>
+              <a:rPr lang="en-HK" altLang="zh-CN" dirty="0" smtClean="0">
+                <a:latin typeface="Times New Roman" panose="02020603050405020304" pitchFamily="18" charset="0"/>
+                <a:cs typeface="Times New Roman" panose="02020603050405020304" pitchFamily="18" charset="0"/>
+              </a:rPr>
+              <a:t> et al. (2017)</a:t>
             </a:r>
             <a:endParaRPr lang="en-US" dirty="0">
               <a:latin typeface="Times New Roman" panose="02020603050405020304" pitchFamily="18" charset="0"/>
@@ -5860,466 +5905,395 @@
           </a:p>
         </p:txBody>
       </p:sp>
-      <p:sp>
-        <p:nvSpPr>
-          <p:cNvPr id="3" name="內容版面配置區 2"/>
-          <p:cNvSpPr>
-            <a:spLocks noGrp="1"/>
-          </p:cNvSpPr>
+      <p:graphicFrame>
+        <p:nvGraphicFramePr>
+          <p:cNvPr id="7" name="內容版面配置區 6"/>
+          <p:cNvGraphicFramePr>
+            <a:graphicFrameLocks noGrp="1"/>
+          </p:cNvGraphicFramePr>
           <p:nvPr>
             <p:ph idx="1"/>
+            <p:extLst>
+              <p:ext uri="{D42A27DB-BD31-4B8C-83A1-F6EECF244321}">
+                <p14:modId xmlns:p14="http://schemas.microsoft.com/office/powerpoint/2010/main" val="3149601535"/>
+              </p:ext>
+            </p:extLst>
           </p:nvPr>
-        </p:nvSpPr>
-        <p:spPr>
-          <a:xfrm>
-            <a:off x="1028700" y="1208316"/>
-            <a:ext cx="6897960" cy="3544168"/>
-          </a:xfrm>
-        </p:spPr>
-        <p:txBody>
-          <a:bodyPr>
-            <a:noAutofit/>
-          </a:bodyPr>
-          <a:lstStyle/>
-          <a:p>
-            <a:r>
-              <a:rPr lang="en-US" altLang="zh-TW" sz="2800" dirty="0" smtClean="0">
-                <a:latin typeface="Times New Roman" panose="02020603050405020304" pitchFamily="18" charset="0"/>
-                <a:cs typeface="Times New Roman" panose="02020603050405020304" pitchFamily="18" charset="0"/>
-              </a:rPr>
-              <a:t>1.</a:t>
-            </a:r>
-            <a:r>
-              <a:rPr lang="zh-TW" altLang="en-US" sz="2800" dirty="0" smtClean="0">
-                <a:latin typeface="Times New Roman" panose="02020603050405020304" pitchFamily="18" charset="0"/>
-                <a:cs typeface="Times New Roman" panose="02020603050405020304" pitchFamily="18" charset="0"/>
-              </a:rPr>
-              <a:t> </a:t>
-            </a:r>
-            <a:r>
-              <a:rPr lang="en-HK" altLang="zh-TW" sz="2800" dirty="0" smtClean="0">
-                <a:latin typeface="Times New Roman" panose="02020603050405020304" pitchFamily="18" charset="0"/>
-                <a:cs typeface="Times New Roman" panose="02020603050405020304" pitchFamily="18" charset="0"/>
-              </a:rPr>
-              <a:t>To compare with </a:t>
-            </a:r>
-            <a:r>
-              <a:rPr lang="en-HK" altLang="zh-TW" sz="2800" dirty="0" smtClean="0">
-                <a:solidFill>
-                  <a:srgbClr val="0070C0"/>
-                </a:solidFill>
-                <a:latin typeface="Times New Roman" panose="02020603050405020304" pitchFamily="18" charset="0"/>
-                <a:cs typeface="Times New Roman" panose="02020603050405020304" pitchFamily="18" charset="0"/>
-              </a:rPr>
-              <a:t>previous studies</a:t>
-            </a:r>
-          </a:p>
-          <a:p>
-            <a:pPr lvl="1"/>
-            <a:r>
-              <a:rPr lang="en-HK" altLang="zh-TW" sz="2800" i="0" dirty="0" smtClean="0">
-                <a:latin typeface="Times New Roman" panose="02020603050405020304" pitchFamily="18" charset="0"/>
-                <a:cs typeface="Times New Roman" panose="02020603050405020304" pitchFamily="18" charset="0"/>
-              </a:rPr>
-              <a:t>Kim and Kaiser (</a:t>
-            </a:r>
-            <a:r>
-              <a:rPr lang="en-HK" sz="2800" i="0" dirty="0" smtClean="0">
-                <a:latin typeface="Times New Roman" panose="02020603050405020304" pitchFamily="18" charset="0"/>
-                <a:cs typeface="Times New Roman" panose="02020603050405020304" pitchFamily="18" charset="0"/>
-              </a:rPr>
-              <a:t>CH</a:t>
-            </a:r>
-            <a:r>
-              <a:rPr lang="en-HK" sz="2800" i="0" baseline="-25000" dirty="0" smtClean="0">
-                <a:latin typeface="Times New Roman" panose="02020603050405020304" pitchFamily="18" charset="0"/>
-                <a:cs typeface="Times New Roman" panose="02020603050405020304" pitchFamily="18" charset="0"/>
-              </a:rPr>
-              <a:t>4</a:t>
-            </a:r>
-            <a:r>
-              <a:rPr lang="en-HK" sz="2800" i="0" dirty="0">
-                <a:latin typeface="Times New Roman" panose="02020603050405020304" pitchFamily="18" charset="0"/>
-                <a:cs typeface="Times New Roman" panose="02020603050405020304" pitchFamily="18" charset="0"/>
-              </a:rPr>
-              <a:t>:</a:t>
-            </a:r>
-            <a:r>
-              <a:rPr lang="en-HK" sz="2800" i="0" dirty="0" smtClean="0">
-                <a:latin typeface="Times New Roman" panose="02020603050405020304" pitchFamily="18" charset="0"/>
-                <a:cs typeface="Times New Roman" panose="02020603050405020304" pitchFamily="18" charset="0"/>
-              </a:rPr>
-              <a:t>NH</a:t>
-            </a:r>
-            <a:r>
-              <a:rPr lang="en-HK" sz="2800" i="0" baseline="-25000" dirty="0" smtClean="0">
-                <a:latin typeface="Times New Roman" panose="02020603050405020304" pitchFamily="18" charset="0"/>
-                <a:cs typeface="Times New Roman" panose="02020603050405020304" pitchFamily="18" charset="0"/>
-              </a:rPr>
-              <a:t>3 </a:t>
-            </a:r>
-            <a:r>
-              <a:rPr lang="en-HK" altLang="zh-TW" sz="2800" i="0" dirty="0" smtClean="0">
-                <a:solidFill>
-                  <a:srgbClr val="0070C0"/>
-                </a:solidFill>
-                <a:latin typeface="Times New Roman" panose="02020603050405020304" pitchFamily="18" charset="0"/>
-                <a:cs typeface="Times New Roman" panose="02020603050405020304" pitchFamily="18" charset="0"/>
-              </a:rPr>
-              <a:t>3:1</a:t>
-            </a:r>
-            <a:r>
-              <a:rPr lang="en-HK" altLang="zh-TW" sz="2800" i="0" dirty="0" smtClean="0">
-                <a:latin typeface="Times New Roman" panose="02020603050405020304" pitchFamily="18" charset="0"/>
-                <a:cs typeface="Times New Roman" panose="02020603050405020304" pitchFamily="18" charset="0"/>
-              </a:rPr>
-              <a:t>) (5 </a:t>
-            </a:r>
-            <a:r>
-              <a:rPr lang="en-HK" altLang="zh-TW" sz="2800" i="0" dirty="0" err="1" smtClean="0">
-                <a:latin typeface="Times New Roman" panose="02020603050405020304" pitchFamily="18" charset="0"/>
-                <a:cs typeface="Times New Roman" panose="02020603050405020304" pitchFamily="18" charset="0"/>
-              </a:rPr>
-              <a:t>keV</a:t>
-            </a:r>
-            <a:r>
-              <a:rPr lang="en-HK" altLang="zh-TW" sz="2800" i="0" dirty="0" smtClean="0">
-                <a:latin typeface="Times New Roman" panose="02020603050405020304" pitchFamily="18" charset="0"/>
-                <a:cs typeface="Times New Roman" panose="02020603050405020304" pitchFamily="18" charset="0"/>
-              </a:rPr>
-              <a:t> e</a:t>
-            </a:r>
-            <a:r>
-              <a:rPr lang="en-HK" altLang="zh-TW" sz="2800" i="0" baseline="30000" dirty="0" smtClean="0">
-                <a:latin typeface="Times New Roman" panose="02020603050405020304" pitchFamily="18" charset="0"/>
-                <a:cs typeface="Times New Roman" panose="02020603050405020304" pitchFamily="18" charset="0"/>
-              </a:rPr>
-              <a:t>-</a:t>
-            </a:r>
-            <a:r>
-              <a:rPr lang="en-HK" altLang="zh-TW" sz="2800" i="0" dirty="0" smtClean="0">
-                <a:latin typeface="Times New Roman" panose="02020603050405020304" pitchFamily="18" charset="0"/>
-                <a:cs typeface="Times New Roman" panose="02020603050405020304" pitchFamily="18" charset="0"/>
-              </a:rPr>
-              <a:t>)</a:t>
-            </a:r>
-          </a:p>
-          <a:p>
-            <a:pPr lvl="1"/>
-            <a:r>
-              <a:rPr lang="en-HK" altLang="zh-TW" sz="2800" i="0" dirty="0" err="1" smtClean="0">
-                <a:latin typeface="Times New Roman" panose="02020603050405020304" pitchFamily="18" charset="0"/>
-                <a:cs typeface="Times New Roman" panose="02020603050405020304" pitchFamily="18" charset="0"/>
-              </a:rPr>
-              <a:t>Kundy</a:t>
-            </a:r>
-            <a:r>
-              <a:rPr lang="en-HK" altLang="zh-TW" sz="2800" i="0" dirty="0" smtClean="0">
-                <a:latin typeface="Times New Roman" panose="02020603050405020304" pitchFamily="18" charset="0"/>
-                <a:cs typeface="Times New Roman" panose="02020603050405020304" pitchFamily="18" charset="0"/>
-              </a:rPr>
-              <a:t> et al. (</a:t>
-            </a:r>
-            <a:r>
-              <a:rPr lang="en-HK" sz="2800" i="0" dirty="0" smtClean="0">
-                <a:latin typeface="Times New Roman" panose="02020603050405020304" pitchFamily="18" charset="0"/>
-                <a:cs typeface="Times New Roman" panose="02020603050405020304" pitchFamily="18" charset="0"/>
-              </a:rPr>
-              <a:t>CH</a:t>
-            </a:r>
-            <a:r>
-              <a:rPr lang="en-HK" sz="2800" i="0" baseline="-25000" dirty="0" smtClean="0">
-                <a:latin typeface="Times New Roman" panose="02020603050405020304" pitchFamily="18" charset="0"/>
-                <a:cs typeface="Times New Roman" panose="02020603050405020304" pitchFamily="18" charset="0"/>
-              </a:rPr>
-              <a:t>4</a:t>
-            </a:r>
-            <a:r>
-              <a:rPr lang="en-HK" sz="2800" i="0" dirty="0">
-                <a:latin typeface="Times New Roman" panose="02020603050405020304" pitchFamily="18" charset="0"/>
-                <a:cs typeface="Times New Roman" panose="02020603050405020304" pitchFamily="18" charset="0"/>
-              </a:rPr>
-              <a:t>:</a:t>
-            </a:r>
-            <a:r>
-              <a:rPr lang="en-HK" sz="2800" i="0" dirty="0" smtClean="0">
-                <a:latin typeface="Times New Roman" panose="02020603050405020304" pitchFamily="18" charset="0"/>
-                <a:cs typeface="Times New Roman" panose="02020603050405020304" pitchFamily="18" charset="0"/>
-              </a:rPr>
-              <a:t>NH</a:t>
-            </a:r>
-            <a:r>
-              <a:rPr lang="en-HK" sz="2800" i="0" baseline="-25000" dirty="0" smtClean="0">
-                <a:latin typeface="Times New Roman" panose="02020603050405020304" pitchFamily="18" charset="0"/>
-                <a:cs typeface="Times New Roman" panose="02020603050405020304" pitchFamily="18" charset="0"/>
-              </a:rPr>
-              <a:t>3  </a:t>
-            </a:r>
-            <a:r>
-              <a:rPr lang="en-HK" altLang="zh-TW" sz="2800" i="0" dirty="0" smtClean="0">
-                <a:solidFill>
-                  <a:srgbClr val="0070C0"/>
-                </a:solidFill>
-                <a:latin typeface="Times New Roman" panose="02020603050405020304" pitchFamily="18" charset="0"/>
-                <a:cs typeface="Times New Roman" panose="02020603050405020304" pitchFamily="18" charset="0"/>
-              </a:rPr>
-              <a:t>3:2</a:t>
-            </a:r>
-            <a:r>
-              <a:rPr lang="en-HK" altLang="zh-TW" sz="2800" i="0" dirty="0" smtClean="0">
-                <a:latin typeface="Times New Roman" panose="02020603050405020304" pitchFamily="18" charset="0"/>
-                <a:cs typeface="Times New Roman" panose="02020603050405020304" pitchFamily="18" charset="0"/>
-              </a:rPr>
-              <a:t>)  (1-90 eV e</a:t>
-            </a:r>
-            <a:r>
-              <a:rPr lang="en-HK" altLang="zh-TW" sz="2800" i="0" baseline="30000" dirty="0" smtClean="0">
-                <a:latin typeface="Times New Roman" panose="02020603050405020304" pitchFamily="18" charset="0"/>
-                <a:cs typeface="Times New Roman" panose="02020603050405020304" pitchFamily="18" charset="0"/>
-              </a:rPr>
-              <a:t>-</a:t>
-            </a:r>
-            <a:r>
-              <a:rPr lang="en-HK" altLang="zh-TW" sz="2800" i="0" dirty="0" smtClean="0">
-                <a:latin typeface="Times New Roman" panose="02020603050405020304" pitchFamily="18" charset="0"/>
-                <a:cs typeface="Times New Roman" panose="02020603050405020304" pitchFamily="18" charset="0"/>
-              </a:rPr>
-              <a:t>)</a:t>
-            </a:r>
-          </a:p>
-          <a:p>
-            <a:pPr lvl="1"/>
-            <a:r>
-              <a:rPr lang="en-HK" sz="2800" i="0" dirty="0" smtClean="0">
-                <a:latin typeface="Times New Roman" panose="02020603050405020304" pitchFamily="18" charset="0"/>
-                <a:cs typeface="Times New Roman" panose="02020603050405020304" pitchFamily="18" charset="0"/>
-              </a:rPr>
-              <a:t>We perform </a:t>
-            </a:r>
-            <a:r>
-              <a:rPr lang="en-HK" sz="2800" i="0" dirty="0">
-                <a:latin typeface="Times New Roman" panose="02020603050405020304" pitchFamily="18" charset="0"/>
-                <a:cs typeface="Times New Roman" panose="02020603050405020304" pitchFamily="18" charset="0"/>
-              </a:rPr>
-              <a:t>(</a:t>
-            </a:r>
-            <a:r>
-              <a:rPr lang="en-HK" sz="2800" i="0" dirty="0" smtClean="0">
-                <a:solidFill>
-                  <a:schemeClr val="tx1"/>
-                </a:solidFill>
-                <a:latin typeface="Times New Roman" panose="02020603050405020304" pitchFamily="18" charset="0"/>
-                <a:cs typeface="Times New Roman" panose="02020603050405020304" pitchFamily="18" charset="0"/>
-              </a:rPr>
-              <a:t>CH</a:t>
-            </a:r>
-            <a:r>
-              <a:rPr lang="en-HK" sz="2800" i="0" baseline="-25000" dirty="0" smtClean="0">
-                <a:solidFill>
-                  <a:schemeClr val="tx1"/>
-                </a:solidFill>
-                <a:latin typeface="Times New Roman" panose="02020603050405020304" pitchFamily="18" charset="0"/>
-                <a:cs typeface="Times New Roman" panose="02020603050405020304" pitchFamily="18" charset="0"/>
-              </a:rPr>
-              <a:t>4</a:t>
-            </a:r>
-            <a:r>
-              <a:rPr lang="en-HK" sz="2800" i="0" dirty="0" smtClean="0">
-                <a:solidFill>
-                  <a:schemeClr val="tx1"/>
-                </a:solidFill>
-                <a:latin typeface="Times New Roman" panose="02020603050405020304" pitchFamily="18" charset="0"/>
-                <a:cs typeface="Times New Roman" panose="02020603050405020304" pitchFamily="18" charset="0"/>
-              </a:rPr>
-              <a:t>:NH</a:t>
-            </a:r>
-            <a:r>
-              <a:rPr lang="en-HK" sz="2800" i="0" baseline="-25000" dirty="0" smtClean="0">
-                <a:solidFill>
-                  <a:schemeClr val="tx1"/>
-                </a:solidFill>
-                <a:latin typeface="Times New Roman" panose="02020603050405020304" pitchFamily="18" charset="0"/>
-                <a:cs typeface="Times New Roman" panose="02020603050405020304" pitchFamily="18" charset="0"/>
-              </a:rPr>
-              <a:t>3</a:t>
-            </a:r>
-            <a:r>
-              <a:rPr lang="en-HK" sz="2800" i="0" dirty="0" smtClean="0">
-                <a:solidFill>
-                  <a:schemeClr val="tx1"/>
-                </a:solidFill>
-                <a:latin typeface="Times New Roman" panose="02020603050405020304" pitchFamily="18" charset="0"/>
-                <a:cs typeface="Times New Roman" panose="02020603050405020304" pitchFamily="18" charset="0"/>
-              </a:rPr>
-              <a:t> </a:t>
-            </a:r>
-            <a:r>
-              <a:rPr lang="en-HK" sz="2800" i="0" dirty="0" smtClean="0">
-                <a:solidFill>
-                  <a:srgbClr val="0070C0"/>
-                </a:solidFill>
-                <a:latin typeface="Times New Roman" panose="02020603050405020304" pitchFamily="18" charset="0"/>
-                <a:cs typeface="Times New Roman" panose="02020603050405020304" pitchFamily="18" charset="0"/>
-              </a:rPr>
-              <a:t>3:2</a:t>
-            </a:r>
-            <a:r>
-              <a:rPr lang="en-HK" sz="2800" i="0" dirty="0" smtClean="0">
-                <a:solidFill>
-                  <a:schemeClr val="tx1"/>
-                </a:solidFill>
-                <a:latin typeface="Times New Roman" panose="02020603050405020304" pitchFamily="18" charset="0"/>
-                <a:cs typeface="Times New Roman" panose="02020603050405020304" pitchFamily="18" charset="0"/>
-              </a:rPr>
-              <a:t>)</a:t>
-            </a:r>
-            <a:r>
-              <a:rPr lang="en-HK" sz="2800" i="0" dirty="0">
-                <a:solidFill>
-                  <a:srgbClr val="0070C0"/>
-                </a:solidFill>
-                <a:latin typeface="Times New Roman" panose="02020603050405020304" pitchFamily="18" charset="0"/>
-                <a:cs typeface="Times New Roman" panose="02020603050405020304" pitchFamily="18" charset="0"/>
-              </a:rPr>
-              <a:t> </a:t>
-            </a:r>
-            <a:endParaRPr lang="en-HK" sz="2800" i="0" dirty="0" smtClean="0">
-              <a:solidFill>
-                <a:srgbClr val="0070C0"/>
-              </a:solidFill>
-              <a:latin typeface="Times New Roman" panose="02020603050405020304" pitchFamily="18" charset="0"/>
-              <a:cs typeface="Times New Roman" panose="02020603050405020304" pitchFamily="18" charset="0"/>
-            </a:endParaRPr>
-          </a:p>
-          <a:p>
-            <a:pPr marL="397764" lvl="1" indent="0">
-              <a:buNone/>
-            </a:pPr>
-            <a:r>
-              <a:rPr lang="en-HK" sz="2800" i="0" dirty="0" smtClean="0">
-                <a:solidFill>
-                  <a:srgbClr val="0070C0"/>
-                </a:solidFill>
-                <a:latin typeface="Times New Roman" panose="02020603050405020304" pitchFamily="18" charset="0"/>
-                <a:cs typeface="Times New Roman" panose="02020603050405020304" pitchFamily="18" charset="0"/>
-              </a:rPr>
-              <a:t>photon</a:t>
-            </a:r>
-            <a:r>
-              <a:rPr lang="en-HK" sz="2800" i="0" dirty="0" smtClean="0">
-                <a:latin typeface="Times New Roman" panose="02020603050405020304" pitchFamily="18" charset="0"/>
-                <a:cs typeface="Times New Roman" panose="02020603050405020304" pitchFamily="18" charset="0"/>
-              </a:rPr>
-              <a:t> sources: VUV (9.27 eV) and </a:t>
-            </a:r>
-            <a:r>
-              <a:rPr lang="en-HK" sz="2800" i="0" dirty="0">
-                <a:latin typeface="Times New Roman" panose="02020603050405020304" pitchFamily="18" charset="0"/>
-                <a:cs typeface="Times New Roman" panose="02020603050405020304" pitchFamily="18" charset="0"/>
-              </a:rPr>
-              <a:t>EUV </a:t>
-            </a:r>
-            <a:r>
-              <a:rPr lang="en-HK" sz="2800" i="0" dirty="0" smtClean="0">
-                <a:latin typeface="Times New Roman" panose="02020603050405020304" pitchFamily="18" charset="0"/>
-                <a:cs typeface="Times New Roman" panose="02020603050405020304" pitchFamily="18" charset="0"/>
-              </a:rPr>
-              <a:t>(40.8 eV)</a:t>
-            </a:r>
-            <a:endParaRPr lang="en-HK" sz="2800" i="0" dirty="0" smtClean="0">
-              <a:solidFill>
-                <a:srgbClr val="0070C0"/>
-              </a:solidFill>
-              <a:latin typeface="Times New Roman" panose="02020603050405020304" pitchFamily="18" charset="0"/>
-              <a:cs typeface="Times New Roman" panose="02020603050405020304" pitchFamily="18" charset="0"/>
-            </a:endParaRPr>
-          </a:p>
-          <a:p>
-            <a:r>
-              <a:rPr lang="en-HK" sz="2800" dirty="0" smtClean="0">
-                <a:latin typeface="Times New Roman" panose="02020603050405020304" pitchFamily="18" charset="0"/>
-                <a:cs typeface="Times New Roman" panose="02020603050405020304" pitchFamily="18" charset="0"/>
-              </a:rPr>
-              <a:t>2. To simulate the </a:t>
-            </a:r>
-            <a:r>
-              <a:rPr lang="en-HK" sz="2800" dirty="0" smtClean="0">
-                <a:solidFill>
-                  <a:srgbClr val="0070C0"/>
-                </a:solidFill>
-                <a:latin typeface="Times New Roman" panose="02020603050405020304" pitchFamily="18" charset="0"/>
-                <a:cs typeface="Times New Roman" panose="02020603050405020304" pitchFamily="18" charset="0"/>
-              </a:rPr>
-              <a:t>surface of Charon</a:t>
-            </a:r>
-          </a:p>
-          <a:p>
-            <a:pPr lvl="1"/>
-            <a:r>
-              <a:rPr lang="en-HK" sz="2800" i="0" dirty="0" smtClean="0">
-                <a:latin typeface="Times New Roman" panose="02020603050405020304" pitchFamily="18" charset="0"/>
-                <a:cs typeface="Times New Roman" panose="02020603050405020304" pitchFamily="18" charset="0"/>
-              </a:rPr>
-              <a:t>Different relative proportion of </a:t>
-            </a:r>
-          </a:p>
-          <a:p>
-            <a:pPr marL="397764" lvl="1" indent="0">
-              <a:buNone/>
-            </a:pPr>
-            <a:r>
-              <a:rPr lang="en-HK" sz="2800" i="0" dirty="0" smtClean="0">
-                <a:solidFill>
-                  <a:srgbClr val="0070C0"/>
-                </a:solidFill>
-                <a:latin typeface="Times New Roman" panose="02020603050405020304" pitchFamily="18" charset="0"/>
-                <a:cs typeface="Times New Roman" panose="02020603050405020304" pitchFamily="18" charset="0"/>
-              </a:rPr>
-              <a:t>CH</a:t>
-            </a:r>
-            <a:r>
-              <a:rPr lang="en-HK" sz="2800" i="0" baseline="-25000" dirty="0" smtClean="0">
-                <a:solidFill>
-                  <a:srgbClr val="0070C0"/>
-                </a:solidFill>
-                <a:latin typeface="Times New Roman" panose="02020603050405020304" pitchFamily="18" charset="0"/>
-                <a:cs typeface="Times New Roman" panose="02020603050405020304" pitchFamily="18" charset="0"/>
-              </a:rPr>
-              <a:t>4</a:t>
-            </a:r>
-            <a:r>
-              <a:rPr lang="en-HK" sz="2800" i="0" dirty="0" smtClean="0">
-                <a:solidFill>
-                  <a:srgbClr val="0070C0"/>
-                </a:solidFill>
-                <a:latin typeface="Times New Roman" panose="02020603050405020304" pitchFamily="18" charset="0"/>
-                <a:cs typeface="Times New Roman" panose="02020603050405020304" pitchFamily="18" charset="0"/>
-              </a:rPr>
-              <a:t>:NH</a:t>
-            </a:r>
-            <a:r>
-              <a:rPr lang="en-HK" sz="2800" i="0" baseline="-25000" dirty="0" smtClean="0">
-                <a:solidFill>
-                  <a:srgbClr val="0070C0"/>
-                </a:solidFill>
-                <a:latin typeface="Times New Roman" panose="02020603050405020304" pitchFamily="18" charset="0"/>
-                <a:cs typeface="Times New Roman" panose="02020603050405020304" pitchFamily="18" charset="0"/>
-              </a:rPr>
-              <a:t>3</a:t>
-            </a:r>
-            <a:r>
-              <a:rPr lang="en-HK" sz="2800" i="0" dirty="0" smtClean="0">
-                <a:solidFill>
-                  <a:srgbClr val="0070C0"/>
-                </a:solidFill>
-                <a:latin typeface="Times New Roman" panose="02020603050405020304" pitchFamily="18" charset="0"/>
-                <a:cs typeface="Times New Roman" panose="02020603050405020304" pitchFamily="18" charset="0"/>
-              </a:rPr>
-              <a:t> 1:5, 1:10, 1:20</a:t>
-            </a:r>
-          </a:p>
-        </p:txBody>
-      </p:sp>
+        </p:nvGraphicFramePr>
+        <p:xfrm>
+          <a:off x="1028703" y="1633364"/>
+          <a:ext cx="7200897" cy="2877993"/>
+        </p:xfrm>
+        <a:graphic>
+          <a:graphicData uri="http://schemas.openxmlformats.org/drawingml/2006/table">
+            <a:tbl>
+              <a:tblPr firstRow="1" bandRow="1">
+                <a:tableStyleId>{5C22544A-7EE6-4342-B048-85BDC9FD1C3A}</a:tableStyleId>
+              </a:tblPr>
+              <a:tblGrid>
+                <a:gridCol w="2400299">
+                  <a:extLst>
+                    <a:ext uri="{9D8B030D-6E8A-4147-A177-3AD203B41FA5}">
+                      <a16:colId xmlns:a16="http://schemas.microsoft.com/office/drawing/2014/main" val="3148882185"/>
+                    </a:ext>
+                  </a:extLst>
+                </a:gridCol>
+                <a:gridCol w="2400299">
+                  <a:extLst>
+                    <a:ext uri="{9D8B030D-6E8A-4147-A177-3AD203B41FA5}">
+                      <a16:colId xmlns:a16="http://schemas.microsoft.com/office/drawing/2014/main" val="2229743084"/>
+                    </a:ext>
+                  </a:extLst>
+                </a:gridCol>
+                <a:gridCol w="2400299">
+                  <a:extLst>
+                    <a:ext uri="{9D8B030D-6E8A-4147-A177-3AD203B41FA5}">
+                      <a16:colId xmlns:a16="http://schemas.microsoft.com/office/drawing/2014/main" val="1174113647"/>
+                    </a:ext>
+                  </a:extLst>
+                </a:gridCol>
+              </a:tblGrid>
+              <a:tr h="708045">
+                <a:tc>
+                  <a:txBody>
+                    <a:bodyPr/>
+                    <a:lstStyle/>
+                    <a:p>
+                      <a:pPr algn="ctr"/>
+                      <a:r>
+                        <a:rPr lang="en-US" sz="2400" dirty="0" smtClean="0">
+                          <a:latin typeface="Times New Roman" panose="02020603050405020304" pitchFamily="18" charset="0"/>
+                          <a:cs typeface="Times New Roman" panose="02020603050405020304" pitchFamily="18" charset="0"/>
+                        </a:rPr>
+                        <a:t>Radicals                  species</a:t>
+                      </a:r>
+                      <a:endParaRPr lang="en-US" sz="2400" dirty="0">
+                        <a:latin typeface="Times New Roman" panose="02020603050405020304" pitchFamily="18" charset="0"/>
+                        <a:cs typeface="Times New Roman" panose="02020603050405020304" pitchFamily="18" charset="0"/>
+                      </a:endParaRPr>
+                    </a:p>
+                  </a:txBody>
+                  <a:tcPr marL="90325" marR="90325" anchor="ctr"/>
+                </a:tc>
+                <a:tc>
+                  <a:txBody>
+                    <a:bodyPr/>
+                    <a:lstStyle/>
+                    <a:p>
+                      <a:pPr algn="ctr"/>
+                      <a:r>
+                        <a:rPr lang="en-HK" sz="2400" dirty="0" smtClean="0">
+                          <a:latin typeface="Times New Roman" panose="02020603050405020304" pitchFamily="18" charset="0"/>
+                          <a:cs typeface="Times New Roman" panose="02020603050405020304" pitchFamily="18" charset="0"/>
+                        </a:rPr>
+                        <a:t>CH</a:t>
+                      </a:r>
+                      <a:r>
+                        <a:rPr lang="en-HK" sz="2400" baseline="-25000" dirty="0" smtClean="0">
+                          <a:latin typeface="Times New Roman" panose="02020603050405020304" pitchFamily="18" charset="0"/>
+                          <a:cs typeface="Times New Roman" panose="02020603050405020304" pitchFamily="18" charset="0"/>
+                        </a:rPr>
+                        <a:t>4</a:t>
+                      </a:r>
+                      <a:endParaRPr lang="en-US" sz="2400" baseline="-25000" dirty="0">
+                        <a:latin typeface="Times New Roman" panose="02020603050405020304" pitchFamily="18" charset="0"/>
+                        <a:cs typeface="Times New Roman" panose="02020603050405020304" pitchFamily="18" charset="0"/>
+                      </a:endParaRPr>
+                    </a:p>
+                  </a:txBody>
+                  <a:tcPr marL="90325" marR="90325" anchor="ctr"/>
+                </a:tc>
+                <a:tc>
+                  <a:txBody>
+                    <a:bodyPr/>
+                    <a:lstStyle/>
+                    <a:p>
+                      <a:pPr algn="ctr"/>
+                      <a:r>
+                        <a:rPr lang="en-HK" sz="2400" dirty="0" smtClean="0">
+                          <a:latin typeface="Times New Roman" panose="02020603050405020304" pitchFamily="18" charset="0"/>
+                          <a:cs typeface="Times New Roman" panose="02020603050405020304" pitchFamily="18" charset="0"/>
+                        </a:rPr>
+                        <a:t>NH</a:t>
+                      </a:r>
+                      <a:r>
+                        <a:rPr lang="en-HK" sz="2400" baseline="-25000" dirty="0" smtClean="0">
+                          <a:latin typeface="Times New Roman" panose="02020603050405020304" pitchFamily="18" charset="0"/>
+                          <a:cs typeface="Times New Roman" panose="02020603050405020304" pitchFamily="18" charset="0"/>
+                        </a:rPr>
+                        <a:t>3</a:t>
+                      </a:r>
+                      <a:endParaRPr lang="en-US" sz="2400" baseline="-25000" dirty="0">
+                        <a:latin typeface="Times New Roman" panose="02020603050405020304" pitchFamily="18" charset="0"/>
+                        <a:cs typeface="Times New Roman" panose="02020603050405020304" pitchFamily="18" charset="0"/>
+                      </a:endParaRPr>
+                    </a:p>
+                  </a:txBody>
+                  <a:tcPr marL="90325" marR="90325" anchor="ctr"/>
+                </a:tc>
+                <a:extLst>
+                  <a:ext uri="{0D108BD9-81ED-4DB2-BD59-A6C34878D82A}">
+                    <a16:rowId xmlns:a16="http://schemas.microsoft.com/office/drawing/2014/main" val="4089148868"/>
+                  </a:ext>
+                </a:extLst>
+              </a:tr>
+              <a:tr h="685011">
+                <a:tc>
+                  <a:txBody>
+                    <a:bodyPr/>
+                    <a:lstStyle/>
+                    <a:p>
+                      <a:pPr algn="ctr"/>
+                      <a:r>
+                        <a:rPr lang="en-HK" sz="2400" dirty="0" smtClean="0">
+                          <a:latin typeface="Times New Roman" panose="02020603050405020304" pitchFamily="18" charset="0"/>
+                          <a:cs typeface="Times New Roman" panose="02020603050405020304" pitchFamily="18" charset="0"/>
+                        </a:rPr>
+                        <a:t>- </a:t>
+                      </a:r>
+                      <a:r>
+                        <a:rPr lang="en-HK" sz="2400" dirty="0" smtClean="0">
+                          <a:latin typeface="Times New Roman" panose="02020603050405020304" pitchFamily="18" charset="0"/>
+                          <a:cs typeface="Times New Roman" panose="02020603050405020304" pitchFamily="18" charset="0"/>
+                        </a:rPr>
+                        <a:t>H</a:t>
+                      </a:r>
+                      <a:endParaRPr lang="en-US" sz="2400" dirty="0">
+                        <a:latin typeface="Times New Roman" panose="02020603050405020304" pitchFamily="18" charset="0"/>
+                        <a:cs typeface="Times New Roman" panose="02020603050405020304" pitchFamily="18" charset="0"/>
+                      </a:endParaRPr>
+                    </a:p>
+                  </a:txBody>
+                  <a:tcPr marL="90325" marR="90325" anchor="ctr"/>
+                </a:tc>
+                <a:tc>
+                  <a:txBody>
+                    <a:bodyPr/>
+                    <a:lstStyle/>
+                    <a:p>
+                      <a:pPr algn="ctr"/>
+                      <a:r>
+                        <a:rPr lang="en-HK" sz="2400" dirty="0" smtClean="0">
+                          <a:latin typeface="Times New Roman" panose="02020603050405020304" pitchFamily="18" charset="0"/>
+                          <a:cs typeface="Times New Roman" panose="02020603050405020304" pitchFamily="18" charset="0"/>
+                        </a:rPr>
+                        <a:t>4.55 eV</a:t>
+                      </a:r>
+                      <a:endParaRPr lang="en-US" sz="2400" dirty="0">
+                        <a:latin typeface="Times New Roman" panose="02020603050405020304" pitchFamily="18" charset="0"/>
+                        <a:cs typeface="Times New Roman" panose="02020603050405020304" pitchFamily="18" charset="0"/>
+                      </a:endParaRPr>
+                    </a:p>
+                  </a:txBody>
+                  <a:tcPr marL="90325" marR="90325" anchor="ctr"/>
+                </a:tc>
+                <a:tc>
+                  <a:txBody>
+                    <a:bodyPr/>
+                    <a:lstStyle/>
+                    <a:p>
+                      <a:pPr algn="ctr"/>
+                      <a:r>
+                        <a:rPr lang="en-HK" sz="2400" dirty="0" smtClean="0">
+                          <a:latin typeface="Times New Roman" panose="02020603050405020304" pitchFamily="18" charset="0"/>
+                          <a:cs typeface="Times New Roman" panose="02020603050405020304" pitchFamily="18" charset="0"/>
+                        </a:rPr>
+                        <a:t>4.67 eV</a:t>
+                      </a:r>
+                      <a:endParaRPr lang="en-US" sz="2400" dirty="0">
+                        <a:latin typeface="Times New Roman" panose="02020603050405020304" pitchFamily="18" charset="0"/>
+                        <a:cs typeface="Times New Roman" panose="02020603050405020304" pitchFamily="18" charset="0"/>
+                      </a:endParaRPr>
+                    </a:p>
+                  </a:txBody>
+                  <a:tcPr marL="90325" marR="90325" anchor="ctr"/>
+                </a:tc>
+                <a:extLst>
+                  <a:ext uri="{0D108BD9-81ED-4DB2-BD59-A6C34878D82A}">
+                    <a16:rowId xmlns:a16="http://schemas.microsoft.com/office/drawing/2014/main" val="3250587630"/>
+                  </a:ext>
+                </a:extLst>
+              </a:tr>
+              <a:tr h="685011">
+                <a:tc>
+                  <a:txBody>
+                    <a:bodyPr/>
+                    <a:lstStyle/>
+                    <a:p>
+                      <a:pPr algn="ctr"/>
+                      <a:r>
+                        <a:rPr lang="en-HK" sz="2400" dirty="0" smtClean="0">
+                          <a:latin typeface="Times New Roman" panose="02020603050405020304" pitchFamily="18" charset="0"/>
+                          <a:cs typeface="Times New Roman" panose="02020603050405020304" pitchFamily="18" charset="0"/>
+                        </a:rPr>
+                        <a:t>-</a:t>
+                      </a:r>
+                      <a:r>
+                        <a:rPr lang="en-HK" sz="2400" dirty="0" smtClean="0">
+                          <a:latin typeface="Times New Roman" panose="02020603050405020304" pitchFamily="18" charset="0"/>
+                          <a:cs typeface="Times New Roman" panose="02020603050405020304" pitchFamily="18" charset="0"/>
+                        </a:rPr>
+                        <a:t>2H</a:t>
+                      </a:r>
+                      <a:endParaRPr lang="en-US" sz="2400" dirty="0">
+                        <a:latin typeface="Times New Roman" panose="02020603050405020304" pitchFamily="18" charset="0"/>
+                        <a:cs typeface="Times New Roman" panose="02020603050405020304" pitchFamily="18" charset="0"/>
+                      </a:endParaRPr>
+                    </a:p>
+                  </a:txBody>
+                  <a:tcPr marL="90325" marR="90325" anchor="ctr"/>
+                </a:tc>
+                <a:tc>
+                  <a:txBody>
+                    <a:bodyPr/>
+                    <a:lstStyle/>
+                    <a:p>
+                      <a:pPr algn="ctr"/>
+                      <a:r>
+                        <a:rPr lang="en-HK" sz="2400" dirty="0" smtClean="0">
+                          <a:latin typeface="Times New Roman" panose="02020603050405020304" pitchFamily="18" charset="0"/>
+                          <a:cs typeface="Times New Roman" panose="02020603050405020304" pitchFamily="18" charset="0"/>
+                        </a:rPr>
+                        <a:t>4.78 eV</a:t>
+                      </a:r>
+                      <a:endParaRPr lang="en-US" sz="2400" dirty="0">
+                        <a:latin typeface="Times New Roman" panose="02020603050405020304" pitchFamily="18" charset="0"/>
+                        <a:cs typeface="Times New Roman" panose="02020603050405020304" pitchFamily="18" charset="0"/>
+                      </a:endParaRPr>
+                    </a:p>
+                  </a:txBody>
+                  <a:tcPr marL="90325" marR="90325" anchor="ctr"/>
+                </a:tc>
+                <a:tc>
+                  <a:txBody>
+                    <a:bodyPr/>
+                    <a:lstStyle/>
+                    <a:p>
+                      <a:pPr algn="ctr"/>
+                      <a:r>
+                        <a:rPr lang="en-HK" sz="2400" dirty="0" smtClean="0">
+                          <a:latin typeface="Times New Roman" panose="02020603050405020304" pitchFamily="18" charset="0"/>
+                          <a:cs typeface="Times New Roman" panose="02020603050405020304" pitchFamily="18" charset="0"/>
+                        </a:rPr>
+                        <a:t>4.38  eV</a:t>
+                      </a:r>
+                      <a:endParaRPr lang="en-US" sz="2400" dirty="0">
+                        <a:latin typeface="Times New Roman" panose="02020603050405020304" pitchFamily="18" charset="0"/>
+                        <a:cs typeface="Times New Roman" panose="02020603050405020304" pitchFamily="18" charset="0"/>
+                      </a:endParaRPr>
+                    </a:p>
+                  </a:txBody>
+                  <a:tcPr marL="90325" marR="90325" anchor="ctr"/>
+                </a:tc>
+                <a:extLst>
+                  <a:ext uri="{0D108BD9-81ED-4DB2-BD59-A6C34878D82A}">
+                    <a16:rowId xmlns:a16="http://schemas.microsoft.com/office/drawing/2014/main" val="36223453"/>
+                  </a:ext>
+                </a:extLst>
+              </a:tr>
+              <a:tr h="685011">
+                <a:tc>
+                  <a:txBody>
+                    <a:bodyPr/>
+                    <a:lstStyle/>
+                    <a:p>
+                      <a:pPr algn="ctr"/>
+                      <a:r>
+                        <a:rPr lang="en-HK" sz="2400" dirty="0" smtClean="0">
+                          <a:latin typeface="Times New Roman" panose="02020603050405020304" pitchFamily="18" charset="0"/>
+                          <a:cs typeface="Times New Roman" panose="02020603050405020304" pitchFamily="18" charset="0"/>
+                        </a:rPr>
+                        <a:t>-</a:t>
+                      </a:r>
+                      <a:r>
+                        <a:rPr lang="en-HK" sz="2400" dirty="0" smtClean="0">
+                          <a:latin typeface="Times New Roman" panose="02020603050405020304" pitchFamily="18" charset="0"/>
+                          <a:cs typeface="Times New Roman" panose="02020603050405020304" pitchFamily="18" charset="0"/>
+                        </a:rPr>
+                        <a:t>3H</a:t>
+                      </a:r>
+                      <a:endParaRPr lang="en-US" sz="2400" dirty="0">
+                        <a:latin typeface="Times New Roman" panose="02020603050405020304" pitchFamily="18" charset="0"/>
+                        <a:cs typeface="Times New Roman" panose="02020603050405020304" pitchFamily="18" charset="0"/>
+                      </a:endParaRPr>
+                    </a:p>
+                  </a:txBody>
+                  <a:tcPr marL="90325" marR="90325" anchor="ctr"/>
+                </a:tc>
+                <a:tc>
+                  <a:txBody>
+                    <a:bodyPr/>
+                    <a:lstStyle/>
+                    <a:p>
+                      <a:pPr algn="ctr"/>
+                      <a:r>
+                        <a:rPr lang="en-HK" sz="2400" dirty="0" smtClean="0">
+                          <a:solidFill>
+                            <a:srgbClr val="0070C0"/>
+                          </a:solidFill>
+                          <a:latin typeface="Times New Roman" panose="02020603050405020304" pitchFamily="18" charset="0"/>
+                          <a:cs typeface="Times New Roman" panose="02020603050405020304" pitchFamily="18" charset="0"/>
+                        </a:rPr>
+                        <a:t>9.19 eV</a:t>
+                      </a:r>
+                      <a:endParaRPr lang="en-US" sz="2400" dirty="0">
+                        <a:solidFill>
+                          <a:srgbClr val="0070C0"/>
+                        </a:solidFill>
+                        <a:latin typeface="Times New Roman" panose="02020603050405020304" pitchFamily="18" charset="0"/>
+                        <a:cs typeface="Times New Roman" panose="02020603050405020304" pitchFamily="18" charset="0"/>
+                      </a:endParaRPr>
+                    </a:p>
+                  </a:txBody>
+                  <a:tcPr marL="90325" marR="90325" anchor="ctr"/>
+                </a:tc>
+                <a:tc>
+                  <a:txBody>
+                    <a:bodyPr/>
+                    <a:lstStyle/>
+                    <a:p>
+                      <a:pPr algn="ctr"/>
+                      <a:r>
+                        <a:rPr lang="en-HK" sz="2400" dirty="0" smtClean="0">
+                          <a:solidFill>
+                            <a:srgbClr val="0070C0"/>
+                          </a:solidFill>
+                          <a:latin typeface="Times New Roman" panose="02020603050405020304" pitchFamily="18" charset="0"/>
+                          <a:cs typeface="Times New Roman" panose="02020603050405020304" pitchFamily="18" charset="0"/>
+                        </a:rPr>
+                        <a:t>7.</a:t>
+                      </a:r>
+                      <a:r>
+                        <a:rPr lang="en-HK" sz="2400" baseline="0" dirty="0" smtClean="0">
+                          <a:solidFill>
+                            <a:srgbClr val="0070C0"/>
+                          </a:solidFill>
+                          <a:latin typeface="Times New Roman" panose="02020603050405020304" pitchFamily="18" charset="0"/>
+                          <a:cs typeface="Times New Roman" panose="02020603050405020304" pitchFamily="18" charset="0"/>
+                        </a:rPr>
+                        <a:t>63 eV</a:t>
+                      </a:r>
+                      <a:endParaRPr lang="en-US" sz="2400" dirty="0">
+                        <a:solidFill>
+                          <a:srgbClr val="0070C0"/>
+                        </a:solidFill>
+                        <a:latin typeface="Times New Roman" panose="02020603050405020304" pitchFamily="18" charset="0"/>
+                        <a:cs typeface="Times New Roman" panose="02020603050405020304" pitchFamily="18" charset="0"/>
+                      </a:endParaRPr>
+                    </a:p>
+                  </a:txBody>
+                  <a:tcPr marL="90325" marR="90325" anchor="ctr"/>
+                </a:tc>
+                <a:extLst>
+                  <a:ext uri="{0D108BD9-81ED-4DB2-BD59-A6C34878D82A}">
+                    <a16:rowId xmlns:a16="http://schemas.microsoft.com/office/drawing/2014/main" val="1330999748"/>
+                  </a:ext>
+                </a:extLst>
+              </a:tr>
+            </a:tbl>
+          </a:graphicData>
+        </a:graphic>
+      </p:graphicFrame>
       <p:sp>
         <p:nvSpPr>
           <p:cNvPr id="4" name="投影片編號版面配置區 3"/>
@@ -6343,10 +6317,160 @@
           </a:p>
         </p:txBody>
       </p:sp>
+      <p:sp>
+        <p:nvSpPr>
+          <p:cNvPr id="3" name="矩形 2"/>
+          <p:cNvSpPr/>
+          <p:nvPr/>
+        </p:nvSpPr>
+        <p:spPr>
+          <a:xfrm>
+            <a:off x="4932040" y="4392937"/>
+            <a:ext cx="4104456" cy="338554"/>
+          </a:xfrm>
+          <a:prstGeom prst="rect">
+            <a:avLst/>
+          </a:prstGeom>
+        </p:spPr>
+        <p:txBody>
+          <a:bodyPr wrap="square">
+            <a:spAutoFit/>
+          </a:bodyPr>
+          <a:lstStyle/>
+          <a:p>
+            <a:pPr lvl="2"/>
+            <a:r>
+              <a:rPr lang="en-HK" sz="2400" baseline="-25000" dirty="0" smtClean="0">
+                <a:latin typeface="Times New Roman" panose="02020603050405020304" pitchFamily="18" charset="0"/>
+                <a:cs typeface="Times New Roman" panose="02020603050405020304" pitchFamily="18" charset="0"/>
+              </a:rPr>
+              <a:t>Quoted </a:t>
+            </a:r>
+            <a:r>
+              <a:rPr lang="en-HK" sz="2400" baseline="-25000" dirty="0">
+                <a:latin typeface="Times New Roman" panose="02020603050405020304" pitchFamily="18" charset="0"/>
+                <a:cs typeface="Times New Roman" panose="02020603050405020304" pitchFamily="18" charset="0"/>
+              </a:rPr>
+              <a:t>from </a:t>
+            </a:r>
+            <a:r>
+              <a:rPr lang="en-HK" sz="2400" baseline="-25000" dirty="0" err="1">
+                <a:latin typeface="Times New Roman" panose="02020603050405020304" pitchFamily="18" charset="0"/>
+                <a:cs typeface="Times New Roman" panose="02020603050405020304" pitchFamily="18" charset="0"/>
+              </a:rPr>
+              <a:t>Kundu</a:t>
+            </a:r>
+            <a:r>
+              <a:rPr lang="en-HK" sz="2400" baseline="-25000" dirty="0">
+                <a:latin typeface="Times New Roman" panose="02020603050405020304" pitchFamily="18" charset="0"/>
+                <a:cs typeface="Times New Roman" panose="02020603050405020304" pitchFamily="18" charset="0"/>
+              </a:rPr>
+              <a:t> et al. (2017</a:t>
+            </a:r>
+            <a:r>
+              <a:rPr lang="en-HK" sz="2400" baseline="-25000" dirty="0" smtClean="0">
+                <a:latin typeface="Times New Roman" panose="02020603050405020304" pitchFamily="18" charset="0"/>
+                <a:cs typeface="Times New Roman" panose="02020603050405020304" pitchFamily="18" charset="0"/>
+              </a:rPr>
+              <a:t>)</a:t>
+            </a:r>
+            <a:endParaRPr lang="en-HK" sz="2400" baseline="-25000" dirty="0">
+              <a:latin typeface="Times New Roman" panose="02020603050405020304" pitchFamily="18" charset="0"/>
+              <a:cs typeface="Times New Roman" panose="02020603050405020304" pitchFamily="18" charset="0"/>
+            </a:endParaRPr>
+          </a:p>
+        </p:txBody>
+      </p:sp>
+      <p:sp>
+        <p:nvSpPr>
+          <p:cNvPr id="5" name="矩形 4"/>
+          <p:cNvSpPr/>
+          <p:nvPr/>
+        </p:nvSpPr>
+        <p:spPr>
+          <a:xfrm>
+            <a:off x="1183156" y="4834522"/>
+            <a:ext cx="7118615" cy="646331"/>
+          </a:xfrm>
+          <a:prstGeom prst="rect">
+            <a:avLst/>
+          </a:prstGeom>
+        </p:spPr>
+        <p:txBody>
+          <a:bodyPr wrap="none">
+            <a:spAutoFit/>
+          </a:bodyPr>
+          <a:lstStyle/>
+          <a:p>
+            <a:r>
+              <a:rPr lang="en-HK" dirty="0" smtClean="0">
+                <a:latin typeface="Times New Roman" panose="02020603050405020304" pitchFamily="18" charset="0"/>
+                <a:cs typeface="Times New Roman" panose="02020603050405020304" pitchFamily="18" charset="0"/>
+              </a:rPr>
+              <a:t>The photon energy of both </a:t>
+            </a:r>
+            <a:r>
+              <a:rPr lang="en-HK" dirty="0">
+                <a:latin typeface="Times New Roman" panose="02020603050405020304" pitchFamily="18" charset="0"/>
+                <a:cs typeface="Times New Roman" panose="02020603050405020304" pitchFamily="18" charset="0"/>
+              </a:rPr>
+              <a:t>EUV (</a:t>
+            </a:r>
+            <a:r>
+              <a:rPr lang="en-HK" dirty="0" smtClean="0">
+                <a:latin typeface="Times New Roman" panose="02020603050405020304" pitchFamily="18" charset="0"/>
+                <a:cs typeface="Times New Roman" panose="02020603050405020304" pitchFamily="18" charset="0"/>
+              </a:rPr>
+              <a:t>40.8 </a:t>
+            </a:r>
+            <a:r>
+              <a:rPr lang="en-HK" dirty="0">
+                <a:latin typeface="Times New Roman" panose="02020603050405020304" pitchFamily="18" charset="0"/>
+                <a:cs typeface="Times New Roman" panose="02020603050405020304" pitchFamily="18" charset="0"/>
+              </a:rPr>
+              <a:t>eV) and VUV (</a:t>
+            </a:r>
+            <a:r>
+              <a:rPr lang="en-HK" dirty="0">
+                <a:solidFill>
+                  <a:srgbClr val="0070C0"/>
+                </a:solidFill>
+                <a:latin typeface="Times New Roman" panose="02020603050405020304" pitchFamily="18" charset="0"/>
+                <a:cs typeface="Times New Roman" panose="02020603050405020304" pitchFamily="18" charset="0"/>
+              </a:rPr>
+              <a:t>9.27</a:t>
+            </a:r>
+            <a:r>
+              <a:rPr lang="en-HK" dirty="0">
+                <a:latin typeface="Times New Roman" panose="02020603050405020304" pitchFamily="18" charset="0"/>
+                <a:cs typeface="Times New Roman" panose="02020603050405020304" pitchFamily="18" charset="0"/>
+              </a:rPr>
+              <a:t> eV</a:t>
+            </a:r>
+            <a:r>
+              <a:rPr lang="en-HK" dirty="0" smtClean="0">
+                <a:latin typeface="Times New Roman" panose="02020603050405020304" pitchFamily="18" charset="0"/>
+                <a:cs typeface="Times New Roman" panose="02020603050405020304" pitchFamily="18" charset="0"/>
+              </a:rPr>
+              <a:t>) has exceed </a:t>
+            </a:r>
+          </a:p>
+          <a:p>
+            <a:r>
+              <a:rPr lang="en-HK" dirty="0" smtClean="0">
+                <a:latin typeface="Times New Roman" panose="02020603050405020304" pitchFamily="18" charset="0"/>
+                <a:cs typeface="Times New Roman" panose="02020603050405020304" pitchFamily="18" charset="0"/>
+              </a:rPr>
+              <a:t>the energy needed, </a:t>
+            </a:r>
+            <a:endParaRPr lang="en-US" dirty="0"/>
+          </a:p>
+        </p:txBody>
+      </p:sp>
     </p:spTree>
     <p:extLst>
       <p:ext uri="{BB962C8B-B14F-4D97-AF65-F5344CB8AC3E}">
-        <p14:creationId xmlns:p14="http://schemas.microsoft.com/office/powerpoint/2010/main" val="3327850508"/>
+        <p14:creationId xmlns:p14="http://schemas.microsoft.com/office/powerpoint/2010/main" val="882420126"/>
       </p:ext>
     </p:extLst>
   </p:cSld>
@@ -6390,12 +6514,7 @@
             <p:ph type="title"/>
           </p:nvPr>
         </p:nvSpPr>
-        <p:spPr>
-          <a:xfrm>
-            <a:off x="3059832" y="2497460"/>
-            <a:ext cx="7200900" cy="1238250"/>
-          </a:xfrm>
-        </p:spPr>
+        <p:spPr/>
         <p:txBody>
           <a:bodyPr/>
           <a:lstStyle/>
@@ -6405,12 +6524,479 @@
                 <a:latin typeface="Times New Roman" panose="02020603050405020304" pitchFamily="18" charset="0"/>
                 <a:cs typeface="Times New Roman" panose="02020603050405020304" pitchFamily="18" charset="0"/>
               </a:rPr>
-              <a:t>Methodology</a:t>
+              <a:t>Experimental Protocol:</a:t>
             </a:r>
             <a:endParaRPr lang="en-US" dirty="0">
               <a:latin typeface="Times New Roman" panose="02020603050405020304" pitchFamily="18" charset="0"/>
               <a:cs typeface="Times New Roman" panose="02020603050405020304" pitchFamily="18" charset="0"/>
             </a:endParaRPr>
+          </a:p>
+        </p:txBody>
+      </p:sp>
+      <p:sp>
+        <p:nvSpPr>
+          <p:cNvPr id="3" name="內容版面配置區 2"/>
+          <p:cNvSpPr>
+            <a:spLocks noGrp="1"/>
+          </p:cNvSpPr>
+          <p:nvPr>
+            <p:ph idx="1"/>
+          </p:nvPr>
+        </p:nvSpPr>
+        <p:spPr>
+          <a:xfrm>
+            <a:off x="1028700" y="1208316"/>
+            <a:ext cx="6897960" cy="3544168"/>
+          </a:xfrm>
+        </p:spPr>
+        <p:txBody>
+          <a:bodyPr>
+            <a:noAutofit/>
+          </a:bodyPr>
+          <a:lstStyle/>
+          <a:p>
+            <a:r>
+              <a:rPr lang="en-US" altLang="zh-TW" sz="2800" dirty="0" smtClean="0">
+                <a:latin typeface="Times New Roman" panose="02020603050405020304" pitchFamily="18" charset="0"/>
+                <a:cs typeface="Times New Roman" panose="02020603050405020304" pitchFamily="18" charset="0"/>
+              </a:rPr>
+              <a:t>1.</a:t>
+            </a:r>
+            <a:r>
+              <a:rPr lang="zh-TW" altLang="en-US" sz="2800" dirty="0" smtClean="0">
+                <a:latin typeface="Times New Roman" panose="02020603050405020304" pitchFamily="18" charset="0"/>
+                <a:cs typeface="Times New Roman" panose="02020603050405020304" pitchFamily="18" charset="0"/>
+              </a:rPr>
+              <a:t> </a:t>
+            </a:r>
+            <a:r>
+              <a:rPr lang="en-HK" altLang="zh-TW" sz="2800" dirty="0" smtClean="0">
+                <a:latin typeface="Times New Roman" panose="02020603050405020304" pitchFamily="18" charset="0"/>
+                <a:cs typeface="Times New Roman" panose="02020603050405020304" pitchFamily="18" charset="0"/>
+              </a:rPr>
+              <a:t>To compare with </a:t>
+            </a:r>
+            <a:r>
+              <a:rPr lang="en-HK" altLang="zh-TW" sz="2800" dirty="0" smtClean="0">
+                <a:solidFill>
+                  <a:srgbClr val="0070C0"/>
+                </a:solidFill>
+                <a:latin typeface="Times New Roman" panose="02020603050405020304" pitchFamily="18" charset="0"/>
+                <a:cs typeface="Times New Roman" panose="02020603050405020304" pitchFamily="18" charset="0"/>
+              </a:rPr>
+              <a:t>previous studies</a:t>
+            </a:r>
+          </a:p>
+          <a:p>
+            <a:pPr lvl="1"/>
+            <a:r>
+              <a:rPr lang="en-HK" altLang="zh-TW" sz="2800" i="0" dirty="0" smtClean="0">
+                <a:latin typeface="Times New Roman" panose="02020603050405020304" pitchFamily="18" charset="0"/>
+                <a:cs typeface="Times New Roman" panose="02020603050405020304" pitchFamily="18" charset="0"/>
+              </a:rPr>
+              <a:t>Kim and Kaiser (</a:t>
+            </a:r>
+            <a:r>
+              <a:rPr lang="en-HK" sz="2800" i="0" dirty="0" smtClean="0">
+                <a:latin typeface="Times New Roman" panose="02020603050405020304" pitchFamily="18" charset="0"/>
+                <a:cs typeface="Times New Roman" panose="02020603050405020304" pitchFamily="18" charset="0"/>
+              </a:rPr>
+              <a:t>CH</a:t>
+            </a:r>
+            <a:r>
+              <a:rPr lang="en-HK" sz="2800" i="0" baseline="-25000" dirty="0" smtClean="0">
+                <a:latin typeface="Times New Roman" panose="02020603050405020304" pitchFamily="18" charset="0"/>
+                <a:cs typeface="Times New Roman" panose="02020603050405020304" pitchFamily="18" charset="0"/>
+              </a:rPr>
+              <a:t>4</a:t>
+            </a:r>
+            <a:r>
+              <a:rPr lang="en-HK" sz="2800" i="0" dirty="0">
+                <a:latin typeface="Times New Roman" panose="02020603050405020304" pitchFamily="18" charset="0"/>
+                <a:cs typeface="Times New Roman" panose="02020603050405020304" pitchFamily="18" charset="0"/>
+              </a:rPr>
+              <a:t>:</a:t>
+            </a:r>
+            <a:r>
+              <a:rPr lang="en-HK" sz="2800" i="0" dirty="0" smtClean="0">
+                <a:latin typeface="Times New Roman" panose="02020603050405020304" pitchFamily="18" charset="0"/>
+                <a:cs typeface="Times New Roman" panose="02020603050405020304" pitchFamily="18" charset="0"/>
+              </a:rPr>
+              <a:t>NH</a:t>
+            </a:r>
+            <a:r>
+              <a:rPr lang="en-HK" sz="2800" i="0" baseline="-25000" dirty="0" smtClean="0">
+                <a:latin typeface="Times New Roman" panose="02020603050405020304" pitchFamily="18" charset="0"/>
+                <a:cs typeface="Times New Roman" panose="02020603050405020304" pitchFamily="18" charset="0"/>
+              </a:rPr>
+              <a:t>3 </a:t>
+            </a:r>
+            <a:r>
+              <a:rPr lang="en-HK" altLang="zh-TW" sz="2800" i="0" dirty="0" smtClean="0">
+                <a:solidFill>
+                  <a:srgbClr val="0070C0"/>
+                </a:solidFill>
+                <a:latin typeface="Times New Roman" panose="02020603050405020304" pitchFamily="18" charset="0"/>
+                <a:cs typeface="Times New Roman" panose="02020603050405020304" pitchFamily="18" charset="0"/>
+              </a:rPr>
+              <a:t>3:1</a:t>
+            </a:r>
+            <a:r>
+              <a:rPr lang="en-HK" altLang="zh-TW" sz="2800" i="0" dirty="0" smtClean="0">
+                <a:latin typeface="Times New Roman" panose="02020603050405020304" pitchFamily="18" charset="0"/>
+                <a:cs typeface="Times New Roman" panose="02020603050405020304" pitchFamily="18" charset="0"/>
+              </a:rPr>
+              <a:t>) (5 </a:t>
+            </a:r>
+            <a:r>
+              <a:rPr lang="en-HK" altLang="zh-TW" sz="2800" i="0" dirty="0" err="1" smtClean="0">
+                <a:latin typeface="Times New Roman" panose="02020603050405020304" pitchFamily="18" charset="0"/>
+                <a:cs typeface="Times New Roman" panose="02020603050405020304" pitchFamily="18" charset="0"/>
+              </a:rPr>
+              <a:t>keV</a:t>
+            </a:r>
+            <a:r>
+              <a:rPr lang="en-HK" altLang="zh-TW" sz="2800" i="0" dirty="0" smtClean="0">
+                <a:latin typeface="Times New Roman" panose="02020603050405020304" pitchFamily="18" charset="0"/>
+                <a:cs typeface="Times New Roman" panose="02020603050405020304" pitchFamily="18" charset="0"/>
+              </a:rPr>
+              <a:t> e</a:t>
+            </a:r>
+            <a:r>
+              <a:rPr lang="en-HK" altLang="zh-TW" sz="2800" i="0" baseline="30000" dirty="0" smtClean="0">
+                <a:latin typeface="Times New Roman" panose="02020603050405020304" pitchFamily="18" charset="0"/>
+                <a:cs typeface="Times New Roman" panose="02020603050405020304" pitchFamily="18" charset="0"/>
+              </a:rPr>
+              <a:t>-</a:t>
+            </a:r>
+            <a:r>
+              <a:rPr lang="en-HK" altLang="zh-TW" sz="2800" i="0" dirty="0" smtClean="0">
+                <a:latin typeface="Times New Roman" panose="02020603050405020304" pitchFamily="18" charset="0"/>
+                <a:cs typeface="Times New Roman" panose="02020603050405020304" pitchFamily="18" charset="0"/>
+              </a:rPr>
+              <a:t>)</a:t>
+            </a:r>
+          </a:p>
+          <a:p>
+            <a:pPr lvl="1"/>
+            <a:r>
+              <a:rPr lang="en-HK" altLang="zh-TW" sz="2800" i="0" dirty="0" err="1" smtClean="0">
+                <a:latin typeface="Times New Roman" panose="02020603050405020304" pitchFamily="18" charset="0"/>
+                <a:cs typeface="Times New Roman" panose="02020603050405020304" pitchFamily="18" charset="0"/>
+              </a:rPr>
+              <a:t>Kundy</a:t>
+            </a:r>
+            <a:r>
+              <a:rPr lang="en-HK" altLang="zh-TW" sz="2800" i="0" dirty="0" smtClean="0">
+                <a:latin typeface="Times New Roman" panose="02020603050405020304" pitchFamily="18" charset="0"/>
+                <a:cs typeface="Times New Roman" panose="02020603050405020304" pitchFamily="18" charset="0"/>
+              </a:rPr>
+              <a:t> et al. (</a:t>
+            </a:r>
+            <a:r>
+              <a:rPr lang="en-HK" sz="2800" i="0" dirty="0" smtClean="0">
+                <a:latin typeface="Times New Roman" panose="02020603050405020304" pitchFamily="18" charset="0"/>
+                <a:cs typeface="Times New Roman" panose="02020603050405020304" pitchFamily="18" charset="0"/>
+              </a:rPr>
+              <a:t>CH</a:t>
+            </a:r>
+            <a:r>
+              <a:rPr lang="en-HK" sz="2800" i="0" baseline="-25000" dirty="0" smtClean="0">
+                <a:latin typeface="Times New Roman" panose="02020603050405020304" pitchFamily="18" charset="0"/>
+                <a:cs typeface="Times New Roman" panose="02020603050405020304" pitchFamily="18" charset="0"/>
+              </a:rPr>
+              <a:t>4</a:t>
+            </a:r>
+            <a:r>
+              <a:rPr lang="en-HK" sz="2800" i="0" dirty="0">
+                <a:latin typeface="Times New Roman" panose="02020603050405020304" pitchFamily="18" charset="0"/>
+                <a:cs typeface="Times New Roman" panose="02020603050405020304" pitchFamily="18" charset="0"/>
+              </a:rPr>
+              <a:t>:</a:t>
+            </a:r>
+            <a:r>
+              <a:rPr lang="en-HK" sz="2800" i="0" dirty="0" smtClean="0">
+                <a:latin typeface="Times New Roman" panose="02020603050405020304" pitchFamily="18" charset="0"/>
+                <a:cs typeface="Times New Roman" panose="02020603050405020304" pitchFamily="18" charset="0"/>
+              </a:rPr>
+              <a:t>NH</a:t>
+            </a:r>
+            <a:r>
+              <a:rPr lang="en-HK" sz="2800" i="0" baseline="-25000" dirty="0" smtClean="0">
+                <a:latin typeface="Times New Roman" panose="02020603050405020304" pitchFamily="18" charset="0"/>
+                <a:cs typeface="Times New Roman" panose="02020603050405020304" pitchFamily="18" charset="0"/>
+              </a:rPr>
+              <a:t>3  </a:t>
+            </a:r>
+            <a:r>
+              <a:rPr lang="en-HK" altLang="zh-TW" sz="2800" i="0" dirty="0" smtClean="0">
+                <a:solidFill>
+                  <a:srgbClr val="0070C0"/>
+                </a:solidFill>
+                <a:latin typeface="Times New Roman" panose="02020603050405020304" pitchFamily="18" charset="0"/>
+                <a:cs typeface="Times New Roman" panose="02020603050405020304" pitchFamily="18" charset="0"/>
+              </a:rPr>
+              <a:t>3:2</a:t>
+            </a:r>
+            <a:r>
+              <a:rPr lang="en-HK" altLang="zh-TW" sz="2800" i="0" dirty="0" smtClean="0">
+                <a:latin typeface="Times New Roman" panose="02020603050405020304" pitchFamily="18" charset="0"/>
+                <a:cs typeface="Times New Roman" panose="02020603050405020304" pitchFamily="18" charset="0"/>
+              </a:rPr>
+              <a:t>)  (1-90 eV e</a:t>
+            </a:r>
+            <a:r>
+              <a:rPr lang="en-HK" altLang="zh-TW" sz="2800" i="0" baseline="30000" dirty="0" smtClean="0">
+                <a:latin typeface="Times New Roman" panose="02020603050405020304" pitchFamily="18" charset="0"/>
+                <a:cs typeface="Times New Roman" panose="02020603050405020304" pitchFamily="18" charset="0"/>
+              </a:rPr>
+              <a:t>-</a:t>
+            </a:r>
+            <a:r>
+              <a:rPr lang="en-HK" altLang="zh-TW" sz="2800" i="0" dirty="0" smtClean="0">
+                <a:latin typeface="Times New Roman" panose="02020603050405020304" pitchFamily="18" charset="0"/>
+                <a:cs typeface="Times New Roman" panose="02020603050405020304" pitchFamily="18" charset="0"/>
+              </a:rPr>
+              <a:t>)</a:t>
+            </a:r>
+          </a:p>
+          <a:p>
+            <a:pPr lvl="1"/>
+            <a:r>
+              <a:rPr lang="en-HK" sz="2800" i="0" dirty="0" smtClean="0">
+                <a:latin typeface="Times New Roman" panose="02020603050405020304" pitchFamily="18" charset="0"/>
+                <a:cs typeface="Times New Roman" panose="02020603050405020304" pitchFamily="18" charset="0"/>
+              </a:rPr>
+              <a:t>We perform </a:t>
+            </a:r>
+            <a:r>
+              <a:rPr lang="en-HK" sz="2800" i="0" dirty="0">
+                <a:latin typeface="Times New Roman" panose="02020603050405020304" pitchFamily="18" charset="0"/>
+                <a:cs typeface="Times New Roman" panose="02020603050405020304" pitchFamily="18" charset="0"/>
+              </a:rPr>
+              <a:t>(</a:t>
+            </a:r>
+            <a:r>
+              <a:rPr lang="en-HK" sz="2800" i="0" dirty="0" smtClean="0">
+                <a:solidFill>
+                  <a:schemeClr val="tx1"/>
+                </a:solidFill>
+                <a:latin typeface="Times New Roman" panose="02020603050405020304" pitchFamily="18" charset="0"/>
+                <a:cs typeface="Times New Roman" panose="02020603050405020304" pitchFamily="18" charset="0"/>
+              </a:rPr>
+              <a:t>CH</a:t>
+            </a:r>
+            <a:r>
+              <a:rPr lang="en-HK" sz="2800" i="0" baseline="-25000" dirty="0" smtClean="0">
+                <a:solidFill>
+                  <a:schemeClr val="tx1"/>
+                </a:solidFill>
+                <a:latin typeface="Times New Roman" panose="02020603050405020304" pitchFamily="18" charset="0"/>
+                <a:cs typeface="Times New Roman" panose="02020603050405020304" pitchFamily="18" charset="0"/>
+              </a:rPr>
+              <a:t>4</a:t>
+            </a:r>
+            <a:r>
+              <a:rPr lang="en-HK" sz="2800" i="0" dirty="0" smtClean="0">
+                <a:solidFill>
+                  <a:schemeClr val="tx1"/>
+                </a:solidFill>
+                <a:latin typeface="Times New Roman" panose="02020603050405020304" pitchFamily="18" charset="0"/>
+                <a:cs typeface="Times New Roman" panose="02020603050405020304" pitchFamily="18" charset="0"/>
+              </a:rPr>
+              <a:t>:NH</a:t>
+            </a:r>
+            <a:r>
+              <a:rPr lang="en-HK" sz="2800" i="0" baseline="-25000" dirty="0" smtClean="0">
+                <a:solidFill>
+                  <a:schemeClr val="tx1"/>
+                </a:solidFill>
+                <a:latin typeface="Times New Roman" panose="02020603050405020304" pitchFamily="18" charset="0"/>
+                <a:cs typeface="Times New Roman" panose="02020603050405020304" pitchFamily="18" charset="0"/>
+              </a:rPr>
+              <a:t>3</a:t>
+            </a:r>
+            <a:r>
+              <a:rPr lang="en-HK" sz="2800" i="0" dirty="0" smtClean="0">
+                <a:solidFill>
+                  <a:schemeClr val="tx1"/>
+                </a:solidFill>
+                <a:latin typeface="Times New Roman" panose="02020603050405020304" pitchFamily="18" charset="0"/>
+                <a:cs typeface="Times New Roman" panose="02020603050405020304" pitchFamily="18" charset="0"/>
+              </a:rPr>
+              <a:t> </a:t>
+            </a:r>
+            <a:r>
+              <a:rPr lang="en-HK" sz="2800" i="0" dirty="0" smtClean="0">
+                <a:solidFill>
+                  <a:srgbClr val="0070C0"/>
+                </a:solidFill>
+                <a:latin typeface="Times New Roman" panose="02020603050405020304" pitchFamily="18" charset="0"/>
+                <a:cs typeface="Times New Roman" panose="02020603050405020304" pitchFamily="18" charset="0"/>
+              </a:rPr>
+              <a:t>3:2</a:t>
+            </a:r>
+            <a:r>
+              <a:rPr lang="en-HK" sz="2800" i="0" dirty="0" smtClean="0">
+                <a:solidFill>
+                  <a:schemeClr val="tx1"/>
+                </a:solidFill>
+                <a:latin typeface="Times New Roman" panose="02020603050405020304" pitchFamily="18" charset="0"/>
+                <a:cs typeface="Times New Roman" panose="02020603050405020304" pitchFamily="18" charset="0"/>
+              </a:rPr>
+              <a:t>)</a:t>
+            </a:r>
+            <a:r>
+              <a:rPr lang="en-HK" sz="2800" i="0" dirty="0">
+                <a:solidFill>
+                  <a:srgbClr val="0070C0"/>
+                </a:solidFill>
+                <a:latin typeface="Times New Roman" panose="02020603050405020304" pitchFamily="18" charset="0"/>
+                <a:cs typeface="Times New Roman" panose="02020603050405020304" pitchFamily="18" charset="0"/>
+              </a:rPr>
+              <a:t> </a:t>
+            </a:r>
+            <a:endParaRPr lang="en-HK" sz="2800" i="0" dirty="0" smtClean="0">
+              <a:solidFill>
+                <a:srgbClr val="0070C0"/>
+              </a:solidFill>
+              <a:latin typeface="Times New Roman" panose="02020603050405020304" pitchFamily="18" charset="0"/>
+              <a:cs typeface="Times New Roman" panose="02020603050405020304" pitchFamily="18" charset="0"/>
+            </a:endParaRPr>
+          </a:p>
+          <a:p>
+            <a:pPr marL="397764" lvl="1" indent="0">
+              <a:buNone/>
+            </a:pPr>
+            <a:r>
+              <a:rPr lang="en-HK" sz="2800" i="0" dirty="0" smtClean="0">
+                <a:solidFill>
+                  <a:srgbClr val="0070C0"/>
+                </a:solidFill>
+                <a:latin typeface="Times New Roman" panose="02020603050405020304" pitchFamily="18" charset="0"/>
+                <a:cs typeface="Times New Roman" panose="02020603050405020304" pitchFamily="18" charset="0"/>
+              </a:rPr>
+              <a:t>Photon</a:t>
+            </a:r>
+            <a:r>
+              <a:rPr lang="en-HK" sz="2800" i="0" dirty="0" smtClean="0">
+                <a:latin typeface="Times New Roman" panose="02020603050405020304" pitchFamily="18" charset="0"/>
+                <a:cs typeface="Times New Roman" panose="02020603050405020304" pitchFamily="18" charset="0"/>
+              </a:rPr>
+              <a:t> </a:t>
+            </a:r>
+            <a:r>
+              <a:rPr lang="en-HK" sz="2800" i="0" dirty="0" smtClean="0">
+                <a:latin typeface="Times New Roman" panose="02020603050405020304" pitchFamily="18" charset="0"/>
+                <a:cs typeface="Times New Roman" panose="02020603050405020304" pitchFamily="18" charset="0"/>
+              </a:rPr>
+              <a:t>sources: VUV (9.27 eV) and </a:t>
+            </a:r>
+            <a:r>
+              <a:rPr lang="en-HK" sz="2800" i="0" dirty="0">
+                <a:latin typeface="Times New Roman" panose="02020603050405020304" pitchFamily="18" charset="0"/>
+                <a:cs typeface="Times New Roman" panose="02020603050405020304" pitchFamily="18" charset="0"/>
+              </a:rPr>
+              <a:t>EUV </a:t>
+            </a:r>
+            <a:r>
+              <a:rPr lang="en-HK" sz="2800" i="0" dirty="0" smtClean="0">
+                <a:latin typeface="Times New Roman" panose="02020603050405020304" pitchFamily="18" charset="0"/>
+                <a:cs typeface="Times New Roman" panose="02020603050405020304" pitchFamily="18" charset="0"/>
+              </a:rPr>
+              <a:t>(40.8 eV)</a:t>
+            </a:r>
+            <a:endParaRPr lang="en-HK" sz="2800" i="0" dirty="0" smtClean="0">
+              <a:solidFill>
+                <a:srgbClr val="0070C0"/>
+              </a:solidFill>
+              <a:latin typeface="Times New Roman" panose="02020603050405020304" pitchFamily="18" charset="0"/>
+              <a:cs typeface="Times New Roman" panose="02020603050405020304" pitchFamily="18" charset="0"/>
+            </a:endParaRPr>
+          </a:p>
+          <a:p>
+            <a:r>
+              <a:rPr lang="en-HK" sz="2800" dirty="0" smtClean="0">
+                <a:latin typeface="Times New Roman" panose="02020603050405020304" pitchFamily="18" charset="0"/>
+                <a:cs typeface="Times New Roman" panose="02020603050405020304" pitchFamily="18" charset="0"/>
+              </a:rPr>
+              <a:t>2. To simulate the </a:t>
+            </a:r>
+            <a:r>
+              <a:rPr lang="en-HK" sz="2800" dirty="0" smtClean="0">
+                <a:solidFill>
+                  <a:srgbClr val="0070C0"/>
+                </a:solidFill>
+                <a:latin typeface="Times New Roman" panose="02020603050405020304" pitchFamily="18" charset="0"/>
+                <a:cs typeface="Times New Roman" panose="02020603050405020304" pitchFamily="18" charset="0"/>
+              </a:rPr>
+              <a:t>surface of Charon</a:t>
+            </a:r>
+          </a:p>
+          <a:p>
+            <a:pPr lvl="1"/>
+            <a:r>
+              <a:rPr lang="en-HK" sz="2800" i="0" dirty="0" smtClean="0">
+                <a:latin typeface="Times New Roman" panose="02020603050405020304" pitchFamily="18" charset="0"/>
+                <a:cs typeface="Times New Roman" panose="02020603050405020304" pitchFamily="18" charset="0"/>
+              </a:rPr>
+              <a:t>Different relative proportion of </a:t>
+            </a:r>
+          </a:p>
+          <a:p>
+            <a:pPr marL="397764" lvl="1" indent="0">
+              <a:buNone/>
+            </a:pPr>
+            <a:r>
+              <a:rPr lang="en-HK" sz="2800" i="0" dirty="0" smtClean="0">
+                <a:solidFill>
+                  <a:srgbClr val="0070C0"/>
+                </a:solidFill>
+                <a:latin typeface="Times New Roman" panose="02020603050405020304" pitchFamily="18" charset="0"/>
+                <a:cs typeface="Times New Roman" panose="02020603050405020304" pitchFamily="18" charset="0"/>
+              </a:rPr>
+              <a:t>CH</a:t>
+            </a:r>
+            <a:r>
+              <a:rPr lang="en-HK" sz="2800" i="0" baseline="-25000" dirty="0" smtClean="0">
+                <a:solidFill>
+                  <a:srgbClr val="0070C0"/>
+                </a:solidFill>
+                <a:latin typeface="Times New Roman" panose="02020603050405020304" pitchFamily="18" charset="0"/>
+                <a:cs typeface="Times New Roman" panose="02020603050405020304" pitchFamily="18" charset="0"/>
+              </a:rPr>
+              <a:t>4</a:t>
+            </a:r>
+            <a:r>
+              <a:rPr lang="en-HK" sz="2800" i="0" dirty="0" smtClean="0">
+                <a:solidFill>
+                  <a:srgbClr val="0070C0"/>
+                </a:solidFill>
+                <a:latin typeface="Times New Roman" panose="02020603050405020304" pitchFamily="18" charset="0"/>
+                <a:cs typeface="Times New Roman" panose="02020603050405020304" pitchFamily="18" charset="0"/>
+              </a:rPr>
+              <a:t>:NH</a:t>
+            </a:r>
+            <a:r>
+              <a:rPr lang="en-HK" sz="2800" i="0" baseline="-25000" dirty="0" smtClean="0">
+                <a:solidFill>
+                  <a:srgbClr val="0070C0"/>
+                </a:solidFill>
+                <a:latin typeface="Times New Roman" panose="02020603050405020304" pitchFamily="18" charset="0"/>
+                <a:cs typeface="Times New Roman" panose="02020603050405020304" pitchFamily="18" charset="0"/>
+              </a:rPr>
+              <a:t>3</a:t>
+            </a:r>
+            <a:r>
+              <a:rPr lang="en-HK" sz="2800" i="0" dirty="0" smtClean="0">
+                <a:solidFill>
+                  <a:srgbClr val="0070C0"/>
+                </a:solidFill>
+                <a:latin typeface="Times New Roman" panose="02020603050405020304" pitchFamily="18" charset="0"/>
+                <a:cs typeface="Times New Roman" panose="02020603050405020304" pitchFamily="18" charset="0"/>
+              </a:rPr>
+              <a:t> 1:5, 1:10, 1:20</a:t>
+            </a:r>
           </a:p>
         </p:txBody>
       </p:sp>
@@ -6440,7 +7026,7 @@
     </p:spTree>
     <p:extLst>
       <p:ext uri="{BB962C8B-B14F-4D97-AF65-F5344CB8AC3E}">
-        <p14:creationId xmlns:p14="http://schemas.microsoft.com/office/powerpoint/2010/main" val="2694353525"/>
+        <p14:creationId xmlns:p14="http://schemas.microsoft.com/office/powerpoint/2010/main" val="3327850508"/>
       </p:ext>
     </p:extLst>
   </p:cSld>
@@ -6486,6 +7072,100 @@
         </p:nvSpPr>
         <p:spPr>
           <a:xfrm>
+            <a:off x="3059832" y="2497460"/>
+            <a:ext cx="7200900" cy="1238250"/>
+          </a:xfrm>
+        </p:spPr>
+        <p:txBody>
+          <a:bodyPr/>
+          <a:lstStyle/>
+          <a:p>
+            <a:r>
+              <a:rPr lang="en-HK" dirty="0" smtClean="0">
+                <a:latin typeface="Times New Roman" panose="02020603050405020304" pitchFamily="18" charset="0"/>
+                <a:cs typeface="Times New Roman" panose="02020603050405020304" pitchFamily="18" charset="0"/>
+              </a:rPr>
+              <a:t>Methodology</a:t>
+            </a:r>
+            <a:endParaRPr lang="en-US" dirty="0">
+              <a:latin typeface="Times New Roman" panose="02020603050405020304" pitchFamily="18" charset="0"/>
+              <a:cs typeface="Times New Roman" panose="02020603050405020304" pitchFamily="18" charset="0"/>
+            </a:endParaRPr>
+          </a:p>
+        </p:txBody>
+      </p:sp>
+      <p:sp>
+        <p:nvSpPr>
+          <p:cNvPr id="4" name="投影片編號版面配置區 3"/>
+          <p:cNvSpPr>
+            <a:spLocks noGrp="1"/>
+          </p:cNvSpPr>
+          <p:nvPr>
+            <p:ph type="sldNum" sz="quarter" idx="12"/>
+          </p:nvPr>
+        </p:nvSpPr>
+        <p:spPr/>
+        <p:txBody>
+          <a:bodyPr/>
+          <a:lstStyle/>
+          <a:p>
+            <a:fld id="{B646D8CA-B2C0-41A8-8514-369D0B0735D6}" type="slidenum">
+              <a:rPr lang="zh-TW" altLang="en-US" sz="2000" smtClean="0"/>
+              <a:t>12</a:t>
+            </a:fld>
+            <a:endParaRPr lang="zh-TW" altLang="en-US" sz="2000" dirty="0"/>
+          </a:p>
+        </p:txBody>
+      </p:sp>
+    </p:spTree>
+    <p:extLst>
+      <p:ext uri="{BB962C8B-B14F-4D97-AF65-F5344CB8AC3E}">
+        <p14:creationId xmlns:p14="http://schemas.microsoft.com/office/powerpoint/2010/main" val="2694353525"/>
+      </p:ext>
+    </p:extLst>
+  </p:cSld>
+  <p:clrMapOvr>
+    <a:masterClrMapping/>
+  </p:clrMapOvr>
+  <p:timing>
+    <p:tnLst>
+      <p:par>
+        <p:cTn id="1" dur="indefinite" restart="never" nodeType="tmRoot"/>
+      </p:par>
+    </p:tnLst>
+  </p:timing>
+</p:sld>
+</file>
+
+<file path=ppt/slides/slide13.xml><?xml version="1.0" encoding="utf-8"?>
+<p:sld xmlns:a="http://schemas.openxmlformats.org/drawingml/2006/main" xmlns:r="http://schemas.openxmlformats.org/officeDocument/2006/relationships" xmlns:p="http://schemas.openxmlformats.org/presentationml/2006/main">
+  <p:cSld>
+    <p:spTree>
+      <p:nvGrpSpPr>
+        <p:cNvPr id="1" name=""/>
+        <p:cNvGrpSpPr/>
+        <p:nvPr/>
+      </p:nvGrpSpPr>
+      <p:grpSpPr>
+        <a:xfrm>
+          <a:off x="0" y="0"/>
+          <a:ext cx="0" cy="0"/>
+          <a:chOff x="0" y="0"/>
+          <a:chExt cx="0" cy="0"/>
+        </a:xfrm>
+      </p:grpSpPr>
+      <p:sp>
+        <p:nvSpPr>
+          <p:cNvPr id="2" name="標題 1"/>
+          <p:cNvSpPr>
+            <a:spLocks noGrp="1"/>
+          </p:cNvSpPr>
+          <p:nvPr>
+            <p:ph type="title"/>
+          </p:nvPr>
+        </p:nvSpPr>
+        <p:spPr>
+          <a:xfrm>
             <a:off x="1028700" y="571500"/>
             <a:ext cx="7200900" cy="693813"/>
           </a:xfrm>
@@ -6526,7 +7206,7 @@
             <p:ph idx="1"/>
             <p:extLst>
               <p:ext uri="{D42A27DB-BD31-4B8C-83A1-F6EECF244321}">
-                <p14:modId xmlns:p14="http://schemas.microsoft.com/office/powerpoint/2010/main" val="1230117988"/>
+                <p14:modId xmlns:p14="http://schemas.microsoft.com/office/powerpoint/2010/main" val="2712639142"/>
               </p:ext>
             </p:extLst>
           </p:nvPr>
@@ -6542,14 +7222,14 @@
                 <a:tableStyleId>{5C22544A-7EE6-4342-B048-85BDC9FD1C3A}</a:tableStyleId>
               </a:tblPr>
               <a:tblGrid>
-                <a:gridCol w="1084268">
+                <a:gridCol w="1296144">
                   <a:extLst>
                     <a:ext uri="{9D8B030D-6E8A-4147-A177-3AD203B41FA5}">
                       <a16:colId xmlns:a16="http://schemas.microsoft.com/office/drawing/2014/main" val="2211701080"/>
                     </a:ext>
                   </a:extLst>
                 </a:gridCol>
-                <a:gridCol w="1848033">
+                <a:gridCol w="1636157">
                   <a:extLst>
                     <a:ext uri="{9D8B030D-6E8A-4147-A177-3AD203B41FA5}">
                       <a16:colId xmlns:a16="http://schemas.microsoft.com/office/drawing/2014/main" val="3621736844"/>
@@ -6597,14 +7277,21 @@
                           <a:latin typeface="Times New Roman" panose="02020603050405020304" pitchFamily="18" charset="0"/>
                           <a:cs typeface="Times New Roman" panose="02020603050405020304" pitchFamily="18" charset="0"/>
                         </a:rPr>
-                        <a:t>Energetic</a:t>
+                        <a:t>Photon</a:t>
                       </a:r>
                       <a:r>
                         <a:rPr lang="en-HK" sz="2000" baseline="0" dirty="0" smtClean="0">
                           <a:latin typeface="Times New Roman" panose="02020603050405020304" pitchFamily="18" charset="0"/>
                           <a:cs typeface="Times New Roman" panose="02020603050405020304" pitchFamily="18" charset="0"/>
                         </a:rPr>
-                        <a:t> Source</a:t>
+                        <a:t> </a:t>
+                      </a:r>
+                      <a:r>
+                        <a:rPr lang="en-HK" sz="2000" baseline="0" dirty="0" smtClean="0">
+                          <a:latin typeface="Times New Roman" panose="02020603050405020304" pitchFamily="18" charset="0"/>
+                          <a:cs typeface="Times New Roman" panose="02020603050405020304" pitchFamily="18" charset="0"/>
+                        </a:rPr>
+                        <a:t>Source</a:t>
                       </a:r>
                       <a:endParaRPr lang="en-US" sz="2000" dirty="0">
                         <a:latin typeface="Times New Roman" panose="02020603050405020304" pitchFamily="18" charset="0"/>
@@ -7602,7 +8289,7 @@
           <a:p>
             <a:fld id="{B646D8CA-B2C0-41A8-8514-369D0B0735D6}" type="slidenum">
               <a:rPr lang="zh-TW" altLang="en-US" sz="2000" smtClean="0"/>
-              <a:t>12</a:t>
+              <a:t>13</a:t>
             </a:fld>
             <a:endParaRPr lang="zh-TW" altLang="en-US" sz="2000" dirty="0"/>
           </a:p>
@@ -7706,7 +8393,7 @@
 </p:sld>
 </file>
 
-<file path=ppt/slides/slide13.xml><?xml version="1.0" encoding="utf-8"?>
+<file path=ppt/slides/slide14.xml><?xml version="1.0" encoding="utf-8"?>
 <p:sld xmlns:a="http://schemas.openxmlformats.org/drawingml/2006/main" xmlns:r="http://schemas.openxmlformats.org/officeDocument/2006/relationships" xmlns:p="http://schemas.openxmlformats.org/presentationml/2006/main">
   <p:cSld>
     <p:spTree>
@@ -8144,7 +8831,7 @@
           <a:p>
             <a:fld id="{B646D8CA-B2C0-41A8-8514-369D0B0735D6}" type="slidenum">
               <a:rPr lang="zh-TW" altLang="en-US" sz="2000" smtClean="0"/>
-              <a:t>13</a:t>
+              <a:t>14</a:t>
             </a:fld>
             <a:endParaRPr lang="zh-TW" altLang="en-US" sz="2000" dirty="0"/>
           </a:p>
@@ -8404,7 +9091,7 @@
 </p:sld>
 </file>
 
-<file path=ppt/slides/slide14.xml><?xml version="1.0" encoding="utf-8"?>
+<file path=ppt/slides/slide15.xml><?xml version="1.0" encoding="utf-8"?>
 <p:sld xmlns:a="http://schemas.openxmlformats.org/drawingml/2006/main" xmlns:r="http://schemas.openxmlformats.org/officeDocument/2006/relationships" xmlns:p="http://schemas.openxmlformats.org/presentationml/2006/main">
   <p:cSld>
     <p:spTree>
@@ -8489,7 +9176,7 @@
           <a:p>
             <a:fld id="{B646D8CA-B2C0-41A8-8514-369D0B0735D6}" type="slidenum">
               <a:rPr lang="zh-TW" altLang="en-US" sz="2000" smtClean="0"/>
-              <a:t>14</a:t>
+              <a:t>15</a:t>
             </a:fld>
             <a:endParaRPr lang="zh-TW" altLang="en-US" sz="2000" dirty="0"/>
           </a:p>
@@ -10302,7 +10989,7 @@
 </p:sld>
 </file>
 
-<file path=ppt/slides/slide15.xml><?xml version="1.0" encoding="utf-8"?>
+<file path=ppt/slides/slide16.xml><?xml version="1.0" encoding="utf-8"?>
 <p:sld xmlns:a="http://schemas.openxmlformats.org/drawingml/2006/main" xmlns:r="http://schemas.openxmlformats.org/officeDocument/2006/relationships" xmlns:p="http://schemas.openxmlformats.org/presentationml/2006/main">
   <p:cSld>
     <p:spTree>
@@ -10399,7 +11086,7 @@
           <a:p>
             <a:fld id="{B646D8CA-B2C0-41A8-8514-369D0B0735D6}" type="slidenum">
               <a:rPr lang="zh-TW" altLang="en-US" sz="2000" smtClean="0"/>
-              <a:t>15</a:t>
+              <a:t>16</a:t>
             </a:fld>
             <a:endParaRPr lang="zh-TW" altLang="en-US" sz="2000" dirty="0"/>
           </a:p>
@@ -10619,7 +11306,7 @@
 </p:sld>
 </file>
 
-<file path=ppt/slides/slide16.xml><?xml version="1.0" encoding="utf-8"?>
+<file path=ppt/slides/slide17.xml><?xml version="1.0" encoding="utf-8"?>
 <p:sld xmlns:a="http://schemas.openxmlformats.org/drawingml/2006/main" xmlns:r="http://schemas.openxmlformats.org/officeDocument/2006/relationships" xmlns:p="http://schemas.openxmlformats.org/presentationml/2006/main">
   <p:cSld>
     <p:spTree>
@@ -10687,7 +11374,7 @@
           <a:p>
             <a:fld id="{B646D8CA-B2C0-41A8-8514-369D0B0735D6}" type="slidenum">
               <a:rPr lang="zh-TW" altLang="en-US" sz="2000" smtClean="0"/>
-              <a:t>16</a:t>
+              <a:t>17</a:t>
             </a:fld>
             <a:endParaRPr lang="zh-TW" altLang="en-US" sz="2000" dirty="0"/>
           </a:p>
@@ -10713,7 +11400,7 @@
 </p:sld>
 </file>
 
-<file path=ppt/slides/slide17.xml><?xml version="1.0" encoding="utf-8"?>
+<file path=ppt/slides/slide18.xml><?xml version="1.0" encoding="utf-8"?>
 <p:sld xmlns:a="http://schemas.openxmlformats.org/drawingml/2006/main" xmlns:r="http://schemas.openxmlformats.org/officeDocument/2006/relationships" xmlns:p="http://schemas.openxmlformats.org/presentationml/2006/main">
   <p:cSld>
     <p:spTree>
@@ -11553,7 +12240,7 @@
           <a:p>
             <a:fld id="{B646D8CA-B2C0-41A8-8514-369D0B0735D6}" type="slidenum">
               <a:rPr lang="zh-TW" altLang="en-US" sz="2000" smtClean="0"/>
-              <a:t>17</a:t>
+              <a:t>18</a:t>
             </a:fld>
             <a:endParaRPr lang="zh-TW" altLang="en-US" sz="2000" dirty="0"/>
           </a:p>
@@ -11726,7 +12413,7 @@
 </p:sld>
 </file>
 
-<file path=ppt/slides/slide18.xml><?xml version="1.0" encoding="utf-8"?>
+<file path=ppt/slides/slide19.xml><?xml version="1.0" encoding="utf-8"?>
 <p:sld xmlns:a="http://schemas.openxmlformats.org/drawingml/2006/main" xmlns:r="http://schemas.openxmlformats.org/officeDocument/2006/relationships" xmlns:p="http://schemas.openxmlformats.org/presentationml/2006/main">
   <p:cSld>
     <p:spTree>
@@ -11815,7 +12502,7 @@
           <a:p>
             <a:fld id="{B646D8CA-B2C0-41A8-8514-369D0B0735D6}" type="slidenum">
               <a:rPr lang="zh-TW" altLang="en-US" sz="2000" smtClean="0"/>
-              <a:t>18</a:t>
+              <a:t>19</a:t>
             </a:fld>
             <a:endParaRPr lang="zh-TW" altLang="en-US" sz="2000" dirty="0"/>
           </a:p>
@@ -11867,7 +12554,7 @@
           <a:graphicData uri="http://schemas.openxmlformats.org/presentationml/2006/ole">
             <mc:AlternateContent xmlns:mc="http://schemas.openxmlformats.org/markup-compatibility/2006">
               <mc:Choice xmlns:v="urn:schemas-microsoft-com:vml" Requires="v">
-                <p:oleObj spid="_x0000_s10789" name="Graph" r:id="rId5" imgW="4754880" imgH="3108960" progId="Origin50.Graph">
+                <p:oleObj spid="_x0000_s10825" name="Graph" r:id="rId5" imgW="4754880" imgH="3108960" progId="Origin50.Graph">
                   <p:embed/>
                 </p:oleObj>
               </mc:Choice>
@@ -12049,7 +12736,7 @@
 </p:sld>
 </file>
 
-<file path=ppt/slides/slide19.xml><?xml version="1.0" encoding="utf-8"?>
+<file path=ppt/slides/slide2.xml><?xml version="1.0" encoding="utf-8"?>
 <p:sld xmlns:a="http://schemas.openxmlformats.org/drawingml/2006/main" xmlns:r="http://schemas.openxmlformats.org/officeDocument/2006/relationships" xmlns:p="http://schemas.openxmlformats.org/presentationml/2006/main">
   <p:cSld>
     <p:spTree>
@@ -12086,33 +12773,348 @@
                 <a:latin typeface="Times New Roman" panose="02020603050405020304" pitchFamily="18" charset="0"/>
                 <a:cs typeface="Times New Roman" panose="02020603050405020304" pitchFamily="18" charset="0"/>
               </a:rPr>
-              <a:t>1. Production </a:t>
-            </a:r>
-            <a:r>
-              <a:rPr lang="en-HK" dirty="0" smtClean="0">
-                <a:latin typeface="Times New Roman" panose="02020603050405020304" pitchFamily="18" charset="0"/>
-                <a:cs typeface="Times New Roman" panose="02020603050405020304" pitchFamily="18" charset="0"/>
-              </a:rPr>
-              <a:t>of </a:t>
-            </a:r>
-            <a:r>
-              <a:rPr lang="en-HK" dirty="0">
-                <a:latin typeface="Times New Roman" panose="02020603050405020304" pitchFamily="18" charset="0"/>
-                <a:cs typeface="Times New Roman" panose="02020603050405020304" pitchFamily="18" charset="0"/>
-              </a:rPr>
-              <a:t>CN</a:t>
-            </a:r>
-            <a:r>
-              <a:rPr lang="en-HK" baseline="30000" dirty="0">
-                <a:latin typeface="Times New Roman" panose="02020603050405020304" pitchFamily="18" charset="0"/>
-                <a:cs typeface="Times New Roman" panose="02020603050405020304" pitchFamily="18" charset="0"/>
-              </a:rPr>
-              <a:t>-</a:t>
+              <a:t>Contents</a:t>
             </a:r>
             <a:endParaRPr lang="en-US" dirty="0">
               <a:latin typeface="Times New Roman" panose="02020603050405020304" pitchFamily="18" charset="0"/>
               <a:cs typeface="Times New Roman" panose="02020603050405020304" pitchFamily="18" charset="0"/>
             </a:endParaRPr>
+          </a:p>
+        </p:txBody>
+      </p:sp>
+      <p:sp>
+        <p:nvSpPr>
+          <p:cNvPr id="3" name="內容版面配置區 2"/>
+          <p:cNvSpPr>
+            <a:spLocks noGrp="1"/>
+          </p:cNvSpPr>
+          <p:nvPr>
+            <p:ph idx="1"/>
+          </p:nvPr>
+        </p:nvSpPr>
+        <p:spPr>
+          <a:xfrm>
+            <a:off x="1028700" y="1129308"/>
+            <a:ext cx="7200900" cy="3760192"/>
+          </a:xfrm>
+        </p:spPr>
+        <p:txBody>
+          <a:bodyPr>
+            <a:noAutofit/>
+          </a:bodyPr>
+          <a:lstStyle/>
+          <a:p>
+            <a:r>
+              <a:rPr lang="en-HK" altLang="zh-CN" sz="2000" dirty="0" smtClean="0">
+                <a:latin typeface="Times New Roman" panose="02020603050405020304" pitchFamily="18" charset="0"/>
+                <a:cs typeface="Times New Roman" panose="02020603050405020304" pitchFamily="18" charset="0"/>
+              </a:rPr>
+              <a:t>Motivation</a:t>
+            </a:r>
+            <a:endParaRPr lang="en-HK" sz="2000" dirty="0" smtClean="0">
+              <a:latin typeface="Times New Roman" panose="02020603050405020304" pitchFamily="18" charset="0"/>
+              <a:cs typeface="Times New Roman" panose="02020603050405020304" pitchFamily="18" charset="0"/>
+            </a:endParaRPr>
+          </a:p>
+          <a:p>
+            <a:r>
+              <a:rPr lang="en-HK" sz="2000" dirty="0" smtClean="0">
+                <a:latin typeface="Times New Roman" panose="02020603050405020304" pitchFamily="18" charset="0"/>
+                <a:cs typeface="Times New Roman" panose="02020603050405020304" pitchFamily="18" charset="0"/>
+              </a:rPr>
+              <a:t>Methodology</a:t>
+            </a:r>
+            <a:endParaRPr lang="en-HK" sz="2000" dirty="0">
+              <a:latin typeface="Times New Roman" panose="02020603050405020304" pitchFamily="18" charset="0"/>
+              <a:cs typeface="Times New Roman" panose="02020603050405020304" pitchFamily="18" charset="0"/>
+            </a:endParaRPr>
+          </a:p>
+          <a:p>
+            <a:pPr lvl="1"/>
+            <a:r>
+              <a:rPr lang="en-HK" sz="2000" i="0" dirty="0">
+                <a:latin typeface="Times New Roman" panose="02020603050405020304" pitchFamily="18" charset="0"/>
+                <a:cs typeface="Times New Roman" panose="02020603050405020304" pitchFamily="18" charset="0"/>
+              </a:rPr>
+              <a:t>Experimental setup</a:t>
+            </a:r>
+          </a:p>
+          <a:p>
+            <a:pPr lvl="1"/>
+            <a:r>
+              <a:rPr lang="en-HK" sz="2000" i="0" dirty="0">
+                <a:latin typeface="Times New Roman" panose="02020603050405020304" pitchFamily="18" charset="0"/>
+                <a:cs typeface="Times New Roman" panose="02020603050405020304" pitchFamily="18" charset="0"/>
+              </a:rPr>
+              <a:t>The spectrum of </a:t>
+            </a:r>
+            <a:r>
+              <a:rPr lang="en-HK" sz="2000" i="0" dirty="0">
+                <a:solidFill>
+                  <a:srgbClr val="0070C0"/>
+                </a:solidFill>
+                <a:latin typeface="Times New Roman" panose="02020603050405020304" pitchFamily="18" charset="0"/>
+                <a:cs typeface="Times New Roman" panose="02020603050405020304" pitchFamily="18" charset="0"/>
+              </a:rPr>
+              <a:t>VUV (MDHL) </a:t>
+            </a:r>
+            <a:r>
+              <a:rPr lang="en-HK" sz="2000" i="0" dirty="0">
+                <a:latin typeface="Times New Roman" panose="02020603050405020304" pitchFamily="18" charset="0"/>
+                <a:cs typeface="Times New Roman" panose="02020603050405020304" pitchFamily="18" charset="0"/>
+              </a:rPr>
+              <a:t>energy source</a:t>
+            </a:r>
+          </a:p>
+          <a:p>
+            <a:pPr lvl="1"/>
+            <a:r>
+              <a:rPr lang="en-HK" sz="2000" i="0" dirty="0">
+                <a:latin typeface="Times New Roman" panose="02020603050405020304" pitchFamily="18" charset="0"/>
+                <a:cs typeface="Times New Roman" panose="02020603050405020304" pitchFamily="18" charset="0"/>
+              </a:rPr>
+              <a:t>Experimental Configurations</a:t>
+            </a:r>
+          </a:p>
+          <a:p>
+            <a:r>
+              <a:rPr lang="en-HK" sz="2000" dirty="0">
+                <a:latin typeface="Times New Roman" panose="02020603050405020304" pitchFamily="18" charset="0"/>
+                <a:cs typeface="Times New Roman" panose="02020603050405020304" pitchFamily="18" charset="0"/>
+              </a:rPr>
+              <a:t>Results</a:t>
+            </a:r>
+          </a:p>
+          <a:p>
+            <a:pPr lvl="1"/>
+            <a:r>
+              <a:rPr lang="en-HK" sz="2000" i="0" dirty="0">
+                <a:latin typeface="Times New Roman" panose="02020603050405020304" pitchFamily="18" charset="0"/>
+                <a:cs typeface="Times New Roman" panose="02020603050405020304" pitchFamily="18" charset="0"/>
+              </a:rPr>
+              <a:t>Production of </a:t>
+            </a:r>
+            <a:r>
+              <a:rPr lang="en-HK" sz="2000" i="0" dirty="0">
+                <a:solidFill>
+                  <a:srgbClr val="0070C0"/>
+                </a:solidFill>
+                <a:latin typeface="Times New Roman" panose="02020603050405020304" pitchFamily="18" charset="0"/>
+                <a:cs typeface="Times New Roman" panose="02020603050405020304" pitchFamily="18" charset="0"/>
+              </a:rPr>
+              <a:t>CN</a:t>
+            </a:r>
+            <a:r>
+              <a:rPr lang="en-HK" sz="2000" i="0" baseline="30000" dirty="0">
+                <a:solidFill>
+                  <a:srgbClr val="0070C0"/>
+                </a:solidFill>
+                <a:latin typeface="Times New Roman" panose="02020603050405020304" pitchFamily="18" charset="0"/>
+                <a:cs typeface="Times New Roman" panose="02020603050405020304" pitchFamily="18" charset="0"/>
+              </a:rPr>
+              <a:t>-</a:t>
+            </a:r>
+          </a:p>
+          <a:p>
+            <a:pPr lvl="1"/>
+            <a:r>
+              <a:rPr lang="en-HK" sz="2000" i="0" dirty="0">
+                <a:latin typeface="Times New Roman" panose="02020603050405020304" pitchFamily="18" charset="0"/>
+                <a:cs typeface="Times New Roman" panose="02020603050405020304" pitchFamily="18" charset="0"/>
+              </a:rPr>
+              <a:t>The relations between </a:t>
+            </a:r>
+            <a:r>
+              <a:rPr lang="en-HK" sz="2000" i="0" dirty="0">
+                <a:solidFill>
+                  <a:srgbClr val="0070C0"/>
+                </a:solidFill>
+                <a:latin typeface="Times New Roman" panose="02020603050405020304" pitchFamily="18" charset="0"/>
+                <a:cs typeface="Times New Roman" panose="02020603050405020304" pitchFamily="18" charset="0"/>
+              </a:rPr>
+              <a:t>CN</a:t>
+            </a:r>
+            <a:r>
+              <a:rPr lang="en-HK" sz="2000" i="0" baseline="30000" dirty="0">
+                <a:solidFill>
+                  <a:srgbClr val="0070C0"/>
+                </a:solidFill>
+                <a:latin typeface="Times New Roman" panose="02020603050405020304" pitchFamily="18" charset="0"/>
+                <a:cs typeface="Times New Roman" panose="02020603050405020304" pitchFamily="18" charset="0"/>
+              </a:rPr>
+              <a:t>-</a:t>
+            </a:r>
+            <a:r>
+              <a:rPr lang="en-HK" sz="2000" i="0" dirty="0">
+                <a:latin typeface="Times New Roman" panose="02020603050405020304" pitchFamily="18" charset="0"/>
+                <a:cs typeface="Times New Roman" panose="02020603050405020304" pitchFamily="18" charset="0"/>
+              </a:rPr>
+              <a:t> and </a:t>
+            </a:r>
+            <a:r>
+              <a:rPr lang="en-HK" sz="2000" i="0" dirty="0">
+                <a:solidFill>
+                  <a:srgbClr val="0070C0"/>
+                </a:solidFill>
+                <a:latin typeface="Times New Roman" panose="02020603050405020304" pitchFamily="18" charset="0"/>
+                <a:cs typeface="Times New Roman" panose="02020603050405020304" pitchFamily="18" charset="0"/>
+              </a:rPr>
+              <a:t>C</a:t>
+            </a:r>
+            <a:r>
+              <a:rPr lang="en-HK" sz="2000" i="0" baseline="-25000" dirty="0">
+                <a:solidFill>
+                  <a:srgbClr val="0070C0"/>
+                </a:solidFill>
+                <a:latin typeface="Times New Roman" panose="02020603050405020304" pitchFamily="18" charset="0"/>
+                <a:cs typeface="Times New Roman" panose="02020603050405020304" pitchFamily="18" charset="0"/>
+              </a:rPr>
+              <a:t>2</a:t>
+            </a:r>
+            <a:r>
+              <a:rPr lang="en-HK" sz="2000" i="0" dirty="0">
+                <a:solidFill>
+                  <a:srgbClr val="0070C0"/>
+                </a:solidFill>
+                <a:latin typeface="Times New Roman" panose="02020603050405020304" pitchFamily="18" charset="0"/>
+                <a:cs typeface="Times New Roman" panose="02020603050405020304" pitchFamily="18" charset="0"/>
+              </a:rPr>
+              <a:t>H</a:t>
+            </a:r>
+            <a:r>
+              <a:rPr lang="en-HK" sz="2000" i="0" baseline="-25000" dirty="0">
+                <a:solidFill>
+                  <a:srgbClr val="0070C0"/>
+                </a:solidFill>
+                <a:latin typeface="Times New Roman" panose="02020603050405020304" pitchFamily="18" charset="0"/>
+                <a:cs typeface="Times New Roman" panose="02020603050405020304" pitchFamily="18" charset="0"/>
+              </a:rPr>
+              <a:t>6</a:t>
+            </a:r>
+          </a:p>
+          <a:p>
+            <a:pPr lvl="1"/>
+            <a:r>
+              <a:rPr lang="en-HK" sz="2000" i="0" dirty="0">
+                <a:latin typeface="Times New Roman" panose="02020603050405020304" pitchFamily="18" charset="0"/>
+                <a:cs typeface="Times New Roman" panose="02020603050405020304" pitchFamily="18" charset="0"/>
+              </a:rPr>
+              <a:t>CN</a:t>
+            </a:r>
+            <a:r>
+              <a:rPr lang="en-HK" sz="2000" i="0" baseline="30000" dirty="0">
+                <a:latin typeface="Times New Roman" panose="02020603050405020304" pitchFamily="18" charset="0"/>
+                <a:cs typeface="Times New Roman" panose="02020603050405020304" pitchFamily="18" charset="0"/>
+              </a:rPr>
+              <a:t>-</a:t>
+            </a:r>
+            <a:r>
+              <a:rPr lang="en-HK" sz="2000" i="0" dirty="0">
+                <a:latin typeface="Times New Roman" panose="02020603050405020304" pitchFamily="18" charset="0"/>
+                <a:cs typeface="Times New Roman" panose="02020603050405020304" pitchFamily="18" charset="0"/>
+              </a:rPr>
+              <a:t> </a:t>
+            </a:r>
+            <a:r>
+              <a:rPr lang="en-HK" sz="2000" i="0" dirty="0">
+                <a:solidFill>
+                  <a:srgbClr val="0070C0"/>
+                </a:solidFill>
+                <a:latin typeface="Times New Roman" panose="02020603050405020304" pitchFamily="18" charset="0"/>
+                <a:cs typeface="Times New Roman" panose="02020603050405020304" pitchFamily="18" charset="0"/>
+              </a:rPr>
+              <a:t>formation efficiency of EUV (</a:t>
+            </a:r>
+            <a:r>
+              <a:rPr lang="en-HK" sz="2000" i="0" dirty="0" smtClean="0">
+                <a:solidFill>
+                  <a:srgbClr val="0070C0"/>
+                </a:solidFill>
+                <a:latin typeface="Times New Roman" panose="02020603050405020304" pitchFamily="18" charset="0"/>
+                <a:cs typeface="Times New Roman" panose="02020603050405020304" pitchFamily="18" charset="0"/>
+              </a:rPr>
+              <a:t>40.8 </a:t>
+            </a:r>
+            <a:r>
+              <a:rPr lang="en-HK" sz="2000" i="0" dirty="0">
+                <a:solidFill>
+                  <a:srgbClr val="0070C0"/>
+                </a:solidFill>
+                <a:latin typeface="Times New Roman" panose="02020603050405020304" pitchFamily="18" charset="0"/>
+                <a:cs typeface="Times New Roman" panose="02020603050405020304" pitchFamily="18" charset="0"/>
+              </a:rPr>
+              <a:t>eV) and VUV (9.27 eV)</a:t>
+            </a:r>
+          </a:p>
+          <a:p>
+            <a:r>
+              <a:rPr lang="en-HK" sz="2000" dirty="0">
+                <a:latin typeface="Times New Roman" panose="02020603050405020304" pitchFamily="18" charset="0"/>
+                <a:cs typeface="Times New Roman" panose="02020603050405020304" pitchFamily="18" charset="0"/>
+              </a:rPr>
+              <a:t>Astrophysical Implications</a:t>
+            </a:r>
+          </a:p>
+          <a:p>
+            <a:pPr lvl="1"/>
+            <a:r>
+              <a:rPr lang="en-HK" sz="2000" i="0" dirty="0">
+                <a:latin typeface="Times New Roman" panose="02020603050405020304" pitchFamily="18" charset="0"/>
+                <a:cs typeface="Times New Roman" panose="02020603050405020304" pitchFamily="18" charset="0"/>
+              </a:rPr>
+              <a:t>Understand </a:t>
+            </a:r>
+            <a:r>
+              <a:rPr lang="en-HK" sz="2000" i="0" dirty="0">
+                <a:solidFill>
+                  <a:srgbClr val="0070C0"/>
+                </a:solidFill>
+                <a:latin typeface="Times New Roman" panose="02020603050405020304" pitchFamily="18" charset="0"/>
+                <a:cs typeface="Times New Roman" panose="02020603050405020304" pitchFamily="18" charset="0"/>
+              </a:rPr>
+              <a:t>CN</a:t>
+            </a:r>
+            <a:r>
+              <a:rPr lang="en-HK" sz="2000" i="0" baseline="30000" dirty="0">
+                <a:solidFill>
+                  <a:srgbClr val="0070C0"/>
+                </a:solidFill>
+                <a:latin typeface="Times New Roman" panose="02020603050405020304" pitchFamily="18" charset="0"/>
+                <a:cs typeface="Times New Roman" panose="02020603050405020304" pitchFamily="18" charset="0"/>
+              </a:rPr>
+              <a:t>-</a:t>
+            </a:r>
+            <a:r>
+              <a:rPr lang="en-HK" sz="2000" i="0" dirty="0">
+                <a:solidFill>
+                  <a:srgbClr val="0070C0"/>
+                </a:solidFill>
+                <a:latin typeface="Times New Roman" panose="02020603050405020304" pitchFamily="18" charset="0"/>
+                <a:cs typeface="Times New Roman" panose="02020603050405020304" pitchFamily="18" charset="0"/>
+              </a:rPr>
+              <a:t> formation </a:t>
+            </a:r>
+            <a:r>
+              <a:rPr lang="en-HK" sz="2000" i="0" dirty="0">
+                <a:latin typeface="Times New Roman" panose="02020603050405020304" pitchFamily="18" charset="0"/>
+                <a:cs typeface="Times New Roman" panose="02020603050405020304" pitchFamily="18" charset="0"/>
+              </a:rPr>
+              <a:t>after winter on </a:t>
+            </a:r>
+            <a:r>
+              <a:rPr lang="en-HK" sz="2000" i="0" dirty="0" smtClean="0">
+                <a:latin typeface="Times New Roman" panose="02020603050405020304" pitchFamily="18" charset="0"/>
+                <a:cs typeface="Times New Roman" panose="02020603050405020304" pitchFamily="18" charset="0"/>
+              </a:rPr>
+              <a:t>Charon</a:t>
+            </a:r>
+            <a:endParaRPr lang="en-HK" sz="2000" i="0" dirty="0">
+              <a:latin typeface="Times New Roman" panose="02020603050405020304" pitchFamily="18" charset="0"/>
+              <a:cs typeface="Times New Roman" panose="02020603050405020304" pitchFamily="18" charset="0"/>
+            </a:endParaRPr>
+          </a:p>
+          <a:p>
+            <a:endParaRPr lang="en-US" sz="1600" dirty="0"/>
           </a:p>
         </p:txBody>
       </p:sp>
@@ -12133,7 +13135,117 @@
           <a:p>
             <a:fld id="{B646D8CA-B2C0-41A8-8514-369D0B0735D6}" type="slidenum">
               <a:rPr lang="zh-TW" altLang="en-US" sz="2000" smtClean="0"/>
-              <a:t>19</a:t>
+              <a:t>2</a:t>
+            </a:fld>
+            <a:endParaRPr lang="zh-TW" altLang="en-US" sz="2000" dirty="0"/>
+          </a:p>
+        </p:txBody>
+      </p:sp>
+    </p:spTree>
+    <p:extLst>
+      <p:ext uri="{BB962C8B-B14F-4D97-AF65-F5344CB8AC3E}">
+        <p14:creationId xmlns:p14="http://schemas.microsoft.com/office/powerpoint/2010/main" val="3665040654"/>
+      </p:ext>
+    </p:extLst>
+  </p:cSld>
+  <p:clrMapOvr>
+    <a:masterClrMapping/>
+  </p:clrMapOvr>
+  <p:timing>
+    <p:tnLst>
+      <p:par>
+        <p:cTn id="1" dur="indefinite" restart="never" nodeType="tmRoot"/>
+      </p:par>
+    </p:tnLst>
+  </p:timing>
+</p:sld>
+</file>
+
+<file path=ppt/slides/slide20.xml><?xml version="1.0" encoding="utf-8"?>
+<p:sld xmlns:a="http://schemas.openxmlformats.org/drawingml/2006/main" xmlns:r="http://schemas.openxmlformats.org/officeDocument/2006/relationships" xmlns:p="http://schemas.openxmlformats.org/presentationml/2006/main">
+  <p:cSld>
+    <p:spTree>
+      <p:nvGrpSpPr>
+        <p:cNvPr id="1" name=""/>
+        <p:cNvGrpSpPr/>
+        <p:nvPr/>
+      </p:nvGrpSpPr>
+      <p:grpSpPr>
+        <a:xfrm>
+          <a:off x="0" y="0"/>
+          <a:ext cx="0" cy="0"/>
+          <a:chOff x="0" y="0"/>
+          <a:chExt cx="0" cy="0"/>
+        </a:xfrm>
+      </p:grpSpPr>
+      <p:sp>
+        <p:nvSpPr>
+          <p:cNvPr id="2" name="標題 1"/>
+          <p:cNvSpPr>
+            <a:spLocks noGrp="1"/>
+          </p:cNvSpPr>
+          <p:nvPr>
+            <p:ph type="title"/>
+          </p:nvPr>
+        </p:nvSpPr>
+        <p:spPr/>
+        <p:txBody>
+          <a:bodyPr/>
+          <a:lstStyle/>
+          <a:p>
+            <a:r>
+              <a:rPr lang="en-HK" dirty="0">
+                <a:latin typeface="Times New Roman" panose="02020603050405020304" pitchFamily="18" charset="0"/>
+                <a:cs typeface="Times New Roman" panose="02020603050405020304" pitchFamily="18" charset="0"/>
+              </a:rPr>
+              <a:t>1. Production </a:t>
+            </a:r>
+            <a:r>
+              <a:rPr lang="en-HK" dirty="0" smtClean="0">
+                <a:latin typeface="Times New Roman" panose="02020603050405020304" pitchFamily="18" charset="0"/>
+                <a:cs typeface="Times New Roman" panose="02020603050405020304" pitchFamily="18" charset="0"/>
+              </a:rPr>
+              <a:t>of </a:t>
+            </a:r>
+            <a:r>
+              <a:rPr lang="en-HK" dirty="0">
+                <a:latin typeface="Times New Roman" panose="02020603050405020304" pitchFamily="18" charset="0"/>
+                <a:cs typeface="Times New Roman" panose="02020603050405020304" pitchFamily="18" charset="0"/>
+              </a:rPr>
+              <a:t>CN</a:t>
+            </a:r>
+            <a:r>
+              <a:rPr lang="en-HK" baseline="30000" dirty="0">
+                <a:latin typeface="Times New Roman" panose="02020603050405020304" pitchFamily="18" charset="0"/>
+                <a:cs typeface="Times New Roman" panose="02020603050405020304" pitchFamily="18" charset="0"/>
+              </a:rPr>
+              <a:t>-</a:t>
+            </a:r>
+            <a:endParaRPr lang="en-US" dirty="0">
+              <a:latin typeface="Times New Roman" panose="02020603050405020304" pitchFamily="18" charset="0"/>
+              <a:cs typeface="Times New Roman" panose="02020603050405020304" pitchFamily="18" charset="0"/>
+            </a:endParaRPr>
+          </a:p>
+        </p:txBody>
+      </p:sp>
+      <p:sp>
+        <p:nvSpPr>
+          <p:cNvPr id="4" name="投影片編號版面配置區 3"/>
+          <p:cNvSpPr>
+            <a:spLocks noGrp="1"/>
+          </p:cNvSpPr>
+          <p:nvPr>
+            <p:ph type="sldNum" sz="quarter" idx="12"/>
+          </p:nvPr>
+        </p:nvSpPr>
+        <p:spPr/>
+        <p:txBody>
+          <a:bodyPr/>
+          <a:lstStyle/>
+          <a:p>
+            <a:fld id="{B646D8CA-B2C0-41A8-8514-369D0B0735D6}" type="slidenum">
+              <a:rPr lang="zh-TW" altLang="en-US" sz="2000" smtClean="0"/>
+              <a:t>20</a:t>
             </a:fld>
             <a:endParaRPr lang="zh-TW" altLang="en-US" sz="2000" dirty="0"/>
           </a:p>
@@ -12824,7 +13936,7 @@
           <p:nvPr>
             <p:extLst>
               <p:ext uri="{D42A27DB-BD31-4B8C-83A1-F6EECF244321}">
-                <p14:modId xmlns:p14="http://schemas.microsoft.com/office/powerpoint/2010/main" val="1528449047"/>
+                <p14:modId xmlns:p14="http://schemas.microsoft.com/office/powerpoint/2010/main" val="3746768194"/>
               </p:ext>
             </p:extLst>
           </p:nvPr>
@@ -12905,8 +14017,13 @@
                       <a:pPr algn="ctr"/>
                       <a:r>
                         <a:rPr lang="en-HK" dirty="0" smtClean="0"/>
-                        <a:t>A</a:t>
+                        <a:t>[A]</a:t>
                       </a:r>
+                      <a:r>
+                        <a:rPr lang="en-HK" baseline="-25000" dirty="0" smtClean="0"/>
+                        <a:t>o</a:t>
+                      </a:r>
+                      <a:endParaRPr lang="en-HK" baseline="-25000" dirty="0" smtClean="0"/>
                     </a:p>
                     <a:p>
                       <a:pPr algn="ctr"/>
@@ -13445,432 +14562,7 @@
 </p:sld>
 </file>
 
-<file path=ppt/slides/slide2.xml><?xml version="1.0" encoding="utf-8"?>
-<p:sld xmlns:a="http://schemas.openxmlformats.org/drawingml/2006/main" xmlns:r="http://schemas.openxmlformats.org/officeDocument/2006/relationships" xmlns:p="http://schemas.openxmlformats.org/presentationml/2006/main">
-  <p:cSld>
-    <p:spTree>
-      <p:nvGrpSpPr>
-        <p:cNvPr id="1" name=""/>
-        <p:cNvGrpSpPr/>
-        <p:nvPr/>
-      </p:nvGrpSpPr>
-      <p:grpSpPr>
-        <a:xfrm>
-          <a:off x="0" y="0"/>
-          <a:ext cx="0" cy="0"/>
-          <a:chOff x="0" y="0"/>
-          <a:chExt cx="0" cy="0"/>
-        </a:xfrm>
-      </p:grpSpPr>
-      <p:sp>
-        <p:nvSpPr>
-          <p:cNvPr id="2" name="標題 1"/>
-          <p:cNvSpPr>
-            <a:spLocks noGrp="1"/>
-          </p:cNvSpPr>
-          <p:nvPr>
-            <p:ph type="title"/>
-          </p:nvPr>
-        </p:nvSpPr>
-        <p:spPr/>
-        <p:txBody>
-          <a:bodyPr/>
-          <a:lstStyle/>
-          <a:p>
-            <a:r>
-              <a:rPr lang="en-HK" dirty="0">
-                <a:latin typeface="Times New Roman" panose="02020603050405020304" pitchFamily="18" charset="0"/>
-                <a:cs typeface="Times New Roman" panose="02020603050405020304" pitchFamily="18" charset="0"/>
-              </a:rPr>
-              <a:t>Contents</a:t>
-            </a:r>
-            <a:endParaRPr lang="en-US" dirty="0">
-              <a:latin typeface="Times New Roman" panose="02020603050405020304" pitchFamily="18" charset="0"/>
-              <a:cs typeface="Times New Roman" panose="02020603050405020304" pitchFamily="18" charset="0"/>
-            </a:endParaRPr>
-          </a:p>
-        </p:txBody>
-      </p:sp>
-      <p:sp>
-        <p:nvSpPr>
-          <p:cNvPr id="3" name="內容版面配置區 2"/>
-          <p:cNvSpPr>
-            <a:spLocks noGrp="1"/>
-          </p:cNvSpPr>
-          <p:nvPr>
-            <p:ph idx="1"/>
-          </p:nvPr>
-        </p:nvSpPr>
-        <p:spPr>
-          <a:xfrm>
-            <a:off x="1028700" y="1129308"/>
-            <a:ext cx="7200900" cy="3760192"/>
-          </a:xfrm>
-        </p:spPr>
-        <p:txBody>
-          <a:bodyPr>
-            <a:noAutofit/>
-          </a:bodyPr>
-          <a:lstStyle/>
-          <a:p>
-            <a:r>
-              <a:rPr lang="en-HK" altLang="zh-CN" sz="2000" dirty="0" smtClean="0">
-                <a:latin typeface="Times New Roman" panose="02020603050405020304" pitchFamily="18" charset="0"/>
-                <a:cs typeface="Times New Roman" panose="02020603050405020304" pitchFamily="18" charset="0"/>
-              </a:rPr>
-              <a:t>Motivation</a:t>
-            </a:r>
-            <a:endParaRPr lang="en-HK" sz="2000" dirty="0" smtClean="0">
-              <a:latin typeface="Times New Roman" panose="02020603050405020304" pitchFamily="18" charset="0"/>
-              <a:cs typeface="Times New Roman" panose="02020603050405020304" pitchFamily="18" charset="0"/>
-            </a:endParaRPr>
-          </a:p>
-          <a:p>
-            <a:r>
-              <a:rPr lang="en-HK" sz="2000" dirty="0" smtClean="0">
-                <a:latin typeface="Times New Roman" panose="02020603050405020304" pitchFamily="18" charset="0"/>
-                <a:cs typeface="Times New Roman" panose="02020603050405020304" pitchFamily="18" charset="0"/>
-              </a:rPr>
-              <a:t>Methodology</a:t>
-            </a:r>
-            <a:endParaRPr lang="en-HK" sz="2000" dirty="0">
-              <a:latin typeface="Times New Roman" panose="02020603050405020304" pitchFamily="18" charset="0"/>
-              <a:cs typeface="Times New Roman" panose="02020603050405020304" pitchFamily="18" charset="0"/>
-            </a:endParaRPr>
-          </a:p>
-          <a:p>
-            <a:pPr lvl="1"/>
-            <a:r>
-              <a:rPr lang="en-HK" sz="2000" i="0" dirty="0">
-                <a:latin typeface="Times New Roman" panose="02020603050405020304" pitchFamily="18" charset="0"/>
-                <a:cs typeface="Times New Roman" panose="02020603050405020304" pitchFamily="18" charset="0"/>
-              </a:rPr>
-              <a:t>Experimental setup</a:t>
-            </a:r>
-          </a:p>
-          <a:p>
-            <a:pPr lvl="1"/>
-            <a:r>
-              <a:rPr lang="en-HK" sz="2000" i="0" dirty="0">
-                <a:latin typeface="Times New Roman" panose="02020603050405020304" pitchFamily="18" charset="0"/>
-                <a:cs typeface="Times New Roman" panose="02020603050405020304" pitchFamily="18" charset="0"/>
-              </a:rPr>
-              <a:t>The spectrum of </a:t>
-            </a:r>
-            <a:r>
-              <a:rPr lang="en-HK" sz="2000" i="0" dirty="0">
-                <a:solidFill>
-                  <a:srgbClr val="0070C0"/>
-                </a:solidFill>
-                <a:latin typeface="Times New Roman" panose="02020603050405020304" pitchFamily="18" charset="0"/>
-                <a:cs typeface="Times New Roman" panose="02020603050405020304" pitchFamily="18" charset="0"/>
-              </a:rPr>
-              <a:t>VUV (MDHL) </a:t>
-            </a:r>
-            <a:r>
-              <a:rPr lang="en-HK" sz="2000" i="0" dirty="0">
-                <a:latin typeface="Times New Roman" panose="02020603050405020304" pitchFamily="18" charset="0"/>
-                <a:cs typeface="Times New Roman" panose="02020603050405020304" pitchFamily="18" charset="0"/>
-              </a:rPr>
-              <a:t>energy source</a:t>
-            </a:r>
-          </a:p>
-          <a:p>
-            <a:pPr lvl="1"/>
-            <a:r>
-              <a:rPr lang="en-HK" sz="2000" i="0" dirty="0">
-                <a:latin typeface="Times New Roman" panose="02020603050405020304" pitchFamily="18" charset="0"/>
-                <a:cs typeface="Times New Roman" panose="02020603050405020304" pitchFamily="18" charset="0"/>
-              </a:rPr>
-              <a:t>Experimental Configurations</a:t>
-            </a:r>
-          </a:p>
-          <a:p>
-            <a:r>
-              <a:rPr lang="en-HK" sz="2000" dirty="0">
-                <a:latin typeface="Times New Roman" panose="02020603050405020304" pitchFamily="18" charset="0"/>
-                <a:cs typeface="Times New Roman" panose="02020603050405020304" pitchFamily="18" charset="0"/>
-              </a:rPr>
-              <a:t>Results</a:t>
-            </a:r>
-          </a:p>
-          <a:p>
-            <a:pPr lvl="1"/>
-            <a:r>
-              <a:rPr lang="en-HK" sz="2000" i="0" dirty="0">
-                <a:latin typeface="Times New Roman" panose="02020603050405020304" pitchFamily="18" charset="0"/>
-                <a:cs typeface="Times New Roman" panose="02020603050405020304" pitchFamily="18" charset="0"/>
-              </a:rPr>
-              <a:t>Production of </a:t>
-            </a:r>
-            <a:r>
-              <a:rPr lang="en-HK" sz="2000" i="0" dirty="0">
-                <a:solidFill>
-                  <a:srgbClr val="0070C0"/>
-                </a:solidFill>
-                <a:latin typeface="Times New Roman" panose="02020603050405020304" pitchFamily="18" charset="0"/>
-                <a:cs typeface="Times New Roman" panose="02020603050405020304" pitchFamily="18" charset="0"/>
-              </a:rPr>
-              <a:t>CN</a:t>
-            </a:r>
-            <a:r>
-              <a:rPr lang="en-HK" sz="2000" i="0" baseline="30000" dirty="0">
-                <a:solidFill>
-                  <a:srgbClr val="0070C0"/>
-                </a:solidFill>
-                <a:latin typeface="Times New Roman" panose="02020603050405020304" pitchFamily="18" charset="0"/>
-                <a:cs typeface="Times New Roman" panose="02020603050405020304" pitchFamily="18" charset="0"/>
-              </a:rPr>
-              <a:t>-</a:t>
-            </a:r>
-          </a:p>
-          <a:p>
-            <a:pPr lvl="1"/>
-            <a:r>
-              <a:rPr lang="en-HK" sz="2000" i="0" dirty="0">
-                <a:latin typeface="Times New Roman" panose="02020603050405020304" pitchFamily="18" charset="0"/>
-                <a:cs typeface="Times New Roman" panose="02020603050405020304" pitchFamily="18" charset="0"/>
-              </a:rPr>
-              <a:t>The relations between </a:t>
-            </a:r>
-            <a:r>
-              <a:rPr lang="en-HK" sz="2000" i="0" dirty="0">
-                <a:solidFill>
-                  <a:srgbClr val="0070C0"/>
-                </a:solidFill>
-                <a:latin typeface="Times New Roman" panose="02020603050405020304" pitchFamily="18" charset="0"/>
-                <a:cs typeface="Times New Roman" panose="02020603050405020304" pitchFamily="18" charset="0"/>
-              </a:rPr>
-              <a:t>CN</a:t>
-            </a:r>
-            <a:r>
-              <a:rPr lang="en-HK" sz="2000" i="0" baseline="30000" dirty="0">
-                <a:solidFill>
-                  <a:srgbClr val="0070C0"/>
-                </a:solidFill>
-                <a:latin typeface="Times New Roman" panose="02020603050405020304" pitchFamily="18" charset="0"/>
-                <a:cs typeface="Times New Roman" panose="02020603050405020304" pitchFamily="18" charset="0"/>
-              </a:rPr>
-              <a:t>-</a:t>
-            </a:r>
-            <a:r>
-              <a:rPr lang="en-HK" sz="2000" i="0" dirty="0">
-                <a:latin typeface="Times New Roman" panose="02020603050405020304" pitchFamily="18" charset="0"/>
-                <a:cs typeface="Times New Roman" panose="02020603050405020304" pitchFamily="18" charset="0"/>
-              </a:rPr>
-              <a:t> and </a:t>
-            </a:r>
-            <a:r>
-              <a:rPr lang="en-HK" sz="2000" i="0" dirty="0">
-                <a:solidFill>
-                  <a:srgbClr val="0070C0"/>
-                </a:solidFill>
-                <a:latin typeface="Times New Roman" panose="02020603050405020304" pitchFamily="18" charset="0"/>
-                <a:cs typeface="Times New Roman" panose="02020603050405020304" pitchFamily="18" charset="0"/>
-              </a:rPr>
-              <a:t>C</a:t>
-            </a:r>
-            <a:r>
-              <a:rPr lang="en-HK" sz="2000" i="0" baseline="-25000" dirty="0">
-                <a:solidFill>
-                  <a:srgbClr val="0070C0"/>
-                </a:solidFill>
-                <a:latin typeface="Times New Roman" panose="02020603050405020304" pitchFamily="18" charset="0"/>
-                <a:cs typeface="Times New Roman" panose="02020603050405020304" pitchFamily="18" charset="0"/>
-              </a:rPr>
-              <a:t>2</a:t>
-            </a:r>
-            <a:r>
-              <a:rPr lang="en-HK" sz="2000" i="0" dirty="0">
-                <a:solidFill>
-                  <a:srgbClr val="0070C0"/>
-                </a:solidFill>
-                <a:latin typeface="Times New Roman" panose="02020603050405020304" pitchFamily="18" charset="0"/>
-                <a:cs typeface="Times New Roman" panose="02020603050405020304" pitchFamily="18" charset="0"/>
-              </a:rPr>
-              <a:t>H</a:t>
-            </a:r>
-            <a:r>
-              <a:rPr lang="en-HK" sz="2000" i="0" baseline="-25000" dirty="0">
-                <a:solidFill>
-                  <a:srgbClr val="0070C0"/>
-                </a:solidFill>
-                <a:latin typeface="Times New Roman" panose="02020603050405020304" pitchFamily="18" charset="0"/>
-                <a:cs typeface="Times New Roman" panose="02020603050405020304" pitchFamily="18" charset="0"/>
-              </a:rPr>
-              <a:t>6</a:t>
-            </a:r>
-          </a:p>
-          <a:p>
-            <a:pPr lvl="1"/>
-            <a:r>
-              <a:rPr lang="en-HK" sz="2000" i="0" dirty="0">
-                <a:latin typeface="Times New Roman" panose="02020603050405020304" pitchFamily="18" charset="0"/>
-                <a:cs typeface="Times New Roman" panose="02020603050405020304" pitchFamily="18" charset="0"/>
-              </a:rPr>
-              <a:t>CN</a:t>
-            </a:r>
-            <a:r>
-              <a:rPr lang="en-HK" sz="2000" i="0" baseline="30000" dirty="0">
-                <a:latin typeface="Times New Roman" panose="02020603050405020304" pitchFamily="18" charset="0"/>
-                <a:cs typeface="Times New Roman" panose="02020603050405020304" pitchFamily="18" charset="0"/>
-              </a:rPr>
-              <a:t>-</a:t>
-            </a:r>
-            <a:r>
-              <a:rPr lang="en-HK" sz="2000" i="0" dirty="0">
-                <a:latin typeface="Times New Roman" panose="02020603050405020304" pitchFamily="18" charset="0"/>
-                <a:cs typeface="Times New Roman" panose="02020603050405020304" pitchFamily="18" charset="0"/>
-              </a:rPr>
-              <a:t> </a:t>
-            </a:r>
-            <a:r>
-              <a:rPr lang="en-HK" sz="2000" i="0" dirty="0">
-                <a:solidFill>
-                  <a:srgbClr val="0070C0"/>
-                </a:solidFill>
-                <a:latin typeface="Times New Roman" panose="02020603050405020304" pitchFamily="18" charset="0"/>
-                <a:cs typeface="Times New Roman" panose="02020603050405020304" pitchFamily="18" charset="0"/>
-              </a:rPr>
-              <a:t>formation efficiency of EUV (</a:t>
-            </a:r>
-            <a:r>
-              <a:rPr lang="en-HK" sz="2000" i="0" dirty="0" smtClean="0">
-                <a:solidFill>
-                  <a:srgbClr val="0070C0"/>
-                </a:solidFill>
-                <a:latin typeface="Times New Roman" panose="02020603050405020304" pitchFamily="18" charset="0"/>
-                <a:cs typeface="Times New Roman" panose="02020603050405020304" pitchFamily="18" charset="0"/>
-              </a:rPr>
-              <a:t>40.8 </a:t>
-            </a:r>
-            <a:r>
-              <a:rPr lang="en-HK" sz="2000" i="0" dirty="0">
-                <a:solidFill>
-                  <a:srgbClr val="0070C0"/>
-                </a:solidFill>
-                <a:latin typeface="Times New Roman" panose="02020603050405020304" pitchFamily="18" charset="0"/>
-                <a:cs typeface="Times New Roman" panose="02020603050405020304" pitchFamily="18" charset="0"/>
-              </a:rPr>
-              <a:t>eV) and VUV (9.27 eV)</a:t>
-            </a:r>
-          </a:p>
-          <a:p>
-            <a:r>
-              <a:rPr lang="en-HK" sz="2000" dirty="0">
-                <a:latin typeface="Times New Roman" panose="02020603050405020304" pitchFamily="18" charset="0"/>
-                <a:cs typeface="Times New Roman" panose="02020603050405020304" pitchFamily="18" charset="0"/>
-              </a:rPr>
-              <a:t>Astrophysical Implications</a:t>
-            </a:r>
-          </a:p>
-          <a:p>
-            <a:pPr lvl="1"/>
-            <a:r>
-              <a:rPr lang="en-HK" sz="2000" i="0" dirty="0">
-                <a:latin typeface="Times New Roman" panose="02020603050405020304" pitchFamily="18" charset="0"/>
-                <a:cs typeface="Times New Roman" panose="02020603050405020304" pitchFamily="18" charset="0"/>
-              </a:rPr>
-              <a:t>Understand </a:t>
-            </a:r>
-            <a:r>
-              <a:rPr lang="en-HK" sz="2000" i="0" dirty="0">
-                <a:solidFill>
-                  <a:srgbClr val="0070C0"/>
-                </a:solidFill>
-                <a:latin typeface="Times New Roman" panose="02020603050405020304" pitchFamily="18" charset="0"/>
-                <a:cs typeface="Times New Roman" panose="02020603050405020304" pitchFamily="18" charset="0"/>
-              </a:rPr>
-              <a:t>CN</a:t>
-            </a:r>
-            <a:r>
-              <a:rPr lang="en-HK" sz="2000" i="0" baseline="30000" dirty="0">
-                <a:solidFill>
-                  <a:srgbClr val="0070C0"/>
-                </a:solidFill>
-                <a:latin typeface="Times New Roman" panose="02020603050405020304" pitchFamily="18" charset="0"/>
-                <a:cs typeface="Times New Roman" panose="02020603050405020304" pitchFamily="18" charset="0"/>
-              </a:rPr>
-              <a:t>-</a:t>
-            </a:r>
-            <a:r>
-              <a:rPr lang="en-HK" sz="2000" i="0" dirty="0">
-                <a:solidFill>
-                  <a:srgbClr val="0070C0"/>
-                </a:solidFill>
-                <a:latin typeface="Times New Roman" panose="02020603050405020304" pitchFamily="18" charset="0"/>
-                <a:cs typeface="Times New Roman" panose="02020603050405020304" pitchFamily="18" charset="0"/>
-              </a:rPr>
-              <a:t> formation </a:t>
-            </a:r>
-            <a:r>
-              <a:rPr lang="en-HK" sz="2000" i="0" dirty="0">
-                <a:latin typeface="Times New Roman" panose="02020603050405020304" pitchFamily="18" charset="0"/>
-                <a:cs typeface="Times New Roman" panose="02020603050405020304" pitchFamily="18" charset="0"/>
-              </a:rPr>
-              <a:t>after winter on </a:t>
-            </a:r>
-            <a:r>
-              <a:rPr lang="en-HK" sz="2000" i="0" dirty="0" smtClean="0">
-                <a:latin typeface="Times New Roman" panose="02020603050405020304" pitchFamily="18" charset="0"/>
-                <a:cs typeface="Times New Roman" panose="02020603050405020304" pitchFamily="18" charset="0"/>
-              </a:rPr>
-              <a:t>Charon</a:t>
-            </a:r>
-            <a:endParaRPr lang="en-HK" sz="2000" i="0" dirty="0">
-              <a:latin typeface="Times New Roman" panose="02020603050405020304" pitchFamily="18" charset="0"/>
-              <a:cs typeface="Times New Roman" panose="02020603050405020304" pitchFamily="18" charset="0"/>
-            </a:endParaRPr>
-          </a:p>
-          <a:p>
-            <a:endParaRPr lang="en-US" sz="1600" dirty="0"/>
-          </a:p>
-        </p:txBody>
-      </p:sp>
-      <p:sp>
-        <p:nvSpPr>
-          <p:cNvPr id="4" name="投影片編號版面配置區 3"/>
-          <p:cNvSpPr>
-            <a:spLocks noGrp="1"/>
-          </p:cNvSpPr>
-          <p:nvPr>
-            <p:ph type="sldNum" sz="quarter" idx="12"/>
-          </p:nvPr>
-        </p:nvSpPr>
-        <p:spPr/>
-        <p:txBody>
-          <a:bodyPr/>
-          <a:lstStyle/>
-          <a:p>
-            <a:fld id="{B646D8CA-B2C0-41A8-8514-369D0B0735D6}" type="slidenum">
-              <a:rPr lang="zh-TW" altLang="en-US" sz="2000" smtClean="0"/>
-              <a:t>2</a:t>
-            </a:fld>
-            <a:endParaRPr lang="zh-TW" altLang="en-US" sz="2000" dirty="0"/>
-          </a:p>
-        </p:txBody>
-      </p:sp>
-    </p:spTree>
-    <p:extLst>
-      <p:ext uri="{BB962C8B-B14F-4D97-AF65-F5344CB8AC3E}">
-        <p14:creationId xmlns:p14="http://schemas.microsoft.com/office/powerpoint/2010/main" val="3665040654"/>
-      </p:ext>
-    </p:extLst>
-  </p:cSld>
-  <p:clrMapOvr>
-    <a:masterClrMapping/>
-  </p:clrMapOvr>
-  <p:timing>
-    <p:tnLst>
-      <p:par>
-        <p:cTn id="1" dur="indefinite" restart="never" nodeType="tmRoot"/>
-      </p:par>
-    </p:tnLst>
-  </p:timing>
-</p:sld>
-</file>
-
-<file path=ppt/slides/slide20.xml><?xml version="1.0" encoding="utf-8"?>
+<file path=ppt/slides/slide21.xml><?xml version="1.0" encoding="utf-8"?>
 <p:sld xmlns:a="http://schemas.openxmlformats.org/drawingml/2006/main" xmlns:r="http://schemas.openxmlformats.org/officeDocument/2006/relationships" xmlns:p="http://schemas.openxmlformats.org/presentationml/2006/main">
   <p:cSld>
     <p:spTree>
@@ -13983,7 +14675,7 @@
           <a:p>
             <a:fld id="{B646D8CA-B2C0-41A8-8514-369D0B0735D6}" type="slidenum">
               <a:rPr lang="zh-TW" altLang="en-US" sz="2000" smtClean="0"/>
-              <a:t>20</a:t>
+              <a:t>21</a:t>
             </a:fld>
             <a:endParaRPr lang="zh-TW" altLang="en-US" sz="2000" dirty="0"/>
           </a:p>
@@ -14368,7 +15060,7 @@
 </p:sld>
 </file>
 
-<file path=ppt/slides/slide21.xml><?xml version="1.0" encoding="utf-8"?>
+<file path=ppt/slides/slide22.xml><?xml version="1.0" encoding="utf-8"?>
 <p:sld xmlns:a="http://schemas.openxmlformats.org/drawingml/2006/main" xmlns:r="http://schemas.openxmlformats.org/officeDocument/2006/relationships" xmlns:p="http://schemas.openxmlformats.org/presentationml/2006/main">
   <p:cSld>
     <p:spTree>
@@ -14464,7 +15156,7 @@
           <a:p>
             <a:fld id="{B646D8CA-B2C0-41A8-8514-369D0B0735D6}" type="slidenum">
               <a:rPr lang="zh-TW" altLang="en-US" sz="2000" smtClean="0"/>
-              <a:t>21</a:t>
+              <a:t>22</a:t>
             </a:fld>
             <a:endParaRPr lang="zh-TW" altLang="en-US" sz="2000" dirty="0"/>
           </a:p>
@@ -15403,7 +16095,7 @@
 </p:sld>
 </file>
 
-<file path=ppt/slides/slide22.xml><?xml version="1.0" encoding="utf-8"?>
+<file path=ppt/slides/slide23.xml><?xml version="1.0" encoding="utf-8"?>
 <p:sld xmlns:a="http://schemas.openxmlformats.org/drawingml/2006/main" xmlns:r="http://schemas.openxmlformats.org/officeDocument/2006/relationships" xmlns:p="http://schemas.openxmlformats.org/presentationml/2006/main">
   <p:cSld>
     <p:spTree>
@@ -15521,7 +16213,7 @@
           <a:p>
             <a:fld id="{B646D8CA-B2C0-41A8-8514-369D0B0735D6}" type="slidenum">
               <a:rPr lang="zh-TW" altLang="en-US" sz="2000" smtClean="0"/>
-              <a:t>22</a:t>
+              <a:t>23</a:t>
             </a:fld>
             <a:endParaRPr lang="zh-TW" altLang="en-US" sz="2000" dirty="0"/>
           </a:p>
@@ -15600,7 +16292,7 @@
         <p:spPr>
           <a:xfrm>
             <a:off x="948264" y="1769413"/>
-            <a:ext cx="2934072" cy="2862322"/>
+            <a:ext cx="2934072" cy="3170099"/>
           </a:xfrm>
           <a:prstGeom prst="rect">
             <a:avLst/>
@@ -15936,7 +16628,28 @@
                 <a:latin typeface="Times New Roman" panose="02020603050405020304" pitchFamily="18" charset="0"/>
                 <a:cs typeface="Times New Roman" panose="02020603050405020304" pitchFamily="18" charset="0"/>
               </a:rPr>
-              <a:t> can form easier than NH</a:t>
+              <a:t> can </a:t>
+            </a:r>
+            <a:r>
+              <a:rPr lang="en-HK" sz="2000" dirty="0" smtClean="0">
+                <a:latin typeface="Times New Roman" panose="02020603050405020304" pitchFamily="18" charset="0"/>
+                <a:cs typeface="Times New Roman" panose="02020603050405020304" pitchFamily="18" charset="0"/>
+              </a:rPr>
+              <a:t>be formed </a:t>
+            </a:r>
+            <a:r>
+              <a:rPr lang="en-HK" sz="2000" dirty="0" smtClean="0">
+                <a:latin typeface="Times New Roman" panose="02020603050405020304" pitchFamily="18" charset="0"/>
+                <a:cs typeface="Times New Roman" panose="02020603050405020304" pitchFamily="18" charset="0"/>
+              </a:rPr>
+              <a:t>easier than </a:t>
+            </a:r>
+            <a:r>
+              <a:rPr lang="en-HK" sz="2000" dirty="0" smtClean="0">
+                <a:latin typeface="Times New Roman" panose="02020603050405020304" pitchFamily="18" charset="0"/>
+                <a:cs typeface="Times New Roman" panose="02020603050405020304" pitchFamily="18" charset="0"/>
+              </a:rPr>
+              <a:t>the NH</a:t>
             </a:r>
             <a:r>
               <a:rPr lang="en-HK" sz="2000" baseline="-25000" dirty="0" smtClean="0">
@@ -15950,7 +16663,14 @@
                 <a:latin typeface="Times New Roman" panose="02020603050405020304" pitchFamily="18" charset="0"/>
                 <a:cs typeface="Times New Roman" panose="02020603050405020304" pitchFamily="18" charset="0"/>
               </a:rPr>
-              <a:t> dominating case</a:t>
+              <a:t> </a:t>
+            </a:r>
+            <a:r>
+              <a:rPr lang="en-HK" sz="2000" dirty="0" smtClean="0">
+                <a:latin typeface="Times New Roman" panose="02020603050405020304" pitchFamily="18" charset="0"/>
+                <a:cs typeface="Times New Roman" panose="02020603050405020304" pitchFamily="18" charset="0"/>
+              </a:rPr>
+              <a:t>dominating case</a:t>
             </a:r>
           </a:p>
         </p:txBody>
@@ -16397,7 +17117,7 @@
 </p:sld>
 </file>
 
-<file path=ppt/slides/slide23.xml><?xml version="1.0" encoding="utf-8"?>
+<file path=ppt/slides/slide24.xml><?xml version="1.0" encoding="utf-8"?>
 <p:sld xmlns:a="http://schemas.openxmlformats.org/drawingml/2006/main" xmlns:r="http://schemas.openxmlformats.org/officeDocument/2006/relationships" xmlns:p="http://schemas.openxmlformats.org/presentationml/2006/main">
   <p:cSld>
     <p:spTree>
@@ -16551,13 +17271,13 @@
             <p:ph idx="1"/>
             <p:extLst>
               <p:ext uri="{D42A27DB-BD31-4B8C-83A1-F6EECF244321}">
-                <p14:modId xmlns:p14="http://schemas.microsoft.com/office/powerpoint/2010/main" val="1540477734"/>
+                <p14:modId xmlns:p14="http://schemas.microsoft.com/office/powerpoint/2010/main" val="1509423654"/>
               </p:ext>
             </p:extLst>
           </p:nvPr>
         </p:nvGraphicFramePr>
         <p:xfrm>
-          <a:off x="610427" y="2065412"/>
+          <a:off x="611560" y="1926991"/>
           <a:ext cx="3241492" cy="2608683"/>
         </p:xfrm>
         <a:graphic>
@@ -17108,7 +17828,7 @@
           <a:p>
             <a:fld id="{B646D8CA-B2C0-41A8-8514-369D0B0735D6}" type="slidenum">
               <a:rPr lang="zh-TW" altLang="en-US" sz="2000" smtClean="0"/>
-              <a:t>23</a:t>
+              <a:t>24</a:t>
             </a:fld>
             <a:endParaRPr lang="zh-TW" altLang="en-US" sz="2000" dirty="0"/>
           </a:p>
@@ -17227,7 +17947,7 @@
           <a:graphicData uri="http://schemas.openxmlformats.org/presentationml/2006/ole">
             <mc:AlternateContent xmlns:mc="http://schemas.openxmlformats.org/markup-compatibility/2006">
               <mc:Choice xmlns:v="urn:schemas-microsoft-com:vml" Requires="v">
-                <p:oleObj spid="_x0000_s14344" name="Graph" r:id="rId3" imgW="4754880" imgH="3108960" progId="Origin50.Graph">
+                <p:oleObj spid="_x0000_s14380" name="Graph" r:id="rId3" imgW="4754880" imgH="3108960" progId="Origin50.Graph">
                   <p:embed/>
                 </p:oleObj>
               </mc:Choice>
@@ -17282,7 +18002,7 @@
 </p:sld>
 </file>
 
-<file path=ppt/slides/slide24.xml><?xml version="1.0" encoding="utf-8"?>
+<file path=ppt/slides/slide25.xml><?xml version="1.0" encoding="utf-8"?>
 <p:sld xmlns:a="http://schemas.openxmlformats.org/drawingml/2006/main" xmlns:r="http://schemas.openxmlformats.org/officeDocument/2006/relationships" xmlns:p="http://schemas.openxmlformats.org/presentationml/2006/main">
   <p:cSld>
     <p:spTree>
@@ -17433,7 +18153,7 @@
           <a:p>
             <a:fld id="{B646D8CA-B2C0-41A8-8514-369D0B0735D6}" type="slidenum">
               <a:rPr lang="zh-TW" altLang="en-US" sz="2000" smtClean="0"/>
-              <a:t>24</a:t>
+              <a:t>25</a:t>
             </a:fld>
             <a:endParaRPr lang="zh-TW" altLang="en-US" sz="2000" dirty="0"/>
           </a:p>
@@ -17448,14 +18168,14 @@
           <p:nvPr>
             <p:extLst>
               <p:ext uri="{D42A27DB-BD31-4B8C-83A1-F6EECF244321}">
-                <p14:modId xmlns:p14="http://schemas.microsoft.com/office/powerpoint/2010/main" val="1622975604"/>
+                <p14:modId xmlns:p14="http://schemas.microsoft.com/office/powerpoint/2010/main" val="1816150149"/>
               </p:ext>
             </p:extLst>
           </p:nvPr>
         </p:nvGraphicFramePr>
         <p:xfrm>
-          <a:off x="575022" y="2811231"/>
-          <a:ext cx="4464497" cy="2533693"/>
+          <a:off x="602426" y="2617423"/>
+          <a:ext cx="4464497" cy="2890240"/>
         </p:xfrm>
         <a:graphic>
           <a:graphicData uri="http://schemas.openxmlformats.org/drawingml/2006/table">
@@ -17500,6 +18220,207 @@
                   </a:extLst>
                 </a:gridCol>
               </a:tblGrid>
+              <a:tr h="495262">
+                <a:tc>
+                  <a:txBody>
+                    <a:bodyPr/>
+                    <a:lstStyle/>
+                    <a:p>
+                      <a:pPr marL="0" marR="0" indent="0" algn="ctr" defTabSz="685800" rtl="0" eaLnBrk="1" fontAlgn="ctr" latinLnBrk="0" hangingPunct="1">
+                        <a:lnSpc>
+                          <a:spcPct val="100000"/>
+                        </a:lnSpc>
+                        <a:spcBef>
+                          <a:spcPts val="0"/>
+                        </a:spcBef>
+                        <a:spcAft>
+                          <a:spcPts val="0"/>
+                        </a:spcAft>
+                        <a:buClrTx/>
+                        <a:buSzTx/>
+                        <a:buFontTx/>
+                        <a:buNone/>
+                        <a:tabLst/>
+                        <a:defRPr/>
+                      </a:pPr>
+                      <a:endParaRPr lang="en-US" sz="1400" b="0" i="0" u="none" strike="noStrike" baseline="-25000" dirty="0" smtClean="0">
+                        <a:solidFill>
+                          <a:srgbClr val="000000"/>
+                        </a:solidFill>
+                        <a:effectLst/>
+                        <a:latin typeface="Times New Roman" panose="02020603050405020304" pitchFamily="18" charset="0"/>
+                        <a:cs typeface="Times New Roman" panose="02020603050405020304" pitchFamily="18" charset="0"/>
+                      </a:endParaRPr>
+                    </a:p>
+                  </a:txBody>
+                  <a:tcPr marL="6830" marR="6830" marT="6830" marB="0" anchor="ctr">
+                    <a:solidFill>
+                      <a:schemeClr val="accent3">
+                        <a:lumMod val="40000"/>
+                        <a:lumOff val="60000"/>
+                      </a:schemeClr>
+                    </a:solidFill>
+                  </a:tcPr>
+                </a:tc>
+                <a:tc gridSpan="4">
+                  <a:txBody>
+                    <a:bodyPr/>
+                    <a:lstStyle/>
+                    <a:p>
+                      <a:pPr marL="0" marR="0" indent="0" algn="ctr" defTabSz="685800" rtl="0" eaLnBrk="1" fontAlgn="ctr" latinLnBrk="0" hangingPunct="1">
+                        <a:lnSpc>
+                          <a:spcPct val="100000"/>
+                        </a:lnSpc>
+                        <a:spcBef>
+                          <a:spcPts val="0"/>
+                        </a:spcBef>
+                        <a:spcAft>
+                          <a:spcPts val="0"/>
+                        </a:spcAft>
+                        <a:buClrTx/>
+                        <a:buSzTx/>
+                        <a:buFontTx/>
+                        <a:buNone/>
+                        <a:tabLst/>
+                        <a:defRPr/>
+                      </a:pPr>
+                      <a:r>
+                        <a:rPr lang="en-US" sz="1400" u="none" strike="noStrike" baseline="0" dirty="0" smtClean="0">
+                          <a:solidFill>
+                            <a:srgbClr val="0070C0"/>
+                          </a:solidFill>
+                          <a:effectLst/>
+                          <a:latin typeface="Times New Roman" panose="02020603050405020304" pitchFamily="18" charset="0"/>
+                          <a:cs typeface="Times New Roman" panose="02020603050405020304" pitchFamily="18" charset="0"/>
+                        </a:rPr>
+                        <a:t>Decay rate </a:t>
+                      </a:r>
+                      <a:r>
+                        <a:rPr lang="en-US" sz="1400" u="none" strike="noStrike" dirty="0" smtClean="0">
+                          <a:effectLst/>
+                          <a:latin typeface="Times New Roman" panose="02020603050405020304" pitchFamily="18" charset="0"/>
+                          <a:cs typeface="Times New Roman" panose="02020603050405020304" pitchFamily="18" charset="0"/>
+                        </a:rPr>
+                        <a:t>k (x 10</a:t>
+                      </a:r>
+                      <a:r>
+                        <a:rPr lang="en-US" sz="1400" u="none" strike="noStrike" baseline="30000" dirty="0" smtClean="0">
+                          <a:effectLst/>
+                          <a:latin typeface="Times New Roman" panose="02020603050405020304" pitchFamily="18" charset="0"/>
+                          <a:cs typeface="Times New Roman" panose="02020603050405020304" pitchFamily="18" charset="0"/>
+                        </a:rPr>
+                        <a:t>-18 </a:t>
+                      </a:r>
+                      <a:r>
+                        <a:rPr lang="en-US" sz="1400" u="none" strike="noStrike" dirty="0" smtClean="0">
+                          <a:effectLst/>
+                          <a:latin typeface="Times New Roman" panose="02020603050405020304" pitchFamily="18" charset="0"/>
+                          <a:cs typeface="Times New Roman" panose="02020603050405020304" pitchFamily="18" charset="0"/>
+                        </a:rPr>
+                        <a:t>photons</a:t>
+                      </a:r>
+                      <a:r>
+                        <a:rPr lang="en-US" sz="1400" u="none" strike="noStrike" baseline="30000" dirty="0" smtClean="0">
+                          <a:effectLst/>
+                          <a:latin typeface="Times New Roman" panose="02020603050405020304" pitchFamily="18" charset="0"/>
+                          <a:cs typeface="Times New Roman" panose="02020603050405020304" pitchFamily="18" charset="0"/>
+                        </a:rPr>
+                        <a:t>-1 </a:t>
+                      </a:r>
+                      <a:r>
+                        <a:rPr lang="en-HK" sz="1400" u="none" strike="noStrike" dirty="0" smtClean="0">
+                          <a:effectLst/>
+                          <a:latin typeface="Times New Roman" panose="02020603050405020304" pitchFamily="18" charset="0"/>
+                          <a:cs typeface="Times New Roman" panose="02020603050405020304" pitchFamily="18" charset="0"/>
+                        </a:rPr>
+                        <a:t>cm</a:t>
+                      </a:r>
+                      <a:r>
+                        <a:rPr lang="en-HK" sz="1400" u="none" strike="noStrike" baseline="30000" dirty="0" smtClean="0">
+                          <a:effectLst/>
+                          <a:latin typeface="Times New Roman" panose="02020603050405020304" pitchFamily="18" charset="0"/>
+                          <a:cs typeface="Times New Roman" panose="02020603050405020304" pitchFamily="18" charset="0"/>
+                        </a:rPr>
+                        <a:t>2</a:t>
+                      </a:r>
+                      <a:r>
+                        <a:rPr lang="en-HK" sz="1400" u="none" strike="noStrike" dirty="0" smtClean="0">
+                          <a:effectLst/>
+                          <a:latin typeface="Times New Roman" panose="02020603050405020304" pitchFamily="18" charset="0"/>
+                          <a:cs typeface="Times New Roman" panose="02020603050405020304" pitchFamily="18" charset="0"/>
+                        </a:rPr>
+                        <a:t>)</a:t>
+                      </a:r>
+                      <a:endParaRPr lang="en-US" sz="1400" b="0" i="0" u="none" strike="noStrike" dirty="0" smtClean="0">
+                        <a:solidFill>
+                          <a:srgbClr val="000000"/>
+                        </a:solidFill>
+                        <a:effectLst/>
+                        <a:latin typeface="Times New Roman" panose="02020603050405020304" pitchFamily="18" charset="0"/>
+                        <a:cs typeface="Times New Roman" panose="02020603050405020304" pitchFamily="18" charset="0"/>
+                      </a:endParaRPr>
+                    </a:p>
+                  </a:txBody>
+                  <a:tcPr marL="6830" marR="6830" marT="6830" marB="0" anchor="ctr">
+                    <a:solidFill>
+                      <a:schemeClr val="accent3">
+                        <a:lumMod val="40000"/>
+                        <a:lumOff val="60000"/>
+                      </a:schemeClr>
+                    </a:solidFill>
+                  </a:tcPr>
+                </a:tc>
+                <a:tc hMerge="1">
+                  <a:txBody>
+                    <a:bodyPr/>
+                    <a:lstStyle/>
+                    <a:p>
+                      <a:endParaRPr lang="en-US"/>
+                    </a:p>
+                  </a:txBody>
+                  <a:tcPr/>
+                </a:tc>
+                <a:tc hMerge="1">
+                  <a:txBody>
+                    <a:bodyPr/>
+                    <a:lstStyle/>
+                    <a:p>
+                      <a:pPr algn="ctr" rtl="0" fontAlgn="ctr"/>
+                      <a:endParaRPr lang="en-US" sz="1400" b="0" i="0" u="none" strike="noStrike" dirty="0">
+                        <a:solidFill>
+                          <a:srgbClr val="000000"/>
+                        </a:solidFill>
+                        <a:effectLst/>
+                        <a:latin typeface="Times New Roman" panose="02020603050405020304" pitchFamily="18" charset="0"/>
+                        <a:cs typeface="Times New Roman" panose="02020603050405020304" pitchFamily="18" charset="0"/>
+                      </a:endParaRPr>
+                    </a:p>
+                  </a:txBody>
+                  <a:tcPr marL="6830" marR="6830" marT="6830" marB="0" anchor="ctr">
+                    <a:solidFill>
+                      <a:schemeClr val="accent3">
+                        <a:lumMod val="40000"/>
+                        <a:lumOff val="60000"/>
+                      </a:schemeClr>
+                    </a:solidFill>
+                  </a:tcPr>
+                </a:tc>
+                <a:tc hMerge="1">
+                  <a:txBody>
+                    <a:bodyPr/>
+                    <a:lstStyle/>
+                    <a:p>
+                      <a:endParaRPr lang="en-US"/>
+                    </a:p>
+                  </a:txBody>
+                  <a:tcPr/>
+                </a:tc>
+                <a:extLst>
+                  <a:ext uri="{0D108BD9-81ED-4DB2-BD59-A6C34878D82A}">
+                    <a16:rowId xmlns:a16="http://schemas.microsoft.com/office/drawing/2014/main" val="1240401678"/>
+                  </a:ext>
+                </a:extLst>
+              </a:tr>
               <a:tr h="495262">
                 <a:tc>
                   <a:txBody>
@@ -17714,7 +18635,7 @@
                   </a:ext>
                 </a:extLst>
               </a:tr>
-              <a:tr h="612404">
+              <a:tr h="473689">
                 <a:tc>
                   <a:txBody>
                     <a:bodyPr/>
@@ -17738,87 +18659,15 @@
                         <a:defRPr/>
                       </a:pPr>
                       <a:r>
-                        <a:rPr lang="en-US" sz="1400" u="none" strike="noStrike" baseline="0" dirty="0" smtClean="0">
+                        <a:rPr lang="en-HK" sz="1400" b="0" i="0" u="none" strike="noStrike" dirty="0" smtClean="0">
                           <a:solidFill>
-                            <a:srgbClr val="0070C0"/>
+                            <a:srgbClr val="000000"/>
                           </a:solidFill>
                           <a:effectLst/>
                           <a:latin typeface="Times New Roman" panose="02020603050405020304" pitchFamily="18" charset="0"/>
                           <a:cs typeface="Times New Roman" panose="02020603050405020304" pitchFamily="18" charset="0"/>
                         </a:rPr>
-                        <a:t>Decay rate </a:t>
-                      </a:r>
-                      <a:r>
-                        <a:rPr lang="en-US" sz="1400" u="none" strike="noStrike" dirty="0" smtClean="0">
-                          <a:effectLst/>
-                          <a:latin typeface="Times New Roman" panose="02020603050405020304" pitchFamily="18" charset="0"/>
-                          <a:cs typeface="Times New Roman" panose="02020603050405020304" pitchFamily="18" charset="0"/>
-                        </a:rPr>
-                        <a:t>k </a:t>
-                      </a:r>
-                      <a:endParaRPr lang="en-US" sz="1400" u="none" strike="noStrike" dirty="0" smtClean="0">
-                        <a:effectLst/>
-                        <a:latin typeface="Times New Roman" panose="02020603050405020304" pitchFamily="18" charset="0"/>
-                        <a:cs typeface="Times New Roman" panose="02020603050405020304" pitchFamily="18" charset="0"/>
-                      </a:endParaRPr>
-                    </a:p>
-                    <a:p>
-                      <a:pPr marL="0" marR="0" indent="0" algn="ctr" defTabSz="685800" rtl="0" eaLnBrk="1" fontAlgn="ctr" latinLnBrk="0" hangingPunct="1">
-                        <a:lnSpc>
-                          <a:spcPct val="100000"/>
-                        </a:lnSpc>
-                        <a:spcBef>
-                          <a:spcPts val="0"/>
-                        </a:spcBef>
-                        <a:spcAft>
-                          <a:spcPts val="0"/>
-                        </a:spcAft>
-                        <a:buClrTx/>
-                        <a:buSzTx/>
-                        <a:buFontTx/>
-                        <a:buNone/>
-                        <a:tabLst/>
-                        <a:defRPr/>
-                      </a:pPr>
-                      <a:r>
-                        <a:rPr lang="en-US" sz="1400" u="none" strike="noStrike" dirty="0" smtClean="0">
-                          <a:effectLst/>
-                          <a:latin typeface="Times New Roman" panose="02020603050405020304" pitchFamily="18" charset="0"/>
-                          <a:cs typeface="Times New Roman" panose="02020603050405020304" pitchFamily="18" charset="0"/>
-                        </a:rPr>
-                        <a:t>(photons</a:t>
-                      </a:r>
-                      <a:r>
-                        <a:rPr lang="en-US" sz="1400" u="none" strike="noStrike" baseline="30000" dirty="0" smtClean="0">
-                          <a:effectLst/>
-                          <a:latin typeface="Times New Roman" panose="02020603050405020304" pitchFamily="18" charset="0"/>
-                          <a:cs typeface="Times New Roman" panose="02020603050405020304" pitchFamily="18" charset="0"/>
-                        </a:rPr>
-                        <a:t>-1</a:t>
-                      </a:r>
-                      <a:r>
-                        <a:rPr lang="en-HK" sz="1400" u="none" strike="noStrike" dirty="0" smtClean="0">
-                          <a:effectLst/>
-                          <a:latin typeface="Times New Roman" panose="02020603050405020304" pitchFamily="18" charset="0"/>
-                          <a:cs typeface="Times New Roman" panose="02020603050405020304" pitchFamily="18" charset="0"/>
-                        </a:rPr>
-                        <a:t>cm</a:t>
-                      </a:r>
-                      <a:r>
-                        <a:rPr lang="en-HK" sz="1400" u="none" strike="noStrike" baseline="30000" dirty="0" smtClean="0">
-                          <a:effectLst/>
-                          <a:latin typeface="Times New Roman" panose="02020603050405020304" pitchFamily="18" charset="0"/>
-                          <a:cs typeface="Times New Roman" panose="02020603050405020304" pitchFamily="18" charset="0"/>
-                        </a:rPr>
-                        <a:t>2</a:t>
-                      </a:r>
-                      <a:r>
-                        <a:rPr lang="en-HK" sz="1400" u="none" strike="noStrike" dirty="0" smtClean="0">
-                          <a:effectLst/>
-                          <a:latin typeface="Times New Roman" panose="02020603050405020304" pitchFamily="18" charset="0"/>
-                          <a:cs typeface="Times New Roman" panose="02020603050405020304" pitchFamily="18" charset="0"/>
-                        </a:rPr>
-                        <a:t>)</a:t>
+                        <a:t>Constituent</a:t>
                       </a:r>
                       <a:endParaRPr lang="en-US" sz="1400" b="0" i="0" u="none" strike="noStrike" dirty="0" smtClean="0">
                         <a:solidFill>
@@ -17861,45 +18710,7 @@
                         </a:rPr>
                         <a:t>4</a:t>
                       </a:r>
-                    </a:p>
-                    <a:p>
-                      <a:pPr algn="ctr" rtl="0" fontAlgn="ctr"/>
-                      <a:r>
-                        <a:rPr lang="en-US" sz="1400" u="none" strike="noStrike" dirty="0" smtClean="0">
-                          <a:effectLst/>
-                          <a:latin typeface="Times New Roman" panose="02020603050405020304" pitchFamily="18" charset="0"/>
-                          <a:cs typeface="Times New Roman" panose="02020603050405020304" pitchFamily="18" charset="0"/>
-                        </a:rPr>
-                        <a:t>(</a:t>
-                      </a:r>
-                      <a:r>
-                        <a:rPr lang="en-US" sz="1400" u="none" strike="noStrike" dirty="0">
-                          <a:effectLst/>
-                          <a:latin typeface="Times New Roman" panose="02020603050405020304" pitchFamily="18" charset="0"/>
-                          <a:cs typeface="Times New Roman" panose="02020603050405020304" pitchFamily="18" charset="0"/>
-                        </a:rPr>
-                        <a:t>x 10</a:t>
-                      </a:r>
-                      <a:r>
-                        <a:rPr lang="en-US" sz="1400" u="none" strike="noStrike" baseline="30000" dirty="0">
-                          <a:effectLst/>
-                          <a:latin typeface="Times New Roman" panose="02020603050405020304" pitchFamily="18" charset="0"/>
-                          <a:cs typeface="Times New Roman" panose="02020603050405020304" pitchFamily="18" charset="0"/>
-                        </a:rPr>
-                        <a:t>-18</a:t>
-                      </a:r>
-                      <a:r>
-                        <a:rPr lang="en-US" sz="1400" u="none" strike="noStrike" dirty="0">
-                          <a:effectLst/>
-                          <a:latin typeface="Times New Roman" panose="02020603050405020304" pitchFamily="18" charset="0"/>
-                          <a:cs typeface="Times New Roman" panose="02020603050405020304" pitchFamily="18" charset="0"/>
-                        </a:rPr>
-                        <a:t>)</a:t>
-                      </a:r>
-                      <a:endParaRPr lang="en-US" sz="1400" b="0" i="0" u="none" strike="noStrike" dirty="0">
-                        <a:solidFill>
-                          <a:srgbClr val="000000"/>
-                        </a:solidFill>
+                      <a:endParaRPr lang="en-US" sz="1400" u="none" strike="noStrike" baseline="-25000" dirty="0" smtClean="0">
                         <a:effectLst/>
                         <a:latin typeface="Times New Roman" panose="02020603050405020304" pitchFamily="18" charset="0"/>
                         <a:cs typeface="Times New Roman" panose="02020603050405020304" pitchFamily="18" charset="0"/>
@@ -17937,45 +18748,7 @@
                         </a:rPr>
                         <a:t>3</a:t>
                       </a:r>
-                    </a:p>
-                    <a:p>
-                      <a:pPr algn="ctr" rtl="0" fontAlgn="ctr"/>
-                      <a:r>
-                        <a:rPr lang="en-US" sz="1400" u="none" strike="noStrike" dirty="0" smtClean="0">
-                          <a:effectLst/>
-                          <a:latin typeface="Times New Roman" panose="02020603050405020304" pitchFamily="18" charset="0"/>
-                          <a:cs typeface="Times New Roman" panose="02020603050405020304" pitchFamily="18" charset="0"/>
-                        </a:rPr>
-                        <a:t> </a:t>
-                      </a:r>
-                      <a:r>
-                        <a:rPr lang="en-US" sz="1400" u="none" strike="noStrike" dirty="0">
-                          <a:effectLst/>
-                          <a:latin typeface="Times New Roman" panose="02020603050405020304" pitchFamily="18" charset="0"/>
-                          <a:cs typeface="Times New Roman" panose="02020603050405020304" pitchFamily="18" charset="0"/>
-                        </a:rPr>
-                        <a:t>(x10</a:t>
-                      </a:r>
-                      <a:r>
-                        <a:rPr lang="en-US" sz="1400" u="none" strike="noStrike" baseline="30000" dirty="0">
-                          <a:effectLst/>
-                          <a:latin typeface="Times New Roman" panose="02020603050405020304" pitchFamily="18" charset="0"/>
-                          <a:cs typeface="Times New Roman" panose="02020603050405020304" pitchFamily="18" charset="0"/>
-                        </a:rPr>
-                        <a:t>-18</a:t>
-                      </a:r>
-                      <a:r>
-                        <a:rPr lang="en-US" sz="1400" u="none" strike="noStrike" dirty="0">
-                          <a:effectLst/>
-                          <a:latin typeface="Times New Roman" panose="02020603050405020304" pitchFamily="18" charset="0"/>
-                          <a:cs typeface="Times New Roman" panose="02020603050405020304" pitchFamily="18" charset="0"/>
-                        </a:rPr>
-                        <a:t>)</a:t>
-                      </a:r>
-                      <a:endParaRPr lang="en-US" sz="1400" b="0" i="0" u="none" strike="noStrike" dirty="0">
-                        <a:solidFill>
-                          <a:srgbClr val="000000"/>
-                        </a:solidFill>
+                      <a:endParaRPr lang="en-US" sz="1400" u="none" strike="noStrike" baseline="-25000" dirty="0" smtClean="0">
                         <a:effectLst/>
                         <a:latin typeface="Times New Roman" panose="02020603050405020304" pitchFamily="18" charset="0"/>
                         <a:cs typeface="Times New Roman" panose="02020603050405020304" pitchFamily="18" charset="0"/>
@@ -18013,45 +18786,7 @@
                         </a:rPr>
                         <a:t>4</a:t>
                       </a:r>
-                    </a:p>
-                    <a:p>
-                      <a:pPr algn="ctr" rtl="0" fontAlgn="ctr"/>
-                      <a:r>
-                        <a:rPr lang="en-US" sz="1400" u="none" strike="noStrike" dirty="0" smtClean="0">
-                          <a:effectLst/>
-                          <a:latin typeface="Times New Roman" panose="02020603050405020304" pitchFamily="18" charset="0"/>
-                          <a:cs typeface="Times New Roman" panose="02020603050405020304" pitchFamily="18" charset="0"/>
-                        </a:rPr>
-                        <a:t>(</a:t>
-                      </a:r>
-                      <a:r>
-                        <a:rPr lang="en-US" sz="1400" u="none" strike="noStrike" dirty="0">
-                          <a:effectLst/>
-                          <a:latin typeface="Times New Roman" panose="02020603050405020304" pitchFamily="18" charset="0"/>
-                          <a:cs typeface="Times New Roman" panose="02020603050405020304" pitchFamily="18" charset="0"/>
-                        </a:rPr>
-                        <a:t>x 10</a:t>
-                      </a:r>
-                      <a:r>
-                        <a:rPr lang="en-US" sz="1400" u="none" strike="noStrike" baseline="30000" dirty="0">
-                          <a:effectLst/>
-                          <a:latin typeface="Times New Roman" panose="02020603050405020304" pitchFamily="18" charset="0"/>
-                          <a:cs typeface="Times New Roman" panose="02020603050405020304" pitchFamily="18" charset="0"/>
-                        </a:rPr>
-                        <a:t>-18</a:t>
-                      </a:r>
-                      <a:r>
-                        <a:rPr lang="en-US" sz="1400" u="none" strike="noStrike" dirty="0">
-                          <a:effectLst/>
-                          <a:latin typeface="Times New Roman" panose="02020603050405020304" pitchFamily="18" charset="0"/>
-                          <a:cs typeface="Times New Roman" panose="02020603050405020304" pitchFamily="18" charset="0"/>
-                        </a:rPr>
-                        <a:t>)</a:t>
-                      </a:r>
-                      <a:endParaRPr lang="en-US" sz="1400" b="0" i="0" u="none" strike="noStrike" dirty="0">
-                        <a:solidFill>
-                          <a:srgbClr val="000000"/>
-                        </a:solidFill>
+                      <a:endParaRPr lang="en-US" sz="1400" u="none" strike="noStrike" baseline="-25000" dirty="0" smtClean="0">
                         <a:effectLst/>
                         <a:latin typeface="Times New Roman" panose="02020603050405020304" pitchFamily="18" charset="0"/>
                         <a:cs typeface="Times New Roman" panose="02020603050405020304" pitchFamily="18" charset="0"/>
@@ -18098,49 +18833,6 @@
                         <a:t> </a:t>
                       </a:r>
                       <a:endParaRPr lang="en-US" sz="1400" u="none" strike="noStrike" dirty="0" smtClean="0">
-                        <a:effectLst/>
-                        <a:latin typeface="Times New Roman" panose="02020603050405020304" pitchFamily="18" charset="0"/>
-                        <a:cs typeface="Times New Roman" panose="02020603050405020304" pitchFamily="18" charset="0"/>
-                      </a:endParaRPr>
-                    </a:p>
-                    <a:p>
-                      <a:pPr algn="ctr" rtl="0" fontAlgn="ctr"/>
-                      <a:r>
-                        <a:rPr lang="en-US" sz="1400" u="none" strike="noStrike" dirty="0" smtClean="0">
-                          <a:effectLst/>
-                          <a:latin typeface="Times New Roman" panose="02020603050405020304" pitchFamily="18" charset="0"/>
-                          <a:cs typeface="Times New Roman" panose="02020603050405020304" pitchFamily="18" charset="0"/>
-                        </a:rPr>
-                        <a:t>(</a:t>
-                      </a:r>
-                      <a:r>
-                        <a:rPr lang="en-US" sz="1400" u="none" strike="noStrike" dirty="0">
-                          <a:effectLst/>
-                          <a:latin typeface="Times New Roman" panose="02020603050405020304" pitchFamily="18" charset="0"/>
-                          <a:cs typeface="Times New Roman" panose="02020603050405020304" pitchFamily="18" charset="0"/>
-                        </a:rPr>
-                        <a:t>x10</a:t>
-                      </a:r>
-                      <a:r>
-                        <a:rPr lang="en-US" sz="1400" u="none" strike="noStrike" baseline="30000" dirty="0">
-                          <a:effectLst/>
-                          <a:latin typeface="Times New Roman" panose="02020603050405020304" pitchFamily="18" charset="0"/>
-                          <a:cs typeface="Times New Roman" panose="02020603050405020304" pitchFamily="18" charset="0"/>
-                        </a:rPr>
-                        <a:t>-18</a:t>
-                      </a:r>
-                      <a:r>
-                        <a:rPr lang="en-US" sz="1400" u="none" strike="noStrike" dirty="0">
-                          <a:effectLst/>
-                          <a:latin typeface="Times New Roman" panose="02020603050405020304" pitchFamily="18" charset="0"/>
-                          <a:cs typeface="Times New Roman" panose="02020603050405020304" pitchFamily="18" charset="0"/>
-                        </a:rPr>
-                        <a:t>)</a:t>
-                      </a:r>
-                      <a:endParaRPr lang="en-US" sz="1400" b="0" i="0" u="none" strike="noStrike" dirty="0">
-                        <a:solidFill>
-                          <a:srgbClr val="000000"/>
-                        </a:solidFill>
                         <a:effectLst/>
                         <a:latin typeface="Times New Roman" panose="02020603050405020304" pitchFamily="18" charset="0"/>
                         <a:cs typeface="Times New Roman" panose="02020603050405020304" pitchFamily="18" charset="0"/>
@@ -18649,7 +19341,7 @@
           <a:graphicData uri="http://schemas.openxmlformats.org/presentationml/2006/ole">
             <mc:AlternateContent xmlns:mc="http://schemas.openxmlformats.org/markup-compatibility/2006">
               <mc:Choice xmlns:v="urn:schemas-microsoft-com:vml" Requires="v">
-                <p:oleObj spid="_x0000_s13344" name="Graph" r:id="rId3" imgW="4754880" imgH="3108960" progId="Origin50.Graph">
+                <p:oleObj spid="_x0000_s13416" name="Graph" r:id="rId3" imgW="4754880" imgH="3108960" progId="Origin50.Graph">
                   <p:embed/>
                 </p:oleObj>
               </mc:Choice>
@@ -18706,7 +19398,7 @@
           <a:graphicData uri="http://schemas.openxmlformats.org/presentationml/2006/ole">
             <mc:AlternateContent xmlns:mc="http://schemas.openxmlformats.org/markup-compatibility/2006">
               <mc:Choice xmlns:v="urn:schemas-microsoft-com:vml" Requires="v">
-                <p:oleObj spid="_x0000_s13345" name="Graph" r:id="rId5" imgW="4754880" imgH="3108960" progId="Origin50.Graph">
+                <p:oleObj spid="_x0000_s13417" name="Graph" r:id="rId5" imgW="4754880" imgH="3108960" progId="Origin50.Graph">
                   <p:embed/>
                 </p:oleObj>
               </mc:Choice>
@@ -18761,7 +19453,7 @@
 </p:sld>
 </file>
 
-<file path=ppt/slides/slide25.xml><?xml version="1.0" encoding="utf-8"?>
+<file path=ppt/slides/slide26.xml><?xml version="1.0" encoding="utf-8"?>
 <p:sld xmlns:a="http://schemas.openxmlformats.org/drawingml/2006/main" xmlns:r="http://schemas.openxmlformats.org/officeDocument/2006/relationships" xmlns:p="http://schemas.openxmlformats.org/presentationml/2006/main">
   <p:cSld>
     <p:spTree>
@@ -18859,7 +19551,7 @@
           <a:p>
             <a:fld id="{B646D8CA-B2C0-41A8-8514-369D0B0735D6}" type="slidenum">
               <a:rPr lang="zh-TW" altLang="en-US" sz="2000" smtClean="0"/>
-              <a:t>25</a:t>
+              <a:t>26</a:t>
             </a:fld>
             <a:endParaRPr lang="zh-TW" altLang="en-US" sz="2000" dirty="0"/>
           </a:p>
@@ -18875,14 +19567,14 @@
             <p:ph idx="1"/>
             <p:extLst>
               <p:ext uri="{D42A27DB-BD31-4B8C-83A1-F6EECF244321}">
-                <p14:modId xmlns:p14="http://schemas.microsoft.com/office/powerpoint/2010/main" val="1166949282"/>
+                <p14:modId xmlns:p14="http://schemas.microsoft.com/office/powerpoint/2010/main" val="2025627313"/>
               </p:ext>
             </p:extLst>
           </p:nvPr>
         </p:nvGraphicFramePr>
         <p:xfrm>
           <a:off x="569727" y="2076018"/>
-          <a:ext cx="3969871" cy="2509674"/>
+          <a:ext cx="4074281" cy="3116779"/>
         </p:xfrm>
         <a:graphic>
           <a:graphicData uri="http://schemas.openxmlformats.org/drawingml/2006/table">
@@ -18891,21 +19583,21 @@
                 <a:tableStyleId>{5C22544A-7EE6-4342-B048-85BDC9FD1C3A}</a:tableStyleId>
               </a:tblPr>
               <a:tblGrid>
-                <a:gridCol w="1698017">
+                <a:gridCol w="1594872">
                   <a:extLst>
                     <a:ext uri="{9D8B030D-6E8A-4147-A177-3AD203B41FA5}">
                       <a16:colId xmlns:a16="http://schemas.microsoft.com/office/drawing/2014/main" val="1809679188"/>
                     </a:ext>
                   </a:extLst>
                 </a:gridCol>
-                <a:gridCol w="1080120">
+                <a:gridCol w="1256332">
                   <a:extLst>
                     <a:ext uri="{9D8B030D-6E8A-4147-A177-3AD203B41FA5}">
                       <a16:colId xmlns:a16="http://schemas.microsoft.com/office/drawing/2014/main" val="1032193202"/>
                     </a:ext>
                   </a:extLst>
                 </a:gridCol>
-                <a:gridCol w="1191734">
+                <a:gridCol w="1223077">
                   <a:extLst>
                     <a:ext uri="{9D8B030D-6E8A-4147-A177-3AD203B41FA5}">
                       <a16:colId xmlns:a16="http://schemas.microsoft.com/office/drawing/2014/main" val="2853513134"/>
@@ -18915,6 +19607,24 @@
               </a:tblGrid>
               <a:tr h="750441">
                 <a:tc>
+                  <a:txBody>
+                    <a:bodyPr/>
+                    <a:lstStyle/>
+                    <a:p>
+                      <a:pPr algn="ctr" rtl="0" fontAlgn="ctr"/>
+                      <a:endParaRPr lang="en-US" sz="1400" b="0" i="0" u="none" strike="noStrike" dirty="0">
+                        <a:solidFill>
+                          <a:srgbClr val="000000"/>
+                        </a:solidFill>
+                        <a:effectLst/>
+                        <a:latin typeface="Times New Roman" panose="02020603050405020304" pitchFamily="18" charset="0"/>
+                        <a:cs typeface="Times New Roman" panose="02020603050405020304" pitchFamily="18" charset="0"/>
+                      </a:endParaRPr>
+                    </a:p>
+                  </a:txBody>
+                  <a:tcPr marL="6830" marR="6830" marT="6830" marB="0" anchor="ctr"/>
+                </a:tc>
+                <a:tc gridSpan="2">
                   <a:txBody>
                     <a:bodyPr/>
                     <a:lstStyle/>
@@ -18973,23 +19683,7 @@
                           <a:latin typeface="Times New Roman" panose="02020603050405020304" pitchFamily="18" charset="0"/>
                           <a:cs typeface="Times New Roman" panose="02020603050405020304" pitchFamily="18" charset="0"/>
                         </a:rPr>
-                        <a:t>k </a:t>
-                      </a:r>
-                      <a:r>
-                        <a:rPr lang="en-US" sz="1400" u="none" strike="noStrike" dirty="0">
-                          <a:effectLst/>
-                          <a:latin typeface="Times New Roman" panose="02020603050405020304" pitchFamily="18" charset="0"/>
-                          <a:cs typeface="Times New Roman" panose="02020603050405020304" pitchFamily="18" charset="0"/>
-                        </a:rPr>
-                        <a:t>(photon </a:t>
-                      </a:r>
-                      <a:r>
-                        <a:rPr lang="en-US" sz="1400" u="none" strike="noStrike" baseline="30000" dirty="0">
-                          <a:effectLst/>
-                          <a:latin typeface="Times New Roman" panose="02020603050405020304" pitchFamily="18" charset="0"/>
-                          <a:cs typeface="Times New Roman" panose="02020603050405020304" pitchFamily="18" charset="0"/>
-                        </a:rPr>
-                        <a:t>-</a:t>
+                        <a:t>k (x10</a:t>
                       </a:r>
                       <a:r>
                         <a:rPr lang="en-US" sz="1400" u="none" strike="noStrike" baseline="30000" dirty="0" smtClean="0">
@@ -18997,7 +19691,34 @@
                           <a:latin typeface="Times New Roman" panose="02020603050405020304" pitchFamily="18" charset="0"/>
                           <a:cs typeface="Times New Roman" panose="02020603050405020304" pitchFamily="18" charset="0"/>
                         </a:rPr>
-                        <a:t>1</a:t>
+                        <a:t>-18</a:t>
+                      </a:r>
+                      <a:r>
+                        <a:rPr lang="en-US" sz="1400" b="0" i="0" u="none" strike="noStrike" baseline="0" dirty="0" smtClean="0">
+                          <a:solidFill>
+                            <a:srgbClr val="000000"/>
+                          </a:solidFill>
+                          <a:effectLst/>
+                          <a:latin typeface="Times New Roman" panose="02020603050405020304" pitchFamily="18" charset="0"/>
+                          <a:cs typeface="Times New Roman" panose="02020603050405020304" pitchFamily="18" charset="0"/>
+                        </a:rPr>
+                        <a:t> </a:t>
+                      </a:r>
+                      <a:r>
+                        <a:rPr lang="en-US" sz="1400" u="none" strike="noStrike" dirty="0" smtClean="0">
+                          <a:effectLst/>
+                          <a:latin typeface="Times New Roman" panose="02020603050405020304" pitchFamily="18" charset="0"/>
+                          <a:cs typeface="Times New Roman" panose="02020603050405020304" pitchFamily="18" charset="0"/>
+                        </a:rPr>
+                        <a:t>photon </a:t>
+                      </a:r>
+                      <a:r>
+                        <a:rPr lang="en-US" sz="1400" u="none" strike="noStrike" baseline="30000" dirty="0" smtClean="0">
+                          <a:effectLst/>
+                          <a:latin typeface="Times New Roman" panose="02020603050405020304" pitchFamily="18" charset="0"/>
+                          <a:cs typeface="Times New Roman" panose="02020603050405020304" pitchFamily="18" charset="0"/>
+                        </a:rPr>
+                        <a:t>-1</a:t>
                       </a:r>
                       <a:r>
                         <a:rPr lang="en-HK" sz="1400" u="none" strike="noStrike" dirty="0" smtClean="0">
@@ -19023,6 +19744,24 @@
                         </a:rPr>
                         <a:t>)</a:t>
                       </a:r>
+                      <a:endParaRPr lang="en-US" sz="1400" b="0" i="0" u="none" strike="noStrike" dirty="0" smtClean="0">
+                        <a:solidFill>
+                          <a:srgbClr val="000000"/>
+                        </a:solidFill>
+                        <a:effectLst/>
+                        <a:latin typeface="Times New Roman" panose="02020603050405020304" pitchFamily="18" charset="0"/>
+                        <a:cs typeface="Times New Roman" panose="02020603050405020304" pitchFamily="18" charset="0"/>
+                      </a:endParaRPr>
+                    </a:p>
+                  </a:txBody>
+                  <a:tcPr marL="6830" marR="6830" marT="6830" marB="0" anchor="ctr"/>
+                </a:tc>
+                <a:tc hMerge="1">
+                  <a:txBody>
+                    <a:bodyPr/>
+                    <a:lstStyle/>
+                    <a:p>
+                      <a:pPr algn="ctr" rtl="0" fontAlgn="ctr"/>
                       <a:endParaRPr lang="en-US" sz="1400" b="0" i="0" u="none" strike="noStrike" dirty="0">
                         <a:solidFill>
                           <a:srgbClr val="000000"/>
@@ -19035,12 +19774,30 @@
                   </a:txBody>
                   <a:tcPr marL="6830" marR="6830" marT="6830" marB="0" anchor="ctr"/>
                 </a:tc>
+                <a:extLst>
+                  <a:ext uri="{0D108BD9-81ED-4DB2-BD59-A6C34878D82A}">
+                    <a16:rowId xmlns:a16="http://schemas.microsoft.com/office/drawing/2014/main" val="3625179442"/>
+                  </a:ext>
+                </a:extLst>
+              </a:tr>
+              <a:tr h="607105">
                 <a:tc>
                   <a:txBody>
                     <a:bodyPr/>
                     <a:lstStyle/>
                     <a:p>
                       <a:pPr algn="ctr" rtl="0" fontAlgn="ctr"/>
+                      <a:r>
+                        <a:rPr lang="en-HK" sz="1400" u="none" strike="noStrike" dirty="0" smtClean="0">
+                          <a:solidFill>
+                            <a:srgbClr val="0070C0"/>
+                          </a:solidFill>
+                          <a:effectLst/>
+                          <a:latin typeface="Times New Roman" panose="02020603050405020304" pitchFamily="18" charset="0"/>
+                          <a:cs typeface="Times New Roman" panose="02020603050405020304" pitchFamily="18" charset="0"/>
+                        </a:rPr>
+                        <a:t>Ratio of </a:t>
+                      </a:r>
                       <a:r>
                         <a:rPr lang="en-US" sz="1400" u="none" strike="noStrike" dirty="0" smtClean="0">
                           <a:effectLst/>
@@ -19089,49 +19846,6 @@
                         </a:rPr>
                         <a:t>3 </a:t>
                       </a:r>
-                      <a:r>
-                        <a:rPr lang="en-US" sz="1400" u="none" strike="noStrike" dirty="0" smtClean="0">
-                          <a:effectLst/>
-                          <a:latin typeface="Times New Roman" panose="02020603050405020304" pitchFamily="18" charset="0"/>
-                          <a:cs typeface="Times New Roman" panose="02020603050405020304" pitchFamily="18" charset="0"/>
-                        </a:rPr>
-                        <a:t>3:2</a:t>
-                      </a:r>
-                    </a:p>
-                    <a:p>
-                      <a:pPr algn="ctr" rtl="0" fontAlgn="ctr"/>
-                      <a:r>
-                        <a:rPr lang="en-US" sz="1400" u="none" strike="noStrike" dirty="0" smtClean="0">
-                          <a:effectLst/>
-                          <a:latin typeface="Times New Roman" panose="02020603050405020304" pitchFamily="18" charset="0"/>
-                          <a:cs typeface="Times New Roman" panose="02020603050405020304" pitchFamily="18" charset="0"/>
-                        </a:rPr>
-                        <a:t> (</a:t>
-                      </a:r>
-                      <a:r>
-                        <a:rPr lang="en-US" sz="1400" u="none" strike="noStrike" dirty="0">
-                          <a:effectLst/>
-                          <a:latin typeface="Times New Roman" panose="02020603050405020304" pitchFamily="18" charset="0"/>
-                          <a:cs typeface="Times New Roman" panose="02020603050405020304" pitchFamily="18" charset="0"/>
-                        </a:rPr>
-                        <a:t>x 10</a:t>
-                      </a:r>
-                      <a:r>
-                        <a:rPr lang="en-US" sz="1400" u="none" strike="noStrike" baseline="30000" dirty="0">
-                          <a:effectLst/>
-                          <a:latin typeface="Times New Roman" panose="02020603050405020304" pitchFamily="18" charset="0"/>
-                          <a:cs typeface="Times New Roman" panose="02020603050405020304" pitchFamily="18" charset="0"/>
-                        </a:rPr>
-                        <a:t>-18</a:t>
-                      </a:r>
-                      <a:r>
-                        <a:rPr lang="en-US" sz="1400" u="none" strike="noStrike" dirty="0">
-                          <a:effectLst/>
-                          <a:latin typeface="Times New Roman" panose="02020603050405020304" pitchFamily="18" charset="0"/>
-                          <a:cs typeface="Times New Roman" panose="02020603050405020304" pitchFamily="18" charset="0"/>
-                        </a:rPr>
-                        <a:t>)</a:t>
-                      </a:r>
                       <a:endParaRPr lang="en-US" sz="1400" b="0" i="0" u="none" strike="noStrike" dirty="0">
                         <a:solidFill>
                           <a:srgbClr val="000000"/>
@@ -19156,71 +19870,30 @@
                           <a:latin typeface="Times New Roman" panose="02020603050405020304" pitchFamily="18" charset="0"/>
                           <a:cs typeface="Times New Roman" panose="02020603050405020304" pitchFamily="18" charset="0"/>
                         </a:rPr>
-                        <a:t>CH</a:t>
+                        <a:t>3:2</a:t>
                       </a:r>
-                      <a:r>
-                        <a:rPr lang="en-US" sz="1400" u="none" strike="noStrike" baseline="-25000" dirty="0" smtClean="0">
-                          <a:effectLst/>
-                          <a:latin typeface="Times New Roman" panose="02020603050405020304" pitchFamily="18" charset="0"/>
-                          <a:cs typeface="Times New Roman" panose="02020603050405020304" pitchFamily="18" charset="0"/>
-                        </a:rPr>
-                        <a:t>4 </a:t>
-                      </a:r>
-                      <a:r>
-                        <a:rPr lang="en-US" sz="1400" u="none" strike="noStrike" baseline="0" dirty="0" smtClean="0">
-                          <a:effectLst/>
-                          <a:latin typeface="Times New Roman" panose="02020603050405020304" pitchFamily="18" charset="0"/>
-                          <a:cs typeface="Times New Roman" panose="02020603050405020304" pitchFamily="18" charset="0"/>
-                        </a:rPr>
-                        <a:t>: </a:t>
-                      </a:r>
+                      <a:endParaRPr lang="en-US" sz="1400" u="none" strike="noStrike" dirty="0" smtClean="0">
+                        <a:effectLst/>
+                        <a:latin typeface="Times New Roman" panose="02020603050405020304" pitchFamily="18" charset="0"/>
+                        <a:cs typeface="Times New Roman" panose="02020603050405020304" pitchFamily="18" charset="0"/>
+                      </a:endParaRPr>
+                    </a:p>
+                  </a:txBody>
+                  <a:tcPr marL="6830" marR="6830" marT="6830" marB="0" anchor="ctr"/>
+                </a:tc>
+                <a:tc>
+                  <a:txBody>
+                    <a:bodyPr/>
+                    <a:lstStyle/>
+                    <a:p>
+                      <a:pPr algn="ctr" rtl="0" fontAlgn="ctr"/>
                       <a:r>
                         <a:rPr lang="en-US" sz="1400" u="none" strike="noStrike" dirty="0" smtClean="0">
                           <a:effectLst/>
                           <a:latin typeface="Times New Roman" panose="02020603050405020304" pitchFamily="18" charset="0"/>
                           <a:cs typeface="Times New Roman" panose="02020603050405020304" pitchFamily="18" charset="0"/>
                         </a:rPr>
-                        <a:t>NH</a:t>
-                      </a:r>
-                      <a:r>
-                        <a:rPr lang="en-US" sz="1400" u="none" strike="noStrike" baseline="-25000" dirty="0" smtClean="0">
-                          <a:effectLst/>
-                          <a:latin typeface="Times New Roman" panose="02020603050405020304" pitchFamily="18" charset="0"/>
-                          <a:cs typeface="Times New Roman" panose="02020603050405020304" pitchFamily="18" charset="0"/>
-                        </a:rPr>
-                        <a:t>3 </a:t>
-                      </a:r>
-                      <a:r>
-                        <a:rPr lang="en-US" sz="1400" u="none" strike="noStrike" dirty="0" smtClean="0">
-                          <a:effectLst/>
-                          <a:latin typeface="Times New Roman" panose="02020603050405020304" pitchFamily="18" charset="0"/>
-                          <a:cs typeface="Times New Roman" panose="02020603050405020304" pitchFamily="18" charset="0"/>
-                        </a:rPr>
-                        <a:t>1:5 </a:t>
-                      </a:r>
-                      <a:r>
-                        <a:rPr lang="en-US" sz="1400" u="none" strike="noStrike" dirty="0">
-                          <a:effectLst/>
-                          <a:latin typeface="Times New Roman" panose="02020603050405020304" pitchFamily="18" charset="0"/>
-                          <a:cs typeface="Times New Roman" panose="02020603050405020304" pitchFamily="18" charset="0"/>
-                        </a:rPr>
-                        <a:t>(x10</a:t>
-                      </a:r>
-                      <a:r>
-                        <a:rPr lang="en-US" sz="1400" u="none" strike="noStrike" baseline="30000" dirty="0">
-                          <a:effectLst/>
-                          <a:latin typeface="Times New Roman" panose="02020603050405020304" pitchFamily="18" charset="0"/>
-                          <a:cs typeface="Times New Roman" panose="02020603050405020304" pitchFamily="18" charset="0"/>
-                        </a:rPr>
-                        <a:t>-18</a:t>
-                      </a:r>
-                      <a:r>
-                        <a:rPr lang="en-US" sz="1400" u="none" strike="noStrike" dirty="0">
-                          <a:effectLst/>
-                          <a:latin typeface="Times New Roman" panose="02020603050405020304" pitchFamily="18" charset="0"/>
-                          <a:cs typeface="Times New Roman" panose="02020603050405020304" pitchFamily="18" charset="0"/>
-                        </a:rPr>
-                        <a:t>)</a:t>
+                        <a:t>1:5</a:t>
                       </a:r>
                       <a:endParaRPr lang="en-US" sz="1400" b="0" i="0" u="none" strike="noStrike" dirty="0">
                         <a:solidFill>
@@ -19426,43 +20099,10 @@
                           <a:latin typeface="Times New Roman" panose="02020603050405020304" pitchFamily="18" charset="0"/>
                           <a:cs typeface="Times New Roman" panose="02020603050405020304" pitchFamily="18" charset="0"/>
                         </a:rPr>
-                        <a:t>Ratio of k (</a:t>
+                        <a:t>Ratio of k (VUV to EUV</a:t>
                       </a:r>
                       <a:r>
                         <a:rPr lang="en-US" sz="1400" u="none" strike="noStrike" baseline="0" dirty="0" smtClean="0">
-                          <a:solidFill>
-                            <a:srgbClr val="0070C0"/>
-                          </a:solidFill>
-                          <a:effectLst/>
-                          <a:latin typeface="Times New Roman" panose="02020603050405020304" pitchFamily="18" charset="0"/>
-                          <a:cs typeface="Times New Roman" panose="02020603050405020304" pitchFamily="18" charset="0"/>
-                        </a:rPr>
-                        <a:t>VUV to EUV)</a:t>
-                      </a:r>
-                      <a:r>
-                        <a:rPr lang="en-US" sz="1400" u="none" strike="noStrike" dirty="0" smtClean="0">
-                          <a:solidFill>
-                            <a:srgbClr val="0070C0"/>
-                          </a:solidFill>
-                          <a:effectLst/>
-                          <a:latin typeface="Times New Roman" panose="02020603050405020304" pitchFamily="18" charset="0"/>
-                          <a:cs typeface="Times New Roman" panose="02020603050405020304" pitchFamily="18" charset="0"/>
-                        </a:rPr>
-                        <a:t> (CN</a:t>
-                      </a:r>
-                      <a:r>
-                        <a:rPr lang="en-US" sz="1400" u="none" strike="noStrike" baseline="30000" dirty="0" smtClean="0">
-                          <a:solidFill>
-                            <a:srgbClr val="0070C0"/>
-                          </a:solidFill>
-                          <a:effectLst/>
-                          <a:latin typeface="Times New Roman" panose="02020603050405020304" pitchFamily="18" charset="0"/>
-                          <a:cs typeface="Times New Roman" panose="02020603050405020304" pitchFamily="18" charset="0"/>
-                        </a:rPr>
-                        <a:t>-</a:t>
-                      </a:r>
-                      <a:r>
-                        <a:rPr lang="en-US" sz="1400" u="none" strike="noStrike" dirty="0" smtClean="0">
                           <a:solidFill>
                             <a:srgbClr val="0070C0"/>
                           </a:solidFill>
@@ -19595,7 +20235,7 @@
           <a:graphicData uri="http://schemas.openxmlformats.org/presentationml/2006/ole">
             <mc:AlternateContent xmlns:mc="http://schemas.openxmlformats.org/markup-compatibility/2006">
               <mc:Choice xmlns:v="urn:schemas-microsoft-com:vml" Requires="v">
-                <p:oleObj spid="_x0000_s3909" name="Graph" r:id="rId3" imgW="4754880" imgH="3108960" progId="Origin50.Graph">
+                <p:oleObj spid="_x0000_s3945" name="Graph" r:id="rId3" imgW="4754880" imgH="3108960" progId="Origin50.Graph">
                   <p:embed/>
                 </p:oleObj>
               </mc:Choice>
@@ -19650,560 +20290,6 @@
 </p:sld>
 </file>
 
-<file path=ppt/slides/slide26.xml><?xml version="1.0" encoding="utf-8"?>
-<p:sld xmlns:a="http://schemas.openxmlformats.org/drawingml/2006/main" xmlns:r="http://schemas.openxmlformats.org/officeDocument/2006/relationships" xmlns:p="http://schemas.openxmlformats.org/presentationml/2006/main">
-  <p:cSld>
-    <p:spTree>
-      <p:nvGrpSpPr>
-        <p:cNvPr id="1" name=""/>
-        <p:cNvGrpSpPr/>
-        <p:nvPr/>
-      </p:nvGrpSpPr>
-      <p:grpSpPr>
-        <a:xfrm>
-          <a:off x="0" y="0"/>
-          <a:ext cx="0" cy="0"/>
-          <a:chOff x="0" y="0"/>
-          <a:chExt cx="0" cy="0"/>
-        </a:xfrm>
-      </p:grpSpPr>
-      <p:sp>
-        <p:nvSpPr>
-          <p:cNvPr id="2" name="標題 1"/>
-          <p:cNvSpPr>
-            <a:spLocks noGrp="1"/>
-          </p:cNvSpPr>
-          <p:nvPr>
-            <p:ph type="title"/>
-          </p:nvPr>
-        </p:nvSpPr>
-        <p:spPr/>
-        <p:txBody>
-          <a:bodyPr>
-            <a:normAutofit/>
-          </a:bodyPr>
-          <a:lstStyle/>
-          <a:p>
-            <a:r>
-              <a:rPr lang="en-HK" dirty="0" smtClean="0">
-                <a:latin typeface="Times New Roman" panose="02020603050405020304" pitchFamily="18" charset="0"/>
-                <a:cs typeface="Times New Roman" panose="02020603050405020304" pitchFamily="18" charset="0"/>
-              </a:rPr>
-              <a:t>3. Energy needed for forming radicals by </a:t>
-            </a:r>
-            <a:r>
-              <a:rPr lang="en-HK" dirty="0">
-                <a:latin typeface="Times New Roman" panose="02020603050405020304" pitchFamily="18" charset="0"/>
-                <a:cs typeface="Times New Roman" panose="02020603050405020304" pitchFamily="18" charset="0"/>
-              </a:rPr>
-              <a:t>EUV </a:t>
-            </a:r>
-            <a:r>
-              <a:rPr lang="en-HK" dirty="0" smtClean="0">
-                <a:latin typeface="Times New Roman" panose="02020603050405020304" pitchFamily="18" charset="0"/>
-                <a:cs typeface="Times New Roman" panose="02020603050405020304" pitchFamily="18" charset="0"/>
-              </a:rPr>
-              <a:t>(40.1 eV) and VUV (</a:t>
-            </a:r>
-            <a:r>
-              <a:rPr lang="en-HK" dirty="0" smtClean="0">
-                <a:solidFill>
-                  <a:srgbClr val="0070C0"/>
-                </a:solidFill>
-                <a:latin typeface="Times New Roman" panose="02020603050405020304" pitchFamily="18" charset="0"/>
-                <a:cs typeface="Times New Roman" panose="02020603050405020304" pitchFamily="18" charset="0"/>
-              </a:rPr>
-              <a:t>9.27</a:t>
-            </a:r>
-            <a:r>
-              <a:rPr lang="en-HK" dirty="0" smtClean="0">
-                <a:latin typeface="Times New Roman" panose="02020603050405020304" pitchFamily="18" charset="0"/>
-                <a:cs typeface="Times New Roman" panose="02020603050405020304" pitchFamily="18" charset="0"/>
-              </a:rPr>
-              <a:t> eV)</a:t>
-            </a:r>
-            <a:endParaRPr lang="en-US" dirty="0">
-              <a:latin typeface="Times New Roman" panose="02020603050405020304" pitchFamily="18" charset="0"/>
-              <a:cs typeface="Times New Roman" panose="02020603050405020304" pitchFamily="18" charset="0"/>
-            </a:endParaRPr>
-          </a:p>
-        </p:txBody>
-      </p:sp>
-      <p:graphicFrame>
-        <p:nvGraphicFramePr>
-          <p:cNvPr id="7" name="內容版面配置區 6"/>
-          <p:cNvGraphicFramePr>
-            <a:graphicFrameLocks noGrp="1"/>
-          </p:cNvGraphicFramePr>
-          <p:nvPr>
-            <p:ph idx="1"/>
-            <p:extLst>
-              <p:ext uri="{D42A27DB-BD31-4B8C-83A1-F6EECF244321}">
-                <p14:modId xmlns:p14="http://schemas.microsoft.com/office/powerpoint/2010/main" val="4000562575"/>
-              </p:ext>
-            </p:extLst>
-          </p:nvPr>
-        </p:nvGraphicFramePr>
-        <p:xfrm>
-          <a:off x="1028700" y="1905000"/>
-          <a:ext cx="7200897" cy="3211521"/>
-        </p:xfrm>
-        <a:graphic>
-          <a:graphicData uri="http://schemas.openxmlformats.org/drawingml/2006/table">
-            <a:tbl>
-              <a:tblPr firstRow="1" bandRow="1">
-                <a:tableStyleId>{5C22544A-7EE6-4342-B048-85BDC9FD1C3A}</a:tableStyleId>
-              </a:tblPr>
-              <a:tblGrid>
-                <a:gridCol w="2400299">
-                  <a:extLst>
-                    <a:ext uri="{9D8B030D-6E8A-4147-A177-3AD203B41FA5}">
-                      <a16:colId xmlns:a16="http://schemas.microsoft.com/office/drawing/2014/main" val="3148882185"/>
-                    </a:ext>
-                  </a:extLst>
-                </a:gridCol>
-                <a:gridCol w="2400299">
-                  <a:extLst>
-                    <a:ext uri="{9D8B030D-6E8A-4147-A177-3AD203B41FA5}">
-                      <a16:colId xmlns:a16="http://schemas.microsoft.com/office/drawing/2014/main" val="2229743084"/>
-                    </a:ext>
-                  </a:extLst>
-                </a:gridCol>
-                <a:gridCol w="2400299">
-                  <a:extLst>
-                    <a:ext uri="{9D8B030D-6E8A-4147-A177-3AD203B41FA5}">
-                      <a16:colId xmlns:a16="http://schemas.microsoft.com/office/drawing/2014/main" val="1174113647"/>
-                    </a:ext>
-                  </a:extLst>
-                </a:gridCol>
-              </a:tblGrid>
-              <a:tr h="796187">
-                <a:tc>
-                  <a:txBody>
-                    <a:bodyPr/>
-                    <a:lstStyle/>
-                    <a:p>
-                      <a:pPr algn="ctr"/>
-                      <a:r>
-                        <a:rPr lang="en-US" sz="2400" dirty="0" smtClean="0">
-                          <a:latin typeface="Times New Roman" panose="02020603050405020304" pitchFamily="18" charset="0"/>
-                          <a:cs typeface="Times New Roman" panose="02020603050405020304" pitchFamily="18" charset="0"/>
-                        </a:rPr>
-                        <a:t>Radicals                  species</a:t>
-                      </a:r>
-                      <a:endParaRPr lang="en-US" sz="2400" dirty="0">
-                        <a:latin typeface="Times New Roman" panose="02020603050405020304" pitchFamily="18" charset="0"/>
-                        <a:cs typeface="Times New Roman" panose="02020603050405020304" pitchFamily="18" charset="0"/>
-                      </a:endParaRPr>
-                    </a:p>
-                  </a:txBody>
-                  <a:tcPr marL="90325" marR="90325" anchor="ctr"/>
-                </a:tc>
-                <a:tc>
-                  <a:txBody>
-                    <a:bodyPr/>
-                    <a:lstStyle/>
-                    <a:p>
-                      <a:pPr algn="ctr"/>
-                      <a:r>
-                        <a:rPr lang="en-HK" sz="2400" dirty="0" smtClean="0">
-                          <a:latin typeface="Times New Roman" panose="02020603050405020304" pitchFamily="18" charset="0"/>
-                          <a:cs typeface="Times New Roman" panose="02020603050405020304" pitchFamily="18" charset="0"/>
-                        </a:rPr>
-                        <a:t>CH</a:t>
-                      </a:r>
-                      <a:r>
-                        <a:rPr lang="en-HK" sz="2400" baseline="-25000" dirty="0" smtClean="0">
-                          <a:latin typeface="Times New Roman" panose="02020603050405020304" pitchFamily="18" charset="0"/>
-                          <a:cs typeface="Times New Roman" panose="02020603050405020304" pitchFamily="18" charset="0"/>
-                        </a:rPr>
-                        <a:t>4</a:t>
-                      </a:r>
-                      <a:endParaRPr lang="en-US" sz="2400" baseline="-25000" dirty="0">
-                        <a:latin typeface="Times New Roman" panose="02020603050405020304" pitchFamily="18" charset="0"/>
-                        <a:cs typeface="Times New Roman" panose="02020603050405020304" pitchFamily="18" charset="0"/>
-                      </a:endParaRPr>
-                    </a:p>
-                  </a:txBody>
-                  <a:tcPr marL="90325" marR="90325" anchor="ctr"/>
-                </a:tc>
-                <a:tc>
-                  <a:txBody>
-                    <a:bodyPr/>
-                    <a:lstStyle/>
-                    <a:p>
-                      <a:pPr algn="ctr"/>
-                      <a:r>
-                        <a:rPr lang="en-HK" sz="2400" dirty="0" smtClean="0">
-                          <a:latin typeface="Times New Roman" panose="02020603050405020304" pitchFamily="18" charset="0"/>
-                          <a:cs typeface="Times New Roman" panose="02020603050405020304" pitchFamily="18" charset="0"/>
-                        </a:rPr>
-                        <a:t>NH</a:t>
-                      </a:r>
-                      <a:r>
-                        <a:rPr lang="en-HK" sz="2400" baseline="-25000" dirty="0" smtClean="0">
-                          <a:latin typeface="Times New Roman" panose="02020603050405020304" pitchFamily="18" charset="0"/>
-                          <a:cs typeface="Times New Roman" panose="02020603050405020304" pitchFamily="18" charset="0"/>
-                        </a:rPr>
-                        <a:t>3</a:t>
-                      </a:r>
-                      <a:endParaRPr lang="en-US" sz="2400" baseline="-25000" dirty="0">
-                        <a:latin typeface="Times New Roman" panose="02020603050405020304" pitchFamily="18" charset="0"/>
-                        <a:cs typeface="Times New Roman" panose="02020603050405020304" pitchFamily="18" charset="0"/>
-                      </a:endParaRPr>
-                    </a:p>
-                  </a:txBody>
-                  <a:tcPr marL="90325" marR="90325" anchor="ctr"/>
-                </a:tc>
-                <a:extLst>
-                  <a:ext uri="{0D108BD9-81ED-4DB2-BD59-A6C34878D82A}">
-                    <a16:rowId xmlns:a16="http://schemas.microsoft.com/office/drawing/2014/main" val="4089148868"/>
-                  </a:ext>
-                </a:extLst>
-              </a:tr>
-              <a:tr h="796187">
-                <a:tc>
-                  <a:txBody>
-                    <a:bodyPr/>
-                    <a:lstStyle/>
-                    <a:p>
-                      <a:pPr algn="ctr"/>
-                      <a:r>
-                        <a:rPr lang="en-HK" sz="2400" dirty="0" smtClean="0">
-                          <a:latin typeface="Times New Roman" panose="02020603050405020304" pitchFamily="18" charset="0"/>
-                          <a:cs typeface="Times New Roman" panose="02020603050405020304" pitchFamily="18" charset="0"/>
-                        </a:rPr>
-                        <a:t>- 1 H</a:t>
-                      </a:r>
-                      <a:endParaRPr lang="en-US" sz="2400" dirty="0">
-                        <a:latin typeface="Times New Roman" panose="02020603050405020304" pitchFamily="18" charset="0"/>
-                        <a:cs typeface="Times New Roman" panose="02020603050405020304" pitchFamily="18" charset="0"/>
-                      </a:endParaRPr>
-                    </a:p>
-                  </a:txBody>
-                  <a:tcPr marL="90325" marR="90325" anchor="ctr"/>
-                </a:tc>
-                <a:tc>
-                  <a:txBody>
-                    <a:bodyPr/>
-                    <a:lstStyle/>
-                    <a:p>
-                      <a:pPr algn="ctr"/>
-                      <a:r>
-                        <a:rPr lang="en-HK" sz="2400" dirty="0" smtClean="0">
-                          <a:latin typeface="Times New Roman" panose="02020603050405020304" pitchFamily="18" charset="0"/>
-                          <a:cs typeface="Times New Roman" panose="02020603050405020304" pitchFamily="18" charset="0"/>
-                        </a:rPr>
-                        <a:t>4.55 eV</a:t>
-                      </a:r>
-                      <a:endParaRPr lang="en-US" sz="2400" dirty="0">
-                        <a:latin typeface="Times New Roman" panose="02020603050405020304" pitchFamily="18" charset="0"/>
-                        <a:cs typeface="Times New Roman" panose="02020603050405020304" pitchFamily="18" charset="0"/>
-                      </a:endParaRPr>
-                    </a:p>
-                  </a:txBody>
-                  <a:tcPr marL="90325" marR="90325" anchor="ctr"/>
-                </a:tc>
-                <a:tc>
-                  <a:txBody>
-                    <a:bodyPr/>
-                    <a:lstStyle/>
-                    <a:p>
-                      <a:pPr algn="ctr"/>
-                      <a:r>
-                        <a:rPr lang="en-HK" sz="2400" dirty="0" smtClean="0">
-                          <a:latin typeface="Times New Roman" panose="02020603050405020304" pitchFamily="18" charset="0"/>
-                          <a:cs typeface="Times New Roman" panose="02020603050405020304" pitchFamily="18" charset="0"/>
-                        </a:rPr>
-                        <a:t>4.67 eV</a:t>
-                      </a:r>
-                      <a:endParaRPr lang="en-US" sz="2400" dirty="0">
-                        <a:latin typeface="Times New Roman" panose="02020603050405020304" pitchFamily="18" charset="0"/>
-                        <a:cs typeface="Times New Roman" panose="02020603050405020304" pitchFamily="18" charset="0"/>
-                      </a:endParaRPr>
-                    </a:p>
-                  </a:txBody>
-                  <a:tcPr marL="90325" marR="90325" anchor="ctr"/>
-                </a:tc>
-                <a:extLst>
-                  <a:ext uri="{0D108BD9-81ED-4DB2-BD59-A6C34878D82A}">
-                    <a16:rowId xmlns:a16="http://schemas.microsoft.com/office/drawing/2014/main" val="3250587630"/>
-                  </a:ext>
-                </a:extLst>
-              </a:tr>
-              <a:tr h="796187">
-                <a:tc>
-                  <a:txBody>
-                    <a:bodyPr/>
-                    <a:lstStyle/>
-                    <a:p>
-                      <a:pPr algn="ctr"/>
-                      <a:r>
-                        <a:rPr lang="en-HK" sz="2400" dirty="0" smtClean="0">
-                          <a:latin typeface="Times New Roman" panose="02020603050405020304" pitchFamily="18" charset="0"/>
-                          <a:cs typeface="Times New Roman" panose="02020603050405020304" pitchFamily="18" charset="0"/>
-                        </a:rPr>
-                        <a:t>-2 H</a:t>
-                      </a:r>
-                      <a:endParaRPr lang="en-US" sz="2400" dirty="0">
-                        <a:latin typeface="Times New Roman" panose="02020603050405020304" pitchFamily="18" charset="0"/>
-                        <a:cs typeface="Times New Roman" panose="02020603050405020304" pitchFamily="18" charset="0"/>
-                      </a:endParaRPr>
-                    </a:p>
-                  </a:txBody>
-                  <a:tcPr marL="90325" marR="90325" anchor="ctr"/>
-                </a:tc>
-                <a:tc>
-                  <a:txBody>
-                    <a:bodyPr/>
-                    <a:lstStyle/>
-                    <a:p>
-                      <a:pPr algn="ctr"/>
-                      <a:r>
-                        <a:rPr lang="en-HK" sz="2400" dirty="0" smtClean="0">
-                          <a:latin typeface="Times New Roman" panose="02020603050405020304" pitchFamily="18" charset="0"/>
-                          <a:cs typeface="Times New Roman" panose="02020603050405020304" pitchFamily="18" charset="0"/>
-                        </a:rPr>
-                        <a:t>4.78 eV</a:t>
-                      </a:r>
-                      <a:endParaRPr lang="en-US" sz="2400" dirty="0">
-                        <a:latin typeface="Times New Roman" panose="02020603050405020304" pitchFamily="18" charset="0"/>
-                        <a:cs typeface="Times New Roman" panose="02020603050405020304" pitchFamily="18" charset="0"/>
-                      </a:endParaRPr>
-                    </a:p>
-                  </a:txBody>
-                  <a:tcPr marL="90325" marR="90325" anchor="ctr"/>
-                </a:tc>
-                <a:tc>
-                  <a:txBody>
-                    <a:bodyPr/>
-                    <a:lstStyle/>
-                    <a:p>
-                      <a:pPr algn="ctr"/>
-                      <a:r>
-                        <a:rPr lang="en-HK" sz="2400" dirty="0" smtClean="0">
-                          <a:latin typeface="Times New Roman" panose="02020603050405020304" pitchFamily="18" charset="0"/>
-                          <a:cs typeface="Times New Roman" panose="02020603050405020304" pitchFamily="18" charset="0"/>
-                        </a:rPr>
-                        <a:t>4.38  eV</a:t>
-                      </a:r>
-                      <a:endParaRPr lang="en-US" sz="2400" dirty="0">
-                        <a:latin typeface="Times New Roman" panose="02020603050405020304" pitchFamily="18" charset="0"/>
-                        <a:cs typeface="Times New Roman" panose="02020603050405020304" pitchFamily="18" charset="0"/>
-                      </a:endParaRPr>
-                    </a:p>
-                  </a:txBody>
-                  <a:tcPr marL="90325" marR="90325" anchor="ctr"/>
-                </a:tc>
-                <a:extLst>
-                  <a:ext uri="{0D108BD9-81ED-4DB2-BD59-A6C34878D82A}">
-                    <a16:rowId xmlns:a16="http://schemas.microsoft.com/office/drawing/2014/main" val="36223453"/>
-                  </a:ext>
-                </a:extLst>
-              </a:tr>
-              <a:tr h="796187">
-                <a:tc>
-                  <a:txBody>
-                    <a:bodyPr/>
-                    <a:lstStyle/>
-                    <a:p>
-                      <a:pPr algn="ctr"/>
-                      <a:r>
-                        <a:rPr lang="en-HK" sz="2400" dirty="0" smtClean="0">
-                          <a:latin typeface="Times New Roman" panose="02020603050405020304" pitchFamily="18" charset="0"/>
-                          <a:cs typeface="Times New Roman" panose="02020603050405020304" pitchFamily="18" charset="0"/>
-                        </a:rPr>
-                        <a:t>-3 H</a:t>
-                      </a:r>
-                      <a:endParaRPr lang="en-US" sz="2400" dirty="0">
-                        <a:latin typeface="Times New Roman" panose="02020603050405020304" pitchFamily="18" charset="0"/>
-                        <a:cs typeface="Times New Roman" panose="02020603050405020304" pitchFamily="18" charset="0"/>
-                      </a:endParaRPr>
-                    </a:p>
-                  </a:txBody>
-                  <a:tcPr marL="90325" marR="90325" anchor="ctr"/>
-                </a:tc>
-                <a:tc>
-                  <a:txBody>
-                    <a:bodyPr/>
-                    <a:lstStyle/>
-                    <a:p>
-                      <a:pPr algn="ctr"/>
-                      <a:r>
-                        <a:rPr lang="en-HK" sz="2400" dirty="0" smtClean="0">
-                          <a:solidFill>
-                            <a:srgbClr val="0070C0"/>
-                          </a:solidFill>
-                          <a:latin typeface="Times New Roman" panose="02020603050405020304" pitchFamily="18" charset="0"/>
-                          <a:cs typeface="Times New Roman" panose="02020603050405020304" pitchFamily="18" charset="0"/>
-                        </a:rPr>
-                        <a:t>9.19 eV</a:t>
-                      </a:r>
-                      <a:endParaRPr lang="en-US" sz="2400" dirty="0">
-                        <a:solidFill>
-                          <a:srgbClr val="0070C0"/>
-                        </a:solidFill>
-                        <a:latin typeface="Times New Roman" panose="02020603050405020304" pitchFamily="18" charset="0"/>
-                        <a:cs typeface="Times New Roman" panose="02020603050405020304" pitchFamily="18" charset="0"/>
-                      </a:endParaRPr>
-                    </a:p>
-                  </a:txBody>
-                  <a:tcPr marL="90325" marR="90325" anchor="ctr"/>
-                </a:tc>
-                <a:tc>
-                  <a:txBody>
-                    <a:bodyPr/>
-                    <a:lstStyle/>
-                    <a:p>
-                      <a:pPr algn="ctr"/>
-                      <a:r>
-                        <a:rPr lang="en-HK" sz="2400" dirty="0" smtClean="0">
-                          <a:solidFill>
-                            <a:srgbClr val="0070C0"/>
-                          </a:solidFill>
-                          <a:latin typeface="Times New Roman" panose="02020603050405020304" pitchFamily="18" charset="0"/>
-                          <a:cs typeface="Times New Roman" panose="02020603050405020304" pitchFamily="18" charset="0"/>
-                        </a:rPr>
-                        <a:t>7.</a:t>
-                      </a:r>
-                      <a:r>
-                        <a:rPr lang="en-HK" sz="2400" baseline="0" dirty="0" smtClean="0">
-                          <a:solidFill>
-                            <a:srgbClr val="0070C0"/>
-                          </a:solidFill>
-                          <a:latin typeface="Times New Roman" panose="02020603050405020304" pitchFamily="18" charset="0"/>
-                          <a:cs typeface="Times New Roman" panose="02020603050405020304" pitchFamily="18" charset="0"/>
-                        </a:rPr>
-                        <a:t>63 eV</a:t>
-                      </a:r>
-                      <a:endParaRPr lang="en-US" sz="2400" dirty="0">
-                        <a:solidFill>
-                          <a:srgbClr val="0070C0"/>
-                        </a:solidFill>
-                        <a:latin typeface="Times New Roman" panose="02020603050405020304" pitchFamily="18" charset="0"/>
-                        <a:cs typeface="Times New Roman" panose="02020603050405020304" pitchFamily="18" charset="0"/>
-                      </a:endParaRPr>
-                    </a:p>
-                  </a:txBody>
-                  <a:tcPr marL="90325" marR="90325" anchor="ctr"/>
-                </a:tc>
-                <a:extLst>
-                  <a:ext uri="{0D108BD9-81ED-4DB2-BD59-A6C34878D82A}">
-                    <a16:rowId xmlns:a16="http://schemas.microsoft.com/office/drawing/2014/main" val="1330999748"/>
-                  </a:ext>
-                </a:extLst>
-              </a:tr>
-            </a:tbl>
-          </a:graphicData>
-        </a:graphic>
-      </p:graphicFrame>
-      <p:sp>
-        <p:nvSpPr>
-          <p:cNvPr id="4" name="投影片編號版面配置區 3"/>
-          <p:cNvSpPr>
-            <a:spLocks noGrp="1"/>
-          </p:cNvSpPr>
-          <p:nvPr>
-            <p:ph type="sldNum" sz="quarter" idx="12"/>
-          </p:nvPr>
-        </p:nvSpPr>
-        <p:spPr/>
-        <p:txBody>
-          <a:bodyPr/>
-          <a:lstStyle/>
-          <a:p>
-            <a:fld id="{B646D8CA-B2C0-41A8-8514-369D0B0735D6}" type="slidenum">
-              <a:rPr lang="zh-TW" altLang="en-US" sz="2000" smtClean="0"/>
-              <a:t>26</a:t>
-            </a:fld>
-            <a:endParaRPr lang="zh-TW" altLang="en-US" sz="2000" dirty="0"/>
-          </a:p>
-        </p:txBody>
-      </p:sp>
-      <p:sp>
-        <p:nvSpPr>
-          <p:cNvPr id="3" name="矩形 2"/>
-          <p:cNvSpPr/>
-          <p:nvPr/>
-        </p:nvSpPr>
-        <p:spPr>
-          <a:xfrm>
-            <a:off x="3707904" y="5100848"/>
-            <a:ext cx="4104456" cy="338554"/>
-          </a:xfrm>
-          <a:prstGeom prst="rect">
-            <a:avLst/>
-          </a:prstGeom>
-        </p:spPr>
-        <p:txBody>
-          <a:bodyPr wrap="square">
-            <a:spAutoFit/>
-          </a:bodyPr>
-          <a:lstStyle/>
-          <a:p>
-            <a:pPr lvl="2"/>
-            <a:r>
-              <a:rPr lang="en-HK" sz="2400" baseline="-25000" dirty="0" smtClean="0">
-                <a:latin typeface="Times New Roman" panose="02020603050405020304" pitchFamily="18" charset="0"/>
-                <a:cs typeface="Times New Roman" panose="02020603050405020304" pitchFamily="18" charset="0"/>
-              </a:rPr>
-              <a:t>Quoted </a:t>
-            </a:r>
-            <a:r>
-              <a:rPr lang="en-HK" sz="2400" baseline="-25000" dirty="0">
-                <a:latin typeface="Times New Roman" panose="02020603050405020304" pitchFamily="18" charset="0"/>
-                <a:cs typeface="Times New Roman" panose="02020603050405020304" pitchFamily="18" charset="0"/>
-              </a:rPr>
-              <a:t>from </a:t>
-            </a:r>
-            <a:r>
-              <a:rPr lang="en-HK" sz="2400" baseline="-25000" dirty="0" err="1">
-                <a:latin typeface="Times New Roman" panose="02020603050405020304" pitchFamily="18" charset="0"/>
-                <a:cs typeface="Times New Roman" panose="02020603050405020304" pitchFamily="18" charset="0"/>
-              </a:rPr>
-              <a:t>Kundu</a:t>
-            </a:r>
-            <a:r>
-              <a:rPr lang="en-HK" sz="2400" baseline="-25000" dirty="0">
-                <a:latin typeface="Times New Roman" panose="02020603050405020304" pitchFamily="18" charset="0"/>
-                <a:cs typeface="Times New Roman" panose="02020603050405020304" pitchFamily="18" charset="0"/>
-              </a:rPr>
-              <a:t> et al. (2017</a:t>
-            </a:r>
-            <a:r>
-              <a:rPr lang="en-HK" sz="2400" baseline="-25000" dirty="0" smtClean="0">
-                <a:latin typeface="Times New Roman" panose="02020603050405020304" pitchFamily="18" charset="0"/>
-                <a:cs typeface="Times New Roman" panose="02020603050405020304" pitchFamily="18" charset="0"/>
-              </a:rPr>
-              <a:t>)</a:t>
-            </a:r>
-            <a:endParaRPr lang="en-HK" sz="2400" baseline="-25000" dirty="0">
-              <a:latin typeface="Times New Roman" panose="02020603050405020304" pitchFamily="18" charset="0"/>
-              <a:cs typeface="Times New Roman" panose="02020603050405020304" pitchFamily="18" charset="0"/>
-            </a:endParaRPr>
-          </a:p>
-        </p:txBody>
-      </p:sp>
-    </p:spTree>
-    <p:extLst>
-      <p:ext uri="{BB962C8B-B14F-4D97-AF65-F5344CB8AC3E}">
-        <p14:creationId xmlns:p14="http://schemas.microsoft.com/office/powerpoint/2010/main" val="882420126"/>
-      </p:ext>
-    </p:extLst>
-  </p:cSld>
-  <p:clrMapOvr>
-    <a:masterClrMapping/>
-  </p:clrMapOvr>
-  <p:timing>
-    <p:tnLst>
-      <p:par>
-        <p:cTn id="1" dur="indefinite" restart="never" nodeType="tmRoot"/>
-      </p:par>
-    </p:tnLst>
-  </p:timing>
-</p:sld>
-</file>
-
 <file path=ppt/slides/slide27.xml><?xml version="1.0" encoding="utf-8"?>
 <p:sld xmlns:a="http://schemas.openxmlformats.org/drawingml/2006/main" xmlns:r="http://schemas.openxmlformats.org/officeDocument/2006/relationships" xmlns:p="http://schemas.openxmlformats.org/presentationml/2006/main">
   <p:cSld>
@@ -20238,7 +20324,11 @@
           <a:p>
             <a:r>
               <a:rPr lang="en-HK" dirty="0" smtClean="0"/>
-              <a:t>Combined results</a:t>
+              <a:t>3. Combined </a:t>
+            </a:r>
+            <a:r>
+              <a:rPr lang="en-HK" dirty="0" smtClean="0"/>
+              <a:t>results</a:t>
             </a:r>
             <a:endParaRPr lang="en-US" dirty="0"/>
           </a:p>
@@ -20254,14 +20344,14 @@
             <p:ph idx="1"/>
             <p:extLst>
               <p:ext uri="{D42A27DB-BD31-4B8C-83A1-F6EECF244321}">
-                <p14:modId xmlns:p14="http://schemas.microsoft.com/office/powerpoint/2010/main" val="2852638419"/>
+                <p14:modId xmlns:p14="http://schemas.microsoft.com/office/powerpoint/2010/main" val="1705071374"/>
               </p:ext>
             </p:extLst>
           </p:nvPr>
         </p:nvGraphicFramePr>
         <p:xfrm>
-          <a:off x="1650351" y="1809750"/>
-          <a:ext cx="5904656" cy="2520279"/>
+          <a:off x="1798505" y="1208504"/>
+          <a:ext cx="5904656" cy="3360372"/>
         </p:xfrm>
         <a:graphic>
           <a:graphicData uri="http://schemas.openxmlformats.org/drawingml/2006/table">
@@ -20277,14 +20367,14 @@
                     </a:ext>
                   </a:extLst>
                 </a:gridCol>
-                <a:gridCol w="1606535">
+                <a:gridCol w="1980250">
                   <a:extLst>
                     <a:ext uri="{9D8B030D-6E8A-4147-A177-3AD203B41FA5}">
                       <a16:colId xmlns:a16="http://schemas.microsoft.com/office/drawing/2014/main" val="2423941493"/>
                     </a:ext>
                   </a:extLst>
                 </a:gridCol>
-                <a:gridCol w="1772546">
+                <a:gridCol w="1398831">
                   <a:extLst>
                     <a:ext uri="{9D8B030D-6E8A-4147-A177-3AD203B41FA5}">
                       <a16:colId xmlns:a16="http://schemas.microsoft.com/office/drawing/2014/main" val="184353165"/>
@@ -20300,16 +20390,154 @@
                     <a:p>
                       <a:pPr algn="ctr" rtl="0" fontAlgn="ctr"/>
                       <a:r>
+                        <a:rPr lang="en-HK" sz="1400" b="0" i="0" u="none" strike="noStrike" dirty="0" smtClean="0">
+                          <a:solidFill>
+                            <a:srgbClr val="0070C0"/>
+                          </a:solidFill>
+                          <a:effectLst/>
+                          <a:latin typeface="Times New Roman" panose="02020603050405020304" pitchFamily="18" charset="0"/>
+                          <a:cs typeface="Times New Roman" panose="02020603050405020304" pitchFamily="18" charset="0"/>
+                        </a:rPr>
+                        <a:t>Ratio of CH</a:t>
+                      </a:r>
+                      <a:r>
+                        <a:rPr lang="en-HK" sz="1400" b="0" i="0" u="none" strike="noStrike" baseline="-25000" dirty="0" smtClean="0">
+                          <a:solidFill>
+                            <a:srgbClr val="0070C0"/>
+                          </a:solidFill>
+                          <a:effectLst/>
+                          <a:latin typeface="Times New Roman" panose="02020603050405020304" pitchFamily="18" charset="0"/>
+                          <a:cs typeface="Times New Roman" panose="02020603050405020304" pitchFamily="18" charset="0"/>
+                        </a:rPr>
+                        <a:t>4 </a:t>
+                      </a:r>
+                      <a:r>
+                        <a:rPr lang="en-HK" sz="1400" b="0" i="0" u="none" strike="noStrike" dirty="0" smtClean="0">
+                          <a:solidFill>
+                            <a:srgbClr val="0070C0"/>
+                          </a:solidFill>
+                          <a:effectLst/>
+                          <a:latin typeface="Times New Roman" panose="02020603050405020304" pitchFamily="18" charset="0"/>
+                          <a:cs typeface="Times New Roman" panose="02020603050405020304" pitchFamily="18" charset="0"/>
+                        </a:rPr>
+                        <a:t>+ NH</a:t>
+                      </a:r>
+                      <a:r>
+                        <a:rPr lang="en-HK" sz="1400" b="0" i="0" u="none" strike="noStrike" baseline="-25000" dirty="0" smtClean="0">
+                          <a:solidFill>
+                            <a:srgbClr val="0070C0"/>
+                          </a:solidFill>
+                          <a:effectLst/>
+                          <a:latin typeface="Times New Roman" panose="02020603050405020304" pitchFamily="18" charset="0"/>
+                          <a:cs typeface="Times New Roman" panose="02020603050405020304" pitchFamily="18" charset="0"/>
+                        </a:rPr>
+                        <a:t>3</a:t>
+                      </a:r>
+                      <a:r>
+                        <a:rPr lang="en-HK" sz="1400" b="0" i="0" u="none" strike="noStrike" dirty="0" smtClean="0">
+                          <a:solidFill>
+                            <a:srgbClr val="0070C0"/>
+                          </a:solidFill>
+                          <a:effectLst/>
+                          <a:latin typeface="Times New Roman" panose="02020603050405020304" pitchFamily="18" charset="0"/>
+                          <a:cs typeface="Times New Roman" panose="02020603050405020304" pitchFamily="18" charset="0"/>
+                        </a:rPr>
+                        <a:t> ice mixtures</a:t>
+                      </a:r>
+                      <a:endParaRPr lang="en-US" sz="1400" b="0" i="0" u="none" strike="noStrike" dirty="0">
+                        <a:solidFill>
+                          <a:srgbClr val="0070C0"/>
+                        </a:solidFill>
+                        <a:effectLst/>
+                        <a:latin typeface="Times New Roman" panose="02020603050405020304" pitchFamily="18" charset="0"/>
+                        <a:cs typeface="Times New Roman" panose="02020603050405020304" pitchFamily="18" charset="0"/>
+                      </a:endParaRPr>
+                    </a:p>
+                  </a:txBody>
+                  <a:tcPr marL="6830" marR="6830" marT="6830" marB="0" anchor="ctr"/>
+                </a:tc>
+                <a:tc>
+                  <a:txBody>
+                    <a:bodyPr/>
+                    <a:lstStyle/>
+                    <a:p>
+                      <a:pPr algn="ctr" rtl="0" fontAlgn="ctr"/>
+                      <a:r>
+                        <a:rPr lang="en-US" sz="1400" u="none" strike="noStrike" dirty="0" smtClean="0">
+                          <a:effectLst/>
+                          <a:latin typeface="Times New Roman" panose="02020603050405020304" pitchFamily="18" charset="0"/>
+                          <a:cs typeface="Times New Roman" panose="02020603050405020304" pitchFamily="18" charset="0"/>
+                        </a:rPr>
+                        <a:t>3:2</a:t>
+                      </a:r>
+                      <a:endParaRPr lang="en-US" sz="1400" u="none" strike="noStrike" dirty="0" smtClean="0">
+                        <a:effectLst/>
+                        <a:latin typeface="Times New Roman" panose="02020603050405020304" pitchFamily="18" charset="0"/>
+                        <a:cs typeface="Times New Roman" panose="02020603050405020304" pitchFamily="18" charset="0"/>
+                      </a:endParaRPr>
+                    </a:p>
+                  </a:txBody>
+                  <a:tcPr marL="6830" marR="6830" marT="6830" marB="0" anchor="ctr"/>
+                </a:tc>
+                <a:tc>
+                  <a:txBody>
+                    <a:bodyPr/>
+                    <a:lstStyle/>
+                    <a:p>
+                      <a:pPr algn="ctr" rtl="0" fontAlgn="ctr"/>
+                      <a:r>
+                        <a:rPr lang="en-US" sz="1400" u="none" strike="noStrike" dirty="0" smtClean="0">
+                          <a:effectLst/>
+                          <a:latin typeface="Times New Roman" panose="02020603050405020304" pitchFamily="18" charset="0"/>
+                          <a:cs typeface="Times New Roman" panose="02020603050405020304" pitchFamily="18" charset="0"/>
+                        </a:rPr>
+                        <a:t>1:5</a:t>
+                      </a:r>
+                      <a:endParaRPr lang="en-US" sz="1400" b="0" i="0" u="none" strike="noStrike" dirty="0">
+                        <a:solidFill>
+                          <a:srgbClr val="000000"/>
+                        </a:solidFill>
+                        <a:effectLst/>
+                        <a:latin typeface="Times New Roman" panose="02020603050405020304" pitchFamily="18" charset="0"/>
+                        <a:cs typeface="Times New Roman" panose="02020603050405020304" pitchFamily="18" charset="0"/>
+                      </a:endParaRPr>
+                    </a:p>
+                  </a:txBody>
+                  <a:tcPr marL="6830" marR="6830" marT="6830" marB="0" anchor="ctr"/>
+                </a:tc>
+                <a:extLst>
+                  <a:ext uri="{0D108BD9-81ED-4DB2-BD59-A6C34878D82A}">
+                    <a16:rowId xmlns:a16="http://schemas.microsoft.com/office/drawing/2014/main" val="911816884"/>
+                  </a:ext>
+                </a:extLst>
+              </a:tr>
+              <a:tr h="840093">
+                <a:tc>
+                  <a:txBody>
+                    <a:bodyPr/>
+                    <a:lstStyle/>
+                    <a:p>
+                      <a:pPr algn="ctr" rtl="0" fontAlgn="ctr"/>
+                      <a:r>
                         <a:rPr lang="en-US" sz="1400" u="none" strike="noStrike" baseline="0" dirty="0" smtClean="0">
                           <a:effectLst/>
                         </a:rPr>
-                        <a:t>Ratio of k (VUV to EUV)</a:t>
+                        <a:t>Ratio of k (VUV to EUV</a:t>
                       </a:r>
+                      <a:r>
+                        <a:rPr lang="en-US" sz="1400" u="none" strike="noStrike" baseline="0" dirty="0" smtClean="0">
+                          <a:effectLst/>
+                        </a:rPr>
+                        <a:t>)</a:t>
+                      </a:r>
+                    </a:p>
+                    <a:p>
+                      <a:pPr algn="ctr" rtl="0" fontAlgn="ctr"/>
                       <a:r>
                         <a:rPr lang="en-US" sz="1400" u="none" strike="noStrike" dirty="0" smtClean="0">
                           <a:effectLst/>
                         </a:rPr>
-                        <a:t> (CN</a:t>
+                        <a:t> (production rate of CN</a:t>
                       </a:r>
                       <a:r>
                         <a:rPr lang="en-US" sz="1400" u="none" strike="noStrike" baseline="30000" dirty="0" smtClean="0">
@@ -20418,11 +20646,33 @@
                         </a:rPr>
                         <a:t>Ratio of k (VUV to EUV) </a:t>
                       </a:r>
+                      <a:endParaRPr lang="en-US" sz="1400" u="none" strike="noStrike" baseline="0" dirty="0" smtClean="0">
+                        <a:effectLst/>
+                      </a:endParaRPr>
+                    </a:p>
+                    <a:p>
+                      <a:pPr marL="0" marR="0" indent="0" algn="ctr" defTabSz="685800" rtl="0" eaLnBrk="1" fontAlgn="ctr" latinLnBrk="0" hangingPunct="1">
+                        <a:lnSpc>
+                          <a:spcPct val="100000"/>
+                        </a:lnSpc>
+                        <a:spcBef>
+                          <a:spcPts val="0"/>
+                        </a:spcBef>
+                        <a:spcAft>
+                          <a:spcPts val="0"/>
+                        </a:spcAft>
+                        <a:buClrTx/>
+                        <a:buSzTx/>
+                        <a:buFontTx/>
+                        <a:buNone/>
+                        <a:tabLst/>
+                        <a:defRPr/>
+                      </a:pPr>
                       <a:r>
                         <a:rPr lang="en-US" sz="1400" u="none" strike="noStrike" dirty="0" smtClean="0">
                           <a:effectLst/>
                         </a:rPr>
-                        <a:t>(CH</a:t>
+                        <a:t>(decay rate of CH</a:t>
                       </a:r>
                       <a:r>
                         <a:rPr lang="en-US" sz="1400" u="none" strike="noStrike" baseline="-25000" dirty="0" smtClean="0">
@@ -20563,11 +20813,33 @@
                         </a:rPr>
                         <a:t>Ratio of k (VUV to EUV) </a:t>
                       </a:r>
+                      <a:endParaRPr lang="en-US" sz="1400" u="none" strike="noStrike" baseline="0" dirty="0" smtClean="0">
+                        <a:effectLst/>
+                      </a:endParaRPr>
+                    </a:p>
+                    <a:p>
+                      <a:pPr marL="0" marR="0" indent="0" algn="ctr" defTabSz="685800" rtl="0" eaLnBrk="1" fontAlgn="ctr" latinLnBrk="0" hangingPunct="1">
+                        <a:lnSpc>
+                          <a:spcPct val="100000"/>
+                        </a:lnSpc>
+                        <a:spcBef>
+                          <a:spcPts val="0"/>
+                        </a:spcBef>
+                        <a:spcAft>
+                          <a:spcPts val="0"/>
+                        </a:spcAft>
+                        <a:buClrTx/>
+                        <a:buSzTx/>
+                        <a:buFontTx/>
+                        <a:buNone/>
+                        <a:tabLst/>
+                        <a:defRPr/>
+                      </a:pPr>
                       <a:r>
                         <a:rPr lang="en-US" sz="1400" u="none" strike="noStrike" dirty="0" smtClean="0">
                           <a:effectLst/>
                         </a:rPr>
-                        <a:t>(NH</a:t>
+                        <a:t>(decay rate of NH</a:t>
                       </a:r>
                       <a:r>
                         <a:rPr lang="en-US" sz="1400" u="none" strike="noStrike" baseline="-25000" dirty="0" smtClean="0">
@@ -21789,7 +22061,7 @@
           <a:graphicData uri="http://schemas.openxmlformats.org/presentationml/2006/ole">
             <mc:AlternateContent xmlns:mc="http://schemas.openxmlformats.org/markup-compatibility/2006">
               <mc:Choice xmlns:v="urn:schemas-microsoft-com:vml" Requires="v">
-                <p:oleObj spid="_x0000_s3017" name="Graph" r:id="rId3" imgW="4754880" imgH="3108960" progId="Origin50.Graph">
+                <p:oleObj spid="_x0000_s3053" name="Graph" r:id="rId3" imgW="4754880" imgH="3108960" progId="Origin50.Graph">
                   <p:embed/>
                 </p:oleObj>
               </mc:Choice>
@@ -22483,7 +22755,7 @@
           <a:graphicData uri="http://schemas.openxmlformats.org/presentationml/2006/ole">
             <mc:AlternateContent xmlns:mc="http://schemas.openxmlformats.org/markup-compatibility/2006">
               <mc:Choice xmlns:v="urn:schemas-microsoft-com:vml" Requires="v">
-                <p:oleObj spid="_x0000_s5902" name="Graph" r:id="rId3" imgW="4754880" imgH="3108960" progId="Origin50.Graph">
+                <p:oleObj spid="_x0000_s5938" name="Graph" r:id="rId3" imgW="4754880" imgH="3108960" progId="Origin50.Graph">
                   <p:embed/>
                 </p:oleObj>
               </mc:Choice>
@@ -23136,7 +23408,7 @@
           <a:graphicData uri="http://schemas.openxmlformats.org/presentationml/2006/ole">
             <mc:AlternateContent xmlns:mc="http://schemas.openxmlformats.org/markup-compatibility/2006">
               <mc:Choice xmlns:v="urn:schemas-microsoft-com:vml" Requires="v">
-                <p:oleObj spid="_x0000_s12756" name="Graph" r:id="rId3" imgW="4754880" imgH="3108960" progId="Origin50.Graph">
+                <p:oleObj spid="_x0000_s12792" name="Graph" r:id="rId3" imgW="4754880" imgH="3108960" progId="Origin50.Graph">
                   <p:embed/>
                 </p:oleObj>
               </mc:Choice>
@@ -25447,9 +25719,16 @@
             <p:ph type="title"/>
           </p:nvPr>
         </p:nvSpPr>
-        <p:spPr/>
+        <p:spPr>
+          <a:xfrm>
+            <a:off x="1028700" y="571500"/>
+            <a:ext cx="7719764" cy="1238250"/>
+          </a:xfrm>
+        </p:spPr>
         <p:txBody>
-          <a:bodyPr/>
+          <a:bodyPr>
+            <a:normAutofit fontScale="90000"/>
+          </a:bodyPr>
           <a:lstStyle/>
           <a:p>
             <a:r>
@@ -25457,7 +25736,14 @@
                 <a:latin typeface="Times New Roman" panose="02020603050405020304" pitchFamily="18" charset="0"/>
                 <a:cs typeface="Times New Roman" panose="02020603050405020304" pitchFamily="18" charset="0"/>
               </a:rPr>
-              <a:t>Production mechanism of CN</a:t>
+              <a:t>Production mechanism of </a:t>
+            </a:r>
+            <a:r>
+              <a:rPr lang="en-HK" dirty="0" smtClean="0">
+                <a:latin typeface="Times New Roman" panose="02020603050405020304" pitchFamily="18" charset="0"/>
+                <a:cs typeface="Times New Roman" panose="02020603050405020304" pitchFamily="18" charset="0"/>
+              </a:rPr>
+              <a:t>CN</a:t>
             </a:r>
             <a:r>
               <a:rPr lang="en-HK" baseline="30000" dirty="0" smtClean="0">
@@ -25465,6 +25751,13 @@
                 <a:cs typeface="Times New Roman" panose="02020603050405020304" pitchFamily="18" charset="0"/>
               </a:rPr>
               <a:t>-</a:t>
+            </a:r>
+            <a:r>
+              <a:rPr lang="en-HK" dirty="0" smtClean="0">
+                <a:latin typeface="Times New Roman" panose="02020603050405020304" pitchFamily="18" charset="0"/>
+                <a:cs typeface="Times New Roman" panose="02020603050405020304" pitchFamily="18" charset="0"/>
+              </a:rPr>
+              <a:t> (1 step or 2 step)</a:t>
             </a:r>
             <a:r>
               <a:rPr lang="en-HK" dirty="0">
